--- a/Notes/Locators-2.pptx
+++ b/Notes/Locators-2.pptx
@@ -15,6 +15,9 @@
     <p:sldId id="263" r:id="rId9"/>
     <p:sldId id="264" r:id="rId10"/>
     <p:sldId id="265" r:id="rId11"/>
+    <p:sldId id="266" r:id="rId12"/>
+    <p:sldId id="267" r:id="rId13"/>
+    <p:sldId id="268" r:id="rId14"/>
   </p:sldIdLst>
   <p:sldSz cx="12192000" cy="6858000"/>
   <p:notesSz cx="6858000" cy="9144000"/>
@@ -132,7 +135,7 @@
           <inkml:channelProperty channel="T" name="resolution" value="1" units="1/dev"/>
         </inkml:channelProperties>
       </inkml:inkSource>
-      <inkml:timestamp xml:id="ts0" timeString="2022-11-29T01:41:42.190"/>
+      <inkml:timestamp xml:id="ts0" timeString="2022-11-30T01:40:48.490"/>
     </inkml:context>
     <inkml:brush xml:id="br0">
       <inkml:brushProperty name="width" value="0.05292" units="cm"/>
@@ -145,110 +148,231 @@
       <inkml:brushProperty name="color" value="#0070C0"/>
     </inkml:brush>
   </inkml:definitions>
-  <inkml:trace contextRef="#ctx0" brushRef="#br0">723 564 0,'0'-17'31</inkml:trace>
-  <inkml:trace contextRef="#ctx0" brushRef="#br0" timeOffset="3922.46">3563 617 0,'0'-17'0,"35"-1"15,-35 0 17,0 1-1,0-1-31,0 1 16,0-1-1,0-17 1,0-1-1,0 19 1,0-1 0,-17 36 15,17-1-31,-18 36 16,0 53-1,1 0 1,-36 70 15,0-52-15,-18 35-1,54-142-15,-36 54 16,35-18 0,-17-36-1,0-17 1,17-70-1,0-1 1,18 54-16,-17-125 16,17 37-1,0 16 1,0 19 0,0 52-1,17 18 1,36 53 15,-17 18-15,34 52-1,-35-52 1,18 17 0,0-53-1,53-17 1,-35-18-1,-1-53 1,18-18 0,-35 1-1,0-36 1,-35 35 0,-18 54-1,0 70 16,0 17 1,-18-17-17,18 35 1,-17-52 0,17-19-1,-18-17 16,18-17-15,-18-1-16,18-35 16</inkml:trace>
-  <inkml:trace contextRef="#ctx0" brushRef="#br0" timeOffset="4164.31">3898 617 0,'18'0'78,"-1"0"-63,1 0-15,0 0 16</inkml:trace>
-  <inkml:trace contextRef="#ctx0" brushRef="#br0" timeOffset="4839.68">4269 758 0,'-18'0'32,"0"0"-17,18 18 1,0 35-1,0-35-15,0 17 16,0-17-16,0 52 16,-17 18-1,17-52 1,-18-1 0,18-17-1,-18-18 1,18-18-1,0 0 1,0-35 0,18-17-1,35-36 1,0 18 0,35 17-1,0 36 1,-35 35-1,-18 35 1,-17 18 0,-18 35-1,0-17 1,0-36-16,0 18 16,-18-35-16,18 17 15,-17-35 1,17 18-1,0-36 32,0 0-31,0 1-16,0-19 0</inkml:trace>
-  <inkml:trace contextRef="#ctx0" brushRef="#br0" timeOffset="5705.73">4921 529 0,'0'0'0,"0"-17"0,0 34 47,0 1-32,0 17 1,0-17-16,0 35 16,0 52-1,0-16 1,-35-1 0,17-18-1,18-17 1,-17-53-1,17-17 17,0-36-17,0 35-15,0-17 16,0 17-16,35-52 16,36-1-1,-19 18 1,-16 36 15,-19 17-15,-17 35 15,0-18-31,0 19 16,-35-1-1,0-17 1,0-18-1,-1 0 1,1 0 0,17-18-1,18 36 17,0 35-17,18-1 1,17 1-1,-35-35 1,36 35 0,16-18-1,-16-35 1,34 0 0,-34 0-1,-1-35 1,-18 0-1,1-1 1,-18 1 0,0 0-1,0 17 1</inkml:trace>
-  <inkml:trace contextRef="#ctx0" brushRef="#br0" timeOffset="6406.14">5838 547 0,'0'0'16,"-17"0"-16,17-18 15,17 18 17,1-17-17,35 17-15,106-18 16,-53 0 15,35 18-15,-35 0-1,-71 0-15,18 0 16,-36 0 0,-70 0 15,1 18-16,34-18-15,-35 18 16</inkml:trace>
-  <inkml:trace contextRef="#ctx0" brushRef="#br0" timeOffset="6739.67">6174 529 0,'0'0'0,"0"18"15,-18-18 1,0 35 0,18 0-1,-17 54 1,17 16 0,-18-69-16,18 69 15,-18 19 1,1-18-1,17-71 1,0 0 0,0-52 31,0-1-47,17 0 15</inkml:trace>
-  <inkml:trace contextRef="#ctx0" brushRef="#br0" timeOffset="7223.07">6350 1023 0,'18'0'16,"-1"0"-16,1-18 15,0 18-15,17-17 16,0-36 0,-17 35-16,17-17 15,-17-18 1,-18 18 0,0 17-1,-36 0 1,-17 18 15,36 0-31,-36 53 16,18 18-1,17 52 1,18-52 0,0 0-1,0-36 1,53 0-1,0-35 1,17 0 0,1-35-1,17-18 1,-53 35 0</inkml:trace>
-  <inkml:trace contextRef="#ctx0" brushRef="#br0" timeOffset="7539.12">6862 776 0,'0'0'0,"17"0"16,1 0-16,-1 0 16,1 0-1,17 53 1,18 18-1,0 17 1,-18-18 0,-35-52-16,53 53 15,-35-54 1,-18 1 0,0-36 15,0 1-16,0-1-15,0 0 16</inkml:trace>
-  <inkml:trace contextRef="#ctx0" brushRef="#br0" timeOffset="7823.1">7250 758 0,'-18'0'31,"0"0"-31,1 0 0,-1 36 16,-35 17-1,-35 52 1,17-34 0,54-36-16,-54 36 15,54-18 1,34-53 46,18-35-46</inkml:trace>
-  <inkml:trace contextRef="#ctx0" brushRef="#br0" timeOffset="8223.7">7479 547 0,'0'-18'16,"0"36"-16,0-53 0,0 52 46,0 1-30,0 35 0,-18 17-1,1 71 1,-1-35 0,-17 0-1,35-18 1,0-52-1,35-19 1,-17-17 0,17-17-1,0-36 1,-17 35-16</inkml:trace>
-  <inkml:trace contextRef="#ctx0" brushRef="#br0" timeOffset="8505.29">7497 723 0,'0'0'15,"0"-17"-15,17 17 0,54 0 16,-1 0 0,-17 0-1,-53-18 32</inkml:trace>
-  <inkml:trace contextRef="#ctx0" brushRef="#br0" timeOffset="10038.84">9296 582 0,'0'0'15,"17"0"-15,-17-18 0,0 1 16,0-1 15,-17 18 1,-1 0-32,-17 35 15,-36 36 1,54-53-16,-54 70 15,-35 88 1,36-70 0,-36 35-1,18-53 1,35-52 0,17-36-1,1 0 1,35-36 15,0-17-15,-18-52-1,18 16 1,0-16 0,18 87-16,17-35 15,-17 35 1,17 18-1,18 71 1,-17 35 0,16 0-1,-16-1 1,-1-69 0,36-1-1,-1-35 1,18 0-1,36-53 17,-54 0-17,1-17 1,-36-1 0,-17 0-1,-18 54 1,0 34 15,-18 54-15,1 17-1,-1-17 1,18-1 0,0-52-16,0 0 15,35-18 1,36 0-1,-18-18 17,0-35-17,-1 0 1,-52-35 0,0-36-1,-17 54 1,-54-1-1,36 71 1,-36 0 0,36 53-1,35-35-15,-35 70 16,35-17 0,0-1-1,0-17 1,18-35 15,-1-18-31,18 0 0</inkml:trace>
-  <inkml:trace contextRef="#ctx0" brushRef="#br0" timeOffset="10423.25">10037 829 0,'0'-18'0,"0"36"0,0-53 15,0 17 1,-18 18 0,0 0-16,-35 0 15,0 71 1,18-18 15,0 52-15,17-34-1,18 17 1,18-35 0,52-35-1,36-18 1,-18 0-1,36 0 1,-89-18-16</inkml:trace>
-  <inkml:trace contextRef="#ctx0" brushRef="#br0" timeOffset="11023.94">10583 900 0,'0'-18'0,"0"36"0,0-54 0,0-17 15,0 36 1,-35-19 0,17 36-1,-35 0 1,1 53 0,-19 18-1,53 35 1,1 0-1,17-53 1,0 17 0,53-70 15,0 0-15,-1-18-1,-52 1-15,53-54 16,-17 1-1,-36-36 17,17 35-17,-17 18 1,0 36 0,0 87 15,0 18-16,0-17 1,0 17 0,0-35-1,36-18 1,-1-35 0,0 0-1,53-17 1,-17-54 15,-36 54-31</inkml:trace>
-  <inkml:trace contextRef="#ctx0" brushRef="#br0" timeOffset="11372.98">11218 441 0,'0'0'0,"-53"35"31,36-35-31,-1 71 16,0-1 0,18-52-16,-35 105 15,18-34 1,-1 34-1,0-52 17,18-18-17,0-18 1,53-35 15,-18-53-15</inkml:trace>
-  <inkml:trace contextRef="#ctx0" brushRef="#br0" timeOffset="11888.66">11342 758 0,'0'18'31,"-18"0"-31,1 35 32,17-36-32,-18 54 15,0 17 1,18-35 0,0 0-1,53-35 1,18-1-1,-18-17 1,-18 0-16,0-17 16,36-54-1,-54 0 1,-17-34 0,0 34-1,0 53-15,-53-35 16,18 53 15,-18 0-15,18 36-1,0 17 1,17 0 0,18-18-1,0-18 1,53-17-1</inkml:trace>
-  <inkml:trace contextRef="#ctx0" brushRef="#br0" timeOffset="12505.16">11765 882 0,'0'0'0,"-18"-18"0,1 18 15,17-17 1,0-36 0,35 35-1,18 0 1,0 18-1,0 0 1,-35 0-16,17 36 16,0 52-1,0 0 1,-17 0 0,-18-35-1,0-17 1,0-19-1,-18-17 32,18-17-31,0-36 0,0 35-16,53-35 15,0-53 1,18 18-1,17 0 1,-18 53 0,-70 17-1</inkml:trace>
-  <inkml:trace contextRef="#ctx0" brushRef="#br0" timeOffset="12960.55">10883 564 0,'0'0'0,"18"0"32,35 0-32,-18 0 15,141-35 1,-87 35 0,-54 0-16,106 0 15,-70 0 1,-19 0-1,-52-17 1,18 17 0</inkml:trace>
-  <inkml:trace contextRef="#ctx0" brushRef="#br0" timeOffset="13921.4">3104 1711 0,'0'0'0,"-17"0"31,34 0 16,1 0-47,0 0 0,52 0 16,-34 0-16,87 0 16,53 0-1,195 0 1,17 0-1,-18 0 17,142 18-17,211-1 1,-264 19 0,35-36-1,-336 0-15,513 17 16,-36-17-1,-318 18 1</inkml:trace>
-  <inkml:trace contextRef="#ctx0" brushRef="#br0" timeOffset="14196.12">11483 4480 0,'18'0'16,"17"0"-16,18 0 15,-18 0 1,-17-17 15,-1 17 47</inkml:trace>
-  <inkml:trace contextRef="#ctx0" brushRef="#br0" timeOffset="23587.8">2505 2981 0,'0'-18'0,"0"36"0,0-53 15,0 17 1,0 0 0,0 1-1,0-1 1,0 36-1,0 17 1,0-17-16,0 52 16,0 18-1,0 36 1,0-1 0,0-70-1,-18-35-15,18 52 16,0-52-1,0-36 32,0-17-31,0 18-16,35-19 0</inkml:trace>
-  <inkml:trace contextRef="#ctx0" brushRef="#br0" timeOffset="23903.6">2910 2805 0,'18'0'31,"-18"17"-31,0 54 16,0-54-16,0 72 15,0 34 1,0 18 15,0-70-15,0-1 0,-18-52-1,1-18 1,17-18-1</inkml:trace>
-  <inkml:trace contextRef="#ctx0" brushRef="#br0" timeOffset="24669.66">2558 3210 0,'0'0'0,"-18"0"0,36 0 32,-1 0-17,36 0 1,-35 0-16,70-17 16,35-19-1,-17 19 1,0-19-1,-18 1 1,18 18 0,-88 17-1,-18 17 17,-35 18-17,17 36 1,18 0-1,-18-54-15,18 71 16,0-17 15,0-18-15,36-36 0,34 1-1,1-18 1,-54 0-16,89-53 15,-35 0 1,-36-35 0,-35 18-1,0-36 1,-88 18 0,35 52-1,-35 36 1,17 18-1,18 70 1,18 0 0,-18 18 15,53-71-31,0 36 16,0-1-1,53-52 1,35 0-1,-17-18 1,-18-18-16</inkml:trace>
-  <inkml:trace contextRef="#ctx0" brushRef="#br0" timeOffset="25386.78">3969 3157 0,'0'0'16,"17"-17"0,-17 34 15,0 19-15,-35 69-1,35-87-15,-18 70 16,1 18-1,17-53 1,0-18 0,17-35-1,19-17 1,-1-19 0,0-52-1,1 35 1,-1-35-1,0 35 1,-17 53 0,-1 0 15,-17 53-15,18 18-1,0-1 1,17-17-1,18-35 1,17-1 0,19-17-1,-19-53 1,-35 1 0,-35-37-1,0 1 1,-52-35-1,16 105 1,19 0-16,-1 18 16,-17 0 15,35 18 0,0 0-31,17-18 16,72 0-1</inkml:trace>
-  <inkml:trace contextRef="#ctx0" brushRef="#br0" timeOffset="25938.13">5891 2946 0,'18'0'0,"-18"-18"0,0-17 32,0 52 14,-35 89-14,35-70-32,-18 34 0,0 36 31,-17 0-15,35-36-1,0-17 1,18-53 31,-18-17-47,53-36 15</inkml:trace>
-  <inkml:trace contextRef="#ctx0" brushRef="#br0" timeOffset="26436.68">6227 3052 0,'0'0'0,"0"17"47,-18 1-31,0 17-1,18 53 1,0-35-1,0 35 1,0-70-16,0 17 16,36 1-1,16-36 1,19 0 0,17-71-1,-35 18 1,-18-53-1,-35 89-15,0-19 16,-70-52 0,17 71 15,-18 17-15,18 0-1,18 0 1,35 17-1,-17-17 17</inkml:trace>
-  <inkml:trace contextRef="#ctx0" brushRef="#br0" timeOffset="26785.78">5644 2928 0,'18'0'15,"0"0"-15,-1 0 16,89 0-1,0-18 1,-71 18-16,53-17 16,1 17-1,17-36 1,-89 36 0,18-17-1,-17 17 1</inkml:trace>
-  <inkml:trace contextRef="#ctx0" brushRef="#br0" timeOffset="27670.06">8308 2928 0,'0'0'0,"0"-18"16,-18 18 15,1 0-15,-1 0 0,18 18-16,-18 35 15,1 0 1,-1 35-1,18-17 1,0-18 0,18-18 15,-1-18-15,1-17-16,35 0 15,-18-35 1,18-18-1,-35 18 1,-18-18-16</inkml:trace>
-  <inkml:trace contextRef="#ctx0" brushRef="#br0" timeOffset="27920.41">8361 2699 0,'0'0'0,"-18"-18"0,1 18 31,17 18 47,0-1-78,17-17 16,1 18-16</inkml:trace>
-  <inkml:trace contextRef="#ctx0" brushRef="#br0" timeOffset="28704.05">9207 3087 0,'0'0'16,"0"-18"-16,18 1 0,-18-1 15,0-17 1,0-18 0,-53 17-1,36 19-15,-72-19 16,19 36 0,-18 0-1,-1 36 1,-16 34-1,87-34-15,-17 17 16,17 35 0,18-18-1,53-17 17,18-53-17,-1 0 1,36-17-1,-88-1-15,52-35 16,36-35 0,-53 17-1,-18-52 1,0-1 0,-35 36-1,0 35 1,-17 124 15,-1-54-15,0 36-16,1 71 31,-1-36-15,1-53-16,17 53 15,0-17 1,17 0-1,18-36 1,18-35 0,18 0-1,-71-18-15,53-17 16</inkml:trace>
-  <inkml:trace contextRef="#ctx0" brushRef="#br0" timeOffset="29218.95">9543 3104 0,'17'0'31,"1"0"-15,0 0-16,34-17 16,19-18-1,-18-1 1,-35 1 0,-18-18-1,0 35 1,-71 18-1,18 18 1,0 17 0,0 36-1,53-53 1,0 17 0,0 71-1,0-53 1,71-36-1,-1 1 1,54-18 0,17-35-1,-35-18 1,-89 35-16</inkml:trace>
-  <inkml:trace contextRef="#ctx0" brushRef="#br0" timeOffset="29769.12">10336 2910 0,'-17'0'31,"-1"0"-15,0 36 0,1 34-1,-1-17 1,18 18-1,-17-54-15,17 36 16,-18 0 0,0-35-1,1-18 17,17-18-17,0 1-15,0-36 16,17-18-1,54-17 1,-18 35 0,17 0 15,1 35-15,-18 36-1,-18 35 1,-17 18-1,-18-1 1,0-17 0,0 18-1,-18-36 1,0-18 0,18-34 15,0-1-16</inkml:trace>
-  <inkml:trace contextRef="#ctx0" brushRef="#br0" timeOffset="30354.32">11024 2681 0,'0'0'0,"0"-18"16,-17 18-16,-1 0 15,-17 53 1,-1 18 0,19 35-1,-1-18 1,1-70-16,-1 70 15,18-18 1,35 1 0,0-53 15,-17-1-31,35-17 16,35 0-1,0-35 1,-17-18-1,-36-18 1,18 1 0,-18 52-1,-35 1-15,0 34 32,0 19-17,0 34 1,0-17-1,0 0 1,18-35 0,53-18-1,-18-18 17,-1-17-17</inkml:trace>
-  <inkml:trace contextRef="#ctx0" brushRef="#br0" timeOffset="30549.59">11589 2716 0</inkml:trace>
-  <inkml:trace contextRef="#ctx0" brushRef="#br0" timeOffset="31803.08">10619 2857 0,'17'0'47,"1"0"-31,17 0-16,53-17 15,-52 17-15,69 0 16,37-18 0,-54 18-1,-53 0 1,-17 0-1,-1-17 1,19 17 0</inkml:trace>
-  <inkml:trace contextRef="#ctx0" brushRef="#br0" timeOffset="32802.55">11571 2787 0,'18'0'32,"-18"-18"-17,17 18-15,-17-17 16,0-1-16,0 0 15,0 1 1,0-1 0,-17 36 15,17-1-15,-18 19-1,18-19 1,0 1-1,0 17 1,0-17 0</inkml:trace>
-  <inkml:trace contextRef="#ctx0" brushRef="#br0" timeOffset="34435.28">11465 3193 0,'0'17'0,"0"1"16,0 0 15,18-18-15,0 0-16,-1 0 15,1 0-15,35-18 16,70-17-1,1-18 1,-54 17 0,18-34-1,-52 17 1,-36 35-16,0-52 16,0 17-1,0 35 1,-36 18 15,-16 71-15,52-54-16,-18 36 31,-35 71-15,18-18-1,-1 88 1,19-53-1,-19 53 1,19 17 0,17-105-1,0 0 1,35-53 0,18-53-1,53-53 1,-36-17-1,19-36 1,-54 0 0,-17-53-1,-18 0 1,-71 71 15,-70-18-15,70 89-1,18 17 1,36-18 0,52 18 15,-17 0-31,88-18 16,-18-17-1,53-35 1,-53 34-1,0-34 1,-35 17 0,-53 18-1,18-1 17,-18 54 14,0 0-46,0-1 16,0 1-16,0 52 16,0-34-1,0-1 1,53-17 0,0-18-1,0 0 1,17-53-1,-52 0 1,35 0 0,-18 0-1,-35 18 17,0-1-17,0 54 16,0 35-15,-35 18 0,17 17-1,0 70 1,18-122-16,0 122 16,0-34-1,-17 35 1,17-36-1,0 71 1,17-88 0,-17 0-1,0-71 17,-17-35-17,-19 0 1,1-70-1,0-54 1,17-88 0</inkml:trace>
-  <inkml:trace contextRef="#ctx0" brushRef="#br0" timeOffset="34568.83">12577 3598 0,'17'-70'16,"-34"140"-16,69-246 16,1 52-1,-35 89-15,0-18 16,35-17-1,-18 52 1,-35-17 0</inkml:trace>
-  <inkml:trace contextRef="#ctx0" brushRef="#br0" timeOffset="36935.37">14076 3122 0,'0'18'31,"17"-18"63,1 0-94,0-18 0,17-17 15,18 0 1,17-36-1,-34-17 1,-19 35 0,-17 18-16,0-54 15,0 36 17,0 36-17,-53 52 16,36 36-15,-1-36-16,1 88 16,17-17-1,0-35 1,0 17 0,35-35-1,35-35 1,1-18-1,35-36 1,-36 1 0,19-36-1,-19-17 17,-52 18-17,17-54 1,-35 54-1,0 34 1,0 54 15,-35 35-15,35-35-16,-18 87 16,0-16-1,1-19 1,-1 1-1,1-54 1,17 1 0,0-36 31,0 1-32,17-36 1,54-18-1,-18 18 1,-36 53-16,54-17 16,-36 17-1,-17 0 1,-18 35 0,0 18-1,0 0 1,0 0-1,17-53-15,19 35 16,17-35 0,35 0-1,-18 0 17,36-53-17,0 0 1,-35 0-1,-71-17 1,0 17 0,0 17-1,-36 36 17,1 36-17,-18 34 1,53 1-1,0-18 1,0 17 0,35-52-1,-17-18 1,53 0-16,-1 0 31,36-35-15,-18-18-1,-35 18 1,-35-18 0,-18 35-16,0 0 15</inkml:trace>
-  <inkml:trace contextRef="#ctx0" brushRef="#br0" timeOffset="37401.69">13988 2946 0,'70'0'16,"-52"0"-1,17 0-15,106-18 16,-106 0-16,36 18 16,-36 0-16,54-35 15,-72 35 1,36 0 0,-18 0-1,-17-18 16,0 18-31</inkml:trace>
-  <inkml:trace contextRef="#ctx0" brushRef="#br0" timeOffset="38735.04">17321 2805 0,'0'0'0,"0"-18"16,0 0-1,0-17 1,0 0 0,0 17-16,0-35 15,18 0 1,-18 36 0,0-1-1,0 36 16,0-1-31,-35 36 16,17-18-16,-35 89 16,18-18-1,-18 17 17,0-52-17,-17 35 1,17-53-1,0-36 1,35-17 0,18-35-1,-18-18 1,18-18 0,0-17-1,18 18 1,-18-1-1,18 53 1,-1 18 0,-17 18-1,0 0 1,36 35 0,-1 17-1,18-17 1,0 0-1,17-35 1,36-18 0,18 0-1,-36-36 1,0-16 0,-53-1-1,1-18 1,-19 18-1,-17 18 1,0 88 15,-17 0-15,-19 0 15,36-36-31,0 1 16,0 0-1,-17-1 1,-1-17 15,18-17-15,0-36 0,0 35-16,0 0 0</inkml:trace>
-  <inkml:trace contextRef="#ctx0" brushRef="#br0" timeOffset="38948.12">17709 2646 0,'0'0'0,"0"-18"31,0 1-31,0 34 63,18-17-48,-18 18-15</inkml:trace>
-  <inkml:trace contextRef="#ctx0" brushRef="#br0" timeOffset="39551.69">17956 2716 0,'0'18'0,"0"0"16,0-1-16,0 1 16,0 35-1,0-36-15,-17 54 16,17 0-1,0-18 1,-36-1 0,36-34-1,-17-18 1,17-18 31,0 1-47,0-18 15,0-36 1,17 53-16,19-35 16,52-35-1,-70 71 1,70-36 0,35 17-1,-70 36 1,-18 71-1,-35-1 1,0 36 0,0-53-1,-17-17 1,17-19 15,0-34 16,17-1-47,-17 0 0,18 1 16</inkml:trace>
-  <inkml:trace contextRef="#ctx0" brushRef="#br0" timeOffset="40400.98">18838 2487 0,'0'-18'0,"0"36"0,0-18 47,0 18-47,-17 52 16,17-34-16,-18 52 15,0 35 1,1-52-1,-19 17 1,19-53 0,-18-17-1,35 0 1,-18-18 15,18-36-15,0 19-1,18-54 1,34 18 0,37-70-1,-19 70 1,1 17 0,-36 36-1,-35 36 16,0-19-31,-35 19 16,-18-19 0,-18-17-1,54 18 1,-1-18 15,0 0-15,18 18 15,0 17-15,18 0-1,0 18 1,-1-35-16,1 35 16,35-18-1,-18-17 1,18-1-1,-18-17 1,1 0 0,-1 0-1,-17-17-15,17-1 32,-18 0-17,1 1 1,17-36-1,36 17 1</inkml:trace>
-  <inkml:trace contextRef="#ctx0" brushRef="#br0" timeOffset="41018.05">20285 2752 0,'0'0'16,"0"-18"-1,0 0 1,0-17-1,0 0 1,-18-18 0,18 18-1,0-36 1,0 18 0,35 0-1,-17 36-15,53-1 16,70-17-1,-53 35 1,35 0 0,-70 35-1,-35 53 17,-18-70-32,-35 88 15,-54 17 1,19-52-1,-36 34 1,53-52 0,35-53-16,-34 53 15,34-35 1,0 0 0,18-1 15</inkml:trace>
-  <inkml:trace contextRef="#ctx0" brushRef="#br0" timeOffset="41576.94">20338 3422 0,'0'35'15,"0"-17"1,0-1-16,17-17 31,1 0-31,0 0 0,-1 0 16,18-35-1,-35 0 1,0 0 0,0 17-1,-17 18 17,-1 0-17,1 18 1,17 17-1,0-17 1,35-18 15,-18 0-31,1 0 16,-18-18 0,0-17-1,0 17 1,0 0-1,-18 18 32,1 0-31</inkml:trace>
-  <inkml:trace contextRef="#ctx0" brushRef="#br1" timeOffset="50600.54">1799 5062 0,'0'0'15,"-17"0"-15,-1 0 16,0 0-16,1 0 16,-54 0-1,53 0 1,-17 0-16,17 0 16,-34 0-1,34 0-15,0 0 16,54 0 15,-1 0-31,35 0 16,89 0-1,-18-17 1,-105 17-16,158-36 16,-53 36-1,0-17 1,-71 17-1,-34-18 1,-36 1 15,-18 17-15,0-18-16,1 0 16</inkml:trace>
-  <inkml:trace contextRef="#ctx0" brushRef="#br1" timeOffset="51100.55">2364 4604 0,'0'0'16,"-18"0"-16,0 0 16,18 17 15,0 1-31,36 17 15,-19-17-15,89 70 16,0-35 0,17-18-1,-34-35 1,-1 0 0,-53-35 15,-35 0-16,-18 35 1,-52-18 0,17 18-1,-53 71 1,-17 52 0,-1 18-1,54-53 1,34 1-1,36-54 1,0-17 0,0-36 31</inkml:trace>
-  <inkml:trace contextRef="#ctx0" brushRef="#br1" timeOffset="51765.99">3933 4674 0,'0'18'31,"0"0"-31,0-1 16,0 54-16,0 105 31,0-52-16,0-89-15,-17 53 16,17-70-16,-18 70 16,18-70-1,0-36 32,0 0-47,0 1 0,0-19 16,0 19-16,0-1 0</inkml:trace>
-  <inkml:trace contextRef="#ctx0" brushRef="#br1" timeOffset="52482.81">3898 4815 0,'0'0'15,"0"-17"-15,0-1 16,0-17 0,0 0-1,53 17 1,-35 0-16,35 18 16,35 0-1,-18 71 1,-34-18-1,-19 35 1,-17-17 0,0-54-16,-70 54 15,17-18 1,0-36 0,18-17 15,35-53 0,35 18-15,-17 17-16,17 1 15,35-1 1,1 18 0,-18 35-1,0 36 1,-18 0-1,-35-54-15,0 71 16,-53-17 0,-17-18-1,-19-18 1,-16-17 0,69-18-1,-34 0 1,-1 0-1,36 0 1,17-18 0,18-17-1,0 17 1,53 1 0,-35-1-16,35 0 15</inkml:trace>
-  <inkml:trace contextRef="#ctx0" brushRef="#br1" timeOffset="53032.9">4551 5062 0,'0'0'0,"0"-17"0,17 17 0,-17-18 16,0 0 15,0 36-15,0 53-1,0-1 1,0 1 0,0-18-1,0-18 1,36-35-1,-19 0-15,72-18 16,-1-17 0,-18-18-1,-17-17 1,-17-1 0,-19 18 15,-17 35-31,18-17 15,-18 18 1,0 52 15,0-18-31,0 54 16,0 35 0,-18 35-1,1 18 1,-19-18-1,36-88 1</inkml:trace>
-  <inkml:trace contextRef="#ctx0" brushRef="#br1" timeOffset="53383.46">4815 6121 0,'-35'106'15,"35"-89"-15,35-140 0,-105 317 16,70-159-16,-53 71 16,18-53-1,17-53 16,-17 0-15,17-18-16,-17-35 16,0-70-1,-1-54 1,36-34 0,0-19-1,0 89 1,18 106-16,17-71 15,18 53 1,18 18 0,17 0-1,-18 17 1,19 0 15,-72 1-15,1 17-16</inkml:trace>
-  <inkml:trace contextRef="#ctx0" brushRef="#br1" timeOffset="54532.77">4921 5627 0,'0'17'15,"0"1"1,0 0 0,0-1-1,0 19 1,0 17 0,0-36-16,-17 36 15,-19 18 1,36-36-1,0-17 1</inkml:trace>
-  <inkml:trace contextRef="#ctx0" brushRef="#br1" timeOffset="55249.08">6826 4710 0,'0'-18'16,"0"0"-16,0-17 31,0 17-15,0 1-16,0-1 15,-17 18 1,-1 0 0,-17 53-1</inkml:trace>
-  <inkml:trace contextRef="#ctx0" brushRef="#br1" timeOffset="56116.4">6650 5045 0,'0'53'16,"-18"-36"-16,-35 89 16,0-35-1,0-1 1,18-52 15,18-18-31,-1 0 16,-17-35-1,17-36 1,18 0 0,0-52-1,0 35 1,0-18 0,35 71-1,-17 35 1,17 35-1,18 71 1,0 0 0,0-18-1,-53-71-15,70 54 16,-34-36 0,34-35-1,-17 0 16,35-35-15,1-36 0,-19 1-1,-52 35-15,17-71 16,-17 53 0,-1 0-1,-17 71 16,0 17-15,0 0-16,0 53 16,0 1-1,0-37 1,36 1 0,-1-35 15,35-18-16,-34-18 1,34-35 0,-17 1-1,-35-19 1,-18 0 0,-53 1-1,-35-1 1,35 71-1,0 0 1,35 18 0,18 0-1,0 17 1,18-35 0,17 0-1</inkml:trace>
-  <inkml:trace contextRef="#ctx0" brushRef="#br1" timeOffset="56981.6">6809 4657 0,'0'-18'16,"17"18"-16,-17-18 0,18 18 15,-18-17 1,0-1 0,0-17-1,0 17 1,0 1-1,18 17-15,-18-18 16,0 0 0,-18 71 15,0 18-15,-17 70-1,17-106 1,-17 71-1,-53 35 1,53-53 0,-1-17-1,19-54 1</inkml:trace>
-  <inkml:trace contextRef="#ctx0" brushRef="#br1" timeOffset="58016.27">7726 4904 0,'0'0'0,"17"-18"16,-17 0-1,0 1 1,-17 17 0,-18 17-1,-18 36 16,35 18-15,18 17 0,0-70-16,0 52 15,0 18 1,35-35 0,18-35-1,18-18 1,35 0-1,-54-35 1,-16 17-16,34-35 16,-34-17-1,-19-19 1,-17-34 0,0 52-1,-70-17 16,52 70-31,-53 1 16,-17 34 0,18 54-1,17 0 1,35 17 0,18-35-1,0 0 1,71-53-1</inkml:trace>
-  <inkml:trace contextRef="#ctx0" brushRef="#br1" timeOffset="58800.12">8502 4568 0,'0'0'0,"0"-17"16,0 34 15,0 1-31,-18 53 16,1 34-1,-1 1 1,-17 18-1,17-18 1,0-89-16,1 36 16,-1-35-1,18-1 1,0-52 15,18-18-15,-18 36-1,53-72 1,17 1 0,-17 18-1,18 34 1,-54 36 0,-34 53 15,-54-17-16,1-19 1,34-17 0,19 0-1,17 18 32,0 0-47,0 34 16,17 19 15,1-18-15,17-18-1,18-17 1,-35-1-16,35-17 16,17 0-1,-17-35 1,-17 0-1,-19 0 1,-17 17-16,0 0 16</inkml:trace>
-  <inkml:trace contextRef="#ctx0" brushRef="#br1" timeOffset="61065.66">10195 4957 0,'0'0'0,"18"-18"0,35-70 31,-36 70-31,-17 0 0,0 1 16,0-54-1,0 18 1,-17 53-16,-54-17 16,-35 17-1,-35 17 1,53 36 0,-18 35-1,53 18 16,36 35-15,17-70 0,53-36-1,17-17 1,18-18 0,54-53-1,-54 0 1,35-35-1,-52-18 1,-71 18 0,0 17-1,-18 89 32,0 70-47,18 0 16,0 18 15,0-53-15,0-35-16,53 35 15,36-53 1,-19 0 0,1-18-1,-18-35 1,0 0-1,-36-35 1,1 0 0,-18 70-1,0 71 17,0 35-17,-18-17 16,18-54-31,-17 54 16,17-36 0,17-52 31,-17-1-32,18-35 1,35-35-1,0 0 1,-18 52 0,0 19-1,-17 34 1,-18 1-16,35 35 16,-35-35-16,35 52 15,-17 1 1,35-18 15,0-18-15,0-18-1,0-17 1,0-17 0,0-36-1,35-35 1,-18 17-1,36-52 1,-18 52 0,-70 53-16,52 1 15,1 17 1,-53 35 0,-1 18-1,-17 18 1,18 34 15,-18-122 0,18-1-15,-18-17 0,0 0-1,-36-36 1,19 53-16,-19-17 15,-34 35 1,17 0 0,-18 35-1,1 54 1,35-1 0,17 0-1,18-35 1,0-18 15,53-17-15,0-18-1,0 0 1,-36-18-16,54-35 16,-18 0-1,0-52 1,0-37-1,0 37 1,-18-54 0,-18 88-1,-17 1 1,-35 87 15,0 72-15,0 52 15,35-106-31,-18 88 16,18 36-1,0-71 1,35-17 0,53-36-1,36-35 1,-18-35-1,-18-36 1,-53 18 0,-17 18-16</inkml:trace>
-  <inkml:trace contextRef="#ctx0" brushRef="#br1" timeOffset="62215.86">13353 4780 0,'17'0'15,"-17"18"-15,18-18 16,0 0-1,-1 0-15,1 0 16,52-18 0,19-35-1,-1 0 1,-18 18 0,-52 17-16,17-52 15,-35-18 16,0 17-15,-17-17 0,-1 53-1,-17 35 1,-18 88 0,17 18-1,36-18 1,-17 88-1,-18 18 1,17 18 0,0-18-1,-17 0 1,17-35 0,18-36-1,18-17 16,0-88-31,52-1 16,1-17 0,35-35-1,-1-36 1,-16-52 0,-54 0-1,-35 87-15,0-87 16,0 70-16,-53-141 15,-35 70 1,-18 19 0,35 69-1,54 36 1,34 0 31,19 0-47,17 0 31,0 0-15,-18-17-1,18-19 1,-53 19-16,35-19 16</inkml:trace>
-  <inkml:trace contextRef="#ctx0" brushRef="#br1" timeOffset="62681.94">14199 4710 0,'18'0'16,"0"0"-1,-1 0-15,1 0 16,35 0-16,17-36 31,-34 19-15,-1-1-1,-35 0 1,0 1 0,-35 17-1,-18 0 1,35 0-16,-53 53 15,36 0 1,0 35 0,35 0-1,0-35 1,53-18 0,-36-35-16,36 0 15,53 0 16,-18-53-15,-35 0 0,-17 18-16</inkml:trace>
-  <inkml:trace contextRef="#ctx0" brushRef="#br1" timeOffset="63481.91">14764 4674 0,'17'0'15,"1"0"-15,0 0 16,17 0 0,18-35-1,-18 0 1,-17-1 15,-18 1-15,-18 18-1,-52 17 1,34 17 0,1 18-1,0 36 1,35-36-16,0 18 15,0 35 1,0-35 0,35-35-1,36-18 1,-1 0 0,1-35-1,17-18 1,18-35 15,-18-18-15,-35 0-1,-18 0 1,-17 0 0,-18 71-1,-18 35 16,-17 88-15,0 18 0,-1-18-1,36-53-15,-17 71 16,17-35 0,0 17-1,35-53 1,53-17 15,-17-18-15,-18-18-1,-1-35 1,-16 0 0,-19 36-16</inkml:trace>
-  <inkml:trace contextRef="#ctx0" brushRef="#br1" timeOffset="63682.07">15610 4762 0,'0'18'0,"0"-36"0,-17 36 32,-1-18-1,0 0 0,18-18-15,-35 18-16</inkml:trace>
-  <inkml:trace contextRef="#ctx0" brushRef="#br1" timeOffset="64714.91">1094 7020 0,'0'0'0,"-18"0"0,0 0 0,-35 0 31,36 0-31,-19 0 16,54 0 15,0 0-16,-1 0-15,89 0 16,88 0 0,-17 0-1,70 0 1,-106 0 0,-88 0-16,52 0 15,-69 0 1,-19 0 15,-17-35 0,-17 35-15,-1-18-16,0-17 16</inkml:trace>
-  <inkml:trace contextRef="#ctx0" brushRef="#br1" timeOffset="65240.09">1764 6597 0,'0'0'0,"0"18"0,0-1 0,0 36 15,18 18 1,-1-54-1,36 36 1,35 0 0,0-35-1,-17-18 1,0 0 0,-19-18-1,-16-17 1,-89 17 15,-18 18-15,1 36-1,-1 34 1,1 18 0,-1 0-1,53-52-15,-34 87 16,34-52 15,0-18-15,18-36-1,0-34 32</inkml:trace>
-  <inkml:trace contextRef="#ctx0" brushRef="#br1" timeOffset="67631.64">3792 6456 0,'0'0'0,"-17"35"31,17-17-31,0 17 15,0 18 1,35-18 0,0-17-1,-17-18-15,70-18 16,-17-17 0,17-53-1,-35 35 16,-18-35-15,-35 52 0,0 19-16,-35 17 31,17 53-15,18 88-1,0 0 1,0-35-1,0-71-15,0 71 16,0-36 0,0-34-1,-35-19 1,17-17 0,-35-35-1,36 35-15,-36-71 16,17 36 15,1-18-15,35 36-1,-17 17 1,17 17-16,0 19 16,52 34-1,19-17 1,0-35-1,-1-1 1,36-17 0,-18-53-1,-53 53-15,71-88 16,-18 18 0,-17-72-1,-36 19 1,-17 17 15,-18 53-15,0 141 15,-35 1-15,35-54-16,-18 71 15,0 17 1,18-52-1,0-54-15,0 36 16,36-53 0,34 0-1,1-17 1,-54-19 0,-17-34-1,0 52-15</inkml:trace>
-  <inkml:trace contextRef="#ctx0" brushRef="#br1" timeOffset="67848.57">4533 6667 0,'35'0'15,"-17"0"1,0 0-16,35 0 15,17-17 1,1-1 0,-54 18-16,54-17 15,-53 17-15,-1-18 16,1 18 0</inkml:trace>
-  <inkml:trace contextRef="#ctx0" brushRef="#br1" timeOffset="71197.56">6279 6632 0,'18'0'0,"0"0"16,52-88 15,-52 70-31,17-17 16,-17 17-16,52-52 15,-52 17 1,-18 18-1,-88 35 1,17 0 0,-35 53-1,71-18 1,18 18 0,17 0-1,52 0 1,37 0 15,-72-36-31,36 1 16,-35-1-16,17 36 15,-35-17 1,-18-1 0,-52 0-1,-1-17 1,-17-18-1,53 0-15,-36-35 16,18-18 0,36-36-1,-1 19 1,0-1 0,18 54-16,0 34 46,36 54-30,-1-1 0,18 19-1,0-36 1,17 0 0,-52-53-16,70 0 15,-17-18 1,52-35-1,-35-18 1,18-52 0,-53-18-1,-35 106-15,-18-54 16,0 1 0,0 71-1,-18 17 1,-17 52 15,17 37-15,18-54-16,0 106 15,-17-35 1,-1-18 0,18-17-1,0-54 1,18-34 15,17-36-15,-17-18-1,35 1 1,-18-1 0,-18 71-1,1 0-15,17 0 16,-17 53 15,0 17-15,-18 1-1,53-36 1,17-17 0,-52 0-16,35-18 15,35 0 1,-18-53-1,-52 17 1,35-34 0,-35-1-1,-18-17 1,17 70-16,-17 1 16,0 52 15,0 36-16,0-54 1,0 54 0,0-1-1,18-17 1,17-35 0,36-18-1,-1 0 1,-17-18-1,-35 18-15,35-53 16,-36 0 0,-17-35-1,-17 0 1,-54-18 0,18 71-1,-17 17 1,-1 54 15,36 17-15,17 70-1,18-52 1,0 34 0,0-87-16,18 35 15,52-18 1,1-35-1,0 0 1,17-35 0,35-36-1,-35-17 1,-35-18 0,-35 53-1,-18 36 1,0 52 15,0-17-15,-18 52-1,18 1 1,0-18 0,18-18-1,35-17 1,17-18-1,-17-18 1,0-35 0,-17 0-1,-36 0 1,0-35 0,17 35-1,-17 36-15,0-1 16,0 53 15,0 36 0,0-1-15,0 1 0,0-54-16,35 36 15,1-35 1,17-18-1,-18 0 1,35-18 0,19-52-1,-72 52-15,36-52 16,18-54 0,-18 1-1,-36 52 1,-17 1 15,0 52-15,-53 18-1,18 53 1,18 17 0,-1 54-1,18-1 1,0-34-1,88-1 1,-17-71 0,70 1-1,17-18 1,-52-18 0,18-35-1,-36-35 1,-70-18-1,-18 1 17,-18 69-17,-53 19 1,1 17 0,52 17-16,-35 19 15,18 52 1,17 0-1,1-17 1,17-1 0,17-35-1,19-35 1,17 0 0,0-35-1,-1-18 1,1-70-1,0 35 17,0-89-17,-35 89 1,-18 35 0,-35 71 15,-1 52-16,19-52-15,-19 105 16,36-17 0,0 35-1,0-53 1,53-35 0,18-35-1,-1-18 1,-17-18 15,18-35-15,-71-17-1,17 52-15</inkml:trace>
-  <inkml:trace contextRef="#ctx0" brushRef="#br1" timeOffset="71779.52">11007 6650 0,'17'0'15,"19"-18"1,-36 1-16,17-1 16,36-53-1,-53 54-15,53-71 16,-18-18 15,-17 0-15,-18 35-1,0 18 1,-35 53 0,-36 0-1,53 71 1,1 17-1,17-70-15</inkml:trace>
-  <inkml:trace contextRef="#ctx0" brushRef="#br1" timeOffset="72397.87">12400 6597 0,'0'0'0,"-635"35"15,212 18 1,335-53 0,105 0 15,19 0-31,34-70 15,-35 17 1,1-36 15,-36 72-31,0-36 16,0 18 0,17 35 30,19 17-30,16-17 0,1 0-1,36-35 1,-19 17 0,-35-17-1,-17 0 1,-18 17-16,0 1 15,-18-1 17,-52 18-17,52 18 1,-35 52 0,36 36-1,17-18 1,0-17-1,53-54 1,17 1 0,1-18-1,-1-18 1,-17-52 0,-18 52-1,-17-35 1,-18 36-1</inkml:trace>
-  <inkml:trace contextRef="#ctx0" brushRef="#br1" timeOffset="74014.11">11236 6244 0,'18'0'0,"35"-70"31,-36 52-15,-17 0-16,0 1 15,0-1-15,0 0 16,-17 1-1,-19 17 1,1 0 0,-18 17-1,0 36 1,0 18 0,18 35-1,17-18 1,1 53-1,17-53 17,35-35-17,-17-35-15,70-1 16,0-17 0,35 0-1,-17-53 1,-35 18-1</inkml:trace>
-  <inkml:trace contextRef="#ctx0" brushRef="#br1" timeOffset="76930.08">13935 6421 0,'17'0'15,"1"0"1,-18-18 0,0 0-16,0 1 0,0-1 15,0-17 1,0 17-16,-53-17 15,0 17 17,-35 18-17,0 0 1,35 18 0,-18 70-1,36 53 1,35-17-1,0-36 1,35-35 0,36-36-1,-18-17 1,-36-17-16,72-54 16,-1 1-1,0-72 1,18 1-1,-53 53 1,0-53 15,-36 35-15,-17 53 0,-53 71 15,36 0-31,-1 52 15,-17 36 1,17 0 0,1 0-1,17 35 1,35-71 0,35 1-1,19-71 1,-72 0-1,71 0 1,18-53 0,-35 0-1,-1-35 1,-70 0 0,0-1-1,0 54 1,0 18-1,-35 17 1,-18 52 0,36 1-1,17 71 1,0-107-16,0 72 16,17-36-1,54-36 1,-18-17-1,17-17 17,18-72-17,-52 19 1,17-18 0,-18 17-1,-18 18 1,1 36-1,0 17 1,-18 52 0,0 37-1,0-19 1,35 1 0,0-18-1,54-53 1,-1 0-1,-35-36 17,35-34-17,-35-18 1,-18 35 0,0-18-1,-35 54-15,0-1 31,0 36-15,0-1 0,0 54-1,0-54-15,0 72 16,18-37 0,35 1-1,17-35 1,1-18-1,17 0 17,0-53-17,-52-17 1,-19-19 0,-17 36-1,0 1 1,-17 34-1,-19 18 1,1 53 0,17 17-1,18 1 1,0 17 0,18-35-1,35-35 1,-35-18-1,35 0 1,35-18 0,0-35-1,-18-17 1,19-19 0,-1-16-1,-18-1 1,-52 0-1,-18 35 1,0-17 0,0 70-1,0 36 1,-18 53 0,18-54-16,-17 71 15,-1 18 1,1 0-1,17-18 1,0 36 15,35-89-15,35-17 0,19-18-1,-19-36 1,18-34-1,0-18 1,-70 70-16,0-35 16,-1 18-1,-17 53 17,-17 34-17,17 1 1,0-35-16,0 53 15,35-36 1,0-18 15,36-17-15,-18-35 0,0-35-1,-36 52-15,36-35 16,-53 18-16,18-18 15,-18-35 1,-53 52 0,-18 36-1,-17 18 1,71-18-16,-36 53 16,-18 0-1,53 0 1,1-53-1,17 17 17</inkml:trace>
-  <inkml:trace contextRef="#ctx0" brushRef="#br1" timeOffset="77763.14">17357 6138 0,'-18'0'31,"0"0"-15,1 0 0,-1 0-16,0 18 15,1 35 1,-18 53-1,17 52 1,18-105-16,-18 88 16,-17 54-1,0-1 1,-1-53 0,-16 35-1,34-88 1,-17-17-1,35-54 1,0-69 31,0-37-31,17 72-16,1-54 15,17-105 1</inkml:trace>
-  <inkml:trace contextRef="#ctx0" brushRef="#br1" timeOffset="79179.45">17163 6262 0,'0'-18'0,"0"36"0,0-53 0,0 17 0,35-17 16,35-1 15,-52 36-31,35-17 16,-18-1-16,53 18 16,18 18-1,-53 35 1,-53 52-1,-17-16 1,-54-19 0,53-52-16,-52 17 15,35-35 1,-1 0 0,1-18-1,17 1 1,18-1-1,0 36 32,18-18-31,35 35 0,-35-35-16,34 0 15,-34 0-15,88 0 16,-18 0-1,36-70 1,-19 17 0,-52 0-1,-17-35 1,-36 70-16,17-35 16,-17 18-1,0 17 1,-17 18-1,-1 18 1,-17 17 15,35-17-31,0 70 16,0 0 0,0-35-1,53 17 1,0-52-1,52 0 1,54-18 0,18-53-1,17-18 1,-89 18 0,-16-17-1,-72-1 1,-17 18-1,-53 36 1,-17 17 15,-18 0-15,17 35 0,-17 18-1,35 17 1,53 1-1,0 0 1,53-54 0,35-17-1,-17 0 1,-54 0-16,54-35 16,-54 17-16,72-52 15,-54-1 1,35-35-1,-52 18 17,17-35-17,-35 34 1,0 37 0,-17 52-1,-19 70 1,1 54-1,35-36 1,0-53-16,0 53 16,0-52-16,0 34 15,18 18 1,52-52 0,-34-36-1,34 0 1,-17-36-1,-35 36 1,35-70 0,-18 34-16</inkml:trace>
-  <inkml:trace contextRef="#ctx0" brushRef="#br1" timeOffset="80513.33">20214 6121 0,'0'-18'0,"0"36"0,0-89 16,0 53-1,0 1-15,-17 17 63,-1 35-48,-17 53 1,35 1 0,0-19-1,0 1 1,0-54-1,17-17 1,-17-17 0,36-19-1,16-34 1,-52 35 0,0 17-16,36-17 15,-1 17 1,-17 36-1,17 35 1,0-18 15,0 18-15,-17-36-16,35 1 16,18-18-1,34 0 1,-52-18-1,36-70 1,-54 35 0,0-35-1,-35 0 1,0 35 0,0 71 15,0-1-31,-18 54 15,18-54-15,-17 54 16,17 17 15,35-17-15,0-36 0,54-35-1,-54 0 1,53-35-1,-53-36 1,1 18 0,-1-17-1,-35 17 1,0 35 0,0 36-1,0 17 1,0 36-1,0-18 1,17 17 15,19-52-15,-19-18-16,54 0 16,17-18-1,0-17 1,-70 0-16</inkml:trace>
-  <inkml:trace contextRef="#ctx0" brushRef="#br1" timeOffset="81029.92">21378 5697 0,'0'0'0,"-70"53"16,52-17-16,18 16 31,0 1-15,53-35-1,18 0 1,-54-18-16,54 0 15,-18-36 1,-18-17 0,-35 18-1,-18-35 1,1 34 0,-1 19-16,-52-1 15,34 18 1,-17 53-1,36 35 1,17-17 15,0 17-15,0-35 0,35-18-1,18-35 1,-18 0-1,36-18 1</inkml:trace>
-  <inkml:trace contextRef="#ctx0" brushRef="#br1" timeOffset="81362.96">22049 5644 0,'0'0'0,"0"18"16,0 0-16,0-1 0,0 1 15,-18 70 1,0 36 0,-17-1-1,35-35 1,-18-70-16,18 35 15,0-35-15,0 17 16,0-18 0,0-34 15,0-18-15,-17 35-16</inkml:trace>
-  <inkml:trace contextRef="#ctx0" brushRef="#br1" timeOffset="82129.74">21819 6050 0,'18'0'16,"0"0"-16,-1 0 16,54 0-1,-1 0 1,36-35-1,18-18 1,-54 18 0,-35-54-1,-35 72-15,0-36 16,0-18 0,0 36-1,0 17 1,-35 54-1,35 34 1,-17-34-16,17 87 31,-18-35-15,0 18 0,18-35-1,-17-36 1,17 0-1,0-52 32,0-1-47,0-17 16,0 17-16,0-35 16,0 35-16,35-17 15,53-71 1,0 36-1,-17 70 1,17 0 15,-35 35-15,0 71 0,-35-36-1,-18 19 1,0-36-1,0-36 1,-36 1 0,36-1-1,-17-17 1,-1 0 0,18-35-1,-18 18 1</inkml:trace>
-  <inkml:trace contextRef="#ctx0" brushRef="#br1" timeOffset="83436.52">8696 7408 0,'0'0'0,"18"0"0,-1-17 16,1 17-16,0 0 15,-1-18 1,1 0 0,-1 1-1,-17 34 376,-17-17-360</inkml:trace>
-  <inkml:trace contextRef="#ctx0" brushRef="#br1" timeOffset="85811.65">8678 7479 0,'0'-18'47,"0"1"-16,18 17-31,-18-18 15,18 18-15,-1-18 16,-17 1 0,18 17 15,-18-18-15,18 18-1,-18-18 1,0 36 62,0 0-78,-18-1 16,0 1-16,-70 70 15,70-70-15,-70 70 16,-35 35-1,-1-17 1,36-35 15,0-1-15,53-34 0,35-54 15,0 0-16,0 1 1,0-19 0,35 19-1,-35-1-15,35 18 16,0 0 0,36 18-1,-18 17 1,17 18-1,1 0 1,0 18 15,-19-19-15,-16-34 0,-19 0-1,-17-1 1,18-17-1,0-17 17,35-19-17</inkml:trace>
-  <inkml:trace contextRef="#ctx0" brushRef="#br1" timeOffset="86612.1">9754 7761 0,'0'0'0,"0"-18"16,0 1-16,0-1 16,0-17-1,0 17-15,-35-35 16,-18 0 0,-17 36-1,-19 17 1,36 17-1,-17 54 1,-1 17 0,36 0 15,17 1-15,18-19-1,0 1 1,18-36-1,53-35 1,-18-35 0,35-18-1,-35 0 1,17-18 0,-17-35-1,0 36 1,-53 35-1,18 35 1,-1 53 31,1-36-47,-18 18 16,35 54-1,0-36 1,-17-18-1,17 0 1,18-35 0,0 0-1,0-18 1,0-34 0,-18 16-1</inkml:trace>
-  <inkml:trace contextRef="#ctx0" brushRef="#br1" timeOffset="87112.5">10389 7320 0,'0'18'16,"0"-1"-16,0 1 15,0 35 1,0-35-16,36 52 16,16-17-1,19 0 1,17-35 0,0-1-1,36-17 1,-89 0-1,-17-17 1,-18-1 15,-53 18-15,0 18 0,-53 70-1,36 0 1,34-17-1,1 17 1,17-35 0,36-53-1,-36 35 1,-52-17 0,52-36-1</inkml:trace>
-  <inkml:trace contextRef="#ctx0" brushRef="#br1" timeOffset="87162.03">10125 8061 0,'-18'0'0,"-52"18"16</inkml:trace>
-  <inkml:trace contextRef="#ctx0" brushRef="#br1" timeOffset="87961.78">3298 7761 0,'0'0'15,"0"-18"-15,0 36 16</inkml:trace>
-  <inkml:trace contextRef="#ctx0" brushRef="#br1" timeOffset="88194.96">3281 7708 0,'-18'35'31,"36"-70"-31,-53 88 0,-1 0 15,1 53 1,0 88 0,35-18-1,0-35 1,-36-52 0,107-72-1,17 1 1,0-18-1,1-71 1,-72 54-16,18-19 16,-17 19-1,-18-1-15</inkml:trace>
-  <inkml:trace contextRef="#ctx0" brushRef="#br1" timeOffset="88429.87">3122 8202 0,'0'0'0,"0"18"15,18-18 17,17 0-32,71-36 15,-71 36-15,89-35 16,-19-18-1,-16 36 1,-54-1 0</inkml:trace>
-  <inkml:trace contextRef="#ctx0" brushRef="#br1" timeOffset="89613.39">4498 8132 0,'0'0'0,"0"-18"0,0 0 16,0-17-16,0-18 15,0 35-15,-53-17 16,-53 0 15,-17 35-15,34 53 0,-34 35-1,35 35 1,53 1-1,35-36 1,70-53 0,36-35-1,0 0 1,-18-35 0,53-53-1,-70 17 1,-54 1-1,-17-18 1,0 52 15,0 54 1,0 0-32,0 70 15,0 0 1,0 35-1,36-70 1,34-53 0,-52 18-16,123-18 15,35 0 1,-17-53 0,-36 18-1,1-53 1,-71-1-1,-36-16 1,-34-1 15,-36 106-15,-18 0 0,-17 70-1,53 19 1,17-72-16,-17 89 15,35-71 1,0 1 0,53-36-1,17 0 1,-17-36 0,18-17-1,-36-35 1,-17 18-1,-1 17 1,-17 70 31,0 1-31,0 35-1,0-35-15,0 87 16,0-16-1,0 34 1,0 18 0,36 18-1,-36-106-15,0 123 16,17 36 0,19-89-1</inkml:trace>
-  <inkml:trace contextRef="#ctx0" brushRef="#br1" timeOffset="89663.3">5450 9666 0,'-17'53'15</inkml:trace>
-  <inkml:trace contextRef="#ctx0" brushRef="#br1" timeOffset="89761.21">5380 9895 0,'0'36'16,"0"-19"-1,0-70-15,-53 142 16,35-89 0,-52-36-1,52 1 1,-17 17-16</inkml:trace>
-  <inkml:trace contextRef="#ctx0" brushRef="#br1" timeOffset="90028.04">5098 9507 0,'0'-53'16,"0"18"-16,0 123 0,0-352 16,0-18-1,53 17 1,-18 124 0,35-36-1,-17 36 1,18 53-1,-54 53 1,19 17 0,-19 18-1,1 0 17,0 0-17,-1 18 1,1 0-1</inkml:trace>
-  <inkml:trace contextRef="#ctx0" brushRef="#br1" timeOffset="91072.18">5486 9472 0,'0'-18'62,"17"18"-46,-17-17-1</inkml:trace>
-  <inkml:trace contextRef="#ctx0" brushRef="#br1" timeOffset="91612.38">5521 9402 0,'0'-18'15,"0"36"48,0-1-47,0 1-16,0-1 15,0 19 1,0-1-1,0 18 1,0-35-16,0 52 16,-18-35-1,1 36 1,-1-18 0,0 0-1,18-18 1,0 0-1,-17-35 1,-1 18 0,0-18 15,1 0-15,-1 0-1,1 0 1,-1 0-1,-35-18 1,18 1 0,-36-19-1,36 1 1,0-35 0,-1 34-1</inkml:trace>
-  <inkml:trace contextRef="#ctx0" brushRef="#br1" timeOffset="91677.72">5062 9631 0,'18'-53'15,"-36"106"-15,71-194 16,-17 53 0</inkml:trace>
-  <inkml:trace contextRef="#ctx0" brushRef="#br1" timeOffset="92776.41">5327 8255 0,'18'0'31,"-1"0"-31,1 0 16,17 0-16,0-35 15,1 35 1,17-36 0</inkml:trace>
-  <inkml:trace contextRef="#ctx0" brushRef="#br1" timeOffset="123657.78">5874 9666 0,'0'-18'0</inkml:trace>
-  <inkml:trace contextRef="#ctx0" brushRef="#br0" timeOffset="158602.79">2064 10548 0,'0'0'16,"0"-18"-16,0-52 16,0 52-16,0 1 0,0-1 0,17-17 15,-17-1 1,0 19 0,0 52 15,0-17-31,-35 52 15,17 71 1,-17-35 0,0 35 15,17-35-15,18-53-1,0-35 1,18-36 15,52-35-15,-34-17-1,17-19 1,-18 1 0,0 53-1,-17 35 1,-18 18-1,0 52 1,-18-17 0,36-18-16,35 53 31,0-35-15,17-17-1,1-36 1,35 0-1,-71-18-15,35-17 16,-17-36 0,-35-17-1,-18-18 1,0 0 0,-35 18-1,17 70-15,-17 1 16,0 17-1,17 0 1,18 17 0,18 1 15,17-18-15,18 0-16</inkml:trace>
-  <inkml:trace contextRef="#ctx0" brushRef="#br0" timeOffset="158869.44">3034 10813 0,'-18'70'31,"18"-52"-31,0-1 16,0 1-1</inkml:trace>
-  <inkml:trace contextRef="#ctx0" brushRef="#br0" timeOffset="159185.57">2999 10918 0,'0'-35'16,"35"-18"0,35-53-1,-17-17 1,53 17 0,-53 71-1,18 70 1,-36 71-1,-35-18 1,0 36 0,-35-36 15,-1-35-15,36-36-16,-35 19 15,35-19 1,-18-17 15,18-17-31,-17-19 16,-1 1-16</inkml:trace>
-  <inkml:trace contextRef="#ctx0" brushRef="#br0" timeOffset="159469.57">3140 10213 0,'17'0'0,"-34"0"0,34-18 0,1-17 32</inkml:trace>
-  <inkml:trace contextRef="#ctx0" brushRef="#br0" timeOffset="159640.32">3052 10760 0,'0'35'16</inkml:trace>
-  <inkml:trace contextRef="#ctx0" brushRef="#br0" timeOffset="-136579.16">3687 10495 0,'-18'0'15,"36"0"-15,-54 0 0,-17 0 0</inkml:trace>
-  <inkml:trace contextRef="#ctx0" brushRef="#br0" timeOffset="-136108.75">2681 10495 0,'0'0'0,"-18"0"16,1 18-1,-1-18-15,1 0 16,-1 0-16,-35 0 16,0 0 15,0 0-15,0 17-1,-35 36 1,35-17-1</inkml:trace>
-  <inkml:trace contextRef="#ctx0" brushRef="#br0" timeOffset="-135495.25">2275 10936 0,'18'0'0,"17"0"15,36 0-15,70-18 16,-106 18-16,159-52 15,-70-1 1,-18-36 0,-53 19-1,-53-18 17,0 52-17,-36 19 1,-52 17-1,17 70 1,-52 54 0,52-36-1,54-53-15,17 36 16,0-54-16,53 36 16,88-35-1,-35-18 1,70-18-1,-17-35 1,88-35 0,-71-18 15,-105 36-15,-71 52-1,-71 36 1,1 35-1,-36 70 1,35-17 0,54 0-1,87-53 1,54-18 0,70-35-1,-89 0-15</inkml:trace>
+  <inkml:trace contextRef="#ctx0" brushRef="#br0">10954 512 0</inkml:trace>
+  <inkml:trace contextRef="#ctx0" brushRef="#br0" timeOffset="742.38">10971 353 0,'-17'0'15,"-1"-36"1,0 19-1,18-1 1,-17 18 0,17-17-16,0-1 15,-18 0 1,1 18 15,17 18 16,0 0-47,35 52 16,18 18-1,0 1 1,17 16 0,-35-34-1,36 35 1,-71-71-1,18 36 1,17-1 0,-17-52-1,-18-36 32,0 0-16,0 1-31,0-36 16,0 35-16</inkml:trace>
+  <inkml:trace contextRef="#ctx0" brushRef="#br0" timeOffset="1214.81">11359 388 0,'0'0'31,"0"-35"-31,-17 35 31,-1 0-15,1 0-16,-19 35 16,19-17-16,-54 52 15,-17 1 1,0 35 0,17-36-1,-17 36 1,53-18 15,-1-53-15,19-35-16,17-17 47,0-1-32,17 1 1,36-19-1</inkml:trace>
+  <inkml:trace contextRef="#ctx0" brushRef="#br0" timeOffset="1749.3">11553 600 0,'0'17'47,"0"1"-32,0 0-15,0 52 16,0 18 0,0-52-16,0 87 15,0 54 1,0-36 0,0 35-1,0-123 1,0 88-16,-17 18 31,-1-53-15,-17-1-16,35-34 31,0-53 0,0-54-15,0-52-1,18-53 1,-18 106-16</inkml:trace>
+  <inkml:trace contextRef="#ctx0" brushRef="#br0" timeOffset="2215.98">11536 1023 0,'0'0'15,"0"-18"-15,0 1 0,-18-54 16,18 54-16,0-36 31,0 0-15,0 0 0,53 0-1,0 35 1,18 1-1,-19 17 1,-34 0-16,35 0 16,-35 53-1,-18 17 1,-18 1 0,-53-1-1,19-17 16,34-35-31,-17-1 16,-1-17 0,1 0-1,17 0 1,18-17 31,18 17-32</inkml:trace>
+  <inkml:trace contextRef="#ctx0" brushRef="#br0" timeOffset="2999.06">12418 723 0,'0'-17'0,"0"-1"15,17 18-15,-17-18 16,0 1 0,-17-19-16,-36 36 31,0 0-16,35 0-15,-88 18 16,36 17 0,-18 36-1,35-1 1,53 19 0,0-19 15,0-35-16,53-17 1,17-18 0,-17 0-1,35-53 1,-35 0 0,35-35-1,-52 0 1,-1 17-1,-35 54 1,0-1 0,0 36 31,0 17-16,-18 18-16,18 35 1,0-35 0,18 0-1,35-18 1,-18-17 0,1-18-1,16 0 1,-16-36-1,-1-16 1,-17 16-16,-1 19 16</inkml:trace>
+  <inkml:trace contextRef="#ctx0" brushRef="#br0" timeOffset="3342.92">12876 370 0,'-17'0'16,"-1"0"-16,0 71 31,18-18-31,-17 35 16,17-70-1,0 52 1,0 36-1,0-53 1,0 18 0,0-54-1,17 1 1,1-18 0,17-18-1,-17-35 16,0 18-31</inkml:trace>
+  <inkml:trace contextRef="#ctx0" brushRef="#br0" timeOffset="4032.92">13159 335 0,'0'18'16,"0"-1"-1,0 1-15,0 35 16,0 18 0,0 17-1,0 0 1,0-70-1,0 87 1,0-34 0,0-1-1,0-52 1,0 0-16,0-36 47,0-17-32,0-18 1,0-18 0,17 1-1,54 17 1,-54 35-16,72-35 16,-1 36 15,-18 17-31,-17 0 31,0 53-15,-53 0-16,0-36 15,0 71 1,0-17 0,0-1-16,0-34 31,0-19-16,-17-17 17,-1-17-17,-17-19 1</inkml:trace>
+  <inkml:trace contextRef="#ctx0" brushRef="#br0" timeOffset="4443.14">12629 582 0,'18'0'16,"0"0"-16,17 0 15,36 0 1,-36 0-1,0 0 17,-17 0-17,-1 0-15,19 0 16,-36-18 0,17 18-1</inkml:trace>
+  <inkml:trace contextRef="#ctx0" brushRef="#br0" timeOffset="5492.18">10495 1358 0,'0'18'31,"18"-18"-15,-1 17-1,1-17 1,35 0-16,70 0 15,-70 0 1,88 0-16,89 0 31,-36 0-15,70 0-16,-52 0 31,-141 0-31,211 0 16,-71 0-1,36 0 1,-17 0 0,-89-17-1,71 17 1,-36 0 0,-35 0-1,-53 0 1,0 0 15,-35 0-15,-35 0-16,0 0 0,-1 0 31,-17-18-15,18 18 15,-18-17-16</inkml:trace>
+  <inkml:trace contextRef="#ctx0" brushRef="#br0" timeOffset="5642.88">13829 1341 0,'-18'0'47,"18"-18"-31,-17 18-1,-1-18-15</inkml:trace>
+  <inkml:trace contextRef="#ctx0" brushRef="#br0" timeOffset="7646.09">1817 1817 0,'0'0'0,"-18"0"0,18-18 15,-17 18 16,17 18 1,0-1-17,0 19 1,17-19 0,54 1-1,-36-18-15,-17 0 16,52-18-1,-17-17 1,0-35 0,-18 34-1,-35-17 1,0 0 0,0 36-16,-17-1 15,-1 18 1,0 35 15,18 18-31,0 53 31,0 18-15,0-1-16,0-35 31,0 18-15,0-53-1,0-18 1,0-17 0,-35-18 15,-18-53-15,-17 0-1,17 0 1,17 18-1,36 53 32,0-1-31,0 18 0,36 18-1,17-17 1,-36-36-16,36 17 15,0-17 1,18 0 0,17-17-1,18-36 1,-18-35 0,-53-1-1,0-34 16,-17 35-15,0 17-16,-18 36 31,-18 53-15,0-1 0,1 71-1,17-17 1,0 17-1,-18 18 1,18-36 0,0 1-1,35-53 1,1-1 0,-1-17-1,-17 0 1,17 0 15,0-70-15,-35 17-16</inkml:trace>
+  <inkml:trace contextRef="#ctx0" brushRef="#br0" timeOffset="7907.34">2364 2011 0,'35'0'32,"-17"0"-32,17 0 0,18 0 15,35 0 1,-18-18-1,1 18 17,-36 0-17,-17-17-15</inkml:trace>
+  <inkml:trace contextRef="#ctx0" brushRef="#br0" timeOffset="8514.28">3933 1905 0,'0'0'16,"0"-18"0,0 1-1,0 34 16,0 1-15,0 17 0,0 53-16,0-17 15,-17-18 17,17-35-32,0-1 15,0 1 1,17-18 31,1-35-32</inkml:trace>
+  <inkml:trace contextRef="#ctx0" brushRef="#br0" timeOffset="9124.09">4269 1958 0,'35'-35'16,"-17"35"-16,-18-18 15,-36 18 32,19 18-31,-36 17-1,35-17-15,-17 17 16,17 0 0,18-17 15,35-18-15,1 0-1,-19 0-15,36 0 16,0 0 15,18 17-15,-54 1-16,19 0 31,-36 17-31,0 18 31,-53-18-15,0-35-1,0 18 1,-18-18 0,36 0-1,0 0 1,17 0 0,0-18-1,-17-17 16,35 17-15,0 1 0</inkml:trace>
+  <inkml:trace contextRef="#ctx0" brushRef="#br0" timeOffset="9380.6">3951 1658 0,'-18'-18'16,"18"1"-16,0 34 78</inkml:trace>
+  <inkml:trace contextRef="#ctx0" brushRef="#br0" timeOffset="9979.46">5468 1605 0,'0'0'0,"0"-18"16,0 36 15,0 0-15,0 17-16,0 36 15,0 52 1,0-35 0,0 0 15,0-52-31,-18-1 16,18 0-1,0-17 1,-17-18-1</inkml:trace>
+  <inkml:trace contextRef="#ctx0" brushRef="#br0" timeOffset="10879.51">5221 1958 0,'0'18'16,"18"-18"-1,-1 0-15,1 0 16,53 0 0,17-18-16,35-35 31,-87 53-31,69-53 15,-16-17 1,-54 17 0,-18-18-1,-17 36 1,-17-1 0,-1 36-1,-17 0 1,0 36 15,35 34-15,0 19-16,0 16 31,0-16-15,0-1-1,0-35 1,0 0-1,0-36 17,-18-17-17,18-17 1,0-1 0,0-35-1,18 0 1,35-17-1,17 17 1,-52 35 0,52 0-1,-17 18-15,0 0 32,-18 71-32,-17-18 31,-18 17-16,0-52-15,0 17 16,0 1 0,0-19-1,0 1 1,-18-18 15,18-18 0,0 1 1,0-1-32</inkml:trace>
+  <inkml:trace contextRef="#ctx0" brushRef="#br0" timeOffset="11398.91">6279 2046 0,'18'0'31,"0"0"-31,-1 0 16,1 0-16,0 0 15,-1 0-15,36-53 16,-18 18-1,-17-18 1,-18 35 0,0-17-16,0 17 31,-35 18-15,-18 18-16,0 35 31,18 0-16,35-18-15,0 53 16,0-35 0,0 0-1,35-35 1,53-1 0,-17-17-1,-1 0 1,-17-17-1,-35-1 17,-1-35-32,1 36 15</inkml:trace>
+  <inkml:trace contextRef="#ctx0" brushRef="#br0" timeOffset="13008.42">8096 1711 0,'0'0'0,"0"-18"0,0 1 0,18-54 15,-18 53 1,0-17-16,0 0 31,0 17 0,-18 18-15,1 53 0,-19 71-1,19-107-15,-1 89 16,0 35 0,18-53-1,0 1 1,53-54 15,-35-35-31,53 0 16,-1 0-1,18-35 1,0-18 0,-35-18-1,0-52 1,-35-18-1,-18 17 1,0 54 0,0 34-1,-18 36 17,1 18-32,-1 17 15,0 124 1,18-71 15,0 53-31,0-70 16,18-1 15,35-34-31,-35-36 16,52 0-1,36 0 1,-35-36-1,34-17 1,-69-35 0,-19 0-1,-17 35 1,0 36 0,0 52 15,-17-35-16,-1 53 1,0 35-16,18-18 31,0-17-15,0-35 0,0-36 30,0 1-30,0-1-16,18-17 16,35-53-1,0 35 1,35 0 0,-17 35-1,-1 18 1,-52 53-1,-1 18 17,-17 17-32,0-35 31,0 17-15,-17-52-1,17 0 1,0-36 15,0 0-15,0 1-16</inkml:trace>
+  <inkml:trace contextRef="#ctx0" brushRef="#br0" timeOffset="13806.97">9560 1658 0,'-17'18'16,"34"-36"-16,-34 53 0,17 1 0,0 105 31,-18-53-15,18-18-1,-18-17 1,18-17 0,-17-36-1,-1 0 1,18-18 15,0-17-15,0-18-16,0 0 31,35-35-31,-35 70 16,53-35-1,18 36 1,-18 17-16,-18 17 31,-35 18-15,-18 18-1,-52-17 1,-1-1 0,18-35-1,36 0 16,17 18 16,0-1-31,0 18-16,35 1 16,0-19 15,-17 1-31,0 0 15,-1-18-15,18 17 16,18-17 0,-17 0-1,17 0 1,-1-35 0,-16 0-16</inkml:trace>
+  <inkml:trace contextRef="#ctx0" brushRef="#br0" timeOffset="14346.63">10037 1799 0,'0'0'0,"-36"18"47,19-1-32,17 1-15,0 35 16,0 18-1,0-36 1,0 18 0,0-18-1,-18-35 17,18-18-17,-18 1 1,18-36 15,0 35-31,0-35 0,18 36 16,35-54-1,35 18 1,0 36 0,0 17-1,-17 70-15,-36-17 31,-35-35-31,0 70 16,0-35 0,0 17-1,0-52 1,-17 0 0,-1-18 15,18-18-16</inkml:trace>
+  <inkml:trace contextRef="#ctx0" brushRef="#br0" timeOffset="18364.53">10901 1958 0,'17'0'0,"-17"-18"16,0 1-16,0-1 0,0 0 31,0-17-31,-35 35 31,18 0-31,-36 0 16,-18 18-16,1 35 31,17 35-15,17-18-1,36 19 1,0-37 0,71-16-1,17-36 1,-17 0-1,34-18 1,-34-35 15,-53 53-31,35-70 16,-36 17-16,-34-35 31,-36 17-15,-53 18-1,0 35 1,18 36 0,35 35-1,35 18 1,18-1 0,0-17-1,53 0 1,35-18-1,36-35 1</inkml:trace>
+  <inkml:trace contextRef="#ctx0" brushRef="#br0" timeOffset="19546.34">11483 1887 0,'0'0'0,"-18"18"47,1 0-47,17-1 16,-18 19-16,18 16 15,-18 19 1,18-18 0,0-35-1,0 34 1,53-34 15,-17-18-15,-1-18-1,0-17 1,-17 18-16,-1-19 16,19-34-1,-36 17 1,0 35 0,0 1-1,0 34 1,0 18-1,0 36 17,0-36-17,17 18 1,36-35-16,-18-18 31,-17 0-31,35 0 16,0 0-1,0-35 1,-35-1 0,-18-17-1,-18-17 1,0 70 0,18-35-1,0 17 1,88 0-1,1 18 1,16 0 15,-87 18-31,53 17 16,-36 36 0,-17-18-16,-1 0 31,-17-1-16,0-16 1,-17-19 0,17 1-1,-18-18 1,0-18 0,18-52-1,0-1 1,88-35-1,18 36 17,-17 52-17,-1 18-15,-35 53 32,-18 35-32,-35-17 31,0-1-16,0-34 1,0-19 0,-18-17-1</inkml:trace>
+  <inkml:trace contextRef="#ctx0" brushRef="#br0" timeOffset="20211.4">14093 1887 0,'0'0'0,"-17"-17"16,-1-19-1,1 36-15,17-35 16,-18 35-1,0 0-15,-17 88 32,17 36-17,18-1 1,0-70-16,0 159 16,-17-18-1,-19 53 1,-16-71-1,34-52 17,0-18-32,18-71 31,0-106-15,0-35 15,18-70-16</inkml:trace>
+  <inkml:trace contextRef="#ctx0" brushRef="#br0" timeOffset="20613.39">13811 2187 0,'0'-17'0,"0"34"0,-17-70 15,-1 36-15,18-1 0,-18-35 16,18 35-16,0-70 31,53 35-15,53 0-1,18 18-15,34 35 16,-17 35 15,-105 54-15,-36-19-1,-106 1 1,-18-18 0,54-36-1,35 1 1,17-18-16,0 0 16,18-18 30,18 1-46,17-1 16</inkml:trace>
+  <inkml:trace contextRef="#ctx0" brushRef="#br0" timeOffset="21248.25">14852 1799 0,'0'-17'0,"0"34"16,0-52-16,0 17 0,0 1 15,-71-1 1,-17 18 0,18 18-1,-19 70 1,72-71-16,-54 89 15,54-53 1,17 18 15,0-36-15,53-17-16,17-18 31,18-36-15,-35 1-1,35-53 1,-70 0 0,0 17-1,-18 18 1,0 36-16,0-1 16,0 36 15,-18 35-16,0 35 1,18-18 15,0-52-31,0 52 16,18-34 0,0-19-1,17-17-15,0 0 31,0-17-15,18-54 0</inkml:trace>
+  <inkml:trace contextRef="#ctx0" brushRef="#br0" timeOffset="21539.56">15205 1499 0,'0'0'0,"-18"18"32,18 0-32,-18-1 15,1 54-15,17 35 16,-18 17 15,18-88-31,0 54 16,0-37-1,0-16 1,0-19 0,18-17-1,52-53 1,-34 36 0</inkml:trace>
+  <inkml:trace contextRef="#ctx0" brushRef="#br0" timeOffset="22106.47">15557 1464 0,'0'0'0,"0"18"16,0-1-1,-17 71 1,-1 1-16,18 52 31,0-106-31,0 53 16,-17-17-1,-1-36 1,18-17 0,-18-18-1,18-36 16,0 19-15,0-36 0,53-35-16,0 17 31,35-17-15,-17 53-1,-53 35-15,34-18 16,-34 71-1,0 53 1,-18 0 0,0-18-1,0-35 1,0-18 0,-18-35 15,18-35-16,0-1 1</inkml:trace>
+  <inkml:trace contextRef="#ctx0" brushRef="#br0" timeOffset="22373.65">15205 1623 0,'35'0'0,"-70"0"0,88 0 0,35-18 16,-35 18-1,-36 0 1,36 0-16,-35 0 16</inkml:trace>
+  <inkml:trace contextRef="#ctx0" brushRef="#br0" timeOffset="23141.42">16616 1711 0,'0'-18'0,"17"18"16,-17-17 15,-17 17-31,-1 17 16,-35 19 0,18 52-1,0-18 1,35 36-1,0-88-15,0 17 32,70-17-17,-17-18-15,18 0 32,-18-18-17,17-52 1,-70 52-16,18-35 0,-18-53 31,-18 36-15,-52-19-1,-1 72 1,1 17 0,52 0-16,0 0 15,18 35 1,0-17-1,71-1 17,-1-17-17,-34 0-15</inkml:trace>
+  <inkml:trace contextRef="#ctx0" brushRef="#br0" timeOffset="23657.14">17233 1446 0,'0'-17'0,"0"34"0,-17-34 16,-36 17-1,17 0 1,-17 35 0,36 53-1,-1 53 1,18-17-1,-17-71 1,17 123-16,0-35 16,-18 53 15,0-17-15,-17 34-1,35-158-15,-35 88 16,35-105-16,-18 69 15,0-16 1,18-72 0,-17-17-1,-54 0 1,18-17 0,-70-36-1,70 17 1,0 1-1,35-18 1,18 18 0,18-18 15,0 35-31,17-17 0</inkml:trace>
+  <inkml:trace contextRef="#ctx0" brushRef="#br0" timeOffset="24258.12">18027 1658 0,'0'0'0,"35"-106"31,-35 89-15,0 34 15,-17 36-16,-1 88 1,0-35 0,1 0-1,17-88 1,0 34 0,-18-16-1,18-54 32,35-35-31,18-17-16</inkml:trace>
+  <inkml:trace contextRef="#ctx0" brushRef="#br0" timeOffset="24543.97">18292 1499 0,'0'0'0,"17"0"0,1 0 16,-18 18 0,0 0-16,0 52 15,0 54 1,0-36 0,0 0 15,0-70-31,0 35 15,0-36 1,0 1 0,-18-53 15,18-18-15</inkml:trace>
+  <inkml:trace contextRef="#ctx0" brushRef="#br0" timeOffset="24789.15">18045 1782 0,'0'0'15,"-18"0"-15,0 0 16,1 0-16,52 0 31,-17 0-15,52 0-16,36-18 31,-71 18-31,1 0 16,-1-18-16,35-17 15,-52 17 1</inkml:trace>
+  <inkml:trace contextRef="#ctx0" brushRef="#br0" timeOffset="25070.42">18538 1570 0,'18'0'32,"0"-18"-17,-1 18-15,54 0 0,35 0 31,0-17-15,-53 17 0,-71 0 31,0 0-32,1 0 1</inkml:trace>
+  <inkml:trace contextRef="#ctx0" brushRef="#br0" timeOffset="25344.02">18821 1535 0,'-18'17'16,"0"1"0,18 17-1,-17 18 1,-19 53-16,19 0 15,-1-36 17,18-52-32,-17 17 15,17-17 1,0-1 0,35-34 15,-18-18-16</inkml:trace>
+  <inkml:trace contextRef="#ctx0" brushRef="#br0" timeOffset="25610.27">19032 1587 0,'0'71'16,"0"-53"0,0 17-16,-17 36 15,-1-1 1,18 1 0,-18-18-1,1-53 1</inkml:trace>
+  <inkml:trace contextRef="#ctx0" brushRef="#br0" timeOffset="26279.61">18979 1658 0,'0'-35'31,"0"17"-31,18 0 16,35 1-1,-35 17-15,-1 0 16,36 17 0,-18 19-1,-17 52 1,17 18-1,-35-36 1,0-17 0,0-70 62,0-1-78,0-17 15,36-36 1,17-17 0,35 0-1,-18 35 1,36 35 0,-71 18-1,-35 18-15,36 70 16,-36-17-1,0 34 1,0-52 15,-18 18-15,18-53-16,0-1 16,-18 1-1,1-1 1,17-34 31,0-1-47,35-17 15,0-18 1</inkml:trace>
+  <inkml:trace contextRef="#ctx0" brushRef="#br0" timeOffset="26639.75">20002 1570 0,'0'0'0,"0"17"47,-17 1-31,17 0-16,-18 17 15,-17 53 1,0 18-16,17-88 15,0 52 1,18 1 0,0-54-1,53 1 1,0-18 0,18 0-1,-71-18-15,53 1 16,-18-18-1,-17 17 1,-1 0 15,1 18-31</inkml:trace>
+  <inkml:trace contextRef="#ctx0" brushRef="#br0" timeOffset="26820.86">20179 1923 0,'-18'0'16</inkml:trace>
+  <inkml:trace contextRef="#ctx0" brushRef="#br0" timeOffset="27438.21">21043 1411 0,'-17'0'16,"34"0"-16,-52 0 0,17 0 15,36 0 17,0 0-32,70-18 15,0 1 1,35 17-1,-34 0 1,-72-18 0,36 18-1,-70 0 17,-1 0-17,-17 0-15</inkml:trace>
+  <inkml:trace contextRef="#ctx0" brushRef="#br0" timeOffset="27743.63">21272 1411 0,'0'0'0,"-17"0"0,-1 35 32,1 1-17,17-19-15,0 71 16,0-17-1,-18 53 1,18-54 15,0 1-31,0-36 32,0-17-17,18-18 16,-18-18-15,17 18-16</inkml:trace>
+  <inkml:trace contextRef="#ctx0" brushRef="#br0" timeOffset="28255.02">21431 1817 0,'0'0'0,"0"-18"16,0 1-1,0-19 1,0 19 0,18-19-1,35 1 1,0 17 0,17 1-1,-17 17 1,18 88-1,-54 0 1,-17 0 0,0-17-1,0-18 1,-17-36 0,-1-17 15,18-52-16,0 16 1,35-52 0,1 18-1,34-1 17,-17 36-32,-18 17 31,1 18-16,-19 0 1,19 0 0,-1 0-1</inkml:trace>
+  <inkml:trace contextRef="#ctx0" brushRef="#br0" timeOffset="29010.07">22190 1799 0,'17'18'32,"1"-18"-32,0 0 0,17 0 31,18-18-15,17-35-16,-52 36 31,17-36-31,-35 0 31,0 35-15,-35 18-1,0 0 1,-18 35 0,18 54-1,-1-19 1,36-52-16,-17 35 15,17 17 1,35-34 0,18-19 15,35-17-31,18 0 31,0-35-15,0-18-1,17-35 1,-52 0 0,-19-1-1,-52 19 1,-52 70 15,-19 35-15,0 53-1,36 18 1,35-35 0,0-54-1,18 36 1,52 0-16,19-35 31,-19-18-15,1 0-1,-36-35 1,0-1 0,-17 19-16</inkml:trace>
+  <inkml:trace contextRef="#ctx0" brushRef="#br0" timeOffset="29179.79">23195 1905 0,'-18'18'31,"1"-18"32,-1 0-63,1 0 15</inkml:trace>
+  <inkml:trace contextRef="#ctx0" brushRef="#br0" timeOffset="30904.56">5891 2963 0,'36'0'31,"-19"0"-31,-17-17 0,36-1 16,-1-53-1,-18 19 1,-17-19 0,-35 53-1,18 1-15,-72 17 16,19 17-1,-18 19 1,70 17 0,18-18 15,0 0-31,53 0 31,0-17-15,35 35-16,0-18 31,-53 1-15,-35 34-1,0-52-15,0 35 16,-105 35 0,-1-35-1,-71-36 1,72-17-1,-19-53 1,89 36-16,-18-54 16,18-35 15,17 36-15,18 35-1,18 35 1,-1 17-1,36 36 1,-18 0 0,18 35-1,18-17 1,0-18 0,17-36-1,18-17 1,-18-35-1,35-35 1,-17-19 0,-35 19-1,-18-36 17,-53 88-32,0-70 15,0 18 1,0 52-1,0 71 17,0-36-32,-18 54 15,18-53-15,0 70 16,0 18 0,0-36-1,18-34 1,-1-19-1,18-17 1,-17 0-16,17-35 16,1-18 15,-36 18-31</inkml:trace>
+  <inkml:trace contextRef="#ctx0" brushRef="#br0" timeOffset="31146.24">6191 2910 0,'0'0'15,"18"0"17,0 0-32,17 0 15,-18 0-15,36 0 16,-35 0-16,88-17 15,-53 17 1,-18 0 0,-17-18 15</inkml:trace>
+  <inkml:trace contextRef="#ctx0" brushRef="#br0" timeOffset="32072.45">6773 3016 0,'0'-17'32,"-17"17"-32,17-18 15,-18 18-15,0-35 16,18 17 15,36-17-31,52 17 16,0 0 15,18 36-15,-53 35-1,-36-35-15,19 52 16,-36-17 0,-18 35-1,-35-35 1,-17-17-1,52-36 1,0-18 0,18-35-1,18-18 17,35-17-17,0 35 1,17 0-1,-34 36 1,-19 17 0,1 0-1,0 0 1,-18 17 0,35 1-1</inkml:trace>
+  <inkml:trace contextRef="#ctx0" brushRef="#br0" timeOffset="32628.86">7497 2928 0,'-18'0'31,"18"18"-16,-18-1-15,1 19 16,-1 17 0,0 17-1,18-17 1,0 0 0,53-35-1,18-18 1,-18-18-1,17-35 1,-52 35-16,52-17 16,-17-35 15,-35-1-15,-18 18-1,0 35-15,-35 36 31,35 0-15,0 35 0,-18 17-1,18-17 1,0 0 0,18 0-1,-1-35 1,72-18-1,-19 0 1,1-18 0</inkml:trace>
+  <inkml:trace contextRef="#ctx0" brushRef="#br0" timeOffset="33771.83">8273 2928 0,'0'0'0,"0"-18"16,-18 18 0,0 0-1,1 0-15,-1 0 16,-17 53 0,17 0-1,1 18 1,17-1-1,0-17 1,52 0 0,1-35 15,18-18-15,-18-35-1,17-36-15,-17 18 31,18-53-15,-36-17 0,-17 17-1,-18 18 1,0 52 0,0 72 15,0 70-16,0-18 1,-18 18 0,18-36 15,0 18-15,0-17-1,53-36-15,18-35 31,-18 0-15,17-35 0,-17-18-1,0-35 1,-53 70-16,53-70 16,-36 35-1,1 35 1,-18 36 15,-18 17 0,-17 18-15,35 18-16,0-36 16,0 0-1,35-17 16,36-18-31,-53 0 16,35 0 0,-1-53-1,1-17 1,-35 17 0,0-18-1,-18 36 1,0 52 15,0 54-15,-18 0-1,18-19 1,0-34 0,0 35-16,0-18 15,53-17 16,0-18-15,17-18-16,1-35 31,-18 0-15</inkml:trace>
+  <inkml:trace contextRef="#ctx0" brushRef="#br0" timeOffset="34304.61">9578 2963 0,'-18'0'0,"36"0"0,-36-17 0,18-1 32,0 0-17,36 1 1,-1-1-16,18 18 15,-36 0 1,36 18 0,-35 17-1,0 18 1,-1 0 0,-17 0-1,0 17 1,-17-34-1,-1-36 1,18-18 31,0 0-31,18-35-16,-18 36 15,52-54 1,-34 36-16,17 0 31,1-1-15,-1 19-1,-17-1 1,35 18 0,-36 0-16,18 0 0</inkml:trace>
+  <inkml:trace contextRef="#ctx0" brushRef="#br0" timeOffset="34823.66">10319 3016 0,'17'0'16,"1"0"-1,0 0-15,35-35 16,-36 17-16,18-17 31,-35 0-15,0-1 0,-35 19-1,18 17 1,-1 0-16,-53 17 15,18 36 1,18 18 0,18 0 15,17-19-31,17 1 31,54-17-15,17-19-1,-18-17 1,19 0-16,-1-53 31,-35 18-15,-36 17-16,54-52 16,-36 17-1,-35 35-15</inkml:trace>
+  <inkml:trace contextRef="#ctx0" brushRef="#br0" timeOffset="35405.1">8290 2752 0,'18'0'16,"0"0"-16,70-18 31,-71 18-31,19-18 16,-19 18-16,89-17 16,-53-1-1,18 18 1,-36 0-1,-17 0 1,-1 0 15,1 0-15,17 0-16</inkml:trace>
+  <inkml:trace contextRef="#ctx0" brushRef="#br0" timeOffset="68286.23">11659 4216 0,'-17'0'78,"17"-18"16</inkml:trace>
+  <inkml:trace contextRef="#ctx0" brushRef="#br0" timeOffset="69516.91">11871 3933 0,'0'-17'15,"0"34"-15,18-34 0,17-18 16,-17 35-16,-1-18 15,-17 0 1,-17 18 47,-1 0-48,0 0-15,1 0 0,-54 53 31,-17 0-31,-53 35 16,-89 53 15,19-35-31,123-53 16,-212 88 0,88-53-1,-53 54 1,-52-1-1,105-53 1,18 18 0,71-36-1,88-34 1,35-54 46,0 0-62,17-35 32,36-35-17,-18 35-15,36-53 32,-36 36-32,18 35 31,-35 17-31,17-17 15,0 17 1,1 0 0,-19 18-1,-17 18 17,-53 0-17,36-1-15,-89 71 31,0 18-15,35-35-16,1-1 31,52-34-15,1-19 0,34-34 30,1 17-30,52 0 0,-52 0-16,35 0 15,-35 0-15,70 0 16,18 0 0,-36 0-1,1 0 16,-36 0-15,18 0 0,-18 0-1,1 0-15</inkml:trace>
+  <inkml:trace contextRef="#ctx0" brushRef="#br0" timeOffset="70471.83">15328 3722 0,'0'0'0,"0"-18"31,0 1-31,18 17 63,-1 0-63,19 17 16,-19 1-16,72 17 15,52 36 16,0-1-15,53 71-16,17-35 31,72 35-31,-36-17 16,-53-18 15,-36-36-15,-69-35-1,-19 1 1,-35-36 0,-35-18 46,0 0-62,0 1 16,0-1-1</inkml:trace>
+  <inkml:trace contextRef="#ctx0" brushRef="#br0" timeOffset="71040.59">17163 4269 0,'0'0'0,"-18"0"0,0 0 16,1 0 15,17 35-15,0 0 0,0-17-16,53 17 15,17 36 16,18-18-31,-35-18 32,18-18-17,-36 1-15,-17-18 32,-1 0-17,-34 18 16,-54-18-15,-35 53 0,1 0-1,-1 17 1,35-17 0,36-18-1,17 1 1,1-36-1,17 17 1,-18-17 0,-17-35-1,17 35 1</inkml:trace>
+  <inkml:trace contextRef="#ctx0" brushRef="#br0" timeOffset="72088.17">3069 5397 0,'0'0'16,"0"-17"-16,0-1 0,0 1 15,-17 17 1,-1 52 0,-35 37-1,35 17 1,1 52-1,-1 1 17,18-71-17,0-35 1,53-53 15,-53-18-15,18 1-16,-1-36 15</inkml:trace>
+  <inkml:trace contextRef="#ctx0" brushRef="#br0" timeOffset="72433.1">3016 5539 0,'-17'-18'16,"34"36"-16,-34-54 0,17-17 15,0 18 1,0 17-1,53 1 1,17-1 0,1 36-16,52 52 31,-52 19-15,-54 105-1,-17-89-15,-17 1 31,-1-53-15,18-35 0,-18-18-1,1-18 1,-19-35 0,19 36-16</inkml:trace>
+  <inkml:trace contextRef="#ctx0" brushRef="#br0" timeOffset="72688.62">2910 5768 0,'36'-18'15,"-19"1"1,19-1-1,52-17 1,-35 17 0,17 0-1,1 1 1,-1-18 0,-17 17-1</inkml:trace>
+  <inkml:trace contextRef="#ctx0" brushRef="#br0" timeOffset="73335.89">3775 5309 0,'0'0'0,"0"-17"0,0 34 31,-18 1-31,18 0 0,-18 70 31,18 0-15,-17 35-1,17-34 1,0-54-16,-18 35 16,18-34-1,0-19 1,-17-34 31,17-19-32,0-34-15,0 17 16,52-18 0,1 36 15,18 18-16,-53 17-15,52 17 16,1 36 0,-54 0-1,1 35 1,-36-35 0,-70 35-1,70-70-15,-87 35 31,-19-18-15,54-35 0,-1 0-16,53 0 31,36 0 0,53-53-15,-36 36-16</inkml:trace>
+  <inkml:trace contextRef="#ctx0" brushRef="#br0" timeOffset="73867.69">4551 5609 0,'0'0'0,"0"-35"32,-18 35-17,-52 0 1,-36 18-16,35 17 16,18 18-1,53-36 16,0 1-15,53 0 0,53-1-1,0 19 1,-53-1 0,-18 18-1,-35-36-15,-18 19 31,-70 17-15,0-18 0,-18-18-16,36-17 15,-1 0 17,53-17-32,1-18 15,17 17 16,0 0-15,17 18 0</inkml:trace>
+  <inkml:trace contextRef="#ctx0" brushRef="#br0" timeOffset="74482.62">5045 5433 0,'0'0'0,"0"-18"0,0-17 31,-18 35-15,0 17-1,-34 54 1,-1 53-1,17-19 1,19 36 0,17-52-1,0-19 1,0-52-16,0-1 16,53 1-1,0-18 1,-1 0-1,-16-18 1</inkml:trace>
+  <inkml:trace contextRef="#ctx0" brushRef="#br0" timeOffset="76132.67">5309 5697 0,'0'-17'15,"0"34"-15,-17-34 16,-1 17-1,-17 0 1,17 0-16,-35 53 16,18 0-1,17 35 1,18-18 0,0-17-1,0-35-15,53-1 16,-35-17-16,35 18 15,17-18 1,1-18 0,17-52-1,-35 17 17,-53 35-32,18-70 0,-18 18 31,-71-36-16,18 88 1,-53 18 0,53 18-1,-17 105 1,52-52 0,18 35-1,18-18 1,52-53 15,36 0-15,-18-35-16,-52 0 15,122-17 1,-69-19-16,16-52 31,-34 0-15,-53 18-1,-1-19 1,-17 72 0,0 34 15,-17 54-15,17-53-16,0 52 15,0-17 1,0-35-16,0 17 31,35-17-15,18-1-16,-18-17 31,36-35-15,-54 35-16,19-53 15,-1-35 1,-17-18-1,-18 35 1,0 36 0,0 53 15,0-1-31,0 36 16,0 36-1,0-1 1,17-53-1,54 0 17,-18-17-17,-36-18-15,71 0 16,-17-35-16,35-54 16,-36-16 15,-52-1-16,0-18 1,-18 107-16,0-36 16,0 35-1,-36 36 17,19-18-32,-1 70 15,18 1 1,0-36-1,0 71 1,0-18-16,18 0 16,17-52 15,36-19-15,-1 1-1,-35-18-15,54 0 0,-1-71 31,-35 18-15,0-35 0,-36 18-1,-17 34 1,0 19-16,-35 34 31,0 36-15,35 0-1,-18 35 1,18-70 0,0 0-1,53 35-15,0-18 16,0-35 0,17 0 15,-34-35-16,34-36 1,-52-35 0,-18 89-16</inkml:trace>
+  <inkml:trace contextRef="#ctx0" brushRef="#br0" timeOffset="76416.72">6562 5486 0,'0'0'16,"-18"0"-16,36 0 15,17 0 1,18 0-1,70-18 1,-52 0 0,17 1-1,-70-1 1</inkml:trace>
+  <inkml:trace contextRef="#ctx0" brushRef="#br0" timeOffset="77040.17">8184 5415 0,'0'0'0,"0"-18"0,0 1 15,18 17 16,17 35-15,18 36 0,18 52-1,-18-35 1,-53-52-16,35 87 16,-17-70-1,-1 0 1,-17-35-1,0-36 32,0-17-31,0-1-16</inkml:trace>
+  <inkml:trace contextRef="#ctx0" brushRef="#br0" timeOffset="77317.19">8572 5415 0,'0'-18'0,"0"36"0,-17-36 31,-18 18-15,-36 89 0,0 17-1,1-18 1,52-53-16,-52 88 31,52-34-15,0-36-16,18-36 31,53-17-15,-35-17-1,17-1 1</inkml:trace>
+  <inkml:trace contextRef="#ctx0" brushRef="#br0" timeOffset="77698.81">8731 5627 0,'0'17'31,"0"1"-31,0 17 16,0 36-1,0 17 1,0 53 0,0-106-1,0 142-15,18-36 32,-18 71-32,0-54 31,0 1-16,0-71 1,0-70 0,18-36-1,17-52 1,-18-18 0,1-89-1,0 124-15</inkml:trace>
+  <inkml:trace contextRef="#ctx0" brushRef="#br0" timeOffset="78032.55">8837 5997 0,'0'-35'0,"0"70"15,-18-141-15,1 18 32,17 71-32,0-19 0,17 19 15,89-36-15,18 17 31,-36 36-15,-18 53 0,-70 18-1,-35-1 1,18-34-16,-72 17 16,-34 17-1,17-52 1,88-1-1,36-17 32,0-17-47,-1 17 16,36-18-16</inkml:trace>
+  <inkml:trace contextRef="#ctx0" brushRef="#br0" timeOffset="78623.81">9525 5786 0,'18'-18'0,"-36"36"0,53-54 15,1 19-15,-36-19 16,0 1 0,-36 17-1,19 18-15,-36 0 16,35 18-16,-35 17 31,-17 71-15,17-18-1,35-17 1,18-1 0,0-52-1,71-18 1,-18 0-1,-1-53 1,1-17 0,-17-36-1,-36 18 1,17-18 0,-17 88-1,0 53 16,0-17-15,0 53 0,0 17-16,18 0 31,17-17-31,0-54 31,-17 1-15,35-18-1,0 0 1,53-88 0</inkml:trace>
+  <inkml:trace contextRef="#ctx0" brushRef="#br0" timeOffset="78921.71">10107 5415 0,'0'-18'0,"0"36"0,0-53 15,-18 35 17,-17 70-32,35 54 15,0-18 17,0 35-32,0-35 31,0-36-16,0-52 1,0-1 0,35-34-1,36-71 1,-36 35 0</inkml:trace>
+  <inkml:trace contextRef="#ctx0" brushRef="#br0" timeOffset="79453.84">10407 5397 0,'0'-17'0,"0"34"0,0-17 15,0 18-15,0 53 32,0-1-17,0 54 1,0-36-16,0 18 31,-18-89-31,18 54 16,0-53-1,0-1 1,0-34 15,0-19-15,0 19-1,0-54 1,36-17-16,52 0 16,0 70 15,0 0-15,-35 54-1,0 52 1,-53 0-1,0-35 1,-18 0 0,1-35-1,-1-18 17,0 0-32,1-36 15,-1 19-15</inkml:trace>
+  <inkml:trace contextRef="#ctx0" brushRef="#br0" timeOffset="79682.49">9807 5680 0,'0'0'16,"35"0"-1,-17 0-15,53 0 16,-54 0-16,89-18 16,18 0-1,-71 1 1,-36 17 0</inkml:trace>
+  <inkml:trace contextRef="#ctx0" brushRef="#br0" timeOffset="80451.49">14852 5345 0,'0'0'0,"0"-18"0,0 0 16,0 1-1,-18 34 17,1 54-17,-1 17 1,18-70-16,0 123 15,0-35 1,-18-1 0,1-52-1,17-35 1,0-36 15,0-35-15</inkml:trace>
+  <inkml:trace contextRef="#ctx0" brushRef="#br0" timeOffset="81516.82">14764 5503 0,'0'-17'0,"0"34"0,-18-52 0,18 17 16,-18-17-16,18 0 15,18-18 16,53 35-15,34-17 0,-69 35-16,70 18 15,-1 35 1,-87 17 0,-36 1-1,-105 17 1,-1-35 15,36-36-31,35-17 31,36 0-15,17-17-16,0 34 47,17 19-32,1-36-15,17 53 16,18 0 0,0-1-1,18-34 1,17-18 0,-70 0-16,70 0 15,35-18 1,-17-34-1,17-37 17,-70-16-32,-35 52 31,-18 35-31,0-17 16,-18 35-1,-35 17-15,18 36 31,0 35-15,35 1 0,0-1-1,70-53 1,-17-35 0,36 0-1,-19-18 1,18-52-1,-52-1 1,-1-52 15,0-18-31,-35 53 32,0 35-17,0 35-15,-17 36 31,17 35-15,-18 52 0,0 19-1,18-18 1,36 17 0,16-70-1,37-35 1,-1-18-1,35 0 17,1-36-17,-89 19-15</inkml:trace>
+  <inkml:trace contextRef="#ctx0" brushRef="#br0" timeOffset="83398.32">16775 5503 0,'0'0'0,"0"-17"16,-36-1 0,19 18-16,-54-18 15,18 18 1,-35 18 0,17 35-1,-17 35 1,53 0-1,35 1 17,0-37-17,53-16-15,17-36 32,1 0-32,17-36 15,18-69 16,-71 16-15,1-16 0,-1 52-1,-35 35 1,0 36 15,-18 52-15,1 1-1,17 17 1,17-35 0,1-35-1,17 34-15,-17-52 16,35 18 0,17-18-1,1-18-15,-18-34 31,0-37-15,0-16 0,-36 69-16,18-105 15,-35 53 1,0 17 0,0 54-1,-35 70 16,35-18-15,-17 18 0,-1 70-1,18-34-15,0 16 32,18-52-17,34 0-15,-34-35 16,70-18-1,-35 0 1,53-18 0,-53-35-1,18-35 1,-54 18 0,36-19-1,-53 72 1,0 52 15,-18 0-15,1-17-1,17 35 1,0 17 0,17-17-1,19-17 1,-1-36-16,18 0 31,-18-36-15,-35 19-16,35-54 15,-17 1 1,17-1 0,-17 18-1,-18 71 32,0-1-31,0 36-1,0 0 1,0 18-16,18-36 16,-18-17-1,17-18-15,71 17 31,-35-17-15,18-53 0,-18 0-1,-18-35 1,0 53 0,-35-18-1,0 71 16,-17-1 1,17 36-32,0 35 15,0-70 1,0 35-16,17 0 31,89-35-31,0-1 31,35-17-15,-35-53 0,0-53-1,-71 18 1,-17 0 0,-18 53-1,-53 35 1,-18 17-1,18 72 17,36 16-17,17-34-15,35 0 32,36-54-17,-1-17 1,71-17-1,-53-19 1,1-52 0,-1-35-1,-88 105-15</inkml:trace>
+  <inkml:trace contextRef="#ctx0" brushRef="#br0" timeOffset="83664.8">18397 5027 0,'-17'0'0,"-1"0"15,53 0-15,-88 0 16,36 0-1,-1 18 1,18-1 0,-17-17-1,-19 0 1</inkml:trace>
+  <inkml:trace contextRef="#ctx0" brushRef="#br0" timeOffset="83887.19">17251 5380 0,'17'0'31,"1"0"-31,0 0 15,35 0-15,35-18 32,-71 18-32</inkml:trace>
+  <inkml:trace contextRef="#ctx0" brushRef="#br0" timeOffset="84515.15">20214 5186 0,'0'0'0,"0"-35"15,-17 17 1,17 0-16,-36 1 16,36-1-1,-17 18 1,17 88-1,35 36-15,0-19 32,18 37-17,-18-54 1,1 18 0,-19-71-1,-17-17 1,0-54 31,0 19-47,0-54 15,36 1-15</inkml:trace>
+  <inkml:trace contextRef="#ctx0" brushRef="#br0" timeOffset="84781.51">20549 5151 0,'0'-36'15,"0"72"-15,-17-72 16,-36 36 0,17 0-16,-34 53 15,-54 53 1,54 0 0,-36 17-1,18 1 1,53-54-1,35-52-15,0 0 32,35-18-17,-18 0 1,19-18-16</inkml:trace>
+  <inkml:trace contextRef="#ctx0" brushRef="#br0" timeOffset="85199.92">20726 5433 0,'0'0'16,"0"17"15,-18-17-31,18 71 16,0 35-1,0 53 1,0 35 0,-18-36-1,-52 72 1,52-177 0,-52 123-16,-19 0 31,54-70-16,35-53 1,18-71 15,17-17-15,18-53 0,35-88-1,-70 105-15</inkml:trace>
+  <inkml:trace contextRef="#ctx0" brushRef="#br0" timeOffset="85587.29">20796 5697 0,'0'-35'16,"0"70"-16,-17-88 0,-19-35 16,36 35-16,0 0 15,36 36 16,-19-1-31,89 0 16,-35 18 0,-1 0-1,-17 53 1,-53 0 0,-35 53-1,-36-71 1,-35 1-1,36-1 1,17-35 0,71 0 31,-1 0-47,89-35 31,-88 35-31</inkml:trace>
+  <inkml:trace contextRef="#ctx0" brushRef="#br0" timeOffset="86152.63">21502 5450 0,'0'0'15,"0"-17"-15,0-1 16,0 0-16,-18 18 15,-17 0 17,0 18-32,-36 53 15,0 17 17,54 0-32,17-17 31,0-54-31,0 1 0,17 0 31,19-18-15,34-36-1,-17-34 1,-17-18 0,16-36-1,-16 53 1,-19 36-1,-17 70 17,0 18-17,0 18 1,0-36 0,0 53-1,36-35 1,17-17-1,-1-19 1,19-17 0,0-53-1,-1 0 1</inkml:trace>
+  <inkml:trace contextRef="#ctx0" brushRef="#br0" timeOffset="86448.96">22084 5151 0,'0'0'16,"0"17"15,0 1-31,-18 17 16,1 53-1,-1 36 1,18-18-16,-18-71 15,18 71 1,0-53 0,0-18-1,36-35 1,17-18 0,52-88-1,-87 89-15</inkml:trace>
+  <inkml:trace contextRef="#ctx0" brushRef="#br0" timeOffset="86972.63">22437 5239 0,'0'-36'0,"0"72"0,0-89 16,0 35-16,-18 53 16,18-17-1,-35 35-15,35 53 16,-18-36 15,18 36-15,-18 0-1,18-88-15,0 17 16,0 0 0,0-52 15,0-1-31,0 0 15,18-70 17,0 71-32,35-89 0,17 53 31,54 17-15,-54 19-1,18 34-15,-52 36 31,-36-35-31,17 88 16,-17-18 0,-17-35-1,-1-18 1,0-17 0,1-18-1,-1 0 1,1-71-1</inkml:trace>
+  <inkml:trace contextRef="#ctx0" brushRef="#br0" timeOffset="87231.15">21925 5433 0,'0'0'0,"-18"0"0,36 0 32,0 0-17,-1 0-15,54 0 16,-53 0-16,70-18 16,-35 0-1,-18 18 1,0-17-1</inkml:trace>
+  <inkml:trace contextRef="#ctx0" brushRef="#br0" timeOffset="88480.85">2963 6350 0,'0'0'16,"-17"0"-16,-1 0 15,18 18 17,18-18-17,70 17 1,18-17-1,123 0-15,0 0 32,-140 0-32,157 0 15,125 0 1,105-17 0,-70-1-1,194 0 1,35 18-1,-159-17 17,-317 17-32,476-18 15,-194 0-15,105 1 16,-69-1 15,-160 1-31,124-1 31,-247 18-15,-70 0 0,-89 0-1,-18 0 1,1 0 31,0-18-32,-1 18-15</inkml:trace>
+  <inkml:trace contextRef="#ctx0" brushRef="#br0" timeOffset="89672.36">14958 6262 0,'-18'0'0,"-35"-18"32,71 18 30,-1 0-62,1 0 16,70 0-16,-52 0 0,105 0 15,123 0 1,36 0 15,-18 0-15,159 0-16,-317 0 15,246 0 1,195 0 0,-107 0-1,213 0 1,16 18 0,-175-1-1,-336-17-15,530 53 16,-195-17-1,124-1 1,-194 0 0,71 0 15,-230-17-15,36 0-16,-230-1 31,-35-17-16,-18 0 1,-35 18 31,-18-18-47,-17 0 16</inkml:trace>
+  <inkml:trace contextRef="#ctx0" brushRef="#br1" timeOffset="132283.85">1058 6809 0,'0'-18'79,"0"0"-64,0 1 1,0-1-1,0 0 1,-17 18-16,-1 0 16,-35-17-16,-35 17 31,17 17-15,-34 36-1,34 18 1,18 17-1,53 36 1,0-89-16,0 71 16,18-1-1,52 19 1,-17-71 0,53-18-1,-18-35 16,-17-17-15,17-36-16,-17 0 31,-19-36-15,-16 19 0,-19 52-16,19-52 15,-36 17 1,17 18-1,-17 17 1,-17 18 15,-1 0-15,18 53 0,-18 17-1,18 19 1,0-19-1,18-17 1,0-53 0,52 18-1,1-18 1,17-53 0,-53 0-1,-35-35 1,0 70-16,-35-17 15,-53-18 1,17 53 0,36 0-1,35-18 1,53 1 15,-36-1-15,107 18-16,-36-18 15,18 18 17,-35 0-17,-19 53 1,-16 0-16,-19 35 16,-17-17 15,0-18-16,0-18 1,-17-35 15,-1-18-15,18 1-16,0-71 16,0 17-1,35-17 1,18 53-1,0-1 17,0 36-17,-35 0-15,35 36 16,0 34-16,-36 1 31,-17 17-15,0-35-1,0 0 1,-17-36 0,-1-17-1,0-17 1,18-54 0,18-17-1,52-18 1,36 36 15,18 70-15,-54 0-1,1 52 1,-71 19 0,0 35-1,-18-18 1,18-53-1,-35 1 1,17-19 0,18-52 15,0 17-31</inkml:trace>
+  <inkml:trace contextRef="#ctx0" brushRef="#br1" timeOffset="132925.38">2893 7179 0,'0'-18'0,"0"36"0,0-106 32,17 88-17,-17-18 1,0 36 0,0 17-1,0 18 1,0 106-1,0 0 1,-17 70 0,-19 35-1,1-70 1,35-123-16,-17 105 16,17-70-1,0-53 1,0-35-1,0-71 17,0 35-17,0-105 1,0-107 0,17 160-16</inkml:trace>
+  <inkml:trace contextRef="#ctx0" brushRef="#br1" timeOffset="133300.31">2893 7320 0,'0'-35'0,"0"70"0,0-123 15,0 17 1,0 36 0,70-18-1,-52 53 1,35-17-16,-18 17 0,71-18 31,-35 18-15,-36 70-1,-35 19 1,-71 16 0,-35 1-16,18-53 31,35-53-16,71-17 32,17-1-31,-35 0-16,71-35 16</inkml:trace>
+  <inkml:trace contextRef="#ctx0" brushRef="#br1" timeOffset="133625.92">3598 6914 0,'0'-17'16,"0"34"-16,0-52 0,0 53 47,-17 17-32,17-17-15,-18 35 16,18-18-16,-35 106 16,35-53-1,0 18 1,0-53 0,17-35-1,36-18 1,-35 0-1,17-53 1,18-18 0,-35 53-16</inkml:trace>
+  <inkml:trace contextRef="#ctx0" brushRef="#br1" timeOffset="135975.32">3810 7232 0,'0'18'31,"18"-18"-15,17 0-1,-35-18-15,35-17 16,18-18 0,-35 0-1,-18 35 32,-53 18-47,-35 35 31,70-17-31,-17 53 16,-1 17 0,36-18-1,0 1 1,71-53-1,0-18 1,-36 0-16,71-18 16,-36-35-1,1-35 1,-18 0 0,-18-36-1,-17 18 1,-18 36 15,-18 70-15,18 70 15,-18 1-15,1-53-16,17 105 15,0-52-15,0 17 31,35-35-15,18-36 0,35-17-1,-35 0 1,35-35 0,-70 17-1,-1-17 1,-17 17 15,0 1-31,-17 17 406,17 17-390,0-34 828,17 17-829,-17-18-15,18 18 16,0-35-16,-1 0 16,-17-18 15,0 17-16,0 19 1,-17 17 0,-1 0-1,-17 35 1,0 36 0,35-54-16,0 36 15,0 18 1,0-36 15,52-17-15,-16-18-16,52 0 31,-18-36-15,-17 1-1,-35-35 1,0 17-1,-18 0 1</inkml:trace>
+  <inkml:trace contextRef="#ctx0" brushRef="#br1" timeOffset="136279.54">4198 6985 0,'-18'0'0,"36"0"0,-18 0 31,18 0-15,35 0 0,-36 0-16,36 0 0,71 0 31,-71-18-16,-36 18 1,1 0 0,-1 0-1,-17-17-15</inkml:trace>
+  <inkml:trace contextRef="#ctx0" brushRef="#br1" timeOffset="136898.63">5609 7232 0,'18'-53'31,"-1"35"-31,1 1 0,17-19 16,1-16-1,-36 16 1,0 19 15,0 34-15,0 1 0,0 35-1,0-18-15,0 124 16,0 0-1,0 70 1,0 18 0,-18-71-1,0 36 1,1-71 0,17-53-1,0-105 32,0-1-47,0-106 16,17 89-1,19-124-15</inkml:trace>
+  <inkml:trace contextRef="#ctx0" brushRef="#br1" timeOffset="137312.54">5697 7232 0,'-17'-35'16,"34"70"-16,-52-88 0,0-18 16,17 36-16,18 0 15,0-36 1,53 36 0,53 0-1,35 35 1,-18 17 15,-34 36-15,-89 0-16,-36 35 31,-34 1-31,-1-54 31,-35-17-31,89-1 31,34-17 32,1 0-63,17-17 16,1-1-16</inkml:trace>
+  <inkml:trace contextRef="#ctx0" brushRef="#br1" timeOffset="137948.19">6456 7126 0,'17'0'0,"-34"0"0,70 0 0,-18-18 16,53-17 0,-35 0-1,-18-18 1,-35 35-1,-17 1 1,-89 17 0,35 0-1,-17 53 1,35 0 0,18 35-1,35 0 1,0-35 15,35-18-15,18-35-1,18-18 1,-18-17-16,0-53 31,-36 70-31,36-52 16,-53 17-1,0 18 1,0 17 0,0 0-1,0 71 17,0-35-32,0 52 15,0 1 1,18 0 15,17-36-31,-17-35 16,17 0 15,0-18-15,18-35-1,18-35 1</inkml:trace>
+  <inkml:trace contextRef="#ctx0" brushRef="#br1" timeOffset="138223.88">7108 6897 0,'0'0'15,"0"-18"-15,0 1 0,0-19 16,0 54 31,0 17-47,0 53 15,0-70 1,0 70-16,0-35 31,-17 35-15,17-52-16,17-36 47,19-53-32,-19 35-15</inkml:trace>
+  <inkml:trace contextRef="#ctx0" brushRef="#br1" timeOffset="138759.31">7355 6844 0,'0'-18'0,"0"36"46,0 0-46,0 52 32,0 1-17,0-1-15,0-52 16,-17 35 0,17 0-1,-18-36 1,18 1-1,0-53 17,0 17-32,0-35 15,0-17 1,53 17 0,18 0-1,-18 35 1,17 18 15,-35 53-15,-17 0-1,-18 0 1,0 0-16,0-18 16,-18-17 15,1-18-16,-1-36 1,0 1 0,1 0-16</inkml:trace>
+  <inkml:trace contextRef="#ctx0" brushRef="#br1" timeOffset="139007.92">6967 6950 0,'0'0'0,"-17"0"0,34 0 31,36 0-15,0 0-16,-35 0 16,70 0-1,-17-18 1,-54 0-1,1 18 1,-1 0 0</inkml:trace>
+  <inkml:trace contextRef="#ctx0" brushRef="#br1" timeOffset="140047.82">8255 7197 0,'0'0'0,"0"17"16,18-17 15,-1 0-31,19-35 16,-1 0-1,18-53 1,-18-1 0,-35 1 15,0 53-31,0-53 16,0 70-1,-35 36 16,17 88-15,0-1 0,18-69-16,0 52 15,0 18 1,18-36 0,35-35-1,0-17 1,35-36 15,-70 1-31,52-36 16,-34-18-1,-1 1 1,-35 17 0,0 18-1,18 35 32,17 0-31,35-36-1,19 19 1,-37-1 0,-34-17-1,-18 17 1,-18 18-1,-70 0 1,35 18 15,-17 35-15,70-36-16,-35 36 16,35 35-16,17-35 31,54 0-16,17-53 1,-18 0 0,-52 0-16,70 0 15,0-17 1,-17-19 0</inkml:trace>
+  <inkml:trace contextRef="#ctx0" brushRef="#br1" timeOffset="140845.97">9613 6967 0,'0'0'0,"-17"-35"31,-1 35-31,-35 0 31,0 18-15,35-18-16,-17 35 15,0 36 1,35-19 0,0-16-1,0-19 1,70-17 0,1-35-1,-18 0 1,-18 0-1,-35-1 17,18 1-32,-18 53 62,0 17-46,0 53-16,0 53 31,35-17-15,-35-71-16,18 123 15,17-35 1,-17 53 0,-18-17-1,0-36 1,-71-18 15,53-88-31,-87 54 16,16-54-1,-16-35 1,-37-18-16,-16-88 16,70-52 15,70 105-31,-17-212 15,35 71 1,53 18 0,52 52-1,-34 71 1,17 0 0,-70 53-16,35 0 15,-18 0 1,-17 0-1</inkml:trace>
+  <inkml:trace contextRef="#ctx0" brushRef="#br1" timeOffset="141598.01">9807 7073 0,'18'0'31,"-1"0"-31,-17-17 16,18 17-1,-18 17 79,0 1-78,0-1-16,0 1 0,0 0 15,0 17 1,0 0 0,-18 1-1,1-36 17,17-18-17,0-17 1,0 17-1</inkml:trace>
+  <inkml:trace contextRef="#ctx0" brushRef="#br1" timeOffset="141957.56">9931 6950 0,'35'0'47,"-17"0"-47,-1 0 16,-17-18-16,0 0 16,-17 18-1,-36 0 1,17 0-1,1 0 1,17 18 0,18 0 15,0 17-15,18-17-1,17-18-15,1 0 16</inkml:trace>
+  <inkml:trace contextRef="#ctx0" brushRef="#br1" timeOffset="142531.48">10125 7020 0,'0'18'16,"0"0"-1,0-1 1,0 1-16,0-1 16,0 19-16,0 34 15,0-17 17,0-35-32,0 17 31,-18-35-16,0 0 1,1-35 0,17 0-1,0-36 1,53-17 0,17 35-1,-52 35-15,70-35 16,-35 53-1,18 0 17,-36 71-32,-35-1 31,0-52-31,0 70 16,0-17-1,0-54 1,0-34 31,0-18-32,0 17-15,0-17 16</inkml:trace>
+  <inkml:trace contextRef="#ctx0" brushRef="#br1" timeOffset="143080.01">10566 7020 0,'0'-17'16,"0"34"-1,0 1 1,0 0 0,0 34-1,0 19 1,0-36-1,0 36 1,-18-54 0,18-34 31,0-1-47,0-17 15,0 17-15,0-70 31,35 35-15,18-17 0,35 52-16,-35 18 31,-17 0-31,-1 18 16,-35-1-16,18 54 15,-18-1 1,0 1-16,0-18 31,-18-36-15,18 1-1,0-36 17,18-17-17,17 0 1</inkml:trace>
+  <inkml:trace contextRef="#ctx0" brushRef="#br1" timeOffset="143340.48">11165 7003 0,'18'0'16,"-36"0"-16,36 17 31,-18 19-15,0-19-16,0 18 15,0 36 1,0-18 0,-18-35-1,18-1 1,-17-17 0,17-70 15,0 52-31</inkml:trace>
+  <inkml:trace contextRef="#ctx0" brushRef="#br1" timeOffset="143548.47">11201 6897 0,'-18'0'16,"0"0"15,18 17 0,18-17 1,0 0-32</inkml:trace>
+  <inkml:trace contextRef="#ctx0" brushRef="#br1" timeOffset="144148.24">11465 6950 0,'0'0'0,"0"35"32,0-17-17,0-1-15,0 1 16,0 0-16,0-1 15,-17 1-15,17 35 16,-18 17 0,0-34-1,1-19 1,17 1 0,0-36 15,0-17-16,0-53 1,35 17 0,18 18-1,17 0 1,-52 53-16,35-17 31,35 17-15,-35 17-1,-35 36 1,-18 0 0,0 18-1,0-54 1,-18 19 0,18-19 15,0-34 16,18-1-47,-1 18 15</inkml:trace>
+  <inkml:trace contextRef="#ctx0" brushRef="#br1" timeOffset="144912.01">12153 7003 0,'0'0'0,"18"-18"15,-18 0 1,0 1 0,-35-1-1,-1 18 1,-17 0 0,36 18-16,-36 17 15,0 36 1,35-36 15,18 0-31,0-17 16,36-18 15,34 0-31,-52-18 16,35 0-1,-36-34 1,19 16-1,-19 19 17,-17-1-32,0 36 62,0-1-62,0 1 16,0 17-1,0 18 1,0 18 0,0-36-1,0 71 1,0 0-16,0 35 31,0 0-15,0 0-1,-53 0 1,0-35 0,0-36-1,18-34 1,0-19 0,0-17-1,17 0-15,0 0 16,1 0 15,-1 0 0,0 0-15,-52-17 0</inkml:trace>
+  <inkml:trace contextRef="#ctx0" brushRef="#br1" timeOffset="146440.69">882 8643 0,'0'0'0,"-18"0"0,-17 0 16,0 0-16,17 0 31,36 0 16,-1 0-47,36 0 16,35-18-1,1-17 1,52-18 0,-35 0-1,-89 36-15,36-54 16,-53 18 15,-17-17-15,-36 17-1,17 35-15,-17 18 32,1 53-17,16 0 1,36 53-1,-17 0 1,17 70 0,0 0-1,0 89 1,0-18 0,-18-35-1,0 34 1,18-87-1,0-71 1,36-17 15,-19-71-31,19 0 16,52-53 0,-18-17-1,18-72 1,-35 19-1,-53 70-15,0-123 16,-53 35 0,-88-1-1,36 54 1,16 35 0,1 18-1,70 35 1,18-18 15,0 1-31,36-19 16,-1 19 15,-17-1-31,17-17 31,-17 17-31</inkml:trace>
+  <inkml:trace contextRef="#ctx0" brushRef="#br1" timeOffset="146957.82">1393 8749 0,'0'-18'31,"0"1"-16,0-1-15,0 0 32,18 1-32,17-1 15,36-17 1,-36 35-16,18 0 16,0 35-1,0 53 16,-53 18-15,0-35 0,0-36-1,0-17 1,-18-18 0,18-36-1,0-52 1,18 18-1,17-1 1,-17 53 0,0 1 15,-1 17-15,18 0-1,-17 0 1,35 0-1</inkml:trace>
+  <inkml:trace contextRef="#ctx0" brushRef="#br1" timeOffset="148156.6">2328 8608 0,'0'0'0,"0"-18"16,-17 18-1,-19 0-15,-17 0 16,36 0 0,-36 18-1,53-1-15,-35 36 16,-1 18-16,36-1 31,0 1-31,0-18 31,71-53-15,-18 0 0,17-35-1,1-18 1,-36-18 0,-35 1-1,-35-19 1,0 72 15,-36 17-15,18 0-16,36 35 31,17 0-31,0-17 31,70-18-31,1 0 16,35-18 15,-1-17-15,-34 17-1,-1 18 1,-52 36 0,0 34-1,-18-17 1,0 18-1,0-36 17,-18 0-17,0-35 1,18-17 0,0-54 15,0 1-16,53-19 1,-35 72-16,35-19 16,17 36-1,-34 0 1,17 53 0,-36 0-1,1 53 1,-18-53-1,0-18 1,-18-35 15,18-17-15,0-36 15,0 35-31,0-88 16,53 18-16,53 17 31,-35 54-15,17 34-1,-35 54 1,-53 35 0,0-18-1,0-17 1,-18-18-1,0-53 17,-17 0-17,35-53 1</inkml:trace>
+  <inkml:trace contextRef="#ctx0" brushRef="#br1" timeOffset="149413.46">4145 8872 0,'0'18'31,"53"-18"-15,-35 0-16,-1-35 15,1 17-15,35-52 16,0-1-1,-18-35 1,0-17 0,-17 52-1,-18 1 1,0 87 15,-18 89-15,18-35-1,0 34 1,0-34 15,0-53-31,71 52 16,-18-70 0,53 0-1,-1-53-15,-16 0 31,-72 36-31,36-36 16,-53 17-16,0-34 16,0-18-1,0 52 1,-17 72 15,17-19-31,-18 54 16,0 35-1,18-18 1,-17-35 15,17 0-31,0-71 47,0 1-47,53-54 31,0-17-15,-36 52 0,36 19-1,-35 17-15,17 0 16,-35 17 0,0 54-1,18-18 1,35 0-1,-1-35 17,1-18-17,-35 0-15,53-36 16,-1 1 0,1-18-1,-54-18 1,-17 1-1,0 17 1,-17 53-16,-36-18 16,17 54-1,19 34 1,17-17 0,17 35-1,54-35 1,-36-53-16,36 0 15,35 0 17,-18-35-17,-18-18 1,-34-18 0</inkml:trace>
+  <inkml:trace contextRef="#ctx0" brushRef="#br1" timeOffset="149697.35">4075 8520 0,'0'0'16,"0"17"-16,17-17 15,71 0 1,18 0 0,-70-17-1,122-19 1,-70 19 0,-17 17-16,-53-18 15</inkml:trace>
+  <inkml:trace contextRef="#ctx0" brushRef="#br1" timeOffset="150440.57">6156 8572 0,'-53'-17'31,"35"-1"-31,18 1 0,-17-19 15,17 1 1,53-18 0,-36 35-1,36 1 1,35 17-16,-17 35 16,35 36-1,-71 17 16,-35 0-15,-18-17 0,1-54-1,17-34 17,0-36-17,0-18 1,53-35-1,0 53 1,0 0 0,-18 36-1,0 17 1,0 0 0,-17 0-1,17 0-15</inkml:trace>
+  <inkml:trace contextRef="#ctx0" brushRef="#br1" timeOffset="151289.64">7020 8343 0,'0'0'0,"0"-35"32,-17 35-1,-36 35-16,35 36 1,0 17 0,18-70-1,0 52 1,0-35 0,53-17-1,18-18 1,-18 0-16,-18-35 31,-17 17-31,-18-17 16,0-18-1,-88 0 1,52 35 0,1 1-1,35-1 1,18 0-1,70-17 1,-18 0 15,19 17-31,-1 18 32,-71 0-17,-17 18-15,0 52 16,0-17-1,0 18 1,0-1 0,0-34-1,0-19 1,53 1 0,0-18-1,0-35 1,-18 17-1,1-52 1,-19-36 15,-34 53-15,-36 18 0,0 17-1,-18 18 1,36 35-16,17-17 15,1-18 1,17 35 0,35-35 15,-17 0-31</inkml:trace>
+  <inkml:trace contextRef="#ctx0" brushRef="#br1" timeOffset="151623.12">7973 8061 0,'0'0'0,"0"-18"16,-18 18 15,0 18-31,1 0 0,17-1 16,-35 54-16,17 35 31,0-18-15,-17 0-1,17 0 1,18-70-16,0-1 16,0 1-1,53-18 1,-17 0-1,16-53 1,-16 18 0</inkml:trace>
+  <inkml:trace contextRef="#ctx0" brushRef="#br1" timeOffset="151889.87">7779 8237 0,'0'0'16,"-18"0"-16,36 0 31,-1 0-31,54-17 16,-1-1 0,1 0-1,-36 18 1,-52 0 31</inkml:trace>
+  <inkml:trace contextRef="#ctx0" brushRef="#br1" timeOffset="152912.1">8890 8184 0,'0'0'0,"0"-17"0,0-1 0,0-35 16,0 36 0,18-1-1,-18 0 1,0 1-16,0 34 16,-18 19 15,18 17-31,-18-1 31,18 1-15,0-35-16,-17 70 15,-1 0 1,0 1 0,18-37-1,0-34 1,0 0-1,18-18 32,0-36-31,-1 1-16</inkml:trace>
+  <inkml:trace contextRef="#ctx0" brushRef="#br1" timeOffset="153488.7">8749 8449 0,'-18'0'16,"36"0"-16,-53 0 16,52-18 15,1 18-31,0 0 0,34-35 16,-16 35-16,87-53 15,-35 36 1,1-1-1,-54 0 17,-35 89-17,0-54 1,0 19 0,0 34-1,17-17 1,36-53-16,0 18 31,36-18-15,-54-18-1,0-35 1,-17 0 0,-1-17-1,-34-36 1,-36 53-1,35 53-15,-35-18 16,-17 36 15,34 17-15,36 18 0,0-17-1,0-1 1,0 0-16,36-35 31</inkml:trace>
+  <inkml:trace contextRef="#ctx0" brushRef="#br1" timeOffset="154797.66">10160 8520 0,'18'0'16,"-36"0"-16,53 0 0,-17 0 0,0 0 16,52-18-1,-17-35 1,0 0 0,-18-35-1,-35-18 1,18 0-1,-18 71-15,0-71 16,0 71 0,0 70 15,-35 36-15,35 70-1,-18-106 1,18 89-1,0-36 1,35-35 0,36-36-1,-18-17 1,17-17 0,-34-1-16,34-17 15,18-53 1,-52-36-1,-19 18 17,-17 0-17,-17 71 1,-1 35-16,-17 88 16,17-17 15,18 52-16,-18-17 1,18-88-16,-17 35 16,-1-18-1,18-17 1,0-36 15,35-17-15,1-18-1,-19 35-15,19-35 16,-1 36 15,-18 17-15,-17 35 0,18 18-1,35 17 1,-35-70-16,70 36 0,-18-19 31,72-17-15,-19-35-1,-35 0 1,0-36 0,-70-17-1,-18 17 1,0 36-1,-35 35 1,-18 35 15,35 54-15,1-19-16,17-52 16,0 52-1,17-34 1,36-19-1,0-17 1,18-35 0,-36 0-1,-18-53 1,-17-1 0</inkml:trace>
+  <inkml:trace contextRef="#ctx0" brushRef="#br1" timeOffset="155073.01">10178 8237 0,'0'0'15,"-18"18"-15,0 0 0,54-18 31,34 0-15,54 0 0,-1-36-1,-70 19 1,-18-1 0,-52 18-1,-1 0-15</inkml:trace>
+  <inkml:trace contextRef="#ctx0" brushRef="#br1" timeOffset="158479.24">2170 9596 0,'0'0'0,"0"17"16,0 18 0,17-35 15,18 0-15,71-35-1,-35 0 1,-1 0-1,-70 17-15,18 18 32,-36-18-32,-52 18 15,-54 18 17,36 35-17,18 17 1,70-52-16,-18 35 0,18 0 31,18-53-15,52 0-1,1 0 1,-1-35 0,-52 17-1,-89 18 16,-17 35-15,0 36 0,17 17-1,54-17 1,17-36 0,0 18-16,17 0 31,54-36-31,17-17 15,18-35 17,-71 35-32,89-53 15,35-53 1,-71 0 0,0-35-1,-88 36 1,0-1-1,0 70 1,-35 36 15,-1 36-31,-17 87 32,36 1-32,17 70 31,0-124-16,0-52-15,53 52 16,0-52 0,52-18-1,-16-18 1,-1-34 0,0-37-1,-70 19 1,-18-18-1,0 70 1,-36 0 15,1 54-31,0 52 32,17-18-17,18 1 1,0-18-1,53-53-15,0 0 32,35 0-17,18-53 1,-35-18 0,-36 18-1,-17-35 1,-18 53-1,0 53 17,0 52-1,0-52-31,0 35 16,0 0-1,0-18-15,0-17 31,17-18 1,18-53-17,1 0 1,-19-18 0,36 1-1,-35 52-15,17-17 16,1 35-1,-19 17 1,18 54 0,-17 17-1,17-17 17,-17-54-17,-18 1 1,35-18-1,18-18 1,-35-35 0,52-35-1,-34 18 1,-1-1 0,-35 36-1,18 35 1,-1 35-1,-17 36 1,18-1 15,-18 1-15,53-18-16,0-36 16,0-17 15,-36 0-31,71-17 15,-17-19 1,17-17 0,-53-52-1,-35 34 1,0-17 0,-17 53-1,-36 35 1,18 35-1,-18 53 1,53 18 15,0-36-15,17-17 0,1-35-16,35 0 0,53-18 31,17-18-31,-52-35 15,17-18 17,-53-17-17,-35 18 1,0 34 0,0 72 15,0-19-31,0 19 15,-17 69 1,-1-34 15,18-53-15,0-36 31,35-17-47,-17 17 15,0-52 1,52-19 0,-35 19-1,1 35 1,-19 35 0,-17 52-1,0 37 1,0-19-1,36-17 1,34-35 0,-17-18 15,53-18-31,-53-35 16,17-35 15,-34-18-31,-19 0 31,1-17-15,-18 70-1,0 71 17,-35 70-17,17 0 1,0 53-1,18-70 1,0-36-16,0 35 31,71-52-15,-18-18-16,35 0 16,18-53 15,-71 0-16,-35 36-15,18-36 0</inkml:trace>
+  <inkml:trace contextRef="#ctx0" brushRef="#br1" timeOffset="158705.74">5468 9507 0,'-18'0'0,"36"0"0,-53 18 15,35 0 1,70-18-1,19-18 1,34 0 0,-52 1-1,-19-1 17,-34 18-32</inkml:trace>
+  <inkml:trace contextRef="#ctx0" brushRef="#br1" timeOffset="160513.51">6879 9490 0,'0'0'0,"0"-18"15,0-17 1,0 17-16,0-17 15,-17 35 17,17 18-17,-18 17-15,18-18 16,0 72 0,0 52-16,0-35 31,0-54-16,0-34-15,18-36 47,-1 1-47,36-54 16,-18 1 0,1-18-1,-19 17 1,1 53-1,0 18 1,-1 89 15,1-1-15,17 0 0,0-35-16,18-36 31,18-17-16,-1-35 1,-17-53 0,-17 17-1,-1-34 1,-35 34 0,0 18-1,0 71 16,0 52-15,-18 36 0,18-18-1,0-17 1,36-18 15,34-53-31,1-18 16,-1-35-1,18-35 17,-35 0-17,-53 70-15,18-105 16,0 17 0,-18 35-1,-18 54 1,-35 17-1,18 70 1,17 36 15,18-18-15,0 36-16,0-18 16,0-53 15,0-36-31,0-52 47,35-36-32,1 18 1,17-35 0,-36 71-16,18-19 15,1 19 1,-36 52-1,17 18 1,1 17 0,35 1 15,0-36-15,-35-35-16,52 18 15,1-18 1,-1-35-16,1-18 31,-18 0-15,-18-53-1,-17 88-15,-18-35 16,0 36 0,0 52 15,0-17-31,0 52 15,0 1 1,0-18 0,0-18 15,17-35-31,54 0 31,-54 0-31,19-35 31,-19 35-31,19-53 0,-19-18 32,-17 18-17</inkml:trace>
+  <inkml:trace contextRef="#ctx0" brushRef="#br1" timeOffset="160707.43">8678 9260 0,'-17'0'0,"34"0"0,-52 0 16,17 0 15,36 0 32,0 0-63</inkml:trace>
+  <inkml:trace contextRef="#ctx0" brushRef="#br1" timeOffset="161543.18">9049 9278 0,'0'0'16,"-18"0"15,0 18-31,18-1 16,-17-17-16,17 18 15,-35 53-15,-1 34 16,36-52 15,0 18-15,71-36-1,35-35 1,-18 0 0,-18-53-1,1 0 1,-36-35 0,-17 18-1,-18 34-15,18-52 16,-18 35-1,0 35 1,-18 18 0,18 53 15,-18 36-15,18-1-1,0 0 1,0-17-1,0-54 1,0 18 0,0-52 15,0-54-15,0 18-1,71-35 1,35 18-1,-36 34 1,-52 36-16,70 0 16,-53 53 15,-35 0-15,0 35-16,0-17 15,-17-1 16,17-52-31,0 0 0,0-36 47,0 0-31,0-17-16</inkml:trace>
+  <inkml:trace contextRef="#ctx0" brushRef="#br1" timeOffset="162787.54">10407 9366 0,'18'-17'0,"-18"-19"32,0 54 15,0 0-47,0-1 0,0 54 15,0 17 16,0 0-31,0-70 16,0 52 0,0-52-1,0-53 17,52-18-17,-52 35-15,53-70 16,-17 17-1,17 1 1,-18 70 15,-17 53-15,-18 17 0,17-52-1,1 70 1,17-35-1,18-35-15,18-18 32,-19-18-17,37-70 1,-54 35 0,-17-35-1,17 0 1,-35 52-1,0 54 17,0 35-17,0 17 1,0 1 15,0 0-31,70-36 31,-34-18-31,34-17 16,36 0 0,-35-52-1,17-19 1,-35 0 0,-36 1-1,-17-18 1,-17 88-1,-36 0 1,18 70 0,17 18-1,18-17 1,35 0 15,-17-54-31,35-17 0,17 0 31,36-35-15,-35 0 0,-1-18-1,-52 0 1</inkml:trace>
+  <inkml:trace contextRef="#ctx0" brushRef="#br1" timeOffset="165328.25">917 10848 0,'0'-18'0,"0"36"0,18-36 0,-18 1 31,0 34 0,0 1-31,0 35 16,0-36-16,-18 72 16,18-1-1,-17 35 1,17-70 0,0-35-1,17-71 16,18-18-15,1-17 0,-19 35-1,1 18 1,0 35 15,-1 18-31,-17 52 31,18 1-15,17-1-16,18-17 31,-18-35-15,36-18 0,-18-53-1,0-18 1,-18 1-1,-17-18 1,-18 17 0,0 53-16,0-17 31,0 18-15,0 87-1,0 1 1,17 34-1,1-87 1,35 70 0,17-17-1,1-53 1,35-18 0,-18 0-1,36-71 1,-54 0-1,-35-17 1,-35 18 0,-17-19-1,-36 37 1,-18 52 15,36 17-15,-18 71-16,35-17 31,1 70-31,17-70 31,0-54-31,35 36 16,0-53 0,36-17-1,-36-19 1,0-70-1,-17 36 1,-18-36 15,0 71-15,0 52 15,0 36-31,0 18 16,0-54-1,0 89 1,35-53-16,18-35 31,18-18-15,17 0 0,-17-53-1,17-35 1,-71 70-16,1-35 15,-18-17 1,0 52 0,-35 18 15,17 18-15,1 70-1,17-18-15,0 1 16,0-18-1,0-35 17,0-36-1,0-35-15,0 35-16,17-52 15,54-36 1,-18 53-1,17 0 1,-17 53 0,-35 0-16,-1 71 31,1-18-15,17 35-1,1-18 1,-1-34-1,18-19 1,-36-17-16,36 0 16,0-17-1,0-36 1,-18-36 0,1 19-1,-36-71 1,0 53-1,0 70 1,0 36 0,0 35-1,0 52 17,-18 1-17,18-71-15,0 71 16,0-53-1,18-17-15,52-36 32,-34 0-17,-1-53 1,-18 53-16,1-53 16,-18-36-1,0 72-15</inkml:trace>
+  <inkml:trace contextRef="#ctx0" brushRef="#br1" timeOffset="165546.13">3087 10936 0,'-18'0'16,"36"0"-16,-53 0 0,52 0 31,1 0-31,52 0 31,-17-18-31,-35 18 16,35-17 0,-18-1-1</inkml:trace>
+  <inkml:trace contextRef="#ctx0" brushRef="#br1" timeOffset="166013.17">4110 10795 0,'0'0'0,"0"-18"15,17-70 1,-17 71-16,-17 17 31,17 52-15,-18-34-16,18 70 31,0 18-15,0-35-1,0 17-15,0-35 31,-17-53 16,17-18-47</inkml:trace>
+  <inkml:trace contextRef="#ctx0" brushRef="#br1" timeOffset="166521.47">3951 11042 0,'-18'-18'16,"54"-17"15,-19 35-31,54-35 16,17 17 15,36-17-31,-36 17 31,-71 1-31,1 17 16,-18 52-1,0 1 1,0 36-16,0-37 31,0 19-15,88-53 0,-17-18-1,35-53 1,-53 0-1,-1-18 1,-34 1 0,-36-18 15,-52 35-15,-18 53-1,0 0 1,-1 53-1,36-1 1,53 1 0,0-17-1,53-36 1</inkml:trace>
+  <inkml:trace contextRef="#ctx0" brushRef="#br1" timeOffset="166963.48">5433 10901 0,'0'0'0,"0"-18"16,-18 18 15,18 18-31,-18 17 15,18 36 1,0-54-16,0 36 16,0 0 15,0-35-31,0-36 47,0 0-32</inkml:trace>
+  <inkml:trace contextRef="#ctx0" brushRef="#br1" timeOffset="167144.96">5380 10813 0,'0'0'16,"-18"-18"-16,1 0 15,17 36 48,17-18-63,1 18 0,70-18 15</inkml:trace>
+  <inkml:trace contextRef="#ctx0" brushRef="#br1" timeOffset="169053.89">6103 10989 0,'18'0'16,"-36"0"-16,53 0 0,-17-35 16,-18 17-16,0-17 15,0-36 1,-18 18-1,-52 18 1,-18 35 0,70 0-16,-88 53 31,36 18-31,17 34 31,53-34-31,0-1 16,70-34 15,18-36-15,1-36-1,-19 1 1,1-53 0,-36-18-1,0 18 1,-35 53-16,0-106 15,0 35 1,0 18 0,-17 70-1,17 36 1,-18 87 0,18 54-1,0 0 16,0-53-31,0-36 16,53 1 0,17-54 15,-52-17-31,35 0 16,35-52-1,-17 16 1,-1-34-1,-34-18 1,-36 35 0,-36-18-1,-17 71 17,18 35-17,0 36-15,17-1 16,18-17-1,0-35 1,35 35 0,1-35-1,52-18 1,0 0 0,0-18-1,18-35 1,-71 35-16,18-35 15,-35 18-15,17-18 16,-35-17 0,0 87 15,0 36-15,-17-35-1,17 52-15,-18 1 31,18-18-15,-18-53-16,18 18 31,18-36 1,-18 0-32,53-52 15,0-18 1,0 17-1,0 0 1,-36 71 0,1 18-1,0 17 1,-18 54-16,35-37 16,0 37-1,36-36 16,-18-53-15,-36 0-16,89 0 16,-18-18-1,-35-17 1,18-36 0,-36-35-1,-17-35 1,-18 18-1,0 70 1,-18 53 0,-35 35-1,35 53 1,1 18 15,17 18-15,0-36-1,17-18 1,36-52 0,18 0-16,-1-18 31,19-18-15,-19-53-1,-17 1 1,-35-1-1,17 1 1,-35 105 15,-18-35-15,1 53-16,17-35 16,0-1-16,-18 54 15,18-36-15,35 0 31,18-35-15,18 0 0,-1-17-1,-34-36 1,-1-18 0,-17 54-16</inkml:trace>
+  <inkml:trace contextRef="#ctx0" brushRef="#br1" timeOffset="169244.19">8378 10425 0,'0'0'16,"-17"0"-16,-1 0 0,1 0 16</inkml:trace>
+  <inkml:trace contextRef="#ctx0" brushRef="#br1" timeOffset="169455.51">7602 10654 0,'0'18'0,"53"-18"15,53 0 17,-18-18-17,0-35-15,-70 53 16</inkml:trace>
+  <inkml:trace contextRef="#ctx0" brushRef="#br1" timeOffset="171129.08">8484 10901 0,'18'0'31,"0"-18"-15,-1 1-16,89-36 15,0-36 1,-36 19 0,-52 52-16,-18-88 15,0 53 17,0 36-17,-35 34 1,0 54-16,-18 70 31,53-106-31,-18 89 16,18 35-1,-35 17 1,17-35 0,0 18-1,18-53 1,0-53-1,18-53 1,53 0 0,-36-36 15,35-52-31,-52-18 31,-18 1-15,-18-90-1,-17 107 1,-53 18 0,17 52-1,71 0 32,18 18-47,53-17 16,52-18-1,18-18 1,-53 0 0,-17 0-1,-71 35 1,18 1-16,-1-1 31,-17 36 0,0 34-15,0 1-16,0-35 0,0 53 31,71-36-15,-36-18 0,36-17-1,-1-17 1,-17-18-1,-35 17-15,-1-53 16,1 18 0,0-17 15,-18 35-31,0 52 47,0 36-47,0-35 15,0 52 1,17 36-16,1 35 31,-18-17-15,35 70 0,-17-141-16,-18 88 15,0 35 1,0-17-1,-18-53 1,1-53 0,-36-36-1,35-17 17,18-53-17,0-35-15,0-35 16,0-71 15,18-53-31,-1 176 16,1-88-1,35 1 1,-36 87 0,19 54-1,-1-19 1,-17 36-1,-1 0-15,36-17 32</inkml:trace>
+  <inkml:trace contextRef="#ctx0" brushRef="#br1" timeOffset="171329.22">10231 10883 0,'0'0'0,"0"18"16</inkml:trace>
+  <inkml:trace contextRef="#ctx0" brushRef="#br1" timeOffset="182520.2">1252 12382 0,'18'0'16,"0"-17"-16,-1 17 16,-17-18-1,36 18-15,-19-35 32,18 0-17,-17 17 1,0-17-1,-1 17 1,1 0 0,-18 1-1,-18 17 17,-17 35-17,-18 0 16,-17 54-31,34-72 0,-34 71 32,-1 1-32,-35 52 15,36-35 17,-18 35-17,35-71 1,35-52-16,0 35 15,1-53 17,17-18-17,0-17 1,35-53 0,-17 70-1,52-141-15,1 36 31,-1-18-31,-17 70 32,-17 1-17,-1 17-15,-17 53 32,-36 17-1,-17 19-16,-1 69 1,-34-16 0,52-72-16,-52 89 15,-36 53 1,35-53 15,18-36-31,0 18 16,18-70 15,35 17-31,0-52 47,0-36-31,0 35-16,18-35 15,35-35 1,-36 53-16,89-142 15,-18 72 1,-17-1 0,-54 70-1,1 36 1,-18-17 15,0 34 32,0 1-63</inkml:trace>
+  <inkml:trace contextRef="#ctx0" brushRef="#br1" timeOffset="184868.75">1023 12506 0,'0'0'0,"-18"18"16,36-36 62,0 0-78,-18 1 0,17-1 16,54-53-16,-1 1 15,-17-18 1,-35 52 0,70-87-1,-17 52 1,-54 19-1,-17 34 1,-17 18 31,-19 53-31,-16 0-1,-19 17 1,18 1-1,-35 52 1,70-87-16,-17 52 31,-18 0-15,0 18 0,35-36-1,-34 19 1,34-19-1,0-52-15,1 17 16,-19 0 0,19-17-1,-1-18 1,0 0 15,1 0 0,17-18-15,0 1-16,0-36 31,35 17-31,18-69 16,-35 87 0,35-88-1,35-17 1,-35-1-1,17 36 1,1-18 0,-18 36-1,-36 34 1,1 19 15,-18 34 0,-35 19-15,17-19 0,-52 71-1,-1 1 1,18-19 0,-18 54-1,1-36 1,52-70-16,-35 70 15,0 18 1,18-54 0,0 1-1,17-53 1,18 18 0,0 0 15,0-71 0,53-18-31,0-17 16,35-18-1,0 0 1,-70 71 0,70-71-1,18-17 1,-35 52-1,-1 18 1,-52 18 0,17 0-1,-17-1 1,-36 36 109,1 18-109,-1 0-1,18-1 1,0 1-16,0 35 15,0 0 1</inkml:trace>
+  <inkml:trace contextRef="#ctx0" brushRef="#br1" timeOffset="185567.86">1940 12753 0,'0'0'0,"-17"0"0,-1-18 16,0 18-16,-17 0 16,17 0 15,1 0-31,-18 0 31,17 0-31,0 0 16,18-17 46,18 17-46,17-18-16,18 18 15,-18 0-15,142-18 16,-1 1 0,124-19-1,-106 19 1,-18 17 15,-70-18-15,-88 18-16,17 0 15,-35-17 48,0-1-16</inkml:trace>
+  <inkml:trace contextRef="#ctx0" brushRef="#br1" timeOffset="189342.49">2928 12312 0,'0'0'16,"-18"0"-16,18-18 31,-17 18-31,17 18 47,0 0-47,0 17 15,53 0 1,-36-17-16,19 17 16,34 0-1,-35-17 1,36-18 15,-53 18-31,-1-18 16,19 0-1,-36 17 32,-18 1-31,0 0 0,-35 17-1,36-18-15,-36 19 16,-35 34-1,17-17 1,0 0 0,36-18-1,-18-17 1,36 17 15,-1-35-31,18 18 31,-18-18-31,1 0 47,17-18 360,-18 18 155,0 0 766,18-17-656,0-1-594,0 0-62,18 1-1</inkml:trace>
+  <inkml:trace contextRef="#ctx0" brushRef="#br1" timeOffset="191109.04">4198 12171 0</inkml:trace>
+  <inkml:trace contextRef="#ctx0" brushRef="#br1" timeOffset="192942.02">4180 12206 0,'0'18'46,"0"-1"-14,0 1-17,0 0 1,0-1 15,36-17-15,17 0-1,17-17 1,18-19 0,-35 1-1,0-18 1,-53 36-16,0-19 16,0-17 15,-17 36-16,-1 17 1,18-18 15,0 0 141,-18 18-156,1 0-1,17 18 1,-18 0 0,0 52-1,1 1-15,17 70 16,0-18 0,0 71 15,0-141-31,-18 124 15,0 52 1,-17-17 0,18-89-1,17-17 1,0-88-16,0 35 16,52-53-1,-16 0 16,34-53-15,1-36 0,-18 19-16,0-71 31,-53 17-15,-18-52-16,-70 17 31,0 71-16,-1 17 1,72 54-16,-36 17 16,35 0-1,18-18 1,18 1 15,0 17-15,70-36-1,18-17 1,-1 18 0,19-18-1,-71 0-15,-18 36 32,-17 17-17,-18 17 16,-36 54-15,19-1 0,17-52-1,0 0-15,17 35 16,1-53-16,35 0 16,0 17 15,17-34-31,-17-1 31,-17-35-15,-19-18-1,-17-17-15,-35 35 32,-53 36-17,0 17 1,35 17-1,35 19 1,0-19-16,18 18 16,0 1-1,18-19 1,53-17 0,-18 0-1</inkml:trace>
+  <inkml:trace contextRef="#ctx0" brushRef="#br1" timeOffset="193450.38">5186 12400 0,'0'-18'16,"0"1"-1,0-1-15,17 1 16,1-1-1,35 0 1,-35 1 0,35 17-1,-18 35 1,18 53 0,-53-70-16,0 52 31,0-17-16,0-17-15,0-1 32,0-53-1,0 1-15,0-36-16,0-18 31,0-17-16,53 0 1,-18 52 0,-17 36-16,-1-17 15,1 17 17</inkml:trace>
+  <inkml:trace contextRef="#ctx0" brushRef="#br1" timeOffset="194124.45">6773 12083 0,'0'-18'0,"0"36"0,0-54 15,0-17 1,-17 71 31,17 0-31,-18-1-16,18 36 0,0 35 15,-35 54 1,-1-19-1,36-88-15,-17 36 32,17-1-32,0-34 15,35-36 17,36 0-17,17-18 1,0-35-1,-17 0 1,-71 18 0</inkml:trace>
+  <inkml:trace contextRef="#ctx0" brushRef="#br1" timeOffset="194375.88">6562 12330 0,'-18'0'0,"36"0"0,-54 0 16,54 0 15,35 0-15,17 0-1,36-18 1,0-17-1,-35 17 1,-1 0 0,-52 18-16</inkml:trace>
+  <inkml:trace contextRef="#ctx0" brushRef="#br1" timeOffset="194917.4">7250 12294 0,'-18'0'15,"18"-17"17,0-1-17,0 0-15,0 1 16,35-19-1,0 19 1,36 17 0,0 17-1,-18 36 1,-53-17-16,17 52 16,-17-18-1,0 19 16,-35-36-15,17-53 15,1 0-31,17-53 16,17-18 0,19-17 15,16 0-16,19 17 1,-36 36 0,-17 35-16,17 0 15,0 0 1</inkml:trace>
+  <inkml:trace contextRef="#ctx0" brushRef="#br1" timeOffset="195758.02">8255 12435 0,'18'-17'16,"-1"17"-16,36-71 31,-35 54-31,-18-36 16,0-18-1,-35 36 1,-71 17-1,18 1 1,52 17-16,-52 52 16,35 19-1,35 17 1,18 18 0,0-53-1,36-18 1,-19-35-1,36 0 1,18 0-16,-1-53 31,1 18-31,-36-36 16,1 1 0,-36 17 15,17 35-16,-17 89 17,0-1-17,0-17 1,18 0 0,-18-35-16,17-18 15,19 18 16,-1-18-15,-17 0-16,17-36 31</inkml:trace>
+  <inkml:trace contextRef="#ctx0" brushRef="#br1" timeOffset="196207.36">8572 12312 0,'0'0'0,"0"-18"15,0 1 1,18-19 0,0 36-16,35 0 15,17 0 1,-34 36 0,16 52-1,-16-18 1,-36 19 15,0-54-15,17-35 15,19-18-31,-19-35 16,1 0 15,0 36-31,-1-54 15,36-17 1,-35 53 0,17 17-1,-17 18 1,-1 0 0,1 18-1,-18 17 1</inkml:trace>
+  <inkml:trace contextRef="#ctx0" brushRef="#br1" timeOffset="196608.31">9155 12418 0,'0'0'16,"0"17"0,17-17-1,36-17 1,-18-19-1,18-16 1,-35-1 0,-18 35-16,0 0 15,0 1 1,-53 34 0,0 19-1,18 52 16,17-35-15,18-36-16,0 54 0,0-36 31,35 1-15,18-36 0,0 0-1,18-36 1,-1-17-1,-52 36-15</inkml:trace>
+  <inkml:trace contextRef="#ctx0" brushRef="#br1" timeOffset="197008.26">9507 12347 0,'0'-35'16,"0"17"0,18-17-1,53 0 16,17-1-31,-18 36 16,18 18 15,-35 35-31,-53-35 16,18 70 0,-18-18-1,-35-34 1,-1-19-1,1 1 1,35-53 15,0-18-15,35-18 0,1-17-1,-1 35 1,0 18-1,1 17 1,-1 18 15</inkml:trace>
+  <inkml:trace contextRef="#ctx0" brushRef="#br1" timeOffset="197667.63">10442 12206 0,'0'0'0,"18"-18"0,-1 18 0,36-52 15,-53 34 1,18 0-16,-18-17 16,0 17-16,-18 18 31,-52 0-16,17 18 1,-18 35 0,54-18-1,17 18 1,35-18 0,36 1-1,-1 17 16,-17-18-31,-35 18 32,-18-18-17,-53-17-15,-18-1 32,-17-17-17,70 0-15,1 0 16,-1 0-16,-35-35 15,36 17 1,17 1 0,17-19-1,36 19 1,-35-1-16</inkml:trace>
+  <inkml:trace contextRef="#ctx0" brushRef="#br1" timeOffset="197971.83">10866 12083 0,'-18'17'31,"0"-17"-15,18 18-16,-35 70 15,35-17 1,-18-18 0,1-1-1,17-34 1,0-36 31,0 1-47,0-1 15</inkml:trace>
+  <inkml:trace contextRef="#ctx0" brushRef="#br1" timeOffset="198168.04">10795 11836 0,'-18'0'16,"36"0"-16,-53 0 0,17 0 0,0 0 15,1 0 1,34 0 31,1 0-47,17 0 16</inkml:trace>
+  <inkml:trace contextRef="#ctx0" brushRef="#br1" timeOffset="199017.34">11060 12136 0,'0'17'31,"0"1"-15,0-1-16,0 1 16,0 35-1,0 18 1,0-36 0,-18-18-1,0-17 1,1 0-1,17-17 1,0-18 0,17-36-1,19 53 1,52-70-16,0 18 31,18 34-15,-18 19-1,-17 70 1,-54 35 0,-17 18-1,0-36 1,-17-35 0,-1-17-1,0 0 16,18-36 1,53-35-17,-35 36-15</inkml:trace>
+  <inkml:trace contextRef="#ctx0" brushRef="#br1" timeOffset="199721.44">11836 12171 0,'17'-18'0,"-34"36"0,52-36 0,0-17 15,-35 17-15,18-35 16,-18-17 0,0 52-1,-71 18 1,-17 18 0,53-18-16,-36 70 15,-17 19 16,70-19-31,18 1 16,18-36 0,35-35-1,53-18 17,-36-17-32,-17-18 31,0-35-16,-35 35 1,-18 18 0,0 52 15,0 72-15,0-19-1,0 54 1,0-89-1,0 71 1,0 0 0,0-71-16,18 141 15,-1 18 1,-17-53-16,0 18 31,0-124-31,-17 54 16,-36-37-1,35-34-15,-35 53 16,-18-54 0,1-17-1,35-17 1,-1-19 0,1-17-1,35 18 16,-70 0-31</inkml:trace>
+  <inkml:trace contextRef="#ctx0" brushRef="#br1" timeOffset="201323.64">1199 13758 0,'0'0'0,"0"-17"15,0-36 1,0 35-16,0 0 16,0 36 15,0 53-15,0-1-1,-17 54 1,-1-54-1,18-52 1,0 17 0,0-17-1,0-53 17,53-18-32,18-36 31,-18 19-16,-36 35-15,18-18 16,-35 35 0,18 36-1,-18 52 1,18-17 0,-18-35-16,17 52 15,19-17 1,-1-35-1,35-18 1,1 0 15,17-53-31,-17-18 32,-18-17-17,-36 18 1,-17-1-1,0 36 1,0 52 15,0 19-15,0 52 0,0-35-1,18 17 1,-18-34-1,71-19 1,-54-17 0,36 0-1,18-35 1,-18 0 0,17-36-16,-35 1 31,-35-54-16,0 54 1,-35 34 0,0 36-1,-18 53 1,35 35 0,18 18-1,0 0 16,0-35-15,71-36 0,-18-35-1,17-18 1,19-17 0,-1-35-1,-71 52-15</inkml:trace>
+  <inkml:trace contextRef="#ctx0" brushRef="#br1" timeOffset="202339.7">3545 13635 0</inkml:trace>
+  <inkml:trace contextRef="#ctx0" brushRef="#br1" timeOffset="203723.84">3563 13617 0,'18'-17'16,"-18"-1"0,17 18-1,1-53-15,-18 18 16,0-1 0,0 54 46,0 0-62,-18 35 16,18 35-1,0 35 1,0-34 0,0-1-1,0-71-15,53 1 16,18-18 15,35-18-15,-18-35-16,18-35 15,-53 18 17,-36 52-32,1-105 15,-18 52 1,0 18-1,0 35 1,-18 36 0,1 70-1,17 36 1,0-1 0,0-70-1,17-18 1,36-35-1,18 0 17,35-52-17,17-19 1,-52-17 0,17-18-1,-53 35 1,-35 54-1,-35 34 1,-1 36 0,19 35-1,17-35 1,35 18 0,0-18-1,1-18 1,-19-35-1,-34 0 32,-19 0-31,-17-35 0,18 35-16,18 0 31,17 18 0,0-1-31,17 1 16,36-1-1,35-17 1,-70 0-16,70 0 16,18-52-1,0-19 1,-36 0 15,1-70-15,-71 71-1,0-1 1,0 54-16,-71 52 16,18 53-1,53 18 16,0-89-31,0 89 16,36-53 0,34-17-1,-17-36 1,35 0 0,-17-36-1,-53-17 1,-18 0-1</inkml:trace>
+  <inkml:trace contextRef="#ctx0" brushRef="#br1" timeOffset="204671.35">6368 13776 0,'0'0'15,"-18"18"-15,18-1 16,18-34 0,-18-1-16,88-35 15,-18-18 1,19-34 0,-19 16-1,-17-16 16,-53 87-31,18-17 16,-107 70 15,54 18-15,18 53 0,17 17-1,0-52 1,17-54-16,18 36 31,-17-53-31,-18 18 16,-18-18 15,-34-35-15,16-1-16,36 19 15,-17 17 1,-1 0-16,18 17 31,0 19-15,53-1-1,0-35 1,88 0 0,-18-35-1,-34-18 1,16-35 15,-52-1-15,-53 36-1,0 36 1,0 34 0,0 54-16,-17 17 31,17-17-16,0-18 1,0-36 0,17-34 15,1-36-15</inkml:trace>
+  <inkml:trace contextRef="#ctx0" brushRef="#br1" timeOffset="204832.13">7214 13370 0,'0'-17'16,"0"34"-16,0-52 0,-17 35 31,34 0 16,-17 18-47,36-18 0</inkml:trace>
+  <inkml:trace contextRef="#ctx0" brushRef="#br1" timeOffset="205307.44">7426 13458 0,'0'18'15,"0"-36"-15,0 54 0,0-1 16,0 36-1,0-1 1,0-35 0,0-17-1,0 0-15,-18-18 16,18-36 31,0-17-32,0 36-15,36-54 16,-19 36-16,36-36 16,71-17-1,17 88 1,-71 18 0,1 52-1,-71 1 1,0-53-1,0 52 1,-35-17 0,17-35-16,36-18 47,-18-18-32</inkml:trace>
+  <inkml:trace contextRef="#ctx0" brushRef="#br1" timeOffset="206032.65">8326 13423 0,'0'0'0,"17"-17"0,-17-1 0,0-17 16,-35 35 15,0 0-31,-36 35 15,-35 35 1,36 19 0,70-19-1,0-52 17,53-18-17,17-18-15,1-35 31,-36 0-15,-17 36-16,-1-36 16,1 35-1,0 18 1,-18 35 15,0 1-31,0 52 16,0 18 15,17 35-15,18 18-16,-35-54 31,36 72-15,-1 17-16,-35-35 31,-53-36-16,0-88 1,-53-17 0,-17-36-1,-1-52 1,89 35-16,-71-124 16,53-18-1,53 54 1,36 17-1,34 18 1,-35 35 0,-17 35-1,70-52-15,-17-18 16</inkml:trace>
+  <inkml:trace contextRef="#ctx0" brushRef="#br1" timeOffset="206315.8">8731 13176 0,'-17'0'16,"-1"0"0,0 0-16,-17 71 15,35 35 1,0-1-1,-18-16 1,1-36 0,17-1 15,0-69 0,35-1-31</inkml:trace>
+  <inkml:trace contextRef="#ctx0" brushRef="#br1" timeOffset="206707.22">8731 13511 0,'18'0'15,"0"0"1,34-17 0,19-19-1,0 1 1,-19 18-1,-34-19 17,-88 19-1,-19 34-31,36 19 31,18 16-31,35 37 31,0-54-15,35 18 0,18-53-1,18 0 1,-18-18 0,-18 1-1,-17-1 1</inkml:trace>
+  <inkml:trace contextRef="#ctx0" brushRef="#br1" timeOffset="208016.85">9454 13582 0,'0'0'0,"18"0"31,0 0-15,35 0-16,-18 0 15,35-53 1,72 0 0,16-35-16,-69 0 31,-37-18-16,-52 35 1,-52 18 0,-37 53-1,36 36 1,0 70 0,36 17-1,-18 71 1,35 106-1,-36-124 17,1 71-17,-36 0 1,36-70 0,18-19-16,17-52 31,35-106-16,53-35 1,35-71 0,-34 18-1,-1-106 1,-53 123-16,-17-158 16,-36 70-1,-88-35 1,0 53-1,36 88 17,35 35-32,35 1 15,35-1 17,35 1-32,54-36 31,17 0-16,-53 0 1,-70 53-16,52-53 16,-52 18-1,-36 52 32,18 1-31,-17 0-16,17 52 31,0 1-31,0-18 16,35-53 15,18 17-15,18-52-16,-36-18 31,0-18-31,-35 19 31,0-19-15,-35 36-1,17 35-15,-17 0 16,-18 0 0,18 53-1,35-18 1,0 18-1,17-53 17,36 17-17,-17-17-15</inkml:trace>
+  <inkml:trace contextRef="#ctx0" brushRef="#br1" timeOffset="208431.99">10601 13370 0,'0'0'0,"0"-70"47,0 52-47,35 0 16,36 18 0,-36 0-1,18 53 1,-18 18-1,-35-53 1,0 52 0,0 1-16,0-54 31,0 1-15,-17-71-1,17 35 1,0-52-1,0 17 1,0-18 0,35 18-1,18 36 1,35-1 0,-53 18-16,1 0 0</inkml:trace>
+  <inkml:trace contextRef="#ctx0" brushRef="#br1" timeOffset="209265.69">11148 13370 0,'0'0'0,"35"-53"15,-35 36 1,18 17-16,-18 17 47,0 36-31,0 35-1,0-70-15,-18 35 16,18 0-1,-18-53 1,36-18 15,17-35-15,-35 36-16,53-36 16,-17 18-1,-1 17 1,-18 18-1,-17 53 17,18 17-17,0-17-15,35-17 32,0-36-17,-1 0 1,19-36-1,-18-34 1,-35-18 0,-18-1-1,-36 36 1,1 18 0,17 18-1,18 69 16,0-34-15,18 0-16,53 17 31,-54-35-31</inkml:trace>
+  <inkml:trace contextRef="#ctx0" brushRef="#br1" timeOffset="209770.17">12136 13229 0,'0'0'0,"0"-17"0,0-1 16,-36 0-1,-34 36 1,17 17 0,35-17-16,-17 35 15,-18 35 1,53 0-1,0-35 17,53-18-17,0-35 1,-18 0-16,53-17 16,18-54-16,-53 18 31,-53-35-16,0 17 1,-53-34 0,-53 87-1,36 18 1,-18 53 0,35 35-1,53-35 1,0 18-1,70-54 1,18 1 15,-52-18-31</inkml:trace>
+  <inkml:trace contextRef="#ctx0" brushRef="#br1" timeOffset="210181.59">12418 13264 0,'0'0'16,"17"0"-16,-17-17 0,0-18 16,18 17-1,17 0 1,-17 18-16,35 18 16,-18 17-1,0 36 1,-35-1-1,0-34 17,0-1-32,0-53 47,0-17-47,0 0 31,36-54-16,17 19 1,-18 35 0,0 17-1,-17 18-15,-1 0 16,54 0 0,-53 18-16</inkml:trace>
+  <inkml:trace contextRef="#ctx0" brushRef="#br1" timeOffset="210798.83">13335 13194 0,'0'0'0,"0"-18"15,0 1-15,0-1 16,0 0-16,-53-35 15,0 53 1,-17-17 0,-19 52-1,1 36 1,71-36-16,-36 53 16,53-35-1,0 18 1,70-54-1,1-17 1,17-17 15,-70-1-31,35-17 0,35-54 32,-18-16-32,-52-1 15,17-53 16,-17 71-15,-18 35 0,-18 88-1,-35 106 1,36 0 0,-1-52-1,18-1 1,0-35-1,53-36 17,0 1-17,-18-18-15,0 0 32</inkml:trace>
+  <inkml:trace contextRef="#ctx0" brushRef="#br1" timeOffset="210948.47">13529 13335 0,'-18'0'79,"-17"0"-64,17 0-15,1 0 16</inkml:trace>
+  <inkml:trace contextRef="#ctx0" brushRef="#br1" timeOffset="211955.99">2117 14552 0,'0'-18'16,"17"1"15,1 17-31,0-35 16,17-1-16,-18 19 15,-17-19 1,-17 19 15,-54 17-15,-52 53-1,70-18 1,53 35 0,0-17-1,88 0 1,-17 0-1,-54-35-15,71 52 16,-88-17 15,-35 18-31,-35-18 32,-54-18-17,36-35 1,53 0-16,-36 0 15,1-71 1,34 19 0,1-19-1,35 36 1,71-18 0,52 18-1,18-1 1</inkml:trace>
+  <inkml:trace contextRef="#ctx0" brushRef="#br1" timeOffset="212231.46">2628 14411 0,'0'0'0,"18"0"16,-18-35-16,-18 35 31,1 17-16,17 19-15,-36 69 32,-17 19-17,18-18 1,35-36 0,0-17-1,71-53 1,-1 0-1,-52 0 1</inkml:trace>
+  <inkml:trace contextRef="#ctx0" brushRef="#br1" timeOffset="213064.79">3069 14570 0,'0'0'0,"0"-18"16,0-17-1,-35 17 1,-18 18 0,-35 35-1,35 36 1,18 17 0,-1-17-1,19-36-15,17 36 16,0-54-1,70-17 17,1 0-17,-1-35 1,1-36-16,-53-17 31,17 0-15,-35 35-1,0 71 17,0 35-17,0-18-15,0 18 16,0 35 0,0-53-1,35-17 1,0-18-1,54-18 1,-72 18 0,54-53-1,17-17 1,-35 17 0,-18-18-1,-35 54-15,-35 17 31,-18 53-15,53 0 0,0-1-1,18-16 1,34 17 0,-52-18-1,0 0 1,-52-35-1,-19 18 17,36-18-17,17 0 1,18-53 0,35 0-1,1 18-15</inkml:trace>
+  <inkml:trace contextRef="#ctx0" brushRef="#br1" timeOffset="213619.41">3828 14323 0,'0'0'0,"17"-18"0,-17 0 16,0 36-1,0 53 1,-17 17-1,17 35 1,0-105 0,-18 70-1,-17 0 1,17-52 0,18-1-1,0-17 1,-18-18-1,18-36-15,36-17 32,17-35-17,0 0 1,35 0 0,-35 70-1,-18 53 1,0 18-1,-35 18 17,0-1-32,0-34 31,-35-1-15,17-35-1,18 18-15,-17-18 31,17-18-15,0 0-16</inkml:trace>
+  <inkml:trace contextRef="#ctx0" brushRef="#br1" timeOffset="-213697.35">5168 14587 0,'18'-17'0,"-18"-1"31,0 0-31,0 1 32,0 34 30,0 1-46,0 0-16,0-1 15,0 1-15,0 35 0,-18 35 32,18-17-17,0-36 1,0-17 0,0 17-1,0-18 63,-17-17-62,17 18 0,0 0-1,17-36 32,1 0-47,17-17 16,36-18-1,-1-17 1,-17 17 0,-35 35-1,-18 36 1,0-1-1,0 1 1,0 53-16,0-18 16,17-1 15,54-16-15,-18-36-16,35 0 31,-70 0-31,52-18 0,18-35 31,-17-17-15,-53-1-1,-1-17 1,-17 35 0,-35 88 15,0 36-16,35 35 1,0-53 0,17 17-1,54-52 17,-18-18-32,-18 0 15,53-18 1,-17-17-1,35-36 1,-36-35 0,-52 1-1,-18 69-15,0-105 16,0 88 0,-18 36-1,18 70 1,-17 70-1,-19 36 17,19-71-32,-1 0 31,18-53-15,18-52 30,52-36-30,-34-18 0,-1 18-1,0 36 1,-17 17 0,-18 53-1,0-36-15,17 36 16,-17-17-1,53-19 17,0-17-32,35 0 15,1-17 17,-72-1-32,54-17 15,-36-36 1,-35 1-1,0 17 1,0 70 15,-18 36-15,18-35-16,0 52 16,0-34-1,0-19 1,36-17-1,34 0 17,-17 0-17,-53-35 1,18-36 0,-18 54-16</inkml:trace>
+  <inkml:trace contextRef="#ctx0" brushRef="#br1" timeOffset="-213544.54">7020 14411 0,'0'0'16,"18"0"31</inkml:trace>
+  <inkml:trace contextRef="#ctx0" brushRef="#br1" timeOffset="-212749.24">7426 14411 0,'-18'0'31,"1"0"-31,-19 18 16,19 35 0,-19 35-1,36-53-15,0 36 16,0-1 0,36-35-1,-1-35 1,36 0-1,17-17 17,-18-54-17,-17-17 1,-35-18-16,-18-35 16,0 35 15,0 53-16,0 71 1,-18 52 0,18 72-1,-17-19 1,-1-35 0,18 18-1,0-88-15,0 35 16,0-18-1,0-53 32,0 1-47,71-54 16,-54 53 0,71-70-1,36-18 1,-54 89-1,-17 34 1,-17 72 0,-36-1-1,0 0 1,-18-53 0,18-17-1,0 0 1,0-36 15,0 0-15,0 1-16</inkml:trace>
+  <inkml:trace contextRef="#ctx0" brushRef="#br1" timeOffset="-212248.95">9260 14534 0,'0'0'0,"18"-17"0,-18-18 31,0 52 0,0 1-31,0 17 16,0 53-1,0-70-15,0 52 16,0-34 0,0-54 46,0 0-62,0 1 16,18-1-16</inkml:trace>
+  <inkml:trace contextRef="#ctx0" brushRef="#br1" timeOffset="-212064.93">9366 14411 0,'0'0'15,"0"-18"1,0-17-16,0 53 62,0-1-62,36 1 16,16 0 0,-34-1-1</inkml:trace>
+  <inkml:trace contextRef="#ctx0" brushRef="#br1" timeOffset="-210866.07">9560 14499 0,'0'35'16,"0"1"-1,0 34 1,0-34 0,0-19-1,0 18 1,0 1-1,18-54 32,0 0-31,-1 1-16,18-18 16,54-54-1,-19 36 1,-35 36-1,18 17 1,-35 17 0,0 36-1,52 18 1,-17-1 0,18-52-1,35-18 1,-1 0-1,36-35-15,-70-36 32,-53 18-17,-18-35 1,0 35 0,-71-17-1,53 52-15,-34 18 16,-54 35-1,35 54 17,36-19-32,35 36 31,0-53-15,0-36-16,53 1 0,17-18 31,-17 0-16,18-53 1,-36 0 0,0-53-1,-35 71-15,18-88 16,0-1 0,-18 18-1,0 71 1,0 70 15,0 36 0,0-36-31,-18 106 16,18-17 0,0-1-1,0-52-15,88-18 31,-17-36-15,-18-17 0,17-53-1,-17 1 1,-18-19 0,-17-17-1,0 70-15,-18 1 16,0-1-1,0 53 17,0 36-32,0-1 15,0-34 17,53-1-32,0-35 15,-1 0 16,-16-53-15,-1 0 0,-35 0-1</inkml:trace>
+  <inkml:trace contextRef="#ctx0" brushRef="#br1" timeOffset="-210658.78">10989 14235 0,'0'0'0,"-18"0"0,-17 0 16,0 0 0,35 17 15,17-17 0,1 0-15,35 0-16</inkml:trace>
+  <inkml:trace contextRef="#ctx0" brushRef="#br1" timeOffset="-208825.88">11624 14393 0,'0'-17'0,"0"34"0,18-87 31,-18 52-31,0 0 16,0-17 0,-36 35-1,-34 18 1,17 35-1,18 53 1,17-18 0,18-71-1,0 89 1,71-35 0,-1-36-1,36-35 1,53 0-1,-1-35-15,1-36 32,-88 18-17,-18-52 1,-53 16 0,-18-17-1,0 106-15,-35-35 16,1 35-1,-54 35 17,53 36-32,-18 35 31,54 0-15,17-36-1,53-34 1,-1-36-1,19 0-15,17-36 32,-17-34-17,-54-18 1,1 17 0,0 18-1,-18 71 16,0 52-15,-18-52-16,18 52 31,0 1-15,53-36 0,0-17-16,17-18 31,-17-18-16,-35 1-15,70-54 16,-35-35 0,-35 18-1,-1-35 1,-17 52 0,0 18-1,-17 53 16,-1 18-31,18 70 16,0 0 0,0 36-1,0-54 1,0-52 0,18 35-1,52-18 1,-17-35-1,18 0-15,-36-18 32,18-35-17,-35 36-15,-1-71 16,-17 17 0,0 36-1,0 17 1,-17 53-1,-1 36 1,18 17 0,0-17 15,0-36-15,70-17-16,19-18 31,17 0-31,-89 0 15,107-53 1,-36-18 0,0-17-1,-70 0 1,-18 35 0,-18 53 15,0 17-31,18 54 15,-17-18 17,17 18-17,0-1-15,0-35 32,0-17-32,0 0 15,-18-18-15,-17 0 31,17-18 1,1 0-32,-1-17 15,0-35 1,1 52-16</inkml:trace>
+  <inkml:trace contextRef="#ctx0" brushRef="#br1" timeOffset="-208566.59">12700 14164 0,'0'0'0,"-18"18"0,1-18 16,34 0 0,1 0-16,53-18 15,52 0 16,-88 18-31,36-17 16,-54-1-16,19 18 16,-19 0-1,-34 0 1,-107 18 0,71-1-16</inkml:trace>
+  <inkml:trace contextRef="#ctx0" brushRef="#br1" timeOffset="-207692.43">635 15628 0,'0'0'0,"-18"0"16,-52-18 15,52 18-31,-35 0 15,-17 0-15,34 0 16,89 0 31,36 0-31,-54 0-16,159-35 15,-71 17 1,-17 1-1,-18-1 1,-105 18 31,-19 0-31,-17 18-16</inkml:trace>
+  <inkml:trace contextRef="#ctx0" brushRef="#br1" timeOffset="-207391.99">688 15575 0,'0'0'0,"-35"0"16,35 35 0,0 1-1,0-19-15,0 36 16,0-35-16,0 52 15,0 54 17,0-18-32,-18-18 31,0-35-31,1-36 31,17-34 0,35-18-15</inkml:trace>
+  <inkml:trace contextRef="#ctx0" brushRef="#br1" timeOffset="-206849.21">864 15981 0,'0'-18'32,"0"1"-32,0-1 15,0-17 1,18-1-16,35 1 16,0 35-1,0 0 1,-18 53-1,-17-35 1,-1 52 0,1 18-1,-18-17 1,-18-1 0,1-52-1,-1 0 1,0-54-1,18-16 1,0-19 15,71-52-15,-36 52 0,36 0-1,-36 36 1,0 35-1,1 0 1,-19 0 0,36 35-1</inkml:trace>
+  <inkml:trace contextRef="#ctx0" brushRef="#br1" timeOffset="-206248.81">1711 15910 0,'0'0'0,"18"-17"0,-1-1 31,36-35-15,-35 0-1,-1 0-15,-17 18 16,-52 17-1,-1 18 1,35 18 0,-35 17-1,-18 71 1,36 0 0,18 17-1,17-52 1,0-36-16,0-17 15,70-1 1,1-34 15,17-54-31,-35 1 32,-36 52-32,1-70 15,-18 70-15,18-52 16,-18 17-1,0 70 1,0 54 15,0-53-31,17 35 16,-17-36-16,36 54 16,-1-54-1,18 1 1,0-18-1,0-18 1,-53-17 0</inkml:trace>
+  <inkml:trace contextRef="#ctx0" brushRef="#br1" timeOffset="-205792.36">2099 15822 0,'0'0'0,"0"-35"15,0 0 1,18 35 15,17 0-15,35 0 0,-52 70-1,0-35 1,-1 1-16,-17 17 15,0 17 1,0-52 0,0-1-1,0-34 17,18-19-17,0 19 1,-1-54-16,19 1 31,17-1-15,-36 36-1,1 17 1,-1 18 31</inkml:trace>
+  <inkml:trace contextRef="#ctx0" brushRef="#br1" timeOffset="-205142.82">2505 15857 0,'17'-17'47,"1"17"-47,0-18 0,-1 18 16,71-53-1,-17 18-15,17 0 16,-70 35 15,-18-18-15,-35 18 0,17 0-16,-70 18 15,35 17 1,18 18-1,35 17 1,17 1 0,18-18 15,-17-36-31,53 1 16,-36-18-1,35 0-15,-52-18 31,0 1-31,17-1 0</inkml:trace>
+  <inkml:trace contextRef="#ctx0" brushRef="#br1" timeOffset="-204700.06">3016 15804 0,'0'0'0,"0"-17"15,0-18 1,0-18-1,18 17 1,70 1 0,-35 35 15,35 18-31,-35 52 31,-35 18-15,-18 1-1,-53-19 1,35-35 0,18-52 15,0-18-15,0 17-16,18-35 15,17-35 1,-17 17-1,17 18 1,0 36 0,18 17 15,-18 0-15,18 17-16</inkml:trace>
+  <inkml:trace contextRef="#ctx0" brushRef="#br1" timeOffset="-204164.26">4004 15699 0,'0'0'0,"0"-18"0,0-17 15,-18-18 1,-17 53-1,17-18-15,-52 18 16,-1 35 0,1 18-1,35 0 17,35-17-32,52-19 31,37 1-16,-1-1 1,-35 1 0,-18 35-1,-17-35 1,-36 52 0,-35-52-1,-17-1 1,-1-17-1,-17 0 1,17 0 15,18-17-15,36-1 0,52-17-1,53 17 1</inkml:trace>
+  <inkml:trace contextRef="#ctx0" brushRef="#br1" timeOffset="-203893.06">4233 15663 0,'0'0'16,"0"36"15,0-19-31,0 1 0,0 35 16,0 0-1,0-18 1,0-17 15,0-1-31,-17-17 31,17-35-15</inkml:trace>
+  <inkml:trace contextRef="#ctx0" brushRef="#br1" timeOffset="-203693.23">4127 15487 0,'0'0'15,"-17"0"-15,34 0 79,1 0-64</inkml:trace>
+  <inkml:trace contextRef="#ctx0" brushRef="#br1" timeOffset="-202983.92">4604 15699 0,'17'-18'0,"-34"36"0,52-36 31,-35 36 0,0-1-31,0 19 16,0-1 0,0-18-16,0 19 15,0-19 1,0 1-1,-18-18 17,18-35-17,0 17 1,18-17-16,53-53 31,34-1-15,-16 36-16,-1 53 31,-53 18-15,-17-18-16,17 88 15,-35-35 1,0 18 0,-18-36-1,1 0 1,34-52 31,1 17-32</inkml:trace>
+  <inkml:trace contextRef="#ctx0" brushRef="#br1" timeOffset="-202283.93">5415 15610 0,'0'0'0,"0"-35"0,0 17 16,-35 18 15,-18 0-15,53 18-16,-53 17 16,0 36-1,18 0 1,35-1-1,0-52 1,35-1 0,36-17 15,17-53-15,-18 1-1,-34 16 1,-36-34-1,0 52-15,0 36 47,0 17-31,0 53 0,0 0-1,0 53 1,0 36-1,17-54 1,-17-70-16,0 106 16,0-53-1,-53 17 17,0-52-17,18-54 1,18-17-16,-54 0 15,18-35 1,-17 0 0,-19-18-1,54 35 1,17-17 0,18-18-1,36-35 1,-19 70-16</inkml:trace>
+  <inkml:trace contextRef="#ctx0" brushRef="#br1" timeOffset="-201376.36">6103 15875 0,'0'18'0,"53"-1"31,-35-17-31,35 0 16,35-53 0,18 0-1,-36 1 1,1-37 0,-71 19-1,0-1 16,-18 18-15,-17 36 0,-36 17-16,54 35 31,-19 71-15,36 70-1,0-141-15,0 142 16,0 52-1,0-70 1,-17 53 0,-19 17 15,19-176-31,17 88 16,0-35-1,17-71 1,54-53-1,52-87-15,-17-1 32,-71 70-32,89-140 15,-89 53 1,-35-71 0,-88 17-1,-18 71 1,-17 18-1,105 70-15,-52 1 16,17-1 0,35 18 15,18-17-31,71 17 47,-19-36-32,-34 36-15,70-35 16,-70 35-16</inkml:trace>
+  <inkml:trace contextRef="#ctx0" brushRef="#br1" timeOffset="-200959.95">6844 15804 0,'0'-17'0,"-18"17"16,18-18-1,0-35 1,18 18 0,70-18-1,-53 53 1,54 0 0,-19 0-1,-35 53 1,-17 0-1,-18 17 1,-18 1 0,18-53-16,-17-18 15,17 17 1,0-70 15,0 36-31,0-19 16,17-16-1,1 34-15,17-53 16,-17 36 0,35 0 15,0 35-31</inkml:trace>
+  <inkml:trace contextRef="#ctx0" brushRef="#br1" timeOffset="-199981.21">7585 15593 0,'-18'17'31,"0"1"-15,1 0-16,-1-18 15,18 17-15,-53 54 16,36-18-1,-1 17 1,18-34 0,35-19-1,-17-17 1,17 0-16,-17 0 31,-1-35-15,1-36-1,17 19-15,36-37 32,-53 72-32,34-36 15,19 17 1,-18 36 0,-35 53-1,-1 36 1,-17-36-1,0-36-15,0 54 16,-17-36 15,-1-17-15,18-36 15,0 0-15,0-35-16,0 36 15,53-36-15,53-35 32,-36 52-17,-34 36 1,-1 36 0,-35 17-1,0-36-15,0 36 16,0-18-1,0-17 1,0-36 47,17-17-63,36-18 15,36-35 1,-37 35-1,1 53 1,-35 53 15,-18-35-31,0 35 16,0 17 0,0-17-1,0 0 1,0-35 15,0-36-15</inkml:trace>
+  <inkml:trace contextRef="#ctx0" brushRef="#br1" timeOffset="-199483.43">9596 15610 0,'0'-17'0,"0"34"0,0-52 0,35-71 31,-35 89-15,35-72 0,-35 72-1,0 52 1,0 0-1,0 54 1,0 34-16,0-17 31,0-18-15,0-35 0,0-35-1,0-36 16,0-17-15,0 17-16,0-52 16,0 52-1</inkml:trace>
+  <inkml:trace contextRef="#ctx0" brushRef="#br1" timeOffset="-199183.85">9613 15593 0,'0'-18'16,"-35"-70"-1,0-18 1,35 71-1,70 282-15,-140-529 0,123 211 0,52 18 16,54 53 15,0 71-15,-124 34 0,-35-69-16,-17 87 15,-89-35 1,-53-17-1,53-36 1,71-17 0,88-36 15,53-17 0,-36 17-31</inkml:trace>
+  <inkml:trace contextRef="#ctx0" brushRef="#br1" timeOffset="-198596.05">10336 15628 0,'18'0'0,"-36"0"0,54 0 0,-19 0 16,19-35 0,-19-1-1,1-16 1,-18-1-1,-18 17 1,1 36-16,-54 0 16,0 18 15,-17 70-31,18-17 31,17 35-15,53-89-16,0 36 15,35-35 1,53-18 0,-35 0-1,35-35 1,-17-18 0,-53 17-16,-1-17 15,1-52 1,-18 52-1,0 88 17,0 18-1,0-36-31,17 54 0,-17-53 16,0 17-1,53 0 1,0 1-1,-17-36-15,17 0 32,-36 0-32,1-36 15,-1 36-15,1-17 0</inkml:trace>
+  <inkml:trace contextRef="#ctx0" brushRef="#br1" timeOffset="-198189.13">10760 15575 0,'0'-53'16,"0"36"-16,0-19 15,17-17 1,1 53-16,35-17 16,0 17-1,17 17 1,-281 177 0,211-229-16,264-71 15,-264 124-15,18 35 0,-18 53 31,0-53-15,0-18 0,0-53 31,0-17-32,18-53 1,34 17-1,19-17 1,0 53 0,-54 35-1,1 0 1,-18 17 15</inkml:trace>
+  <inkml:trace contextRef="#ctx0" brushRef="#br1" timeOffset="-196934.62">11412 15610 0,'18'0'31,"0"0"-31,35 0 31,17-35-31,-52 0 16,-18 17-1,17-35-15,-17 18 32,-17 0-17,-19 35 1,1 0 0,-18 106-1,36-36 1,-1 18-1,18-35 1,71-17 0,-1-36 15,-52 0-31,35 0 0,70-53 31,-35 0-15,-35 0-1,-17-53-15,-19 35 32,-17 54-17,-35 87 17,17 36-17,1-53 1,-1 0-1,18-35 1,0-1 0,18-34 15,-1-1-15,54-35-16,-1-35 15,1 35 1,-53 53-1,52-18-15,-35 18 16,-17 53 15,17 18-15,1-36 0,-1 0-1,35 1 1,19-36-1,-1-36 1,-35 1 0,17-36 15,-34-70-31,16-17 31,-34 17-31,-18 88 16,0 35-1,-18 36 17,-34 140-17,34-34 1,18-18 0,0-18-1,0-35 1,35-18-1,18-35 1,0 0 0,-18-35-1,18-18 17,-35 0-17,-1-18-15</inkml:trace>
+  <inkml:trace contextRef="#ctx0" brushRef="#br1" timeOffset="-196684.35">12718 15275 0,'0'0'0,"-36"18"16,19 0-16,-1-18 16,18 17-1,88-17 1,18 0-1,35-35 1,-35 17 0,-71 1 15,-17-1-15,-89 18-16,36 0 15</inkml:trace>
+  <inkml:trace contextRef="#ctx0" brushRef="#br1" timeOffset="-196009.53">1958 16686 0,'0'0'16,"0"-17"-16,0-36 15,0-18 17,18 54-32,-18-1 31,0 36-16,-18 35 1,0 70-16,18-88 16,0 36-1,0-36-15,-35 106 16,35-53 0,0-35-1,0-35 1,0-71 15,0 35-31</inkml:trace>
+  <inkml:trace contextRef="#ctx0" brushRef="#br1" timeOffset="-195493.04">1782 16863 0,'-18'0'15,"36"0"-15,-54 0 0,36-18 0,0 0 16,36 1 15,-1-1-15,71-35-16,-18 18 31,-35 17-15,-36 36-1,-17 0-15,0 35 16,0 52-1,-17-16 1,17-1 0,0-53-1,70-35 17,-52 0-32,123-18 15,-35-17 1,0-53-1,-71 17 1,-53-34-16,-52 34 31,52 36-31,-105-18 16,70 53 0,0 0-1,18 70 1,17-17-1,0 35 1,54-35 0</inkml:trace>
+  <inkml:trace contextRef="#ctx0" brushRef="#br1" timeOffset="-195000.24">3810 16827 0,'0'0'15,"0"-17"16,0 34-15,0 36 0,0 0-16,0-17 15,0 17 1,18-36 0,-18 18-1,0-52 16,0-18-15,0 17-16</inkml:trace>
+  <inkml:trace contextRef="#ctx0" brushRef="#br1" timeOffset="-194816.95">3863 16686 0,'0'-17'15,"0"34"-15,-18-52 16,18 17-16,-17 1 0,-1-1 15,18 36 17,35-1-1,1 19-15,-19-36-16</inkml:trace>
+  <inkml:trace contextRef="#ctx0" brushRef="#br1" timeOffset="-194077.8">4092 16792 0,'0'0'0,"0"18"0,0-1 15,0 54-15,18-18 31,-18 0-31,0-18 32,0-17-32,0-36 47,0-17-32,0-36 1,53-35-1,17-17 1,-34 70 0,-19 53-16,54 0 31,-36 35-15,-35 54-16,0-19 15,0 18 16,0-35-15,0-35 0,0-53 15,53-1-15,0-52-1,-35 53-15,34-36 16,-16 18-1,-1 53 1,-17 18 0,-18 53-1,0 17 17,0-53-32,17 18 15,1 0 1,17-35-16,-17-18 31,52 0-15,-17 0-1,18-71 1,-36 36 0</inkml:trace>
+  <inkml:trace contextRef="#ctx0" brushRef="#br1" timeOffset="-193343.47">5027 16686 0,'0'-17'15,"-18"34"32,18 1-47,-17 0 16,17 52-1,0 18-15,0 1 32,0-36-17,0-36 1,0-34 31,0-1-47,0-35 15,17-35 1,19 17 0,17 1-1,-36 70 17,1 70-17,0-17 1,-18 18-1,0-18-15,0-36 32,17 1-17,1-36 1,-1-17 0,19-36-1,52-34 1,-18 34-1,36 18 1,-88 53-16,0 18 16,-1 70 15,-17-18-15,0 19-16,0-19 31,18-52-31,0 0 15,17-18-15,0 0 32,18-18-32,-18-35 31</inkml:trace>
+  <inkml:trace contextRef="#ctx0" brushRef="#br1" timeOffset="-192760.65">6032 16916 0,'0'0'0,"-17"0"0,17 17 47,17-17-16,1-17-31,35-19 15,0-17 1,35 1 0,-35-19-1,-53 36 1,-18 35 0,-70 0-1,35 35 1,36-17-1,-19 52 1,36-52-16,0 70 0,0 0 31,53-35-15,18-35 0,-1-18-1,54 0 1,-106 0-16,105-18 15,-35-17 1</inkml:trace>
+  <inkml:trace contextRef="#ctx0" brushRef="#br1" timeOffset="-192033.5">6844 16845 0,'0'-18'0,"0"36"0,18-53 0,-18 17 16,0-52-1,-36 17 1,-17 35-16,-17 18 31,-18 53-15,35 0-1,35-35-15,-17 34 16,35-16-16,0 17 16,0-18-1,53-35 1,35 0-1,-18-18 1,19-52 0,-72 52-16,36-52 15,-18-54 17,-17 18-17,-18 36-15,0 17 31,0 88-15,0 0 0,0 71-16,0 0 31,0 17-15,35-52-1,36 0 1,-53-71-16,52 0 15,18 0 1,-35-53 0,0 0-1,-18-18 1,-35 18 15,0 36-15,0 52-1,0 18 1,0 0 0,0-18-1,0-17 1,0-36 15,0 0-15,0-35-1</inkml:trace>
+  <inkml:trace contextRef="#ctx0" brushRef="#br1" timeOffset="-191861.33">7355 16633 0,'0'0'16,"0"-17"-16,-17 17 31,-1 0-15,36 0 15,17 0-31,0 0 31</inkml:trace>
+  <inkml:trace contextRef="#ctx0" brushRef="#br1" timeOffset="-190750.89">7885 16827 0,'17'0'0,"18"-17"15,-17-1-15,0-17 16,-1 17 0,1-35-1,-18 36-15,0-36 0,0 0 31,-71 35-31,1 18 32,-36 53-17,53 0 1,36-18-16,-19 54 16,36-19-1,18-35 1,35-17-1,0-18 1,17-53 0,-52 53-16,0-53 15,17-17 1,-35 17 15,0 17-15,0 72-1,0-19 1,0 72 0,17-19-1,19 1 1,-1-36 0,36-35-1,-54 0-15,54 0 16,17-35-1,0-54 1,-35 1 0,-53-18-1,0 36 1,0-1 15,0 54-31,0 52 31,-18 36-31,18-1 16,0 36 15,0-36-15,0-34-16,0 17 16,53-18-1,36-35 1,16 0-1,-34-53 1,0 0 0,-36-35-1,-35 17 17,-18 54-17,-17 17 1,0 70-16,35-17 31,-18-35-31,18 52 16,0-34-1,18-1-15,52-17 32,-17-18-17,0-18 1,-35 18-16,-1-35 15,1-36 1,-18 53-16</inkml:trace>
+  <inkml:trace contextRef="#ctx0" brushRef="#br1" timeOffset="-190467.82">8361 16563 0,'-18'18'16,"36"-18"15,-1 0-31,54 0 16,17 0-1,-17 0 1,-18-18-1,-36 18 1,-17-18 0,0 1-1</inkml:trace>
+  <inkml:trace contextRef="#ctx0" brushRef="#br1" timeOffset="-187535.09">10107 16563 0,'0'0'0,"0"-18"0,0 1 15,0-36 16,-18 53-31,-17 0 0,-53 0 32,53 0-32,-54 53 0,-16 35 15,87 18 17,18 35-17,71-35 1,17-71-1,-53-35-15,124 0 16,-36-18 0,36-52-1,-71-19 17,-35-34-32,-35 0 31,-18-1-16,0 71-15,0 36 32,-18 34-17,-17 71 1,0 18 0,17 35-1,0-70 1,1-1-1,17-34 1,0-54 15,35-17-15,18-53 0,0 35-1,-18 0 1,0 53-1,-17 0 1,-18 35 0,18 18-1,17 17 1,-35-34 0,70-19-1,-17-17 1,18 0-1,-53-17-15,34-19 16,19-34 0,-53-1-1,-18 1 1,0 52 15,0 89 0,0-1-15,0 1 0,0-36-16,17-35 15,19 18 17,-19-18-32,18-18 15,-35-17 1,18 0-1</inkml:trace>
+  <inkml:trace contextRef="#ctx0" brushRef="#br1" timeOffset="-187185.5">11130 16439 0,'-35'0'15,"70"0"-15,-88 0 16,53 18-1,0 0 1,18-18 0,35 0-1,-18 0 1,-17-36 0,-18 1-1,-36 18 1,-17 17-1,36 0-15,-36 0 16,35 35 0,18 18-1,0-36 1,71 1 15,17-18-31</inkml:trace>
+  <inkml:trace contextRef="#ctx0" brushRef="#br1" timeOffset="-186880.57">11518 16351 0,'0'-17'16,"0"34"-16,0-52 0,0 17 16,0 36-1,0 0 1,-17 52-1,17 36 1,0-35 0,-18 34-1,18-87-15,0 35 16,0 17 15,0-52-15,18-18 15,-18-18-31</inkml:trace>
+  <inkml:trace contextRef="#ctx0" brushRef="#br1" timeOffset="-186244.58">11942 16598 0,'0'-17'0,"0"34"0,0-70 16,0 18 0,-53 0-1,17 17 1,1 18 15,17 0-31,-17 35 16,17-17-16,-34 53 15,34-1 1,0 36 0,18-36-1,36-34 1,52-36 0,-35 0-1,17-53 1,-17-18-1,0-35 1,-18 1 0,-17-19-1,0 18 1,-18 124 31,-18 53-47,0 34 31,18-34-15,0-53-16,0 70 15,18-35-15,53 0 32,-19-53-17,-16 0 1,-19 0-1,-17-18 17</inkml:trace>
 </inkml:ink>
 </file>
 
@@ -268,75 +392,110 @@
           <inkml:channelProperty channel="T" name="resolution" value="1" units="1/dev"/>
         </inkml:channelProperties>
       </inkml:inkSource>
-      <inkml:timestamp xml:id="ts0" timeString="2022-11-29T03:15:01.809"/>
+      <inkml:timestamp xml:id="ts0" timeString="2022-11-30T02:41:54.922"/>
     </inkml:context>
     <inkml:brush xml:id="br0">
       <inkml:brushProperty name="width" value="0.05292" units="cm"/>
       <inkml:brushProperty name="height" value="0.05292" units="cm"/>
-      <inkml:brushProperty name="color" value="#0070C0"/>
+      <inkml:brushProperty name="color" value="#FF0000"/>
     </inkml:brush>
   </inkml:definitions>
-  <inkml:trace contextRef="#ctx0" brushRef="#br0">723 1746 0,'0'0'0,"0"-17"16,18 17-1,-18-18 79,0 0-94,0 1 16,17 17-16,-17-18 0,18-17 15,0 17-15</inkml:trace>
-  <inkml:trace contextRef="#ctx0" brushRef="#br0" timeOffset="1112.33">1023 1252 0,'0'-17'0,"0"34"0,0-52 16,-18 35-16,1 0 15,-1 18 17,18 52-17,-18 36 1,18-53 0,0-18-16,0 71 15,0-18 1,0-52-1,0-19 1,18-17 0,53-70-1,-18-1 1,-18 1 0,0-1-1,0 36 1,-17 17 15,0 18-31,-18 18 16,35 17-1,0 53 1,1-35 0,16 18-1,1-54 1,36-17-1,16-53 1,-34-17 0,-36 17-1,-35-53 1,-17 0 0,-54 53-1,-17 36 16,17 17-15,-17 35 0,70-17-1,18-1 1,36-17-16,34 0 16,-34 0-16,-1 0 0</inkml:trace>
-  <inkml:trace contextRef="#ctx0" brushRef="#br0" timeOffset="1678.78">1958 1058 0,'0'18'31,"0"0"-31,0-1 15,0 54-15,0-54 16,0 72 0,0-1-1,0 18 1,0-36 0,0 18-1,0-52 1,0-54 15,0-17-15,0-36-1,0-17 1,88 0 0,-17 17-1,-36 54 1,71-1-16,17 36 31,-70 35-15,-35 35-1,-18-18 1,0-52-16,-53 52 16,18-17-1,17-17 1,18-54 15,0-35-15</inkml:trace>
-  <inkml:trace contextRef="#ctx0" brushRef="#br0" timeOffset="2629.6">2699 1499 0,'-18'0'0,"18"18"16,18-18 15,35-18-15,0 1-1,-36-1-15,36-17 16,-18-18 0,-35 18-1,-17-1 1,-19 36 0,19 0-16,-54 36 15,18 16 1,36 19 15,17 17-15,35-35-1,53-18 1,18-17 0,0-36-1,-36-35 1,1 1-1,-36-1 1,-17-36 0,-18 19-1,0 88 32,0 17-47,0-18 16,0 19-16,0 34 31,0 18-15,0-35-1,0-17 1,-18-36 0,1 0-1,17-36 1,-18-34-1,18-1 1,53-35 0,53 18-1,88 35 1,-53 53 0,-88 0-16,70 71 15,-70-1 1,-53 36 15,-53-35-15,-17 17-1,17-35 1,35-53 0,1 0-16,17-18 15,0 1-15</inkml:trace>
-  <inkml:trace contextRef="#ctx0" brushRef="#br0" timeOffset="4895.84">5256 1111 0,'0'-17'0,"0"34"0,0-52 0,0 17 0,0-35 16,0 36 0,-17 17-1,-36 0-15,-18 70 16,18 19 15,18 69-15,17-34-1,18 34 1,18-52 0,0-70-16,70 34 15,0-70 1,53-35-1,-17-36 1,34-52 0,-140 88-16,35-36 15,-53 36-15,0-124 16,-88 18 0,-71 0-1,18 123 1,-18 36-1,53 70 17,36 88-17,52 18 1,53-70 0,71-1-1,0-52 1,123-53-1,-70-36 1,53-53 0,-89 1-1,-17-36 1,-53 18 0,-53 35-1,0 35 1,0 36 15,0-1-31,-18 1 16,1 35-1,17 18 1,-18-54-16,18 54 16,0-1-1,0-52 16,0-36-15,0-35 0,0-17-1,0 52-15,18-70 16,17 35 0,18 18-1,-18 35 1,1 35-1,-19 18 17,1-35-32,17 70 15,-17-18 1,52-17 0,1-17-1,-1-36 1,1-36-1,-53 19-15,87-72 16,-34 1 0,0-35-1,-36-1 1,-18 19 0,-17 69-1,-35 89 16,35-18-15,-35 54 0,0-1-1,-1 53 1,36-53 0,18 0-1,35-70 1,17-18-1,1-35 1,17-54 0,-35 37-1,-35 34-15,35-70 16,-53 70 0,17 18-1,-17 18 1,0 35-1,0 0 1,18 17 15,17-35-15,18-35 0,0 0-1,53-70 1,-71 35-1,-17 17-15,17-53 16,-35 18 0,0 18-1,0 18 1,0 52 15,-18-18-15,1 36-16,-1 36 31,18 105-15,0 0-1,53 211 1,-18-105 0,-17-212-16,-18 212 15,0 71 1,0-160-1,-35-52 1,-71-106 0,18-53-1,-71-106 1,35-123 0,36-18-1,71-124 1,17 72 15,70-37-15,-52 284-16,70-142 15,18 17 1,0 54 0,0 34-1,-36 54 1,-35 35-16</inkml:trace>
-  <inkml:trace contextRef="#ctx0" brushRef="#br0" timeOffset="6211.68">9084 1746 0,'18'-17'0,"-36"34"0,53-34 15,-17-1-15,0 0 0,34-35 16,-34 18 0,0 0-16,-18-36 15,-36 18 1,-52-17-1,-35 52 17,-18 18-17,17 53 1,18 71 0,53-1-1,36 53 1,17-87-1,17-72-15,72 36 16,-1-53 0,71-70-1,-54-19 1,37-34 0,-90 17-1,-34 71 1,-18-106-16,0 88 31,0 35-15,-18 71-1,1 53 1,-1 53 0,18-1-1,53-34 1,0-89-1,53-35 1,-36-35 0,54-53-1,-89 52-15,36-69 16,-1-54 0,-52 35-1,-18-17 1,0 88 15,-18 36-15,1 34-16,-19 54 15,1 52 1,0 1 0,35 35-1,0-54 1,70-34-1,36-53 1,18-36 0,-1-70-1,-35 0 1,-17-71 0,-53 124-16,-1-36 15,-17 36-15,0-106 16,0 105-1,-53 89 32,36-35-47,-19 88 16,19 0 0,17-54-16,0 107 15,0-71 1,70 1-1,-17-89 1,35 0 0,-35-53-1,-35 35-15</inkml:trace>
-  <inkml:trace contextRef="#ctx0" brushRef="#br0" timeOffset="6444.64">9701 1570 0,'0'0'16,"-17"0"-16,-1 0 0,0 0 0,18 17 16,124-17 15,-1-17-16,-70 17-15,124-35 16,-54-1 0,-17 36-1</inkml:trace>
-  <inkml:trace contextRef="#ctx0" brushRef="#br0" timeOffset="7061.86">10530 1640 0,'0'0'0,"-17"0"15,17-17 17,0-19-17,0-16 1,88 16-1,18 1 1,-18 35 0,-70 0-16,70 35 15,-53-17-15,36 52 16,-36 36 0,-35-17-1,-18-19 1,1-35-1,-19-17 17,36-89-1,71-34-15,-1 16-1,36 1 1,-88 71-16,35-1 15,35 36 1,-70 34 0,-1 37-1,-17-19 1,0 1 0,-35-18-1,17-53 1,18-18 15,0 0-15</inkml:trace>
-  <inkml:trace contextRef="#ctx0" brushRef="#br0" timeOffset="7228.15">11359 1376 0,'0'-18'0,"0"36"0,0-53 15,0 17-15,-17 18 32,34 0 15</inkml:trace>
-  <inkml:trace contextRef="#ctx0" brushRef="#br0" timeOffset="7927.91">11730 1270 0,'-18'-18'16,"36"36"-16,-36-53 0,18 17 0,0 0 15,0 36 17,0 0-32,0 88 15,0-89-15,0 71 16,0 53-1,-35-52 17,17 17-17,18-89 1,-17 1 0,17-89 15,0 18-16,70-35 1,18 0 0,18 35-1,-70 53-15,87 0 16,-35 0 0,-53 71-1,-35 17 1,-35 0-1,-53-17 17,53-54-32,-106 36 15,52-35 1,1-18 0,35 0-1,53-18 1,0-17-1,36 0 1,-19 17-16</inkml:trace>
-  <inkml:trace contextRef="#ctx0" brushRef="#br0" timeOffset="8479.41">12418 1429 0,'0'0'0,"0"-18"16,0 36 15,0-1-15,-18 36 0,0-17-16,1 52 15,17 0 1,0-17-1,53-19 1,0-52 0,17 0-1,-52-17-15,35-18 16,17-71 0,-17 17-1,-17-34 1,-36 70-1,0 18 17,-18 88-1,0 53-15,1-1-1,17-34 1,17 0-1,1-54-15,52-17 16,1 0 0,0-17-1,-19-36 1,1-36 0</inkml:trace>
-  <inkml:trace contextRef="#ctx0" brushRef="#br0" timeOffset="8744.68">13247 1217 0,'17'-18'0,"-34"36"0,34-71 0,-17 36 31,0 34-15,0 1-16,-17 52 16,17 54-1,-35-1 1,17-35-1,0 18 1,18-35 0,0-36-1,36-35 17,-1-35-17</inkml:trace>
-  <inkml:trace contextRef="#ctx0" brushRef="#br0" timeOffset="9428.75">13511 1570 0,'18'0'16,"0"-18"0,17 1-1,-17-19 1,34 1-1,-52 0 1,0 17 0,-17 18 15,-1 35-31,-52 36 16,34-1-1,1 19 1,35-54-16,0 18 15,0-18 1,53-35 15,53 0-15,-36-17 0,89-89-1,-53 17 1,-53 19-1,-18 17 1,-88 53 15,36 18-31,-19 17 16,36-17-16,-17 52 16,17-17-1,35 18 1,18-18-1,-35-18 1,-18-18 15,-18-17-15,-35 0 0,18 0-1,-1 0 1,1-70-1,35 52-15,0-17 16,-17 17-16</inkml:trace>
-  <inkml:trace contextRef="#ctx0" brushRef="#br0" timeOffset="9643.98">13264 1252 0,'36'0'32,"-19"0"-32,54 0 15,17 0 1,36-17 0,-89 17-16,35 0 15,-34-18 1,-19 0-16</inkml:trace>
-  <inkml:trace contextRef="#ctx0" brushRef="#br0" timeOffset="10428">14764 1852 0,'0'0'0,"17"0"0,89-35 31,-71 17-31,-17 1 0,17-1 16,1-17-16,-1-36 16,-35-17-1,-35 35 1,17 35-16,-53-17 15,1 35 17,-18 18-17,0 70 1,52 0 0,19 18-1,17-88-15,0 52 16,17-35-1,36-35 1,18-17 0,-1-36-1,18-18 1,-70 54-16,35-72 16,18 1-1,-54 35 1,-17 36-1,0 52 17,0 71-17,-17-18 1,17-70-16,0 70 16,17-18-1,54-34 1,35-36-1,-71 0-15,18 0 16,-18 0-16,0-18 0</inkml:trace>
-  <inkml:trace contextRef="#ctx0" brushRef="#br0" timeOffset="10843.9">15522 1676 0,'0'0'0,"0"-36"0,0-17 15,0 1 1,35 34-1,54 0 17,-19 18-17,18 53 1,-52 0 0,-19 71-1,-17-36 1,-35-35-1,17-18 1,1-35 0,-1 0-1,18-53 1,0 35-16,0-70 16,35 0-1,36-18 1,0 71-1,17 0 17,-35 35-17,-36 0-15,1 17 16,0 1-16</inkml:trace>
-  <inkml:trace contextRef="#ctx0" brushRef="#br0" timeOffset="11210.98">16192 1623 0,'18'0'0,"-36"0"0,54 17 16,-19-17-16,1 0 16,53-17-1,-1-19 1,18-16 0,-70 16-1,-18 1 1,-53 17-1,-53 54 17,18 17-17,-18 52 1,71-16 0,35 16-1,35-69 1,89-19-1,34-17 1,-69-17 0,34-54-1,-70-17 1</inkml:trace>
-  <inkml:trace contextRef="#ctx0" brushRef="#br0" timeOffset="11677.47">17216 1182 0,'0'-18'0,"0"36"0,0-124 31,-18 88-15,18 36-1,0 88 1,0 17 15,-18 54-15,18-142-16,-17 53 16,-19 36-1,36-107-15,0 19 16,0-19-1,0-34 1,0-1 0</inkml:trace>
-  <inkml:trace contextRef="#ctx0" brushRef="#br0" timeOffset="12027.61">16951 1429 0,'0'-71'0,"0"142"0,0-248 16,0 54-1,18 88 1,17-18 0,124-36-1,52 72 1,1 70 0,-124 53-1,-70 35 1,-71-35-1,-176 17 1,123-88 0,53-35-16,-88 36 15,105-19 1,19-17 0,34 0-1,107-17 1,35-1-1</inkml:trace>
-  <inkml:trace contextRef="#ctx0" brushRef="#br0" timeOffset="12477.47">17621 1552 0,'0'-17'15,"0"-1"1,18 0 0,0 1-16,-1 17 0,54-18 15,17 0 1,0 36 0,-35 35-1,-18 0 1,-35 53-1,-17-53 1,-19 0 15,19-53-31,-1 17 16,0-17 0,18-35-1,0-18 1,18-35-1,35 17 1,35-17 0,36 53-1,-18 17 1,-71 18 0</inkml:trace>
-  <inkml:trace contextRef="#ctx0" brushRef="#br0" timeOffset="14277.57">18415 1605 0,'18'0'15,"-1"0"1,36 0 0,-18-35-1,36 0 1,-53 17-16,17-35 15,-35 0 1,0 18 0,-35 35-1,-36 53 1,1 17 0,52-52-16,0 52 15,-17 19 1,53-19-1,35-70 17,52 0-17,36 0 1,-17-53 0,-36-17-1,18-18 1,-88 17-1,-1 36 1,-87 70 15,52 18-15,0 35 0,18-35-1,0 18 1,18-54-1,-18-34 48,0-1-63,-18 18 16,1-35-1,17 52 16,0 1-15,0 0 0,35-1-1,36-17 1,-1 0 0,-35 0-16,71-17 15,-18-19 1,1-52-1,-72 18 1,1-1 15,-18 18-15,-18 35 0,-17 36-1,0 35 1,-1 35-1,36-17 1,0-18 0,18-36-16,53 1 15,35-18 1,-18 0 0,35-53-1,-52 18 1,-54-1-16,36-16 15,-35 16-15,0-17 16,-1 0 15,-52 89 1,17-19-32,-17 19 15,0 52 1,17-71-16,-17 54 15,0-18 1,35-18 0,0-52 31,0-1-47,17 0 0,18-17 15,36-53 1,0 17-1,17 1 1,-35 52 15,-36 18-15,-17 18-16,0 35 16,0 70-1,0-52 1,71 17-1,-18-70 1,-18-1-16,36-17 16,-54 0-16,71-17 15,36-54 1,-54 0 0,1-34-1,-18-1 1,0-71-1,-53 142-15,0-71 16,0 36 15,-53 176 1,35-71-32,-17 35 15,0 71 1,35-105-16,0 52 15,0 18 1,35-53 0,36-18-1,-1-35 1,18 0 0,-70 0-16,53-35 15,-1-18 1,-35-18-1</inkml:trace>
-  <inkml:trace contextRef="#ctx0" brushRef="#br0" timeOffset="14543.94">20285 1305 0,'0'0'0,"17"0"15,19 0 1,-19 0-16,107 0 16,-71 0-16,88 0 15,35-35 1,-88 35 0,-35-18-1,-88 18 16,-18 0-31,-53 18 16</inkml:trace>
-  <inkml:trace contextRef="#ctx0" brushRef="#br0" timeOffset="16027.31">2011 3104 0,'-18'-17'16,"-17"-1"0,17 18-1,18 18 1,-17-1-16,17 107 16,-18 70-1,18-53 1,0-17-1,0-54 1,0-52 15,0-54 1,35-16-17,1-19 1,-1-17-1,-35 52-15,17 1 16,-17 18-16,18 34 31,-18 1-31,18-1 16,-1 1-16,1 17 0,35 71 16,0-35-1,53-1 1,-36-34-1,71-36 1,-35-53 15,0-18-15,-35 1 0,-19-54-1,-52-17 1,0 35-1,0 36 1,0 123 15,0-18-31,0 35 16,0-34-16,0 69 16,0 19-1,0-36 1,53-70-1,0-18 1,0 0 0,35-71 15,-70 1-15,0-1-1,-18 18 1,0 88 15,0-17-31,-18 35 16,0 18-1,18-36 1,0-17 0,0-36 15,18 0-16</inkml:trace>
-  <inkml:trace contextRef="#ctx0" brushRef="#br0" timeOffset="16210.41">3246 3281 0,'0'-18'16,"0"36"-16,0-71 0,0 18 15,0 17 1,-18 18-1,18 18 1,0-1 0,53 1-1,-18-18-15</inkml:trace>
-  <inkml:trace contextRef="#ctx0" brushRef="#br0" timeOffset="16462.52">3863 3104 0,'0'18'15,"0"0"-15,0-1 16,-18 19-16,1 52 16,17 0-1,-36 35 1,36-34-1,-35-19 1,35-52 0,-35-18-1</inkml:trace>
-  <inkml:trace contextRef="#ctx0" brushRef="#br0" timeOffset="17144.3">3528 3563 0,'0'0'0,"17"0"32,19 0-32,52-18 31,-53 18-31,71-35 16,0 0-1,35-36 1,-53 1-1,-70-1 1,-18 18 0,0-17-1,-36 70 17,36 17-17,0 19-15,0 87 16,0-17-1,0 17 1,0-34 15,-17-1-15,17-71 0,-18-17-1,18-17 1,0-18-1,0-54 1,35 1 0,-17 70-16,70-87 15,1 52 1,34 53 0,-70 53-1,0 35 1,-53-18-1,0-52 1,-53 53 0,18-18-1,-1-36 1,36-34 15,0-1-15,18 0-16,0 1 0</inkml:trace>
-  <inkml:trace contextRef="#ctx0" brushRef="#br0" timeOffset="18381.05">5009 3228 0,'0'-18'31,"-17"36"-31,-1 0 0,-35 17 15,-35 53 1,70 0 15,1-70-31,17 70 16,0-17 0,35-36-1,53-17 1,-17-18-1,35-36 1,-53-17 0,-1-53-1,-52 18 1,-17-18 0,-36 36-1,-18 35 1,36 35-1,0 0-15,-53 105 16,70 1 15,18 18-15,0-54 0,71 1-1,17-53 1,-53-18-16,18 0 15,-18 0-15,71-18 16,-35-17 0,17-54-1,-35-34 1,-36 52 0,-17 54-16,0-19 15,-17 89 16,-19 53-15,36-71 0,0 18-16,0 18 31,53-36-15,18-35-1,35 0 1,-18-35-1,18-36 1,-71-17 0,-17-35-1,-18 87 1,-18 89 15,0 0-15,18 0-16,0 35 15,0-35 1,53 0 15,0-53-15,35 0 0,-35-35-1,36-36 1,-37-52-1,-16-36 1,-19 53 0,-17 18-1,-17 123 17,-1 18-17,0 18-15,18 88 16,0-36-1,0-52 1,18-1 15,35-52-15,-35-18-16,35 0 16,-1-18-1,-16-35 1</inkml:trace>
-  <inkml:trace contextRef="#ctx0" brushRef="#br0" timeOffset="18580.66">6244 3369 0,'0'0'0,"-17"0"16,34 0 15,1 0-31,-1 0 0,36 0 15,36 0 1,-54-18 0,18 1-1,17-19 1</inkml:trace>
-  <inkml:trace contextRef="#ctx0" brushRef="#br0" timeOffset="19025.8">8184 3387 0,'0'0'0,"0"-18"16,0-70 15,18 88-31,0 0 15,-18 17 1,0 1-16,0 53 16,0 34-1,0-34 1,0-18 0,0-35-1</inkml:trace>
-  <inkml:trace contextRef="#ctx0" brushRef="#br0" timeOffset="19210.18">8290 3193 0,'0'-18'0,"0"36"0,0-71 15,0 35-15,-35-17 16,35 17-1,18 71 17,52-18-17,-52-17-15,-1 0 0</inkml:trace>
-  <inkml:trace contextRef="#ctx0" brushRef="#br0" timeOffset="19809.84">9084 3387 0,'0'0'15,"0"-18"-15,18 18 0,-18-18 16,17-35 0,-17 1-1,-70-19 1,-1 53-1,-52 18 1,-18 71 0,70 17-1,53-53-15,18 89 16,0-54 0,18 1-1,17-53 1,1-18-1,34 0-15,-52 0 16,70-36-16,35-52 31,-52 0-15,0-71 0,-19 0-1,-34 36 1,-18 105-16,0-70 15,-18 88 1,-17 71 0,18 35-1,-1 88 1,18-36 0,35-70-1,-35-70-15,71 53 16,-18-54-1,0-17 1,-18-35 0</inkml:trace>
-  <inkml:trace contextRef="#ctx0" brushRef="#br0" timeOffset="20193.18">9860 3563 0,'0'-18'15,"18"18"1,17 0 0,-35 18-16,18 0 0,-18 17 15,0 18 1,-71 17-1,1-17 1,34-35 0,36 0-16</inkml:trace>
-  <inkml:trace contextRef="#ctx0" brushRef="#br0" timeOffset="22142.63">10636 3281 0,'0'0'0,"0"-18"0,-17 18 0,-1 18 47,18 17-47,0 36 16,-18 34-1,18-34 1,-17-36-1,17-52 17,0-19-1,53-34-15,17-36-1,-52 88-15,17-35 16,36 18-1,-54 35-15,19 18 16,16 88 0,-16-36-1,17 36 1,35-53 0,-18-53-1,-34 0-15,87 0 16,-17-35-1,0-54 1,-53 1 0,-53 0 15,0-35-15,0 105-16,-36-53 15,-52 71 1,18 0-1,-18 106 1,35 35 0,53-35-1,0-71-15,0 54 16,35-54 0,53-35-1,-17-35 1,-1-1-1,-52 19 1,35-54-16,-53 54 16,17-72-1,1-34 1,0 88 0,-18 70 15,0 18-31,0 0 15,0-18-15,17 71 16,19-53 0,52-18-1,0-35 1,35 0 0,-34-35-1,-72 17-15,71-52 16,-88-54-1,18 54 1,-18-1 15,0 142 1,0-54-32,0 71 15,0 36 1,0-36-1,0-53 1,0-52 15,35-36-15,1 0 0,-19 35-16,36-70 15,18 0 1,-36 53-1,-17 52 1,-18 1-16,17 35 16,-17 35 15,18-18-15,17 1-1,18-36 1,-18-35-1,-17 0-15,70-17 16,0-36 0,18-18-1,-35-17 1,17-18 0,-53 53-1,-35 124 16,0-1-15,-17 19 0,17-19 15,0-52-31,0 17 16,0-17-16,53-18 15,35 0 1,18-18-1,-18-35 1,0-35 0,-70-18-1,-18 18 1,0 70 0,-18 18-1,-35 88 1,35 1-1,18-1 1,0-35 15,18-36-15,17 1 0,18-18-1,-35 0-15,35 0 16,-36 0-16</inkml:trace>
-  <inkml:trace contextRef="#ctx0" brushRef="#br0" timeOffset="22359.16">13970 3563 0,'-18'0'15,"18"18"-15,0-1 16,0 1-16,-17-18 0,-1 53 16,-17-35-1,-18 17 17</inkml:trace>
-  <inkml:trace contextRef="#ctx0" brushRef="#br0" timeOffset="23576.01">15893 2857 0,'0'0'0,"17"0"0,1-35 16,-18 53-1,0-1-15,-53 72 16,0 87 0,0-52 15,-53 70-15,36-124-1,34-70-15,-16 18 16,-1-18-1,17-36 1,1-69 0,35-1-1,0 71-15,0-107 16,0 54 0,18 35-1,17 89 1,18 34-1,17 89 1,-52-124 0,35 71-1,35 0-15,-35-53 32,35-53-17,36-36 1,-18-16-1,35-72 1,-88 36 0,-36 0-1,-17 70 1,-17 53 15,17-17-31,-18 53 16,0-36-16,18 35 15,36 19 1,-19-72 0,36 1-16,18-18 31,52 0-15,-52-53-1,-54 35-15,54-70 16,-53 18-1,-18-54 1,-36 54 0,-34 52-1,-1 18 1,36 0-16,-53 35 16,0 36-1,70-1 1,18 1-1,88-54 1,-70-17-16,105 0 16,-87 0-1</inkml:trace>
-  <inkml:trace contextRef="#ctx0" brushRef="#br0" timeOffset="23842.02">17233 3122 0,'0'0'15,"18"-35"-15,-18-18 16,-35 18 0,-54 35-1,36 17 1,-35 54 0,71 17-1,17-53-15,-18 71 16,18-88-16,0 88 15,18-18 1,70-53 0,88-17 15,18-18-31</inkml:trace>
-  <inkml:trace contextRef="#ctx0" brushRef="#br0" timeOffset="24342.46">17921 3210 0,'0'0'0,"0"-35"0,0-18 16,0 35-16,-18-52 15,-52 52 1,52 18-16,-88 0 16,36 71-1,-36 52 1,71 18-1,17-52 1,18-72-16,18 54 16,35-54-1,53-17 17,-36-17-17,36-54 1,-53 1-1,-53 52-15,17-70 16,1 53-16,0-54 16,-1 54-1,-17 88 17,0-35-32,0 17 15,0 18-15,-17 53 16,17-36-1,17-35 1,36-35 0,0 0 15,-18-17-31</inkml:trace>
-  <inkml:trace contextRef="#ctx0" brushRef="#br0" timeOffset="24609.01">18521 2999 0,'0'0'0,"17"-36"0,1-105 16,-18 124-16,0-19 15,-35 89 17,17-35-32,-35 123 15,18-18 1,0 19-1,-1-54 1,36-53 0,0 36-1,0-54 1,89-17 0,-19-17-16</inkml:trace>
-  <inkml:trace contextRef="#ctx0" brushRef="#br0" timeOffset="25008.41">18874 3157 0,'0'0'16,"0"-17"-16,0-1 0,0 36 31,-18-1-31,-17 19 16,-1 69-1,36-87-15,0 17 16,0 1-16,0 17 15,36-36 1,17-17 0,35-17-1,-35-36 17,-36-18-17,-17-35 1,-35 18-1,17 35 1,-52 53 0,35 18-1,-1 35 1,19 35 0,17-35-1,0-36-15</inkml:trace>
-  <inkml:trace contextRef="#ctx0" brushRef="#br0" timeOffset="25441.54">19332 3210 0,'0'-17'15,"0"34"-15,-17-52 0,17 0 16,0-18-1,35 18 1,-18 35-16,54 0 16,0 35-1,-18 53 1,-53 0 0,0 18-1,-36-35 1,36-54-1,0-34 17,0-19-17,18-34 17,0 52-32,34-52 15,19-1 1,17 36-1,-35 17 1,35 18 0,-70 0-16</inkml:trace>
-  <inkml:trace contextRef="#ctx0" brushRef="#br0" timeOffset="25825.77">20373 3104 0,'0'-35'31,"-18"35"-31,1 0 0,-36 0 16,35 0-1,-52 18 1,17 35 0,53 0-1,0 0 1,35-1-1,35-16 1,-52-19-16,70 36 16,-70-35-1,-18 0 1,-35-1 0,-54-17-1,19 0 1,-18 0-1,17-53 1,36 0 0,17 53-1</inkml:trace>
-  <inkml:trace contextRef="#ctx0" brushRef="#br0" timeOffset="26092.59">18256 2822 0,'-17'0'0,"34"0"0,-52 0 0,70 0 16,36 0 0,-18 0-16,158 0 15,89 0 1,-53 0-1,35 0 1,-140 18 0,-125-18-1,-52 0 1</inkml:trace>
-  <inkml:trace contextRef="#ctx0" brushRef="#br0" timeOffset="26742.29">2875 4710 0,'18'-18'0,"-36"36"0,36-71 15,-1 35-15,1-35 32,-18 71-17,0 17-15,-18 71 16,-17 53-1,35-106-15,-53 123 16,18-70 0,35-18-1,-18-70 1,1-18 0,-19-18-1</inkml:trace>
-  <inkml:trace contextRef="#ctx0" brushRef="#br0" timeOffset="27959.25">2469 5133 0,'-35'0'0,"70"0"0,-105 0 15,70 18 1,18-18 0,52 17-1,-35-17-15,142 0 16,-1-35-1,53-71 1,-52 0 0,17-35-1,-106 53 1,-70-36 0,-71 107-1,-35 70 1,17 35-1,0 106 1,36 0 0,35-88-1,0-71 1,0 18 0,0-18-1,53-52 16,-35-1-31,-1-17 16,1 17-16,35-88 16,-18 36-1,0 52 1,-17 18 0,17 71-1,-17-1 1,0-52-16,35 52 15,-53-52-15,53 0 16,52-1 0,-16-17 15,34-53-15,-88 36-16,18-36 15,-18 35-15,36-88 16,-71 18-1,0 0 1,-35 70 0,-36 36-1,54 70 1,17-70-16,0 123 16,0-71-1,52 1 1,19-53-1,35-18 1,35-36 0,-18-34-1,-52-18 17,-53-1-17,-18 19 1,-36 123 15,36-18-31,-17 18 16,-1-35-16,-17 70 15,17-35 1,1-18 0,17-53 15,0 1-16,0-1-15,70-88 16,1 18 0,87-53-1,1 106 17,-71 52-17,-52 19-15,-1 52 16,-35-53-16,0 71 15,-18 0 1,1-53 0,-1-18-1,0-35 1</inkml:trace>
-  <inkml:trace contextRef="#ctx0" brushRef="#br0" timeOffset="29091.88">6332 4833 0,'0'0'0,"0"-18"0,-17-70 31,17 106-16,0 17-15,0 106 16,0-17 0,0 34-1,0-87 17,0-53-32,0 35 15,17-71 16,36-35-15,-17-18 0,34-52-1,-35 35 1,-35 70-16,36-17 16,-19 53-1,1 70 1,0 0-1,-18 18 1,52-36 0,1-52-1,36-18 17,-1-35-17,35-54 1,-35 19-1,-17-71 1,-53 106-16,-18-71 16,0 17-1,0 142 17,0 89-17,-18-37 1,18-69-16,0 87 15,53-52 1,0-36 0,53-35-1,-18 0 17,35-71-17,-87 54-15,34-54 16,-17-35-1,-53-17 1,0 88 0,-70 52-1,17 54 1,0 70 0,35-71-1,18 1 1,18-36-1,52-17 1,54-18 0,-89 0-16,53-18 15,-53 1 1,1 17-16</inkml:trace>
-  <inkml:trace contextRef="#ctx0" brushRef="#br0" timeOffset="29724.81">9384 4815 0,'0'-17'16,"0"34"-16,0-70 0,0 18 0,-18-71 31,18 89-31,-17 17 16,-1 0-1,-17 88 1,35 35 0,0 71-1,0-52 1,0-19 0,0-105-16,70 35 15,-34-53 1,52-18-1,0-35 1,18-53 0,-18-53-1,-35-35 17,-53 71-17,0 70 1,-18 53 15,18 18-31,0 35 16,0-36-16,18 54 15,70 17 1,-70-70-16</inkml:trace>
-  <inkml:trace contextRef="#ctx0" brushRef="#br0" timeOffset="30093.26">10301 4921 0,'53'-17'0,"-106"34"0,159-70 16,-88 18 0,-18 17-1,-106 36 1,35 35 15,-35 35-15,106-70-16,0 35 15,36 0 1,34 0 0,1-18-1,-54 18 1,-17-36 0,-53 1-1,-88 0 1,36-18-1,-1 0 1,70-18 0,36-17-1,124-18 17</inkml:trace>
-  <inkml:trace contextRef="#ctx0" brushRef="#br0" timeOffset="30458.89">10513 5151 0,'17'0'0,"19"0"16,-89 0-16,123 0 15,-52 0-15,35 0 16,-35 0-16,17 0 16,53-53-1,-17 0 1,-71 35-16,17-17 15,-17 17-15,0-17 16,-17 35 0,-72 35-1,-16 53 17,52 1-17,35 34 1,18-70-1,71-18 1,-1-35 0,71 0-1,53-70 1</inkml:trace>
-  <inkml:trace contextRef="#ctx0" brushRef="#br0" timeOffset="30960.14">12629 4886 0,'36'-18'0,"-72"36"0,89-53 0,-35 35 16,123-89 0,-106 37-1,-17 34-15,-18-35 16,-53 18-1,18 35-15,-36 0 16,-52 53 0,35 52-1,35 54 17,35 0-17,18-71 1,0-53-16,71 36 15,-1-53 1,36-18 0,35-18-1,-17-35 1</inkml:trace>
-  <inkml:trace contextRef="#ctx0" brushRef="#br0" timeOffset="31375.03">13511 4851 0,'36'-18'15,"-72"36"-15,89-71 0,-35 17 0,0-34 16,-18 35 0,-36 35-1,1 0 1,-71 53 0,18-1-1,17 37 1,71-1-1,36-35 1,52-36 0,-53 1-16,18 17 15,0 18 1,-35-17 0,-18-1-1,-106-18 1,-18 1-1,-52-18 1,105 0 0,54 0-1,34-35 17,72-18-17,16 18-15</inkml:trace>
-  <inkml:trace contextRef="#ctx0" brushRef="#br0" timeOffset="31824.74">14199 4833 0,'36'-18'0,"-72"36"0,89-53 16,-35 17-16,17 0 0,-17-34 15,-18 34 1,-88 18-1,-36 35 1,-35 36 0,89-18-1,52 53 17,36-54-17,105 1 1,18 0-1,-52-17 1,-1 16 0,-88-16-1,-106-19 1,-70 1 0,34-18-1,-16 0 1,105 0-1,35 0-15,0-18 16,36-35 0,35 18-1</inkml:trace>
-  <inkml:trace contextRef="#ctx0" brushRef="#br0" timeOffset="32457.6">15434 4939 0,'53'0'31,"-35"0"-31,17-18 0,88-52 16,-17-1-1,-71 53-15,36-70 32,-53 35-17,-71 18 1,-53 35-1,0 18 1,0 35 0,89-36-16,17 71 15,17 36 1,71 17 0,-35-53-1,18 0 1,-53-35-1,-36 0 1,-53-35 0,-70-18-1,-35 0 17,70-35-17,0-1 1,89 1-1,34 0 1,107 17 0,-19 1-1,-16-1-15</inkml:trace>
-  <inkml:trace contextRef="#ctx0" brushRef="#br0" timeOffset="32809.96">15893 5115 0,'0'0'0,"53"0"16,-1-17 0,1-19-1,-35 36-15,35-53 16,-35 36 0,-1-36-1,-17 0 1,-17 35-1,-72 18 1,19 53 0,-1 88-1,36-35 1,35-35 0,35-1-1,18-70 1,-18 0-16,54 0 15,-54 0-15,71-35 16,70-36 0</inkml:trace>
-  <inkml:trace contextRef="#ctx0" brushRef="#br0" timeOffset="33092.11">16810 4621 0,'17'-53'31,"-34"106"-31,34-88 16,-34 70-16,-18 18 15,-1 53 1,19-71-16,-19 89 16,19-89-16,-19 71 15,1 0 1,18-36-1,34-70 32,1 0-47,-1-17 16</inkml:trace>
-  <inkml:trace contextRef="#ctx0" brushRef="#br0" timeOffset="33491.94">16845 5098 0,'18'0'47,"-1"0"-31,1 0-16,35-18 16,0 0-1,17-35 1,-52 1-1,-18-1 1,0 35-16,0 0 16,-70 18-1,-19 53 17,54 18-17,0 35 1,35-89-16,0 36 15,0 18 1,17-54 0,54 1-1,35-18 1,0-35 0,-71 17-16</inkml:trace>
-  <inkml:trace contextRef="#ctx0" brushRef="#br0" timeOffset="33760.49">17657 4886 0,'17'-18'0,"-34"36"0,34-53 0,-17 17 15,-35 18 1,17 0 0,-52 35-1,-1 71 1,36 0-1,17-35 1,18-1 0,35-35-1,54-35 1,-19 0 0,36-35-1,18-35 1</inkml:trace>
-  <inkml:trace contextRef="#ctx0" brushRef="#br0" timeOffset="34040.36">18150 4639 0,'18'-18'16,"-36"36"-16,36-53 0,-18 17 31,-18 53-15,-17 36-1,17-53-15,-34 123 16,16-35 0,1 17-1,17-70 1,1 17 0,34-70 15,1-17-16,0-1 1</inkml:trace>
-  <inkml:trace contextRef="#ctx0" brushRef="#br0" timeOffset="34590.72">17939 4974 0,'0'-17'0,"0"34"0,0-52 16,0 17-1,17 1-15,19-1 16,34 0 0,18 1-1,-70-1-15,70 18 16,-52 18 0,-36 35-1,0 35 1,-18-18-1,-35 36 1,53-53 0,0 0-1,35-53 17,53 18-17,18-18 1,-18-36-1,-70 19-15,70-54 16,-52 1 0,-19-36-1,-34 35 1,-72 36 0,1 35-1,0 0 1,70 53-1,18-35 1,0-1 0,53-17-1,-17 0 1</inkml:trace>
-  <inkml:trace contextRef="#ctx0" brushRef="#br0" timeOffset="35091.76">18785 4974 0,'0'-17'0,"0"-19"15,18 19 1,53-19 0,-36 1-1,35 35 1,-34 0-1,-1 35 1,-35-17-16,0 53 16,18 17-1,-18 0 17,-18-35-17,0-18 1,18-53 31,0-17-32,18-35 1,35-1 0,-35 53-16,34-70 15,-16 71-15,17-19 16,17 19-1,-35 17 1,18 0 0,-35 35 15</inkml:trace>
-  <inkml:trace contextRef="#ctx0" brushRef="#br0" timeOffset="35327.06">19491 5345 0,'-18'17'0,"36"-34"0,-53 34 0,17-17 63,-17 0-48,-1 0-15</inkml:trace>
-  <inkml:trace contextRef="#ctx0" brushRef="#br0" timeOffset="-67887.21">9543 10037 0</inkml:trace>
+  <inkml:trace contextRef="#ctx0" brushRef="#br0">4198 741 0</inkml:trace>
+  <inkml:trace contextRef="#ctx0" brushRef="#br0" timeOffset="593.25">4092 564 0,'0'0'0,"0"-17"16,0-1-16,-17 1 15,-1 17 16,18 17 16,18 1-31,52 52 0,-17 1-1,0-1 1,35 72-1,-70-125-15,52 89 16,36 18 0,-53-36-1,0-18 1,-35-52 0,-18-36 46,-18 1-46,0-36-1,1 17-15</inkml:trace>
+  <inkml:trace contextRef="#ctx0" brushRef="#br0" timeOffset="11539.43">4710 617 0,'0'0'16,"0"-53"-1,0 36 1,0-1 0,-18 36 15,0-1-15,-88 89-16,-17 18 15,-36 70 16,53-35-15,1-36 0,69-70-16,-34 17 15,34-34 1,36-19 0,53-17 15,-17-35-16</inkml:trace>
+  <inkml:trace contextRef="#ctx0" brushRef="#br0" timeOffset="12138.83">5080 952 0,'0'-17'0,"0"34"0,0-87 31,0 88 0,0-1-31,0 36 16,0 53-1,-18 88 1,1 0 0,-1-123-16,-35 176 15,-17 70 1,17-52 0,17-107-1,36-34 1,18-54-1,-36-105 32,54-71-31,-19-17 0,19-71-1,-36 123-15</inkml:trace>
+  <inkml:trace contextRef="#ctx0" brushRef="#br0" timeOffset="12539.37">5027 1217 0,'0'0'0,"-18"-18"0,18 1 0,0-1 0,0-52 16,0-1-1,53 18 1,18-17 15,52-1-31,-34 71 31,34 35-31,-35 36 32,-88 17-32,-53 18 31,-35-36-16,-18 1 1,18-36 0,35-17-1,36-18 1,-1 0 0,88-35 15,-52 35-16</inkml:trace>
+  <inkml:trace contextRef="#ctx0" brushRef="#br0" timeOffset="13191.29">6262 900 0,'0'0'0,"0"-71"32,0 53-32,0-17 15,-53 35 1,-18 0 0,54 18-16,-72 35 15,-34 52 1,52 1 15,19 18-15,52-54-1,0 1-15,88-36 32,-35-35-17,52-35 1,-34-18-1,17-53 1,-35 0 0,-35 71-16,17-124 15,-17 89 1,-18 87 15,-36 72-15,1 52-1,35-53 17,0-53-32,0 53 15,53-35 1,18-35 0,-1-18-1,54 0 1,17-71-16,-35 1 31,-89 35-31</inkml:trace>
+  <inkml:trace contextRef="#ctx0" brushRef="#br0" timeOffset="13455.9">7038 582 0,'0'0'0,"0"-18"16,0 36-1,0 35 17,-18 70-32,1 1 15,17 35 17,-18-53-17,18-54 1,0-16-1,18 17 1,35-89 0,-36 19-16,36-54 15</inkml:trace>
+  <inkml:trace contextRef="#ctx0" brushRef="#br0" timeOffset="14001.41">7355 582 0,'0'0'0,"0"-18"0,0 1 32,0 34-17,0 1 1,0 88-16,-17-18 16,17-35-1,0 53 1,0 17-1,-18-52 1,18-18 0,0-71 31,0-35-32,0 36-15,0-72 31,71-52-31,-1 53 16,36 35 15,0 53-15,-53 53-16,-18 53 31,-35-18-15,0 36-1,-35-71 1,17-18 0,1-18-1,-1-17 1,0-35 0,-17 0-1</inkml:trace>
+  <inkml:trace contextRef="#ctx0" brushRef="#br0" timeOffset="14258.03">6932 935 0,'0'0'0,"-35"0"0,17 0 15,1 0 1,34 0-1,36-35 1,35 35 0,0-36-1,-35 36 1,-17-17 0,-19 17-16</inkml:trace>
+  <inkml:trace contextRef="#ctx0" brushRef="#br0" timeOffset="15522.61">9596 512 0,'0'0'0,"0"-36"32,0 54-1,0 0-16,0-1-15,0 54 16,0 35 0,0 70-1,0-17 1,-18-71 0,18-53-16,-18 18 15,1-53 16,-1 0-15,18-18 31,0 1 0,0 34 156,-18-17-172,18-17 16,0-1-31,0 1-16,0-1 15,36-35 1,34-35 0,36 17-1,-71 36-15,89 0 16,35 17 15,-71 53-15,0 71-16,-88 0 31,-88 0-31,0-36 31,-54-17-15,37-53-1,-1 0 1,18 0 0,35 0-1,53-17 17,35-36-17,0 35-15</inkml:trace>
+  <inkml:trace contextRef="#ctx0" brushRef="#br0" timeOffset="16384.08">10389 1076 0,'0'18'16,"0"-1"-16,0 1 15,0 35 1,36-36-1,34 1 1,1-18 15,-1-53-15,-52 53-16,70-88 16,-35 17-1,-35 1-15,-1 17 31,1 35-15,-18 36 15,0 52-15,0 36 0,-18 0-1,1 71 1,17-19-1,0-105 1,-18 194-16,18 18 31,18-36-15,-18-35-16,17-35 31,-52-36-15,0-70-1,-36-53 1,1-17 0,-19-72-1,19-52 1,17-70 0,35 158-16,1-159 15,17 0 1,88 36 15,-71 35-31,89 35 16,-70 35-1,34 19 1,-52 34 0,35-35-1,-36 53-15</inkml:trace>
+  <inkml:trace contextRef="#ctx0" brushRef="#br0" timeOffset="16841.52">10583 847 0,'0'-18'0,"0"36"0,-17-36 47,17 36-31,-18-1-16,0 54 15,1 17 1,-1 0-1,18-35 1,0-18 15,18-35-15</inkml:trace>
+  <inkml:trace contextRef="#ctx0" brushRef="#br0" timeOffset="17555.05">12682 688 0,'0'-18'0,"0"1"0,0-1 32,0 0-32,-17 18 15,-19-17 1,-16 17-16,34 0 16,-35 17-1,-53 36 1,36 18-1,-19 70 1,36-18 0,18 19-1,35-125-15,0 54 16,71-1 0,-1-52-1,54-18 1,-54 0-1,-52-18 1,53 1-16</inkml:trace>
+  <inkml:trace contextRef="#ctx0" brushRef="#br0" timeOffset="18374.63">12965 970 0,'0'0'0,"0"-18"0,0 1 16,0-18-1,-53 35 1,-18 17 0,36 54-1,17 17 1,18-35 0,0-35-16,0 52 15,0-52 1,35 17 15,-17-35-31,17 0 16,-35-35 15,0-36-15,0 18-1,0-53 1,36 36-1,52-18 1,-18 70 0,36 18-1,-18 71 1,-52-1 0,-19 36-1,-17 0 1,0-53-1,0-36 17,-35 1-17,0-18-15,35-53 32,0-17-17,35-54 1,53 36 15,-70 70-31,88-52 16,17 52-1,-52 36 1,-18 87 0,-36-16-1,-17-72-15,-17 89 16,-19-53 15,19-18-31,-1-17 31,18-53-15,0-1 0</inkml:trace>
+  <inkml:trace contextRef="#ctx0" brushRef="#br0" timeOffset="18683.54">14093 635 0,'0'-18'0,"0"36"0,0-53 16,0 52 31,0 36-47,-17 18 15,-18 70 1,35-106 0,-36 71-1,36 18 1,0-72-16,0-16 16,18-36-1,35 0 16,-36 0-31,19-53 16,-19 18-16</inkml:trace>
+  <inkml:trace contextRef="#ctx0" brushRef="#br0" timeOffset="18875.05">14023 882 0,'0'0'0,"-18"0"0,-17-18 31,106 36-15,17-53-1,-18 17 17,-34 0-32,34 1 15</inkml:trace>
+  <inkml:trace contextRef="#ctx0" brushRef="#br0" timeOffset="19951">14905 1147 0,'17'-18'15,"-34"36"-15,87-71 16,-52 35-16,0 18 0,17-35 16,0-36-1,-35 18 1,-53-35 0,-35 17-1,-18 71 1,36 0-1,-18 89 1,17-1 0,36 35 15,17-34-31,18-72 16,0 71-1,35-70 1,18 0-16,0-18 31,18-36-15,-18-17-1,52-52 1,-52 34 0,-35-17-1,0 35 1,-18 71 31,-18 17-32,0-18-15,18 89 0,0-35 16,0 17 15,0-53-15,71-17-16,-53-18 15,52 0 1,36-35 0,-18-18-1,0-18 1,-35 1 0,-35-19-1,-18 37 1,-18 69 15,1 1-31,-1 52 16,18 1-1,0 0 1,18-1 15,17-52-15,18-18-1,-36 0 1,19-53 0,-19 35-16</inkml:trace>
+  <inkml:trace contextRef="#ctx0" brushRef="#br0" timeOffset="20350.75">15540 582 0,'0'0'0,"-18"0"0,1 0 0,-19 0 15,1 53-15,35-18 32,35 1-17,36-36 1,-1 0-1,-52 0-15,70-36 16,-88 1 0,0 0-1,-17-1 1,-36 36 0,35 0-16,-35 0 15,18 18 1,17-18-16,-17 53 15,17 18 1,18-1 0,0-35 15,18-17-31</inkml:trace>
+  <inkml:trace contextRef="#ctx0" brushRef="#br0" timeOffset="20923.33">15875 900 0,'0'17'16,"0"1"-16,0-1 16,0 1-16,0 35 15,0 18 1,0-18-1,0-1 1,0-16 0,0-19 15,-18-17-15,18-17-1,0-1 1,0-17-16,0 17 15,0-70 1,53-18 0,35 36-1,1-19 1,34 89 0,-17 18-1,-53 53 1,-35 52-1,-36 1 17,-35-36-17,0-53 1,53 0-16,-18-35 16,1 0 15,17 0-16,17-53 1</inkml:trace>
+  <inkml:trace contextRef="#ctx0" brushRef="#br0" timeOffset="21088.37">16880 829 0,'0'0'16,"0"-18"-16,18 1 0,-18-19 15,0 19-15</inkml:trace>
+  <inkml:trace contextRef="#ctx0" brushRef="#br0" timeOffset="21503.67">16722 1023 0,'35'0'16,"-17"0"-16,17 18 15,18 17 1,-36-17-16,1 17 15,0 0 1,-18 0 15,-18 1-15,-70-19 0,0-17-1,-18 0 1,53 0-1,0-17 1,53-1 0,0 0-1,18 1 1,70-18 0,-71 17-16</inkml:trace>
+  <inkml:trace contextRef="#ctx0" brushRef="#br0" timeOffset="21874.98">17657 653 0,'0'0'0,"-18"0"31,0 0-15,-17 0-16,17 17 15,-52 54 1,52 17 0,-35 35-1,36-17 1,-1 0-1,18-53 1,35-18 0,36-17-1,17-18 1,-70 0 0,105-35-1</inkml:trace>
+  <inkml:trace contextRef="#ctx0" brushRef="#br0" timeOffset="22240.65">18062 670 0,'18'-17'0,"-1"17"16,19 0-16,34-18 15,19 18 1,-19 18 0,-52-1-1,70 71-15,-88 1 16,0 34 15,-18-35-31,-35 1 31,-17-19-15,17-52 0,0-1-1,18-17 1,17 0-16</inkml:trace>
+  <inkml:trace contextRef="#ctx0" brushRef="#br0" timeOffset="23515.99">4216 2046 0,'-36'0'0,"72"0"0,-107 0 16,1 0 0,52 0-1,36 0 1,34 0 0,-34 0-16,176 0 15,88 0 1,71 0-1,70 0 1,-52 0 15,387-18-31,-246 1 32,282-18-17,-159 17 1,229-17-1,53-1 1,-35 19 0,-194-1-1,176 0 1,-246 18 0,193-35-1,-52 18 1,-54-19-1,-211 1 1,70 0 0,-193 17 15,70-17-15,-194 17-1,-177 18-15,142-18 16,-124 18-1,-53 0 1,-35-17 0,0-1 15,-35 18-15,-18-35-1,53 17-15</inkml:trace>
+  <inkml:trace contextRef="#ctx0" brushRef="#br0" timeOffset="24271.08">16880 794 0,'0'-18'16,"0"0"15,-17 18 16,-1 0-31,0 18-16,18 0 15,-17-18-15,17 53 16,-18 35 0,18-35-1,-35-18 1</inkml:trace>
+  <inkml:trace contextRef="#ctx0" brushRef="#br0" timeOffset="26704.49">2417 3510 0,'-18'0'15,"0"0"1,1 0 0,-1 0-1,0 18 1,-17 35-1,17 53 1,-70 70 15,71-35-15,-19-106-16,1 106 16,17-70-16,-17 17 31,35-70-16,0-53 17,0 17-32,18-106 15</inkml:trace>
+  <inkml:trace contextRef="#ctx0" brushRef="#br0" timeOffset="27016.43">2170 3722 0,'0'0'0,"52"-71"15,-34 54-15,35-36 16,53 35 15,0 18-15,17 53 0,-35 35-1,-35 36-15,-53-89 16,0 88-1,-53 18 1,36-52 0,-36-19-1,18-52 1,-1-18 0,-17-18-1,36 1-15</inkml:trace>
+  <inkml:trace contextRef="#ctx0" brushRef="#br0" timeOffset="27239.73">2099 4092 0,'0'0'0,"18"0"16,-1 0-1,1 0-15,35-17 16,-18 17-16,71-18 16,35 0-1,-35 1 1,-36-19 0</inkml:trace>
+  <inkml:trace contextRef="#ctx0" brushRef="#br0" timeOffset="27938.65">3387 4057 0,'0'0'0,"0"-18"0,17 1 16,-17-1-16,0-35 0,0 18 31,-35-18-15,0 53-1,-18-18 1,18 18-16,-36 0 16,53 18-16,-52 52 15,-18 54 1,88-18-1,0 17 1,0-52 15,88-36-15,-18-35 0,19-18-1,-19-34 1,1-54-1,-18 0 1,17-53 0,-52 124-16,17-71 15,-35 0 1,18 18 0,-18 106 15,-18 35-16,0-36-15,18 107 16,0-19 0,-17 54 15,17-53-15,0-18-1,0-70-15,53-18 31,0-18-15,-18-35 0</inkml:trace>
+  <inkml:trace contextRef="#ctx0" brushRef="#br0" timeOffset="28399.54">3792 3986 0,'0'0'0,"-17"-17"0,17-1 32,0 0-32,17 1 15,36 17 1,18 0 0,-1 53 15,-17 17-16,-35 36 1,-18-35 0,0-54-16,0 72 15,0-72 1,0-34 15,18-36-15,-1-18-1,1 36-15,35-89 16,-36 36 0,19 18-1,-36 52 17,17 18-17</inkml:trace>
+  <inkml:trace contextRef="#ctx0" brushRef="#br0" timeOffset="29638.88">4921 4339 0,'0'0'0,"36"0"0,-19-17 0,36-19 16,-53 19-1,53-36 1,-18-18-16,-35 1 31,0 52-31,0-53 16,-70 1 0,-36 35-1,18 35 16,52 0-31,-52 52 0,-18 90 16,71-37 0,17 37-1,36-54 1,70-71 15,0-17-15,36-35-1,-18-35-15,-36-1 32,-34-53-17,-36 54 1,0-18 0,0 123 15,-18-17-31,18 35 15,0 70 1,0-35 15,53-17-31,-53-54 16,53 1 0,17-18-1,1-18 1,17-34-1,-35-19 1,-18-53 0,-35 107-16,18-71 15,-18 17 1,0 124 15,-18 53-15,18-36-1,-17-34-15,17 34 16,-18 1 0,18-54 15,0-34 0,0-1-31,0 1 0,18-72 16,35 19 15,70-36-15,-17 53-1,0 53 1,-36 18 0,-52 105-1,-18-35 1,-53 18-1,35-53 1,1-18 15,34-35-15,1 0 0,17-53-1,18 18-15</inkml:trace>
+  <inkml:trace contextRef="#ctx0" brushRef="#br0" timeOffset="29938.29">6421 3775 0,'0'-18'0,"0"36"0,0-71 16,0 0 0,0 35-1,0 36 1,-18 35-1,-17 70 1,-18 54 0,17-19 15,36-69-15,0-19-16,0-52 31,53-18-16,0-35 1,18-36 0</inkml:trace>
+  <inkml:trace contextRef="#ctx0" brushRef="#br0" timeOffset="30156.31">6262 4004 0,'-18'0'0,"36"0"0,-53 0 16,35 18 0,17-18-1,54 0 1,-54 0 0,54-18-1,35-17 1,-71 35-16</inkml:trace>
+  <inkml:trace contextRef="#ctx0" brushRef="#br0" timeOffset="30882.44">7126 4180 0,'0'0'0,"18"-17"0,-1-19 31,1 19-31,17-71 16,-17 17 0,-18 1-1,-53 17 1,-18 53 0,36 0-16,-106 17 15,18 54 1,-1 70-1,54-35 1,52 0 15,18-89-31,35 19 16,106-19-16,-35-17 31,35-53-31,-53 0 31,-17-35-15,-36-18-16,-17 18 31,-18 53-15,0 52 15,0 1-31,0 35 16,-18 53-1,18-71-15,0 36 16,18-1 0,35-17-1,35-53 1,53 0 0,-53-35-1</inkml:trace>
+  <inkml:trace contextRef="#ctx0" brushRef="#br0" timeOffset="31583.21">8079 4039 0,'0'0'15,"17"-53"-15,-17 36 0,0-36 16,-17 18 0,-72 17-1,-16 53 1,34 18-1,-35 53 1,53-18 0,36-17-1,34-36 17,54-35-32,35 0 31,-18-53-31,18-18 31,-53 1-15,-36 52-16,1-35 15,-18 18 1,18 35 0,-18 18 15,0-1-31,0 36 15,0 35 1,-18 54 0,-17-37 15,17 72-15,18-18-1,0 88 1,0-177-16,35 195 15,1-71 1,-19 0 0,-17-53-1,-35-88 1,-53-36 0,52-17-16,-69-17 15,-19-71 1,36-89-1,88 18 1,0-35 15</inkml:trace>
+  <inkml:trace contextRef="#ctx0" brushRef="#br0" timeOffset="31703.4">8008 4533 0,'35'-35'15,"54"-71"1,-19 18-1,36-36-15,-53 36 32,-18 71-32</inkml:trace>
+  <inkml:trace contextRef="#ctx0" brushRef="#br0" timeOffset="32382.56">8802 4075 0,'0'0'0,"0"-36"0,0 1 0,0 0 0,-18-53 31,-35 70-15,-35 36 0,35 34-1,18 54 1,35-18 0,0-35-1,0-35-15,35 0 16,36-18-1,35-18 1,-18-17 0,53-53-1,-18-18 1,-52 18 15,-54 70-15,-17 0-1,-52 18 1,-19 53-16,53 18 31,18-1-15,36 1 0,-1-1-1,-17 1 1,-18-53-1,0-1-15,-53-17 16,35 18-16,-35-18 16,18 0 15,0 0-31,-1-18 31,-17 18-31</inkml:trace>
+  <inkml:trace contextRef="#ctx0" brushRef="#br0" timeOffset="33186.79">2787 4780 0,'0'0'0,"-124"0"16,107 0-16,-18 0 16,52 0 15,18 0-31,107 0 31,-1 0-31,141 0 31,124 0-15,-36 0 0,230 0-1,88 0 1,-124-18 0,-370 18-16,388-17 15,-388 17-15,406-18 16,123 1-1,-229-19 1,18 19 0,-248-1-1,-35 18 1,-193 0 15,-107 0 0,-17 0-15,-53 53 0</inkml:trace>
+  <inkml:trace contextRef="#ctx0" brushRef="#br0" timeOffset="34097.23">2946 7038 0,'-18'-53'31,"18"35"-31,0 1 0,0-19 31,0 1-31,35-18 0,1-35 16,-1 35 15,-35 18-31,0 105 47,0-52-47,0 70 16,0 36-1,-18-36 1,-17 18-1,0-36 1,35-52-16,-71 52 31,18-52-31,-53-18 16,18 0 15,0 0-31,35-18 16,35 18-1,71 0 17,36 0-17,87 0 1,-35-17 0,0-1-1,-123 18-15,35-17 16,-36 17-1,-17-18 32,0 0-31</inkml:trace>
+  <inkml:trace contextRef="#ctx0" brushRef="#br0" timeOffset="34287.12">3475 7020 0,'0'-17'62,"0"-1"-46,17 18-16</inkml:trace>
+  <inkml:trace contextRef="#ctx0" brushRef="#br0" timeOffset="35021.97">4269 6720 0,'0'0'0,"0"-17"16,0-1-16,0-35 15,0-17 1,0 34-1,0 54 17,0 17-32,0-17 15,0 52-15,0 72 16,0-107 0,0 71-1,-18 0 1,18-36-1,0-52 1,35-54 15,-17 19-31,17-36 16,36-35 0,-18 0-1,0 17 1,-18 36-1,0 35 1,0 88 0,-17-18 15,17 19-31,1-36 31,34-18-15,36-35-16,-88 0 15,70-35 1,0-36 0,-17 0-1,-19-52 1,-52 17 0,0-53-1,-17 89 1</inkml:trace>
+  <inkml:trace contextRef="#ctx0" brushRef="#br0" timeOffset="35131.44">4992 6544 0,'0'35'0,"0"-17"16,0 0 0,17 52-1,19-52-15</inkml:trace>
+  <inkml:trace contextRef="#ctx0" brushRef="#br0" timeOffset="35572.33">5327 6826 0,'0'0'0,"18"0"0,-1 0 16,36 0-1,18 0 1,17-35-1,0-18 1,-53 0 0,-35 18 15,-35 17-31,-35 18 31,-36 53-31,17 0 31,37 53-31,34-88 0,18 70 32,0-53-17,70 0 1,-17-17 0,53-18-1,18 0 1,-54-35-1,1-18 1,-1 0 0</inkml:trace>
+  <inkml:trace contextRef="#ctx0" brushRef="#br0" timeOffset="36321.97">7232 6526 0,'0'0'15,"70"-53"1,-70 36-16,0-18 16,0-1-1,-35 1 1,-35 17 0,-36 18-1,0 71 1,35 17 15,-34 53-15,87 0-1,0-105-15,18 52 16,53-18 0,53 1-1,-18-71 1,71 0-1,-124 0-15,71 0 16,-71-18-16,54-17 16</inkml:trace>
+  <inkml:trace contextRef="#ctx0" brushRef="#br0" timeOffset="37288.26">7867 6738 0,'0'-18'0,"18"-35"16,-36 124-16,36-159 0,-18 35 15,-71 18 1,-35 35 0,18 0-1,-18 70 1,0 36 0,53-18-1,36 18 1,17-53-1,70-35 1,1-18 0,52-36-1,-17-17 1,0-17 15,-53-36-15,-53 18-1,0 70 1,-53 71 15,35 18-15,18-54-16,-17 72 16,17-19-1,53-52 1,35-18-1,18 0 1,0-18 15,-18-52-15,-35-1-16,-36-35 31,-17 53-15,0 36-1,0 69 1,0 1 0,-17 36-1,-1-19 1,0-17 0,1-18-1,17-52 32,0-19-31,0-34-1,53-1 1,52-35 0,-69 71-16,105-18 15,-35 53 16,0 36-15,-54 69 0,-52-16-1,-52 69 1,-1-52 0,35-88-1,89-53 16</inkml:trace>
+  <inkml:trace contextRef="#ctx0" brushRef="#br0" timeOffset="39053.62">9419 6844 0,'18'0'16,"-36"0"-16,142-53 16,-89 35-1,71-52-15,35-54 31,-35-34-15,-89 34 0,-17 18-1,0 71-15,0 17 16,-70 1 0,17 70-1,0 105 1,18 72-1,35-89 1,-18 35 0,0-105 15,18-89 0,18 0-15,17-34-1,-17 34-15,35-88 16,17 18 0,36 0-1,-18 70 1,1 53 0,-19 53-1,-52-17 1,-18-53-16,70 70 15,-34-35 1,52-36 0,18-17-1,-18 0 1,71-70 15,-89-1-31,-52-52 16,-18-1 15,-35 1-15,-71 88-1,0 52 1,0 89 0,35 0-1,1 35 1,70-35-1,0-36 1,88-52 0,-35-18-1,53-53 17,0-17-17,-36-19 1,-17-34-1,-35 17 1,-36 159 15,-17 35-15,17 18 0,18-35-1,0-54-15,18 19 16,0-19-16,87 1 15,-16-18 1,34-18 0,1-52-1,-72-1 17,-34 53-32,17-70 0,-35 53 0,18-36 31,-18 36-16,0 53 1,-18 70 0,-17 18-1,17-18 1,1-35 0,-1-35-1,18-36 16,0 0-15,0 1-16,35-36 16,-17 17-16,70-69 15,-17-1 17,52 18-17,-35 70 1,1 71-1,-36 70 1,-53 1 0,-18-18-16,-17-71 31,-1 0-15,36-52 30,0-19-46,53 1 16</inkml:trace>
+  <inkml:trace contextRef="#ctx0" brushRef="#br0" timeOffset="40203.54">12506 6597 0,'0'0'0,"18"-18"0,-18 1 0,0-1 0,0-53 32,0 1-17,-18 35 1,0 35-16,-70-18 16,18 53-1,-36 71 1,35-18-1,18 36 1,53-18 0,0-89-16,18 36 31,52-35-15,1-18-1,17-18 1,0-70-1,-35 17 1,0-105 0,-35 53-1,17-19 1,-17 54 0,-36 106 15,1 0-31,-19 52 15,1 71 1,35 18 0,0-53-1,0 0 17,35-53-32,36-36 31,-1-17-16,1-35-15,-1-36 16,1-52 15,-18-18-15,-53 88-16,53-106 16,-36 71-1,-17 35 1,-17 71 15,17 17-31,-53 71 16,18 17-1,17 18 1,18-35 0,0-18 15,71-35-16,17-35 1,88-18-16,-70-35 31,17-36-15,-34-52 0,-54 17-1,-35 0 1,0 88-16,-35 18 15,-36 53 1,18 35 0,18 36-1,35-54 17,0 1-32,0-53 15,70-1-15,1-17 31,35-17-15,-36-36 0,-17-18-16</inkml:trace>
+  <inkml:trace contextRef="#ctx0" brushRef="#br0" timeOffset="42335.26">15275 6138 0,'0'-17'0,"0"34"0,0-70 15,0 36-15,0-54 16,0 89 15,-17 35-15,-19 106 0,19-107-16,-36 107 15,-53 53 16,-18-71-15,36-70 0,18-54-1,34-17 1,-16-70 0,34-54-1,18 1 1,0-54-1,18 89 1,34 70 0,1 36-1,0 88 1,0 0 15,53 35-15,0-35-16,-18-53 31,106-18-15,-70-35-1,17-53 1,-35 0 0,-54-35-1,-34-53 1,-36 35-1,-34 71 1,-1 52 0,-18 71-1,36 54 1,35-1 0,0-71 15,53-52-16,53 0 1,17-18-16,18-71 31,-35 18-15,0-106 0,-71 71-1,-17 53 1,-18 52-1,-53 54 1,0 52 0,35-17-1,-17-35 1,35-36 0,0-52 30,0-1-30,18 0-16,52-52 0,-17-19 31,53-34-15,0 52 0,-36 71-1,-52 53 1,-18-35-16,18 88 15,-18-36 1,52 1 0,1-36-1,53-35 1,18 0 15,-89 0-31,88-53 16,-34 0-1,-72-52 1,-17-1-16,-35 35 31,-36 71-15,54 0-16,-71 53 16,-1 35-1,54-17 1,35-1-1,18-34 1,52-36 0,54 0-1,-54-36 1,-17-34 15,-35 35-31,-18-1 31,0 19-15,0 52 15,0 18-15,-18 35 0,1 0-1,-19 36 1,36-89-16,0 159 15,0-35 1,53 70 0,-17-35-1,-19-53 1,-34 0 0,-1-123-1,-70 70 1,0-35-1,-36-53 1,-17-53 0,53-35-1,-18-71 1,88 106-16,1-123 16,34-89-1,71 71 1,-17 88-1,35 18 1,0-18 0,-18 36-1</inkml:trace>
+  <inkml:trace contextRef="#ctx0" brushRef="#br0" timeOffset="42836.99">17886 6209 0,'0'0'16,"0"-18"-16,0 1 31,-18 17-16,1 0-15,-1 0 16,-17 70 0,-18 71-1,17-17 1,1 17 0,18-106-16,17 36 15,0-36 1,0-17-1,0-71 17,0 35-32</inkml:trace>
+  <inkml:trace contextRef="#ctx0" brushRef="#br0" timeOffset="43295.15">17410 6509 0,'-18'0'0,"36"0"0,-54 0 16,36 17-16,36-17 31,52 18-15,53-18-1,-35 0 1,0 0-1,-71 0-15,-18 0 16,1 0 15</inkml:trace>
+  <inkml:trace contextRef="#ctx0" brushRef="#br0" timeOffset="47671.19">18062 6262 0,'0'0'0,"-17"0"47,-1 17-32,18 1 1,-18 0-16,-52 88 15,52 35 1,-17-36 0,0-16-1,35-54 1,0-53 31,0 1-32,52-54 1,-16 1 0,-19 52-16,1-35 0,0 35 15,17 1 1,-35 87 15,0-52-31,0 17 16,0 36-1,18-18 1,34-36 0,19-17-1,0 0 1,-1-53 0,-17 0-1,-35 36 1,-1-54-1,1 36 1,-18 17 0,-18 54-1,-17-1 1,35 35 0,-18-52-16,18 17 15,0-17 1,71 0-1,0-18 1,34-18 0,-52-17-1,0-53 17,-35 35-17,-18 0-15,-18 88 47,1 0-47,-19 36 0,19-36 0,-36 71 31,-18 70-15,36-17 0,0 106-1,-36-1 1,18-105-1,36-106-15,-72 88 16,-17-106 0,18-35-1,-70-53 17,16-17-17,19-1-15,88 54 16,17-107-1,89-52-15</inkml:trace>
+  <inkml:trace contextRef="#ctx0" brushRef="#br0" timeOffset="48319.91">19491 6103 0,'0'0'0,"18"-18"15,-18 1 1,35-19 0,-35 19-1,-18 17 48,18 17-63,0 1 31</inkml:trace>
+  <inkml:trace contextRef="#ctx0" brushRef="#br0" timeOffset="48618.9">19491 6103 0,'0'-18'16,"-18"-52"-1,18 35 1,0-1-1,0 19 1,-35 34 0,-18 71-1,35-35 1,-34-35-16</inkml:trace>
+  <inkml:trace contextRef="#ctx0" brushRef="#br0" timeOffset="48754.25">19173 6562 0,'0'17'15,"71"19"1,17-19 0,-17-17-1,52-35 1,-52-18 0,-1-35-1</inkml:trace>
+  <inkml:trace contextRef="#ctx0" brushRef="#br0" timeOffset="48962.89">19279 6209 0,'-17'0'0,"34"0"0,-70 0 0,36 0 0,-19 0 16,54 0 15,70 0-31,18 0 31,-71 0-31,89 0 16,17-18-1,-88 1-15</inkml:trace>
+  <inkml:trace contextRef="#ctx0" brushRef="#br0" timeOffset="49587.27">19403 6085 0,'0'-17'0,"53"-1"16,-36 18-16,1-18 15,17 1 1,-35-18 0,0 17 15,-53 18-16,0 0 1,-35 70 0,71-52-16,-19 35 15,19-18-15,-54 89 16,36-18 0,17 17-1,18-70 1,71 0-1,35-53 1,17-35 0,-70 17-16</inkml:trace>
+  <inkml:trace contextRef="#ctx0" brushRef="#br0" timeOffset="50064.15">19914 6332 0,'18'0'47,"0"0"-47,52-17 16,1-19-1,-54 1 1,-17 0 0,-35 17-1,-36 18 16,19 18-15,-19 35 0,36 17-16,17-34 15,18 52 1,0-18 0,53-17-1,18-53 1,-1 0-1,36-35 1,-88 17-16</inkml:trace>
+  <inkml:trace contextRef="#ctx0" brushRef="#br0" timeOffset="51002.65">20373 6279 0,'0'0'0,"-18"0"0,18-17 15,-17-1 1,17 1-16,0-1 0,53 0 16,52 1 15,-34 17-15,35 17-1,-71 19 1,-35 34-1,-53-17 1,-53 35 0,18-17-1,35-36 1,71-53 31,35-17-32,17-35 1,36-19 0,-18 19-1,-52 52-15,52-52 16,-53 34 0,-70 54 15,0 35-16,-18 17 1,53-52-16,-18 35 16,18 18-1,35-36 1,36 0 15,17-35-31,-17-18 31,-36 1-31,35-36 16,-17-18 0,-17-17-1,-1 0 1,-18-36 0,1 36-1,-18 71-15,0-72 16,18 89-1,-54 71 17,1 17-17,35-70-15,-35 105 32,17-34-17,1 16 1,17-34-1,0-36 1,17-17 0,54-18-1,-36-53-15,36 0 32,-36 0-32</inkml:trace>
+  <inkml:trace contextRef="#ctx0" brushRef="#br0" timeOffset="51286.7">21255 6015 0,'0'0'0,"17"0"31,1 0-16,53-18 1,-54 18-16,54 0 16,35-35-1,-36 35 1,-34 0-16,-36-18 31,-53 18-15,-36 18-1</inkml:trace>
+  <inkml:trace contextRef="#ctx0" brushRef="#br0" timeOffset="52687.11">2946 8696 0,'0'0'0,"0"-18"16,0 1-1,0-1-15,0 0 16,0-17 0,0 0-1,17 17-15,36-17 16,18 17-1,-18 18 1,35 53 0,-88 71-1,-35 52 1,-54-17 15,-16-53-15,-37-1-1,19-87 1,-18 0 0,70-36-1,54 0-15,-19-52 16,36-36 0,36-35-1,17 70 1,35 36-1,0 53 1,0 70 0,-70-70-16,35 70 15,0 18 1,-36-53 0,-17 17 15,18-52-16,0-18 1,17-18 0</inkml:trace>
+  <inkml:trace contextRef="#ctx0" brushRef="#br0" timeOffset="52880.38">3351 8978 0,'0'0'16,"18"0"-16,53 0 0,-89-17 15,-35 17 1,35 0 0,18-18 15,18 0-15,0 18-1,-1 0-15</inkml:trace>
+  <inkml:trace contextRef="#ctx0" brushRef="#br0" timeOffset="53203.22">4269 8625 0,'0'0'0,"17"-17"0,-17-1 0,18 0 0,-18-52 32,18 70-32</inkml:trace>
+  <inkml:trace contextRef="#ctx0" brushRef="#br0" timeOffset="53284.57">4374 9155 0</inkml:trace>
+  <inkml:trace contextRef="#ctx0" brushRef="#br0" timeOffset="54200.76">4392 9207 0,'18'0'31,"-1"-35"-31,36-18 16,-53 36-1,53-72-15,35-34 16,1-18 15,-37 88-15,-34 53-1,-18 106 17,0 0-17,0-18 1,18 0-1,35-53 1,-36-35-16,36 0 16,35-35-1,-17-36 1,-18 1 0,17-36 15,-34 0-31,-19 18 31,-17 53-15,0 52 15,0 72-15,0 16-1,0-87-15,0 70 16,0 0-1,36-52 1,34-19 0,36-17-1,-18-35 1,36-35 15,-107 52-31,54-53 16,-36-34-1,-35-1 1,0 53 0,0 17-1,-53 36-15,0 36 32,-17 52-17,35 18 1,17-18-1,18 0 1,88-17 0,36-54-1,17-17 1,-36-17 0,19-36-1,-53-18 16,-54 54-31,1-19 0,-18 19 16,0-54 0,0 36-16</inkml:trace>
+  <inkml:trace contextRef="#ctx0" brushRef="#br0" timeOffset="54818.58">4392 8590 0,'53'-18'16,"-53"1"-1,-35 17 17,17 17-17,-17 54 1,0 53 0,17-1-1,18-35 1,0-70-16,53 70 15,53-88 1,-36 0 0</inkml:trace>
+  <inkml:trace contextRef="#ctx0" brushRef="#br0" timeOffset="55436.27">7338 8608 0,'0'0'0,"0"-18"0,17 18 16,36-35 0,-53 17-1,-35 1 1,-36 17-1,54 17-15,-89 54 16,53 35 0,-17 17-1,52 1 1,18-19 15,70-52-15,19 0-1,52-53 1,0-35-16</inkml:trace>
+  <inkml:trace contextRef="#ctx0" brushRef="#br0" timeOffset="56418.91">8026 8802 0,'0'0'0,"0"-53"0,0 35 0,-36-52 15,-52 17 1,18 53 0,34 0-16,-52 17 15,0 54 1,0 35 0,70 17-1,-17-35 16,53-17-31,-1-71 16,71 18 0,18-18-1,18-36 1,-36-17 0,-18-52-1,-17-1 1,-53 88-16,18-52 15,-18 52 1,-18 18 0,-17 71-1,0 34 1,70-16 0,-35-72-1,0 54-15,71-36 31,-1-35-15,36 0 0,-18-53-1,-53-17-15,1-54 32,-36 36-17,0 53 1,0 17-1,0 53 1,0 71 0,-18 0-1,18-36 1,-18-17 0,1-35-1,17-36 32,0-17-31,0 17-16,17-52 15,36-18 1,18-36 0,88 54-1,-71 52 1,18 89-1,-89-1 1,-17 36 0,-35-18-1,-18-35 1,36-18 0,17-52 30</inkml:trace>
+  <inkml:trace contextRef="#ctx0" brushRef="#br0" timeOffset="59033.04">9543 9049 0,'0'0'0,"17"0"31,1 0-31,17 0 16,-17-18-16,88-35 15,-18-17 1,18-36 0,-18 0-1,-70 35 1,-18-34-1,-18 69 1,-53 36 0,36 71-1,-18 17 1,18 71 0,35-106-1,-53 53-15,18 17 31,17-88-15,18-17 0,18-36-1,70-35 1,18-52 0,17-19-1,-35 54 1,1 70-1,-72 0 1,1 88 0,-1 35-1,1-52 1,70-1 15,0-52-31,18-18 31,18 0-31,52-71 32,-88-17-17,-88 0 1,0-35 0,-70 17-1,-1 70 1,-35 36-1,1 71 1,34 52 0,36 1-1,17-18 1,18-53 0,71-36-1,35-17 16,-1-70-15,-34 17 0,17-35-1,-35-18 1,-18 35 0,-35 54-1,0 52 1,-17 53-1,17 18 1,0-88-16,0 52 16,17-35-1,71-35 1,18 0 15,18-35-31,-36-35 31,-35-19-15,-35 54-16,-1-53 16,-17 53-1,0 17 1,0 89 0,-17-1-1,-19 36 1,19-18-1,-1-53 1,18-52 31,18 17-47,35-71 16,-53 54-16,52-54 15,19-17 1,0 53 15,-19 17-15,-34 53-1,-18 18 1,0-35-16,0 70 16,35-18-1,18-34 1,36-36-1,-1 0 1,53 0 0,35-88-1,-105 17 1,-18-35 0,-53 36-1,-36 17 1,-34 53 15,-36 17-15,0 72-16,53-1 15,36 0 17,17-18-17,35-34 1,-17-36-16,70 0 15,-18 0 1,18-36 0,-17-34-1,-18-18 1,0-53 0,-35 17-1,17 18 16,-35 71-15,-35 88 15,-1 17-31,36-34 16,-17 87 0,-1-17-1,18 0 1,18-71-1,52-17 1,18-18 0,18-35-1,0-54 1,-53 1 0,0-35-1,-36 17 16,19 18-15,-36 70 0,-71 89-1,18-1 17,18 54-17,17-1 1,18-52-1,0-54-15,53 36 16,18-53 0,70 0-1,18-17 1,-71-36 0,18-36 15,-89-16-16,-17 69 1,-70 19 0,-18 70-1,52 17-15,19 54 32,52-54-17,71-52 1</inkml:trace>
+  <inkml:trace contextRef="#ctx0" brushRef="#br0" timeOffset="59102.11">13758 9013 0,'36'-35'32,"-72"70"-32,89-87 0,-17-1 15,-19 35-15</inkml:trace>
+  <inkml:trace contextRef="#ctx0" brushRef="#br0" timeOffset="59918.76">15134 8696 0,'18'-18'0,"-36"36"0,53-36 15,-17 1-15,88-19 32,-88 19-32,52-19 15,18-16 1,-70-19-1,-18 36 1,-71 17 0,-17 18-1,53 0-15,-106 35 16,53 18 15,35 18-31,53-18 31,17 0-31,89 17 16,-71-52 0,71 35-1,18 17 1,-54-34 0,-70-1-1,-70 0 1,17-35-16,-106 18 15,106-18-15,-106 0 16,18 0 0,88 0-1,36 0 1,34-18 15,-17 1-15</inkml:trace>
+  <inkml:trace contextRef="#ctx0" brushRef="#br0" timeOffset="60516.39">13458 9031 0,'0'0'0,"-17"0"0,-1 18 15,1-18 1,17 35 0,17-35-1,36 18-15,0-18 16,35 0 15,-35-36-31</inkml:trace>
+  <inkml:trace contextRef="#ctx0" brushRef="#br0" timeOffset="61282.65">15875 8784 0,'0'0'0,"0"-17"0,18 17 16,-18-18-16,0 0 31,-18 18 0,0 36-15,1 87 0,17-17-1,0 70 1,0-123-16,-36 106 16,1 88-1,-18 35 16,0-123-31,18-18 32,0-71-17,35-105 17,17 0-17,36-71 1,-35 18-16</inkml:trace>
+  <inkml:trace contextRef="#ctx0" brushRef="#br0" timeOffset="61678.65">15875 8978 0,'0'0'0,"-18"-35"0,-17-89 15,35 89-15,-18-35 16,54 17-1,52 17 17,35 1-17,54 35 1,-36 18 0,-53 88-1,-88-36 1,-123 18-1,17-17 1,-53-18 0,53-36-1,71 1 1,53-18 31,-1 0-32,54-35-15,-54 35 16</inkml:trace>
+  <inkml:trace contextRef="#ctx0" brushRef="#br0" timeOffset="62261.13">16986 8767 0,'18'-18'0,"-36"36"15,54-54-15,-36 19 0,0-19 16,-18-17 0,-35 36-1,-18-1 1,-34 18 0,34 53-1,-70 88 16,106-53-31,17 18 32,36-53-17,70-18 1,35-35 0,-52-35-1,35-35 1,-53-19-1,-18-16 1,-17 34 0,-18 36-1,-18 70 17,18-17-32,-18 70 15,1 0 16,17 18-31,0-53 16,53 0 15,17-53-15,18 0 0,53-53-1,-105 53-15</inkml:trace>
+  <inkml:trace contextRef="#ctx0" brushRef="#br0" timeOffset="62552.17">17798 8696 0,'0'0'15,"0"-35"-15,0 17 0,0-17 16,-36 17 0,1 18-1,-53 35 16,35 54-15,18 34 0,17-35-1,18 0 1,18-35-16,52-35 31,1-18-15,-1-18-1,36-35 1</inkml:trace>
+  <inkml:trace contextRef="#ctx0" brushRef="#br0" timeOffset="63282.87">18168 8802 0,'0'0'0,"-18"0"15,1 0-15,-1 17 32,71-17-1,0-35-31,35 0 31,-17-18-15,-54 18-1,-17 17 1,0 0-16,-35 18 16,-35 18-1,-1 35 1,18 18 0,35 34-1,18-69-15,0 17 31,18 17-15,70-52 0,-17-1-1,88-17 1,-18-35-16,88-71 31,-123 36-15,-36-54-1,-70 36 1,0 53 0,-35 17-1,-18 18 1,53 18-16,-17 35 16,17 17-1,0 18 16,0-35-31,17 18 32,-17-53-32,0-1 31,-35 1-15,0-18-1,-54 17 1,-87 1-1</inkml:trace>
+  <inkml:trace contextRef="#ctx0" brushRef="#br0" timeOffset="64582.77">2575 10477 0,'0'18'16,"0"-36"-16,-17 36 0,-19-18 16,19 0-16,17-35 15,0 0 1,17 17-16,54-17 16,17-1-1,-17 36 1,-1 0-1,-52 106 17,-53 18-17,-36-36 1,-52 0 0,52-53-1,18-35 1,53-17 15,53-19-15,53 19-1,0 17 1,-36 35 0,-17 36-1,-35-1 1,-18-52-1,-88 70 1,-36-35 0,-70 17-16,53-70 31,17 0-15,36 0-1,71-35 1,17-18-1,53 18 17,17 0-17</inkml:trace>
+  <inkml:trace contextRef="#ctx0" brushRef="#br0" timeOffset="64791.25">3228 10830 0,'-18'0'16</inkml:trace>
+  <inkml:trace contextRef="#ctx0" brushRef="#br0" timeOffset="66077.83">4357 10601 0,'0'-18'0,"0"36"0,0-53 0,-18-36 16,18 53-16,0-17 16,0 18-16,0-1 15,0 106 16,0 18 1,0 70-32,0-70 15,0-71 1,0 54 0,0-54-16,35-53 46,18-17-30,-53 17-16,71-70 16,-1 0-1,19-71 1,-19 71 0,-17 53-1,-18 70 16,-35 89-15,0-36 0,0 35-16,0-35 31,0-52-15,89-36-1,-19 0 1,36-53-1,0-35 1,-53-1 0,0-52-1,-53 35 1,0 71-16,0-53 16,0 70-1,-18 54 16,0 34-31,1 71 32,17-17-32,0-18 15,53-54 1,-18-34 15,53-18-15,18 0-1,35-53 1,-106 36-16,71-54 16,0-17-1,-88-18 1,-18 35 0,-89 71-1,-16 18 1,16 70-1,89-17 1,0 35 15,36-53-31,17-18 32,52-18-32,-34-17 31,-18 0-16,0-17 1,-18-36 0,-17 53-16</inkml:trace>
+  <inkml:trace contextRef="#ctx0" brushRef="#br0" timeOffset="66585.46">7479 10548 0,'18'-18'15,"-36"36"-15,53-53 0,-35 17 0,18-70 16,-18 70-16,0-35 16,-53 36-1,0 17 16,35 17-31,-52 54 16,34 35 0,1 53-1,35-54 1,0 19 0,35-18-1,-17-89-15,35 36 16,53-35-1,17-18 1,54-53 0,17-18-1</inkml:trace>
+  <inkml:trace contextRef="#ctx0" brushRef="#br0" timeOffset="67545.87">8273 10777 0,'-36'18'0,"72"-36"0,-19-17 0,1-18 15,-18-35 1,-53 35 15,-35 18-15,-18 70-1,71-35-15,-36 71 0,-35 52 32,36-35-17,52 18 1,18-53-1,53-35 1,-18-18-16,71 0 16,-18-18-1,36-53 1,-36 1 0,-53-1-1,-35-17 1,0 71-1,0-1 1,0 53 0,-17 36 15,17 17-15,0-53-16,0 18 15,35-18 1,53-35-1,-17 0 1,34-53 0,-16-17-1,-72-1 1,-17-17 0,0 53-1,0 17 1,0 36 15,0 70-31,-35 0 31,17-17-31,1-18 32,17-36-17,0-34 32,0-1-47,0-17 16,0 17-16,35-52 15,18-19 1,88-34 0,0 52-1,53 54 1,-106 52 15,-35 53-31,-53 18 16,-35-35 15,-36-1-15,54-35-1,-1-35-15,1 18 16,-1-18-1,18-18-15</inkml:trace>
+  <inkml:trace contextRef="#ctx0" brushRef="#br0" timeOffset="70215.17">10178 10936 0,'-18'0'0,"36"0"0,-71 18 0,35-18 15,-17 0 1,70 0-1,36-18 1,17-17 0,-53 17-16,106-88 15,-17-17 1,-89 17 0,-35-35-1,-18 70 16,-52 71-15,34 71-16,-16 88 31,16-18-31,1 18 32,17-54-17,1-16 1,17-72-1,35-34 17,18-54-17,17 0 1,-52 54-16,70-54 16,-70 54-16,88-36 15,-53 53 16,-18 35-31,-17 18 32,-1 35-17,-17-70-15,53 52 16,18-34 0,52-19-16,36-17 31,-53-35-16,35-36 1,-106 71-16,18-70 16,-18-36-1,-35-17 1,-35 70 0,-71 35-1,18 18 1,-88 123 15,70 1-15,71-54-16,35 19 31,88-54-15,-18-35-1,-34 0-15,69-18 16,-16-17-1,-1-53 1,-53 0 0,-17 17-1,-1 36 1,-17 88 15,-17 35-15,17-35-1,0-36 1,0 36 0,70-17-16,18-36 31,1 0-15,-1-36-1,-35 1 1,-18-53-1,-17 17 1,-18 18 0,0 71-1,-18 35 1,-35 35 0,36-17-1,-1-36 16,18-17-31,-18-18 0,36 0 47,0-36-31,34 1 0,-34 17-16,35-34 15,18-19 1,-36 53-16,0 1 15,0 17 1,-17 35 0,0 36-1,-1-19 1,1-34-16,35 17 16,53 18-1,17-53 1,-17 0-1,-35-17 17,17-19-17,-71-34-15,-17-18 32,-17 17-17,-36 36-15,-18 35 31,1 35-15,-1 53 0,54 0-1,-1-17 1,18-36 0,35-17-1,18-18 1,35 0 15,-70 0-31,70-53 16,-35 0-1,18-53-15,-54 18 32,1-35-17,-18 87-15,0-17 16,0 36-16,-18 34 31,1 54-15,-1-53-16,0 70 15,-17 18 1,35-36 0,0-52-16,0 52 15,0-17 16,88-35-31,18 0 32,0-18-32,-88 0 15,87-71-15,-34-17 32,-18 0-17,-36-53 1,1 35-1,-18 35 1,-18 106 15,18-17-31,-52 106 16,34-36 0,-17 18-1,35-54 16,35 19-31,71-36 32,-18-35-32,18 0 31,-18-53-15,-35 0-1,-53 36-15,18-71 16,-18 17-1,-18 71 1,-17 35 0,-1 18-1,1 35 1,35-35 0,0-35-16,18 0 15,17-1 1,18-17 15,-35 0-31,34-35 31,-16 0-31</inkml:trace>
+  <inkml:trace contextRef="#ctx0" brushRef="#br0" timeOffset="70798.97">15117 10707 0,'0'-18'16,"0"36"-16,0-89 31,0 89 0,0 17-31,-18 89 16,-17 87 0,-1 54-1,19-177-15,-19 194 31,-34 18-31,17-88 16,35-36 15,18-141-31,-17 18 0,34-106 32,19 1-17,-1-90 16,-18 107-31</inkml:trace>
+  <inkml:trace contextRef="#ctx0" brushRef="#br0" timeOffset="71178.27">15064 10989 0,'-18'-18'0,"36"36"0,-54-53 16,1-18-1,17 0-15,18 35 0,36-70 32,70 18-17,105 17 1,-34 53 0,-36 35-1,-124 71 1,-17-71-16,-53 53 15,-88 0 1,18-52 0,-1-1-1,36-17 1,53-18 0,70 0 15,53-18-16,18 0 1</inkml:trace>
+  <inkml:trace contextRef="#ctx0" brushRef="#br0" timeOffset="72532.72">16210 10724 0,'18'-17'15,"-36"34"-15,36-52 0,-18 0 16,0 17-16,-36-35 16,19 36-16,-36-19 15,-53 36 1,53 36 0,-35 34-1,17 54 1,36-36 15,35-70-31,0 70 16,0-35-1,53-18 1,18-35-16,-1 0 16,18-53 15,1-18-16,-37-34 1,-16-1 0,-36 35-1,17 36 1,-17 70 15,0-17-31,-17 35 31,-1 35-31,18 0 16,0-53 15,35 1-31,-17-19 16,35-17 0,53 0-1,17-17-15,-17-19 31,0-52-15,-88 71-16,-1-36 16,1 17-16,-18-34 15,-18 70 1,-52 0 0,17 35-1,53 18 16,0 18-31,0-54 16,35 36-16,36 0 31,-36-35-31,35-1 32,1-17-32,-18 0 31,-18 0-31,36-53 15,-1 1 1,-17-54 0,0-35-1,-53 17 1,0 18 0,0 89-1,0 34 16,-35 54-31,-18 52 16,18-17 15,17 18-31,18-107 16,0 71 0,35-52-1,36-19 1,-1-17-1,36 0 1,0-70 0,-18 17-1,-52-35 1,-19 52 0,-34 54 15,17 0-16,-18 17-15,0 36 32,18-36-32,0-18 15,53-17 1,0 0 15,18-17-15,-36-36-1</inkml:trace>
+  <inkml:trace contextRef="#ctx0" brushRef="#br0" timeOffset="72741.62">17868 10407 0,'0'0'15,"-35"0"1,17 0-16,1 0 15,-1 0 1,18 18 15</inkml:trace>
+  <inkml:trace contextRef="#ctx0" brushRef="#br0" timeOffset="72932.19">17022 10601 0,'-18'18'16,"36"-36"-16,-54 53 0,54-35 31,0 0-31,70 0 16,53 0-1,-124 0-15,54-17 16</inkml:trace>
+  <inkml:trace contextRef="#ctx0" brushRef="#br0" timeOffset="74931.31">18203 10654 0,'18'0'0,"-36"0"0,54 0 16,-1-35 0,0 17-1,-35 0-15,0-35 16,0 0 0,-17 18-1,-54 35 1,-17 53-1,70-35 1,-52 70 0,-19 18-1,72 0 1,17-53 0,17-18-1,36-35 1,-35 0-16,70 0 15,0-53 1,-17-18 0,-18-34-1,-53 16 1,17 1 0,-17 70-1,0 71 16,-17 18-31,-1 52 16,18-34 15,18-36-31,52-36 32,-34-17-32,34 0 15,36-17-15,0-54 31,-36 0-15,-17-70 0,-17 18-1,-36 70-15,17-53 16,1 71 0,-71 141 15,0-1 0,53-69-31,-35 123 16,17-71-1,18 18-15,35-54 16,36-34 15,17-18-15,18-18-1,-18-52 1,-17-18 0,17-89-1,-53 1 1,-17 70 0,-18 36-1,-18 70 1,-35 17-1,0 107 17,36-1-17,-19 36 1,36-53 0,18-18-1,53-53-15,-1-35 31,36 0-15,-18-17 0,-70-1-16,88-70 15,-53 17 1,-18 1 0,-35 52-1,0 36 1,-18 70 15,1-71-31,-1 54 16,18 0-16,53-19 31,0-52-15,53 0-1,-36 0-15,18-70 31,-52-18-15,-1 17 0,0-17-1,-35 53 1,0 17 0,0 53-1,0 36 1,-53 35 15,0-18-31,18 53 31,0 35-15,35 36 0,0-18-1,0-53 1,0 0-1,-18-70 1,-52-36 0,-89-35-1,71 0 1,-18 0 0,35-17-1,36-1 1,-71-17-1,71 35-15</inkml:trace>
+  <inkml:trace contextRef="#ctx0" brushRef="#br0" timeOffset="77760.98">4921 12153 0,'0'0'0,"18"-88"16,-18 70-16,0-35 31,0 1-15,-53 52-1,-18 0 1,1 52-1,35-16-15,-54 87 16,54 1 0,17 34-1,18-69 1,106-19 0,35-52-1,-105-18-15,87-18 16,36-35 15,-53-17-15,0-71-1,-71 17-15,-18-35 32,-17 106-32,0-52 15,-17 87-15,-18 53 31,-1 36-15,19 88 0,-19-18-1,1-36 1,35-52 0,0-35-1,18-36 16,-1 1-15,36-36 0,0 0-1,0 18 1,-18 17-16,-17 36 31,17 35-15,18 17-1,35-35 1,71-17 0,-35-18-1,34-18 1,-34-35 0,-54-17-1,-52-36 1,-18 0 15,-35 0-31,-18 71 31,-18 35-15,-35 106 0,36-18-1,35 36 1,35-54-1,17 1 1,54-54 0,-54-17-16,36 0 15,36-35 1,-36-18 0,-18-17-1,-18-19 1,1 37-1,-18 16 17,0 107-17,0-1 17,0-34-32,0-1 15,0 18 1,106-53-1,-36 0 1,36-18 0,0-35-1,-53 0 1,0-35 0,-35 0-1,-18 106 32,-18 35-31,0 17-16,-17 1 15,35-18 17,-18-36-32,18 1 0,-17-1 31,17-34 0,17-36-15,36-35-1,36 17 1,-72 54-16,124-54 16,-53 53-1,1 54 1,-72 34 15,-17 18-15,0 1-1,18-37 1,52-16 0,19-36-1,-19 0 1,54-36-1,-36-16 1,-53-19 0,-17-17-1,-36-18 1,-35 71 0,-53 35-1,54 53 1,-1 52-1,17-16 1,36-54 15,18 0-31,35-35 32,-35 0-32,52 0 0,-17-53 31,-18 18-16,1-36 1,-36 19 0,0 34-1,0 36 17,0 52-17,-36 18 1,-17 36-1,18 17 1,17-106 0,18 124-1,0 70-15,0-17 32,36-36-17,-1 36-15,-17 17 31,-107-105-15,-16-36 0,16-70-1,-52-1 1,-35-34 0,-71-89-1,123-53 1,36-17 15,88-1-15,18 36-16,52 0 31,36 0-15,-70 106-16,140-107 15,-123 90-15</inkml:trace>
+  <inkml:trace contextRef="#ctx0" brushRef="#br0" timeOffset="78547.67">7955 12400 0,'0'-18'0,"0"1"31,18-1-31,17-17 16,18-18-1,0-18 1,-35 19 0,-1-1-1,-34 53 1,-54 17-1,36 36 17,-18 35-32,53 1 15,0-19 17,35-17-32,-17-53 15,70 0 1,18 0-1,0-18 1,-18-52 0,0-1-1,-53-35 1,-17 18 0,-18 53-1,0 53 1,0 52-1,-18 1 1,1 17 15,17-35-15,0-36 15,0-34-15,0-1-1,17 1-15</inkml:trace>
+  <inkml:trace contextRef="#ctx0" brushRef="#br0" timeOffset="78730.75">8537 11924 0,'0'0'0,"-17"0"0,-1 0 16,0 0-1,18 18 1,18-1 15,0-17-15,-18 18-16</inkml:trace>
+  <inkml:trace contextRef="#ctx0" brushRef="#br0" timeOffset="79260.47">8819 12047 0,'0'18'15,"0"0"1,0-1-16,-17-17 0,17 71 16,0-36-1,0 36 1,0-36-1,0 0 1,0-17-16,0-1 16,-35-17 31,17 0-32,18-52 1,0-37-1,70 19 1,-52 52-16,123-88 16,-35 89-1,35-1 1,-88 71 0,-18 53-1,-35-71-15,0 53 16,-53 0 15,-17-35-15,52-35-1,36-18 17,17-18-17,-17 1-15,17-1 0</inkml:trace>
+  <inkml:trace contextRef="#ctx0" brushRef="#br0" timeOffset="79984.69">9754 12206 0,'18'0'0,"-36"0"0,36-18 0,-18-17 16,0 0 0,-35 0-1,-18 17 1,0 18-1,-18 53 1,1 35 15,34 18-31,19-53 16,17-18 15,53-35-31,17 0 31,36-53-15,-53 18 0,-18-36-1,-17 18 1,-18 36 0,0 52 15,0-17-31,-35 52 15,-1 36 1,19-18 15,-19 71-31,19 0 32,-1 176-32,18-53 31,0-70-16,0 35 1,-17-88 0,-36-89-1,35-52-15,-105-1 16,-36 1 0,18-53-1,-89-36 1,72-17-1,122 0 17,36-53-17,36 52 1,87-69-16</inkml:trace>
+  <inkml:trace contextRef="#ctx0" brushRef="#br0" timeOffset="83091.59">10901 12100 0,'0'-17'16,"0"-1"31,17 18-31,1 0-16,0-18 15,17 1-15,18-1 16,0 0-1,-53 1 1,-35 17 15,-54 0-15,1 35 0,18 36-1,34-1 1,36-17-1,36-18 1,52-17 0,18-18-1,-53 0 1,-18-18 0,-53 18-1,-17 0 1,17 0-16,-88 36 15,36-1 1,35 53 15,35-17-15,0 17-16,53-35 31,-36-53-31,71 17 16,53-17-1,18-70 1,-53 17 0,18-53-1,-54-17 1,-52 87-16,-1-122 16,-17 52-1,0 18 1,-17 105 15,-1 19-15,0 52-1,1-35-15,-1 70 16,1 36 0,17-53-1,0-53-15,70-36 31,54-17-15,-89 0-16,71 0 16,52-70-1,-52 17 1,-53-35 0,-53-1-1,-17 54 1,-54 35-1,18 18 1,18 52 15,0 18-31,35-17 32,35 0-17,18-54-15,35-17 31,35-17-15,-17-19 0,0-34-1,-35-1 1,-36-17 0,-35 70-1,0 36 16,0 0-31,0 17 16,-18 71 0,-17-36-1,17-52 17,18 0-17,0-36 16,18-17-15,0 35-16,17-53 16,35-35-1,1-18 1,-18 70 0,-18 19-1,-17 34 1,-18 1-16,17 53 15,-17 17 17,0-35-17,0 0 1,0-36-16,0 1 16,18-18 15,0-18-16,17-35 1,36-17 0,-1-1-1,54-17 1,-54 70 0,-35 18-1,-35 18 1,0 53-1,-35-1 17,18-17-17,17-35-15,0 35 0,52-36 32,19 1-17,35-18 1,-36-18-1,19-35 1,-54 36-16,0-36 16,0-35-1,-35 17 1,0 53 0,-35 18-1,-18 36 1,36-36-16,-19 70 15,19-17 17,17 18-17,17-18 1,19-36 0,69-17-1,-87 0-15,53 0 16,17-17-1,-53-54 1,-17 18 0,-1-35-1,-17 70 1,0 1-16,0 52 31,-17 36-15,-19-1-1,36-52-15,-17 17 16,-1 0 0,1-17-1,34-36 32,1 1-31,35-54-1,0 18 1,-36 36-16,71-54 16,-52 71-1,-19 0 1,-17 53 0,0 0-1,0 0 1,18-36-16,35 19 15,35-1 17,18-17-17,-18-18 1,-17-18 0,-36-53-1,18-17-15,-18-53 31,0 35-15,1-17 0,-36 70-1,0 35 1,0 54 0,-53 52-1,18 35 1,35-35-1,-36 36 17,36-54-32,0-52 15,0 53 1,53-36 0,0-35-16,35 0 31,-17-35-16,-36-1 1,-17 19-16,17-36 16,-17 17-1,-1 1-15</inkml:trace>
+  <inkml:trace contextRef="#ctx0" brushRef="#br0" timeOffset="83415.03">14693 12136 0,'-17'0'16,"34"0"-16,-17 0 31,71 0-15,35 0-1,-36 0 1,18 0 0,-52-18-1,-19 18 1,-17 18 46</inkml:trace>
+  <inkml:trace contextRef="#ctx0" brushRef="#br0" timeOffset="83668.03">15893 12488 0,'0'18'0,"-36"-18"0,36 35 31,0-52 0</inkml:trace>
 </inkml:ink>
 </file>
 
@@ -356,37 +515,101 @@
           <inkml:channelProperty channel="T" name="resolution" value="1" units="1/dev"/>
         </inkml:channelProperties>
       </inkml:inkSource>
-      <inkml:timestamp xml:id="ts0" timeString="2022-11-29T03:21:13.155"/>
+      <inkml:timestamp xml:id="ts0" timeString="2022-11-30T02:43:32.428"/>
     </inkml:context>
     <inkml:brush xml:id="br0">
       <inkml:brushProperty name="width" value="0.05292" units="cm"/>
       <inkml:brushProperty name="height" value="0.05292" units="cm"/>
-      <inkml:brushProperty name="color" value="#0070C0"/>
+      <inkml:brushProperty name="color" value="#FF0000"/>
     </inkml:brush>
   </inkml:definitions>
-  <inkml:trace contextRef="#ctx0" brushRef="#br0">5750 2893 0,'18'0'15,"35"-18"1,-53 0-16,17 18 0</inkml:trace>
-  <inkml:trace contextRef="#ctx0" brushRef="#br0" timeOffset="885.96">5292 1323 0,'17'-18'16,"-17"1"0,18 17-16,-18-18 15,0 0 1,0 1 0,0 34 46,0 1-62,0 0 16,0 35-1,0 17 1,0 36 0,0-71-16,0 18 15,18-35-15,17 70 16,0-53-1,18-17 1,0-18 0,18-35-1,-1-54 1,-35 54 0</inkml:trace>
-  <inkml:trace contextRef="#ctx0" brushRef="#br0" timeOffset="1418.72">5662 776 0,'0'-18'0,"0"36"0,-18-53 16,1 35-16,-18 0 15,-1 17 1,19 54 0,17 0-1,0 17 16,0-71-31,35 19 16,35-36 0,-17 0-1,0-36 1,-35 1 0,0-35-1,-18-19 1,-71 36-1,18 53 1,0 0 0,18 0-1,17 53 1,18 18 0,36-1-1,-1-17 1</inkml:trace>
-  <inkml:trace contextRef="#ctx0" brushRef="#br0" timeOffset="1851.96">6685 1429 0,'0'-18'0,"0"36"16,0-54-16,0 19 16,0-1-16,-53-17 15,0 17 16,-53 1-15,54 17 0,34 0-16,-70 35 15,35 0 1,18 36 0,-1-18-1,19 17 1,17-52-16,0 35 15,0-18 1,17 18 0,-17-35-1</inkml:trace>
-  <inkml:trace contextRef="#ctx0" brushRef="#br0" timeOffset="2351.6">6368 1623 0,'88'0'0,"-18"-53"15,1 0 16,17-35-15,-17 0 0,-1-54-1,-34 37 1,-36 69-16,35-105 16,-18 71-1,-17-1 1,18 53-1,-18 1 1,-53 87 0,18 36-1,0-18 1,-1 54 0,1-37-1,17 54 16,18-71-15,0-52-16,36 16 16,17-34-1,-18 17 1,141-17 0,-88-36-1,-17-35 1,-36 36-1,-17-18 1,0-1 0,-1 36-1</inkml:trace>
-  <inkml:trace contextRef="#ctx0" brushRef="#br0" timeOffset="3502.01">5009 3122 0,'0'-18'0,"0"1"0,18-36 32,-18 35-32,0 1 15,0-1-15,0-17 16,0-18 0,0 35-1,0-17 1,0 17-1,0 53 17,0-17-32,0 53 15,0 17 1,0 18 0,-18-18-1,18-18 16,0-52-31,0 0 16,-17-18 0,17-71 15,0-17-15,53-18-1,35 0 1,-70 89-16,52-36 15,36 17 1,0 36 0,-71 36-1,-17 34 1,-18-52-16,0 70 16,0 0 15,-18-35-16,18-17 1,0-19 0,18-17 15,17 0-15</inkml:trace>
-  <inkml:trace contextRef="#ctx0" brushRef="#br0" timeOffset="5202.33">6209 2999 0,'0'-18'0,"0"36"0,18-54 0,-18 19 15,0-1-15,17 18 0,-17-53 16,0-17 15,-17 34-15,-54 36-1,0 36 1,-17 34 0,0 1-1,17 35 1,19 35-1,52-53 1,17-53 0,54-35-1,17 0 1,0-53 0,-17 0-1,-54 36 1,72-54-1,-54-17 1,0 17 0,0 1-1,-35 17 1,0 70 15,0 36-15,-17 36-1,-1-19 1,0 36 0,18-88-16,0 52 15,36-52 1,34-18 0,18 0-1,36-53 16,-54 0-15,-52 35-16,35-52 16,-18-1-1,-35 1 1,0 87 31,0 1-47,0 0 0,-17 17 15,17 53 1,0-17 0,-18-1-1,18-52 1,0-1 0,0-52 15,35-35 0,18-19-15,0-16-1,35 34 1,-35 36 0,-35 35-16,17 0 15,0 35 1,-17 36-1,-18-18 1,18 52 0,17-16-1,-17-54 1,52-35 0,-17 0-1,18-53 1,17-18 15,-35 1-15,-36 52-16,72-70 15,-36 17 1,-18 54 0,-18 17-1,-17 17 1,0 72-1,0-36 1,18 35 0,17-18-1,36-34 1,17-1 0,0-35-1,-52 0 1,69-35-1,19-36 1,-54 0 0,-34 19-1,-1-37 1,-35 72-16,0-54 16,0 53-1,-53 18 1,-17 89-1,-1 17 1,71 35 0,0-106-1,0-17-15,53 34 16,53-52 0,17-17-1,-17-18 16,35-36-15,-35 18-16</inkml:trace>
-  <inkml:trace contextRef="#ctx0" brushRef="#br0" timeOffset="6217.66">5821 4568 0,'0'0'0,"17"-17"0,1-1 15,-18 1-15,0-54 16,0 36-16,0 17 16,18-17-1,-18 70 16,0-17-31,-53 105 16,-18 36 0,-35 35-1,-17-18 1,17-52 0,88-107-1,-34 19-15,16-36 31,36-53-15,18-18 0,35-52-1,0-36 1,0 0 0,0 71-1,-18 88 1,-17 35-1,17 71 1,-18 35 0,1-88-16,35 71 15,18-36 1,17-53 0,-35-35-1,35 0 16,0-70-15,-70 52-16,52-35 16,-34 18-16</inkml:trace>
-  <inkml:trace contextRef="#ctx0" brushRef="#br0" timeOffset="6504.78">6562 4374 0,'0'0'16,"-18"0"-1,0 0-15,36 0 16,0 0-16,70-17 16,-53 17-16,159 0 31,-17 0-16,-1 0 1,-88 0 0,-70 0-1,-71 0 17,35 17-32</inkml:trace>
-  <inkml:trace contextRef="#ctx0" brushRef="#br0" timeOffset="6800.16">7056 4374 0,'-18'36'31,"0"-19"-31,18 19 0,0-19 0,-35 71 31,0 71-15,17-124-16,-35 89 16,53-89-16,-35 71 15,17-35 1,18-36 0,18-35 30</inkml:trace>
-  <inkml:trace contextRef="#ctx0" brushRef="#br0" timeOffset="7518.29">5186 6438 0,'0'0'0,"0"-17"16,-18-89 15,18 88-31,0 0 15,0 1 1,-17 17 0,-1 35-1,0 106 1,-17 0 0,17-88-1,1 88-15,-19-105 16,19 69-1,-18 1 1,17-70 0,18-19-1,18-70 17,-18 36-32,17-1 0</inkml:trace>
-  <inkml:trace contextRef="#ctx0" brushRef="#br0" timeOffset="7734.66">5009 6438 0,'0'-17'16,"0"34"-16,-17-52 0,17 17 0,-18 1 0,1-54 16,17 53-1,0 1-15,52-54 16,54 36 15,0 0-15,-71 35-16,142 0 15,-142 0-15</inkml:trace>
-  <inkml:trace contextRef="#ctx0" brushRef="#br0" timeOffset="7935.59">5362 6597 0,'-35'18'15,"17"-1"-15,-52 18 16,-18-17 0,52-18-1,19 0 1,17-18 0,17 1-1,1-1 1,35-17-1,35 17 1</inkml:trace>
-  <inkml:trace contextRef="#ctx0" brushRef="#br0" timeOffset="8201.14">6403 6174 0,'0'0'0,"-18"0"32,1 0-17,-1 0 1,0 0 15</inkml:trace>
-  <inkml:trace contextRef="#ctx0" brushRef="#br0" timeOffset="8784.52">5503 6121 0,'53'17'32,"-35"-17"-32,-18 18 0,18-18 0,-1 18 0,1-1 15,-18 1 1,17 35 15,-17 0-15,0-18-16,-17 36 15,-18-1 1,-18-17 0,17-18-1,-17-17 1</inkml:trace>
-  <inkml:trace contextRef="#ctx0" brushRef="#br0" timeOffset="9767.62">6085 6950 0,'0'17'0,"-35"1"31,17-18-15,18-18-1,0 1 1,0-19 0,0 19-16,18-71 15,0-36 1,52 18-1,-52 36 1,17 123 15,-35-18-31,53 71 16,0-36 0,-35 19-1,35-37 16,17-16-15,-35-36 0,18 0-1,-35-18 1,35-35 0,-35 36-16</inkml:trace>
-  <inkml:trace contextRef="#ctx0" brushRef="#br0" timeOffset="10200.34">6438 6174 0,'0'0'0,"-17"17"47,17 1-31,0 0-16,-18 17 0,0 35 15,1-34-15,-1 105 16,-17-53 0,-1-18-1,19-34 1</inkml:trace>
-  <inkml:trace contextRef="#ctx0" brushRef="#br0" timeOffset="10605.76">7126 6244 0,'0'0'0,"0"-17"0,18 17 32,-1 0-17,1 0-15,53-18 16,-36 0-16,71 18 16,-71 0-16,106-17 15,35-1 1,-70 18-1,-70 0 1,-107 0 15,53 0-31</inkml:trace>
-  <inkml:trace contextRef="#ctx0" brushRef="#br0" timeOffset="10935.52">7479 6209 0,'0'18'32,"0"-1"-32,0 18 15,0 54 1,0-54-16,0 35 15,-18-17-15,18 88 16,-53-17 0,36-53-1,-1-19 1,18-34 0,18-18 30,-18-18-30</inkml:trace>
-  <inkml:trace contextRef="#ctx0" brushRef="#br0" timeOffset="11767.82">5486 8590 0,'0'0'0,"0"-18"16,35-17 0,-35 18-16,-18-54 15,-35 36 1,36 17-1,-54 18 1,-17 0 0,17 88-1,-17 53 1,71 1 0,-1-1-1,18-36 1,53-34-1,17-36 17,-34-35-32,52 0 15,35-17 1,-17-19 0,35-17-1</inkml:trace>
-  <inkml:trace contextRef="#ctx0" brushRef="#br0" timeOffset="12318.08">6473 8502 0,'0'0'0,"0"-18"0,36 18 0,-54-35 15,0 35-15,-34-18 16,-19 18 15,0 36-15,1 17-1,-18-1 1,35 19 0,53-18-1,35 0 1,53-53-1,0 0 1,18 35 0,35 0-1,-123-17-15,35 17 16,-53 18 0,-35 0-1,-71 0 16,18-18-15,-18-35 0,88 0-16,-52 0 15,17 0 1,17 0 0,19-17-1,17-1 1,17-17-1,1 17-15</inkml:trace>
-  <inkml:trace contextRef="#ctx0" brushRef="#br0" timeOffset="12934.08">7497 8449 0,'0'-18'0,"17"1"31,-70-1-31,0 18 16,36 0-16,-72 0 15,19 35 1,-18 18-1,52 0 1,19 0 0,17-18-1,70 1 1,1-19 0,35 1-1,0 0 1,-1 35 15,-34-1-15,-53 1-1,-18-35-15,-18 17 16,-88 18 0,0-18-1,-17-17 1,17-18-1,18 0 1,70 0-16,-52 0 16,52 0-1,18-18 32,35 18-47,18 0 16,-35-17-16,17 17 15</inkml:trace>
-  <inkml:trace contextRef="#ctx0" brushRef="#br0" timeOffset="13140.4">7567 9119 0,'0'18'16,"0"0"0,18-18-16,-36 0 47,-17 0-47</inkml:trace>
+  <inkml:trace contextRef="#ctx0" brushRef="#br0">1252 1199 0,'0'0'16,"0"18"0,18-18 15,0 0-15,-1 0-1,1-18-15,35-17 16,0 0-1,0-18 1,-53 35 0,0-17-1,-89 35 1,54 0-16,-53 53 16,0-18-1,-18 36 1,88-36-1,18 0 1,0-17 0,36 17-1,69 1 17,1-1-17,0 0 1,18 36-16,-89-18 31,-35-36-31,-18 54 16,-88 17-1,1-70 1,-19-1 0,-17-17-1,53-35 1,52 17-16,-16-35 15,16-17 1,36 35 0,0-1-1,71 19 1,35 17 15,-18 0-31</inkml:trace>
+  <inkml:trace contextRef="#ctx0" brushRef="#br0" timeOffset="807.73">1905 1429 0,'0'-18'0,"0"36"0,18-36 0,-18 0 16,0 1-1,0 34 32,0 1-47,-18 17 32,0 36-17,18-1 1,0 19-16,18-54 31,0-35-31,35 0 16,35-53-1,-18 0 1,1-35 0,-18 35-1,-36 0 1,-17 35-1,0 36 17,0 17-17,-17 54 1,17 34 15,0-88-31,0 124 16,0 53-1,0-54 1,0 72 0,0-71-1,0-1 1,0-122-16,-18 52 16,-52-53-1,17-17 1,-71-18-1,1-36 1,70 19 0,-106-54-16,-53-70 31,107 35-15,69-35-16,36 53 15,124 0 16,17-18-15,-35 35-16</inkml:trace>
+  <inkml:trace contextRef="#ctx0" brushRef="#br0" timeOffset="1372.26">2681 1535 0,'0'-18'16,"0"36"-16,0-54 0,0 19 0,0-1 16,-18 18 15,18 53-15,-17 17-1,17-52 1,-18 70-16,1 18 31,-1-53-15,18-35-1,0-36 17,0-52-17,18-36 1,34 17-1,54-16 1,-18 34 0,18 71-1,-17 0 17,-54 71-32,-18 17 31,-17 0-16,0 18-15,-35-53 32,35-36-32,-17 1 15,-1-18 1,18-18 0,0 1-16</inkml:trace>
+  <inkml:trace contextRef="#ctx0" brushRef="#br0" timeOffset="1672.54">3598 1164 0,'0'-17'0,"0"34"0,0-52 15,0 17-15,-17 36 16,-1 17-1,-35 53 1,0 36 0,0-1-1,36 18 1,17-70 0,0-53-16,0 35 15,0-36 1,70-34-1,-35-19 1</inkml:trace>
+  <inkml:trace contextRef="#ctx0" brushRef="#br0" timeOffset="1923.87">3369 1429 0,'0'0'0,"-18"0"0,1 0 16,-1 0 0,36 0-1,17 0 1,36 0 0,17-18-1,0 0 1,-70 18-16,17 0 15,-17 0-15</inkml:trace>
+  <inkml:trace contextRef="#ctx0" brushRef="#br0" timeOffset="2605.73">4057 1552 0,'0'0'0,"18"0"16,-1 0-16,1-17 0,-18-1 15,35-35 1,-35 18-1,0-36 1,-18 36 15,-70 17-15,18 18 0,-36 53-1,35 18 1,-17 52-1,71-35 1,17-52-16,0 34 16,0-52-16,70 17 15,18-35 1,-17 0 0,35-53-1,-53 0 1,17-70-1,-35 70 1,-35-18 0,0 89 15,0 17-15,0-17-1,-17 70 1,17-17-16,0-18 31,0-18-15,53-35-1,0 0 1,-36 0-16,36-35 16</inkml:trace>
+  <inkml:trace contextRef="#ctx0" brushRef="#br0" timeOffset="3182.3">4498 1464 0,'0'0'15,"0"-18"-15,0 1 0,35-19 32,36-16-32,-1 34 31,36 18-16,-35 35 1,-54-17-16,1 52 16,-18-17-1,-53 35 1,-18-35 0,19 18-1,16-71 1,36 18-1,0-36 1,53-53 0,18 1-1,17-36 17,-17 18-17,-36 35 1,-18 53-16,-34 53 47,-18 17-32,17 19 1,0-37 0,18-34-16,0 35 15,53-35 1,18-18-1,-18 0 1,-36 0-16</inkml:trace>
+  <inkml:trace contextRef="#ctx0" brushRef="#br0" timeOffset="3805.79">1817 2152 0,'0'0'0,"-35"0"0,-124 18 15,141-1-15,-35-17 32,36 0-32,17 18 31,17-18-31,71 0 15,124 0 1,0 0 0,211 0-1,-70 0 1,176 0 0,-388 0-16,282 0 15,177-18 1,-159 18-1,71-17 1,-195 17 0,-35-18-1,-246 18-15,34 0 32,-34 0-32,-36-18 46,0 1-30</inkml:trace>
+  <inkml:trace contextRef="#ctx0" brushRef="#br0" timeOffset="4724">1623 3845 0,'17'-17'0,"-34"34"0,52-34 16,0-36-1,-35 70 32,-17 1-47,-19 17 16,-34 71-16,-71 88 31,0-35-15,-36 35-1,71-53 1,71-106-16,-35 53 16,17-17-1,35-53 1,18-54 15,53 1-15,-35 17-1,34-52-15,-16 35 16</inkml:trace>
+  <inkml:trace contextRef="#ctx0" brushRef="#br0" timeOffset="5205.24">2064 3810 0,'0'-18'0,"0"36"0,0-18 63,0 18-63,-18-1 15,0 1-15,-34 70 16,-37 36 15,-52 87-31,-18-17 31,36-70-15,0-1 0,52-35-1,53-17 1,18-53 0,0-36 46,18 0-62,0 1 16,-1-1-16</inkml:trace>
+  <inkml:trace contextRef="#ctx0" brushRef="#br0" timeOffset="6515.99">2522 4145 0,'0'0'0,"0"-18"16,36-87 15,-19 87-31,-17 0 16,0 36 15,-17 35-15,-19 35-1,-34 71 1,17-53-1,0 17 1,53-105-16,-18 35 16,18-36-1,53-17 17,35-17-17,-17-36 1,0-18-16</inkml:trace>
+  <inkml:trace contextRef="#ctx0" brushRef="#br0" timeOffset="6755.97">2258 4322 0,'-36'0'0,"72"0"0,-89 0 16,35 0-16,53 0 31,-17 0-31,53 0 16,70-53-1,-106 53 1,36-18 0,-36 18-16,71-18 0,-53 1 31</inkml:trace>
+  <inkml:trace contextRef="#ctx0" brushRef="#br0" timeOffset="7404.52">3157 4498 0,'0'0'0,"18"0"0,35-53 32,-53 35-32,18 1 0,-18-36 15,0-35 1,-18 35 15,-53-18-15,54 71-16,-54 0 15,-52 53 1,34 35 0,19 36-1,70-54 1,0 18 0,70-70-1,19-18 1,-19 0-1,18-53 1,-17-17 0,-18-1-1,-53 1 1,18 17 0,-18 35 15,0 53-31,-18 36 15,18-1 17,0-52-32,0 35 15,0 17 1,35-52 0,36-18-1,70 0 1,-88-18-16</inkml:trace>
+  <inkml:trace contextRef="#ctx0" brushRef="#br0" timeOffset="8184.01">4022 4251 0,'0'-18'0,"0"36"16,-18-53-16,0 17 0,-52 18 31,35 0-31,-36 18 15,-52 52 1,52 1 0,18 17-1,35-35 1,18-18 0,18-17-16,70-18 15,-17 0 1,52-35-1,-35-18 1,-17-18 0,-36 18 15,-35 36-31,18-54 16,-18 89 15,0-1-16,0 36 1,0 53 0,0-88-16,-18 52 15,18-52-15,0 141 16,0-18 0,0 88-1,18 36 1,17-54-1,-17-123-15,35 195 16,-18-107 0,-35 18-1,-35-53 1,-36-70 15,-70-18-15,88-53-16,-123 0 15,105-18-15,-176-53 16,-53-70 0,124 0-16,17-70 31,124-19-15,53 36-1,70 53 1,-18 35-1,54-35 1,-89 88-16</inkml:trace>
+  <inkml:trace contextRef="#ctx0" brushRef="#br0" timeOffset="8989.52">4286 4198 0,'0'0'0,"0"-18"31,0 36-15,0 17-1,0-17-15,0 35 16,0 35-1,0-17 1,0-36 0,0-17 15,-17-18-31,-1 0 16,0-18-1,18-53 1,0 18-1,36-52-15,52 34 32,71-17-17,-107 70-15,72 18 16,17 35 0,-53 71-1,-88-17 1,0 16-1,0-69-15,-35 17 16,0-18 0,17-35-1,36-18 32</inkml:trace>
+  <inkml:trace contextRef="#ctx0" brushRef="#br0" timeOffset="9565.64">5450 4251 0,'0'0'16,"0"-18"-16,0-35 31,0 36-31,0-1 0,-35-17 15,-35 35 1,17 0 0,-36 53-1,54-36-15,-18 72 16,0 34 0,53-17 15,0-53-16,71-36-15,17-17 32,0-35-17,0-35 1,-35-1 0,-17-35-1,-36 36 1,0 17-1,0 106 17,0 35-17,0 0 1,0 0 0,17-52 15,54-19-16,-53-17-15,70 0 16,-18-17 0,-17-19-16</inkml:trace>
+  <inkml:trace contextRef="#ctx0" brushRef="#br0" timeOffset="10338.2">5927 4216 0,'0'-18'0,"0"36"0,0-54 16,-18 36-1,0 18 1,18 35 0,0 35-1,0-35 1,0-35-16,0 35 16,0-36-1,0 1 16,-17-18-31,-1 0 32,18-71-17,0 54-15,0-36 16,35-53 0,36 18-1,35 0 1,-18 88-1,-17 0 1,-54 17-16,18 71 16,-17-17-1,0 17 1,-18-35 0,0 0 15,0-35-16,0-36 17,0 0-17,0-17 1,17-53 0,19 0-1,-19 52-15,89-69 16,-18 52-1,0 53 1,-17 53 0,-53 17-1,-18 36 1,0-88 0,0 52-1,-36-17 1,19-35-16,17-36 47,0 0-32</inkml:trace>
+  <inkml:trace contextRef="#ctx0" brushRef="#br0" timeOffset="10756.26">6967 4233 0,'18'0'0,"17"0"15,-17 0 1,17-17 0,-17 17-16,17-18 0,36-17 31,-54-1-16,1 19-15,0-36 16,-18 18 0,-36 35-16,-17 0 31,-17 88-15,35 18-1,17 0 1,18-36-1,18-17 1,34-35 0,37-18-1,-54 0 1,-17 0 0,52-53-1,-17 0-15</inkml:trace>
+  <inkml:trace contextRef="#ctx0" brushRef="#br0" timeOffset="11188.01">8096 3140 0,'0'-18'16,"0"0"-16,18 18 0,0 0 16,52-35-1,54 18 1,-19-1 0,54 18-1,-124 0-15,36 0 16,-106 0 15,-54 0-15</inkml:trace>
+  <inkml:trace contextRef="#ctx0" brushRef="#br0" timeOffset="11586.56">8202 3034 0,'-18'0'16,"36"0"-16,-53 0 15,35 18 17,-35 52-17,-18 1 1,-18 87 0,0 36-1,19-52 1,-1 87-1,17-53 1,36-105-16,-17 158 16,17-35-1,17-70 17,54-19-32,17-69 31,0-36-16,36-53 1,-107 35-16,107-35 16,-36 0-1,0 0-15</inkml:trace>
+  <inkml:trace contextRef="#ctx0" brushRef="#br0" timeOffset="12184.5">8890 3704 0,'0'-17'0,"0"34"16,0-52-16,0 17 0,0-17 0,0-36 15,-53 36 1,0 17 0,-53 36 15,18 53-16,-18 105 1,71-52 0,17 52-1,18-17 1,36-71 0,34-18-1,-35-70-15,36 0 16,70 0-1,0-52 1,-70-1 0</inkml:trace>
+  <inkml:trace contextRef="#ctx0" brushRef="#br0" timeOffset="12955.74">9172 4075 0,'0'0'16,"18"-36"-16,-18-34 15,0 52-15,0-35 16,-18 36-16,-35 17 31,18 52-15,-18 54-16,53-70 15,-18 52 1,18 0 0,18-17-1,35-54 1,0-17-1,-18-17 1,0-54 0,-35 0-1,-17 1 1,-1-18 15,18 35-15,53 0-1,-35 53-15,52-18 16,1 18 0,-1 53-1,-52 18 1,0 17 0,-18 0-1,0-35 1,-18-35-1,0-18 17,18-36-17,0-34 1,0 52 0,18-52-16,0 34 0,52-34 31,54 17-16,-18 35-15,35 18 16,-53 53 15,-70-18-31,-18 18 16,0 53 0,-18-35-1,-35-1 1,18-34-1,35-54 32,17-17-47</inkml:trace>
+  <inkml:trace contextRef="#ctx0" brushRef="#br0" timeOffset="13248.25">10425 3757 0,'0'0'0,"0"-18"16,0 1-1,0 34 1,-18 19 0,0 34-1,-17 71 1,17-52-1,-17 16 1,35-52 0,0-17-1,18-36 17,-1 0-32,1 0 0,0-36 15</inkml:trace>
+  <inkml:trace contextRef="#ctx0" brushRef="#br0" timeOffset="13489.65">10195 3969 0,'-17'-18'0,"34"36"0,-52-36 0,53 18 46,17-18-46,71 18 16,-18-17 0,-70 17-16,70 0 15,-71-18 1,-17 1 0</inkml:trace>
+  <inkml:trace contextRef="#ctx0" brushRef="#br0" timeOffset="14455.59">10760 4092 0,'0'0'0,"70"-88"31,-70 70-31,0 1 0,0-19 31,0-34-31,-53 52 32,0 1-17,-17 34 1,52 1-16,-52 35 16,17 70-1,17 18 1,19-70-1,17 0 1,35-54 0,-17-17-16,52 0 15,19-35 1,-19-18 0,1-18 15,-18-34-16,-53 34-15,0 53 16,0-17 0,0 53 15,0 17-15,0 53-1,0 0 1,0-70-16,0 17 15,0 1 1,52-36 0,1 0-1,18-18 1,-18-17 0,-36 17-1,54-70 1,-36 0-1,-35 52-15,0 54 47,0 0-47,0 35 16,-35 52 0,17-52-1,18-17 1,0-54 31,18 0-47,0 1 15</inkml:trace>
+  <inkml:trace contextRef="#ctx0" brushRef="#br0" timeOffset="14637.63">11254 3810 0,'0'0'0,"-18"0"31,18 18 1,0-1-32,18 1 15</inkml:trace>
+  <inkml:trace contextRef="#ctx0" brushRef="#br0" timeOffset="15203.39">11536 3916 0,'0'17'0,"0"1"16,0 0-16,0-1 15,0 54 1,0 17 0,0-35-1,0 18 1,0-54-16,0 19 16,0-19-1,-18-17 1,1-35 15,17-36-15,0 18-1,0 18-15,35-71 16,35 36 15,36-1-15,35 71-1,-52 0 1,-19 88 0,-52-17-1,-36 35 1,-52-36 0,52-17-1,0-35 1,1-18-16,17 18 15,17-71 17,19 35-17</inkml:trace>
+  <inkml:trace contextRef="#ctx0" brushRef="#br0" timeOffset="15681.95">12559 3933 0,'0'-17'0,"0"34"0,0-52 16,0 18-1,0-19 1,-53 36 0,35 0-16,-70 36 15,18-1 1,-1 35-1,53 1 1,18-53 0,89 17-1,-1-35 1,0 17 0,0 19 15,-53-1-16,-35-17-15,0-1 16,0 1 0,-52 17-1,-37-17 1,19-18 0,-18 18-1,17-18 1,0 0-1,36-18 1,35-17-16</inkml:trace>
+  <inkml:trace contextRef="#ctx0" brushRef="#br0" timeOffset="16355.57">13617 3246 0,'0'0'0,"0"-18"0,0-35 32,0 35-32,0 1 15,-17 17 17,-72 35-17,19 36 1,35-36-16,-107 141 15,-16 18 1,52-53 0,18 89-1,70-54 1,18 36 15,106-36-31,-18-123 31,36-18-15,-1-35-16,-35-17 31,0-54-15,-17 18-16</inkml:trace>
+  <inkml:trace contextRef="#ctx0" brushRef="#br0" timeOffset="17236.25">14005 3810 0,'0'-18'0,"0"36"0,0-53 16,0 17-1,0 0 1,-35 18-16,17 0 15,-35 0 1,1 71 0,16 0-1,1-19 1,35 37 0,0-54-1,18-35 1,52 0-1,1-35 1,-1-36 0,-52 36-1,17-36 1,-35 54 0,0 34 15,0 36 0,0 18-15,35-18-16,1-36 15,34 1 1,-52-18 0,52 0-1,1-35 1,0-36-1,-54 1 1,19-36 0,-36 88-16,0-70 15,-53 0 1,-89 35 15,19 53-31,-89 17 16,71 54 15,-18 70-15,124-106-16,-71 106 15,89-17 1,17 17 0,35-53-1,53-17 1,53-54-1,-52-17 1,-1 0 0,-35-17-1,-18-36 1,-17 18 0</inkml:trace>
+  <inkml:trace contextRef="#ctx0" brushRef="#br0" timeOffset="17868.59">14870 3669 0,'0'0'0,"0"18"47,0-1-47,0 18 0,0-17 0,-18 70 31,-17 18-31,17-18 32,0 0-17,18-52 1</inkml:trace>
+  <inkml:trace contextRef="#ctx0" brushRef="#br0" timeOffset="18220.77">14870 3757 0,'0'-18'16,"0"36"-16,17-53 0,-17 17 0,53-17 31,18 0-31,17 17 31,88 18-15,-70 53-16,-18 35 31,-88 18-15,-35-18-1,-36 18 1,19-53-1,52-36-15,-36 1 16,19-18 0,-1 0-1,0-18-15</inkml:trace>
+  <inkml:trace contextRef="#ctx0" brushRef="#br0" timeOffset="18438.11">14764 3969 0,'0'0'0,"17"0"32,1 0-17,0 0-15,52-18 16,71 0-1,-17-17 1,-54 18 0</inkml:trace>
+  <inkml:trace contextRef="#ctx0" brushRef="#br0" timeOffset="18732.09">15787 3704 0,'0'0'0,"-18"18"47,18-1-47,-17 1 0,-1 35 15,-35 35 1,53-17-1,-18-36-15,-17 36 16,17-36 0,18-53 31</inkml:trace>
+  <inkml:trace contextRef="#ctx0" brushRef="#br0" timeOffset="19004.79">15716 3792 0,'18'-17'0,"-36"34"0,36-52 16,0 0-16,17 35 15,-18 0 1,1 17 0,0 1-16,-1 53 15,19-1 1,-1 36-1,-17-18 1,-1-53 0,1-17-1,-1 0 1,-17-54 15</inkml:trace>
+  <inkml:trace contextRef="#ctx0" brushRef="#br0" timeOffset="19286">16228 3669 0,'0'-18'16,"0"36"-16,0-53 0,0 17 16,0 36 15,0 17-31,-53 35 15,18-52-15,-36 106 16,36-36 0,-1 18-1,19-54 1,34-52 31,1-17-32</inkml:trace>
+  <inkml:trace contextRef="#ctx0" brushRef="#br0" timeOffset="20103.79">16669 4057 0,'0'0'0,"0"-18"47,0 1-31,0-1-1,17 0-15,1 18 16,0 0-1,17 0 1,-35 36 0,0 17-1,0-36-15,-35 36 16,-18-35 0,35-1-1,-17-17 1,17-17-1,18-1-15,0-17 16,0-18 0,0-18-1,35 36 1,-17 35 0,0 0-1,-1 35 16,-17 18-15,0 0 0,-17 0-1,-19-53-15,19 0 32,-1 0-17,18-35 1,0-18-1,18 18 1,17 17 0,0 18-1,-17 0-15,17 35 16,-17 53 0,-18-17 15,-35 35-16,-54-18 1,54-53-16,-106 36 16,0-36-1,53-35 1,70 0-16</inkml:trace>
+  <inkml:trace contextRef="#ctx0" brushRef="#br0" timeOffset="20921.71">17515 3581 0,'0'17'31,"-17"1"-31,-1 0 16,36-18 31,-1 0-32,19 0 1,-19-36-16,-17 1 31,0 17-31,-17 18 32,-1 0-17,0 18 1,1 17-1,-1-17 1,18 0 0,18-1-1,35-17 1,-18-17 0,0-19-1,-35 19 1,0-19-16,0 1 31,-53 35 0,0 88-15,0-17 0,53-53-16,-17 70 15,17-35 1,17 0-1,54-36 1</inkml:trace>
+  <inkml:trace contextRef="#ctx0" brushRef="#br0" timeOffset="21218.18">18045 3739 0,'0'-17'0,"0"34"31,-18-17-31,18 18 0,-18 0 16,1 52-1,-1 1 1,-17 17-1,-1 0 1,19-35 0</inkml:trace>
+  <inkml:trace contextRef="#ctx0" brushRef="#br0" timeOffset="21568.72">17939 3845 0,'0'0'0,"0"-17"0,0-1 15,0 0-15,35-35 16,0 18 0,-17 18-16,52-19 15,19 36 1,-1 18-1,-35 35 1,-36 35 0,-17 18-1,-17-36 1,-18 1 0,17-36 15,-17-35-16,17 18-15,0-18 32,18-35-32</inkml:trace>
+  <inkml:trace contextRef="#ctx0" brushRef="#br0" timeOffset="21781.99">17798 3916 0,'0'0'0,"17"0"15,1 0 1,35 0-16,35 0 16,0-18-1,0 1 1,-70 17-1,0 0-15</inkml:trace>
+  <inkml:trace contextRef="#ctx0" brushRef="#br0" timeOffset="22119.72">18680 3687 0,'0'-18'0,"0"36"0,0-18 62,0 17-62,0 1 0,0 70 16,17-17 0,1 17-1,-1-18 1,1 1 15,-18-54-15,0 1-1,18-18-15,-1-18 16,1-34 0,0 52-16</inkml:trace>
+  <inkml:trace contextRef="#ctx0" brushRef="#br0" timeOffset="22352.23">19015 3739 0,'0'0'0,"0"18"32,-18 0-32,-35 35 15,-17 35 1,70-71-16,-53 54 31,17-36-15,36-17-1,18-36 17</inkml:trace>
+  <inkml:trace contextRef="#ctx0" brushRef="#br0" timeOffset="22888.55">19350 3651 0,'0'0'16,"0"-17"15,17-1-31,1 18 16,0-18-1,35 18 1,-53 18 15,0 0-31,0 17 16,-36 0-1,19-17 1,-19-18 0,19 0-1,-1 0 1,18-18 0,0 1-1,35-19 1,-35 19-1,36-1 1,-1 18 0,-35 53-16,0 17 31,-35 1-15,17-53-16,-17 17 15,0-17-15,-54 17 16</inkml:trace>
+  <inkml:trace contextRef="#ctx0" brushRef="#br0" timeOffset="23386.48">19667 3281 0,'0'0'0,"18"0"15,17 0 1,-17 0-1,0 0-15,34 53 16,19 53 0,-36-1-1,-35-16 1,0 34 0,-35-35 15,17-70-31,-87 105 15,-1-17 1,0-18 0,18-35-16,52-35 31,1-18-15,35-53-1,35 0 1</inkml:trace>
+  <inkml:trace contextRef="#ctx0" brushRef="#br0" timeOffset="24087.34">20108 2840 0,'0'0'16,"0"-18"0,36 1-1,52 17 1,18 0-1,-1 0 1,-69 0-16,87 17 16,-70 18-1,-18 36 1,-17-18 0,-18 70-1,0 1 16,0-71-31,-18 123 16,1-52-16,17 34 31,0-52-15,0 53 0,0-124-16,0 89 15,0-1 1,-53-35-1,-18-35 1,-35-17 0,1-1-1,16-17 1,-34-1 0,52 1 15,36-18-31,-18 0 15,36 0 17,-54 0-17,-17 0-15</inkml:trace>
+  <inkml:trace contextRef="#ctx0" brushRef="#br0" timeOffset="25153.33">1499 7056 0,'18'0'16,"-36"0"-16,54-18 0,-19-17 15,18-1 1,-35 54 15,-35 0-15,18 17-16,-72 71 16,-69 88 15,52-35-31,-18-1 15,71-52 17,53-88-32,-17 35 15,17-71 32,70-53-31,-52 54-16</inkml:trace>
+  <inkml:trace contextRef="#ctx0" brushRef="#br0" timeOffset="25432.53">1852 7003 0,'0'0'15,"0"17"1,-18 1-1,1 0 1,-1-1-16,-35 89 16,-88 53-1,35-18 1,-35 18 0,53-54-1,70-52 1,36-53 31</inkml:trace>
+  <inkml:trace contextRef="#ctx0" brushRef="#br0" timeOffset="25963.04">2628 7056 0,'0'0'15,"18"-36"-15,-1-17 16,-17 36-1,0 34 1,-35 54 0,-18 52-16,-17 89 31,17-71-15,18 0-1,35-70 1,0-54-16,17 1 15,36-18 1,35-35 0,-17-18-1,-36 18-15</inkml:trace>
+  <inkml:trace contextRef="#ctx0" brushRef="#br0" timeOffset="26187.37">2346 7426 0,'0'0'0,"-18"0"0,1 0 0,17-18 32,53 1-17,88-36 1,17 17-1,-52 1 1,-53 18-16</inkml:trace>
+  <inkml:trace contextRef="#ctx0" brushRef="#br0" timeOffset="27479.46">3281 7567 0,'0'0'0,"17"0"0,19 0 16,-1-18 0,18-52-16,-53 52 15,0-35 1,0-35-1,-53 18 1,-35 34 0,-18 36-1,18 36 1,0 105 0,70-35 15,18-1-31,0-52 31,53-35-15,17-18-1,19-35 1,16-36 0,-52 18-1,0-35 1,-35 17-1,17 36 1,-17 106 15,-18 17-15,0-18 0,0 1-1,17-36 1,54-17-1,-53-18 1,70 0 0,53-18-16,0-52 15,-53 17 17,-17-53-17,-71 35 1,0 54-16,-35-54 15,-36 54 1,-35 34 0,0 54-1,53-1 1,53 1 0,18-53-1,70-18 16,0 0-15,-35-36 0,18 1-1,-53 35-15,-1-35 16,1 35 15,-18 35-15,0-17-16,0 35 15,0 35 1,0 70 0,-18 1-1,18 18 1,0 70 0,0-18 15,18-35-31,-18-35 31,-53-71-15,-18-53-1,-87 18 1,-89-35 0,53-18-1,123 0-15,-141-36 16,107-52-1,34-71 1,71 1 0,53 34-1,53-35 1,-71 124-16,36-35 16</inkml:trace>
+  <inkml:trace contextRef="#ctx0" brushRef="#br0" timeOffset="28216.09">4180 7197 0,'0'0'16,"18"-53"-1,-18 35 1,0 0 0,0 36-1,0 0 1,18 70 0,-18 35-1,0-87-15,0 34 16,0 18-1,0-52 1,0-54 15,0-35-15,0 0 0,17 18-1,36-89-15,0 36 16,71-18 15,-1 71-15,-35 35-1,-52 18-15,52 70 16,-53 0 0,-35 36-1,0-18 1,-35-54-1,17-34 1,0-18-16,1 0 31,17-35-15</inkml:trace>
+  <inkml:trace contextRef="#ctx0" brushRef="#br0" timeOffset="29796.89">5433 7214 0,'0'0'0,"0"-17"0,17-1 0,-17 0 16,0-35-1,-17 1 1,-1 34-16,-17 0 15,-36 18 1,-17 36 0,18 34-1,17 54 1,17 34 0,36-52 15,0-53-31,36-35 31,34-18-15,18-53-16,1-35 31,-19-36-15,-52 18-1,-18 18 1,0 35-1,-18 88 17,0 1-32,1 70 15,17-1 1,0-16 0,35-36 15,36-36-31,52-17 31,-35-17-15,18-54-16,-18-35 31,-88 18-15,0 0-1,0 52 1,0 89 15,0 18-15,0 35-1,-17-36 1,17-17 0,0-35-16,-18 0 15,18-1 16,0-52 1,0-18-17,0 18-15,35-54 16,1-16 0,17 34-1,17 36 1,1 35-1,-18 53 1,-36-36-16,19 54 16,-36-53-16,0 52 15,0 18 1,0-35 0,0-35-1,0 0 1,0-36-1,17-17 17,18-36-32,1-35 31,17 18-15,52 0-1,-34 70 1,-36 18-1,-35 53 1,0 18 0,0 17-1,0 0 1,18-35 0,52-18 15,36-35-16,-35-35 1,35-18 0,-53-18-1,-36-34-15,1 16 32,-18 19-17,-18 70 1,-52 18-1,34 70 1,19 18 0,17-1-1,0-69 1,70-1 0,1-35-1,-1-18 1,-17-52-1,-35 52 1,0-17-16</inkml:trace>
+  <inkml:trace contextRef="#ctx0" brushRef="#br0" timeOffset="30636.11">8132 6209 0,'0'0'0,"17"0"31,1 0-15,-1-18-16,54 18 16,88-17-1,-53 17 1,-71 0 0,-18 0-1,-34 0 1,-54 0-1,54 17 1,-89-17-16,53 0 31,-35 0-15,17 18 0,36 0-1,-18 34 1,53-16-16,0 52 15,-18 71 1,-35 35 0,18-53-1,-35 88 1,34 18 0,1 18 15,35-36-31,53-35 15,17-88 17,54-71-17,-1-35 1,1-88-16,-18-36 31,-53 54-31</inkml:trace>
+  <inkml:trace contextRef="#ctx0" brushRef="#br0" timeOffset="30981.1">8837 6879 0,'-18'-35'0,"36"70"0,-53-105 16,17 52-1,-35-17-15,0 35 32,-17 17-17,34 36 1,-16 71 0,16-18-1,1 88 1,35-53-1,18-71 1,35-34 0,17-36-1,36-36 1,-71 19-16</inkml:trace>
+  <inkml:trace contextRef="#ctx0" brushRef="#br0" timeOffset="31712.89">9137 7003 0,'0'0'15,"-53"0"1,0 17 0,53 1-16,-53 35 15,18 53 1,35-1-1,0-52 1,53-17 0,-18-36-1,0 0 1,-17-36 0,-18-17-1,0-35 16,0-18-31,0 89 16,18-36 0,52 18-1,18 35 1,-17 0 0,0 70-1,-54 1 1,-17-36-16,0 18 15,0 35 1,0-53 0,-17-17-1,-1-18 1,0-35 0,18 17-16,0-35 31,18-35-31,52-18 31,-17 53-15,53 36-1,-18 34 1,-70 1-16,0 35 16,-18 17-1,-18 36 1,0-53-1,-17 0 1,53-71 15</inkml:trace>
+  <inkml:trace contextRef="#ctx0" brushRef="#br0" timeOffset="32002.09">10125 6826 0,'0'0'0,"0"-17"16,0-19-16,0 1 15,0 53 17,-36 70-17,-16 35 1,52-87-16,-18 52 15,0 35 1,18-35 0,0-70-1,36 0 1,16-36 0,-34 18-16,0-35 15</inkml:trace>
+  <inkml:trace contextRef="#ctx0" brushRef="#br0" timeOffset="32217.71">10037 7056 0,'0'0'0,"-36"0"16,19-18-16,-1 18 16,18-18-1,35 1 1,36 17-1,52-36 1,-52 19 0,-71-1-16,17 18 15</inkml:trace>
+  <inkml:trace contextRef="#ctx0" brushRef="#br0" timeOffset="33119.87">10636 7232 0,'0'0'15,"0"-18"-15,0 1 0,0-36 16,0 0 0,0 0-1,0-18 1,-17 54-16,-19-36 16,-52 53-1,-18 35 1,36 18-1,-1 88 1,54 0 15,17-17-15,70-71 0,1-53-1,-1 0 1,1-36-1,-1-52 1,-34 18 0,-36 52-16,53-88 15,-36 18 1,-17 70 0,-17 71 15,-1-35-16,0 35-15,18-36 16,0 89-16,0-35 31,36-1-15,34-70 0,36 0-1,-18-35 1,-70 35-16,88-71 15,-54 1 1,1-36 0,-53 71-1,0 17 1,-17 53 0,-36 71-1,18-53 1,35 18 15,0-54-15,17-17-1,-17-17 1,18-19-16,-18 19 16</inkml:trace>
+  <inkml:trace contextRef="#ctx0" brushRef="#br0" timeOffset="33296.71">11095 6950 0,'0'-18'0,"0"36"0,0-54 15,-18 36-15,1 0 16,34 0 31,1 0-32,35 18-15,-36-18 16,1 0-16</inkml:trace>
+  <inkml:trace contextRef="#ctx0" brushRef="#br0" timeOffset="33786.37">11465 6967 0,'0'0'0,"0"18"15,0 35 1,0-35-16,-17 70 15,17-18 1,-18 36 0,18-53-1,0-18 1,-18-17 0,18-36 15,0-52 0,18-18-15,53-1-1,34-16 1,1 34 0,0 53-16,-53 54 31,-53 17-16,0 52 1,0 1 0,-35-53-1,35-35-15,-18 35 16,36-71 31,-1 0-47</inkml:trace>
+  <inkml:trace contextRef="#ctx0" brushRef="#br0" timeOffset="34200.67">12471 6950 0,'0'-18'16,"0"36"-16,-18-36 15,0 18-15,-52 0 16,-54 71 0,36-18-1,53-18 1,35 0 0,0-17-16,70-1 31,1 19-31,35-19 15,-18 19 17,-88-19-32,0 18 31,-35 1-31,17-36 16,-88 35-1,0-17 1,36-1-1,17-17 1,35 0 0,1 0-16,17-53 15</inkml:trace>
+  <inkml:trace contextRef="#ctx0" brushRef="#br0" timeOffset="34767.98">13511 6121 0,'0'-18'16,"0"36"-16,0-54 0,-35 19 15,17 17 1,-17 0-16,-88 70 31,-18 71-15,105-88-16,-52 71 0,53-71 16,-142 229-1,36 0 1,88-53-1,53 18 1,36-53 0,87-88-1,18-70 1,36-54 0,-71-35-1,-18 0 1</inkml:trace>
+  <inkml:trace contextRef="#ctx0" brushRef="#br0" timeOffset="35053.05">13688 6597 0,'-18'-18'16,"36"36"-16,-54-53 0,19 35 15,-1 0-15,-17 53 16,0 35 0,-1 71-1,36-36 1,0-35 0,0-17-1,0-54 1,18 1-1,17-18 1,-17 0-16</inkml:trace>
+  <inkml:trace contextRef="#ctx0" brushRef="#br0" timeOffset="35269.85">13388 6950 0,'-18'0'0,"36"0"0,-53 0 16,52 0 15,54 0-15,35 0 0,-89 0-1,71-18 1,-17 0-1</inkml:trace>
+  <inkml:trace contextRef="#ctx0" brushRef="#br0" timeOffset="35685.6">13864 6985 0,'0'0'0,"18"0"15,-1 0 1,72-18 0,-1-35-1,-35 18 1,-36 0 0,-17 17-1,0 1 1,-70 17-16,-1 35 15,18 18 17,0 35-17,36 18 1,17-36-16,0-52 16,70 17-16,-17-17 31,18-18-16,35-35 1,-89 17-16</inkml:trace>
+  <inkml:trace contextRef="#ctx0" brushRef="#br0" timeOffset="36220.26">14376 6932 0,'0'-18'16,"0"36"-16,0-53 0,0 17 15,0 1 1,35-1-16,-17 18 16,70-18-16,-35 18 31,17 36-15,-34 34-1,-36 1 1,-53-1-1,35-52-15,-53 17 16,36 0 0,35-52 15,35-19-15,18-34-1,-35 52 1,35-52-1,-18-1-15,0 36 32,-35 70-1,-35 18-15,18-35-16,-1 52 0,18 18 31,0-52-16,0-1 1,70-17 0,-17-18-1,-35 0-15,88-53 16</inkml:trace>
+  <inkml:trace contextRef="#ctx0" brushRef="#br0" timeOffset="36535.25">15187 6667 0,'0'-17'16,"0"34"-16,0-52 0,0 0 15,0 17 1,-35 106 0,35-52-1,-18 17 1,-17 70-1,17-88-15,1 71 16,17-53 0,0 18-1,0-54 1,17 1 0,19-18-1,-19 0 1,18-35-1,-17 17-15</inkml:trace>
+  <inkml:trace contextRef="#ctx0" brushRef="#br0" timeOffset="36734.62">15099 6862 0,'0'0'16,"-18"0"-16,-17 0 15,0 0 1,70 0 15,-17 0-31,52 0 16,18 0-1,-52 0-15,34 0 16,-35 0 0</inkml:trace>
+  <inkml:trace contextRef="#ctx0" brushRef="#br0" timeOffset="37035.75">15787 6632 0,'0'0'0,"0"-17"0,-35 34 31,17 1-31,0-1 16,-35 72-1,53-54-15,-35 36 16,0 34 0,17-34-1,18-36 1,18 0 0,52-35-1,-52 0-15,53 0 31,-19 0-31</inkml:trace>
+  <inkml:trace contextRef="#ctx0" brushRef="#br0" timeOffset="37344.62">16104 6738 0,'0'-18'0,"0"36"0,0-53 0,0 17 16,18-17-1,52 0 1,-52 35-16,35 0 16,0 52-1,-53-34-15,18 88 16,-18 0 0,0-36-1,-53-17 16,-18 0-15,18-35 0,36-18-16,-1 17 15</inkml:trace>
+  <inkml:trace contextRef="#ctx0" brushRef="#br0" timeOffset="37884.99">16739 7161 0,'0'0'0,"-17"0"31,17-17 16,17 17-47,1-18 16,0 18-1,-1 0 1,-17 18-16,0 17 16,-17-17-1,-36-1 1,35 1-1,0-18 1,18-18 15,0-17-15,71 0 0,-36 17-1,18 18 1,-35 53-1,-18 18 17,-88 70-17,-71-18 1,18-35 0,0-52-1,88-36-15</inkml:trace>
+  <inkml:trace contextRef="#ctx0" brushRef="#br0" timeOffset="38567.33">17427 6315 0,'0'17'31,"0"1"-15,0 0-16,0-1 0,0 1 31,0 17-15,35-35 0,1 0-1,17-35 1,-18-18-1,-17 18 1,-18 17 0,-36 18-1,-34 35 1,-1 54 0,-17 52-1,70-106-15,1 35 31,17 19-15,88-54 0,-53-35-16</inkml:trace>
+  <inkml:trace contextRef="#ctx0" brushRef="#br0" timeOffset="38895.21">18062 6579 0,'0'-17'16,"0"34"-16,0-52 0,0 17 15,-17 18 1,-19 53 0,-17 35-1,36 1 1,-36 34 15,18-35-31,35-35 31,0-35-31,17 0 16,18-18 0,18 0-16,18-36 31,-53 36-31</inkml:trace>
+  <inkml:trace contextRef="#ctx0" brushRef="#br0" timeOffset="39100.01">17833 6826 0,'-18'0'0,"36"0"0,-53 0 16,52 0 15,19 0-15,16 0-1,37-17-15,-19-1 16</inkml:trace>
+  <inkml:trace contextRef="#ctx0" brushRef="#br0" timeOffset="40245.89">18380 6809 0,'-18'0'0,"36"0"0,-54 0 32,36 17-32,18-17 31,0 0-31,70 0 16,0-17-1,0-19 1,-70 36-16,0-17 31,-1-36-15,-70 35-1,-17 18 1,-18 0-16,-1 71 31,36 35-15,36-18-1,17-35 1,35 0 0,36-36-1,17-17 1,-71 0-16,107 0 16</inkml:trace>
+  <inkml:trace contextRef="#ctx0" brushRef="#br0" timeOffset="40499.92">18944 6809 0,'0'-18'0,"0"36"0,0-54 0,0 19 15,0-1-15,0 53 47,35 36-47,18 35 31,-35-36-15,0-52-16,-1 0 16,19-1-1,-1-17 17,-18-35-32</inkml:trace>
+  <inkml:trace contextRef="#ctx0" brushRef="#br0" timeOffset="40733.31">19244 6826 0,'0'-17'16,"0"34"-16,0-87 15,0 52 1,-88 53-16,17 18 16,54-17-16,-72 52 31,19-18-16,35 1 1,35-54 0,17-17-1,71-17 1,-52-1-16</inkml:trace>
+  <inkml:trace contextRef="#ctx0" brushRef="#br0" timeOffset="41012.37">19667 6562 0,'18'-36'0,"-36"72"0,36-89 15,0 0 1,-36 70 0,-17 72-1,-18 16 1,18 37-1,-1-54 1,19-71-16,17 72 16,0-54-1,0-17 1,53-18 0,-1-18-1,-34 0 1</inkml:trace>
+  <inkml:trace contextRef="#ctx0" brushRef="#br0" timeOffset="41235.62">19438 6756 0,'-18'0'0,"1"0"0,52 0 0,-53 0 31,89 0-16,35-18 1,53 18 0,-54-18-1,-87 18 1</inkml:trace>
+  <inkml:trace contextRef="#ctx0" brushRef="#br0" timeOffset="41734.61">17621 7761 0,'0'-18'0,"0"36"0,18-53 0,0-36 15,-1 54 1,18-19 0,-17 19-1,35 17 1,-18 70 0,1 36-1,-36-71-15,0 54 16,0 16-1,0-34 1,0-36 0,17-52 15,1-1-31,17-17 0</inkml:trace>
+  <inkml:trace contextRef="#ctx0" brushRef="#br0" timeOffset="41965.97">18115 7743 0,'0'-35'0,"0"70"0,18-87 0,-1 16 16,1-17 15,-36 89-15,-52 17 0,-1 52-1,1-16 1,34-1-1,19-18 1,17-52 0,70-18-1,-17-18 1</inkml:trace>
+  <inkml:trace contextRef="#ctx0" brushRef="#br0" timeOffset="42449.23">18503 7832 0,'0'0'0,"35"0"0,18-53 31,-53 17-15,0 1-1,-88 35 1,-35 18 0,35 35-1,70-36-15,-88 72 16,71-19-1,17 1 1,36-36 0,35-35-1,53-18 1,-71 1-16,35-19 16,36-52-1,-71 0 1,-35 35-1,0 18 1,-35 88 15,18-36-15,-1 72 0,0-19-1,18 1 1,18-18-1,35-53 1,53-18 0,-36-17-16</inkml:trace>
+  <inkml:trace contextRef="#ctx0" brushRef="#br0" timeOffset="43364.68">18997 7638 0,'0'-18'0,"0"36"0,0-89 31,-35 106 0,-18 36-15,18 52 0,-1-34-1,36-54-15,0 18 16,0-18-1,36-17 1,17-18 0,17-36-1,-35 1 1,-35 17-16,53-52 16,-35-1-1,-18 54 1,0 34 31,0 19-47,-18 17 31,18-36-31,0 18 16,0 1-1,18-36-15,35 0 31,35 0-15,-17-53 0,17-18-1,-53 1 1,-17 34 0,-18 19-1,-18 70 32,18-36-47,-35 54 16,35-18-1,0 0 1,17-36 0,36-17-1,-17 0-15,69-17 16,-34-19-1,17-16 1,-35-37 0,-53 19-1,0 35 1,-18 35-16,-52 0 16,-1 35-1,18 53 1,36-17 15,34-19-31,36-34 31,-35-18-31,35 0 16,35-35 0,-17-18-16</inkml:trace>
+  <inkml:trace contextRef="#ctx0" brushRef="#br0" timeOffset="44168.62">20549 6615 0,'-17'17'31,"-1"1"-31,0-18 0,1 0 16,17 17-16,-18-17 15,18-17 16,0-1-15,35-17 0,1 0-1,-1 35 17,-35 17-17,0 19 1,-35 34-1,17-52-15,-17 17 16,-18 0 0,18-35-1,17 0 1,18-35 0,0 0-1,18-18 1,52-18 15,-17 54-31,-18 17 16,1 70 15,-36 36-15,0-35-1,-18-36-15,-70 35 16,17-34-1,36-36 1</inkml:trace>
+  <inkml:trace contextRef="#ctx0" brushRef="#br0" timeOffset="44616.79">20796 6297 0,'18'0'16,"0"0"-16,-1 0 15,36 53 1,0 18-16,18 52 31,-54-17-15,1-71-16,-1 124 15,-17-53 1,-52 52 0,-72 36-1,18-70 1,-53-1-1,54-52 17,87-71-17,18-18 1,18-52 0,-1 35-16</inkml:trace>
+  <inkml:trace contextRef="#ctx0" brushRef="#br0" timeOffset="45332.51">21131 5927 0,'0'0'0,"0"-18"32,18 18-32,70 0 15,-53 0 1,71 0 0,71 0-16,-71 0 15,-1 0 16,-69 35-15,-19 36 0,-17 17-1,0-17 1,0 70 0,0 0-1,0 70 1,0-175-16,0 158 31,-17-53-15,-1 53-16,0-53 15,-35 35 17,1-52-32,-19-18 15,0-36 16,-34-17-15,34-35 0,-35 17-1,36-35 1,-54 0 0,54 0-1,52 0 1,0 0 15,1 0-31,17-18 31,0 1-31</inkml:trace>
 </inkml:ink>
 </file>
 
@@ -406,7 +629,530 @@
           <inkml:channelProperty channel="T" name="resolution" value="1" units="1/dev"/>
         </inkml:channelProperties>
       </inkml:inkSource>
-      <inkml:timestamp xml:id="ts0" timeString="2022-11-29T03:23:03.842"/>
+      <inkml:timestamp xml:id="ts0" timeString="2022-11-30T02:44:25.238"/>
+    </inkml:context>
+    <inkml:brush xml:id="br0">
+      <inkml:brushProperty name="width" value="0.05292" units="cm"/>
+      <inkml:brushProperty name="height" value="0.05292" units="cm"/>
+      <inkml:brushProperty name="color" value="#0070C0"/>
+    </inkml:brush>
+    <inkml:brush xml:id="br1">
+      <inkml:brushProperty name="width" value="0.05292" units="cm"/>
+      <inkml:brushProperty name="height" value="0.05292" units="cm"/>
+      <inkml:brushProperty name="color" value="#FF0000"/>
+    </inkml:brush>
+  </inkml:definitions>
+  <inkml:trace contextRef="#ctx0" brushRef="#br0">1217 1393 0,'0'0'0,"0"-52"31,0 34-15,0 0-16,-18 18 47,18 18-31,0 0-1,0 87-15,0-87 16,0 53-16,-17 123 31,-1-18-15,1-70-1,17-36 1,0-17 0,0-35-1,0-36 16,0 1-15,0-19 0</inkml:trace>
+  <inkml:trace contextRef="#ctx0" brushRef="#br0" timeOffset="406.2">1552 1817 0,'0'17'31,"0"1"-31,18-18 31,-1 0-15,-17-18-1,36 1-15,-19-18 16,-17-1 15,0 19-31,-35 17 32,0 0-17,0 17 1,35 19-16,-18-19 31,0-17-31,18 35 16</inkml:trace>
+  <inkml:trace contextRef="#ctx0" brushRef="#br0" timeOffset="1032.86">2575 1376 0,'0'-18'16,"0"1"-16,18-19 15,0 1-15,-18 106 47,0-19-31,-18 125-1,-35-18 1,35 17 0,-17-70-1,17-53 1,18-36-1,0-34 17,0-1-32,36-35 15,-19 36 1</inkml:trace>
+  <inkml:trace contextRef="#ctx0" brushRef="#br0" timeOffset="1306.02">2963 1552 0,'18'0'16,"-18"18"-1,-18 35 1,-35 35 0,-35 35-1,35-34 1,-17-1-1,52-53 1,0-35 0,18-18 15,36-34-15,-1 16-16</inkml:trace>
+  <inkml:trace contextRef="#ctx0" brushRef="#br0" timeOffset="1550.22">2981 1605 0,'0'0'16,"71"-35"0,-54 35-1,1 88 1,-1 0 0,1 36-1,0-18 1,-1-36-1,19-52 1,-19-1 0,1-17 15,35-53-31,-18 1 16</inkml:trace>
+  <inkml:trace contextRef="#ctx0" brushRef="#br0" timeOffset="1824.76">3510 1376 0,'0'0'15,"0"-18"1,-35 53 0,17 36-1,-17 52 1,-18 54-1,53-124-15,-35 17 16,17 54 0,0-107-1,18 19-15,0-54 47,36-17-31</inkml:trace>
+  <inkml:trace contextRef="#ctx0" brushRef="#br0" timeOffset="2265.98">3598 1852 0,'0'0'0,"0"18"0,0-1 16,53-17-1,0-17 1,35-19 15,-35 1-31,-17-18 32,-36 0-17,0 36-15,-18-19 16,-35 36-1,0 18 1,0 70 0,0 18-1,18 0 1,35-71-16,0 18 16,0 0-1,53-35 1,17-18-1,19-18 1,-36-17 15,-36 35-31</inkml:trace>
+  <inkml:trace contextRef="#ctx0" brushRef="#br0" timeOffset="3082.37">4639 1993 0,'0'0'0,"35"18"15,-17-18 1,17-35-1,18-1 1,18-52 0,17 18-1,18-72 1,-89 107-16,54-35 16,-1-19-1,-52 89 1,0 0-1,-18 36 1,0-1 15,17-35 1,1-18-17,-18-17 1,0 17-1,-35 1 1,17 17-16,-35-18 16,0 18-1,0 88 1,18 0 0,-18 107-1,53-19 1,18-53-1,35-70 1,53-35 0,-18-18 15,53 0-31,0-53 31,-18-18-31,-17 1 16</inkml:trace>
+  <inkml:trace contextRef="#ctx0" brushRef="#br0" timeOffset="4056.55">5944 1658 0,'0'-18'16,"0"36"-16,-35-53 16,17 35-16,-35-18 15,-35 36 1,18 35-1,-1 35 1,36 18 0,17-89-1,18 89 1,0-35-16,36-36 31,16-35-15,19 0-1,17-53 1,0-17 0,-52-36-1,-1 35 1,-35 1 0,0 52-1,0 36 1,0-1-16,0 36 15,0 53 1,0-35 0,18-1 15,17-52-15,53-1-1,18-34 1,-18-54-1,-70 18 1,-1-35 0,-17 0-1,0 17 1,0 142 15,0 35-15,-17-36-1,17 1 1,0-18 0,-18-36 15,0-17-15,1 0-1,17-35 1,0-18-16,17-53 31,1 71-31,53-71 16,87 0-1,-17 89 1,1 70 0,-125 35-1,-52 53 1,-18-70-1,-18-1 1,54-52 0,17-36 15,0 0-15,0 1-16</inkml:trace>
+  <inkml:trace contextRef="#ctx0" brushRef="#br0" timeOffset="6838.04">7867 1976 0,'-18'0'0,"36"0"0,-53 0 47,52-18-32,1 0-15,17 1 16,0-1-16,36-53 16,-53 54-16,52-89 15,18-35 1,-70 17 0,-18 36-1,0 35 1,-18 53-16,-17 0 15,-35 88 1,52 18 15,-53 88-31,36-53 32,0 1-17,17-125-15,18 36 16,0-35-1,18-36 1,17-35 0,18-35-1,0-18 1,0 36 0,-35 52-16,17-17 15,18 52 1,-36 72-1,19-1 1,-1 18 15,-35-71-31,53 18 0,17-18 32,1-17-17,70-36 1,-17-17-16,17-36 31,-71-52-15,-70-18-1,-17 35 1,-54 53 0,-35 53-1,-17 70 1,52 54-1,18-36 1,36 36 0,17-72 15,35-16-15,35-36-1,36-36-15,0-16 16,-53-19-1,0-35 17,-35 36-17,-18 17 1,0 141 15,0 0-15,0 0-1,0-35 1,0-35-16,52 17 16,-34-35-1,53 0 1,17 0-16,18-35 31,-36-18-31,-34-35 31,-1 17-15,-35 54-16,17-19 16,-17 19-16,0 87 31,-17-17-15,17-18-16,-18 36 15,1-18 1,-1-36-16,0 36 15,1-35 17,17-36-1,0 1-31,0-1 0,70-88 31,-17 36-15,35-18-1,-17 70 1,-1 18 0,-34 18-1,-19 70 1,-17-71-16,18 54 16,35-18-1,35-18 1,18-17-1,53-18 1,-54-18 0,-69 0-16,70-34 31,-54-1-31,-34-36 31,-18 1-31,-18-18 31,-34 71-15,16 35-16,-70 0 16,36 71-1,-18 35 1,52 17 0,36-52-1,0-19 1,36-34-16,17 0 15,35-18 1,-18-18 0,1-35 15,-18-17-15,0-71-16,-18-18 31,-17 0-16,-18 88 1,0 36 0,-36 88 15,36-18-31,-35 54 16,17 52-1,18 0 1,0-71-1,36 1 1,34-36 0,1-35 15,-1-35-31,19-36 31,-19 1-15,1-54-16,-18 1 31,-18-54-15,-17 125-1,-18 34 1,-36 36 0,1 52-1,-36 54 1,54-89-16,-18 71 15,17 17 1,18-52 0,18-1 15,52-34-15,54-19-1,17-17 1,-18-53-16,-35-17 31,-70-1-15,-18-35-1,0 53 1,-18 53 0,1 0-16,-19 53 15,1 36 1,18-1-1,17-18 1,0-17 0,88-35 15,-35-18-15,35-35-1,-18-18 1,-52 35-16</inkml:trace>
+  <inkml:trace contextRef="#ctx0" brushRef="#br0" timeOffset="9015.87">13264 1376 0,'0'-18'0,"0"36"0,0-53 31,-17 52-15,-1-17-16,18 35 15,-35 18-15,17-35 0,-70 176 32,0-35-32,-36 0 31,36-71-16,18-35 1,34-53 0,19-36-1,17-52 1,0-18 0,0-52-1,0 69 1,17 72-16,1-19 15,17 72 1,36 105 0,-18-35-1,35 35 1,-35-88 15,88 17-31,-35-70 31,53-17-15,-54-36 0,1-18-1,-71-35 1,-35 18 0,0 71-16,-52-36 15,16 53 1,-17 53-1,36 35 1,-1 18 15,18-89-31,0 36 0,0-35 0,71 17 16,-1-17 15,36-18-31,18-53 31,-19 17-15,-16-52 0,-72-18-1,-17 36 1,-17 105 15,17 0-31,-18 1 16,0 70-1,1-89-15,-1 36 16,18-18 15,0-17-15,35-36 15,-35 1-31,36-1 0,-19 0 16,71-70-1,-17 18 1,35 34 0,-71 36-1,-17 36 1,-1 52 0,1-18-1,35-17 1,0-35-1,53 0 1,-18-18 0,35-36-1,-87 19 1,52-19-16,-35-52 31,-53-18-31,-36 36 31,-52 52-15,35 18 0,18 0-16,-36 53 15,36 18 1,18-1 0,17-34-1,52-19 1,-34 1-16,35-18 15,35-18 1,-35 1 0,0-36 15,-18 17-15,-17 1-1,-18 53 16,0-1-15,0 19 0,-18 69-1,1-16 1,-19 52 0,36-106-16,0 177 15,0-36 1,0 53-1,18 18 1,0-70 15,-18-36-15,0-106-16,-36 18 16,-52-35-1,-18-18 1,18-36-1,-18-69 1,71 69-16,-35-122 16,70-72-1,17-52 1,36 88 0,53-18-1,0 89 1,-53 52-1,17 1 1,-17 17 15,-35 35-31</inkml:trace>
+  <inkml:trace contextRef="#ctx0" brushRef="#br0" timeOffset="9316.56">15434 1535 0,'0'-18'16,"0"36"-16,0-54 15,-18 36 17,-35 124-17,36-1 1,-18 36-1,35-36 1,0-70 0,52-17-1,-34-36-15,53 0 32,17-36-17,-18-17-15</inkml:trace>
+  <inkml:trace contextRef="#ctx0" brushRef="#br0" timeOffset="10286.92">15822 1552 0,'0'0'0,"0"-17"0,-18 17 31,18 17-15,-35 54-1,0 70 1,17-106-16,1 36 15,17-36-15,-18 53 16,0-35 0,18-35-1,18-18 32,0 0-47,17-36 16,0 1-1,-17 35 1,-1 0 15,-17 18-15,18 17 0,0-35-16,-18 18 15,70-1 1,1-17-1,-1 0 1,1 0 0,-36-53-1,0 1 17,-35 34-17,0 36 16,-17 34-15,17-34 0,0 17-1,17-35 1,54 0 0,17 0-1,0-17 1,1-36-1,-72-18 1,1 18 0,-18 36-1,0 34 17,0 19-17,-18-19-15,-17 89 16,0 0-16,-18 35 31,18 18-31,-18 70 31,35 0-15,18-176-16,-18 36 16,18-54-16,-70 88 15,52-70 1,-35-35-1,36-18 1,-1-53 15,18-18-31,-18-70 16</inkml:trace>
+  <inkml:trace contextRef="#ctx0" brushRef="#br0" timeOffset="10581.73">14905 1658 0,'0'0'0,"17"0"15,19 0 1,87 0-16,124-18 16,-70 1 15,-19 17-31,-105 0 31,-35 0-31</inkml:trace>
+  <inkml:trace contextRef="#ctx0" brushRef="#br0" timeOffset="11380.22">17533 1464 0,'53'0'31,"-35"0"-31,17 0 16,106 0-1,-18 0-15,1 0 31,-71 0-15,-71 0 0</inkml:trace>
+  <inkml:trace contextRef="#ctx0" brushRef="#br0" timeOffset="11654.69">17798 1446 0,'-18'0'32,"0"18"-32,18 0 0,0 87 15,0 1 17,0 53-17,-35-53 1,35-88-16,-18 70 15,18-71 1,0 1 0,36-36-1</inkml:trace>
+  <inkml:trace contextRef="#ctx0" brushRef="#br0" timeOffset="12055.78">17992 1923 0,'17'0'15,"1"0"-15,0 0 16,52-36-16,-35 19 16,1-1-1,70-35-15,-54 18 31,-52-18-31,-17 18 16,-107 35 15,36 53-15,0 70 0,35-35-1,35 18 1,18-88-16,0 35 15,53-18 1,18-35 0,70 0-1,-35 0 1,53-71 15</inkml:trace>
+  <inkml:trace contextRef="#ctx0" brushRef="#br0" timeOffset="12955.74">18680 1799 0,'0'-17'0,"0"34"0,0-70 15,0 36-15,0-1 16,52-17 0,-34 17-16,35 18 15,18 0 1,-18 35-1,-36 54 1,-17-19 0,-35 18-1,-36-17 1,18-36 15,36-35-31,34-18 47,1 1-47,17-36 16,-17 35-16,35-52 15,17-36 1,-34 35 0,-36 36-1,0 53 1,0 17-1,0 71 1,-18-18 0,18 0 15,0-35-31,53-18 31,0-35-31,88 0 31,-88-17-15,35-36 0,-35 0-1,18-71 1,-18 1 0,-36 70-16,36-106 15,-35 53 1,-18 36-1,-18 70 1,-52 35 0,17 53-1,-18 106 17,53-88-17,18 35 1,0-70-1,53-36 1,18-35-16,-1 0 31,1-35-15,-18 0 0,0-54-1,-36 37 1</inkml:trace>
+  <inkml:trace contextRef="#ctx0" brushRef="#br0" timeOffset="13205.49">19473 1517 0,'0'0'0,"-17"0"15,34 0 1,1 0-1,0 0-15,123 0 16,-18 0 0,18-18-1,-70 1 1,-18 17 0,-89 0 15</inkml:trace>
+  <inkml:trace contextRef="#ctx0" brushRef="#br0" timeOffset="14853.99">2699 2769 0,'0'0'0,"-18"0"31,36 0-15,17 0-1,-17 0-15,52 0 16,54 0 0,-1 0 15,71 0-31,-17 0 16,122 18-1,-69-18 1,-160 0-1,283 18 1,-35-18 0,105 0-1,18 0 1,-124 0 0,124 0-1,-317 0-15,211 0 16,106 0-1,-106 0 1,124 0 0,-18 0-1,35 0 17,-35 0-32,-88 17 31,105 1-16,-123-18 1,106 17-16,-17-17 31,17 0-15,0 0 0,-124 0-1,124 0 1,-106 0-1,106 0 1,-317 0-16,228 0 16,125 0 15,34-17-15,-140 17-1,123-18-15,-124 1 16,-264 17-1,335 0 1,-106 0 0,88 0-1,-141 0 1,124-18 0,-159 18-1,124 0 1,-160 0-1,19 0 1,-89 0 0,-88 0-1,-71 0 32,0 0-31,-35 0-1,36 0-15</inkml:trace>
+  <inkml:trace contextRef="#ctx0" brushRef="#br0" timeOffset="14983.18">19597 2787 0,'-18'0'47,"1"0"-31,-72 0-1,54 0-15,0 0 0</inkml:trace>
+  <inkml:trace contextRef="#ctx0" brushRef="#br0" timeOffset="19354.05">1393 3828 0,'0'0'0,"18"0"0,-18-18 16,18 18-1,-1 0-15,-17 18 47,-70 35-31,-1 35-1,-17 18 1,-71 70 0,124-141-16,-71 71 15,0-18 1,71-35 15,17-53-15,1 0-1,17-35 1,17-18 0,1 0-1,53 0 1,-18 53 0,17 0-1,18 53 1,-17 0-1,17 53 1,-17-36 0,17 1-1,-18-36 1,19-35 0,-54 0 15,-18 0-16,1-17 1</inkml:trace>
+  <inkml:trace contextRef="#ctx0" brushRef="#br0" timeOffset="20270.28">2293 4110 0,'18'-18'63,"-1"18"-63,1-17 15,0-1-15,-1 0 16,36-35-1,-53 36 1,0-1-16,-35 18 31,-89 0-15,89 18-16,-53 35 16,0 35-1,52-18 1,19-17-1,17-35 1,123 35 0,-17-18-1,35 0 17,-70 1-17,-18 17 1,-53 0-1,-88-18-15,52-18 16,-70 19-16,-52-19 31,69-17-15,1 0 0,53-35-1,17 0 1,18 0-1,18 17 1,53 0 0,-19 1-16</inkml:trace>
+  <inkml:trace contextRef="#ctx0" brushRef="#br0" timeOffset="20700.54">2769 4251 0,'0'-18'31,"0"1"-31,-17 17 31,17 17-31,-18 19 16,18 52-1,0 18 1,0 52 0,0-105-16,0 141 15,0 124 17,0-89-17,-18 71-15,18-159 31,0-17-15,0-72 0,0-69 15,0-36-15,0-53-1,0 36-15</inkml:trace>
+  <inkml:trace contextRef="#ctx0" brushRef="#br0" timeOffset="21119.71">2734 4392 0,'-18'-18'0,"36"36"0,-53-71 16,17 36-16,0-54 15,1 18 1,17 0-16,70 18 31,89 0-15,-53 52 0,17 71-1,-87-17 1,-36 52-1,-53-52 1,-71 17 0,71-70-1,-17-1 1,52-17 15,1 0-31,52 0 47,-18-17-47,1 17 0</inkml:trace>
+  <inkml:trace contextRef="#ctx0" brushRef="#br0" timeOffset="22303.21">3739 4251 0,'0'-18'16,"0"36"-16,0-71 0,0 35 0,0 1 31,-35-36-31,-35 53 31,52 0-31,-53 0 0,36 0 16,-35 35-1,-19 53 1,19 1 0,35 16-1,35-16 1,0-19 0,70-52-1,-17-18 1,53-36-1,-36-16 1,54-54 0,-106 35-1,-1-17 1,-17 35 15,0 35-31,0 71 31,0-17-15,-17 52 0,17-18-1,17 19 1,36-54 0,18-18-1,34-17 1,-52-35-1,18-18 1,-18 0 0,-36-17-1,19-36 17,-36 53-17,0 35 1,0 71 15,0 18-31,0 17 31,0-17-15,0-54-16,0 36 16,0-35-1,0-1 16,-18-17 1,18-35-32,-18-18 15,18 36-15,0-54 32,36-35-17,34 0 1,54 1-1,-1 52-15,-87 53 16,122 0 0,-52 88-1,-71 0 1,-35 36 0,-17-54-1,-19 18 1,19-70-16,-1 17 15,18-17 1,0-36 31,35 1-31</inkml:trace>
+  <inkml:trace contextRef="#ctx0" brushRef="#br0" timeOffset="22871.3">5221 3739 0,'0'0'16,"-18"0"-16,1 0 31,17 18-15,0 0-16,0 35 15,0-36-15,17 36 16,54 18 0,-18-1-1,70 1 16,1-18-15,-18-36 0,-89-17-16,72 0 15,-72 0 1,-34 0 15,-1 18-31,-35 0 16,35-1-16,-87 54 15,34-1 1,-53 36 0,36-35-1,53-18 1,0-18 15,35-17-31</inkml:trace>
+  <inkml:trace contextRef="#ctx0" brushRef="#br0" timeOffset="23954.63">6632 4039 0,'0'-17'16,"0"-19"15,0 19-15,0-1-1,0 0 1,18-34 0,-18 34 15,0 36 0,0 34-15,-18 54-1,18 53 1,-17 0-16,17-71 31,0-17-15,0-54-16,0 1 16,35-18-1,35-53 1</inkml:trace>
+  <inkml:trace contextRef="#ctx0" brushRef="#br0" timeOffset="24196.29">7108 3986 0,'0'-17'16,"0"34"-16,0-52 0,18-18 0,-18 71 46,0 141-30,0-89 0,0-17-16,0 71 15,0-54 1,-35 1 0,35-54-1</inkml:trace>
+  <inkml:trace contextRef="#ctx0" brushRef="#br0" timeOffset="24404.84">6773 4304 0,'0'0'0,"-17"0"16,34 0 15,36 0-15,53-18-1,0-17-15</inkml:trace>
+  <inkml:trace contextRef="#ctx0" brushRef="#br0" timeOffset="24813.2">7320 4251 0,'18'0'0,"-36"0"0,53 0 0,1 0 16,52-35-1,18-18 16,-71 17-15,-35 19-16,18-36 16,-36 35-1,-70 18 1,-18 36 0,35 34-1,18 54 1,53-107-16,-17 54 15,17-54-15,0 72 16,53-54 0,0-35-1,70 0 1,18-53 15,-53 35-31</inkml:trace>
+  <inkml:trace contextRef="#ctx0" brushRef="#br0" timeOffset="25087.57">8132 3916 0,'0'0'0,"0"-35"16,0 17-16,0 0 16,-36 71 15,1 53-16,17 17 1,-35 19 0,36-19-1,-1-105-15,18 35 32,0-36-17,18-17 1,35 0-16</inkml:trace>
+  <inkml:trace contextRef="#ctx0" brushRef="#br0" timeOffset="25370.92">8361 3916 0,'0'-35'15,"0"70"-15,0-88 0,0 18 16,0 52-1,0 19 1,-18-19-16,18 107 16,-17-19-1,-19 37 1,19-54 0,17-35-1,0-18 16,53-35-15,-18-18-16</inkml:trace>
+  <inkml:trace contextRef="#ctx0" brushRef="#br0" timeOffset="25769.55">8608 4163 0,'-18'35'15,"0"-17"-15,1 35 16,-1 0 0,1 17-1,17-52-15,0 17 16,52-17 15,37-18-15,-19 0-1,36-53 1,-35-35 0,-71 70-16,17-53 15,-34-35 1,-54 36 0,-52 52-1,-1 71 1,71 18-1,36-54-15,-1 89 16,18-70 0,18-1-1</inkml:trace>
+  <inkml:trace contextRef="#ctx0" brushRef="#br0" timeOffset="26613.82">10089 3951 0,'18'-18'0,"-36"36"0,54-36 15,-19 1-15,-17-1 16,0 36 15,0 17-31,0 18 16,-53 88-1,36-106-15,-18 71 16,17 0 0,18-53-1,53-71 16,0-17-15,-53 17-16,70-87 16,1-1-1,-54 35 1,19 36 15,-19 35-31,1 106 16,-18 0-1,18-36 17,35 1-17,35-36 1,-18-35 0,89-71-1,-88 19 1,-1-90-1,-70 1 1,0 53 0,-88 0-1,-18 88 1,53 18 15,18 52-31,35-17 16,18 18 15,87-36-31</inkml:trace>
+  <inkml:trace contextRef="#ctx0" brushRef="#br0" timeOffset="26971.75">11183 4198 0,'88'-18'32,"-70"1"-32,0-1 0,34-35 15,-34 0 1,-18 18 0,-35 17-1,-36 36 16,54 0-31,-89 70 16,35 18 0,18 0-1,53-18 1,18-53 0,17-35-16,53 18 15,54-18 1,-37-36-1</inkml:trace>
+  <inkml:trace contextRef="#ctx0" brushRef="#br0" timeOffset="27254.7">11765 3898 0,'0'-35'0,"0"70"0,0-88 15,0 18-15,-18 17 16,1 1-16,-18 17 15,-1 53 17,19-18-32,-1 88 0,0-17 31,18 18-15,0-18-1,0-54 1,18-34-1,53-18 1,17-18 0</inkml:trace>
+  <inkml:trace contextRef="#ctx0" brushRef="#br0" timeOffset="27517.95">12171 3969 0,'0'0'15,"0"-18"1,-35 18 0,-18 53-1,-18 53 1,53 0 0,1-36-1,17-52-15,0 52 16,17-52-1,54 0 1,35-18 0,-18-18-1</inkml:trace>
+  <inkml:trace contextRef="#ctx0" brushRef="#br0" timeOffset="28515.2">12541 4039 0,'0'-17'0,"0"34"0,-17-34 32,-1 52-17,0 0-15,-17 18 16,0 53 0,35-35-1,0-19 1,0-34-1,70-18 1,-34 0 0,-19-35-1,-17 0 1,0-54 0,0 19-1,0-1 16,36 18-31,-1 18 16,35 35 15,-17 35-15,-17 53 0,-19 1-1,-17-72-15,18 54 16,-18-1-1,0-34 1,-18-36 15,1-18-15,17-35 15,0-35-15,70 17-1,18-34 1,18 34 0,-35 71-1,-54 0-15,36 71 16,-35-19 0,-18 37-1,0-19 1,0-34-1,-35-19 1,-1-17 0,36-35 15,0-18 0,106-35-31,0 0 31,-71 70-31,53-17 16,1 35 0,-72 35-1,1 53 1,-18-70-16,0 52 16,-18 1-1,1-36 1,17-17-1,17-36 17,1 18-32,0-17 15</inkml:trace>
+  <inkml:trace contextRef="#ctx0" brushRef="#br0" timeOffset="28901.78">13847 4233 0,'17'0'16,"-17"-17"-16,18 17 15,52-36 1,-17-17 0,-17 18-1,-19-18 1,-34 53-1,-36 0 1,35 0-16,-88 71 16,36-1-1,34 36 1,19-35 0,17-36 15,35-17-31,-17-18 15,52 0 1,-17 0 0,53-53-1,-88 53-15</inkml:trace>
+  <inkml:trace contextRef="#ctx0" brushRef="#br0" timeOffset="29396.55">15275 3916 0,'0'-18'0,"0"36"0,18-53 0,-18-1 16,0 19-16,0-19 15,0 19 1,-18 17 0,-17 53-1,0 52 1,-36 54 0,18-35 15,18 17-16,35-71-15,18-52 32,52-18-17,-35 0-15</inkml:trace>
+  <inkml:trace contextRef="#ctx0" brushRef="#br0" timeOffset="29819.5">15681 4075 0,'0'0'0,"-18"17"31,1 1-15,-19 17-16,19 53 16,-1 1 15,18-37-16,71-34 1,17-18 0,-70 0-16,70 0 15,0-53-15,-35 0 32,-53-35-17,-18-18 1,-35 71-1,-17 17 1,52 18-16,-52 0 16,17 36-1,17-1 1</inkml:trace>
+  <inkml:trace contextRef="#ctx0" brushRef="#br0" timeOffset="30085.61">15222 3986 0,'0'0'0,"18"0"31,0-17-31,105 17 15,36-18 1,-36 18 0,1 0-1,-89-18 1,-70 36 15,-36 0-15,-17-1-16</inkml:trace>
+  <inkml:trace contextRef="#ctx0" brushRef="#br0" timeOffset="31351.12">3933 5556 0,'0'0'0,"0"-17"15,0-36 1,0 35 0,-35 0-1,-18 18 16,18 0-31,-36 53 16,-17 88-16,53 1 31,35 34-15,0-70 0,88-18-1,-70-70-15,123-18 16,-35 0-1,17-53 1,-35-18 0,18-52-1,-53-54 1,-35 142 0,-18-106-16,-35-18 31,-36 89-16,-17 52 1,-36 53 0,54 53-1,52-52-15,18 140 0,0-35 32,88 0-17,18-53 1,18 18-1,-19-17 1,-105-1 0,-105 35-1,-37-35 1,19-17 15,17-36-15,71-35-1,17-17-15,18-19 16</inkml:trace>
+  <inkml:trace contextRef="#ctx0" brushRef="#br0" timeOffset="32029.93">5009 5750 0,'18'0'0,"-36"0"0,36-17 0,0-1 16,17-17 0,-17-1-1,-18 1 1,-18 18-1,-53 17 1,54 0-16,-36 52 16,0 37-1,53-36 1,18-1 0,87-34-1,-34 0 16,-36-18-31,53 35 0,-88 0 32,-17 18-17,-107 0 1,19-35 0,69-1-16,-70-17 15,1 0 1,87-35-1,18 0 1,70-18 0,36 0-1,-35 18 1</inkml:trace>
+  <inkml:trace contextRef="#ctx0" brushRef="#br0" timeOffset="32362.9">5521 5644 0,'-53'36'16,"35"-19"-16,1 36 16,17 88-1,0 18 1,0-18-1,17 89 1,-17-178-16,18 125 16,-18-1-1,0-70 1,0-88 0,0-71 15,0 35-16,0-70-15,0 17 16</inkml:trace>
+  <inkml:trace contextRef="#ctx0" brushRef="#br0" timeOffset="32663.08">5468 5962 0,'0'-18'15,"0"36"-15,0-71 0,0 0 16,0 35-16,0-52 15,106 35 1,0 17 0,35 18-1,-88 35 1,-53 89 0,-106-18 15,0-54-16,0 1 1,36-53 0,52 0-1,71-17-15,18-19 32</inkml:trace>
+  <inkml:trace contextRef="#ctx0" brushRef="#br0" timeOffset="32885.51">6227 5768 0,'0'0'16,"-36"88"0,36-70-16,-17-1 0,-1 54 31,18-18-16,0-36-15,0 1 16,0-36 15</inkml:trace>
+  <inkml:trace contextRef="#ctx0" brushRef="#br0" timeOffset="33063.22">6156 5662 0,'0'0'16,"-18"-18"-16,18 1 0,-35 17 16,17 0-1,18 17 1,0 19 0,18-19-1,0 1-15</inkml:trace>
+  <inkml:trace contextRef="#ctx0" brushRef="#br0" timeOffset="33647.43">6773 5838 0,'18'0'0,"-36"0"0,36-17 0,0-1 0,-18 1 15,17-54 1,-17 18-1,-53 0 1,-17 53 0,34 0-16,-52 71 15,18 17 1,17 53 15,35-35-15,18-53-1,18-36-15,52-17 16,1 0-16,35-53 31,-18-35-31,-35-18 32,-35-52-17,-18 17 1,0 17-1,0 71 1,-18 141 15,18-52-31,0 87 16,0 36 15,0-18-15,35-70-1,-17-36 1,35-18 0,0-17-1,-36-17-15,1-1 0</inkml:trace>
+  <inkml:trace contextRef="#ctx0" brushRef="#br0" timeOffset="34001.73">7267 5874 0,'0'-18'16,"18"18"-1,-18-18-15,53-34 16,-36-1 0,36-36-1,-53 54 1,-17 35 15,-19 18-15,19 35-1,-36 53 1,53-18 0,0-71-16,0 19 15,35 17 1,36-53-1,-1 0 1,-52 0-16</inkml:trace>
+  <inkml:trace contextRef="#ctx0" brushRef="#br0" timeOffset="34378.82">7726 5803 0,'0'-17'0,"0"34"0,0-52 0,0-18 31,0-18-31,35 36 32,18 35-17,-18 0-15,18 0 16,-18 88 0,-17-17-1,-18 17 1,-18-35-1,1-18 1,-1-35 15,18-35-15,0-18 0,35-17-1,1-19 16,-19 72-31,36-54 16,0 54 0,-35 17-16</inkml:trace>
+  <inkml:trace contextRef="#ctx0" brushRef="#br0" timeOffset="34801.65">8608 5592 0,'0'-18'0,"0"36"0,17-36 0,-17-17 15,0 17 1,-53 18 0,36 0-16,-71 18 31,17 35-16,1 35 1,70 0 0,0-53-1,17-17-15,71 17 16,1-17 0,-54-1-1,-18 19 1,-52-19-1,-35 1 1,-19 0 0,72-18-16,-71 0 15,52 0 1,36-18 0</inkml:trace>
+  <inkml:trace contextRef="#ctx0" brushRef="#br0" timeOffset="36034.01">10442 5397 0,'0'0'0,"0"-17"0,-53-36 31,36 35-31,-54 18 16,-88 71 0,71 17-1,-18 106 1,71 0-1,35-88 1,71-18 0,-36-70-16,53-1 15,71-17 1,0-70 0,-36-1-1,1-70 16,-72-70-15,-52 87 0,-88 18-16,-53 71 31,18 35-15,-54 88-1,124-53-15,0 54 16,18-54-16,18 124 15,69-18 1,37-88 0,69-18-1,19-35 1,-54-18 0,-87 1-16,140-54 15,-53-17 16,-70 17-15,-35 1 0,-18 52-1,-18 53 17,1 1-32,17 17 15,-36 52 1,19-87-16,-1 53 15,0-18 1,18-36 0,0 1-16,0-36 31,0-35-15,18-17-1,-18 52-15,71-70 31,34-18-15,-87 88-16,88-34 16,0 52-16,-53 35 31,0 53-15,-53 18-1,0-36 1,-71 1-1,36-36 1,35-52 15,35-19-15</inkml:trace>
+  <inkml:trace contextRef="#ctx0" brushRef="#br0" timeOffset="36519.66">11783 5450 0,'0'-17'16,"0"34"-16,0-52 0,0 17 15,0 1-15,-18 34 32,18 1-32,-53 70 15,36 18 1,-1 35-1,0-53 1,18-17 0,0-53-16,88-1 15,-17-17 1,35 0 0,-18-53-1,0-17 16,-35-18-31,-35 35 32,-53 106-1,-1 0-15,19 17-1,17-17 1,17-53-1,1 0-15,52 0 16,-17 0 0,18-53-1</inkml:trace>
+  <inkml:trace contextRef="#ctx0" brushRef="#br0" timeOffset="36694.97">12347 5521 0,'0'-18'0,"0"36"0,-17-36 0,-1 18 16,-17 0-1,17 0-15,18 36 32,18-19-17,35 1 1</inkml:trace>
+  <inkml:trace contextRef="#ctx0" brushRef="#br0" timeOffset="37185.94">12559 5609 0,'0'18'16,"0"-1"-1,-18 1-15,18 0 0,0 35 16,0 17-1,0-35 1,0 18 0,-17-17-1,17-19-15,-18-17 32,0 0-17,18-17 1,0-1-16,0-35 15,36-17 1,52-36 0,35 18-1,-17 70 1,0 18 0,-88 88-1,-18 0 16,-18 0-15,-17-35-16,-18-17 31,70-54 1,1 18-17</inkml:trace>
+  <inkml:trace contextRef="#ctx0" brushRef="#br0" timeOffset="37551.37">13123 5786 0,'18'0'16,"0"0"-16,52-18 15,-17 0 1,-35 1-1,52-19 1,-34-34-16,-36 17 31,-71 71 1,-17 52-17,0 36 1,70-88-16,0 52 15,18-17 1,89-35 0,-19-18-1,36-18 1,-36-17 0</inkml:trace>
+  <inkml:trace contextRef="#ctx0" brushRef="#br0" timeOffset="38350.72">14764 5521 0,'0'-18'0,"0"36"16,17-53-16,-17-1 15,0 19-15,0-36 0,-53 18 32,36 35-32,-36 0 15,-35 17 1,0 89-1,-1 53 1,72 0 0,17-71-1,35 0 1,53-53 0,-53-35-16,124 0 31,53-70-31,-53-19 31,35-34-15,-89-36-1,-69 36-15,-36-36 32,0 106-17,-36 53 1,19 71-1,-18 34 1,17 54 0,0 0-1,1-53 1,17-36 0,0-52-1,88-18 16,0 0-31</inkml:trace>
+  <inkml:trace contextRef="#ctx0" brushRef="#br0" timeOffset="40152.8">15998 5574 0,'0'-18'0,"0"36"0,0-71 0,0 18 15,-17-18 1,-71 35-1,52 18-15,-34 0 16,-54 71 0,54 52-1,34-35 1,36 18 0,0-88-16,36 35 15,17-53 16,35 0-15,-18-18 0,1-35-1,-18-53-15,-35 1 16,-18 16 15,0 107 0,-18 17-15,-17 36 0,35 17-1,0-70-15,0 52 16,53-35 0,35-35-1,0 0 16,53-35-31,18-53 32,-71 17-17,-53-17 1,-35 71-16,-17-1 31,-54 89-15,36 17-1,17 0 1,18-35 0,35-18-1,-17-35 1,-18-18 31,-18 1-47,-17-1 31,18 18-31,-19 0 16,1 0-1,35 18 17,35-1-17,53-17 1,54 0-1,-37-17 1,19-36 0,-18-18-1,-89 54-15,72-89 16,-89 35 0,0 54-1,-18 17 1,-17 70 15,17 18-15,18-52-16,0 52 15,0-53 1,35 0 0,-35-17-1,-17-36 32,-1 18-47,18-17 16,-18-1-1,18 36 32,18-18-31,35 0-16,53 0 15,-18 0 1,18-35 15,-53 17-15,0-17-16,-18-36 16,0-17-1,-35 35 1,0 35-1,-18 18 1,-34 53 0,52-35-16,-36 35 15,36-18-15,0 18 16,0 18 0,18-36-1,52-18 16,19 1-31,-54-18 16,18 0-16,-35 0 16,87-70-1,-16 17 1,-1-53 0,-53 18-1,-17 35 1,-36 35-1,-35 36 1,18 70 0,35 0-1,17-17 1,1-1 0,-18-35-1,0-17 16,0 0-15,-35-18 0,0 0-1,-54 0 1</inkml:trace>
+  <inkml:trace contextRef="#ctx0" brushRef="#br0" timeOffset="40867.69">5891 7091 0,'0'0'0,"0"-18"0,18-35 15,-18 36 1,0 34 15,0 1-31,-35 88 16,-1 35-1,-16 53 1,16-71 0,36-70 15,53-53-16,35-17 1,-52-1-16</inkml:trace>
+  <inkml:trace contextRef="#ctx0" brushRef="#br0" timeOffset="41235.44">6456 7197 0,'0'0'0,"-53"0"31,-35 88-15,70-71-16,-35 72 16,53 34-1,0-52 1,35-54 0,71-17 15,-18-17-31,-35-36 31,18-53-15,-53 0-1,-18 36 1,-71-1 0,53 71-16,-35 0 15,-17 0 1,-1 0-1</inkml:trace>
+  <inkml:trace contextRef="#ctx0" brushRef="#br0" timeOffset="41447.51">5821 7126 0,'0'0'0,"17"0"16,1 0-16,53 0 16,70-18-1,35 1 1,-88-1-16,-17 1 31</inkml:trace>
+  <inkml:trace contextRef="#ctx0" brushRef="#br0" timeOffset="42416.14">7990 7038 0,'0'-18'0,"0"36"0,0-106 31,-17 88-15,-1 17 0,0 19-16,1 87 15,-18 1 16,-18 52-31,-18-35 16,18-70 15,36-54-31,-54 1 16,18-18 0,35-35-1,-17-54 1,35-34-1,0-18 1,18 17 0,17 107-1,18 17 1,18 106 0,-19-1-1,19 54 16,0-88-15,-1-1 0,54-70-1,-36 0-15,53-35 32,0-53-17,-70 17 1,-36-35-1,-35 36 1,-18 17 0,-35 53-1,0 35 1,18 71 0,35 0-1,0-53 1,35 17-1,36-34 1,52-36 15,54 0-15,-36-36-16</inkml:trace>
+  <inkml:trace contextRef="#ctx0" brushRef="#br0" timeOffset="42885.8">9207 7461 0,'18'-17'0,"-36"34"0,36-87 15,-18 52-15,0-88 16,-53 36 0,0 70-1,-17 0 1,-1 70 0,18 18-1,0 71 16,36-106-15,17 0 0,70-35-1,1-18-15,-1-53 32,-52 35-32,53-52 15,-36-1 1,-18-17-1,-17 52 1,0 89 15,0-35-31,0 88 16,0-36 0,0 1-1,71-36 16,-36-17-31,18-18 32,-35 0-32,35-18 15</inkml:trace>
+  <inkml:trace contextRef="#ctx0" brushRef="#br0" timeOffset="43300.8">9507 7444 0,'0'-18'16,"0"36"-16,0-54 0,0 19 15,0-54 1,18 36 0,35 17-1,17 1 1,19 34 0,-19 36-1,1 71 16,-54-54-15,-17 18-16,0-35 31,-35-53-15,0 0 0,17-17-1,18-36 1,0 0-1,35-35 1,36-1 0,0 54-1,34 0 1,-87 17-16,70 1 16</inkml:trace>
+  <inkml:trace contextRef="#ctx0" brushRef="#br0" timeOffset="43762.05">10389 7214 0,'0'0'0,"0"18"31,0 17-15,0 18-16,-17 35 16,-1 1 15,0-19-16,18-17 1,-17-35-16,17-1 16,0 1-1,-18-18 1,0-35 0,1-1-1,17-69 16,88-19-15,0 36-16,71 17 31,0 89-15,-53 35 0,-36 70-1,-70-34 1,-35-37-1,0 1 1,-18-35 0,35-18-1</inkml:trace>
+  <inkml:trace contextRef="#ctx0" brushRef="#br0" timeOffset="44617.69">12188 7144 0,'18'0'32,"0"-18"-32,17 18 15,-17-18-15,70-34 16,-35-1-1,-53 0 1,0 0 0,-124 53-1,54 0 1,34 0-16,-87 17 16,35 36-1,88-17 16,53 34-31,53 18 32,35-17-17,-36 17 1,-52-17 0,-53-18-1,-70 17 1,-71-52-1,88-18-15,-88 0 16,0 0 0,52-35-1,72-18 1,17-36 0,53 1-1,53 35 16,17 36-15,-35 17-16</inkml:trace>
+  <inkml:trace contextRef="#ctx0" brushRef="#br0" timeOffset="45093.46">12735 7073 0,'0'0'0,"-53"0"31,36 0-31,-1 53 16,0-35-16,-17 70 16,18 35-1,17-52 1,0 17-1,35-70 17,53-18-17,18-35 1,0-36-16,-53 18 31,-36-35-15,-52-18-1,-36 53 1,36 35-16,-71 1 16,36 17-1,52 0 1,18 53 0,18-36-1,158 1 16</inkml:trace>
+  <inkml:trace contextRef="#ctx0" brushRef="#br0" timeOffset="45933.54">13564 6950 0,'0'0'0,"0"-18"15,-35-17-15,17 35 16,-17 0-1,-35 17 1,34 72 0,1 34-1,-36 71 1,54-141-16,-71 176 16,17-52-1,-35 87 1,0 1 15,53-53-31,53-160 0,0 37 31,0-54-31,0 71 16,36-89 0,34-17-1,36-70 1,18-1-1,-19-52 1,-87 88-16,-18-89 16,0-70-1,-70 0 1,-19 71 0,-52 17-1,18 35 16,105 54-31,18-1 16,88-17 15,18 17-15,71-53 0,34-52-1,-176 105-15,89-105 16,-18-18-1,-71 53 1,-17-1 0,-18 72-1,0-1 1,0 89 0,-36 34-1,19 1 16,-19 18-31,19-36 16,17-53 15,0-17-31,35-18 32,0-53-32</inkml:trace>
+  <inkml:trace contextRef="#ctx0" brushRef="#br0" timeOffset="46150.36">13617 7214 0,'0'0'0,"-17"0"0,17-17 31,17 17 0,1 0-31,-1-18 16,54 18-16,0-18 31,-1 1-31</inkml:trace>
+  <inkml:trace contextRef="#ctx0" brushRef="#br0" timeOffset="46750.85">14182 7126 0,'-18'0'32,"18"18"-17,-35 17-15,35-17 0,-36 70 16,1-18 0,18 19-1,17-36 16,0-36-31,70-52 47,-35 0-31,-17 17-16,53-35 16,-1-18-1,-52 54 1,-1 17-1,-17 53 1,0 17 0,18 1-1,17-53 1,36-1 0,35-17-1,-36-53 16,-52 36-31,35-54 16,-36-35 0,-17 18-1,-17 0 1,-54 70 0,36 18-1,17 0-15,-17 35 16,17 36-1,18-18 1,71-18 0</inkml:trace>
+  <inkml:trace contextRef="#ctx0" brushRef="#br0" timeOffset="47234.73">15240 7161 0,'0'0'0,"0"-17"0,0-1 0,-35-17 16,17 17-16,-52 18 31,-19 18-15,-17 70 0,36 0-1,35 36 1,35-36-1,0-53 1,88-17 0,18-36-1,-36-17 1,18-36 0,-35-17-1,-17 0 1,-36 53-16,17-36 15,-17 53 17,0 36-17,-17 88-15,-19 0 32,19-18-17,34-35 1,36-35-1,53-18 1</inkml:trace>
+  <inkml:trace contextRef="#ctx0" brushRef="#br0" timeOffset="47665.58">15681 7250 0,'-18'-18'0,"18"0"15,0 1-15,0-36 16,36 17 0,-19 19-1,54 17 1,17 0 0,-35 70-1,-35-17 1,-1 35-1,-17-17 1,0-53-16,-35-1 16,17 1-1,1-18 1,17-53 15,0 35-31,17-52 16,54-18 15,-1 17-15,19 36-1,-19 17 1,-17 18-16</inkml:trace>
+  <inkml:trace contextRef="#ctx0" brushRef="#br0" timeOffset="48049.28">16298 7197 0,'0'17'0,"18"-17"15,0 0-15,52 0 16,-35-35 0,1 35-16,52-53 15,-53 0 16,-35 36-31,-35-1 16,-71 18 15,71 18-31,-53 52 16,-36 36 0,106 0-1,18-53-15,71-18 31,70-35-15,0 0 0,-35-18-1,-18-35 1,-70 36-16</inkml:trace>
+  <inkml:trace contextRef="#ctx0" brushRef="#br0" timeOffset="48734.66">7691 8855 0,'-18'0'0,"0"0"31,36 0-31,35 0 15,-18 0-15,106-18 32,89 18-32,-72-18 15,19 1 17,-72 17-17,-175 0 16,35 0-15</inkml:trace>
+  <inkml:trace contextRef="#ctx0" brushRef="#br0" timeOffset="48986.48">8202 8837 0,'0'0'0,"0"35"31,0-17-31,0 0 0,-18 87 32,-17 54-32,-18 0 31,18-88-31,35-19 31,18-52 0,52-17-15,-52-1-16</inkml:trace>
+  <inkml:trace contextRef="#ctx0" brushRef="#br0" timeOffset="49335.31">8449 9278 0,'18'0'0,"-1"0"16,36-35-1,-35 35-15,52-36 32,1 19-17,-36-36 1,-35 18 0,-17-1-1,-54 36 1,53 0-16,-35 18 15,-17 53 1,17 17 0,35-18-1,18 1 1,0-53-16,53-18 16,18 0-1,70-18 1</inkml:trace>
+  <inkml:trace contextRef="#ctx0" brushRef="#br0" timeOffset="50311.23">9190 9207 0,'17'-17'0,"-34"34"0,70-52 16,-36 18-16,19-36 16,-36 17-1,-71 36 1,1 18-1,-54 35 1,54 0 0,52-18-1,36 0 1,34-17 0,37 17-1,-19 18 16,-35-35-15,-35 0-16,0-1 16,-52 1-1,-1-18 1,-36 0 0,1-35-16,18-1 15,52 36 16,18 18 1,53 0-17,-35-1-15,70 1 16,53-18 0,-53-18-1,36-35 16,-19 0-31,-34 0 32,0-52-32,-54-37 15,1 37 17,-18 52-17,0 88 16,-18 71-15,1-18 0,-1-53-16,-17 89 15,35-18 1,0-71 0,0 0-1,70-35 16,-52 0-31,35-17 16,35-36-16,0 0 31,-70 0-15,17 17 0,-35 72-1,0-19 1,0 1-16,-35 35 15,17 0 1,18-18 0,35-35 15,-17 0-31,17-53 16,-17 53-16</inkml:trace>
+  <inkml:trace contextRef="#ctx0" brushRef="#br0" timeOffset="50487.11">10089 8872 0,'0'0'16,"-17"0"-16,-18 0 16,-1 0-1,19 18 1,17 0-1,-18-18 1</inkml:trace>
+  <inkml:trace contextRef="#ctx0" brushRef="#br0" timeOffset="50684.64">9384 9066 0,'0'0'0,"-18"0"0,36 18 32,0-18-17,87 0-15,-16 0 16,87 0 15</inkml:trace>
+  <inkml:trace contextRef="#ctx0" brushRef="#br0" timeOffset="51176.29">10283 9119 0,'0'0'0,"0"18"0,0 0 15,0-1-15,0 54 16,0-18-1,-17-18 17,-18 0-17,17-17 1,0-18 0,1 0-1,17-53 1,0 18-1,70-54 1,18 1 0,-52 71-16,52-1 15,0 18 1,-17 71 0,-54-19-1,-17 37 1,-17-19 15,-1-34-15,-17-1-1,17-35 1,36 0 0</inkml:trace>
+  <inkml:trace contextRef="#ctx0" brushRef="#br0" timeOffset="51926.72">11307 9207 0,'0'0'0,"0"-17"0,17-1 0,-17 1 0,0-54 32,0 53-32,-88 1 15,0 17 1,-36 53-1,1 17 17,52 1-17,36-1 1,35-52-16,35 0 16,36-18-1,52 0 1,1-36-1,-54 1 1,-52-18 0,-18 35-16,18-17 15,-18 18 1,0-1 0,0 53-1,0 18 1,-18 35-1,-53 53 1,36-35 15,-18 88-15,-17 18-16,52-36 16,-35 54-1,35-177 1,-34 158-1,-1-70 1,-18-88 0,-17-17-1,0-36 1,35 0 0,35-71-1,18-88 1,35-52-1,36 17 1,52-53 0,36 17 15,-53 124-15,-71 89-16</inkml:trace>
+  <inkml:trace contextRef="#ctx0" brushRef="#br0" timeOffset="52567.91">12823 9013 0,'18'-17'0,"-36"34"0,54-52 0,-19 18 0,1-1 16,0 18 0,-54 18-1,-52 70 1,-53 18 0,106-71-16,-124 71 15,53-36 1,-17-34-1,87-19 17,36-52-1,0 17-31,89 1 16,-1 17-1,0 0 1,53 53-1,-17-1 1,-19 1 0,-87-35-16,53 17 15,-36-17 1,0-18 0,0 0-1</inkml:trace>
+  <inkml:trace contextRef="#ctx0" brushRef="#br0" timeOffset="53133.98">14199 8625 0,'0'0'0,"18"-17"0,-18-1 15,18-35 1,-1 53-16,-17-17 0,-35 34 31,-71 107-15,18 34-1,-36 107 1,-17-18 0,88-176-16,-70 105 15,-1 36 1,36-71 0,71-88-1,34-53 16,1-18-31,70-53 16,-35 18 0</inkml:trace>
+  <inkml:trace contextRef="#ctx0" brushRef="#br0" timeOffset="53651.61">14870 9031 0,'0'0'0,"17"0"0,1-18 0,-1 1 0,-17-18 15,0 17 1,-70-17 0,-36 35-1,71 0-15,-36 17 16,-35 36 15,71 0-15,35 18-16,18-36 31,52 18-15,19-18-1,-19 18 1,-52 0-1,-18-18 1,-71-17 0,-35 0-1,-17-1 1,17-34 0,53-19-1,35 1 1,18 0-1,36 17 17,34 0-17,36 1-15</inkml:trace>
+  <inkml:trace contextRef="#ctx0" brushRef="#br0" timeOffset="54050.33">15187 9084 0,'0'0'0,"0"-18"0,0 1 16,-18 17 0,18 35-1,0-17-15,0 105 16,0-17-1,-17 70 1,-18 71 15,-18-35-31,-36 88 32,36-89-17,18-87 1,18-89-1,34-70 17,18-36-17,-17 36-15,53-106 16,-54 106-16</inkml:trace>
+  <inkml:trace contextRef="#ctx0" brushRef="#br0" timeOffset="54382.68">15222 9207 0,'-35'-17'0,"17"-18"15,71 87-15,-158-175 16,105 35 0,0 70-16,70 1 15,54-1 1,-89 18-16,88 18 15,-70-1-15,35 54 16,-70 35 0,-53-18-1,-53-18 1,-71-17 0,-18-17-1,142-36 1,18 0 15,52 0-15,53-36-16</inkml:trace>
+  <inkml:trace contextRef="#ctx0" brushRef="#br0" timeOffset="55398">16157 9066 0,'0'0'0,"0"-17"0,0-1 15,-17 0-15,-54 1 16,18 17 0,-53 0-1,18 88 1,18 0-1,17 18 17,53-35-17,53-54 1,35 1 0,18-18-16,-18-35 31,35-71-16,-70 35 1,0-17 0,-53 35-1,0 106 17,0-18-32,0 53 15,0-35 1,0 0-1,71-17 17,-1-36-17,36 0 1,-18-36 0,-53 19-16,1-36 15,17-35 1,-36 17-1,-17 89 17,-35 35-17,35-18-15,-35 18 16,-1 17 0,19 1-1,17-53 1,-18-18 31,18-18-47,0-17 31,18-36-15,35-17-1,53-18 1,-1 35-1,-69 71-15,52 0 16,-18 53 0,-34 36-1,-36-37 1,0 37 0,-36-36-1,1-36 1,18 1 15,17-36-15,0 1-1</inkml:trace>
+  <inkml:trace contextRef="#ctx0" brushRef="#br0" timeOffset="55906.4">17498 8661 0,'-18'0'0,"36"0"0,-36 17 31,36 19-15,52 17-1,-17 17 1,71 36 15,-36-53-15,18 0 0,-36-36-1,-34-17 1,-19 0-16,1 0 15,-53 0 17,-54 18-17,-16 70 1,16-17 0,-69 17-1,122-70-15,-87 52 16,70-52-1,35-1 17</inkml:trace>
+  <inkml:trace contextRef="#ctx0" brushRef="#br1" timeOffset="63432.56">776 10918 0,'-18'0'0,"36"0"0,-36-17 0,1 17 16,-1 0 0,18 17 46,0 1-62,18-18 16,-1 18-1,36-18 1,18 0 0,17-36-16,-17 1 31,-54 0-16,-17-18-15,0 35 32,-53 18-17,0 0 1,36 0-16,-54 36 16,1 17-1,-1 52 1,54-34-1,17-18 1,35 17 0,-18-52-1,36 0-15,0-18 32,-17 0-17,-19-18-15,-17 0 31,0 1-15,-70 17 0,-1 17-1,-52 54 1,52 0 0,1 34-1,70-52 1,0-17-16,0-1 15,88 0 1,-18-17 0,18-18 15,-17 0-31,52-36 31</inkml:trace>
+  <inkml:trace contextRef="#ctx0" brushRef="#br1" timeOffset="64315.65">1729 11218 0,'17'-17'16,"-34"34"-16,34-52 0,-17 17 16,0 1-16,-70-1 15,-1 0 1,-52 36-1,34 17 1,-16 54 0,69-19-1,36-52 1,0 35 0,18-36-1,53-17 1,52-17-1,-35-19 1,-53 19-16,54-71 16,-36 35-1,-36 17 1,-17 19 0,0 34 15,0 1-31,0 35 15,-35 53 17,17-18-32,18 88 31,-17-35-15,17 106-16,0 0 31,0-17-16,0-36 1,0 53 0,0-89-1,-18 1 1,-53-71 0,-17-52-1,0-36 1,-88-89-1,17-16 1,-35-178 0,123 89 15,71 0-15,0-35-1,53 53 1,53-1-1,0 54 1,0 35 0,-89 70-16,36-17 15,0 17 1,0 0 0,-18 18-16</inkml:trace>
+  <inkml:trace contextRef="#ctx0" brushRef="#br1" timeOffset="64814.74">2117 11095 0,'0'-18'47,"0"1"-32,0-1 1,0 0 15,-18 18-15,0 0 15,18 18-15,0 0-1,-17-1 1,17 1 0,0-1-16</inkml:trace>
+  <inkml:trace contextRef="#ctx0" brushRef="#br1" timeOffset="65383.4">2046 11501 0,'0'-18'31,"0"0"-16,0 1 1,0-1 0,0 36 31,-18-18-47,18 17 31,0 1-16,18-18 17,-18-18-17,0 1 1</inkml:trace>
+  <inkml:trace contextRef="#ctx0" brushRef="#br1" timeOffset="72573.42">3210 10971 0,'0'0'0,"18"-17"0,0-1 15,17 0-15,-18 1 16,1 17 15,-18-18-31,-18 36 47,-17-1-31,-35 54-1,-1 17 1,-35 53 0,-35 18 15,53-53-15,-36 0-1,36-36-15,71-52 16,-54 17-1,53-17-15,-17-1 16,18-17 0,17-17 15,17 17-15,89-53-1,-88 35-15</inkml:trace>
+  <inkml:trace contextRef="#ctx0" brushRef="#br1" timeOffset="73237.82">3563 10989 0,'0'-18'15,"18"18"1,-18-17-1,17 17-15,-17 17 110,-17 1-110,-1-18 0,-17 18 15,-18 35 1,18-18-16,-36 53 16,-70 53-1,70-35 1,-34 17 0,52-34-1,-18-1 1,53-53-1,1-17 1</inkml:trace>
+  <inkml:trace contextRef="#ctx0" brushRef="#br1" timeOffset="74364.06">4004 11307 0,'0'0'16,"18"0"-16,-1-18 0,19-17 31,-36 17-31,17 18 15,-17-35 1,-17 35 31,-19 0-31,-17 17-16,0 19 31,1 17-31,16-18 31,36-18-15,0 1-1,36 0 1,-1-18 0,35 17-1,-70 1-15,53 0 16,-17 17-1,-1 0 1,-35 0 0,0 1 15,0 17-15,-71-36-1,-17 19 1,0-36-1,-36 0-15,19-36 32,52 19-17,53-36 1,0 35 0,35 0-1,18 1 1,53-18-1,-71 35-15</inkml:trace>
+  <inkml:trace contextRef="#ctx0" brushRef="#br1" timeOffset="74797.75">4480 11201 0,'0'0'0,"-17"0"31,17 17-15,0 1-16,-18 53 15,18 34 1,-18-69-16,18 69 15,-35 72 1,17-18 0,-52 123 15,-1-18-15,18-70-1,36-141-15,-36 159 16,18-89-1,17-34 1,18-72 0,0-70 15,0 36-31,70-124 16</inkml:trace>
+  <inkml:trace contextRef="#ctx0" brushRef="#br1" timeOffset="75214.61">4392 11271 0,'0'-17'0,"0"34"0,0-52 0,0 17 15,18-17 1,88 0 0,-1 35-1,36 0 1,-52 17 0,-54 72-1,-35-54-15,0 35 16,-106 36-1,0-18 1,18-52 0,18-36 15,52 17-15,36-17 15,-1-17-31</inkml:trace>
+  <inkml:trace contextRef="#ctx0" brushRef="#br1" timeOffset="75846.48">5327 11289 0,'0'0'16,"0"-18"-16,0 1 0,0-1 0,0-35 16,-53 0 15,18 53-15,-53 0-1,17 35 1,-17 54-1,70-54-15,-35 53 0,18 0 32,35-17-17,18-36 1,52-35 0,18 0-1,-17-18 1,-36 18-16,53-70 15,-35 17 1,-17-53 15,-19 36-15,-17 34 0,-17 72-1,17-19-15,-18 1 16,0 70-1,18-17-15,0 34 32,0-52-17,53-35 1,-35-18-16,52 0 16,19-18-1,-1-35 1,-35 18-1</inkml:trace>
+  <inkml:trace contextRef="#ctx0" brushRef="#br1" timeOffset="76324.07">5786 11183 0,'0'53'47,"0"-18"-31,-18 53-1,0 1-15,-17-1 32,35-35-17,0-36 1,-18-17 0,18-17-1,0-1 1,0 0-16,18-52 15,17-18 1,71-36 0,18 36 15,-19 70-15,19 54-16,-71 52 31,-36 18-16,-17-18 1,-35-18 0,-18-17-1,36-35 1,17-36 15</inkml:trace>
+  <inkml:trace contextRef="#ctx0" brushRef="#br1" timeOffset="76807.13">7214 10654 0,'36'0'31,"-19"0"-31,18 0 0,-17 0 16,123 0-1,-17-18 1,34 18-16,-105 0 31,-123 0 1,35 0-32,-54 0 15</inkml:trace>
+  <inkml:trace contextRef="#ctx0" brushRef="#br1" timeOffset="77195.17">7285 10619 0,'-18'0'0,"36"0"0,-89 17 15,18 19 17,-17 52-17,35-18 1,-36 54-1,36 34 1,-1 54 0,-16 0-1,52-71 1,-18 53 0,18-18-1,18-52 1,-1-107-16,89 72 15,0-72 1,53-17 0,-18-35-1,-18-36 17,-17-34-32,-71 87 15</inkml:trace>
+  <inkml:trace contextRef="#ctx0" brushRef="#br1" timeOffset="77547.53">7867 11060 0,'0'-18'0,"0"36"0,-18-36 16,1 0-16,-1 18 0,-70 0 15,35 18 1,-53 52 0,36 72 15,17 34-15,35-70-1,18 17 1,0-35-16,53-52 31,-18-36-31,71 17 16,17-17-1,-34-35 1,52-35 0</inkml:trace>
+  <inkml:trace contextRef="#ctx0" brushRef="#br1" timeOffset="78314.53">8220 11448 0,'0'0'16,"0"-18"-16,-53 18 15,35 0-15,-17 35 32,-18 36-32,53-54 15,-35 54 1,35-18-1,0-18-15,35-17 32,18-18-17,-18 0 1,-17-35 0,-18-18-1,0-36 1,0 19-1,0-1 1,70 18 0,1 36 15,-1 17-15,-17 53-1,0 35 1,-53 0-1,0-17 1,0-54-16,-35 36 16,17-35-1,1-18 17,17-35-17,0-36 1,17 53-16,36-87 15,18 34 1,52 0 0,18 71 15,-52 18-31,-36 70 16,-36-70-16,-17 35 31,-35 35-31,-36-17 31,36-19-15,17-34-1,36-36 17,35-34-17</inkml:trace>
+  <inkml:trace contextRef="#ctx0" brushRef="#br1" timeOffset="78623.61">9349 11077 0,'0'0'16,"0"18"15,0-1-31,0 1 15,-36 106 1,36-89-16,-35 88 16,0-34-1,-1 16 1,36-69 0,0-1-1,36-17 1,-19-18-16,19 0 15,-1-36 1</inkml:trace>
+  <inkml:trace contextRef="#ctx0" brushRef="#br1" timeOffset="78862.87">9084 11377 0,'0'0'0,"53"0"31,-35 0-31,17-18 0,-18 18 16,142-17 0,-53-1-1,-71 18 1,-17-17-1</inkml:trace>
+  <inkml:trace contextRef="#ctx0" brushRef="#br1" timeOffset="79847.73">9878 11553 0,'0'0'0,"35"-35"16,-35 18 0,0-36-1,0-18 1,-71 1-16,-17 52 31,0 18-15,-18 70-1,36 19 1,-1 69 0,54-69-1,17-37 1,52-34-1,19-18 1,0 0 0,34-53 15,-69 36-31,34-36 16,-17-36-16,-18 19 31,-35 35-31,0 70 31,0-17-15,0 34-1,0 54 1,0-53 0,0 0-1,53-35 1,36-18-1,16-18 1,19-52 0,-54 17-1,1-36 1,-36 1 15,-35 106 0,-17 35-31,-1 17 32,18 1-17,-18-36 1,18-17 0,18-18-1,0 0 1,-1-35-1</inkml:trace>
+  <inkml:trace contextRef="#ctx0" brushRef="#br1" timeOffset="80045.73">10460 11254 0,'-18'0'0,"36"0"0,-53 0 31,35 17-15,0 1-1,0 0-15,17-18 16,1 17 0</inkml:trace>
+  <inkml:trace contextRef="#ctx0" brushRef="#br1" timeOffset="80578.1">10707 11483 0,'0'18'0,"0"-36"0,0 53 0,0 0 15,0 36-15,0-18 32,-18 0-17,-17-36 1,17 1 0,18-36-1,0 1 1,0-18-1,36-54 1,16 19 0,54-36-1,-70 88 1,87-52-16,18 70 31,-53 35-15,-88 36-1,0 34 1,-35-16 0,35-72-16,-35 19 15,-1-1 1,36-18 0,0-34 15</inkml:trace>
+  <inkml:trace contextRef="#ctx0" brushRef="#br1" timeOffset="81128.63">11695 11430 0,'0'0'0,"0"-18"0,0 1 15,0-1-15,17-17 16,-17 0 0,-53 35-1,18 0 1,17 17-16,-52 36 16,17 18-1,35-36 1,18-17-1,0-1 1,53 1 0,35-1 15,-35 1-15,18 17-1,-18 1 1,-53-19-1,0 19 1,-88-1 0,17-18-1,-17 1 1,17-18 0,36 0-1,0 0 1,35-18-1,0 1 1,0-1-16</inkml:trace>
+  <inkml:trace contextRef="#ctx0" brushRef="#br1" timeOffset="81723.14">12735 10971 0,'0'-17'0,"0"-1"0,0 0 31,-17 18-31,-19 0 16,-34 36 0,-18 52-1,-36 88 1,-17 36-1,106-177-15,-36 124 16,36 0 0,35-71-1,88 18 17,71-71-32,-36-17 31,-87-18-31,105-53 15,-71 18-15</inkml:trace>
+  <inkml:trace contextRef="#ctx0" brushRef="#br1" timeOffset="82031.27">13106 11095 0,'-18'0'16,"36"0"-16,-54 0 0,19 0 0,-1 0 0,-52 70 15,17 54 17,0-1-32,0 18 15,53-52 16,0-36-15,106-36 0,-18-17-16,-35-35 31</inkml:trace>
+  <inkml:trace contextRef="#ctx0" brushRef="#br1" timeOffset="82239.8">12771 11412 0,'0'0'0,"-18"0"0,18 36 31,35-36-15,0 0-1,1 0-15,87 0 0,-35 0 16</inkml:trace>
+  <inkml:trace contextRef="#ctx0" brushRef="#br1" timeOffset="82657.38">13353 11430 0,'0'0'0,"0"18"0,-18-18 16,36 0 15,-1 0-31,1 0 16,70-18-1,-35-17 1,-35 17-1,-18 0 1,-18 18 0,0 0-16,-70 0 15,35 53 1,-17 36 0,34-19-1,36-17 1,53 0-1,18-35 1,35-18 0,0 0-1,-18-18 1</inkml:trace>
+  <inkml:trace contextRef="#ctx0" brushRef="#br1" timeOffset="83515.2">13794 11395 0,'0'0'0,"0"-36"31,17 36-31,36 0 16,-18 0-1,-17 0-15,17 18 16,-17 53-1,-18-1 1,-35 1 0,-36-1 15,36-34-15,53-36 30,52-53-30,-52 35-16,52-53 16,18-34-1,1 34 1,-89 53 0,-18 54 15,0-19-31,1 54 15,-36 35 1,35-53 0,1 0 15,34-18-15,36-18-16,71-17 31,-36 0-16,0-52 1,0-19 0,-53-17-1,1-53 1,-19 0 0,-17 52-1,0 72 1,0 34-1,-35 72 1,0-1 0,0 71-1,17-71 17,18-35-17,0-18 1,35 0-1,36-35 1,-1 0 0,-52-17-16,17-19 15</inkml:trace>
+  <inkml:trace contextRef="#ctx0" brushRef="#br1" timeOffset="83745.37">14499 11412 0,'0'0'0,"-17"0"0,-1 0 31,36 0-31,34 0 31,37-17-15,-1 17-1,-18-18 1,-34 0-16</inkml:trace>
+  <inkml:trace contextRef="#ctx0" brushRef="#br1" timeOffset="84110.81">15187 11130 0,'0'0'16,"-18"0"0,1 18-1,-18-1 1,-1 54-1,1 52 1,-18-17 0,35-35-1,18-54-15,0 54 16,18-36 0,53 1-1,17-36 1,-18 0-1,-17-18-15</inkml:trace>
+  <inkml:trace contextRef="#ctx0" brushRef="#br1" timeOffset="84438.49">15575 11201 0,'0'-18'16,"18"18"0,17 0-1,36 0 1,-18 71 0,-36-1-1,-17-35-15,0 71 16,-17-18-1,-54-17 1,-17-18 0,52-18-1,1-35 17,18 0-17</inkml:trace>
+  <inkml:trace contextRef="#ctx0" brushRef="#br1" timeOffset="85496.71">16192 11624 0,'18'0'63,"0"0"-48,-1 0 1,1 0-1,-18 18 1,0-1-16,0 1 16,-18 0-1,-70-18 1,53 0 0,17 0-1,18-18 1,0-17-1,18 17 1,0 18-16,-1 0 16,18 0-1,1 0 1,-36 35 15,0-17-15,-36 0-1,19-18-15,-1 0 16,18-18 31,0 0-31,18 1-1,52 17 1,1 0-1,-18 35 1,-35 35 0,-54 19-1,-70-1 1,71-53 0,-141 89-1,52-71 1,1-36-16,88-34 31,35-1-31</inkml:trace>
+  <inkml:trace contextRef="#ctx0" brushRef="#br1" timeOffset="86458.03">16916 10883 0,'0'-17'16,"0"34"30,0 1-30,0-1 0,17-17 31,1 0-32,-18-17-15,0-1 16,0-17-1,0 17 1,-18 18 0,1 0 15,-1 36-31,0-19 31,1 18-15,34-35 15,19 0-15,-19-17-1,1 17 1,-18-35 0,0-1-1,0 19 1,-18 17-1,1 35 1,-1 35 0,-17 1-1,17-53 1,0 70-16,18-35 16,0-18 15</inkml:trace>
+  <inkml:trace contextRef="#ctx0" brushRef="#br1" timeOffset="88630.19">16916 10971 0,'0'18'32,"0"0"-1,17-18 16,1 0-47,0 0 0,-1 0 15,1-18 1,-18 0 0,0-17-1,0 17 1,-18 1-1,1 17 1,-19 0 0,19 17-1,-1 1 1,18 0 0,18-18 46,-1 0-46,1 0-1,-18-18-15,0 0 32,0 1-17,-18 17 16,1 0-15,-1 17 0,0-17 15,18 18-31,-17 0 141,-1-1-126,18 1-15,-18 0 16,18-1-1,-17 1-15,17 35 16,0-36-16,0 1 16</inkml:trace>
+  <inkml:trace contextRef="#ctx0" brushRef="#br1" timeOffset="90209.65">17286 11536 0,'0'0'0,"0"-18"16,18 1-1,-18-1-15,0 0 16,0 1 0,0 34 15,-18 54 0,-17 17-15,0-17-1,35-54-15,-53 36 16,35-18 0,36-35 31,-1-17-47,36-19 15,18-16 1,-54 34-16,36-35 15,0 18 1,-18 17 0,-35 36-1,0 35 1,0 17 15,0 1-15,0-36-16,36-17 15,52-18 17,0 0-17,53-71 1,-70 1 0,-18-19-1,-53-34 1,0 35-1,-36 17 1,-16 54 0,16 34-1,19 54 17,17-18-32,0 0 31,0-36-31</inkml:trace>
+  <inkml:trace contextRef="#ctx0" brushRef="#br1" timeOffset="90578.89">18009 11624 0,'0'0'16,"18"0"-16,0 0 15,34 0 1,-34 0-16,70-18 15,1-17 1,-54 0 0,-18-18-1,-17 35 1,-88 1 0,18 52 15,-1 18-16,18 35 1,36-17 0,17-1-1,52-17 1,1-35 0,36-18-1,52-18 1</inkml:trace>
+  <inkml:trace contextRef="#ctx0" brushRef="#br1" timeOffset="90894.47">18874 11165 0,'0'-17'16,"0"34"-16,0-52 0,-18 35 0,-17 0 31,17 0-31,-17 53 16,-36 88-1,18 0 1,18-53 0,0 18-1,35-70-15,-18 16 16,18-16-1,18-19 1,17-17 0,36 0-1</inkml:trace>
+  <inkml:trace contextRef="#ctx0" brushRef="#br1" timeOffset="91177.1">19103 11483 0,'0'-18'31,"-18"18"-31,-17 0 16,17 0-16,-52 53 16,17 18-1,0-1 1,53 1-1,0-36 1,53 0 0,-35-35-16,34 18 15,37-18 1,-54 0 0</inkml:trace>
+  <inkml:trace contextRef="#ctx0" brushRef="#br1" timeOffset="92222.8">19456 11536 0,'0'-18'0,"0"36"0,-18-36 15,0 18 1,-17 0 0,-35 53-1,52-35-15,0 52 16,18 1-1,0-36 1,0-17 0,53-18-1,-18 0 1,-35-53 15,0 35-31,0-17 16,0-36 15,53 1-15,0 35-1,36 17 1,-72 18-16,36 0 16,-18 35-1,-17 18 1,0 18-1,-18-1 1,0-35 0,0-17-16,-18 0 15,0-18 32,1 0-31,17-36-1,0 1 1,0 18-16,53-54 16,0 18-1,17 18 1,1 17 0,-1 18-1,-52 35 1,-18 36-1,0 0 1,-18-36 0,-35 0-1,36-17 17,17-36-1,0 0-16,17 1 1,54-54 0,-18 18-1,-36 36-15,54-36 16,-18 35 0,0 18-1,-53 53 1,0 0-1,0 18 1,0-19 0,0-34-1,-18 0 17,18-36 14,0 0-46,0 1 0</inkml:trace>
+  <inkml:trace contextRef="#ctx0" brushRef="#br1" timeOffset="92622.7">20408 11624 0,'0'-18'16,"18"18"-1,-1 0-15,36-17 16,0-1 0,-17-17-1,-19 0 1,-17-1 0,-35 36 15,-36 18-16,1 52 1,17 19 0,35-36-1,18-36-15,0 18 16,0 1 0,71-19-1,-1-17 1,1 0-1,17-17 1,-35-36-16</inkml:trace>
+  <inkml:trace contextRef="#ctx0" brushRef="#br1" timeOffset="93862.07">20832 10989 0,'0'0'0,"17"-18"15,1 18 1,-1 0-1,-17-17 1,-17 17 47,-1 0-32,18-18 0,0 0-15,18 18-16,-18-17 15,17-1 1,19 18 0,-19 0-1,1 0 1,-18 18-1,0-1 1,-18 1 0,-17 0-1,17-18 1,18-18 46,0 0-62,0 1 16,0-1 0,18 18-1,17-17-15,-17 17 32,-18 17-17,0 1 1,0 17-1,0-17 1,0-1 0,-18-17-1,1 0-15,-1 0 16,18-17 31,0-1-47,0 0 15,18 18 17,-1 0-17,1 18 1,-18 17 0,0 36-1,-71 17 1,-17-53-1,71-17-15,-54 0 16</inkml:trace>
+  <inkml:trace contextRef="#ctx0" brushRef="#br1" timeOffset="94610.85">21272 10619 0,'18'0'47,"0"0"-47,17 0 15,18 53 1,-18-1-1,-17-16-15,52 52 16,-52 18 0,-18-18-1,18 53 1,-18-17 0,0-89-16,-18 106 15,-35-53 16,-35 18-15,-18-36 0,36-34-16,-19-19 31,54-17-15,17 0-1,18-17 1,36-36-1,-19 18-15</inkml:trace>
+  <inkml:trace contextRef="#ctx0" brushRef="#br1" timeOffset="95678.76">21643 10319 0,'18'0'15,"-1"0"-15,1 0 16,17 0-16,53 0 15,53 0 1,-35 0 15,-35 0-31,-54 0 32,19 0-17,-19 17 1,1 19-1,-18-1 1,0-17-16,18 17 16,-18 35-1,0 19 1,0 16 0,0 19-1,0-36 16,-18 36-15,18-89-16,-18 71 16,18 52-1,0-52 1,-17 18 0,17-18-1,-18-54 1,-17 37-1,0-36 1,-18 17 0,17-17-1,1 0 1,17 0 15,1-35-15,-54-1-1,1 1 1,-1-18 0,-35 0-1,36 0 1,-18 0 0,52 0-1,19 0 63,-1 0-46,0 0-32,1 0 0</inkml:trace>
+  <inkml:trace contextRef="#ctx0" brushRef="#br1" timeOffset="210632.66">0 11712 0</inkml:trace>
+</inkml:ink>
+</file>
+
+<file path=ppt/ink/ink13.xml><?xml version="1.0" encoding="utf-8"?>
+<inkml:ink xmlns:inkml="http://www.w3.org/2003/InkML">
+  <inkml:definitions>
+    <inkml:context xml:id="ctx0">
+      <inkml:inkSource xml:id="inkSrc0">
+        <inkml:traceFormat>
+          <inkml:channel name="X" type="integer" max="1920" units="cm"/>
+          <inkml:channel name="Y" type="integer" max="1080" units="cm"/>
+          <inkml:channel name="T" type="integer" max="2.14748E9" units="dev"/>
+        </inkml:traceFormat>
+        <inkml:channelProperties>
+          <inkml:channelProperty channel="X" name="resolution" value="55.81395" units="1/cm"/>
+          <inkml:channelProperty channel="Y" name="resolution" value="55.95855" units="1/cm"/>
+          <inkml:channelProperty channel="T" name="resolution" value="1" units="1/dev"/>
+        </inkml:channelProperties>
+      </inkml:inkSource>
+      <inkml:timestamp xml:id="ts0" timeString="2022-11-30T02:46:40.421"/>
+    </inkml:context>
+    <inkml:brush xml:id="br0">
+      <inkml:brushProperty name="width" value="0.05292" units="cm"/>
+      <inkml:brushProperty name="height" value="0.05292" units="cm"/>
+      <inkml:brushProperty name="color" value="#FF0000"/>
+    </inkml:brush>
+    <inkml:brush xml:id="br1">
+      <inkml:brushProperty name="width" value="0.05292" units="cm"/>
+      <inkml:brushProperty name="height" value="0.05292" units="cm"/>
+      <inkml:brushProperty name="color" value="#0070C0"/>
+    </inkml:brush>
+  </inkml:definitions>
+  <inkml:trace contextRef="#ctx0" brushRef="#br0">1182 1129 0,'0'-18'16,"-18"1"0,1 17-1,17-36 1,-18 1-1,18-18 1,0 0 0,0 18-1,0 17 1,53 1 0,17 17-1,1 17-15,-1 54 31,36 123-15,-88-53 0,-18-18-1,-71 1 1,1-54 0,-1-17-1,-17-53 1,70 0-16,-34-17 15,16-36 17,19 0-32,-1 0 15,18 35 17,53 18-17,17 36 1,54 34-16,-36-17 31,-17 0-15,-54-35-1,1-18 1,0 0-16,-1-18 16,1 0-16</inkml:trace>
+  <inkml:trace contextRef="#ctx0" brushRef="#br0" timeOffset="196.19">1870 1376 0,'17'0'78,"-17"-18"-46</inkml:trace>
+  <inkml:trace contextRef="#ctx0" brushRef="#br0" timeOffset="1138.69">2787 811 0,'0'0'0,"0"-17"15,0-19 1,-18 72 15,18-1-31,-17 124 16,17-106-16,0 88 15,0-18 1,-18 18 15,18-35-15,-18-18-1,18-70 1,18-89 15,35 1-15,-18-18 0,0 0-1,1 35 1,-19 53-1,19 17 1,-1 71 0,-17-17-1,35 17 17,-18-35-17,-18-35-15,72-1 16,-19-17-1,18-53-15,18-35 32,-53-18-17,-18-52 1,-35 105-16,0-88 16,-35 0-1,-53 35 1,17 88-1,-17 36 1,53 52 0,35-17-1,35 35 1,18-52 15,0-1-31</inkml:trace>
+  <inkml:trace contextRef="#ctx0" brushRef="#br0" timeOffset="1573.33">3863 1411 0,'18'0'0,"-1"0"16,1 0-16,17 0 15,-17-18-15,17-17 16,18-35 0,-18 17 15,-35-35-15,0 70-1,-70 36 1,17 34-16,0 19 31,18 35-15,35-36-1,0 1 1,17-53-16,36 17 16,18-35-1,-18 0 1,35-35-1,-35-1 1,-18 19-16</inkml:trace>
+  <inkml:trace contextRef="#ctx0" brushRef="#br0" timeOffset="2172.17">5609 1023 0,'18'-18'16,"-1"1"-16,-17-19 15,0 19-15,0-36 16,0-18 0,-70 54-1,-36-1 1,18 36 0,53-1-16,-36 72 15,0 69 1,54-17-1,-1 18 1,36-71 0,70 1-1,18-54 17,53-35-17,-18 0 1,35-35-1,-123 17-15</inkml:trace>
+  <inkml:trace contextRef="#ctx0" brushRef="#br0" timeOffset="3105.74">6244 1147 0,'0'-18'0,"0"36"0,-35-107 15,-36 89 1,54 0-16,-36 0 15,17 0-15,-69 89 16,34-1 15,36 53-31,35-71 16,17 19 15,36-72-15,-35-17-16,105 0 15,-34-17 1,-1-54 0,-35 0-1,-36-34 1,-17 87-16,0-53 16,0 54-1,-17 17 1,-1 53-1,18 17 1,0 18 15,18-35-31,-1-53 16,54 36 0,0-36-1,34-18 1,-52-17-1,0-36 1,-35-17 0,-18 0-1,0 53 1,0 70 15,0-18-31,0 54 16,0-18-1,0-18-15,0 18 16,-18-18 15,18-17-15,-17-18 0,-1 0-1,18-18 1,0 1-16,0-71 15,53-1 1,70-52 0,1 71-1,17 52 1,-35 89 0,-71 17-1,-35 18 1,0-36-1,-35-17 1,35-18 0</inkml:trace>
+  <inkml:trace contextRef="#ctx0" brushRef="#br0" timeOffset="4782.87">7973 1376 0,'17'0'16,"-34"0"-16,70 0 0,0-18 15,-18 1-15,35-36 0,-52 53 16,53-71-1,-18-17 1,-53 0 0,0-53-1,-71 52 1,18 36 0,0 53-1,18 71 1,35 88-1,0-18 1,0 18 15,0-54-15,0-52 0,18-53-1,17 0 1,18-35-1,-18-18 1,18-35 0,0-18-1,-36 89 1,19 17 0,-19 35-1,36 53 1,-17-17-1,-19-54-15,71 36 16,1-53 0,52 0 15,17-18-15,-34-34-1,-89 34-15,36-53 0,-54-52 31,-17 17-15,-70 18 0,-36 70-1,-35 53 1,17 36 0,-17 105-1,124-87 1,17-1-1,35-35 1,36-53 15,-36 0-31,18 0 16,-18 0-16,71-53 16,-18-18-1,-17-35 1,-71 18-1,17 0 1,-17 106 15,0-1-31,0 19 0,0-1 16,0 71 0,0-53-1,35 0 1,36-53-1,17 0 1,-35 0 0,18-53-1,-36-18 17,-17-35-17,-18 89-15,0-1 16,0 0-1,0 54 1,0 34 0,0 1-1,0-1 1,0-34 0,-18-19-1,18-34 32,0-1-47,0-35 16,18-18-1,-1 36 1,71-71 0,1 53-1,16 53 1,-16 18-1,-19 53 1,-70 17 0,0-18-1,-17 1 1,-1-36 0,0-35-1</inkml:trace>
+  <inkml:trace contextRef="#ctx0" brushRef="#br0" timeOffset="5999.92">10654 1076 0,'0'0'0,"0"-18"16,0-35-1,0 0 1,-53-17 0,35 52-16,-35 1 15,-35 17 1,-35 53-1,35 17 1,-1 71 0,36 0-1,53-35 1,71-53 15,17-35-15,18-18-1,-18-36 1,18-34-16,-88 52 16,35-70-1,17-88 1,-52 35 0,-18-18-1,0 106 1,0 35-1,-18 18-15,-17 36 16,17 87 15,1-17-31,17 53 32,0-71-17,0 18-15,53-71 31,52-17-15,-16-18 0,34-53-1,-35-18 1,18-52 0,-88 70-16,35-88 15,-18-36 1,-17 107-1,-18 17 1,-53 53 0,-36 53 15,54 35-31,0 53 31,17-18-15,18 1-16,0-36 31,53-35-15,-18-35-16,54-18 15,52 0 1,-53 0 0,18-53-1,-53 0 1,-36 18-16,1-36 15,-18 36-15,0-36 16,0 53 0,-53 36 15,18 70-15,17-17-1,18 17 1,0-17-1,53-54 1,0-17 0,35 0-1,-53-53 1,18 0 0,-53 36-16</inkml:trace>
+  <inkml:trace contextRef="#ctx0" brushRef="#br0" timeOffset="6799.85">13547 952 0,'17'-17'0,"-34"34"16,52-34-16,0-36 0,-17 35 16,17-17-1,36-53-15,-36 0 31,-35 17-15,-71 71 0,-87 18-1,34 17 1,-35 36 0,142-54-16,-18 36 15,52 18 1,71-36-1,89 53 1,-54-35 0,54 35-1,-107-17 1,-105-1 15,-53-17-15,-89-17-1,36-19 1,-18-17 0,54-35-1,69-36 1,36 1 0,89-1-1,-19 54 1,54-1-1,-54 18-15</inkml:trace>
+  <inkml:trace contextRef="#ctx0" brushRef="#br0" timeOffset="7199.64">14182 900 0,'0'0'0,"-18"0"0,0 0 16,1 17-1,17 54 1,0 52 0,53 1-1,-53-71-15,35 141 16,-35 17-1,-18 107 1,-17-89 0,-18 71-1,-17-18 17,34-194-17,19-70 1,17-36-1,0-52 1,0-107 0,35-17-1</inkml:trace>
+  <inkml:trace contextRef="#ctx0" brushRef="#br0" timeOffset="7587.13">14129 1129 0,'-18'-35'0,"36"70"0,-54-88 0,1-35 16,35 70-16,0-35 31,35 18-15,89 0-1,-1 17 1,-87 18-16,122 71 0,-87 17 31,-71 18-15,-53-18-1,-88 0 1,17-35 0,1-18-1,70 0 1,71-35 15,-1 0-15,54-35-16,-1 18 15</inkml:trace>
+  <inkml:trace contextRef="#ctx0" brushRef="#br0" timeOffset="8165.23">15258 1023 0,'0'0'0,"0"-18"0,0-17 15,0 17-15,-36-34 16,-52-1 0,0 53-1,-36 17 1,54 36-1,-36 106 1,71-53 0,35 0-1,0-36 1,35-35 0,36-35-1,52-17 1,-88-1-1,54-35 1,34-35 0,-52-53-1,-54 53 1,1 35 0,-53 106 15,-18 53-16,53-18 1,0 0 0,0-17-1,17-54 1,1 1-16,88-18 16,-36 0 15,19-18-31,-37-17 15</inkml:trace>
+  <inkml:trace contextRef="#ctx0" brushRef="#br0" timeOffset="8486.81">15928 882 0,'0'0'0,"0"-18"0,0-17 16,-18 35-1,-52 53 1,52-35-16,-35 70 16,18 35-1,0-35 1,35 18 15,0-53-15,0 0-1,53-35 1,-1-18 0,19 0-1,-18-36 1,0-16 0</inkml:trace>
+  <inkml:trace contextRef="#ctx0" brushRef="#br0" timeOffset="9329.5">16192 1199 0,'18'0'31,"0"-17"-15,-1-1-16,54-35 31,0 0-16,-19-35 1,-34 35 0,-18-17-1,-18 70 1,-34 0 0,-1 35-1,0 53 1,17 0-1,19 18 1,17-88-16,0 35 31,0 17-31,35-52 32,71 0-17,-18-18 1,53-18-1,-106 18-15,89-53 16,-1-53 0,-34-17-1,-19-18 1,-70 70 0,0 36-1,-53 52 1,0 72-1,36-19 1,17 36 0,0-53-1,53 0 17,0 0-17,-1-36 1,-16 19-1,-36-19 1,-18-17 0,-35 18-1,-17-18 1,34 0 0,19 0-1</inkml:trace>
+  <inkml:trace contextRef="#ctx0" brushRef="#br0" timeOffset="9495.54">16916 1358 0,'0'18'0,"-18"-1"79,0-17-79,-17 18 0</inkml:trace>
+  <inkml:trace contextRef="#ctx0" brushRef="#br0" timeOffset="11344.49">3034 2222 0,'0'0'0,"-18"0"32,36 0 93,0 0-125,-1 0 15,1 0-15,-1 0 16,36 0-1,71 0 1,-1 0-16,71 0 31,-123 0-31,123 0 16,106 0 0,17 0-1,195 0 1,-89 0-1,177-35 1,-424 35-16,336-17 16,211-19-1,-159 19 17,230-36-17,-176 35 1,193-35-1,-17 0 1,-18 0 0,-212 18-1,159-35 1,-246 34 0,140-17-1,-105 36 1,-71-19-1,-177 36 1,-35-35 0,-140 35-1,-72 0 17,-34 0 186,-1 0-202</inkml:trace>
+  <inkml:trace contextRef="#ctx0" brushRef="#br0" timeOffset="14982.43">1782 3757 0,'17'0'0,"-17"-18"0,0-17 16,18 35-16,-18 18 47,0-1-47,-18 54 16,1-36-16,-107 124 31,1-18-31,-19 0 31,-52 0-15,106-70-1,18-71 1,52 0 0,18-35-1,0-36 1,53 1-1,53 34 1,35 36 0,-35 53-1,0 18 17,-36-1-17,18 1-15,-52-36 31,17 0-15,-36-35 0,1 18-1,-1-18 1,1-35 0</inkml:trace>
+  <inkml:trace contextRef="#ctx0" brushRef="#br0" timeOffset="15770.69">2558 3951 0,'0'-18'0,"0"36"47,0 17-32,0-17 1,0 17-16,0 53 15,-18 54 1,18-72 0,0-17-1,0-35 1,0-54 15,0-16-15</inkml:trace>
+  <inkml:trace contextRef="#ctx0" brushRef="#br0" timeOffset="16131.89">2628 3739 0,'-17'0'0,"34"0"0,-34 18 16,-1 0-1,18-1-15,0 1 32,35-18-17,36-35 1,-54-1 0,-17 1-1,-17 18 1,-1 17-16,-52 0 15,17 0 1,35 35 0,18 18-1,18 0 1,52 17 15,-52-70-31,17 35 0</inkml:trace>
+  <inkml:trace contextRef="#ctx0" brushRef="#br0" timeOffset="16680.96">2981 3951 0,'0'18'0,"0"-1"15,0 1-15,0 17 16,0 18-1,0 35 1,0-35 0,0-35-16,0 35 15,0 0 17,-18-36-32,1 1 15,-1-18 16,18-53-15,0 36-16,0-54 0,35-70 31,18 53-15,35-1 0,1 54-1,16 35 1,-69 18-16,17 35 15,-18 70 1,-35-17 0,-53 0-1,18-36 1,17-34 15,36-36 0,35-53-15</inkml:trace>
+  <inkml:trace contextRef="#ctx0" brushRef="#br0" timeOffset="17102">3757 3951 0,'0'-18'32,"0"36"-17,-18-18-15,18 88 32,0 71-17,-17-18 1,-1 71-1,18-18 1,0-124-16,0 230 16,0-88-1,-17 35 1,17-35 0,-18-107-1,0-16 1,18-107 15,0 0-31,36-70 16,-1-106-1,-18 141-15</inkml:trace>
+  <inkml:trace contextRef="#ctx0" brushRef="#br0" timeOffset="17503.5">3775 4127 0,'0'-17'16,"0"34"-16,-18-52 0,18 18 16,0-1-16,0-35 15,53 18 1,35 17-1,0 0 1,1 36 0,-72 0-16,1 52 15,-18 36 17,-71-18-17,-17 1 1,0-37-1,53-52 1,35 18-16,17-36 47,36-17-31,-35 18-16</inkml:trace>
+  <inkml:trace contextRef="#ctx0" brushRef="#br0" timeOffset="18364.23">4322 3951 0,'0'0'0,"0"-18"0,0 36 47,0 0-47,0-1 15,0 54 1,0 17 0,0 0-1,0-70-15,17 53 16,18-54 0,-17 1-16,70-18 15,-17-18 1,35-52-1,-36-1 1,1-52 0,-36 17-1,-17 18 1,-18 70 15,-36 71 0,19-36-31,-1 36 16,18 71-16,0-89 16,0 36-1,35-1 1,36-34 0,17-36-1,-17-36 1,-36 19-16,71-72 15,-53 1 1,0-53 0,-36 0-1,-17 53 1,0 0 15,0 52-31,-17 36 31,-1 53-15,0 35-16,18 1 31,0 52-15,0-18 0,0-17-1,0-35 1,0-18-1,18-36 1,17-17 0,18-17-1,-18-36 17,-17 35-32</inkml:trace>
+  <inkml:trace contextRef="#ctx0" brushRef="#br0" timeOffset="18630.46">5239 3792 0,'-18'0'0,"36"0"0,-36 18 15,18 0 1,18-18-1,-1 0 1,1 0-16,35 0 16,0 0-1,-18 0 1,0 0 0,1 0-1</inkml:trace>
+  <inkml:trace contextRef="#ctx0" brushRef="#br0" timeOffset="19221.63">5997 3651 0,'0'0'0,"-70"0"31,52 0-15,18 18-16,0 0 15,0-1-15,0 18 32,53 18-17,0-17 1,35-1-1,-17-17 1,-36-18-16,53 0 16,18 0-1,-53 0 1,-18-18 0,-53 18 30,1 0-46,-36 18 16,35-1-16,-52 18 16,-18 71-1,-1-18 1,36-17 0,36-53-16,-19 17 31,36 0-31,-17-35 62</inkml:trace>
+  <inkml:trace contextRef="#ctx0" brushRef="#br0" timeOffset="22086.46">6914 4075 0,'18'0'93,"0"0"-77,-1 0 0,1 0-16,0 0 15,-1 0-15</inkml:trace>
+  <inkml:trace contextRef="#ctx0" brushRef="#br0" timeOffset="22283.2">7197 4039 0,'17'0'16,"-34"0"-16,52 0 0,-17 0 47,-1 0-31,1 0-1,-1 0 1,-17-17-16</inkml:trace>
+  <inkml:trace contextRef="#ctx0" brushRef="#br0" timeOffset="22434.81">7567 4022 0,'18'0'47</inkml:trace>
+  <inkml:trace contextRef="#ctx0" brushRef="#br0" timeOffset="22662.99">7973 4022 0,'17'0'16,"1"0"0,0 0-1,-1 0-15,19 0 31</inkml:trace>
+  <inkml:trace contextRef="#ctx0" brushRef="#br0" timeOffset="22851.62">8255 4022 0,'0'0'0,"18"0"46,-1 0-30,1 0 0,0 0-16,-1-18 15,1 18-15</inkml:trace>
+  <inkml:trace contextRef="#ctx0" brushRef="#br0" timeOffset="23002.9">8608 3986 0,'0'18'0,"17"-18"47,1 0-47,0 0 15</inkml:trace>
+  <inkml:trace contextRef="#ctx0" brushRef="#br0" timeOffset="23187.25">9260 4004 0,'0'0'0,"18"0"47,0 0-47,-1 0 16</inkml:trace>
+  <inkml:trace contextRef="#ctx0" brushRef="#br0" timeOffset="23369.68">9895 3986 0,'18'0'47,"17"0"-31,-17 0-16,0 0 0</inkml:trace>
+  <inkml:trace contextRef="#ctx0" brushRef="#br0" timeOffset="23570.59">10707 3969 0,'0'0'0,"-35"17"31,35 1-31,17-18 31,1 0-31,52-18 16</inkml:trace>
+  <inkml:trace contextRef="#ctx0" brushRef="#br0" timeOffset="23769.53">11289 3986 0,'18'0'31,"-1"0"-31,1 0 16,-1 0-16,1 0 15,0 0-15</inkml:trace>
+  <inkml:trace contextRef="#ctx0" brushRef="#br0" timeOffset="23914.66">11589 3951 0,'0'0'0,"-18"0"0</inkml:trace>
+  <inkml:trace contextRef="#ctx0" brushRef="#br0" timeOffset="24435.92">12700 3898 0,'0'0'0,"-18"0"16,18 18 0,18-18 46,0 0-46,-1 0-16</inkml:trace>
+  <inkml:trace contextRef="#ctx0" brushRef="#br0" timeOffset="24619.05">13247 3881 0,'0'0'0,"17"0"0,1 0 16,0 0 0,17 0-1,36 0 1,-54 0 0</inkml:trace>
+  <inkml:trace contextRef="#ctx0" brushRef="#br0" timeOffset="24772.81">14199 3828 0,'0'0'0,"18"0"47,0 0-31,-1 0-16,1 0 0</inkml:trace>
+  <inkml:trace contextRef="#ctx0" brushRef="#br0" timeOffset="25091.06">15734 3792 0</inkml:trace>
+  <inkml:trace contextRef="#ctx0" brushRef="#br0" timeOffset="25763.99">2734 5856 0,'-18'0'0,"18"18"31,18-18 1,0 0-32,-1 0 15,1 0-15,17 0 16</inkml:trace>
+  <inkml:trace contextRef="#ctx0" brushRef="#br0" timeOffset="25935.25">3140 5856 0,'0'0'0,"17"0"16,1 0-1,0 0-15,35 0 31,-1 0-15,37 0 0</inkml:trace>
+  <inkml:trace contextRef="#ctx0" brushRef="#br0" timeOffset="26118.91">3898 5821 0,'18'0'16,"-1"0"-1,1 0 1,0 0 0,35 0-1,17 0 1,-52 0-16</inkml:trace>
+  <inkml:trace contextRef="#ctx0" brushRef="#br0" timeOffset="26283.76">4674 5768 0,'18'0'62,"0"0"-62,-1 0 0,1 0 16,17 0-16</inkml:trace>
+  <inkml:trace contextRef="#ctx0" brushRef="#br0" timeOffset="26451.41">5027 5750 0,'0'0'16,"18"0"-16,-1 0 16,19 0 15,-1 0-16,35-17 17,-17-1-32</inkml:trace>
+  <inkml:trace contextRef="#ctx0" brushRef="#br0" timeOffset="26592.69">5697 5697 0,'18'0'62,"0"0"-62</inkml:trace>
+  <inkml:trace contextRef="#ctx0" brushRef="#br0" timeOffset="26767.26">6174 5662 0,'0'0'0,"17"0"31,1 0 1,0 0-17</inkml:trace>
+  <inkml:trace contextRef="#ctx0" brushRef="#br0" timeOffset="26937.1">6667 5644 0,'0'0'16,"18"0"30,0 0-30,-1 0-16</inkml:trace>
+  <inkml:trace contextRef="#ctx0" brushRef="#br0" timeOffset="27098.66">6844 5644 0,'18'0'62</inkml:trace>
+  <inkml:trace contextRef="#ctx0" brushRef="#br0" timeOffset="27751.34">8590 5115 0,'0'-70'47,"0"52"-47,-18 18 16,1 0-16,-18 18 15,-1 52 1,19 54 0,-19-18-1,-17 35 1,36-53-1,17-53 1,0 36 0,0-54-1,53 1 1,17-53 0,-52 35-16</inkml:trace>
+  <inkml:trace contextRef="#ctx0" brushRef="#br0" timeOffset="28202.8">8943 5380 0,'0'0'0,"0"-18"15,-35 18 17,-18 53-17,17 18 16,36-1-31,0 1 32,18-54-17,0 1-15,70-18 0,-18-18 32,36-34-17,-18-19 1,-52 0-1,-36 1 1,-36 17 0,-52 53-1,-35 0 1,52 53 0,18 0-1,53-18 16,0-17-31,36-1 16,69 1 0,-34-18-16</inkml:trace>
+  <inkml:trace contextRef="#ctx0" brushRef="#br0" timeOffset="28984.04">9931 5327 0,'0'0'16,"-36"-35"15,19 35-31,-1 0 0,-35 0 16,36 0 0,-72 53-1,72-18-15,-19 0 31,36-17-15,0-1 0,53 1-16,-35-18 15,70 0 1,18-53 0,-18 18-1,-52 0 1,-19 17-1,1 18 1,-18 18 31,-18-1-47,1 54 16,-1-1-1,18 71 1,0 36 15,0-1-15,0-17-1,0-18 1,0 53 0,0 0-1,0-159-15,-18 71 16,-70-18-1,-35-35 1,-19-35 0,1-18-1,-70-53 1,17-53 0,141 71-1,-35-89 1,17-52-1,53 70-15,18 0 32,71 18-17,17 0 1,0 17-16</inkml:trace>
+  <inkml:trace contextRef="#ctx0" brushRef="#br0" timeOffset="29583.79">10336 5362 0,'0'-17'16,"-17"17"15,-1 0-15,-35 0-1,0 35 1,18 18 0,17 17-1,18-52-15,0 17 16,36 18-1,52-18 1,-18-35 0,19 0-1,-1-35 1,-71 18-16,36-19 31,-35 19-31,17-36 16,-35-36-1,-17 19-15,-36 17 16,0 35 15,-18 18-15,18 18 0,0 35-1,36 0 1,-1 0-1,18-18 1,0-17-16,35-1 16,36-17-1</inkml:trace>
+  <inkml:trace contextRef="#ctx0" brushRef="#br0" timeOffset="30536.47">10883 5309 0,'0'-17'0,"-17"17"47,-1 17-32,18 1-15,0 0 16,0-1-16,-18 36 15,18 0 1,0-18 0,36-17-1,16 0 1,1-18 0,-35 0-16,88-36 31,-36-17-16,1 0 1,-18-35 0,-18 53-1,-35 17 1,-35 54 15,35-19-31,-35 19 16,35 16-1,0 19 1,0-36 0,53 1-1,17-36 1,18 0 0,-17 0-1,-18-53 16,0 0-15,-36 17-16,1-34 0,0-36 31,-18 18-15,0-18 0,0 53-1,-18 71 16,18 35-15,-18 53 0,18-18-1,-17 18 1,17-36 0,0-52-1,0 35 1,17-18-16,1-35 31,52 0-15,-34 0-1,34-35 1,-52 17-16,17-17 0,1-18 31,-36 0-15,0 18-1</inkml:trace>
+  <inkml:trace contextRef="#ctx0" brushRef="#br0" timeOffset="30876.01">11642 5151 0,'17'17'31,"1"-17"-31,0 0 16,52 0-1,-17 0 1,35 0 0,-35-17-1,-35 17 1,-1 0-16,-34 0 78,-1 0-62</inkml:trace>
+  <inkml:trace contextRef="#ctx0" brushRef="#br0" timeOffset="32511.05">12629 5415 0</inkml:trace>
+  <inkml:trace contextRef="#ctx0" brushRef="#br0" timeOffset="32752.27">12841 5397 0,'18'0'16,"-1"0"46,1 0-46,0 0 0,-1 0-16</inkml:trace>
+  <inkml:trace contextRef="#ctx0" brushRef="#br0" timeOffset="32927.11">13123 5397 0,'18'0'78,"0"0"-78</inkml:trace>
+  <inkml:trace contextRef="#ctx0" brushRef="#br0" timeOffset="33117.32">13423 5397 0,'18'0'47,"-1"0"-31,1 0-16</inkml:trace>
+  <inkml:trace contextRef="#ctx0" brushRef="#br0" timeOffset="33307.94">13829 5380 0,'18'0'94,"-1"0"-94</inkml:trace>
+  <inkml:trace contextRef="#ctx0" brushRef="#br0" timeOffset="33500.87">14111 5362 0,'0'0'16,"18"0"46,-1 0-46,1 0-16,0 0 16,-1 0-16</inkml:trace>
+  <inkml:trace contextRef="#ctx0" brushRef="#br0" timeOffset="33684.62">14464 5345 0,'18'0'47,"-1"0"-31,1 0-1,-1 0 1,1 0-16</inkml:trace>
+  <inkml:trace contextRef="#ctx0" brushRef="#br0" timeOffset="33859.79">14852 5327 0,'18'0'62,"-1"0"-46,1 0-16,-1 0 16</inkml:trace>
+  <inkml:trace contextRef="#ctx0" brushRef="#br0" timeOffset="34061.16">15434 5309 0,'18'0'78,"-1"0"-78,1 0 16,0 0 0</inkml:trace>
+  <inkml:trace contextRef="#ctx0" brushRef="#br0" timeOffset="34253.01">15752 5292 0,'0'0'0,"17"0"62,1 0-30,-1 0-32,1-18 15</inkml:trace>
+  <inkml:trace contextRef="#ctx0" brushRef="#br0" timeOffset="34434.24">16157 5256 0,'18'0'62,"-1"0"-46,1 0 0</inkml:trace>
+  <inkml:trace contextRef="#ctx0" brushRef="#br0" timeOffset="34624.32">16492 5239 0,'0'0'0,"18"0"94,0 0-94</inkml:trace>
+  <inkml:trace contextRef="#ctx0" brushRef="#br0" timeOffset="34783.76">16704 5221 0,'18'-18'63</inkml:trace>
+  <inkml:trace contextRef="#ctx0" brushRef="#br0" timeOffset="34935.28">17127 5186 0,'0'0'16,"18"0"-16</inkml:trace>
+  <inkml:trace contextRef="#ctx0" brushRef="#br0" timeOffset="35767.16">3510 7391 0,'0'0'0,"-18"0"15,1 17 17,34-17-1,1 0-31,17 0 16,54 0-1,-1-17-15</inkml:trace>
+  <inkml:trace contextRef="#ctx0" brushRef="#br0" timeOffset="35951.43">4586 7302 0,'0'0'16,"0"18"-16,18-18 31,35 0-16,0 0-15,52-18 32,-87 1-32</inkml:trace>
+  <inkml:trace contextRef="#ctx0" brushRef="#br0" timeOffset="36117.75">5539 7232 0,'0'18'31,"0"-1"-31,17-17 31,1 0-31,35 0 16,-36 0-16,36-17 16</inkml:trace>
+  <inkml:trace contextRef="#ctx0" brushRef="#br0" timeOffset="36301.41">6297 7214 0,'18'0'47,"-1"0"-31,1 0-16,0 0 15</inkml:trace>
+  <inkml:trace contextRef="#ctx0" brushRef="#br0" timeOffset="36443.49">6438 7197 0</inkml:trace>
+  <inkml:trace contextRef="#ctx0" brushRef="#br0" timeOffset="37018.94">7920 7179 0,'0'18'15,"0"-36"-15,0 53 0,-18-35 16,18 18 15,18-18 1,17 0-17,-17 0-15</inkml:trace>
+  <inkml:trace contextRef="#ctx0" brushRef="#br0" timeOffset="37178.86">8308 7197 0,'0'0'0,"18"0"16,-1 0 0,1 0-1,-1 0 1,19 0-1,34 0 1</inkml:trace>
+  <inkml:trace contextRef="#ctx0" brushRef="#br0" timeOffset="37350.94">9137 7144 0,'18'0'16,"-36"0"-16,53 0 0,-17 0 31,-1 0-15,36 0-1,0 0 1</inkml:trace>
+  <inkml:trace contextRef="#ctx0" brushRef="#br0" timeOffset="37535.86">9913 7108 0,'18'0'31,"-1"0"-31,1 0 16,35 0-1,17 0 1,1-17-1</inkml:trace>
+  <inkml:trace contextRef="#ctx0" brushRef="#br0" timeOffset="37713.48">10777 7073 0,'18'0'47,"0"0"-31,-1 0-1,1 0-15,35 0 0</inkml:trace>
+  <inkml:trace contextRef="#ctx0" brushRef="#br0" timeOffset="37883.56">11483 7056 0,'18'0'31,"-1"0"-15,1 0 0,-1 0-16,19 0 15</inkml:trace>
+  <inkml:trace contextRef="#ctx0" brushRef="#br0" timeOffset="38067.68">12188 7056 0,'0'0'0,"18"0"31,0 0-15,-1 0-16,19 0 15,17 0 1,-36 0-16</inkml:trace>
+  <inkml:trace contextRef="#ctx0" brushRef="#br0" timeOffset="38228.89">12577 7020 0,'17'0'47,"1"0"-32,-1-17 1,1 17-16</inkml:trace>
+  <inkml:trace contextRef="#ctx0" brushRef="#br0" timeOffset="38375.41">12982 6985 0,'0'-18'62</inkml:trace>
+  <inkml:trace contextRef="#ctx0" brushRef="#br0" timeOffset="39250.65">14728 6491 0,'0'0'16,"36"-18"-16,-36 1 0,17 17 0,1-18 16,-18 71 15,0-35-16,-35 70 1,-53 35 0,-1-52-1,-34 17 1,-1-17 0,36-54-1,53-17-15,-36 0 16,54 0-1,17-17 1,88-1 0,18 18-1,105 0 1,-105 35 0,18 18-1,-36 0 16,-35-35-15,-18 17 0,-17-35-1,-1 0 17</inkml:trace>
+  <inkml:trace contextRef="#ctx0" brushRef="#br0" timeOffset="39585.56">15752 6438 0,'0'-35'0,"0"70"0,0-88 16,0 18-16,-18 17 15,0 18-15,-35 36 31,0 69-15,-17 72 0,17-18-1,-53 35 1,36-36 0,-54 36-1,54-88 1,52-70-1,18-19 1,0-34 15</inkml:trace>
+  <inkml:trace contextRef="#ctx0" brushRef="#br0" timeOffset="39843.67">15857 6897 0,'0'0'16,"0"17"-16,0 1 0,-17 17 0,17 18 31,-36 0-16,19-35 1,-1-18 0,18-18-1</inkml:trace>
+  <inkml:trace contextRef="#ctx0" brushRef="#br0" timeOffset="40032.58">15822 6650 0,'0'0'0,"-18"0"16,18 17 15</inkml:trace>
+  <inkml:trace contextRef="#ctx0" brushRef="#br0" timeOffset="40562.83">16122 6862 0,'0'0'0,"-18"17"0,18 18 0,0 1 31,0-19-31,0 19 16,0-19-1,0 1 1,-35 0-1,17-18 1,18-36 0,0-17-1,18 0 1,70-35 0,53 0-1,-17 53 1,52 35 15,-105 53-15,-36 35-1,-35 0 1,-18-17 0,-17-36-1,17-35-15,1 18 16,17-1-1,17-34 1</inkml:trace>
+  <inkml:trace contextRef="#ctx0" brushRef="#br0" timeOffset="41011.47">17004 6685 0,'0'-18'31,"0"36"1,0 0-32,-18 35 15,18 17-15,-17 54 31,-1-36-15,18-53-16,-35 142 16,17 34-1,0-52 1,-17 70 0,17-17-1,1-89 16,-1-87-31,1 34 0,-1-52 32,18-89-1,18 54-31,17-54 16,18-141-16</inkml:trace>
+  <inkml:trace contextRef="#ctx0" brushRef="#br0" timeOffset="41366.91">16933 6826 0,'-17'-17'0,"34"34"0,-34-52 0,17 17 15,0 1-15,17-19 16,54 1-1,70 17 17,-35 18-17,-71 18-15,36 53 0,-71-1 16,-53 1 15,-53-18-15,18-36-1,35 1 1,35-18 0,18-18 15,18 1-15</inkml:trace>
+  <inkml:trace contextRef="#ctx0" brushRef="#br0" timeOffset="42150.71">17621 6615 0,'0'0'0,"0"-18"0,0 0 0,0 36 47,0 35-31,-17 35-1,17 0 1,0-17 0,35-36-1,18-35 1,53 0 0,-53-53-1,-1-35 1,-16 0-1,-36-18 1,0 35 0,0 89 15,0 17-15,0 71-1,0 0 1,0-35-1,53-36 1,-36-18-16,19-17 16,52 0-1,0-52 1,-17-37 0,-1-69-1,-35-1 16,-35 106-31,18-88 16,-18 88 0,-18 35-1,-17 54 1,35 52 0,-18 70-1,18-122-15,0 105 16,0-18-1,0-34 1,18-37 0,35-52-1,-18 0 1,-17 0-16,52-17 16,-34-36-1,-1-18 1</inkml:trace>
+  <inkml:trace contextRef="#ctx0" brushRef="#br0" timeOffset="42398.75">18274 6421 0,'0'0'16,"-18"0"-16,1 0 15,34 0 17,1 0-32,0 0 0,70 0 15,-18 0 1,18 17 0,-35-17-1,0 0 1</inkml:trace>
+  <inkml:trace contextRef="#ctx0" brushRef="#br0" timeOffset="42909.8">19191 6279 0,'0'0'15,"-18"0"-15,1 0 0,-1 0 16,18 53 31,0-35-47,18 17 0,52 71 16,19-35-1,52-1 16,0-17-31,-35-35 32,-36-1-17,-52-17-15,-36 0 32,-52 0-32,-54 53 31,36-17-16,-53 34 1,106-52-16,-71 35 16,70-18-1,1-35 1,35 18 0,0-36 15</inkml:trace>
+  <inkml:trace contextRef="#ctx0" brushRef="#br1" timeOffset="55647.49">1005 9349 0,'-17'17'16,"17"1"15,17-18-15,1 0-16,0 0 16,52 0-1,-17-18 1,-35 1-16,52-19 15,-52 1 17,-18 17-17,-35 1 1,-36 17 0,-17 0-1,0 53 1,35 35-1,35-35 1,18 17 0,18-34-1,-1-36-15,36 17 16,36 1 0,-19 0-1,-35-18 1,-17 0-1,-36-18 1,-87 18 15,-37 0-31,54 35 32,-35 36-17,52-1 1,36 18-1,35-35 1,0-35-16,53 35 16,0-35-1,53-1 1,-18-17 0,0 0-1,36-53 1</inkml:trace>
+  <inkml:trace contextRef="#ctx0" brushRef="#br1" timeOffset="56500.07">1817 9578 0,'0'0'0,"0"-18"0,-35 18 15,17 0 1,-70 0-1,17 53 1,-17 18 0,35-18-1,35 0 1,18-18 0,36-35-1,34 0 1,1-53-1,17 0 17,-17-35-32,-36 35 31,-18 35-15,-17 36 15,0 0-16,0 52 1,0-52-16,0 88 16,0-18-1,0 71 1,0 35 0,0-18-1,0 71 1,-35-18-1,18 0 17,-36-34-17,0-72 1,0-17-16,-18-53 31,18-53-15,-35-36-1,-35-69 1,17-19 0,0-88-1,71 1 1,35-36 0,0 18-1,53 87 1,52 19-1,19 17 1,-36 53 15,-70 53-31,52-35 16,-52 17 0,0 1-16</inkml:trace>
+  <inkml:trace contextRef="#ctx0" brushRef="#br1" timeOffset="56771.78">2170 9648 0,'-18'0'15,"0"0"-15,1 0 16,17 18 62,0 0-78,0-1 16,0 1-16</inkml:trace>
+  <inkml:trace contextRef="#ctx0" brushRef="#br1" timeOffset="56980.87">2081 10019 0,'0'0'0,"0"18"31,0-36 48</inkml:trace>
+  <inkml:trace contextRef="#ctx0" brushRef="#br1" timeOffset="57583.27">3986 9031 0,'0'18'16,"0"-1"-16,0 1 0,-17 53 15,-36 17 1,-53 71 0,-35 35 15,106-142-31,-71 90 16,-18 16-1,54-69 1,52-54-1,36-53 17,35-35-17</inkml:trace>
+  <inkml:trace contextRef="#ctx0" brushRef="#br1" timeOffset="57976.9">4339 9119 0,'0'0'0,"0"-17"0,0 34 31,0 1-16,-17 0-15,-36 34 16,-18 72 0,0-18-1,-52 53 1,0 17 0,105-141-16,-88 89 15,53-71 1,36 0-1,17-36 17,17-34-17,1 17 1</inkml:trace>
+  <inkml:trace contextRef="#ctx0" brushRef="#br1" timeOffset="58461.35">4674 9543 0,'0'0'0,"0"17"0,-35 107 31,17-89-31,18 0 16,-17 1-16,-1 34 15,0-35 1,18-17-1,0-36 32,0 1-47</inkml:trace>
+  <inkml:trace contextRef="#ctx0" brushRef="#br1" timeOffset="58650.93">4692 9384 0,'0'0'15,"-18"0"1,18 18 31,18-18-47</inkml:trace>
+  <inkml:trace contextRef="#ctx0" brushRef="#br1" timeOffset="59198.59">5027 9578 0,'0'18'0,"0"-36"0,0 53 0,0-17 0,0 17 15,0 36 1,0-54-16,0 36 16,-18 0-1,1-18 1,-1-17-1,18-36 17,0 1-17,0-19-15,0-52 32,35-18-32,71 1 31,-35 52-16,52 17 1,-87 36-16,52 36 16,-53 17-1,-17 35 1,-36 18 0,-35-18-1,18-35 1,0-36-1,70-34 17</inkml:trace>
+  <inkml:trace contextRef="#ctx0" brushRef="#br1" timeOffset="59632.62">5891 9472 0,'0'0'0,"0"-18"0,0 36 31,0 0-15,0-1-16,-17 54 15,17 35 1,-18 17-1,0-17 1,-17 70 0,18-123-1,-36 212-15,0 35 32,17-89-17,-16 19-15,16-71 31,36-107-15,0-104 15,71-72-15,17-52 0,-53 140-16</inkml:trace>
+  <inkml:trace contextRef="#ctx0" brushRef="#br1" timeOffset="59977.27">5980 9684 0,'0'0'0,"-18"-18"0,18 0 16,0-34-1,0 34-15,0-17 0,18 17 0,70 0 31,18 1-15,-36 34 0,-17 54-1,-53 35 1,-53-18 0,-53 0-1,18-35 1,35-35-1,53-1 17,53-17-1,-35-17-31,35-19 0</inkml:trace>
+  <inkml:trace contextRef="#ctx0" brushRef="#br1" timeOffset="60808.19">6509 9507 0,'0'0'0,"0"-17"0,0 34 31,-18-17-15,0 71-1,1 17 1,17 18-1,0-88-15,0 34 16,53-16 0,17-36-1,18-18 17,-17-17-17,-53 17-15,52-35 0,-52 36 0,17-89 31,18 0-15,-53 53 0,-18 71 15,18-1-31,-35 54 16,18 35-1,17-18 1,17-18-1,36-34 1,35-36 15,18 0-31,-71 0 16,54-71 0,-19 1-1,-17-71 1,0-18-1,-53 53-15,18 18 32,-18 70-32,0 0 15,-36 36 1,36 35 0,-17 53-1,-1 35 1,18-18-1,0 1 1,0-54 0,35-34 15,1-36-15,17 0-1,17-18 1,1-52-1,-18 34-15,-36-17 32</inkml:trace>
+  <inkml:trace contextRef="#ctx0" brushRef="#br1" timeOffset="61082.41">7338 9419 0,'0'0'16,"-18"0"-16,36 0 31,-1 0-31,36 0 32,-35 0-32,70 0 15,18-17 1,-53-1-1,-18 18 1,-35-18 0</inkml:trace>
+  <inkml:trace contextRef="#ctx0" brushRef="#br1" timeOffset="61915.34">8572 8643 0,'0'0'0,"0"-18"0,18 18 16,35-17-1,35 17 1,0 0 0,18 0 15,-88 0-31,35 0 0,-71 0 31,-70 0 0,53 0-31,-53 0 16,-1 0 0,72 0-16,-89 0 15,35 17 1,36 1 0,0 17-1,17 18 1,-17 53-1,35-71-15,0 89 32,-18 35-17,1-1 1,-1 36 0,0-35-1,18 70 1,0-17-1,0-71 1,71-35 0,-1-53-1,54-53 1,-1-35 0,-87 17-16,87-70 15,-35 17 1,-52 36-16</inkml:trace>
+  <inkml:trace contextRef="#ctx0" brushRef="#br1" timeOffset="62447.14">9243 9155 0,'-18'0'0,"36"0"0,-142-36 47,107 36-47,-54 0 0,1 53 15,34 0 1,36-35-1,-53 88 1,36 17 0,-1 1-1,18-1 1,0-105-16,0 35 16,18-36-16,35 1 15,52-18 1,19-53-1,-1-18 1,-52 36 0</inkml:trace>
+  <inkml:trace contextRef="#ctx0" brushRef="#br1" timeOffset="63247.99">9543 9419 0,'0'0'0,"-36"-17"31,19 17-31,-19 0 16,-34 35 0,70-18-16,-35 36 15,-1 36 1,36-1 0,0-35-1,18-53 1,35 0-1,0 0 1,-36-18 15,-17-35-31,0-17 32,0-1-17,-17 53-15,17-17 16,0 17-16,35-34 15,36 34 1,17 0 0,0 18-1,0 53 1,-53 18 0,-35 17-1,0-18 1,-17-17-1,-1-35 1,1-18 15,17-35 1,0 17-32,0 0 0,17-34 15,18-19-15,71 0 31,18 1-15,-1 70 0,-52 0-1,-54 18-15,19 34 16,-36 37 0,0-1-1,-36-35 1,19-18-1,-1-17 1,18-36 15,0-53 1,18 54-32,-1-1 0</inkml:trace>
+  <inkml:trace contextRef="#ctx0" brushRef="#br1" timeOffset="63532.7">10619 9049 0,'0'0'16,"0"-18"0,-18 18-16,18 35 15,0-17-15,-35 105 16,-1 1-1,1 17 1,0-53 0,35 18-1,0-53 17,17-53-17,36-18 1,0-35-1</inkml:trace>
+  <inkml:trace contextRef="#ctx0" brushRef="#br1" timeOffset="63781.53">10530 9331 0,'0'0'0,"18"0"47,0 0-47,17-18 31,18 1-31,17 17 31,-52 0-31,0 0 16</inkml:trace>
+  <inkml:trace contextRef="#ctx0" brushRef="#br1" timeOffset="64807.58">11271 9437 0,'0'0'0,"18"-53"31,-18 35-31,-18-17 16,-52-18-1,-1 53 1,-52 0-1,-1 35 1,18 89 0,89-54 15,17 19-15,17-19-1,1-52-15,17-18 0,89 0 31,-18-18-15,-36-35-16,36-35 31,-53 0-15,-35 17 0,-1 36-1,-17 17 1,0 36-1,-17 53 1,17-19 0,0 37-1,0-19 17,52-35-17,1-35-15,18 0 31,17-35-15,-17-35-16,-18 17 31,-36 35-31,1-52 16,-18 34 0,0 54 15,0 35-16,0 17 1,0 1 15,0-53-31,0-1 32,17-17-17,1 0 1,0-17-1,-18-36 1,0 35-16</inkml:trace>
+  <inkml:trace contextRef="#ctx0" brushRef="#br1" timeOffset="65014.79">11853 9155 0,'0'0'0,"-35"0"16,0 0 0,35 17 15,0 1-15,0-1-1,17-17-15</inkml:trace>
+  <inkml:trace contextRef="#ctx0" brushRef="#br1" timeOffset="65565.42">12065 9331 0,'0'0'16,"0"53"-1,0-35-15,0 34 16,0-34-16,0 53 31,-18-1-31,1-35 32,-1-35-17,18 18 1,-18-53-1,18-36 1,36-17 15,17 35-15,52-35 0,-69 88-16,52-53 15,-53 53-15,71 0 16,-71 18-1,1 52 1,-36 18 0,-18 1-1,-17-36 17,35-36-32,-36 36 15,19-35 1,34-36 15,19 0-15</inkml:trace>
+  <inkml:trace contextRef="#ctx0" brushRef="#br1" timeOffset="66048.75">13053 9278 0,'17'0'0,"-34"0"0,34-18 16,-17 1-16,-35 17 16,-53 0-1,0 35 17,17 0-32,36 18 31,35-17-16,18-19 1,34 1 0,37-1-1,-1 1 1,-35 17 0,-36-17-1,-17 0-15,0 17 16,-70 18-1,-18-36 1,17 1 15,-17 0-15,70-18-16,-52 0 16,34 0-1,1 0 1,35-18-1,0-35 1</inkml:trace>
+  <inkml:trace contextRef="#ctx0" brushRef="#br1" timeOffset="66714.36">14164 8661 0,'0'0'15,"0"-36"1,-18 36-16,1 0 16,-19 0-16,-34 0 31,-18 71-31,-18 52 31,0 54-15,0 17-1,36-53 1,-36 53 0,71 53-1,52-106 1,54-53 0,70-17-1,0-54 1,18-17-1,-36-35 1,-35-35 0,-52 52-1</inkml:trace>
+  <inkml:trace contextRef="#ctx0" brushRef="#br1" timeOffset="68048.23">14323 8943 0,'0'-18'31,"0"1"-31,-18 34 32,-17 1-17,17 17-15,-35 36 16,18 52-1,0 1 1,17-18 0,18-54-1,18-34 1,70-18 15,-18 0-31,-17-53 31,-17 0-31</inkml:trace>
+  <inkml:trace contextRef="#ctx0" brushRef="#br1" timeOffset="68279.21">14093 9172 0,'0'0'0,"-17"0"0,34 0 32,36 0-17,36 0 17,-19 0-17,18 0 1,-52-17-16</inkml:trace>
+  <inkml:trace contextRef="#ctx0" brushRef="#br1" timeOffset="68662.89">14587 9225 0,'0'0'0,"36"0"16,-19 0-1,19 0-15,16-18 16,-16-17 0,-36 0 15,0 17-31,0 1 16,-36 17 15,-16 53-16,34-1 1,-17 37 0,35-19-1,0-52-15,0 17 16,0-17 0,53-18-1,17 0 1,-35-18-16</inkml:trace>
+  <inkml:trace contextRef="#ctx0" brushRef="#br1" timeOffset="69546.64">14958 9207 0,'0'0'0,"-18"-35"16,18 18-1,18-1 1,35 0 0,17 18-1,1 18 1,-71 35 0,0 17-1,-35 1 1,17-53-16,-53 52 15,36-52 1,53-36 31,-1 18-31,1-17-16,35-36 15,35-18 1,-17 0-1,-18 19 1,-18 16-16,-53 54 47,1-18-47,-19 88 16,19 0-1,-1-35 1,18 0-1,53-18 1,-35-17-16,70-18 16,-18 0 15,54-18-15,-36-34-1,-17-19-15,-36-17 31,-18 52-31,1-69 16,0 34 0,-18 1-1,0 87 17,0 36-17,-18-35-15,-17 88 16,0-18-1,17 0 1,18-17 0,0-36-1,0-18 17,53-17-17,-18 0 1,0-17-1,-17-18-15</inkml:trace>
+  <inkml:trace contextRef="#ctx0" brushRef="#br1" timeOffset="69748.44">15681 9207 0,'0'0'0,"-18"0"0,36 0 47,0 0-47,-1 0 0,71 0 31,-17 0-31,52-17 32,1-1-17</inkml:trace>
+  <inkml:trace contextRef="#ctx0" brushRef="#br1" timeOffset="70049">16475 8961 0,'0'0'16,"-18"-18"0,-35 18-1,18 18 1,35-1-16,-35 54 15,-1 17 1,1 18 0,35-53 15,0 17-15,18-17-16,70-35 31,-18-18-16,36-18 1</inkml:trace>
+  <inkml:trace contextRef="#ctx0" brushRef="#br1" timeOffset="70379.53">16810 8978 0,'0'0'0,"0"-17"0,0-1 16,17 18-16,1 0 16,53 18-1,-54 34 17,1 54-17,0-18 1,-36 1-16,-17-54 31,17-17-31,-17 35 16,-1-36-1,19 1 1</inkml:trace>
+  <inkml:trace contextRef="#ctx0" brushRef="#br1" timeOffset="70964.24">17251 9437 0,'-18'0'15,"1"0"1,17-18 31,17 18-47,1-17 16,-18 34 30,0 1-46,0-1 16,0 1 0,-18-18-16,1 18 15,-1-1 17,18-34-1,0-1-16,35-17 1,0 35 0,1 0-1,-19 35 1,-17 18 0,-35 18-1,-88 34 1,34-34-1,72-53-15,-71 17 16,35-35 0,35 0-1</inkml:trace>
+  <inkml:trace contextRef="#ctx0" brushRef="#br1" timeOffset="71647.53">17692 8661 0,'0'17'15,"0"1"1,-18 17 0,1 1-1,17-19 1,17-17-1,1 0 1,-1-35 0,19 0-1,-36 17 1,0 0 0,0 1-1,-36 17 1,1 17-1,18 19 1,-19 17 0,19-18-1,17 0 1,0-17-16,0 35 16,0 0-1,0-36-15</inkml:trace>
+  <inkml:trace contextRef="#ctx0" brushRef="#br1" timeOffset="73046.81">18486 8819 0,'0'0'0,"-18"0"31,18 18-31,-18 0 16,-17 35-16,-18 35 16,-17 35 15,-19-17-31,19-18 15,52-70 1,-17 35 0,0-35-1,17-18 1,0-36 15,18-17-15,0 36-16,0-36 15,0-18 1,18 18 0,17 36-1,-17 17 1,17 53 0,-35-36-1,18 71 1,-18-35-1,17 0 1,19-17 0,34-36-1,-17 0 1,-35 0-16,70 0 16,18-53-1,-53 17 1,-18-17-1,0 0 1,-35 36 0,-17 34 15,-19 19-15,36-19-16,-17 19 31,17 17-16,0 0 1,53-53 0,0 0-1,35 0 1,-35-18 0,0-35-1,-36 0 1,-17-35-1,-70 70 1,-1 18 0,-17 18-1,35-1 17,35 36-17,54-35 1,34 0-1,-35-18-15</inkml:trace>
+  <inkml:trace contextRef="#ctx0" brushRef="#br1" timeOffset="73728.37">19315 9207 0,'0'0'15,"-18"0"1,0 0-16,-35 0 15,-17 18 1,17 17 0,53-17-16,-18 0 31,18-1-15,71-17-16,-1 0 31,1 0-16,-1-17 1,-70-1-16,18 0 16,-36 18 46,18 18-62,-17 17 16,17 1-16,-35 52 15,-1 71 1,19-1 0,17 54-1,-18 17 1,18 1 0,18 34 15,-18-158-16,-36 0 1,-52-53 0,-18-36-1,-17-17 1,-71-70 0,0-18-1,35-71 1,89 0-1,70 36 1,0 87 0,70-87-16,106-71 31,-123 159-31</inkml:trace>
+  <inkml:trace contextRef="#ctx0" brushRef="#br1" timeOffset="74212.17">19509 9190 0,'-18'0'31,"0"0"-31,1 35 16,-1-17-16,-17 35 15,17 17 1,18-17 0,0-35-1,53-18 1,53 0 0,-88-18-1,87-35 1,-34 18-1,-36-53 1,-35 17 0,-35 36-1,-71 35 1,-35 18 0,88 17-1,18 35 1,35-34-1,53-19 1,17-17 0,-34 0-1</inkml:trace>
+  <inkml:trace contextRef="#ctx0" brushRef="#br1" timeOffset="74961.22">19967 9137 0,'0'0'0,"-17"0"31,17 35-15,-18 36 0,0-18-1,18 0 1,0-36-1,18 1-15,17-18 16,18 0 0,18-35-1,-18-18 1,-18 0 15,-35 35-31,0-35 16,0 36-16,0-1 15,0 71 17,0-36-32,-18 36 15,18 18 1,0-36 0,0-17-1,53-18 1,18 0-1,17-53 1,0-18 0,-17-52-1,-54-1 17,-17 1-17,0 70 1,-53 124 15,53-54-31,-35 71 16,17 36-1,1-18 1,17-36 0,0-34-1,35-36 1,-17 0-16,17 0 15,-17 0-15,17-18 16,18-17 0,-53 17-1</inkml:trace>
+  <inkml:trace contextRef="#ctx0" brushRef="#br1" timeOffset="75145.07">20426 9102 0,'-18'0'0,"36"0"16,-53 0-16,52 0 31,36 0-15,-35 0-16,52 0 16,-52 0-16,35-36 15,-18 19-15</inkml:trace>
+  <inkml:trace contextRef="#ctx0" brushRef="#br1" timeOffset="75762.61">21078 8767 0,'-17'0'16,"-1"0"31,18 17-47,-17-17 16,17-17 30,0-1-46,0 0 16,17 18-16,1 0 16,-1 0-1,-17 18 32,0 0-31,-17-1-1,-18 18 1,17-35 0,0 0-1,18-17 1,18-1 0,17 1-1,0-19 1,1 36-1,-36 18 1,0 17 0,0-17-16,-36 70 15,-16-17 1,52-36 15</inkml:trace>
+  <inkml:trace contextRef="#ctx0" brushRef="#br1" timeOffset="76246.69">21361 8449 0,'0'0'0,"17"0"31,1 0-15,0 0-16,-1 18 15,1-1 1,0 1-16,34 52 15,1 19 1,-35-1 0,-18 71-1,0-1 1,-71-17 0,-17-17-1,-35-36 1,35-35-1,35-35 1,17-18 0,1 0 15,35-36-15,0-16-16</inkml:trace>
+  <inkml:trace contextRef="#ctx0" brushRef="#br1" timeOffset="76996.86">21696 8061 0,'35'0'0,"-70"0"0,88 0 16,141-18 15,-159 18-31,18 0 0,-35 0 15,70 0 1,-71 0 0,1 36-1,0 17 1,-18 17 0,0-52-16,0 88 15,17 17 1,-17-35-1,0 53 1,-35 36 0,17-54-1,1 106 17,17-87-32,-18-37 31,1 37-16,-36-37 1,-18-34 0,-35-18-16,0-18 31,1-17-15,16-18-1,-34 0 1,52 0-1,54 0-15,-1 0 16,0 0 0,1 0 31,-36-18-32</inkml:trace>
+</inkml:ink>
+</file>
+
+<file path=ppt/ink/ink14.xml><?xml version="1.0" encoding="utf-8"?>
+<inkml:ink xmlns:inkml="http://www.w3.org/2003/InkML">
+  <inkml:definitions>
+    <inkml:context xml:id="ctx0">
+      <inkml:inkSource xml:id="inkSrc0">
+        <inkml:traceFormat>
+          <inkml:channel name="X" type="integer" max="1920" units="cm"/>
+          <inkml:channel name="Y" type="integer" max="1080" units="cm"/>
+          <inkml:channel name="T" type="integer" max="2.14748E9" units="dev"/>
+        </inkml:traceFormat>
+        <inkml:channelProperties>
+          <inkml:channelProperty channel="X" name="resolution" value="55.81395" units="1/cm"/>
+          <inkml:channelProperty channel="Y" name="resolution" value="55.95855" units="1/cm"/>
+          <inkml:channelProperty channel="T" name="resolution" value="1" units="1/dev"/>
+        </inkml:channelProperties>
+      </inkml:inkSource>
+      <inkml:timestamp xml:id="ts0" timeString="2022-11-30T02:48:12.132"/>
+    </inkml:context>
+    <inkml:brush xml:id="br0">
+      <inkml:brushProperty name="width" value="0.05292" units="cm"/>
+      <inkml:brushProperty name="height" value="0.05292" units="cm"/>
+      <inkml:brushProperty name="color" value="#0070C0"/>
+    </inkml:brush>
+    <inkml:brush xml:id="br1">
+      <inkml:brushProperty name="width" value="0.05292" units="cm"/>
+      <inkml:brushProperty name="height" value="0.05292" units="cm"/>
+      <inkml:brushProperty name="color" value="#FF0000"/>
+    </inkml:brush>
+  </inkml:definitions>
+  <inkml:trace contextRef="#ctx0" brushRef="#br0">1076 1041 0,'0'0'0,"0"-18"16,-18 0-1,18 1 1,0-1-1,0-35 1,53 0 0,0 18-1,18 17 1,17 18 0,-70 18-1,-18 0-15,0 70 31,-53 35-15,-18-34 0,18-19-1,0-17 1,36-53 0,-1 0-1,53-35 16,1-1-15,34 36 0,-52-17-16,70 17 15,-18 17 1,-34 36 15,-36 53-15,-18-35-16,-70 17 15,-18-35 17,36-53-32,-19 0 31,1-35-15,35 17-1,18-17 1,35-1-1,70 36 17,-34-17-17</inkml:trace>
+  <inkml:trace contextRef="#ctx0" brushRef="#br0" timeOffset="210.48">1746 1288 0,'0'0'0,"18"0"0</inkml:trace>
+  <inkml:trace contextRef="#ctx0" brushRef="#br0" timeOffset="1131.01">2840 847 0,'0'-18'16,"0"36"-16,0-54 0,0 1 16,0 53-1,0-1-15,0 72 16,17 69-1,-17-17 1,0 18 0,-35-71 15,35-70-31,0 17 16,0-52 15,53-19-16,-18-34 1,36-36 0,-36 18-1,-17 53-15,35-36 16,-18 36 0,-17 52-1,35 89 16,-53-18-15,35 36-16,0-36 31,-17-70-15,52-1 0,1-34-1,17-54 1,-17-17-1,-1-106 1,-52 53 0,-36-18-1,-17 88 1,0 54 0,-18 34-1,17 36 16,36 36-31,0-19 32,18-17-17,35-35-15</inkml:trace>
+  <inkml:trace contextRef="#ctx0" brushRef="#br0" timeOffset="1531.4">3845 1252 0,'18'0'16,"-36"0"-16,54 18 0,-19-18 0,1 0 0,17 0 15,-17 0-15,52-18 16,-17-17 0,-18-18-1,-17 18 1,-18-18-1,-70 53 17,34 0-32,-34 18 0,-18 70 15,35 0 17,53 18-17,0-53 1,35 0-1,35-36 1,36-17 0,18 0-1,105-53 1,-141 36-16</inkml:trace>
+  <inkml:trace contextRef="#ctx0" brushRef="#br0" timeOffset="2100.11">5821 882 0,'0'0'16,"0"-18"-16,17-17 15,-17 17-15,-17 1 16,-89 17 0,18 17-1,-53 89 1,70 18-1,36-89-15,17 106 16,18 18 0,18-53-1,52-1 1,36-69 0,53-19 15,-106-17-31,70-35 0,71-35 31,-158 52-31</inkml:trace>
+  <inkml:trace contextRef="#ctx0" brushRef="#br0" timeOffset="3003.59">6403 1305 0,'0'-53'16,"0"106"-16,-18-141 15,1 88-15,-1-18 0,-53 1 16,1 17-1,-18 53 1,52 17 0,1 36-1,35-88-15,0 52 16,0-17 0,18-35-1,52-18 1,-17-18 15,18-35-15,-54 36-16,36-54 0,-35 1 15,0 17 17,-18 35-17,0 89 16,0-1-15,0-52-16,0 52 16,17-17-1,19-35 1,52-18 0,-18-18 15,-34 1-31,52-36 15,-53 0 1,-17-18 0,-18 18-16,0 36 31,-18 17-15,18 17-16,-18 54 15,18-1 1,-35 1-1,17-36 1,18 0 0,-17-35-1,17-17 1,-18-18 0,18-54 15,18 19-31,70-54 31,36 54-15,-72 52-16,142 1 15,-88 52 1,-35 53 0,-54-17-1,-52 17 1,-18 0-1,18-70 1,35-36 31</inkml:trace>
+  <inkml:trace contextRef="#ctx0" brushRef="#br0" timeOffset="5734.1">7726 1446 0,'0'0'0,"17"0"0,1 0 0,35 0 16,-35 0-16,-1-17 0,54-19 16,-1-16 15,19-54-16,-72 18 1,-17-54-16,0 19 31,0 70-15,-35 141 15,0 89-15,35-36-1,0-106-15,-36 106 16,19-53 0,-1-17-1,18-89 32,35 1-47,-17-1 0,35-53 31,0 1-15,17-18 0,-17 70-1,-17 18 1,-19 18 0,19 87-1,-36-52 1,52 36-1,1-54 1,53-18 0,-18-17-1,106-52 1,-88-1 15,0-36-31,-88 19 31,-18-36-15,-53 53 0,-88 18-1,35 70-15,-18 53 32,71-17-17,36 35 1,17-36-1,53-52 1,-36 0-16,72-18 16,-19 0-1,18-36 1,-17 1 0,-18-36-1,-18-17 16,-35 53-15,0 70 15,0 18-15,0 35 0,18-35-1,-18-35-15,70 17 16,1-17-1,35-18 1,-36-35 0,18-18-1,-70 35-15,35-53 16,-18-17 15,-17 18-31,-18 52 31,0 89 1,-18-54-32,1 54 15,-1-1-15,0-17 32,18-17-17,0-54 32,18-17-31,35-36-1,35-17 1,0 35 0,18 0-1,-71 53-15,18 0 16,0 71 15,-53 17-15,0-18-16,53 1 31,0-36-15,-35-35-16,140 18 15,-34-18 1,35-18-1,-53-17 1,-18-36 0,-53 1-1,-17-54 1,-36 54 0,-70 52-1,17 18 16,-17 71-31,17-1 32,1 54-17,52-71 1,1 0 0,34-18-1,71-35 1,-35 0-1,18-53 1,-53 35-16,70-70 16,-53 0-1,18-71 1,-18 18 0,-17 35 15,0 18-31,-18 141 47,-18 53-32,18-53-15,-18 70 16,18-17 0,0-71-16,-17 53 15,17-70-15,0 35 16,35 0-1,53-53 1,0 0 0,18-53-1,0-35 1,-18-36 0,-17-17 15,-54-18-31,-17 71 15,0 71 17,-17 70-17,-19 52 1,-16 37 0,16-37-1,36 1 1,0-53-1,88-18 1,-70-17-16,88-18 16,17 0-1,-17-35 1,-53-18 0,-18-18-1,-35 1 16,-35 70-31,0 35 32,0 36-17,17-19 1,18 1 0,35-17-1,36-36 1,-18 0-1,35-36 1,0-17 0</inkml:trace>
+  <inkml:trace contextRef="#ctx0" brushRef="#br0" timeOffset="6409.27">13300 1217 0,'0'0'0,"0"-18"0,-18 18 16,0 0 0,18 18-1,-17 35 1,-1 70-1,1 107 1,-19-1 0,-34 124-1,-1-53 1,36-194-16,-53 246 16,35-87 15,53-124-16,-18-53 1,18-123 15,0 0-31,18-106 16,17-18-16,-17 106 16</inkml:trace>
+  <inkml:trace contextRef="#ctx0" brushRef="#br0" timeOffset="6798.14">12859 1676 0,'-18'-36'0,"36"72"0,-54-107 16,19 1-16,-1-72 16,71 90 15,106-54-31,-89 88 15,107 0 1,52 18 0,-123 89-1,-71 34 1,-70-35-16,-124 53 31,53-70-15,-17-36-1,70-35 1,53-35 15,71 0-15,-54 35-16,71-36 16,-52 36-1</inkml:trace>
+  <inkml:trace contextRef="#ctx0" brushRef="#br0" timeOffset="8108.88">14182 1305 0,'0'-17'0,"0"34"0,0-52 0,0 17 15,-71-17 1,53 35-16,-52 0 15,-18 18 1,70-1-16,-70 54 16,35 17-1,18 18 1,35-18 0,0 0-1,35-52 1,-17-36-1,70 0 1,0 0 0,0-71-16,-17 0 31,-1-34-31,-52 16 31,0 72-31,-18-54 16,0 89 15,0 17-15,0 53-1,0-70-15,0 53 16,0 34 0,17-52 15,36-17-31,35-36 31,-17-36-15,52-52-1,-105 70-15,53-52 16,-36-36 0,-35 53-1,0 18 1,-35 35-1,35 18-15,-18 17 16,18-18-16,0 36 16,0 18-1,0-18 1,35 17 0,18-34 15,0-19-16,-35-17-15,35 0 16,52-35 0,-34-18-1,17-35 1,0 0 0,-17-71-1,-53 124-15,-1-71 16,1 18-1,-89 123 17,54 0-32,-19 18 15,19-18-15,-1 71 16,0-70-16,1 69 16,17 19 15,0-54-16,88 1 1,18-71 0,0 0-1,17-71 1,-17-17 0,-18 0-1,-88 17 1,18 36-1,-53 88 17,17-18-32,18 18 15,-18 35 1,18-52 0,18-1-1,17-35 16,36-18-15,-18-35 0,-36 36-16</inkml:trace>
+  <inkml:trace contextRef="#ctx0" brushRef="#br0" timeOffset="8298.28">15946 1129 0,'-18'0'16,"36"0"-16,-54 0 0,19 0 0</inkml:trace>
+  <inkml:trace contextRef="#ctx0" brushRef="#br0" timeOffset="8499.14">15028 1323 0,'0'0'0,"0"18"16,18-18-1,17 0-15,36 0 16,70 0 0,-53-18-1</inkml:trace>
+  <inkml:trace contextRef="#ctx0" brushRef="#br0" timeOffset="10281.08">16334 1482 0,'0'0'0,"17"0"0,19 0 15,34-53 1,-52 17-1,-18-16 1,-36 16 0,-52 19-1,18 17 1,-36 35 0,88-17-16,-35 52 31,18 36-31,35-36 31,0 19-15,35-54-16,-17-35 15,52 0 1,1 0 0,35-71-1,-71 1 1,0-18-1,-35 17 1,0 18 0,0 71 15,-17 52-15,17 1-1,0 35 1,17-53-1,1-36-15,35 1 32,35 0-32,18-54 31,-18-17-15,18-35-1,-18-35 1,-52-1-1,-1-70 1,-18 88 0,-17 18-1,-17 88 1,-36 88 0,35-52-16,1 87 15,-19 36 16,36-53-15,0 17 0,0-70-1,89 0 1,-19-53 0,36-18-1,-18-52 1,18-36-1,-36-17 1,36-107 0,-70 124-1,-19 36 1,-17 52 0,-17 53-1,-54 107 1,-17 16-1,35-17 1,35-52 15,18 16-15,71-69 0,35-1-1,17-35 1,18-53-1,-70 0 1,17-35 0,-70 17-1,-18 54 1,0 34 0,-36 54-1,1-18 16,17 35-15,18-35 0,36 0-1,52-53 1,35 0 0,-34-35-1,-1-54 1,-35 1-1,-18 0 1,-17 70 0,-18 1-16,-18 34 31,0 1-31,-17 35 16,-18 18-1,18 70 1,35 53 15,0-18-15,0-35-1,0 53 1,-35 36-16,-36-107 31,-35-17-15,71-89-16,-71 1 15,-17 0 1,52-18 0,1-53-1,-1 0 1,36 18 0</inkml:trace>
+  <inkml:trace contextRef="#ctx0" brushRef="#br0" timeOffset="10991.88">5239 2805 0,'0'0'0,"0"-18"0,0-35 15,-36 35-15,1 18 16,-53 18-1,0 35 17,0 53-17,70-71-15,0 36 16,18-36-16,0 124 0,36-71 31,52 0-15,0-88-1,35-18 1,-34-35 0,-72 36-16,71-54 15</inkml:trace>
+  <inkml:trace contextRef="#ctx0" brushRef="#br0" timeOffset="11499.14">5556 2699 0,'0'0'16,"18"0"-16,-18 17 16,0 72-1,0 34 1,0 1 0,-35-54-1,-1 18 1,19-52-1,17-19 1,-18-34 0,18-36-1,0-18 1,0 53-16,88-87 16,0 34-1,89 36 16,-54 35-15,-17 53-16,-88 0 31,-18 88-15,-71-71 0,1 18-16,34-70 31,19 0-16,52-54 17,-17 19-32,17 17 0</inkml:trace>
+  <inkml:trace contextRef="#ctx0" brushRef="#br0" timeOffset="12491.94">6632 3034 0,'0'0'16,"0"-18"-16,0 1 0,-17-1 15,-19-17 1,-52-1 0,35 36-1,-53 0 1,89 18-16,-54 35 15,1 53 1,52 0 0,18-1-1,18-52 1,52-17 0,-52-36-16,70 0 31,18-71-31,0 1 15,17-19 17,-52-16-17,-54 34 1,-34 89 15,-19 52-15,19 1-1,17 17 1,35-35 0,53-36-1,-52-17-15,52 0 16,70-35 0,-69-18-1,-19-17 1,-70-1-1,0 54-15,0-36 16,-17 70 31,17 54-31,-18-1-1,0 36 1,1-71-1,-1 1 1,0-36 0,18-18-1,0 0 1,0-70 0,53-18-1,-17 89-15,34-71 16,54 17 15,-36 71-15,0 35-1,-35 54 1,-53-1 0,-18-18-1,-17 1 1,0-36-1,35-17 1,0-36 0,17 0-16</inkml:trace>
+  <inkml:trace contextRef="#ctx0" brushRef="#br0" timeOffset="13281.57">8361 2981 0,'0'-18'0,"0"36"0,0-53 15,0 17-15,-18 0 16,-52-17 0,-36 35-1,18 35 1,70-17-16,-70 53 15,70-54-15,-52 54 16,52 17 0,18-35-1,88-35 1,18-18 0,53-53-1,-89 17 1,-17-52 15,-35 18-31,-18 52 31,0 0-15,0 89 0,0-53-1,0 17 1,0 106-1,0-18 1,0 124 0,0-35-1,17-36 1,19 54 0,-1-54-1,0 18 1,-17-35 15,-18-142-31,0 54 16,-18-36-1,-70-35 1,0 0 0,-88-53-1,-36-35 1,71-18-1,35 1 1,88-19 0,18 18-1,18-53 1,17 89-16</inkml:trace>
+  <inkml:trace contextRef="#ctx0" brushRef="#br0" timeOffset="14036.16">8590 3034 0,'18'0'0,"35"-18"31,-36 18-15,36-17-16,-35-1 16,35-17-1,0-18 1,-36 35 0,-17 0-1,-53 18 1,-35 53-1,18 18 1,34 17 0,36 0-1,36-35 1,70-53 0,35 0-1,0-53 16,-53 0-31,0-17 32,-70-18-17,-18 35 1,0 35 0,0 71 15,0 18-16,0 17 1,0-18 0,0-34-1,0-54 17</inkml:trace>
+  <inkml:trace contextRef="#ctx0" brushRef="#br0" timeOffset="14538.07">9331 2734 0,'-18'0'15,"36"0"-15,-71-18 32,53 36 15,18 0-47,-1-1 0</inkml:trace>
+  <inkml:trace contextRef="#ctx0" brushRef="#br0" timeOffset="15091.77">9631 2910 0,'0'0'0,"-18"0"0,18 18 0,0 0 16,0 17-1,0 53 1,0 0 0,0-35-1,0 35 1,0-70 0,0 0-16,-17-18 15,-1 0 1,18-53 15,0 0-15,35-53-1,36 0 1,35 36-16,-71 52 16,124-17-1,-36 35 1,1 35-1,-72 36 1,-52 17 0,-35 0-1,-35 0 1,52-53 0,36-35 30,-1-35-46,19 18 16</inkml:trace>
+  <inkml:trace contextRef="#ctx0" brushRef="#br0" timeOffset="15795.3">10795 2963 0,'0'-17'0,"0"34"0,0-52 15,-53 35 1,-17 0 0,-19 71-1,19-1 1,34 18 0,19-17-1,34-36 1,36-35-1,36-17 17,-1-54-32,-35 36 15,-18-36 17,-17 54-32,-18-19 15,0 54 32,0 52-31,-18-17-1,-35 124 1,53-19 0,0 54-1,0 17 1,0-17-1,0 70 17,0-211-32,0 176 0,-18-88 31,-70-18-31,0-88 31,0-53-15,-71-71-1,-53-88 1,107 53 0,52 18-1,53 0 1,53 0 0,-36 53-16,19-1 15</inkml:trace>
+  <inkml:trace contextRef="#ctx0" brushRef="#br0" timeOffset="18779.4">11800 2875 0,'0'18'31,"18"-18"-31,17 0 16,-17 0-16,35 0 15,70-36-15,-34 1 31,-54 35-31,0-35 16,-35 17 0,-106 1-1,-35 34 1,35 54 0,18 17-1,88-17 1,53-18-1,18-53 17,52 0-17,1 0 1,-72-36 0,-52 19-1,-52-1 1,-72 18-1,36 53 1,17 35 0,54 36-1,34-36 1,72-35 0,-1-53-1,70-36 1,-16-17 15,34-70-15,-141 105-16,71-70 15,-35-53 1,-71 0 0,0 53-1,0 35-15,0 123 47,0-34-47,0-19 0,0 54 16,-18 88-1,0-54 1,18 54 0,0-88-1,0-36-15,89 0 16,52-35-1,-18-35 17,54-53-17,-72 17 1,-52-52 0,-53 105-16,0-52 15,-35 17 1,-18 53-1,-17 35 1,17 36 0,17 34-1,36-16 1,53-37 0,35-34-1,1-18 1,52-18 15,-18-52-15,-35-18-1,-70 0 1,0 35 0,-18 35-1,0 71 16,0-35-31,-18 52 16,0 1 0,18-18-1,0-18 1,0-53 31,0-17-47,53-36 15,0-17 17,0 35-17,35 0-15,18 36 32,-53 34-32,-53 1 15,18 35 1,-18 17-1,0 1 1,0-18 0,0-18-1,17-52 17,19-19-17,-1-34 1,35-18 15,-17 35-31,-17 35 16,17 0-1,-36 18 1,1 18 0,-18 53-1,0-1 1,0 36-1,0-88-15,0 34 16,88 1 0,0-53-1,53 0 1,-35-53 0,-35 1-1,-54 34-15,36-88 16,-17 18 15,-36 0-15,-53 88 15,35 0-31,-35 53 16,35 35-1,18 18 1,0-53-1,89 17 1,-19-52 0,107-18-1,-54-36 1,-17-16 0,-53-54-1,-36 53 1,-17 0-1,-35 88 32,18-17-47,-1 35 16,-17 35 0,35 0-1,-18-35 1,18-35-1,18-36 17,17-17-17,35-53 1,1 17 0,17-35-1,-70 89-15,35-19 16,-18 36-1,-17 71 17,-18-1-32,17 36 31,1-53-31,70-18 31,0-35-15,1-17-1,-19-36 1,-35-53 0,1 18-1,-1-106 1,-35 70 0,0 1-1,0 105 1,-35 71-1,17 71 17,18-89-32,-18 71 15,18 35 1,0-53 0,36-17-1,17-36 1,17-35-1,-35 0-15,36 0 16,17-53 0,-17 0-1,-18-18 1,-36 36-16</inkml:trace>
+  <inkml:trace contextRef="#ctx0" brushRef="#br0" timeOffset="19030.97">16175 2857 0,'-18'0'16,"36"0"-16,-53 0 0,52 0 31,89-17-15,18-1-16,17 18 31,-53-17-15,-53-1-16,18 0 15,-53 1 1,0-1-16</inkml:trace>
+  <inkml:trace contextRef="#ctx0" brushRef="#br0" timeOffset="19990.84">5662 2064 0,'0'0'15,"-18"0"-15,-17 17 0,0-17 16,17 18-1,18 0 17,36-18-32,-19 0 15,107 0 1,87 17 0,1-17-1,229 0 1,-18 0-1,283 0 1,-530 0-16,459 0 16,300 0-1,70 0 1,-211 0 0,282 0-1,-811 0-15,546 0 16,195-35 15,-283 17-15,106 1-1,-318-1 1,-52 18-16,-230-18 31,-176 18-15,-159 0 15,53 0-31,-123 36 16,-18-1-1</inkml:trace>
+  <inkml:trace contextRef="#ctx0" brushRef="#br0" timeOffset="20879.56">5680 4039 0,'-53'0'0,"106"0"15,-141 0-15,-54 0 32,125 0-32,34 0 31,1 0-31,35 0 16,0 0-16,211 0 15,19 0 1,211 0 15,-353 0-31,176 0 0,636-17 31,-283-1-15,335 0 0,-211 18-1,264-17 1,-264 17-1,476-18 1,-405-17 0,-354 17-1,-17-17 1,-282 0 0,-89 17-1,-123 0 16,-18 18-31,-34 0 16,-37 0 15,72 0-31</inkml:trace>
+  <inkml:trace contextRef="#ctx0" brushRef="#br0" timeOffset="21011.45">15681 3828 0,'0'0'0,"35"0"15,-52 17 17,-19-17-17,-87 18 1</inkml:trace>
+  <inkml:trace contextRef="#ctx0" brushRef="#br0" timeOffset="23247.76">1111 5098 0,'0'17'15,"0"1"17,0 0-17,0-1 1,0 1 0,18-1-1,0 19 1,34-19-1,-34 1-15,53-18 16,70 0 0,-53-18-1,35-52 1,-52 17 0,-53 0-1,-18 0 1,0 35-16,0-17 15,-18 18 17,-17 34-17,-1 71 1,19 18-16,17 18 16,0 87 15,0-87-16,0-18 1,-18-1 0,-17-34-1,-36-53 1,-17-18 0,0 0-1,-18-71 1,18 18-1,0-35 1,70 70 0,36 71 31,52 18-32,18-18 1,36 17-1,-18-70 1,-71 0-16,88 0 16,54-53-1,-71 0 1,0-52 0,-71-1-1,-35 18 1,0 35-1,0 106 32,0 35-31,0 18-16,0-18 16,0-71-1,0 36 1,0-17-1,-18-36 1,1 0 0,17-53-1,-18-35 1,18 70-16,18-88 16,87-17-1,1 52 1,71 53-1,-54 36 1,-35 88 0,-88 17 15,-35-34-15,-36-1-1,36-35-15,35-71 47,18 0-31,-1 1-16,36-54 15</inkml:trace>
+  <inkml:trace contextRef="#ctx0" brushRef="#br0" timeOffset="23828.08">2928 5203 0,'-18'18'31,"1"0"-31,-1 17 16,18 53 0,0 36-1,0-89-15,0 71 16,-18 35-1,18-71 1,0-34 0,0-54 31,0 0-47,0 1 0,0-71 15,0-1 1,71-16-1,-18 52 17,35 35-17,18 18 1,-18 18-16,-17 70 31,-71-18-15,-18 19-1,-52-19 1,52-52-16,-88 35 16,36-36-1,17 1 1,35-18 0,18-18 15,35-17-16,-17 17-15</inkml:trace>
+  <inkml:trace contextRef="#ctx0" brushRef="#br0" timeOffset="24646.62">3757 5450 0,'0'0'0,"0"-17"15,-18 17 1,1 0-16,-54 17 16,18 36-1,0 18 1,36-36-16,17 36 16,0 17-1,0-53 1,35-17-1,-17-18 1,17 0 0,-35-35 15,18-36-15,-18 0-16,88-34 31,-18 34-16,36 0 1,-18 71 0,-17 36-1,-53-1 1,-18 71 0,-71 0-1,18-36 1,18 1-1,35-54 17,35-69-1,36-19-15,-54 53-16,19-35 0,52-88 15,-53 88 16,-17 0-15,-18 36 0,0 52-1,-36 36 1,1 70 0,35-71-1,0 1 1,35-71-1,36 0 1,17-35 15,-17-36-15,-54 53-16</inkml:trace>
+  <inkml:trace contextRef="#ctx0" brushRef="#br0" timeOffset="25508.76">5098 5292 0,'0'-18'32,"17"0"-17,19 1 1,-19 17-16,54-18 16,-18 18-1,52 18 1,-69 35-1,-36 17 1,-71 1 15,-70 17-15,71-53 0,17-17-1,35-18 1,18-18-1,35-17 1,71 0 0,-18 35-1,36 0 1,-18 53 0,-71 0-1,-53 35 1,-105 35 15,-1-52-15,18-36-16,1-17 15,34-18 17,53 0-17,1-18 1,17 0-1,0-17 1,35 35 0,18-53-1,-35 36-15</inkml:trace>
+  <inkml:trace contextRef="#ctx0" brushRef="#br0" timeOffset="26207.27">5997 5256 0,'0'0'0,"0"-17"0,0 34 31,0 1-16,0 17-15,0 1 16,0-1-16,-17 71 16,-1-36-1,-53 36 1,18-71 0,18-17-1,35-53 16,0 17-31,53-17 32,0 17-32,35 1 15,-17 17 17,35-18-32,-89 18 15,36-18 1,-18-17-16,1 17 31,-36-35-15,0-17-1,0 17 1,-36 35 0,1 18-1,0 88 1,35-17-1,-18 70 17,1-17-17,-1-54 1,18-52-16,0 17 16,0-17-1,18-18 1,17-36-1,0 1-15</inkml:trace>
+  <inkml:trace contextRef="#ctx0" brushRef="#br0" timeOffset="26713.82">6844 5292 0,'0'-36'32,"-18"36"-17,-35 36-15,0-1 16,0 53 15,1 0-15,34 18-1,18-18 1,0-52 0,70-19-1,1-17 1,53-17 0,-89-1-16,53-17 15,18-53 1,-53 17-1,-53-35 17,-18 0-32,-35 71 31,36 35-31,-54 0 0,0 0 31,19 0-15,16 0-1,-34 0 1</inkml:trace>
+  <inkml:trace contextRef="#ctx0" brushRef="#br0" timeOffset="27590.85">952 4480 0,'0'0'16,"0"-17"-16,0-1 15,-17 36 1,-18 52 0,-1 1 15,1 123-31,0 0 16,-1 0 15,19-124-31,-18 213 15,17-72 1,18-17 0,0 18-1,18-106 1,34 0 0,-34-106-16,17 0 15,18-18 1,18-70-1,-54 70 1</inkml:trace>
+  <inkml:trace contextRef="#ctx0" brushRef="#br0" timeOffset="29493.8">1076 4480 0,'18'0'16,"17"0"-1,-17 0-15,52 0 16,-35 0-16,142 18 15,-1-18 1,142 0 0,34 0-1,230 0 1,-70 0 0,441 0-1,-354 0 1,213 18-1,-230-18 17,88 17-32,-123 1 15,-142-1 17,-193 1-17,-124 0 1,-105-18 31,17 17 62,0 1-109,0 0 16,0-1-16,0 1 15,0 35 1,0 53 0,0-18-1,0 53-15,0-18 16,0-87-1,0 140 1,0-17 0,0 53-1,0-18 1,0-71 0,0-88-16,0 71 15,-18-35 1,18-36-1,-18-35 1,1 18 0,-18-18-1,-54 0 1,-34 0 15,-1 0-15,-70 17-1,-17-17 1,-318 36 0,-1-1-1,72-18 1,-177 19 0,123-1-1,-140 0 1,175-17-1,-193 17 1,300-35 15,-1 0-15,160 0 0,-19 0-1,89 0 1,123 0-16,-105 18 15,52-18 1,1 0 0,-54 17-1,36 1 1,-35 0 0,87-18-16,-34 17 15,-54-17 1,54 0-1,17 0 17,0 0-32,35 0 31,1 0-15,34 0 155,1 0-155,0 0 47,-18-17-63,0-1 31,17 18 0,-17-18-31,0 1 16</inkml:trace>
+  <inkml:trace contextRef="#ctx0" brushRef="#br0" timeOffset="119717.11">1764 7355 0,'18'0'0,"-1"0"16,-17 18 15</inkml:trace>
+  <inkml:trace contextRef="#ctx0" brushRef="#br0" timeOffset="120317.16">2028 7232 0,'0'0'16,"0"-18"-16,18 1 0,-18-1 31,0 36 1,-35 52-17,17-52-15,-70 105 16,-53 54-1,0-54 1,-53 1 0,106-71-1,52-36 1,-17-17-16,36 0 31,34-53-15,19 36 15,52-1-15,-53 18-16,18 0 15,70 18 1,-34 35 0,-1 35-1,-18-18 1,1 19-1,-18-37 1,-35-34 0,-1-18-1,-17-18 32,0 1-31,0-1-16</inkml:trace>
+  <inkml:trace contextRef="#ctx0" brushRef="#br0" timeOffset="121048.89">2434 7761 0,'0'0'0,"18"-18"16,-18 1-1,0-1-15,0 1 16,0 34 15,0 36-15,0 53-1,0-36 1,0 1 0,0-53-1,0-1 1,-18-17 15,18-17-31,0-36 0</inkml:trace>
+  <inkml:trace contextRef="#ctx0" brushRef="#br0" timeOffset="121267.06">2558 7444 0,'0'0'0,"-18"0"0,18-18 15,-18 18-15,18 35 32,0 1-17,36-1 1</inkml:trace>
+  <inkml:trace contextRef="#ctx0" brushRef="#br0" timeOffset="121766.96">2805 7691 0,'0'0'16,"0"17"-16,0 18 16,0 1-1,0-19-15,17 36 16,-17 0-1,0 0 1,0 0 0,0-35-1,0-36 32,0-35-31,0-17-16,71-19 31,35 1-15,-89 71-16,54-1 15,-36 0-15,89 36 16,-54 35 0,-52 53-1,-36-18 1,-35-18-1,18-17 1,17-35 0</inkml:trace>
+  <inkml:trace contextRef="#ctx0" brushRef="#br0" timeOffset="122349.76">3669 7849 0,'0'-17'16,"0"34"-16,0-52 0,0-18 31,0 35-31,18 1 16,-18-1-16,17 18 31,-17 71-15,18 17-1,-18 106 1,0 53-1,-35-71 1,17-123-16,-53 194 16,36-70-1,0-1 1,17-53 0,0-105-1,18-36 16,0-70-31,0 18 16</inkml:trace>
+  <inkml:trace contextRef="#ctx0" brushRef="#br0" timeOffset="122711.28">3757 7849 0,'0'-17'0,"0"34"0,0-52 0,0 17 16,0-17-16,0-18 15,18 18 1,17 35-16,53-18 16,18 18 15,-35 53-16,-19 18 1,-52-18 0,-70 35-1,-54 0-15,54-53 32,17-17-17,53-36 16,71-35-15</inkml:trace>
+  <inkml:trace contextRef="#ctx0" brushRef="#br0" timeOffset="123500.2">4286 7673 0,'0'0'15,"18"-18"-15,17-17 31,-35 53-15,0-1 0,0 36-1,0 53 1,0-18 0,0-35-1,18-35-15,17-1 16,18-17-1,18-17 1,17-71 0,-35 17-1,17-35 1,-52 71 0,17-36-1,-35 54 1,0 34-16,0 54 31,-18 17-15,1 36-1,17-54-15,53 1 32,17-71-17,-17 0 1,53-71-1,-18-35 1,-70 89-16,35-89 16,0-53-1,-36 18 17,-17 70-17,0 36-15,0 53 31,-35 88-15,17 52 0,1-52-1,17 18 1,0-36 0,0-35-1,17-36-15,36-17 16,-17 0-1,17-17 1,-1-36 0,-34 18-16</inkml:trace>
+  <inkml:trace contextRef="#ctx0" brushRef="#br0" timeOffset="123751.14">5045 7620 0,'-18'0'0,"36"0"0,-36 18 0,18-1 16,18 1 0,35-18-1,0 0 1,17 0-1,1 0 1,-18-35 0,-36 17-16,18 0 15</inkml:trace>
+  <inkml:trace contextRef="#ctx0" brushRef="#br0" timeOffset="124244.15">5891 7250 0,'0'0'0,"0"17"32,0 1-32,0 35 15,0-36-15,36 89 16,-1-18-1,35 18 1,19-35 0,-19-54-1,18 1 1,-17-18 0,-53 0 15,-54 0 0,-34 18-15,-18 52-1,-36 18 1,89-52-16,-71 52 16,0 18-1,71-53 1,17-53-1,54-18 17,-19 0-32,1 18 0</inkml:trace>
+  <inkml:trace contextRef="#ctx0" brushRef="#br0" timeOffset="125598.35">7197 7108 0,'-18'0'15,"0"0"1,1 53 0,17-35-16,0 70 0,0-70 15,0 35 1,0-36-16,53 36 16,17-35-1,1-18 1,35-71-1,-53 18 1,-18-35 0,-35 53-16,0-36 15,-18 54 1,-35 17 0,36 70 15,17 107-31,-18-1 15,18-123 1,0 71 0,-18-1-1,1-35 1,-1-53 0,-17-17-1,-36-36 1,1-34-1,-1-19 1,1 0 0,52 54-1,18 87 17,53 1-17,-36-53 1,72 52-16,-19-35 15,54-35 17,-89 0-32,71-17 15,53-54 1,-18-17 0,-53 0-1,-88 17 1,0 36-1,0 17 1,-35 54 0,-1 52-1,19 18 1,17-53 0,0 17 15,0-35-31,0-52 47,0-19-32,0-16 1,35-54 0,71-18-1,0 54 1,88 17-1,-89 88 1,-69 53 0,-19 18-1,-52 0 1,0-36 0,17-52-1,18 35 1,0-71 15,35-17-31</inkml:trace>
+  <inkml:trace contextRef="#ctx0" brushRef="#br0" timeOffset="126183.04">8767 7267 0,'-18'18'16,"18"-1"-16,-18 89 15,18 0 1,0 35 0,-35-35-1,17-35 16,18-18-31,-17-53 16,17 17 0,-18-17-1,18-17 1,0-36 0,0 0-1,71-35 1,-54 70-16,54-17 15,70-1 1,-18 36 0,-52 53-1,-53 35 1,-36-17 15,0-53-31,-88 52 16,1-17-1,-19-18 1,36-35-16,53 0 31,17 0-15,18-17 0,18-19-1,35 19 1</inkml:trace>
+  <inkml:trace contextRef="#ctx0" brushRef="#br0" timeOffset="126976.92">9543 7602 0,'0'-17'0,"0"34"0,-18-34 31,0 17-31,1 0 16,-1 0-16,-35 35 16,-17 36-1,34-1 1,36 18 0,-17-17-1,17-36 1,35-17-1,-17-18 1,-1-18 0,1-35-1,-18-17 1,35-36 0,36 18 15,17-1-16,18 54 1,0 35 0,-18 71-1,-88 17 1,-18 18 0,-52-36-1,-1-17 1,36-18-1,35-17 1,35-71 15,-17 36-31,70-72 16,0 19 0,18-54-1,-36 54 16,-52 52-15,-18 53 0,-53 54-16,0 34 15,18-52 17,35 17-17,18-71 1,-1-17-16,36 0 15,18-17 1,-1-54 0</inkml:trace>
+  <inkml:trace contextRef="#ctx0" brushRef="#br0" timeOffset="127950.8">11289 7373 0,'0'0'0,"-18"-53"31,18 35-31,0 1 15,36-36 1,52 53 0,-35 0-1,35 53 1,-53 17 0,-35 1 15,0-53-31,-88 70 15,-18-18-15,36-52 32,17 17-17,35-35 1,53-35 15,36 17-15,-18 18-1,35 18 1,-18 53 0,-34-19-1,-36-34-15,0 70 16,-53-17 0,-35-36 15,-53-17-16,-1-18-15,37 0 16,34-36 15,53 1-15,18 18 0,0-19-1,106 1 1,-88 35-16,70-35 15</inkml:trace>
+  <inkml:trace contextRef="#ctx0" brushRef="#br0" timeOffset="128548.04">12118 7391 0,'18'17'31,"-18"1"-31,0 0 16,-18 87-16,-17 1 31,17-70-31,-35 16 16,-17 19-1,34-53 1,19-18-1,70-36 17,17 19-17,36-1 1,0-17 0,0 17-1,-54-17 1,-16-18-1,-36 0 17,-18 0-17,-17 36 1,0-1 0,-1 53-1,19 53 1,17 18-1,-36-18 1,19-17 0,17-36-1,0-17 1,17-18 0,19-35-1</inkml:trace>
+  <inkml:trace contextRef="#ctx0" brushRef="#br0" timeOffset="129015.07">12859 7338 0,'0'0'0,"0"17"31,0 1-15,0 17-16,-18 71 16,-17 0-1,35-71-15,-53 89 16,53-36 0,18-35-1,70-53 1,18-18 15,17-35-15,-17-35-1,-53-18-15,-53 0 32,0-17-17,-88 52 1,-18 71-1,18 53 1,35 0 0,53 0-1</inkml:trace>
+  <inkml:trace contextRef="#ctx0" brushRef="#br0" timeOffset="129664.64">14605 7161 0,'18'-17'0,"-1"-1"0,1-17 16,0 35-1,-18 17 1,-53 54-1,-36 52 17,54-87-32,-141 123 15,-36-36 1,106-52 0,0-54-1,71-17 1,35-35-1,35-18 1,18-18 0,0 54-1,53-1 1,0 89 0,-36-18-1,-52-36-15,70 71 31,1-17-15,-37-53 0,-16-1-1,17-17 1,-36 0 0,1-17-16,0-19 15</inkml:trace>
+  <inkml:trace contextRef="#ctx0" brushRef="#br0" timeOffset="130076.33">15593 6950 0,'0'-18'15,"0"0"1,-18 18 0,-52 53-1,-1 36 1,-70 105-1,106-124-15,-159 177 16,52-88 0,-16 52-1,52-69 1,71-72 0,17-52-1,36-36 16,17-17-31</inkml:trace>
+  <inkml:trace contextRef="#ctx0" brushRef="#br0" timeOffset="130523.67">15663 7479 0,'0'0'0,"18"0"15,-18 18 32,0-1-47,0 1 0,-18 35 16,-17 0-1,35-36-15,-18 36 16,1-35 0,17-36 31</inkml:trace>
+  <inkml:trace contextRef="#ctx0" brushRef="#br0" timeOffset="130733.3">15716 7267 0,'0'0'0,"0"-35"16,-17 35 0,-1 0-1,18 35 1,0 0-1,18 1 1,-1-36-16</inkml:trace>
+  <inkml:trace contextRef="#ctx0" brushRef="#br0" timeOffset="131216.91">15946 7408 0,'0'0'0,"0"36"16,-18-19-16,18 19 16,-18 34-1,18 1 1,-17-18 0,-1-18-1,18-18 1,-18-17 15,18-35-15,18-35-1,35-1 1,35-35 0,53 36-1,-106 70 1,71 0-16,-17 53 31,-72 52-15,-17-34-1,-70 17 1,17-35 0,35-35-1,36-36 32,-1 0-47</inkml:trace>
+  <inkml:trace contextRef="#ctx0" brushRef="#br0" timeOffset="131559.79">16669 7408 0,'0'-17'16,"0"34"-16,0-17 31,0 18-31,0 0 16,0 52-1,0 54 1,0 17 0,-18 0-1,-35 53 1,-35 35-1,35-105 1,18-36 0,17-53-1,18-53 17,53-52-17,-35 52-15,-1-17 16</inkml:trace>
+  <inkml:trace contextRef="#ctx0" brushRef="#br0" timeOffset="131882.07">16739 7655 0,'0'-17'0,"0"34"0,-17-70 0,17 36 16,-18-71-1,18-1 1,53 36-1,70 36 1,-52 17 0,17 106-1,-88-1 1,-35-34 0,-71 0 15,0-36-31,71-18 15,17-17 17,36 0-17,17-17-15</inkml:trace>
+  <inkml:trace contextRef="#ctx0" brushRef="#br0" timeOffset="132627.91">17427 7285 0,'0'0'0,"0"17"15,-35 36 1,35-35-16,-35 53 31,-1 34-15,36-16-16,53-54 31,0-17-15,35-18-16,18-36 31,-35-17-15,17-88-1,-53 35 1,-17 18-1,-18 71 1,0 52 0,-53 71-1,35 52 1,18-87 0,0-18-1,71-35 16,-1-18-31,36-18 16,-70 0 0,69-88-1,-34 1 1,0-89 0,-54 70-1,-17 1 1,0 105-1,-35 71 1,0 70 0,-1 36-1,19-35 1,-1-1 0,18-52-1,0-54 1,35 1-1,36-18-15,17 0 32,-35-35-17,0-18-15</inkml:trace>
+  <inkml:trace contextRef="#ctx0" brushRef="#br0" timeOffset="132831.51">18168 7320 0,'-18'0'0,"36"0"0,-18 0 47,35 0-47,18 0 15,53 0 1,-18 0-1</inkml:trace>
+  <inkml:trace contextRef="#ctx0" brushRef="#br0" timeOffset="133331.1">18979 7038 0,'0'0'0,"0"18"47,0-1-47,0 1 0,53 70 16,-17-17-1,52 17 1,-71-71-1,107 36-15,-36-53 16,0 0 15,-70 0-31,0-17 16,-1-1 0,-123 18-1,18 35 1,-71 54-1,18 34 1,36-52 0,-1 17-1,70-53 1,36-17 0,-17-18 30</inkml:trace>
+  <inkml:trace contextRef="#ctx0" brushRef="#br0" timeOffset="135263.81">988 9578 0,'0'-18'0,"0"36"16,-18-36-1,18 36 48,18-18-63,-1 0 16,1 0-16,35 0 31,18-18-31,-1-35 15,-35 36 17,-35-19-32,0 19 15,-35-1 1,-53 18 0,0 0-1,-18 71 1,53-1-1,53-52-15,-18 52 16,18 19 0,18-72-1,52 1 1,1-18 0,17-35 15,-70 17-16,-18 0 1,-53 18 0,-53 36-1,36 17 1,-1 35 0,36 0-1,35-35 1,17 0-1,36-36 1,35-17 0,1 0-1,-72-17-15,72-18 16</inkml:trace>
+  <inkml:trace contextRef="#ctx0" brushRef="#br0" timeOffset="135982.95">1852 9596 0,'0'0'16,"0"-18"-16,-70 18 31,17 18-15,0 34-1,-36 54 1,72-35-1,17-18 1,0-36-16,70-17 31,-17 0-15,53-88 0,-35 35-1,-1-35 1,-70 70-16,18-34 15,0 34 17,-18 71-17,0 0 17,0 70-17,0-105-15,-18 88 16,18 52-1,0 36 1,0-35 0,18 71-1,-18-178-15,0 107 16,-71 18 0,18-72 15,-35-52-31,0-53 31,-36-53-15,1-70-1,-1-18 1,54 17 0,34-34-1,36 69 1,18-16-1,17 52 1,-17 35-16,35-17 16</inkml:trace>
+  <inkml:trace contextRef="#ctx0" brushRef="#br0" timeOffset="136330.67">2434 9648 0,'-17'0'15,"-1"0"1,18-17 15,0 34 16,0 1-47,0 0 0,0-1 16,0 1-1</inkml:trace>
+  <inkml:trace contextRef="#ctx0" brushRef="#br0" timeOffset="136539.51">2399 9966 0,'0'0'0,"0"18"0,-18-18 31,18 17-31,0-34 79,18 17-64</inkml:trace>
+  <inkml:trace contextRef="#ctx0" brushRef="#br0" timeOffset="137963.48">4692 9172 0,'0'0'15,"18"-17"-15,17-1 16,-35 0-16,0 36 16,-18 17-1,-35 53 1,-53 54-1,18-19 17,-53 53-32,124-123 15,-72 71 1,54-71 0,35-71 30,53-70-30</inkml:trace>
+  <inkml:trace contextRef="#ctx0" brushRef="#br0" timeOffset="138355.57">4992 9172 0,'0'0'0,"17"-17"0,1-1 0,0 18 15,-1-18-15,-17 36 47,0 17-31,-35 71 0,-18-35-1,-53 105 1,18-35-1,18-53 1,-1 0 0,36-35-1,35-35 1,0 0 0,17-18 62</inkml:trace>
+  <inkml:trace contextRef="#ctx0" brushRef="#br0" timeOffset="138663.21">5256 9578 0,'0'0'0,"0"35"31,0-17-31,0 35 16,-17 17-1,17-52 1,-18 35 0,0-18-1,18-53 32</inkml:trace>
+  <inkml:trace contextRef="#ctx0" brushRef="#br0" timeOffset="138875.66">5274 9366 0,'0'0'0,"-18"0"46</inkml:trace>
+  <inkml:trace contextRef="#ctx0" brushRef="#br0" timeOffset="139732.59">5627 9490 0,'0'0'0,"-18"0"31,18 17 1,0 36-17,0 18-15,0-54 16,0 89 0,-17-35-1,17-18 1,0-36-1,0-34 17,0-1-32,0-52 15,0-1 1,70-35 0,18 0-1,0 53 1,18 36-1,-70 17-15,52 17 32,-71 54-17,-17 35 1,0 0 0,-17-36-1,-19-17 1,19-53-16,17 18 15,35-54 17</inkml:trace>
+  <inkml:trace contextRef="#ctx0" brushRef="#br0" timeOffset="140108.01">6456 9454 0,'0'0'0,"-18"0"32,1 0-17,-1 36 1,18-19-16,0 89 16,0 18-1,0 52 1,-18 18-1,1-18 1,17-105-16,-18 141 16,0-159-16,-17 176 15,17-123 1,18-53 0,0-89 15,0 19-31,18-54 31,0-52-15,-18 87-16</inkml:trace>
+  <inkml:trace contextRef="#ctx0" brushRef="#br0" timeOffset="140447.59">6473 9719 0,'0'-88'16,"0"176"-16,0-247 15,0 124-15,18-36 16,70 36 0,0 35-1,54 18 1,-37 70 0,-105-17-1,-52 34 16,-72-16-31,18-19 32,18-35-17,53-17 1,70-53 15,18-1-15,-35 19-16</inkml:trace>
+  <inkml:trace contextRef="#ctx0" brushRef="#br0" timeOffset="141182.72">7091 9437 0,'17'0'0,"-17"17"31,0 19-15,0 52-1,0-53-15,0 36 32,0 17-17,0-53 1,18-35 0,53-17-1,-1-54 1,-35 18-1,18-53 1,-17 36 0,-19-1-1,-17 54 1,0 52 0,0 53-1,-17 53 1,17-53-1,0 0 17,53-52-17,52-36 1,19-53 0,-1-35-16,-52-1 31,-1-69-16,-17 17 1,-53 35 0,0 70-1,-17 54 1,-36 53 0,18 70 15,-1 18-16,36-54 1,0-69-16,0 52 0,0-35 16,53-53 15,18 0-15,-36-53-1,0-18-15</inkml:trace>
+  <inkml:trace contextRef="#ctx0" brushRef="#br0" timeOffset="141380.04">7832 9419 0,'0'0'0,"0"18"0,17-18 16,54 0 15,-1 0-15,19 0-1,-19-35-15</inkml:trace>
+  <inkml:trace contextRef="#ctx0" brushRef="#br0" timeOffset="141780.85">8767 9084 0,'-18'-18'0,"36"36"0,-36-53 16,18-1 0,0 19-16,35-1 15,36 1 1,-54 17-16,89 0 15,-18 0 1,-52 0 0,-36 17-1,-18 1 1,-35-1-16</inkml:trace>
+  <inkml:trace contextRef="#ctx0" brushRef="#br0" timeOffset="142080.44">8784 9031 0,'-17'0'16,"34"0"-16,-70 35 15,0 18 1,53-35-16,-35 35 16,-18 70-1,18 36 1,35-18-1,0 53 1,0-17 0,0-160-16,17 71 15,54-35 1,0-53 0,34-17-1,-16-36 1,34-53-1</inkml:trace>
+  <inkml:trace contextRef="#ctx0" brushRef="#br0" timeOffset="142349.32">9349 9225 0,'0'0'0,"-18"0"16,-53 0 15,54 0-31,17 18 0,-36 35 16,19 35-1,17 18 1,0-36 0,0-17-1,53-53 1,-18 0-1,0-35 17</inkml:trace>
+  <inkml:trace contextRef="#ctx0" brushRef="#br0" timeOffset="142581.9">9031 9437 0,'0'0'0,"18"0"47,-1 0-31,1 0-16,88 0 16,0 0-1,-36 0 1,-34-18-1</inkml:trace>
+  <inkml:trace contextRef="#ctx0" brushRef="#br0" timeOffset="142948.62">9507 9419 0,'0'0'0,"0"18"15,18-18 32,17 0-47,1 0 16,52-35-1,-35-18 1,-36 53 0,-17-18-16,0 0 15,-53 18 16,0 53-15,-17 18 0,52 17-1,1-35-15,17-35 16,0 34-16,88-34 31,-35-18-15,53-18-1</inkml:trace>
+  <inkml:trace contextRef="#ctx0" brushRef="#br0" timeOffset="143497.17">10019 9419 0,'-18'-17'0,"36"34"0,-53-34 0,35-1 15,0 0 1,17 1-1,19-1-15,16 18 16,54 0 15,-53 71-31,-53-19 32,0 19-17,-70 0 1,52-54-16,-35 18 15,35-17 1,18-36 15,0 1-31,53-18 16,36-54 0,-37 19-1,1 17 1,-35 35 15,-18 36 0,-35 17-15,35 0-16,-18 18 16,0 36-1,18-19 1,36-35-1,17-35 1,17 0 0,-52-17-16,17-1 0</inkml:trace>
+  <inkml:trace contextRef="#ctx0" brushRef="#br0" timeOffset="143798.17">10901 9137 0,'0'0'0,"0"-18"0,0 1 0,-18-1 0,-17 18 31,17 18-15,-35 52 0,18 54-16,0-36 31,0 35-16,17-87-15,0 34 16,18 1 0,0-54-1,36-17 1,16-35 0,-34 17-16</inkml:trace>
+  <inkml:trace contextRef="#ctx0" brushRef="#br0" timeOffset="144008.7">10583 9366 0,'-17'0'0,"34"0"0,-17 0 31,18 0-16,35 0 1,35 0 0,-70 0-16,52 0 15,-17 0-15</inkml:trace>
+  <inkml:trace contextRef="#ctx0" brushRef="#br0" timeOffset="144347.32">11359 9243 0,'-17'0'31,"-1"0"-31,1 0 0,-1 35 15,-35 36 1,35-1 0,-35 36-1,36-18 1,17-35 0,0-35-16,0 17 15,35-17 1,36-18-1,17-18 17</inkml:trace>
+  <inkml:trace contextRef="#ctx0" brushRef="#br0" timeOffset="144692.07">11659 9207 0,'18'0'16,"-36"0"-16,36-17 0,0 17 15,-1 0-15,1 17 16,52 54 0,-34 0-1,-19 17 1,-17 35-1,-17-17 1,17-88 0,-71 52-1,1 1 1,17-36-16,35-35 31,18-35 0</inkml:trace>
+  <inkml:trace contextRef="#ctx0" brushRef="#br0" timeOffset="145295.43">12294 9419 0,'18'0'0,"0"0"0,-1 0 15,36 0 1,-35 0-16,17 0 15,-17 0-15,35 0 16,-18 0 0,-17 0-1,-36 0 17</inkml:trace>
+  <inkml:trace contextRef="#ctx0" brushRef="#br0" timeOffset="145495.43">12365 9525 0,'0'0'16,"-18"0"-16,18 53 16,0-35-1,18-1 1,35-17-1,35 0 1,-35 0 0,0-35-16</inkml:trace>
+  <inkml:trace contextRef="#ctx0" brushRef="#br0" timeOffset="146192.41">13247 9137 0,'17'0'62,"1"0"-46,0 0 0,-1 0-16,-17-18 15,0 1 1,-17 17 46,-1 0-62,18 17 16,-18 1-16,-17 0 0,18 17 31,17-18-15,17-17 15,1 0-31,17 0 16,-17-17-16,-1-1 15,1-35 1,0 18 0,-18 17-1,-53 54 16,53-19-15,-53 36-16,18 35 31,17-17-15,18-36 0,18-17-1,34-18 1,-34 0-16</inkml:trace>
+  <inkml:trace contextRef="#ctx0" brushRef="#br0" timeOffset="147795.29">13652 9296 0,'0'17'32,"0"1"-17,0 0-15,18-18 16,0 0 0,35 0-1,-36 0-15,54-36 31,17-17-31,-35 0 32,-18-17-17,-35 17 1,0 35 0,-70 18-16,52 53 31,-17 53-16,17 0 1,18 0 0,0 70-1,-17-52 1,17-71 0,-18-18-1,-35-35 1,0 0 15,-35-35-31,53 17 16,-36-17-1,0-18 1,19 35 0,34 18-1,18 53 1,53 0-1,-36-35-15,36-1 16,18 1 0,35-18-1,-18-18 1,18-35 0,-18 0-1,-70 36-15,-1-54 31,1 1-31,-18 52 16,0 53 31,0-17-47,0 35 16,0-36-16,0 54 0,0-18 31,0-18-16,0-17 1,-18-18 15,18-53-15,0 35-16,0-52 16,0-1-1,53-35 1,35 53 15,1 18-15,52 53-16,-35 52 31,-71 1-15,-35 35-1,-35-36 1,-1-17-1,1-35 1,17-18 0,18-18 15,0 1-15,0-1-1</inkml:trace>
+  <inkml:trace contextRef="#ctx0" brushRef="#br0" timeOffset="148482.01">14799 9225 0,'0'0'0,"0"18"31,0-1-16,-18 1-15,18 17 16,0 36 0,-17-53-16,17 52 15,0-52-15,-18 52 16,0-17 0,18 0-1,0-35 1,0 17 15,0-17-31,0-1 0,0 1 16,0 0 15,0-36 16,0 0-47,0-17 15,0 17-15,0-35 16,0-35 0,36 35-1,34-17 1,36 35 0,18 35-1,-36 52 16,-53 37-15,-35-19 0,-106 18-1,-17-17 1,35-36-16,-1-17 31,72-18-15,-1 0-1,18-18 1,88-17 0</inkml:trace>
+  <inkml:trace contextRef="#ctx0" brushRef="#br0" timeOffset="149280.98">15469 9402 0,'0'-18'0,"-17"18"32,-19 0-17,-34 35 1,35 36 0,-1-1-1,36 36 1,0-35-1,0-54 1,36-17 0,-19 0-1,18-35 1,-17-36 0,-18 36-16,0 0 15,71-89 1,-1 54 15,1 35-31,35 35 16,-36 0 15,1 70-31,-71-52 16,17 70-1,-34-17 1,-54-1-1,18-35 1,53-17 0,0-71 15,53-17-15,18-19-1,-18 19 1,-18 17-1,0 35 1,-52 36 15,17 0-15,-53 52 0,35 1-1,18 34 1,0-34-1,18-53 1,-1-1-16,54-17 16,-18 0-1,35-53 1,-35 18 0</inkml:trace>
+  <inkml:trace contextRef="#ctx0" brushRef="#br0" timeOffset="150148">16598 9331 0,'-17'0'16,"-1"-35"15,18 17-31,0 0 16,53 1-1,-36 17-15,72-18 16,-19 18 0,-17 53-1,-53 0 1,-18 18 0,-52-36-1,52-18-15,-105 1 16,70 17-1,0-35 1,71-35 15,17 35-15,35-18 0,-52 18-16,106 0 15,-36 0 1,0 36-1,-35 34 1,-53 1 0,-35 17-1,-107-17 1,54-36 0,-18-35-1,18 0 1,71 0-1,17-35 1,0 17 0,35 0 15,18-17-31</inkml:trace>
+  <inkml:trace contextRef="#ctx0" brushRef="#br0" timeOffset="150780.73">17374 9349 0,'0'0'0,"18"-18"0,-18 36 31,0-1-15,-18 19-16,1-19 0,-19 54 31,-17 17-31,-35 0 31,53-53-15,17-17 0,18-53 15,53 17-16,0 0 1,18 1 0,17-18-1,-18-1 1,-52 36-16,35-53 16,-18 18-1,-35 0 1,0 0-1,0 17 17,-35 53-1,0 71-15,17-18-1,0 18 1,-17-18-1,35-53 1,0-17 0,18-36 15,17-17-15</inkml:trace>
+  <inkml:trace contextRef="#ctx0" brushRef="#br0" timeOffset="151279">18027 9331 0,'0'0'0,"-35"0"31,17 0-31,18 18 16,-53 17-1,0 53 1,36 18 0,-1-18-1,0-17 1,18-54-16,18 19 16,52-36-1,19 0 1,-19-36-1,18-17 1,1-52 0,-72 87-1,1-70-15,-18-36 32,-71 71-32,18 53 31,-70 0-16,70 36 1,35-19-16,-17 19 16,17-19-1,54-17 17</inkml:trace>
+  <inkml:trace contextRef="#ctx0" brushRef="#br0" timeOffset="152010.91">18732 9137 0,'0'0'0,"-17"0"32,-1 0-1,1 0-16,-1 0 17,0 0-17,1 0 1,17-18 0,0 1-1,0-19 1,17 36-1,1-17-15,-18-1 16,35 18 0,-17 35-1,-18 1 1,0 17 0,0-36-1,-18 1 1,18-36 31,0 1-32,0-1 1,18-17 0,-1 35-1,-17 17 1,0 54-1,-35 17 1,-53-17 0,35-36-1</inkml:trace>
+  <inkml:trace contextRef="#ctx0" brushRef="#br0" timeOffset="152756.28">19191 8731 0,'0'0'0,"18"0"15,-1 0 1,1 0-16,0 0 0,35 0 15,-36 0-15,54 0 32,-18 0-32,-18 18 31,-17 17-31,-18 18 31,0 53-15,0-18-1,0 18 1,0 17 0,-18-34-1,0 34 1,18-88-16,-35 106 16,17-52-1,1-1 1,-54-18-1,36-17 17,-18-35-17,-18-18 1,19 0 0,-1 0-1,0 0 1,17 0-1,-16 0 1,34 0 0,0 0-1,1 0 1</inkml:trace>
+  <inkml:trace contextRef="#ctx0" brushRef="#br0" timeOffset="152929.44">18927 10001 0,'-18'0'47,"0"0"-47,1 0 15,-1 0-15</inkml:trace>
+  <inkml:trace contextRef="#ctx0" brushRef="#br1" timeOffset="159863.31">6068 5098 0,'17'0'62,"1"0"-62,0 0 16,-1 0-16,19 0 15,-19 0-15,36 0 16,-18 0 0,-17 0-1,-36 0 32,1 0-31,-1 0-16</inkml:trace>
+  <inkml:trace contextRef="#ctx0" brushRef="#br1" timeOffset="160540.03">6032 5115 0,'0'0'15,"0"18"-15,-17-18 16,-1 18 0,1-1-1,-19 36 1,1 35 0,17 0-1,-35 1 1,18-19-1,0 1 1,17-54 0,18 1-1,18-18 32,35-53-47,0 18 31,17-18-15,1 35 0,-1-17-1,-52 35-15,35 0 16,-18 0 0,18 53-1,-35-18 1,-18 53-1,0-70 1,0 70-16,-35-17 31,-54-1-15,19-34 0,-54-1-1,36-35 1,-35 0-1,70 0 1,35 0 0</inkml:trace>
+  <inkml:trace contextRef="#ctx0" brushRef="#br1" timeOffset="163343.97">17321 9243 0,'18'0'94,"0"0"-94,-1 0 0,1 0 16,35 0-1,35 0 1,-17 0 0,-54 0-1,-34 0 16,-1 0-31,-35 0 16,0 0 15,18 0-31,0 0 16,-1 0 15,19 17-15,-19 1-1,1 17 1,17-17 0,-34 35-1,52-35-15,-53 34 16,35-16 0,-17 17-1,17-18 1,18 0-1,18-35 48,17 0-63,0-35 31,18 17-15,0 1-1,-35-1-15,35 18 16,0 0 0,-36 0-1,18 35 1,-35 1 0,18-1-1,-18 18 1,0 0-1,0 0 1,-53-1 15,0-16-15,-53-1 0,89-17-16,-89-18 15,53 0 1,-35 0-1,53 0 1,17 0 15,0 0 32,1 0-48,-1 17-15,0-17 16,1 0-16</inkml:trace>
+  <inkml:trace contextRef="#ctx0" brushRef="#br1" timeOffset="196268.78">11289 8643 0,'0'0'0,"0"-18"0,0 1 31,0-1-15,18 36 30,-1-1-30,54 54 0,-1 17-1,18 71 1,-17-36 0,17 54-1,-70-142-15,52 106 16,36 88-1,18 18 1,-18-17 0,-18-72-1,0 36 1,-70-141 0,34 89-16,-34-72 31,-18-35-16,35-35 1,-70-35 15,17 0-31,1-71 16</inkml:trace>
+  <inkml:trace contextRef="#ctx0" brushRef="#br1" timeOffset="196900.05">12700 8908 0,'18'-18'0,"-36"36"0,53-54 15,-35 19-15,36-36 16,-36 18-1,0 17 1,-18 36 15,-35 17-15,35-18-16,-87 89 16,69-53-1,-158 88-15,-123 71 31,-1 0-15,71-54 0,-53 36-1,18-52-15,106-54 32,123-53-17,35-35 1,18 18-1,18-18 32,0 0-31</inkml:trace>
+  <inkml:trace contextRef="#ctx0" brushRef="#br1" timeOffset="198905.56">776 12012 0,'0'0'0,"-35"-18"0,35 36 31,0 0-15,-18-1-1,1 1-15,-1-36 16,18 54 0,35-36-1,18 0 1,18-53 15,-36 0-31,-17 18 31,-18-1-15,-18 36 0,-88 18-1,88-18-15,-52 53 16,35-36-16,-54 89 15,-16 18 1,105-54 0,-18 18-1,36-70 1,52 0 0,18-18-1,-35 0 1,-53-18-1,53 0 17,-106 18-17,-17 0-15,-36 53 16,35 0 15,18 18-15,71-36-1,-89 71 1,142-124 0,-53 18-16,70-17 15,53-19 1,-70 1 0</inkml:trace>
+  <inkml:trace contextRef="#ctx0" brushRef="#br1" timeOffset="199624.38">1341 12259 0,'0'0'15,"-36"-18"-15,36 1 0,0-1 0,-17 18 16,-36 18 15,35-1-31,-70 54 16,35-1-1,35-17 1,1-17 0,70-36 15,-18 0-31,18-18 16,-36 0-1,72-52 1,-1-1-1,-53 18 1,-17 53 0,-18 36 15,0-19-31,-18 19 16,-17 69-1,17 1 1,1 35-1,-1 106 1,18 18 0,53-1-1,-18-70 1,18 1 0,-53-37-1,-53-87 16,53-54-31,-53 19 16,18-36-16,-89 0 16,-17-36-1,-53-87 1,18-71 0,141 53-1,35 35 1,0 53-16,70-70 15,18 17 1,18-71 0,-71 142-16</inkml:trace>
+  <inkml:trace contextRef="#ctx0" brushRef="#br1" timeOffset="199841.5">1799 12330 0,'0'0'0,"-17"0"0,-1 17 15,36-17 1,-18-17 0,0 34-1,17 1 16,-17 35-15</inkml:trace>
+  <inkml:trace contextRef="#ctx0" brushRef="#br1" timeOffset="199942.91">1782 12665 0,'0'0'16,"-18"0"-16</inkml:trace>
+  <inkml:trace contextRef="#ctx0" brushRef="#br1" timeOffset="200006.69">1746 12682 0,'18'0'16,"0"0"-1,17-17 1</inkml:trace>
+  <inkml:trace contextRef="#ctx0" brushRef="#br1" timeOffset="200572.07">3104 11483 0,'0'0'0,"0"-18"0,36-52 32,-36 87-1,0 19-31,-36 52 16,-16 88-1,-54 36 1,70-159-16,-34 70 15,35-70 1,-89 124 0,54-89-1,52-18 1,0-70 0,36-17-1,35-36 1,-18 35-16</inkml:trace>
+  <inkml:trace contextRef="#ctx0" brushRef="#br1" timeOffset="200921.59">3598 11465 0,'0'-17'0,"0"34"0,0-17 47,-17 36-47,-1-19 15,0 18-15,-35 54 0,-35 87 16,-35 53 15,17-17-15,53-89-1,0 1 1,18-71 0,35-18-1,35-52 17,-17-19-32</inkml:trace>
+  <inkml:trace contextRef="#ctx0" brushRef="#br1" timeOffset="202306.23">3916 11959 0,'0'-17'15,"-18"34"32,18 1-47,0-1 0,0 89 31,0-35-31,0 17 16,0-53 0,0-17 15,0-36 0,0 1-31,0-1 0</inkml:trace>
+  <inkml:trace contextRef="#ctx0" brushRef="#br1" timeOffset="202408.12">3951 11695 0</inkml:trace>
+  <inkml:trace contextRef="#ctx0" brushRef="#br1" timeOffset="202507.97">3933 11642 0,'18'0'31,"-18"17"-15,18 1-1,35 35 1</inkml:trace>
+  <inkml:trace contextRef="#ctx0" brushRef="#br1" timeOffset="202984.9">4198 11906 0,'0'0'0,"0"18"0,0 0 0,0 52 16,0-52-16,0 52 16,18-17-1,-18-35-15,0 52 31,0-52-31,-18-18 47,0-53-31,18 35-16,0-17 16,0 18-16,18-107 15,70 36 1,71 17-1,-36 71 1,19 18 0,-72 53-1,-70 34 1,-35 1 0,-18-53-1,18-18 1,52-35 31,1-17-47,0-1 0</inkml:trace>
+  <inkml:trace contextRef="#ctx0" brushRef="#br1" timeOffset="203340.36">5080 11853 0,'-18'0'32,"18"18"-32,0 0 15,0 35-15,0 52 16,0 72 0,0-124-16,0 176 15,0 0 16,-35 89-15,-18-107 0,18 19-16,-18-72 15,53-105 1,0-35 0,0-53 15,0 17-31,18-88 15,17 18-15</inkml:trace>
+  <inkml:trace contextRef="#ctx0" brushRef="#br1" timeOffset="203671.66">5080 12083 0,'0'0'0,"-18"-18"0,1-17 0,17 17 15,-18-52-15,18 17 16,0 35-16,88 0 31,18 1-15,18 52 0,-72 36-1,-52 34 1,-105 1-1,-1-35 1,18-18 0,70-53-1,53 0 17,1-36-17</inkml:trace>
+  <inkml:trace contextRef="#ctx0" brushRef="#br1" timeOffset="204404.83">5574 11924 0,'0'-18'15,"0"36"-15,35-71 16,-35 35-16,0 36 47,0 53-32,0 52 1,0-17 0,0-53-1,0-36-15,35 1 16,18-18 0,71-71-1,-36 1 16,18-71-31,-36 0 32,-52 105-32,-18 89 47,-35 36-32,17 34 1,18-35-1,18 18 1,52-88 0,36-18-1,0-71 1,-71 36-16,18-18 16,35-106-1,-70 124 1,17-89-1,-35-17 1,0 53 0,-35 123-1,17-17 1,1 53 0,17-54-16,-18 142 15,0-53 1,18 35-1,0-53 1,36-53 0,70-35-1,-54-53 1,54-35 0</inkml:trace>
+  <inkml:trace contextRef="#ctx0" brushRef="#br1" timeOffset="204622.76">6579 11783 0,'-35'0'16,"70"0"-16,-88 0 0,36 17 16,17 1-1,35-18 1,36 0-1,-54 0-15,89 0 16,-35-35 0,-36 17-16</inkml:trace>
+  <inkml:trace contextRef="#ctx0" brushRef="#br1" timeOffset="205007.73">7408 11289 0,'0'0'0,"-17"-35"0,105-1 32,-70 36-32,17-17 0,88 17 15,18-36 16,0 36-15,-105 0 0,-54 18-1,-123 17 1</inkml:trace>
+  <inkml:trace contextRef="#ctx0" brushRef="#br1" timeOffset="205220.64">7444 11236 0,'-53'18'15,"106"-36"-15,-142 53 16,72 1 0,-36 69-1,0-16 1,35 105 0,1 17-1,-19-17 16,36-141-31,-17 212 0,17-177 16</inkml:trace>
+  <inkml:trace contextRef="#ctx0" brushRef="#br1" timeOffset="205316.57">7250 12912 0,'52'0'16,"37"0"-16,69-53 31,19-71-15,-89 36-16</inkml:trace>
+  <inkml:trace contextRef="#ctx0" brushRef="#br1" timeOffset="205656.89">8096 11712 0,'0'0'15,"0"-17"-15,-17-1 0,17 0 16,-36-17 0,19 17-1,-54 18 1,1 89-16,34-1 31,19 71-15,-1-18-1,18-106-15,0 106 16,71-53 0,52-88-1,-35 0 1,-17-35 0</inkml:trace>
+  <inkml:trace contextRef="#ctx0" brushRef="#br1" timeOffset="205738.64">8484 11889 0,'0'-36'16,"0"72"-16,0-89 0</inkml:trace>
+  <inkml:trace contextRef="#ctx0" brushRef="#br1" timeOffset="206408.06">8308 12153 0,'0'71'31,"18"-54"-15,52 1 0,-17-18-1,0-35 1,-53 17-16,0-52 16,0 17-1,-35-53 1,35 53 15,0-18-31,88 54 31,-18 17-15,36 0 0,-53 53-1,0 35 1,-53 18-1,0-89-15,-18 54 16,-34-1 0,34-52-1,0-18 1,1-18 0,17-35-1,35-70 1,35 17-1,72 0 17,-19 71-17,0 35 1,-17 71 0,-88-54-16,-18 71 15,0 1 1,-18-19-1,-17 1 1,0-36 0,17-35-1,-35-18 1,18-17 0</inkml:trace>
+  <inkml:trace contextRef="#ctx0" brushRef="#br1" timeOffset="206873.46">8502 11818 0,'-18'0'16,"36"35"-1,-36-35-15,-35 0 16,18 71-1,35-1 1,-35 54 0,35-54-1</inkml:trace>
+  <inkml:trace contextRef="#ctx0" brushRef="#br1" timeOffset="207439.17">7214 12453 0,'0'0'0,"-17"35"31,-1-17-31,18 0 0,-18-18 16</inkml:trace>
+  <inkml:trace contextRef="#ctx0" brushRef="#br1" timeOffset="207556.43">7161 1235 0,'0'0'16,"36"0"15,17 0-31,17 0 32,1 0-17,70 0 1</inkml:trace>
+  <inkml:trace contextRef="#ctx0" brushRef="#br1" timeOffset="208755.67">7073 12524 0,'0'-18'16,"18"18"0,-1 0-1,1 0 1,0 0 15,-18 18-15,0 17-16,0 0 15,0 53 1,0 1 0,0-1-1,0-71 1,17 19-16,19-36 15,34 0 17,18 0-17,18-53-15</inkml:trace>
+  <inkml:trace contextRef="#ctx0" brushRef="#br1" timeOffset="209255.61">9860 11642 0,'0'-18'0,"0"36"0,18-36 0,-18 0 15</inkml:trace>
+  <inkml:trace contextRef="#ctx0" brushRef="#br1" timeOffset="209466.53">9913 11571 0,'-18'0'16,"1"0"-16,-1 35 0,-70 36 31,229-177-31,-353 353 15,195-212-15,-1 54 16,0 69 0,18-70-1,53 1 1,36-89 0,-1 0-1,18-71 16,-53 18-31,-53 18 16</inkml:trace>
+  <inkml:trace contextRef="#ctx0" brushRef="#br1" timeOffset="209672.04">9578 11942 0,'-18'0'0,"36"0"32,17 0-17,89-18 1,34-35 0,-105 35-1</inkml:trace>
+  <inkml:trace contextRef="#ctx0" brushRef="#br1" timeOffset="210415.14">10089 12153 0,'0'53'32,"18"-35"-32,0-18 0,-1 17 15,54 1 1,-1-18 0,1-35-1,0-18-15,-19-18 31,-16-52-15,-36 52 0,0 18-1,-36 53 1,36 53 0,0 35-1,0 36 1,0-106-1,36 87 1,34-87 0,-34-18-1,34 0 1,1-53 0,-1 0-16,-52 36 15,35-72-15,-36 1 31,-52 71 1,18 17-17,-1 17 1,0-17 0,1 18-16,-1-18 0</inkml:trace>
+  <inkml:trace contextRef="#ctx0" brushRef="#br1" timeOffset="210916.11">10425 11871 0,'0'-18'0,"0"36"0,0-53 16,0 17 0,0 0-16,0 1 15,-18 17-15,0 0 16,-17 0 0,-36 53-1,1 53 1,52-1-1,-17 1 1,35-18 0,35-35-1,36-53 1,-54 0-16,54 0 16,17-17-1</inkml:trace>
+  <inkml:trace contextRef="#ctx0" brushRef="#br1" timeOffset="211295.44">10989 11642 0</inkml:trace>
+  <inkml:trace contextRef="#ctx0" brushRef="#br1" timeOffset="211515.14">10936 11712 0,'18'0'47,"-1"0"-32,1 0-15,0-17 16,-18-19 0,0 19-1,-18-1 1,-35 18-1,35 18 1,18 17 15,0-17-31,0-1 16</inkml:trace>
+  <inkml:trace contextRef="#ctx0" brushRef="#br1" timeOffset="211603.65">11307 11836 0</inkml:trace>
+  <inkml:trace contextRef="#ctx0" brushRef="#br1" timeOffset="211939.48">11483 11800 0,'0'0'0,"18"0"31,70-17-15,-71 17-16,36 70 16,-35-52-16,-18 70 15</inkml:trace>
+  <inkml:trace contextRef="#ctx0" brushRef="#br1" timeOffset="212079.5">11518 12136 0</inkml:trace>
+  <inkml:trace contextRef="#ctx0" brushRef="#br1" timeOffset="212823.2">11218 11889 0,'0'0'0,"0"17"47,0 1-31,0 0-16,0 17 15,-17 18 1,17-36-16,-18 72 16,0-19-1,1-35 1,17-17-1,0-36 48,0 1-63,17-36 16,-17 0 15,18-35-16,35 35 1,-53 35-16,71-52 16,17 34-1,-18 1 1,1 35 0,-1 18-1,-52 17 16,0-17-31,-18 52 0,0-35 16,0 36 0,-53 17-1,35-53 1,0 18 0,18-35-16,0-36 46</inkml:trace>
+  <inkml:trace contextRef="#ctx0" brushRef="#br1" timeOffset="213404.88">12224 11871 0,'0'0'0,"17"0"0,1-18 15,0 18-15,-18-17 16,17 17-16,-17-36 0,-53 36 47,-70 0-47,35 36 31,0 17-15,70-53-16,0 35 15,18 0 1,36-17 0,16-1-1,54 1 1,-18 17-1,-17 1 17,-53-1-17,-18 0 1,-53-17 0,-35 17-1,-18 0-15,18-35 31,35 18-15,17-18 0,19 0-1,17-35 1</inkml:trace>
+  <inkml:trace contextRef="#ctx0" brushRef="#br1" timeOffset="-214341.55">13564 11289 0,'0'-18'0,"0"-52"31,18 70-31,-18-36 16,0 19 0,0-1-16,-18 0 15,-70 18 1,0 53-1,-36 71 17,-34 52-17,34-17 1,89-106-16,-89 159 0,72-54 31,52 54-15,35-36-1,35-87 1,71-36 0,18-53-1,-18 0 1,-35-71 0</inkml:trace>
+  <inkml:trace contextRef="#ctx0" brushRef="#br1" timeOffset="-213991.3">13705 11518 0,'0'0'0,"0"-17"15,-17 52 1,-1 35 0,0 54-1,1-36 1,-18 36 0,35-107-16,0 71 15,0-35 1,17-53-1,18 0 17,-17-17-17,0-36-15</inkml:trace>
+  <inkml:trace contextRef="#ctx0" brushRef="#br1" timeOffset="-213792.74">13494 11836 0,'0'0'0,"17"0"31,1 0-31,17 0 16,53 0-1,18-18 1,-70 0-1</inkml:trace>
+  <inkml:trace contextRef="#ctx0" brushRef="#br1" timeOffset="-213407.38">13935 11836 0,'17'0'47,"1"0"-31,-18-18-16,18 18 0,70-35 15,-35-1 1,0-16 0,-71 52-1,0 0-15,-70 0 16,18 35-1,-1 18 17,36 35-32,35 18 31,0-89-31,0 36 16,53-17-1,17-36 1,1-18-1,17-35 1</inkml:trace>
+  <inkml:trace contextRef="#ctx0" brushRef="#br1" timeOffset="-212860.07">14287 11765 0,'0'0'15,"0"-18"-15,0 1 16,53-1-1,-35 1 1,35 17-16,18 0 31,-1 52-31,-70 19 32,0 0-17,-88 17 1,35-35-1,35-18 1,1-35 0,34-35-1,54-18 1,-1-35 0,1-18-1,-18 35 1,-35 54-1,-54 52 17,1 35-17,17-52 1,1 70 0,17 0-1,0-35 1,53-17-1,17-19 1,18-17 0,1-70-1,-19 17 1</inkml:trace>
+  <inkml:trace contextRef="#ctx0" brushRef="#br1" timeOffset="-212573.69">15169 11483 0,'0'18'31,"-17"-1"-31,-1 18 16,-35 71 0,36-18-1,-19 18 1,36 18-1,0-107-15,0 36 16,36-17 0,34-36-1,-17 0 1,-18-71 0,-17 36-1</inkml:trace>
+  <inkml:trace contextRef="#ctx0" brushRef="#br1" timeOffset="-212501.54">14940 11783 0,'-70'-18'15,"140"36"-15</inkml:trace>
+  <inkml:trace contextRef="#ctx0" brushRef="#br1" timeOffset="-212385.41">15381 11730 0,'53'0'16</inkml:trace>
+  <inkml:trace contextRef="#ctx0" brushRef="#br1" timeOffset="-212059.66">15716 11589 0,'0'0'0,"-17"17"63,-1 1-47,18 0-16,0 35 15,-18-36-15,1 54 16,-19 17-1,19-70-15,17 35 16,0-1 0,53-52-1,0 0 1,17 0 0,1-52-1,-36 16 1</inkml:trace>
+  <inkml:trace contextRef="#ctx0" brushRef="#br1" timeOffset="-211498.67">14887 11695 0,'18'0'0,"-1"17"16,1-17-16,35 0 15,-35 0-15,88 0 16,-18 0-1,-53 0 1,-17 0 15</inkml:trace>
+  <inkml:trace contextRef="#ctx0" brushRef="#br1" timeOffset="-210875.72">15716 11571 0,'0'18'47,"-17"-1"-31,-1 1-16,0 53 31,1-54-31,-1 54 16,0 17-16,18-35 15,18 0 16,35-53-15,0 0 0,70 0-1</inkml:trace>
+  <inkml:trace contextRef="#ctx0" brushRef="#br1" timeOffset="-210493.39">16140 11553 0,'0'0'0,"0"-17"16,17-1-1,1 18 1,-1 0-16,54 0 15,-18 18 1,-18 52 0,-17 19-1,-18-19 1,-18 18 0,-70 1-1,35-54 1,35-18-1,36-34 32,0-1-47</inkml:trace>
+  <inkml:trace contextRef="#ctx0" brushRef="#br1" timeOffset="-209693.58">16775 11942 0,'0'-18'47,"0"0"-32,0 54-15,17-36 0,1-36 32,-1 36-17,-17 18 1,0 0 0,0 17-1,-17-18 1,-36 19-1,88-36 1,-70 0 0,17 0-1,18-18 1,0-17 0,18 17-1,-18 1-15,53-1 16,-36 18-1,-17 35 32,0 0-47,-17 1 32,-1-19-32,-17 19 0,17-36 31,18-18 16,0 0-47,0 1 0,36-19 15,-1 1 1,-18 35 0,1 0-1,-18 18 1,0 88-1,-35-36 1,17-52 0,-88 70-1,-35-17-15,53-36 32,18-35-32,52 0 0</inkml:trace>
+  <inkml:trace contextRef="#ctx0" brushRef="#br1" timeOffset="-208641.89">17074 11148 0,'0'17'16,"0"1"-1,0 0 1,0-1 0,0 1-1,18-18 32,0-18-47,-18-17 16,0 0-1,-18 52 32,0 36-31,1 0-1,17 0 1,0-18 0,17-35-1,1 0 1,0 0-16,17 0 16,0-35-1,-17-18 1,-18 0-1,-18 0 17,-35 53-17,36 53 1,-36 36 0,18 16-16,35-34 31,0-1-31,0-52 15,35 0 1</inkml:trace>
+  <inkml:trace contextRef="#ctx0" brushRef="#br1" timeOffset="-207845.37">17604 11377 0,'17'0'16,"-34"0"-16,52 0 0,88 0 16,-105 0-1,17 0-15,-17 0 16,17-53-1,-17 36-15,-18-36 16,0 17 0,0 19-1,-53 17 1,35 106 0,-17 52-1,35-34 1,0-36-1,0-18 1,0-17 0,0-17 15,-53-36-15,35 0-16,-87 0 15,16 0 1,19-18-1,35 0 1,52 18 15,1 0-31,52-17 16,-52 17-16</inkml:trace>
+  <inkml:trace contextRef="#ctx0" brushRef="#br1" timeOffset="-207324.51">18045 11571 0,'0'18'31,"0"-1"-31,0 1 0,0 0 16,-18 17-1,0 35-15,18-52 16,-17 17 0,-1 1-1,0-36 17,1 0-17,17-53 1,0 35-16,17-35 15,72-35 1,16 0 0,19 70 15,-36 18-31,-53 0 16,18 88-1,-53-17-15,-53 17 31,-17-17-15,17-36 0,18-17-1,35-36 17,17-17-17</inkml:trace>
+  <inkml:trace contextRef="#ctx0" brushRef="#br1" timeOffset="-206944.38">18785 11324 0,'0'0'0,"-17"18"16,17 17-16,-18 36 0,18-54 15,-35 89 1,17 0 0,1-18-1,17-35 1,0-18 0,0-17-1,-18-18 1,18-18-1,0-35 1,0 0 0,18-17-1,34 35 17,1-1-32,36 19 15,-36 17-15</inkml:trace>
+  <inkml:trace contextRef="#ctx0" brushRef="#br1" timeOffset="-206747.62">19085 11642 0,'18'53'16,"-18"-1"0,-18-157-16,-35 263 15,36-140-15,-54 17 16,54-17-16,-72 17 16,36-35-1,18 0 1,0 0-1,35-35 17,0 17-17,0 1-15</inkml:trace>
+  <inkml:trace contextRef="#ctx0" brushRef="#br1" timeOffset="-205910.65">19385 11553 0,'0'0'0,"-18"0"0,1 0 0,-18 0 16,-1 36 0,1-1-1,-18 53 1,53-17-1,0-36 1,18-35 15,17 18-31,-35-36 47,0-17-31,0-18-1,53-18 1,35 18 0,0 0-1,-52 53-15,52-17 16,-53 17-16,36 0 16,-18 70-1,-36 19 1,-34-37-1,-54 19 1,53-53-16,-52 17 31,52-17-31,18-36 47,18 0-47,-1 1 16,36-36-1,18-18 1,-36 54-16,71-89 16,17 35-1,-70 71 1,-35 0 0,-18 53-1,-88 35 1,17 0-1,36-17 17,17-18-32,18-18 31,53-17-15,-35-18-16,88 0 15,-36 0 1,1-35-1,-36-1-15</inkml:trace>
+  <inkml:trace contextRef="#ctx0" brushRef="#br1" timeOffset="-205240.13">20285 11201 0,'0'17'32,"-18"-17"-32,36 0 31,-18 18-15,0-36 30,0 1-30,35-1 0,0-17-1,-35 17 1,18 18-16,0 0 16,-18 35-1,0 36 1,-53 0-1,35-19 17,0-34-32,-17 0 0,0-1 15</inkml:trace>
+  <inkml:trace contextRef="#ctx0" brushRef="#br1" timeOffset="-204832.48">20532 10989 0,'35'-35'31,"-17"35"-31,-1 0 0,18 0 16,18 17-1,-35 1-15,35 35 32,-35 17-17,-1-34-15,19 105 16,-19 0-16,-34 0 31,-54-35-15,-35-18-1,-35 0 1,18-70 0</inkml:trace>
+  <inkml:trace contextRef="#ctx0" brushRef="#br1" timeOffset="-204741.74">20532 11695 0,'0'-18'0,"53"-17"0</inkml:trace>
+  <inkml:trace contextRef="#ctx0" brushRef="#br1" timeOffset="-204110.05">20920 10707 0,'0'-18'0,"0"36"0,17-36 31,1 18-31,53 0 16,-36 0-16,71 0 15,17 0 1,18 0 15,-53 0-31,-52 18 32,-19 35-17,-17 35 1,0 0-1,0 53 1,0 36 0,-17-1-1,-19-17 1,-16 17 0,34-52-1,-35-1 1,-35-17-1,-18-36 1,18-34 15,52-19-31,-87 1 16,-18-18 0,35 0-1,-17 0-15,70 0 31,35-18-15,18 1 0,-35-1-1,17 18 1</inkml:trace>
+  <inkml:trace contextRef="#ctx0" brushRef="#br1" timeOffset="206924.1">0 5027 0</inkml:trace>
+  <inkml:trace contextRef="#ctx0" brushRef="#br1" timeOffset="-8849.62">0 0 0</inkml:trace>
+</inkml:ink>
+</file>
+
+<file path=ppt/ink/ink15.xml><?xml version="1.0" encoding="utf-8"?>
+<inkml:ink xmlns:inkml="http://www.w3.org/2003/InkML">
+  <inkml:definitions>
+    <inkml:context xml:id="ctx0">
+      <inkml:inkSource xml:id="inkSrc0">
+        <inkml:traceFormat>
+          <inkml:channel name="X" type="integer" max="1920" units="cm"/>
+          <inkml:channel name="Y" type="integer" max="1080" units="cm"/>
+          <inkml:channel name="T" type="integer" max="2.14748E9" units="dev"/>
+        </inkml:traceFormat>
+        <inkml:channelProperties>
+          <inkml:channelProperty channel="X" name="resolution" value="55.81395" units="1/cm"/>
+          <inkml:channelProperty channel="Y" name="resolution" value="55.95855" units="1/cm"/>
+          <inkml:channelProperty channel="T" name="resolution" value="1" units="1/dev"/>
+        </inkml:channelProperties>
+      </inkml:inkSource>
+      <inkml:timestamp xml:id="ts0" timeString="2022-11-30T02:52:45.181"/>
     </inkml:context>
     <inkml:brush xml:id="br0">
       <inkml:brushProperty name="width" value="0.05292" units="cm"/>
@@ -414,89 +1160,130 @@
       <inkml:brushProperty name="color" value="#FF0000"/>
     </inkml:brush>
   </inkml:definitions>
-  <inkml:trace contextRef="#ctx0" brushRef="#br0">4075 1270 0,'0'-18'0,"0"36"32,0 0-17,0-1-15,0 89 16,-53 18-1,-36 70 1,72-141 0,-36 17-16,-35 54 15,35-89 17,35-35-17,18-35 1,0-36-1,35-35 1,1 0 0,34-17-1,-17 88 1,-18 35 0,1 52-1,17 54 1,-36-35-1,1-36-15,35 18 16,0-18 0,0-35-1,17-35 17,1-18-17,-1-53 1,-52 71-16,-18-53 15,0-18 1,-35-35 0,-36 35-1,-52 36 1,34 70 0,-34 52-1,17 54 1,106-18-1,35 1 1,54-36 0,52-18-1,-106-35 1,53 0 0,-52 0-16,52 0 15,-35 0 1,-18 0-1,-17 0-15</inkml:trace>
-  <inkml:trace contextRef="#ctx0" brushRef="#br0" timeOffset="483.48">4604 1570 0,'0'-18'47,"0"-17"-32,17 35 1,1 0-16,0-18 0,-1 18 16,54 0-1,17 18 1,-70 0-16,35 34 15,-18 54 1,-35 0 0,-18 18-1,1-71 1,-1-18 0,18-88 15,0 35-16,0 1-15,0-36 0,18-18 16,35-52 0,-18 52-1,18 36 17,-36 35-32,36 0 15,0 0 1,-18 0-16</inkml:trace>
-  <inkml:trace contextRef="#ctx0" brushRef="#br0" timeOffset="1166.81">5733 1958 0,'17'0'0,"1"0"16,17-18-16,18-17 16,-18-53-1,-35 17 17,-35-17-17,-35 17 1,34 54-16,-52-1 15,-53 18 1,53 53 0,-18 53-1,71 0 1,17 17 0,36-35-1,70-35 1,0-53-1,36-17 1,-36-36 0,18-35 15,-54-36-15,-34 36-1,-18 0 1,0 70-1,-18 36 1,-17 35 0,35 88-1,0-53 1,0 0 0,53-53-1,18-17 1,-1-18-1,-52 0-15,35-18 16,17-34 0,-52 34-1</inkml:trace>
-  <inkml:trace contextRef="#ctx0" brushRef="#br0" timeOffset="1782.7">6227 1711 0,'0'-18'15,"0"36"-15,0-106 16,0 52-16,0 54 31,-18 17-15,0 54-1,18 34 1,0-52 0,0-1-1,0-52 1,36-1-1,-19-34 1,54-54 0,-36 18-1,-17 18 1,17-35 0,-17 17-1,-18 88 16,0 18-15,0 53 0,0-53-1,17-36-15,54 36 16,17-35 0,35-18-1,-34-18 1,16-35-1,-87 36-15,0-72 16,-18-52 0,-53 35-1,-18 36 1,18 52 15,0 18-15,36 35-1,17 1 1,35-19 0,0-17-16</inkml:trace>
-  <inkml:trace contextRef="#ctx0" brushRef="#br0" timeOffset="2367.96">7355 1341 0,'0'-18'0,"0"36"0,-17-54 0,-1 19 16,0 17-1,-17 0-15,18 0 16,-19 35 0,36 53-1,-17 0 1,17 36-1,0 35 1,0-36 0,0-35-1,0-70 1,0-36 15,0 1-31,17-36 16,1-18-1,0 36-15,17-36 16,53-35 0,18 89-1,-18 34 1,0 54 15,-52 17-15,-19 18-1,-87-18 1,-54-35 0,18-53-1,0 0 1,54 0 0,34 0-16,0 0 15,18-35 1,36-36-1</inkml:trace>
-  <inkml:trace contextRef="#ctx0" brushRef="#br0" timeOffset="2517.07">8237 1799 0,'0'-17'0,"0"34"0,0-52 0,0 0 16</inkml:trace>
-  <inkml:trace contextRef="#ctx0" brushRef="#br0" timeOffset="3682.66">7832 1870 0,'0'88'31,"0"-70"-31,0-1 16,17 1-16,19 17 16,69-35-1,-16 0 1,16-35-1,-87 17-15,53-52 16,-18-54 0,-36 18-1,1 18 1,-18 53 0,-18 35-1,-17 88 1,17-17-1,18 17 1,0-53 0,0 0-1,0-17 17,0-36-1,0 1-16,0-1 1,0 0-16,0 1 16,0-1-1,0 1 1,0-19 0,0 1-1,0 0 1,-17-1-1,-19 1 1,19 17-16,-36 1 16,18-1-1,-18 18 1,-18 53 15,18 18-15,-35 52-1,70-35 1,18 1 0,0-37-1,53-34 1,53-18 0,-18 0-1,-70 0-15,88-35 16,-53-18-1,17-18 1,-52 1 0,-1-1-1,-17 18 1,0 36 15,0-1-15,0 36 15,0-1-15,0 19-16,0 34 15,0 1 1,0-36-16,0 36 16,18-19-1,17-34 1,18 0-1,18-18 1,-54 0-16,54-36 16,35-34-1,-88 52 1</inkml:trace>
-  <inkml:trace contextRef="#ctx0" brushRef="#br0" timeOffset="3982.81">9084 1658 0,'0'0'16,"0"-35"-16,0-1 16,-18 1-1,-17 35 1,-18 0 0,-35 71-1,17 35 1,36 17-1,18-35 1,17 0 0,52-52-1,54-19 17,53-17-17,-71-53 1,18 1-16</inkml:trace>
-  <inkml:trace contextRef="#ctx0" brushRef="#br0" timeOffset="4666.41">9543 1446 0,'0'-35'0,"0"70"0,0-105 0,0-1 16,0 54-1,0 34 1,0 1-16,-36 35 15,1 70 1,0 54 0,17-36-1,1-35 17,17-53-17,0-36 1,0-34 15,0-19-15,17-34-1,-17 34-15,53-34 16,18-18 0,17 17-1,-18 71 1,-34 18-1,-36 35 1,0-18 0,-53 18-1,-18-35 1,54-18 0,-19 0-1,1 0 1,0 0-1,35 17 1,0 1 0,0 35-1,35-18 1,36 18 0,-19-18-1,1-17 1,-35-18-1,17 0 1,-52-35 0,34 17-1</inkml:trace>
-  <inkml:trace contextRef="#ctx0" brushRef="#br0" timeOffset="5266.69">11271 1623 0,'0'0'0,"0"-36"0,0 19 0,0-54 16,-17 36-1,-1 35-15,0 0 16,-70-18-1,0 18 1,-36 71 0,54 35-1,52-71-15,-17 71 16,35-71-16,0 53 16,35 1-1,36-54 1,70-35-1,18-53 1,-36 0 0,18-106-1,-123 53 17,-18-52-17,-35 69 1,-89 1-1,1 88 1,87 0-16,19 0 0</inkml:trace>
-  <inkml:trace contextRef="#ctx0" brushRef="#br0" timeOffset="5650.35">10954 1393 0,'35'36'16,"-17"-19"-16,87 1 16,37-18-1,52 0 1,-141 0-16,158-35 15,-969-1-15,1640 36 16,-829-17 0,-36-1-16,36-17 0,-53-18 15,-35-53 17,-36 71-17,1 35 1,-1 88-1,54 0 1,-1 89 0,18-1-1,0 89 1,0-212-16,0 211 16,-35-35-1,-18 71 1,17-17-1,19-19 1</inkml:trace>
-  <inkml:trace contextRef="#ctx0" brushRef="#br0" timeOffset="5718.04">11518 3545 0,'0'-53'16,"0"36"0,0-71-1,0 17 1</inkml:trace>
-  <inkml:trace contextRef="#ctx0" brushRef="#br0" timeOffset="5767.43">11395 2910 0,'0'-35'0</inkml:trace>
-  <inkml:trace contextRef="#ctx0" brushRef="#br0" timeOffset="6382.07">13494 1411 0,'0'0'0,"17"0"0,36-106 31,-53 89-31,0-19 16,0 19-16,-17-36 15,-54 53 1,-70 17 15,18 54-15,-1 52-1,89-87-15,-18 87 16,35 36 0,71-36-1,18-70 1,70-17 0,-35-36-1,17-18 1,-88 0-16,54-35 15,-19 18 1</inkml:trace>
-  <inkml:trace contextRef="#ctx0" brushRef="#br0" timeOffset="6866.86">14182 1446 0,'17'0'0,"-34"0"0,52-17 16,-17-1-16,-1-35 15,-34 53 1,-36 0 0,-36 0-1,-52 35 1,71 18 0,35 18-1,17-18 1,71-36-1,53 19 1,-71-19-16,35 1 16,-34 0-16,70 35 15,-54-18 17,-52 18-17,-17-18 1,-107-17-1,-52 17 1,70-35 0,18 0-1,53-18 1,35-17 0,0 0-1,35 0 1,36 17-1</inkml:trace>
-  <inkml:trace contextRef="#ctx0" brushRef="#br0" timeOffset="7366.69">14922 1482 0,'18'0'15,"-36"0"-15,54-18 0,-19 0 16,-17 1-16,0-1 16,-53 0-1,-35 18 1,-18 36 0,54-1-1,-1 36 1,53-19-1,0 1 1,88-17 0,0-1-1,0 18 1,-17-18 15,-36 18-15,-35-35-1,-88 17 1,-18-35 0,35 0-1,-34 0 1,52 0 0,17-18-1,19 1 1,17-1-16</inkml:trace>
-  <inkml:trace contextRef="#ctx0" brushRef="#br0" timeOffset="8166.44">16669 1323 0,'17'-71'32,"1"18"-32,-18 18 15,0 0-15,-18 17 16,-52-35-1,52 53-15,-88-17 16,1 17 0,34 53-1,53-36 1,18 19 0,0-19-1,0 36 1,0-35-16,0 17 15,0 36 1,18-1 0,17 1-1,36-1 1,-36-17 15,18 18-15,-35-36-1,-54 0 1,-69-35 0,-72 0-1,36 0 1,106 0-16,-89-35 16,71 0-1,36-1 1,17 1-1,35 35 1,88-35 0,-87 35-1,34 0-15</inkml:trace>
-  <inkml:trace contextRef="#ctx0" brushRef="#br0" timeOffset="8566.7">16757 1570 0,'18'0'0,"-1"0"16,1 0-16,-1 0 15,36-18 1,-17-35 0,-1 36-1,-35-1-15,18-17 16,-18 17-16,0 0 15,-71 18 1,0 0 0,1 53-1,35 18 1,-1 52 15,36-105-31,0 70 16,71-17-1,17-54 1,-17-17 0,52-17-1,-35-54 1,-52 54-16,34-36 0</inkml:trace>
-  <inkml:trace contextRef="#ctx0" brushRef="#br0" timeOffset="8832.5">17568 1094 0,'0'-36'16,"0"72"-16,0-89 0,0 35 0,0 0 15,-17 18 1,-19 71 0,-34 70-1,17-17 1,0 17-1,35 0 1,1-18 0,17-70-1,0-35 1,35-18 0,18-35-1</inkml:trace>
-  <inkml:trace contextRef="#ctx0" brushRef="#br0" timeOffset="9232.83">17621 1623 0,'71'0'16,"-54"0"-1,19 0 1,-19 0-16,36-18 15,35-35 1,-52 18 0,-36 0-1,0-1 1,-53 36 0,-18 0-1,1 53 1,34 53-1,19 18 1,17-54 0,35 1-1,18-54 1,53-17 15,-18-17-15,-70-1-16</inkml:trace>
-  <inkml:trace contextRef="#ctx0" brushRef="#br0" timeOffset="9815.33">18468 1482 0,'0'-18'0,"0"36"0,0-71 16,-18 53-16,-17 0 15,-36 0 1,54 17-16,-36 36 15,-18 35 1,54 1 0,-1 17-1,18-54 1,88 1 15,0-53-15,54-17-1,-19-54 1,-17-35 0,0-52-1,-36 16 1,-52 107-16,35-124 16,-53 107-1,0 34 1,-18 36-1,-70 105 1,53 0 0,17-87-16,-17 87 15,35-88 1,-18 71 0,18 0-1,0-53 1,35 0-1,18-53 1,-35 0-16,35 0 16,-35-18-16,70-52 15,-18-1 1,-17 18-16</inkml:trace>
-  <inkml:trace contextRef="#ctx0" brushRef="#br0" timeOffset="10198.42">19156 1676 0,'35'-53'0,"0"17"15,-17 1 1,-18 53 15,0-1-15,-35 54-16,17 0 15,18 17 1,0-35 15,53-18-15,-141-264-16,194 458 0,-53-229 15,17-18 1,18-52 0,-35-18-1,-35-36 1,-18 106-16,0-34 16,0 34-16,-71 0 15,18 18 1,-35 18-1,53 35 1,17 0 0,18-18-1,53-17 1,-35-18 0</inkml:trace>
-  <inkml:trace contextRef="#ctx0" brushRef="#br0" timeOffset="10483.98">19844 1587 0,'17'-17'0,"-34"34"0,34-52 15,1 0 1,17 0 0,1 17-1,34 0 1,1 18-1,-18 106 1,-53-18 0,0 18-1,0-35 1,-36-1 15,36-52-31,-17 0 16,-54-18-1</inkml:trace>
-  <inkml:trace contextRef="#ctx0" brushRef="#br0" timeOffset="10631.7">20055 1870 0,'18'-36'16,"-18"19"-16,35-18 15,-88 123-15,106-212 0,0 54 16,-35 34-16,17-17 16,0 1-1,18 16 1,-17 1-1,-36 17 1</inkml:trace>
-  <inkml:trace contextRef="#ctx0" brushRef="#br0" timeOffset="10949">18874 1094 0,'-36'0'15,"72"0"-15,-89 0 0,35 0 0,71 0 16,-35 0 0,70 0-1,-53 0-15,106 0 16,124 17-1,-1-17 1,-140 0 0,-54 0-1,-105 18 17</inkml:trace>
-  <inkml:trace contextRef="#ctx0" brushRef="#br0" timeOffset="11565.38">4110 2205 0,'0'0'0,"0"35"31,0-17-31,17-18 16</inkml:trace>
-  <inkml:trace contextRef="#ctx0" brushRef="#br0" timeOffset="12031.87">19156 2487 0,'17'0'16,"19"0"-16,70 0 16,-124 0 15,0 0-16,-123-18 1,88 18-16,-17 0 16,-89 0-16</inkml:trace>
-  <inkml:trace contextRef="#ctx0" brushRef="#br0" timeOffset="13084.03">4516 2540 0,'-18'0'0,"36"0"0,-54 18 0,-17-1 16,53 1 0,18 0-1,17-18-15,53-18 16,7056 88 140,-7091-70-156,35 0 16,36 0-16,35 0 0,476 18 15,-389 0-15,742-1 16,194-34 0,-494 34-1,212 1 1,-283 0 15,106-1-15,-564-17-16,229 0 15,-53 0 1,-229 0 0,-88 18-1,-124 0 17,53-18-32,-141 0 15</inkml:trace>
-  <inkml:trace contextRef="#ctx0" brushRef="#br0" timeOffset="14498.62">2381 3969 0,'-17'-18'0,"34"36"0,-52-54 0,17 36 0,-17-35 31,17 35-16,1 0 1,17 18 0,0-1-16,0 19 15,53-19 1,35-17 15,18-35-15,17 0-1,-35-18 1,-35 0 0,-35 35-16,-18-17 15,0 0 1,-35 35 15,17 0-31,0 35 16,1 36-1,-1 105 1,18-35 0,0-17-1,0-1 1,0-52 0,-18-36 15,-34-17-16,-19-36 1,0-35 0,-34-35-1,16 17 1,36 1 0,36 52-16,-1 18 15,18 18 1,0 52-1,71 18 1,-1-35 0,54 18-1,-89-71-15,71 0 16,53-18 0,-36-35 15,-17-35-16,0-53 1,-53 18 0,-36-71-1,-17 141 1,0 17 0,0 54-1,0 35 1,-17 106-1,17-124-15,0 88 16,-18 19 0,18-72-1,18-52 1,17-18 15,36-18-15,-1-70-1,-70 35-15</inkml:trace>
-  <inkml:trace contextRef="#ctx0" brushRef="#br0" timeOffset="14698.55">3052 4039 0,'-18'0'0,"36"0"31,34-17-15,37 17 0,-54-18-16,35 0 15,-34 18-15,87-17 16,-70-1 0</inkml:trace>
-  <inkml:trace contextRef="#ctx0" brushRef="#br0" timeOffset="15431.1">4851 4216 0,'0'0'0,"17"-18"0,54-53 15,-53 36 1,-18 18-1,0-1-15,-18-70 16,-70 52 0,-71-16-1,18 52 1,-36 35 0,54 88-1,88-17 1,35 18-1,17-36 1,107-53 0,-1-35-1,36-53 1,-106 18-16,53-36 31,17-87-15,-52 52-1,-18-53 1,-18 53 0,-35 18-1,-35 88 1,-53 71 0,52 34-1,1 72 1,17-36-1,18 0 1,18-106-16,35 36 16,17-36-1,1-53 1</inkml:trace>
-  <inkml:trace contextRef="#ctx0" brushRef="#br0" timeOffset="15898.65">5380 4022 0,'17'-18'0,"-34"36"0,34-71 16,-17 17-1,0 19-15,-35 17 16,-18 0 0,18 53-1,35-18-15,-35 71 16,17 0-1,18 17 1,35-70 0,54-18-1,-1-35 1,-71 0-16,125-53 16,-54-17-1,-35-36 16,-36 0-15,-52-17 0,0 105-16,-53-35 15,-36 53 1,18 18 0,36 70-1,70 0 1,0-17-1,35-36 1,0-35-16,-17 0 0</inkml:trace>
-  <inkml:trace contextRef="#ctx0" brushRef="#br0" timeOffset="16516.12">5856 4198 0,'0'0'0,"18"0"15,-1-18-15,54-35 16,-1 18 0,-17-35-1,-35 34 1,-18 1 0,0 17-1,-53 18 1,0 36-1,-17 70 1,34-54 0,19 125-1,17-142 1,0-17-16,70 17 16,18-35 15,36 0-16,-1-53 1,-34-17 0,34-36-1,-70 0 1,-53 35 0,-35 54-1,-18 52 1,35 18-1,18-35-15,0 52 16,18 18 0,35-17-1,-18-36 1,-35 0 0,-35-17-1,-36-18 16,54 0-31,-19 0 16,19-53 0</inkml:trace>
-  <inkml:trace contextRef="#ctx0" brushRef="#br0" timeOffset="17230.77">7355 4145 0,'0'0'0,"0"-88"32,18 70-32,17-17 15,-17 17-15,70-52 16,0 35 0,18 35-1,-53 17 1,0 107-1,-53-36 1,0 35 0,-18-52-1,-17-18 1,17-53 0,1 0 15,17-35-16,0 17-15,0-70 16,35-1 0,53-34-1,0 52 1,36 36 0,-18 35-1,-53 88 1,-53 36-1,0-18 1,-18-18 0,0-35-1,1-36 1,34-52 31,1 18-47</inkml:trace>
-  <inkml:trace contextRef="#ctx0" brushRef="#br0" timeOffset="17664.5">8643 3916 0,'0'-18'0,"-18"18"31,1 0-31,-36 35 16,-18 36-1,36 52 1,0 1 0,35-36-1,35-53 1,36-17 0,52-36-1,-35-17 16,36-88-15,-107 17 0,-52-53-1,-35 89 1,-19 52 0,-17 18-1,18 70 1,71 1-1,34-18 1,54-35 0,-36-18-16</inkml:trace>
-  <inkml:trace contextRef="#ctx0" brushRef="#br0" timeOffset="17964.39">9278 3757 0,'18'-18'16,"-36"36"-16,36-53 0,-18 17 0,0 1 31,0 34-15,-18 18-16,-35 36 16,0 52-1,0 36 1,36-35-1,17-54 1,0-52-16,53 17 16,17-35-1,1 0 1,-36-88 0,-17 70-1</inkml:trace>
-  <inkml:trace contextRef="#ctx0" brushRef="#br0" timeOffset="18063.9">9102 3969 0,'0'0'16,"-18"-18"-16,0 0 0</inkml:trace>
-  <inkml:trace contextRef="#ctx0" brushRef="#br0" timeOffset="18198.3">9842 3828 0,'36'0'16,"-1"0"-16,36 0 0</inkml:trace>
-  <inkml:trace contextRef="#ctx0" brushRef="#br0" timeOffset="19397.97">11271 4004 0,'18'0'0,"-36"0"0,54-18 0,52-35 16,-35 36-1,0-18 1,-1-18-1,-34 35-15,-18-53 16,-18 19 0,-87 34-1,-19 18 1,-17 18 0,53 34-1,88 37 1,88-1-1,0-18 1,18 36 0,-53-18-1,-53 1 1,-71-19 0,-34-70-1,-72 0 16,71-35-15,-17-53 0,70-1-1,53-52 1,0 106 0,35 17-1,36 71 1,-18 36-1,0 16 1,-36-69-16,36 70 16,35-18-1,-17-71 1,17-17 0,0-35 15,36-35-16,-36-36 1,-70 0 0,-1 35-1,-17 36 1,-17 106 15,17-36-31,0 53 16,0-17-1,0-18 1,70-36 0,18-17-1,-17 0 1,-53-17-16,52-36 16,-17-18 15,-18-35-16,-17 18 1,-18 53 0,0 70 15,0-17-31,0-1 0,0 54 16,0-1-1,0 1 1,53-18-1,35-35 1,-17-36 0</inkml:trace>
-  <inkml:trace contextRef="#ctx0" brushRef="#br0" timeOffset="19731.43">12594 3916 0,'0'0'0,"-53"17"32,36 1-32,17 0 0,-18 17 15,-17 106 1,17-17 0,0 17-1,1 35 1,-19 18-1,1-53 1,0-35 0,35-53-1,35-106 17,-35 35-32,53-87 15,-18-19 1</inkml:trace>
-  <inkml:trace contextRef="#ctx0" brushRef="#br0" timeOffset="20048.13">12559 4039 0,'0'-35'16,"0"70"-16,0-88 0,0-35 15,35 53 1,18 35-1,-35 0-15,52 0 16,54 53 0,-124 35-1,0 0 1,-88-17 0,-54-18 15,54-18-16,71-35-15,-19 0 16,89-18 15,0 1-31</inkml:trace>
-  <inkml:trace contextRef="#ctx0" brushRef="#br0" timeOffset="20348.54">13159 3898 0,'-18'53'31,"0"-35"-31,18-1 0,-53 89 16,36-71-16,-19 107 15,19-1 16,-18 35-15,-18-52 0,35-19-1,18-52 1,18-106 15,17-35-15</inkml:trace>
-  <inkml:trace contextRef="#ctx0" brushRef="#br0" timeOffset="20666.31">13088 4039 0,'0'0'0,"0"-17"0,0-72 0,53 19 16,18 17-1,-1 35 16,-52 18-31,70 0 16,-35 36 0,-36 52-1,-34 18 1,-71-18 0,-53 0-1,17-53 1,71-35-1,53-17 17,53-1-17</inkml:trace>
-  <inkml:trace contextRef="#ctx0" brushRef="#br0" timeOffset="21130.44">13688 3881 0,'0'0'0,"0"-18"16,-18 18 15,-70 35-15,17 53-1,54 18 1,-1-18-1,53 1 1,-35-72-16,89 1 16,-1-18-1,0-18 1,-17-35 0,-19-70 15,-52 105-31,0-70 15,0 53-15,-52-36 16,-37 36 0,19 35-1,17 0 1,18 53 0,35 0-1,0-36-15,52 19 16,1-19-1,-35-17 1</inkml:trace>
-  <inkml:trace contextRef="#ctx0" brushRef="#br0" timeOffset="21531.11">14005 3951 0,'0'-18'0,"0"1"16,18 17-1,17-53 1,18 35 0,53 18-1,-88 0-15,52 0 16,-35 0-16,36 71 16,-36-1-1,-35 36 1,-17-18-1,-36-35 1,0-35 0,53-53 15,0 17-15,0-53-16,35 1 15,36-54 16,-1 72-15,1-19 0,-36 53-16</inkml:trace>
-  <inkml:trace contextRef="#ctx0" brushRef="#br0" timeOffset="21865.09">15099 3510 0,'-18'0'0,"36"0"0,-53 0 0,17 0 15,0 18-15,-52 52 16,52-52-16,-35 70 16,0 53-1,36-35 16,-1 18-15,18-36 0,35-35-1,36-18 1,-54-35-16,36 0 16,18-18-1,0-52 1,17-36-1</inkml:trace>
-  <inkml:trace contextRef="#ctx0" brushRef="#br0" timeOffset="22130.65">14870 3739 0,'-18'0'0,"36"0"0,-54 0 15,36 18 1,0 0 0,71-18-1,35 0 1,35 0 0,-106 0-16,53 0 15,36 0 1,-107 0-16,36-18 15,-35 0 1</inkml:trace>
-  <inkml:trace contextRef="#ctx0" brushRef="#br0" timeOffset="22966.89">9049 3881 0,'0'0'0,"-18"0"0,0 0 16,1 0 0,34 0-1,19 0 1,-1 0-16,88 0 16,72 0-1,-1 0 1,88-18-1,-123 18 1,-36 0 0,-105 0-1,-1-18 17,1 18-17</inkml:trace>
-  <inkml:trace contextRef="#ctx0" brushRef="#br0" timeOffset="23713.96">17004 3581 0,'0'0'16,"0"-18"-16,0 0 0,0 1 0,18-19 31,-36 36-15,-70 53-1,17 53 1,-17 35 0,53 18-1,17-124-15,18 36 16,0-53-16,0 87 15,53-52 1,17-53 0,1 0-1,17-70 1,-35-1 0,-53 54-1,0-54-15</inkml:trace>
-  <inkml:trace contextRef="#ctx0" brushRef="#br0" timeOffset="23896.31">16704 3881 0,'0'17'0,"0"1"0,18-18 47,-1 0-47,71 0 15,-17 0 1,-53 0-16,88-35 16</inkml:trace>
-  <inkml:trace contextRef="#ctx0" brushRef="#br0" timeOffset="24297.04">17586 3739 0,'-124'36'31,"107"-36"-31,-36 53 16,53-18-16,-18 53 16,18-53-1,0 89-15,0-54 31,71-34-15,35-19 0,0-17-1,-54-35-15</inkml:trace>
-  <inkml:trace contextRef="#ctx0" brushRef="#br0" timeOffset="25197.16">17851 3863 0,'0'-18'0,"0"36"0,0-53 16,0 17-16,52 0 15,1 1 1,0 17-16,35 0 16,1 17-1,-19 54 16,-70 17-15,0-70-16,-53 88 16,-35-18-1,70-53 1,-17-17 0,35-54 30,18 36-46,-18-17 0,35-36 16,36-35 0,17-18-1,0 35 1,-17 36 0,-36 0-1,-70 52 32,-36 54-31,53-36-16,-17 18 15,-35 71 1,70-107-16,0 71 16,0-52-1,53-1 1,52-35-1,1-18 1,35-52 0,18-54-1,-71-17 1,-35 35 0,-18 1-1,-35 34 16,0 53-15,-70 18 0,-1 89-1,18-1 1,36 18 0,17 35-1,0-36 1,0-87-16,35 53 15,-17-54-15,70 19 16,0-36 0,0 0-1,18-71 1,-71 0 0</inkml:trace>
-  <inkml:trace contextRef="#ctx0" brushRef="#br0" timeOffset="25430.79">18821 3810 0,'35'0'31,"-17"0"-31,35 0 0,-18 0 16,88 0-1,-35-18 1,1 18 0,-72 0-16,1-17 15,-18-1 1</inkml:trace>
-  <inkml:trace contextRef="#ctx0" brushRef="#br0" timeOffset="26001.12">17568 3739 0,'0'0'15,"18"0"17,0 0-17,-18 18-15,17 0 0,1 35 16,-18 0 0,-88-18-1,-36 0 1,36-35-1,53 18 1</inkml:trace>
-  <inkml:trace contextRef="#ctx0" brushRef="#br0" timeOffset="27730.24">1693 5891 0,'0'0'0,"18"0"0,17 0 16,36-35 0,-36 0-1,-17 0-15,-18-54 31,0 36-15,-88-35 0,-36 35-1,-70 36 1,0 34 0,71 54-1,17 52 1,70-34-1,36 16 1,0 1 0,18-88-16,17-18 15,1 17-15,52-17 16,71-70 0,-36-1-1,0-34 1,-52-1 15,-36 18-15,-35 70-16,0-70 15,0 70 1,-17 18 0,-36 88-1,53 18 1,0 35-1,0-106-15,70 54 16,-17-36 0,53-36-1,-35-34 1,52-72 0,-35-16-1,-52 69 1,52-87-1,-35-18 1,-36 52 0,-17 19-1,-17 70 1,-36 18 0,35 17-16,-35 53 15,18 36 1,17 52-1,18-70 1,53-36 0,71-70-1,17-17 1,-18-54 0,-17 1-1,18-72 16,-107 37-15,1-19 0,-18 54-1,-35 70 1,-18 52 0,0 54-1,35 0 1,0 53-1,36-53 1,35-53 0,35-36-1,-17-17 1,-1-53 0,-34 0-1,-19 36 1,-17-54-16</inkml:trace>
-  <inkml:trace contextRef="#ctx0" brushRef="#br0" timeOffset="27962.87">2187 5556 0,'-17'18'0,"34"-36"0,-87 36 0,52-18 16,36 0-1,17 0 1,124 0 0,-18-18-1,-88 18-15,88-17 16,0-19 0,-35 36-1</inkml:trace>
-  <inkml:trace contextRef="#ctx0" brushRef="#br0" timeOffset="28565.34">3193 5680 0,'0'0'0,"-18"0"0,0 0 15,1-18 1,17 0-16,0-17 16,35-18-1,18 18 1,53 17 0,0 18-1,-18 71 16,-53 17-15,-35 18 0,-18-18-1,-17-35 1,35-35-16,-18-18 16,36-36 15,53-52-16,-1 18 1,36-36 0,-53 71-1,-35 35-15,17 0 16,-17 35 0,-18 18-1,0 35 1,0-18 15,-18-34-15,0-19-1,18-70 17</inkml:trace>
-  <inkml:trace contextRef="#ctx0" brushRef="#br0" timeOffset="28683.69">3898 5521 0,'0'-18'0,"0"36"0,0-71 16,-17 18-16,-36-1 15</inkml:trace>
-  <inkml:trace contextRef="#ctx0" brushRef="#br0" timeOffset="28730.02">3845 8132 0,'0'0'0,"18"0"0,0 0 16,-1 0-16,18 0 0</inkml:trace>
-  <inkml:trace contextRef="#ctx0" brushRef="#br0" timeOffset="29730.1">4427 5274 0,'0'0'0,"0"-18"0,-17 18 16,-1 0 0,0 0-1,1 53 1,-1-35-16,18 35 15,0-18-15,-17 124 16,-19-53 0,19 17-1,17-70 1,0-18 0,17-52 15</inkml:trace>
-  <inkml:trace contextRef="#ctx0" brushRef="#br0" timeOffset="30496.44">5062 5574 0,'0'-18'15,"0"36"-15,18-53 0,-18 17 0,0 0 16,18 1-16,-18 34 47,0 89-32,0-71-15,-18 71 16,18 0 0,0-35-1,18-54 1,35-17 0,35-17-1,-35-36 1,-36 35-1,54-52 1,-36-54 0,-17 1-1,-18 70 1,-18 88 15,0 0-31,18 36 16,-17 52-1,17-35 1,17 1 0,54-54-1,-53-35-15,35 0 16,-36 0-16,71 0 16,18-71-1,0-34 1,-88 69-1</inkml:trace>
-  <inkml:trace contextRef="#ctx0" brushRef="#br0" timeOffset="30729.45">6015 5380 0,'0'0'16,"0"-53"-16,-18 71 31,-35 70-15,36 0-1,17-53-15,-18 71 16,18-71-16,0 89 16,0-54-1,0-17 1,53-53 0,-18 0-1,-17-17 1</inkml:trace>
-  <inkml:trace contextRef="#ctx0" brushRef="#br0" timeOffset="31363.87">6209 5750 0,'0'-17'0,"18"17"16,-18-18-1,52 0 1,1-35-1,-35 36-15,17-1 16,-17-35 0,-18 18-1,-71 53 17,1 52-17,35 1 1,-1 35 15,36-36-15,36-35-1,-19-35-15,36 0 16,35 0 0,18-17-1,-18-36 1,18-35-1,-88 70-15,52-88 16,-52 71 0,-18 17-1,-18 36 1,-17 17 0,17 36-1,18-54 1,0 54-16,0-1 31,0-17-15,0-35 15,-17-18-31,-1 0 16,-17-18-1,-36-52 1,36 35-16</inkml:trace>
-  <inkml:trace contextRef="#ctx0" brushRef="#br0" timeOffset="31435.91">5891 5362 0</inkml:trace>
-  <inkml:trace contextRef="#ctx0" brushRef="#br0" timeOffset="31595.83">6015 5345 0,'35'0'16,"0"0"-16,89-18 31,-89 18-31,89-18 16,-89 18-16,53 0 15,-17 0 1,-54 0 0</inkml:trace>
-  <inkml:trace contextRef="#ctx0" brushRef="#br0" timeOffset="32312.53">7726 5856 0,'35'0'0,"-70"0"0,88-18 15,123-70 1,-158 71 0,-1-36-16,-17-53 15,-53 35 1,-70 36 0,17 35-1,-35 53 1,71 18 15,17 52-15,53-88-16,0 53 15,53 1 1,35-72 0,0-17-1,0-17 1,-17-36-1,17-53 1,-53 18 0,-17 0-1,-18 70 1,0 0 0,0 89-1,0-36 1,0 18-16,0-18 15,0 71 1,35-18 0,18-35-1,18-53 1,-1 0-16</inkml:trace>
-  <inkml:trace contextRef="#ctx0" brushRef="#br0" timeOffset="32745.29">8361 5786 0,'0'-18'16,"0"36"-16,-18-54 0,18 19 0,-17-54 15,17 36 1,0 17-16,52-17 16,19 17-1,52 36 1,-52 35 15,0 53-15,-54 35-1,-52-71 1,0-34 0,-18-36-1,53-18 16,0 0-31,17-52 16,1 52-16,35-70 16,18-36-1,34 36 1,-52 71 0,18-1-1,-18 36 1,-53 17-1</inkml:trace>
-  <inkml:trace contextRef="#ctx0" brushRef="#br0" timeOffset="33096.53">9119 5768 0,'0'0'0,"36"18"16,-36-1-16,35-17 15,-18 0-15,19-17 16,17-36-1,0-18 1,-36-17 0,-17 53-1,-17-18 1,-1 53-16,-70 17 16,0 72-1,17 16 1,71 1-1,0-35 17,18-54-32,52 19 15,-52-36-15,105 17 16,-17-17 0,-18-53-1,-70 0 1</inkml:trace>
-  <inkml:trace contextRef="#ctx0" brushRef="#br0" timeOffset="34114.61">10989 5750 0,'0'0'16,"0"-17"15,0-1-31,0 0 0,0-35 16,53-17-1,35-1 1,0 36-1,1 35 17,-72 0-32,54 71 15,-36 34 1,-35 19 0,0-36-1,0-35 1,-18-35-1,-17-18 1,17-36 0,18-34-1,0-18 1,53-1 0,36-16-1,16 34 1,-69 71-1,69 0 1,1 53 0,-70 18-1,-19 52 1,-17-17 0,0-89-16,0 19 15,0-19-15,-17 1 16,-1-71 15,18-17-15,0 52-16,0-35 15,88-53 1,-70 71-16,105-53 16,18 70-1,-17 18 1,-54 53 15,-52 53-15,-18 17-1,-53-35 1,18-52 0,0-19-1,35-34 16</inkml:trace>
-  <inkml:trace contextRef="#ctx0" brushRef="#br0" timeOffset="35862.87">13035 5556 0,'0'-17'0,"0"34"0,0-52 0,0 17 15,0-17-15,-53-18 32,-53 35-17,-17 36 1,17 53 0,36 17-1,52-70-15,-17 105 16,35-35-1,53-17 1,-1-71 0,54 0-1,-18-18 1,-52 0-16,52-34 16,-18-54-1,-17 18 1,-35-1 15,-18 54-15,0 70 15,0-17-31,-35 70 16,17 0-1,18 1 1,53-37-1,53-34 1,-88 0-16,70-18 16,0-36-1,0-16 1,-35-37 0,-53 1-1,0 18 1,0 52 15,0 36-15,-18 52-1,1 36 1,-1-35 0,0-19-1,18-34 1,0-36 15,53-34-15,-17-19-1,-19 53-15,19-17 16,-19 0-16,54-18 16,-36 53-1,-17 18 1,-1 52 15,1-35-15,17 36-1,36-1 1,17-34 0,0-19-1,-17-17 1,52 0-1,-35-70 1,-52 52-16,17-35 16,-36 36-16,1-72 15,-18 19 1,0-1 0,-35 36-1,-36 35 1,-35 53 15,36 0-15,-19 53-1,54-18 1,35-35 0,18-18-1,-1-35-15,36 0 16,18 0-1,17-35 1,-17-53 0,17-53-1,-35 35 1,17-35 0,-70 70-1,0 53 1,-35 18 15,-18 71-15,36 70-1,-1-17 1,18-19 0,35 1-1,36-53 1,-1-18-1,1-35 1,-54 0-16,54-35 16,17-35-1,-17-1 1,-54 0 0,-17 89 30,0 35-46,0-35 16,0 52 0,0-17-1,53-35 1,18-18 0,-1 0-1,-52 0-15,35-53 16,-53 0-1</inkml:trace>
-  <inkml:trace contextRef="#ctx0" brushRef="#br0" timeOffset="36044.93">15099 5433 0,'0'0'0,"-18"0"16,-17-36-16,17 19 31,-17 34 16,53-17-32,17 0-15</inkml:trace>
-  <inkml:trace contextRef="#ctx0" brushRef="#br0" timeOffset="36544.65">16016 5450 0,'18'-17'0,"-36"34"0,53-52 0,-17-71 31,-18 89-31,0-1 16,-18 18-1,1 35 1,-54 53 0,18 18-1,-17 35 1,52-105-16,0 70 16,18-18-1,0-53 1,0-17-1,36-18 17,-1-18-17,-17-53-15</inkml:trace>
-  <inkml:trace contextRef="#ctx0" brushRef="#br0" timeOffset="37095.19">15699 5662 0,'-36'0'15,"72"0"-15,-89 0 0,17 0 16,54-35 0,53 17-1,52 1 1,18-1 0,0 18-1,-53 0 1,-70 35 15,-36 36-15,-17 17-1,0-18 1,35-17 0,35-35-1,53-18 1,18 0-1,18-53 1,-54-17 0,-34-19-1,-36 19 1,-71-18 0,-35 52-1,18 36 1,17 36 15,36 17-15,17-1-1,18 1 1,71-17 0,35-36-1,-71 0-15</inkml:trace>
-  <inkml:trace contextRef="#ctx0" brushRef="#br0" timeOffset="37547.65">16757 5697 0,'0'-17'0,"0"34"0,0-87 16,18 17 0,-18 35-16,17 1 15,36-19 1,-35 19-16,35 17 15,35 17 17,-70 54-17,-1 17 1,-17-17 0,0 17-1,-35-35 1,17-36-1,1-17 1,17-17 0,0-36-1,17-18 1,1 54-16,35-54 16,-36 36-16,72-36 15,-36 18 1,35 53-1,-18 0 17,-52 0-17,17 0-15</inkml:trace>
-  <inkml:trace contextRef="#ctx0" brushRef="#br0" timeOffset="38162.74">17604 5521 0,'-36'0'16,"19"18"-1,-1-1-15,-17 36 16,17 0 0,18 18-1,0-18 1,18-53-1,70 17 1,0-17 0,0-17-1,1-36 1,-54-18 0,-18 1-1,-17 17 1,0 35-1,0 89 17,0 17-17,0-53-15,0 71 16,0-71-16,-17 36 16,17-18-16,-71 123 15,-17 89 1,70 34-1,1 19 17,-1-89-17,-35 71 1,-35-35 0,-53-142-1,35-88 1,-17-52-1,17-71 1,53-71 0</inkml:trace>
-  <inkml:trace contextRef="#ctx0" brushRef="#br0" timeOffset="38346.62">17039 7232 0,'0'-18'16,"53"-123"-16,18-53 16,52-106-1,1 89 1,-495 1075-16,794-1781 15,-299 776-15,52-53 32,-87 123-17,-19 0 1,-52 71 0,-1 0-1</inkml:trace>
-  <inkml:trace contextRef="#ctx0" brushRef="#br0" timeOffset="38546.15">18662 5786 0,'-18'0'31,"1"0"-15,-1 0 0,0 0-16,1 0 15,-19 0-15</inkml:trace>
-  <inkml:trace contextRef="#ctx0" brushRef="#br0" timeOffset="40311.55">17092 7144 0,'0'0'0,"0"17"63,0 1-63,0 0 15,0-1-15,-18 1 0,-17 35 16,-18 0 0,36 17-1,-1 19 1,18-19-1,18-52 1,35 35-16,-36-36 16,54 36-1,17-18 1,-53-35-16</inkml:trace>
-  <inkml:trace contextRef="#ctx0" brushRef="#br0" timeOffset="49060.26">1499 1834 0,'0'0'0,"-17"0"0,-1 0 16,-17-17-1,17 17-15,-35-18 16,0 18-1,36 0 1,-36-17-16,0 17 31,35 0-31,-17 0 16,17 0 0,71 0 15,-18 0-31,107 0 15,104 0 1,-69 0 0,-124 0-16,141 0 15,-71-18 1,18 18 0,-88 0-1,-35 0 1,0 0-1,-36 0 1,-35 0 15,-18 0-15,54 0-16</inkml:trace>
-  <inkml:trace contextRef="#ctx0" brushRef="#br0" timeOffset="49428.58">1288 1852 0,'0'0'0,"-36"18"0,19-18 15,-1 0-15,36 0 31,88 0-15,70 0 15,-123 0-31,106 0 16,-124 0-16,88 0 16,18 0-1,-35 0 1,-18 0-1,-70 0 17,-18-18-17,-18-17 1</inkml:trace>
-  <inkml:trace contextRef="#ctx0" brushRef="#br0" timeOffset="49926.7">2170 1411 0,'0'0'0,"-18"0"16,0 0-1,1 18 1,17-1-16,0 36 15,35 18 1,53 17 0,53 0-1,71-35 1,-89-35 0,1-18-1,-71-35 1,-36-1-1,-34 19 1,-54 17 0,-70 17 15,-18 54-15,36 35-1,35-18 1,-1 18-1,54-1 1,18-69 0,17-1-1,-18 0 1</inkml:trace>
-  <inkml:trace contextRef="#ctx0" brushRef="#br0" timeOffset="67591.89">4410 5627 0,'-18'0'16,"0"-18"15,18 1 0,0-1-15,36 0-1,-19 18-15,19-17 16,-19 17-16,36-18 16,35 18-1,-17 0 1,-1 0-1,-34 53 1,-36 0 0,0 17-1,-18-34-15,-70 34 16,0 1 15,35-36-31</inkml:trace>
-  <inkml:trace contextRef="#ctx0" brushRef="#br0" timeOffset="67749.25">4092 5997 0,'0'35'16</inkml:trace>
+  <inkml:trace contextRef="#ctx0" brushRef="#br0">1305 864 0,'0'0'0,"0"-17"0,0-1 0,0-70 16,0 70 15,0 36 0,0 52-15,0 107-1,-35-36 1,-36 71 0,19-71-1,-1 0 1,17-53 15,36-70-31,-17-18 0,17-18 31,-18-70-15,0 0-16,1-36 31,17 54-15,0 52-16,0-35 15,70 124 17,-34-1-17,17-17 1,35 53 0,-53-89-16,36 36 15,34-35 16,72-36-15,-54-35 0,18-35-1,-52 0 1,-72 53-16,1-71 16,-18 53-16,-35 53 31,-18 0-16,-18 71 1,36-18 0,35 70-1,17-52 1,36-19 0,36-52-1,-19 0 16,18-52-31,-52 52 0,87-71 16,-35 0 15,-70-17-15,-18 53 0,-53 17-1,35 71 1,54 18-1,-36-1 1,0 1 0,0-18-1,0-36 1,0 1 0,-36-18-1,36-35 1,0-36 15,53 18-15,18-52-1,52 52 1,-87 35-16,122 0 16,-52 18-1,-18 53 1,-88 35-1,0-35 1,-35 18 0,0-18-1,17-18 1</inkml:trace>
+  <inkml:trace contextRef="#ctx0" brushRef="#br0" timeOffset="842.02">3687 1305 0,'0'-17'16,"17"-1"-16,1 0 15,-89 18 1,1 0 0,-19 18-1,19 17 1,-36 36 0,88-54-16,-17 54 15,35 0 1,0-54 15,53 1-15,35-18-16,36-71 31,-107 71-31,72-53 0,-36-17 31,-18 17-15,-35 35-1,0 1 1,0 87 15,0-52-31,0 52 16,0 71 0,17 71-1,-17-35 1,36 69-1,34 19 17,1-18-32,-71-53 31,0-88-15,-53 0-1,-35-53 1,-36-53-1,-35-36 1,54-69 0,-19-90-1,89 1 1,17-88 0,36 53-1,70 17 1,18 71-1,35-18 17,-35 71-32,35 18 15,-106 52 1</inkml:trace>
+  <inkml:trace contextRef="#ctx0" brushRef="#br0" timeOffset="1163.53">4322 1111 0,'0'-17'16,"0"34"-16,-18-34 0,0-1 0,-17 18 16,17 0-1,1 35 1,-1 36 15,18-36-31,0 53 16,0-52-16,0 52 0,0-18 31,0-17-15,53-35-1,0-18 1,53-53-1,-71 35-15</inkml:trace>
+  <inkml:trace contextRef="#ctx0" brushRef="#br0" timeOffset="1631.25">4745 1023 0,'0'-18'0,"0"36"0,0-18 31,-18 18-31,1 88 15,-1-1 1,18 19 15,-18-107-31,18 36 16,-17-35-16,-1 35 0,0-35 31,1-18 0,17-36-15,0-70 0,53 36-1,-18 35-15,53-36 16,36 36 0,-19 52-1,-52 54 1,-35 17 15,-18-17-31,0-54 16,-18 36-1,-17-17 1,0-36-16,-18 0 31,18-18-31</inkml:trace>
+  <inkml:trace contextRef="#ctx0" brushRef="#br0" timeOffset="1832.48">4163 1270 0,'0'0'15,"35"0"16,-17 0-31,-1 0 0,72 0 16,34-35 15,-70 35-31</inkml:trace>
+  <inkml:trace contextRef="#ctx0" brushRef="#br0" timeOffset="2509.05">6350 1058 0,'18'-17'15,"-36"34"-15,53-70 0,-35-35 31,0 71-31,0-1 0,-17 18 16,-36 70 0,35 19-1,18 52 1,-35-18 0,35-35-1,35-35 1,53-35 15,18-18-15,-18-53-16,18-35 31,-53 17-15,-53 36-16,18-106 15,-107 17 1,1 89-1,-70 35 1,52 35 0,70 18-1,19-35-15,17 35 16,53-35 0,88-18-1,-71-18-15</inkml:trace>
+  <inkml:trace contextRef="#ctx0" brushRef="#br0" timeOffset="3009.2">7267 741 0,'0'0'0,"0"-18"0,0-17 32,0 17-17,-35 18 1,17 71-1,18-36-15,-17 89 16,17 105 0,-18-35-1,18 106 1,0 0 0,0-18-1,0 0 1,-18-53-1,18-140 17,-35-19-17,17-70 1,-34-88 0,-19-71-16,0 0 31,19-88-16,34 71 1,36-53 0,34 88-1,-34 105-15,88-87 16,-18 52 0,18-17-1,-36 35 1</inkml:trace>
+  <inkml:trace contextRef="#ctx0" brushRef="#br0" timeOffset="3414.59">8855 776 0,'0'0'0,"-18"-18"0,0 18 16,18-17-16,-17-1 0,-36-17 16,-18 53-1,71 87 16,18 54-15,-71 18 15,35-72-15,1 1 0,-1-88-16,18 17 15,88-53 16,-35-17-31</inkml:trace>
+  <inkml:trace contextRef="#ctx0" brushRef="#br0" timeOffset="4130.53">9102 741 0,'0'-18'15,"0"36"-15,0-53 0,-18 35 16,0 17-16,1 71 31,-19 124-31,19-88 31,-18 17-15,35-53-16,0-53 31,0-17-15,0-36-1,17 0-15,36-34 16,-18-19 0,18-17-1,18 53 1,-71 17 0,17 71-1,-17-36-15,0 54 16,18 17-1,35-17 17,18-36-32,17-35 31,35-18-15,-17-17-1,35-71 1,-106 18-1,-17-18 1,-18 53 0,0 53-1,-18 0-15,-70 89 16,53-19 0,17 36-1,18-36 1,36-34-1,69-19 1,-87-17 0,88 0-1,0-35 1,-36 0 0,-52-18-1,-18 0-15</inkml:trace>
+  <inkml:trace contextRef="#ctx0" brushRef="#br0" timeOffset="4379.6">8255 1094 0,'0'17'0,"0"-34"0,53 34 32,35-17-32,71-35 31,0 17-31,-106 18 16,141-35-1,-142 17-15</inkml:trace>
+  <inkml:trace contextRef="#ctx0" brushRef="#br0" timeOffset="5263.33">11553 1252 0,'18'-17'0,"35"-19"31,-35 36-31,17-70 16,0 17 0,-17-35-1,-18-36 1,-53 54 0,-35-1-1,-18 71 1,-18 53-1,36 71 1,0 52 0,53 0 15,52-70-31,1-88 16,53 17-1,-1-17 1,36-54-1,0-16 1,-18-37 0,-70-16-1,-1-90 1,-17 90 0,0 87-1,-17 36 1,-1 87-1,18 37 1,35 34 15,36-105-15,-18-36-16,0-35 16,35 0 15,18-53-16,0-88 1,-71-18 0,0 18-1,-35-18 1,0 89 0</inkml:trace>
+  <inkml:trace contextRef="#ctx0" brushRef="#br0" timeOffset="5612.86">12171 1129 0,'0'53'15,"0"35"1,88-17 0,-53-71-16,1 35 15,16-35 1,37-18-1,-19-35 1,1-53 0,-18-70-1,-36 0 1,-17 52 0,0 89-1,-35 17 1,35 54 15,0 105-15,0-88-16,0 123 0,0-70 31,0 17-15,18-105-16</inkml:trace>
+  <inkml:trace contextRef="#ctx0" brushRef="#br0" timeOffset="5699.17">12912 1358 0,'17'-70'31</inkml:trace>
+  <inkml:trace contextRef="#ctx0" brushRef="#br0" timeOffset="5963.48">12171 1005 0,'-18'0'16,"36"0"-16,-53 18 0,17 0 16,36-18-1,87 0 1,1 0-16,53-18 31,-71 0-15,18-17-1,-35 17 1</inkml:trace>
+  <inkml:trace contextRef="#ctx0" brushRef="#br0" timeOffset="6582.25">12735 1164 0,'0'18'0,"0"-36"0,0 53 0,0 18 32,0-35-32,0 17 15,0-17 1,0 0-1,18-18 17,35 0-32,-18-18 15</inkml:trace>
+  <inkml:trace contextRef="#ctx0" brushRef="#br0" timeOffset="7098.46">13000 1041 0,'0'0'16,"-18"0"-16,18-18 15,0 0-15,0 1 16,0-1-16,18 0 15,52 1 1,1 17 0,17 0 15,0 88-31,-88 0 16,0 0 15,-17-17-16,-19-18 1,36-71 31,0-17-31,18 0-1,35-53 1,18 17-1,-19 18 1,37 18 0,-72 17-1,36 18 1,-35 0-16</inkml:trace>
+  <inkml:trace contextRef="#ctx0" brushRef="#br0" timeOffset="7307.67">13723 952 0,'0'0'16,"0"53"-1,0-35-15,-18 53 16,18-1 0,0 1-1,0-18 1,0-36 0,0 1-1,0-36 16,0-17 1,0 17-32</inkml:trace>
+  <inkml:trace contextRef="#ctx0" brushRef="#br0" timeOffset="7496.47">13776 741 0,'-18'0'0,"36"0"0,-53 0 16,17 0 0,36 0 31</inkml:trace>
+  <inkml:trace contextRef="#ctx0" brushRef="#br0" timeOffset="8081.11">14041 688 0,'-18'0'32,"18"18"-17,0-1-15,0 1 16,0 35-16,0-18 15,0 71 1,18 0 0,-18 17-1,0-52 1,0-1 0,-18-52-16,0 0 15,18-1 1,-17-17 15,17-17-31,0-54 31,35-17-15,35 17-16,107-52 31,-89 123-15,18 0-1,-53 53 1,-53 35 0,0-35-1,-88 35 1,70-88-16,-106 53 16,36-35-1,18-1 1,34-17-1,19 0 17,17-17-17,53-19 1</inkml:trace>
+  <inkml:trace contextRef="#ctx0" brushRef="#br0" timeOffset="9146.28">14728 988 0,'0'-18'0,"0"0"31,0 36-15,0 17-1,-17 54 1,-1-54-1,1 53 1,-1-35 0,18 0-1,0-35 1,53-18 0,0 0-1,-36-18-15,36-35 16,18-35-1,-18 17 1,-18-17 0,-35 70-1,0 89 17,-35 17-17,35 0 1,0-35-1,0-17 1,17-36-16,36 0 31,36 0-31,16-18 32,-34-35-17,17-53 1,-17-17-1,-36-54 1,-17 124-16,-1-35 16,-17 53-1,0 70 17,-53 89-17,36-89-15,17 53 16,-18-53-16,-17 89 15,35-36 1,35-35 15,36-18-15,34-17 0,1-18-1,0-35 1,-35-18-1,-36-35 1,-35 17 0,0 18-1,-18 53 1,-35 71 0,18-1-1,17 1 1,18-18-1,36-18 1,34-35 0,-52 0-16,70 0 31,-35 0-15,35-53-1,-35 0 1,-53 35-16</inkml:trace>
+  <inkml:trace contextRef="#ctx0" brushRef="#br0" timeOffset="9379.35">15363 935 0,'-17'0'0,"34"0"0,-52 0 0,70 0 31,1 0-31,158 0 31,-71 0-15,-35-18 0,-35 1-16,-35-1 15</inkml:trace>
+  <inkml:trace contextRef="#ctx0" brushRef="#br0" timeOffset="9893.45">17180 829 0,'0'-18'15,"0"36"-15,18-53 0,0-18 16,-18 35 0,0 36-1,0 17 1,0-17-1,-36 105-15,36-35 32,0 1-32,0-19 31,0-52-15,18-18 15,0-18-31,-1 18 0</inkml:trace>
+  <inkml:trace contextRef="#ctx0" brushRef="#br0" timeOffset="10346.79">17833 741 0,'0'0'0,"18"0"0,-18-18 0,0 1 15,-18 17 1,-88 52-1,53-16 1,0 17 0,53-18-1,18 0 1,70-17 15,-17 17-15,17 0-1,-35 1 1,-53-19-16,0 36 16,-18 0-1,-35-35 1,-35-1 0,17-17-1,1 0 1,-1 0-1,36-17 17,17-18-17,1-1 1,17 1-16</inkml:trace>
+  <inkml:trace contextRef="#ctx0" brushRef="#br0" timeOffset="10580.4">17092 494 0,'0'0'15,"-18"0"-15,1 0 0,17-18 0,-18 18 16,-17 18-1,35 0 17,-18-18-32,18 17 15</inkml:trace>
+  <inkml:trace contextRef="#ctx0" brushRef="#br0" timeOffset="12281.16">8537 2222 0,'0'0'0,"0"-17"16,0-1-1,0 1 1,18 17 0,-1 17-1,54 71 1,-53 1 0,-1-54-16,1 106 15,-18-53 1,0 0-1,0-35 1,18-53 31,17-53-31,18-52-1,17-54 1,-17 35-1,18 18 1,-54 89-16,19-18 16,-36 52 15,17 1-15,-17 17-1,0 0 1,0-17-16</inkml:trace>
+  <inkml:trace contextRef="#ctx0" brushRef="#br0" timeOffset="12680.99">9172 2505 0,'18'17'0,"-36"-34"0,36 70 15,-18-36 1,17-17-16,72-35 31,-36-18-15,17 0-1,-70 0 1,0 18 0,0 17-16,-35 18 15,-18 0 1,-18 53-1,36 53 17,17-18-17,18 18-15,0-88 0,0 35 32,71-18-17,17-17 1,-17-18-1,17-36 1,-53 19-16,-17 17 0</inkml:trace>
+  <inkml:trace contextRef="#ctx0" brushRef="#br0" timeOffset="13107.12">9772 2522 0,'0'0'0,"-18"-70"16,18 35-1,18-18 1,35 17 0,35 19 15,0 17-31,-17 17 16,-54 36 15,1-35-31,-18 88 0,0-36 31,-53 1-15,53-18-1,-35-53 17,35-18-17,18-52 1,17-19-1,-18 36 1,72-17 15,-72 52-31,89-35 0,0 36 32</inkml:trace>
+  <inkml:trace contextRef="#ctx0" brushRef="#br0" timeOffset="13998.67">10548 2275 0,'35'0'32,"-52"53"-17,-19 0 1,36 53 0,0-53-1,0 18 1,36-36-1,-19-35-15,54 0 16,-1 0 15,36-53-15,-53 0 0,-18-35-1,-17-36 1,-18 71-16,35 53 31,-35-17-15,0 34-1,0 19 1,0-19-16,0 54 16,0 52-1,0 18 1,0-17-1,53 35 17,0 52-17,0-34 1,-35-107-16,35 142 16,-53-18-1,-18-71 1,-53-52-1,-34 0 1,69-71 0,-17-36-1,36-34 1,-36-89 0,71 18-1,52-106 1,18-18 15,-70 212-31,70-158 0,-17 87 31,-36 1-15,0 88 0,-17-1-1,-18 54 48,0 0-63,0-1 62</inkml:trace>
+  <inkml:trace contextRef="#ctx0" brushRef="#br0" timeOffset="14163.25">11307 2646 0,'0'0'0,"0"17"16,-18 1 15</inkml:trace>
+  <inkml:trace contextRef="#ctx0" brushRef="#br0" timeOffset="14995.12">12347 2222 0,'0'-17'0,"0"34"0,0-52 0,0 0 15,0 17-15,0 1 16,0 34 15,0 1-31,0 70 16,0 18 15,0-71-31,0 124 0,0-18 31,0-53-15,0-70-1,-53 0 1,53-36 0,0-35-1,0-18 1,18-52 0,35 35-1,53 0 1,17 52-1,-17 54 17,-35 70-32,-71 18 31,0-35-15,-89 17-1,1-18 1,71-70-16,-36 36 15,0-36 1,17 0 0,36-18 15,18-17-15,35-1-1</inkml:trace>
+  <inkml:trace contextRef="#ctx0" brushRef="#br0" timeOffset="15264.61">13035 2399 0,'0'0'15,"0"-18"1,18 18-16,-18 18 16,0 52-1,0-17 1,0 36 15,0-37-15,-18-52-16,0 36 15,1-19 1,-18-17 0,35-17-1,0-54 1</inkml:trace>
+  <inkml:trace contextRef="#ctx0" brushRef="#br0" timeOffset="15463.31">13106 2187 0,'0'0'0,"-18"0"15,0 0-15,18 18 47,0-1-47,-35 1 16,35 0-1,35-18-15</inkml:trace>
+  <inkml:trace contextRef="#ctx0" brushRef="#br0" timeOffset="16571.84">13741 2417 0,'17'0'0,"-34"0"0,34 17 16,-17-34-16,18-1 16,-18-35-1,0 35 1,-35 18-1,-36-17 1,36 34 0,17 1-16,-70 53 15,53-19 1,17 37 0,18-19-1,35-70 1,36 0-1,-53 0-15,70-17 32,-53-19-17,18-34 1,-35-1-16,-1 36 31,1 0-15,0 52 15,-18 19-15,0 52-1,17 0 1,-17 53 0,18-106-16,-18 124 15,0-18 1,35 71-1,-17 35 17,17-53-32,0 70 15,-35-193-15,0 194 16,0-124 15,-17-18-15,-36-70-1,-18-53 1,18 0 0,36-18-16,-19-105 15,-34-89 1,52-88 0,0 71-1,71-71 1,-17 36-1,17 87 1,-18 36 15,0 53-15,-35 70-16,18 1 31,-36 17 157,1 0-188</inkml:trace>
+  <inkml:trace contextRef="#ctx0" brushRef="#br0" timeOffset="17896.68">17127 600 0,'-17'0'15,"-1"-18"16,18 36 1,0-1-32,0 1 15,0 17-15,18 71 16,17 18 0,0 17-1,-35-18 1,0-17-1,0-71 1,0 1 15,18-36 1,0-36-17,-1-17 1,1 36-16,-1-19 0</inkml:trace>
+  <inkml:trace contextRef="#ctx0" brushRef="#br0" timeOffset="18243.41">17851 547 0,'0'-18'0,"0"36"0,0-53 15,-18 35-15,-17 0 16,-18 35 0,-18 53-1,-17 35 1,70-87 0,-88 122-1,36-52 1,-1 18-1,71-54 1,-17-52 0,17 0-16,17-18 31,36-18-15,-35 0-16</inkml:trace>
+  <inkml:trace contextRef="#ctx0" brushRef="#br0" timeOffset="19962.12">17992 1005 0,'0'-17'0,"0"34"0,0-52 15,17 35-15,-17-35 16,0-18 0,0 18-1,-35-1 1,0 36 0,17 0-16,-35 0 15,36 18-15,-19 53 16,-34 17-1,34 35 1,36-52 15,0-18-15,18-36 0,53-17-1,-1 0 1,-17-53-1,18-17 1,-1-18 0,-52-18-1,-18 53 1,0 35 0,-35 54 15,35-19-31,-18 54 15,18-1 1,0-52 0,0 70-1,0-35 1,0-18 0,70-17-1,-17-18 1,-17 0-16,52-71 15,-18 19 1,1-90 0,-18 19-1,-18-36 1,-17 53 0,-18 53-1,-18 71 16,-17 88-15,17 35 0,18-106-16,0 36 31,0-36-31,0 89 16,18-54-1,35-35 1,0-35-16,35 0 31,0-52-15,-35-1-1,-35 17-15,-1-70 16,1 36 0,0-1-1,-18 89 32,-18 17-47,0 36 31,18-36-31,0 53 16,0-17-16,0-18 16,36-36-1,17-17 16,-36 0-31,71-17 16,-52-18 0,17-54-1,-36 19 1,18 17 0,-35 35-1,0 106 16,-35-17-15,18 17 0,17-35-1,17 0 1,1-35-16,70-18 31,0 0-31,53 0 31,-35-36-15,18-52 0,-107 71-16,36-72 15,-35-34 1,-18 70 0,-18 53-1,-52 18 1,-1 52-1,53-35 1,-34 54-16,52-54 16,-18 35-1,18 1 1,53-36-16,35 1 31,18-36-31,-18 0 31,-70 0-31,52-36 16,-52 1 0,-1 0-1,-17 17 1</inkml:trace>
+  <inkml:trace contextRef="#ctx0" brushRef="#br0" timeOffset="20111.14">20002 1199 0,'0'18'16,"-17"-18"0,-1 0-16,18 18 15,-35-18 1,0 0 0</inkml:trace>
+  <inkml:trace contextRef="#ctx0" brushRef="#br0" timeOffset="21312.78">2399 2134 0,'-18'0'0,"36"0"0,-36 18 16,18 0-1,18-1-15,0-17 0,105 18 16,-70-18-1,194 17 1,0-17 0,211 18-1,124 0 1,-52-1 0,246 1-1,88 0 1,89-18-1,87 0 1,-228 0 0,299 0-1,-282 0 1,-547 0-16,794 0 31,-18 0-15,-34 0-1,-266 0 1,177 0 0,-106-18-1,-653 18-15,459 0 16,-247 0 0,-70 0-1,-195 0 1,-140 0-1,-107 0 1,-105 18 0</inkml:trace>
+  <inkml:trace contextRef="#ctx0" brushRef="#br0" timeOffset="21977.97">8361 3422 0,'-18'18'0,"36"-36"0,-53 36 0,17-18 32,18 17-32,18-17 15,17 0 1,194 18 0,36-18-1,211 0 1,159 0-1,-88-18 1,-353 1-16,547-19 31,-195 1-15,54 0 0,-141 17-1,-212-17 1,-106 35-16,-124-18 15,-69 18 17,-90 18-17,37-18 1,16 17 0</inkml:trace>
+  <inkml:trace contextRef="#ctx0" brushRef="#br0" timeOffset="22078.83">13017 3334 0,'18'17'15,"0"-17"-15,-18 18 32,-88 17-17</inkml:trace>
+  <inkml:trace contextRef="#ctx0" brushRef="#br0" timeOffset="23488.78">988 5362 0,'0'0'0,"0"-17"16,0-72 0,0 72-1,0-19-15,0 1 16,0 18 15,0 34-15,0 71-1,0 1 1,0 87 0,0-17-1,0 35 1,0-141-16,0 52 16,53-34-1,0-71 1,0-35-1,52-53 1,54-71 15,0-35-31,-89 35 16,-17-17 0,-53 87 15,0 1-16,-17 88 1,-19 36 0,19 16-1,17 54 1,0-35 0,0-36-16</inkml:trace>
+  <inkml:trace contextRef="#ctx0" brushRef="#br0" timeOffset="23910.99">1958 5574 0,'18'-18'0,"-36"36"0,53-53 15,-17-1 17,-36 19-1,-17 17-31,-36 53 31,36 0-15,35 35-1,0-35 1,0-36-16,53 36 16,18-18-1,-36-17 1,-18 35-1,-17-18 1,-105 1 15,87-19-31,-70 1 16,-18-18-16,71 0 16,35-18 15,35-17-16,53-18-15</inkml:trace>
+  <inkml:trace contextRef="#ctx0" brushRef="#br0" timeOffset="24260.99">2117 5786 0,'17'0'16,"-17"-18"-16,18 18 0,0-35 15,34-1 1,19-34 0,-36 17-1,-17 35 1,-36 18 15,-52 53-31,17 18 31,18 35-15,35-54 0,0 19-1,52-36 1,54-35 0,-17 0-1,-37-17-15</inkml:trace>
+  <inkml:trace contextRef="#ctx0" brushRef="#br0" timeOffset="24627.03">2593 5680 0,'0'-18'0,"0"36"0,0-71 0,0 0 31,35 35-15,36 18-16,-1 53 31,-34 0-31,-36-18 16,17 54-1,-17-19 1,-53-17 0,36-35-1,17-36 16,0 0-31,0-52 16,17-1 0,54-17-1,-1 18 1,1 34 15,-53 19-31,-1 17 0</inkml:trace>
+  <inkml:trace contextRef="#ctx0" brushRef="#br0" timeOffset="25079.09">3140 5521 0,'0'0'16,"0"18"15,0 35-15,0 17-1,0 1 1,0-18-1,-18-1 1,18-34 0,-18-18-1,18-18 1,0-17 15,0-35-15,18-54-1,53 54 1,-54 52-16,89-35 16,-35 53-1,-1 35 1,-52 36 0,-18 17-1,-35 18 1,17-71-1,0 0 1</inkml:trace>
+  <inkml:trace contextRef="#ctx0" brushRef="#br0" timeOffset="26493.78">4092 5592 0,'0'-18'0,"0"36"0,0-54 15,0 19-15,0-1 0,0 0 16,-17 1-16,-1-19 16,-17 1-1,-18 35 1,-18 18-1,1 52 1,17 19 0,35-54-16,0 71 15,18-53 17,53-18-17,18-35 1,35-18-1,-36-70 1,-17-18 0,-35 18-1,-18 35 1,0 35 0,0 36-1,-18 53 1,18-36-16,0 35 15,0 19 1,53-36 0,0-36 15,35-17-31,-17-53 31,-54 36-31,36-54 16,-35 1-1,-18-19 1,0 54 0,0 70 15,0-17-31,0 53 16,0 34-1,0-34 1,0-53-1,0-36 32,18-17-47,-18 17 16,17-35 0,36-53-1,0 18 1,-18 70-1,1 1 1,-19 52 0,19 36-1,-19 17 1,-17-18 0,18 1-1,17-71 1,36 0-1,-18-35 1,17-54 0,1 1-1,-18 35 1,-18-17 15,-35 87-15,0 54-1,0 0 1,0-1 15,0-35-15,0-17-16,70-18 16,1 0-1,-18-53 1,17-17-1,-34 17 1,-19-36 0,-17 19-1,-35 70 17,-18 53-17,53 0 1,-17 53-1,17-54 1,0-34-16,35 17 16,35-17-1,1-18 1,52-53 0,-34 0-1</inkml:trace>
+  <inkml:trace contextRef="#ctx0" brushRef="#br0" timeOffset="26689.37">6174 5274 0,'-18'0'31,"18"18"-15,0-1-1,0 1 1,0 0 0,0-1-1</inkml:trace>
+  <inkml:trace contextRef="#ctx0" brushRef="#br0" timeOffset="26874.93">6156 5574 0,'0'0'15,"0"18"-15,0-1 47,35-17 0</inkml:trace>
+  <inkml:trace contextRef="#ctx0" brushRef="#br0" timeOffset="27356.54">7426 4851 0,'0'0'0,"0"35"32,0 0-32,0 36 15,0 123 1,0-18-1,-18-70 1,1 18 0,17-107-16,0 18 15</inkml:trace>
+  <inkml:trace contextRef="#ctx0" brushRef="#br0" timeOffset="28327.18">7497 4957 0,'0'0'0,"0"-18"16,0 0-16,17 18 31,1 0-31,70 0 15,-35 0-15,176 0 16,1-17 0,140 17-1,-35-18 17,124 18-17,158 0 1,-247 0-16,89-18 31,-141 18-15,34 0-1,-87 0 1,-106 0 0,-53 0-1,-71 0 1,-18 18-1,-17 17 1,0 1 15,0-19-31,0 54 0,0-18 16,0 17 15,0 1-15,0-1-1,0-17 1,0-35-16,0 17 16,-35-17-1,-35-1 1,-1-17 0,-70 0-1,-71 36 1,1-36-1,122 0-15,-334 17 16,17 19 0,-158-19 15,105 19-15,142-19-1,-89 18-15,318-35 0,-212 36 16,-88-36 15,176 0-15,54 0-1,69 0 1,54 0 0,0 0-1,0 0 1,17 0-1,18 17 17,0 1-17,-18 0-15</inkml:trace>
+  <inkml:trace contextRef="#ctx0" brushRef="#br0" timeOffset="29279.15">1623 7108 0,'0'0'0,"0"-17"31,0 34-15,-71 89-1,-70 71 1,0-36 0,-53 18-1,70-71 1,36-35-1,53-53 1,35-53 0,0-18-1,53 1 1,0-1 0,-36 71-1,19 0 1,-19 0-16,72 53 0,-36 35 31,35 18-15,-35-35-1,17-1 1,1-70 0,-36 0-1,0-35 1,1 0-16</inkml:trace>
+  <inkml:trace contextRef="#ctx0" brushRef="#br0" timeOffset="29488.46">1834 7567 0,'0'0'0,"0"18"31,0 17-16,0 36 1,-17-19 0,17-16-1,0-19-15,0-34 32,0-1-17</inkml:trace>
+  <inkml:trace contextRef="#ctx0" brushRef="#br0" timeOffset="29660.07">1905 7426 0,'0'0'0,"0"-18"0,0 1 15,0 34 32,0 1-31,18 0-1,-1-1-15</inkml:trace>
+  <inkml:trace contextRef="#ctx0" brushRef="#br0" timeOffset="30111.18">2205 7567 0,'0'0'16,"-18"35"-1,1-35-15,17 18 0,-18 35 16,0 0 0,18 0-1,0 0 1,-17-36 15,17-70 0,0 0-15,35-35 0,53-18-1,36 71 1,-54 35 0,18 71-1,-70-1 1,-18 18-1,0-70-15,-18 35 16,1 0 0</inkml:trace>
+  <inkml:trace contextRef="#ctx0" brushRef="#br0" timeOffset="30439.54">2840 7532 0,'0'-18'0,"0"36"0,0-53 15,-18 35 1,1 0 0,-1 17-16,18 54 15,0 52 1,0 1-1,0 123 1,0 52 0,0-69-1,0-160 1,0 177 0,0-123-1,0-54 1,0-140 15,-18 34-31,18-52 16,0 35-16,-17 0 0</inkml:trace>
+  <inkml:trace contextRef="#ctx0" brushRef="#br0" timeOffset="30746.03">2769 7691 0,'0'0'0,"0"-36"15,0-17-15,0-52 16,71 52 0,-1 35 15,36 36-15,-35 35-1,-54 35-15,-17-71 16,-70 72-1,-1-37 1,1 19 0,34-71-1,36-18 17,36-17-17</inkml:trace>
+  <inkml:trace contextRef="#ctx0" brushRef="#br0" timeOffset="31479.02">3334 7408 0,'0'0'0,"0"18"32,0 0-32,0 35 31,0 17-16,0-52-15,0 52 0,35-17 32,-17-53-32,17 0 15,35 0 1,1-53 0,35-17-1,-36-36 1,-34 35-1,-36 36 1,0 53 0,-18 70 15,-17-18-31,35-34 16,0 34-1,0 1 1,17-54-16,36 1 15,53-18 1,18-35 0,-36-18-1,18-71 1,-71 1 0,-17-89-1,-18 89 1,0 88-1,-36 35 1,19 88 0,-1 53-1,18 71 17,0-124-17,0 0 1,35-53-1,18-17 1,35-36 0,1-35-1,-19-35 1,-52 35-16</inkml:trace>
+  <inkml:trace contextRef="#ctx0" brushRef="#br0" timeOffset="31711.45">4233 7302 0,'-17'18'0,"34"-36"0,-34 54 0,17-19 31,17-17-31,89 0 31,35-17-15,-70-1-16,-36 18 15,0-18 1</inkml:trace>
+  <inkml:trace contextRef="#ctx0" brushRef="#br0" timeOffset="32194.45">5997 7161 0,'0'0'0,"0"-17"0,0-1 16,0 36 0,-17 52-1,17 54 1,0-18 0,-18-1 15,18-87-31,0 17 0,0-17 31,0-53-15</inkml:trace>
+  <inkml:trace contextRef="#ctx0" brushRef="#br0" timeOffset="32371.9">6015 7003 0,'0'-18'0,"0"36"16,0-54-16,-18 19 16,1 17-1,17 17 1,0 1-16,35 17 16,0-17-1</inkml:trace>
+  <inkml:trace contextRef="#ctx0" brushRef="#br0" timeOffset="33010.44">6667 7338 0,'36'-18'0,"-72"36"0,89-54 0,-35 19 15,17-18 1,-35-18-1,0 35-15,-53-35 16,-17 35 0,-36 18-1,-17 89 1,52-1 15,53-53-31,1 53 16,-1-52-16,18 52 0,18 0 31,52-70-15,1-18-1,52-53 1,1-35 0,-18-36-1,-36-52 1,-52 17-1,-18 53 1,0 18 0,-35 70-1,-1 71 17,19 88-32,17-17 31,-18 70-16,18-53 1,53-71-16,35-17 31,-17-53-15,-1 0 0,1-53-1,-1 18 1</inkml:trace>
+  <inkml:trace contextRef="#ctx0" brushRef="#br0" timeOffset="33278.35">7638 7091 0,'-18'0'0,"36"0"47,-1 0-47,1 0 0,0 0 15,17 0 1,53-18 0,-70 18-1</inkml:trace>
+  <inkml:trace contextRef="#ctx0" brushRef="#br0" timeOffset="33413.08">7567 7285 0,'-18'17'0,"36"-34"0,-36 52 16,18-17-16,36-18 47,17 0-32,-18-18-15,35-17 16</inkml:trace>
+  <inkml:trace contextRef="#ctx0" brushRef="#br0" timeOffset="33788.82">8396 6809 0,'0'0'0,"-18"0"0,1 0 16,-1 17-1,18 1 1,18-18 31,-1 0-47,1-18 15,-18-35 1,0 18 0,0 17-1,-18 18 1,-17 53 0,35-35-16,-35 70 15,0 0 1,35-35-1,-18 0 1</inkml:trace>
+  <inkml:trace contextRef="#ctx0" brushRef="#br0" timeOffset="34537.83">8943 7302 0,'18'0'0,"-1"0"16,89-70 15,-106 52-31,53-17 16,-53-53-1,-18 17 1,-70 36 0,-124 17-1,142 71 1,-18 53 0,35 53-1,53-18 1,17-53-1,54-70 1,35-18 0,0-35-1,17-71 17,-88-35-32,1 17 15,-36 36 16,0 70-15,0 36 0,0 123-16,0-18 31,0-17-15,53-35-1,-1-53 1,37-54-1,-54 19-15</inkml:trace>
+  <inkml:trace contextRef="#ctx0" brushRef="#br0" timeOffset="35059.55">9631 6879 0,'0'-17'0,"0"34"0,0-52 0,0 17 0,-35 18 31,-1 53-15,1 35 0,35 53-1,18-35 1,-36 0 0,18 0-1,-18-88 1,1-36-1,-1-17 1,18 17 0,18-88-1,52 0 17,-52 89-32,70-36 15,36 53 1,-1 35-1,-88 36 1,-35 17 0,-123 18-1,17-53 1,-17-18 0,87-17-1,54-18 16,17-53-15,-17 35-16,35 18 0</inkml:trace>
+  <inkml:trace contextRef="#ctx0" brushRef="#br0" timeOffset="35342.97">10389 7020 0,'18'0'15,"-36"0"-15,36 18 0,-18-36 0,0 1 16,-18 17-16,-35 35 16,-17-17-1,-1 105 1,18-17 0,36-53-1,17 35 1,35-53-1,53-35 1,0 0 0,-35-53-1,18 0 1</inkml:trace>
+  <inkml:trace contextRef="#ctx0" brushRef="#br0" timeOffset="35759.24">11800 7056 0,'0'0'0,"0"-18"16,36-35 15,-19 35-31,19 18 0,52 0 16,-71 18-16,54 35 15,-18 0 1,-18 17 0,0 19-1,-35-1 1,18-35 0,0-53 15</inkml:trace>
+  <inkml:trace contextRef="#ctx0" brushRef="#br0" timeOffset="36022.67">12382 6950 0,'0'0'0,"-17"17"0,17-34 16,0-1-1,-35 18 1,-54 71-16,-105 17 31,106 18-15,53-1-1,0-16 1,17-89 0,36 0-1,35-53 1,35 17-16</inkml:trace>
+  <inkml:trace contextRef="#ctx0" brushRef="#br0" timeOffset="36493.01">12541 6897 0,'0'0'0,"0"17"46,0 1-46,0 17 16,0 36 0,0-1-16,18-70 31,17 0-15,53 0-1,-17-35 1,-53 18-16,34-36 15,-34 17 1,-18 1 0,0 17-1,0 71 1,-18-35 0,-17 17-1,-18 124 1,18 0-1,-18-18 1,35-71 0,18-34-1,0-54 17,18-35-32</inkml:trace>
+  <inkml:trace contextRef="#ctx0" brushRef="#br0" timeOffset="37159.14">13194 6967 0,'-18'0'16,"1"0"-16,-1 0 0,0 18 31,18 0-16,36-18-15,-19 0 16,71 0 0,36-18-1,-18-17 1,-71-1 0,-35 1-1,-71 88 16,-17 18-15,0 34 0,-18-34-1,53 35 1,36-89 0,17-34 15,0-1-16,17-52 1,36 17-16,0 35 31,-35 18-31,17 0 16,36 35 0,-18 36-1,-18-36 1,18 0-1,0-35 1,0-17 0,-36-18-1,1-1 1,-18 1 15,0 17-31,0-17 16</inkml:trace>
+  <inkml:trace contextRef="#ctx0" brushRef="#br0" timeOffset="37578.41">14658 6967 0,'18'-17'0,"-36"34"0,71-52 0,0 0 31,-36 35-15,-17 35 0,0 106-1,0 53-15,0-159 16,-17 142 0,-19-1-1,1-52 1,0-1-1,70-88 1,-17-35 0,-1-70-1</inkml:trace>
+  <inkml:trace contextRef="#ctx0" brushRef="#br0" timeOffset="37892.51">14799 7056 0,'0'-18'0,"0"36"0,0-71 0,0 17 16,18-17-1,87 18 1,1-18 0,106 106-1,-194-35-15,-1 70 16,-87-17-1,-71-1 1,17-17 0,36-35-1,70-18 1,106 0 31,18 0-47</inkml:trace>
+  <inkml:trace contextRef="#ctx0" brushRef="#br0" timeOffset="38571.61">15787 6932 0,'0'0'0,"0"-18"0,-18-17 15,-17 35 1,-36 0-1,18 53 1,-17 18 0,52-54-16,-52 89 15,52-35 1,18-1 0,18-35-1,52-35 16,36-35-15,-35-35 0,-18-1-1,-1-17 1,-34 35 0,17 35-1,-35 89 16,0-1-15,-35 89 0,0 35-1,-18-35 1,18 35 0,17-141-1,-35 123 1,35-87-1,18-37 1,36-122 15,17-36-15,-36 71-16,71-142 16,-35 36-1,36-35 1,-37 52-1,-52 71 1,0 36-16,18-36 16,0 35-16</inkml:trace>
+  <inkml:trace contextRef="#ctx0" brushRef="#br0" timeOffset="38987.82">16175 6950 0,'0'0'15,"-18"-18"-15,18 0 0,0-34 16,0 16 0,18 19-16,52-1 15,19 18 1,-1 53-1,-53 35 1,-35 0 0,-35-35-1,0-18 1,17-35 15,36-35 0,52-35-15,1-19 0,-18 37-16,-18 16 31,-18 36-31</inkml:trace>
+  <inkml:trace contextRef="#ctx0" brushRef="#br0" timeOffset="39755.33">3122 9313 0,'18'0'31,"-1"-17"-31,1-1 16,70-70-1,36-36 1,-36 19-1,0-37 1,-88 19 0,-71 70-1,-70 35 1,53 71 15,0 106-31,70 0 16,18-124-1,0 124 1,53-71 0,88-35-1,18-53 1,-18-18 0,36-70-1,-142 70-15</inkml:trace>
+  <inkml:trace contextRef="#ctx0" brushRef="#br0" timeOffset="40411.19">4039 8872 0,'0'0'16,"0"71"31,0-36-47,0-17 0,0 17 0,0 71 31,0-36-16,0 1 1,0-53 0,-17-36 15,17-35-15,0-35-1,0-18 1,35 36-1,35 52 1,-17 18 0,-35 18-16,70 70 15,-70 0 1,-18-35 0,0 0-1,0-36 16,-18-17-15,1-53-16,17 1 31,0-54-15,53 18 0,52-1-1,1 89 1,0 89-1,-35 16 1,-71-16 0,0-1-1,-18-35 1,0-53 0,1 17-1,17-34 16</inkml:trace>
+  <inkml:trace contextRef="#ctx0" brushRef="#br0" timeOffset="40870.65">4992 9013 0,'0'18'47,"0"0"-47,0-1 0,0 36 16,0 0-1,0 0 1,-18-35 15,1-1-31,-1-17 31,0 0-15,18-17-16,0-36 16,36-35-1,34-1 1,18 19 0,-17 52-1,70 71 1,-88 35-1,-36 1 1,-34-19 0,-18 1-1,17-71 1</inkml:trace>
+  <inkml:trace contextRef="#ctx0" brushRef="#br0" timeOffset="42994.39">7161 8661 0,'-17'0'0,"34"0"0,-52 0 15,35-18 17,-18 18-32,18 18 15,0-1 1,18 1-1,35 0 1,35-18 0,-53 0-16,89-36 15,-36 1 1,0 17 15,-70-17-15,-36 17-1,-52 18 1,35 0-16,-36 36 0,53-19 0,-52 72 31,-54 52-15,1-18 0,35-70-1,35-18 1,35-35-1,18-53 1,35-17 0,18-18-1,18 52 1,-1 36 15,-34 18-31,-1 35 0,35 35 16,-52-17 15,17-36-15,18-35-1,18 0-15,17-53 32,-17 0-17</inkml:trace>
+  <inkml:trace contextRef="#ctx0" brushRef="#br0" timeOffset="43554.54">7832 8643 0,'0'18'31,"0"-1"-15,17-17-16,36 18 15,35-18 16,36 0-15,-54-35 0,-52 35-16,17-53 0,-35 35 31,-53 36 0,-17 52-15,17 19-1,35-54-15,-105 88 16,35-52 0,-1-18-1,37-53 1,34 0 15,18-71-15,18 18-1,17 36 1,35 17-16,19 53 31,-37-18-15,-16-18-16,34 19 16,-17-36-1,18 0 1,17 0-1,0-71 1,-53 54-16</inkml:trace>
+  <inkml:trace contextRef="#ctx0" brushRef="#br0" timeOffset="44093.84">8572 8696 0,'-17'0'16,"34"0"31,36 0-32,18 0 1,0 0 0,-1-53-1,-52 53 1,-18-18-1,-53 36 1,0 53 0,-18 17-1,1-18 1,-18 19 0,52-54-1,19-35 16,17-18-15,0 1-16,53 17 31,35 0-15,-35 0 0,-36 0-16,54 0 15,-18 17 1,-36 1-1,1-18 1,0 0 0,-18-18-1</inkml:trace>
+  <inkml:trace contextRef="#ctx0" brushRef="#br0" timeOffset="44803.47">10848 8731 0,'0'0'16,"18"0"-16,-1 0 0,71-53 16,-17 18 15,-53 17-31,-1-17 15,-34-18 1,-36 18-16,-71 0 16,1 35 15,17 53-15,88-36-16,-70 89 15,88-18 1,0 18-1,35-71 1,36-35 0,70-35-1,-18-35 1,-52-1 15,-36-17-15,-35 17-1,0 54 1,0 34-16,0 54 31,0 17-15,0 18 0,71-18-1,-18-70 1,35-18-1,-53-18-15,89-35 16,-71 0 0</inkml:trace>
+  <inkml:trace contextRef="#ctx0" brushRef="#br0" timeOffset="45293.74">11624 8414 0,'0'-36'0,"0"72"0,-18-72 31,1 72-31,17 52 32,0 35-17,0-34 1,0-72-16,-18 89 16,18-71-1,0-17 1,0-89 15,0 1-15,71-18-1,-54 70-15,71-53 16,1 54 15,34 34-15,-70 36-1,-53 18 1,-70 0 0,-54 17-1,1-35 1,70-36 0,17-17-1,36-17 1,36-19-1,-19 19-15,71-19 16</inkml:trace>
+  <inkml:trace contextRef="#ctx0" brushRef="#br0" timeOffset="45594.31">12559 8467 0,'0'0'0,"18"-18"0,-36 18 32,0 0-32,-17 35 15,-36 36 1,54-54-16,-36 72 16,18-1-1,35-18 1,52-52-1,19-18 1,35-18 0,17-34-1,-87 34 1</inkml:trace>
+  <inkml:trace contextRef="#ctx0" brushRef="#br0" timeOffset="46241.41">13511 8290 0,'0'0'16,"-17"0"-16,-19 36 16,1-19-1,0 1 1,35-36 31,0 1-47,0-19 15,53-34 1,-18 34 0,0 36 15,-17 0-31,-18 53 15,0 0 1,0 0 0,-53 0-1,0-35 1,36-18 0,-1 0-1,18-36 1,0-16-1,0-1 1,18 17 0,34 19-1,-16 17 1,-19 0 15,19 35-15,-36 18-1,35 0 1,-17 35 0,-18-70-16,-18 52 0,-123 36 31,-106 18-15,106-54-16</inkml:trace>
+  <inkml:trace contextRef="#ctx0" brushRef="#br0" timeOffset="47978.89">8361 6738 0,'0'18'31,"17"-18"1,1 0-17,0 0-15,-1 0 0,19 0 16,-1-18 0,-35-17-1,0 17 16,-18 18-15,1 0 0,-19 18-1,19 17 1,17-17 0,0-1-1,17-17 16,1 0-31,0 0 16,-1-17 0,-17-19-1,0 1 1,-17 35 0,-1 0 15,-17 18-16,-1 35 1,19 0 0,17-18-16,0-17 15,17-18 32,1 0-47,17-18 16,-17-17-1,0-1 1,-1-17 0,-17 36-1,-35-1 1,0 36 0,17 35-1,0-36-15,-17 72 31,35-1-31,0-53 16,53 0 15,0 1-15,0-19 0</inkml:trace>
+  <inkml:trace contextRef="#ctx0" brushRef="#br0" timeOffset="49219.64">14693 8220 0,'0'-36'31,"0"54"0,0 0-31,0 35 31,18-36-31,35 54 16,0-18-16,17 17 31,36-17-15,0-35 0,-18-1-1,0-17 1,-52-17-1,-19-1 1,-52 18 0,-53 0-1,-53 88 1,17-35 15,1 53-31,-1-35 31,71-18-15,18-36 0,17-17-1,1-17 1</inkml:trace>
+  <inkml:trace contextRef="#ctx0" brushRef="#br0" timeOffset="55808.2">600 10971 0,'0'0'0,"-18"-17"32,36 17 46,-1 0-78,1 0 15,-18 17-15,53 1 16,-18-18 0,-17 0-16,52 0 15,19 0 1,-37-53 0,19 0-1,-53 0 16,-18 18-15,-89 17 0,-34 36-1,35 17 1,-36 71 0,71 0-1,53 17 1,71-52-1,0-36 1,17-35 0,0 0-1,-70-17 1,-18-19 0,-36 19-1,-52 17 16,-35 17-31,-1 72 32,54-1-17,34 35 1,36-105-16,0 52 0,89 1 31,-1-71-15,53 0-1,-18-18 1,1-35 0</inkml:trace>
+  <inkml:trace contextRef="#ctx0" brushRef="#br0" timeOffset="56551.63">1729 11183 0,'53'-53'0,"-106"106"0,106-124 0,-36 19 31,-52 16-15,17 36-16,-70 0 16,-35 53-1,17 35 1,35 18 0,36 0-1,35-35 1,88-71-1,18-18 1,17-70 0,-34 17-1,-36-17 1,-36 35 0,-17 35-1,0 36 16,0 70-31,0 36 32,0 70-17,0-18 1,0-105-16,0 246 16,0-87-1,0 69 1,18-16-1,17-107 1,18 53 0,-53-193-16,0 105 15,-71-35 1,1-71 0,-71-88-1,-18-71 1,36-17 15,-1-247-15,124 141-1,35-53-15,54 54 32,52-19-17,-36 124 1,-69 106-16,52-54 15,18 19 1,-53 52-16</inkml:trace>
+  <inkml:trace contextRef="#ctx0" brushRef="#br0" timeOffset="56769.72">2522 11236 0,'0'0'15,"-35"0"17,17 0-17,18 18 17,0-1-17,0 36 1,-17-18-16</inkml:trace>
+  <inkml:trace contextRef="#ctx0" brushRef="#br0" timeOffset="56934.84">2381 11659 0,'-17'0'15,"34"0"-15,-34 18 0,-1-18 0,-17 18 16,52-18 15,1-18-15,17 0-16</inkml:trace>
+  <inkml:trace contextRef="#ctx0" brushRef="#br0" timeOffset="57424.38">3792 10971 0,'0'0'0,"18"-17"0,0-1 0,70-70 32,-71 88-32,-17-18 15,0 36 1,-17 35-1,-54 88 1,-35 71 0,1-36-1,69-123-15,-105 141 16,71-88 0,34-36-1,72-105 16,87-71-15</inkml:trace>
+  <inkml:trace contextRef="#ctx0" brushRef="#br0" timeOffset="57725.45">4233 10901 0,'0'-18'0,"0"36"0,0-53 15,-17 52 17,-19 18-32,1 54 15,-35 105 1,-36 17 0,35-70-1,36-105-15,-18 87 16,53-88 15,-18 1-15,36-36-1,17-18-15,-17 0 0</inkml:trace>
+  <inkml:trace contextRef="#ctx0" brushRef="#br0" timeOffset="57991.92">4463 11359 0,'0'18'16,"0"0"0,-18 17-16,-17 36 15,-1 17 16,19-35-15,-1-36 0,18 1-1,0-36 1,0 1 0,0-1-16</inkml:trace>
+  <inkml:trace contextRef="#ctx0" brushRef="#br0" timeOffset="58174">4445 11183 0,'0'0'0,"0"-53"16,0 35-1,-18 1 1,18 34 15,0 19 0,53-19-31,-53 1 16</inkml:trace>
+  <inkml:trace contextRef="#ctx0" brushRef="#br0" timeOffset="58673.48">4851 11289 0,'0'18'15,"0"-36"-15,0 53 0,0-17 16,0 70 0,0-35-1,0-35-15,0 34 16,0 19 0,-18-53-1,0-1 1,18-34 31,0-19-32,0-69 1,53 16 0,36-34-1,-1 35 1,-71 70-16,89 0 15,-35 89 1,-54 0 0,-17 52-1,0-17 1,-17-53 0,-19 0 15,36-36-16,0-34 1</inkml:trace>
+  <inkml:trace contextRef="#ctx0" brushRef="#br0" timeOffset="59058.34">5592 11183 0,'0'18'32,"0"-1"-17,0 1-15,0 17 0,-18 71 16,0 18 0,-52 70-1,-1 70 1,36-17 15,17-176-31,-35 193 0,36-176 0,-1 177 31,-17 0-15,-18-142 0,35-88-1,18-105 16,0 35-31,18-89 16,52-105 0</inkml:trace>
+  <inkml:trace contextRef="#ctx0" brushRef="#br0" timeOffset="59392.26">5450 11395 0,'0'-18'16,"0"36"-16,-17-71 0,17 35 0,0-35 16,0 0-1,70 0-15,54 53 32,-1 18-17,-70 70 1,-53-17-1,-70 35 1,-36-18 0,18-53-1,70-17-15,0-1 16,54-17 15,-19-17-15,71-36-16</inkml:trace>
+  <inkml:trace contextRef="#ctx0" brushRef="#br0" timeOffset="60102.27">6209 11130 0,'0'0'0,"-18"0"15,1 18 1,-1-1-16,-17 54 15,17 35 1,18 0 0,0-36-1,35-35 1,36-17 0,-18-18-1,-36-18 1,72-70-16,-36 0 15,-1-35 17,-34 34-17,-18 125 1,0-1 0,-18 71-1,1-36 1,17 1-1,53-36 1,35-17 0,53-36-1,-53-35 1,0-53 0,-35-70-1,-53 53 16,0-1-31,0 71 32,-17 71-17,-19 70 1,1 53 0,0-17-1,35 17 1,0-53-1,0-70-15,70 17 16,-17-35 0,18-18-1,-1-52 1,-52 34-16</inkml:trace>
+  <inkml:trace contextRef="#ctx0" brushRef="#br0" timeOffset="60307.95">6897 11060 0,'-18'0'0,"36"0"0,-53 0 0,17 0 16,36 0 0,-1 0-1,107 0 1,-36 0-1,0-18 1,-35 0 0</inkml:trace>
+  <inkml:trace contextRef="#ctx0" brushRef="#br0" timeOffset="60841.73">8273 10477 0,'0'0'16,"17"0"15,1 0-31,0 0 16,52 0-16,54 0 31,-1-17-16,1 17 1,-142 0 15,0 0-31,1 0 0,-72 0 16</inkml:trace>
+  <inkml:trace contextRef="#ctx0" brushRef="#br0" timeOffset="61207.3">8308 10477 0,'-18'0'0,"1"36"47,-1-1-31,-17 71 0,17 0-1,-17 70 1,-18 53-1,35-176-15,-17 141 16,-18 53 0,53-35-1,0-53 1,18 17 0,70-70-1,-70-88-15,70-1 31,18-52-15,-1-53 0,1 0-1,18-36-15</inkml:trace>
+  <inkml:trace contextRef="#ctx0" brushRef="#br0" timeOffset="79799.35">9049 11042 0,'0'0'0,"17"0"0,1-18 16,35 1 0,-18-1-1,-17 0 1,-18 1 0,-71-19-1,1 36 1,34 0-16,-87 18 15,17 35 1,0 53 0,18 35 15,70-18-15,18 1-16,0-89 15,18 36 1,88-36-1,53-35 1,-18-35 0,35-36-1,-52 1 1,-107 52-16,19-53 16,-19 1-1,-17 35 1,-35 52 15,17 1-31,-17 52 31,17 36-15,18-18 0,0-35-1,18-35 1,35-18-1,0 0 1,-35-53 0,-18 0-1,0-17 1,-36-1 0,1 36-1,35 17-15,0-35 16,53 0-1,53 36 1,0 17 15,-36 53-31,1 35 32,-71-71-32,0 54 0,-18 17 15,-53-35 16,36-35-15,0-18 0,35-18-1,0-35 1,53-53 0,17 18-1,71 0 1,18 53-1,-35 70 1,-71 53 15,-53 0-31,-36 1 32,-17-37-17,36-16-15,-1-36 16,36-18 15</inkml:trace>
+  <inkml:trace contextRef="#ctx0" brushRef="#br0" timeOffset="80082.02">10636 10954 0,'0'0'0,"0"-18"0,-35 36 32,17-1-32,18 1 15,-53 88 1,18 0 0,35-71-16,-35 88 0,17-105 15,18 88 1,0-53-16,18-36 15,35-17 17,0-52-17,-36 52-15</inkml:trace>
+  <inkml:trace contextRef="#ctx0" brushRef="#br0" timeOffset="80272.67">10389 11289 0,'0'0'0,"18"-18"31,0 18-31,34-17 16,19 17-1,70-36 1,0 19-1</inkml:trace>
+  <inkml:trace contextRef="#ctx0" brushRef="#br0" timeOffset="81056.5">11183 11448 0,'18'0'0,"-36"0"0,53 0 0,18 0 15,-35 0-15,35-36 16,-36 19-16,1-36 16,-18-18 15,0-17-15,-35 53-16,-53-18 15,17 53 1,-35 35-1,0 71 1,53-18 0,18 36-1,18-89-15,17 18 16,35-18 0,53-35-1,0 0 1,18-53-1,-18-35 1,-52 70-16,-19-35 16,1 18-1,17-53-15,-35 53 16,0 52 15,-35 72-15,17-19-1,18-35-15,0 36 16,0-18 0,53-36-1,35-17 1,0-17 0,-17-18-1,-18-54 1,-35 72-16,17-71 15,-18 17 1,-17 106 15,0 1-31,0 16 32,-35 54-32,35-70 15,0-19 16,35-17 1</inkml:trace>
+  <inkml:trace contextRef="#ctx0" brushRef="#br0" timeOffset="81255.94">11889 10989 0,'-18'0'0,"36"0"0,-54 0 0,19 0 31,-1 0-31,0 0 16,18 18 0,0-1-1,36 1 1</inkml:trace>
+  <inkml:trace contextRef="#ctx0" brushRef="#br0" timeOffset="81755.63">12224 11183 0,'-18'0'0,"0"0"0,1 0 16,-1 18-16,-17 52 15,17 1 1,-17 17 0,17-17-1,1-36 17,-1-35-32,18-18 46,0-17-30,71-18 0,17-70-1,-53 105-15,89-70 16,-89 70-16,71-17 16,-18 52-1,-53 36 1,-35 53-1,-35 0 1,-36-35 15,18-19-15,36-34 0,52-36 15</inkml:trace>
+  <inkml:trace contextRef="#ctx0" brushRef="#br0" timeOffset="82199.42">13159 11112 0,'0'0'0,"-18"-17"16,0 17-16,-17 0 0,-53 0 15,17 35 1,1 18 0,34-18-1,36 18 17,18-17-17,70-19-15,18 18 16,-53 1 15,-18-1-15,-35 0-1,-70-17 1,52 0-16,-105 17 16,17-18-1,53-17 1,18 0-1,17-17 1,18-36 0,0 35-1</inkml:trace>
+  <inkml:trace contextRef="#ctx0" brushRef="#br0" timeOffset="82786.67">14376 10495 0,'0'-18'15,"0"36"-15,0-88 16,-18 52-16,-53 0 16,1 18-1,35 0-15,-71 53 16,-71 124 0,72-19-1,-19 72 1,18 34-1,53-87 1,53 17 0,0-141-16,89 88 15,-19-71 17,36-52-17,0-18 1,-18-35-1,18-36-15</inkml:trace>
+  <inkml:trace contextRef="#ctx0" brushRef="#br0" timeOffset="83605.92">14534 11112 0,'0'-35'0,"0"70"0,0-87 0,0 16 16,-35 19 0,-18 17 15,-17 35-15,17 18-1,35-36-15,-17 72 16,17-1-1,18-70-15,35-1 32,18-17-17,18-35 1,17-36 0,-53 1-1,1-1 1,-19 54-1,-17 34 17,0 1-17,0 17-15,0 53 32,0-35-17,18-17 1,35-36-1,0 0 1,-36 0-16,54-36 16,-18-34-1,-35-19 1,-18-16 0,-18 34-1,-70-17 1,-36 53-1,18 35 17,-52 53-17,17 70 1,52-17 0,54 53-16,35-106 15,18 35 1,70 0-1,53-35 1,-35-53 0,17 0-1,-17-53 1,-71 35-16,18-17 16</inkml:trace>
+  <inkml:trace contextRef="#ctx0" brushRef="#br0" timeOffset="83882.23">15258 11024 0,'0'-17'16,"0"34"15,0 1-31,-18 0 15,18 70 1,-18-71-16,1 36 16,-19 18-1,19-36 1,17-52 15,17-1-31</inkml:trace>
+  <inkml:trace contextRef="#ctx0" brushRef="#br0" timeOffset="84065.62">15311 10866 0,'0'0'0,"-53"-36"31,35 36-15,18 18 15,35 17-15,1 0-1</inkml:trace>
+  <inkml:trace contextRef="#ctx0" brushRef="#br0" timeOffset="84721.93">15822 11077 0,'0'-17'15,"0"34"-15,18-34 0,-18-1 0,0-35 32,0 35-17,-36-17 1,-34 35-1,17 35 1,35-35-16,-70 89 16,18-1-1,17 18 1,53-36 0,0-35-1,88-35 1,18 0-1,-36-52 1,1-54 15,-1-18-15,-34 1 0,-19-18-16,1 35 31,-18 71-31,0 70 31,-35 53-15,35 35-1,0 1 1,0-1 0,0-52-1,17-36 1,36-35-1,18 0 1,-36 0 0,-35-53 15,0 36-31</inkml:trace>
+  <inkml:trace contextRef="#ctx0" brushRef="#br0" timeOffset="88651.52">16510 11112 0,'18'0'16,"-18"18"-1,0 0 1,0-1 0,-18-17 15,0 0-31,1 0 16,-1 0-16,0 0 15,18-35 16,0 17-15,0 1 0,71 17-1,-18 17 1,-35 36 0,-18 0-1,0 0 1,-18-17-1,0-36-15,-17 0 16,17 0 0,18-53 31,0 0-32,0 17 1,18 19-1,0 17-15,17 0 16,-17 70 0,-18 36-1,-71 18 1,-35-36 0,89-53-16,-107 36 15,53-54 1</inkml:trace>
+  <inkml:trace contextRef="#ctx0" brushRef="#br0" timeOffset="89302.42">17039 10724 0,'0'18'16,"-17"-18"-16,17 18 15,0-1 1,17-17 31,1-17-32,-1-1 1,-17-17-16,0-18 31,0 35-15,-17 18-1,-18 18 1,17 17 0,0 0-1,18 1 1,0-19 0,18-17-1,17 0 1,0-35-1,1-18 1,-36 36 0,0-1-1,-53 36 17,53-1-32,-35 36 15,-18 53 1,0 0-16,53-53 15,0-36 1</inkml:trace>
+  <inkml:trace contextRef="#ctx0" brushRef="#br0" timeOffset="89869.7">17639 11007 0,'0'-18'0,"0"36"0,0-54 16,0 1 0,-18 17-1,-52 18-15,17 18 16,17 0-1,-52 70 1,-18 35 0,71-34-1,35-1 1,18-53 0,-1-35-16,54 0 15,17-18 1,-17-17-1,17-53 1,-53-36 0,1 36-1,-36 71 1,17-36 0,-17 88 15,-35 53-16,35-70-15,0 52 16,-18 1 0,18 0-1,36-54 1,16-17 0,19-17-1</inkml:trace>
+  <inkml:trace contextRef="#ctx0" brushRef="#br0" timeOffset="90419.13">18115 10689 0,'0'-17'0,"0"34"0,0-17 47,0 18-47,-35 88 15,-18 35 1,35-53 0,-17 35-1,35-34 1,-18-72 0,18 1-1,0-36 16,0-17-31,0-36 16,36 1 0,34-1-1,18 36 17,-52 35-32,34 0 15,-17 0 1,-35 71-1,-18-36 1,-53 35 0,-71 1-1,54-36 1,-18-17 0,70 0-1,0-18 1,54-18 15</inkml:trace>
+  <inkml:trace contextRef="#ctx0" brushRef="#br0" timeOffset="90754.42">18874 10883 0,'0'0'0,"0"-17"0,-18 17 15,-35 0 1,-35 35 0,-18 53-1,71-35 1,17 35-1,18 0 1,18-52 0,52-1-1,36-35 17,-88 0-32,52-35 15,-52 17-15</inkml:trace>
+  <inkml:trace contextRef="#ctx0" brushRef="#br0" timeOffset="91346.38">19226 10636 0,'-17'0'31,"17"-17"16,-18 17-47,18-18 0,18 18 47,-1 0-32,1 0-15,-18 18 16,18-18 0,-18 17-1,0 1-15,-36 0 31,36-36 16,0 0-31,0-17 0,36 17-1,-19 18 1,-17 36-1,0 52 1,-17-18 0,-19 1-1,-17-36 1</inkml:trace>
+  <inkml:trace contextRef="#ctx0" brushRef="#br0" timeOffset="91804.74">19685 10266 0,'18'0'16,"-1"0"-1,1 0-15,17 0 16,-17 17-16,17 36 16,36 71-1,-36 17 1,-35 35-1,0-52 1,-88 17 0,-53-18-1,-71-34 17,36-19-32,70-52 31,106-53 0,70-36-15</inkml:trace>
+  <inkml:trace contextRef="#ctx0" brushRef="#br0" timeOffset="92531.77">19932 9895 0,'18'0'32,"-1"0"-32,18 0 15,36 0 1,70-17 0,-17 17-1,-71 0-15,105 0 16,-70 17-1,-52 19 1,-19 17 0,-17 35-1,0 18 17,0 70-17,0 0 1,18 36-1,-18-36-15,0-34 16,-53 34 15,35-141-31,-34 124 16,-1-71 0,0 18-1,-18-18 1,-17-35-1,-18-18 1,-35-35 0,0 18 15,53-18-15,-18-18-1,0-17 1,18-18-1,35 53-15</inkml:trace>
+  <inkml:trace contextRef="#ctx0" brushRef="#br0" timeOffset="135725.85">10654 12206 0</inkml:trace>
+  <inkml:trace contextRef="#ctx0" brushRef="#br0" timeOffset="-19979.8">0 6950 0</inkml:trace>
 </inkml:ink>
 </file>
 
@@ -516,7 +1303,7 @@
           <inkml:channelProperty channel="T" name="resolution" value="1" units="1/dev"/>
         </inkml:channelProperties>
       </inkml:inkSource>
-      <inkml:timestamp xml:id="ts0" timeString="2022-11-29T03:25:02.571"/>
+      <inkml:timestamp xml:id="ts0" timeString="2022-11-30T02:00:52.868"/>
     </inkml:context>
     <inkml:brush xml:id="br0">
       <inkml:brushProperty name="width" value="0.05292" units="cm"/>
@@ -524,13 +1311,7 @@
       <inkml:brushProperty name="color" value="#FF0000"/>
     </inkml:brush>
   </inkml:definitions>
-  <inkml:trace contextRef="#ctx0" brushRef="#br0">0 6720 0</inkml:trace>
-  <inkml:trace contextRef="#ctx0" brushRef="#br0" timeOffset="1492.79">0 8520 0</inkml:trace>
-  <inkml:trace contextRef="#ctx0" brushRef="#br0" timeOffset="2692.56">0 8308 0</inkml:trace>
-  <inkml:trace contextRef="#ctx0" brushRef="#br0" timeOffset="2838.97">0 8308 0</inkml:trace>
-  <inkml:trace contextRef="#ctx0" brushRef="#br0" timeOffset="3066.04">0 8308 0</inkml:trace>
-  <inkml:trace contextRef="#ctx0" brushRef="#br0" timeOffset="5243.23">6879 8502 0</inkml:trace>
-  <inkml:trace contextRef="#ctx0" brushRef="#br0" timeOffset="7073.09">265 12929 0</inkml:trace>
+  <inkml:trace contextRef="#ctx0" brushRef="#br0">18045 6826 0,'0'0'0,"0"-405"15,0-1-15,0-458 16,0 687-16,0-140 15,0 158 1,35 88 0</inkml:trace>
 </inkml:ink>
 </file>
 
@@ -550,151 +1331,200 @@
           <inkml:channelProperty channel="T" name="resolution" value="1" units="1/dev"/>
         </inkml:channelProperties>
       </inkml:inkSource>
-      <inkml:timestamp xml:id="ts0" timeString="2022-11-29T01:44:37.991"/>
+      <inkml:timestamp xml:id="ts0" timeString="2022-11-30T01:45:28.138"/>
     </inkml:context>
     <inkml:brush xml:id="br0">
       <inkml:brushProperty name="width" value="0.05292" units="cm"/>
       <inkml:brushProperty name="height" value="0.05292" units="cm"/>
-      <inkml:brushProperty name="color" value="#FF0000"/>
+      <inkml:brushProperty name="color" value="#0070C0"/>
     </inkml:brush>
     <inkml:brush xml:id="br1">
       <inkml:brushProperty name="width" value="0.05292" units="cm"/>
       <inkml:brushProperty name="height" value="0.05292" units="cm"/>
-      <inkml:brushProperty name="color" value="#0070C0"/>
+      <inkml:brushProperty name="color" value="#FF0000"/>
     </inkml:brush>
   </inkml:definitions>
-  <inkml:trace contextRef="#ctx0" brushRef="#br0">1852 1323 0,'0'-18'15,"-18"-35"17,18 36-32,-17 17 15,-1 0 17,18 35-17,0-17-15,0 70 16,0 0-1,0 53 1,0-35 0,0-35-1,0-19 1,18-87 31,17-18-32,0-17 1,1-54 0,-1 71-1,-17 18-15,-1 0 16,18 35 0,-17 0-1,0 70 1,17 1-1,18 17 1,17-17 0,1-36-1,35-35 1,-36-53 0,19-35 15,-54 17-16,-17-17 1,-54-18 0,-34 36-1,-1 17 1,1 53 0,52 0-1,0 0 1,18 17-16,0 1 15,53-18 1,-35 0-16</inkml:trace>
-  <inkml:trace contextRef="#ctx0" brushRef="#br0" timeOffset="567.41">2805 1041 0,'-18'35'31,"18"-17"-31,0-1 16,0 1-16,0 88 16,0-18-1,0 18 1,0-36-1,0 18 1,0-17 0,18-71-1,-18-18 17,0-35-17,0-17 16,0 52-31,52-52 16,-34 34-16,35-34 16,18 17-1,17 18 1,-18 52 0,1 54-1,-18 35 1,-53-18-1,0-18 1,0-17 0,-18-35-1,18-36 32,0 1-47</inkml:trace>
-  <inkml:trace contextRef="#ctx0" brushRef="#br0" timeOffset="1217.72">3810 1323 0,'0'-18'0,"0"36"0,0-71 16,0 18 0,-35 35-16,-18-36 15,-18 36 17,1 36-17,-19 34 1,37 1-1,34 35 1,18-89-16,0 54 16,18-1-1,34-34 1,19-36 0,35-18-1,-88 0-15,52-35 16,18-17-1,-35-18 1,-35-18 0,-18 35-1,0 18 1,-18 124 31,18 17-32,0-70-15,0 70 16,0-35 0,0 17-1,53-34 1,0-19 0,18-17-1,-1-53 1,-17 18-16</inkml:trace>
-  <inkml:trace contextRef="#ctx0" brushRef="#br0" timeOffset="1534.63">4463 935 0,'-53'-35'31,"35"35"-31,18 17 16,-18 1-16,1 52 16,-18 54-1,35-1 1,0 1 0,0-54-1,0 36 1,0-71-1,70-17 1,-17-18 0,35-35-1,-17-18 1</inkml:trace>
-  <inkml:trace contextRef="#ctx0" brushRef="#br0" timeOffset="1799.88">4374 1252 0,'0'0'0,"-17"18"31,34-18-15,1 0-16,53 0 15,-18 0 1,17-18 0,-17 1-1,-35-1 1</inkml:trace>
-  <inkml:trace contextRef="#ctx0" brushRef="#br0" timeOffset="2267.14">5733 1305 0,'0'0'0,"0"-17"16,0-19-1,0 19-15,0-19 16,0 54 31,0 0-47,0 35 16,0-36-16,0 54 15,0-1 1,0-17-1,0-35 1,53-18 0,-1-18-1</inkml:trace>
-  <inkml:trace contextRef="#ctx0" brushRef="#br0" timeOffset="2783.26">6279 1235 0,'0'-18'0,"0"36"0,0-54 16,36 1 0,-36 18-1,-18 17 1,-35 35 0,-17 18-1,52-36-15,0 19 16,1-1-1,17-17 1,53-18 0,0 0-1,52 0 1,-34 17 0,-53-17-1,52 35 1,-52 1-1,-18-1 1,-88 18 0,17-18-1,-17-17 1,17-18 0,18 0-1,0 0 1,36 0-1,-1-18 1,18-35 0,0 18-1,0 0 1</inkml:trace>
-  <inkml:trace contextRef="#ctx0" brushRef="#br0" timeOffset="3011.58">5838 952 0,'-52'-17'15,"52"-1"1,-18 18-16</inkml:trace>
-  <inkml:trace contextRef="#ctx0" brushRef="#br0" timeOffset="4132.92">7990 917 0,'0'-17'0,"0"34"0,0-52 16,0 17-16,18-17 16,0-18-1,-18 35 1,0 36 15,0 0-31,-36 70 16,19-53-16,-36 89 15,-18 34 1,1-69 0,-18 16-1,35-52 1,17-17 0,1-36 15,-18-18-16,36-17 1,-1-36 0,0 1-1,1-54 1,17 1 0,17 87-1,19 36 1,-1 36-1,53 52 1,-35 0 0,-35-70-16,52 70 15,-17-35 1,18-36 15,-19-17-15,37 0-1,-19-17 1,-52-1-16,52-35 16,-52 0-1,0-17 1,-18 52 0,0 36 15,-18-18-31,0 70 15,18-17 1,-17 0 0,-1-35-1,18-1 1,0-34 46,0-1-46,0-52 0,0 34-16</inkml:trace>
-  <inkml:trace contextRef="#ctx0" brushRef="#br0" timeOffset="4356.93">8308 1005 0,'0'18'94,"18"-18"-94,-1 0 15,-17 18 1,0-1-16</inkml:trace>
-  <inkml:trace contextRef="#ctx0" brushRef="#br0" timeOffset="4965.47">8590 1111 0,'0'0'0,"0"18"16,0 0 0,-18-18-16,1 52 15,17-16 1,0 17 0,0-36-1,-18 19 1,1 16-1,17-34 1,0 0 0,0-36 31,0 0-47,0-17 15,17-18 1,-17 36-16,71-72 15,-1 1 1,54-18 0,-89 89-16,36-1 15,-1 36 1,-52 52 15,-18 54-15,0-54-1,-18 19 1,1-37 0,17-34-1,0-36 32,17-17-31,-17 18-16,35-19 15</inkml:trace>
-  <inkml:trace contextRef="#ctx0" brushRef="#br0" timeOffset="5876.04">9313 847 0,'0'-18'0,"0"36"0,18-36 0,-18 0 16,0 1-1,0 34 17,0 54-17,0-53-15,0 70 16,0 35 0,-18-35-1,1 18 1,-1-53-1,0 0 1,18-35 15,0-36 1,0 0-17,0-34-15,0-1 31,18 35-31,35-53 16,-53 36-16,53-35 16,17-1-1,-34 36 1,-1 17 0,-17 18-1,-18 18 16,-18-1-31,-17 19 16,17-36 0,-17 17-16,17 1 15,-17 0 1,17-18 0,18 17 15,0 19-16,0-1 1,0 0 0,0 18-1,18-18 1,0-35-16,17 36 16,-18-19-1,36 1 1,0-1-1,-17-17 1,-19 0 0,1-35-1,-1 35 1,-17-17 15,0-1-15</inkml:trace>
-  <inkml:trace contextRef="#ctx0" brushRef="#br0" timeOffset="6087.7">9648 1323 0,'-17'0'47,"-1"0"31,18-18-47</inkml:trace>
-  <inkml:trace contextRef="#ctx0" brushRef="#br0" timeOffset="6949.15">11271 741 0,'0'0'0,"-17"0"16,-19 0-1,54 0 17,17 0-32,124 0 15,0-35 16,52 17-15,-158 18-16,53-18 16,-71 18-16,71 0 15,-159 18 17,36 0-32,-54-18 15,36 0-15</inkml:trace>
-  <inkml:trace contextRef="#ctx0" brushRef="#br0" timeOffset="7215.92">11677 758 0,'0'0'15,"-18"0"-15,-17 0 16,35 36 0,-18 17-1,18 70 16,0-17-15,0 17 0,0-17-1,0-53 1,0-18 0,0-17-16,18-18 31,0-18-16</inkml:trace>
-  <inkml:trace contextRef="#ctx0" brushRef="#br0" timeOffset="7665.09">11942 1270 0,'17'0'46,"1"-18"-46,-1 18 16,72-35 0,16 0-1,-16 0 1,-1-36 0,-88 36-1,0-18 1,-35 53-1,-71 0 1,18 35 0,-1 53-1,54 0 1,35-52 0,0 34-16,0 1 15,35-18 16,54-53-15,-1 0 0,35 0-1,-35-36 1,-52 19-16</inkml:trace>
-  <inkml:trace contextRef="#ctx0" brushRef="#br0" timeOffset="7935.14">12718 1041 0,'0'-18'16,"0"36"-16,0-54 0,0 19 0,0 34 47,35 19-47,18 52 15,0-18 16,-36-52-31,36 35 16,-35-35-16,0 17 16,-1 0-1,1-35 1,-1-17 15</inkml:trace>
-  <inkml:trace contextRef="#ctx0" brushRef="#br0" timeOffset="8232.79">13070 1005 0,'0'-17'0,"0"34"0,0-52 16,0 17-16,0 1 16,-17 17-16,-36 17 31,35 1-31,-17 35 15,-36 53 1,36-36 0,-18 36-1,18-53 1,17-35-16,1 17 16,-1-17-1,71-36 16,-18 0-15</inkml:trace>
-  <inkml:trace contextRef="#ctx0" brushRef="#br0" timeOffset="8601.53">13458 758 0,'0'-35'0,"0"70"0,18-87 0,-18 34 16,18 0-16,-18 36 47,0 52-31,0 19-1,0-54-15,-18 71 16,0-18-1,18-53-15,0 53 16,0-35 0,0 0-1,0-35 1,36-18 0,-19 0-1,1 0-15,35-35 31,-18-36-15</inkml:trace>
-  <inkml:trace contextRef="#ctx0" brushRef="#br0" timeOffset="8865.75">13406 935 0,'0'0'15,"17"0"17,1 0-17,35 0-15,-36 0 0,36 0 16,18-18 0,-36 18 15,-17 0-16,-18-17 1,17-1 0</inkml:trace>
-  <inkml:trace contextRef="#ctx0" brushRef="#br0" timeOffset="9415.87">14799 917 0,'0'0'0,"-18"0"15,-17 0-15,17 0 16,-17 0-1,-18 0 1,18-35 0,35-18-1,0 0 1,53-17 0,70-19-1,54 19 1,-71 70-1,17 0 1,-88 53 0,-35 53-1,-17-71-15,-54 71 16,-35 35 0,36-35-1,-1-18 16,54-35-15,-1 0 0,18-36-1,18-17 1</inkml:trace>
-  <inkml:trace contextRef="#ctx0" brushRef="#br0" timeOffset="9699.9">14905 1587 0,'-18'18'0,"36"-36"0,-36 54 0,18-1 15,0-17 1,18-18 0,-1 0-16,19 0 0,34 0 31,-70-18-16,0-17 1,-17 35 15,-1 0-31</inkml:trace>
-  <inkml:trace contextRef="#ctx0" brushRef="#br1" timeOffset="17448.48">2187 2752 0,'-17'0'0,"34"0"0,-52 0 0,-53 0 31,70-18-31,0 18 16,1 0-1,34-18 17,1 18-32,17 0 0,106-17 15,54-1 1,69 0 15,-105 1-15,0 17-1,-142 0 1,-17 17 0,-17 19-1,-36-19 1</inkml:trace>
-  <inkml:trace contextRef="#ctx0" brushRef="#br1" timeOffset="17763.95">2540 2787 0,'-18'18'31,"18"-1"-31,0 1 16,0 35 0,0-36-16,0 36 15,0 36 1,0-1 0,0 0-1,0-70-15,0 34 16,0-34-1,0-36 17,0 1-17</inkml:trace>
-  <inkml:trace contextRef="#ctx0" brushRef="#br1" timeOffset="18348.18">2893 2716 0,'0'0'15,"0"18"17,0 0-32,0 52 15,0 1 1,0 17-1,0 0 1,0-17 0,0-18-1,0-18 1,0-53 31,0 1-47,0-1 15,0-17 1,0 17-16,0-52 16,35-1-1,36 0 1,-18 54 0,17 17-1,-52 35 1,-1 53-1,-17-17 1,-17 17 0,-1-35-1,0-18 1,18-52 31,0-36-32</inkml:trace>
-  <inkml:trace contextRef="#ctx0" brushRef="#br1" timeOffset="18813.49">3246 3069 0,'0'18'0,"17"-18"15,1 0 1,35 0 0,17-18-1,1-17 1,-36 0 0,-17-1-1,-18 1 1,-18 0 15,-17 35-15,17 0-16,-52 35 15,34 18 1,1 18 0,17-1-1,1 1 1,17-54-16,0 36 15,53-18 1,17-35 0,-17 0-1,35-52 1,-35-1 0</inkml:trace>
-  <inkml:trace contextRef="#ctx0" brushRef="#br1" timeOffset="19413.18">5062 2716 0,'-17'0'0,"34"0"0,-52 0 16,53 0 15,105-17-15,-88-1-16,54 18 16,-36 0-16,123-18 15,-17 1 1,-71 17 15,-35 0-15,-106 0 15,35 0-31,-52 17 16</inkml:trace>
-  <inkml:trace contextRef="#ctx0" brushRef="#br1" timeOffset="19667.49">5415 2699 0,'0'0'0,"0"17"0,-18 1 15,1 53 1,-1 17 0,18-18-1,0 71 16,-17-70-15,17 17 0,0-53-1,0-52 17,17 17-32</inkml:trace>
-  <inkml:trace contextRef="#ctx0" brushRef="#br1" timeOffset="20097.13">5609 3104 0,'18'0'32,"-1"0"-32,1 0 0,53-17 15,-54-1-15,89-17 16,-35 0 15,17-1-15,-71 1-1,-122 35 17,69 0-32,-69 18 15,16 35 1,36 35-1,36 0 1,17-17 0,0-54-16,17 18 15,89 1 1,-35-36 0,17-18-1,18-35 1,-89 36-1</inkml:trace>
-  <inkml:trace contextRef="#ctx0" brushRef="#br1" timeOffset="20348.16">6262 2946 0,'0'0'0,"17"0"15,-17 17 1,18 1-1,-18 0-15,53 35 16,18 17 0,-36 1-1,0-18 1,0-36 0,-35 1-1,36-71 16</inkml:trace>
-  <inkml:trace contextRef="#ctx0" brushRef="#br1" timeOffset="20613.93">6650 2928 0,'0'0'0,"0"-18"15,-18 18 1,-35 18-1,-35 53 1,0 17 0,17 18-1,18-18 1,36-35 0,-1-36-1,18 1 16,71-53-31,17-36 16</inkml:trace>
-  <inkml:trace contextRef="#ctx0" brushRef="#br1" timeOffset="20930.66">6967 2805 0,'0'-18'0,"0"36"15,18-54-15,-18 54 32,0 0-17,0 17-15,0-18 0,-18 36 16,-17 53 0,35-88-16,-35 88 15,17-36 1,18 1 15,0-36-15,35-35-1,54-18 1,-36-34 0,-1-19-1</inkml:trace>
-  <inkml:trace contextRef="#ctx0" brushRef="#br1" timeOffset="21163.63">6897 2999 0,'0'0'0,"-18"0"0,18 17 16,18-17-1,70 0 1,-53 0-1,18-17 1,-35 17-16,52-18 16,1-17-1,-53 17 1</inkml:trace>
-  <inkml:trace contextRef="#ctx0" brushRef="#br1" timeOffset="22097.14">8378 2946 0,'0'0'0,"0"-18"0,36-105 31,-36 105-31,0 0 16,0 36 15,0 0-31,0 52 16,0-35-1,-18 36 1,0-53-16,1 52 16,17-52-16,0 35 15,0-18 1,17-53 15,1 18-31,0-17 0,17-19 16,36-34-1,-1 17 1,-17 18 0,-35 35-1,-1 35 1,1 36 0,-18-54-16,18 18 15,17 54 16,35-54-15,1-35 0,35 0-1,0-53 1,-36 0 0,-52 35-16,17-52 15,-17-18 1,-54 17-1,-52 1 1,35 52 0,36 18-16,-54 0 15,36 53 1,35-36 0,53 19-1,17-36 1,1 0-1</inkml:trace>
-  <inkml:trace contextRef="#ctx0" brushRef="#br1" timeOffset="22633.29">9613 2575 0,'0'0'0,"0"-17"0,-17 17 16,-19 0-1,-17 53 1,36 52 0,17 1-1,-18 18 1,0-107-16,18 36 16,-35 53-1,35-71 1,0-17 15,0-36 0,0 1-31,0-36 16,71-53 0,-18 18-1,88 0 1,-53 52-1,35 36 1,-70 53 0,-17 53-1,-36-18 1,0-35 0,-18-18-1,36-35 32,-1 0-47,1-17 16,52-18-1</inkml:trace>
-  <inkml:trace contextRef="#ctx0" brushRef="#br1" timeOffset="22882.67">10389 2805 0,'0'-18'0,"0"36"0,0-18 47,0 35-47,-17 18 15,-19 35 1,36-70-16,0 17 16,-17-17-16,17 17 15,-18-18 16,18 1-31,0-88 47</inkml:trace>
-  <inkml:trace contextRef="#ctx0" brushRef="#br1" timeOffset="23063.66">10336 2681 0,'0'0'0,"-17"0"0,17-18 16,-18 18 0,18 18 15,18-18-15,-1 18-16</inkml:trace>
-  <inkml:trace contextRef="#ctx0" brushRef="#br1" timeOffset="23397.22">10742 2752 0,'0'-18'0,"-18"18"31,1 0-31,-36 0 16,0 18 0,18 52-1,-1 18 1,36-17 0,0-53-16,0 52 15,0-52-15,18 17 16,35 0 15,35-35-15,-17-35-1,-54 17-15</inkml:trace>
-  <inkml:trace contextRef="#ctx0" brushRef="#br1" timeOffset="23930.31">11236 2522 0,'0'0'0,"-18"-53"31,1 53-31,-1 0 0,-17 71 16,-1 35 0,19 0-1,-1 17 1,18-52-1,-35 17 17,17-35-17,18-71 32,0-17-31,18 17-16,52-88 15,19 18 1,52-18 0,-53 53-1,18 53 1,-71 89 0,-35-19-1,0 36 1,0-71 15,0 1-15,-18-1-1,1-35 1,-1 0 0,18-35-16</inkml:trace>
-  <inkml:trace contextRef="#ctx0" brushRef="#br1" timeOffset="24480.61">12806 2840 0,'17'-18'0,"-34"36"0,34-53 0,1-18 31,-18 70 16,0 1-47,0 0 15,0 17-15,0 53 32,-18-17-17,18-18 1,-17-18 0,17-18-1,17-17 1,19-35-1,17 18-15</inkml:trace>
-  <inkml:trace contextRef="#ctx0" brushRef="#br1" timeOffset="24913.73">13353 2805 0,'17'-18'0,"-34"36"0,87-71 16,-70 35-1,-17 18 16,-36 18-31,0 17 32,35-35-32,-35 35 15,53 0 1,0-17 0,71-18-1,-1 18 1,18-1-1,-70 1-15,35 17 16,-35 1 0,-36-1-1,-35-17 1,-70 17 0,52-18-1,-35-17 1,89 0 15,-1 0-15,18-35-1,0-18 1,0 36-16</inkml:trace>
-  <inkml:trace contextRef="#ctx0" brushRef="#br1" timeOffset="25096.62">12841 2575 0,'-18'0'16,"36"0"-16,-53 0 0,17 0 0,-17 0 16,17 18-1,-17 17 1,0-35-1</inkml:trace>
-  <inkml:trace contextRef="#ctx0" brushRef="#br1" timeOffset="27546.92">14852 2752 0,'0'-18'15,"0"36"-15,-18-54 0,18 19 16,0-1-16,-17-17 16,-1 17-1,0-17 1,1 35 15,17 18-31,0 70 16,0 88-1,0 18 17,0-17-17,-36 69 1,1-87 0,-35 35-1,52-158-15,-35 122 16,35-105-1,18-18 1,-17-35 0,17-70-1,0-1 1,0 36-16,0-18 16</inkml:trace>
-  <inkml:trace contextRef="#ctx0" brushRef="#br1" timeOffset="28113.5">14640 2787 0,'-17'0'0,"17"-18"0,0 1 47,0-19-47,17 1 16,36 0 0,0 0-1,53-1 1,-88 36-16,87-17 15,37-1 17,-54 36-17,0 70 1,-88 0 0,-71 35-1,-52-34 1,-1-36-1,54-36 1,52-17 0,1 0-1,17-17 17,0-1-32,0 0 15,17 1 1,36-1-1,-18-17 1</inkml:trace>
-  <inkml:trace contextRef="#ctx0" brushRef="#br1" timeOffset="28648.51">15346 2734 0,'0'0'0,"0"-18"16,0 1-16,0-19 16,0 19-16,35-18 15,18-1 1,-35 36-1,52-17 1,1 17 0,-1 53-1,-34 17 1,-36 36 0,0-36-1,0-52-15,0 53 16,0-36-1,0-53 32,0 1-47,0-19 16,0 19-16,53-54 16,17-35-1,1 53 1,-18 18-1,-36 35 17,1 0-17,-1 35 1</inkml:trace>
-  <inkml:trace contextRef="#ctx0" brushRef="#br1" timeOffset="29063.46">16263 2857 0,'0'0'15,"18"0"17,-1 0-32,19-35 15,-19 18-15,36-19 16,-18-17-1,-35-17 17,0 35-17,-52 35 1,-1 0 0,-18 88-1,18 18 1,53-18-1,0-35 1,0 0 0,18-18-1,17-35 1,71 0 0,-36-18-1</inkml:trace>
-  <inkml:trace contextRef="#ctx0" brushRef="#br1" timeOffset="30379.49">17039 2734 0,'18'-18'0,"-18"-17"16,0 17 0,-53 18-1,0 0 1,-18 36-1,36-1 1,0 18 0,35-35-1,17 17 1,54 18 0,-36-18-1,1 18 1,-36-35-1,0 17 17,-36-17-17,-17-18 1,0 0 0,36-18-1,-1 18-15,-17-35 16,35 17-1,0 0 1,0 36 15,0 0-31,0-1 16,70 19 0,19-36-1,-19 0 1,71 0-1,-17 0 17,35-89-17,-89 36 1,-52-35 0,-18 18-1,-18 70 1,-35 0-1,0 17 1,36 1-16,-19 70 16,36-35-1,0 18 1,53-54 0,35-17-1,18 0 1,18 0-1,-36-35 17,-53 0-17,1-54 1,-36 54 0,0 18-1,-36 87 16,36-52-31,-17 17 16,-19 36 0,19-36-1,-1 0 1,0-17 0,18-36 30,18-35-30,0 36 0,17-36-1,-17 35-15,87-105 16,-16 52 0,16 36-1,-52 35 1,-35 88-1,-18 0 1,0 0 0,0-35-1,-18-35 1,1 0 0,17-1-1,0-34 16,17-36-15,36 0 0</inkml:trace>
-  <inkml:trace contextRef="#ctx0" brushRef="#br1" timeOffset="30713.65">18680 2434 0,'0'-17'16,"0"34"-16,0-52 0,0 17 0,0 1 16,-18 34 31,18 19-47,-18-19 0,-35 89 15,0 53 1,18-53-1,18-1 1,-1-34 15,18-36-15,18-35 15,52-17-15,-17-36-1</inkml:trace>
-  <inkml:trace contextRef="#ctx0" brushRef="#br1" timeOffset="31012.83">18468 2593 0,'-18'0'0,"36"0"0,-53 0 16,17 0-16,36 0 31,35-18-31,17 1 31,71-1-15,-53 18 0,-70 0-16,17 0 15,-17 0 16,0 0 1,-1 0-32,19 0 15</inkml:trace>
-  <inkml:trace contextRef="#ctx0" brushRef="#br1" timeOffset="31462.95">19614 2540 0,'0'0'15,"0"-18"-15,0 36 47,0 0-47,0-1 0,0 36 16,-17 0 0,17 18-1,0-54-15,-18 19 16,18-19-16,-17 36 15,-1-18 32,18-52 0,0-1-31,0 0-16,18 1 0</inkml:trace>
-  <inkml:trace contextRef="#ctx0" brushRef="#br1" timeOffset="31759.3">19650 2311 0,'0'0'0,"-18"0"16,0 0-1,18-18 1,-17 18 93</inkml:trace>
-  <inkml:trace contextRef="#ctx0" brushRef="#br1" timeOffset="33366.54">20108 2611 0,'0'0'0,"0"-18"0,0 0 31,0 1-31,0-1 16,0 0 0,0 1-1,0 34 16,0 1-31,-17 70 16,17 0 0,-36 18-1,19-35 1,-1-36 0,18-17-1,-18-18 16,18-18-15,0-17-16,0-18 16,18 35-1,53-88 1,35 18 0,52 0-1,-17 53 1,0 88-1,-70 17 1,-71-35-16,0 89 16,0-36-1,-53-17 1,35-36 0,1-17-1,34-18 16,36-36-15,-35 36 0</inkml:trace>
-  <inkml:trace contextRef="#ctx0" brushRef="#br1" timeOffset="33679.01">21661 2381 0,'17'0'16,"-34"0"-16,17 18 31,-18 0-31,0 17 0,-17 53 16,-18 35-1,35-17 1,1-18-1,-1-35 17,18-17-17,-17-19 1,-1-34 0</inkml:trace>
-  <inkml:trace contextRef="#ctx0" brushRef="#br1" timeOffset="34395.29">21220 2769 0,'-18'-17'0,"36"34"0,-54-34 15,54 17 17,88 0-17,0 0 1,70-36-1,-123 36-15,88-53 32,-35 1-17,-71-1 1,-17-36 0,-18 19-1,0 17 1,0 35-1,-36 36 1,-16 53 0,16 70-1,1-36 1,0 19 0,35-106-16,-36 34 15,36 1 1,-17-35-1,-1-18 1,18-35 31,0 17-47,18-17 16,-1 17-16,72-70 15,-1 17 1,35 1-1,-52 70 1,-36 35 0,-17 53-1,-18 1 1,-18-37 0,1 1-1,-1-35 1,18-36 31,0 1-32,18 17-15</inkml:trace>
-  <inkml:trace contextRef="#ctx0" brushRef="#br1" timeOffset="34812.07">22366 2716 0,'18'0'63,"-1"0"-47,1-17-16,0-1 0,-1 18 0,54-35 15,-1-18 1,-52 0-1,-18 35 1,-35 18 15,-53 36-15,17 52 0,36 18-1,35-36 1,17-17-1,36-53 1,53 0 0,-71 0-16,54 0 15,34-18 1,-52-17 0,-36 0-1</inkml:trace>
-  <inkml:trace contextRef="#ctx0" brushRef="#br1" timeOffset="36078.61">7073 3704 0,'0'-17'0,"0"-1"15,0 0 1,0 36 15,0 0-15,-17-1-16,-19 71 15,19-52-15,-36 69 16,-35 54 0,-1-53-1,-17 0 1,1-53 0,52-53-1,35 0-15,0 0 16,-17-53-1,18 0 1,-1-53 15,18 0-15,0 89-16,35-89 16,0 88-1,18 1 1,18 87-1,-36 18 1,36 36 0,-54-107-16,36 72 15,18-36 1,-18-53 0,35 0-1,-17-36 1,17-34-1,-18-19 17,-52 1-17,-18 35 1,0 36 0,0 34-1,-18 36 1,18-17-16,-17 16 15,17-34-15,0 35 16,0 0 0,0-35-1,0-36 32,0 0-47,0-17 0,0 0 16</inkml:trace>
-  <inkml:trace contextRef="#ctx0" brushRef="#br1" timeOffset="36279.19">7285 3863 0,'0'-18'0,"0"1"16,0 52-16,0-88 16,17 53 30,1 0-30,0 0-16,-1 0 16,1 0-1,0 0-15,17 0 16</inkml:trace>
-  <inkml:trace contextRef="#ctx0" brushRef="#br1" timeOffset="36813.36">7673 3828 0,'0'53'15,"-18"-53"1,18 17-16,0 18 16,-17 36-1,17 35 1,0-36-1,-18-17 1,18-35 0,-18-18-1,1 0 1,17-35 0,0 17-16,0-17 15,0 17-15,70-88 16,1 36-1,52-36 1,1 53 15,-54 35-15,-52 18-16,35 71 16,-35-1-1,-18 36 1,0-35-1,-36-1 1,36-34 0,-17-19-1,17-34 17,0-1-32,35-17 15</inkml:trace>
-  <inkml:trace contextRef="#ctx0" brushRef="#br1" timeOffset="37628.96">8502 3669 0,'0'-18'0,"0"36"0,0-53 16,0 17-1,0 36 1,0 17-1,-18-17-15,1 52 16,-1 71 0,0-17-1,1-36 1,-19 0 0,19-53-1,17-17 1,0-53 15,17-18-15,36-71 15,-35 107-31,53-72 16,-1 19-1,-17 52 1,-18 18-1,-35 36 1,-35-1 0,-71 18-1,53-18 1,36-35 0,-1 0-1,0 0 1,18-18-1,18 54 32,17 34-31,-17-17 0,52 0-1,-17-18 1,-35-35-16,35 0 15,35 0 1,-35-35 0,0 0-1,-18-18 1,-35-18 0,0 54-16,0-1 15,0 36 48,18-18-63</inkml:trace>
-  <inkml:trace contextRef="#ctx0" brushRef="#br1" timeOffset="37839.31">9384 4163 0,'0'17'16</inkml:trace>
-  <inkml:trace contextRef="#ctx0" brushRef="#br1" timeOffset="50860.09">2028 5680 0,'-17'0'15,"-1"0"17,18 17-32,0 1 47,18-18-32,-1 0 1,1 0-16,35-18 15,0-17 1,-18 0 0,-17 17-1,-18 1 1,0-1 0,-53 0-1,-18 18 1,1 53-1,-36 35 1,53 1 0,35-19-1,18 1 1,36-36 0,34-35-1,-17 0 1,0 0-1,18 0 1,-54-35 0,-17 17-1,-70 18 1,-1 18 15,-52 35-15,87-36-16,-34 36 15,17 35 1,53-35 0,0 0-1,53-18 1,0-17 0,53-18-1,-36 0 1,36-35-1,-35 17 1</inkml:trace>
-  <inkml:trace contextRef="#ctx0" brushRef="#br1" timeOffset="51826.67">2787 5874 0,'0'0'0,"0"-18"0,0 0 16,-18-17 0,1 35-16,-54 0 15,1 35 1,-1 1 0,0 34-1,36-17 1,35-35-16,0 17 15,0-17-15,0-1 16,71-17 0,-18 0-1,17-17 17,1-19-17,-36-34 1,0 35-1,-17-1 1,-18 19 0,0 34 31,0 1-47,0 17 15,0 1-15,0 69 16,0 1-1,0 71 1,0-19 0,18 89-1,17 0 17,-18-17-17,1-72 1,0 1-1,-18-35 1,0-54 0,-18-52-16,-35 35 15,18-18 1,-53-35 0,0 0-1,-36-88 1,1-53-1,52-106 1,36 53 0,35-36 15,0 72-31,35-36 31,0 70-15,54 1-1,-72 105-15,54-53 16,-1 1 0,-34 70-1,-1-18 1,-18 18 15,1-17-31</inkml:trace>
-  <inkml:trace contextRef="#ctx0" brushRef="#br1" timeOffset="52131.41">3351 5856 0,'0'18'125,"0"-1"-109,0 1-16,-17-18 15</inkml:trace>
-  <inkml:trace contextRef="#ctx0" brushRef="#br1" timeOffset="52396.2">3369 6262 0,'-18'0'47,"36"-18"-32</inkml:trace>
-  <inkml:trace contextRef="#ctx0" brushRef="#br1" timeOffset="53876.45">5891 5592 0,'0'-18'0,"0"36"0,0-54 16,18 1-1,-36 0 1,1 35 15,-1 0-31,-35 0 16,-17 53-1,-19 52 1,54 1 0,0 53-1,17-36 1,18 19 0,0-107-16,36 71 15,34 17 1,18-35-1,-17-17 1,-1-71 0,19 0-1,34-106 17,1-35-17,-36 35 1,0-53-1,-88 36 1,-18-53 0,-52 52-1,34 89-15,-87-53 16,17 52 0,-35 36-1,18 71 1,87 35-1,36 123 1,36-106 0,52 36-1,0-71 1,35 36 15,-52-1-15,-36-52-1,-35-53-15,0 70 16,-35-35 0,-36-36-1,1-17 1,35 0 0,-1-17-1,36-19 1,0 1-1,53-35 1,-35 52-16</inkml:trace>
-  <inkml:trace contextRef="#ctx0" brushRef="#br1" timeOffset="54359.73">6615 6191 0,'0'0'0,"35"-17"0,-18-1 0,19 0 0,-1 18 16,36-53 0,-36 18-1,-35 17 1,-71 18 0,-17 36-1,18-1 1,17 0-1,35 1 1,18-1 0,88-17-1,-17-1 17,35 1-17,-53 17 1,-36 0-1,-70 18 1,-35-17 0,-53-19-1,53 1 1,17-18 0,54 0-1,17-18 1,35-17-1,35 0 1</inkml:trace>
-  <inkml:trace contextRef="#ctx0" brushRef="#br1" timeOffset="54744.7">7091 6103 0,'17'-18'16,"-17"36"15,0 0-31,0 17 16,0 36 0,0 70-1,-35 53 1,18-18-1,-36 53 1,35-176-16,-17 159 16,-1-53-1,19-1 1,17-105 15,0-88 0,0 0-31,17-106 16,1 0 0</inkml:trace>
-  <inkml:trace contextRef="#ctx0" brushRef="#br1" timeOffset="55108.9">6985 6279 0,'0'0'0,"0"-17"0,0-1 0,0-17 0,0 17 0,-18-17 16,18-18 0,71 0-1,35 18 17,17 35-17,-52 35 1,-36 18-1,-53 18 1,-35-18 0,-52-18-1,87-18-15,-53 1 16,36 0 0,53-18 30,-1 0-46,1 0 0,35-18 16</inkml:trace>
-  <inkml:trace contextRef="#ctx0" brushRef="#br1" timeOffset="55384.26">7655 6085 0,'-17'0'32,"17"18"-17,0 0-15,-18 17 16,18 0 0,0 18-1,-18-35 1,18-1-1,-17-17 1,17-17 15</inkml:trace>
-  <inkml:trace contextRef="#ctx0" brushRef="#br1" timeOffset="55559.1">7620 5944 0,'0'-17'16,"0"34"-16,-18-34 0,1 17 16,17 17 15,35-17-15,0 18-1</inkml:trace>
-  <inkml:trace contextRef="#ctx0" brushRef="#br1" timeOffset="56195.02">8273 6032 0,'0'-17'0,"0"-1"15,0 1-15,-18 17 16,-35-18 0,-35 18-1,0 0 1,35 53 0,35-36-16,-17 36 15,35-35-15,-18 53 16,18-1-1,18-35 1,35-35 0,17 0-1,19-35 17,-1-35-17,0-19 1,-35-16-1,-36-37 1,19-16 0,-36 87-1,0 36-15,0 17 16,0 36 0,-18 70-1,0 36 1,1 34-1,17-34 1,-18-1 0,53-70-1,1-35 17,-1-18-17,18-18 1</inkml:trace>
-  <inkml:trace contextRef="#ctx0" brushRef="#br1" timeOffset="56610.01">8714 6068 0,'17'0'31,"1"0"-31,0 0 15,-1 0-15,54-36 16,-54 1 0,19-18-1,-36 18 1,0 17 0,-18 18-1,-35 0 1,18 36-1,0 34 1,17 1 0,18-18-1,18 0 1,34-36 0,-16 1-1,-1-18 1,18 0-1,-18 0 1</inkml:trace>
-  <inkml:trace contextRef="#ctx0" brushRef="#br1" timeOffset="56925.68">9155 5997 0,'0'-17'0,"0"34"0,-18-34 0,18-1 15,0 0 1,18-17 0,34 17-1,1 18 1,0 18 0,-17 35-1,-19-35-15,1 70 16,-18-35-1,0 17 1,-35-34 0,-1-1-1</inkml:trace>
-  <inkml:trace contextRef="#ctx0" brushRef="#br1" timeOffset="57042.67">9349 6138 0,'0'-17'15,"17"-36"1,36-35 0,0 17-1,0 18 1,-18 35 0</inkml:trace>
-  <inkml:trace contextRef="#ctx0" brushRef="#br1" timeOffset="57459.56">10213 5927 0,'0'0'15,"0"-18"-15,0 0 0,18 18 0,17-53 31,-35 36-31,0-1 16,-88 1 0,35 17-1,-35 52 1,35 1 0,17 0-1,36-17 1,71-19-1,17 18 1,-17-17 0,-1 17-1,-52 1 17,-18-19-17,0 1-15,-53 0 16,35-18-16</inkml:trace>
-  <inkml:trace contextRef="#ctx0" brushRef="#br1" timeOffset="57557.35">9860 6174 0</inkml:trace>
-  <inkml:trace contextRef="#ctx0" brushRef="#br1" timeOffset="58375.91">5362 6615 0,'-35'0'0,"70"0"0,-88 0 0,-53 0 31,71 0-31,-18 0 15,0 0 1,71 0 31,0 0-47,70 17 16,123-17-1,54 0 1,194 0-1,-336 0-15,353 0 16,230 0 0,52 0-1,-193 0 1,140 0 15,-105 0-15,-265-17-1,-247 17-15,142 0 16,-142 0 0,-106 0 31,1 0-32,17-18 32,0 0-47</inkml:trace>
-  <inkml:trace contextRef="#ctx0" brushRef="#br1" timeOffset="59708.59">2117 8661 0,'0'0'0,"17"-18"31,-17 0-31,-17 18 31,-1 18-15,-53 35 0,54-18-16,-89 53 15,-106 71 1,-17-35-1,-53 34 1,123-87 0,124-53-16,-53 17 15,35-17 17,53-54-1</inkml:trace>
-  <inkml:trace contextRef="#ctx0" brushRef="#br1" timeOffset="59942.22">1129 9296 0,'70'17'15,"19"19"1,52 34 0,-35-17-1,-18 18 1,-71-54-16,89 54 15,-53-54 1,-18 1 0,-17-18-1,0 0 17,-1-35-17</inkml:trace>
-  <inkml:trace contextRef="#ctx0" brushRef="#br1" timeOffset="60609.37">2663 9225 0,'0'0'0,"0"-18"0,36-17 16,-36-18 0,0-35-1,-18 18 17,-52 70-17,-36 0 1,0 52-1,-35 54 1,35 18 0,88-18-1,18-18 1,36-18 0,16-52-1,54-18 1,18-53-1,17-35 1,-53 17 0,-17-17-1,-54 18 1,-17-1 15,0 159 0,0-53-15,0-17-16,0 70 16,0 1-1,0-37 1,18-34 0,35 0-1,17-36 1,1 18-1,-36-18-15</inkml:trace>
-  <inkml:trace contextRef="#ctx0" brushRef="#br1" timeOffset="61426.09">4586 8625 0,'0'-17'0,"0"34"0,-35-34 31,17 17-31,1 0 16,-19 88-1,36 53 1,-17 35 0,-19-34-1,36-72 1,-35 1-1,17-36 1,18-53 15,-17 1-31,17-19 16,0-52 0,35 18 15,-17 34-31,52-34 15,36-1 1,18 89 0,-19 52-1,-69 19 1,-36-1 0,0-18-1,-18 1 1,0-53-1,18-36 48,0 0-63,0 1 16</inkml:trace>
-  <inkml:trace contextRef="#ctx0" brushRef="#br1" timeOffset="61875.82">4974 9031 0,'0'0'0,"0"-53"32,18 53-32,-18-35 15,70 17 1,-34 1-1,34 52 1,1 53 0,-54 0-1,-17 0 1,0-52 15,0-1-15,-17-35-1,17-18 1,0 1 0,0-1-16,0-17 15,35-53 1,18-1 0,0 37-1,-36 34-15,36 0 16,-35 18-16,35-17 15,-35 17 1,-1 0 0</inkml:trace>
-  <inkml:trace contextRef="#ctx0" brushRef="#br1" timeOffset="62259.09">5644 9049 0,'0'17'15,"0"-34"-15,36 70 16,-19-36-1,19-17 1,17-17 0,-1-19-1,-34 19-15,35-19 16,-35-34 0,-18 35-1,0-1 1,-36 36-1,-52 18 1,35 88 0,18-53-1,35 35 17,0-35-17,35-36 1,36-17-1,-1 0 1,71-52 0,-52-1-1</inkml:trace>
-  <inkml:trace contextRef="#ctx0" brushRef="#br1" timeOffset="62908.42">6473 8608 0,'0'-18'15,"0"36"-15,0-71 0,0 35 0,0-17 16,-70 17 0,17 54-1,18 16 1,-1 72 15,19-89-31,-1 89 16,-17 70-1,17-18 1,18-17 0,-17 70-1,-19 36 1,19-212-16,-1 141 16,18 35-1,0-53 1,0-87-1,18-54 1,52-53 0,18-88-1,-52 71-15,70-88 16,17-54 0,-17-17 15,-106 35-16,-71-52 1,36 176-16,-71-71 16,-17 18-1,17 52 1,71 19 0,17-1-1,53 0 16,1 18-15,-1-17-16,18-19 16,0 1-1,-36 17-15</inkml:trace>
-  <inkml:trace contextRef="#ctx0" brushRef="#br1" timeOffset="63191.25">7038 8819 0,'-18'-17'15,"36"17"16,0 0-15,-1 0-16,1 0 16,-1 0-16,19 0 15,-19 0 1</inkml:trace>
-  <inkml:trace contextRef="#ctx0" brushRef="#br1" timeOffset="63341.45">7038 8925 0,'0'0'16,"-18"0"-16,18 36 15,-17-36 1,52 0 15,-17 0-31,34 0 16,-16 0-1</inkml:trace>
-  <inkml:trace contextRef="#ctx0" brushRef="#br1" timeOffset="63896.68">7796 8343 0,'0'0'0,"0"-17"0,0-1 31,0 36 1,-17 17-17,-1 0 1,0-17-16,18-1 15,0 1-15,-17 0 16</inkml:trace>
-  <inkml:trace contextRef="#ctx0" brushRef="#br1" timeOffset="64108.02">7920 8308 0,'0'0'0,"17"0"0,-17-18 0,0 36 47,0 0-47,-17 17 15,17-18-15,0 19 16,0-1-1,0-17-15</inkml:trace>
-  <inkml:trace contextRef="#ctx0" brushRef="#br1" timeOffset="65108.68">8608 8590 0,'0'-18'16,"0"36"-16,-36-71 15,19 53-15,17-17 0,-35 17 16,17 0-16,0 0 16,-35 52-1,18 37 1,35-1-1,-18 53 1,18-18 0,0-34-1,0-72-15,36 19 16,52-36 15,-18 0-15,54-71-1,-36 0 1,18-52 0,-35-36-1,-71 53 1,-53 1 0,-18 34-1,-70 18 1,17 53-1,107 18-15,-36 35 16,53 70 0,18-17-1,70 53 1,18-1 0,-36-52 15,-52 35-16,-53-35 1,-36-53 0,-35-18-1,36-17 1,34-18 0,19 0-16,-1 0 15,18-35 1,18-18-1,17 35 1</inkml:trace>
-  <inkml:trace contextRef="#ctx0" brushRef="#br1" timeOffset="65609">9419 8784 0,'18'-17'0,"-36"34"0,36-52 0,-1 35 16,-17-18-16,0 1 15,-17 17 1,-71 0 0,35 17-1,-18 36 1,53-35-1,18-1-15,0 1 16,53 0 0,0 17-1,18 0 1,-36 1 15,-17 16-15,-18-34-16,-35 17 15,-36 1 1,-17-36 0,17 0-1,36 0 1,17 0 0,18-18-1,18 0 1,52-17-1,-52 17-15</inkml:trace>
-  <inkml:trace contextRef="#ctx0" brushRef="#br1" timeOffset="65974.37">9648 8714 0,'0'-18'16,"0"36"0,-17 35-1,-1 52 1,18 19 0,-35 52-1,17 18 1,-17-35-1,35-88-15,-53 175 16,-17-34 0,52-124-1,18-17 1,0-89 31,0 1-47,0-72 15,0-16-15</inkml:trace>
-  <inkml:trace contextRef="#ctx0" brushRef="#br1" timeOffset="66341.49">9490 8996 0,'-18'-35'0,"36"70"0,-36-106 0,0 18 16,18-35-1,53 18 1,18 52 0,52 0-1,1 18 1,-54 71 0,-70 17 15,-35-35-16,-71 18 1,36-36 0,52-35-16,-52 35 15,52-35 1,18-18 15,18 18-15,34-35-1</inkml:trace>
-  <inkml:trace contextRef="#ctx0" brushRef="#br1" timeOffset="66594.42">10125 8749 0,'0'53'31,"-18"-36"-31,18 19 16,-18 17 0,1-18-1,-1-17 1,18-1 0,0-34 15,0-36-16</inkml:trace>
-  <inkml:trace contextRef="#ctx0" brushRef="#br1" timeOffset="66765.27">10054 8608 0,'0'0'0,"0"-18"31,0 36 16,18-1-32,-1 1-15</inkml:trace>
-  <inkml:trace contextRef="#ctx0" brushRef="#br1" timeOffset="67426.78">10530 8837 0,'0'-18'16,"0"36"-16,18-53 0,-18 17 0,0-35 31,0 18-15,0 0-1,-53 35 1,-17 0 0,-1 35-1,0 18 1,54-18-16,-18 36 16,17-54-16,18 54 15,0-36 1,35-35-1,36 0 1,-18 0 0,35-70-1,-53 17 1,18-53 15,-35 0-15,-1 35-1,1 1 1,-18 35 0,-18 105 15,18-52-31,-17 35 16,-1 35-1,18 35 1,0-52-1,0 17 1,0-53 0,18-35-1,17 0 1,18-35 0</inkml:trace>
-  <inkml:trace contextRef="#ctx0" brushRef="#br1" timeOffset="67809.02">10777 8802 0,'18'0'0,"0"-18"31,-1 18-31,-17-17 16,18-1-16,17-17 15,0-1 1,-35 1 0,-17 35 15,-18 35-15,-1 36 15,36-1-16,0-17 1,0-35-16,0 0 16,36 17-1,-1-35 1,18 0 0,0-35-1</inkml:trace>
-  <inkml:trace contextRef="#ctx0" brushRef="#br1" timeOffset="68258.09">11148 8714 0,'0'0'0,"0"-18"0,-36 18 16,36-35 0,36 17-1,34 0 16,-34 1-31,17 17 16,17 0 0,-35 35-1,-35 53 1,0-35 0,0 35-1,0-52 1,-17-19 15,17-34-15,0-19-1,17-52 1,19 18 0,-1 17-1,0 17 16,0 1-15,1 35 0,-19 0-16</inkml:trace>
-  <inkml:trace contextRef="#ctx0" brushRef="#br1" timeOffset="68774.56">11942 8555 0,'0'0'15,"17"-18"1,-34 18 15,-1 0-31,0 0 16,-70 18-1,17 17 1,36 0 0,35 1-1,0-19 1,35-17 0,54 18-1,-19 0 1,-52-1-1,-18 36 1,0-18 0,-53 18-1,-35-17 1,52-36 0,1 17-1,0-17 16,17 0-15,18-17 0,0-36-1,18 53-15</inkml:trace>
-  <inkml:trace contextRef="#ctx0" brushRef="#br1" timeOffset="69083.49">12065 8784 0,'53'0'32,"-35"0"-32,-1-17 0,-17-19 15,0 19 16,-17 17-15,-19 0 0,1 0-1,0 35 1,35-17 0,0-1-1</inkml:trace>
-  <inkml:trace contextRef="#ctx0" brushRef="#br1" timeOffset="69641.53">12700 8555 0,'18'-18'0,"-18"1"15,-18 17 1,0 0-1,-35 0 1,1 35 0,34 18-1,-35 35 1,53-70-16,0 17 16,0 71-1,35-71 1,1-17-1,34-18 1,1 0 0,17-36-1</inkml:trace>
-  <inkml:trace contextRef="#ctx0" brushRef="#br1" timeOffset="70674.27">13106 8643 0,'0'0'0,"0"-18"0,0 1 15,-18-1 17,0 18-32,-35 0 15,1 35 1,16 36 0,36 0-1,0-19 1,0-16-1,0-19 1,18 1 0,0-18-1,34-35 1,-52-18 0,0-18 15,36 1-16,34-1 1,19 53 0,-37 18-1,54 18 1,-70 35 0,-19 0-1,-17-35-15,0 52 16,0-35-1,-17 1 1,17-19 0,-36 1-1,36-36 1,-17-35 0,17 1-1,17-19 16,36 0-15,0 36 0,35 0-1,-70 35-15,52 0 16,-17 0 0,-17 70-1,-19-17 1,-17 0-1,0 0 1,-17-53 0,-1 0-1,0 0 1,18-53 15,0 36-15,0-36-1,0 35-15,36-35 16,34 0 0,18 0-1,-17 53 1,17 18 0,-35 52-1,-53 1 1,0-18-1,-35 18 1,17-54 0,1 1-1,17-53 17</inkml:trace>
-  <inkml:trace contextRef="#ctx0" brushRef="#br1" timeOffset="71028.03">14499 8132 0,'0'17'78,"0"1"-78,-17-18 16,17 17-16,-18 1 15,-17 0 1,17 17 0</inkml:trace>
-  <inkml:trace contextRef="#ctx0" brushRef="#br1" timeOffset="71276.55">14640 8096 0,'53'-17'32,"-53"34"-32,-17-17 15,-19 53-15,19 0 31,-1 0-15,0-18 0,18-17-16,-17 0 15,-1-18 1</inkml:trace>
-  <inkml:trace contextRef="#ctx0" brushRef="#br1" timeOffset="72109.03">15046 8273 0,'0'-18'16,"0"36"-16,0-54 31,0 54-16,0 0-15,0-1 16,0 1-16,18 52 16,52 1-1,1-36 1,70 1 0,-53-36-1,0 0 16,-70 0-31,-1 0 16,-34 0 15,-54 0-15,-35 0 0,71 17-16,-71 18 15,71-17-15,-71 53 16,-35 17-1,71-35 1</inkml:trace>
-  <inkml:trace contextRef="#ctx0" brushRef="#br1" timeOffset="72173.25">14799 8925 0,'0'0'15,"18"0"1</inkml:trace>
-  <inkml:trace contextRef="#ctx0" brushRef="#br1" timeOffset="73323.98">16475 8167 0,'17'0'0,"-17"-18"16,0 1-1,0-1 1,-53 18 15,36 18-31,-1-1 16,-17 54-1,-36 70 1,18 0 0,18-18-1,35 19 1,0-54 0,88-18-1,36-70 1,-1 0-1,36-35 1,0-53 0,-18-18-1,-53-18 1,-53 19 0,-35-54-1,0 35 16,-17 72-31,-89-90 16,-53 54 0,18 53-1,-88 35 1,88 70 0,35 89-1,106-123-15,0 122 16,106 36-1,35-17 1,-35-36 0,-1 53-1,-52-35 1,-53-18 0,-53-35 15,-52-36-16,-1-17 1,-18-53 0,36 0-1,53 0-15,-18-18 16,53 1-16,-18-36 16,36 0-1,70-18 1</inkml:trace>
-  <inkml:trace contextRef="#ctx0" brushRef="#br1" timeOffset="73823.13">17498 8537 0,'0'-17'0,"0"-19"32,-18 36-32,0 0 0,1 0 15,-54 0 1,-17 36 0,53-1-1,17-18-15,18 1 16,53 0-1,35 17 1,0 0 0,-35-17-1,-53 35 1,-17-18 0,-89-17-1,18-1 1,17-17 15,36 0-15,17 0-1,18-17 1,0-18 0,53 17-1,-35 18-15</inkml:trace>
-  <inkml:trace contextRef="#ctx0" brushRef="#br1" timeOffset="74207.88">17762 8520 0,'0'17'47,"0"1"-47,-17-1 0,17 1 15,-36 53 1,-16 70 0,-1-18-1,53-70-15,-53 88 16,35-88-16,-35 141 15,18-35 1,-36 35 0,18-53-1,36-88 1,17-35 0,0-54-1,35-34 16</inkml:trace>
-  <inkml:trace contextRef="#ctx0" brushRef="#br1" timeOffset="74623.24">17586 8696 0,'18'-35'0,"-36"70"0,36-88 0,-18 18 15,0 17-15,17-35 16,36-17 0,-35 70-16,35-18 15,35 18 1,0 18 0,-35 17-1,-53 35 16,-35 1-15,-53-18 0,-1-18-1,36-35 1,18 18 0,53-36 30,-1 18-46,19-17 16,-19-1-16</inkml:trace>
-  <inkml:trace contextRef="#ctx0" brushRef="#br1" timeOffset="74852.39">18097 8537 0,'0'18'31,"0"-1"-15,0 1-16,0 0 15,0 17 1,-17-17 0,17-1-1,0-34 32</inkml:trace>
-  <inkml:trace contextRef="#ctx0" brushRef="#br1" timeOffset="75024.74">18115 8273 0,'0'0'0,"0"-18"31,0 36 0,0-1-31,0 1 16</inkml:trace>
-  <inkml:trace contextRef="#ctx0" brushRef="#br1" timeOffset="75707.19">18768 8449 0,'0'0'0,"0"-18"15,-18 18-15,0 0 16,-52 0 0,-36 0-1,36 53 1,52-35-16,-88 52 16,71-17-1,17 18 1,18-53-1,71-1 1,17-17 0,0-17-1,18-36 1,-18-36 0,-35 19-1,-35-54 16,17 1-15,-35 17 0,0 36-1,-18 123 17,1 52-17,-1-87-15,0 123 16,1-17-1,17-54 1,0 1 0,17-18-1,1-36 1,35-17 0,-35 0-16,35-17 15,-36 17 1</inkml:trace>
-  <inkml:trace contextRef="#ctx0" brushRef="#br1" timeOffset="76057.59">19032 8625 0,'0'0'0,"18"-17"16,-18-1-16,35 18 16,1-18-1,-19 1 1,18-18-1,-17-1 1,0 19 0,-54 17 15,-34 53-15,35-1-1,35-34 16,0 35-31,0-18 16,0-17 0,35-18-1,18 0 1,35 0 0,-17 0-1</inkml:trace>
-  <inkml:trace contextRef="#ctx0" brushRef="#br1" timeOffset="76490.16">19420 8608 0,'0'-18'16,"-17"-35"-1,17 0 1,53 36 0,0-19-1,17 36 16,-35 0-15,18 53 0,-35 0-1,0 0 1,-18-18-16,0 1 16,-18-19-1,0 1 1,18-36 31,0 1-47,53-36 15,-17 0 1,34 0 0,-35 18-1,1 17 1,-1 18 15</inkml:trace>
-  <inkml:trace contextRef="#ctx0" brushRef="#br1" timeOffset="76973.25">20320 8414 0,'0'-18'0,"0"36"0,0-54 15,-18 36 1,1 0-16,-36 0 16,-18 18-1,18 17 1,53-17 15,0 17-15,36-17-1,-1 0 1,35-1 0,-52 1-16,17 17 15,-35-17 1,0 17-1,-17-35 1,-36 18 0,0-18-1,0 0 1,0 0 0,18 0-1,-18-18 16,53 0-31</inkml:trace>
-  <inkml:trace contextRef="#ctx0" brushRef="#br1" timeOffset="77608.42">21467 8184 0,'0'0'0,"17"0"0,1 0 32,-36 18-17,-35 17 1,-70 36-1,17-18 1,-35 17 0,106-52-16,-89 17 15,89-17 1,17-18 0,18 18-1,106-1 16,0 1-15,0 17 0,17-17-1,-35-1 1,-35 1 0,-17-18-1,-19 0 16,36-53-15</inkml:trace>
-  <inkml:trace contextRef="#ctx0" brushRef="#br1" timeOffset="77955.86">22084 8043 0,'0'-17'0,"0"34"0,0-52 16,0 17-16,0 36 31,-18 53-15,1-54-16,-36 107 16,35-89-16,-70 124 15,0-36 1,-18 36-1,35-36 1,-35 36 0,1-18-1,52-88 1,35-35 0,36-36 15</inkml:trace>
-  <inkml:trace contextRef="#ctx0" brushRef="#br1" timeOffset="78539.6">22384 8431 0,'0'0'0,"0"-17"0,0-1 0,0 0 0,0-17 16,-36 0-1,-34 35 1,-18 18 0,70-1-16,-70 54 15,35-1 16,35 1-15,18-36 0,0-17-1,36-1 1,17-17 0,17-35-1,1-18 1,-18 0-1,-1-17 1,-16 52 0,-19 0-1,-17 71 1,0-17 0,0 34-1,0-17 16,18-35-15,35-1 0,-18 1-1,18-18 1,0-18-16</inkml:trace>
-  <inkml:trace contextRef="#ctx0" brushRef="#br1" timeOffset="78989.03">22983 7990 0,'0'0'0,"0"18"0,0 0 0,0 70 31,0-35-15,53 35 0,-17-53-1,52 18 1,-71-35-16,19-18 16,-1 0-16,18 17 15,-18-17 1,-52 0 31,-72 36-32,72-19-15,-71 36 16,-54 35 0,19-17-1,52-18 1,-17 0 15,88-35-31</inkml:trace>
-  <inkml:trace contextRef="#ctx0" brushRef="#br0" timeOffset="91783.13">15557 9225 0,'0'18'31,"-17"-18"-31,17 17 125,17-17-93,1 0-17,0 0-15,17 0 16,36 0 0,-18 0-1,35 0 1,-71 0-16,72 0 15,-1 0 1,18 0 0,-1 18-1,54-18 1,0 0 0,-36 0-1,-17 0 1,0 18-1,-18-18 17,36 0-17,-18 0 1,-71 0-16,106 0 16,-18 0-1,-34 0 1,16 17-1,1-17 1,-18 0 0,-70 0-16,106 0 15,-36 0 1,53 0 0,0 0-1,-18 0 1,71 0 15,-70 0-15,-36 0-1,36 0 1,-36 0 0,18-17-1,70 17 1,-70-18-1,35 18 1,-18 0 0,-34 0-1,16 0 1,-34-18 0,0 18-1,-1 0 1,-17 0-1,0 0 17,0 0-17,-18-17 1,0 17 0,1 0-1,-1 0 1,0-18-1,1 18 1,-1 0 0,-18 0-1,-17-18 110</inkml:trace>
-  <inkml:trace contextRef="#ctx0" brushRef="#br0" timeOffset="91966.46">20620 9207 0,'-18'0'32,"1"0"-32,17-17 78,-18 17-63</inkml:trace>
-  <inkml:trace contextRef="#ctx0" brushRef="#br0" timeOffset="92655.71">18097 9860 0,'0'-18'0,"0"36"0,0-53 0,0-18 32,0 71-1,0-1-16,-52 36-15,34 88 16,18-17 15,0 52-15,0 18 0,-18-35-1,1-53 1,-1-53-1,18-18 1,-18-35 0,1 0-16,-1 0 15</inkml:trace>
-  <inkml:trace contextRef="#ctx0" brushRef="#br0" timeOffset="92971.17">17727 10477 0,'0'-17'0,"0"34"0,0-52 0,-18 35 15,36 0 17,17 35-17,36 36 1,-53-53-16,17 35 15,18 35 1,-18 0 0,-17-53-1,-1-17 1,-17 0 0,18-18-1,52-36 1,-34 1-1</inkml:trace>
-  <inkml:trace contextRef="#ctx0" brushRef="#br0" timeOffset="93204.9">18556 10495 0,'0'0'0,"0"-18"15,-35 18 1,-53 53-1,-1 18 1,-34 17 0,88-17-1,-1-54-15,-17 19 16,1-1 0,34-35-1,0 18 1</inkml:trace>
-  <inkml:trace contextRef="#ctx0" brushRef="#br0" timeOffset="93788.83">17304 11112 0,'0'-17'0,"0"34"0,0-52 15,-18 35 16,0 0-31,-34 35 16,16 36 0,36-53-16,-35 70 15,35-53-15,-18 71 16,1 17 0,17-34-1,0-36 1,53-18-1,0-18 1,-1-17 15,19-17-15,-53-36 0</inkml:trace>
-  <inkml:trace contextRef="#ctx0" brushRef="#br0" timeOffset="94055.69">16969 11465 0,'17'0'0,"-34"0"0,17 0 31,-18 18-31,36-18 31,-1 0-31,71 0 16,-17 0 15,35-18-15,-53 1 0,-36 17-16</inkml:trace>
-  <inkml:trace contextRef="#ctx0" brushRef="#br0" timeOffset="94503.71">17462 11553 0,'18'0'15,"35"0"1,-35 0-16,-1 0 0,54 0 15,-53 0 1,34-17 0,19-18-1,-53-1 1,-18 1 0,-36 17 15,19 18-31,-36 18 15,0 35 1,18 0 0,17 35-1,18-35 1,0 0 0,71-18-1,-1-35 1,-17 0-1,18-18 1,-36 1 0</inkml:trace>
-  <inkml:trace contextRef="#ctx0" brushRef="#br0" timeOffset="95103.51">18062 11483 0,'0'-18'0,"53"1"31,-35 17-31,35 0 16,0 17 0,-36 19-1,1 52 1,-36-35-1,1-36 1,-36 19 0,17 16-1,36-34 1,-17-18 0,17-18 15,17-17-16,1 18-15,53-54 16,-1 0 0,36 19-1,-18-37 1,-70 54 0,-1 53-1,-34 35 1,-36 17-1,18 18 1,35-17 15,0-18-15,17-36 0,1 1-16,52 0 15,1-18 1,17 0-1,-17-36 1</inkml:trace>
-  <inkml:trace contextRef="#ctx0" brushRef="#br0" timeOffset="95454.14">19156 11165 0,'0'-17'0,"0"34"0,17-70 15,-17 36-15,0-18 0,-17 35 16,17 0 0,-53 70 15,35 18-15,18-52-16,-17 69 15,-19 19 1,19-36-1,17-70-15,0 70 16,0-53 0,17-17-1,36-1 1,0-17 0,18-35-1,-18-18 1</inkml:trace>
-  <inkml:trace contextRef="#ctx0" brushRef="#br0" timeOffset="95770.29">19297 11271 0,'0'0'0,"0"-17"31,18 17-15,-18-18 0,0 0-16,0 1 15</inkml:trace>
-  <inkml:trace contextRef="#ctx0" brushRef="#br0" timeOffset="111831.12">18997 11218 0,'0'0'16,"-18"18"-16,1-18 31,-1 0-31,1 0 15,-1 0 1,53 0 15,71 0-15,-18 0 0,71 0-1,-18 0 1,-88 0-1,0 0 1,-35 0 0,-18 18 46,0-1-46</inkml:trace>
-  <inkml:trace contextRef="#ctx0" brushRef="#br0" timeOffset="112047.7">19932 11501 0</inkml:trace>
+  <inkml:trace contextRef="#ctx0" brushRef="#br0">1605 600 0,'0'0'0,"-18"0"0,1 0 47,17 17 0,17-17-31,1 0-16,0 18 15,35-18 1,17 0 0,-52 0-16,35 0 15,35-35 1,-35 17-1,-18-35 1,-17 18 15,-18-18-15,0 35 0,-35 1-16,-36 17 15,0 53 16,1 0-15,52-36-16,1 54 16,-19 17-1,36-35 1,0-18 0,18 0-1,35-17 1,0-18-1,17-18 1,-52 1 15,0-1-15,-18 0 0,-18 18-1,0 0-15,-52 0 0,-54 36 31,54 17-15,17 0 0,18 35-1,35-35 1,17-18 0,54 0-1,-1-35 1,1 18-1,-18-18 1,17-18 15,-17-35-15</inkml:trace>
+  <inkml:trace contextRef="#ctx0" brushRef="#br0" timeOffset="875.68">2434 741 0,'0'-18'16,"0"36"-16,0-53 0,-17 35 31,-1 0-31,-35 0 16,-18 35-1,1 0 1,35 36 0,17-18 15,18-36-15,35-17-16,0 0 15,-17 0 1,35 0-16,18-53 15,-36 18 17,18-18-17,-36 35 1,-17 1-16,0 34 62,0 1-46,0 17-16,0 36 31,-17-53-31,17 105 16,0-17-16,0 53 31,0-18-31,0 35 16,0-17 15,0-53-15,0 0-1,-18-54 1,-35 1 0,-17-17-1,-54-19 1,89-17-16,-53 0 15,-53-70 17,35-1-32,18-17 31,35-18-15,17 18-1,36 17-15,0 18 31,18 18-15,35 0 0,0-18-1,0 18 1</inkml:trace>
+  <inkml:trace contextRef="#ctx0" brushRef="#br0" timeOffset="1265.48">2910 829 0,'0'18'172,"0"-1"-156</inkml:trace>
+  <inkml:trace contextRef="#ctx0" brushRef="#br0" timeOffset="1598.98">2875 1217 0,'0'0'15</inkml:trace>
+  <inkml:trace contextRef="#ctx0" brushRef="#br0" timeOffset="2775.18">3387 1764 0,'0'-18'0,"0"1"16,0-1-1,0 0-15,0 36 47,0 17-31,0 36-16,0 52 31,0-17-15,0 18-1,0-54 1,0 18 0,0-70-16,0 17 15,0-52 32,0-1-31,17 0-16,-17 1 15,36-72 1,-1 19 0,53-36-1,-17 36 1,17 17-16,-18 53 31,-52 0-31,35 35 16,-35 53-1,-1 0 1,-17-17 0,0-1-1,-17-17 1,-1-17-1,18-54 32,35-35-31,-35 35 0</inkml:trace>
+  <inkml:trace contextRef="#ctx0" brushRef="#br0" timeOffset="3084.14">4180 1817 0,'0'-18'0,"0"36"0,0-53 0,0 17 32,0 36-1,0 34-31,0 19 15,-17 35 1,-19-18 0,19 18 15,17-89-31,0 36 16,0-17-16,53-36 31,-18-18 0,-17 0-31</inkml:trace>
+  <inkml:trace contextRef="#ctx0" brushRef="#br0" timeOffset="3396.5">3969 2099 0,'0'0'0,"17"0"31,1 0-31,53 0 16,-36 0 15,18-18-15,-36 18-16,19 0 15,-1 0-15,0-17 32,-17-1-17,0 18 1</inkml:trace>
+  <inkml:trace contextRef="#ctx0" brushRef="#br0" timeOffset="4363.04">4727 2046 0,'0'-18'0,"-17"18"0,17-17 16,-18 17-1,-17 0 1,17 17 0,0 54-1,-17-36 1,35-17-16,-35 52 15,0-17 17,35-35-17,0 0-15,0-36 63,0 0-63,0-17 0,17-35 31,36 17-15,18-36-1,-1 54 1,18 0 0,-70 35-16,35 0 15,0 53 1,-35 0-1,-18 35 1,0-18 15,0-17-15,0-35-16,0 0 31,0-36 0,0 0-15,0 1-16,0-19 16,0 19-16,52-54 15,1 1 1,36 17 0,-19 35-1,-17 18 1,-35 18-16,-1 35 15,1 17 1,-18-17 0,0 18 15,0-18-15,-35-18-1,35-53 32,35-17-31,-35 17-16</inkml:trace>
+  <inkml:trace contextRef="#ctx0" brushRef="#br0" timeOffset="4775.91">5750 1676 0,'0'0'0,"0"17"31,-35 36-15,-18 53-1,35-18 1,-17 36 15,18-89-31,-1 18 16,18-35-16,0 70 15,0-53 1,53 0 0,0-17-1,35-18 1,-18-18-1,1 1 17,-36-1-32,-17 0 15,17 1 17</inkml:trace>
+  <inkml:trace contextRef="#ctx0" brushRef="#br0" timeOffset="5708.25">4251 3016 0,'0'-17'15,"0"-1"17,0 36-1,0-1-31,0 19 15,0 34-15,0 36 16,0 70 15,0-52-15,0 35 0,-18-124-16,18 35 15,0 1 1,0-36-1,0 0 1,0 1 15,0-19-15,18-17-16,0 0 0,87 0 31,-16 0-15,52-17-1,-53 17 1,-53 0-16,18-18 16,0 18-1,-18 0 1,-35-18 15,18 18-31,-18-17 16,0-1-1</inkml:trace>
+  <inkml:trace contextRef="#ctx0" brushRef="#br0" timeOffset="7081.87">4798 3634 0,'0'0'0,"-18"0"0,0 0 16,18 17-16,0 36 31,18-18-15,53 36 0,35-18-1,-1-35 1,1-1-1,-53-17 1,0 0 0,-35 0-1,-18-17 1,-18 17 15,0 0-15,-35 17-1,1 1 1,-54 52-16,0 19 31,18-19-15,35-17 0,17 0-1,19-18 1,17-17-1,0-36 860</inkml:trace>
+  <inkml:trace contextRef="#ctx0" brushRef="#br0" timeOffset="11708.73">5891 3510 0,'0'0'0,"18"0"15,-18-35 1,-18 35 31,1 17-47,-1 72 15,0-1 17,1 35-32,17-34 15,-18 16 16,1-34-31,-1-36 32,0-35-17,18-17 1,0-19 0,0-17-1,0-35 1,0 71-16,53-36 15,53 17 1,-18 19 0,18 17 15,0 53-15,-88-36-16,-1 36 15,-17 35 1,-53-17-16,-53-18 31,36-18-15,-36-35-1,35 0 1,54 0 0,17-35 15,70 17-16,-34 1-15</inkml:trace>
+  <inkml:trace contextRef="#ctx0" brushRef="#br0" timeOffset="12207.98">6597 3810 0,'-88'18'31,"70"-18"-31,-17 35 16,-18 0 0,18 53-1,35-17 1,0-1-1,35-34 1,35-36 0,19 0-1,-19-36 1,-52 19 0,70-36-1,-70-18-15,-18 1 31,-36 35-15,-52 17-16,0 18 31,17 18-15,19 34 0,52-16-1,0 17 1,35-36-1,-18-17-15</inkml:trace>
+  <inkml:trace contextRef="#ctx0" brushRef="#br0" timeOffset="12824.28">7267 3845 0,'0'0'0,"0"-17"16,-35 17 0,-36-18-1,-17 18 1,35 53 0,-17 0-1,52-36-15,0 54 16,1 0-1,17-19 1,53-16 0,0-36-1,35 0 17,0-71-17,-35 1 1,17-36-1,-34 18 1,-36-18 0,17 35-1,-17 1 1,0 52 0,0 71-1,-35 53 1,17-18-1,18 53 1,0-17 0,0-36-1,0-53 17,0-17-17,36-36 1,-19 0-1,19 1-15</inkml:trace>
+  <inkml:trace contextRef="#ctx0" brushRef="#br0" timeOffset="13514.22">7655 3863 0,'0'0'0,"0"18"47,-17-18-32,17 17-15,0 18 0,-18 18 16,0 18 15,18-18-31,53-36 31,35-17-31,-17 0 32,52-52-17,-52-1 1,-53 35-16,17-70 16,-17 53-1,-1 17 1,-17 0-1,-17 89 17,-1-36-17,18-17 1,-35 88 0,35-1-1,0 54 1,0-53-1,0-88-15,-36 105 0,-17-17 32,18-36-17,-35 19 1,17-54 0,0-17-1,35-18-15,-17 0 16,-18 0-1,0-18 1,35 0 0,18 1-1,-17-19 1</inkml:trace>
+  <inkml:trace contextRef="#ctx0" brushRef="#br0" timeOffset="14340.13">6315 4798 0,'0'0'0,"0"-18"0,17 18 0,-17-18 16,0 36 15,0 0-31,-17 52 16,-19 89 15,36-124-31,-35 89 16,-18 52-1,0-17 1,36-36 0,-1 19-1,18-72 1,-18-17 0,18-35-1,0-1 1,18-17-1,17 18 1,18-18 0,-17 0 15,-19 0-15,1 0-1,-1 0 32</inkml:trace>
+  <inkml:trace contextRef="#ctx0" brushRef="#br0" timeOffset="14657.61">6209 5927 0,'0'0'0,"18"0"47,-1 0-47,1 17 16,35-17 0,-18 0-16,106 0 15,18 18 1,35-18-1,-71 0-15,-17 0 32,-71 0-17,-35-53 17,0 35-32</inkml:trace>
+  <inkml:trace contextRef="#ctx0" brushRef="#br0" timeOffset="15100.72">6932 5574 0,'0'0'0,"-18"0"0,1 0 32,-1 18-32,18 52 15,18 1 16,70-1-15,-70-52-16,52-1 16,18 19-1,-17-36 1,-18 0 0,-36-18-1,-17 0 1,-17 18-1,-54 53 1,-17 0 0,-18 35-1,18-17 17,0 17-17,70-70-15,-35 17 16,18 0-1</inkml:trace>
+  <inkml:trace contextRef="#ctx0" brushRef="#br0" timeOffset="16209.62">7867 6050 0,'0'0'15,"18"0"-15,-1-18 16,-17 1-16,0-18 15,0-1 1,0-34 0,-53-1-1,-17 36 17,-18 35-32,-1 18 31,1 87-16,71-34-15,-19 35 16,36-36 15,18-52-15,0-18-16,70 18 16,-18-18-1,36-18 1,0-35-1,-18-18 1,-17-70 0,-18 0 15,-36 0-15,-17 71-16,0 52 15,-53 18 1,18 71 15,35-54-31,-18 142 16,18-53-1,0 17 1,0-70 0,53 18-1,0-71 1,-35 17-16,35-17 15,17-17 1,-17-36 0,-17 0-1,-19-18 1,1 54 0,-18-1-1,0 53 16,-18 36-15,1-1 0,17-34-1,0-19 1,0-34 31,0-1-47,0-17 15,0 17-15</inkml:trace>
+  <inkml:trace contextRef="#ctx0" brushRef="#br0" timeOffset="16409.36">8414 5733 0,'0'-18'16,"0"36"31,0-1-32,0 1-15,17-18 16,-17 18 0,18-18-16</inkml:trace>
+  <inkml:trace contextRef="#ctx0" brushRef="#br0" timeOffset="16690.36">8643 5786 0,'18'0'32,"-18"17"-17,0 1 1,0 52-16,0 1 15,35-1 17,18-17-32,-53-35 31,18 0-31,-1-1 16,18-17-1,1-35 1</inkml:trace>
+  <inkml:trace contextRef="#ctx0" brushRef="#br0" timeOffset="16940.14">9207 5697 0,'0'0'0,"-17"18"16,-1 0-1,-52 52 1,34-52-16,-34 70 16,-36 0-1,35 0 1,54-52 0,-18-19-1,-1 1 1,19-18-16</inkml:trace>
+  <inkml:trace contextRef="#ctx0" brushRef="#br0" timeOffset="18039.59">7779 6720 0,'0'-17'0,"0"34"0,0-17 47,0 18-47,-18 35 15,-17 35 1,-36 36-1,54-89-15,-1 88 16,-35 36 0,53-18-1,0-70 17,18-1-17,-1-52-15,54 0 16,88-1-1,17-17-15,-17 0 16,0 0 15,-54-17-15,-69 17-16,34-36 16,-35 1-1,-35 17 1,0-34-1,-35 34 1,-35-17 0,52 35-16,-53-18 15,-17 0 17,35 18-17,36 0 1,52 0 15,-17 0-31,52 36 16,1-19-1,-36-17 1,0 53 0,-35-18-1,0 18 1,0-35-16,-35 35 15,-36 0 1,1 0 0,52-36-1,-17 19 1</inkml:trace>
+  <inkml:trace contextRef="#ctx0" brushRef="#br0" timeOffset="18544.82">8908 7426 0,'0'0'0,"0"-18"15,0 36 17,0 0-17,0 70 1,0-18-1,0-17 1,0-35 0,-18 0-1,18-36 17,0-17-17</inkml:trace>
+  <inkml:trace contextRef="#ctx0" brushRef="#br0" timeOffset="18756.86">8908 7232 0,'0'0'16,"0"-18"-1,0 1-15,-18 17 0,36 17 47,-1-17-31,-17 18-16,36 17 31</inkml:trace>
+  <inkml:trace contextRef="#ctx0" brushRef="#br0" timeOffset="19273.93">9190 7444 0,'0'17'15,"0"-34"-15,0 52 0,0 18 16,0-18 0,0 18-1,0-18 1,-18-17-1,18 0 1,-17-18 15,17-18-15,0-17 0,0 17-1,0-35 1,17 35-16,36-34 15,35-19 1,1 53 0,-37 18-1,19 53 1,-71 18 0,0-54-16,18 72 15,-18-36 1,-18-36-1,0 18 1,18-52 31,0-1-47,0 1 16</inkml:trace>
+  <inkml:trace contextRef="#ctx0" brushRef="#br0" timeOffset="19630.91">9719 7408 0,'0'0'16,"0"18"0,0 0-16,0 17 15,0 53 1,0 36-1,0-89-15,-35 53 16,17 71 0,-35 17-1,18-52 17,0 17-17,35-53 1,0-70-1,0-54 17,35-52-32,0-71 31</inkml:trace>
+  <inkml:trace contextRef="#ctx0" brushRef="#br0" timeOffset="19980.45">9701 7549 0,'0'0'16,"0"-17"-16,0-1 0,0 1 0,36-72 31,17 54-31,52 0 31,-34 35-15,17 53-16,-53 35 31,-35-35-31,-70 17 31,-18-34-15,35-1 0,0-35-1,35 0 1,36 0 15,35-35-15</inkml:trace>
+  <inkml:trace contextRef="#ctx0" brushRef="#br0" timeOffset="20796.7">10336 7355 0,'0'-17'0,"0"34"0,0-52 16,0 53 31,0-1-47,-17 72 16,17-54-16,-18 35 15,18 19 1,18-36-1,17-36 1,36-17 0,-1 0-1,1-53 17,-1-17-17,-52-1-15,17-52 31,-35 52-31,-17 71 47,-19 88-31,36 18 0,0-35-1,0-18 1,0-18-1,18-35-15,35 0 16,0 0 0,35-35 15,18-54-15,-36 1-1,1-53 1,-54 88-16,1-53 15,0 18 1,-36 88 0,-17 106 15,0 0-15,-1 70-1,36-52 1,0-71-1,0 0 1,53-36 0,0-17-1,-35 0-15,35-17 32,0-19-17,17-52 1</inkml:trace>
+  <inkml:trace contextRef="#ctx0" brushRef="#br0" timeOffset="21044.38">11077 7250 0,'0'0'16,"-17"0"-16,34 0 31,54 0-16,35 0 1,-71 0-16,35 0 16,-17 0-1,-35-18 1,-53 18 15</inkml:trace>
+  <inkml:trace contextRef="#ctx0" brushRef="#br0" timeOffset="22290.21">7638 7655 0,'0'0'0,"-18"-17"15,0 17-15,-17 35 16,-18 53 0,18 53-1,35 0 17,-35 71-17,17-177-15,0 106 16,-17 36-1,0-18 1,-1-54 0,19 19-1,17-107-15,0 54 32,0-53-17,17-1 1,54-17-1,0 0 1,105 0 0,-53 0-1,71 0 1,-35 0 0,-88 0-1,-18-17 1,-36 17-1,-17-18-15,0 0 16,0-35 0,-53 18-1,-17 0 17,-1 0-17,18 35-15,36 0 31,34 0-15,1 0 0,35 17-1,0-17 1,0 36 0,-36 16-1,-17 1 1,-35 18-1,-35-18 1,-1 0 0,0-18-1,36-17 1,18-18 15</inkml:trace>
+  <inkml:trace contextRef="#ctx0" brushRef="#br0" timeOffset="22756.14">8731 8908 0,'0'0'0,"0"-18"15,0 36 17,0-1-32,0 36 15,0-18-15,0 18 16,0 0-1,-17-17 1,-1-19 0,18-34 15</inkml:trace>
+  <inkml:trace contextRef="#ctx0" brushRef="#br0" timeOffset="22937.87">8749 8749 0,'0'-18'0,"0"36"0,0-53 0,0 17 15,0 0 1,18 18 31</inkml:trace>
+  <inkml:trace contextRef="#ctx0" brushRef="#br0" timeOffset="23443.77">9031 8943 0,'0'18'0,"0"-36"0,0 53 16,0-17-16,-18 70 16,1-53-1,-1 18 1,18-35 0,0-36 30,0 1-46,0-19 16,53-52 0,18 18-1,17-19 1,-71 72 0,36-1-1,18 36 1,-36 70-1,-35 0 1,0 18-16,0-53 31,-17 0-31,17-36 32,0-34-1,35-19-16</inkml:trace>
+  <inkml:trace contextRef="#ctx0" brushRef="#br0" timeOffset="23794.13">9596 8872 0,'17'0'0,"-34"0"0,34-17 0,-34 34 31,17 1-16,-18 53-15,0-54 16,18 89-16,-17 35 31,17-17-15,-36 87 0,-34 89-1,17-159 1,-35 18-1,88-88 1,0-54 0,0-34-1,35-72 17,-17 54-32,35-106 15,-53 88-15</inkml:trace>
+  <inkml:trace contextRef="#ctx0" brushRef="#br0" timeOffset="24140.14">9578 9013 0,'0'-35'16,"0"70"-16,0-87 0,0-1 16,18 0-1,52 35 1,36 18-1,-36 18 1,-52-1-16,35 72 16,-53-1-1,-53-18 1,-70 1 15,34-36-15,1 0-1,71-35-15,-1 0 16,36-17 15,17-19-31,71-16 32</inkml:trace>
+  <inkml:trace contextRef="#ctx0" brushRef="#br0" timeOffset="24939.37">10107 8890 0,'0'0'0,"0"-18"16,18 18-1,-18 18 1,0 17 0,0-17-16,0 52 15,0 1 1,0-18-16,35-18 31,0-35-15,18 0-1,-35 0-15,52-53 16,-17 18 0,18-53-1,-36 17 1,-17-17-1,-18 70 1,0 36 0,0 70-1,0-17 1,0 17 15,0-53-15,17 1-1,1-36-15,70 0 16,-17-18 0,35-35-16,-36-35 31,18-53-15,-17-53-1,-71 123 1,18 1-1,-36 87 17,0 1-32,-17 52 15,17 54 17,-17 17-17,35 0 1,0-70-16,35-18 15,18-18 17,18-35-17,-1 0 1,-17-53 0,18-18-1,-36 1 1,-35 35-16</inkml:trace>
+  <inkml:trace contextRef="#ctx0" brushRef="#br0" timeOffset="25191.87">11042 8696 0,'-18'0'16,"36"0"-16,-71 0 0,35 0 0,1 0 0,34 0 31,1 0-16,70 0-15,36 0 16,-18 0 0,-36-18 15,1 1-15,-54-1-1,-17-17 1</inkml:trace>
+  <inkml:trace contextRef="#ctx0" brushRef="#br0" timeOffset="26492.23">6174 5627 0,'-18'17'0,"18"1"15,-18 17 1,18-17-16,-17 53 16,-1-54-16,0 54 15,1 52 17,-1 1-17,-17 17-15,-53 123 31,52-87-31,-52 70 32,18 35-17,-1-35 1,-17 70 0,-36 36-1,107-265-15,-71 177 16,-18 88-1,0-1 1,35-105 0,-17 106-1,18-53 1,52-212 0,-35 142-1,0 34 1,0-35-16,53-87 15,-35 34 1,17-35 15,18-35-15,0-71 0,0-17-1,0-36 32,0 1-31</inkml:trace>
+  <inkml:trace contextRef="#ctx0" brushRef="#br0" timeOffset="26839.17">4657 11501 0,'0'0'0,"0"17"16,-18-17 15,18 18-15,53-18-1,-18 0-15,71 0 16,18 0-1,52 0 1,-17 0 0,-71 0-1,18 0 1,-89 0 15,1-18-15,-18-17-16,0 0 31</inkml:trace>
+  <inkml:trace contextRef="#ctx0" brushRef="#br0" timeOffset="27208.18">5433 11236 0,'-18'18'16,"18"-1"-1,0 36 1,18-53-16,52 35 16,-17-17-1,18-18 1,-1 18 15,-34-18-31,-36 17 31,-36 36-15,-34-17 0,-18 34-1,-18-17 1,18 0 0,17-18-1,53-35 1</inkml:trace>
+  <inkml:trace contextRef="#ctx0" brushRef="#br0" timeOffset="28296.43">6579 11465 0,'0'0'0,"18"0"0,-18-17 16,18-1-16,-1 0 16,1-35-1,17 1 16,-17-1-31,-18 35 16,0-53 0,-71 18-1,-17 36 1,17 17 0,-34 53-1,-1 70 1,88-17-1,18-18 1,0-35 0,71-18-1,-1-35 1,-52 0 0,52-17-1,36-54 1,0 1-1,0-54 1,-18-17 0,-70 53-1,-18 53-15,0-71 16,0 71 0,-35 52 15,-1 54-16,19-36-15,17 53 16,-18-53-16,0 124 16,1-71-1,52-17 17,18-36-32,53-35 31,17-35-16,-105 35-15,70-53 16,-17-35 0,-71 0-1,0 52 1,0 19 0,0 34-1,0 72 1,0-36-1,0-1 1,0-34 0,0 0-1,17-18 1,1-36 15</inkml:trace>
+  <inkml:trace contextRef="#ctx0" brushRef="#br0" timeOffset="28476.46">7373 10971 0,'0'0'0,"0"-17"0,0-1 0,0 0 16,18 36 46,-1 0-46,1-18 0</inkml:trace>
+  <inkml:trace contextRef="#ctx0" brushRef="#br0" timeOffset="28738.55">7620 10971 0,'18'0'0,"-18"36"32,0-19-32,0 19 15,35 52 1,-17 0 0,-18-17-1,0-1 1,0-52-1,35-18 1,0-36 0,0 19-1</inkml:trace>
+  <inkml:trace contextRef="#ctx0" brushRef="#br0" timeOffset="28955.56">8149 11007 0,'0'0'0,"-53"17"32,-17 36-17,34-35-15,-34 52 0,-1 19 32,18-19-17,53-35 1,-17-17-1,-1-18-15</inkml:trace>
+  <inkml:trace contextRef="#ctx0" brushRef="#br0" timeOffset="29912.62">7161 11695 0,'0'-18'0,"0"36"0,18-54 0,-18 19 31,0-1-15,-18 18-1,1 35-15,-54 53 16,1 36 0,17-1 15,35-87-31,-17 122 16,35-69-1,17-1 1,89-18-1,-18-52 1,71-18 0,-106 0-16,71 0 15,70-18 1,17-17 15,-87 0-31,-36-18 31,-88 0-15,-53 35 0,-53 1-1,18 17-15,0-18 32,70 0-17,106 1 16,1-1-15,-19 18 0,-35 0-1,-17 53 1,-18 18 0,0-36-1,-53 53 1,0-17-1,-17-1-15,52-34 16,18-19 15,35-17-15,36-53 15</inkml:trace>
+  <inkml:trace contextRef="#ctx0" brushRef="#br0" timeOffset="30162.51">8414 12153 0,'0'18'31,"0"-1"-31,0 1 16,0 35-1,0 0-15,-18-35 16,18 17 0,0 0-1,-18-35 1,18-18 15</inkml:trace>
+  <inkml:trace contextRef="#ctx0" brushRef="#br0" timeOffset="30354.79">8396 11959 0,'0'-17'0,"0"34"16,0-52-16,0 0 0,0 17 16,18 36 46,-18-1-62,17-17 16,1 18-16</inkml:trace>
+  <inkml:trace contextRef="#ctx0" brushRef="#br0" timeOffset="30822">8678 12100 0,'0'18'0,"0"0"0,0-1 16,-17 54-1,17-18 1,0 0 0,-18-36-1,18 18 1,-18-35 15,18-17-15,0-1-1,0-52-15,18-1 32,70-52-17,0 52 1,-52 53-16,105 18 15,-88 53 1,0 36 0,-53 16-1,0-34 1,0-1 15,-18-34-31</inkml:trace>
+  <inkml:trace contextRef="#ctx0" brushRef="#br0" timeOffset="31389.45">9472 12153 0,'18'-17'16,"-18"-1"-16,17 0 0,-17-17 15,18-18-15,-18 18 16,0 52 31,0 19-47,0 52 15,0-35-15,-18 88 16,18 53 0,-35 53-1,-18-71 1,0 36 15,36-177-31,-19 106 0,19-70 31,-1-53-31,18-36 16,0-17 0,35-71-1,-17 71 1,0-54-16</inkml:trace>
+  <inkml:trace contextRef="#ctx0" brushRef="#br0" timeOffset="31712.16">9507 12188 0,'0'-35'0,"0"70"0,0-105 0,18-36 15,17 71 1,71 0 15,18 52-31,-36 36 16,-35 53-1,-53-88 1,-18 52 0,-70 18-16,-18-35 15,53-35 17,18-1-17,35-52 16,88-35-15</inkml:trace>
+  <inkml:trace contextRef="#ctx0" brushRef="#br0" timeOffset="32527.7">10266 11959 0,'0'0'0,"0"18"31,0-1-31,0 1 16,0 53-1,-35 17-15,35-71 16,0 54 0,0-53-1,35-1 1,18-17-1,0-35 1,17-36 0,-52 54-16,17-36 15,0-53 1,-17 71 0,-18 0-1,0 87 16,0-34-15,-18 88-16,18-53 31,0 17-31,53-52 32,18-18-17,17-18 1,-17-35-1,-1-52 1,-17-1 0,0-35-1,0 0 1,-53 70 15,0 36-31,0-1 16,-35 89-1,-1 36 17,1 16-32,0 54 31,35-124-31,0 89 16,0-18-1,53-36 1,0-52-1,17-18 1,1-18 0,17-35-1,0-35 1,-70 35 0</inkml:trace>
+  <inkml:trace contextRef="#ctx0" brushRef="#br0" timeOffset="32788.61">10954 11818 0,'35'0'31,"-17"0"-31,17 0 0,18 0 16,-18 0-16,53-18 15,36 1 1,-54 17 0,19 0-1,-54 0 1</inkml:trace>
+  <inkml:trace contextRef="#ctx0" brushRef="#br0" timeOffset="33838.89">6985 12418 0,'0'-18'0,"0"36"0,0-54 16,0 19 0,0 34 15,-18 19-16,-35 87 1,18 1 0,18-71-16,-36 176 15,0-53 1,-18 36 15,36 0-31,17-71 31,18 18-15,0-124-16,0 53 16,0-35-1,0 0-15,53-36 32,53 1-17,53-18 1,-106 0-16,88 0 15,70 0 1,-34 0 0,-71 0-1,-18 0 1,-53 0 0,0 0 15,-35-35-16,0 0 1,0-18-16</inkml:trace>
+  <inkml:trace contextRef="#ctx0" brushRef="#br0" timeOffset="34187.53">7620 13829 0,'0'0'0,"-18"0"0,1 0 16,17 18-1,0-1 1,17 18 0,1-35-16,35 18 15,-35-18-15,52 0 16,18 0 0,-35 18 15,-35-1-16,-36 54 1,-123 17 0,35-35-1,0 18-15,36-36 32,52-35-17</inkml:trace>
+  <inkml:trace contextRef="#ctx0" brushRef="#br0" timeOffset="34645.58">8590 13741 0,'0'-18'0,"0"36"0,0-54 16,-18 36-1,1 0-15,-1 71 16,18 17 0,0 0-1,0-17 16,53-18-15,-18-53-16,71 0 31,-53-53-31,-35 0 16</inkml:trace>
+  <inkml:trace contextRef="#ctx0" brushRef="#br0" timeOffset="34821.22">8767 13494 0,'0'0'15,"0"-18"-15,-18 18 0,-17 0 16,35 18 31,35-1-47,18 19 15</inkml:trace>
+  <inkml:trace contextRef="#ctx0" brushRef="#br0" timeOffset="35309.08">9172 13758 0,'0'18'16,"0"-36"-16,0 54 0,0-19 0,0 54 16,-17-1-1,17-52-15,0 17 16,-18-17 15,0-18-31,1 0 31,-1-18-31,18-35 32,71-70-17,-1 52-15,54 1 16,-19 70 15,-52 53-15,0 35-1,-53-70-15,0 52 16,0 1 0,0-18-1,-17-36 1,34-34 15,1-1-15</inkml:trace>
+  <inkml:trace contextRef="#ctx0" brushRef="#br0" timeOffset="35654.19">9913 13670 0,'0'18'31,"-18"-18"-31,18 17 16,-35 36-16,17 18 15,-17 52 1,18 36 0,-19-18-1,19-88-15,-36 194 16,17-18 15,1-88-31,0 36 31,0-36-15,35-123-16,0 17 0,35-123 47,18-36-47,17-17 31</inkml:trace>
+  <inkml:trace contextRef="#ctx0" brushRef="#br0" timeOffset="35992.75">9878 13988 0,'-18'-36'0,"36"72"0,-71-160 15,35 54 1,18 34 0,0-17-16,53 0 31,-18 53-31,89 0 15,-1 0 1,-52 53 0,-53 36-1,-36-19 1,-88 1-16,88-54 16,-105 54-1,52-53 1,36-18-1,53-18 17,17 0-32,36-35 15</inkml:trace>
+  <inkml:trace contextRef="#ctx0" brushRef="#br0" timeOffset="36770.87">10460 13670 0,'0'0'0,"17"-18"0,1 1 16,-18 34 15,-18 1-31,1 53 16,17 17 15,0-35-15,0 0-1,53-53 1,0 0 0,0-36-1,0 1 1,17-53 0,-52 0-1,-1 70 1,-17-35-1,0 71 1,0 52 15,-17 36-31,17-35 16,0-54 0,53 36-1,0-35 1,52-18-1,1-35 1,-18-18 0,-70 35-16,53-70 15,-54 35-15,19-70 16,-1-36 15,-35 35-31,0 89 31,-53 70-15,35-17 0,-17 105-1,0 36 1,35-53 0,17 0-1,19-53 1,52-18-1,-35-35 1,17-18 0,-17-34-1,0-19 1,-35 0 0</inkml:trace>
+  <inkml:trace contextRef="#ctx0" brushRef="#br0" timeOffset="37037.11">11183 13441 0,'0'0'16,"18"0"0,-1 0-1,19 0-15,34 0 16,36 0-1,0 0 1,-53 0 0,-36 0-1,-17-18-15,18 18 16,-18-17 0</inkml:trace>
+  <inkml:trace contextRef="#ctx0" brushRef="#br0" timeOffset="38645.93">12206 7056 0,'0'17'78,"0"1"-62,0 17-16,-18-17 0,18 35 15,-17 88 1,17-124-16,-18 107 16,18-71 15,-17-18-16,17-17-15,0-36 47,0-35-31,0-35-16</inkml:trace>
+  <inkml:trace contextRef="#ctx0" brushRef="#br0" timeOffset="39012.4">12171 7126 0,'0'0'0,"0"-35"16,-18 0-1,18-1 1,71 1 0,35 17 15,35 1-16,-71 52 1,1 53 0,-54 18-1,-17 17-15,0 1 32,-35-36-17,35-53 1,0-17-1,-17-18 17,17-18-17,-18-34 1</inkml:trace>
+  <inkml:trace contextRef="#ctx0" brushRef="#br0" timeOffset="39308.73">12259 7302 0,'18'0'31,"-1"0"-15,1 0-16,35 0 15,70-17 1,-34-1-1,-72 18-15,18-17 16,1 17 0,-36 17 46,-18 1-46</inkml:trace>
+  <inkml:trace contextRef="#ctx0" brushRef="#br0" timeOffset="40245.39">12453 8590 0,'18'0'0,"-1"-18"31,-17 36 0,0 0-31,-17 52 32,-1-52-32,0 88 0,18-71 15,-35 89 1,0-36-16,17-18 31,18-52-15,0-36 15,0-17-15,0 17-16,0-70 15</inkml:trace>
+  <inkml:trace contextRef="#ctx0" brushRef="#br0" timeOffset="40869.54">12382 8661 0,'0'0'0,"0"-18"16,0 0 0,36-17-16,52 17 15,18 1 17,-36 17-17,36 35 1,-88 18-1,-18 0 1,-71 35 0,18-35-1,-52-18 1,87-35 0,18-17 30,18 17-30,52-36-16,-17 36 16,-35 0-1,70 0 1,0 53 0,-17 0-1,-36 18 1,-35-1-1,-106 1 1,-17-18 0,17-36-1,-35 19 1,35-36 0,53 0-1,0-36 16,35 1-15,18 18 0</inkml:trace>
+  <inkml:trace contextRef="#ctx0" brushRef="#br0" timeOffset="41843.22">12612 11712 0,'17'-17'0,"-34"34"16,52-52-16,-35 17 15,0-17 1,-53 35-1,-53 18 1,-35 52 0,35-17-1,71-18 1,-71 71-16,89-18 31,34 1-15,89-36-1,18-53 1,-89 0-16,88 0 16,-17 0-1,-18-36 1,-35 19 0,-35-1-1</inkml:trace>
+  <inkml:trace contextRef="#ctx0" brushRef="#br0" timeOffset="42524.9">12559 13547 0,'0'0'16,"18"0"-1,17-18 1,-18 18 0,-17 18 46,0-1-62,0 1 0,0 0 16,0 87-16,0-16 15,0 16 1,0-34 15,0 0-31,0-54 16,0 18-1,0-17 1,0-36 15,0-17-15,0-18 0</inkml:trace>
+  <inkml:trace contextRef="#ctx0" brushRef="#br0" timeOffset="42991.2">12541 13617 0,'0'-17'0,"0"34"0,-17-34 0,17-19 15,0 1 1,17 35 15,36 0-15,53 18-1,-18 17 1,53 53 0,-88-17-1,-18 17 1,-35 0 0,-70-35-1,-54 0 1,107-35-1,-124 34 1,35-52 0,0 18-16,35-18 31,19 0-15,34 0-1,18-18 32,-18 18-31,1-17-16</inkml:trace>
+  <inkml:trace contextRef="#ctx0" brushRef="#br0" timeOffset="49549.43">12312 1993 0,'0'0'0,"18"0"157,-1 0-110</inkml:trace>
+  <inkml:trace contextRef="#ctx0" brushRef="#br0" timeOffset="49977.42">12418 1940 0,'0'-17'0,"0"-1"31,-18 0-16,0 18 48,18 18-63,0 0 0,-17 35 16,-1 35-1,1 18 1,17-18-1,-18-71 1,0 107 0,18-36-16,-17-17 31,17-54-31,0 1 31,-18-18 0,18-18-31,0-52 16,0-1 0</inkml:trace>
+  <inkml:trace contextRef="#ctx0" brushRef="#br0" timeOffset="50386.5">12347 2099 0,'0'-18'16,"0"1"-16,0-1 16,0 0-16,35-17 31,-17 18-31,35-19 16,35 1-1,-35 35 1,35 18-1,-17 52 1,-36 1 0,-17 70-1,-18-71 1,-35 19 0,17-19-1,-17 1 1,-1-54-1,19-17 17,-1 0-17,0-17 1,-17-36-16</inkml:trace>
+  <inkml:trace contextRef="#ctx0" brushRef="#br0" timeOffset="50752.71">12294 2293 0,'18'0'31,"17"0"-31,36 0 15,52 0 17,-17-18-17,-53 18 1,-18 0-16,-17 0 31,-18-17-15,-18 17 15</inkml:trace>
+  <inkml:trace contextRef="#ctx0" brushRef="#br0" timeOffset="51223.86">13406 2258 0,'0'0'0,"-18"0"0,-17-18 15,52 18 17,1 0-32,35 0 15,-18 0-15,106 0 16,0 0 15,53 0-15,-17 0-16,-71 0 31,-18 0-31,-71 0 16,1 0-1,-18-18 32</inkml:trace>
+  <inkml:trace contextRef="#ctx0" brushRef="#br0" timeOffset="51803.62">14235 2011 0,'0'-18'15,"0"36"-15,-18-36 16,18 36 15,0-1-15,0 1-16,18 35 15,17-18 1,35 1 0,19-19-1,-19-17 1,18 18 0,-52-1-1,-19-17 1,-52 0 15,-18 0-15,0 36-1,-35-1 17,53-35-32,-54 53 0,-16 18 31,34-19-16,18 1 1,18-17 0,35-19-1,-18-34 48</inkml:trace>
+  <inkml:trace contextRef="#ctx0" brushRef="#br1" timeOffset="57702.28">6421 1535 0,'0'-18'31,"17"18"1,1 0-32,35 0 15,35 0 1,-53 0-16,89-18 15,-36 18 17,-35-17-17,-88 17 17,-36 17-32,-35-17 15,53 0 1,36 0-1</inkml:trace>
+  <inkml:trace contextRef="#ctx0" brushRef="#br1" timeOffset="58052.53">6491 1499 0,'-35'0'16,"17"18"0,1 0-1,-1 17 1,0 53-1,1-17 17,-1 52-32,0 1 15,1-1 1,17-35 0,0-35-1,17 0 16,19-53-15,52 0 0,-35 0-1,17 0 1,1-35 0,-18-18-1,-18 18-15</inkml:trace>
+  <inkml:trace contextRef="#ctx0" brushRef="#br1" timeOffset="58351.71">6914 1852 0,'0'-18'0,"0"36"31,0 0-16,0 17 1,0 36 0,0-19-1,0 19 1,0-53-16,0 17 16,0-17-1,0-36 32,18-17-47</inkml:trace>
+  <inkml:trace contextRef="#ctx0" brushRef="#br1" timeOffset="58901.47">7285 1535 0,'17'0'47,"1"0"-32,0-18-15,-1 18 0,19 0 16,34 0-1,-34 0 1,-1 18 0,-18 34-1,-17 19 17,0 0-32,0-36 15,0 71 1,18-18-1,0 18 1,-18-18 0,0-53-1,-71 36 1,1-54 0,-19 1-1,19 0 1,-1-1-1,54-17 1,-19 0 0,19 0 15</inkml:trace>
+  <inkml:trace contextRef="#ctx0" brushRef="#br1" timeOffset="59692.86">8608 3475 0,'-18'0'0,"36"0"46,-1 0-46,19 0 0,34-18 16,18 18 15,-35 0-15,-35 0 0,-36 0-1,-17 0 1,17 0-16,-17 0 0</inkml:trace>
+  <inkml:trace contextRef="#ctx0" brushRef="#br1" timeOffset="60085.64">8661 3457 0,'-18'0'0,"-17"0"16,17 0-1,-17 18 1,35 17-1,-18 18 17,18 0-32,-17 70 31,-1-34-15,0 34-1,18 1-15,0-54 16,0 1 15,0-36-15,71-35-1,-36 0 1,36-35 0,-18-1-1,17-34 1,-52 52-16,35-35 15,-53 18 1</inkml:trace>
+  <inkml:trace contextRef="#ctx0" brushRef="#br1" timeOffset="60342.34">9031 3687 0,'0'0'0,"0"17"15,0 1 1,0 35 0,0 17-1,0 1 1,0-54-16,0 36 16,-18 18-1,18-53 16,0-36-15</inkml:trace>
+  <inkml:trace contextRef="#ctx0" brushRef="#br1" timeOffset="60884.75">9313 3510 0,'18'0'16,"0"0"-16,-1 0 16,36 0-1,0 0 1,35-18-1,-70 18 1,35 0 0,-36 36-1,-17 17 1,0 17-16,18 1 31,0 17-15,-18-17-1,0-19 1,0 37 0,0-19-1,-36 1 1,-34-18 0,52-36-16,-35 1 15,-17-18 1,52 18-16,1-18 31,-19 0-15,1 0-1,0 0 1,17 17-16</inkml:trace>
+  <inkml:trace contextRef="#ctx0" brushRef="#br1" timeOffset="61801.25">9525 5486 0,'0'0'16,"0"-18"0,18 18-1,-1 0-15,19 0 16,34 0 0,18-18-1,-17 18 1,-36 0-1,-53 0 17,1 0-17,-36 0 1,0 0 0,18 0-1,-18 0 1,35 0-16,-17 18 15,-18 53 17,35 17-17,1 0-15,-19 35 32,19-34-17,17 34 1,0-52-1,0-18 1,53-36 0,-18-17-1,36 0 1,-36 0-16,18-35 16,53-36-1,-71 54-15</inkml:trace>
+  <inkml:trace contextRef="#ctx0" brushRef="#br1" timeOffset="62088.7">10142 5662 0,'0'-18'0,"-17"18"15,-1 18 1,18 53-1,0 17 1,-18-18 0,18-34-16,-17 34 15,-1-35 1,1-17 0,34-18 15,18-35-16,-17 17-15,17-17 16</inkml:trace>
+  <inkml:trace contextRef="#ctx0" brushRef="#br1" timeOffset="62604.42">10354 5450 0,'0'0'0,"35"0"31,-17 0-31,0 0 16,52 0-1,-17 0 1,-18 0 0,1 0-1,-36 18-15,17 17 16,-17 18-1,0 18 17,0 17-17,18-17-15,-18 17 32,0-18-17,0-17-15,-53 18 31,18-36-15,-54 0 0,-16 1-1,34-36 1,-17 0 0,53 0-1,-1 0 1,19 0-1,-1 0 1</inkml:trace>
+  <inkml:trace contextRef="#ctx0" brushRef="#br1" timeOffset="63517.93">13017 6985 0,'18'0'0,"0"0"0,-1 0 16,1 0-16,70 0 16,36 0-1,-36 0 17,-53 0-32,-52 0 31,-1 0-16,0 0-15,-52 0 16,-18 0 0,17 0-1,53 0 1,-17 18 0,17 35-1,-17 35 1,17 35-1,1-35 17,-18 54-32,17-54 15,-17 18 17,35-54-32,0-34 31,70 17-31,1-35 31,-1 0-15,-52-17-16,88-36 15,-18 18 1,-53 17-16</inkml:trace>
+  <inkml:trace contextRef="#ctx0" brushRef="#br1" timeOffset="63785.01">13600 7267 0,'0'35'16,"0"-17"-16,0 35 16,0 53-1,0-88 1,-36 52-1,19-17 1,-1-18 0,18-17-1,35-36 17,-17 1-32,17-19 0</inkml:trace>
+  <inkml:trace contextRef="#ctx0" brushRef="#br1" timeOffset="64324.92">13917 7020 0,'0'0'0,"18"0"31,-1 0-31,1 0 15,35 0-15,35 0 32,-70 0-32,35 0 15,-18 0 1,0 18 0,-35 17-1,18 0 1,-18 18-1,0 36 1,0-37 0,0 37 15,0-1-15,-18-18-1,-17-17-15,-36 0 31,-17-17-15,0-19 0,35 1-1,-17-1 1,34-17 0,1 0-1,17 0 1,-35 0-1</inkml:trace>
+  <inkml:trace contextRef="#ctx0" brushRef="#br1" timeOffset="65100.84">13511 8378 0,'0'18'15,"18"-18"1,0 0 0,-1 0-16,71 18 15,-17-18 1,0 0 0,-54 0-1,-34 0 16,-19 0-31,-52 0 16,18 0 0,34 0 15,1 17-31,17-17 16,-17 53-16,0 0 15,17 35 16,1-17-31,-19 52 32,1 19-17,0-37 1,35-34 0,0-53-1,35-1 1,36-34-1,17-36 1,-53 35 0</inkml:trace>
+  <inkml:trace contextRef="#ctx0" brushRef="#br1" timeOffset="65658.5">13917 8678 0,'0'0'0,"18"0"16,-18-35 0,17 17-1,19 18 1,17 0 0,-36 53-1,-17-17-15,0 34 16,-17 54-1,-36-36 1,-36-18 15,1-17-15,71-53-16,-1 0 16,0 0-1,18-35-15,0-18 31,0-17-15,36 70 0,-19 0-1,19 17 1,16 54 0,-16-18-1,-1-36 1,18 19-1,-18-36 17,0 0-17,1 0 1,-19 0 0,36-71-16</inkml:trace>
+  <inkml:trace contextRef="#ctx0" brushRef="#br1" timeOffset="66173.53">14499 8555 0,'0'0'0,"0"-18"0,18 18 16,-1 0 0,1 0-1,53-17 1,-18 17-1,-1 0 1,-16 0 0,-19 0 15,1 52-15,-18-16-16,0-19 0,0 36 15,0 18 16,0 17-15,0 0 0,-18 0-1,1-52-15,-1 34 16,-35 1 0,-35-18-1,0-18 1,-36 0-1,18-17 1,36-18 15,17 0-15,35 0 0,-17 0-1,-18 0-15</inkml:trace>
+  <inkml:trace contextRef="#ctx0" brushRef="#br1" timeOffset="67150.25">8572 10460 0,'0'0'0,"0"17"0,0 1 32,53 0-17,0-18 1,36 0 0,-19 0-1,-52 0 1,-36 0 15,0 0-31,-34-18 31,-1 18-15,35 0-16,0-18 16,-35 18-1,18 0 1,0 53-1,0 0-15,-1 53 32,19 18-17,-1-1 1,0 1 0,18-36-1,0 0 1,0-53-1,36-17 17,-19-18-32,36 0 15,18-18 1,17-70 0,-35 53-16</inkml:trace>
+  <inkml:trace contextRef="#ctx0" brushRef="#br1" timeOffset="67666.35">9031 10848 0,'0'0'0,"0"-18"16,0-17-1,18 0 1,-1 17 0,19 0-1,17 18 1,-18 53-1,-18 36 1,-17-19 15,-52 18-31,34-70 16,-35 35 0,35-36-16,-70 19 0,71-36 31,-1 0-16,0-53 1,18 0 0,0 18-1,36 35 1,-19 0 0,36 17-1,0 19 1,-18-1-1,36-18 1,-18-17 15,0 0-15,-36-35 0,54-18-16,-53 36 15</inkml:trace>
+  <inkml:trace contextRef="#ctx0" brushRef="#br1" timeOffset="68100.27">9596 10583 0,'17'-35'15,"-34"70"-15,34-88 0,1 53 16,17-17 0,0 17-1,-17 0-15,35 0 16,0 0-1,17 53 1,-17 35 0,-35-35 15,-18 35-31,0-17 16,0-1 15,0 1-31,-18-18 31,-52 17-15,-1-17-1,-70 18 1,53-54 0,35 1-1,-18 0 1,54-18-1,-18 0 1,17 0 0</inkml:trace>
+  <inkml:trace contextRef="#ctx0" brushRef="#br1" timeOffset="69166.46">13564 11677 0,'0'-18'0,"0"1"31,18-1-15,0 18-16,52-18 16,-17 18-1,-18-17 1,-17 17-16,-36 0 47,1 0-32,-19 0-15,-34 0 32,52 0-32,-17 0 15,-36 17 1,18 1-16,1 35 15,-19 17 17,0 36-17,36 35 1,0 18 0,35-71-1,18 18 1,34-71-1,54 1 1,-88-36-16,70 0 31,-70 0-31,52 0 16,18-71 0,-35 18-1,-35 18-15</inkml:trace>
+  <inkml:trace contextRef="#ctx0" brushRef="#br1" timeOffset="69432.88">13882 11818 0,'0'-18'32,"0"36"-17,0 0-15,0 17 16,0 0-16,-18 89 15,1-36 1,17 0 15,-18-35-31,18-35 32,18-18-1,17-53-31</inkml:trace>
+  <inkml:trace contextRef="#ctx0" brushRef="#br1" timeOffset="69983.86">14235 11712 0,'0'0'0,"0"-17"16,17 17 15,36 0 0,-18 0-31,-17 0 16,70 0 0,0 0-16,-70 0 15,0 52 16,-18-16-31,0-19 16,0 54 0,0 17-1,17 18 1,-17 0 0,0-18-1,0-70-15,-35 70 16,-18-35-1,-35-18 1,0-17 0,-18-1-1,18-17 17,70 0-32,-17 0 0,17 0 15,1 0 1,-1 0-1,0 0-15</inkml:trace>
+  <inkml:trace contextRef="#ctx0" brushRef="#br1" timeOffset="70871.87">13529 13335 0,'0'-18'15,"53"18"1,-35 0-16,34 0 0,19-17 15,-18 17 1,-35 0 15,-36 0 1,-17 0-17,-1 0 1,-34 0-1,52 0 1,-52 0 0,52 0-1,-17 0 1,-18 17 0,18 36-1,-18 18-15,0 70 31,0-35-15,53-71-16,-53 106 16,35-35-1,18-18 1,18-35 0,70-18-1,18-17 1,-71-18-16,36 0 15,17-18 1,-35-17 0,-18 17-1</inkml:trace>
+  <inkml:trace contextRef="#ctx0" brushRef="#br1" timeOffset="71433.11">14005 13617 0,'0'0'0,"0"-17"0,0-1 15,36-17 1,-19 17-16,36 0 16,0 1-1,0 34 1,-35 36-1,-18 71 1,-36-1 0,-34-17-1,-18-53 17,-1 0-17,36-35-15,36-18 31,-1 0-31,1 0 16,17-18-16,0-17 16,0-18-1,0 17 1,17 19 0,18 17-1,1 35 1,-1 18-1,0-18 1,1 1 15,16-19-15,-16-17 0,-1 0-1,0 0-15,1-35 16</inkml:trace>
+  <inkml:trace contextRef="#ctx0" brushRef="#br1" timeOffset="72040.86">14658 13441 0,'0'0'15,"18"-18"-15,-1 18 16,18 0-16,18 0 16,-35 0-1,53-17 1,-19 17 0,-16 0-1,-1 0-15,-17 0 31,-18 17-15,0 36 0,0 18-1,0-1 1,-36 18 0,19 18-1,17-18 1,0-70-16,0 88 15,0-53 1,0 17 0,-18-17 15,0-35-15,-52 0-16,-1-1 31,1-17-16,-1 0 1,1 0 0,34 0-1,19 0 1,17-17 0,0-19-1</inkml:trace>
+  <inkml:trace contextRef="#ctx0" brushRef="#br1" timeOffset="77040.53">2716 2434 0,'0'18'32,"0"-1"-17,0 1 1,0 0 0,18-18-1,0 0-15,-1 0 16,1 0-1,0 0 1,-1-36 0,-17 19 15,0-1-31,-35 18 16,-18 0 15,35 0-31,1 0 15,-1 35 1,18-17 15,35-18-15,-17 0 0,17 0-1,1 0 1,-19-18-1,-17-17 1,0 18 15,-35-1-31,0 18 16,-1 0 0,19 0-1,-1 18 1,18 17-16,0 0 31,0-17-31,35-1 31,1-17-15,17 0 0,-36 0-16,-17-17 15,35-19 1,-35 19-1,0-1 1,0 1 0,-35 17 15,0 0-15,17 0 140,1 0-156,-1 0 15,0 0-15,-70 0 16,18 17 0,-36 36-1,18-18 1,-1 18 0,19 35-1,70-70 1,-35 53-1,-1-1-15,19 1 32,-1-18-17,-17 17 1,17 1 0,-35 35-1,53-36 1,0 18-1,0-17 1,0 17 0,0-35 15,18-35-31,17 35 16,0 17-1,1-35 1,17 18-1,-1-35 1,-34 0-16,53-1 0,35 1 31,17 0-15,-17-1 0,-71-17-16,71 0 15,-18 0 1,53 0-1,-105 0-15,52 0 16,18 0 15,-36-17-31,18-1 16,-35 18 0,-18 0 15,-17-18-16,-18 1 48,0-1-63,0 0 16,0-17-1</inkml:trace>
+  <inkml:trace contextRef="#ctx0" brushRef="#br1" timeOffset="77778.48">3422 3492 0,'0'0'0,"-18"0"15,1 0 1,17 18 47,0 0-63,0-1 15,35 36 1,0-35-1,0 17 1,-17-35-16,17 18 16,36 0-1,-18 17 17,-18-35-17,0 17 1,-17-17-1,-18 18 32,-18 0-31,-34-18 0,-1 17-1,-36 36 1,1 0-1,-18 0 1,18 0 0,18 0-1,52-35 1,0-18 0,1 35-16,-1-35 31,18 17-31,0-34 78,0-1-78,0 1 16</inkml:trace>
+  <inkml:trace contextRef="#ctx0" brushRef="#br1" timeOffset="79733.05">3863 4286 0,'0'18'31,"0"0"-15,0-1-1,0 1-15,0-1 16,18-17-1,-1 18 1,18-18 0,1 0-1,-19-35 1,-17 17 0,-17 18 30,-19 0-46,19 0 32,-18 35-17,35-17 1,17-18 15,18 0-15,-17 0-1,0 0 1,-18-18 0,0 1 15,-18 17-15,0 0-16,1 0 15,-1 17 16,1 1-31,17 0 32,0-1-32,17-17 31,18 0-15,1 0-1,-19-17 1,-17-1-1,0 0 1,0 1 0,-35 17-1,0 0 1,17 17 0,18 1 15,0 0-16,18-18 32,-18-18-15,-18 18-17,1 0-15,-19 0 16,-34 0-1,17 18 1,0 35 0,-18-18-1,54-17 1,-54 52 0,18-17-16,18 18 31,0-1-31,17 36 31,0-18-15,1 18-1,17-18 1,-18 0 0,18-35-1,0 18 1,0-18-1,0-36-15,18 36 16,35-17 0,0 17 15,17-1-15,18-16-1,89 17 1,-54-18-16,71 18 31,-35-36-15,53 19-1,-1-19 1,-70-17 0,-88 0-16,71 0 15,-54 0 1,36 0-1,-53 0 1,-35 0 0,-1 0 15,-17-17-15,0-1 15,-17 18-16,-1-18 1,18-34-16,0 34 16</inkml:trace>
+  <inkml:trace contextRef="#ctx0" brushRef="#br1" timeOffset="80381.8">5133 5450 0,'0'0'0,"-18"0"31,18 18 16,0 0-47,0-1 16,36 19-16,-1-1 15,18 18 1,-18-36 15,36 19-15,-36-19 0,-18-17-16,1 0 15,0 0 1,-18 18 15,0 0-15,-53 35-1,0-18 1,35-18 0,-52 36-16,-54 36 15,1-19 16,-18 18-31,0 1 32,88-54-17,0 0 1,35-17 0,0-1-1,1 1 1,17-36 31,0 1-32</inkml:trace>
+  <inkml:trace contextRef="#ctx0" brushRef="#br1" timeOffset="81753.02">5151 6244 0,'0'0'0,"0"18"46,17-18-46,1 0 16,-1 0 0,1 0-1,17 0 1,-17 0 15,-18-18-31,-18 18 47,-17 0-47,17 18 16,1-1 15,17 1-15,17-18 15,1 0-31,0 0 15,-36 0 48,-35 0-63,-17 0 16,-19 35-1,19 18 1,-54 35-1,19 1 1,34-1 15,71-71-31,-35 107 16,17-53 0,18 34-1,0 1 1,0-35-1,53 17 1,-35-70-16,17 52 16,53 1-1,0-18 17,1-36-17,16 1-15,54-18 31,17 0-15,36 0 0,-35 0-1,34 0 1,-34 0 0,-72 0-1,19 0 1,-54-18-1,-17 1 1,-17-1 0,-1 18 15,-17 0-15,-18-18 30,-18 18-46,0-17 32,18-1-32,-17 0 15</inkml:trace>
+  <inkml:trace contextRef="#ctx0" brushRef="#br1" timeOffset="82365.14">6526 7073 0,'-17'0'15,"34"0"-15,-52 0 0,17 0 16,1 0 15,17 18-15,0-1-1,0 19-15,0-19 16,35 36 0,0-17-1,18-1 1,0-35 0,0 17-1,-35-17-15,52 0 16,-52 0-1,-18 18 1,-18 17 15,1-35-15,-19 36-16,19-36 16,-71 70-1,-1-34 1,-16 52-1,-19 0 1,54-35 0,-19 0-1,72-36-15,-19 1 16,19 0 0,-1-18 30,0-18-30,18 0-16,-35-35 16</inkml:trace>
+  <inkml:trace contextRef="#ctx0" brushRef="#br1" timeOffset="91523.77">1076 3069 0</inkml:trace>
+  <inkml:trace contextRef="#ctx0" brushRef="#br1" timeOffset="92970.37">1182 2963 0,'0'0'0,"17"-17"0,1-1 16,0 18-1,-1-35-15,-17-1 32,18 19-32,-18-1 31,-18 18 47,1 0-78,17 18 0,-36-1 16,36 1-16,-35 35 15,-35 35 1,17-17 0,-18 35 15,18-18-31,-17 18 31,-1-18-15,18-18-1,0-17 1,36-35 0,-1 17-1,18-52 48,18-1-48,-1 0-15,36-52 16,-18-1 0,36-35-1,-53 71 1,35-53-1,17 0 1,-17 17-16,0 18 31,18 0-15,-19 0 0,-34 18-1,0 17 1,-18 36 62,-18-18-78,0 18 16,1-1-1,-36 36-15,0 18 16,0-1-1,0 19 1,35-54 0,-52 35-1,17 19 1,-35-1 0,35-35-1,35-18 1,1-17-1,34-18 48,1-18-63,35-35 16,-36 35-1,36-52 1,36-54-1,-19 36 1,18-35 0,-17 52-1,-18 18 1,0-17 0,-36 52-1,19-17 1,-36 17-1,0 1 1,0 34 78,0 1-79,-18-18-15,0 0 16,1 17-16</inkml:trace>
+  <inkml:trace contextRef="#ctx0" brushRef="#br1" timeOffset="99795.54">15804 2011 0,'18'0'16,"0"0"-1,-1 0 17</inkml:trace>
+  <inkml:trace contextRef="#ctx0" brushRef="#br1" timeOffset="100730.11">15857 1976 0,'0'-18'0,"0"0"31,0 1-16,0-1 1,0 0 15,0 1-31,0-1 16,0 0 0,0 1-1,0-1 1,0-35-1,0 36 1,0-1 0,0 0-1,0 36 17,-17 0-32,-1 17 31,18 35-16,-18 54 1,18-106-16,-17 87 16,-1 1-16,1-35 31,-19 17-15,19 0-1,17-53 1,0-17-1,0-36 17,0-17-17,0 18-15,0-19 16,0-17 15,17 0-15,19 0-1,16-17-15,1 17 32,0 18-17,-35 35-15,17 0 16,0 17 0,1 54-1,-36-18 1,0 35-1,0-53 1,0-17-16,0 35 16,-18-35-1,18-1 1,0-34 31,0-1-32,0 0 1,0 1-16,0-36 16,18 17-16</inkml:trace>
+  <inkml:trace contextRef="#ctx0" brushRef="#br1" timeOffset="101163.64">16369 1887 0,'18'-35'16,"-18"17"0,0 1-16,0 34 46,0 1-30,-18 53 0,0 17-16,-17 18 15,17-71 1,-17 53 0,17-17-1,18-1 1,0-34-1,18-19 1,17-17 0,-17 0-16,53-17 15,-36-19 1,18-17 0,-36 53-16</inkml:trace>
+  <inkml:trace contextRef="#ctx0" brushRef="#br1" timeOffset="101420.03">16228 2117 0,'17'0'47,"19"0"-47,-19 0 0,72 0 16,-1 0-1,0-18 1,-18 0 0,-52 18-16,35 0 15</inkml:trace>
+  <inkml:trace contextRef="#ctx0" brushRef="#br1" timeOffset="102369.76">16933 2081 0,'-17'0'15,"-1"0"-15,0 0 16,1 0 0,17 18-1,-18 0-15,18 35 16,0-18 0,0 18-1,0 17 1,-18-34-1,18-1 1,0-53 31,0 1-31,0-1-1,0-35 1,0 35-16,18-52 15,0 17 1,52-18 0,-52 54-1,53-1 1,-19 71 0,-34 0 15,0 17-31,-18-34 31,0 34-15,0-34-1,0-19-15,0 19 16,0-54 31,0 0-32,0-52 1,17 34 0,1 19-16,35-54 15,17 18 1,54 18 0,-54 35 15,-34 0-31,-1 88 31,-35-35-15,0 18-1,0-18 1,0 0-16,0-36 31,0 1-31,0-1 31,-18-17-15,18-35 0,18-18-1</inkml:trace>
+  <inkml:trace contextRef="#ctx0" brushRef="#br1" timeOffset="102980.2">17921 1940 0,'0'0'0,"18"-53"16,-1 18-1,-17 17 1,0 1-1,0 34 17,0 1-32,-17 0 0,-19 52 15,1 36 1,0-18 0,17 18-1,18-35 1,0 17 15,18-70-15,35-1-16,-36-17 31,19 0-15,-1 0-1,-17-17 1,-18-1-1,0 0 110,0 1-125,0-1 32</inkml:trace>
+  <inkml:trace contextRef="#ctx0" brushRef="#br1" timeOffset="103695.3">19015 1693 0,'0'0'16,"17"0"-16,-17-17 0,18-1 16,-18 36 30,0-1-46,-18 1 0,-17 53 32,-53 70-32,-36 35 31,19-53-15,69-87-16,-122 158 15,52-53 1,18 0-1,35-70 1,35-36 0,0-18-16,18 1 15,0-36 32,18-34-31,17 16-1</inkml:trace>
+  <inkml:trace contextRef="#ctx0" brushRef="#br1" timeOffset="104662.24">19438 2152 0,'0'-18'16,"0"36"-16,18-53 0,-18 17 15,0 0-15,17-17 16,-17 0 0,0 17-1,0 36 16,0-1-31,0 72 32,-17 16-32,17-16 15,-53 17 1,35-36 15,-17 1-15,35-54-16,-18-17 15,18-17 17,0-36-17,18-18 1,52-35 0,-34 89-1,34-36-15,54 35 31,-54 18-15,18 35 0,-52 18-1,-36 18 1,0-53-16,-106 70 16,35-53-1,-34 0 1,34-35-1,36 0 1,17 0 0,18-17 15,18-19-15,17 19-1</inkml:trace>
+  <inkml:trace contextRef="#ctx0" brushRef="#br1" timeOffset="105235.87">20126 2240 0,'18'0'15,"-36"0"-15,53-18 0,-35 1 0,-17 17 47,-19 0-31,1 53-1,17 0 1,18-36-16,-17 107 16,17-54-1,0 1 16,35-36-15,18-35-16,35 0 31,-17-35-15,17-36 0,-70-34-1,-1 16 1,-34 19-1,-54 17 1,0 53 0,-17 0-1,18 17 1,-1 19 0,36-1 15,35-17-16,35-1 1,36-17 0,-54 0-16</inkml:trace>
+  <inkml:trace contextRef="#ctx0" brushRef="#br1" timeOffset="105911.74">21043 2240 0,'0'0'0,"0"-18"15,-35 1-15,0 17 16,-54 0 0,1 17-1,71 1 1,-107 35-16,71 0 31,18 35-15,35-17-1,0-1 1,70-17-16,19-53 16,17 0 15,-18-53-16,0-35 1,-35 0 0,0-71-1,-36 71 1,1-18 0,-18 71-1,0 17 1,0 89 31,-18-36-47,1 53 15,-19 18 1,19 0-16,17 0 31,0-36-15,0 1-1,35-54 1,0-17 0,1 0-1,17-17 1,-1-36 0,-34 35-16</inkml:trace>
+  <inkml:trace contextRef="#ctx0" brushRef="#br1" timeOffset="106620.1">21537 2346 0,'0'-18'0,"0"36"0,-18-36 31,1 18-15,-1 0-1,1 53 1,-1 18-1,18-18 1,0 0 0,53-18-1,35-17 1,-17-18 0,-1-36-1,1-34 16,-54 17-31,19-35 32,-1 17-32,-18 53 15,-17 54 32,-17 17-31,-1-36-16,-17 89 15,17 0 1,1 35 0,-1-35-1,-35 17 1,18-34 0,17-72-1,-35 54 1,0-1-16,-17-34 31,-1-19-31,1-17 31,17 0-15,-35 0 0,70-17-1,0-1 1,1 0-1,17 1 1,0-19 0,70 1-1</inkml:trace>
+  <inkml:trace contextRef="#ctx0" brushRef="#br1" timeOffset="107116.26">22578 2011 0,'0'0'0,"-18"17"62,18 1-62,-18 0 16,1-1-16,-36 89 16,35-71-16,-35 71 15,-17 71 16,-1-1-15,36-70 0,-18-18-16,35-35 31,-17 0-15,35-35-1,0-36 48,0 0-63,0 1 15</inkml:trace>
+  <inkml:trace contextRef="#ctx0" brushRef="#br1" timeOffset="108402.3">23319 2593 0,'0'0'16,"17"0"-16,19 0 15,-19 0-15,18-35 16,1-1 0,-36-34-1,-36 17 1,-34 0 0,-36 18-1,18 35 16,-36 17-15,107 1-16,-36 35 16,18-18-16,-1 89 15,36-36 1,0-18 0,53-34-1,53-19 1,0-17-1,0-70 1,0-18 0,-36-1-1,18-52 1,-35 35 0,-35 71-16,17-53 15,-35 53 1,0-36-1,0 36-15,-53 88 47,36-18-47,-19 36 16,1 70 0,17-35-1,18 17 1,0-52-1,71-1 1,17-70 0,0 0-1,-70 0-15,70-35 16,-17-18 0,-36-35-1,-17 17 16,-18 1-31,0 105 47,-36 18-31,36 35-16,0-35 16,0-35-1,0-1 1,0 1-1,0-1-15,18-17 32,-18-35-17,18-18 1,-18 36 0</inkml:trace>
+  <inkml:trace contextRef="#ctx0" brushRef="#br1" timeOffset="108619.68">24077 2170 0,'0'0'0,"0"-18"16,18 18 62,-1 0-62,-17 18-16,18-1 15</inkml:trace>
+  <inkml:trace contextRef="#ctx0" brushRef="#br1" timeOffset="108934.15">24342 2275 0,'0'18'31,"17"0"-15,-17-1-16,0 1 15,0 0-15,18 35 16,0-18-16,-1 35 15,-17 19 1,18-37 0,-18-34-1,0 0 1,17-18 0,1-36-1,17 1 1</inkml:trace>
+  <inkml:trace contextRef="#ctx0" brushRef="#br1" timeOffset="109194.53">24783 2328 0,'0'0'16,"17"-17"0,-52 17 15,-36 53-16,1 0 1,52-18-16,-35 35 16,53-34-16,-35-1 15,35-17-15,-53 34 16,53-34 0,18-36 30,-1 1-46</inkml:trace>
+  <inkml:trace contextRef="#ctx0" brushRef="#br1" timeOffset="109894.57">25277 2134 0,'0'0'16,"-18"0"-16,18-17 16,18 17 15,34 0-16,1-18-15,18 18 16,-36 0 0,-52 0 31,-36 0-32,-18 0 1,1 0-1,17 0 1,17 0 0,19 0-1,-1 35 1,-17 18 0,17 0-1,0 35 1,1 1-1,-18 16 1,17-16 15,18-72-31,0 71 16,0-35-16,53-35 16,-18 0 15,53-18-16,-35 0 1,18-18 0,-36-17-1,18-18 1,-35 35-16</inkml:trace>
+  <inkml:trace contextRef="#ctx0" brushRef="#br1" timeOffset="110200.11">25735 2275 0,'0'18'15,"0"0"-15,-18 17 16,1 36-1,-1-1 1,1 18 0,-1-35-1,0-18 1,18 1 0,0-54 15,36-17-16</inkml:trace>
+  <inkml:trace contextRef="#ctx0" brushRef="#br1" timeOffset="110844.82">26106 2134 0,'0'-17'0,"17"17"16,36 0 0,18-18-1,-54 18 1,89 0-1,-53 0 1,-18 0-16,-35 35 31,18 1-15,-18 16 0,0 1-1,0 0 1,0 36-1,0-1 1,0 0 0,-18 0-1,18-70-15,-17 52 16,-36-34 0,-18-19-1,1-17 16,-36 0-31,18 0 16,17 0 15,53 0-31,-17 0 32,35-17 14,0-1-46,53 0 16,-18 1-16</inkml:trace>
+  <inkml:trace contextRef="#ctx0" brushRef="#br1" timeOffset="111400.2">27640 1623 0,'0'0'0,"-18"17"63,1 1-63,-1 0 0,-17 35 16,-53 105-1,0-17 1,-71 89-1,18-54 1,105-123 0,-105 141-1,53-70 1,0-1 0,35-52-16,0-18 31,35-18-16,1-35 1,17-18 15,0-17-15,17 17-16</inkml:trace>
+  <inkml:trace contextRef="#ctx0" brushRef="#br1" timeOffset="112101.63">27552 2469 0,'18'-17'0,"-36"34"16,53-52-16,-17 0 15,-18 53 16,0 34-15,-18 37 15,-17-19-31,17-17 32,18-35-32,0-1 0,-17-17 31,17-35 0,0 0-15</inkml:trace>
+  <inkml:trace contextRef="#ctx0" brushRef="#br1" timeOffset="112296.3">27640 2187 0,'0'0'0,"0"-17"15,0-1 1,18 18 31,-1 0-31,-17 18-16,18-18 15,17 17-15</inkml:trace>
+  <inkml:trace contextRef="#ctx0" brushRef="#br1" timeOffset="112818.47">27975 2364 0,'0'17'0,"0"-34"0,0 52 0,0 0 15,0-17 1,0 35-16,0-36 15,0 36 1,-17 0 0,17-18-16,-18-17 31,0-18-15,18-18 15,0-52-16,0-1 1,71-34 0,17 34-1,36 36 1,-89 35-16,53 17 16,0 72-1,-70-1 16,-18 35-15,0-70-16,-35 0 31,17-35-15,0-18 0,18-36 15,0 19-31</inkml:trace>
+  <inkml:trace contextRef="#ctx0" brushRef="#br1" timeOffset="113195.1">28681 2311 0,'0'0'0,"0"17"15,0 1-15,0 17 16,0 89 0,-18-1-1,1 54 17,17-125-32,-18 72 0,-17 52 31,-1-35-16,-17 36 1,18-71 0,35-89-1,0-52 17,18-71-17,-18 0 1,0 53-1</inkml:trace>
+  <inkml:trace contextRef="#ctx0" brushRef="#br1" timeOffset="113551.38">28734 2434 0,'0'-17'0,"0"34"0,17-52 0,-17 17 16,0 1-16,71-19 31,-53 36-31,52 0 16,36 0-1,-53 53 1,-18 53 0,-35-35-1,-88-1 16,53-52-31,-36-1 16,-17 1 0,35-18-16,53-18 47,18 1-32,-1 17-15</inkml:trace>
+  <inkml:trace contextRef="#ctx0" brushRef="#br1" timeOffset="114344.04">29316 2364 0,'0'0'0,"17"0"16,1 0-16,-18 53 46,-18-1-46,1 19 16,17 17 0,0-53 15,35-35-15,36 0-1,-18 0 1,17-52-1,-35-19 1,-17 53-16,0-87 16,17 52-1,-35 17 1,-18 89 15,-17 53-15,35 0 15,0-88-31,0 17 0,35 0 31,18-17-31,18-18 32,-1-71-17,19-35 1,-1-17-1,18-18 1,-54 17 0,-34 18-1,-18 71 1,-35 35 0,35 18-16,-53 52 15,18 36 1,17-18-1,18 54 1,-18-54 0,18-53-1,0 53-15,36-35 32,17-53-17,-18 0-15,18 0 31,-18-53-15,-17 36-16,17-54 16</inkml:trace>
+  <inkml:trace contextRef="#ctx0" brushRef="#br1" timeOffset="114612.63">30004 2240 0,'-18'0'31,"36"0"-31,-1 0 16,36 0 0,53 0-1,-71 0-15,18 0 16,0 0-1,-35 0 1,-18-18 0,35 18-1</inkml:trace>
+  <inkml:trace contextRef="#ctx0" brushRef="#br1" timeOffset="115250.91">30833 2117 0,'0'0'0,"17"0"16,1 0-16,17 0 0,54 0 31,-19 0-16,18-18 1,-70 18-16,17 0 16,-88 0 15,-53-18-15,36 18-1,17 0 1,18 0-1,17 0 32,18 18-31,-18 35 0,1-18-16,17-17 15,-36 70 1,19 0-1,-1 36 1,18-18 0,0-18-1,18-35 1,70-36 0,-17-17-1,17 0 1,-35-35 15,0-18-15,0 0-16,-36 36 15,1-1-15</inkml:trace>
+  <inkml:trace contextRef="#ctx0" brushRef="#br1" timeOffset="115560.28">31574 2222 0,'0'18'16,"0"0"-16,0-1 15,-18 1-15,18 53 31,-18-1-31,-17 18 16,17-52 15,18-1-31,18-35 47,0 0-47,-1-18 0,1 1 16,0 17-16</inkml:trace>
+  <inkml:trace contextRef="#ctx0" brushRef="#br1" timeOffset="116219.49">31944 1958 0,'18'-18'47,"-1"18"-47,19 0 16,52-17-1,-18 17-15,1 0 31,52 0-15,-105 0-16,0 0 16,-18 53-1,0-1 1,0 1 0,-36 0-1,1 35 1,35-70-1,-18 70 1,18 18-16,-17 53 31,-1-53-31,-17 0 32,0-36-17,-36-17-15,-17-35 31,17-1-15,18-17 0,18 0-1,17 0 1,1 0 0,-1 0-1,1 0 32,-54 0-47</inkml:trace>
+  <inkml:trace contextRef="#ctx0" brushRef="#br0" timeOffset="126211.2">12682 3528 0,'0'-18'0,"0"0"32,-17 18-17,17-17-15,-18 17 16,0 17 0,18 19-1,-17 34-15,17 36 31,0-88-31,-35 70 16,17 0 0,0-35-1,18-35 1,0-36 31,0 0-32,0-17 1</inkml:trace>
+  <inkml:trace contextRef="#ctx0" brushRef="#br0" timeOffset="126714.16">12400 3581 0,'-18'0'15,"36"0"-15,-36-18 16,18 0-16,0 1 16,18-1-1,35-17 1,18 35 0,17 0-1,18 0 1,-1 53-1,1 35 1,-88-70 0,70 70-1,-88-35 1,0 17 0,-53-17-1,-53 18 1,71-54-16,-71 19 15,-17-19 1,-1-17 0,54 0-1,17 0 1,35 0 0,18-17 30,35-1-46,-17 18 16</inkml:trace>
+  <inkml:trace contextRef="#ctx0" brushRef="#br0" timeOffset="127298.18">13864 3863 0,'0'0'0,"-17"0"15,-1 0 1,36 0 15,-1 0-31,71 0 16,71 0 0,0 0-1,53 0 1,-160 0-16,72 0 31,-36 0-15,-88-18 46</inkml:trace>
+  <inkml:trace contextRef="#ctx0" brushRef="#br0" timeOffset="127899.82">14623 3598 0,'-18'0'0,"36"0"0,-54 0 16,36 18-1,0 35-15,0-18 16,53 36 15,0-18-15,18 0-1,-54-53-15,36 17 16,18-17 0,-36 0-1,-35-17 17,-18 17-17,1-18-15,-71 18 16,-1 0-1,-52 70 1,-17 19 0,52-19 15,18 18-15,52-35-1,19-17 1,-1-36 62,18-18-62</inkml:trace>
+  <inkml:trace contextRef="#ctx0" brushRef="#br1" timeOffset="142889.69">15646 3651 0,'0'-17'0,"0"34"0,0-52 0,0 0 15,0 17-15,17 18 16,-17-18-16,0 1 15,0 105 17,-17 18-17,-19-18 17,36 35-32,-17-87 15,-1 34-15,-17 18 31,35-52-15,-18-54 0,18-52 15,0-19-15,71 1-1,-18 18 1,70-1-1,-35 71 1,-70 0-16,88 53 16,-89 35 15,-17-17-15,0 35-16,-17-36 31,-1-52-16,18-1 1,0-34 15,0-36-15,35 0 0</inkml:trace>
+  <inkml:trace contextRef="#ctx0" brushRef="#br1" timeOffset="143197.92">16422 3669 0,'0'0'16,"0"-18"-16,0 36 31,0 0-31,-18-1 16,-17 36-1,17 53-15,-17-18 16,35-17 15,0 17-15,0-71 0,53-17-1,17-17 1,-52-18-1</inkml:trace>
+  <inkml:trace contextRef="#ctx0" brushRef="#br1" timeOffset="143407.16">16316 3845 0,'-35'0'0,"70"0"0,-88 0 0,35-17 0,-17 17 31,53 0-15,-1 0-16,72-18 31,-1 18-31,-18 0 32,-34 0-32</inkml:trace>
+  <inkml:trace contextRef="#ctx0" brushRef="#br1" timeOffset="144214.19">16916 3845 0,'0'0'0,"-18"18"16,0 17 0,1-17-16,-1 17 15,-17 18 1,35-35-16,0 17 16,-18-17-1,18-36 32,0-17-31,0 17-16,18-35 15,52-17 1,1-1 15,0 53-31,-1 1 31,1 34-15,-54 54 0,1-1-1,-18-17 1,-18 18 0,-17-53-1,0-18 1,35-18 15,0-35-15,53 0-1,17-17 1,-35 52 0,89-17-1,-54 17-15,-17 53 31,-35 1-15,-18 52-16,-35 18 31,-1-54-15,36-34-16,-17 17 16,17-17-1,17-53 16,19 17-31</inkml:trace>
+  <inkml:trace contextRef="#ctx0" brushRef="#br1" timeOffset="144547.35">18027 3704 0,'0'0'0,"0"-17"16,-18 17 0,1 17-1,-36 54 1,0-1 0,18 36-1,17-71-15,18 71 16,0-53-1,35-18 1,18-17 0,18-18-1,-1-18 1,-35-35 15,-17 53-31,0-52 0</inkml:trace>
+  <inkml:trace contextRef="#ctx0" brushRef="#br1" timeOffset="145273.4">19085 3634 0,'0'0'15,"0"-18"-15,18-35 31,-18 35-31,-18 36 32,18 0-32,-53 52 15,0 18 1,36-52-16,-71 122 16,17-16-1,-17 16 1,0-34-1,70-71 1,18-36 0,35-17-1,36-53 1,-36 18 0</inkml:trace>
+  <inkml:trace contextRef="#ctx0" brushRef="#br1" timeOffset="145864.53">19491 3739 0,'-35'71'16,"35"-53"-1,-36 35-15,-17 52 16,18-16 0,-35-1-1,52-35 1,0-36 15,18-34-15,0-1-1,0-35 1,0-17-16,53-1 31,18 18-15,-54 35-16,72 1 16,17 17-1,-18 70 1,-35 1-1,-36 17 1,-34-35 0,-1-35-16,-123 17 31,-18-17-31,53-1 31,18-17-15,70 0-1,1-17 1,70-1 0,17-17-1</inkml:trace>
+  <inkml:trace contextRef="#ctx0" brushRef="#br1" timeOffset="146344.51">20108 3916 0,'0'0'0,"-53"0"31,36 0-31,-19 35 16,-16 36-1,16-1 1,1 36 0,35-35-1,0-54 1,18 1-16,70-18 16,-18 0-1,19-35 1,-19-36-1,-70 18 1,-17-35 0,-1 70-16,-35-35 15,-35 36 17,52 17-17,1 35 1,35 18-16,0 0 31,35-36-31</inkml:trace>
+  <inkml:trace contextRef="#ctx0" brushRef="#br1" timeOffset="146940.18">20814 4022 0,'0'-18'16,"0"36"-16,0-54 0,0 19 0,-18-1 15,1 18 1,-36 0-16,0 0 16,17 0-1,-52 71 1,18 17-16,52-18 31,18 19-15,0-36-1,35-53 1,-17 0-16,53 17 16,-1-17-1,18-53 1,1-35-1,-37 0 1,1-71 0,-17 71-1,-19 17 17,-17 36-32,0 88 46,-17-18-46,-1 18 16,0-18-16,-17 89 16,17-1-1,1-52 1,17 0 0,0-54-1,35-17 16</inkml:trace>
+  <inkml:trace contextRef="#ctx0" brushRef="#br1" timeOffset="147644.42">21290 4039 0,'-18'0'31,"1"18"-31,17 0 16,-18-18-16,1 35 15,-1 35 1,0 1 0,18-18-1,53-53 1,0 18-1,35-18 1,-70 0-16,53-36 16,-1-17 15,-17-17-31,-35-1 31,-18 18-31,0 36 16,-18 70 15,18-36-15,-35 54-1,-18 35 1,0 17 0,53-35-1,-35 36 1,-18-1-1,17-52 1,-34-18 0,-18-36-1,35-17 1,-35 0 0,-36-53 15,71 18-16,0 0 1,36 0-16,-1-1 31,18-17-15,18 36-16</inkml:trace>
+  <inkml:trace contextRef="#ctx0" brushRef="#br1" timeOffset="148361.73">22278 3810 0,'0'-18'16,"0"36"-16,53-71 16,-36 35-16,-17 1 15,0 34 1,-17 1-1,-71 70 1,17 71 0,1-36-1,52-70-15,-53 71 32,36-54-17,17-17 1,18-35-1,36-18 1,-19 0 0,1-18-16</inkml:trace>
+  <inkml:trace contextRef="#ctx0" brushRef="#br1" timeOffset="149189.85">23107 4163 0,'0'0'0,"18"-18"0,-18 0 0,0-17 16,0 18-1,-18-36 1,-35 35-1,-18 18 1,1 0-16,-36 106 31,18 17-15,53-34 0,17-72-16,18 71 15,53-70 1,35 0-1,18-18 1,17-36 0,-34-34-1,-37-1 17,1-52-17,-17-18-15,-19 70 16,1 1-1,-18 52 17,0 53-32,-35 89 31,-1-19-15,19 37-1,-1-54 1,18 0-1,0-70-15,35 17 16,1-35 0,52 0-1,-18-35 1,-17-1 15,-35 19-31,17-36 16,-35 18-16,0 87 31,-17-52-15,-1 36-1,18-19-15,-18 36 16,1-17 0,34-36 30</inkml:trace>
+  <inkml:trace contextRef="#ctx0" brushRef="#br1" timeOffset="149411.1">23601 4216 0,'0'-18'0,"0"36"15,0-54-15,0 1 0,0 17 16,0 36 31,0 0-32,0 17-15,35-35 32,-35 18-32</inkml:trace>
+  <inkml:trace contextRef="#ctx0" brushRef="#br1" timeOffset="149689.53">23848 4180 0,'0'0'0,"0"-17"0,0-1 16,0 36 15,0-1-15,0 54-16,0 17 15,0 0 1,0-17 0,0-53 15,0-1-15,0-34 15,17-1-31</inkml:trace>
+  <inkml:trace contextRef="#ctx0" brushRef="#br1" timeOffset="149944.04">24165 4127 0,'0'0'0,"0"-17"0,0-1 31,-35 53-31,-36 54 31,54-72-31,-18 36 16,17-17-16,-53 34 15,54 1 1,-1-54 0,36-17 15,-1 0-31,19 0 15</inkml:trace>
+  <inkml:trace contextRef="#ctx0" brushRef="#br1" timeOffset="150527.72">24518 3986 0,'0'-17'16,"18"17"15,-1 0-31,1 0 16,0 0-16,70 0 15,0 0 1,-53 0-1,-52 0 17,-1 0-32,-53 0 15,19 0 17,-1 0-17,0 0-15,17 17 31,19 19-15,-1-19-16,0 19 0,18-19 16,-35 89-1,0 0 1,17-36 0,1 36-1,-1-35 1,18-18-1,18-18 1,17-35 0,18 0-1,17-35 17,-34 17-32</inkml:trace>
+  <inkml:trace contextRef="#ctx0" brushRef="#br1" timeOffset="151105.72">25012 4233 0,'0'0'15,"0"-17"-15,0-1 0,0 0 16,0 1-16,0-19 15,53 19 1,-18-1 0,36 18-1,-54 18-15,19 35 32,-36 53-17,0 17-15,-53-35 31,-53 0-31,-18-35 32,54-35-17,70-53 17,0-1-17,35-16 1,-17 34-16,-1 0 15,1 18 1,0 36 15,-1 16-15,36-16 0,-18-19-1,-17-17 1,35 0-1,-18 0-15,18-17 16,-17-1 0</inkml:trace>
+  <inkml:trace contextRef="#ctx0" brushRef="#br1" timeOffset="151605.93">25735 4004 0,'18'0'32,"17"0"-32,-17 0 15,70 0 1,0 0-1,-70 0-15,35 0 16,0 0-16,-53 35 31,0 36-15,0-1 0,0 19-1,-18 16 1,-17-34-1,17-53-15,-53 70 16,19-35 0,-37-18-1,-17-17 17,54-18-17,34 0-15,-35 0 0,0 0 31,53-18-15,0-35 0,0 35-16</inkml:trace>
+  <inkml:trace contextRef="#ctx0" brushRef="#br1" timeOffset="152256.04">27217 3916 0,'17'-18'15,"-34"36"-15,52-53 0,18-18 16,-53 35-16,35 0 16,-35 1-1,0 34 1,-17 1-1,-54 70 1,-70 106-16,-35 18 16,52-89 15,1 1-15,70-36-1,35-70 1,36-36 15,52-35-15,36-17-1,-71 52-15</inkml:trace>
+  <inkml:trace contextRef="#ctx0" brushRef="#br1" timeOffset="152488.91">27411 4216 0,'17'0'16,"-34"0"-16,52 0 0,-35 17 16,0 19-1,-18 34 1,1-17 0,-18 0-1,35-35 1,-18-18-1,18-18 17,0 0-32</inkml:trace>
+  <inkml:trace contextRef="#ctx0" brushRef="#br1" timeOffset="152692.23">27605 4022 0,'0'-18'16,"0"36"-16,0-54 0,0 54 63,0 0-48,0-1-15,53 19 16,-36-19-1</inkml:trace>
+  <inkml:trace contextRef="#ctx0" brushRef="#br1" timeOffset="153205.51">28011 4269 0,'-53'35'31,"53"-17"-31,-18-1 16,0 18-16,18-17 16,-35 35-1,0 0 1,17-35 0,1 17-1,17-53 16,0 1-15,0-36 0,35-36-1,35 19 1,54-18 0,-18 35-1,-71 53 1,53 17-1,-35 72 1,-53-19-16,0 36 31,-18-53-15,-35-18 0,36-17-1,-1-18 1,18-35 15</inkml:trace>
+  <inkml:trace contextRef="#ctx0" brushRef="#br1" timeOffset="153564.45">28734 4233 0,'-18'0'32,"0"0"-32,1 36 15,-36 69 1,18 19 0,17-36-1,-35 36 1,18 17-1,0-53 1,35-70-16,-53 52 16,53-35-1,0-52 17,0-19-17,0-52 16,0 71-31</inkml:trace>
+  <inkml:trace contextRef="#ctx0" brushRef="#br1" timeOffset="153873.18">28575 4445 0,'0'0'0,"0"-18"0,18-35 16,-1 18-16,19-18 15,16 0 1,37 36-1,-19 17 1,1 35 0,-71 36-1,-18 34 17,-52-52-17,-1-35-15,-17 0 16,70-18 15,1 0-15,17-36-1,35 1 1</inkml:trace>
+  <inkml:trace contextRef="#ctx0" brushRef="#br1" timeOffset="154672.76">29228 4180 0,'0'0'0,"0"-17"0,0-1 15,-36 71 32,1 0-47,35-18 16,-18 53-1,18-35 1,0 0 0,71-35-16,-18-18 31,17 0-15,-52-18-16,53-17 15,-1-36 1,-17 1-1,-18-18 1,-17 52 0,-18 54-1,-18 70 17,-17-17-17,35 17-15,0-53 31,35 1-31,36-19 32,-36-17-32,18 0 15,18-53-15,-1 0 32,1-70-17,-18 17 1,-36-17-1,-17 52 1,0 53 0,0 36-1,-53 70 1,36 53 15,-18-52-15,-1 34-1,36-35 1,0-53-16,0-17 31,53-18-15,0-18 0,0-17-1,-18 18-15</inkml:trace>
+  <inkml:trace contextRef="#ctx0" brushRef="#br1" timeOffset="154872.57">29986 4180 0,'-18'0'0,"36"0"0,-53 0 31,35-17-15,35 17-1,36 0 1,17 0 0,-71 0-16,54-36 15,-18 36-15</inkml:trace>
+  <inkml:trace contextRef="#ctx0" brushRef="#br1" timeOffset="155422.76">30921 3845 0,'0'0'0,"18"0"31,-1 0-31,1 0 15,0 0-15,52-17 16,1 17-16,-36 0 16,-53 0 31,1 0-32,-1 0-15,-70 0 16,53 0-1,-1 0 1,1 0 0,0 35-1,-18 53 1,17 36 15,-16 17-31,52-35 16,-18-1 15,18-34-15,0-53-16,0 17 15,18-35 1,52 0 0,-17 0-1,-35-18-15</inkml:trace>
+  <inkml:trace contextRef="#ctx0" brushRef="#br1" timeOffset="155980.07">31344 4163 0,'0'-18'16,"0"36"-16,18-36 0,17 0 15,0 1-15,-17-1 16,35 18 0,-18 0-16,-17 18 31,-18 70-15,-53-17-1,-53 52 1,36-70-1,-19-18 1,37-17 0,-1-18-1,35-18 1,18-35 15,35 18-31,53-35 31,1 34-31,-54 36 16,-17 18 15,-18 52-15,0-34 0,0 17-1,0-18 1,17-35-1,54 0 1,-1 0 0</inkml:trace>
+  <inkml:trace contextRef="#ctx0" brushRef="#br1" timeOffset="156571.75">32067 3863 0,'0'0'0,"-17"0"15,17-18 1,0 1 0,17 17-1,36 0 1,-35 0-16,70 0 15,-17 0 1,17 0 0,-35 0-1,-18 0 1,-35 35 15,0 0-31,-35 36 31,17-18-15,-35 70 0,18-35-1,17-52-15,-17 52 16,0 18 0,0-36-1,-36 1 1,0-36-1,-17-17 1,0-18 0,18 0-1,34 0 1,19 0 15,-1 0-15,0 0-1,1 0-15</inkml:trace>
+  <inkml:trace contextRef="#ctx0" brushRef="#br0" timeOffset="166025.57">15681 5274 0,'0'0'0,"18"-18"0,-18 1 31,0 34 0,0 1-31,0 35 16,0 17 0,-18-52-16,0 70 15,1-35 1,-1 18-1,0-54 1,18-34 15,0-18-15,0-18 0</inkml:trace>
+  <inkml:trace contextRef="#ctx0" brushRef="#br0" timeOffset="166696.1">15610 5239 0,'0'0'0,"0"-18"0,-17 18 16,17-18 0,0 1-1,35-1 1,53 1-1,-17-1 1,17 18 0,-35 35-1,-35 36 1,-18-1 0,-18-52-1,-35 35 1,-88 17-1,88-34 1,35-36-16,36-18 47,17 0-31,18 18-1,-35 0-15,70 0 16,-17 0-1,17 36 1,0 17 0,-88 0-1,0-36-15,-18 54 16,-52-18 0,-54 0-1,-17-53 1,53 17 15,-36-17-15,89 0-16,-35-35 15,17 17 1,70 1 31,72 17-32</inkml:trace>
+  <inkml:trace contextRef="#ctx0" brushRef="#br0" timeOffset="167120.54">16827 5574 0,'0'0'15,"-17"0"-15,52 0 31,0 0-15,107 0 0,-1 18-1,158-1 1,-157 1 0,-37-18-1,-87 0 1,-18-18 31,0 1-32</inkml:trace>
+  <inkml:trace contextRef="#ctx0" brushRef="#br0" timeOffset="167628.82">17762 5309 0,'0'0'0,"-17"0"0,-1 0 15,-17 0 1,0 0 0,17 53-1,18 18 16,18-18-15,52 17 0,-17-52-16,53 0 31,-53-18-15,0 0-1,-36 0-15,-17-18 31,-35 18-15,-18 18 0,-35 34-1,53-34-15,-54 53 16,-34-1 15,35-17-31,17-18 31,36-17-15,0-18 0,-1 0-1,1 0-15</inkml:trace>
+  <inkml:trace contextRef="#ctx0" brushRef="#br0" timeOffset="168472.17">16104 6650 0,'0'-35'31,"0"17"-31,0 0 16,-17 1 15,-1 17-31,-17 0 16,-53 17 0,35 1-16,-36 52 31,19 19-16,17-19 1,53-52-16,-35 70 16,35-17-1,0-18 1,53-1 0,17-16-1,36-1 16,-71-35-31,89 0 16,-18 0 0,35-35-1,-35 17-15,-89 0 32,1 18-17,-1-17 1,1 17-1,35-18 1,-35 18-16</inkml:trace>
+  <inkml:trace contextRef="#ctx0" brushRef="#br0" timeOffset="168961.45">17004 6950 0,'0'0'0,"-18"0"0,1 0 15,-1 0-15,0 0 16,1-18 0,-1 18-1,36 0 1,35 0 0,70 0-1,53 0 1,18 0 15,-35 0-15,-71 0-1,-35 0 1,-17 0-16,-54 0 62,-17 0-46</inkml:trace>
+  <inkml:trace contextRef="#ctx0" brushRef="#br0" timeOffset="169528.37">17657 6632 0,'0'0'0,"-18"0"0,18 53 31,0-35-15,18 35-1,52 0 1,-52-36-16,52 19 16,18-1-1,-17-18 1,-18-17 0,-35 0-1,-36 0 32,-17 0-47,-18 0 31,-35 53-31,17 0 32,-17 18-17,70-71-15,-35 53 16,18-18-1,17-17 1,18-1 0</inkml:trace>
+  <inkml:trace contextRef="#ctx0" brushRef="#br0" timeOffset="188108.38">0 1411 0</inkml:trace>
 </inkml:ink>
 </file>
 
@@ -714,16 +1544,52 @@
           <inkml:channelProperty channel="T" name="resolution" value="1" units="1/dev"/>
         </inkml:channelProperties>
       </inkml:inkSource>
-      <inkml:timestamp xml:id="ts0" timeString="2022-11-29T02:20:01.182"/>
+      <inkml:timestamp xml:id="ts0" timeString="2022-11-30T01:51:02.487"/>
     </inkml:context>
     <inkml:brush xml:id="br0">
+      <inkml:brushProperty name="width" value="0.05292" units="cm"/>
+      <inkml:brushProperty name="height" value="0.05292" units="cm"/>
+      <inkml:brushProperty name="color" value="#0070C0"/>
+    </inkml:brush>
+    <inkml:brush xml:id="br1">
       <inkml:brushProperty name="width" value="0.05292" units="cm"/>
       <inkml:brushProperty name="height" value="0.05292" units="cm"/>
       <inkml:brushProperty name="color" value="#FF0000"/>
     </inkml:brush>
   </inkml:definitions>
-  <inkml:trace contextRef="#ctx0" brushRef="#br0">3475 529 0,'0'-17'31,"0"-1"-15,0 0-16,0 1 15,0 34 48,0 1-63,0 0 0,0 34 15,0 37 1,0 34 0,17-70-16,-52 123 15,18-123-15,-19 71 16,36-89-16,-35 124 15,35-89 1,0-34 0,-35-19-1,35-34 17,0-1-17,0-35-15</inkml:trace>
-  <inkml:trace contextRef="#ctx0" brushRef="#br0" timeOffset="509.14">3228 3316 0,'-18'-317'0,"36"634"0,-53-1058 15,35 336-15,-36-513 16,36 477 0,0 336-16,53-107 15,35 106 1,54 53 0,87 18 15,-88 35-16,-106 0-15,71 70 16,-88-52-16,35 70 16,-71 36-1,-88-1 1,53-52 0,-17-36-1,-36-17 1,88-1-1,1-17 1,-1 0 78</inkml:trace>
+  <inkml:trace contextRef="#ctx0" brushRef="#br0">16439 7955 0,'0'0'16,"18"-18"-16,-18-34 16,0 34-1,18 18 1,-18 18 15,0-1-15,0 1-16,0 105 15,0-17 1,-18 35 0,0-53-1,1-52-15,-1 17 16,18-36-1,0-34 1</inkml:trace>
+  <inkml:trace contextRef="#ctx0" brushRef="#br0" timeOffset="317.47">16475 8043 0,'0'-35'0,"0"70"0,0-88 0,0 36 15,0-54-15,53 18 16,35 53 15,-18 0-15,-52 0-16,88 71 16,-36 17-1,-34 36 1,-36-36-1,0-53-15,0 18 16,-36 0 15,19-36-15,-1 1 0,-35-18-1,36-18-15</inkml:trace>
+  <inkml:trace contextRef="#ctx0" brushRef="#br0" timeOffset="515.94">16457 8255 0,'18'-18'32,"-1"18"-32,19 0 15,69-17 1,-69-1-16,70 0 15,-54 1 1,19-18 0,-53 35-1</inkml:trace>
+  <inkml:trace contextRef="#ctx0" brushRef="#br0" timeOffset="766.37">17127 7990 0,'0'18'32,"0"17"-32,0 1 15,0 52 1,0-71-16,0 89 16,0-53-1,-17 18 1,17-54-1,0-34 32,0-1-47</inkml:trace>
+  <inkml:trace contextRef="#ctx0" brushRef="#br0" timeOffset="1320.17">17145 8132 0,'0'-36'16,"0"72"-16,0-89 0,0 17 15,0-34 1,35 52 0,53 18-1,1 0 1,-19 71 0,-70 17-1,-17-35 1,-1-36-16,-53 54 15,18-53 1,36-18 15,34-18 1,1 18-32,17 0 15,54 0 1,-1 0-1,0 35 1,-35 18 0,-35 18-1,-89-18 1,0 0 0,-52-36-1,17-17 1,53 0-1,18 0 1,-18-17 0,35-19 15,18 19-15,36-1-16,-19 0 15</inkml:trace>
+  <inkml:trace contextRef="#ctx0" brushRef="#br0" timeOffset="1632.27">18027 8132 0,'0'-18'0,"0"36"0,0-54 0,0 19 0,-35-1 31,17 18-31,-35 18 15,0 35 1,0 52 0,36-34 15,-1 17-15,18-17-1,53-54 1,53-17-1,-18 0 1,18 0 0,-36-35-16</inkml:trace>
+  <inkml:trace contextRef="#ctx0" brushRef="#br0" timeOffset="1901.89">18433 8096 0,'0'-17'0,"0"34"0,0-52 0,0 17 16,-18 18 0,0 53-1,18 53 1,0 0 0,-17-36 15,17-17-31,0-35 31,0 0-31</inkml:trace>
+  <inkml:trace contextRef="#ctx0" brushRef="#br0" timeOffset="2239.96">18380 8114 0,'0'-18'16,"0"36"-16,0-53 0,0 17 0,0-17 16,88 35 15,0 0-31,71 17 31,-124 1-31,53 53 16,-35 34-1,-53-34 1,-70 17-16,-89-17 31,53-36-15,71-17-16,-53-1 16,70-17-1,36-35 16,17 17-15</inkml:trace>
+  <inkml:trace contextRef="#ctx0" brushRef="#br0" timeOffset="2620.59">19244 8290 0,'-18'0'0,"36"0"0,-53 0 16,17-17-1,36 17 1,105 0-1,89 0 1,-36 0 0,36 17-1,-106-17 1,0 0 15,-89 0-31,19 0 16,-36-35 15</inkml:trace>
+  <inkml:trace contextRef="#ctx0" brushRef="#br0" timeOffset="3032.25">20038 7990 0,'-18'0'0,"36"0"0,-54 0 15,36 18 1,0 53 0,0-54-1,53 54-15,18-18 32,17-36-32,-17 1 31,17-18-31,-70-35 15,-18-1 17,-53 19-17,0 17 1,-35 70 0,35 19-1,-36 16 1,72-87-16,-36 35 15,18-18 1,35-17 0</inkml:trace>
+  <inkml:trace contextRef="#ctx0" brushRef="#br0" timeOffset="3816.61">21555 7885 0,'0'0'0,"0"-18"0,-18 0 0,0-17 32,1 35-17,-18 18 1,35 70-1,0-53-15,-36 159 16,19-70 0,-1-1-1,0-70 17,1-18-17,17-52 16,17-54-15,36-17-16,35-53 31,18 53-15,-70 70-16,52 0 16,-53 18-16,36 53 15,-54 71 1,-17-36-1,0 18 1,-17-53 0,17-36-1,17-34 32,18-54-47</inkml:trace>
+  <inkml:trace contextRef="#ctx0" brushRef="#br0" timeOffset="4081.91">22154 7867 0,'0'0'0,"0"-18"16,0 36 15,0 17-31,0 89 16,0-18-1,-17-71-15,17 88 16,0-52 0,0-18-1,17-53 17,19 0-17,-19-36 1,1 19-16</inkml:trace>
+  <inkml:trace contextRef="#ctx0" brushRef="#br0" timeOffset="4872.7">22049 8149 0,'0'0'16,"-18"0"-16,53 0 31,18 0-15,71-17-1,-19-1 1,54-17 0,-53-1 15,-71 36-31,18 0 16,-53 18-1,-17 35 1,-54 35-1,53-17 1,1-1-16,17-52 16,-18-1-1,18 1 1,0-36 15,0-17-15,18-53-1,-1 70-15,36-70 16,36 0 0,16 88-1,-34 0 1,-1 88 15,-34-35-15,-36-18-16,0 36 15,0-36 1,-18-17 0,0-18-1,18-35 1,18-18 0,70-53-1,18 18 1,-35 52-1,-18 36 1,-36 71 0,-17 70-1,0-70 17,0-19-32,0-34 31,18-18-16,17-35 1</inkml:trace>
+  <inkml:trace contextRef="#ctx0" brushRef="#br0" timeOffset="5154.41">23848 7849 0,'0'0'0,"0"-17"0,0-1 15,-18 36 1,-35 70 0,-35 53 15,70-18-15,18 1-16,18-71 31,70-36-16,18-17 1,-35-35 0,34-18-1,-87 36-15</inkml:trace>
+  <inkml:trace contextRef="#ctx0" brushRef="#br0" timeOffset="5448.48">24800 7691 0,'0'0'0,"-17"17"32,-1 1-17,-53 88-15,-17 88 16,0-36-1,-35 19 17,87-142-32,-17 53 15,0 0 1,53-70 0,0-36 15</inkml:trace>
+  <inkml:trace contextRef="#ctx0" brushRef="#br0" timeOffset="6172.7">25400 7849 0,'0'-17'0,"0"34"16,18-52-16,-18 0 15,0 52 17,0 89-32,-18 18 31,-17 17-16,-1-53 1,36-70-16,0 35 16,-17-53-1,17-53 17,0 0-17,35-53 1,18 35-1,-35 54-15,105 17 16,-17 0 0,0 88-1,-89-18 17,-52 19-32,-88-36 31,-18-18-16,70-35-15,36 0 32,52-35-1,19 35-31</inkml:trace>
+  <inkml:trace contextRef="#ctx0" brushRef="#br0" timeOffset="6565.14">25964 8096 0,'0'0'0,"53"-35"16,0 0 0,-123 70 31,52-17-47,-17 17 0,-18 71 31,53-53-16,0 17 1,70-52 0,36-18-1,0-18 1,-35-35 0,-36-53-1,-35 18 1,-53 0-1,-70 70 1,-1 36 0,36 35-1,70 18 1,36-19 0,52-34-1</inkml:trace>
+  <inkml:trace contextRef="#ctx0" brushRef="#br0" timeOffset="7539.26">26723 8114 0,'18'-35'0,"-36"70"0,36-88 16,-18 18-16,0-18 16,-18 35-16,-35-17 15,-35 35 1,17 35-1,1 71 1,34 0 0,36 17-1,36-87 17,34-36-17,18 0 1,1-71-16,-1-52 15,-35-1 17,0-88-17,-36 124 1,-17 53 0,-35 70-1,-18 53 1,-17 71-1,70-106-15,-18 35 16,18-52-16,0 105 16,35-88-1,53-36 17,36-17-32,-54-53 31,-34 36-31,17-54 0,-36 36 15,19-53-15,-36 17 32,-18 142-17,0-54 1,18 36 0,0-35-16,0 70 15,36-53 1,34-17-1,1-18 1,34-35 0,-52-18-1,-17-53 17,-19 71-32,1-36 15,-18 18-15,0 88 31,0 54-15,-35 52 0,17-106-16,0 53 15,1 18 1,-19-35 0,-16-1-1,-1-52 1,-36-1-1,-34-17 1,105 0 0,1-53-1,34 36 1</inkml:trace>
+  <inkml:trace contextRef="#ctx0" brushRef="#br0" timeOffset="7830.52">28469 7567 0,'0'0'0,"-17"0"0,-1 0 0,-17 0 15,-18 53 1,35-18-16,-53 89 15,19 17 1,-37 53 0,36-71-1,1-17 1,34-71 15</inkml:trace>
+  <inkml:trace contextRef="#ctx0" brushRef="#br0" timeOffset="8755.21">29245 8096 0,'0'0'0,"18"-17"0,0-1 0,-18-106 31,-18 107-31,-35-36 16,35 35-16,-35 1 15,-70 34 1,35 36-1,0 88 1,52-52 0,36 16-1,18-69 17,88-36-17,17-36 1,-35-34-1,54-54-15,-37-52 32,-52 0-17,-35 87 1,-18 54 0,-18 53-1,-17 105 1,0-17-1,17-53-15,18 70 16,0-87-16,0 70 16,53-36-1,0-52 17,35-18-17,-17-36 1,-1-69-1,-34 34-15,-36 36 32,0 52-17,0 54-15,-18 0 32,18-54-32,0 18 15,0-17 1,0-36 15,0 1-31</inkml:trace>
+  <inkml:trace contextRef="#ctx0" brushRef="#br0" timeOffset="8922.57">29792 7867 0,'0'0'0,"0"-53"0,0 35 16,-35 18-1,35 18 17,0 0-32,35-1 31,0 1-15</inkml:trace>
+  <inkml:trace contextRef="#ctx0" brushRef="#br0" timeOffset="9148.45">30039 7867 0,'0'18'31,"0"-1"-15,0 18-16,0 18 16,0 36 15,0-36-31,0-36 15,18 1 1,-1-18-16,36-18 31,-35 1-15</inkml:trace>
+  <inkml:trace contextRef="#ctx0" brushRef="#br0" timeOffset="9331.03">30321 7920 0,'36'-71'16,"-72"142"-16,72-159 15,-54 105 1,-17 19 0,-54 34-1,89-35-15,-35 1 32,0 17-17,35-36-15</inkml:trace>
+  <inkml:trace contextRef="#ctx0" brushRef="#br0" timeOffset="9737.87">30939 7391 0,'0'0'0,"0"-18"0,0 0 0,0 1 16,0 34 0,0 54-1,-89 141 16,54-71-15,-35 70 0,17-69-1,-18-1 1,53-71 0,1-35-1,70-70 16,-36 18-31</inkml:trace>
+  <inkml:trace contextRef="#ctx0" brushRef="#br0" timeOffset="9955.18">31186 7849 0,'0'0'15,"0"18"1,0 17-16,-18 36 31,-17 17-31,17-35 16,0 0 15,18-71 0,0-17-15</inkml:trace>
+  <inkml:trace contextRef="#ctx0" brushRef="#br0" timeOffset="10121.56">31291 7708 0,'0'0'0,"0"-17"0,0-1 31,-17 18-31,-1 35 47,18-17-47,18 17 16</inkml:trace>
+  <inkml:trace contextRef="#ctx0" brushRef="#br0" timeOffset="10604.52">31468 7849 0,'0'18'32,"-18"0"-32,18-1 15,0 18-15,0 18 16,0 18 0,-18-36-1,1-17 1,17-36 15,0 1-15,0-36-1,35-18-15,-35 53 16,88-87 0,18 52-1,0 35 1,-53 36-1,-35 70 1,-18 35 0,0-34-1,-36-19 1,19-35 15,-1-35-31</inkml:trace>
+  <inkml:trace contextRef="#ctx0" brushRef="#br0" timeOffset="10872.47">32120 7814 0,'0'0'0,"-17"0"31,-1 18-31,18-1 0,-35 36 16,17 53 0,18 35-1,-17-35 1,-19 0 15,36-89-31,-17 36 16,17-17-1,17-36-15,54-18 16</inkml:trace>
+  <inkml:trace contextRef="#ctx0" brushRef="#br0" timeOffset="11182.55">32138 8026 0,'0'0'0,"0"-36"0,18-17 16,-18-35-1,17 71-15,36-1 16,0 0 0,18 18-1,-36 36 1,-35 34 15,-71 18-15,1-35-16,-36-35 31,71-18-15,52-18 15,54-17-15,-53 17-16</inkml:trace>
+  <inkml:trace contextRef="#ctx0" brushRef="#br0" timeOffset="11848.75">32561 7832 0,'0'0'16,"0"17"15,-17 19-15,-1 52 15,18-35-15,0 17-1,35-70-15,1 0 16,34-17 15,-52 17-31,35-53 16,-18-18 0,18-35-1,-35 71 1,-1 17-1,-17 89 17,-17-53-32,17 52 15,0-17 17,17-18-17,36-17 1,-35-18-16,17 0 15,-17-18-15,17-35 16,0-17-16,1-54 16,16 19-1,1-19 17,-35 106-17,-18 36 1,-71 70-1,19 18 1,34 0 0,18-18-1,0-17 17,18-71-32,52 35 0,-17-35 31,18-18-31,-19-35 15</inkml:trace>
+  <inkml:trace contextRef="#ctx0" brushRef="#br0" timeOffset="12081.61">33108 7726 0,'-17'0'0,"34"0"0,-17 0 47,18 0-47,70 0 16,-70 0-16,70 0 15,-18 17 1,-52-17 15,-53 0-15</inkml:trace>
+  <inkml:trace contextRef="#ctx0" brushRef="#br0" timeOffset="13294.91">3228 9207 0</inkml:trace>
+  <inkml:trace contextRef="#ctx0" brushRef="#br1" timeOffset="-193653.07">9737 6526 0</inkml:trace>
 </inkml:ink>
 </file>
 
@@ -743,288 +1609,107 @@
           <inkml:channelProperty channel="T" name="resolution" value="1" units="1/dev"/>
         </inkml:channelProperties>
       </inkml:inkSource>
-      <inkml:timestamp xml:id="ts0" timeString="2022-11-29T02:20:04.899"/>
+      <inkml:timestamp xml:id="ts0" timeString="2022-11-30T01:51:18.024"/>
     </inkml:context>
     <inkml:brush xml:id="br0">
-      <inkml:brushProperty name="width" value="0.05292" units="cm"/>
-      <inkml:brushProperty name="height" value="0.05292" units="cm"/>
-      <inkml:brushProperty name="color" value="#FF0000"/>
-    </inkml:brush>
-    <inkml:brush xml:id="br1">
       <inkml:brushProperty name="width" value="0.05292" units="cm"/>
       <inkml:brushProperty name="height" value="0.05292" units="cm"/>
       <inkml:brushProperty name="color" value="#0070C0"/>
     </inkml:brush>
   </inkml:definitions>
-  <inkml:trace contextRef="#ctx0" brushRef="#br0">2328 529 0,'0'0'0,"0"35"15,-53 159 17,53-158-32,-17 87 15,-1 1 1,0-89-16,18 36 16,-17 17-1,-1-71 16,1-34 1,17-1-32,-18-35 15,18 36-15,0-36 16</inkml:trace>
-  <inkml:trace contextRef="#ctx0" brushRef="#br0" timeOffset="469.27">2152 494 0,'0'0'16,"-18"0"-16,18-18 0,-17 1 0,-1-19 15,18 1 1,18-36 0,70 19-1,71-37 1,35 36 15,-71 53-31,-88 0 16,54 36-1,-19 87 1,-70-17 0,-88 18-1,-18-54 1,-35-17 0,53-18-1,53-17 1,17-18-1,18-18 17</inkml:trace>
-  <inkml:trace contextRef="#ctx0" brushRef="#br0" timeOffset="2382.76">3140 917 0,'0'0'0,"17"0"15,-17-35 1,18 17-16,0 1 16,-18-1-16,17-35 15,-17 18 1,0 0-1,-53-1 1,0 19 0,18 17-16,-53 0 15,0 53 1,-18 35 0,35 35 15,36-35-16,35 36 1,0-89 0,18-17-16,17 17 15,36-17 1,-36-18 0,35-18-1,-17-35 1,0-17-1,0-54 1,-35 18 0,-1 18-1,1 53 1,-18 17 0,0 53 30,0 36-30,0 0 0,0-1-1,0 1 1,18-36 0,-18-17-16,35-1 15,0-17 1,18 0-1,18-35 1,17-36 0,-35 1-1,17-36 1,-52 53 0,-18 18-1,-18 35 16,-52 0-15,52 35 0,18 18-1,0 0 1,35 0 0,18 17-1,-35-34 1,35 17-1,0-36 1,-35 1 0,52-18-1,-17 0 1,0-53 0,0 0-1,-18-53 16,18-35-15,-53 53 0,0 0-1,0 35 1,-18 70 15,18 19-15,-17 34-1,-1 18 1,18 1 0,-18-1-1,18-53-15,0 53 16,0-52 0,36-1 15,17-35-31,0 0 31,-36 0-31,18-35 16,-17 35-16,35-53 15,18-36 1,-54 37 0,19 16-1,-36 19 1,0 52 15,0-17-31,0 34 16,0 19-1,0-18 1,35 0 0,-18-53-16,19 0 15,-19 0 1,72 18-1,-37-18 1,19-18 0,-36-53-1,-17 18 1,0-17-16</inkml:trace>
-  <inkml:trace contextRef="#ctx0" brushRef="#br0" timeOffset="2599.73">4498 547 0,'-18'0'16,"1"0"-16,-19 0 16,19 0-1,-1 0 48</inkml:trace>
-  <inkml:trace contextRef="#ctx0" brushRef="#br0" timeOffset="2848.4">3792 741 0,'0'0'15,"18"17"1,0-17-16,-1 0 0,36 0 16,35 0-1,-70 0 1,53 0-1,-36 0 1,-18-17 0,1 17-16</inkml:trace>
-  <inkml:trace contextRef="#ctx0" brushRef="#br0" timeOffset="4099.29">5221 1005 0,'0'0'0,"18"0"16,88-70 0,-106 52-16,0 1 15,0-36 1,0 0 0,-18 35-1,0-35-15,1 53 16,-36-35-1,-53 35 1,18 0 0,-18 70-1,18 1 1,35 17 0,35-70-16,18 105 15,0-52 1,71-18-1,-1-53 1,54 0 0,-71-18-1,-18 1-15,53-72 16,-35 19 0,-35-18-1,-1-18 16,-17 53-15,0 35-16,0 36 31,0-1-15,-17 36 0,17 53-1,0-35 1,0-54-16,0 36 15,35-17 1,18-36 0,17 0-1,-17-18 1,18-53 0,-1-17 15,1-35-16,-53 17 1,17 0 0,-35 36-1,0 17 1,-18 53 15,-17 70-15,0 1-1,-18 70 1,35-53 0,18 35-1,0-87-15,53 17 16,18 0 0,-1-36-1,18-17 16,-17 0-15,-36-35 0,0-18-16</inkml:trace>
-  <inkml:trace contextRef="#ctx0" brushRef="#br0" timeOffset="5248.7">7267 529 0,'0'0'0,"0"-70"16,0 52 0,0 0-16,0-35 15,0 36 16,0 34 1,-17 19-17,-19 70 1,1-18 0,-36 70-1,1-16 1,35-107-16,-89 124 15,36-71 1,0-35 0,35-36-1,18-52 1,-1-18 0,1-88-1,35 88 1,0-70-1,0-18 1,0 70 0,18 36-1,35 35 1,-1 35 0,37 106-1,-36-53 1,0 53-1,-1-52 1,19-54 0,-36-17-1,1-18-15,69-18 16,-34-35 0,17-18-1,-35-17 16,-35-18-15,-18 89-16,0-1 16,0 53 15,0 36-15,0-1-1,0-52-15,0 17 16,-18-17-1,18 0-15,0-36 47,0 0-31</inkml:trace>
-  <inkml:trace contextRef="#ctx0" brushRef="#br0" timeOffset="5441.83">7461 635 0,'-17'0'31,"-1"0"-15,36 18 46</inkml:trace>
-  <inkml:trace contextRef="#ctx0" brushRef="#br0" timeOffset="5700.81">7673 723 0,'0'18'15,"0"-1"-15,0 1 16,0 17 0,-18-35-16,18 53 15,0 18 1,-35-1 0,17-34-1,18-19 1,-53-34 15</inkml:trace>
-  <inkml:trace contextRef="#ctx0" brushRef="#br0" timeOffset="5982.18">7585 847 0,'35'-53'0,"53"0"16,53-18-1,-53 54 16,-52 17-31,17 0 16,0 35 0,-36 35-1,-17 36 1,-17-35 0,-19 17-1,36-70 1,0-36 31,0 0-47,0 1 0</inkml:trace>
-  <inkml:trace contextRef="#ctx0" brushRef="#br0" timeOffset="6765.62">8378 423 0,'18'0'0,"-36"0"0,36-17 0,-18 34 31,0 19-15,-18 52 0,18 0-1,-17 35 1,-18-17-1,35-70-15,-36 69 16,36-52 0,-17-35-1,17-36 17,0-17-17,0 0-15,17-71 31,36 18-15,18-18 0,-1 53-1,1 53 1,-36 0 0,-35 53-1,0-35-15,-53 17 16,-17 35-1,-1-52 1,36-18 0,17 0-1,1-18 1,-1 1 0,18 52 15,0-17-16,18 17 1,17 71 0,-18-89-16,1 36 15,0-35-15,52 35 16,1-35 0,35-18-1,-36 0 1,18-71-1,-17 0 1,-36 1 0,-35 52-1,0-17 1,0 17 0</inkml:trace>
-  <inkml:trace contextRef="#ctx0" brushRef="#br0" timeOffset="7349.48">9313 423 0,'0'0'16,"-17"0"-16,34 0 31,1 0-15,17 0-16,106-17 15,53 17 1,-35 0 0,0 0-1,-124-18 1,-17 18-1,-1 35 1,-52-35 0,-71 0-1</inkml:trace>
-  <inkml:trace contextRef="#ctx0" brushRef="#br0" timeOffset="7665.71">9648 459 0,'0'0'0,"0"17"0,0 1 15,0 35 1,0-36-16,0 54 16,0 35-1,0-18 16,-17 35-15,17-52 0,0-18-1,0-35 1,17-54 15,1 19-31</inkml:trace>
-  <inkml:trace contextRef="#ctx0" brushRef="#br0" timeOffset="8065.95">9931 900 0,'0'-18'0,"53"-17"31,-36 17-15,54-17-16,17-1 31,-17 1-15,-36 0-1,-35 17 1,0 1 0,-18 17-16,-52 0 15,-1 17 1,-17 71-1,35 1 1,53-1 0,0-18-1,0-52-15,35 17 16,-17-17-16,17 0 16,53-18-1,18-36 1,-35 19 15</inkml:trace>
-  <inkml:trace contextRef="#ctx0" brushRef="#br0" timeOffset="8699.32">10442 847 0,'0'-18'16,"0"36"-16,0-89 15,0 53-15,18 1 16,17-18-1,18 17 1,-35 0-16,35 18 16,17 0-1,-35 36 1,-17 52 0,-18-35-1,-53 70 16,0-70-15,36-18 0,-1-35-1,18-17 17,35-36-17,-17 35-15,17-35 16,36-53-1,-18 53 1,-18 1 0,-35 69 31,-35 54-32,17-1 1,18 18 15,0-17-15,0-53-16,0 17 15,0-17-15,53-1 16,17-17 0,-17 0-1,36-35 1,-1-36-1,-35 1 1</inkml:trace>
-  <inkml:trace contextRef="#ctx0" brushRef="#br0" timeOffset="9049.35">11518 300 0,'0'-18'0,"0"36"0,0-53 15,-35 35 1,0 35 0,-1 18-1,19 70 1,-1-35 0,0-52-16,-17 87 15,35 1 1,0-54-1,0 18 1,18-52 0,35-1-1,0-35 1,-36 0-16,54-35 16,-36-18-1,18-18 1</inkml:trace>
-  <inkml:trace contextRef="#ctx0" brushRef="#br0" timeOffset="9349.01">11289 564 0,'-18'0'0,"36"0"0,-53-17 15,52 17 1,89-35 0,0 17-1,35 18 1,-53 0 0,0-18 15,-88 1-16,-35 17 1,-18 0 0,18 0-16</inkml:trace>
-  <inkml:trace contextRef="#ctx0" brushRef="#br0" timeOffset="10331.79">2187 1587 0,'0'0'0,"-17"0"0,-1 0 0,-35-35 32,53 53 15,0-1-32,18-17-15,-1 0 0,89 36 16,35-19 15,124-17-15,-195 0-16,266 0 15,-19 0 1,177-35 0,88 35-1,-123-18 1,193 18-1,-176-17 1,-299-1-16,528 18 16,-158-17-1,176-1 1,-17 0 0,-194 18-1,281-35 16,-369 35-15,-177-35-16</inkml:trace>
-  <inkml:trace contextRef="#ctx0" brushRef="#br0" timeOffset="10505.48">11677 1393 0,'-18'0'47,"1"0"-47,17-17 78</inkml:trace>
-  <inkml:trace contextRef="#ctx0" brushRef="#br0" timeOffset="10648.45">11695 1376 0,'0'17'16,"-18"-17"0,0 0-16,1 0 15,-19 0 1,-52 0 0,-35 18-1</inkml:trace>
-  <inkml:trace contextRef="#ctx0" brushRef="#br0" timeOffset="17280.33">1570 2187 0,'0'0'0,"35"-17"0,-35-1 15,18 18-15,-1 0 0</inkml:trace>
-  <inkml:trace contextRef="#ctx0" brushRef="#br0" timeOffset="27439.85">1587 2699 0</inkml:trace>
-  <inkml:trace contextRef="#ctx0" brushRef="#br0" timeOffset="28696.67">1464 2434 0,'0'-17'16,"-35"-1"15,35 0-31,0 1 16,0-19 0,17 1-1,1 17-15,35-17 16,35-18-1,-35 53 1,18 0 0,-36 0-1,0 88 1,18 1 0,-35-1-1,-1 18 1,-17-36-1,0 1 1,0-36 15,0-53 1,-17 1-17,17-54 1,0-17-1,17-53 1,1 106-16,17-36 16,18 18-1,18 18 1,-1 35 0,18 53-1,-35 17 1,-53-52-16,18 70 15,-18 0 1,0-17 15,0-18-15,-18-53 0,18-18 15,0 1-16,0-1-15</inkml:trace>
-  <inkml:trace contextRef="#ctx0" brushRef="#br0" timeOffset="29245.98">2734 2222 0,'0'0'0,"0"-17"0,-18 17 16,1 0-16,-36 0 16,0 35 15,35-17-31,-17 52 16,17 19-1,-17 34 1,35-52-1,35-1 1,36-52 0,-1-18-1,19-18 1,-36-17 0,17-36-1,-52 1 1,-18-54 15,0 54-15,-53-19-1,0 37 1,0 34 0,0 18-1,18 35 1,35-17-16,-35 17 15,35 18 1,0-35 0,17-1-1,36-17 1</inkml:trace>
-  <inkml:trace contextRef="#ctx0" brushRef="#br0" timeOffset="29596.1">3140 1993 0,'0'0'0,"0"-17"0,-18 17 47,18 17-47,0 1 16,0 88-1,0-36 1,0-52-16,0 70 16,0-53-16,-18 54 15,18 16 1,0-34 0,0-18-1,0-36 1,36-34 15,-19-36-15</inkml:trace>
-  <inkml:trace contextRef="#ctx0" brushRef="#br0" timeOffset="29895.68">3069 2240 0,'-17'18'32,"34"-18"-17,1 0 1,-1 0-16,36-18 15,18-17 1,-36 35 0,-17 0 15</inkml:trace>
-  <inkml:trace contextRef="#ctx0" brushRef="#br0" timeOffset="30629.08">4480 2117 0,'0'-18'16,"0"0"-16,-35-17 15,17 35 1,1-35 0,-1 35-16,-70-18 15,17 18 1,-35 53-1,1 18 1,87-54-16,-53 71 16,36-52-16,18 70 15,-1 35 1,18-53 0,53 0-1,17-17 1,1-71-1,-53 0-15,70 0 16,35-18 15,-35-17-15,-52 17-16</inkml:trace>
-  <inkml:trace contextRef="#ctx0" brushRef="#br0" timeOffset="31661.17">4762 2381 0,'0'0'0,"0"-17"0,18-19 16,-18 1 0,-18 35-1,-34 0 1,-1 35 0,0 71-1,35-35 1,18 17-1,0-35 1,53-18 15,0-17-15,53-18 0,-71-36-1,0 1 1,-17-18-1,0-17 1,-18 52-16,17-35 16,36-17-1,0 52 1,0 0 0,18 18-1,-36 36 1,0 34-1,-35 18 1,0-17 0,0-18 15,0-36-15,0-34 30,0-1-46,0-35 16,0-17 0,53-1-1,-18 18 1,18 36 0,-35 17-16,35 0 15,0 35 1,-36 18-1,-17 17 1,0 1 15,0-53-15,-17-18 0,-1 0-1,18-53 16,0-18-15,53-35 0,-35 89-16,87-72 15,1 72 1,0-1 0,-35 36-1,-18 70 1,-53-35-1,-18 53 1,-17-53 15,-1-18-15,19-35 0</inkml:trace>
-  <inkml:trace contextRef="#ctx0" brushRef="#br0" timeOffset="32295.52">6262 2240 0,'0'0'0,"0"18"63,0-1-63,0 1 0,0 17 0,0 89 31,0 87-15,0 54-1,0-212-15,0 88 16,-18-70-16,1 123 15,17-124-15,-36 71 16,19 0 0,-1-70-1,18-89 17,0 1-32,0-71 15,0-1 1</inkml:trace>
-  <inkml:trace contextRef="#ctx0" brushRef="#br0" timeOffset="32680.74">6191 2522 0,'0'-17'16,"0"34"-16,0-70 0,0 18 15,36-35 1,-1 17 0,-18 35-16,54-17 15,0 17 1,34 18 0,-34 53-1,-71 18 1,0-36-16,-35 35 15,-89 36 1,18-18 15,36-70-15,52 0 0,36-54 15,-1 19-31,36-36 15</inkml:trace>
-  <inkml:trace contextRef="#ctx0" brushRef="#br0" timeOffset="32995.97">7056 1993 0,'0'0'15,"-18"0"1,0 0 0,1 18-16,-36 52 31,53-34-31,-18 34 16,0 54-1,18-18 1,0-54-1,0-16 1,36-19 0,34-34-1,-52-1-15</inkml:trace>
-  <inkml:trace contextRef="#ctx0" brushRef="#br0" timeOffset="33411.23">7197 2346 0,'-18'0'0,"18"18"16,-18-18-16,18 17 31,18-17-15,0-17-1,-1 17-15,1-18 16,35-35-1,-18 0 1,-35 35 0,-35 1-1,0 17 1,-36 17 0,18 36-1,18 36 1,35-36-1,17 35 1,36-53 15,0-35-15,18 0 0,17-53-1,0 0-15</inkml:trace>
-  <inkml:trace contextRef="#ctx0" brushRef="#br0" timeOffset="33712.37">7814 1958 0,'0'0'0,"0"-18"15,-18 18-15,1 0 16,-36 36-1,18 34 1,35-52-16,-18 70 31,0-18-15,18 19 0,0-36-1,0-18 1,36-35-1,-19 0-15,36-18 16,-18 1-16</inkml:trace>
-  <inkml:trace contextRef="#ctx0" brushRef="#br0" timeOffset="34161.81">7937 2258 0,'18'0'0,"0"0"15,-1 0-15,1 0 16,17-18 0,-17 0-16,35-17 15,-18 0 1,-17 0-1,-18 17 1,-71 18 15,1 53-15,17 17 0,35 1-1,18 0 1,0-18-1,35-1 1,-17-52-16,35 18 16,18-18 15,-1-18-15,-35-34-1,18-1 1</inkml:trace>
-  <inkml:trace contextRef="#ctx0" brushRef="#br0" timeOffset="34461.93">7567 1940 0,'-18'18'16,"36"-18"-1,53 0 1,-1 0 0,-35 0-16,89 0 15,-36-18 1,0 18-1,-52 0 1,-19 0-16</inkml:trace>
-  <inkml:trace contextRef="#ctx0" brushRef="#br0" timeOffset="34761.94">9031 2346 0,'0'0'0,"0"18"0,0-1 15,-35 36 1,17 0-1,1-35-15,-19 70 16,-34-18 0,34-34-1,1-36 1</inkml:trace>
-  <inkml:trace contextRef="#ctx0" brushRef="#br0" timeOffset="36228.42">9895 2399 0,'0'0'0,"18"-18"62,0 18-62,-1-17 0,19-19 16,69-17-1,-34-17 1,-18-18 0,-53-18-1,0 88-15,0-52 16,-35-1-1,17 71 1,-35 18 15,35-1-31,1 36 16,17 124 0,0-72-1,0 1 1,0-17-1,0-37 1,0-34 0,0-53 15,0-36-15,53-17-1,0 35 1,-36 35-16,36-34 15,18 52 1,-18 35 0,-36 35 15,19 1-15,16 17-1,-16-35 1,70-53-1,-18 0 1,53-70 0,0-19-1,-70 36 1,-54 18-16,1-18 16,-18-17-1,-88 34 1,-18 36-1,35 18 1,-17 35 0,53 0 15,0 70-15,35-52-1,35-1 1,0-52-1,36-18 1,17-53 0,-18 0-1,-52 36-15,17-54 16,-17 18 0,-18-17-1,0 87 32,0 1-47,0-1 0,0 36 31,18 18-15,17-36 0,0 1-1,36-36 1,17 0-1,0-53 1,-35 0 0,-35 35-16</inkml:trace>
-  <inkml:trace contextRef="#ctx0" brushRef="#br0" timeOffset="36495.31">11571 1817 0,'0'0'0,"0"-18"15,-35 18 1,0 53 0,17 53 15,18-18-15,-18 36-1,18-54 1,0-17-1,0-18 1,36-35 0,34-17-1,-52-1-15</inkml:trace>
-  <inkml:trace contextRef="#ctx0" brushRef="#br0" timeOffset="37112.28">12012 1834 0,'0'0'16,"0"-17"-16,-18 17 15,1 0 1,-18 35 0,-1 36-1,1 34 1,0-16-1,35-72-15,-18 124 16,-17 1 0,17-1-1,-17 88 1,17-159 0,1 89-1,-1-18 1,18-70-1,18-53 1,17-18 0,53-53 15,18-18-15,-88 36-16,52-36 15,-17-35 1,-71-17-1,-52 17 1,-71-35 0,35 88-1,0 18 1,88 35 0,71-18 15,0 1-16,35-19 1,-70 36-16,53-35 16,-54 17-1</inkml:trace>
-  <inkml:trace contextRef="#ctx0" brushRef="#br0" timeOffset="37812.33">12965 2011 0,'0'0'15,"17"-18"-15,-17-17 31,0 17-31,-17 18 16,-36 0 0,0 53-1,17-35-15,-34 52 16,52 1 0,18 17-1,36-17 1,34-54-1,36-17 1,-71 0-16,71 0 16,0-53 15,-36 0-15,-34-17-1,-36-18 1,-53 17-1,18 54-15,-89-54 16,18 53 0,0 18-1,89 36 1,17-1 0,70-17-1,71-18 1,36-36-1</inkml:trace>
-  <inkml:trace contextRef="#ctx0" brushRef="#br0" timeOffset="38428.4">13758 1623 0,'0'-18'0,"0"36"0,-17-36 0,-19 18 16,1 0-1,-18 18 1,18 105 0,35-17-1,0 70 1,0-123-16,0 88 16,0 89-1,0 17 1,0-89-1,0 37 1,0-160-16,0 88 16,0 1 15,0-54-15,0-105 15,0 17-31,0-35 15,0 18-15,-18-53 16,-70-53 0,0 35-1,-18-70 1,53 35 0,53 52-1,53-34 1,18 70-1,34 0 1,1 0 15,-35 35-15,-36 1 0,0-1-1,-17 1 1,17-1-16</inkml:trace>
-  <inkml:trace contextRef="#ctx0" brushRef="#br0" timeOffset="38735.67">14728 1799 0,'0'0'0,"0"18"47,-17 52-31,-18 19-1,35-19 1,0 1-1,0-54-15,0 19 16</inkml:trace>
-  <inkml:trace contextRef="#ctx0" brushRef="#br0" timeOffset="39211.65">14764 1535 0,'-88'17'31,"70"-17"-31,0 35 16,18 18-1,0-17 1,18-19 0,17-17-1,53 0 1,-35-53 0,-35 0-1,-18 1 1,-35-1-1,-1 35 1,-34 18 0,52 0-16,-17 18 31,17 17-15,1 35-1,17-34 1,0-1-1,17-35-15,19 0 16,-19 0-16</inkml:trace>
-  <inkml:trace contextRef="#ctx0" brushRef="#br0" timeOffset="39562.25">15152 1464 0,'0'-18'0,"-18"36"47,1 0-47,-1-1 0,-35 71 32,18 36-17,-1 35 1,36-18-1,-17-71 1,17 19 0,0-72-1,53-17 1,-36 0-16,72-17 16,-19-19-1,1-17 1,-36 0-1</inkml:trace>
-  <inkml:trace contextRef="#ctx0" brushRef="#br0" timeOffset="39844.46">14993 1834 0,'0'0'0,"-18"0"15,36 0 1,17 0 0,71 0-1,-18 0 1,18-17 0,-53-1-1,-18 18 1,-17 0-16,0 0 31</inkml:trace>
-  <inkml:trace contextRef="#ctx0" brushRef="#br0" timeOffset="40092.24">15963 2205 0,'-17'0'15</inkml:trace>
-  <inkml:trace contextRef="#ctx0" brushRef="#br0" timeOffset="57543.64">1482 5133 0,'-18'0'16,"0"0"15</inkml:trace>
-  <inkml:trace contextRef="#ctx0" brushRef="#br0" timeOffset="60136.27">1429 5168 0,'0'18'31,"-18"-18"110,0 0-125</inkml:trace>
-  <inkml:trace contextRef="#ctx0" brushRef="#br0" timeOffset="60843.68">1376 5168 0,'-18'0'16,"1"0"-1,-1 0 1,18-17 15,0-1-31,0 0 16,18-70-1,-1 70-15,36-52 16,18-1 0,34 1 15,-34 52-16,17 53 1,0 71 0,-35 35-1,-35-35 1,-18 18 0,0-71-1,-18-1 1,18-69 31,0-1-47,0-70 15,0 0 1,71-89 0,-53 142-1,34-35 1,-34 52-16,53-17 15,34 52 1,1 72 0,-70 16-1,-19 19 1,-17-54 0,0 19-1,0-72 1,0-34 31,0-1-47,0 0 0</inkml:trace>
-  <inkml:trace contextRef="#ctx0" brushRef="#br0" timeOffset="61342.26">2840 4833 0,'0'-18'0,"0"36"0,17-53 0,-34 35 31,-54 70-15,18 19 0,18 52-1,17-18 1,18-52-1,0-54-15,53 19 16,18-19 0,52-34-1,-34-19 1,-1-34 0,-53-36 15,-35-18-16,-35 36 1,-53 18 0,-1 70-1,36 0 1,18 17-16,-18 72 16,36-37-1,17 19 1,35-53-1,53-36 1,-53 0-16</inkml:trace>
-  <inkml:trace contextRef="#ctx0" brushRef="#br0" timeOffset="61641.69">3598 4621 0,'18'-17'0,"-36"34"0,36-52 15,-36 35 1,1 0 0,-1 18-16,-17 52 15,-1 36 1,1 71 0,18-54-1,-1 0 1,36-52-1,-1-53-15,18-1 16,36-17 0,-36-35-1,18-36 1,-35 36 0</inkml:trace>
-  <inkml:trace contextRef="#ctx0" brushRef="#br0" timeOffset="61725.97">3404 4904 0,'0'0'0,"-17"-18"15</inkml:trace>
-  <inkml:trace contextRef="#ctx0" brushRef="#br0" timeOffset="76875.77">3298 4957 0,'0'0'0,"-17"0"0,17 17 31,35-17-15,-17 0-16,35 0 15,17-35 1,36 35 0,-35-18-1,-18 18 1,-36 0-1</inkml:trace>
-  <inkml:trace contextRef="#ctx0" brushRef="#br0" timeOffset="77456.52">5045 4727 0,'0'-17'0,"0"34"0,0-52 16,0 17-1,0 1 1,0-1 0,0 36 15,0 52-16,0-52-15,-18 123 16,-17-35 0,17 17-1,18-52 1,0-36 0,0-53 30,0 1-46,0-36 16</inkml:trace>
-  <inkml:trace contextRef="#ctx0" brushRef="#br0" timeOffset="78206.46">4727 4957 0,'0'0'0,"-17"0"0,-1 17 0,0-17 15,1 18 1,17-1 0,123-17-1,-70 0-15,88-35 16,53-35 0,-53 17-1,36-36 1,-89 19 15,-88 17-15,0 18-1,-35 35 1,-18 0 0,17 35-1,1 36 1,17 52-1,18-17 1,0 35 0,0-53-1,0-53 1,0-17 0,0-36 30,0 1-46,0-54 32,53-17-17,53-35 1,-18 70 0,-52 35-16,87 0 15,-52 54 1,-36 70-1,-35-36 1,0 36 0,-35-53-1,17 0 1,18-36 0,-18-17-1,18-53 16,18 36-15</inkml:trace>
-  <inkml:trace contextRef="#ctx0" brushRef="#br0" timeOffset="78622.64">6032 5062 0,'18'0'31,"0"0"-31,-1 0 16,1 0-16,53 0 16,-36-53-1,18 1 1,-36-1 0,-17 17-1,0 19-15,0-1 16,-17 18-1,-54 0 1,1 35 0,17 36-1,35 35 1,18-36 0,0-52-16,18 70 15,17-70 1,36-1-1,-1-17 1,-17-17 0,18-36-1,-54 35-15,1 1 16</inkml:trace>
-  <inkml:trace contextRef="#ctx0" brushRef="#br0" timeOffset="79373">7832 4586 0,'0'0'0,"0"-18"15,-53-34 1,17 52 0,-16 0-16,-72-18 15,36 36 1,0 52-1,35 18 17,53-52-32,-18 87 15,18-70-15,0 70 16,0 36 0,35-88-1,54-18 1,16-36-1,19-17 1,17-53 0,-35 0-1,35-35 1</inkml:trace>
-  <inkml:trace contextRef="#ctx0" brushRef="#br0" timeOffset="80338.85">8184 4939 0,'0'-18'0,"0"36"0,0-71 16,0 35-1,-35-17 1,-18 35 0,-17 35-1,52 36 1,0 35 0,18 17-1,36-35 1,34-52-1,1-36 1,-1 0 0,-52-18-1,-18 0-15,0-35 16,0-17 0,-18-36-1,18 0 16,0 36-15,89-1 0,-19 71-1,36 71 1,-36-1 0,19 36-1,-89-18 1,0 0-1,0-70-15,0 17 16,-36-35 15,1 0-15,35-17-16,-18-36 16,18-18-1,53-70 1,18 88 15,35-17-15,0 70-1,17 17 1,-70 36 0,-35-35-16,-1 52 15,-17-34-15,0 52 16,0-35-1,0-18 1,-17-35 0,17-53 15,0-53-15,35-17-1,18 35 1,53-1-1,-18 89 17,-18 36-17,-70-1-15,0 36 16,0 34 0,0-16-1,-17-19 1,-1-35-1,1-35 1</inkml:trace>
-  <inkml:trace contextRef="#ctx0" brushRef="#br0" timeOffset="80822.28">9737 4815 0,'0'0'0,"0"-17"0,17-1 31,-17 36-15,0-1-16,0 107 16,0-1-1,-35 71 1,17-17-1,-35 70 17,18 17-17,18-211-15,-1 88 16,-17-17 0,35-71-1,0-89 16,0 19-31,35-89 16</inkml:trace>
-  <inkml:trace contextRef="#ctx0" brushRef="#br0" timeOffset="81205.96">9737 5133 0,'0'0'0,"0"-18"0,-18-17 0,18 17 15,-18-70-15,18 35 32,106-17-17,0 34 1,70 1 0,-123 35-16,18 0 15,-36 18-15,18 70 16,-53-17-1,-70 52 1,-72-35 0,37-53-1,-1 1 1,88-36 0,36-18 15,-1 0-16,72-34 1,-1-1-16</inkml:trace>
-  <inkml:trace contextRef="#ctx0" brushRef="#br0" timeOffset="81505.67">10619 4657 0,'0'0'0,"17"-36"16,-17 19-1,0 34 17,-17 72-17,-19 16 1,19 54 0,17-35-1,-18-54 1,18-52-16,0 17 31,18-35 0,17-53-15,18 0-16</inkml:trace>
-  <inkml:trace contextRef="#ctx0" brushRef="#br0" timeOffset="81922.14">10777 4992 0,'18'0'47,"0"0"-31,17-18-16,35-17 15,1-18 1,-36-18-1,-35 36 17,-17 35-17,-1 0-15,-35 0 16,-17 53 0,34 18-1,19 34 1,17-16-1,0-36 1,17-36-16,54 18 16,-1-35-1,36-17 1,-18-18 0,36-54-1,-36 1 1</inkml:trace>
-  <inkml:trace contextRef="#ctx0" brushRef="#br0" timeOffset="82439.13">11483 4657 0,'0'0'0,"18"-71"15,-18 36 1,-18 35 0,0 17-1,1 1-15,-1 70 16,0 0-1,1 54 1,17-37 0,0-34-1,70 35 1,-34-89 0,52-17-1,-35 0 1,52-52 15,-16-19-15,-54 0-1,-17 36-15,-18-53 16,0 70 0,-36 18-1,-17 53 1,18 35-1,35 36 1,0-71 0,35-18-1,36-17 1,35-18 0,0-36-1,-36-16 1,-52 34-16,52-70 15</inkml:trace>
-  <inkml:trace contextRef="#ctx0" brushRef="#br0" timeOffset="82720.21">11377 4674 0,'0'0'16,"-18"18"-16,1-18 0,-1 0 16,71 0-1,53 0 1,53-18 0,-1-17-1,-69 35 1,-36-18-1</inkml:trace>
-  <inkml:trace contextRef="#ctx0" brushRef="#br0" timeOffset="83805.75">13600 4463 0,'0'0'16,"0"-18"-1,0 0-15,0 1 0,0-1 16,0-35 0,0 36-16,0-19 15,0 54 16,0 52 1,-36 54-17,36-89-15,-35 71 16,-36 53 0,-17 0-1,35-89 1,18-35-1,0-35 1,17 0-16,-17-35 16,17-35-1,-17-54 1,35 36 0,0-18-1,18 53 1,17 53 15,18 35-15,-18 36-1,-17 52 1,35-34 0,17-19-1,1-52 1,-1-18-1,18-35 1,-35-18 0,0-36-1,-35 19 1,0 52-16,-18 1 16,0 34 15,0 36-16,0-35 1,0 52 0,-18 1-1,18-36 1,18-52 15,-1-1-15,1-17-16</inkml:trace>
-  <inkml:trace contextRef="#ctx0" brushRef="#br0" timeOffset="83972.54">13917 4604 0,'0'0'0,"-18"-18"16,1 18-1,-1 0 1,18 18 31,71-18-32</inkml:trace>
-  <inkml:trace contextRef="#ctx0" brushRef="#br0" timeOffset="84472.71">14199 4621 0,'0'0'0,"0"53"16,-17-35 0,-1 35-1,0 35 1,18-70-16,-17 70 16,17-35-1,0-18 1,-18-35 31,18-18-32,0-34 1,0 34-16,35-70 16,36-36-1,52 36 1,-34 35-1,34 53 1,-105 0-16,35 35 16,-36 54-1,-17 34 1,0-35 0,-35 0-1,35-52 1,0-54 31,0-17-47</inkml:trace>
-  <inkml:trace contextRef="#ctx0" brushRef="#br0" timeOffset="85188.67">15011 4339 0,'0'0'16,"-18"18"15,18-1-31,-18 1 0,1 35 16,-1 106 0,0-53-1,-17 35 1,0-53-1,35-35 17,0-71-1,0-35-15,18-17-1,34-54 1,37 18-1,-19 53 1,1 53 0,-54 0-16,1 0 15,-18 18 1,-35 17 0,-53 1-1,-1-36 1,72 17-16,-1-17 15,0 0 17,18 18-1,18 35-15,17 17-1,18 1 1,-35-53-16,17 35 15,53-36 1,-17-17 0,0 0-1,-19-53 1,-34 18 0,-18-18-1,0 0 1</inkml:trace>
-  <inkml:trace contextRef="#ctx0" brushRef="#br0" timeOffset="85655.71">16298 4621 0,'0'0'0,"0"-17"16,36-19 15,-36 54 1,-18 0-17,-17 35 1,35-36-16,-18 54 15,18-18 1,0 0 0,0-71 31,35-53-32</inkml:trace>
-  <inkml:trace contextRef="#ctx0" brushRef="#br0" timeOffset="85855.48">16387 4357 0,'0'0'0,"0"-35"16,-18 17-16,0-17 16,1 17-1,-1 18 1,53 53 15,18-53-15,-18 18-16,-17-18 0</inkml:trace>
-  <inkml:trace contextRef="#ctx0" brushRef="#br0" timeOffset="86155.67">16863 4233 0,'0'-35'32,"-18"53"-17,0-1 1,1 36 0,-18 71-1,17-18 1,18-71-16,-18 88 15,18-35 1,0-17 0,18-53-1,35-18 1,-18-18 0,-17 0-16,35-35 15</inkml:trace>
-  <inkml:trace contextRef="#ctx0" brushRef="#br0" timeOffset="86372.62">16686 4551 0,'0'0'16,"-17"0"-16,34 0 31,19 0-16,69 0 1,-34-18 0,-36 18-16,54-35 15,-19 35 1</inkml:trace>
-  <inkml:trace contextRef="#ctx0" brushRef="#br0" timeOffset="86821.42">17833 4533 0,'0'0'0,"0"-17"16,-18 34 46,18 1-62,0-1 16,-17 19-16,-19 34 31,36-52-31,-17 35 16,-19 17 0,19-34-1,34-36 16,1 0-31</inkml:trace>
-  <inkml:trace contextRef="#ctx0" brushRef="#br0" timeOffset="87288.87">18203 4551 0,'0'0'15,"18"0"-15,17-18 0,-35-17 16,0 17-1,-35 18 17,-36 0-17,18 36 1,1 16 0,52-34-1,0 17 1,52-35-1,1 0 1,53 36 0,-35-19-1,-36 19 1,-35-1 0,0-18-16,-35 19 15,-18-1 1,-35-17-1,17-18 17,18 0-17,0 0 1,36-18 0,-1-35-1,0 0 1</inkml:trace>
-  <inkml:trace contextRef="#ctx0" brushRef="#br0" timeOffset="87492.92">17851 4322 0,'0'0'15,"0"-18"1,0 0-16,-18 1 15,0 17 1,18 17 15,0 1-15</inkml:trace>
-  <inkml:trace contextRef="#ctx0" brushRef="#br0" timeOffset="88021.79">19385 4551 0,'0'0'0,"18"0"16,-18-18-1,0 36 1,0-1-1,-18 1-15,-17 35 16,-18 88 0,35 18-1,18-106-15,-53 176 16,0-17 0,-17 88-1,-1-36 1,54-123-1,-1-70 17,18-89-1,35-88-15,1-35-16</inkml:trace>
-  <inkml:trace contextRef="#ctx0" brushRef="#br0" timeOffset="88388.28">19226 4974 0,'0'0'15,"-17"-88"-15,-1-53 16,18 53 0,106-18-1,0 71 1,70 35-1,-17 17 1,-89 36 15,-70 35-15,0-70-16,-88 70 16,-53 0-1,53-52 1,0-19-1,70-17 1,106-17 15,1-19-15,-54 19-16</inkml:trace>
-  <inkml:trace contextRef="#ctx0" brushRef="#br0" timeOffset="88888.9">20232 4568 0,'17'-17'16,"-34"34"-16,52-69 15,-35 16 1,-70 36 0,-19 0-1,36 36 1,36-19-16,-36 71 15,18-17 1,17 35 0,18-53-1,35-18 1,18-35 0,35-53-1,1-35 1,-37 35-1,-34-35 1,-18 35 15,0 70 1,0 36-17,0 36 1,0-19-1,0 1 1,0-18 0,35-53-1,-17 0-15,70-18 16,-17-17 0</inkml:trace>
-  <inkml:trace contextRef="#ctx0" brushRef="#br0" timeOffset="89322.08">20620 4657 0,'0'0'16,"0"-36"-1,-18 19 1,18-19 0,35 1-1,54 18 1,-54 17-16,36 0 15,34 52 1,-69 37 0,-19-19-1,-17 1 1,-17-18 0,-19-36-1,1-17 1,35-35-1,0-36 17,0 19-17,71-37 1,-36 36 0,35 18-1,-34 18 1,17-36-1,-18 35-15</inkml:trace>
-  <inkml:trace contextRef="#ctx0" brushRef="#br0" timeOffset="89655.66">21590 4269 0,'0'0'0,"0"-18"0,0 0 15,0 1 1,-18 17-16,1 17 31,-19 19-15,-16 69 0,-1 1-1,35-70-15,0 52 16,1-71-16,17 54 15,0-1 1,35-34 0,53-36-1,18 0 1,-35-36 0,-54 19-16,18-1 15</inkml:trace>
-  <inkml:trace contextRef="#ctx0" brushRef="#br0" timeOffset="89872.53">21414 4480 0,'0'0'0,"-18"0"16,0 0-16,-17 0 15,53 0 16,35 0-15,17 0 0,-52 0-16,105-35 15,-87 17-15</inkml:trace>
-  <inkml:trace contextRef="#ctx0" brushRef="#br0" timeOffset="90971.85">22701 4286 0,'0'0'15,"-17"0"-15,-1 0 0,0 0 16,1 0-16,-36 0 15,-18 53 1,1 18 0,17-1-1,17 18 1,19-17 0,17-53-16,35 35 15,36-53 1,17 0-1,18 0 17,-18-53-17,-18-18 1,-52 53-16,0-87 16,-18 16-1,-88 1 1,-1 35-1,19 53 1,52 0 0,53 18-1,36 0 1,88-18 0,-18 0-1,18-18 1,-71-17-1,-71 17 1,19-35 0,-36 18-1,0 17 1,-36 18 0,-17 53-1,18 71 1,18 17-1,-19 17 1,19 1 0,17 88-1,-18-53 1,0 35 0,-17 18-1,17-176-15,-17 88 16,-35 17-1,-1-52 1,1-71 15,-1-36-15,36-34 0,35-36-1,0-89 1,0-16-1,53-124 1,17-18 0,-17 88-1,-18 141-15,54-123 16,-19 106 0,36 35-1,-53 36 1,17-1-1,-34 18 17</inkml:trace>
-  <inkml:trace contextRef="#ctx0" brushRef="#br0" timeOffset="92004.76">4498 5997 0,'0'0'0,"18"-17"15,-18-1-15,0-53 31,0 89 1,0 0-32,-18 70 15,0-35-15,-17 70 16,0 54 0,17-36-1,0-35 1,18-54-1,0-34 17,-17-53-1,17 17-31</inkml:trace>
-  <inkml:trace contextRef="#ctx0" brushRef="#br0" timeOffset="92704.46">4075 6350 0,'-18'0'0,"36"0"0,-54 18 16,36-1-1,18-17 1,52 0 0,-52 0-16,159-53 15,-1 18 1,36-53-1,-54 0 17,-87 35-17,-53-35 1,-18 52 0,-18 36-16,-35-17 15,0 52 1,18 53-1,17 0 1,18 36 0,0 17-1,0-35 1,0-36 0,0-52-1,0-36 16,0-17-15,18 17 0,17-70-1,18-18 1,18 36 0,34 17-1,-16 53 1,-37 53-1,-52 35 1,0-17 0,0 17-1,0-35 1,0-18 0,0-17-1,0-89 16,0 36-15</inkml:trace>
-  <inkml:trace contextRef="#ctx0" brushRef="#br0" timeOffset="93104.91">5362 6332 0,'0'0'0,"0"18"0,0 0 15,0-1 1,18-17 0,35-17-1,-18-1-15,18-17 16,35-1 0,-17-16-1,-71 16 1,0 19-1,-53 17 1,35 0 0,-88 35-1,36 18 1,52 70 0,18-17-1,0-35 1,53-36-1,-35-35-15,52 0 16,18 0 0,71-71-1</inkml:trace>
-  <inkml:trace contextRef="#ctx0" brushRef="#br0" timeOffset="94070.32">7038 6174 0,'0'0'0,"0"-18"0,0 0 16,0-17 0,18 35-16,17-53 15,-18 18 1,-17 17 0,0 71 15,-35 35-16,-53 36 1,70-89 0,-17 53-1,17-52-15,-87 105 16,16-53 0,1-35-1,-18-18 1,18-17-1,18-36 1,52 0-16,-17-35 16,17-70-1,18-18 1,0 53 0,71 17-1,-1 54 1,-52 17-16,70 35 15,-17 18 1,-19 53 15,1-1-15,18-16 0,-18-54-1,17-35 1,19 0-1,-1-53 1,0-18 0,0-34-1,-70 87-15,-1-53 16,-17 54 0,0 52 15,0-17-31,-17 52 15,-18 1 17,17-1-17,18-52 1,0 0 0,0-36 15,0 0-31,0-35 15,18 18-15</inkml:trace>
-  <inkml:trace contextRef="#ctx0" brushRef="#br0" timeOffset="94237.96">7391 6174 0,'-18'0'46,"18"17"-46,0 1 16,18-18 15,17 0-31</inkml:trace>
-  <inkml:trace contextRef="#ctx0" brushRef="#br0" timeOffset="94720.9">7638 6209 0,'0'18'16,"0"-1"-16,-18 18 15,18 18 1,0-35-16,0 53 16,0-1-1,-18-17 1,18-35-1,-17-18 1,17-18 15,0-35-15,17-17 0,54-36-1,-1 35 1,72-17-1,-72 88 1,-17 35 0,-35 36-1,-18-1 1,0 36 0,0-35-1,0-18 1,17-53-1,19 0 1,17-36 0</inkml:trace>
-  <inkml:trace contextRef="#ctx0" brushRef="#br0" timeOffset="95520.73">8555 5891 0,'0'0'0,"-18"0"16,1 18-1,-1-18-15,0 71 16,1-36-16,-36 88 16,17-17-1,19 18 1,-18-19-1,-1-52 1,36-35 15,0-53 1,0-36-17,36-17 1,34-18-1,-52 89-15,35-54 16,35 36 0,-35 17-1,-36 36 1,-17 17 0,-17 18-1,-19-35 1,19-1-16,-36 1 15,18-18 17,-1 0-1,19 0 0,17 17-15,0 54-1,35 0 1,0-19 0,18-16-1,-35-36-15,52 17 16,1-17 0,-18 0-1,-18-17 1,-17-19-1,-1 19 1,-17-1 15,18 1-15,17 17 0,-17 0-16</inkml:trace>
-  <inkml:trace contextRef="#ctx0" brushRef="#br0" timeOffset="95683.73">9172 6456 0,'0'17'0,"0"1"16,-17-18 46</inkml:trace>
-  <inkml:trace contextRef="#ctx0" brushRef="#br0" timeOffset="107753.2">1164 8714 0</inkml:trace>
-  <inkml:trace contextRef="#ctx0" brushRef="#br0" timeOffset="111219.11">864 8255 0,'0'-18'0,"18"-17"31,-18 53 16,0 17-47,0-17 16,-18-1-16,1 71 16,-1 18-1,0-88-15,-35 88 16,18 17-1,18-70 1,17-35 0,0-36 31,35-35-32,18-35 1,0 35-1,-18 0 1,0 53 0,-17 0-1,-1 35 1,1-17-16,0 35 16,-1 18-1,19-1 1,17-35-1,-18-35 1,53-35 0,-17-18-1,17-35 17,-35 17-17,-18-34 1,-35 16-1,0 72 1,0 52 15,-18 36-15,18-1 0,0 36-1,0-18 1,0-70-16,53 35 15,18-53 1,-1-18 0,36-35-1,-35-17 17,-54 34-32,72-52 15,-19-71 1,-52 18-1,-18 18 1,0 88 0,-18 70-1,-17 71 1,0 0 0,17 35-1,18-71 1,0 18-1,0-52 1,0-19 0,0-52 31,18-18-32,17-17 1,0 34-1,0 19 1,-17 34 0,-18 19-1,35 34 1,-17-17 0,53-18-1,-54-35-15,36 18 16,-35-18-16,105 0 15,-17-18 1,18-35 0,-54 18-1,-35-53 17,-17 0-17,-18 35 1,-53 53-1,0 0 1,18 53 0,17 17-1,18-52-15,0 17 16,0-17-16,0 52 16,36-52-1,69 0 1,-16-18-1,16-18 1,1-35 0,-53-17-1,-35-1 17,-1 0-17,-17 89 16,0 0-15,-35 52 0,35-17-1,-17 18 1,17-36 0,0-17-1,0-1 1,0-34 15,0-1-15,0 0-16,0-70 15,52 18 17,-52 52-32,89-88 15,-19 71 1,1 35-1,-18 53 1,17 35 0,-52-17-1,-18 17 1,0-53 0,-18 0-1,1-17 1,-1-18-1,0-18 1,18-17 0</inkml:trace>
-  <inkml:trace contextRef="#ctx0" brushRef="#br0" timeOffset="112485.18">4692 8396 0,'18'-18'0,"-36"36"0,36-53 0,-18-18 31,0 35-31,0 36 32,0 0-17,0 70 1,0-71-16,0 72 16,0 34-1,0-52 1,0-1-1,0-52 1,35-71 15,35-35 1,1-1-17,-36 19 1,18 17-1,-18 35 1,-35 36 0,0 35-1,18 17 1,0 1 0,-1-36-1,19 1 1,-1-36-1,18 0 1,-18-36 0,36-52-1,-1 0 1,-35 0 15,-17 70-31,17-52 16,-35 52-1,0 53 1,-17 18 0,-19 35-1,19 36 1,17-71 0,53 0-1,17-36 1,71-17-1,-35 0 1,35-53 0,-105 36-16,52-54 31,-53 1-15,-35-19-1,0 36 1,-70 36-1,17 52 1,0 53 0,53 0-1,0-35 1,70 18 0,1-53-1,17-1 1,-70-17-16,35 0 15,-18 0 1,0-53 0,-35 36-1</inkml:trace>
-  <inkml:trace contextRef="#ctx0" brushRef="#br0" timeOffset="115651.11">7673 8484 0,'0'0'0,"18"0"32,-1 0-32,36 0 15,18-53 1,52 0-1,-105 36-15,35-36 16,-36 35-16,19-70 16,-72 35-1,-34 36 1,-71 17 0,35 52-1,18 19 1,88-36-1,53 36 1,17-18 0,54 17-1,-54 1 17,-70-1-17,0-52-15,-53 35 16,-17-35-1,-54-1 1,36-17 0,35-35-1,-17-36 1,70 54-16,-36-54 16,19-17-1,-1 53 1,18 70 15,18 18-15,-1-35-1,36 70-15,0-35 32,53 0-17,17-53 1,-17 0-1,35-36 1,-105 19-16,69-36 16,19-53-1,-71-18 1,-53 19 0,0-1-1,0 88-15,0-17 16,-18 53-1,1 52 1,-1 71 0,-17-17-1,35-36 1,-18 0 15,18-70-15,0-36 15,35 0-15,-17-35-1,0 36-15,17-18 16,-18-1 0,1 36-1,0 0 1,-18 53-1,0-18 1,17 36 0,1-71-16,53 35 15,-36-17 17,53-18-17,-17 0 1,17-53-1,0-18 1,-17-17 0,-19 0-1,-52 35 1,0 36 0,0 34-1,-35 54 1,0 17-1,35-35 1,0 17 0,35-34-1,18-19 17,-35-17-32,52 0 15,18 0 1,-17-53-1,-36 0 1,-35 1 0,0-54-1,-17-18 1,-54 36 0,-17 88-1,17 18 1,1 70-1,35-18 1,17 36 0,36-18-1,70-17 1,0-36 0,-18-35 15,36 0-16,0-17 1,-88-1-16,35-35 16,0-17-1,-18-1 1,-17 36 0,-18 17-1,-18 89 16,18-18-15,0 17 0,0-35-1,35 1 1,18-36 15,-35 0-31,35 0 16,17-18-1,-17-35 1,0 0 0,-18-53-1,-17 89-15,0-19 16,-18-16 0,0 69 15,-18 54-16,18-18 1,0 17 0,0-52-16,35 17 15,36-17 1,17-1 15,0-17-15,18-17-1,-35-19 1,17-69 0,-71-19-1,-17 18 1,0-17 0,0 70-1,-35 106 16,0 53-15,35 17 0,0-52-1,0 17 1,70-18 0,54-17 15,35-17-16,-18-36 1,53 0 0,-35-53-1,-89 0 1,-52 35-16,17-70 16,-35 17-1,-53 1 1,-53 70-1,36 0 1,-36 35 0,0 53-1,71-17 1,35-18 15,0-18-15,88-17-1,18-1 1,0-17 0,-1-70-1,-34-1 1,17-52 0,-53-36-1,-17 36 1,0-1-1,-18 89 1,0 52 0,-36 72-1,19 52 1,17 18 15,0-107-31,0 37 16,0-1-1,35-53 1,18-17 0,18-18-1,-1 0 1,1-71 0,-54 18-1</inkml:trace>
-  <inkml:trace contextRef="#ctx0" brushRef="#br0" timeOffset="116134.21">13441 8114 0,'0'0'15,"0"-18"-15,-35-141 32,17 124-17,0 35 1,1 0 0</inkml:trace>
-  <inkml:trace contextRef="#ctx0" brushRef="#br0" timeOffset="117284.82">13300 8220 0,'0'17'0,"0"54"15,0-1 1,35-17 0,18-17-1,17-36 17,1 0-17,0-53 1,17-35-1,-53-1 1,-17 54-16,17-88 16,-35 34-1,0 54 1,0 17 0,0 54-1,0 34 1,0 89-1,0-71 1,0 0 0,53-52-1,0-19 1,35-17 15,-70 0-31,35-17 16,-18-1-16,88-52 15,1-54 1,-71 36 0,-36-18-1,-17 88 1,-70 18 0,34 53-1,19 53 1,17-35-1,35 35 1,-17-71 0,17 18-1,-35-36 1,-18-17 31,-17-35-32,0 17 1,35 1-16,-35 17 31,35 17-15,0 1 0,35 17-1,0-35 1,0 0-16,18 0 15,-17 0-15,87 0 16,-35-17 0,36-54-1,-54 18 17,-17-53-32,-35 1 31,-18 16-16,-35 72 1,-18 34 0,0 89-1,35-18 1,18 36 0,0-54-1,71-34 1,-18-36-1,70 0 1,18 0 0,-17-53-1,-71-35 17,-53 17-32,0 53 15</inkml:trace>
-  <inkml:trace contextRef="#ctx0" brushRef="#br0" timeOffset="118035.61">13406 7920 0,'0'17'63,"0"1"-48,0 0-15,0-1 0,0 19 16,-18 87-1,0-105-15,1 70 16,17 0 0,0-17-1,35-54 1,35-17 15,1 0-31</inkml:trace>
-  <inkml:trace contextRef="#ctx0" brushRef="#br0" timeOffset="118835.53">16633 7973 0,'0'-18'0,"0"36"0,0-54 0,-17 36 47,17 36-31,-18 87-1,1-17 1,-1 123 0,0-17-1,-17-18 1,-36 71-1,36-89 1,-18 0 0,18-52-1,35-106-15,0-1 16,18-87 31,35-1-32,17-70 1,-17-18-16</inkml:trace>
-  <inkml:trace contextRef="#ctx0" brushRef="#br0" timeOffset="119219.13">16492 8396 0,'-17'-18'16,"34"36"-16,-87-88 0,52 34 0,-17-34 15,35-54 1,88 18 0,18 53-1,53 1 1,-54 52 15,-69 17-31,52 71 16,-70-70-16,-1 88 15,-52 17 1,-71-34 0,18-37-1,-18-16 1,88-36-16,-17 0 16,0 0-1,53 0 16,52-18-15,-52 0-16</inkml:trace>
-  <inkml:trace contextRef="#ctx0" brushRef="#br0" timeOffset="120350.69">17357 8096 0,'0'-17'0,"0"34"0,0-52 0,0 0 16,-18-36 0,-35 36-1,0 35 1,-17 17 0,17 36-1,-18 89 1,36-19-1,35-52 1,0-19 0,18-16-1,52-36 1,18-18 15,-17-35-15,-54 36-16,72-72 15,-72 1 1,19-35 0,-36 34-1,0 72 1,0 34 15,0 1-31,-18 88 16,0 17-1,18-52 1,0 17 0,18-70-1,0-1-15,70-17 16,-18 0 15,54-52-15,-1-37-1,-35 1 1,-35-53 0,-53 88-1,-17 53 1,-19 0 0,1 53-1,35 18 1,0 17-1,35 35 1,1-87 0,17-1-1,0-18 1,17-17 15,18-17-15,-70-1-16,53-17 15,34-71 1,-16-53 0,-19 36-1,-52 17 1,-1 35 0,-17 36-1,-70 70 1,17 18-1,0 53 1,35 0 0,18 18-1,0-54 1,0-35-16,71 18 31,17-53-15,-17 0-1,17-17 1,-35-54 0</inkml:trace>
-  <inkml:trace contextRef="#ctx0" brushRef="#br0" timeOffset="120567.15">18821 8202 0,'0'18'15,"17"35"1,19-36 0,34 1-1,1-18 1,-18-18 15,-36 1-31,36-19 16,-18-52-1,-35 71-15</inkml:trace>
-  <inkml:trace contextRef="#ctx0" brushRef="#br0" timeOffset="120767.38">19050 7708 0,'0'0'0,"-18"-17"0,18-1 16,0 36 78</inkml:trace>
-  <inkml:trace contextRef="#ctx0" brushRef="#br0" timeOffset="120876.24">18362 7885 0,'0'0'16,"-35"0"-16</inkml:trace>
-  <inkml:trace contextRef="#ctx0" brushRef="#br0" timeOffset="121057.43">19614 8132 0,'36'0'15</inkml:trace>
-  <inkml:trace contextRef="#ctx0" brushRef="#br0" timeOffset="122067.64">19685 8167 0,'18'0'16,"-18"-18"-1,0 1-15,17 17 0,-17-36 16,18-17-1,-18-17 1,0 17 0,-53 18-1,35 17-15,-52 18 16,-18 0 15,17 35-15,-17 36-1,17 35 1,54-18 0,17 0-1,0-70-15,35 17 16,53-17 0,-17-18-1,17 0 1,0-53-1,-17 17 1,-54 1-16,19-53 16,-19 0-1,-17-1 1,0 37 15,0 69 0,-35 54-15,17 52 0,18-35-1,18 1 1,17-54 0,-17-35-16,35 18 15,-36-18-15,54 0 16,17-36-1,0-34 1,-35-18 0,18-71-1,-54 0 1,19 53 0,-36 18 15,0 70-16,0 1 1,-36 52 0,1 36-1,18-36-15,-36 88 16,17 1 0,36 17-1,0-53 1,0-17-1,18-54-15,17-17 16,-17 0-16,52 18 16,1-18-1,35-53 1,-18 0 15,-35 0-15,-53 0-1,0 18-15</inkml:trace>
-  <inkml:trace contextRef="#ctx0" brushRef="#br0" timeOffset="122591.4">18433 7955 0,'0'18'0,"17"-18"32,1 0-17,35 0-15,70-36 16,18 36 0,-70-17 15,-18 17-16,-35 0-15</inkml:trace>
-  <inkml:trace contextRef="#ctx0" brushRef="#br0" timeOffset="123517.88">11077 9084 0,'0'0'15,"0"-18"-15,0-70 16,0 71 0,0 34 15,-35 71-15,0 18 15,-54 35-16,-16 18 1,34-53 0,36-88-16,-18 52 15,-18-17 1,18-53 0,0-18-1,53-35 1,-17-52-1,17 87-15,0-35 16,0 18-16,0-71 16,35 35-1,-17 18 1,-18 36 0</inkml:trace>
-  <inkml:trace contextRef="#ctx0" brushRef="#br0" timeOffset="123900.43">10601 9243 0,'18'53'31,"35"35"-15,-124-229-16,212 370 16,-70-176-1,17-18 1,18-35 0,-89 0-16,89-17 15,-71-1-15,71-17 16,-18-36-1,-52 1 1,-36 34 0,0-17-1,-18 89 17,0-19-17,1 54 1,17-18-1,0-18 1,0 0 0,0-52 15,0-1-15,0-17-1</inkml:trace>
-  <inkml:trace contextRef="#ctx0" brushRef="#br0" timeOffset="124084.18">11430 9119 0,'0'-17'0,"0"34"0,0-52 15,0 53 17,0 17-1,0-17-16,0-1-15,18-17 16,17 18-16</inkml:trace>
-  <inkml:trace contextRef="#ctx0" brushRef="#br0" timeOffset="124584.09">11624 9243 0,'0'53'15,"0"-36"-15,0 19 16,0 17 0,-18-18-1,18-18-15,-17 19 16,-1-19 15,18 1-15,0-36 15,0-17-15,53-35-1,-35 52-15,52-53 16,36 1 0,-35 52-1,-18 18 1,-36 71-1,-17-18 1,-35 52 0,17-34-1,18-18 1,-17-35 15,17-1-15,35-70 15,-17 36-31,17-1 0</inkml:trace>
-  <inkml:trace contextRef="#ctx0" brushRef="#br0" timeOffset="125249.2">12382 9084 0,'0'-18'0,"0"36"0,0-53 16,0 52-1,-17 19 1,-18 34 0,-1 36-1,1-18 1,17-70-16,-35 88 16,36-53 15,-1-36-16,18-34 17,0-1-32,18-17 15,70-53 1,-17 17 0,17-17-1,-18 70 1,-34 0-1,-36 36 17,-18 0-32,-53-1 15,18 19 1,1-36 15,52 17 0,0 19-15,0 34 0,17-17-1,36 0 1,0-18 0,35-35-1,-70 0-15,52 0 16,1-17-1,-36-19 1,-35 1 0,0 0-1,0 0 1</inkml:trace>
-  <inkml:trace contextRef="#ctx0" brushRef="#br0" timeOffset="125699.34">13511 9084 0,'0'0'0,"0"-18"16,18 1 15,0 17-15,-1-18-16,54 18 15,-36 0-15,106-35 16,53 35 0,-17 0-1,-107 0 1,-52 0 0,-124 0 15,18 17-16,17-17 1</inkml:trace>
-  <inkml:trace contextRef="#ctx0" brushRef="#br0" timeOffset="125949.68">13864 9013 0,'-17'0'16,"17"18"0,-18 17 15,18 36-16,-18-1 1,1 36 0,17-35-1,-36 35 1,36-53 0,0-18-1,36-53 16,-1-17-15</inkml:trace>
-  <inkml:trace contextRef="#ctx0" brushRef="#br0" timeOffset="126350.38">14076 9349 0,'106'0'31,"-89"0"-31,19 0 0,-19 0 16,71-36-1,-17 1 1,-36 17 0,-35-17-1,0 35 1,-141 0-1,35 35 1,36 18 0,52 36-1,18-19 1,35-17 15,36-18-15,17-35-1,0-17 1,-17-1 0,-53 0-16</inkml:trace>
-  <inkml:trace contextRef="#ctx0" brushRef="#br0" timeOffset="127249.74">14640 9296 0,'0'0'0,"0"-18"15,0-17 1,53 17 0,18-35-1,17 53 1,-35 18 0,-36 52 15,-17 19-16,-35-19 1,-35-17 0,34-35-1,36-1 1,18-52 15,17 0-15,18-18-1,35-35 1,1 17 0,-72 53-1,1 18 1,-36 18 15,1 17-31,-1 36 31,0 0-15,18-1 0,36-17-1,17-35 1,52-18 0,-34 0-1,35-36 1,0-17-1,-54-17 1,-34 35-16,35-54 16,-35 54-16,17-88 15,-17-18 1,-18 52 0,-53 125 30,53-19-46,-36 71 16,1 54 0,17-54-1,18 18 1,0-36 0,36-35-1,-19-35-15,36 18 16,-17-18-1,17-18 1,-18-17 0,0-18-1,-35 18 1</inkml:trace>
-  <inkml:trace contextRef="#ctx0" brushRef="#br0" timeOffset="128067.93">17410 9172 0,'0'0'16,"-18"0"-16,-70 0 16,70 0-16,-17 0 15,17-17 1,1-19 0,17 19-16,0-19 15,0-34 16,70-1-15,18 1 0,36 17-1,17 53 1,-35 53 0,-71 35-1,-17 35 1,-71 1-1,-35-54 1,-36 19 0,106-72-16,-52 19 15,35-19 1,17 1 0</inkml:trace>
-  <inkml:trace contextRef="#ctx0" brushRef="#br0" timeOffset="128408.06">17339 9825 0,'0'17'16,"0"-34"-16,18 34 0,-1-17 0,36 18 16,0-18-1,0 0 1,-18-53 0,-35 18-1,0 17 16,-53 18-15,18 0 0,0 0-1,35 18-15,-18 0 16,18-36 15</inkml:trace>
-  <inkml:trace contextRef="#ctx0" brushRef="#br0" timeOffset="128865.3">15557 9137 0,'-17'0'0</inkml:trace>
-  <inkml:trace contextRef="#ctx0" brushRef="#br0" timeOffset="129016.2">15699 9137 0,'0'0'0,"17"0"0,19 0 15,69-18 1,-16 1-1,-1-1 1,-106 18 31,0-18-31</inkml:trace>
-  <inkml:trace contextRef="#ctx0" brushRef="#br1" timeOffset="141564.92">952 10336 0,'0'0'0,"0"18"31,0 0-16,0-1 1,0 19 0,18-19-1,35-17 1,0 0 0,53-53-1,-71 53-15,36-53 16,-1 0-1,-35 1 1,-35 16 0,0 1-1,-17 35 17,-18 0-17,17 53 1,18 17 15,0 36-15,0 0-1,0-71-15,18 124 16,-1-71 0,1 18-1,-18-71 1,0-17-16,0 0 15,-35-36 17,-36-35-17,0 18 1,-17 0 0,53 35-1,17-18 1,18 36 15,18-1-15,35 1-1,35-18 1,18 0 0,35-35-1,-106 17-15,89-35 16,-1-17-1,-70-1 1,-18-17 0,-35 17-1,0-17 1,0 53 0,-17 35-1,-18 35 1,17 36 15,0 17-15,18 53-1,0 18 1,0 35 0,0-18-1,0 89 1,0-107-1,18 36 1,-18-158-16,18 70 16,17-1-1,-18-87 1,19 0 0,17-71-1,17-35 1,-52 52-1,70-105 1,-17 18 0,-36-89-1,-53 36 1,-70-18 0,0 70-1,53 106-15,-89-87 16,36 87-1,35 0 1,71 18 31,-1 0-47,71-17 16,-70-1-1,35 0 1,-18-17-1</inkml:trace>
-  <inkml:trace contextRef="#ctx0" brushRef="#br1" timeOffset="142915.47">2999 10760 0,'0'17'16,"0"-34"-1,17-1 1,1 0-16,17-34 16,-17-19-1,52-70 1,-34 35-1,-19 18 1,-17 35 0,0 18-1,-17 35 1,-19 35 0,36-17-16,-17 87 15,17 1 1,0 35 15,17-52-15,54-19-1,17-52 1,18-18 0,17-53-1,-52-18 1,0-17-1,-54-35 1,-17 34 0,0 54-16,0-35 15,-17 70 1,-19 17 0,36 54-1,0 17 1,0 71 15,-17-106-15,17 17-1,0-52 1,0-36 15,0 1-15,0-1-16,35-53 15,0 18 1,36-17 0,-18 70-1,-36 0 1,19 35 0,-36 18-1,17 18 1,1-1 15,17-35-15,36-17-1,-18-18 1,-36 0-16,54 0 16,-1-53-1,1 0 1,-53 36-16,17-54 15,-18-17 1,-17-18 0,0 71-1,-52 35 1,16 53 0,1 35-1,35 0 1,0 0 15,53-35-15,0-53-1,35 0 1,18-35 0,-53-18-1,-18 0 1</inkml:trace>
-  <inkml:trace contextRef="#ctx0" brushRef="#br1" timeOffset="143231.37">3087 10336 0,'0'0'0,"17"18"16,19-18 0,70 0-1,-1-18 1,19-35-1,-18 36 1,-71-1 0</inkml:trace>
-  <inkml:trace contextRef="#ctx0" brushRef="#br1" timeOffset="144797.1">5909 10266 0,'0'-18'0,"0"36"0,18-53 0,-1-18 32,-17 35-32,18 0 0,-18 1 15,0-1 1,0 71 15,0-35-31,0 87 16,-18 19-1,-52 35 1,17-53 0,-18-1-1,1-69 1,34-36 15,1-18-15,35-53-1,0 1 1,0-54 0,0 19-1,0 16 1,18 89-1,17 0 1,0 71 0,18 35-1,0-18 1,-35-70-16,35 52 16,-18-52-16,36-1 15,52 1 1,-17-18 15,-71 0-31,18-35 16,35-18-1,-35-35 1,-35 70-16,-18-53 16,0 1-1,-53 35 1,18 35-1,-1 53 1,19 17 0,17-52-16,0 88 15,0-36 1,17-35 0,54-17-1,35-18 1,-36-35 15,-34 35-31,69-71 16,-69 1-1,-19-1 1,-17 1 0,-35 70 15,17 70-16,18-52-15,-17 52 16,-1 1 0,0-18-1,18-36 1,0 1 0,0-36 15,0-17-31,53-35 15,0-19 17,18 1-17,-36 71-15,71-36 16,17 35 0,-52 53-1,-53 53 1,-18-17-1,0 17 1,0 0 0,0-52-1,0-1 1,17-35 15,1 0-15</inkml:trace>
-  <inkml:trace contextRef="#ctx0" brushRef="#br1" timeOffset="145697.9">7673 10495 0,'0'-18'15,"18"-52"1,-18 52-1,-36 18 1,-17 0 0,0 36-1,-17 16 1,52-34-16,-17 53 16,35-54-16,-18 36 15,18-17 1,71-36 15,-18 0-15,53-18-1,-18-35 1,-71 0 0,1 35-16,0-35 15,-18 36 1,0-1-1,0 53 17,0-17-32,-18 35 15,-17 53 1,17-18 0,1 53-1,17 53 1,0 71 15,0-18-15,17-36-1,1-17 1,-18-88 0,-35 0-1,-54-71 1,1-35-1,0-17 1,0-107 0,35 1-1,35-107 1,18-122 0,71 140-1,-1 0 1,36 71-1,-53 53 17,35 18-17,-35 52 1,-35 18-16,-18-18 16,0 1 15,17 17-31,1 0 15,0-18-15</inkml:trace>
-  <inkml:trace contextRef="#ctx0" brushRef="#br1" timeOffset="145981.76">8184 10231 0,'0'0'0,"0"-18"0,-35 0 47,35 36-31,-17 35-1,-1 70 1,0-17 0,18 18-1,0-36 1,0-71-1,0 1-15,18-36 32,17-34-17</inkml:trace>
-  <inkml:trace contextRef="#ctx0" brushRef="#br1" timeOffset="146497.48">8396 10195 0,'0'0'0,"0"-17"0,0 34 47,0 19-31,0-19-16,0 36 16,0 88-1,0-35 1,-18-35-1,1-1 1,-1-52 0,1-18-1,17-18 1,0-35 0,0 0-1,52-53 1,19 18 15,-53 71-31,70-54 16,-18 71-1,-34 35 1,-19 71 0,-17 18-1,0-54 1,0 1-1,-35-54 1,17-17 0,-17 0-1,-18-52 1</inkml:trace>
-  <inkml:trace contextRef="#ctx0" brushRef="#br1" timeOffset="146730.49">7867 10389 0,'0'-17'16,"18"17"0,-1 0-16,89-18 15,-35 18 1,34-18-1,-52 18 1,-17 0 0,-19 0-16,1 0 0</inkml:trace>
-  <inkml:trace contextRef="#ctx0" brushRef="#br1" timeOffset="147847.49">9454 10425 0,'0'0'0,"18"-18"0,35-35 16,-35 35-16,-18 1 16,-18 34 15,0 1-31,-35 53 15,36 52 1,17-52 15,0-1-15,0-52-16,53-18 16,0 0-1,17-18 1,1-52-1,-36 17 1,-35-18 0,0 53-16,-53-70 15,0 53 1,-17 35 0,87 0 30,19 0-46,-19 0 16,36 0 0,-18 0-16,89-35 15,-1-1 1,-52 1 0,-36 18-1,-52 34 32,17 54-31,-36 52-1,36 18 1,0 0 0,0-105-16,0 105 15,0-88-15,-17 176 16,-19 36-1,1-89 17,17 36-17,-17-54 1,0-69 0,0-72-1,-1-52 1,1-36-1,17-105 1,18-71 0,0 177-16,18-89 15,-18 88-15,71-176 16,17 71 0,-35 70-1,35 18 1,-18 35-1,1 18 17,-36 35-32</inkml:trace>
-  <inkml:trace contextRef="#ctx0" brushRef="#br1" timeOffset="148232.1">11236 10372 0,'18'-18'0,"-36"36"0,53-54 0,-17-17 15,0 53 17,-18 18-17,0 0 1,0 35 0,0-18-16,-18 106 15,0-17 1,1-72-1,17 1 1</inkml:trace>
-  <inkml:trace contextRef="#ctx0" brushRef="#br1" timeOffset="149116.18">10971 10619 0,'0'0'0,"18"0"31,17 0-15,-17 0-16,70-36 16,36 1-1,34-18 1,-69 0-1,-72 36-15,36-54 16,-53 18 0,0 35-1,-18 18 1,-34 36 0,52-19-16,-18 36 15,18-17-15,-35 87 16,-1 1-1,19-36 17,-1-18-17,18-52 1,18-18 15,35-53-15,0-18-1,17-17 1,1 35 0,-18 36-1,-36 52 1,-17 0 0,0 53-1,0-17 1,35-36-1,71-17 17,0-18-17,-18-18 1,18-35 0,0-17-1,-88-1 1,-18 54-16,0-54 15,0 53-15,-36-35 16,1 53 0,-35 89-1,52 17 1,18-36 0,0-52-16,35 35 15,0-18 1,54-35 15,-1 0-15,-18-53-1,-17 0 1</inkml:trace>
-  <inkml:trace contextRef="#ctx0" brushRef="#br1" timeOffset="149531.06">13388 10301 0,'0'0'16,"-18"0"-16,36 0 31,70 0-15,-53 0-16,36-18 15,-36 18-15,142-17 16,-1-1 0,-88 18-1,-53 0 1,-52 0 0,-1 0-1</inkml:trace>
-  <inkml:trace contextRef="#ctx0" brushRef="#br1" timeOffset="149780.5">13776 10248 0,'0'0'0,"-18"0"0,1 35 32,17-17-32,-18 35 15,18 53 1,-18 17-1,18-34 1,-17-1 0,17-71-16,-18 36 15,36-53 32,-1 0-47</inkml:trace>
-  <inkml:trace contextRef="#ctx0" brushRef="#br1" timeOffset="150163.98">13917 10707 0,'0'0'0,"0"-18"0,18 18 16,17-17-1,0-1 1,36-35-1,35 0 1,-106 35 0,0-17-1,-71 35 1,18 0 0,-17 71-1,52-36-15,0 53 16,18-17-1,0-18 17,53-18-17,0-35 1,35 0 0,36-18-1,-89 1-15</inkml:trace>
-  <inkml:trace contextRef="#ctx0" brushRef="#br1" timeOffset="150697.07">14464 10601 0,'0'0'15,"0"-35"-15,0 17 0,0-35 16,35 18 0,18 0-1,-18 35 1,18 35-1,-35 53 17,-18-70-32,0 70 15,-71-18 1,1 1 0,52-53-1,1-18 1,34-18-1,36-17 1,18-53 0,-1 17-1,1-35 1,-36 53 0,-35 106 15,-35 35-16,17-17 1,0-1 15,18-17-15,36-17 0,17-36-1,-36 0-15,36 0 16,0-53-1,18 17 1</inkml:trace>
-  <inkml:trace contextRef="#ctx0" brushRef="#br1" timeOffset="150980.41">15222 10160 0,'0'0'0,"-35"0"15,17 0-15,1 53 16,17-18 0,-35 89-1,17-19 1,0 19 0,18-18-1,0-53 1,0-36-16,0 1 15,88-18 1,-52 0 0,34-53-1</inkml:trace>
-  <inkml:trace contextRef="#ctx0" brushRef="#br1" timeOffset="151197.26">15064 10442 0,'-18'0'16,"36"0"-16,-54 0 0,19 0 15,17-17 1,17 17 0,1 0-16,53-18 15,-1 18 1,36-18-1,-53 18-15</inkml:trace>
-  <inkml:trace contextRef="#ctx0" brushRef="#br1" timeOffset="151632.62">16228 10425 0,'17'-18'0,"-34"36"0,34-54 0,-17 19 31,0 34-15,-17 36 0,-19 18-1,19-54-15,-18 72 16,17-36-1,18-18 1,18-35 31,52-18-31,-52 1-16</inkml:trace>
-  <inkml:trace contextRef="#ctx0" brushRef="#br1" timeOffset="152062.57">16651 10425 0,'0'0'0,"-18"-18"31,1 18-31,-54 0 16,1 53-1,34-18 1,36 0-1,36-17 17,-1-18-17,-17 0-15,70 0 16,-18 35 0,19 1-1,-54 17 1,-35-18-1,-88 0 1,-1-17 0,19-18-1,17 0 1,0 0 0,35-36-1,1 36-15,17-52 16,0 16-1</inkml:trace>
-  <inkml:trace contextRef="#ctx0" brushRef="#br1" timeOffset="152264">16140 10213 0,'0'0'0,"-36"0"0,-17-18 15,18-35 1,17 36 0,36 17-1,17 0 1,1 0-16,17 0 16</inkml:trace>
-  <inkml:trace contextRef="#ctx0" brushRef="#br1" timeOffset="152729.82">17939 10248 0,'0'0'16,"17"-53"-1,-17 71 17,0 0-17,-35 87 1,35-69-16,-18 34 16,1-35-16,17 89 15,0-36 1,0-53-1,0-17 1,17-18 0,1 0-1</inkml:trace>
-  <inkml:trace contextRef="#ctx0" brushRef="#br1" timeOffset="153548.13">17798 10530 0,'-18'-17'15,"36"34"-15,-54-52 0,36 0 16,18 0 0,17 17-1,36 0 1,70-17 0,18 35-1,-71 0 1,-53 71-1,-35 17 1,-53 0 0,36-17-1,17-54 1,17 1 0,54-18-1,-1-18 1,-17-35-1,-53 0 17,0-35-17,-70 35 1,34 18 0,19 17-1,17 1 1,123-1-1,1 0 1,-18 18 0,-18 0-1,-53 53 1,-35 18 0,-18 17-1,1-35 1,17 0-1,35-53 17,36 0-17,17 0 1,-53-71 0,0 18-1,-35-52 1,-17 34-1,-89 18 1,71 53-16,-89 0 16,54 18-1,17 35 1,35 17 0,18-35-1,71 1 1</inkml:trace>
-  <inkml:trace contextRef="#ctx0" brushRef="#br1" timeOffset="154265.09">19844 10125 0,'0'-53'31,"0"70"1,0 1-32,0 17 15,0 1-15,0 52 16,0 35 0,-18-17-1,18-53 1,-18-18-1,18 1 1,-17-36 0,17-53-1,0 17 1,0-52 0,53 18-1,17 17 1,-52 53-1,105-18 1,-52 36 0,0 35-1,-54 35 1,-17-18 0,-106 1-1,0-36 1,18-17-1,0-18 1,70 0 0,18-53 15,18 35-31,88-35 16</inkml:trace>
-  <inkml:trace contextRef="#ctx0" brushRef="#br1" timeOffset="154530.32">20496 10283 0,'0'0'0,"0"18"32,-17 0-32,-1 17 15,0 36 1,1-19-1,17-34-15,0 17 16,0-17-16,0 0 16,0-1-1,0-34 17,17-1-32,1 0 15</inkml:trace>
-  <inkml:trace contextRef="#ctx0" brushRef="#br1" timeOffset="154929.24">20585 10160 0,'0'-18'0,"0"36"0,-18-89 16,-17 71 0,17 0-16,-35 0 15,35 0 1,18 36-1,36-19 1,34-17 0,1 0-1,-36-35 1,-17 0 0,-18 0-1,-53 17 1,-18 0-1,-17 18 1,53 53 15,35-35-31,-18 52 16,18 1 0,18-36-1,70 18 1,-35-35-16</inkml:trace>
-  <inkml:trace contextRef="#ctx0" brushRef="#br1" timeOffset="155928.65">21220 10266 0,'17'0'0,"-17"-18"16,-17 36-16,52-53 0,-35 17 15,0 0-15,-35-17 16,-18 35 15,-36 35-15,1 18 0,71-35-16,-19 52 15,36 1 1,0-36-1,53-35 1,35 0 0,-35-17-1,0-54 1,-17 18 0,-19 18-1,-17 0 1,18 17-1,-18 36 32,0 34-31,0-16-16,0 34 16,-35 89-1,-18 17 1,0-52-1,17 70 1,19 88 0,17-105-1,0 52 1,17 0 0,-17-52-1,18 69 1,-36-140-1,1-35 1,-18-71 15,-54-18-15,1-88 0,-88-70-1,140 123-15,-16-141 16,-37-88-1,107-18 1,70 88 0,53 1-1,18 52 1,-71 53 0,-52 71-16,69-53 15,-52 35 1,-17 17-1,-19 19 1,-17-1 31,0 0-16,18 18-15,-1 0-16</inkml:trace>
-  <inkml:trace contextRef="#ctx0" brushRef="#br1" timeOffset="175264.62">1041 12841 0,'0'0'0,"-18"0"0,0 0 16,18 18-1,18-18 48,0 0-48,-1 0 1,-34 0 31</inkml:trace>
-  <inkml:trace contextRef="#ctx0" brushRef="#br1" timeOffset="175994">1111 12771 0,'-17'0'16,"17"17"15,17-17-15,1 0-1,35 0 1,17-35 0,36-18-1,-35 18 1,-54 17-16,19 0 16,-19-17-1,-17 18 1,-88 17-1,0 0 1,-18 0 0,18 52-1,70-34 1,-17 53 0,17 17-1,18-35 1,53-18-1,35 0 1,-70-35-16,70 0 16,0 0-1,-35 0 1,-53-17 0,0-1-1,-70 18 1,35 0-16,-71 35 15,70-17-15,-52 35 16,0 0 0,35 35-1,35-53 17,36 1-17,35-19 1,35 1-1,0-18 1,-35 0 0,53-35-1,-71 17-15</inkml:trace>
-  <inkml:trace contextRef="#ctx0" brushRef="#br1" timeOffset="176827.64">1958 12894 0,'0'-18'0,"0"36"0,18-53 16,-18 17-16,0-17 15,0 17-15,-36 18 32,-52 0-17,35 53 1,-35 35-1,53-17 1,17-18 0,18-36-16,18 1 15,35-18 1,35-18 0,-18-17-1,19-35 1,-72-1-1,1 53-15,-1-35 16,-17 18 0,0 70 15,0 54 0,0-1-15,0-53-16,0 106 15,0-17 1,18 70 0,-18-53-1,35 53 1,-35-53 0,18-106-16,-18 71 15,-18 18 1,-35-36-1,1-53 1,-19-35 0,18 0-1,18-18-15,-18-52 32,-18-71-17,36 0 1,0-124-1,17 89 1,53 17 0,36 53-1,-18 18 1,0 70 0,-18 18-1,0-17 16,-17-1-15</inkml:trace>
-  <inkml:trace contextRef="#ctx0" brushRef="#br1" timeOffset="177143.95">2646 12788 0,'-18'0'15,"18"18"110,0-1-109,0 1-16,0 0 16,0-1-16</inkml:trace>
-  <inkml:trace contextRef="#ctx0" brushRef="#br1" timeOffset="177611.49">2663 13212 0,'0'0'0,"-17"0"15,-1 0-15,1 0 16,17 17 46,0 1-46,0-36 62,0 1-62,0-1-1,-18 18 1,0 0 31,18 18-16,18-18 0,0 0-31</inkml:trace>
-  <inkml:trace contextRef="#ctx0" brushRef="#br1" timeOffset="179145.33">4833 12876 0,'0'0'16,"-18"0"-16,36-17 47,17-1-47,-17 18 16,88-70-1,-36 17 1,19-36-1,-19 37 1,-52-37 0,-1 72-16,-17-72 15,-17 37 1,-19-1 0,19 53-1,-18 35 1,-1 71-1,19 35 1,-36 35 0,17 1-1,1 34 17,18-34-17,-19 70 1,1 17-1,35-140 1,0-36 0,53-88-1,0 0 1,35-71 0,-70 36-16,52-53 15,18-89 1,-70-17-1,-18 71 1,-53-36 0,-17 53-1,-107 1 17,107 87-17,17 0 1,53 1-1,35-1 1,53-35 0,-53 35-16,54-52 15,52-18 1,-53 35 0,0 0-1,-88 35 1,-35 54 15,17-19-31,1 54 16,17 35-1,0-18 17,52-35-17,19-53 1,17 0-1,18-18 1,-53-35 0,-18 0-1,-35-35 1,-53 17 0,-17 36-1,-1 18 1,-17 17-1,35 17 1,35 18 0,1 18-1,34-17 17,107-36-17</inkml:trace>
-  <inkml:trace contextRef="#ctx0" brushRef="#br1" timeOffset="179611.4">5874 12700 0,'0'0'0,"-18"0"16,18-18-16,0-17 15,0 17 1,0-17-1,18 18 1,-1 17-16,36 0 16,18 35-1,-54 35 17,1 54-17,-18-18 1,0-36-1,0-52 1,0-53 15,0-18-15,18-36 0,-18 72-16,17-89 15,19 53 1,-1 18-1,-17 35 17,-1 0-17</inkml:trace>
-  <inkml:trace contextRef="#ctx0" brushRef="#br1" timeOffset="180526.16">6667 12718 0,'18'-18'15,"0"18"-15,-1-71 32,-17 19-17,-17 52-15,-1-18 16,-88 0-1,36 18 1,-1 36 0,18 69-1,36-16 1,17 16 0,35-87-1,53-18 1,0-18-1,-17-35 1,-1 1 0,-52-19-1,-18 18 17,0 71-1,0-1-16,-18 89 1,18 0 0,0-71-16,0 89 15,0-89-15,0 89 16,36 34 0,17 19-1,-36-36 1,-17 18-1,-35 17 1,-36-88 0,-34-17-1,16-71 17,-34 0-17,-1-71 1,54 1-1,52 34-15,-52-70 16,52-35 0,18 18-1,0 35 1,88-18 0,-35 35-16</inkml:trace>
-  <inkml:trace contextRef="#ctx0" brushRef="#br1" timeOffset="180977.11">7179 12682 0,'0'0'16,"-18"-17"-16,1 17 15,-36-18 1,-18 53-1,54 18 1,-19 35 0,19 1-1,17-72-15,0 54 16,53-36 0,-18-35-1,53-18 1,-17-52-1,-36-18 1,-17-18 0,-18 35-1,-36 18 1,-52 53 15,35 0-15,-17 53-1,52-17 1,18-19 0,71-17-1</inkml:trace>
-  <inkml:trace contextRef="#ctx0" brushRef="#br1" timeOffset="181276.27">7549 12524 0,'0'0'0,"0"-18"0,18-35 16,0 18 0,-18 52 15,0 1-15,-18 17-16,0-17 15,-17 105 1,18 19-1,17-54 1,0 18 0,17-71-1,36-35 1,18-35 0,-54 17-16</inkml:trace>
-  <inkml:trace contextRef="#ctx0" brushRef="#br1" timeOffset="181493.18">7444 12647 0,'0'0'0,"-18"0"0,0 0 31,36 0 0,53 0-15,-19-18 0,19 1-1,-36-18-15</inkml:trace>
-  <inkml:trace contextRef="#ctx0" brushRef="#br1" timeOffset="182409.51">8308 12700 0,'0'0'0,"0"-18"16,0-52-1,0 52-15,0 1 16,0-1-16,18 0 0,34-35 16,1 36-1,-17 17 1,-19 53 15,1 17-15,-18 36-1,0-18 1,0-35 0,18-35-1,52-18 1,18-71 0,-17 18-1,-53 36-15,70-72 16,-71 37-1,-17-1 1,0 35 0,0 36-1,-17 52 1,17-52 0,0 105-1,0 1 1,0 52-1,0-17 1,0-36 0,0-87-16,0 52 15,0-71-15,-36 72 16,-16-54 0,-54-17-1,-18-18 1,36-36-1,-18-52 1,89 18 0,17-36-1,52 18 1,19 17 15,-36 36-31</inkml:trace>
-  <inkml:trace contextRef="#ctx0" brushRef="#br1" timeOffset="183693.02">9454 12435 0,'0'0'0,"0"-17"0,-17 17 0,-18 0 15,17 0-15,-35 0 16,18 17-16,-36 54 15,18 0 1,18 17 0,35 18-1,0-36 1,0-52 0,53 17-1,0-35 1,35 0-1,0-71 1,-35 1 0,-18-18-1,-35 52-15,0-69 16,-35 52 0,-53 0-1,35 53 1,-35 35-1,35 36 1,35-36-16,18 35 16,18 36-1,52-35 1,1-36 15,17-35-15,-17 0-1,70-53 1,-53-17 0,-35-1-1,-18-17 1,-35 17 0,0 89 15,-17 35-16,17 0 1,0 35 0,0-35-1,0 0 1,17-53 0,54 0-1,-36 0 1,18-35-1,0-18 1,-18 0 0,-35 35-16,18-52 15,-1-19 1,1 72 0,-18 34 15,0 1-31,0 35 15,-18 17 1,18-17 0,0-35-16,0 35 15,36-18 17,17-35-32,52 0 31,-52-35-16,36-36 1,-37 1 0,-52-1-1,0 18 1,0 18 0,-35 70 15,35-17-31,0 35 15,0 0 1,0 17 0,18-17-1,-1-35 1,1-18 0,0 0 15,-1-18-16,1-17-15</inkml:trace>
-  <inkml:trace contextRef="#ctx0" brushRef="#br1" timeOffset="184159.17">11377 12047 0,'0'-17'0,"0"34"0,0-17 16,-18 18 0,18 0-16,-17 87 15,-1-52-15,18 124 16,0-54-1,0 18 1,0-35 0,0-71-1,0-17 1,0-36 15</inkml:trace>
-  <inkml:trace contextRef="#ctx0" brushRef="#br1" timeOffset="184476.15">11342 12400 0,'-18'-35'15,"36"70"-15,-53-105 0,17 17 16,18-88 0,88 52-1,18 36 1,53 53-1,-54 53 1,-52 53 0,-53-71-16,-70 89 15,-18-36 1,-53 18 15,17-35-15,106-71-1,18 17 1,36-17 0,17 0-1</inkml:trace>
-  <inkml:trace contextRef="#ctx0" brushRef="#br1" timeOffset="185025.82">12083 12577 0,'0'0'0,"17"-18"0,-17 0 0,18 1 16,-18-36-1,0 0 1,-35 17 0,17 19-1,-53-1 1,1 36-1,-36 52 1,0 54 0,71-54-1,17-34-15,18 34 16,71-34 0,-18-36-1,53-18 1,-18-35-1,-35 0 1,0-35 0,-36 70-16,1-52 15,-18 17 1,-18 70 31,1 1-47,-1 53 15,0 34 1,18-34 0,18-18-1,53-53 1,-19 0 0,-16 0-16</inkml:trace>
-  <inkml:trace contextRef="#ctx0" brushRef="#br1" timeOffset="185443.9">12700 12488 0,'0'0'0,"18"-17"0,-1-72 15,-17 54 1,-53 35 0,36 0-1,-89 35 1,35 36-1,54-36 1,17 1 0,35-36-1,18 17 1,-18-17-16,36 18 16,17 17-1,-70 0 1,-1 1-1,-34-1 1,-54 0 0,53-35-16,-70 0 15,18 0 1,-1 0 0,53 0 15,18-17-31,0-1 15,0 0-15,71-35 16</inkml:trace>
-  <inkml:trace contextRef="#ctx0" brushRef="#br1" timeOffset="185875.96">13423 12382 0,'0'0'0,"18"-35"32,-36 18-32,-52 17 15,34 0-15,-34 17 16,-36 36 15,88-18-15,18 1-1,36-1 1,17-17 0,17 35-1,-35-18 1,-35 0 0,-17 0-1,-36-17 1,-35-18-1,-18 0 1,18 0 0,70 0-16,-53 0 15,71-53 1</inkml:trace>
-  <inkml:trace contextRef="#ctx0" brushRef="#br1" timeOffset="186675.69">14076 12382 0,'17'0'0,"-34"0"0,34-17 15,-34 17 16,-1 17-31,-52 36 16,17 0 0,35-35-16,-17 53 15,35-54-15,-18 36 16,-17-18 0,35-17-1,35-53 16,-17 17-31,-1 0 16,72-52 0,-72 52-16,54-52 15,-18 34 1,-36 54 15,1 53-15,-18-18-1,53 35 1,-53-71-16,53 36 16,35-53-1,0 0 1,-17-35 0,-1-36-1,-52 1 1,-18 35-16,0-36 15,0-17 1,-18 70 0,-35 1-1,18 69 1,35-16 15,0-19-31,53 36 16,-35-35-16</inkml:trace>
-  <inkml:trace contextRef="#ctx0" brushRef="#br1" timeOffset="187141.3">15081 12435 0,'0'0'16,"0"-17"-16,-35-36 15,-18 18 1,0 35-1,0 35 1,-35 35 0,17 19-1,71 16 1,0-52 0,53 18 15,36-71-16,-1 0 1,-71 0-16,72-53 16,-19-18-1,-52 1 1,-18-36 0,-35 18-1,-18 35 1,35 53-16,-53 0 15,18 35 1,1 36 0,52-1-1,0-34 1,35-36 0</inkml:trace>
-  <inkml:trace contextRef="#ctx0" brushRef="#br1" timeOffset="187592.34">15328 12400 0,'0'-18'0,"0"36"0,0-53 0,0 17 16,18 1-1,35-1 1,0 36-1,0 34 1,-18 37 0,-18-36-1,-17-36-15,0 54 16,0-36 0,0-17 30,-17-18-30,17-36 0,0 19-16,17-36 15,19-18 1,34-17 0,-17 35-1,0 18 1,-35 35-16,17 0 15,0 18 1,1 17 0</inkml:trace>
-  <inkml:trace contextRef="#ctx0" brushRef="#br1" timeOffset="188225.43">16510 12400 0,'0'-18'0,"0"36"0,0-53 16,0-18-1,0 35-15,-53-17 16,18 35-16,-36 0 16,-52 18-1,35 35 1,-1 35-1,54 18 1,35-36 0,18 18-1,70-52 1,-18-36 0,19-36 15,-1-17-16,-18-17 1,-52 35-16,70-107 16,-17 19-1,-1-89 1,-52 89 0,-18 88-16,0 17 15,-71 18 1,54 35-16,-36 53 15,35 106 1,18-17 0,18-71-1,52 17 1,36-52 15,-35-71-15,35 0-1,0-36 1,-36-16 0,-35 34-16,-17 0 0</inkml:trace>
-  <inkml:trace contextRef="#ctx0" brushRef="#br1" timeOffset="189559.61">4851 13494 0,'-18'0'0,"36"0"0,-54 0 0,19 0 15,-19 0-15,-16 0 16,-19 0 0,18 17-1,35-17 1,18 18-1,18-18 17,0 0-32,105 0 15,-17 0 1,70 0 0,-34 0-1,104 0 1,90 0-1,52 0 1,70 0 0,-70 0-1,124 0 1,-89 0 15,-282 18-31,477-18 16,52 17-1,-141 1 1,212 0 0,-159-1-1,229 1 1,18-18 0,0 17-1,1-17 1,-195 0-1,176 0 1,-247 0 0,-370 0-16,353 0 15,-388 0-15,494 0 16,-212 0 0,70 0 15,-193 0-16,-36-17 1,-141-1 0,-123 1-1,-18-1 1,-36 0 0,-17 18-1,18-17 1,-35 17-1</inkml:trace>
-  <inkml:trace contextRef="#ctx0" brushRef="#br1" timeOffset="189725.95">19350 13547 0,'-18'0'15,"36"0"-15,-53 0 0,17 0 0,0 0 31,-35 0-15,0 0 0,-70 0-1</inkml:trace>
-  <inkml:trace contextRef="#ctx0" brushRef="#br1" timeOffset="190859.48">4039 14340 0,'18'-17'0,"-36"34"0,54-70 0,-19 36 0,36-36 31,-53 71-15,0-1 0,-53 89-1,36-71-15,-36 54 16,35-54-16,-105 124 15,17-54 1,-35 1 0,35-71-1,70-35 1,19 0 0,-1-52 15,36-1-16,17 17 1,36 19 0,17 34-1,18 36 1,0 35 0,-36 1-1,1-36 1,-18 0-1,17-53 1,-35 0 0,54-53-1</inkml:trace>
-  <inkml:trace contextRef="#ctx0" brushRef="#br1" timeOffset="191492.17">4851 14711 0,'0'0'15,"17"-18"-15,1 1 0,0-19 16,-18-17 0,0 0-1,0-17 1,-18-1-1,0 54-15,-70-19 16,0 36 0,-36 53-1,19 53 1,16 35 0,54-17-1,35-89 1,0 71-1,18-53 1,70-18 0,0-35-1,0-18 1,-52 18-16,34-53 16,-35 36-16,36-54 15,-18-52 1,-53 35-1,0-1 1,-18 72 0,-17 52-1,17 71 1,18-36 0,0 19 15,36-54-16,34-17 1,1-18 0,-36 0-16,36 0 15,-1-36-15</inkml:trace>
-  <inkml:trace contextRef="#ctx0" brushRef="#br1" timeOffset="192175.2">6297 14287 0,'0'0'0,"0"-17"0,53-36 31,-35 35-31,-18 36 31,0 0-31,0 105 16,0 1-1,-18 17 1,18-18 0,0-70-1,0-35-15,0-1 16,0 1 0,-18-18 15,1-35-16,17-36 1,17-52 0,72-18-1,34 52 1,0 72 0,19 70-1,-54 70 1,-88 1-1,0-54 1,0-35-16,-35 18 16,17-35-1,36-36 32,-1-17-31,1 17-16,17-17 0</inkml:trace>
-  <inkml:trace contextRef="#ctx0" brushRef="#br1" timeOffset="192624.7">7073 14534 0,'0'-17'31,"0"-1"-31,18 18 0,35-53 15,0 36 1,17 17 0,-52 0-16,-1 35 15,19 71 1,-36 0 0,0-36 15,-18 1-16,0-54 1,18-34 15,18-19-15,17-52 0,18 0-1,-17 17 1,-1 1-1,-17 70-15,17 0 16,-18 0 0,-17 53-1,0-36-15</inkml:trace>
-  <inkml:trace contextRef="#ctx0" brushRef="#br1" timeOffset="192957.93">7549 14587 0,'18'36'0,"-18"-19"0,35 1 31,-17 0-31,53-18 15,-213-89-15,336 178 16,-123-160 0,-36 18-1,-17 35-15,-18-17 16,0-35 0,0 52-16,-18 0 15,-35 18 1,0 71-1,18-1 1,35 36 0,0-53-1,0-35-15,53 17 16,71-35 0,-19 0 15,54-70-16,-71-1 1,-35 0-16</inkml:trace>
-  <inkml:trace contextRef="#ctx0" brushRef="#br1" timeOffset="193459.14">8343 14411 0,'18'-35'0,"-18"-1"15,0-105 1,0 53 0,0 53-1,-18 35 1,-17 88-1,0 53 1,-1 53 0,142-282-16,-247 335 15,106-35 1,17-160 0,-17 107-16,17 18 31,-17 52-16,35-141 1,35-35 0,53-53-1,1-53 1,34-35 0,-105 53-16,52-71 15,-52-53 1,-53 0-1,-18 53 1,-53 1 0,0 52-1,53 35 1,71 18 31,-1 0-47,36 0 15,53-53 1,18 18 0</inkml:trace>
-  <inkml:trace contextRef="#ctx0" brushRef="#br1" timeOffset="193675.06">9049 14393 0,'-18'0'0,"0"0"31,1 0-31,34 0 31,1 0-31,35 0 16,-35 0-16,17 0 16,-17 0 15,-18 18-31</inkml:trace>
-  <inkml:trace contextRef="#ctx0" brushRef="#br1" timeOffset="193841.76">9031 14570 0,'0'0'16,"0"17"-16,0 1 16,0 0-1,18-18 1,70-18-1,-35-17 1,-36 17-16</inkml:trace>
-  <inkml:trace contextRef="#ctx0" brushRef="#br1" timeOffset="194241.39">9860 14058 0,'-18'0'16,"1"0"0,-1 0-1,1 35-15,-1-17 16,18 35-1,-18-35 1,18-1 0,18-17-1,35 0-15</inkml:trace>
-  <inkml:trace contextRef="#ctx0" brushRef="#br1" timeOffset="194391.32">10019 14041 0,'18'0'0,"-18"17"32,0 1-32,-18 17 15,18-17-15,-18 35 16,36 0 0</inkml:trace>
-  <inkml:trace contextRef="#ctx0" brushRef="#br1" timeOffset="195157.87">10477 14111 0,'-35'35'31,"18"1"-31,-19-1 15,19-17-15,-36 87 16,0 37 0,35-19-1,18-52 1,71-36 0,70-35-1,-35-35 1,35-54-1,-53 1 1,-35-35 0,-35-18-1,-18 105-15,-36-17 16,1 36-16,-88-36 16,17 53 15,-18 35-16,89 36 1,35-1 0,0-35-16,88 71 15,-17-17 1,52 16 0,-35 1-1,-88-35 1,-53-1-1,18-52-15,-53 35 16,53-53-16,-54 17 16,19-17-1,70-52 17,18 34-17,-1-17-15</inkml:trace>
-  <inkml:trace contextRef="#ctx0" brushRef="#br1" timeOffset="195608.24">11271 14376 0,'18'-18'0,"-36"36"0,54-54 0,-19 36 16,-17-17-16,35-19 15,-17 19 1,-18-1-1,-53 18 1,-17 0 0,-36 35-1,53 1 1,35-1 0,36-17-1,70 35 16,0-18-15,-17 0 0,-54-17-16,1 17 15,-18 0 1,-70 1 0,-36-19-1,35-17 1,18 0-1,36 0-15,17-17 16,35-19 0,53 1-1</inkml:trace>
-  <inkml:trace contextRef="#ctx0" brushRef="#br1" timeOffset="195908.86">11571 14340 0,'35'-17'16,"-35"34"0,0 19-1,0 34 1,0 36 0,0-53-16,18 106 15,-18-18 1,0 35-1,-18-17 1,1-71 0,-1-17-1,18-107 17,18-52-17</inkml:trace>
-  <inkml:trace contextRef="#ctx0" brushRef="#br1" timeOffset="196223.39">11624 14552 0,'0'0'0,"-18"-18"0,18-52 16,0-1-1,36 36 1,52 17-1,-53 18-15,18 0 16,-35 0-16,35 53 16,-53 36-1,-71-37 1,-35 19 0,36-53-1,17 17 16,70-70 1,1 17-32,17 0 0</inkml:trace>
-  <inkml:trace contextRef="#ctx0" brushRef="#br1" timeOffset="196424.4">12030 14446 0,'0'18'15,"0"35"1,0 0 0,0 0-1,0-18 1,0-17-16,-18-18 16,0 0 15</inkml:trace>
-  <inkml:trace contextRef="#ctx0" brushRef="#br1" timeOffset="196592.09">12012 14287 0,'0'0'0,"-18"-35"16,-34 18-1,16-1 1,19 18-1,70 0 17</inkml:trace>
-  <inkml:trace contextRef="#ctx0" brushRef="#br1" timeOffset="197274.19">12382 14534 0,'0'0'0,"18"0"0,17-17 15,18-36 1,-35 0 0,-18 18-1,0 17-15,-35-35 16,17 35-16,-35 18 31,-53 0-15,18 71-1,18 17 1,17 18 0,53-18-1,70-70 1,18-18 0,-17-18-1,35-52 1,-53 17-1,17-71 1,-17-34 0,-35 69-1,-18 1 1,0 71 0,-18 34-1,18 1 1,-17 70-1,-1-53-15,0 71 16,1 35 0,17-35-1,35-35 1,18-36 0,-36-35-16,1 0 0</inkml:trace>
-  <inkml:trace contextRef="#ctx0" brushRef="#br1" timeOffset="197591.79">12841 14517 0,'71'-88'32,"-54"70"-32,1 0 15,0 1-15,17-54 31,-18 53-15,-34 36 0,-1 17-1,1-35-15,-36 71 16,17 0 0,19 17-1,17-53 1,53 0-1,35-35 1,18 0 0</inkml:trace>
-  <inkml:trace contextRef="#ctx0" brushRef="#br1" timeOffset="197990.73">13247 14517 0,'0'-53'0,"0"106"0,0-159 16,0 88-1,35-52 1,18 17 0,35 53-1,-17 0 1,-36 53 0,-17 53-1,-18-89-15,0 71 16,-18-17-1,-35-36 1,35-35 15,18-17-15,18-54 0,17-17-1,1 35 1,34-18 15,-52 54-15,17 17-1,-17 0-15,-1 0 0</inkml:trace>
-  <inkml:trace contextRef="#ctx0" brushRef="#br1" timeOffset="198406.22">13970 14340 0,'18'-17'16,"-18"-19"0,0 19-1,-53 17 1,-18 0 0,1 17-1,34 36 16,36 0-15,0-35-16,0 17 16,89 18-1,-37-18 1,1 18 0,-35-53-16,-18 36 15,-18-19 1,-52 19-1,-18-36 1,52 0 0,19 0-1,34 0 17</inkml:trace>
-  <inkml:trace contextRef="#ctx0" brushRef="#br1" timeOffset="198583.57">14058 14605 0,'0'0'0,"0"-18"31,0-17-15,0 17-1,18 18 1</inkml:trace>
-  <inkml:trace contextRef="#ctx0" brushRef="#br1" timeOffset="200057.79">14711 14376 0,'0'0'0,"0"-18"0,0 0 0,-18-17 15,18 17 1,-35 1-16,-18-1 31,18 18-15,-36 53-1,71-35-15,-35 52 16,35-34-16,-53 87 16,53-17-1,35-71 1,53 0-1,1-35 1,-54 0-16,106-35 16,0-35-1,-53-19 1,1-34 0,-72 52-1,-17 36 16,-35 35-15,-36 88 0,54 36-1,17-54 1,53 19 0,0-54-1,35-35 1,-53 0-1,-17-35 1,-18-18 0,-36-18-1,1 1 1,17-19 0,18 36-1,53 18 16,18 17-15,52 18 0,1 71-1,-71 17 1,-36 0 0,-17-35-1,-17 18 1,-19-36-1,19-35 1,-1 0 0,18-53 15,0 36-15,0-36-16,53-35 15,18-18 16,17 35-15,-18 71 0,-52 71-1,-18 17 1,0 0 0,0-17-1,0-36 1,0-17-16,0-36 47,0 0-47,18-35 15,-1 36-15,19-54 16,52-17 0,18 0-1,-1 88 16,-87 35-15,-18 53 0,0-17-1,0-54-15,-35 54 16,0-36 0,35-17-1,17-18 1</inkml:trace>
-  <inkml:trace contextRef="#ctx0" brushRef="#br1" timeOffset="200287.87">16563 14146 0,'0'-17'0,"0"34"0,0-52 0,18 17 31,-18 36-15,0 17 0,0 1-1,-18 17 1,0-36 0</inkml:trace>
-  <inkml:trace contextRef="#ctx0" brushRef="#br1" timeOffset="200491.25">16722 14093 0,'0'0'0,"-18"18"31,18 0-31,-18 17 16,1 18 15,-1-35-15,18 17-1,0-18-15</inkml:trace>
-  <inkml:trace contextRef="#ctx0" brushRef="#br1" timeOffset="201673.49">17339 14111 0,'0'-18'16,"-18"1"-16,1-1 31,17 36 0,0-1-31,17 72 16,1-72-16,35 19 16,-35-19-1,123 54-15,-53-54 31,18 1-15,-53-18 0,-36 0-1,-17-53 1,-53 53 0,-35 0-1,-53 35 1,35 54-1,-35 52 1,53-35 0,70-71-16,-35 53 15,53-17 1,0-54 0,36-17-1,52-17 1</inkml:trace>
-  <inkml:trace contextRef="#ctx0" brushRef="#br1" timeOffset="202922.68">18344 14393 0,'0'0'0,"-176"0"16,158 0-16,-17 0 0,0 0 16,17 0-1,89-17 1,17-19 15,35-34-15,-34 17-1,-54 35-15,0-52 16,-35 52-16,0-52 16,0 17-1,-70 35 1,17 18-1,-18 88 1,36 106 0,0-35-1,-18 106 1,17-54 0,-34 107-1,-1 17 16,18-106-15,36-158-16,-1 211 16,0-88-1,18-106 1,71-70 0,52-106-1,36-71 1,0-53-1,-53-35 1,-106 53 0,-53-88-1,-35 123 1,-71 0 0,124 142-16,-106-71 15,88 70 16,35 0-15,18 1 0,71-19-1,105-34 1,-35-1 0,18-34-1,-71 16 1,-53 19-1,-35 52 1,-17 18 15,17 18-31,-18 52 16,18-52 0,0 70-16,0-17 15,0 17 1,71-53 15,-19-35-15,37-35-1,-36-18 1,0-18 0,-53-17-1,-18 18 1,0 52-16,-70-17 15,17 35 1,-17 17 0,53 36-1,35 18 1,18-36 0,70-17-1,-53-18 1</inkml:trace>
-  <inkml:trace contextRef="#ctx0" brushRef="#br1" timeOffset="203322.47">19068 14393 0,'0'0'0,"-18"-17"0,18-1 0,-18-17 15,18-1 1,36 1-1,34 35 1,-17 0 0,-35 18-16,35 70 15,-53 0 1,0 0 0,-36-35-1,19-35 16,-1-18-15,18-18 0,0-35-1,0-17 1,35 17 0,54-18-1,16 36 1,1 17-1,-70 18-15</inkml:trace>
-  <inkml:trace contextRef="#ctx0" brushRef="#br1" timeOffset="204008.78">19967 14376 0,'0'-18'16,"0"-17"-1,0-1-15,-53 1 32,0 18-17,36 17-15,-71 0 16,35 17 0,-18 71-1,53 18 1,18-35-1,53-18 1,18-53 0,-36 0-16,53 0 15,-17-53 1,-53 18 0,-18-36 15,0 36-16,0 17 1,0 53 0,0 36-1,0 88 1,0-1 0,-18-17-1,18-88-15,0 124 16,-18 70-1,-35-36 1,18-69 0,0-72-1,-36-52 1,-35-36 0,18-17-1,0-53 1,0-36 15,70 18-15,18-52-1,71-19 1,70 36 0</inkml:trace>
-  <inkml:trace contextRef="#ctx0" brushRef="#br1" timeOffset="204422.95">20249 14393 0,'0'-17'0,"0"34"0,0-52 15,0 0-15,0 17 0,0-17 16,0 17 0,-35 18-1,-18 71 1,36-18 15,17-18-31,0 36 16,17-19-1,36-52 1,0 0 0,0-17-1,-18-54 1,-35 18-1,-35-17 1,0 34 0,-1 19-1,1 17 1,53 0 31,52-18-47</inkml:trace>
-  <inkml:trace contextRef="#ctx0" brushRef="#br1" timeOffset="204690.15">20726 14023 0,'17'-18'0,"-34"36"0,34-53 0,1 17 16,-18 0-1,-35 71 16,-18 35-15,35-52-16,-17 17 16,17-18-16,1 124 15,17-36 1,0-70 0,35-18-1,-18-35 1,36-17-1</inkml:trace>
-  <inkml:trace contextRef="#ctx0" brushRef="#br1" timeOffset="204889.83">20461 14217 0,'-18'-18'16,"18"1"-1,18 17 1,0-18-16,70 0 16,-18 18-1,19-17 1,-54 17-16</inkml:trace>
-  <inkml:trace contextRef="#ctx0" brushRef="#br1" timeOffset="205692.05">21131 14235 0,'0'0'16,"-17"0"-16,-1 0 0,18-18 0,0 0 16,0 1-1,0-1-15,106-17 16,-18 17 0,53 18-1,-70 18 16,-71 52-15,-53 54 0,-18-54-1,18 19 1,36-72 0,17 1-1,88-53 1,0-18-1,18-36 1,-18 19 0,-17-18-1,-54 52 1,-34 36 15,17 18-31,-36 53 16,1 70 15,0 35-15,0-35-1,-1 53 1,19-141-16,-1 124 16,-35 52-1,36 0 1,-36-88-1,17-70 1,-34-71 0,-1-18-1,54 1-15,-54-36 16,-17-53 0,53-35-1,35 17 1,105-105 15</inkml:trace>
-  <inkml:trace contextRef="#ctx0" brushRef="#br1" timeOffset="206206.48">22084 14182 0,'0'-18'0,"0"36"0,0-54 0,0 19 16,-35 17 0,-18 17-1,0 54 1,17 52 0,36-17-1,0-35 1,71-54 15,0-17-15,-1-17-1,18-54 1,-35-35 0,-53 1-1,-35 34 1,-36 36-1,-17 17 1,18 71 0,17 35-1,53-70-15,-18 88 16,18 0 0,53-54-1,18-34 1,17-18-1,-53-18 1</inkml:trace>
-  <inkml:trace contextRef="#ctx0" brushRef="#br1" timeOffset="206639.57">22525 14217 0,'0'-35'15,"0"70"-15,0-88 16,-18 71-1,1 35 1,-1 17 0,18 18-1,0-35 1,35-17 0,36-36-1,-18 0 1,-36-18-1,72-53 1,-54 1 0,0-18-1,-35 35 1,-18 106 15,18-36-31,-35 54 16,35 17-1,0-17 1,35-36 0,36-35-1,-18 0 1,-35 0 0</inkml:trace>
-  <inkml:trace contextRef="#ctx0" brushRef="#br1" timeOffset="206973.98">23001 14252 0,'0'-35'16,"0"70"-16,0-88 0,35 0 15,-17 18 1,53 35 0,-19 35-1,-34 18 1,17 53-1,-35-88-15,18 52 16,-18-17 0,-18-70 31,18-1-47,0-17 15,0 17-15,0-53 16,0 36 15,18 0-15,53 0-1</inkml:trace>
-  <inkml:trace contextRef="#ctx0" brushRef="#br1" timeOffset="207405.98">23901 13864 0,'0'0'16,"-18"0"-16,-17 18 31,35-1-31,-18 72 16,-17 16-1,17-69-15,-52 158 16,34-71-1,-17 18 1,36-52 0,52-89 15,-17 0-31,17-36 16,-17 19-1</inkml:trace>
-  <inkml:trace contextRef="#ctx0" brushRef="#br1" timeOffset="207690.37">23760 14111 0,'0'0'0,"0"-35"0,0 0 15,0-89 1,52 54 0,72-1-1,-18 71 1,-18 71-1,-70 17 1,-18 18 0,-71-36-1,53-35-15,-105 18 16,17-17 0,71-1-1,70-35 16</inkml:trace>
-  <inkml:trace contextRef="#ctx0" brushRef="#br1" timeOffset="208173.06">24253 14287 0,'0'0'15,"18"0"-15,17-35 16,-17 0-1,-18 17-15,0-17 16,0 0 0,-53 35-1,0 0 1,-35 88 0,53-53-1,17 0-15,-17 54 16,35-19 15,35-52-15,36-18-1,-18 0 1,17-71 0,-52 54-16,35-72 15,-53 19 1,17-1-1,-17 107 17,0-19-32,0 54 15,0-54-15,0 54 16,0 0 0,71-71-1,-1 17 1</inkml:trace>
-  <inkml:trace contextRef="#ctx0" brushRef="#br1" timeOffset="209955.97">24642 14270 0,'0'0'0,"17"0"31,1 0-31,-1 0 0,72-18 16,-1 1-1,-71 17-15,54-18 16,-53 0-16,-1 18 16,-17-35-1,-70 35 1,-1 0 15,1 0-15,52 18-1,18 17 1,35 18 0,18-18-1,18 18 1,-54-18-1,-17 1 1,-105 17 0,34-53-1,-17 17 1,70-17 0,18-35 15,35 0-16,36 35 1</inkml:trace>
-  <inkml:trace contextRef="#ctx0" brushRef="#br1" timeOffset="210355.25">25471 14182 0,'0'0'16,"17"0"-16,-17-18 0,18-17 16,-36-1-1,1 36-15,-54-17 16,-17 17 0,17 35-1,54 18 1,17 0-1,53 17 17,-1-17-17,-34-35-15,35 35 16,-53-18 0,-18 1-1,-35-19 1,-35 1-1,71-18-15,-36 0 16,35-18 0,18-17-1</inkml:trace>
-  <inkml:trace contextRef="#ctx0" brushRef="#br1" timeOffset="210923.11">25541 14182 0,'18'0'0,"-1"-18"0,-52 36 16,88-54 0,-53 54-1,0 35 1,0-35-16,-18 52 16,1 36-1,-1-18 1,18-53-1,18-35 17,-1 0-32,19-35 15,17-35 1,-1-1 0,-16 18-1,-1 53 1,-17 18 15,-1 35-15,19 17-1,17-34 1,-18-19 0,0-17-1,-17-53 1,-18-17-1,0-1 1,0 36-16,-18-53 16,0 52-1,1 36 1,17 18 15,0 17-15</inkml:trace>
-  <inkml:trace contextRef="#ctx0" brushRef="#br1" timeOffset="211388.15">26388 14182 0,'0'0'0,"0"-18"0,0 0 16,0 1-16,-18 17 15,-35 0 1,-17 17 0,17 54-1,17 52 1,36-17 0,0-53-1,71-18 1,-18-35-1,53-17 17,-89-1-32,54-52 15,-53-1 1,-18-35 0,-36 36-1,-34 17 1,-1 53-1,54 0-15,-19 0 16,36 70 0,0-17-1,36 0 1,-19-53-16</inkml:trace>
-  <inkml:trace contextRef="#ctx0" brushRef="#br1" timeOffset="211772.42">26688 14235 0,'0'0'0,"0"-18"15,-18-35 1,18 18 0,18-1-1,-1 36-15,36 0 16,-18 89-1,-17 16 1,-18-16 0,-18-19-1,18-52-15,-17 17 16,-1-35 0,18-17-1,0-19 1,18-34 15,35-19-15,17 19-1,18 35 1,-17 35 0,-18 0-16</inkml:trace>
-  <inkml:trace contextRef="#ctx0" brushRef="#br1" timeOffset="212387.86">27534 14358 0,'0'0'0,"0"-18"0,0-17 16,0 17-16,0-17 15,-17-53 1,-19 70-1,-17 1 17,18 17-17,-53 70 1,17 18 0,54 1-1,17-72-15,0 89 16,0-53-1,53-35 1,35-18 0,-18-36-1,1-52 1,-36 0 0,1-35-1,-1-19 1,-18 37-1,19 16 17,-36 125-1,0-19-31,-18 19 0,-17 52 16,17 18-1,1 17 1,17-52-1,0 17 1,88-70 0,-18-18-1,71 0 1,-70-18 0</inkml:trace>
-  <inkml:trace contextRef="#ctx0" brushRef="#br1" timeOffset="212956.31">28628 13970 0,'0'-18'15,"0"36"-15,0-53 0,-18 35 16,1 0 0,-1 0-1,0 0 1,1 0 78,17 17-79,-18-17 1,18 18 15</inkml:trace>
-  <inkml:trace contextRef="#ctx0" brushRef="#br1" timeOffset="214090.21">28557 13935 0,'18'-18'0,"0"18"16,-1-18 0,-17 1-1,18-1 1,-18 1-1,0-1 1,0 36 234,0-1-234</inkml:trace>
-  <inkml:trace contextRef="#ctx0" brushRef="#br1" timeOffset="214723.39">28628 13899 0,'0'-17'62,"0"-1"-62,18 18 16,-18-17 0,17 17-16,-17-18 15,-17 18 126,-1 18-141,18-1 15,-35 1-15,17-1 16,-35 36 0,-35 18-1,17-18 1,-52 0 0,35-18-1,70-17 1,53-18 15,53 0-15,54 0-1,-54 0 1,-71 0-16,72 0 16,-72 0-16,1 0 15,17 0 1,-17 0-1,-1 0 17,1-18-32</inkml:trace>
-  <inkml:trace contextRef="#ctx0" brushRef="#br1" timeOffset="-214458.82">29281 13670 0,'17'-18'16,"-34"36"-16,34-53 0,-17 17 0,18 1 16,-71 69-1,-71 107 1,19 0 0,-72 53-1,54-36 1,87-123-1,-69 141 1,52-88 0,35-18-1,0-53 1,18-17 0,36-18-1,-1-18-15</inkml:trace>
-  <inkml:trace contextRef="#ctx0" brushRef="#br1" timeOffset="-213973.77">29580 14111 0,'18'-18'0,"-36"36"0,36-71 15,-18 36-15,0-1 0,-53-35 16,-53 53-1,0 53 17,-17 35-17,70 0 1,53-17 0,0-36-1,71-17 1,17-18-1,-18-36 1,-52 19-16,70-54 16,-35 18-1,0 0 1,-53 36 0,0 70-1,-18 0 1,1 52-1,17-52 17,0-17-17,70-36 1,1 0 0,-36 0-16</inkml:trace>
-  <inkml:trace contextRef="#ctx0" brushRef="#br1" timeOffset="-213574.08">30127 13935 0,'0'0'0,"0"-18"0,0-52 15,-17 70 17,17 17-32,0 36 15,17 18 1,54-18-1,52-1 17,18-16-17,-35-36 1,-35 0 0,-54-36-1,-52 36 16,-53 53-15,0 18 0,52-53-16,-69 70 15,34-35 1,0 0 0,54-36-1</inkml:trace>
-  <inkml:trace contextRef="#ctx0" brushRef="#br1" timeOffset="-211907.83">741 16651 0,'17'0'0,"1"0"16,0 0-1,-1 0-15,1-18 16,17-17-1,-17 0 1,-18-18 0,0 18-1,-35-1 1,17 36-16,-88-35 16,18 35-1,-18 18 1,53 35-1,18 17 17,17 18-17,18 1 1,0-72-16,36 54 16,34-36-1,-17-35 1,35-18-1,-17-52 1,52-54 0,-17-34-1,-53 34 1,-35-17 0,-18-18-1,-18 71 1,18 71-1,-35 17-15,-1 88 32,36 53-17,0 35 1,0-52 0,18-1-1,17-35 1,-17-70-16,17 0 15,1-18 1,17-18 0</inkml:trace>
-  <inkml:trace contextRef="#ctx0" brushRef="#br1" timeOffset="-211391.95">1199 16581 0,'0'0'0,"0"-18"16,-17 18-16,17-35 15,0-18 1,53 17 15,-36 19-31,36-1 16,-35 18-16,88 0 16,-18 35-1,-18 36 1,-70-18-1,0 35 1,-35-35 0,18-53-16,-1 18 15,18-36 1,0-17 0,70-53-1,-17 17 1,18 0-1,35-17 17,-53 88-17,-18 53 1,-17 0 0,-18 18-1,0-18 1,0-36-16,0 1 15,0-1 1,-18-34 15</inkml:trace>
-  <inkml:trace contextRef="#ctx0" brushRef="#br1" timeOffset="-211208.45">1799 16245 0,'0'0'0,"-17"-17"0,-19-1 32,19 18-17,34 0 1,1 0 0,35 0-1,-36 0-15</inkml:trace>
-  <inkml:trace contextRef="#ctx0" brushRef="#br1" timeOffset="-210841.85">2028 16245 0,'0'71'16,"0"-36"-1,0-17-15,36 70 16,-19-35-1,1-35 1,0 52 0,-18-35-1,17-17 1,19-18 0,-1-53-1,0 18 1,-35 17-16,53-52 15,18-18 1,-54 35 0,19 17-1,-19 36 1,1 0 0</inkml:trace>
-  <inkml:trace contextRef="#ctx0" brushRef="#br1" timeOffset="-210475.5">2628 16404 0,'35'0'16,"-17"0"-16,0-17 15,-18-1 1,17-35-1,1-18 1,-18 36 0,0 17-16,-35 18 15,-18 18 1,-18 70 0,36-17-1,17 70 1,18-106-1,18 36 1,0-54 0,35 1-1,35-18 1,-18-35 0,-34 35-16</inkml:trace>
-  <inkml:trace contextRef="#ctx0" brushRef="#br1" timeOffset="-210091.22">3016 16387 0,'0'0'0,"0"-36"16,0-17-1,0 18 1,18 17-16,17 1 16,18 17-1,-35 0-15,70 35 16,-18 36-1,-17 17 17,-35-18-17,-36 1 1,-17-36 0,0-35-1,17 0 1,1-35-1,17-18 1,0 35-16,35-52 16,-18 52-16,36-52 15,18-1 1,-1 36 0,-34 17-1</inkml:trace>
-  <inkml:trace contextRef="#ctx0" brushRef="#br1" timeOffset="-209891.97">3757 16439 0,'-18'36'31,"1"-36"-31,-1 0 16,36 0 31,52-18-32</inkml:trace>
-  <inkml:trace contextRef="#ctx0" brushRef="#br1" timeOffset="-208859.34">4339 16598 0,'-35'0'0,"70"0"0,-105 0 16,52 0-16,53-17 31,1 17-31,-19-18 0,71-17 16,71-36 0,17-17-1,-105 0 1,-53 52-16,-1-52 15,-17-35 1,-35 35 15,-18 70-15,-17 71 0,-1 70-1,0 89 1,1 53-1,17 70 1,18 35 0,17-70-1,0 106 1,1-124 0,17-35-1,0-177-15,53 107 16,35-142-1,71-123 17,-1-53-17,36-141 1,-158 211-16,52-158 16,-70-106-1,-54 88 1,-140-36-1,-36 36 1,36 124 0,105 105-16,-70-52 15,53 17 1,88 0 0,71 18-1,105-36 1,0 1-1,-123 34 1,141-52 0,-106 35-1,-52 53 1,-36 35 0,-18 71-1,18-70 1,-18 34-1,18-52 17,0-36-1,18 0-31,0 18 0</inkml:trace>
-  <inkml:trace contextRef="#ctx0" brushRef="#br1" timeOffset="-208715.41">5133 16210 0,'0'-35'0,"0"17"16,-18 177-16,36-265 0,-36 53 31,1 53-31,34 0 47,1 0-47</inkml:trace>
-  <inkml:trace contextRef="#ctx0" brushRef="#br1" timeOffset="-207825.57">5362 16192 0,'0'106'31,"0"-88"-31,0 53 16,-35-1-1,17-17 1,36-71 46,0 1-62,17-19 16,0-16 0,36-19-1,-18 53 1,-36 18-16,19 0 15,-19 0-15,18 71 16,1-18 0,17 17-1,17-17 1,1-53 0,17 0-1,18 0 1,-18-70-1,-53 17 1,-17-53 15,-18 35-15,-18 36-16,-35-18 16,36 36-16,-89 17 15,18 17 1,-1 54-1,37 35 1,52-18 0,0-35-1,17-36-15,71 19 16,-17-36 0,-1-18-1,1-35 1,-36-17-1,1-72 1,-19 107 0,-17-141-1,0 70 1,0 35 0,-17 71-1,-1 106 1,18 71-1,-18-19 1,18-34 0,36-71-1,-1-18 1,18-35 0,0 0-1,-18-35 1</inkml:trace>
-  <inkml:trace contextRef="#ctx0" brushRef="#br1" timeOffset="-205258.37">6597 16175 0,'18'0'46,"-1"0"-46,1-18 0,35 1 16,35-36 0,-70 35-16,-1-17 15,-17-18 1,-53 53 0,-17 0-1,-18 53 1,70-36-1,-17 36-15,17 35 16,18-52 0,0 34-1,35-52 1,18 0 0,-35-18-1,-1 0 1,-52 0 15,-18 35-15,36-35-16,-1 35 15,0 53 1,18-52 0,18 17-1,0-53-15,52 35 16,18-35-1,36-35 1,-18-18 15,17-36-15,1-87 0,-89 35-1,-35-18 1,0 106-1,-53 36 1,0 87 0,35-35-16,-34 107 15,52 16 1,0-69 0,17 16-1,36-34 1,35-36-1,18-35 1,0-17 15,-18-36-15,-70 17 0,-1-69-1,-17 52 1,-17 53-1,-36 0 1,53 53 0,0 17-1,0-17 1,0 0 0,88-35-1,-53-18-15,54 0 16,34-18-1,-52-17 1,-19-36 15,-34 53-31,0-34 16,-18-1 0,0 35-16,0 36 31,0-1-31,0 19 15,-18 34 1,-17-17 0,17-18-1,36-52 32,17-19-31,36-34-1,-54 52 1,19-17-16,-19 17 16,54-17-1,-36 35 1,-17 0 0,-18 53-1,0 0 1,0 0-1,0-36-15,17 1 16,36 0 0,35-18-1,-35-36 1,-35 36-16,35-35 16,35-53-1,-70 53 1,17 17-1,-17 18 1,-18 35 15,-18 36-15,18-1 0,35-17-1,36-17 1,52-36-1,1 0 1,-107 0-16,36-36 16,-17 36-16,34-70 15,-17 17 1,-35-53 0,-18 35-1,-36 71 1,-34 18-1,35 0 1,-1 35-16,1 17 31,35 1-15,18-36 0,52-17-1,36-18 1,0 0-1,-18-18 1,-35-35 0,0-17-1,-18 17 1,-35 35 0,-17 71 15,-19 17-16,19-34 1,17-19 15,17-17 1,36-35-17,18-18 1,-18 18-1,-18 35 1,-17 0 0,-18 18-1,0 52 1,35-52 0,53-1-1,0-17 1,1-35-1,16-18 1,-87 36 0,35-36-16,17-71 31,-52 18-15,35-35-1,-53 53 1,-71 176 15,1 0-15,35 36-1,17-1 1,18-52 0,18-1-1,17-34 1,35-36-1,1 0 1,-18-36 15,-18 1-31</inkml:trace>
-  <inkml:trace contextRef="#ctx0" brushRef="#br1" timeOffset="-205025.29">10107 16157 0,'0'0'0,"-18"0"0,-34 0 15,69 0 17,36 0-32,53-17 15,-36-19 1,19 36-1,-72-17-15,19-1 16,87 0 0</inkml:trace>
-  <inkml:trace contextRef="#ctx0" brushRef="#br1" timeOffset="-204476.2">11606 15769 0,'18'-17'0,"-36"34"0,54-70 0,17-17 31,-53 52-31,0-17 16,-53 35-1,-18 0 1,36 17-16,-89 72 16,-52 105-1,35 88 1,53 0 0,88-88-1,35 18 1,88-53-1,36-89 17,-53-52-32,-71-18 15,71-18 1,35-88 0,-88 71-16</inkml:trace>
-  <inkml:trace contextRef="#ctx0" brushRef="#br1" timeOffset="-204239.39">12136 16175 0,'0'-88'16,"0"176"-16,0-317 15,0 193 1,0 89 0,0 53-1,0-71-15,-36 89 16,19-89-16,-1 71 15,-35 0 1,35-71 0,18-53 31</inkml:trace>
-  <inkml:trace contextRef="#ctx0" brushRef="#br1" timeOffset="-203659.27">12083 16051 0,'0'0'0,"0"-35"0,-18-53 15,18 70-15,0-17 16,18-18 0,87 18-1,-16 35 1,-19 35-1,-70 18 1,-123 70 15,-71-34-15,88-36 0,35-18-1,54-35 1,70-35-1,52 17 1,54 0 0,0 18-1,-71 53 1,-17 35 0,-71-17-1,-53 0 1,17-54-16,-122 54 15,-1-54 1,-35 19 0,70-36 15,89-36-15,35 1-1,53 0 1,71-18-1,-1 18 1,71-1 0</inkml:trace>
-  <inkml:trace contextRef="#ctx0" brushRef="#br1" timeOffset="-202941.99">12612 16210 0,'17'0'0,"-34"0"0,34-18 15,1 1 1,-18 34 15,0 1-15,-18 35-16,18-35 15,0 17 1,18 18 0,53-18-1,-1-35 1,36 0-1,0-53 1,-36 0 0,-34-17-1,-36-1 1,17 36 0,-17 17-1,18 36 1,-18 0-16,-18 87 15,-17 1 1,-36 53 15,19 53-15,16-36 0,1 142-1,17-124 1,18 70-1,-17-87 1,-1-1 0,-35-88-1,18-88 1,-18 0 0,0-106-1,-17-70 1,70-36-1,0-70 1,52 70 15,-34 159-31,106-158 16,-19 87 0,1 18-1,-18 36 1,-17 35-1</inkml:trace>
-  <inkml:trace contextRef="#ctx0" brushRef="#br1" timeOffset="-202607.75">13564 16475 0,'-17'17'46,"17"1"-30,17-18 0,1 0-16,0 0 15,-1-18 1,-17 1 0,18 17-16,-18-18 15,0 0 1,-35 18-1,-1 0 1,19 0 0,17 36-1,17-36 17,1 0-32</inkml:trace>
-  <inkml:trace contextRef="#ctx0" brushRef="#br1" timeOffset="-202027.42">14446 16281 0,'18'-18'15,"0"0"1,-18 1-1,0 34 17,-18 19-32,-17 70 31,-1 52-15,1 1-1,17-88-15,-35 193 16,36-52-1,-18 105 1,-18-87 0,17 17-1,36-212-15,0 18 16,-17-18-16,17-17 16,17-107 15,-17 54-16,36-35-15,52-160 16,-71 160 0</inkml:trace>
-  <inkml:trace contextRef="#ctx0" brushRef="#br1" timeOffset="-201708.64">14340 16775 0,'0'0'0,"-17"-53"0,17 0 15,-18 17-15,-17-34 16,0-71-1,35 88 1,123-53 0,53 71-1,-52 35 1,-54 70 0,-70 1-1,-70 35 1,35-89-16,-71 54 15,-18-18 1,71-36 15,53 1-15,18-18 0,35 0-1,53-18 1</inkml:trace>
-  <inkml:trace contextRef="#ctx0" brushRef="#br1" timeOffset="-200493.07">15222 16351 0,'0'-17'0,"0"34"0,0-52 15,0 17-15,-53 1 16,-35-1-1,35 18 1,18 0 0,-18 35-16,53-17 15,-35 53 1,0 17 0,35 0-1,0-35 1,70-18-1,18-35 1,1-18 0,-1-17-1,-18-35 1,-52-19 0,-18 1-1,0 71 1,-18 52 15,18 53-15,0-35 15,0 18-15,53-36-1,0-18 1,-35-17-16,70-17 15,-18-18 1,19-18 0,-54-18-1,-17 53-15,-1-34 16,1 34 0,0 36-1,-18 34 1,0 1-1,0 0 1,0-17 0,52-19 15,1-17-15,-17-35-1,17-36 1,17-34-1,-35-19 1,-35 89-16,36-159 16,-36 88-1,0 35 1,-36 89 0,1 70-1,0 53 1,17-105-16,18 87 15,0 1 1,18-54 0,52-17 15,36-35-15,-53-18-1,-35 0-15,52-36 16,-34-17-1,-1-17 1,-17 35 0,-18 88 15,0-18-31,0 0 16,0 18-1,17-35 1,36-18-1,35 0 1,-70-36 0,17 1 15,-17 17-31</inkml:trace>
-  <inkml:trace contextRef="#ctx0" brushRef="#br1" timeOffset="-200335.53">16633 16104 0,'0'-35'15,"-17"35"1,34 212-16,-52-424 16,70 247-16</inkml:trace>
-  <inkml:trace contextRef="#ctx0" brushRef="#br1" timeOffset="-200141.78">15963 16104 0,'-17'0'0,"34"0"16,-52 0-16,17 0 0,1 18 15,-1 0 1,36-18-1,105 0 1,36 0 0,-53 0-1</inkml:trace>
-  <inkml:trace contextRef="#ctx0" brushRef="#br1" timeOffset="-199292.83">17022 16334 0,'0'0'0,"17"0"16,-17-18-16,0 0 16,0-35-1,0-17 1,-17 35-1,-1 17-15,-17 18 16,17 0-16,-35 18 16,-18 52-1,19 36 1,34-35 0,0 17-1,18-35 1,53-36-1,18-17 1,-18-35 0,0-18 15,-18-35-15,0 17-1,0-35 1,-35 89-1,-17 87 17,17-52-32,-18 53 15,18 17 1,0-71-16,0 19 16,35-19-1,36-17 1,35 0-1,0-35 1,-71 17 0,18-34-16,53-107 31,-53 35-15,-53-34-1,0 69 1,-53 160 15,35-36-31,-17 71 16,17 35-1,18-17 1,0-107-16,18 19 16,70 16-1,-53-34 1,1-18-1,-19 0-15,36-53 16</inkml:trace>
-  <inkml:trace contextRef="#ctx0" brushRef="#br1" timeOffset="-198384.48">18168 15963 0,'0'0'31,"106"-88"-31,-106 70 0,18 1 16,-1 17-1,-17 17 1,-35 36-1,0-17-15,-18 87 16,-53 53 0,18-34-1,-1-72 1,-16 1 0,34-71-1,18 0 1,18-71-1,35 1 1,0-54 0,18-17 15,17 53-15,0 52-1,0 72 1,18 70-1,0 17 1,-18-52 0,36 17-1,-18-53 1,-35-35-16,87 18 16,19-36-1,-54-17 1,36-36-1,-53 18 1,-53 36 0,18-36-16,-18 88 47,-18 36-32,-17-18 1,17-18-1,18-18 1,0-34 15</inkml:trace>
-  <inkml:trace contextRef="#ctx0" brushRef="#br1" timeOffset="-198209.85">18609 16087 0,'0'0'16,"0"-18"-16,0 0 0,-18 18 31,1 0-15,17 18 0,0 0-1,17-18-15,19 0 0</inkml:trace>
-  <inkml:trace contextRef="#ctx0" brushRef="#br1" timeOffset="-197193.86">18927 16192 0,'0'0'0,"0"18"0,0 0 16,0-1-16,-36 19 15,1 17 1,0 17-1,35-35 1,0-17 0,0 0 15,0-54 0,17 1-15,54-53-1,-53 70-15,17-35 16,53-17 0,-35 70-1,-53 53 1,0 35 0,0-17-1,0-19 1,70-16-1,1-36 1,17 0 15,-17-36-15,17-34 0,-88 52-16,35-88 15,18-52 1,-18 17-1,1 70 1,-54 177 15,0-71-31,-17 36 16,-53 123 0,35-124-1,18 1 1,35-89 31,17 18-47,1-17 15,17-19-15,-17 19 16,105-72 0,1 19-1,-36 35 1,-70 35-1,-71 35 17,18-35-32,-89 35 15,36 0 1,17 1 0,54-19-1,17 36 1,88 0-1,-35-35 1,0 17 0,-18-35 15,-17 0-15,-1 0-1,1-18 1,0 1-16</inkml:trace>
-  <inkml:trace contextRef="#ctx0" brushRef="#br1" timeOffset="-196809.93">20038 15875 0,'-18'0'0,"36"0"0,-54-18 15,54 1 16,35 17-15,-18 0-16,71-18 16,71 0-1,-19 18 1,-87 0 0,-142 0 15,18 0-16</inkml:trace>
-  <inkml:trace contextRef="#ctx0" brushRef="#br1" timeOffset="-196560.53">20320 15822 0,'0'0'31,"0"18"-31,0-1 0,0 1 16,0 17-16,0 36 15,-18 70 1,-17 0 0,0-53-1,35 0 1,0-52 0,35-36 15,-17 0-16</inkml:trace>
-  <inkml:trace contextRef="#ctx0" brushRef="#br1" timeOffset="-196194.17">20567 16334 0,'0'0'15,"18"0"1,17-18-1,35-17 1,19-18 0,-36 0-1,-36 35-15,-17-17 16,-17 35 0,-36 0-1,-53 88 1,18 36-1,70-54 1,18 1 0,35-36 15,53-35-15,18 0-1,-18 0 1,-35 0-16</inkml:trace>
-  <inkml:trace contextRef="#ctx0" brushRef="#br1" timeOffset="-195376.4">21131 16334 0,'0'-18'0,"0"36"0,0-54 16,0 19-16,18-36 16,17 0-1,36 35 1,-1 18-1,-34 35 1,-19 36 0,-17 0 15,-17-54-31,-54 54 16,18-36-1,36-17 1,17-1-1,70-52 17,-52 17-32,52-52 15,36-18 1,-35-1 0,-18 1-1,-71 106 16,-35 35-15,35-18-16,1 36 16,-1 35 15,18-54-15,0-34-16,35-18 15,107 18 1,-54-18-1,18-36 1,-1-34 0,-52-1-1,-17-87 1,-1 16 0,0-16-1,-35 140-15,0-35 16,-70 124 15,52-36-15,0 36-16,-17 70 31,17-106-31,1 88 16,17-17-1,0-18 1,17-35-1,36-35 1,18-18 0,17-18-1,-35-35 1</inkml:trace>
-  <inkml:trace contextRef="#ctx0" brushRef="#br1" timeOffset="-195160.69">21996 16122 0,'0'0'0,"-18"0"0,0 0 0,-17 0 15,53 0 32,52 0-31,19-18-1,-72 18-15,124-35 16,-105 35-16</inkml:trace>
-  <inkml:trace contextRef="#ctx0" brushRef="#br1" timeOffset="-194610.79">23354 15434 0,'18'-18'0,"-36"36"0,36-89 31,-36 54-31,-35 17 16,35 0-16,-52 0 15,-36 106 1,-18 52 0,36 1 15,-18 88-15,36-35-1,35 35 1,35-177-16,17 124 15,89 36 1,70-89 0,-34-106-1,16-35 1,-122-18-16</inkml:trace>
-  <inkml:trace contextRef="#ctx0" brushRef="#br1" timeOffset="-193840.89">23319 15734 0,'0'-18'15,"-18"18"48,18 18-63,0 0 15,0-1-15,-18-17 16,18 18-16,0-1 16,0 19-1,0-19 1,18-17 15</inkml:trace>
-  <inkml:trace contextRef="#ctx0" brushRef="#br1" timeOffset="-193677.99">23424 15769 0,'0'0'16,"18"0"-16,-36 18 62,18-1-46,-17 1-1,17 0-15,0-1 0</inkml:trace>
-  <inkml:trace contextRef="#ctx0" brushRef="#br1" timeOffset="-182763.18">23707 16122 0,'0'0'0,"-18"18"0,0-1 16,1-17 0,34 0 30,1 0-30,0 0-16,-1 0 0,36 0 16,-35 0-16,35 0 15,17-35 1,1 0 15,-18-18-15,17-18-1,1 1 1,17-71 0,-70 70-1,-18-35 1,0 36 0,-36 52-1,-34 18 1,52 18-16,-52 52 15,-1 71 1,18 36 0,-17 105-1,52 0 17,0-35-17,-17 159 1,0-195-1,17 36 1,18-141 0,18-71-1,70-70 1,53-88 0,-106 87-16,54-87 15,-36-71 1,-53-18-1,-71 36 1,-52-1 0,-1 54-1,36 52 1,53 54 15,35-18-15,52-18-1,37 0 1,105-71 0,-71 18-1,1 1 1,-107 69 0,-17 1-1,-35 35 1,-18 53-1,35 53 1,18-18 0,0 0-1,53-35 1,53-35 15,-53-18-15,-35 0-16,35-53 15,-36 0 1,-52 0 0,-53 0-1,17 35 1,1 18 0,52 0-1,18 53 1,18-17-1,52 16 1,18-34 0,-52-18-1</inkml:trace>
-  <inkml:trace contextRef="#ctx0" brushRef="#br1" timeOffset="-182362.6">24642 16157 0,'0'0'0,"0"-88"31,0 70-15,0 1-16,17-36 15,36 35 1,0 18 0,35 53-1,-53 18 1,-17 70-1,-18-88 1,-18 17 0,1-70-1,17-17 32,0-19-31,0-34-1,35-1 1,36 1 0,-1 52-1,-17 18 1,-35 0-16,35 0 16</inkml:trace>
-  <inkml:trace contextRef="#ctx0" brushRef="#br1" timeOffset="-181679.1">25312 16069 0,'35'0'15,"-70"0"-15,88-18 0,-18 1 16,-35-1-16,0 0 16,0-17 15,-35 18-31,-18 17 31,-18 0-15,18 52-1,36 37 1,-1-1 0,18-71-16,0 19 15,53-19 1,-18-17 0,18-35-1,-18 0 1,-35 17-16,36-35 15,-36 0 1,0 36 0,17 17-1,-17 35 1,0 71 15,0-71-31,0 36 16,0-36-16,-17 141 15,-1 36 1,18-36 0,0 54-1,0-72 1,0 19 0,-18-124-1,-52-36 1,-1-17-1,-35-88 1,1-35 0,16 17-1,72 53-15,17-123 16,17 52 15,107-52-15,-1 52-1,1 1-15</inkml:trace>
-  <inkml:trace contextRef="#ctx0" brushRef="#br1" timeOffset="-181261.67">25647 16087 0,'0'0'0,"0"-18"0,18 0 0,-18 1 16,0-19-1,-36 36 16,19 18-31,-19 35 16,19 18 0,-1-1-1,18-17 1,53-35 15,18-18-15,34-18-1,-34-35 1,-71 0 0,0-17-1,-71 17 1,54 35-16,-54 18 16,54 0-16,-72 0 15,72 35 1,17 1-1,0-19 1,106 1 0,-18-18-1</inkml:trace>
-  <inkml:trace contextRef="#ctx0" brushRef="#br1" timeOffset="-180978.34">26106 15946 0,'17'-18'0,"-34"36"0,69-107 15,-34 72-15,0-19 16,-18 1 0,0 70 15,0 1-31,0 52 16,0 18-1,-18 17 1,18-17-1,0-35 1,53-71 0,0 0-1,0-18 1,-18-35 0</inkml:trace>
-  <inkml:trace contextRef="#ctx0" brushRef="#br1" timeOffset="-180763">26070 16016 0,'0'0'0,"-17"0"0,-1 0 16,-17 0 0,35-18-1,35 18 1,36-17-1,52-1 1,-105 1-16,35-1 16,-36 18-16</inkml:trace>
-  <inkml:trace contextRef="#ctx0" brushRef="#br1" timeOffset="-180260.85">26776 15646 0,'0'0'0,"0"-18"16,-18 18 15,18 18-15,0-1 0,0 19-1,0-1 1,0-17-1,-17-1 1</inkml:trace>
-  <inkml:trace contextRef="#ctx0" brushRef="#br1" timeOffset="-180061.37">26935 15663 0,'0'0'15,"-18"0"32,18 18-47,-35 17 16,17 1 0,18-19-1,18 1 1,-1-18-16</inkml:trace>
-  <inkml:trace contextRef="#ctx0" brushRef="#br1" timeOffset="-179680.13">27129 15434 0,'0'-18'0,"0"36"0,-18-71 16,18 35-16,0 36 31,35 35-15,1 18 0,-19-36-16,54 88 15,-1 1 1,-52 87-1,-18-52 1,-106 35 0,-35-70-1,17-36 1,72-53 15,34-35-15,36-17-1,34-36-15</inkml:trace>
-  <inkml:trace contextRef="#ctx0" brushRef="#br1" timeOffset="-179245.92">27358 15328 0,'0'0'0,"-53"-53"16,71 53 15,35 0-31,70 71 16,0 17 15,-105-53-31,123 124 15,-53 0 1,-52 70 0,-72 0-1,-69-105 1,-72 17 0,124-106-16,-70 36 15,-18-1 1,123-34-1,0-36 1,36-18 0,70-70-1,-52 70 1</inkml:trace>
-  <inkml:trace contextRef="#ctx0" brushRef="#br1" timeOffset="-178963.75">28099 16298 0,'17'0'31,"1"0"-31,-18-17 0,18 17 16,-18-36-1,0 19-15,0-1 16,-18 18 0,0 0-1,1 0 1</inkml:trace>
-  <inkml:trace contextRef="#ctx0" brushRef="#br1" timeOffset="-178077.5">28751 16192 0,'18'0'0,"-36"0"0,89-52 31,-71 34-31,0 0 0,0 1 16,0-19 0,-18 19-1,1 17-15,-36 0 16,-18 88 0,36 0-1,0 53 1,35-70-1,17 17 1,1-70-16,52-1 16,89-17-1,0-17 1,-36-19 15,19-105-15,-90 53-1,-52 53-15,36-142 16,-36 72 0,0 52-1,-18 70 1,-52 89 0,17 53-1,17-36 1,36-34-1,53-19 1,18-52 0,17-18-1,-17-18 1,-54 18-16,36-53 16,-35-17 15,-1 70-16,-17 35 17,0-17-32,0 17 15,0-18-15,0 1 16,0 0 0,36-18 15,-19 0-31</inkml:trace>
-  <inkml:trace contextRef="#ctx0" brushRef="#br1" timeOffset="-177896.18">29827 16245 0,'0'-17'0,"0"34"0,0-70 16,0 18-16,-53 0 16,18 35-1,18 0 16,17 18-15,52-1 0,-16-17-16</inkml:trace>
-  <inkml:trace contextRef="#ctx0" brushRef="#br1" timeOffset="-177079.83">30233 16175 0,'0'0'0,"-35"0"15,-18 0 1,-35 17 0,35 19-1,17 52 1,36-53 0,-17 18-1,17 18 1,53-36-1,53-35 1,35 0 0,0-71-1,-71-17 1,19-53 0,-54 0-1,0 0 1,-35 106-1,0 52 1,0 19-16,-35 52 16,-18 70-1,35-52 1,-35 0 15,36-53-15,-1-35-1,36-18 17,-1-18-32,36-35 15,18 0 1,35-35 0,-1 35-1,-52 53 1,-106 0 15,-17 18-15,-18-1-1,52-17-15,19 36 16,17-1 0,0 18 15,0-18-16,0-17 1,53-1 0,-18-17-1,-17 0-15,35 0 16,-18 0 0,18-17-1,0 17-15</inkml:trace>
-  <inkml:trace contextRef="#ctx0" brushRef="#br1" timeOffset="-176795.26">31380 16192 0,'17'-70'16,"-34"140"-16,34-158 0,-17 53 15,-35 35 16,17 18-31,-35 52 16,0 36 0,36-35-1,-18-1 1,35 1 0,0-54-1,17 1 1,54 0-1,-1-18 1</inkml:trace>
-  <inkml:trace contextRef="#ctx0" brushRef="#br1" timeOffset="-176479.67">31750 16087 0,'0'-36'15,"0"72"-15,0-89 0,0 17 16,0 1 0,53 35-1,-35 0-15,34 18 16,19 70 0,-53 18-1,-18 35 1,-18-53-1,-53 0 1,54-70-16,-18 0 16,-18-1-1,35-17 1,0 0 0</inkml:trace>
+  <inkml:trace contextRef="#ctx0" brushRef="#br0">6509 723 0,'0'0'0,"0"-17"0,-36-54 32,36 53-17,-17 1 1,-1-1-16,-17 36 15,-18 70 17,18 35-32,-18 71 31,0-52-15,35-90-16,-52 54 15,-1 0 1,36-71-1,17-35 1,18-53 0,0-17-1,0-18 1,18-53 0,17 52-1,18 36 16,-35 71-15,35 88 0,0-18-1,-18 18 1,0-35 0,36-19-1,-1-34 1,-52-18-16,88 0 15,-18-35 1,35-53 0,-52-18-1,-36-53 1,-35 0 15,0 124-31,-53-106 16,-88 17-1,18 54-15,-54 70 32,89 53-17,18 123 1,70-52 0,70 17-1,1-71 1,52-34-1,-35-36 1,18 0 0,-53-18-1,-18 0 1</inkml:trace>
+  <inkml:trace contextRef="#ctx0" brushRef="#br0" timeOffset="484.2">7003 1076 0,'0'-18'31,"0"1"-31,0-1 16,0 0-16,0 1 15,17-1-15,36-35 16,0 36 0,0 17-1,0 52 1,0 19 0,-18 88 15,-35-89-31,0 1 15,-18-36 17,1-35-32,17-35 47,0 17-47,0-52 15,35-18 1,-35 17-1,53 0 1,-18 54 0,36-1-1</inkml:trace>
+  <inkml:trace contextRef="#ctx0" brushRef="#br0" timeOffset="1176.39">7973 1235 0,'0'0'0,"0"-18"46,17 0-46,1 1 16,-18-18-16,35-36 16,-35 0-1,-17-17 1,-89 18 0,18 52-1,52 18 1,-87 71-16,52 17 31,-17 53-15,88-35-16,0-18 31,53-53-15,18-17-1,-1-18 1,36-71-1,-18 18 1,-17-35 0,-36 0-1,-35 70-15,18-70 16,-18 70 0,0 107 30,0-1-46,0 18 32,0-89-32,0 36 0,53-17 31,0-36-15,17 0-1,1-53 1,-54 17-1</inkml:trace>
+  <inkml:trace contextRef="#ctx0" brushRef="#br0" timeOffset="1783.61">8396 1058 0,'0'0'0,"0"-53"15,0 18 1,0 53 15,0 35-15,0 35-1,0 0 1,0-35 0,0-18-16,0-17 15,0-36 32,0 1-47,53-36 16,-35 17-1,17-16 1,-17 34 0,-18 36-1,0 34 1,0 19 0,17-18 15,18-18-31,18-17 15,18-1 17,-36-17-32,36 0 15,35-52 1,-36-19 0,-52-35-1,-18 18 1,-53 0-1,0 35 1,0 53 0,35 0-1,1 35 1,87-35 15</inkml:trace>
+  <inkml:trace contextRef="#ctx0" brushRef="#br0" timeOffset="2334.17">9419 670 0,'0'0'0,"0"-35"0,0 17 16,0 1-16,0-1 15,-53 18 1,18 53-1,0 53 1,35 17 0,0 71-1,-18-88 1,0-18 0,18-35 15,-17-35-31,-1-18 31,18-18-15,0 1-1,0-54-15,35 1 32,36-19-17,0 72 1,34 17-1,-87 53 1,0 35 0,-18-35-1,-53 17 1,0-34 0,-53-19 15,88-17-31,-35 0 0,0 0 31,53-35-31</inkml:trace>
+  <inkml:trace contextRef="#ctx0" brushRef="#br0" timeOffset="3133.4">10266 1076 0,'0'0'0,"0"-18"0,17-70 31,-17 53-31,-17-18 16,-71-18-1,-1 71 1,-52 53 0,53 18 15,0 70-31,70-106 15,-17 71 1,35 0 0,18-71-1,70-17 1,0-18 0,88-53-1,-87 0 1,-1-35-1,-71 0 1,-17-18 0,0 88-1,-17 36 1,-18 52 15,17 54-31,18-54 16,0 19 15,18-72-31,70 1 31,-18-18-15,18-35 0</inkml:trace>
+  <inkml:trace contextRef="#ctx0" brushRef="#br0" timeOffset="3409.63">10795 970 0,'0'0'0,"18"-18"0,-18-17 15,-36 18 1,-34 34 0,17 54-1,-18 70 16,71-53-15,-17 18 0,17-53-1,53-18 1,17-35-16,-35 0 16,107-35-1,-37 0 1</inkml:trace>
+  <inkml:trace contextRef="#ctx0" brushRef="#br0" timeOffset="4059.73">11254 829 0,'0'0'0,"0"-88"16,0 70 15,-36 159 0,36-105-31,0-1 16,-17 124 0,-1-36-1,0-35 1,1-52 0,17-19-1,0-34 16,0-19-15,35-52 0,18 18-1,53-36 1,-36 88 0,1 0-1,-53 54 16,-18 17-15,-53-18-16,-18-17 31,18-18-15,36 0-16,-1 0 16,18 17-1,0 18 1,0 1-1,18 17 1,17-18 0,-18-17-16,19-1 15,-36 1-15,17-18 16,1 17 15,17-17-15,1 0-16,-19-17 15</inkml:trace>
+  <inkml:trace contextRef="#ctx0" brushRef="#br0" timeOffset="4767.07">12788 988 0,'0'0'15,"0"-18"-15,18-70 32,-18 70-32,-53 18 15,35 0 1,-17 88-1,0 18 1,35 35 0,0-52-1,0-54-15,35 35 16,18-52 0,53-18 15,0 0-16,-36-53 1,18-35-16,-70-53 31,-71-18-31,-18 53 32,-70 53-17,53 53 1,18 53-1,52 53 1,18-71-16,18 36 16,87 0-1,19-54 1,88-34 0</inkml:trace>
+  <inkml:trace contextRef="#ctx0" brushRef="#br0" timeOffset="5197.72">13688 670 0,'0'0'0,"0"-35"15,-53 0 1,-18 35 0,54 53-1,17-36-15,-18 142 16,18 17-1,0 54 1,0-72 0,-18 89-1,1 18 1,17-18 0,-18-18 15,0-105-16,1-36 1,-18-88-16,-36-53 16,36 18-1,-71-71 1,35 0-16,18 0 31,53 53-15,0-35-1,18 0 1</inkml:trace>
+  <inkml:trace contextRef="#ctx0" brushRef="#br0" timeOffset="5992.21">15117 1235 0,'0'0'0,"17"-53"31,1 53-16,-1-35 1,19-36-16,-19 0 31,-17 36-31,-17-35 0,-89-1 32,0 71-17,-35 35 1,35 106-1,53-17 1,53-89-16,-17 71 16,17-35-1,52-36 1,37-35 0,-19-35 15,71-36-16,-105 53-15,52-70 0,0-18 32,-88 36-32,-18 105 31,1 0-15,17 71-1,0-18 1,17-17-1,72-36 1,-19-35 0,54-17-1,-72-19 1</inkml:trace>
+  <inkml:trace contextRef="#ctx0" brushRef="#br0" timeOffset="6492.66">15752 758 0,'0'0'16,"0"-88"-16,-36 106 16,1 88 15,17 88-15,18-71-16,0 36 31,0-71-16,0-35 1,0-71 15,0-17-15,0-35 0,36-1-1,52-52 1,-71 87-1,72-17-15,16 89 32,-52 34-17,-35 36 1,-71-18 0,-17-35-16,-72 0 31,72-35-16,52-18 1,36-36 15,0 19-31</inkml:trace>
+  <inkml:trace contextRef="#ctx0" brushRef="#br0" timeOffset="6925.6">16492 1147 0,'0'0'0,"36"-18"0,122-17 16,-105-18 15,-53 17-15,-17 36-16,-107 18 31,36 17-16,0 18 1,70 0 0,36 0-1,52-18 1,36 1 0,-35-1 15,-18 0-16,-53-17 1,-89-1 0,-16-17-16,-1 0 31,18 0-31,70-17 16,36-54 15,-1 54-31</inkml:trace>
+  <inkml:trace contextRef="#ctx0" brushRef="#br0" timeOffset="7317.13">17145 864 0,'0'-17'16,"0"34"-16,0-52 0,0-18 16,0 0-1,-35 53 1,-1 0-1,-16 141 1,34-105-16,-17 105 16,35 17-1,0-52 1,0-35 0,17-36 15,54-35-16,-36 0-15,53-35 0</inkml:trace>
+  <inkml:trace contextRef="#ctx0" brushRef="#br0" timeOffset="7749.72">17533 1058 0,'0'0'0,"0"-17"0,0-19 15,-53 54 16,0 35-15,18 53 0,17-18-1,18-70-15,0 52 16,0-52-16,18 17 16,52-35 15,1 0-31,35-35 31,-18-36-15,-70 1-1,-18 34-15,0-52 16,-88 0 0,-1 70-1,-34 36 1,52 35-1,54-18-15,-36 71 16,53-18 0,17-17-1,89-54 1</inkml:trace>
+  <inkml:trace contextRef="#ctx0" brushRef="#br0" timeOffset="8734.54">17956 1129 0,'0'-18'0,"0"36"0,0-71 15,0 18 1,0 52 0,-17 36-16,-1-17 15,18 69 1,0-34-1,0 17 1,0-70 0,35-1-1,-17-17-15,35 0 16,35-53 0,-35 1 15,-18-54-31,1 35 31,-19 1-15,-17 87 15,-17 1-31,17 17 0,-18 0 16,-17 71-1,35-35 1,17-18-1,72-36 1,16-17 0,-34-17-1,35-54 1,-36-52 0,-34-1 15,-19 1-31,1 87 15,-1-87-15,-17 105 32,0 54-17,-52 69-15,16 37 32,19-1-17,17-35 1,0-36-1,53-35 1,-1-35 0,37 0-1,-72 0-15,36-35 16,18-35 0,-36-1 15,-17-17-16,-18 70 1,-36 36-16,-16 52 16,34 19 15,18-19-15,18-35-1,52-17 1,-17-18-1,70-35 1,-70-1 0,0-34-1</inkml:trace>
+  <inkml:trace contextRef="#ctx0" brushRef="#br0" timeOffset="8942.74">18538 1005 0,'-17'0'0,"34"0"0,-52 18 0,18 0 31,34-18-15,36 17-1,-18-17-15,89 0 16,-36 0-1,-35-17-15</inkml:trace>
+  <inkml:trace contextRef="#ctx0" brushRef="#br0" timeOffset="9433.45">20214 935 0,'0'-18'0,"0"36"0,0-71 16,18-35 0,-1 70-16,107-52 15,-18 70 1,52 52 0,-87 90-1,0 52 16,-36-36-31,-17-52 16,-1-53 0,1-53-1,-1 0 17,1-35-17,35-71 1,-53 71-16</inkml:trace>
+  <inkml:trace contextRef="#ctx0" brushRef="#br0" timeOffset="9649.4">21026 758 0,'0'-17'0,"0"34"0,0-52 0,-18 35 16,-88 88 0,-35 71-1,35-18 1,-17 18 15,87-71-15,36-17-1,18-54-15,35-17 16,70 0 0,-87-17-16</inkml:trace>
+  <inkml:trace contextRef="#ctx0" brushRef="#br0" timeOffset="9959.16">21290 1041 0,'0'0'0,"0"-18"0,0 36 16,-35 35 0,17 88-1,18-18 1,-17-70-1,-1 88 1,-17 71 0,-1 0-1,1-89-15,0 18 32,35-106-17,53-35 1,-18-17-1,18-71 1,-18 35-16</inkml:trace>
+  <inkml:trace contextRef="#ctx0" brushRef="#br0" timeOffset="10275.52">21308 1305 0,'0'-35'0,"0"70"0,-18-176 16,18 53 15,0 17-31,53 36 31,71 53-15,-1 70 0,-52 0-1,-71 18 1,-53-53-1,-71-18 1,18-17 0,53-18-1,36 0 1,34 0 0,36-18-1</inkml:trace>
+  <inkml:trace contextRef="#ctx0" brushRef="#br0" timeOffset="10758.98">22190 988 0,'0'0'0,"0"-18"16,0 0-16,0 1 15,-88 17 1,17 53-1,-17 53 1,35-18 0,18 18-1,35-89-15,0 19 16,0-19-16,52 1 16,-34-18-16,35 17 31,35-52-31,-17 0 31,-18-71-15,-36 18-1,-17-18 1,0 88 0,0 54-1,0 52 1,0-18-1,0 19 1,0-72-16,36 19 16,17-19-1,-1-17 1,1-35 0</inkml:trace>
+  <inkml:trace contextRef="#ctx0" brushRef="#br0" timeOffset="11032.18">22789 776 0,'0'0'0,"18"-70"16,-18 34 15,-35 72-31,0 87 31,-1 36-15,36 0-1,0-71 1,0-18 0,18-34-1,52-36 1,1-36 0,-53 19-16,35-19 15</inkml:trace>
+  <inkml:trace contextRef="#ctx0" brushRef="#br0" timeOffset="11491.83">23213 723 0,'0'0'15,"17"-35"-15,-17 53 16,0 17-16,-35 106 16,0-18 15,17 36-16,1-88 1,-1-18 0,0-53-16,1 0 31,17-36-15,0-69-1,70 16 16,-35 54-31,54-71 16,17 53 0,-36 89-16,-17 69 31,-53 1-15,0 18-1,-35-36 1,-1-53-1,19-35 1,-1 0 0,-17-35-1,17 17-15</inkml:trace>
+  <inkml:trace contextRef="#ctx0" brushRef="#br0" timeOffset="11709.24">22560 917 0,'35'0'16,"-17"0"-16,70 18 16,18-18-16,18 0 31,-54 0-16,-70-18 1</inkml:trace>
+  <inkml:trace contextRef="#ctx0" brushRef="#br0" timeOffset="12716.11">6491 2099 0,'0'0'0,"0"-18"31,18 18-15,105 0-1,36 0 1,123 0-16,18 0 16,264 0 15,-405 0-31,406 0 15,299 18 1,-158 0 0,352-1-1,-211 1 1,405 35 0,88-18 15,54 0-16,-389 1 1,283 17 0,-406-18-1,388 53 1,-653-53 0,54-17-1,-319-18 1,-105 0-1,-211 0 1,-178 0 0</inkml:trace>
+  <inkml:trace contextRef="#ctx0" brushRef="#br0" timeOffset="14315.64">2963 3475 0,'0'0'15,"-17"0"-15,17-18 0,-36 18 31,1 18-31,35 70 32,0 0-32,53-35 15,18-18 1,-1-35 15,36-35-31,-35-18 31,-36 36-31,18-54 16,-18-35 0,-35 18-1,-18 17 1,1 54 0,-36 70-1,0 70 1,18 1 15,35 34-15,0-34-16,0-1 31,0-87-31,0 69 16,0-87-1,-53-53 16,-18-36-15,1 1 0,52 52-16,-70-52 15,52 52 1,36 88 15,53 36-15,18-35 15,-53-54-31,52 36 0,54-35 31,-19-18-15,37-88 0,-37 17-1,-34-35 1,-71 71-16,18-35 15,-18 17 1,0 70 15,0 36-15,0 35 0,0-52-16,0 17 15,0 17 1,0-52-1,-18-18 17,18-18-32,0-52 31,0-36-15,88-18-16,18 71 31,35 36-16,-70 34 1,-1 72 0,-70-1-1,0 18 1,0-53 0,-17-1-1,-19-34 16,1-18-31</inkml:trace>
+  <inkml:trace contextRef="#ctx0" brushRef="#br0" timeOffset="14898.56">4621 3845 0,'0'-17'15,"0"34"-15,0-87 16,18 52 0,17-17-1,53 17 1,-70 1-16,70 17 16,36 35-1,-36 35 1,-35 19-1,-35 16 1,-18-34 0,-18-36-1,0-88 17,18 0-17,0-52 1,36 34-1,16 0 1,-34 54 0,17-1-16,18 18 31,-17 35-31,-36-17 16</inkml:trace>
+  <inkml:trace contextRef="#ctx0" brushRef="#br0" timeOffset="15242.21">5450 3951 0,'18'0'0,"-36"0"0,89 0 15,-53 0-15,17-35 16,71-36 0,-53 18-1,-36 0 16,-17 1-15,-88 52 0,-18 35-1,36 35 1,34 36-16,36-35 31,36 35-31,34-54 31,71-52-15,0 0 0,106-70-1,-211 52-15</inkml:trace>
+  <inkml:trace contextRef="#ctx0" brushRef="#br0" timeOffset="15957.57">6368 3775 0,'0'-18'15,"0"36"-15,0-54 0,-53-16 0,-18 34 32,1 36-17,17 52 1,0 18-16,35-17 16,18 35 15,0-89-31,35 36 15,36-53 1,-18-17 0,17-54-1,-52 18 1,35-53 0,-53 89-16,18-54 15,-1 1 16,-17 105 1,0 53-17,0-35 1,0-18-16,0 18 0,0-35 16,36 17-1,52-17 1,0-18-1,0-53 1,0 0 0,1-53-1,-72 71-15,18-71 16,-17-53 0,-18 106-1,-35 53 16,0 106-15,-1 35 0,36 18-1,18-71 1,52 18-16,1-88 31,35-36-15,-18-35-1,-35-35 1,-53 70-16</inkml:trace>
+  <inkml:trace contextRef="#ctx0" brushRef="#br0" timeOffset="17657.81">7796 4004 0,'0'0'16,"0"18"0,18-18-1,17 0-15,-17-18 0,35-17 16,35-36 0,0-35-1,-70 18 16,0-53-15,-18 35 0,-18 71-1,-17 53 1,-1 87-16,19 1 31,17 35-15,0-17-1,35-36 1,18-35 0,53-53-1,0-35 1,-36-18 0,18-35-1,-70 52-15,0-34 16,-18 17 15,0 35-31,0 36 16,-18 17 15,18-17-31,-18 52 0,18 18 31,0-17-15,71-36-1,-1-35 1,36-17 0,-18-36-1,-70 35-15,70-70 16,-52 17 0,-36-34-1,0 87 1,0 0 15,-18 89-31,0-1 16,1 19 15,-1-19-15,18-17-1,-18-53 1,36-35 15,17-36-15,18-17-1,0 17 1,35 19 0,-35 52-1,0 35 1,-35 18-1,-18 17 1,0 1 0,0-36 15,0-17-31,35-18 31,18-53-31,0 18 31,0-36-15,17-17 0,-17 35-1,-53 35-15,18 1 16,-18 87 15,0-17-15,0 35-1,18-35 1,70 18 15,18-71-15,-18 0-16,35-36 31,-35-16-15,1-19-1,-72 36-15,-17-36 16,0-35 0,-35 106-1,-18 18 1,35 70 0,1-17-1,34 35 16,54-54-15,35-34-16,0-18 31,-36-35-31,18-36 16,-70 54 0,-18-72-1,0 72-15</inkml:trace>
+  <inkml:trace contextRef="#ctx0" brushRef="#br0" timeOffset="17881.75">9472 3175 0,'0'0'0,"-70"0"31,52 0-15,0 0 15,-35 0-15</inkml:trace>
+  <inkml:trace contextRef="#ctx0" brushRef="#br0" timeOffset="18115.36">8202 3616 0,'0'0'0,"0"18"31,18-18-31,70 0 16,18 0-1,-18 0 1,18-36 15,-36 36-15</inkml:trace>
+  <inkml:trace contextRef="#ctx0" brushRef="#br0" timeOffset="18957.2">11853 3951 0,'18'0'0,"-36"0"0,54-18 15,17-17 1,-18 0 0,-18-53-1,-17 17 1,0 54-1,-70-89-15,-1 53 32,-52 53-17,35 35 1,-1 106 0,54-17-16,35-19 31,18-16-16,52-72 1,19-17 0,-1-35-1,35-53 1,-70 17 0,-35-17-1,-18 35 1,-18 88 15,1 18-15,17-35-1,0 70 1,52-35 0,54-35-1,35-18 1,-35-18-1,35-70 1,-123 70-16</inkml:trace>
+  <inkml:trace contextRef="#ctx0" brushRef="#br0" timeOffset="19214.68">12541 3687 0,'0'-18'16,"0"36"-16,0-54 0,-35 54 31,35 0-31,-18 34 16,-17 125 15,35-36-31,-18 71 31,18-54-15,-17 1-16,17-35 31,0-142 0,0-35-15,17-35 0</inkml:trace>
+  <inkml:trace contextRef="#ctx0" brushRef="#br0" timeOffset="19507">12471 3863 0,'0'-53'15,"0"106"-15,0-177 16,53 89 15,-36 18-31,19 17 0,87 17 31,-70 36-15,-53 35-16,-71 0 31,-17-52-15,-18-1-1,36-17 1,105-54 15,53-17-15,-35 1-16</inkml:trace>
+  <inkml:trace contextRef="#ctx0" brushRef="#br0" timeOffset="19797.64">12965 3651 0,'17'0'16,"-34"0"-16,34-17 16,-34 105-1,-19 35 1,19 1 0,17-89-1,0 159 1,-18-53-1,-17 18 1,-18-36 0,53-70-1,0-35 1,35-71 0,36-53-1,-18 0 1</inkml:trace>
+  <inkml:trace contextRef="#ctx0" brushRef="#br0" timeOffset="20393.64">12965 3881 0,'-18'-36'15,"36"72"-15,-54-160 16,36 54-16,18 17 16,70 53-1,36 17 1,-36 36 15,-71-35-31,1 70 16,-18-35-1,-106 17 1,36-52 0,-19-18-1,54 0 16,35 18-15,35-18-16,54 0 31,17 0-15,-1-18-16,72-52 31,-107 17-15,-17-53-1,-35 0 1,-18 0 0,0 71-1,0 70 1,0 71 0,0-18-1,0 18 1,0-53 15,35-18-31,18-35 31,0-17-15,18-54-16,-54 53 16</inkml:trace>
+  <inkml:trace contextRef="#ctx0" brushRef="#br0" timeOffset="20825.13">14041 3228 0,'0'0'0,"-18"0"15,-35 18 1,35 52 0,18 1-1,0-1 1,0-35 15,0-17-15,-17-18-16,-1-18 31,18-17-31,18-88 31,35 35-31,52 17 31,-16 89-15,-72 52 0,1 71-1,-18-105-15,0 52 16,-53 18 0,35-71-1,-17-17 1,17-18 15,18-18-31</inkml:trace>
+  <inkml:trace contextRef="#ctx0" brushRef="#br0" timeOffset="21963.65">15222 3669 0,'18'-18'0,"-36"36"0,36-53 15,-18 17-15,35-35 16,-35 71 15,-17 35-31,-1 17 31,0 36-15,-17-18 0,35-53-1,0-17 1,35-18 0,36-35-1,-1-18 1,1-35 15,-36 0-31,1 70 16,-19 18-1,1 53 1,-18 17 15,17-17-15,36 0-1,0-53 1,0 0 0,18-17-1,-18-36 1,17-36 0,-70 19-1,36-36 1,-36 88-1,0 1 1,0 34 0,0 36-1,-18 36-15,18 16 16,0-52 15,0-35-31,70 17 16,1-17-1,35-18 1,0-18 0,0-52-1,-18-1 1,-71 53-16,-17-52 16,0-1-1,-35 71 1,-35 36 15,34 34-31,19 18 31,17-52-31,0 17 0,35 17 32,53-70-17,-35 0 1,53-35-1,-71-18 1,-17 35-16</inkml:trace>
+  <inkml:trace contextRef="#ctx0" brushRef="#br0" timeOffset="23197.38">18062 3986 0,'0'0'15,"124"-17"17,-89 17-32,36-36 15,-1-16 1,-52 34-16,-1-53 16,-34 1-1,-71-1 1,-36 36 15,18 35-31,0 35 31,71-17-31,-35 52 0,34 54 16,36-54 15,53 1-31,18-53 31,70-36-15,-35-35 0,0-17-1,-54-19 1,1-34 0,-35-1-1,-18-34 1,0 122-1,0-17 1,-35 53 0,17 89-1,-17 69-15,35 1 32,0-71-32,35 18 31,18-53-31,53-53 31,-36-18-15,54-34-1,-54-1 1,19-53 0,-72 53-1,1 18 1,-18 70 15,0-17-15,-18 34-16,18 54 31,0-35-31,18-36 31,52 0-31,1-35 31,17-35-15,0-18 0,1-17-1,-72-1 1,-34-52 0,-72 70-1,-16 35 1,-19 53 15,18 54-15,89-19-16,17 18 31,17-35-31,71 0 31,-70-53-31,53 0 16,17 0-1,-53-18-15</inkml:trace>
+  <inkml:trace contextRef="#ctx0" brushRef="#br0" timeOffset="24829.91">20108 3704 0,'-17'0'15,"-1"0"1,18-17 15,0-1-31,0 0 0,0-35 32,18 0-32,17 18 31,36 17-16,-1 54 1,-17 52 0,-53-53-16,35 89 15,-35-36 1,0-18 0,0-34-1,-17-36 16,17-18-15,0-35-16,17-17 31,54-36-15,-1 35 0,54-35-16,-89 89 15,53-1 1,18 53-1,-88 54 1,-18 16 0,-18-16-1,1-36 1,-19-1 0,54-52 15,17-35 0,36-18-31</inkml:trace>
+  <inkml:trace contextRef="#ctx0" brushRef="#br0" timeOffset="25257.52">21184 3581 0,'0'0'16,"18"-71"-1,-71 142 16,35-36-15,-17 71 0,17-18-1,18-17 1,18-19 0,35-52-1,18 0 1,-1-35-1,-35 35-15,36-88 32,-36 17-32,-35-34 15,-35 16 17,-36 54-32,-17 35 31,0 35-16,70 18 1,-17 18 0,35-18-1,35-53 1,18 0 0</inkml:trace>
+  <inkml:trace contextRef="#ctx0" brushRef="#br0" timeOffset="25540.85">21784 3387 0,'0'0'0,"53"-71"0,-35 1 15,-36 158 32,0 18-47,-17 52 31,17-34-15,18-36 0,36-53-1,-1-35 1,35 0 0,-17-53-1,-35 0 1</inkml:trace>
+  <inkml:trace contextRef="#ctx0" brushRef="#br0" timeOffset="25730.23">21731 3492 0,'0'0'0,"-18"0"0,1 0 16,-1 0-1,53 0 16,89 0-15,17-17 0,0 17-1</inkml:trace>
+  <inkml:trace contextRef="#ctx0" brushRef="#br0" timeOffset="26881.32">23001 3334 0,'0'0'16,"0"-18"-16,0-17 15,-18 35 1,1 0 0,-18 53-1,17 70 1,0-35-16,1 18 31,17-35-15,17-54-16,36 19 15,18-19 1,17-17 0,-35-35-1,17-53 1,-17-53-1,-17-36 17,-19 89-32,-17 53 31,0 70-31,-35 89 31,17 17-15,18 0-1,0-71 1,36-17 0,52-35-1,0-18 1,-70 0-16,105-53 16,-17 0-1,-18-53 1,-70 36 15,-18 17-15,-53 53-1,-18 88 1,71-35-16,0 35 16,18-53 15,17 1-16,-52-36 32,-1 0-47,-17 0 16,-1-18 0,36 36 15,0-1-31,18-17 15,53 18 17,17-18-17,18 0-15,-18-18 32,0-35-32,0-17 31,-53-36-31,-35 35 31,-17 54-15,-54 52-1,36 36 1,35 17 0,0-70-16,0 34 15,71 1 1,-1-53-1,18 0 17,-35 0-32,-35-70 31,-18-18-15</inkml:trace>
+  <inkml:trace contextRef="#ctx0" brushRef="#br0" timeOffset="27847.22">26070 3616 0,'18'0'0,"-36"0"0,54 0 0,52 0 32,-71 0-17,1-35 1,0 17-16,-18-35 0,0-35 31,-18 17-31,-70-34 16,0 69 15,-18 54-15,-35 105-1,35 36 1,88-53 0,18-18-1,35-35 1,89-35-1,-36-18 17,53-53-17,-70 0 1,-1-71 0,-52-17-1,0 35-15,-18 71 31,0 70-15,-18 107 0,18-37-1,0 1 1,53-18 0,17-52-1,-17-36 1,18 0-1,0-53 17,-36 18-32</inkml:trace>
+  <inkml:trace contextRef="#ctx0" brushRef="#br0" timeOffset="28325.05">26741 3052 0,'0'-18'0,"0"36"0,-36-36 15,1 53 1,0 106 0,17-88-16,0 88 15,18 18 1,0-53 0,0-36-1,0-52 1,-17-36 15,17 1-15,0-18-16,17-71 31,36 35-31,53 1 16,-18 70-1,36 52 16,-89 37-15,-53-1 0,-34-35-1,-90 0 1,19-18 0,88-35-16,-1 0 15,19 0 1,17-35-1,53-18 1</inkml:trace>
+  <inkml:trace contextRef="#ctx0" brushRef="#br0" timeOffset="28897.01">27570 3510 0,'0'0'0,"0"-35"16,0 17-1,17-35 1,18 0-1,-17 0 1,-18 18 0,-53 35-1,-35 0 1,17 53 0,54 18 15,17-54-31,17 36 15,54 18 1,0-18 0,-1 17-1,-70-17 1,-18-18 0,1-35-16,-71 0 15,-53 0 1,52 0-1,36-17 17,36-18-32,52-1 31,36-17-31,-36 36 16</inkml:trace>
+  <inkml:trace contextRef="#ctx0" brushRef="#br0" timeOffset="29163.38">27905 3228 0,'0'0'16,"35"-35"-16,-17 17 0,70-70 15,-88 53 1,0 52 0,-71 107-1,18 17 1,0 17-1,36-16 17,-18-54-17,35-71 1,17 1 0,54-36-16,52-52 15</inkml:trace>
+  <inkml:trace contextRef="#ctx0" brushRef="#br0" timeOffset="30572.22">28328 3369 0,'0'-35'15,"0"70"-15,-53-53 32,35 36-32,-34 53 15,-19 34 1,36-16-1,35-1 17,0-53-17,123-17 1,-52-18-16,35-53 31,-53 0-31,-18-71 31,-35 19-15,-18-19 0,-88 106-1,-17 71 1,35 36 0,35 34-1,53-35 1,53 0-1,52-52 17,37-36-17,-54 0 1,18-53 0,-36-18-16,18-52 31,-70 87-31,0-34 0,-18 35 31,0 52-15,-36 54-1,19 17 1,17 0 0,0-70-16,0 35 15,53-36 1,0-17-1,35-17 1,0-36 15,-17-53-15,-36 0-16,-18 18 31,-17 106 0,-17 35-15,17 17 0,0-35-16,0 18 15,17 0 1,54-17 0,17-36-1,0 0 1,-17-71 15,-71 53-31,35-88 16,0-70-1,-17 35 1,0 18 0,-18 87-1,-36 89 1,19-35-1,-1 105 1,-17 71 0,35-70-1,18-18 1,34-53 0,-34-53-16,35 17 15,-35-17-15,52 0 16,18-70-1,-17 17 17,-53-53-17,-1 18 1,-34 70 0,-36 53-16,17 71 31,36-35-31,0 17 31,36-53-15,-19-35-16,72 18 15,-19-18 1,36-18 0,-53-17-1,0-53 1,-53-1-1,0 54-15</inkml:trace>
+  <inkml:trace contextRef="#ctx0" brushRef="#br0" timeOffset="30813.03">29439 3157 0,'-17'0'16,"34"0"-16,-52 18 0,35 0 31,18-18-31,52 17 16,54-17-1,-36 0 1,18 0 0,-89 0-1,-17 18 1,-53 0-1</inkml:trace>
+  <inkml:trace contextRef="#ctx0" brushRef="#br0" timeOffset="31696.61">5944 4639 0,'0'0'0,"0"-18"0,0-17 31,18 35 0,17 18-31,53 88 16,-17-1-1,0 54 1,-54-124 0,1 54-1,-1-1 1,-17-71 0,0 1-16,18-36 31,17-52-16,1-71-15</inkml:trace>
+  <inkml:trace contextRef="#ctx0" brushRef="#br0" timeOffset="31945.49">6403 4674 0,'0'-35'0,"0"70"0,0-88 0,0 18 16,-35 35-1,-71 106 1,35 0-1,-35 53 17,53-54-17,18 1-15,35-71 32,35-17-17,36-36-15,0-34 31,-54 34-31</inkml:trace>
+  <inkml:trace contextRef="#ctx0" brushRef="#br0" timeOffset="32272.57">6615 4780 0,'0'0'0,"0"35"15,0 36 1,0 88-1,0-36 1,0 124 15,-18-70-15,-17 87-16,-1-35 16,1-70 15,35 18-16,0-142 1,0-123 15,0 70-31,18-53 16,17-87 0,-17 52-16</inkml:trace>
+  <inkml:trace contextRef="#ctx0" brushRef="#br0" timeOffset="32613.24">6526 5133 0,'0'0'0,"-17"-35"0,17-18 15,0-71 1,0 107-16,0-72 0,106 19 31,35 70-31,-35 35 16,-1 53 15,-105 36-15,-70-18-1,-71-18 1,52-53 0,1-17-1,71-18 1,52 0 15,-17-18-15,70-35-1,-53 36-15</inkml:trace>
+  <inkml:trace contextRef="#ctx0" brushRef="#br0" timeOffset="33156.57">7444 4921 0,'0'0'0,"70"-53"16,-52 18 0,-18-18-1,0 18 1,-53 17 0,-35 53-1,17 54 1,36 17-1,17 17 1,18-35 15,18-70-15,35-18 0,-36 0-16,19-18 15,34-52 1,-17-19-1,-35 1 1,-18 0 0,0 35-1,-18 124 17,18 35-17,0-18 1,0 0-1,53-35 1,0-36 15,-35-17-31,52 0 16,1-52-16,52-37 31,-105 72-31</inkml:trace>
+  <inkml:trace contextRef="#ctx0" brushRef="#br0" timeOffset="33413.21">8079 4674 0,'0'-70'16,"0"140"-16,-36-158 15,1 88 1,0 71 0,35 34-1,0 72 1,0-71-1,0-18 1,0-53 15,35-35-31,36 0 32,-54-17-32,36-36 15,-35 17-15</inkml:trace>
+  <inkml:trace contextRef="#ctx0" brushRef="#br0" timeOffset="33889.01">8361 4586 0,'0'0'0,"0"-18"15,0 36 1,0 35 0,-18 53-1,18 35 1,0-35-1,0-18 1,0-70 0,-17 17-1,17-17 1,-18-54 0,18-34-1,18-18 1,-1 52-1,54-87 1,-1 52 0,54 54-1,-54 34 1,1 89 0,-53 0-1,-18 0 1,-36-36 15,19-52-31,-19-18 16,19-18 15,-19-35-31,19 36 16</inkml:trace>
+  <inkml:trace contextRef="#ctx0" brushRef="#br0" timeOffset="34089.25">7796 4727 0,'-17'0'0,"34"0"0,-52 0 16,17 0-16,36 0 31,88-17-15,-18-1-1,0 18 1,-70 0 0</inkml:trace>
+  <inkml:trace contextRef="#ctx0" brushRef="#br0" timeOffset="35172.37">9807 4833 0,'18'-35'0,"-36"70"0,53-106 16,-35 54-16,18-54 15,0-17 1,-18 53-16,0 52 31,0 72-15,0-19-1,0-17-15,0 124 16,17-54 0,-17 0-1,0-87 1,0-19-1,0-52 1,0-18 15,0-35-15,71-53-16,0 70 31,52 36-15,0 53-1,-17 88 1,-70-36 0,-36 18-1,-71 0 1,0-52 0,-70-19-1,53-17 1,35 0-1,36 0 1,70 0 15,17 0-15,-35 0 0,106-35-1,-17-18 1,35 0-1,-36-35 1,-70 18 0,-53 52-16,18-88 15,-36 53 1,-35 35 0,36 54-1,-19 70 1,36-18-1,0 18 1,0-89 0,18 36-1,35-18 1,35-35-16,0 0 31,36-35-15,-89 18-16,35-19 0</inkml:trace>
+  <inkml:trace contextRef="#ctx0" brushRef="#br0" timeOffset="36972.97">11377 4780 0,'0'0'16,"0"-18"-16,0 1 16,-53 17-1,36 0-15,-36 53 16,0 53-1,17 17 1,36-52 0,0 17 15,18-35-31,0-53 16,88 17-1,-18-17-15,53-35 31,18-18-15,-71 0 0,0-53-1,-88-17 1,0 17 0,-35 71-1,-36 35 1,-17 53-1,35 17 17,35-34-32,1 105 15,17-71 1,0 1-16,53-54 31,17-17-15,-17-35-16,-35 18 15,17-36 1,0-36 0,-35 19-1,18-18 1,-18 70 0,0 36-1,0 70 1,0 18-1,0-18 1,18-53 0,87-17-1,-69-18 1,87-53 15,-52-18-15,-36 1-16,-17-36 15,-1 35 17,-17 36-17,0 53 1,-17 70 0,-1 0-1,18 0 1,18-35-1,35-53 17,-36 0-32,54 0 15,-18-35 1,-18-18 0,0 0-16,-35-53 31,18 36-31,-18 34 31,0 54-15,0 35-1,0 53 1,0-18 0,0-17-1,18-18 1,52-53-1,1 0 1,-18-18 0,35-53 15,-35-17-15,35-35-1,-71 105-15,1-53 16,-18 54-16,-35 34 31,0 54-15,17 35-1,18-18 1,35-17 0,-17-36-1,-1-17 1,-34-18 31,-1-18-47,-17 18 31,17 0-31,1 0 16,17 18 15,35-18-16,35 17 1,-52-17-16,88 0 16,-18-17-1,18-19 1,-18-17 0,0-35-1,-52 0 1,-36 70-1,-36 36 1,1 35 0,0 35 15,35-35-15,17 0-1,36-53-15,18 0 16,-18 0-1,-18-35 17,-17-18-17</inkml:trace>
+  <inkml:trace contextRef="#ctx0" brushRef="#br0" timeOffset="38205">14728 5115 0,'0'36'16,"18"-36"-16,0 0 15,17 0 1,18-71 0,0 18-1,-36 18-15,54-53 16,-53 52-16,-1-70 15,1-35 1,-18 53 15,0 71-15,-18 52 0,-17 71-1,35 70-15,-18-52 31,36-1-15,88-52 0,-18-71-1,106-36 1,-106-34 0,0-54-1,-52 18 1,-36-35-1,0 71 17,-18 70-32,-17 70 31,17 36-31,18 53 31,0-53-31,0-18 16,0-53 15,71-70 0,-36-36-15,18-52 0,18 17-1,-19 35 1,-34 71-1,-18 18-15,18 53 16,-18 17 15,0 18-15,53-18-16,17-53 31,-52-35-31,123 18 16,-35-18-16,17-53 31,-35 0-15,-35-70-1,-53 17 1,-35 35 0,-18 71-1,-17 71 1,52 35-1,18-36 1,88 18 15,-17-70-15,52-18-16,-17-18 16,-18-35-1,-53-35 16,-35-18-15,-17 89-16</inkml:trace>
+  <inkml:trace contextRef="#ctx0" brushRef="#br0" timeOffset="38493.01">14940 4727 0,'0'0'16,"35"0"-1,1 0-15,70 0 32,123-35-17,-106 35 1,-17-18-16,-124 18 47,1 0-32,-1 0-15</inkml:trace>
+  <inkml:trace contextRef="#ctx0" brushRef="#br0" timeOffset="45894.78">18292 4639 0,'0'-18'31,"0"1"-15,0-1 0,17 0-16,-17 1 15,18 17 1,-18-35-16,17-1 31,-34 54-15,-18 17-1,-36 71 1,18 0 0,-18 53-1,1-36 1,-1 1-1,36-72 1,17-69 15,18-1-31,0-35 16,-17-70 15,-1 35-31,18-18 31,0 88-15,18 36 0,35 52-1,-18 19 1,36 16 0,17 1-1,18-53 1,35-53-1,-35 0 1,35-53 0,-53 0-1,-35-70 1,-36 88 0,-17-71-16,0 0 31,-35 88-31,-18 36 31,18 35-15,17-18-16,-17 89 15,35-19 1,0 1 0,71-71-1,34-35 1,-16 0-1,52-70 1,-71-1 0,-17-34 15,-35 16-15,-18 36-16,-18 106 31,1-35-16,-1 70-15,0 18 16,1-53 15,17-18-15,0-17 0,0-36-1,0-35 1,35-17-1,18-36 1,0 35 0,17 36-1,-52 35 1,-18 18 0,35 52-1,-35 1-15,53 35 31,0-53-31,-35-36 16,70 1 0,-53-18-16,71 0 15,53-35 1,-53-1 0,-18-52-1,-71 0 1,-17-18-1,0 88-15,-53-17 16,-35 35 0,18 53 15,-1 35-15,54 0-16,17-35 31,52-35-31,1-18 31,18-35-15,-36-18-1,-17 0 1,-1 0 0,-17 35-16,0 1 15,0 52 16,0-17-31,0 35 16,0 70 0,0 0 15,0-87-31,0 140 16,0-17-1,0 70 1,0 0-1,0-70 1,-70 18 0,52-142-16,-123 71 15,18-106 1,-71-36 0,17-69-1,-17-89 1,88-18-1,89 159-15,17-88 16,0 0 15,70 70-31,36 1 16,35-36 15</inkml:trace>
+  <inkml:trace contextRef="#ctx0" brushRef="#br0" timeOffset="46203.45">20214 4551 0,'-35'0'31,"17"0"-31,1 53 15,-1 35 1,0 53 0,18 0-1,0-70 1,0-54 0,0 19-1,36-54 1,17-35-1,-36 35 1</inkml:trace>
+  <inkml:trace contextRef="#ctx0" brushRef="#br0" timeOffset="46678.07">20585 4533 0,'0'0'0,"17"-35"15,-17 88 16,0 53-15,0-71-16,0 71 16,0 17 15,-17-52-15,17-1-16,-18-70 46,18-17-46,0-54 16,18-17-16,52-36 31,18 72-15,36-1 0,-18 53-1,-18 88 1,-71 0-1,1 18 1,-18-18 0,-18-70 15,18-1-31,-17-17 0,-1 0 16,1-53 15,-1 36-31</inkml:trace>
+  <inkml:trace contextRef="#ctx0" brushRef="#br0" timeOffset="46872.59">20126 4745 0,'0'0'0,"-18"0"0,1-18 31,70 18-16,-36 0-15,89-17 16,-18 17 0,18-18 15,-71 18-31</inkml:trace>
+  <inkml:trace contextRef="#ctx0" brushRef="#br0" timeOffset="47961.04">22225 4921 0,'0'-17'0,"0"34"0,53-87 16,-35 52 0,34-35-16,19-17 31,-53 34-16,-1 19 1,-17 34 0,-17-17-1,-1 18-15,-17 52 16,-1 54 0,19-1-1,17-70 1,0-17-1,88-36 1,18-18 0,-18-35-1,-17-35 17,-54 0-17,-87-36 1,-19 54-1,54 52-15,-71-17 0,53 35 16,36 17 0,34 36 15,72-35-15,69 0-1,-122-18-15,105 0 16,35-53-1,-88 17 1,-35-34 0,-53 35 15,0-18-31,0 35 16,-35 18-16,0 18 31,-18 70-16,35 35 1,1 107 0,-1 17-1,18-36 1,18-34 0,-18 52-1,0-35 1,-18-88-1,-53-36 1,54-70-16,-89 18 16,0-18 15,-35-53-15,35 0-1,71 0 1,35-35-1,0 70-15,70-105 0,54-1 16</inkml:trace>
+  <inkml:trace contextRef="#ctx0" brushRef="#br0" timeOffset="48303.9">24112 4498 0,'0'0'0,"0"-18"0,0 1 31,-17-1-15,-19 71-1,-16 35 1,34 36-16,0 17 31,1-18-15,17-52-1,0-54 1,17-17 0,36-70-1,0-1 1,18-35-1</inkml:trace>
+  <inkml:trace contextRef="#ctx0" brushRef="#br0" timeOffset="49012.79">24289 4445 0,'0'-18'0,"0"36"16,0 0 0,0-1-1,0 36 1,0 71-16,0-89 15,0 71 1,-18 0-16,18-36 31,-18-52-15,18-53 15,0-36-15,36-35-1,34 0 1,1 36 0,35 70-1,-36 17 1,-34 72 15,-36-19-31,0 18 16,17-17 15,36-53-15,53-18-16,-88 0 15,70-18 1,18-53 0,-36 1-1,-17-36 1,-35 35-1,-18 18 1,-53 71 0,35 53-1,-17 52 17,35-52-17,0 17 1,53-70-1,-36-18-15,72 0 16,-36-18 0,17-53-1,-17 1 1,-53-18 0</inkml:trace>
+  <inkml:trace contextRef="#ctx0" brushRef="#br0" timeOffset="49270.07">23671 4568 0,'-17'18'0,"34"-36"0,-52 36 16,17 0-1,54-18 1,34 0 0,71 0-16,-88 0 15,53 0 1,18 0 0,-89 0-16</inkml:trace>
+  <inkml:trace contextRef="#ctx0" brushRef="#br0" timeOffset="49886.95">26617 4851 0,'0'0'0,"18"0"31,-1-18-31,1 18 0,53-71 31,-1 19-15,-17-19-16,-53 0 15,-35 19 1,-53 52 0,-54 17 15,125 1-31,-71 35 16,35 70-1,53-35 1,35 1-1,71-36 1,17-53 0,-17-18-1,0-17 17,-18-36-32</inkml:trace>
+  <inkml:trace contextRef="#ctx0" brushRef="#br0" timeOffset="50137.7">27164 4586 0,'0'0'16,"18"0"-1,52 53 17,-17 0-17,18 35 1,-54-70-16,1 35 15,17 17 1,-35-87 31,0-1-31,0 0-16,18-17 0</inkml:trace>
+  <inkml:trace contextRef="#ctx0" brushRef="#br0" timeOffset="50361.02">27499 4586 0,'0'0'16,"0"-18"-16,-53 18 31,0 53-31,36-35 16,-72 88 0,36-18-1,18 0 1,35-52-1,53-36 1,53-18 0,-71 0-16</inkml:trace>
+  <inkml:trace contextRef="#ctx0" brushRef="#br0" timeOffset="50677.55">27817 4586 0,'0'0'15,"0"-18"-15,-18 54 32,0 70-32,18 17 31,-17 71-15,-1 18-1,0-71 1,18-88-16,-35 176 15,0-70 1,17-18 0,18-88 15,53-141-15,-53 70-1,53-105-15,-18-36 16</inkml:trace>
+  <inkml:trace contextRef="#ctx0" brushRef="#br0" timeOffset="51005.17">27781 4815 0,'0'-70'0,"0"140"0,0-228 16,18 87-1,52 53 1,54 1-1,-18 17 1,-71 17-16,53 54 16,-88 17-1,-35 0 17,-89-17-17,19-36-15,-1-35 31,88 0-15,18-17 0,35-1-1,54-17 1,-36 17-16</inkml:trace>
+  <inkml:trace contextRef="#ctx0" brushRef="#br0" timeOffset="51420">28363 4727 0,'0'0'16,"0"-53"-1,0 18 1,0 17-16,36-35 31,17 36-31,17 17 31,1 17-15,-36 36 0,-17 36-1,-18-54-15,0 53 16,-36 0 0,1-70-1,17-18 1,18-18-1,0-52 1,36-19 0,17 19-1,-1 35 17,19-1-17,-18 36 1,-18 0-16</inkml:trace>
+  <inkml:trace contextRef="#ctx0" brushRef="#br0" timeOffset="52426.95">28963 4762 0,'0'0'16,"18"0"-16,35-17 15,-36-1-15,36-17 16,-35 35-16,35-53 15,-18 0 1,-35 35 0,-18 1-1,-35 17 1,-17 70 15,35 1-15,17 17-16,18-35 31,35 0-15,18-53-1,88-18 1,-53-35 0,18-17-1,-35-1 1,-18-17-1,-53 53 1,-18 52 15,0 54-15,18 0 15,0-1-15,18 1-16,0-54 31,-18-34 0,-18-1-15,-35-17 0,18 35-1,17 0-15,1 0 16,34 35 15,36-35-15,18 0-1,-18-35 1,35-18 15,-70 35-31,52-35 16,1-17-1,-54 17 1,-17 18 0,-17 35-1,-19 35 1,19-18-16,17 72 16,0-19-1,0 1 1,0-18-1,0-36 1,-53-34 15,35-1-15,18-17 0,0-1-1,88-16 1</inkml:trace>
+  <inkml:trace contextRef="#ctx0" brushRef="#br0" timeOffset="52653.59">30180 4586 0,'0'0'16,"0"18"15,-18 35-15,-17 0-1,18-1 1,-1-16 0,18-54 46,0 0-62</inkml:trace>
+  <inkml:trace contextRef="#ctx0" brushRef="#br0" timeOffset="52826.93">30215 4533 0,'0'-17'0,"0"34"0,0-70 15,-17 36 1,-1 17 0,0 0-16,1 0 15,17 17 1,35 1-1,18 0 1</inkml:trace>
+  <inkml:trace contextRef="#ctx0" brushRef="#br0" timeOffset="53560.71">30692 4568 0,'-18'0'31,"0"0"-31,1 0 16,-36 0 0,18 36-16,17 34 31,18-17-15,0 0-1,0-35 1,0-36 15,0 0-15,0-34-1,18-19 17,70-17-17,-71 70-15,72-52 16,16 52-1,-52 36 1,-17 52-16,-36 1 31,0-54-31,0 36 16,0-17-16,-18-1 16,-17 0-1,17-35 1,0 0-1,1-18 1,-1-34 0,36-19-1,88-17 17,-1 17-17,54 18-15,-53 53 31,-71 71-15,-35 35-16,-17-53 31,-36 0-15,17-36 0,19 1-1,-18-18 1,17 0-16,-106 17 15</inkml:trace>
+  <inkml:trace contextRef="#ctx0" brushRef="#br0" timeOffset="54360.33">9225 6350 0,'0'0'0,"0"-18"0,0 1 16,0 34 15,0 1-15,0 70-16,0 53 31,0-105-31,0 69 16,0-34-1,0-36 1,0-17-1,35-18 1,18-71 0,18 1-1</inkml:trace>
+  <inkml:trace contextRef="#ctx0" brushRef="#br0" timeOffset="54736.14">9666 6315 0,'53'-36'16,"-106"72"-16,159-124 0,-124 88 31,-70 35-15,0 0-1,17 18 1,71 0 0,0-35-1,71 17 1,17-18-1,-53-17-15,89 53 16,-36 0 0,-88-17-1,-35 16 1,-71 1 15,0-17-31,18-36 31,53 0-15,-1-53-16,1-18 31,17 36-15</inkml:trace>
+  <inkml:trace contextRef="#ctx0" brushRef="#br0" timeOffset="55052.55">9313 6156 0,'18'0'16,"0"0"-1,-1 0-15,19-35 16,-36-1-1,-18 19 17,0 17-32,-70 0 0,17 0 31,71 35-15,0 18-1,18 0 1,0-35-16,35 17 15</inkml:trace>
+  <inkml:trace contextRef="#ctx0" brushRef="#br0" timeOffset="55502.73">11112 6332 0,'18'0'0,"-36"0"0,36-17 0,17-54 31,-17 54-31,0 17 16,-18 17 15,0 1-15,0 70-1,-18 71-15,-17-18 16,-1-53-1,36-70 1,0 52 0,0-52-1,0-36 17</inkml:trace>
+  <inkml:trace contextRef="#ctx0" brushRef="#br0" timeOffset="56393.25">10918 6615 0,'0'0'0,"-17"0"0,-1 0 0,1 0 15,17-18 17,17-17-32,124-18 31,-105 35-31,105-17 0,35 0 15,-88 17 17,-35 53-17,-53 36 1,-17 52 0,-19-17-1,36-53 1,0-18-1,53-35 1,18 0 0,35-70-1,-71 17 1,-35-18 0,0 1 15,-71-19-16,-17 37 1,35 52-16,71 0 47,88-36-31,-18 36-1,35-35 1,-17 35-1,-88 53 1,-18 35 0,0-17-1,-18 34 1,18-52 15,0 18-15,35-71-16,36 18 15,0-18 1,17-18-16,-35-17 31,-18-54-15,-35-52 0,-35 36-1,-54 16 1,37 72-1,-19 17 1,0 17 0,54 1-16,-1 35 15,18 17 17</inkml:trace>
+  <inkml:trace contextRef="#ctx0" brushRef="#br0" timeOffset="57127">13317 6244 0,'0'-17'0,"0"34"0,0-105 16,0 70-1,0-17 1,0 17-16,-35 36 15,0 70 17,35 53-32,0-17 15,0 70 17,0-106-17,17-53 1,-17-17-1,0-36 1,0-17 0,36-53-1,-1-18 17,36 18-32,34 17 15,-16 71 16,16 36-15,-69-19-16,17 54 0,-53 52 31,-53-35-31,-36-35 32,-16-17-17,34-19 1,1-17-1,52 0 1,18-17 0,35-19-1,36-17 1</inkml:trace>
+  <inkml:trace contextRef="#ctx0" brushRef="#br0" timeOffset="57392.74">14005 6403 0,'0'0'0,"0"18"15,0-1 1,0 71 0,-17-17-1,-1 17 1,18-53-1,-18 1 1,18-19 0,0-34 15,0-19-31,0 1 16</inkml:trace>
+  <inkml:trace contextRef="#ctx0" brushRef="#br0" timeOffset="57777.16">14023 6209 0,'0'-18'0,"0"36"0,0-53 0,-53 35 15,0 0 17,35 53-17,18-36 1,53 1-1,0-18 1,18-18 0,-54-35-1,-17 18 1,0 17 15,-52-17-31,34 35 16,-70 0-1,17 35 1,54 18 0,-1 0-1,18 0 1,70 0 0</inkml:trace>
+  <inkml:trace contextRef="#ctx0" brushRef="#br0" timeOffset="58635.11">14623 6315 0,'0'0'16,"17"0"-16,-17-18 0,0 0 16,-17 1 15,-54 17-16,1 17 1,-19 54-16,72-53 16,-36 52-16,35 1 31,18-54-15,35 1-1,54-36 1,-1-35-1,-18 1 1,-70-1 0,0 0-1,0 70 48,0 54-48,0 70 1,0-18-16,18 72 31,0 16-15,-18-158-16,0 159 16,0 70-1,17 18 1,-17-71-1,0 18 1,-35-71 0,17-140-16,-52 34 15,-36-17 17,-18-53-17,-34-70 1,52-54-1,0-105 1,71 158-16,17-246 16,18 70-1,53-88 1,18 141 0,17 0-1,0 70 1,18 71-1,-18 36 1,-53 17 0,-17 0-1</inkml:trace>
+  <inkml:trace contextRef="#ctx0" brushRef="#br0" timeOffset="58834.67">15169 6667 0</inkml:trace>
+  <inkml:trace contextRef="#ctx0" brushRef="#br0" timeOffset="88419.32">3404 7867 0</inkml:trace>
 </inkml:ink>
 </file>
 
@@ -1044,131 +1729,153 @@
           <inkml:channelProperty channel="T" name="resolution" value="1" units="1/dev"/>
         </inkml:channelProperties>
       </inkml:inkSource>
-      <inkml:timestamp xml:id="ts0" timeString="2022-11-29T02:36:30.670"/>
+      <inkml:timestamp xml:id="ts0" timeString="2022-11-30T01:52:49.331"/>
     </inkml:context>
     <inkml:brush xml:id="br0">
+      <inkml:brushProperty name="width" value="0.05292" units="cm"/>
+      <inkml:brushProperty name="height" value="0.05292" units="cm"/>
+      <inkml:brushProperty name="color" value="#0070C0"/>
+    </inkml:brush>
+    <inkml:brush xml:id="br1">
       <inkml:brushProperty name="width" value="0.05292" units="cm"/>
       <inkml:brushProperty name="height" value="0.05292" units="cm"/>
       <inkml:brushProperty name="color" value="#FF0000"/>
     </inkml:brush>
   </inkml:definitions>
-  <inkml:trace contextRef="#ctx0" brushRef="#br0">2434 1411 0,'18'0'31,"-1"0"-15,1 0-16,0-18 16</inkml:trace>
-  <inkml:trace contextRef="#ctx0" brushRef="#br0" timeOffset="1554.09">2840 1094 0,'0'0'0,"-18"-18"16,18 0-1,0 1-15,0-1 0,0 0 16,0-52-1,0 35 1,0 17 0,-17 18 15,-1 70-15,-17 1-1,-1 70 1,-17-35-1,36-53 1,-36 53 0,-18 52-1,1-52 1,-1 0 0,18-53-1,0-35 1,36-18-1,17-18-15,-18-35 16,0-70 0,18 34-1,0-16 1,18 16 0,0 37-1,35 52 1,-18 0 15,0 35-15,18 35-1,-18 1 1,-17-36-16,17 36 16,-17-36-16,17 36 15,53-18 1,-17-36-1,35-17 1,-36-35 0,19-36-1,-36-17 1,-18 18 0,-35-1-1,0 36 1,0 52 31,0 1-47,-35 53 15,17-19 1,0 19 0,18-36-1,0-17 1,0-36 15</inkml:trace>
-  <inkml:trace contextRef="#ctx0" brushRef="#br0" timeOffset="1770.97">3140 1235 0,'0'17'47,"0"1"-16</inkml:trace>
-  <inkml:trace contextRef="#ctx0" brushRef="#br0" timeOffset="2383.96">3510 1446 0,'0'18'0,"-18"0"0,18 17 16,-17 18-1,-1 17 1,1-17-1,17-35-15,-18 35 16,0-35 15,18-36 1,0 0-32,0-35 15,0 36-15,0-54 16,71-35 15,-1 36-15,54-1-1,-36 54 1,18 17 0,-88 0-16,17 52 15,-18 37 1,-17-19-1,-52 18 1,16-35 0,1-17-1,35-19 1,-18-17 0,18-17-1</inkml:trace>
-  <inkml:trace contextRef="#ctx0" brushRef="#br0" timeOffset="3133.35">4180 1147 0,'0'17'0,"0"1"16,0 17-16,0 18 16,-17 53-1,-1-18 1,0 18 0,1-89-16,17 36 15,-18 0 1,18-35-1,-17-18 17,17-71-1,0 18-15,0 36-16,35-54 15,53-17 1,-17 35-1,17 36 1,-35 17 0,-36 0-1,-34 35 1,-54 18 0,1-36-1,17-17 1,35 18-1,0-18 17,1 0-32,17 35 31,0 1-15,35 16-1,0 1 1,-17 18-1,17-36 1,-17-35-16,-18 18 16,53-18-1,-36 0 1,19-35 0,-19 35-16</inkml:trace>
-  <inkml:trace contextRef="#ctx0" brushRef="#br0" timeOffset="3466.56">4710 1129 0,'0'0'15,"-18"0"-15,36 0 32,17 0-17,-18 0-15,19-18 0,105 18 16,-53-17 0,18 17-1,-71 0 1,-17 0-1,-18 17 17,-35 1-17</inkml:trace>
-  <inkml:trace contextRef="#ctx0" brushRef="#br0" timeOffset="3749.3">5009 1164 0,'0'18'0,"0"-1"0,-17-17 0,17 18 16,0 0-16,0 70 16,-18-18-1,1-34-15,-1 70 16,-17-36-1,17 18 17,18-35-17,0-35 1</inkml:trace>
-  <inkml:trace contextRef="#ctx0" brushRef="#br0" timeOffset="4316.76">5309 1570 0,'0'0'0,"0"-18"47,18 18-47,0 0 15,-1-17-15,36-1 16,0-17 0,-35 17-16,35-17 15,-36-18 1,-17 18 0,0 17-1,-53 18 1,-17 53-1,17 0 17,18 17-17,35 1 1,0-1 0,17-17-1,54-35 1,-18-18-1,35 0 1,-53 0-16</inkml:trace>
-  <inkml:trace contextRef="#ctx0" brushRef="#br0" timeOffset="4600.2">5927 1305 0,'0'0'0,"17"0"15,-17 18-15,0 17 16,18-17-16,0 35 16,17 17-1,-35 1 1,35-1-1,-35-52 1,18 0 0,-1-18-1</inkml:trace>
-  <inkml:trace contextRef="#ctx0" brushRef="#br0" timeOffset="4884.01">6191 1341 0,'-35'0'16,"17"17"-16,18 1 16,-88 52-1,35 1 1,-17 35-1,34-36 1,19-17 0,17-35-1,17-18 1,1 0 0,0-18-16,-1 1 0</inkml:trace>
-  <inkml:trace contextRef="#ctx0" brushRef="#br0" timeOffset="5233.08">6526 1023 0,'-17'53'15,"-1"-35"1,0-1-16,18 19 0,-35 34 16,0 54-1,17-19 1,18 1 0,0-53-1,18 18 1,17-71-1,18 0 1,-18 0 15,18-53-15,-53 35-16</inkml:trace>
-  <inkml:trace contextRef="#ctx0" brushRef="#br0" timeOffset="5465.5">6421 1411 0,'-18'0'0,"36"0"32,-1 0-17,36 0-15,18-18 16,17 1-1,-18 17 1,-52-18 0,-18 1-1,18 17-15</inkml:trace>
-  <inkml:trace contextRef="#ctx0" brushRef="#br0" timeOffset="6365.74">8237 1552 0,'0'0'15,"0"-17"-15,18 17 16,0-18-16,-1 0 16,-17-35-1,18 0 1,-18 1-1,-53-19 17,53 53-32,-53 1 15,-53 17 1,0 17 0,-17 54-1,52-1 1,18 36-1,53-18 1,0-70-16,0 70 16,53-70-1,71-18 1,-36-18 0,36-52-1,-19-1 1,-69-17-1,-36 35 1,0 0 15,0 36-15,0 69 15,0 1-15,0 0-16,0 0 15,0 0 1,0 0 0,35-35-1,53-18 1,-53-36 0</inkml:trace>
-  <inkml:trace contextRef="#ctx0" brushRef="#br0" timeOffset="6883.15">8608 1376 0,'0'17'16,"0"1"0,0 0-16,-18-1 15,0 54 1,18-18-1,-17 0 1,17-36 0,-18-17 15,18-17 0,0-1-31,0-35 16,0 36-16,18-36 15,70-36 17,0 37-17,71 34 1,-18 18 0,-70 70-1,-54 19 1,-17-19-1,0 1 1,-17-36 0,-1-17-1,36-36 17,17-17-17</inkml:trace>
-  <inkml:trace contextRef="#ctx0" brushRef="#br0" timeOffset="7532.46">9648 1305 0,'0'-17'0,"0"34"15,0-52-15,0 17 16,-52 1-1,34 17-15,-17 0 16,17 0-16,-53 0 16,1 35-1,-1 53 1,36-17 0,17 17-1,18 0 1,36-35-1,17-53 17,17 0-17,18-53 1,-35 0 0,35-53-1,-52 71-15,17-71 16,35-52-1,-71 34 1,19 1 0,-36 87-1,0 54 1,-53 88 0,18 70-1,17-52 1,0 17-1,18-71 1,71 1 15,17-71-15,-70 0-16,105 0 16,-52-18-1,-1-35 1,-52 36-16</inkml:trace>
-  <inkml:trace contextRef="#ctx0" brushRef="#br0" timeOffset="8084.11">11359 917 0,'0'-17'0,"0"-1"0,0 53 0,18-158 31,0 123-16,-18 17 1,0 54-16,0-36 16,17 89-1,-17 87 1,0-52 0,-17 35-1,-1-70 1,0-36-1,18-53 1,36-105 15</inkml:trace>
-  <inkml:trace contextRef="#ctx0" brushRef="#br0" timeOffset="8466.14">11359 1058 0,'0'-35'0,"0"70"0,-17-123 15,-1 70-15,18-52 16,18-1 0,105 18-1,-70 36-15,88-1 16,71 18-1,-89 53 1,-70 53 0,-70-18-1,-124 36 1,105-107-16,-70 54 16,-17-18-1,88-18 1,52-35 31,1 0-47,17 0 15,18 0-15</inkml:trace>
-  <inkml:trace contextRef="#ctx0" brushRef="#br0" timeOffset="9965.37">12330 1446 0,'0'0'0,"17"0"15,1 0-15,17 0 16,-17-35 0,-18 0-1,0-18 1,0 35-16,0-35 15,-18 53 1,-35-53-16,-17 53 31,-19 0-15,-16 71 0,16 17-1,54-17 1,18-54-16,17 89 15,0-53 1,52 0 0,1-53-1,53 0 1,-88 0-16,52-35 16,1-36-1,-18 1 1,-36-1-1,1-17 1,-18 35 15,0 35-15,0 54 15,0-19-31,0 19 16,0 34-1,0 1 1,0-1 0,35-17-1,-17-35 1,35-18 0,0 0-1,35-53 1,-70 53-16,17-35 15,-17 17-15,35-70 32,-36 17-17,-17 1 1,0 52 0,-17 18-1,-1 35 1,18 18-1,0 18 1,0-18 0,18 0-1,-1-36 1,1 1-16,35-1 16,0-17-1,17 0 1,18-35-1,-35-18 1,18-35 15,-18-18-15,-36-17 0,-17 52-1,0 36 1,-35 88 15,18-35-31,17 34 16,-18-34-16,-17 106 15,35-54 1,0 18 0,17-17-1,19-36 1,-19-35-16,54 0 15,-18 0 1,35-35 0,-35 0 15,0-36-15,-18-17-1,0 35 1,-35 35-1,0 71 17,0-35-32,-17 17 15,-1 36 1,18-18 0,0-18-1,53-35 1,-18 0-1,18-18 1,-18-35 15,-17 53-31,0-35 0</inkml:trace>
-  <inkml:trace contextRef="#ctx0" brushRef="#br0" timeOffset="10168.23">13741 1023 0,'0'0'0,"-18"0"0,0 0 15</inkml:trace>
-  <inkml:trace contextRef="#ctx0" brushRef="#br0" timeOffset="10399.24">13106 1217 0,'17'0'0,"1"0"15,-18 18-15,53-18 16,-35 0-16,52 0 16,-52 0-16,35 0 15,17 0 1</inkml:trace>
-  <inkml:trace contextRef="#ctx0" brushRef="#br0" timeOffset="11433.48">14199 1393 0,'18'0'0,"0"0"16,-1 0-16,18-35 15,-17 18 1,0-1-16,-18-17 15,0-18 1,0 35 15,-88 18-15,-1 0 0,-52 53-1,106-35-15,-18 17 16,18-17-16,-18 70 15,35-18 1,18-17 0,53-18-1,18-35 1,35 0 0,-54-17-1,37-36 1,-19 0-1,1-18 1,-54 1 15,-17 17-15,0 71 15,-17-1-15,-1 36-1,18-18-15,0 18 16,0-35-16,0 17 16,0 18-1,53-35 1,0-18 0,35 0-1,-35-18 1,-18 1-16,36-54 15,-18 0 1,0-34 15,-36-1-15,1 0 0,-18 88-1,-35 89 16,-18 52-15,53-87-16,-18-1 16,18 18-16,0 35 15,0-17 1,0-54-16,35 18 16,18-17-1,0-18 1,18-18-1,17-34 1</inkml:trace>
-  <inkml:trace contextRef="#ctx0" brushRef="#br0" timeOffset="12482.7">16369 1111 0,'0'-17'15,"0"-1"-15,0 53 0,0-88 0,0 18 32,0 70-17,-18 1 1,-35 69 0,53-69-16,-88 122 15,35-52 1,-53 18-1,36-54 1,-18-34 15,70-36-31,-17 0 16,-53-18 0,52-53-1,19 1 1,17-54-1,35 19 1,-17 87-16,34-70 16,-52 70-16,36-17 15,17 35 1,-36 53 0,36 53-1,-35-18 1,-1 35-1,1-105-15,0 52 16,52-17 15,1-53-15,52 0 0,-34-35-1,16-18 1,-34-17-1,-36-1 1,-35 53 0,0 36 15,-17 0-31,-1 17 16,18-17-16,-35 52 15,35-17 1,-18-18-1,0-17 1,18-36 31,0 1-47,0-1 0</inkml:trace>
-  <inkml:trace contextRef="#ctx0" brushRef="#br0" timeOffset="12659.39">16616 1358 0,'0'18'78,"17"-18"-63</inkml:trace>
-  <inkml:trace contextRef="#ctx0" brushRef="#br0" timeOffset="13198.9">16951 1376 0,'0'17'16,"0"1"-1,0 0-15,0-1 0,0 1 16,-18 35 0,1 17-1,17 1 1,-18-18 0,0-53-1,1 0 16,17-18-15,0 1-16,0-19 16,0 1-1,53-35 1,-36 52-16,54-53 16,70-17-1,-35 53 1,0 35-1,-53 70 1,-53-17 0,-36 53-1,1-35 1,-18-18 0,35-36-1,1 1 1,52-53 15,-17 17-15</inkml:trace>
-  <inkml:trace contextRef="#ctx0" brushRef="#br0" timeOffset="13865.53">17692 1111 0,'0'-17'0,"0"34"0,0-52 16,0 53 0,0 35-1,-18 35 1,-17 35 0,17-88-16,-17 54 15,-18 16 1,18-52-1,35-17 1,0-54 31,0 0-31,17-52-1,36-1 1,36-17-1,-19 35 1,-17 36 0,-18 17-1,-52 0 17,-36 17-17,-18 18 1,36-35-1,17 0-15,18 18 16,-17 17 15,17 18-15,17-17 0,1 16-1,35 1 1,-36-17-1,1-19 1,0-17 15,-1-17-15,-17-1-16</inkml:trace>
-  <inkml:trace contextRef="#ctx0" brushRef="#br0" timeOffset="14298.74">18097 1147 0,'0'-18'16,"36"0"-1,-1 18-15,36 0 16,-36 0-16,177-35 31,-71 35-15,17 0 0,-87 0-1,-106 0 16,-18 18-15</inkml:trace>
-  <inkml:trace contextRef="#ctx0" brushRef="#br0" timeOffset="14581.78">18538 1094 0,'0'17'0,"0"1"16,0 35-1,0 35 1,-35 0 0,-18 36 15,53-89-31,-35 53 16,17-17-1,18-18 1,18-53 15,35 0-15,-35-18-16,17 0 0</inkml:trace>
-  <inkml:trace contextRef="#ctx0" brushRef="#br0" timeOffset="14981.82">18803 1517 0,'18'0'32,"-1"0"-17,1 0-15,0 0 16,-1-18-16,19 1 16,16-1-1,-16-35 1,-19 35-1,-17 1-15,0-1 16,-70 18 15,52 18-31,18-1 16,-53 54 0,36 0-1,17-1 1,0-52-1,17-1 1,36-17 15,35 0-15,1-17-16</inkml:trace>
-  <inkml:trace contextRef="#ctx0" brushRef="#br0" timeOffset="15614.75">19297 1411 0,'18'-70'31,"-1"52"-15,1 18-16,-1-18 0,36 18 15,0 0 1,18 0-1,-71 18 1,18 0-16,-18-1 0,0 71 31,-18-17-15,-53-1 0,1-17-1,34-17 1,19-19-1,17-34 17,17-1-32,36-17 15,0-36 1,36-17 0,-1 0-1,-35 35 1,-71 53 31,-17 35-47,-1 18 15,36-35 1,-35 70 0,35-18-1,0 1 1,0-36-1,71 1 1,-18-36 0,17 0-1,-52 0-15,17-36 16,0 19 0</inkml:trace>
-  <inkml:trace contextRef="#ctx0" brushRef="#br0" timeOffset="15981.2">20179 970 0,'-18'0'15,"1"0"1,-1 0-16,0 35 15,1-17-15,-19 70 16,19 53 0,-19-52-1,19 34 1,17-35 0,0 18-1,0-71 1,0-17-1,35-18 1,0 0 15,1-18-15,17-52-16</inkml:trace>
-  <inkml:trace contextRef="#ctx0" brushRef="#br0" timeOffset="16248.01">20038 1288 0,'0'0'0,"-18"-18"16,36 18 15,-1 0-31,54-18 16,17 1-1,-70 17-15,70 0 16,0 0 0,-70 0-1,-36 0 17</inkml:trace>
-  <inkml:trace contextRef="#ctx0" brushRef="#br0" timeOffset="17497.99">3298 2222 0,'18'0'16,"0"0"0,17 0-16,-17 0 0,52 0 15,54 0 1,123 0-1,70 0 1,1 0 0,211 0-1,-388 0-15,335 0 16,194 0 0,-105-17-1,246-1 1,-176 18-1,265-17 1,35 17 0,0 0 15,-1 0-15,-246 0-1,212 0 1,-247 0-1,-424 0-15,635 0 16,-70 0 0,-247-18-1,123 0 1,-211 1 0,87-1-1,-105-17 1,-105 35-1,-160-18 1,-88 18 0,-106 0 15,-105 0-15,70 0-16</inkml:trace>
-  <inkml:trace contextRef="#ctx0" brushRef="#br0" timeOffset="18647.78">3069 3263 0,'-17'0'31,"17"18"-31,-18-1 16,18 1-16,0 0 0,0 35 15,0-36-15,0 36 16,0-35-16,0 17 16,53-17 15,0-18-15,35-36-1,-18-16 1,1-1-1,-53 35-15,-18-35 16,0 18 0,0 0-1,-36 35 1,1 35 0,17 35-1,18 107 1,0-71-1,0-1 1,0 1 0,0-35 15,-17-36-15,-18-35-1,-36 0 1,0-18-1,1-17 1,17 0 0,0-18-1,53 35-15,-18 18 16,36-35 0,53 0-1,-36 35-15</inkml:trace>
-  <inkml:trace contextRef="#ctx0" brushRef="#br0" timeOffset="18981.34">3863 3246 0,'0'-18'15,"-18"18"1,18 18-16,-17 34 16,17 19-1,0 70 1,-36 0 0,36-53-1,0-70-15,0 70 16,0-70-1,0 0 1,53-54 15,-53 19-15</inkml:trace>
-  <inkml:trace contextRef="#ctx0" brushRef="#br0" timeOffset="19214.54">3704 3598 0,'18'0'32,"-1"0"-17,1 0-15,0 0 0,52-17 16,18-1-1,18-17 1,-53 35 0,-35-18-1,35 18-15</inkml:trace>
-  <inkml:trace contextRef="#ctx0" brushRef="#br0" timeOffset="19548.72">5009 3475 0,'0'-18'31,"0"36"0,-17-18-31,17 17 0,0 54 16,-18 0-1,-17 17 17,35-71-32,0 19 15,0-1 1,18-35-1,34 0 1</inkml:trace>
-  <inkml:trace contextRef="#ctx0" brushRef="#br0" timeOffset="20015.58">5468 3510 0,'0'0'16,"0"-18"-16,0 1 0,-18 17 15,-35 0 1,36 0-16,-1 0 16,-35 35 15,36 0-15,-1 18-1,18-35 1,18 0-1,52-1 1,1 19 0,-18-19-1,-18 1 1,-17-1 0,-18 19-1,-71-1 1,53-35-16,-70 18 15,18-1 1,17-17 0,35 0-1,-17 0 17,35-17-17,0-54 1</inkml:trace>
-  <inkml:trace contextRef="#ctx0" brushRef="#br0" timeOffset="20215.25">5151 3281 0,'0'0'0,"-36"0"16,36-18-16,-17 18 15,-1 0 1</inkml:trace>
-  <inkml:trace contextRef="#ctx0" brushRef="#br0" timeOffset="21797.49">7038 3404 0,'18'-17'0,"-36"34"0,36-70 0,-18 36 0,35-124 31,-35 123-31,0 0 16,0 1 0,0 52-1,-35 36 1,35 70-1,-36-18 1,36-88-16,-17 89 16,17-89-1,-18 36-15,36 17 32,70-70-17,-35-18 1,35 0-1,0-53 1,0-36 0,-35-16-1,-17-19 1,-19-17 0,-17 53-1,0 70-15,0-35 16,-35 53 15,35 36-15,-18-1-16,18 106 31,-17-18-15,-19 54-1,36-107 1,0-17-1,53-53 1,18 0 0,35-17-1,-18-19 1,-71 19-16,107-71 16,-36-18-1,-35 53 1,-35 17-1,-89 54 17,36 17-17,35-17 1,0 70 0,0-17-1,53-36 1,0 18-1,-53-35-15,35-18 16,-35 17 0,-18-17 15,1 0-31,-36 0 16,17 0-1,-16-35 1,16 17-1,19 18 1,17 18 15,17 0 1,1-1-32,17-17 15,-17 0-15,35 0 16,35 0-1,0 0 1,0-53 0,1 0-1,-54-17 1,-35-1 0,0 54-1,0-1 1,-18 18-1,-17 53 1,35-35-16,-18 52 16,18-17-1,0 0 17,36-53-17,34 18 1,18-18-1,-52 0-15,16 0 16</inkml:trace>
-  <inkml:trace contextRef="#ctx0" brushRef="#br0" timeOffset="22431.69">9049 3528 0,'0'0'0,"0"-18"15,0 0-15,-36-17 16,-34 35 0,17 0-1,-35 35 17,70-17-32,-35 35 15,0 35 1,36-17-1,17-18 1,17-18 0,36-35-1,18 0 1,-54 0-16,54-18 16,-18-17-1,17-35 1,-34-1-1,17-70 1,-18-18 0,-35 36 15,0 70-15,0 35-1,0 36 1,-18 35-1,-35 158 1,36-52 0,17-71-1,17 0 1,36-52 0,0-19-1,35-17 1,-52-35-1,-1 35 1</inkml:trace>
-  <inkml:trace contextRef="#ctx0" brushRef="#br0" timeOffset="23314.69">11130 3316 0,'0'0'0,"0"-18"0,0-70 32,0 71-32,0-19 15,-18 19 1,-17 17 0,-53 17-1,17 36 1,-34 71-1,87-89-15,-35 88 16,18 19 0,35-37-1,70-52 1,36-17 15,-71-36-31,89 0 16,35-18-1,-18-35 1,-53 0 0,-17-53-1,-54 0 1,-17-70 0,-70 53-1,-19 52 1,-69 71-1,34 0 1,-35 106 0,124-71-16,-18 36 15,36-18 1,-19 105 0,36-16-1,53-90 1,88 1-1,-17-53 1,-36 0-16</inkml:trace>
-  <inkml:trace contextRef="#ctx0" brushRef="#br0" timeOffset="23880.93">11783 3475 0,'0'0'0,"0"-18"0,-18 36 47,18-1-47,-18 19 0,-17 17 16,35-36 0,-17 54-1,-1-1 1,18-34-1,-18-19 1,1-17 15,17-17-15,0-36 0,0 35-16,0-35 15,88-35 1,18 17-1,0 36 1,35 18 0,-18 52 15,-70 35-15,-35 1-1,-18 17 1,-53-17-1,17-36 1,19-17 0,-1-18-1,18-36 17,35 1-32</inkml:trace>
-  <inkml:trace contextRef="#ctx0" brushRef="#br0" timeOffset="24196.78">12682 3193 0,'0'-18'15,"-35"18"1,0 35-1,0 53 1,-1 1 0,-17 34-1,18 1 1,17-54 0,18-52-16,0 52 15,0-52 1,18-18-1,35 0 1,-35-18 0</inkml:trace>
-  <inkml:trace contextRef="#ctx0" brushRef="#br0" timeOffset="24863.38">12823 3528 0,'0'0'16,"18"0"-16,-18-18 31,-18 18-31,1 35 16,-36 36-1,35 0 1,18-19 0,0-16-1,18-19 1,88-17-1,-18-17 1,-18-19 0,1-16-1,-36-19 17,-17 18-17,-18 18 1,0 52 31,0 1-47,-35 35 15,17-35-15,0 17 16,18 0-16,-35 53 16,0 18-1,35 0 1,0 53-1,-18 0 1,18-71 0,-88 0 15,17-70-15,-34-1-1,16-17 1,19 0-1,-1-17 1,71-1-16,-35 0 16,35-17-1,0-18 1,53 18-16</inkml:trace>
-  <inkml:trace contextRef="#ctx0" brushRef="#br0" timeOffset="26280.98">14358 3704 0,'0'0'0,"0"-17"0,0-1 31,0 0-15,18 1-16,52-36 31,1 0-15,35-35-1,-18-18 1,-53 35-1,-17-35 1,-18 36 0,-36 52-1,1 18 1,-18 35 0,18 89-1,17 17 1,18-88-16,-17 106 15,17-106-15,-18 141 16,0 70 0,-17 18-1,0-70 17,-18 88-17,35-53 1,18-159-1,0-35 1,89-71 0,-19-35-1,71-52 1,-35-72 0,0-17-1,-89-35 1,-17 53-1,-70-71 1,-36 88 0,-35 71 15,18 52-15,52 36-1,89-17 16,35-1-15,-1 0-16,37-17 16,-1-18-1,35-17 1,-35 17 0,-52-18-1,-36 36 1,17 17-1,-17 54 17,-17 52-17,17-18 1,0 36 15,0-88-31,17 35 16,1-53-16,17 17 15,36-17 1,-1 0 0,19-35-1,-19-18 1,-70-53 0,0 0-1,-35 36 1,-53 35-1,-18 35 1,35 17 0,54-17-1,-19 71 1,36-18 0,0 17-1,53-34 1,0-19-16</inkml:trace>
-  <inkml:trace contextRef="#ctx0" brushRef="#br0" timeOffset="26779.85">15593 3581 0,'0'0'16,"0"-36"-1,0 19 1,0-1-16,35-35 16,18 36-1,35-1 17,-70 18-32,35 0 15,17 70 1,-52-17-1,-18 36 1,0-36 0,-71 17-1,36-52 1,35-36 15,0 0-15,18-52-1,17-1 1,0 1 0,18 17-1,-35 35 1,-1 1 0,1-1-1,35 0 1,0 18-16</inkml:trace>
-  <inkml:trace contextRef="#ctx0" brushRef="#br0" timeOffset="27803.93">17533 3104 0,'0'0'31,"0"-52"-31,0 34 0,0 36 31,0 52-15,-18 18-1,-52 89 1,-18-19 0,17-69-1,53-54 1,-70 53 0,35-53-1,-17-35 1,17 0-1,-35 0 1,52-70 0,36 52-16,-17-52 15,17-54 1,0 36 0,53-18-1,0 53 1,35 36-1,-71 17-15,36 17 16,0 54 0,-35 17-1,0 35 17,-1-34-17,36-36 1,35-36-1,-17-17 1,17-17 0,36-36-1,-72 0 1,-34 35-16,17-53 16,-17 54-16,0-18 15,-18 52 32,0 18-47,-18-17 0,0 17 16,-17 36-1,17-53 1,1 17 0,-1 0-1,1-35 16</inkml:trace>
-  <inkml:trace contextRef="#ctx0" brushRef="#br0" timeOffset="28036.63">17868 3298 0,'0'0'0,"0"-17"16,0-1-16,-35 18 16,17 0-1,18 18 48,0-1-63</inkml:trace>
-  <inkml:trace contextRef="#ctx0" brushRef="#br0" timeOffset="28612.66">18097 3351 0,'0'0'0,"0"18"16,0 0-16,0-1 0,-35 19 16,35-19-16,0 36 15,0-35 1,-35 35 0,17-18-1,1-17 1,17-1-1,0-34 17,0-1-17,0-17 1,17-54 0,71-16-1,18 16 1,-70 72-16,87-36 15,18 53 1,-35 18 0,-88 52-1,-18 54 17,-18-54-17,-35 36 1,53-88-16,-35 17 15,17-17 1,1-1 0,17-52 15,17 35-31,1-18 16</inkml:trace>
-  <inkml:trace contextRef="#ctx0" brushRef="#br0" timeOffset="29513.79">19032 2981 0,'-17'0'16,"17"18"-16,-18-1 15,18 1-15,-18 35 16,1 70 0,-1-87-16,1 69 15,-19 19 1,1-54 0,35-17-1,-18-35 1,1-18 15,-1-18-15,18-52-1,0-1 1,53-17 0,-35 53-1,35-36 1,35 1-1,-18 52 1,1 18 0,-54 18-1,-17 52 1,-35-17 0,18-35-16,-54 17 15,53-17-15,-52-1 16,35-17-1,17 0 1,18-17 0,-18-1-1,18 0 1,0 36 15,0 0-15,18 35-1,-18 17 1,18-17 0,-18-35-16,70 17 15,-17-17 1,35-18 0,-35 0-1,18-18 1,-36-17-1,0-1 1,-35 1 0,0 17 15,18 18 0,-1 0-31</inkml:trace>
-  <inkml:trace contextRef="#ctx0" brushRef="#br0" timeOffset="29663.42">19438 3563 0,'0'18'32,"-18"-18"-32</inkml:trace>
-  <inkml:trace contextRef="#ctx0" brushRef="#br0" timeOffset="38079.08">1587 5292 0,'0'0'0,"-17"-18"15,17 0-15,-18-52 16,1 35-1,-1 35 17,18 35-17,0 53 1,0-53 0,0 18-1,0-18-15,-18 89 16,18-36-1,-17-17 1,17-54 0,17-17-1,54-70 1,-36-1 0,0 1-1,-17-1 1,-18 36-1,18 35 1,-1 0-16,1 0 16,-18 17-16,18 19 15,35 70 1,-1-53 0,-16 17 15,-1-52-16,18-18 1,-35 0-16,34-53 16,-16 0-1,17-53 1,-36 35 0,19-34-1,-36 52 1,0 70 31,0 1-47,0 0 0,17 70 15,18-18 1,18 19 15,36-36-15,34-53-1,-35 0 1,18-53 0,-35-18-1,-36-52 1,-35 52 0,0-17-1,-18 70 1,-17 18-1,0 71 1,-1 35 0,36-1-1,18-34 1,53-18 0,-1-35 15,71-18-16,-52-18 1,-1-35 0,-53 53-16</inkml:trace>
-  <inkml:trace contextRef="#ctx0" brushRef="#br0" timeOffset="38645.61">4727 4957 0,'0'-36'15,"0"72"-15,18-89 0,-18 35 0,17-53 16,-17 54 0,-52 17-1,-37 35 1,36 36 0,1 52 15,16 36-16,36-53 1,0-71-16,71 53 16,17-35-1,71-53 1,-36 0 0,36-35-1,-124 17-15</inkml:trace>
-  <inkml:trace contextRef="#ctx0" brushRef="#br0" timeOffset="39612.32">5397 5115 0,'0'-17'15,"0"34"-15,0-70 0,-17 18 0,-36-18 16,-18 36 0,18 34 15,-17 54-16,52 17 1,1 35 0,17-52-1,0-36-15,0 0 16,70 1 0,-17-36-1,35-53 1,-35 0-1,0-18 1,-53 1 0,0 52-16,0-70 15,0 70 1,-18 18 15,1 36-15,-1 34-1,18-52-15,0 35 16,0-36-16,71 54 16,-36-53-1,53-18 1,18 0 0,-35-18-1,-1-35 1,-70 35-16,18-35 15,-18-35 1,0 35 0,0 36-1,0 87 17,0-52-17,-18 70 1,18-35-1,0 0 1,0-35 0,-17-18-1,-1 0 1,18-18 0,-18-53-1,18 18 1,53-35-1,53 18 1,-18 34 0,36 54-1,-54 53 1,-34 17 0,-36-18 15,0 1-16,-53-18 1,35-36 0,18-34 15,0-18-15</inkml:trace>
-  <inkml:trace contextRef="#ctx0" brushRef="#br0" timeOffset="40162.48">6473 5009 0,'0'18'16,"-17"-18"0,17 18-16,0-1 0,0 72 31,-18 16-16,18-34 1,0-36 0,-17 0-1,-1-35 17,18-17-17,-18-36 1,18-18-1,0-17 1,71 18 0,-54 52-16,89-70 15,0 70 1,35 18 15,-53 71-15,-52-1-1,-36 18 1,0-52-16,-53 17 16,18 0-1,17-36 1,36-34 31,-1-19-32</inkml:trace>
-  <inkml:trace contextRef="#ctx0" brushRef="#br0" timeOffset="40644.71">7285 4992 0,'0'0'0,"0"-18"0,-18 18 47,18 18-47,-35 35 16,0 0-1,35-36-15,-36 54 16,19-36-16,17 36 16,0-18-1,35-18 1,36-18-1,-1-17 1,1-17 0,-54-36-1,1 0 17,-18-18-32,-35-34 31,-18 34-16,0 71 1,0 0 0,18 18-1,-1 35 1,36-18 0,0-17-1,18-18 1</inkml:trace>
-  <inkml:trace contextRef="#ctx0" brushRef="#br0" timeOffset="41028.16">7849 4780 0,'0'0'0,"0"-35"31,-17 35-15,-1 17 0,0 54-1,1 53 1,-1-89-16,0 71 16,-17-1-1,35 1 1,0-70-1,18-1 1,35-35 0,0 0-1,-36 0-15,36-18 16,0-17 0,-18-53 15,-17 52-31</inkml:trace>
-  <inkml:trace contextRef="#ctx0" brushRef="#br0" timeOffset="41281.33">7638 4957 0,'35'0'31,"-17"0"-31,17 0 0,35 0 16,36-18 0,-35 0-1,-18 18 1,-36 0 0,-17-17 15,18 17-16</inkml:trace>
-  <inkml:trace contextRef="#ctx0" brushRef="#br0" timeOffset="43578.33">9596 4921 0,'0'-17'15,"0"-89"1,0 88 0,0 0-16,0 1 15,0 34 16,0 54-15,0-36-16,0 89 16,-18 52-1,0-35 1,18-53 0,36-35-1,69-53 1,-69 0-16,34 0 15,-35 0-15,107-70 16,-54 17 0,18-53-1,-71-35 1,-35 53 0,0 0 15,0 70-31,-18 36 31,18-1-31,-17 1 0,-1 35 16,18 53-1,0 17 1,0-17 0,53-36-1,35-52 1,-17-18-1,17 0 1,0-70 0,-17 17-1,-36 17-15,53-69 16,-53 34 0,-17 36 15,-53 35-16,-1 53 1,19 17 0,17-35-16,0 18 15,53 36 1,0-37 0,-36-34-1,-17 0 1,-17-18 15,17-18-31,-71 0 16,53-17-1,-17 35 1,18 0 0,-1 0 15,36 35-16,34-17 1,37-18 0,52 0-1,-53-18 1,35-17 0,-87 18-16,17-36 15,-36-18 1,1 1-1,-18 34 1,-53 36 0,35 0-16,1 53 15,-19 18 1,36-1 0,0-17 15,36 0-16,34-35 1,18-18 0,-70 0-16,53 0 0</inkml:trace>
-  <inkml:trace contextRef="#ctx0" brushRef="#br0" timeOffset="44144.4">12065 5098 0,'0'-18'0,"0"36"0,-18-54 16,-17 1-16,-88 17 16,34 18-1,-34 53 1,52 0 0,18 71-1,53-107 1,0 72-1,0-37 1,71 1 0,0-53-1,34 0 1,-69-17-16,34-19 16,36-52-1,-35-35 1,-36 17-1,0-70 1,-35 52 0,0 106-1,0 36 1,-17 70 0,-19 71 15,19 0-16,17-53 1,17-36 0,54-35-1,17-17 1,18-18 0,-18-35-1,-53 17-15</inkml:trace>
-  <inkml:trace contextRef="#ctx0" brushRef="#br0" timeOffset="44379.03">13106 5045 0,'17'0'16,"-17"17"-1,0 1 1,-35 35-1,0 35 1,17-35 0,0-18-1,18-17 1,0-36 15</inkml:trace>
-  <inkml:trace contextRef="#ctx0" brushRef="#br0" timeOffset="44544.63">13088 5009 0,'0'-17'15,"0"34"-15,0-52 0,0 18 0,-35-19 16,17 36 0,36 0 30,-1 0-46</inkml:trace>
-  <inkml:trace contextRef="#ctx0" brushRef="#br0" timeOffset="44847.88">13582 4780 0,'0'0'0,"0"-18"16,0 1-16,0 34 31,-18 36-15,-35 53-1,18 0 1,17 18 0,18-107-1,-17 54 1,17-54-16,0 36 15,17-35 1,19 0 0,34-36-1,-34-17 1</inkml:trace>
-  <inkml:trace contextRef="#ctx0" brushRef="#br0" timeOffset="45046.58">13458 5080 0,'-17'0'16,"34"0"-1,1 0 1,0 0-16,-1 0 0,72 0 16,-37 0 15,-34-18-16,17-17 1</inkml:trace>
-  <inkml:trace contextRef="#ctx0" brushRef="#br0" timeOffset="46461.13">15258 5274 0,'35'-35'31,"-17"17"-31,-1 0 0,107-52 15,-54-18 1,18-36 0,-70 107-16,17-72 15,-35-16 1,0 69 0,-17 19-1,-54 34 16,18 71-15,-35 89 0,70-124-16,-35 176 15,1-53 1,-19 89 0,18-53-1,-35 52 1,17 19-1,18-19 1,53-87 0,36-89-1,17-71 1,52-17 0,37-88-1,34-53 16,-17-53-15,-71-53 0,-70 71-1,-36-71 1,-88 35 0,-53 53-1,1 89 1,69 52-1,54 0 1,106-17 15,-54 35-31,19-17 16,34-1-16,89-53 16,0-34 15,-36 16-16,-35 1 1,-52 35 0,-36 18-1,0 53 17,-18 52-17,0 1 1,18-36-16,-17 53 15,17 0 1,0-35 0,53-35-1,35-18 1,18-35 0,-36-1-1,36-52 16,-106 71-31,0-72 16,0-16 0,-71 34-1,-17 36 1,0 35 0,0 70-1,70-17 1,18 18-1,18-18 1,52-36 0,36-17-1</inkml:trace>
-  <inkml:trace contextRef="#ctx0" brushRef="#br0" timeOffset="46960.38">16528 5080 0,'0'0'16,"-18"-35"-1,0-1 1,18 1 0,53 0-1,-35 17-15,17 1 16,53 17-1,-17 0 1,-18 53 0,-36 52-1,-17-34 1,-17 17 0,-18-53-1,-1-17 16,36-36 1,0-35-17,0 36-15,18-36 16,17-35 0,18 17-1,-35 1 1,17 52-1,0 18 1,1 0 0,17 0-1</inkml:trace>
-  <inkml:trace contextRef="#ctx0" brushRef="#br0" timeOffset="47911.37">18097 5080 0,'18'0'16,"-36"0"-16,71-53 15,-35 53-15,0-35 16,-18 0-16,0 17 16,0-17-16,-36-54 15,19 72-15,-71-19 16,-18 36 0,35 18-1,-52 70 16,52 18-15,-17 35 0,88-35-1,53-35 1,35-54 0,0-17-1,36-35 1,-18 0-1,-1-89 1,-69 18 0,-36 1-1,0 34 1,0 53 0,-18 54 15,18-1-31,-18 18 15,18-35-15,0 87 16,0-34 0,53-1-1,18-52 1,-1-18 0,36 0-1,-88 0-15,52-53 16,-17 18-1</inkml:trace>
-  <inkml:trace contextRef="#ctx0" brushRef="#br0" timeOffset="48377.3">18680 4939 0,'0'-18'0,"0"36"0,0-53 0,0 17 15,-18 53 17,18-17-17,-35 52 1,-1 19-1,19-36 1,-19-18 0,36 0-1,-35-35 1,35-18 0,0-34-1,18-19 1,35-17-1,70-18 1,18 53 0,-17 53-1,-54 53 1,-34 53 0,-36-89-1,0 54-15,-18-18 31,18-35-31,-53 17 16,35 0 0,1-35-1,17-35 17,17 35-32,19-35 0</inkml:trace>
-  <inkml:trace contextRef="#ctx0" brushRef="#br0" timeOffset="48995.06">19473 4851 0,'0'0'0,"18"-18"15,-36 18 1,-52 88 0,17-17 15,35 35-16,18-36 1,0-35 0,106-35-1,35 0 1,-17-35 0,-36-35-1,-35-19 1,-36 19-1,1 17 1,-18 71 15,0-1-15,-35 54-16,-18 17 16,18 53-1,-18-17 16,35-89-31,0 177 16,1 34 0,-1-69-1,0 70 1,-17-53 0,-53-124-1,-71-70 1,0-70-1,36 17 1,0-18 0,70 1-1,0 17 1,35 35-16</inkml:trace>
-  <inkml:trace contextRef="#ctx0" brushRef="#br0" timeOffset="49943.97">2822 6897 0,'0'0'15,"0"-18"-15,0-52 32,0 52-32,-17 0 0,-19 18 15,-34 0 1,-18 53 0,17 35-1,71 71 1,0-18-1,35 0 1,-17-123-16,52 0 16,36-18-1,-18-36 1,1-69 0,-72 69-1,19-17 1,-19-52-1,-34-1 1,-89 35 0,18 54-1,-54 52 1,54 18 0,53 35-1,70 0 1,89-17-1,-1-71 1,1 0 0</inkml:trace>
-  <inkml:trace contextRef="#ctx0" brushRef="#br0" timeOffset="50343.9">3228 7073 0,'0'0'0,"-18"0"0,1-17 15,-1-19 1,18-17 0,18 18-1,123 0 1,-53 35 0,35 17-1,-34 72 1,-89-19-1,-18 36 1,-70-35 0,35-36-1,18-35 1,35-18 0,0-35-1,0 36 1,17-54-16,1 53 15,35-52 1,35-18 0,35 0-1,-87 70-15</inkml:trace>
-  <inkml:trace contextRef="#ctx0" brushRef="#br0" timeOffset="50576.78">4127 6632 0,'0'0'0,"0"18"31,-17-1-31,-18 54 16,-1 17-1,1 36 1,35-89-16,0 36 16,0-36-1,-18 71 1,18-18-1,53-88 17,-35-18-32,35-17 0</inkml:trace>
-  <inkml:trace contextRef="#ctx0" brushRef="#br0" timeOffset="51060.14">4463 6738 0,'0'-35'0,"0"70"0,0-88 16,-18 53 0,18 18-16,0-1 0,-35 36 15,35 71 1,0-36 0,-36 0-1,36-17 16,-17-36-15,-1-53 15,18-35-15,0-17 0,18 52-16,52-70 15,19 18 1,34 17-1,-17 53 1,-53 53 0,-18 35-1,-35 0 1,-53-18 0,35-34-1,-17-36 16,0 0-15,0 0-16</inkml:trace>
-  <inkml:trace contextRef="#ctx0" brushRef="#br0" timeOffset="51244.26">4075 6879 0,'0'0'0,"17"0"32,1 0-32,-1 0 15,19 0-15,-19-17 0,54 17 16,-18-18 0</inkml:trace>
-  <inkml:trace contextRef="#ctx0" brushRef="#br0" timeOffset="51661.86">4957 6985 0,'17'0'31,"1"0"-16,-1-18 1,1 1-16,17-19 16,-17 1-1,-18 0 1,-18 35 0,-35 18-1,36-1 1,-36 36-1,18 35 1,35-17 0,0-1-1,53-34 1,-18-36-16,35 17 16,19-17-1,-1-53 1,-35 36-16</inkml:trace>
-  <inkml:trace contextRef="#ctx0" brushRef="#br0" timeOffset="52076.81">5380 6914 0,'0'0'16,"-18"0"-16,18-17 0,0-1 15,53-17 16,53 17-15,-18 36 0,0 52-1,-52-17 1,-19 36 0,-17-19-1,0-52-15,-35 35 16,0-18-1,17-35 1,-17 0 0,35-35-1,0-18 1,35-53 0,0 35-1,36 1 16,-1 35-15,-17 17 0,-17 0-16</inkml:trace>
-  <inkml:trace contextRef="#ctx0" brushRef="#br0" timeOffset="52976.29">7232 6685 0,'0'-18'0,"0"36"0,0-53 16,0 17-16,0 1 15,0 52 1,0-18-16,-18 54 16,1 35-1,17 17 1,0-105-16,-36 88 16,19-36-1,-1-34 16,18-54 1,53-35-17,-35 18-15,-1 17 16,1-17-16,35-53 16,0 35-1,-18 53 1,0 0-1,-35 70 1,53 36 0,-17-35-1,34-18 1,36-53 0,-18-18-1,36-53 1,-36-17 15,-35-18-15,-53-52-1,-36 34 1,-34 36 0,-1 70-1,1 54 1,70-19-16,-18 71 15,18 1 1,71-1 0,-18-35-1,-1-36 1</inkml:trace>
-  <inkml:trace contextRef="#ctx0" brushRef="#br0" timeOffset="53310.29">8149 6985 0,'35'0'15,"-70"0"-15,123 0 16,-35-18 0,35-35-1,-70 53-15,17-35 16,-17 18-16,0-54 16,-18 36-1,-18 35 1,-70 17-1,17 54 1,1 17 0,70-53-16,0 54 15,0-37 1,88 1 0,18-53-1,17 0 16,-88-17-31,124-36 16,-88 18-16</inkml:trace>
-  <inkml:trace contextRef="#ctx0" brushRef="#br0" timeOffset="53810.36">9013 6615 0,'0'-36'15,"0"72"-15,0-89 0,0 17 0,0 19 16,-35 87 15,35 1-15,-17-18-16,-1 53 15,0 17 1,18-88 0,0 36-16,0-18 15,-17-53 32,17-18-31,0-17-1,0-18 1,0 35-16,88-70 16,18 18-1,-1 17 1,37 53-1,-54 53 1,-53 17 0,-35 18-1,-88-35 1,0-17 0,-18-1-1,0 0 1,53-35 15,35 0-31,1-35 0</inkml:trace>
-  <inkml:trace contextRef="#ctx0" brushRef="#br0" timeOffset="54527.05">9737 6791 0,'-18'0'0,"36"0"0,-18 0 31,17 0-15,89-18-1,-71 1-15,36-19 16,-36 36-16,53-53 16,-70 36-16,17-36 15,-35 18 1,-105 17-1,-19 18 1,1 53 0,52 17-1,71-17 1,18 0 0,70-35-1,-18-18 1,-34 0-1,52 0 1,-53 0 0,-105 0 15,-19 18-15,72-1-16,-89 36 15,0 18 1,106-1-1,0-17 1,71-18 0,-1-17-1,71-18 1,71-53 0,-89 0-1,-87 36 1</inkml:trace>
-  <inkml:trace contextRef="#ctx0" brushRef="#br0" timeOffset="54777.37">10619 6456 0,'0'-18'16,"0"36"-16,-18-71 16,0 53-16,-17 0 15,0 70 1,-1 72-1,1 16 1,18-69 0,-1-54-16,0 53 15,18-53 1,0-17 0,53-18-1,0-35 1</inkml:trace>
-  <inkml:trace contextRef="#ctx0" brushRef="#br0" timeOffset="55160.62">10619 6897 0,'17'0'31,"1"0"-15,0 0-16,17 0 15,-18 0-15,54-35 16,17-18 0,-35 0-1,-53 17 1,-18 19 0,-70 17 15,18 35-16,-1 53 1,18 0 0,53-35-1,0-35-15,18 17 16,0-35-16,34 18 16,72-18-1,-1 0 1,-34-35-16</inkml:trace>
-  <inkml:trace contextRef="#ctx0" brushRef="#br0" timeOffset="55875.93">11289 6738 0,'0'0'0,"0"18"31,-18 35-15,1-36-1,-1 71 1,18-35 0,-18 0-1,18-35 1,-17 0 0,17-36 15,0 0-31,0-17 15,53-36 1,35-17 0,-18 35-1,36 18 1,-53 35 0,-35 0-16,-1 35 15,1 36 1,-18-18 15,0 17-15,0-34-1,-18-36 1,1 0 15,17-36-15,17-17-1,-17 36-15,53-54 16,18 1 0,-54 52-16,89-53 15,-17 71 1,-37 36 0,-16 34-1,-36 1 1,0-1 15,0-52-31,-36 35 16,19-35-1,-1-18 1</inkml:trace>
-  <inkml:trace contextRef="#ctx0" brushRef="#br0" timeOffset="56760.1">12224 6862 0,'17'0'31,"1"0"-31,0 0 0,35-18 16,-18-17-1,-18 35 1,-17-36 0,0-17-1,-35 36 17,-35 70-17,34 0 1,1 17-1,35 1 1,0-36 0,18-17-16,52-1 15,36-17 1,-35 0 0,35 0-1,-71-53 16,0 0-15,-35 36-16,18-71 16,-18 52-1,0 19 1,0 34 15,0 1-31,0 0 0,0 17 16,0-17-16,0 34 15,-18-16 1,0-1 0,18-53 46,0 1-62,0-1 16,36-35-16,34-17 31,36-19-15,-18 36-1,36 53 1,-54 36 0,-52 52-1,-18 0 1,-35-35-1,-1 0 1,36-35-16,-17-18 16,17 17-16,0-34 47,17-1-47,1 0 15</inkml:trace>
-  <inkml:trace contextRef="#ctx0" brushRef="#br0" timeOffset="57079.06">13547 6350 0,'17'-18'16,"-34"36"-16,34-53 0,-17 52 31,-17 19-15,-19 69-1,36-69-15,-53 105 16,36-35 0,-1 0-1,18-36 1,0-35 0,18-35 15,17 0 0,18-35-15,-53-18-1</inkml:trace>
-  <inkml:trace contextRef="#ctx0" brushRef="#br0" timeOffset="57293.35">13406 6632 0,'-18'0'0,"36"0"0,-54-17 15,36-1 1,36 18 0,34-18-1,-35 1-15,36 17 16,-1 0 0,-34-18-1,-19 18 1</inkml:trace>
-  <inkml:trace contextRef="#ctx0" brushRef="#br0" timeOffset="57538.28">13970 6914 0,'-18'18'0,"1"-18"63,-36 0-48</inkml:trace>
-  <inkml:trace contextRef="#ctx0" brushRef="#br0" timeOffset="76473.94">1005 229 0,'0'0'0,"0"-17"0,-17 17 16,-1 0-1,18 17 1,-18 19-16,1 34 16,-36 54 15,53-89-31,-53 71 16,0 0-1,-35 17 1,70-70-1,1-53 1,-1 0 0,18-18-1,0 1-15,0-36 16,0-35 0,18 17-1,-1 0 1,1 36-1,17 53 1,0 35 0,-17-36-1,0 54 1,52 35 0,-34-53-1,16-18 1,19-35-1,17-53 1,-17 0 0,-1-17-1,-34-1 1,-36-17 0,-18-36-1,0 89-15,-52-53 16,-1 35-1,-52 35 1,35 36 15,17 70-15,71 18 0,18 0-1,52-36 1,-17-52-1,35 0 1,-17-18 0,-1 0-1,-34 0 1</inkml:trace>
-  <inkml:trace contextRef="#ctx0" brushRef="#br0" timeOffset="76974.39">1499 600 0,'0'-18'31,"0"0"-31,0 1 15,18 17-15,17-35 16,18 35 0,0 0-1,0 17 1,-18 71 0,-17-17-1,-18-53-15,0 70 16,0-53-1,-18-17 1,18-36 15,0-17 1,0 17-32,0-35 15,0 0 1,18-17-1,17 34 1,0 36 0,1 0-1,-19 0-15</inkml:trace>
-  <inkml:trace contextRef="#ctx0" brushRef="#br0" timeOffset="77575.72">2275 706 0,'0'0'16,"18"0"-16,0 0 16,17 0-1,0-53 1,-35 17-1,0 19-15,-35-36 16,-36 18 0,1 17-1,-18 36 1,17 17 0,18 53-1,53-17 1,0-36-16,0 18 15,0-18 1,35-17 15,18-18-15,18-36 0,17-34-1,-17 17 1,-54-18-1,-17 18 1,18 18 0,-18 70 15,0-17-31,0 35 16,0 0-1,0 17 1,0-52-1,18 0 1,35-18 15</inkml:trace>
-  <inkml:trace contextRef="#ctx0" brushRef="#br0" timeOffset="78239.45">2787 459 0,'0'17'0,"-18"1"0,1 0 16,-19 52 0,19-17-1,17-35-15,-18 35 16,18-36-1,18-17 32,-1-17-31,19-19 0,-19 19-16,19-19 15,-1-17 1,0 18-1,-17 35 1,-18 35 0,17 36-1,-17 0 1,18-19 0,17 1-1,18-53 1,18 0-1,-1-35 1,19-35 15,-37-19-15,-34 19 0,-53-18-1,-36 35 1,1 53-1,17 0 1,35 35 0,18 0-1,18-35 1,52 0 0</inkml:trace>
-  <inkml:trace contextRef="#ctx0" brushRef="#br0" timeOffset="78807.33">3687 194 0,'0'0'0,"0"-18"0,0 1 16,0-1 0,-18 36-1,0 35 1,18 70-1,-17-35 1,-1 36 0,0-54-1,1-17 1,17-35 0,-18-18 15,18-35-16,0 17 1,0-35-16,35-17 31,36-19-15,-1 36 0,19 53-1,-19 18 1,-17 53-1,-35-54-15,-18 36 16,0-35-16,-36 52 16,-16-34-1,-54 17 1,35-36 0,1 1-1,34-18 1,19-53-1,17 35 1</inkml:trace>
-  <inkml:trace contextRef="#ctx0" brushRef="#br0" timeOffset="79523.1">4286 547 0,'0'-18'16,"18"18"-16,-18-53 16,0 36-1,0-19 1,-18 19 0,-35 17-1,-17 0 1,17 35-1,-18 71 1,54-36 0,-1 19-1,18-54 1,71-18 0,-19-17-1,19-17 1,17-36-1,-17-18 1,-36 18 15,-35-35-15,0 71 0,-18 17-1,-17 35 1,18 35-1,17 1 1,0-18 0,17-18-1,36-17 1,35-18 0,0-35-1,-52 35 1</inkml:trace>
-  <inkml:trace contextRef="#ctx0" brushRef="#br0" timeOffset="79824.14">4957 335 0,'0'-18'16,"0"36"-16,-18-36 31,0 36-31,1 0 15,17-1-15,-36 36 16,1 36 0,17-1-1,18-53 1,0 18 0,53-35-1,18-18 1,-53 0-16,34 0 15,37-53 1,-72 35 0</inkml:trace>
-  <inkml:trace contextRef="#ctx0" brushRef="#br0" timeOffset="80523.61">5327 106 0,'0'-18'0,"0"36"0,0-53 31,0 70-15,0-18-16,0 54 15,0 70 1,-18-17 0,18-54-1,-17 1 1,17-54-1,-18 1 1,18-36 31,0-17-31,0-35-1,35-1 1,-17 53-16,17-35 15,18 0 1,-35 36-16,52-1 16,-52 18-1,0 0 1,-18 18 0,-71 17-1,18-17 1,35-1-16,-34-17 15,34 0 1,0 0 15,18 18-15,0 35 0,18-18-1,-18-17-15,53 17 16,0 18-1,17-35 1,-17 17 0,-17-35-1,-1 0 1,-18 0-16,19 0 16,-19 0-1,-17-18-15</inkml:trace>
-  <inkml:trace contextRef="#ctx0" brushRef="#br0" timeOffset="81422.86">1111 1023 0,'0'0'0,"-17"0"0,-1 0 0,-17 0 16,17 0 0,0 0-1,1 18 1,-1-18 0,71 0 15,-18 17-31,71-17 15,159 0 1,-1 0 0,160-35-1,-19 17 1,-17 1 0,159-19-1,-176 1 1,-266 18-16,266-19 15,-159 36 1,-18-35 15,-124 35-31,-35 0 32,-35-18 14</inkml:trace>
-  <inkml:trace contextRef="#ctx0" brushRef="#br0" timeOffset="-48293.86">2946 10142 0</inkml:trace>
-  <inkml:trace contextRef="#ctx0" brushRef="#br0" timeOffset="-48004.67">3193 10037 0,'0'0'0,"17"0"0,-17-18 16,0 0-1,0 1 1,-17 17 46,-1 0-46</inkml:trace>
-  <inkml:trace contextRef="#ctx0" brushRef="#br0" timeOffset="-47712.04">3104 9966 0,'0'18'31,"0"-1"-15,0 19-16,0-1 0,0 35 15,0 71 1,-35 18-1,18-53 17,17-71-32,0 36 15,0-53-15,0-1 16,52-17 0,-16-17-1,17-36 1,-18-53-1</inkml:trace>
-  <inkml:trace contextRef="#ctx0" brushRef="#br0" timeOffset="-47467.9">3157 9754 0,'0'0'16,"-17"0"-16,-19 0 16,36 18 46,0 0-46,0-1-16,18-17 0</inkml:trace>
-  <inkml:trace contextRef="#ctx0" brushRef="#br0" timeOffset="-46779.58">3933 10266 0,'18'-18'0,"-36"36"0,36-53 0,-18 17 16,0-17 0,-88 17-1,0 0 1,17 18-1,-17 36 1,53-19-16,-18 54 16,0 70-1,18-18 1,35-34 0,35-36-1,18-36 1,53-34-1,-89-1 1,89-53 0,0-35-1,-36-52 1,-52 34 0,0-17-1,-18 0 1,0 70-1,-18 89 1,18 53 0,-18 87-1,18-34 1,0 52 0,0-140-16,0 87 15,18-70 1,17-18-1,1-35 17,34 0-17,-70-17-15,35-19 0</inkml:trace>
-  <inkml:trace contextRef="#ctx0" brushRef="#br0" timeOffset="-46528.07">4427 10231 0,'0'0'0,"-17"0"0,34 0 47,1 0-47,0 0 16,-1 0-16,1 0 15,17 0 1,0 0 0,-35 17-1,0 1-15</inkml:trace>
-  <inkml:trace contextRef="#ctx0" brushRef="#br0" timeOffset="-46361.4">4392 10425 0,'0'0'0,"0"17"15,35-17 17,18 0-17,0-17 1,-35-1-16,52-17 16,-52 17-16</inkml:trace>
-  <inkml:trace contextRef="#ctx0" brushRef="#br0" timeOffset="-46111.58">5168 9895 0,'-17'18'16,"-1"0"0,18-1-16,0 54 15,0-18 1,0-36 0,0 1-16</inkml:trace>
-  <inkml:trace contextRef="#ctx0" brushRef="#br0" timeOffset="-45395.8">5644 10530 0,'0'0'16,"18"-17"-16,0 17 0,-1-18 0,54-52 15,-36 34 1,0-17 0,-17-17-1,-36 17 1,-87 35 0,-1 18-1,-18 71 1,18 52-1,71-17 1,35 35 0,0-88-1,71-53 1,35-17 0,-36-36-1,36-36 1,-88 54-16,35-53 31,-53-18-15,0 36-1,0 52 1,0 36 0,0 87-1,0-16 1,0-54-16,0 71 15,52-53 1,1-18 0,18-35-1,-18-35 1</inkml:trace>
-  <inkml:trace contextRef="#ctx0" brushRef="#br0" timeOffset="-44861.76">6262 10037 0,'0'-18'16,"0"36"-16,0-54 0,0 19 0,0 34 31,0 1-15,0 105-1,-18 36 1,18-35-1,-17-1 1,17-88-16,0 18 16,-18-53-16,18 18 15,-18-18 1,18-53 15,0 35-31,18-70 16,52 0 15,36 17-15,0 71-1,-18 0 1,-52 53 0,-36-35-16,0 70 15,-18-35 1,-88 0-1,18-18 1,0 1 0,52-36-1,54-36 17,0 36-17</inkml:trace>
-  <inkml:trace contextRef="#ctx0" brushRef="#br0" timeOffset="-44595.31">7038 10301 0,'0'0'0,"18"0"0,-18-18 16,-18 18 15,-35 71-16,0 17 1,35 0 0,18-35-1,0-35 1,71 0 0,0-54-1,-54 36-15,1-17 16</inkml:trace>
-  <inkml:trace contextRef="#ctx0" brushRef="#br0" timeOffset="-44396.78">7638 9931 0,'0'0'15,"0"17"1,0 1-1,0 0-15,0 52 16,-36 1 0,-17-18-1,18-18 1</inkml:trace>
-  <inkml:trace contextRef="#ctx0" brushRef="#br0" timeOffset="-42446.87">2293 11818 0,'0'0'0,"0"-18"0,0 1 0,-18-1 31,-35 18-15,36 53-1,-1-18-15,-17 54 16,-18 52-1,53-36 1,-18-34 0,18-89 31,18 1-47,0-1 0,35-88 15,-1 36 1,19-18-1,-18 88 17,18 52-17,-36-34-15,0 53 16,-17-54-16,70 89 16,-35-35-1,35-36 1,-17-17-1,17-36 1,0-35 0,-35-53-1,-35 18 1,-18-35 0,-71 34-1,0 72 1,-17 34-1,0 72 17,53 34-17,35-17 1,0-18 0,35-53-1,53-35 1,-17-17-1,17-54 1,-53 18 0,-17-17-1,-18 17 1,0 88 15,18 53-15,17-17-1,18-18 17,17-36-17,1-17 1,-54 0-16,89-53 16,-53 0-1,0-17 1,-53 17-1,0 35 1,0 36 0,0 0-16,0 52 15,0 1 1,0-1 0,0-34-1,18-54 32,-18 0-47,53-52 31,-18-1-15,0-17 0,1 70-1,-19 18-15,1 0 16,-1 53-1,1 35 1,0-17 0,-1-36-1,19-35 1,-1 0 0,-17 0-16,34-35 15,19-36 1,-36 19 15,-35-1-15,18 53-1,0 53 1,-18-36-16,17 54 16,18 17-1,36-53 1,-18-35-1,35 0 1,0 0 0,53-88-1,-70-18 1,-53 18 0,-18 0-1,0 53 1,-36 70-1,19-18 1,-1 54 0,18 35-1,0-18 1,53-35 0,35-35-1,0-18 1,18-18-1,-35-17-15</inkml:trace>
-  <inkml:trace contextRef="#ctx0" brushRef="#br0" timeOffset="-42213.09">5274 12100 0,'0'0'0,"-18"0"0,18 36 31,18-36 0,35 0-15,-35 0-16,52-18 16,1 0-1</inkml:trace>
-  <inkml:trace contextRef="#ctx0" brushRef="#br0" timeOffset="-42062.47">5256 12224 0,'0'0'0,"0"17"0,0 1 16,18-18 15,35 0-15,-35-18-1,34 1-15,-16-1 16,52-35-16</inkml:trace>
-  <inkml:trace contextRef="#ctx0" brushRef="#br0" timeOffset="-41779.63">6315 11624 0,'-18'18'15,"18"-1"1,-18 1-16,18 35 16,0-36-16,0 19 15,0-1 1,18-35 15,17 0 0,-17 0-31</inkml:trace>
-  <inkml:trace contextRef="#ctx0" brushRef="#br0" timeOffset="-41613.66">6544 11659 0,'0'0'16,"0"-17"-16,0 34 31,0 36-15,0-18-1,0-17 1,0 0 0</inkml:trace>
-  <inkml:trace contextRef="#ctx0" brushRef="#br0" timeOffset="-41036.93">8290 11695 0,'0'0'0,"0"-18"0,0 36 63,0-1-63,-17 1 15,17-1 1,0 1 0</inkml:trace>
-  <inkml:trace contextRef="#ctx0" brushRef="#br0" timeOffset="-40862.6">8608 11677 0,'17'0'0,"-34"0"0,52 0 15,-35 18 17,0 17-17,-18 18 1,18-36-16,-35 36 16,17-35-16,1 0 15</inkml:trace>
-  <inkml:trace contextRef="#ctx0" brushRef="#br0" timeOffset="-40262.55">4762 13388 0,'-17'0'0,"34"0"0,-52 0 16,18 18-1,34-1 1,89-17-1,123 0 1,195-35 15,-283 17-31,141-17 16,36 17-16</inkml:trace>
-  <inkml:trace contextRef="#ctx0" brushRef="#br0" timeOffset="-39761.55">8784 13247 0,'0'0'0,"-17"0"0,17 17 31,0 1-31,0 0 15,17-18-15,71 0 16,124 0 0,-141 0-1,52 0 1,53 0-16</inkml:trace>
+  <inkml:trace contextRef="#ctx0" brushRef="#br0">2381 370 0,'0'-17'0,"0"34"93,0 1-93,0 0 0,0 17 16,0 53 0,0 18-1,0-71-15,0 71 16,0 53-1,0-53 17,-17 0-17,17-71 1,0-18 0,-18-52 15,18-35-16</inkml:trace>
+  <inkml:trace contextRef="#ctx0" brushRef="#br0" timeOffset="683.22">2293 582 0,'0'0'0,"-18"-35"31,1 17-31,17-17 16,17 0 15,72-18-31,-1 17 16,18 19 15,-89 17-31,89 0 16,-35 35-1,-36 36 1,-35 17 0,-71-18-1,36-34-15,-71 34 16,36-17 15,-1-35-31,1-18 31,52 0-31,-17 0 32,17-18-17,36 18 16,52 35-15,-17 18 0,35 35-1,-35-35 1,-35-35-16,0 35 16,17-18-1,-18-35 1,1 0 15,0-17-15,-18-1-1,17-17-15</inkml:trace>
+  <inkml:trace contextRef="#ctx0" brushRef="#br0" timeOffset="1166.45">2822 847 0,'18'0'16,"-1"0"0,1 0-16,35 0 15,0-18 1,0-17-1,-18-1 17,-17 1-17,-1 0 1,-17 17 0,-70 18-16,-1 0 31,18 36-31,-17 34 31,35 18-15,17 0-1,18-52-15,0 52 16,35-35 0,18-18-1,18-35 1,-1 0 15,18-35-31,-52 17 16,52-52-16</inkml:trace>
+  <inkml:trace contextRef="#ctx0" brushRef="#br0" timeOffset="1476.29">3598 423 0,'0'0'0,"-17"0"0,17-17 16,-36 17-1,36 17-15,-17 19 16,-1 52 0,0 35-1,1-17 1,-18 35 15,35-53-15,0-17-1,0-53 1,0-1 0,17-34-1</inkml:trace>
+  <inkml:trace contextRef="#ctx0" brushRef="#br0" timeOffset="2392.09">4216 935 0,'17'0'16,"-17"-18"-16,18-17 31,0 17-31,-18-17 16,0-18 0,0 0-1,-18 0 1,-53 18 15,36 35-31,-35 0 16,-1 18-1,-17 70 17,35 0-32,53-53 15,-18 89 1,18-54-1,0-17 1,71-17 0,-18-36-1,35-18 1,-18-35 0,19-35-1,-54 0 1,0 17-1,-17-35 1,-18 53 15,0 71 1,-18 0-32,18 34 15,0 54 16,0-18-15,0-70-16,18 53 16,17-18-1,0-36 1,18-17 0,-17 0-1,69-70 1,-52-1-1,0-17 1</inkml:trace>
+  <inkml:trace contextRef="#ctx0" brushRef="#br0" timeOffset="2999.4">4798 423 0,'0'0'0,"0"-17"0,-18 17 15,0 17 1,1 19 0,17-19-16,0 36 15,0-35-15,-18 70 16,1-53-16,17 71 16,-18 18-1,18-54 1,0 18-1,35-70 17,-17 0-32,17-18 0,36 0 31,-1-18-15,1-35-1,-36 0 1,0-53-1,-17 89-15,0-54 16,-18 36 0,0 52 15,0 19-15,0 70-1,0-36 1,0-52-16,0 52 15,35-17 1,0-35 15,18-18-31,0 0 32,-35-18-32,35-52 0,-18-1 31,-18-35-31</inkml:trace>
+  <inkml:trace contextRef="#ctx0" brushRef="#br0" timeOffset="3213.07">5309 494 0,'-17'0'16,"34"0"-16,-52 0 0</inkml:trace>
+  <inkml:trace contextRef="#ctx0" brushRef="#br0" timeOffset="3458.17">4551 670 0,'0'0'15,"0"18"-15,17-18 16,1 18-1,0-18-15,52 0 16,1 0 0,35 0-1,-36-18 1,-52 18 0</inkml:trace>
+  <inkml:trace contextRef="#ctx0" brushRef="#br0" timeOffset="3999.36">5521 741 0,'18'0'62,"-1"17"-62,-17 1 16,18-18-16,17 35 16,0 36-1,1-1-15,-36 19 16,0-36 15,0-36-31,0 19 16,17-36 15,1-18-15,17-53-1,18-17 1,18-35-1,-18 52 17,-18 53-32,0-17 31,-17 35-15,-1 0-16,1 0 15,0 0 1,-1 0-1</inkml:trace>
+  <inkml:trace contextRef="#ctx0" brushRef="#br0" timeOffset="4425.92">6191 900 0,'0'0'0,"18"17"16,35-17-1,0-17 1,-18-36 0,-17 53-1,52-71-15,-70 18 16,0 18 15,0 17-31,-70 18 31,17 36-15,-18 69 0,71-16-1,0-1 1,0-18 0,35-17-1,18-53 1,-35 0-16,70 0 15,-17 0 17,17-70-17,-70 52-15</inkml:trace>
+  <inkml:trace contextRef="#ctx0" brushRef="#br0" timeOffset="5011.13">7691 582 0,'0'-18'0,"0"36"0,0-53 15,0 17 1,0 1-16,0-1 16,17 0-16,36 18 15,35-17 1,0 52 0,36 71-1,-36-18 1,0 106-1,-52-106 17,-36 18-17,0-53 1,17-71 15,-17 1-15,0-1-16,0-70 0,0 52 15</inkml:trace>
+  <inkml:trace contextRef="#ctx0" brushRef="#br0" timeOffset="5290.82">8449 441 0,'0'0'15,"0"-18"-15,-53 54 31,-35 52-15,0 0 0,52-53-1,-87 142 1,35-54 0,0 1-1,70-54-15,0-35 31,71-52 1,0-1-32</inkml:trace>
+  <inkml:trace contextRef="#ctx0" brushRef="#br0" timeOffset="5715.38">8572 758 0,'-35'36'16,"35"-19"-16,0 1 15,-17 0-15,17 123 0,0-18 31,0 71-31,0-17 32,0 105-17,-36-53 1,-17 71 0,53-106-1,-17-106 1,-1-17-1,18-106 17,0 17-17,18-123-15,17-18 32</inkml:trace>
+  <inkml:trace contextRef="#ctx0" brushRef="#br0" timeOffset="6074.26">8572 900 0,'0'0'16,"0"-18"-16,-17-35 16,17 0-1,35 35 1,0 1-16,71-18 15,-18 35 17,18 17-32,-53 36 15,-53 53 17,-35-18-32,-141 18 15,87-53 16,1-18-31,70-35 32,18-17-1,71-19-15</inkml:trace>
+  <inkml:trace contextRef="#ctx0" brushRef="#br0" timeOffset="6715.39">9507 758 0,'0'0'0,"0"-17"0,0-18 15,0 17-15,0 0 0,-70 1 32,17 17-17,-35 53 1,35 17 0,-18 54-1,36-36 1,35 0-1,0-70-15,0-1 16,70 1 15,1-18-31,0-53 32,-18 0-17,-1-70 1,-34 34-1,0 19 1,-18 52 0,0 36 15,0 52-15,0-34-16,0 34 15,17 36 1,1-53-1,0 18 1,-1-71 0,36 0 15,-18 0-15,36-89-16</inkml:trace>
+  <inkml:trace contextRef="#ctx0" brushRef="#br0" timeOffset="7024.58">10001 406 0,'0'0'16,"0"-18"-16,0 36 31,0-1-31,0 36 15,0-35-15,0 88 32,0-18-17,-17 35 1,17-34 0,0 16-16,-18-52 31,18-35-16,18-36 1</inkml:trace>
+  <inkml:trace contextRef="#ctx0" brushRef="#br0" timeOffset="7648.28">10354 406 0,'0'0'0,"0"17"47,0 1-47,0 0 16,0 35-16,0 52 15,-18-16 16,1 52-15,-1-53 0,18-53-16,-18 53 15,1-52 1,-1-36 15,18-18-15,-17-35-1,17-53 17,17 0-32,89 1 15,0 34 17,0 71-32,-18 18 15,-53 52 1,0 36-1,-17-35 17,-18 17-17,0-35 1,-18-36-16,1 1 16,-1-18-1,1-18 16,17-17-15</inkml:trace>
+  <inkml:trace contextRef="#ctx0" brushRef="#br0" timeOffset="7907.56">9790 706 0,'0'0'0,"-18"0"0,36 0 31,34 0-15,19 0-1,17 0 1,-70 0-16,17-18 15,-17 18-15,-1-18 32</inkml:trace>
+  <inkml:trace contextRef="#ctx0" brushRef="#br0" timeOffset="8981.11">2752 1535 0,'0'0'0,"-36"0"0,-140 0 31,158 0-31,1 0 0,34 0 47,1 0-47,53 17 16,105 1 0,-35-1-1,-70-17-15,123 18 16,211 0-1,-34-1 1,246-17 15,-458 0-31,176 0 16,-159 0-16,530 18 16,-142-18-1,212 18-15,-176-18 31,212 35-15,-230-35 0,-388 0-16,529 18 15,-229-18 1,70 0 0,-264 0-1,-18 17 1,-158-17-1,-89 0 1,-53 0 31,-17 18-31,-35 0-1,52-18-15,-17 0 0</inkml:trace>
+  <inkml:trace contextRef="#ctx0" brushRef="#br0" timeOffset="41311.26">1711 2946 0,'0'0'15,"-18"-18"-15,18 0 16,-17 18-1,-1 0 1,18 18 0,0 0-1,0 17 1,35 0 0,18-17 15,-35-18-31,35 18 0,-18-18 31,18-36-15,-35-17-1,-1 0 1,-17 0 0,0 36-16,0-1 15,0 1 1,0 52 15,0 35-15,0 1-1,0-36-15,18 89 16,-18-18 0,0-1 15,0-34-31,0-36 31,-18 0-15,-17-35-16,-18-17 31,0-36-15,0-18-1,36 36 1,-1 17-1,18 54 17,53 34-17,0-17 1,0 0 0,17-18-1,-17-35 1,-18 0-16,54 0 31,16-35-31,19-71 16,-36 0-1,0-35 1,-52 18 15,-19 70-15,-17 18-1,0 105 17,-17 1-17,17-36-15,0 89 16,0-36 0,0 0-1,0-53 1,35-17 15,-17-18-15,-1-35-16,-17-36 31</inkml:trace>
+  <inkml:trace contextRef="#ctx0" brushRef="#br0" timeOffset="41520.83">2452 3140 0,'0'0'0,"0"17"15,17-17 17,1 0-32,0 0 15,88 0 1,-18-17-16,18-19 31,-18 1-31</inkml:trace>
+  <inkml:trace contextRef="#ctx0" brushRef="#br0" timeOffset="42811.02">3492 3087 0,'0'-18'0,"18"1"16,-18-1 0,0 36 46,0-1-62,0 1 0,0-1 0,-18 1 16,18 53-16,0 34 31,0-34-15,18-18-1,35-35 1,35-18-1,0-36 1,1-34 0,-36-1-1,-18-35 1,-18 53 0,-17 18-1,18 35 1,-18 18 15,-18 35-15,1 0-16,17 35 31,0-35-31,35-18 16,-17-17-1,35-18 1,17-18-1,1-17 1,17-53 0,-35 17-1,-18-17 1,-35 53 15,-17 35-15,-1 35-16,0 35 31,18 19-15,0-19-16,0-17 31,36-18-15,-19-17-1,-34-18 32,-1 0-47,-17 0 16,35-18-1,-18 18 1,18 18 15,0 0-15,18-1-16,-1-17 0,36 0 31,35 0-15,18-17-1,53-36 1,-36-18 0,-34-17-1,-72 17 1,-17 54-1,-53 17 1,0 17 0,18 72-1,35-1 1,0-18 15,0-34-31,35-1 31,1-35-15,-1 0-16,53-18 31,-17-17-15</inkml:trace>
+  <inkml:trace contextRef="#ctx0" brushRef="#br0" timeOffset="43461.33">5697 3122 0,'-17'-18'15,"17"1"-15,-53-1 16,0-17 0,0 35-1,-18 0 1,54 0-1,-54 35 1,18 53 0,36-17-16,-1 17 31,18-17-15,35-18-1,18-53 1,35 0-1,1-71 1,-19 0 0,18-70-1,-52 36 1,-19-37 15,-17 54-15,0 53-1,-17 17-15,-1 71 32,-17 53-17,17 18 1,0 17 0,18-53-1,0 0 1,36-53-1,-19-35-15,36 0 16,0 0 0,0-17-1,-18-19 1,-17-34 0</inkml:trace>
+  <inkml:trace contextRef="#ctx0" brushRef="#br0" timeOffset="43993.83">7003 2840 0,'0'0'0,"17"-18"0,1-52 31,-18 52-31,0 36 32,-18 17-17,-17 71 1,35-18-1,-18 35 1,18-70 0,0-35-16,-17 35 15,17-18 1,17-52 31,19-19-47</inkml:trace>
+  <inkml:trace contextRef="#ctx0" brushRef="#br0" timeOffset="44440.14">7320 2910 0,'0'0'0,"18"-17"16,-18-1-1,0 89 16,-36-18-15,19 35 0,17 0-1,0-17 1,0-54-16,53 1 16,35-18-1,0-35 16,18-18-15,-35-36 0,-71 1-1,-53 0 1,-18 70-16,-17 18 31,35 0-15,18 18-1,17-18 1,-17 0 0,17 0-1,0-18-15</inkml:trace>
+  <inkml:trace contextRef="#ctx0" brushRef="#br0" timeOffset="44686.24">6720 2840 0,'0'0'0,"18"0"31,0 0-31,-1 0 0,36 0 16,71-18-1,-89 18-15,124-35 16,-53 17-1,-36 1 1,-52 17 0,-36 0-1</inkml:trace>
+  <inkml:trace contextRef="#ctx0" brushRef="#br0" timeOffset="45760.31">8943 2963 0,'0'0'0,"18"0"15,87-35 1,-87 17-1,35-17 1,17-18-16,-34 0 16,-19 0 15,-17 36-15,-88 17-1,71 17-15,-72 36 16,36 0-1,36 0 1,17 0 0,70 18-1,-52-54-15,17 1 16,-17 0-16,17 34 16,-35-16 15,-53 17-31,-17-18 15,-71-35 17,35-18-17,0-35 1,53 18-16,53 17 31,18 36 0,-1 0-31,72 35 16,-19-18 0,54-35-1,-19 0 1,36 0 0,1-71 15,-72 36-16,-35 0-15,36-36 16,-71 1 0,0 17-16,0 35 15,-18 18 17,1 35-17,-1 36 1,18 0-1,0-19 1,0 1 0,53-35-1,-53 0-15,88-18 16,0 0 0,36-18 15,-18-17-16,35-36-15</inkml:trace>
+  <inkml:trace contextRef="#ctx0" brushRef="#br0" timeOffset="46602.8">10213 2963 0,'35'-53'0,"-70"106"15,70-123-15,-17-1 0,-18 36 32,-53 35-17,0 0 1,-18 53-1,1 53 1,35-36 0,35 1-1,0-36 1,17-17 0,54-18 15,-18-18-31,53-52 31,-54 17-31,-34-36 31,17 36-15,-35 36 0,0 87 15,0 1-16,0-18 1,18-18 0,0 0-1,17-17 1,-17-18-16,-1 0 16,18 0 15,-17-35-31,17-18 31,-35 0-31,71-18 31,-53 54-31,35-19 0,17 19 32,1 17-17,-1 53 1,-17 17-1,-35-17 1,-18 18 0,0-36-1,0-17 1,-18-18 15,18-18-31,0-17 31,0 17-31,35-52 16,1 34 0,-1 1-16,0 17 31,-17 1-31,17-1 31,-17 18-31,17 0 16</inkml:trace>
+  <inkml:trace contextRef="#ctx0" brushRef="#br0" timeOffset="47476.86">11518 2752 0,'0'-18'0,"0"36"0,0-54 31,-17 36-15,-19 0 0,19 18-16,-19 0 15,1 35 1,17 17 0,1 18-1,-1-17 1,18-36-1,71-17 1,-54-18-16,54 0 16,-1 0-1,19-53 1,-36 0 0,-18-53 15,-18 0-16,19-88 1,-19 106 0,-17 53-16,0 52 31,0 72-15,0 52-1,0-124-15,0 89 16,0-18-1,-17-17 1,17-36 0,0-17-1,-18-18 1,18-53 31,71-35-47,35 0 15,-18 35 1,35 35 0,-105 18-1,35 35 1,0 36-16,-53-1 31,0 1-15,-18-18-1,0-35 1,1-18-16,-1 0 31,0-18 1,18-17-32,0-1 0</inkml:trace>
+  <inkml:trace contextRef="#ctx0" brushRef="#br0" timeOffset="48759.83">13511 2840 0,'89'0'31,"-72"0"-15,18-35-1,1-1 1,-36 19-16,0-72 0,-18 19 31,-70-1-15,17 71-1,-52 0 1,88 18-16,-54 53 16,1 34-1,53-16 1,17 16 0,54-34 15,17-53-16,-36-18-15,89 17 0,-18-34 32,18-36-32,-35 0 31,-19-35-15,-52 17-1,0 0 1,0 107 15,0 52-15,0-18-1,0 1 1,53-36 0,18-17-1,0-18 1,-1-35 15,1-18-31,-36 0 16,-35-35 15,0 70-31,0-17 0,0 17 31,-18 71-15,18 0-1,-17 35 1,17 0 0,0-35-1,-18-35 17,18-36-17,0 1 16,0-54-15,35-17-16,18 0 16,88-1-1,-35 89 1,18 36 0,-89-19-1,0 54 1,-17 17-1,-18 0 1,-18-52 0,1-19-1,-1 1 1,0-18 0,18-18 15,-35-17-31,17 17 15</inkml:trace>
+  <inkml:trace contextRef="#ctx0" brushRef="#br0" timeOffset="51602.32">15152 2928 0,'0'0'0,"35"35"15,-17-35-15,-1 0 16,72-17 15,-1-19-15,18-34-16,-18-36 16,-53 35 15,-35 54-31,0-36 15,-18 53 1,-87 18 0,34 34-1,18 37 1,53-1 0,0 0 15,53-53-16,18-17-15,-1-18 16,1 0 0,52-88 15,-52 35-15,-18-88-1,-36 17 1,1-17-1,-18 53 1,0 53 0,-35 105 15,17 18-15,18 71-1,0-18 1,0-70 15,0-54-31,35 54 0,18-53 16,71-18-1,-36 0 17,53-36-17,-106 19-15,53-36 16,-52-35-1,-36 17 1,0 1 0,-88 70-1,35 17 1,-18 36 0,71-18-16,-18 18 15,18 35 1,18-35 15,53-17-15,-18-19-16,88-17 31,-36-53-15,-34 0-1,0-35 1,-54 18-1,1-18 1,-18 70 0,0 36-1,-18 34 1,1 37 0,-1-1 15,18-35-31,-18 0 31,18-36-15,0-34 15,0-1-15,18-70-1,0 70-15,17-70 16,35 0-1,-17 35 1,-35 53 0,17 35-1,1 36 1,-19-1 0,-17 18-1,18-35 1,-18-35 15,0 0-31,17-36 47,1 0-47,17-52 16,18-1-1,35-35 1,-17 36-1,35 17 1,-89 53 0,1 0-16,0 71 15,-18-1 1,0 36 0,0-53-1,35 0 16,53-18-15,-17-35 0,35 0-1,-36-18-15,1-52 32,-36-1-32,-17-35 31,-18 89-31,0-36 15,-18 71 17,-17 52-17,17-52-15,0 17 16,18 53 0,0-70-16,0 17 15,18 0 16,53-17-15,-1-18 0,18 0-1,1-71 1,-19-17 0,-52 18-1,17-18 1,-35 105 15,0 18-15,-18 71-1,-17-35 1,35-36 0,0-17-1,0-1 16,18-17 1,35-53-17,0 1-15,70-90 32,-105 125-32,35-36 15,52-18 1,-69 71-1,-1 71 1,-35 35 0,0-53-1,0 17 1,71 1 0,17-36-1,-35-35 1,35 0 15,-53-53-31,18-35 31,-18-18-31,18-123 32,-35 123-32,0 35 31,-1 54-16,-17 34 1,-53 72 0,36 52-1,-19-35 1,1 17 0,35-35-1,0-35 16,0-35-31,53-18 32,18-18-17,-1-17-15,1-36 32,-54 18-17,-17 36-15</inkml:trace>
+  <inkml:trace contextRef="#ctx0" brushRef="#br0" timeOffset="51874.58">18997 2417 0,'0'0'16,"-18"0"-1,54 0 16,17 0-15,35-18-16,18 0 16,-18 1-1,-35 17 17,-53-18-17,-18 18 1,0 0-16</inkml:trace>
+  <inkml:trace contextRef="#ctx0" brushRef="#br0" timeOffset="55867.84">20426 2540 0,'0'0'0,"0"18"31,17-18 0,1-18-31,70-35 16,0-17-1,18-1 1,-53 18 0,-53-18 15,0 19-31,0 34 16,-35-17-1,0 35 1,-1 0-1,19 53 1,-1 70 0,0 106-1,1 18 1,-18 18 0,-18-53-1,0 70 1,35-106 15,0 36-31,18-177 16,36 89-1,-1-89 1,71-70-16,0-36 31,35-88-15,-18-35-1,-105 124-15,17-107 16,-52-52 0,-54 88-1,-70 17 1,53 71 0,-1 18-1,72 35 16,17-17-15,17-1 0,-17 0-1,36 18 1,17-35 0,-36 17-1,19 1 1,-19-1-16</inkml:trace>
+  <inkml:trace contextRef="#ctx0" brushRef="#br0" timeOffset="56359.31">21131 2575 0,'0'-17'47,"0"-1"-47,0 0 0,0 1 0,53-54 31,18 36-31,35 0 32,-36 35-32,18 0 31,-35 70-16,-53-52-15,18 105 16,-18-35 0,-53-17-1,35-36 1,18-52 15,0-36-15,0-35 15,18 17-31,53 0 16,-36 54 15,18-1-31,-36 18 16,19 0-1,70 0 1</inkml:trace>
+  <inkml:trace contextRef="#ctx0" brushRef="#br0" timeOffset="57318.24">22119 2346 0,'0'0'0,"0"-18"32,-53 18-17,0 36 1,0 52 15,36-18-15,-1-34-16,18 52 15,0-53 1,0-17 0,18-36 15,-1-17-16,-17 17-15,36-88 16,17 18 0,17 0-1,-17 70 1,0 18 0,-18 36-1,1 87 16,-36-52-15,0 17 0,-18-18-1,0-70 1,18 18 0,-17-18-1,17-71 1,0 1-1,17-36 1,36 18 0,-35 70-16,52-17 15,-52 35-15,53 0 16,-19 0 0,-16 53-1,-19 35 1,-17 0 15,-17-17-15,-19-36-1,19-17 1,17-36 15,0-52-15,17 34-16,19-17 15,123-88 1,-71 106 0,18 35-1,-54 53 1,-52 0 0,0 53-1,0-36 1,-35-17-1,18-53 17,17 18-32,-18-18 31,18-18-31</inkml:trace>
+  <inkml:trace contextRef="#ctx0" brushRef="#br0" timeOffset="58508.32">23389 2628 0,'53'18'32,"-35"-18"-32,-1 0 15,54-35 1,-36-1 15,36-52-15,-54 53-16,1-53 0,17-18 31,1 35-15,-36 36-16,0 53 46,-36 70-30,19-71-16,-1 89 16,0 18-1,18-54 1,0 1 0,53-36-1,35-35 1,-17-18 15,35-52-15,-53-1-16,0-70 31,-18 35-15,-35 71-1,0 53 16,-35 70-15,-1 0 0,19 18-1,17-71-15,-18 18 16,1-18 0,17-52 30,17-1-46,18-17 16,-17 17 0,35-70-1,35 0 1,0 53-16,-70 35 31,17 35-15,-35 18-1,0-36-15,0 54 16,0-18 0,36 0-1,-1-36 1,53-17 0,0 0-1,0-35 16,-35-35-15,-35-19 0,-18 1-16,0 71 31,-53 17-31,18 70 31,0 1-15,35-18-1,0 0 1,35-18 0,-18-35-16,36 0 15,-35 0-15,53 0 16,34-35 0,-52-1-1,-35-34 1,-18 52-16</inkml:trace>
+  <inkml:trace contextRef="#ctx0" brushRef="#br0" timeOffset="58767.19">23372 2311 0,'0'0'0,"-18"0"0,53 0 31,-17 0-31,88 0 16,70 0 0,-17-18-1,-71 18 1,-70 0-16,-1-18 31,-17 1-31</inkml:trace>
+  <inkml:trace contextRef="#ctx0" brushRef="#br0" timeOffset="60107.64">25929 2275 0,'0'0'0,"-17"-17"0,-1-19 32,0 36-1,18 18-31,0 0 15,0 70 17,0-17-32,-17 17 15,-1-35 1,18-36 0,-18-17 15,18-17-16,0-1 1,0-35 0,0-35-1,36 17 1,-19 36-16,89-36 16,-35 54-1,17 34 1,-53 36-1,0 53 17,-35-70-32,0 16 15,0 54-15,0-88 32,0-36-1,0 1-31,36-36 31,-36 35-31,53-88 16,-1 36-1,19-19 1,-18 72 0,0 17-1,-18 35 1,-35-17-16,18 70 31,-18-17-15,35-1-16,-17-52 31,52-1-15,1-17-1,-1-17 1,-17-36-1,-17-18 1,-36 1 0,0 17-1,0 35 1,0 53 0,0 36-1,-18 17 1,18-17-1,0-18 17,18-53-1,-18-18-15,17-17-16,-17-1 15</inkml:trace>
+  <inkml:trace contextRef="#ctx0" brushRef="#br0" timeOffset="60284.48">26970 2064 0,'0'0'0,"-18"0"16,1 0-16,-1 0 15,18 17 16,0 1-15,0 0 0,35-1-16</inkml:trace>
+  <inkml:trace contextRef="#ctx0" brushRef="#br0" timeOffset="61950.84">27622 2364 0,'0'0'0,"0"-18"0,18 0 16,-18 1-16,0-19 16,0-17-1,-35 36 1,-36 17-1,18 0 17,-17 53-17,52-36-15,-35 54 16,36 35-16,17-36 16,53-17 15,-18-53-16,18 0 1,-36 0-16,36-17 16,18-54-1,-18-17 1,17-36 0,-17 36-1,-17-53 1,-36 106-1,0 17 17,-36 71-17,1 71-15,17-36 32,18 35-32,0-87 15,18 34 1,70 18-1,18-70 1,35 0 0,-17-18-1,-1-53 1,-35-36 0,-52-16-1,-36 34 1,-36 0-1,-17 54 1,-35 34 15,70-17-31,-52 53 16,-1 53-16,71-18 31,0-17-15,53-36-1,35-17 1,-70-18-16,53 0 16,-1-35-1,-52-36 1,35-52 0,-36-1-1,19-52 1,-36 88-1,17 35 17,-17 35-17,-17 89 1,-1 17 0,0 53-16,18 0 31,0-53-16,18 0 1,35-52 0,18-19-1,-1-17 1,36-70 0,-53-1-1,0-70 1,0 18-1,-18-1 1,-35 71 15,-53 106 1,0 71-32,18-36 31,35-53-31,-18 53 15,18 0 1,88-35 0,-17-35-1,35-18 1,0 0 0,-1-53-1,-52-17 1,-35 52-1,0-70-15,-18 52 32,-18 36-17,-17 18 1,-1 53-16,19-1 16,17 1 15,35-36-16,18-17 1,-18-18 0,18 0-1,-18-36 1,-17 19-16,0-1 0</inkml:trace>
+  <inkml:trace contextRef="#ctx0" brushRef="#br0" timeOffset="62817.4">30639 2134 0,'0'-17'15,"0"34"-15,0-52 0,0 17 16,-18 18-1,-88 0 1,36 53 0,-18 35-1,52 1 1,19 17 0,52-54-1,53 1 1,-53-53-16,36 0 31,17 0-15,-53-53-1,-17-52 1,-18 34 0,-35-52-1,17 87 1,-17 36-1,35-17 1,35 17 0,36 0-1,52-36 1,18 19 0,-53-1-1,-52 18 1,-36 35 15,-36 18-15,36-35-1,-17 52 1,-18 1 0,-1 88-1,1-36-15,0 71 31,17-70-15,0 87 0,1-87-1,-36-18 1,0-53 0,-35-36-1,52-17-15,-16 0 16,-72-17-1,71-19 17,-17-17-32,-1 18 31,0 0-31</inkml:trace>
+  <inkml:trace contextRef="#ctx0" brushRef="#br0" timeOffset="64802.3">2046 4216 0,'18'-18'16,"-36"36"-16,36-54 0,-1-34 31,-17 52-31,0 36 31,0 17-15,0 53-1,0 71 1,0-35 0,0-1-1,-35-52 1,17-36-1,18-18 1,0-52 15,0-18-15,0-35 0,36 18-1,17-19-15,-36 54 0,89 0 16,-18 35 15,-17 70-15,-71 19-1,0 16 1,18-16 0,34-54-1,1-35 1,53-35-1,-35-18 17,35-53-32,-18-18 31,-35-34-31,-53 69 31,0 36-31,-18 142 31,-17-1 1,35-53-32,-36 106 15,36-70 1,0-1 0,0-34-1,53-36 1,18-18 15,-36-35-15,1 0-1,-36 36-15</inkml:trace>
+  <inkml:trace contextRef="#ctx0" brushRef="#br0" timeOffset="64974.66">2787 4410 0,'-18'0'0,"36"0"0,-53 17 16,52-17 15,71 0-15,-17-17 0,-36-1-16,106-35 15</inkml:trace>
+  <inkml:trace contextRef="#ctx0" brushRef="#br0" timeOffset="65671.17">3422 4322 0,'0'0'0,"0"17"0,0 54 16,0-1-16,0 1 15,0-36 16,0 18-15,-18-35 0,1-18-1,-1 0 1,18-53 0,0-18-1,35-17 1,71-18-1,35 53 17,-17 71-17,-54 35 1,-17 35 0,-53-17-16,0-1 15,-17-52 1,-19-1-1,1 1 1,35-53 15,0-18-15,53-18 0,-35 54-16,52-89 15,1 53 1,-1 35-1,-35 54 17,-17 34-32,-18-52 15,0 35 1,0-36-16,0 54 16,0-18-16,0-36 31,0-34 16,0-1-47</inkml:trace>
+  <inkml:trace contextRef="#ctx0" brushRef="#br0" timeOffset="66016.17">4498 4004 0,'0'0'0,"0"-18"0,0 1 16,0 34-1,-18 1 1,-17 88-16,-18 70 16,35-70-1,18-71 1,0 89-1,36-71 1,52-36 0,-18-17-1,36-17 1,-35-19 0,-18 1-1,-53 0 1,0 17-1,-18 18 1</inkml:trace>
+  <inkml:trace contextRef="#ctx0" brushRef="#br0" timeOffset="66624.27">5556 4163 0,'0'0'16,"0"-18"-16,53-35 15,-53 36-15,35-36 16,-17 0 0,-18 35-1,0 36 17,0-1-32,0 107 15,-18-18 1,1 35-1,-1-53 17,18-17-32,18-19 15,35-52 1,35 0 0,-35-35-1,-36-18 1</inkml:trace>
+  <inkml:trace contextRef="#ctx0" brushRef="#br0" timeOffset="66856.59">5609 4357 0,'0'0'0,"-17"17"15,-1-17-15,0 0 16,36 0 15,0 0-15,70 0-1,0-35 1,35 0 0,-17 0-16,-88 35 15</inkml:trace>
+  <inkml:trace contextRef="#ctx0" brushRef="#br0" timeOffset="67340.28">6191 4322 0,'0'0'0,"0"17"16,-17-17-1,17-17 1,0-19-1,53 1 1,-18 35 0,35 0-1,1 71 17,-18 17-32,-36-35 31,-17 17-31,0-52 31,0-36 16,0 1-31,18-19-16,0-34 15,17 17 1,18 0-1,-18 35 17,36 18-17,-36 0 1,0 0 0,-17 0-16</inkml:trace>
+  <inkml:trace contextRef="#ctx0" brushRef="#br0" timeOffset="68034.53">6897 4463 0,'0'17'31,"17"-17"-15,1 0-16,53 0 15,17-35 1,-35 17-1,0-35 1,-53 18 0,0 0-1,-18 35 17,0 0-32,-52 35 15,35 18 1,-1 18 15,19-18-15,17-36-16,0 36 15,17-18 1,54-17 0,17-18-1,-17 0 1,34-35-1,1-18 1,-70 0 15,-19-35-15,1 52-16,-18 1 31,-71 53-15,36 35-1,17 17 1,18-17 0,0-18-1,36 1 1,17-36 0,17 0-1,-17-18 1,-18-17-1,-17 0 17,-18 17-32</inkml:trace>
+  <inkml:trace contextRef="#ctx0" brushRef="#br0" timeOffset="69182.7">8890 4357 0,'18'-18'0,"-36"36"0,194-106 31,-158 70-31,70-35 16,-17-35-1,-54 35 1,-17-18 0,-70 71-1,52 0-15,-123 53 16,53 0-1,35 18 17,53-18-17,71 17 1,52-34-16,-88-19 16,53 18-16,1 18 31,-72-17-16,-17-1-15,-106 0 32,71-35-32,-71 18 15,-35-18 1,53-18 0,18-35-1,52 0 1,36 53 15,-1 0-15,36 0-16,35 53 15,0 18 17,-17-36-17,35-17-15,-18-18 31,18-18-15,17-52 0,-34-1-1,-1-35 1,-53 0 0,-17-70-1,-18 141-15,0-36 16,0 36-1,-18 52 17,-17 72-17,-1 52-15,19 0 32,17-35-17,0-53-15,0-18 16,35-35 15,18 0-15,-35-35-1,-1-1 1</inkml:trace>
+  <inkml:trace contextRef="#ctx0" brushRef="#br0" timeOffset="69406.89">9560 4269 0,'0'0'16,"-17"0"-16,-1 0 0,36-18 47,70 0-32,35 1-15,-35-1 16,-52 18-1,70-18 1,-89 18-16</inkml:trace>
+  <inkml:trace contextRef="#ctx0" brushRef="#br0" timeOffset="69865.94">10142 4286 0,'0'0'0,"-17"0"0,17-17 31,0-1-15,17 0 0,1 18-16,35-35 0,35 35 15,0 0 16,-35 53-15,18 35 0,-71 0-1,0 1 1,0-54 0,-36-35-1,19 0 1,17-18-1,0-35 1,0 36 0,35-54-1,0 1-15,18-1 32,-17 36-32,-1 17 31,0 18-31</inkml:trace>
+  <inkml:trace contextRef="#ctx0" brushRef="#br0" timeOffset="70407.14">10918 4198 0,'0'-18'16,"0"1"-1,0-1 1,-17 18 0,17 18-16,-18 35 15,18 35 1,0-53 0,0 36-1,0-1 1,0-34-16,18-19 15,70-17 17,-17-17-17,-54 17-15,54-53 16,-18-18 0,-18 1-1,-17-36 1,-18 53-1,0 35 1,0 89 0,-18-1 15,0 18-31,18-17 31,0-36-15,0-17-1,18-18 1,35-18 0</inkml:trace>
+  <inkml:trace contextRef="#ctx0" brushRef="#br0" timeOffset="71898.83">11695 4092 0,'0'0'0,"-18"-17"0,-17 17 16,17 17 15,0 1-31,1 52 31,-1 36-15,18 0-1,0-18 1,18-35 0,35-35-1,17-18 1,18-18-1,-35-35 1,-35 36 0,70-89-1,-35 0 1,-18-70 0,-17 70-1,-18 0 1,0 88-16,0 1 15,-35 105 17,35 0-17,0 71 1,0-18 0,0-53-1,0-70-15,0 35 16,53-36-1,17-17 1,1-17 15,-1-36-15,-52 35-16,52-70 16,-52 17-16,0 18 31,-1 53-31,-17 71 47,-17-53-47,17 17 15,-18-17-15,18 52 16,0-35 0,0 1-1,53-36 1,0 0-1,18 0 1,-54 0 0,1-53-16,35-18 31,-36 36-31,-17 0 16,0 52 30,-17 36-30,17 0 0,0 18-1,0-36 1,0-17 0,17-1-1,1-17 1,0 0-16,17 0 15,-17-53 17,-1 0-17,36-35 1,0 35-16,53 0 16,-53 53 15,0 18-16,-18 53 1,-17-19 0,-18 19-1,0-53-15,0 17 16,0-17 15,-18-18-15,18-18 15,0-17-31,35-18 16,-35 35-1,71-70 1,-36 53-16,0-1 16,1 19-1,-19 17 1,1 0 15</inkml:trace>
+  <inkml:trace contextRef="#ctx0" brushRef="#br0" timeOffset="72318.56">13494 4322 0,'35'17'16,"18"-17"-1,-18 0 1,18-35 15,-18 0-15,-35-18 0,0 0-1,0 35-15,-35 18 31,0 53-15,0 18 0,-1 17-1,19-71-15,17 36 16,0 18 0,17-53-1,36-18 1,18 0-1,-18 0 17,-36 0-32,19-53 0,-1-18 31,-35 53-31</inkml:trace>
+  <inkml:trace contextRef="#ctx0" brushRef="#br0" timeOffset="72638.48">12136 4022 0,'0'0'0,"17"0"15,18 0-15,89-36 16,70 36 0,-35-17 15,-53 17-31,-54-18 31,-52 0-15,-17 18-1,-1 0-15</inkml:trace>
+  <inkml:trace contextRef="#ctx0" brushRef="#br0" timeOffset="73090.46">14817 4286 0,'0'0'0,"0"18"47,0 0-32,0-1-15,0 36 16,0 0-1,0-18 1,0 1 15,0-54 16,0 0-47</inkml:trace>
+  <inkml:trace contextRef="#ctx0" brushRef="#br0" timeOffset="73266.17">14817 4180 0,'0'0'0,"0"-35"15,0 17 1,-18 1 0,36 17 15,-1 0 0,36 0-31</inkml:trace>
+  <inkml:trace contextRef="#ctx0" brushRef="#br0" timeOffset="73581.75">15363 3951 0,'0'18'32,"0"-1"-32,0 19 0,-17 17 15,17 35 1,-35 35 0,-1-35-1,36-17 1,0-53-16,0 17 15,18-35 17,35 0-32,0 0 31,-18-35-31,0-36 16</inkml:trace>
+  <inkml:trace contextRef="#ctx0" brushRef="#br0" timeOffset="73790.46">15328 4233 0,'0'0'0,"-17"0"15,69 0 17,37 0-17,-19 0 1,18-17-1,-35-1 1,0 18 0</inkml:trace>
+  <inkml:trace contextRef="#ctx0" brushRef="#br0" timeOffset="74131.75">16669 4233 0,'0'0'15,"0"18"16,0 0-31,-18-1 0,18 19 16,-18 34 0,18 1-1,-17-18 1,17-36 0,0 1-1,17-18 16,19-35-31</inkml:trace>
+  <inkml:trace contextRef="#ctx0" brushRef="#br0" timeOffset="74540.37">17092 4233 0,'0'0'0,"18"-35"15,-18 17 1,0 1-1,-53 17 1,-35 70 15,52-17-15,36-17 0,0-19-16,53 18 31,18-17-31,17 17 31,-70-17-15,-18 17-1,-36-17 1,-52 0 0,35-18-1,0 0 1,36 0-1,-1 0 1,-17-53 15</inkml:trace>
+  <inkml:trace contextRef="#ctx0" brushRef="#br0" timeOffset="74756">16475 3986 0,'0'0'0,"-18"-17"0,-17-1 16,35 0-16,-18 1 15,1 17 1,52 0 15,-18 35-15</inkml:trace>
+  <inkml:trace contextRef="#ctx0" brushRef="#br0" timeOffset="75539.62">18133 4233 0,'0'0'0,"-71"-17"31,71-1-31,-17-17 16,17 17-16,0-70 16,35 35 15,71 18-16,17 35-15,-17 17 32,0 107-17,-106-36 1,0-53-16,0 71 16,-18-53-1,-35 0 1,0-53-1,18 0 1,17-18 15,18 1-31,0-36 0,36-53 16,34 18 15,89-18-31,-53 71 16,53 70 15,-124 35-15,-35 36-1,-18-17 1,-17-37 0,0 1-1,17-35 1,0-18-16,18-18 47,18 1-47</inkml:trace>
+  <inkml:trace contextRef="#ctx0" brushRef="#br0" timeOffset="75990.08">19279 4022 0,'0'-18'0,"0"36"15,0-54-15,-17 36 32,-54 53-17,53-35-15,-17 35 16,18-18-16,-36 71 16,17-35-1,36 17 1,36-53-1,34-35 1,107 0 15,-72-53-15,1-17 0,-88-19-1,-18-17 1,-106 18-1,-17 53 1,17 35 0,35 18-1,54 17 1,17-17 0,70-18-1,1 0-15</inkml:trace>
+  <inkml:trace contextRef="#ctx0" brushRef="#br0" timeOffset="76270.08">19861 3845 0,'0'0'0,"0"-35"16,0 17-1,-35 107 16,35-72-31,0 18 16,-35 124-16,17-35 31,1-54-15,17-34-16,0-1 16,17-18-1,36-17 1,0-17-1,0-54 1</inkml:trace>
+  <inkml:trace contextRef="#ctx0" brushRef="#br0" timeOffset="76506.82">19614 4004 0,'-17'0'0,"34"0"47,36 0-47,18 0 16,35 0 0,0-18-1,-71 1 1,-18 17-16</inkml:trace>
+  <inkml:trace contextRef="#ctx0" brushRef="#br0" timeOffset="78998.44">21026 4110 0,'0'17'0,"-18"1"31,0-18-31,18-18 16,-17-34-1,17-1 1,17-18 0,19 18-1,52 53 1,-71-17-16,36 17 15,18 52 1,-18 1 0,-36 53 15,1 0-31,-18-35 16,0-54-1,0 19 1,-18-19-1,-17-17-15,35-35 32,0-18-17,0-53 1,71-17 0,35 34-1,-18 54 1,0 18-1,-35 52 1,-36 88 15,1-35-31,-18 18 32,71-35-17,-18-53 1,35-18-1,0 0 1,-70-18-16,70-35 16,-35-18-1,-18-34 1,-35 16 0,0 54-1,-18 17 1,-35 54-1,53 52 1,0 0 15,0 0-31,0-52 32,18-19-17,35-17-15,0-17 16,17-36 15,1-18-15,17-35-1,-17 36 1,-36 70-16,36-36 16,-54 36-1,-34 0 95,-1 0-110,0-17 0,1 17 15,-36 0-15,17 17 31,-16 36-15,16 36 0,36-72-16,0 54 15,18-1 1,35-17 0,53-17-1,-18-19 1,-53-17-16,106 0 15,-53-35 1,18-36 0,-35-17-1,-36 0 17,-35 17-17,0 54-15,0-1 0,-35 18 31,17 35-15,-35 36 0,36-18-1,17 35 1,17-17 0,19-71-1,52 0 1,-18 0-1,36-36 1,-35-17 15,52-52-15,-123 34-16,0 36 16,-35 35 15,17 35-16,1 18 1,17-35-16,0 34 16,0 19-1,17-36 1,1 1 0,-18-19-1,-18-17 16,-17-17-15,0-1 0,-1 18 15,19 0-31,17 18 31,0-1-15,53 1-1,17-18-15,36 0 32,0-18-17,-88 18-15,123-53 16,-53-17 0,-53-1-1,-35 1 1,0 52-1,-17 0 1,-1 18 0,0 18-1,18 35 1,36 0 0,-1 35-1,-35-53 1,0 1-1,-35-1 1,-54-35 0,1 18-1,70-18 1,1 0 0,17-18-1,17-35 1,1 35-16</inkml:trace>
+  <inkml:trace contextRef="#ctx0" brushRef="#br0" timeOffset="79598.31">24589 3969 0,'17'0'0,"-34"0"0,52-18 0,0-17 31,-35 17-31,0-17 16,-35-18 0,-36 53-1,-35 0 1,-17 71-1,52-1 1,19 36 15,52-88-31,0 52 16,35 1-16,18-71 16,35 0 15,18-18-31,-36-17 31,-52 17-31,53-88 16,-19 36-1,-52 34 1,0 72 15,0-19-31,0 54 16,0-1-1,0 1 1,18-53 15,17-1-31,18-17 16,0-17 15,-18-1-31</inkml:trace>
+  <inkml:trace contextRef="#ctx0" brushRef="#br0" timeOffset="80034.28">25153 4004 0,'0'0'16,"0"-18"-16,-18-35 16,18 18-1,53 0 1,36 17-1,-37 18 1,-16 53 15,-36-35-31,0 52 16,0 19 0,0-19-1,-18-17 1,0-53 15,18-18-15,18-17-1,17-35 1,1-1 0,-1 18-1,-17 35 1,-1 18-1,18-17 1,-17 17-16</inkml:trace>
+  <inkml:trace contextRef="#ctx0" brushRef="#br0" timeOffset="80648.11">25841 3898 0,'0'0'16,"0"-17"-16,-18 17 47,-17 52-32,35 1 1,0 36 0,0-72-16,18 18 15,52-17 1,1-18-1,17 0 1,-35-35 0,0-36 15,-18 1-15,-17 17-1,-1 18-15,-17 17 31,0 36-15,0 34 0,-35 54-1,-18 18 1,18-36 0,17 71-1,1-36 1,-1 18-1,-17-105-15,-36 69 16,-17-52 0,-53-53-1,35 0 17,18-17-17,17-19 1,36 1-1,17-18 1,18 18-16</inkml:trace>
+  <inkml:trace contextRef="#ctx0" brushRef="#br0" timeOffset="81188.45">27252 3616 0,'0'0'0,"-18"-18"31,1 18-31,-1 0 16,-17 53 0,-18 53 15,18-18-31,35-17 16,0-1-1,0-52 1,0 17-16,0 1 31,0-54 0,53-17-15</inkml:trace>
+  <inkml:trace contextRef="#ctx0" brushRef="#br0" timeOffset="81580.91">27340 3845 0,'18'-17'0,"-36"34"0,54-52 15,-36 53 17,-18-1-32,18 1 15,-18 0-15,18 70 32,0-18-17,18-17 1,35-35-1,35-18 1,0-18 0,-35-35-1,-35-35 1,-36 35 0,-52-17-1,17 52 1,35 18-16,-17 0 15,-1 0 1,-16 18 0,16-1 15,19-17-15,-1 0-16</inkml:trace>
+  <inkml:trace contextRef="#ctx0" brushRef="#br0" timeOffset="81788.49">26776 3739 0,'0'-17'32,"17"17"-32,1 0 0,35 0 15,-18 0-15,142 0 16,-36 0-1,18 0 1,-71 0 0</inkml:trace>
+  <inkml:trace contextRef="#ctx0" brushRef="#br0" timeOffset="83582.74">28698 3687 0,'0'0'0,"-17"0"16,17 17 0,-18 36-1,-17 35 1,35-70-16,0 35 15,0 53 1,0-71 15,0-17-31,18-18 32,17-36-17,18 1 1,-53 17-16,53-70 0,-18 35 31,-17 0-31,-1 53 31,-17 36-15,0 34 0,0-17-1,0 18 1,35-54-1,36 1 1,-18-18 15,-18 0-31,18-18 16,18-52 0,-36-18-1,-35 17 1,18 0-1,-1 36 1,-17 70 15,-17-17-31,-19 53 16,19-18 0,17 17-1,0-17 1,17-18-1,1-35-15,53 0 16,34 0 0,-16-17-1,16-36 17,-52-18-17,-35 1 1,-18 34-1,-18 36 1,1 0 0,-1 36-1,18 17 1,0 17 0,0 1-1,18-18 1,17-36-1,18 1 1,0-18 0,35 0 15,-35-53-15,17-18-16,1 18 15,-36 1 1,-35 69 31,-17 1-32,-19 35 1,19 0 0,17 0-1,0-36 1,88 1-1,-53-18-15,53 0 16,36 0 0,-36-35 15,0-71-31,-17 0 31,-1-18-15,-52 89-16,0-35 15,-18 52-15,-53 71 47,0 0-31,35-18-16,1 36 16,-1 34-1,18-52 1,18 18-1,34-53 1,19-18 15,0 0-31,-54 0 16,89-36-16,-35-17 31,-1-35-15,-70 53-16,0 17 31,-70 18-15,52 18-16,-17 35 15,17 0 1,18 0 0,0 0-1,53-36 1,18-17-1,34 0 1,1-35 0,-35 0 15,-36-54-15,-35 37-16</inkml:trace>
+  <inkml:trace contextRef="#ctx0" brushRef="#br0" timeOffset="83821.83">30392 3669 0,'0'0'0,"53"0"31,-36 0-31,1 0 0,70 0 16,36 0-1,-71 0 1,-18 0 0,-35-18 15</inkml:trace>
+  <inkml:trace contextRef="#ctx0" brushRef="#br0" timeOffset="84039.53">29863 3404 0,'0'0'0,"-18"0"0,0 0 16,1 0-1,-19 0 1,19 36-1,-1-19 1,1-17 0</inkml:trace>
+  <inkml:trace contextRef="#ctx0" brushRef="#br0" timeOffset="85020.63">7461 5380 0,'0'-35'0,"0"70"0,0-88 0,0-35 16,0 52 0,0-16-1,0 34-15,0 36 31,-17 52-31,17 54 16,0 34 0,0-34 15,0-18-15,0-53-1,0-18 1,0-53 15,35-17-31</inkml:trace>
+  <inkml:trace contextRef="#ctx0" brushRef="#br0" timeOffset="85796.89">7849 5450 0,'36'-35'0,"-72"70"15,72-52 1,-54 34-16,0-17 0,-70 89 31,53-1-15,17 0-1,18-17 1,71-71 0,17 0-1,-53 0-15,89-53 16,-54-18-1,-52 1 1,-18-1 0,-71 0 15,-52 36-15,70 35-1,35 0 1,36-18-16,35 1 15,70 17 17,-87 0-32,69 0 15,-69 17-15,52 19 16,0 34 0,-35 1-1,-53-1 1,0 1-1,-18-36 1,1-35 0,-1 0-1,0-53 17,18-17-32,18-36 15,53 18 1,34 52 15,1 36-15,-35 36-1,-18 17 1,-53 17 0,0 1-1,-53-1 1,18-52-1,17-18 1</inkml:trace>
+  <inkml:trace contextRef="#ctx0" brushRef="#br0" timeOffset="86463.61">9331 5433 0,'18'-18'16,"-36"36"-16,53-54 0,-35 19 0,0-1 16,0 1-1,-35 17 1,-36 35 0,1 18-1,52 0 1,-17 17-1,17-34 1,36-36 0,70 0 15,-35-36-15,0-17-1,0 0-15,-35 36 16,-18-1-1,0 36 17,0 17-17,0 36 1,-36 52 0,36-70-16,0 35 15,0-35-15,0 141 16,18 18-1,-18-36 1,-18 1 0,-88-54 15,-88-88-15,36-35-1,-36-70 1,35-89-16,71 0 15,52-35 17,54 71-17,0 105-15,52-52 16,71-1 0,-105 53-16</inkml:trace>
+  <inkml:trace contextRef="#ctx0" brushRef="#br0" timeOffset="86887.99">10530 5362 0,'0'-17'0,"0"34"0,0-52 16,36-18-1,-19 53-15,36 0 16,18 53-1,-18 17 1,-18 36 0,-17-35-1,-1 17 17,-17-70-32,0 17 15,0-53 16,36-35-31</inkml:trace>
+  <inkml:trace contextRef="#ctx0" brushRef="#br0" timeOffset="87104.76">11077 5380 0,'18'-35'0,"-36"70"0,36-123 16,-36 88-1,-70 17 1,-35 71-1,-1 36 1,106-106-16,-34 70 16,16-18 15,36-34-31,53-36 31,53-36-31</inkml:trace>
+  <inkml:trace contextRef="#ctx0" brushRef="#br0" timeOffset="87430.39">11342 5450 0,'0'0'15,"0"-17"1,0 34 15,0 1-31,0 0 0,0 70 16,17 53-1,19 53 1,-19 18 0,-17-36-1,-17 106 1,-1-211 0,-70 158-16,35-141 31,53-141-16,35-88 1,1-35 0,-19 123-1</inkml:trace>
+  <inkml:trace contextRef="#ctx0" brushRef="#br0" timeOffset="87731.02">11412 5680 0,'0'-53'0,"0"106"0,0-212 15,0 35 1,0 107-16,36-36 16,52 35-1,-18 18 17,19 88-17,-72 1 1,-70 17-16,-53-36 15,36-17 17,-1-35-17,89-18 32,0 0-47,17 0 0</inkml:trace>
+  <inkml:trace contextRef="#ctx0" brushRef="#br0" timeOffset="88238.73">12312 5450 0,'0'0'0,"18"-17"0,-1-19 31,-17 19-31,-35-1 16,-53 18-1,17 18 1,-35 52 0,18 54-16,53-18 31,35-18-15,0-70-1,53-1 1,35-34-1,-17-36 1,-54 35-16,71-70 16,-17 0 15,-53 17-15,-18 89 15,-18 52-31,0 54 31,18-71-31,0 0 16,18-18 15,17-35-15,18 0-1,0-35 1,-35 17-16</inkml:trace>
+  <inkml:trace contextRef="#ctx0" brushRef="#br0" timeOffset="88482.35">12682 5362 0,'18'-35'16,"-36"70"-16,36-123 0,-18 70 16,0 54 15,0 52-31,-18 18 15,18 0 17,0-1-17,0-69-15,0 34 16,0-52 0,18-18-1,35-35 1</inkml:trace>
+  <inkml:trace contextRef="#ctx0" brushRef="#br0" timeOffset="88987.6">13035 5362 0,'0'0'0,"0"-35"0,0-18 0,0 35 31,0 36-15,0 88-1,0 0 1,-18 17-16,1-17 16,-1-53 15,1-18-15,-1-35-1,18-35 1,0-18-1,35-35 1,71-36 0,18 54 15,-19 70-31,19 35 31,-71 53-15,-53-17-16,0 17 31,-53-17-31,18-54 31,-18-17-15,35 0 0,-35-53-1,35 36-15</inkml:trace>
+  <inkml:trace contextRef="#ctx0" brushRef="#br0" timeOffset="89187.83">12612 5397 0,'0'0'0,"0"-17"15,17 17 1,36 0-1,-17 0-15,34 0 0,36 0 32,-18 0-32,-35-18 31</inkml:trace>
+  <inkml:trace contextRef="#ctx0" brushRef="#br0" timeOffset="89414.74">14182 5768 0,'0'0'15</inkml:trace>
+  <inkml:trace contextRef="#ctx0" brushRef="#br0" timeOffset="106830.91">1376 7567 0,'0'-18'0,"35"1"32,-35-1-32,18 1 15,17-36 1,0 0-1,1-18 1,-36 18 0,17 18-1,-17 17 1,0 36 15,-17 17-31,-54 53 16,-35 89-1,0-36 1,1 18 0,69-89-16,-105 142 31,71-89-31,17 1 31,35-89-15,0-35 15,18-35-15,36-36-1,-1 1 1,35-18 0</inkml:trace>
+  <inkml:trace contextRef="#ctx0" brushRef="#br0" timeOffset="107278.6">1905 7444 0,'0'0'15,"18"-18"-15,-1 0 0,-17 1 16,18-19-1,-18 54 32,0 0-47,-18 17 0,-35 53 16,36-53 0,-54 71-16,-35 71 31,0-36-16,18-18 1,0 18 0,53-88-1,35-35-15,-18 17 16,18-52 46,0-1-62,0 0 16,18 1-16</inkml:trace>
+  <inkml:trace contextRef="#ctx0" brushRef="#br0" timeOffset="107934.48">2681 7902 0,'0'0'16,"-18"-17"-16,-17 17 0,-18 0 16,0 0-1,18 0 1,53 0 31,88 0-32,35 0 1,-88 0-16,105 0 16,-105 0-16,106 0 15,35 0 1,-35-18 0,-71 18-1,-53 0 1,-35-18 15,0 1 0,-17-1-31</inkml:trace>
+  <inkml:trace contextRef="#ctx0" brushRef="#br0" timeOffset="109714.87">3422 7444 0,'0'0'16,"0"-18"-16,-18 18 15,18 18 1,0 35-1,18 17 1,52 18 0,19-35-1,34 0 1,-105-53-16,88 18 31,-1-18-15,-34 0-1,-36 0 1,-52 0 15,-36 0-15,-18 0 0,-35 53-1,18-18 1,-35 53-1,105-70-15,-53 52 16,36-17 15,0-17-15,17-36 0,1 17-1,-1-17 63,18 18-31,0-36 734,-18 18-437</inkml:trace>
+  <inkml:trace contextRef="#ctx0" brushRef="#br0" timeOffset="112519.14">4974 7814 0,'0'0'0,"0"18"16,-17-1 0,17 36-1,17-53 32,1 0-47,-1 0 16,1-17-16,35-19 15,-35 19-15,17-36 16,18-18 0,-18 18-1,-35 18 16,0 17-31,0 36 32,0 53-17,0-1 1,0 1 0,0-36-1,35-17 1,54-18-1,-37-53 1</inkml:trace>
+  <inkml:trace contextRef="#ctx0" brushRef="#br0" timeOffset="112732.79">5362 7338 0,'0'0'16,"-17"0"-16,-1 0 15,0 0-15,1 0 16,17 35 0,0 0-1,17-17 1</inkml:trace>
+  <inkml:trace contextRef="#ctx0" brushRef="#br0" timeOffset="113216.16">5627 7585 0,'0'88'31,"0"-70"-31,0-1 0,0 36 15,0-35-15,0 52 16,0-34 0,0-19-1,0 1 17,-35-18-17,17-35 1,18-18-1,70-36 1,1 1 0,88 0-1,-1 70 1,-52 36 0,-88 0-16,53 52 31,-54 18-16,-17-35 1,-35 18-16,17-53 16,1-18 15,34 0-15</inkml:trace>
+  <inkml:trace contextRef="#ctx0" brushRef="#br0" timeOffset="113987.15">6773 7708 0,'18'0'0,"-36"0"0,36-17 0,0-19 16,-18 1 0,-36-18-1,-17 53 1,-35 0 15,0 0-15,70 18-16,-87 88 15,34-1 1,71-34 0,0 17-1,18-53 1,87-35-1,1-35 1,-18-18 0,18-35-1,0-53 1,-53 17 0,-35 72-1,17-107 1,-35 88-1,0 54-15,-53 87 32,-17 89-17,52 0 1,-17-36 0,35-35-1,35-70 1,35 0-1,36-18 1,-18-36 0,-70 19-16,70-54 15,-35 1 1,-35 52 0,-18 71 15,-18 0-16,18-36 1,-17 36 0,17-35 15,17-36 0,1-17-15</inkml:trace>
+  <inkml:trace contextRef="#ctx0" brushRef="#br0" timeOffset="114150.19">7338 7479 0,'0'0'16,"-18"0"15,18 18-15,0-1-1</inkml:trace>
+  <inkml:trace contextRef="#ctx0" brushRef="#br0" timeOffset="114500.65">7867 7549 0,'0'0'0,"0"-17"16,0-18-1,-18 17 1,-35 18 0,-35 53-1,18 35 16,52 0-15,0-70-16,18 70 16,18-35-1,88-18 1,35-17 0,-18-18-1,36 0 1,-71-18-16</inkml:trace>
+  <inkml:trace contextRef="#ctx0" brushRef="#br0" timeOffset="115766.48">8502 7708 0,'18'-53'15,"-36"106"-15,36-123 0,-18-1 16,0 18 0,-71 36 15,0 69-31,36 19 15,-35 35 17,52-18-17,18-17-15,18-36 32,17-35-17,35 0 1,1-53-1,-53 18 1,17-54 0,0 1-1,-35 71-15,0-36 16,0 88 15,0 36-15,0-54-1,0 18-15,0 54 16,0-54 0,71-35 15,17 0-15,-17 0-1,34-71 1,-34-17-1,-53 71-15,17-72 16,0-69 0,-35 69-1,0 36 1,0 71 0,0 0-1,-35 70-15,0 35 31,17-17-31,0-18 32,18 1-17,18-54 1,0-35-16,52 0 16,36 0-1,-36 0 1,1-71-1,0 1 1,-36-1 0,-17 1-1,-18 52-15,0 53 32,-36 36-17,36-53 1,-17 17-1,-19 35-15,36-34 16,36-19 15,34-17-15,36 0 0,-18-17-1,36-36 1,-19-71-1,-69 54 1,-36 34 0,-53 36-1,18 36 1,17 17 0,18 0-1,0-36 1,18 36-1,17-35 1,-35 17-16,0-17 16,-53-1-1,0-17 1,-18 0 15,54 0-15,-18-53-1</inkml:trace>
+  <inkml:trace contextRef="#ctx0" brushRef="#br0" timeOffset="115996.98">8855 7373 0,'-18'0'0,"36"0"16,17 0-16,106-18 16,-35 1-1,35 17 17,-88 0-17,-35-18 1</inkml:trace>
+  <inkml:trace contextRef="#ctx0" brushRef="#br0" timeOffset="116517.96">11324 7373 0,'18'-18'0,"-36"36"0,53-53 0,-35 17 16,-17 18-1,-54 35 1,1 71-1,34-18 1,19-52 0,-1 70-16,18-18 31,53-53-15,53-17-1,0-18 1,-53-18-1,-18 0-15,0-35 16</inkml:trace>
+  <inkml:trace contextRef="#ctx0" brushRef="#br0" timeOffset="116709.88">11112 7585 0,'-17'0'0,"34"0"0,-69 0 0,16 0 16,36 17-1,53-17 1,35 0 15,71 0-31,0-17 16,-124-1 0,36 0-16</inkml:trace>
+  <inkml:trace contextRef="#ctx0" brushRef="#br0" timeOffset="117151.11">11730 7549 0,'0'0'0,"-18"0"0,1 0 0,-1 0 16,-17 0-1,35-52 1,53 34 15,35 0-31,-53 18 16,53 18-1,18 52 1,-88 19 0,-18-19-1,-36 1 1,-16-36-1,52-53 32,0 1-47,0-36 16,52-18 0,1 1-1,-17 52 1,34-52-1,1 52 1,-36 0 0</inkml:trace>
+  <inkml:trace contextRef="#ctx0" brushRef="#br0" timeOffset="117865.7">12735 7708 0,'0'-17'0,"18"-1"0,0 0 31,-1 1-31,-17-1 0,18-35 16,-18-17-16,-35-1 31,-36 36-15,18 35-1,18 0-15,-71 70 16,53 18 0,0 36-1,53-54 1,0-34 0,53-19-1,-35-17 1,70-17-16,-18-19 15,36-34 17,-35-1-17,-18-17 1,-36 71 0,-34 105 15,17-18-16,0-34-15,0 16 16,0 19 0,0-53-1,17-18-15,19 0 16,34 0 0,-35-18-1,-17 0-15</inkml:trace>
+  <inkml:trace contextRef="#ctx0" brushRef="#br0" timeOffset="118260.16">13088 7602 0,'0'-70'0,"0"140"15,0-158-15,0 18 16,0 17 0,35 35-1,54 18 1,16 88-1,-16 18 1,-72-18 0,-17-35-1,0-18 1,0-17 0,0-36 30,0 1-46,35-18 16,18-71-16,-35 88 0,35-70 31,-18 35-31,0 35 32,-17 18-32,0 0 15,-1 36 1,-17-1-1</inkml:trace>
+  <inkml:trace contextRef="#ctx0" brushRef="#br0" timeOffset="118599.67">13705 7620 0,'18'35'16,"0"-35"-16,17 0 16,36-17-1,17-36 1,-35 17-1,0-16 17,-53 34-32,0-17 0,-36 17 31,-34 53-15,-1 18-1,36 53 1,17-35-1,18-1 1,53-35 0,18-17-1,52-18 1,18-18 0,-105 18-16</inkml:trace>
+  <inkml:trace contextRef="#ctx0" brushRef="#br0" timeOffset="118993.93">14340 7585 0,'0'-18'16,"0"36"-16,0-54 0,0-16 15,0-19 1,71 36 0,-53 17-16,52 0 15,54 36 1,-54 70-1,-35-17 1,-17 17 0,-18-35-1,-18 0 1,-34-53 0,16 0 15,36-18-31,0-17 15,18-36 17,-18 54-32,53-36 0,17-18 31,1 54-15,-18-1-1,17 18 1,-17 0-16</inkml:trace>
+  <inkml:trace contextRef="#ctx0" brushRef="#br0" timeOffset="119450.73">15328 7497 0,'18'0'0,"-36"0"0,89 0 16,-54-36-1,1 19 1,-18-19-1,0 19 1,-71 17 0,-34 17-1,34 19 1,18 17 0,53-1-1,35-16 1,54 17-1,-1-18 1,0 0 0,-70 0-1,-18-17 1,-89 17 0,1-35-1,-18 0 16,18 0-31,53 0 16,35-17 15,18-36-15,17 35-16</inkml:trace>
+  <inkml:trace contextRef="#ctx0" brushRef="#br0" timeOffset="119692.98">15769 7497 0,'0'0'16,"0"17"0,0 1-16,0-1 0,0 36 15,0-35-15,-17 35 31,-1 0-31,0-53 16,18 17 15</inkml:trace>
+  <inkml:trace contextRef="#ctx0" brushRef="#br0" timeOffset="119866.38">15769 7320 0,'0'0'0,"-17"0"0,-1-35 15,0 35 1,18 17 15,0 1-15</inkml:trace>
+  <inkml:trace contextRef="#ctx0" brushRef="#br0" timeOffset="120348.2">15946 7549 0,'0'0'15,"0"18"-15,0 0 0,0-1 0,0 1 0,0 17 16,0 1 0,0 16-1,0-34 1,-18-18 15,18-18 0,0 1-15,35-36 0,18-18-1,88-34 1,0 52 0,0 53-1,-105 0-15,17 53 16,-36 35-1,-34-18 1,-54-17 0,1-18-1,34-17 1,54-18 15</inkml:trace>
+  <inkml:trace contextRef="#ctx0" brushRef="#br0" timeOffset="120959.61">17022 7479 0,'0'-18'0,"0"36"0,0-53 0,0 17 0,0 0 15,-53 18 1,-36 0-1,-16 71 1,-1 17 0,53-17-1,53-1 1,35-35 0,36-35-1,17 0 1,-53 0-16,18-17 15,0-36 17,-18-18-17,-17 1 1,0 35-16,-18 52 47,0 1-47,0 17 15,0 53 1,0-17 0,0-1-1,0-52-15,0 105 16,0 1 0,0 35-1,-53-36 16,0-52-15,-36-36 0,-16-35-1,87 0-15,-53-18 0,1-52 32,52 17-32</inkml:trace>
+  <inkml:trace contextRef="#ctx0" brushRef="#br0" timeOffset="121850.04">18115 7602 0,'0'0'16,"88"0"15,-70-17-31,17-1 0,53-17 16,1-18-1,52-88 1,-106 35 0,-35-18-1,-18 54 1,-52 52 15,-18 36-15,35 105-1,0 107 1,18-54 0,-18 89-1,-18 35 1,18-71-1,0 88 1,36-228-16,-19 193 16,19-106-1,17-52 1,35-89 0,35-35-1,89-88 16,-106 70-31,141-158 0,-88-1 32,-53-52-17,-124-36-15,-52 71 32,-89-35-17,177 194-15,-71-53 16,53 35-1,36 35 1,105 18 15,-71 0-31,72 0 16,16-18 0,-87 18-16</inkml:trace>
+  <inkml:trace contextRef="#ctx0" brushRef="#br0" timeOffset="122250.31">18521 7708 0,'0'-17'0,"0"34"0,0-70 31,17 18-31,1 17 16,17-35 0,54 36-16,-1-1 31,-18 18-16,19 53 1,-72-35-16,-17 52 16,0-17-1,0-18 1,-17 1 0,-1-36-1,0 0 16,1-53-15,17 18 0,0-18-1,17 0 1,36 35 0,0 0-1,0 1 1,35-1-1</inkml:trace>
+  <inkml:trace contextRef="#ctx0" brushRef="#br0" timeOffset="123126.13">19526 7461 0,'0'0'0,"-35"0"16,-53 53-1,17 0 1,18 18-1,36-18 1,17-36 0,17 1-1,36-1-15,0-17 16,-18 0 15,-35-35-15,0-18-1,0-35 1,0 70-16,36-52 16,70-1-1,17 71 1,-52 18 0,17 53-1,-88-19 1,0-34-1,0 53-15,-18-18 16,0-53 15,-34 17-31,34-17 32,18-35-17,0-18 1,53-53-1,35 18 1,-17 35 0,17 71-1,-71 35 1,1-36-16,-18 71 16,0-35-1,0 0 1,0-17 15,-18-36-31,18-18 47,0-53-31,89-52-1,34 17 1,-70 71-16,70-1 15,-17 36 1,-70 18-16,16 106 16,-52-36-1,-52 0 1,-19-17 0,18-54-1,-35 18 16,70-35-31,-52 0 0</inkml:trace>
+  <inkml:trace contextRef="#ctx0" brushRef="#br0" timeOffset="123833.17">5556 8925 0,'0'-17'0,"0"34"0,18-52 15,0-18-15,-1 35 16,-17-17-16,18-18 16,-18 18-1,0 158 17,0-70-32,17 53 15,1 141 1,-18-106-1,-18-53 1,-17-52 0,35-19-1,-35-34 1,17-36 0</inkml:trace>
+  <inkml:trace contextRef="#ctx0" brushRef="#br0" timeOffset="124150.12">5397 9013 0,'-17'-35'16,"34"70"-16,-52-105 0,35-18 15,0 35-15,0-53 16,106 0-16,35 71 31,-17 35-15,34 53-1,-122 88 1,-89 18 0,-88-36-1,35-52 1,0-18 0,53-36-1,88-17 16,-17 0-31,88 0 32</inkml:trace>
+  <inkml:trace contextRef="#ctx0" brushRef="#br0" timeOffset="124708.45">6332 9243 0,'0'0'0,"71"-36"31,-71 19-31,18-18 16,-18-18-1,-18-18 1,-53 1 0,54 70-16,-89 0 15,35 52 16,-17 54-31,53 35 16,17-70 15,18 17-15,18-88-16,35 18 16,35-18-1,0-35 1,-35-18-1,18-18 1,-54-17 0,-17 70-16,0-17 15,0 53 17,0-1-17,0 36-15,0 35 16,0-70-16,18 35 31,0-18-15,34-35-1,1 0-15,0 0 16,-17-35 0</inkml:trace>
+  <inkml:trace contextRef="#ctx0" brushRef="#br0" timeOffset="125098.69">6685 9225 0,'0'0'0,"0"-18"0,-18-17 16,18-35-1,18 34 1,106 1 0,-36 35-1,35 88 1,-70 0-1,-53-17 1,0 0 15,-35-36-15,17-35 0,18-53 15,0 35-31,0-17 15,53-53 1,-53 70-16,53-70 16,18 17-1,-18 54 1,-18 17 0</inkml:trace>
+  <inkml:trace contextRef="#ctx0" brushRef="#br0" timeOffset="126146.77">7320 9243 0,'0'17'0,"0"-34"16,35 52-1,-17-35 1,53 0 0,17-53-1,-18 18 1,-52 17-16,17-52 15,-35 34 1,-70 1 0,-1 35-1,1 35 1,52-17-16,0 53 16,18 17-1,0 0 16,36-53-31,52-35 16,35 0 15,71-35-31,-158 35 16,87-53 0,-35-18-1,-70-34 1,-18 52-1,0 17 1,-18 54 0,1 53-1,17 17 1,0-18 0,0-17-1,0-35 16,0 0-31,35-54 47,18-17-31,35-35 0,-35 35-16,35 18 31,-70 53-16,17 52 1,-17 18 0,-1-52-1,36-1 1,-35-35-16,35 0 16,-36 0-16,54 0 15,17-35 1,18-54 15,-35 1-15,17-88-1,-53 0 1,-35 87 0,-18 89-1,-52 53 1,35 106-1,17-18 1,18-17 0,0-36-1,35-53 1,36-35 0,-18 0-1,0 0 1,-1-35-1,-34 17 1,-18-17-16</inkml:trace>
+  <inkml:trace contextRef="#ctx0" brushRef="#br0" timeOffset="126349.3">8802 8943 0,'-18'0'0,"36"0"16,-53 0-16,35 18 15,70-1 1,18-17 0,71 0-1,-36 0 1,-70 0 0,-35-17-16,17-1 15</inkml:trace>
+  <inkml:trace contextRef="#ctx0" brushRef="#br0" timeOffset="126815.66">10477 8961 0,'18'-36'0,"-36"72"0,36-89 16,53-88-1,-54 123-15,-17 0 0,0 1 32,-35 87-17,0 18 17,-1 53-32,19-52 31,17-54-31,-35 53 15,17-35 1,0-53 15</inkml:trace>
+  <inkml:trace contextRef="#ctx0" brushRef="#br0" timeOffset="127266.91">10283 9102 0,'0'0'0,"-17"0"0,17-18 0,0 0 32,70-17-32,-52 35 15,35-18-15,123-34 32,-35 34-17,-70 71 1,-71 35-1,0 0 1,-35-17 0,35-54-16,17 19 15,36-19 1,88-17 0,-35-35-1,18-18 1,-36-53-1,-88-35 17,-106 35-17,0 71 1,-53 53 0,54 52-16,52 18 31,53-70-31,-18 70 15,18-70-15</inkml:trace>
+  <inkml:trace contextRef="#ctx0" brushRef="#br0" timeOffset="129066">12541 9225 0,'18'0'15,"35"-35"1,-36 35-16,19-35 16,17-18-1,-36 35-15,-17-53 16,-17-34 0,-54 16-1,-17 54 1,-18 53 15,-35 105-15,53 36-1,52-18 1,36-70 0,71-18-1,17-53 1,36-18-1,-18-35 1,-36-18 0,-17-52-1,-53 0 1,0 70 0,-35 35-1,17 53 1,18 71-1,0-18 17,18 18-17,52-53 1,-52-53-16,70 18 16,36-36-1,17-35 1,-53 0-1,-18-53 1,-52 18 0,-18 18-1,0 105 1,-18 35 0,-17 36-1,0-35 1,0-1-1,-1-34 17,36-19-17,71-87 17,-18 17-17,17-71 1,-52 107-16,35-54 15,0 36 1,-18 88 0,-35 0-1,0 35 1,0-53-16,0 18 16,53-18-1,18-17 1,-19-18-1,37 0 1,-1-53 0,-18 0 15,-17-70-15,-35 35-1,-18 70 1,0 71 15,0-36-31,0 54 16,-18-53-16,18 70 15,0-53 1,53 0 0,35-35-1,-17 0 1,52-35-1,-34-35 17,-54-19-17,-17-16-15,-1 52 16,-17 35 15,0 36-15,0 105-1,-17 1 1,17-1 0,0 36-1,0 0 1,0 70 0,0 35-1,-18-105 1,-35 35 15,-53-53-15,-17-70-1,52-71 1,54-18-16,-54-88 16,36-70-1,35 35 1,0-71-1,17 18 1,1 141-16,-18-17 16,88-107-1</inkml:trace>
+  <inkml:trace contextRef="#ctx0" brushRef="#br0" timeOffset="129565.88">15840 8908 0,'0'-18'0,"0"36"0,0-54 0,0-52 31,0 71-16,-18 17-15,-35 17 16,-17 71 0,34 53 15,36-17-15,0-89-16,0 89 15,18-54 1,53-34-1,34-36 1,-34 0 0,88-89-1,-124 72-15</inkml:trace>
+  <inkml:trace contextRef="#ctx0" brushRef="#br0" timeOffset="130048.69">16369 8784 0,'0'0'15,"0"-53"-15,-18 71 32,1 35-17,-1 88 1,-17 0 0,-1-35-1,19-18 1,17-70-16,-18-1 15,0 1 1,1-18 0,17-18-1,17-52 1,72-36 0,-1 18-1,-53 70-15,106-35 16,-35 71 15,-35 52-31,-54 36 31,-17-53-15,0-35-16,-17 35 16,-1-36-1,18 1 16,0-36 1,0 1-32,0-1 15</inkml:trace>
+  <inkml:trace contextRef="#ctx0" brushRef="#br0" timeOffset="130262.89">16916 9031 0,'17'0'0,"-34"0"0,34-18 16,-17 36 15,0 0-15,0 35-1,0 17 1,0-35 0,0 1-1,-17-36 1,-1 0-1,18-18-15</inkml:trace>
+  <inkml:trace contextRef="#ctx0" brushRef="#br0" timeOffset="130449.66">16933 8890 0,'0'0'16,"0"-18"-16,0-35 15,0 18 1,0 18 15,18 17 0,0 0-15,-1 0-16</inkml:trace>
+  <inkml:trace contextRef="#ctx0" brushRef="#br0" timeOffset="130707.91">17357 8661 0,'-36'17'31,"36"1"-15,0 0-16,-35 70 16,17 35-1,1-35 1,-1 18-1,18-35 1,0-54 15,18-17-15,35 0 0,0 0-16</inkml:trace>
+  <inkml:trace contextRef="#ctx0" brushRef="#br0" timeOffset="131298.04">17939 8943 0,'0'-18'0,"0"36"0,0-53 0,0 17 16,0 0-16,-36 1 16,-52 17-1,0 70 1,35 1-1,-35 17 1,53-17 15,35-19-15,53-16-16,17-36 16,18 0 15,1-71-16,-37 18 1,-16-88 0,-1 18-1,-17 70-15,-1-88 16,-17 70 0,0 53-1,0 54 1,-17 52 15,-19 106-15,36-35-1,0-71 1,36 0 0,-1-53-1,35-17 1,19-18-1,-72 0-15,36-35 16,18-1 0,-54 36-16</inkml:trace>
+  <inkml:trace contextRef="#ctx0" brushRef="#br0" timeOffset="131495.79">18715 9225 0,'0'18'16,"-18"-18"31,1 0-32,-1 0-15,0 0 16,1 0-16</inkml:trace>
+  <inkml:trace contextRef="#ctx0" brushRef="#br0" timeOffset="163017.97">13300 9084 0</inkml:trace>
+  <inkml:trace contextRef="#ctx0" brushRef="#br1" timeOffset="-1800.21">9419 6685 0</inkml:trace>
 </inkml:ink>
 </file>
 
@@ -1188,258 +1895,198 @@
           <inkml:channelProperty channel="T" name="resolution" value="1" units="1/dev"/>
         </inkml:channelProperties>
       </inkml:inkSource>
-      <inkml:timestamp xml:id="ts0" timeString="2022-11-29T02:41:18.346"/>
+      <inkml:timestamp xml:id="ts0" timeString="2022-11-30T01:55:38.178"/>
     </inkml:context>
     <inkml:brush xml:id="br0">
       <inkml:brushProperty name="width" value="0.05292" units="cm"/>
       <inkml:brushProperty name="height" value="0.05292" units="cm"/>
-      <inkml:brushProperty name="color" value="#FF0000"/>
+      <inkml:brushProperty name="color" value="#0070C0"/>
     </inkml:brush>
     <inkml:brush xml:id="br1">
       <inkml:brushProperty name="width" value="0.05292" units="cm"/>
       <inkml:brushProperty name="height" value="0.05292" units="cm"/>
-      <inkml:brushProperty name="color" value="#0070C0"/>
-    </inkml:brush>
-    <inkml:brush xml:id="br2">
-      <inkml:brushProperty name="width" value="0.05292" units="cm"/>
-      <inkml:brushProperty name="height" value="0.05292" units="cm"/>
-      <inkml:brushProperty name="color" value="#00B050"/>
+      <inkml:brushProperty name="color" value="#FF0000"/>
     </inkml:brush>
   </inkml:definitions>
-  <inkml:trace contextRef="#ctx0" brushRef="#br0">1005 2240 0,'0'0'0,"18"0"0,-18 18 16</inkml:trace>
-  <inkml:trace contextRef="#ctx0" brushRef="#br0" timeOffset="1129.67">3881 706 0,'17'0'47</inkml:trace>
-  <inkml:trace contextRef="#ctx0" brushRef="#br0" timeOffset="2707.6">4039 811 0,'18'0'16,"-18"-17"30,0-1-30,0 0 0,0 1-16,0-1 15,0 1-15,0-1 16,0 0 0,0 1-1,-35-1 1,17 18-16,-35 0 15,0 0 1,-35 0 0,35 18-1,-35 17 1,17 0 15,1 18-15,-18 35-1,-1 53 1,54-35 0,0 35-1,35-35 1,17 0 0,1-88-16,53 52 15,52-17 1,1-35-1,34-18 1,-52-53 0,35 0-1,-105 53 1,34-35 0,-17 17-1,-35 0 1,-18 1-1,0-1 64,0 0-79,0 1 15</inkml:trace>
-  <inkml:trace contextRef="#ctx0" brushRef="#br0" timeOffset="3854.22">5027 952 0,'0'-17'16,"0"34"-16,18-69 16,-18 16-1,0 19-15,0-36 16,0 35 0,-18-17 15,0 35-31,-17 0 15,-35 0 1,17 35 0,-18 18-1,18 0 1,0 0 0,36-18-16,17 0 15,0-17-15,0 0 16,0 17-1,35-17 1,18-1 0,0 1-1,17 0 1,-52-18 0,53 17-1,-19 1 1,1 17-1,-35 0 1,-18 18 0,0-35-16,0 0 15,0-1-15,-53 18 16,-35 1 0,0-19-1,-1-17 1,19 0-1,52 0-15,-17-35 16,0 0 0,35 0-1,-18-1 1,53 19 31,1-1-47</inkml:trace>
-  <inkml:trace contextRef="#ctx0" brushRef="#br0" timeOffset="4587.93">5803 1023 0,'0'0'0,"18"-18"0,17-17 16,-17 17 0,-1 1-1,-17-18 1,0 17-1,-35-17 1,-53 35 0,70 0-16,-52 17 15,-18 36 1,17 0 0,36 18-1,17-36 1,18 0-1,53 1 1,18-1 0,17-18-1,-18 1 17,18 0-17,-35-1 1,0 19-1,-35-36-15,-18 17 16,0 19 0,-18-1-1,-70 0 1,-53 0 0,88-35-16,-70 0 15,-19 53 1,178-53-1,-142-35 1,71 17 0,70 18-1,-70 0 1,35-17 15,0-1-31</inkml:trace>
-  <inkml:trace contextRef="#ctx0" brushRef="#br0" timeOffset="5771.86">7849 1094 0,'0'-18'31,"0"0"-15,0 1-16,36-19 16,34-17-1,-35-17 1,-17 52-16,35-70 15,-53 53 1,0 17-16,0-35 16,-53 36-1,-35 17 1,0 0 15,-18 53-15,35-18-1,54-18-15,-36 19 16,35 34 0,0-34-1,18 34 1,0-35 0,0-17-16,53 35 15,-35-35-15,35 17 16,53 18-1,-36-18 1,18 18 0,-35-18-1,-35 18 1,-18 0 15,-88-18-15,0 1-1,-71-1 1,35-35 0,72 0-16,-54 0 15,0-18 1,35-35 0,36 18-1,0-35 1,35 17-1,0 17 1,0 19-16,53-1 16</inkml:trace>
-  <inkml:trace contextRef="#ctx0" brushRef="#br0" timeOffset="6336.48">8184 1341 0,'18'0'16,"0"0"-1,-1 0-15,19 0 16,17 0 0,-36-18-16,1-17 15,-1 35 1,19-36-16,-36 19 16,0-19-1,0-34 1,-18 52-1,-35 1 1,0 17 0,-35 53-1,35-1 1,18 37 0,17-19-1,18 18 1,0-35-1,36-17 1,-1-19 0,35-17-1,-17 0 1,18-17 15,-18-19-31</inkml:trace>
-  <inkml:trace contextRef="#ctx0" brushRef="#br0" timeOffset="6721.68">8908 670 0,'-36'0'32,"19"18"-17,-1 17-15,-17 53 16,17-52 0,-17 158-1,-18-71 1,0 36-1,35-71 1,1 0 0,-1-70-16,18 17 15,0-17 1,18-36 31,-1 18-47</inkml:trace>
-  <inkml:trace contextRef="#ctx0" brushRef="#br0" timeOffset="7204.15">8872 1393 0,'18'0'16,"0"0"-16,-1 0 16,36 0-1,-18-17 1,36-18 0,-18-18-1,-35 17 1,-18 19-16,0-1 15,0 0 1,-53 18 0,-18 0-1,1 53 1,34 0 15,19 18-15,-1-18-1,18 0 1,0-18 0,35 0-1,36 0 1,17-35 0,-17 0-1</inkml:trace>
-  <inkml:trace contextRef="#ctx0" brushRef="#br0" timeOffset="7572.09">9719 1147 0,'0'-18'0,"0"36"0,-18-36 31,-17 18-15,17 0-16,-34 18 16,-19 34-1,53 1 1,1 36 0,17-1-1,0-35 1,0-18-1,35 0 1,36-35 0,-1 0-1,54-35 1,-54 0 0</inkml:trace>
-  <inkml:trace contextRef="#ctx0" brushRef="#br0" timeOffset="7972.39">10389 653 0,'0'0'0,"-17"0"16,-1 0-1,18 17-15,-35 36 16,-1 53 0,-16 53-1,16-53 1,1 35 0,17-53 15,-17 0-16,35-17 1,0-36 0,35-17-1,18-18 1,0 0 0,-35 0-16,52-18 15,-52 0-15</inkml:trace>
-  <inkml:trace contextRef="#ctx0" brushRef="#br0" timeOffset="8553.35">10636 1147 0,'0'0'0,"0"17"31,-17-17-15,-19 71 0,1-1-1,35-52-15,-18 52 16,18-17 0,0-17-1,36-19 1,-1-17-1,36 0 1,-54 0-16,36 0 16,-35 0-16,88-53 15,-18 0 1,-71 1 15,1-37-15,-18 19-1,-18 52-15,-52-35 16,-18 36 0,17 17-1,-17 17 1,35 36 0,18 18-1,17-71-15,18 53 16,0 17-1,0-35 1,53-35 0,0 0-1,-18 0-15</inkml:trace>
-  <inkml:trace contextRef="#ctx0" brushRef="#br0" timeOffset="9197.53">11112 1164 0,'18'-17'31,"0"17"-31,17-18 15,-17 0-15,35 18 16,35-17 0,-18 17-1,19 53 1,-54-1 15,-18 19-15,-17-18-1,0 17 1,0-17 0,0-17-1,-17-19 1,-1 1 0,1-18-1,-1 0 1,0 0-1,18-35 1,0-18 0,53-35-1,-18 35 1,18-36 0,-17 19 15,17 52-16,-18 1 1,-18 17 0,-17-18 15</inkml:trace>
-  <inkml:trace contextRef="#ctx0" brushRef="#br0" timeOffset="9649.68">10054 829 0,'0'0'0,"18"0"16,52 0-1,-34 0-15,69 0 16,1-18 0,-70 18-1,69-17-15,-69 17 0,34 0 16,54-18 15,-71 18-15,-36 0 15,-34 0-15</inkml:trace>
-  <inkml:trace contextRef="#ctx0" brushRef="#br0" timeOffset="10900.28">3616 1940 0,'0'0'31,"18"0"-16,-1 0 1,71 18 0,71-18-1,-18 0 1,-88 0-16,141 0 16,53 0-1,141 0 1,-282 0-16,229 0 15,159-18 1,-88 18 0,176 0-1,-159 0 1,318 0 0,-318-17 15,142-1-16,-195 0 1,106 1 0,-52-1-1,-160 18 1,-193-18-16,176 1 16,-124 17-1,-52 0 1,-53 0-1,-1 0 1,1 0 47,-1 0-17</inkml:trace>
-  <inkml:trace contextRef="#ctx0" brushRef="#br0" timeOffset="19534.59">1517 2893 0,'18'0'16,"-1"0"31,1 0 15,-1 0-46,1 0 0,0-18-16,-1 18 15</inkml:trace>
-  <inkml:trace contextRef="#ctx0" brushRef="#br0" timeOffset="20035.59">1817 2875 0,'0'-18'0,"17"18"0,1-35 31,-18 18-15,18-1-1,-18 0-15,0 1 16,-18-19-1,-35 19 1,-17 17 0,-54 0-1,18 35 1,71-17 0,-53 35-16,0 35 31,52 0-16,19 18 1,34 35 0,-17-106-16,-53 142 15,142-107 1,52-35 0,-18-17-1,36-36 1,-53-17-1,-71 17-15,36-17 16,17-35 0,-71 34-1</inkml:trace>
-  <inkml:trace contextRef="#ctx0" brushRef="#br0" timeOffset="20619.09">2346 2981 0,'0'0'0,"-88"-35"16,52 35-1,1 0 1,18 0-16,-36 35 16,17 0-1,1 71 1,17-18-1,18 18 1,0-35 0,0-36-1,53-17 1,-35-18-16,35 0 16,35-71-1,-35 18 16,18-53-15,-54 36 0,-17-18-1,0 35 1,0 35 0,0 36 15,0-1-31,0 36 15,0 18 1,-35 52 0,53-52-1,-1-18 1,1-36 0,17 1-1,0-18 1,-17 0-1</inkml:trace>
-  <inkml:trace contextRef="#ctx0" brushRef="#br0" timeOffset="21170.65">3016 3034 0,'-17'0'0,"17"-18"32,-18 18-17,0 0-15,-35 0 16,53 18 0,-53 17-16,36 18 31,17-18-31,0-17 31,0 0-15,17-1-1,1-17-15,35 36 16,0-36 0,18 52-1,-54-34 1,36 0-1,-53 35 1,-18 0 0,-70-1-1,-18-34 1,36-18 0,-18 0 15,70 0-31,-35 0 15,35 0-15,-17-18 16,35-17 0,0 0-1,53-18 1</inkml:trace>
-  <inkml:trace contextRef="#ctx0" brushRef="#br0" timeOffset="21705.66">3545 3104 0,'0'-17'16,"0"34"-16,36-52 0,-19 18 15,-17-1 1,0 0-16,-17 1 31,-1 17-31,-35 0 16,-17 17-1,17 19 1,17 34 0,1 1-1,17 52 16,18-35-15,0-17 0,36-54-1,52 1 1,0-18 0,53-18-1</inkml:trace>
-  <inkml:trace contextRef="#ctx0" brushRef="#br0" timeOffset="22318.86">4110 3157 0,'0'0'0,"0"-17"15,0-1-15,-18 0 16,-17 18-16,0 0 31,-18 0-15,-18 18-1,18 35 1,53-35-16,-53 70 16,36 0-1,17 0 1,0-35-1,35-18 1,18-17 0,17-18-1,1-18 1,-18-17 0,0-35-1,-18-19 16,-35 72-31,0-54 16,0 18 0,0 36-1,0 34 17,0 19-17,0-19-15,0 54 16,0-18-1,0 17 1,0-17 0,18-18-1,17-35 1,-17 0-16,35 0 16</inkml:trace>
-  <inkml:trace contextRef="#ctx0" brushRef="#br0" timeOffset="23301.85">4957 3140 0,'0'0'0,"0"-18"0,35-17 16,-88 35-1,-71 0 1,89 0-16,-53 0 16,17 17-1,-17 54 1,35 0 0,53-36-1,-35 35-15,17 19 16,1 16 15,34-69-15,72-19-1,16-17 1,-34-35 0,52-36-1,-52 1 1,-18-71-1,-35 35 1,34-17 0,-52 17-1,0 53 1,0 35-16,0-17 16,0 52 30,0 36-30,-35 71 0,18-18-1,17-71-15,-18 71 16,18 0 0,0-36-1,18 1 1,34-54-1,1-17 1,18 0 0,-1-53-1,1-17 1,-36-18 0,-17 17-1,0 36 16,-18 53 1,0 34-17,-18 37 1,18-36 0,0-36-16,0 1 15,0 17 1,70-35-1,-17 0 1,-17-35 0,17-18-1,-53 35-15</inkml:trace>
-  <inkml:trace contextRef="#ctx0" brushRef="#br0" timeOffset="23417.76">5468 2946 0,'0'0'0</inkml:trace>
-  <inkml:trace contextRef="#ctx0" brushRef="#br0" timeOffset="23508.47">5397 2946 0,'0'17'31,"18"-17"-16,0 0 1</inkml:trace>
-  <inkml:trace contextRef="#ctx0" brushRef="#br0" timeOffset="24340.75">5909 3193 0,'0'-18'16,"0"0"0,0 1-16,0-1 31,0 36 16,0-1-47,0 1 15,0 35 1,0-35-16,0 52 16,-18 36-1,1-36 1,17-17-1,-18-35 1,18-36 15,-18-17-15,18-35 0,0-1-1,36-52 1,-19 105-1,36-53 1,53 18 0,0 36-1,-18 17 1,-70 17-16,52 36 16,-52 0-1,17 53 1,-35-35-1,-53-1 1,36-17 0,-19-35-1,19-1 1,52-34 15,-17-1-31,-1 0 16</inkml:trace>
-  <inkml:trace contextRef="#ctx0" brushRef="#br0" timeOffset="24968.08">7038 3104 0,'0'-17'16,"0"34"-16,0-52 0,0 0 15,0 17-15,-18 18 16,-17 0-16,17 0 0,-52 0 16,-1 0-1,-17 71 1,17-1 0,36 36-1,35-35 1,0 17 15,71-70-15,-1-18-1,19-36 1,-19 1 0,-35-36-1,1-17 1,-36 18-1,17 70 1,-17-18 0,0 0-1,0 36 17,0 0-17,0-1-15,0 1 0,0 70 31,0-17-15,0 70 0,0 0-1,0 18 1,-35-1 0,70 36-1</inkml:trace>
-  <inkml:trace contextRef="#ctx0" brushRef="#br0" timeOffset="25307.67">7003 4904 0,'-18'0'15,"-53"35"1,54-35 0,-36 0-16,0 0 15,-35-71 16,70 54-31,-52-89 16,34 71-16,-34-89 16,34-88-1,36 36 1,36-36 0,34 36-1,18 70 1,-17 18-1,-18 70 1,-18-17 0,-35 17 15</inkml:trace>
-  <inkml:trace contextRef="#ctx0" brushRef="#br0" timeOffset="26517.69">7020 4145 0,'0'18'47,"0"-1"-32,0 1 1,0 0-16,0-1 16,0 1-16,0 0 0,0 52 15,0-17 16,18 35-15,0 0 0,-1 1-1,-17 34 1,0-105-16,0 105 16,0-70-1,-17 0 1,-19-35-1,-17-18 1,-35-36 0</inkml:trace>
-  <inkml:trace contextRef="#ctx0" brushRef="#br0" timeOffset="27633.26">8537 2840 0,'0'17'16,"18"-17"15,-1 0-16,19 0-15,17-35 32,-36 35-32,1-35 15,17-18 1,-35 35 0,-35 1-1,-71 17 1,0 35-1,53 0 1,18 18 0,35-35-1,0-1 1,71 19 0,34-19-1,19 36 1,-36-17 15,0 17-15,-52-1-1,-36 37 1,-18-19 0,-88 1-1,-17-36 1,34-35-1,-34 0 1,88 0-16,-1-18 16,19 18-16,-54-70 15,36 17 1,35 0 0,0 18-1,53 17 1,17-17 15,19 17-31</inkml:trace>
-  <inkml:trace contextRef="#ctx0" brushRef="#br0" timeOffset="27968.99">9278 2769 0,'0'-17'31,"0"34"1,0 19-32,0-1 15,-18-18 1,1 72-16,-19 17 31,19-36-15,17 18-1,0-35 1,0-35 0,17-18-1,36-18 1</inkml:trace>
-  <inkml:trace contextRef="#ctx0" brushRef="#br0" timeOffset="28902.88">9119 3016 0,'0'0'0,"18"0"47,0 0-32,17-17-15,35-1 16,1 0 0,35 1-1,-18-1 1,-70 18-16,70-18 15,-71 18 1,1 0 0,-18 18-1,0 35 1,-18 18 0,1-71-16,-1 70 15,-35-17 1,106-18 15,0-17-15,18-18-1,17-18 1,18-35 0,-36 0-1,-34 1 1,-19-19-1,1 53 1,-18 1 0,0 34 15,0 1-15,0 0-16,0-1 0,0 36 15,0 53 1,0-18 15,0-53-31,0 124 16,0 18-1,-18-72 1,-17 37 0,17-54-1,-17-18 1,17-52-16,-52 0 15,-1-18 1,-35 0 0,-17-53-1,17-36 1,36 19 0,52 35-16,0-71 15,18 53 16,0-35-15,71-1 0,17 19-1</inkml:trace>
-  <inkml:trace contextRef="#ctx0" brushRef="#br0" timeOffset="29217.43">10442 2734 0,'0'0'15,"0"-35"17,0 52-17,0 19-15,0 34 16,0-35-1,-35 36 1,35-36-16,-35 54 16,17-19-1,18-17 1,0-35 0,35-18-1,1-18-15</inkml:trace>
-  <inkml:trace contextRef="#ctx0" brushRef="#br0" timeOffset="29667.46">10601 3016 0,'18'0'31,"-1"0"-16,1 0-15,35 0 32,-36 0-32,1-17 15,17-1 1,-17-35 0,-18 35-1,-18 18 1,-35 0-1,1 18 1,16 35 0,1 53-1,35-36 1,0 1 0,35-36-1,36-35 1,17 0 15,-70 0-31,35-17 16,-36-1-16,36-35 15</inkml:trace>
-  <inkml:trace contextRef="#ctx0" brushRef="#br0" timeOffset="30533.99">11959 2875 0,'18'0'0,"-36"0"0,53 0 16,89-35-1,-106 35-15,-1 0 16,18-18-16,1-35 16,-36 36-1,0-1 1,-53 18 15,18 0-31,-54 0 16,54 0-16,-71 35 15,36 1 1,52-1 0,106 0 15,-70-35-31,88 35 15,17 1 1,-52-1 0,-1 0-1,-52 18 1,-18-18 0,-35 18-1,17-53 1,-70 36-16,-53-1 31,17-35-15,1 0-1,52-18 1,54 1-16,-19-19 16,36 19-16,0-19 15,0 1 1,36 0-1,16 35 1,37-35 0,-72 17-16,19 0 15</inkml:trace>
-  <inkml:trace contextRef="#ctx0" brushRef="#br0" timeOffset="30867.97">12665 2522 0,'0'0'15,"0"-17"-15,0 34 32,0 1-17,0 0-15,17 52 16,-34 36-1,-1 17 1,0-17 0,1-53-1,17 18 1,0-36 0,0-17-1,17-18 16,1-18-31</inkml:trace>
-  <inkml:trace contextRef="#ctx0" brushRef="#br0" timeOffset="31575.98">12524 2893 0,'17'0'16,"1"0"-1,0 0-15,34 0 16,-16 0 0,-1-18-1,-17 18 1</inkml:trace>
-  <inkml:trace contextRef="#ctx0" brushRef="#br0" timeOffset="32823.69">12718 2681 0,'0'-18'16,"0"-17"0,-18 35 15,18 18-16,0-1-15,-18 54 32,18-53-32,0 70 15,-17-18 1,-19 72 0,36-90-1,-17 1 1,17-35-1,-18-18 17,1 0-17,17-18-15,0-35 16,0 1 0,0-19-1,52 0 1,19 18 15,-53 53-31,70-17 16,-71 17-16,72 0 15,-1 35 1,-35 18 0,-53 18-1,0-1 1,-18-17-1,0-53-15,-17 35 16,35-17 0,-17-18 15,17-35-15,0 17-16</inkml:trace>
-  <inkml:trace contextRef="#ctx0" brushRef="#br0" timeOffset="33283.79">13123 2981 0,'18'0'0,"0"0"16,-1 0-16,19 0 15,52 0 1,-71-18-16,36 1 16,-17-19-1,-19 1 1,-17 0 0,-17 0-1,-36 35 1,0 0 15,-18 35-15,54-18-16,-36 54 15,35 0 1,18-1 0,18-17-1,35-18 1,-1-35-1,-34 0-15,53 0 16,-1-17 0,1-19-1</inkml:trace>
-  <inkml:trace contextRef="#ctx0" brushRef="#br0" timeOffset="33733.4">13652 2946 0,'18'0'0,"0"0"16,-1 0-16,19-18 16,34-17-1,-34-1 1,-19 1-1,-17 0 1,0 17 0,-53 18-1,-17 18 1,17 52 0,35 19-1,0-36 1,18 17-1,0-52 1,0-1 0,0 1-16,53 0 15,18-18 1,17 0 0,18-18-1,-18-17 1,-35 0-16</inkml:trace>
-  <inkml:trace contextRef="#ctx0" brushRef="#br0" timeOffset="34067.76">14393 2399 0,'0'0'0,"-17"0"31,-19 35-31,-17 71 16,18 17 15,0 1-15,17-36 0,1-53-16,17 36 15,0-53-15,0 35 16,0-1-1,0-16 1,53-36 0,-1 0-1,19-36 1,-18-34 0</inkml:trace>
-  <inkml:trace contextRef="#ctx0" brushRef="#br0" timeOffset="34352.36">14146 2716 0,'-17'0'0,"34"0"0,-52 0 0,17 0 31,36 0-15,70 0-1,0 0 1,-52 0-16,52-17 16,-35 17-1,0 0 1,-36 0 0,1 0 15</inkml:trace>
-  <inkml:trace contextRef="#ctx0" brushRef="#br0" timeOffset="34603.96">14975 3052 0,'-35'17'15</inkml:trace>
-  <inkml:trace contextRef="#ctx0" brushRef="#br0" timeOffset="136386.35">1482 5644 0,'0'0'0,"17"0"31,1 0 63,-18-17-78,18 17-16,-1 0 15,-17-18 1</inkml:trace>
-  <inkml:trace contextRef="#ctx0" brushRef="#br0" timeOffset="137103.34">1676 5592 0,'17'0'16,"1"0"15,0-18-15,-18 0-16,17 18 16,1-17-1,-18-19 1,0 19-1,-53-1 1,0 18 0,-35 18-1,0 35 1,17 0 0,18 17-1,36-17 1,17-18-1,0 18 1,70-53 0,1 35-1,34-17 1,-16 17 0,-1 1 15,-35-1-16,-18 35 1,-35-17 0,-53-17-1,-35 17 1,0-36 0,52-17-16,-52 0 15,53 0-15,-36 0 16,36 0-16,-53-35 15,-18-36 1,53 36 0,53-18-1,0 36 1,36-1 15,52 0-15,-71 18-16</inkml:trace>
-  <inkml:trace contextRef="#ctx0" brushRef="#br0" timeOffset="137975.18">2064 5821 0,'0'0'0,"0"17"31,0 1-15,0 0-16,0-1 16,0 36-16,0 0 31,0-35-31,0 35 15,0 0 1,35-53 0,18 0-1,35 0 1,-17-36 0,35-17-1,-54-17 1,-34-1-1,-18 18 1,0 36 15,0 34 1,0 1-32,0 0 15,-18 35 1,18 17-1,-17 1 1,17 17 0,0 0-1,0 71 1,0-36 0,35 36-1,-35-71 1,18 18-1,-18-35 1,0-54-16,-36 19 16,19-19-16,-36 1 15,-53 0 1,0-18 15,-35-36-15,106 19-16,-53-36 15,-89-88 1,107 52 0,34-16-1,36 52 1,18 17 0,17 19-16,18-19 15,-17 19-15,34-36 16</inkml:trace>
-  <inkml:trace contextRef="#ctx0" brushRef="#br0" timeOffset="138607.22">2681 5803 0,'0'0'0,"0"-17"16,0 34 15,0 1-31,0 17 16,0 36-1,0-36-15,0 18 16,0 0-1,0-36-15,0 36 16,0-35 0,0-36 46,0 1-46,18-36-1,-1 35-15,1-35 16,53-35 0,-19 17-1,72-17 1,-53 71 0,-36 17-16,18 0 15,-18 53 1,-17-18-16,-18 35 15,0 19 1,-36-37 0,1 1-1,35-35 1,0-36 46</inkml:trace>
-  <inkml:trace contextRef="#ctx0" brushRef="#br0" timeOffset="138936.64">3563 5539 0,'0'-18'0,"0"36"47,0-1-47,0 19 0,-18 69 16,1 1 0,17-71-1,-18 71 1,18-88-16,0 52 15,0 1 1,0-53 0,35-18 15,-35-18-31,18 0 16</inkml:trace>
-  <inkml:trace contextRef="#ctx0" brushRef="#br0" timeOffset="139207.82">3440 5768 0,'0'0'0,"-18"0"0,36 0 47,-1 0-32,18 0-15,18 0 16,-35 0-16,17 0 16,18-18-1,-17 1 1,-19 17 15</inkml:trace>
-  <inkml:trace contextRef="#ctx0" brushRef="#br0" timeOffset="139869.75">4092 5874 0,'0'0'0,"0"-18"15,0 0 1,18 1 0,-18-36-1,0 35-15,0 1 16,-35-1 0,-18 18-1,-36 18 1,19 52-1,35 1 1,-1 17 0,36-35-1,0 0 1,89-53 31,-37 0-32,1-36 1,0-34 0,-35 17-1,0 35-15,-1-52 16,-17 35 0,0 52 30,0 1-46,0 35 16,0-36-16,0 54 16,0-53-16,0 34 15,18 1 1,-18-35 0,17-18-1,19 0 16,-19 0-31</inkml:trace>
-  <inkml:trace contextRef="#ctx0" brushRef="#br0" timeOffset="140602.4">4357 5874 0,'0'-18'0,"0"36"0,0-54 16,0 19-1,35-18-15,36-1 16,-1 36 0,1 0 15,-36 36-16,0 52 1,-35-35 0,0 35-1,-17-53-15,-36 18 16,17-18 0,19-17-1,17 0 1,0-36 15,0 0-15,17 18-16,36-53 0,18-35 15,-1 18 1,-17-1 15,-17 36-15,-1 17-1,-35 1 1,-18 52 15,1 0-15,-1-17-16,18 35 16,-18 17-1,1 1 1,17-18-1,0-18 1,35-17 0,-17-1-1,17 1 1,-17-18-16,-1 0 16,19-18 15,-1-17-31</inkml:trace>
-  <inkml:trace contextRef="#ctx0" brushRef="#br0" timeOffset="141121.12">5592 5927 0,'0'0'16,"-18"0"-1,18 17 1,18-17 31,52 0-31,-35 0-16,89 0 15,17 0 1,71-17-1,-124-1 1,0 18 0,-35 0-1,-35 0 1,-18-18 0,0 1 30,-36-1-30</inkml:trace>
-  <inkml:trace contextRef="#ctx0" brushRef="#br0" timeOffset="141669.18">6297 5556 0,'0'0'0,"-18"0"0,1 0 31,-1 0-31,18 36 16,0 16 0,0 37-1,35-54 16,-17-17-31,35 17 16,-35-35-16,35 17 16,17-17-1,-17 0 1,-35 0 0,-36 0 30,0 0-46,-35 53 16,18-17 0,-53 52-1,35-35 1,-17 17 0,70-52-16,-36 35 31,36-35 0,0-36 0</inkml:trace>
-  <inkml:trace contextRef="#ctx0" brushRef="#br0" timeOffset="142403.26">7444 5486 0,'0'-36'16,"0"19"-16,17-1 16,-17 0-1,-17 36 17,17 17-17,-18 18 1,-17 53-1,-1 18 1,36-36 0,0-53-16,-17 71 15,17-71 1,0 18 0,35-53-1,0 0 16,18-18-15,-35 1-16,35-36 16,-36 18-16</inkml:trace>
-  <inkml:trace contextRef="#ctx0" brushRef="#br0" timeOffset="142685.32">7250 5697 0,'0'0'0,"-18"0"0,0 0 15,36 0 32,0 0-47,-1 0 0,18 0 16,36 0-1,35-17 1,-18-1 0,-53 0-1,1 18 1,-19 0-16</inkml:trace>
-  <inkml:trace contextRef="#ctx0" brushRef="#br0" timeOffset="143420.04">8220 5874 0,'0'0'16,"17"0"-16,1-18 0,-18 0 16,18-17-1,-18 0 1,-18-36 0,-35 36-1,-17 0 1,52 17-16,-70 18 15,-1 18 1,1 52 0,35 1-1,18 35 1,35-36 0,0 1 15,71-54-16,-18-17 1,35 0 0,-18-17-1,19-36 1,-1-18 0,-53-17-1,0 0 1,-17 53-1,-18-1 1,0 54 15,0 53-15,0-1 0,0 18-1,0-35 16,0 0-15,0-35 0,35-18-1,18 0-15</inkml:trace>
-  <inkml:trace contextRef="#ctx0" brushRef="#br0" timeOffset="144118.82">8978 5644 0,'0'-17'0,"0"34"0,0-52 15,-17 35-15,-1 0 16,-53 0-1,1 18 1,-18 52 0,17-17-1,0 53 1,71-88-16,-17 35 16,17-36-16,0 19 15,35-19 1,18-17-1,35 0 1,-17-35 0,-54 17-16,36-17 15,0-36 1,-35 1 0,0 52 15,-1 1-16,-17-1 1,0 36 15,0 35-15,0-36-16,0 54 16,-17-18-1,17 52 1,0-87-16,0 88 15,0-35 1,0 70 0,-18 0-1,18-18 1,0 18 0,0-105-1,0 52-15,-35 0 31,17-53-31</inkml:trace>
-  <inkml:trace contextRef="#ctx0" brushRef="#br0" timeOffset="144335.29">8855 7038 0,'-36'18'16,"-16"-1"-1,16-17-15,19 0 0,-36 0 16,-141 0 0,582-35-16,-847 70 15,424-52-15,-36-1 0,18-17 16,-35-36-1,53 36 1,35-18 0,0 18-1,0-1 1,18-34 0,-18 52-1</inkml:trace>
-  <inkml:trace contextRef="#ctx0" brushRef="#br0" timeOffset="145335.73">9331 5697 0,'18'-35'32,"-18"17"-32,0 36 46,0 0-30,0 35 0,0-36-16,0 54 15,0 17 1,0-35 0,0-18-1,0-17 1,-18-18 15,0-35-15,18-1-1,0-34 1,18-18 0,35 35-1,-35 35-15,70-53 31,-18 54-15,18 17 0,1 35-1,-19 36 1,-52 34 0,-18-16-1,-35-36 1,17-1-1,-35-34 1,35-18 15,36 0-15,17-18 0,1 18-1</inkml:trace>
-  <inkml:trace contextRef="#ctx0" brushRef="#br0" timeOffset="145986.65">10460 5803 0,'0'-17'0,"0"34"0,0-52 0,0 17 16,0-35-1,0 36-15,-18-19 16,-52 1 0,-1 35-1,18 0 1,-35 71 0,35-18-1,35-18 1,-17 71-1,35-18 1,0-35 0,18-18-1,-1-17-15,19-18 16,-19 0-16,54 0 16,-53 0-16,70-36 15,-18 1 1,1-53-1,-54 17 1,1-17 0,-18 18-1,0 87 32,0 1-47,0 0 0,0 52 31,0 18-15,0-35 0,18 0-1,-1-35 1,36-18 0,0 0-1,0-35 1,-35 35-16</inkml:trace>
-  <inkml:trace contextRef="#ctx0" brushRef="#br0" timeOffset="146845.14">10901 5697 0,'0'18'31,"0"0"-16,0-1-15,0 19 16,0-1 0,-35 35-1,17-17 1,18-35-16,0 0 16,0-1-16,0 1 15,-18-36 48,18 1-63,0-19 15,0 19-15,0-54 16,18 18 0,52-17-1,-17 34 16,53-17-15,-53 53 0,-18 0-16,36 0 15,-36 71 1,1 0 0,-36 17-1,0-35 1,0 17-1,0-52-15,-18-1 16,0 1 0,1-18-1,-1 0 1,18-35 0,0-36-1,0 1 16,53-18-15,17 17 0,36 0-1,18 54 1,-54 17 0,1 35-1,-54-17-15,1 52 16,-18 18-1,0-17 1,-35-18 0,0-18-1,35-17-15,-18-1 16,18-34 31</inkml:trace>
-  <inkml:trace contextRef="#ctx0" brushRef="#br0" timeOffset="147318.65">11959 5768 0,'18'0'16,"-1"0"-16,1 0 0,35 0 16,18-35-1,-1 17 1,-52 0 0,35-17-16,-36 0 15,-17 0 16,-35 35-15,-18 0 0,-35 52-1,17 37 1,36-1 0,35-71-16,-18 72 15,18-54 1,71 0-1,17-17 1,-35-18 0,35 0-1,-70-18-15,0-17 16,17 0 0</inkml:trace>
-  <inkml:trace contextRef="#ctx0" brushRef="#br0" timeOffset="147985.98">12947 4939 0,'0'0'15,"-18"-18"-15,54 1 32,-19 17-17,18 0-15,36-18 16,123 0-16,-70 1 31,-19 17-15,-87 0-1,-71 0 17,-53 0-17,71 0-15,-18 0 16,35 0-16</inkml:trace>
-  <inkml:trace contextRef="#ctx0" brushRef="#br0" timeOffset="148385.6">13035 4886 0,'-35'0'0,"17"18"16,-17-1 0,17-17-1,-17 53 16,17 0-15,1 53 0,17-18-1,-18 53 1,-17 0 0,17-17-1,18-71-15,0 88 16,0-18-1,18 1 1,52-18 0,-52-89-16,17 19 15,89-1 1,-1-35 0,-35 0-1,1-53 16,-19 0-15,-52 18-16</inkml:trace>
-  <inkml:trace contextRef="#ctx0" brushRef="#br0" timeOffset="148700.26">13688 5415 0,'-18'-18'0,"36"36"0,-36-53 16,0 35-1,1 0-15,-1 0 16,1 17 0,17 36-1,0-35 1,0 53-16,-18 34 31,18-34-15,0-18-1,0-18 1</inkml:trace>
-  <inkml:trace contextRef="#ctx0" brushRef="#br0" timeOffset="149102.25">13652 5539 0,'0'0'0,"0"-18"0,0 0 16,0-17-16,0-18 15,0 0 16,36 0-15,52 36 0,35-1-1,1 53 1,-36 18 0,-17 53-1,-71 0 1,0-88-16,0 34 15,-89 54 1,54-53 0,35-18-1,-17-17 1,-1-18 0,0-18-1,18 1 1</inkml:trace>
-  <inkml:trace contextRef="#ctx0" brushRef="#br0" timeOffset="149384.35">13705 5539 0,'-17'0'16,"34"0"-16,-52 0 15,53 0 1,17 0 0,-17 0-16,105 0 15,-17 0 1,35-18 0,-17 18-1,-72-18 16,-34 18-15,0 0-16</inkml:trace>
-  <inkml:trace contextRef="#ctx0" brushRef="#br0" timeOffset="149700.96">14676 5362 0,'-18'0'31,"18"18"-15,-35 70-1,35-70 1,0 17-16,-18 18 0,0 35 31,18 0-15,0-52-1,0-19 1</inkml:trace>
-  <inkml:trace contextRef="#ctx0" brushRef="#br0" timeOffset="150019.82">14640 5380 0,'0'-18'0,"0"36"16,0-53-16,18 35 15,17 0 1,-17 52 15,-1-34-31,19 35 16,17 18-1,-53-54-15,70 71 16,-35-17 0,-17-36-1,0-17 1,-18 0-1,17-18-15,1-36 32</inkml:trace>
-  <inkml:trace contextRef="#ctx0" brushRef="#br0" timeOffset="150340.7">15205 5292 0,'0'-18'0,"0"36"0,0-54 16,-18 36 15,0 36-15,18-19-16,-17 36 15,-18 88 1,-18-35-1,35-35 1,0 17 0,18-53-1,0-17 1,0-1-16,18-17 47</inkml:trace>
-  <inkml:trace contextRef="#ctx0" brushRef="#br0" timeOffset="150734.39">15663 5397 0,'18'0'31,"0"0"-16,-1 0-15,1 0 16,17 0 0,0 0-1,18 0 1,-17 0 0,-36-17-16,17 17 15</inkml:trace>
-  <inkml:trace contextRef="#ctx0" brushRef="#br0" timeOffset="151034.14">15681 5539 0,'0'17'16,"18"-17"-1,17 0 1,-17 0-16,17 0 16,35 0-1,-34 0 1,-1 0-1,-17 0 1</inkml:trace>
-  <inkml:trace contextRef="#ctx0" brushRef="#br0" timeOffset="151751.54">16792 5151 0,'-17'0'16,"-1"0"15,18 35-15,18-35 31,-1 0-32,1 0-15,-1 0 16,-17-35 0,18-1-1,-18 1 1,-35 35 15,-18 0-15,18 53-1,35-35-15,-36 70 16,1 18 0,35-36-1,35 18 1,18-88-1,-17 0-15</inkml:trace>
-  <inkml:trace contextRef="#ctx0" brushRef="#br0" timeOffset="152084.03">17321 5362 0,'0'-17'15,"-17"17"1,-19 0 0,1 35-1,35-18-15,-35 54 16,17 0-1,1-54-15,-1 54 16,-17 17 0,35-35-1,0-35 1,17-18 0,19 0-1</inkml:trace>
-  <inkml:trace contextRef="#ctx0" brushRef="#br0" timeOffset="152451.44">17216 5486 0,'0'-18'0,"0"36"0,0-54 0,0 19 16,0-1-16,0-17 15,35-18 1,35 18-1,36 17 1,0 18 0,-35 0-1,17 71 1,-88-36-16,0 35 16,0 19-1,-18 16 16,-17-52-15,0 0 0,17-35-1,0-18 32</inkml:trace>
-  <inkml:trace contextRef="#ctx0" brushRef="#br0" timeOffset="152735.14">17074 5556 0,'18'0'31,"0"0"-31,-1 0 0,1 0 0,0 0 16,52-17 0,54 17-1,-19 0 1,-52-18 0,-17 0-1,-19 18-15,1 0 16,17-17-16</inkml:trace>
-  <inkml:trace contextRef="#ctx0" brushRef="#br0" timeOffset="153085.06">17956 5309 0,'0'0'0,"18"-17"32,0 17-32,-18 17 15,17-17 1,-17 18-16,53 52 16,-18 19-1,1-19 1,-1 18-1,-35-17 1,18-18 0,-18-35-1,17-18 1,1-18 0,-18 0-1</inkml:trace>
-  <inkml:trace contextRef="#ctx0" brushRef="#br0" timeOffset="153400.79">18521 5292 0,'0'0'16,"0"-18"-16,0 0 15,0 36 16,-35 35-15,-1 17 0,-34 19-1,17-1 1,35-70-16,-35 52 16,36-17-1,17-35 1,0-1-1,17-17 17</inkml:trace>
-  <inkml:trace contextRef="#ctx0" brushRef="#br0" timeOffset="154034.18">18944 5203 0,'0'0'0,"0"-17"16,0-1 0,18 18 15,-1 0-15,1 0-1,-18 18 1,0-1-1,0 19 1,-18-1 0,1-17-1,-1-18-15,18 17 16,-17-17-16,-1 0 16,18-17 15,0-19 0,0 1-15,35 17-1,0 1 1,1 17 0,-19 53-1,-17 17 1,0-52-16,0 35 15,-70 35 1,-18-35 0,52-35-1</inkml:trace>
-  <inkml:trace contextRef="#ctx0" brushRef="#br0" timeOffset="154935.89">19209 4692 0,'0'0'15,"0"-18"-15,-18 18 16,18-17-1,18-1 1,-1 18 0,54 0-1,-53 0-15,87 0 16,-16 0 0,34 0-1,-52 0 1,-18 0-1,-36 35 1,-17 36 0,0-18-1,18 70 1,-1 1 0,1-18-1,-18 35 1,0-36 15,-18 19-15,1-36-1,-36 18 1,35 0 0,-17-53-1,0 35 1,-1-53-1,1 0 1,-53-17 0,35 0-1,-18-18 1,-52 0 0,52 0-1,19 0 1,16 0 15,1 0-15,17 0-1,1 0 1,-54-18 0</inkml:trace>
-  <inkml:trace contextRef="#ctx0" brushRef="#br1" timeOffset="192045.28">1499 7867 0,'0'-18'0,"0"1"0,18-19 32,-18 19-17,0-1-15,0 0 16,18 1-1,-18 34 32,0 1-31,-18 17-16,0-17 16,18 70-1,-17 36 1,-19 105-1,36-106 1,0-17 0,36-53-1,34-18 1,1-35 0,35-35-1,-18-53 1,-18-53-1,-34 17 1,-19-34 0,-17 69-1,18 72 1,-18-36 0,0 35-1,0 36 48,0 0-48,0-1-15</inkml:trace>
-  <inkml:trace contextRef="#ctx0" brushRef="#br1" timeOffset="192646.87">2452 8132 0,'0'-18'0,"35"18"0,-17-53 31,-18 35-15,-36 18 0,-52 18-1,0 17 1,35 18 0,35-35-16,-17 17 15,35 18 1,18-18-1,35-17 1,35 0 0,-35-1-1,17 18 17,-17 18-17,-53-17 1,-35-1-1,-71-17 1,0-1 0,36-17-1,52 0-15,-35 0 16,0-17 0,53-19-1,0 1 1,18 0-1,35 17 1,-35 0-16,34 1 16</inkml:trace>
-  <inkml:trace contextRef="#ctx0" brushRef="#br1" timeOffset="193078.96">2805 8308 0,'35'0'16,"-35"-18"0,17 1-16,1 17 0,0-36 15,17-34 1,-17 35-1,-36 35 17,-35 17-17,18 1 1,0 35-16,-18 35 31,17-18-15,36 1-1,0-36 1,0-17 0,53 0-1,35-18 1,-17 0 0,-18-36-1</inkml:trace>
-  <inkml:trace contextRef="#ctx0" brushRef="#br1" timeOffset="193564.8">3140 8255 0,'0'0'0,"-18"0"0,18-18 15,0 1 1,0-1-1,18 18-15,35-35 16,17 35 0,1 0-1,-18 35 1,-18 36 0,-35-18-1,0-36-15,0 54 16,-18-36-1,-35 0 1,36-35 0,-1 0-1,18-53 32,0 0-31,18 1-1,35-1 1,-18 35 0,-17-17-1,-1 35-15,1 0 16,-1-36 0</inkml:trace>
-  <inkml:trace contextRef="#ctx0" brushRef="#br1" timeOffset="194446.82">3881 8237 0,'17'-17'0,"-34"34"0,52-34 16,-18-19 0,1 36-1,-18-17 1,0 34-1,0 1 1,0 17 0,0-17-16,-18 35 15,18-35-15,-35 52 16,18-17 0,17-35-1,-18 17 1,0-35 15,18-18 0,0-17-31,0-18 16,0-17 15,88-1-15,-70 53-16,35-17 15,-18 35-15,71-18 16,-18 18 0,1 53-1,-54 18 1,-18-1 0,-17 1-1,-17-53-15,-18 17 16,-1 0-1,19-35 1,17-17 31,0-1-47,0 0 0</inkml:trace>
-  <inkml:trace contextRef="#ctx0" brushRef="#br1" timeOffset="195095.6">4851 8273 0,'17'0'0,"-34"0"0,34-18 0,-17 0 15,0 1-15,0-36 16,0 0-1,-70 18 1,52 17-16,-52 18 16,-36 35-1,35 18 17,-17 53-17,53-35 1,17 34-1,18-87-15,0 35 16,71-18 0,17-35-1,-18 0 1,36-17 0,-18-54-1,-17-17 1,-36-18-1,-35 35 1,0 19 0,0 69 15,0 1-15,0 17-1,0 0-15,-35 54 16,35-37-1,0 19 1,0-36 0,35-17-1,-17-18-15,52 0 16,-17 0 0,18-35-1,-18-18 1</inkml:trace>
-  <inkml:trace contextRef="#ctx0" brushRef="#br1" timeOffset="195928.68">5256 8184 0,'0'0'16,"0"18"0,0 0-1,0 17 1,0 18-1,0 0 1,-17-36-16,17 19 16,0-1-1,0 0 1,-18-35 15,18-17-15,0-19-1,0-34 1,35-1 0,1 1-1,-19 52 1,54-35-16,35 0 31,-18 53-15,-18 36-1,-52 34 1,-18 36 0,0-36-1,0-52-15,0 35 16,0-35-16,0 17 16,-18-17-1,-17-18 1,18 0-1,17-18 1,0 0-16,0-17 16,0-53-1,88 0 1,-18 35 15,71-18-15,-35 71-1,-88 0-15,70 0 16,-53 71 0,-17-1-1,-18 18 1,-18-52 0,-17 17-1,35-36 1,-18 1-1,18-36 32,0 1-47,0-1 0,0 0 0,18 1 16</inkml:trace>
-  <inkml:trace contextRef="#ctx0" brushRef="#br1" timeOffset="196445.81">6297 8290 0,'18'0'16,"-1"0"-16,-17 18 15,18-18-15,35 0 16,-35 0-16,34-18 15,-16 1 1,-19 17-16,36-36 16,-35 19-16,35-36 15,-36 0 1,-17 35 15,-17 18-15,-54 18-1,-35 52 1,54 19 0,34-36-1,0 35 1,18-35 0,36-36-1,-19 1-15,36-18 16,-35 0-16,70 0 15,-18 0 1,-17 0 0,-17-35-1,-19-1 1,-17 19 0</inkml:trace>
-  <inkml:trace contextRef="#ctx0" brushRef="#br1" timeOffset="197081.48">7320 8061 0,'18'0'31,"-18"18"-31,17-18 31,1 0-31,0 0 16,-1 0-1,-17-18 1,0 0 0,-17 1 15,-1-1-16,-17 18 1,35 18 0,0-1-1,0 1 1,0 0 0,0-1-1</inkml:trace>
-  <inkml:trace contextRef="#ctx0" brushRef="#br1" timeOffset="197454.48">7320 8396 0,'18'18'32,"-1"-18"-32,1 0 15,0 0 1,-18-18 0,0 0-1,0 1-15,-18 17 16,0 0-1,1 0 1,-1 0 0,18 17 15,18-34 0</inkml:trace>
-  <inkml:trace contextRef="#ctx0" brushRef="#br1" timeOffset="198099.97">8184 7885 0,'0'-18'0,"0"0"0,0 1 16,0-1-1,0 0 1,0 36 15,0 17-15,0 71-1,0 0 1,0-71 0,-35 71-16,35-71 15,0 71 1,-17-18-1,-1-17 1,18-53 0,0-1-1,0-34 17,0-36-17,0 0 1</inkml:trace>
-  <inkml:trace contextRef="#ctx0" brushRef="#br1" timeOffset="199174.04">8202 7761 0,'18'0'47,"-1"0"-31,1 0-16,35 0 15,35 0 1,-17 0 0,70 0-1,0 0 1,-88 0 0,106 0-16,70 0 31,-35 0-16,0 0 1,-35 0 0,70 0-1,-53 0 1,-123 0-16,159 0 16,0 0-1,-36 0 1,89 0-1,-71 0 1,-124 0-16,107 0 16,-125 0-16,125 0 15,-18 0 1,17 0 0,-53 0 15,-87 0-31,70 0 15,-1-18 1,-52 18 0,-35 0-1,-18 18 126,0 0-125,0 35-1,0-36-15,0 19 16,0 87-1,0-35 1,-18 18 0,-17-35-1,0-1 1,35-17 0,-18-18-1,18-17 1,-18-18 62,1 0-78</inkml:trace>
-  <inkml:trace contextRef="#ctx0" brushRef="#br1" timeOffset="201128.82">8414 8555 0,'-18'0'0,"0"17"15,1-17 1,-1 0 0,1 0-1,-1 0 1,0 18 0,1-18 15,34 0 47,1 0-62,0 0-16,-1 0 15,18 0 1,-17 0-16,35 0 15,53 0 1,35 0 0,0 0-1,124 0 1,-124 0 0,35 0-1,1 0 1,-36 0-1,35 0 1,-35 0 0,88 0-1,-87 0 1,-54 0 15,35 0-15,-17 0-1,18 0 1,-107 0-16,124 0 16,-53 0-1,18 0 1,18-18 0,-54 18-1,19 0 1,-72 0-16,36 0 15,0 0 1,0 0 0,-18-17-1,18 17 1,-35 0 0,-1 0 15,1 0-31,0 0 15,-1 0 1,1-18 0,0 18-1,-1 0 1,19 0 0,-19 0-1,1 0 1,-1 0 15,1 0 0,0 0 47,-1 0-31,1 0-47,0 0 16,-1 0-16,1 0 16,17 0-1,-17 0 1,-18-17-1,17 17-15,1 0 16,-18-18 31,18 18-31,-1 0 15,1 0-16,0 0 1,-1 0 0,1 0-1,-18-18 63,-88-17-62</inkml:trace>
-  <inkml:trace contextRef="#ctx0" brushRef="#br1" timeOffset="202228.8">8167 8555 0,'-18'0'32,"18"17"-1,-17-17-31,-1 0 125</inkml:trace>
-  <inkml:trace contextRef="#ctx0" brushRef="#br1" timeOffset="208765.17">1570 9807 0,'17'0'0,"19"-17"16,-19 17-16,54-53 15,-53 35 1,-18 0-1,17 18 1,-17-17-16,18-1 16,-18-17-1,18 35 1,-18-18 0,0 36 15,-36 17-16,19-17-15,-54 52 16,-17 1 0,-71 52-1,36-34 1,-18-19 0,88-35-1,17-17 16,36 0-15,0-54 15,53 1-15,-35 35-16,35-35 16,17 35-1,-34 0-15,52 0 16,53 17-1,-53 19 1,18 34 0,-53-17-1,17-18 1,-52-17 0,0-18 30,-1 0-30,1-18 0,-18 1-16</inkml:trace>
-  <inkml:trace contextRef="#ctx0" brushRef="#br1" timeOffset="209077.2">2258 9948 0,'-18'0'31,"18"18"-15,0 0-16,0 35 15,0-36 1,0 18-1,-18 18 1,1-35 0,17 17-1,-18-35 17,18-17-32</inkml:trace>
-  <inkml:trace contextRef="#ctx0" brushRef="#br1" timeOffset="209293.71">2205 9807 0,'0'0'16,"-18"-17"-16,1 17 31,17 17 16,0 1-31,17-18-16,1 0 15</inkml:trace>
-  <inkml:trace contextRef="#ctx0" brushRef="#br1" timeOffset="209847.05">2593 9966 0,'0'0'0,"0"18"0,-18-1 16,18 19-16,0-19 15,0 18-15,0 1 31,0-19-31,0 36 16,0-17 0,0-19-1,-17-17 17,17-17-1,0-1-31,0-35 15,0 0 1,53-17 0,-36 52-16,54-35 15,52 18 1,-17 17 0,-35 53 15,-36 1-16,-35 34 1,0-35 0,-18 18-1,18-35-15,-17 0 16</inkml:trace>
-  <inkml:trace contextRef="#ctx0" brushRef="#br1" timeOffset="210310.97">3263 9966 0,'-17'0'32,"-1"18"-1,18-1-31,0 1 16,0 0-16,0-1 0,0 1 0,0-1 15,0 1-15,-18 106 16,1 17-1,-19 88 1,1-53 0,0 71-1,17 18 1,18-212-16,-17 88 16,17-35 15,0-53-16,0-89 17,17-52-17,-17 18-15,35-89 16,1 35-16</inkml:trace>
-  <inkml:trace contextRef="#ctx0" brushRef="#br1" timeOffset="210726.74">3228 10072 0,'0'0'0,"-18"-18"0,18 1 0,-17-1 0,17 0 16,0-17-16,0-36 15,35 18 16,71 1-15,-71 34-16,53 0 16,18 18-1,-53 71 1,-35-18 0,-54 35-1,19-70-15,-54 35 16,-52-1-1,52-34 1,18 0 0,36-18-1,34 0 32,1 0-47,-1-18 0,19 18 16</inkml:trace>
-  <inkml:trace contextRef="#ctx0" brushRef="#br1" timeOffset="211609.94">3898 9842 0,'18'0'0,"-36"0"0,36-17 0,-18-1 16,-18 18 15,1 18-31,-1 17 16,18-17-16,-35 52 15,35 1 1,0-1 0,0-34-1,17-19 16,1 1-31,52-18 16,-34 0 0,34-35-1,-17-1 1,-18-34 0,18-36-1,-35 53 1,-18 35-16,0 1 15,0 52 17,0-17-32,-18 17 15,18 53 1,0-70 0,0 35-16,0 0 15,53-36 16,0 1-15,35-18 0,1-18-1,-72 1-15,71-36 16,-17 0 0,-18-71-1,0-17 1,-36 53-1,-17 18 1,0 52 0,-17 53-1,-18 18 1,-18 71 0,35-36-1,0 18 16,18-1-15,36-69 0,17-1-1,-1-35 1,37 0 0,-19-35-1,-52 17-15,0-17 16,-18 17-16</inkml:trace>
-  <inkml:trace contextRef="#ctx0" brushRef="#br1" timeOffset="211860.23">4586 9842 0,'0'0'0,"-18"0"15,36 0 1,35 0 0,-35 0-16,52 0 15,-35-17-15,54-1 16,-1 1 0,-53 17-1,-17-18 1,-18 0-1</inkml:trace>
-  <inkml:trace contextRef="#ctx0" brushRef="#br1" timeOffset="212493.75">6509 9507 0,'17'0'0,"-34"0"0,34-17 16,-17-1-16,0 0 31,0 36-15,-17 0-1,-19 88 1,1 17-1,18-88-15,17 36 16,0-36-16,0 71 16,0-53-1,35-18 1,18-35 0,0 0-1,17-53 16,-52 53-31,-1-53 0</inkml:trace>
-  <inkml:trace contextRef="#ctx0" brushRef="#br1" timeOffset="213327.48">6350 9737 0,'0'0'0,"-18"0"15,18 17-15,-17 1 16,34-18 0,36 0-1,-17 0-15,69-18 16,-69 18 0,105-53-16,-35 36 15,-53-1 16,-36 18-15,-17 18 0,0 17-1,0-17-15,0 52 16,0-17 0,0 0-1,18-18 1,17-35-1,36 0 1,-54 0-16,36-17 16,35-36-1,-52-18 1,-1 18 0,-17-17-1,-18 34 16,0 19-15,0 34 15,0 1-31,-18 17 16,18 36 0,0 35-1,0 0 1,0-71-16,0 53 15,0 53 1,0-53 0,0 18-1,-53-18 1,35-88-16,-70 36 16,-88-19-1,-1-17 1,89-35 15,18-18-15,70 18-1,0 17-15,35-17 16,0 17-16,89-52 16,-89 52-16</inkml:trace>
-  <inkml:trace contextRef="#ctx0" brushRef="#br1" timeOffset="213659.5">7585 9613 0,'0'0'0,"0"18"15,0-1 1,0 1-16,0 70 16,0 36-1,-18-1 1,18 1 0,-35-1-1,17-52 1,18-54-16,0 1 15,0-36 17,0 1-32,18-1 15</inkml:trace>
-  <inkml:trace contextRef="#ctx0" brushRef="#br1" timeOffset="214043.82">7514 9790 0,'0'-18'0,"0"36"0,0-54 0,0 19 15,18-36 1,17 35-16,0 0 16,71-17-1,18 35 1,-54 18-1,-35 52 1,-35 1 0,0-53-16,-88 70 15,-18-35 1,36-36 0,35 19-1,17-36 16,53 0 1,-35-18-32,18 18 0,17-18 15,-17 1-15</inkml:trace>
-  <inkml:trace contextRef="#ctx0" brushRef="#br1" timeOffset="214476.43">8043 9842 0,'0'0'0,"18"0"16,0 0-1,35-17 1,-36-1-16,36-17 16,-18 0-1,-17-36 16,-18 36-15,-35 17 0,-36 18-1,18 18 1,0 70 0,36-17-1,17 17 1,35-35-1,18-18 1,-35-35-16,34 0 16,1 0-1,18 0 1,17-35 0,-35-18-1,-18 35 1</inkml:trace>
-  <inkml:trace contextRef="#ctx0" brushRef="#br1" timeOffset="214734.73">8837 9684 0,'18'0'47,"-1"0"-47,19 0 15,34 0 1,-17 0 0,-18 0-1</inkml:trace>
-  <inkml:trace contextRef="#ctx0" brushRef="#br1" timeOffset="-214553.86">8802 9807 0,'0'0'0,"0"35"31,17-35-15,1 0-16,35 0 16,-18 0-16,18 0 15,-18-17 1,-17 17 0</inkml:trace>
-  <inkml:trace contextRef="#ctx0" brushRef="#br1" timeOffset="-213853.36">9596 9384 0,'-18'0'0,"0"0"31,18 18-15,0-1 15,18-17 16,-18-17-31,0-1-1,0 0-15,-18 18 47,1 0-31,17 18-16,-18 0 16,18 34-1,0-34 1,0 0-16,0-1 15,53-17 1,-18 0 0</inkml:trace>
-  <inkml:trace contextRef="#ctx0" brushRef="#br1" timeOffset="-213468.36">9807 9384 0,'0'0'0,"0"-18"0,0 36 62,-17-18-62,17 18 16,0-1 0,17-17 15,1 0-16,-1-17 1,-17-1-16,18 18 16,-18-35-1,-18 35 17,1 35-17,17-17 1,-18 17-1,18-18-15,0 36 16,0 0 0,0-35-1</inkml:trace>
-  <inkml:trace contextRef="#ctx0" brushRef="#br1" timeOffset="-213103.39">10266 9402 0,'0'0'0,"0"17"47,-18 1-31,1 17-16,-19 53 31,36-52-31,-17 16 16,-19 72-1,19-18 1,17-53 0,35-18-1,18-35 1,0 0-1,-18-53 1,-17 53-16,-1-18 16</inkml:trace>
-  <inkml:trace contextRef="#ctx0" brushRef="#br1" timeOffset="-212869.69">10054 9684 0,'-17'0'0,"34"0"16,-52 0-16,17 0 16,18 17-1,18-17 1,70 0 0,-70 0-16,35 0 15,35-35 1,-18 0-1,1 17 1</inkml:trace>
-  <inkml:trace contextRef="#ctx0" brushRef="#br1" timeOffset="-212421.03">10477 9684 0,'0'0'16,"18"0"0,0 0-1,-1 0-15,19 0 16,17-18 0,-36 0-16,19 1 15,-1-36 1,-35 18-1,-18 17 1,-52 18 0,52 0-16,-17 18 15,-36 52 1,36 1 0,17 35-1,18-36 16,18-17-15,-1-53-16,72 35 16,-19-17-1,54-18 1,-1-18 0,-88 1-16</inkml:trace>
-  <inkml:trace contextRef="#ctx0" brushRef="#br1" timeOffset="-212161.39">11077 9560 0,'18'18'16,"-18"0"-1,0-1-15,17 1 0,36 52 16,0-17-1,18 35 17,-18-35-17,-53-35 1</inkml:trace>
-  <inkml:trace contextRef="#ctx0" brushRef="#br1" timeOffset="-211869.2">11448 9490 0,'0'0'0,"-18"0"31,-17 0-31,-18 70 31,35-52-31,-70 105 16,17 1-1,18-54 1,18 1 0,18-53-1,17-1 1,52-17-1,19-53 1</inkml:trace>
-  <inkml:trace contextRef="#ctx0" brushRef="#br1" timeOffset="-211469.76">11747 9366 0,'0'0'0,"0"18"47,0 0-47,0 52 15,-17 1 1,-18 52-1,17-17 1,0-36 0,18 19-1,36-72 1,16 1 0,19-18-1,-18 0 1,-35 0-1,17-53 1,0 0 0,-35 35-16</inkml:trace>
-  <inkml:trace contextRef="#ctx0" brushRef="#br1" timeOffset="-211253.73">11677 9631 0,'-18'0'0,"36"0"0,-53 0 16,52 0 31,1 0-47,35-18 16,0 1-1,-36 17-15,54-53 31,-53 53-31</inkml:trace>
-  <inkml:trace contextRef="#ctx0" brushRef="#br1" timeOffset="-210970.98">12347 9278 0,'0'18'47,"0"-1"-32,0 1 1,0 0-16,-17-18 15,17 17 1,-18-17 0</inkml:trace>
-  <inkml:trace contextRef="#ctx0" brushRef="#br1" timeOffset="-210720.42">12453 9260 0,'0'0'0,"0"18"31,0 0-15,0-1-1,0 1-15,0 0 16,0-1-1,-18-17 1,1 18 0</inkml:trace>
-  <inkml:trace contextRef="#ctx0" brushRef="#br1" timeOffset="-210036.97">13458 9507 0,'18'0'0,"-36"0"15,36-17-15,0 17 0,17-36 32,-35 19-17,18 17 1,-18 17 0,0 1-16,-18 53 15,0-18 1,1 52-1,17-34 1,0-36 0,53-35 15,-18-17-15,-17-1-1</inkml:trace>
-  <inkml:trace contextRef="#ctx0" brushRef="#br1" timeOffset="-209845.49">13617 9349 0,'-17'-18'16,"34"36"-16,-52-36 0,35 0 0,-18 18 15,1 0 1,-1 0-1,89 18 17,-54-18-32</inkml:trace>
-  <inkml:trace contextRef="#ctx0" brushRef="#br1" timeOffset="-209104.63">14287 9543 0,'0'-18'0,"18"18"0,-18-18 15,0-35 1,-35 36-1,-36-18 1,-35 35 0,18 0-1,71 0-15,-54 52 16,18 19 0,18 35-1,35-36 1,18 19 15,52-54-15,1-35-1,17 0 1,0-53 0,-17-18-1,-1-34 1,-17 16-1,-53 72-15,18-107 16,-18 18 0,0 53-1,0 36 1,-18 17 0,-17 35-1,35-17 1,-18 70-1,18 18 1,-18 17 0,36 1-1,17-54 1,18-34 0,-17-19-1,17 1 1,17-36-1,1-35 1,-18-17 0</inkml:trace>
-  <inkml:trace contextRef="#ctx0" brushRef="#br1" timeOffset="-208853.71">14922 9384 0,'0'0'0,"18"0"47,0 0-47,17 0 15,-17 0 1,-1 0-16,19 0 15,-1-18 1</inkml:trace>
-  <inkml:trace contextRef="#ctx0" brushRef="#br1" timeOffset="-208670.72">14887 9507 0,'-35'0'0,"70"0"0,-88 0 0,53 18 15,36-18 1,-36 18 0,52-18-1,-16 0 1,34-36 0,-70 1-16</inkml:trace>
-  <inkml:trace contextRef="#ctx0" brushRef="#br1" timeOffset="-208154.19">15646 9119 0,'0'-17'16,"0"-19"-1,-18 36 16,0 36-15,18-1 0,0 18-1,-17-53-15,17 17 16,0 1 0</inkml:trace>
-  <inkml:trace contextRef="#ctx0" brushRef="#br1" timeOffset="-207954.13">15769 9119 0,'0'0'32,"18"-35"-32,-36 35 15,1 0 1,17 18-16,0-1 15,0 19 1,0-19-16,0 18 16,0-17-1,0 0-15</inkml:trace>
-  <inkml:trace contextRef="#ctx0" brushRef="#br1" timeOffset="-207254.23">16104 9525 0,'0'0'0,"18"0"0,0 0 0,-1-18 15,1 1 1,-18-1-1,17-17 1,-17-18 0,-70 0-1,-1 35 1,18 1 0,-88 34-1,71 36 1,17 35-1,18 36 1,70-36 0,-35-17-1,0-54-15,70 1 16,-17 0 0,18-36-1,-18-17 1,17-36-1,-17-17 17,18-18-17,-71 0 1,0 71 0,-18 53 15,-17 35-16,17-1 1,18-16-16,0 52 16,0-35-1,53 17 1,35-34 0,-35-36-1,-17 0 1,34-36-16,-17 19 15</inkml:trace>
-  <inkml:trace contextRef="#ctx0" brushRef="#br1" timeOffset="-206636.88">16704 9172 0,'0'-17'0,"0"34"0,0-52 16,-35 35-1,17 35 1,0 0 0,1 1-16,-18 52 15,35 18 1,-18 0 0,18-18-1,0-35 1,0-36 15,-18 1-15,18-71 15,0-17-15,0 52-16,0-17 15,53-36 1,18 18-1,70 18 1,-53 17 0,-17 36-1,-54 52 1,-17-17 0,-17 18-1,-89 17 1,18-53 15,-18-17-15,35 0-1,54-1 1,-19-17 0,36-17 15,18-1-31,35 0 15</inkml:trace>
-  <inkml:trace contextRef="#ctx0" brushRef="#br1" timeOffset="-206254.23">17498 9384 0,'0'-18'0,"0"36"0,0-53 16,-18 17-16,-35 18 31,36 0-31,-54 0 16,18 18 0,-35 52-1,53 1 1,-1-1-1,36-34-15,0 16 16,0 19 0,71-53-1,-1-18 1,19 0 0,16-18-1,-16-35 1,-72 35-1</inkml:trace>
-  <inkml:trace contextRef="#ctx0" brushRef="#br1" timeOffset="-205820.68">17921 8943 0,'0'0'0,"0"18"47,0-1-32,0 1 1,-18-1-16,18 1 15,0 0 1</inkml:trace>
-  <inkml:trace contextRef="#ctx0" brushRef="#br1" timeOffset="-205555.62">18097 8961 0,'0'17'47,"-17"36"-32,17-35-15,-18-18 16,1 35 0,17-17-16,-18-1 15</inkml:trace>
-  <inkml:trace contextRef="#ctx0" brushRef="#br1" timeOffset="-203339.02">10830 10813 0,'0'-18'16,"0"0"-16,0 1 31,0 34 0,-17-17-31,17 18 16,-18 35 0,0 0-1,18 0 1,0 0 0,-17-18-1,-19-17 1,19-18 15,17-18-15,0-35-1,17 0 1,1 35-16,35-34 16,53-19-1,53 18 1,-36 35-1,18 36 17,-88 53-17,-35-54-15,-18 54 16,-18-18 0,-35 0-1,0-18 1,53-17-1,18-36 32</inkml:trace>
-  <inkml:trace contextRef="#ctx0" brushRef="#br1" timeOffset="-202772.23">11871 10848 0,'0'-18'16,"35"1"-16,-35-1 15,-35-17 1,0-1 0,-71 36-1,18 18 1,70-18-16,-70 71 15,35 17 1,35-18 0,18 19-1,0-54 1,71-35 0,-54 0-16,54 0 15,0-35 1,17-18 15,-18-18-15,19-35-1,-107 36 1,18 87 31,0 1-47,-53 35 15,53 70 1,0-87 0,18-19-16,35 1 15,35-18 1,18 0 0,-36 0-1,1-35 1</inkml:trace>
-  <inkml:trace contextRef="#ctx0" brushRef="#br1" timeOffset="-202047.25">12453 10760 0,'0'0'0,"0"17"31,0 1-31,-35 17 16,35-17-16,-36 52 15,19-17 1,17 0 0,-18-17-1,1-36 1,17-18 31,0 0-47,0-35 15,17 36 1,18-36 0,36-35-1,-36 70-15,54-53 16,-1 71 0,-18 18-1,1 35 1,-54 18-1,-17-1 1,-17-17 0,-36-18-1,35-35 1,1 0 0,17-53 15,0 36-16,35-36-15,-17 18 16,70-18 0,53-18-1,-18 71 1,-17 18 0,18 35-1,-124 0 1,-18-36-16,-35 54 15,0-18 1,36-53 0,-1 17-1,36-17 17,-1-17-32</inkml:trace>
-  <inkml:trace contextRef="#ctx0" brushRef="#br1" timeOffset="-201622.12">13652 10901 0,'18'0'31,"-18"-18"-31,18 18 0,-18-17 16,17 17-16,19-18 15,-1-35 1,-17 53-16,-1-71 16,-17 36-1,-17 35 1,-72 0 0,19 53-1,-1 18 1,71-54-16,0 71 15,0-35 17,36-17-17,16-1 1,-16-35 0,34 0-1,19-18 1,-54-17-1,0 17-15</inkml:trace>
-  <inkml:trace contextRef="#ctx0" brushRef="#br1" timeOffset="-201372.49">14446 10707 0,'36'0'31,"-19"0"-15,1 0-16,35 0 15,-36 0 1,1 0-16,17 0 15</inkml:trace>
-  <inkml:trace contextRef="#ctx0" brushRef="#br1" timeOffset="-201289.25">14446 10813 0,'-17'0'0</inkml:trace>
-  <inkml:trace contextRef="#ctx0" brushRef="#br1" timeOffset="-201200.74">14429 10883 0,'0'0'0,"53"0"15,-1 0 17,-34 0-32,0-17 15,35-1 1</inkml:trace>
-  <inkml:trace contextRef="#ctx0" brushRef="#br1" timeOffset="-200739.33">15434 10319 0,'18'0'16,"-36"0"-16,36-18 16,-18 36 15,0-1-15,0 1-16,0 0 0,-18 35 15,18-18 1,0-18-1,18-17 1</inkml:trace>
-  <inkml:trace contextRef="#ctx0" brushRef="#br1" timeOffset="-200538.01">15681 10336 0,'0'-17'0,"0"34"16,0-17-16,0-17 15,0-1 1,0 36 0,-18 35-1,18-36-15,0 1 16,0 70 0,0-70-1</inkml:trace>
-  <inkml:trace contextRef="#ctx0" brushRef="#br1" timeOffset="-200221.54">16122 10513 0,'0'-18'0,"-18"18"0,18 18 16,0-1-16,53 19 16,-53-19-16,0 19 15,35 34 1,1 1 0,-1-36-1,-17 0 1,-18-17-1,17-36 17</inkml:trace>
-  <inkml:trace contextRef="#ctx0" brushRef="#br1" timeOffset="-199951.62">16510 10495 0,'0'0'15,"-18"0"17,1 0-32,-54 35 15,1 18 1,34-17-16,-70 52 16,-17 0-1,70-35 1,0-18-1,36-17 17,34-18-1,1 0-31</inkml:trace>
-  <inkml:trace contextRef="#ctx0" brushRef="#br1" timeOffset="-199368.59">16757 10495 0,'0'0'16,"0"18"15,0-1-16,0 1-15,0 0 16,-18 17 0,18 36-1,0-54 1,36 1 0,16-18-1,37 0 1,17-53-1,-36 0 1,-52 0 0,-18 18-1,0 17 1,0 36 0,-18-1-16,-35 36 15,36 36 1,-36-37-1,17 37 1,19-36 15,-1-18-15,0-18-16,1 1 16,17 0-1,17-18 16,1-18-31,17 0 16</inkml:trace>
-  <inkml:trace contextRef="#ctx0" brushRef="#br1" timeOffset="-199103.96">17410 10513 0,'17'0'32,"1"0"-17,-1 0-15,1 0 0,0 0 16,70 0 0,18-18-1,-53 0 1,-36 1-16,19-1 15,-19 18 1,-52-17 0</inkml:trace>
-  <inkml:trace contextRef="#ctx0" brushRef="#br1" timeOffset="-198721.86">17674 10513 0,'-35'35'16,"17"-17"-16,71-71 16,-176 194-16,87-123 0,19-1 15,-71 54-15,17-18 16,18-18-1,53-17 17,18-36-1,17-17-31,18 17 16,17-35-1,1 53 1,-36 0-1,1 0 1,-1 35 0,18 1-1,0-19 1,-36-17 0,36 18-1,0-18 1,-35-35-1,-1-1 17,19 1-32</inkml:trace>
-  <inkml:trace contextRef="#ctx0" brushRef="#br1" timeOffset="-198201.15">18433 10477 0,'0'18'31</inkml:trace>
-  <inkml:trace contextRef="#ctx0" brushRef="#br1" timeOffset="-197652.43">19173 10213 0,'0'-35'16,"-17"35"140,-1 17-140</inkml:trace>
-  <inkml:trace contextRef="#ctx0" brushRef="#br1" timeOffset="-196770.44">18362 10301 0,'0'-18'32,"-18"36"-1,18-36 94,18 18-125,-18 18 47,0 0-32,0-1-15,0 19 16,-18 17 0,18-36-1,0 1 1</inkml:trace>
-  <inkml:trace contextRef="#ctx0" brushRef="#br1" timeOffset="-196488.41">18732 10319 0,'0'17'31,"0"1"-31,-17 0 16,-1 17-16,-17 18 15,17-36-15,-17 19 16,0-19-1</inkml:trace>
-  <inkml:trace contextRef="#ctx0" brushRef="#br1" timeOffset="-195535.6">19244 10248 0,'0'0'16,"18"-17"0,-18-1-1,17 18 79,1 0-94,-18 18 16,0-1-16,18-17 15,-1 18 1,54 35 0,35 35-1,-18-35 1,53 0-1,-18-18 1,-70-35 0,0 18-1,-35-18 1,-36 0 15,-17 0-15,17 0-1,-52 0-15,-36 53 32,71-36-32,-89 36 15,-17 0 1,18 18 0,52-36-1,0 0 1,36 0-1,18-35-15,-1 18 16,18-36 47,0 1-48,-18 17-15</inkml:trace>
-  <inkml:trace contextRef="#ctx0" brushRef="#br2" timeOffset="-174123.61">1305 13088 0,'0'18'62,"0"-1"-46,0 1-16,18-18 16,0 0-1,34 0-15,1 0 16,-35 0 0,53-18-1,-1 1 1,-52-19-1,17 1 1,-35 0 0,-18 17-1,-52 1 1,-36 52 0,18 0-1,-18 36 1,71-1-1,35-17 1,0 18 0,53-36-1,0-17 1,35-18 15,-18 0-15,-17 0-1,-18-18 1,-35 0 0,-35 18-1,-35 0 1,-36 0 0,-18 53-1,36 0 1,53-35-16,-36 52 15,36 19 1,35-37 0,18-16-1,35-19 17,35-17-17,71 0 1,-36-17-1,53-36 1</inkml:trace>
-  <inkml:trace contextRef="#ctx0" brushRef="#br2" timeOffset="-173140.45">2381 13282 0,'0'0'0,"0"-18"0,0 1 16,-17 17-1,-1 0-15,-35 0 16,-35 0 15,17 35-15,18 18-1,36-35-15,-1 35 16,0-18 0,18-18-1,53-17 1,18 0 0,-1-35-1,-52 35-15,53-35 16,-36-18-1,0 35 1,-17-17 0,-18 17-1,0 36 32,0 0-31,0-1-1,0 36 1,0-17 0,0 34-1,0-52-15,0 88 16,0-71-16,0 88 16,0 36-1,-18-35 1,18 34-1,0-17 1,0 36 0,-17-124-1,-1 53-15,-17-1 32,-1-34-17,1-36 1,0-35-1,-18 0 1,-18-17 0,1-54-1,17-17 1,0-71 0,53 18-1,0 88-15,0-88 16,35-35-1,18 52 1,0-17 0,71 70-1,-89 1 1,-18 17 15,54 18-15,-18-1-1</inkml:trace>
-  <inkml:trace contextRef="#ctx0" brushRef="#br2" timeOffset="-172893.11">2910 13300 0,'0'-18'32,"-17"0"-1</inkml:trace>
-  <inkml:trace contextRef="#ctx0" brushRef="#br2" timeOffset="-172789.13">2893 13282 0,'0'18'47,"0"-1"-31,0 1-1</inkml:trace>
-  <inkml:trace contextRef="#ctx0" brushRef="#br2" timeOffset="-172565.7">2857 13547 0,'0'17'31,"0"1"-31</inkml:trace>
-  <inkml:trace contextRef="#ctx0" brushRef="#br2" timeOffset="-169826.14">5098 12912 0,'0'-18'16,"-18"18"62,0 0-62,18 18-16,-17-18 15,17 17-15,-36 19 16,36 16 0,0-34-1,-17 35-15,-1 35 16,18-52 15,0 16-15,0-16-1,53-36 1,0 0 0,-18 0-1,-17-18 1</inkml:trace>
-  <inkml:trace contextRef="#ctx0" brushRef="#br2" timeOffset="-169759.06">5274 13106 0,'0'-18'0,"0"0"15</inkml:trace>
-  <inkml:trace contextRef="#ctx0" brushRef="#br2" timeOffset="-168993.66">5203 12559 0,'-17'0'15,"-1"18"17,18-1-32,0 1 15,0-1 1,-17-17-16,17 18 15,35 0 1,-18-18 0,19 0-1,-1-18 17,0-17-17,-35 0 1,0 17-1,0-17 1,-35 35 0,0 0-1,-1 0 1,36 17-16,-17 19 16,17 16-1,0-16 1,17 17-1,-17-36-15</inkml:trace>
-  <inkml:trace contextRef="#ctx0" brushRef="#br2" timeOffset="-168242.67">5539 12894 0,'0'0'0,"0"18"16,-18 17 0,18-17-1,18 17-15,-18 18 16,-18 17 15,18-52-31,-18 0 16,18-1-16,-17 19 15,-1-1 1,0-35 15,18-18-15,0 1 0,0-19-1,0 19-15,0-54 16,0 0-1,71-17 1,35 18 0,-18 52-1,-53 0-15,71 18 16,-35 18 15,-18 53-15,-36-1-1,-17 1 1,-17-1 0,-1-52-16,-17 17 15,-1-17 1,19 0 0,17-1-1,0-34 16,0-1-15</inkml:trace>
-  <inkml:trace contextRef="#ctx0" brushRef="#br2" timeOffset="-167909.09">6315 12859 0,'0'-18'16,"0"36"31,0-1-47,-18 1 15,18 0-15,0 35 16,-18 35 0,18 18-1,0-89-15,-17 71 16,17-52-16,-18 87 31,1-35-31</inkml:trace>
-  <inkml:trace contextRef="#ctx0" brushRef="#br2" timeOffset="-167724.97">6138 13864 0,'0'18'15,"-17"88"1,17-71-16,17-194 0,-87 424 16,70-230-16,-53 88 15,53-87-15,-53 52 16,53-35 0,0-18-1,0-70 16,0 17-31,53-88 16,-18 1 0</inkml:trace>
-  <inkml:trace contextRef="#ctx0" brushRef="#br2" timeOffset="-167232.22">6209 13194 0,'-18'-18'15,"36"36"-15,-36-53 0,1-1 16,17 19-16,0-19 16,0 19-16,0-19 15,17-34 1,54-1-1,-1 36 1,19 0 0,-19 35-1,-52 0-15,52 53 16,-52 35 15,-18-35-15,-53 35-1,-18-35 1,19-18 0,34-35-16,-35 18 15,35 0 1,18-36 62,18 18-78,0-18 16</inkml:trace>
-  <inkml:trace contextRef="#ctx0" brushRef="#br2" timeOffset="-166741.79">6879 12912 0,'0'-18'32,"0"0"-32,-17 18 46,17 18-46,-18 17 16,-17 36 0,17 17-1,18-53-15,-18 1 16,36 34 15,35-52-15,-18-1-1,36-17 1,17-35 0,-18 0-1,-34-36 1,17-17 0,-18 0-1,0 17 1,-35 54-1,0-1 1</inkml:trace>
-  <inkml:trace contextRef="#ctx0" brushRef="#br2" timeOffset="-166141.27">7214 12894 0,'0'18'0,"0"52"32,0-17-32,0-194 15,0 353 1,0-195-16,18 36 15,17-53 1,18 18 0,-18-18-1,36-18 1,-18-17 0,-35 17-16,17-70 15,0-53 1,-17 35-1,-1-17 1,-17 70 0,0 18-1,0-1 1,-35 72 31,17 16-32,1 72 1,17-106-16,-18 52 16,18-35-16,0 71 15,0-18 1,0-17 0,18-18-1,17-35 1,0-18-1,-17 0-15,17 0 16,36 0 0,-18-18-1,-36-17 1,19-18 0,-1 0 15,-35 17-31,18 19 0</inkml:trace>
-  <inkml:trace contextRef="#ctx0" brushRef="#br2" timeOffset="-165797.65">7567 12665 0,'0'0'16,"18"0"15,-1 0-31,54 0 16,-36 0 0,71-18-1,35 0 1,0 1-1,-70 17 1,-18 0 0,-53-18-16,17 18 31</inkml:trace>
-  <inkml:trace contextRef="#ctx0" brushRef="#br2" timeOffset="-164576.59">6244 13511 0,'-17'0'63,"17"18"-48,0 0 1,-18-1 0,18 19-16,-18 34 15,1 1 1,17 17 0,-18-53-1,0 0 1,18-17-16,-53 70 15,18-17 1,0-54 0,17 1-1,1-18-15</inkml:trace>
-  <inkml:trace contextRef="#ctx0" brushRef="#br2" timeOffset="-163492.08">9119 12012 0,'-17'0'16,"-1"0"-1,0 0-15,1 0 32,34 0 15,19 0-47,-19 0 0,54 0 31,35 0-16,-71 0-15,36 0 16,17 0 0,-106 0 31,0 0-32,1 0-15,-71 0 16,35 0-1,-36 0 1</inkml:trace>
-  <inkml:trace contextRef="#ctx0" brushRef="#br2" timeOffset="-162976.33">9119 12030 0,'-17'0'0,"34"0"0,-70 0 16,36 0 0,-19 17-16,19-17 15,-18 0 1,-1 18-1,-17 0 1,18 35 0,17-18-1,1 35 1,-1 1 0,1 17-1,-1 0 1,0 1-1,1-19 1,-1-35-16,-17 89 16,-1 17-1,19-18 1,17-17 0,0 18 15,35-54-16,18-17 1,18-18 0,34-17-1,1-18 1,-18 0 0,18-18-1,-88 18-15,70-35 16,-35 18-1,-53-19 1,18 1 0</inkml:trace>
-  <inkml:trace contextRef="#ctx0" brushRef="#br2" timeOffset="-157811.36">9560 12435 0,'0'0'0,"18"-17"0,0 17 16,-18-18 0,0 0-16,17 18 15,-17-17 1,-17 17 0,-1 0-1,-17 35 1,35-17-16,-36 35 15,-17 35 1,18-18 0,18 36-1,17 0 1,0-53 0,17-18-1,36-17 16,18-18-15,-18-18 0,17-17-1,-35-36 1</inkml:trace>
-  <inkml:trace contextRef="#ctx0" brushRef="#br2" timeOffset="-157561.65">9419 12665 0,'18'0'31,"-1"0"-31,1 0 15,70-18 1,-52 0-16,52 18 16,18-35-1,-18 35 1,-71 0-16</inkml:trace>
-  <inkml:trace contextRef="#ctx0" brushRef="#br2" timeOffset="-156911.49">9984 12612 0,'0'0'0,"0"17"0,-18 36 16,18-35-1,-35 53-15,35-19 16,0 1 0,0-35-1,0 0 1,53-18-1,17 0 1,18-53 0,-17 17-1,-1-34 1,-52 35-16,17-18 16,-17 35-1,-18-17 1,-18 52 31,18 1-47,-35 17 15,35-17-15,-18 70 16,1-17 0,17 35-1,0-18 16,-18 18-15,18-71-16,0 18 16,-17 17-1,-19-52 1,1 0 0,-71 17-1,-17-17 1,-18-1-1,52-17 1,72 0 0,17-17-1,0-19 1,53-17 0,-36 36-1</inkml:trace>
-  <inkml:trace contextRef="#ctx0" brushRef="#br2" timeOffset="-156511.06">10601 12665 0,'0'17'15,"0"1"-15,-18 88 16,1 0 0,17-71-1,-36 88 1,1 36-1,0-53 1,35-88-16,-35 105 16,35-70-1,0-18 1,0-70 15,0 17-31,17-35 16,1 18-16</inkml:trace>
-  <inkml:trace contextRef="#ctx0" brushRef="#br2" timeOffset="-156161.2">10566 12841 0,'0'-35'15,"0"70"-15,0-88 0,0 36 16,0-36-1,17 0 1,54 35 0,52 0-1,-87 18-15,34 0 16,-52 0-16,52 71 16,-70 17-1,-70-17 1,-36 17-1,35-53 1,1-17 0,70-1-1,0-52 17,53-18-17</inkml:trace>
-  <inkml:trace contextRef="#ctx0" brushRef="#br2" timeOffset="-155694.7">11254 12735 0,'17'0'0,"-34"0"0,70-17 16,17-19 0,-35 19-1,-17-1-15,0-17 16,-1 17 0,-17 1-1,-17-1 16,-1 18-31,0 0 0,-17 0 16,-35 35 0,17 36-1,35-1 1,0-34-16,18 52 16,0-18-1,18-52 1,53 0-1,-1-18 1,18-18 0,-17-17-1,-54 17-15,54-35 16</inkml:trace>
-  <inkml:trace contextRef="#ctx0" brushRef="#br2" timeOffset="-155427.31">12100 12594 0,'18'0'31,"0"0"-31,-1 0 0,1 0 0,35 0 16,17-17 0,18 17-1,-70-18 1</inkml:trace>
-  <inkml:trace contextRef="#ctx0" brushRef="#br2" timeOffset="-155227.66">12206 12647 0,'0'0'0,"-18"18"0,18-1 16,0 1 0,18-18-1,35 0 1,18 0-1,-54-18 1,18 18-16</inkml:trace>
-  <inkml:trace contextRef="#ctx0" brushRef="#br2" timeOffset="-154559.39">13088 12365 0,'-35'0'16,"35"17"31,17-17-16,1-17-31,0 17 16,-18-18-16,17 1 15,-17-1-15,0-17 16,-17 35 0,-36 0-1,17 35 1,-16 35 15,34-52-31,0 35 16,18-35-16,0 52 15,53-34 1,18-19 0</inkml:trace>
-  <inkml:trace contextRef="#ctx0" brushRef="#br2" timeOffset="-154177.83">13670 12400 0,'0'-35'31,"-18"35"0,-34 17-15,16 36 0,-17 36-1,-35 34 1,35-17 0,36-71-16,-1 89 15,18-36 1,0-35-1,35-18 1,36-35 0,-54 0-16,36 0 15,0-53 1,0 0 0</inkml:trace>
-  <inkml:trace contextRef="#ctx0" brushRef="#br2" timeOffset="-153927.58">13335 12735 0,'-18'0'0,"36"0"0,-53 0 0,52 0 46,19 0-46,-19 0 0,54-17 16,35-1 0,-18 0-1,18 1 1,-36-1 0</inkml:trace>
-  <inkml:trace contextRef="#ctx0" brushRef="#br2" timeOffset="-153461.65">13899 12718 0,'0'17'31,"18"-17"-31,17 0 15,18-17 1,-35 17-16,52-18 16,1-17-1,-53-1 1,-18 1 0,-53 35-1,-18 0 16,1 0-15,52 0-16,-35 53 16,35-35-16,1 35 15,17 35 1,0-35 0,0 35-1,35-53 1,53 18-1,36-53 1,-36 0 0,0-35-1</inkml:trace>
-  <inkml:trace contextRef="#ctx0" brushRef="#br2" timeOffset="-153173.15">14499 12594 0,'0'0'0,"0"18"32,0-1-32,35 36 15,-35-35-15,36 35 16,17 35-1,-18-35 1,0-18 0,-17 1-1</inkml:trace>
-  <inkml:trace contextRef="#ctx0" brushRef="#br2" timeOffset="-152861.91">14870 12559 0,'-36'0'15,"19"0"1,-1 0-16,-17 0 15,17 18-15,-52 52 16,34 1 0,-34 52-1,17-52 1,35-1 0,1-35-1,69-35 32,-34-17-47</inkml:trace>
-  <inkml:trace contextRef="#ctx0" brushRef="#br2" timeOffset="-152460.87">15169 12435 0,'0'0'0,"0"-17"0,0 34 47,0 1-32,0 0-15,-17 17 0,-18 36 16,17 34 15,0-87-31,1 35 16,17-18-16,-18 53 15,18-17 1,35-18 0,1-53-1,34 17 1,-52-17-16,35 0 15,35-52 1,-18-19 0,-52 71-16</inkml:trace>
-  <inkml:trace contextRef="#ctx0" brushRef="#br2" timeOffset="-152227.93">15064 12700 0,'17'0'16,"1"0"-16,0 0 15,-1 0-15,54 0 16,17-18-1,-35 1 1,-36-1-16</inkml:trace>
-  <inkml:trace contextRef="#ctx0" brushRef="#br2" timeOffset="-150928.06">15946 12330 0,'-18'0'0,"0"0"31,1 0 94,17-18-93,-18 18-17,18-18 1,0 1 62,0 34 16,-18 1-94,18 0 31,-17-18-15,17 17-1,-18-17-15,18-17 63,0-1-48,0 0 1,0 1-16,18 17 31,-18 17 94,-18-17-125,0 0 47,18-17-16,0-1 1,0 0-32,18 18 15,-18-17-15,18 17 16,-1 0 0,19 0-1,-36 17 1,0 1-16,0 35 15,-53 17 1,-18 1 0,36-36-1,17-35 1</inkml:trace>
-  <inkml:trace contextRef="#ctx0" brushRef="#br2" timeOffset="-150028.11">16369 12030 0,'0'0'0,"-18"0"0,36 0 47,0 0-47,-1 0 0,36 0 16,18 0-1,-54 0-15,89 0 16,-53 0 0,-18 0-1,-17 35 1,-18 18 0,0 17-1,-18 36 16,1-35-15,-1 35 0,-17 0-1,-1-18 1,36 18 0,0-71-16,-17 35 15,-18 71 1,-1-70-1,-17 17 1,0-52 0,-52 16-1,87-52-15,-106 18 16,36-18 0,-18 0-1,36 0 16,-1 0-15,36-18 0,17 1-1,18-1 17,-17 1-17,-1-1 1</inkml:trace>
-  <inkml:trace contextRef="#ctx0" brushRef="#br2" timeOffset="-127348.1">2117 15663 0,'0'0'16,"-18"-17"-16,0-1 31,18 36-16,0-1-15,0 54 16,-17-1 0,-1 1-1,18-53-15,-18 52 16,1-52-16,17 17 16,-18-17-16,18 17 15,0-53 32,0-17-47,0 17 16</inkml:trace>
-  <inkml:trace contextRef="#ctx0" brushRef="#br2" timeOffset="-127065.52">2099 15575 0,'18'0'16,"-36"0"0,53 0-16,-35 18 0,36 35 15,-19-36-15,18 54 16,-17-36 0,0-17-16,-1 88 15,-17-36 1,18 1-1,0-71 1,-1 0 15,19-53-15,-1 0-16</inkml:trace>
-  <inkml:trace contextRef="#ctx0" brushRef="#br2" timeOffset="-126781.86">2593 15505 0,'0'0'0,"-18"17"47,18 1-47,-17-1 0,-19 54 15,-34 35 1,17-18-1,0 18 1,53-53 15,-18-18-15,18-17 0,53-36-1,-17-17-15</inkml:trace>
-  <inkml:trace contextRef="#ctx0" brushRef="#br2" timeOffset="-126296.43">2787 15769 0,'0'0'16,"0"-17"-16,0 34 31,-53 36-16,35-35 1,18-1-16,-17 1 0,-1 70 31,0-17-15,18-1 0,36-52-1,17-18 1,-36 0-16,54-18 15,-1-35 1,-17-17 0,-17-36-1,-36 35 1,0 36-16,0 0 16,-71 17-1,18 18 1,-17 18-1,34 0 1,19 17 15,70-35 1,-36 0-32,1 0 0,17 0 15</inkml:trace>
-  <inkml:trace contextRef="#ctx0" brushRef="#br2" timeOffset="-125997.98">3246 15540 0,'0'17'31,"-18"-17"-31,18 18 0,-18 0 16,1 17-16,-1 18 15,18-35-15,-18 52 32,1-17-17,-1 88 1,18-106 0,0-17-1,18-18 1,17 18-1,-35-36 1</inkml:trace>
-  <inkml:trace contextRef="#ctx0" brushRef="#br2" timeOffset="-125760.3">3140 15752 0,'0'0'0,"0"-18"16,0 36 0,0-1-16,17-17 31,36 0-15,-35 0-16,35 0 15,17-35 1,1 0-1</inkml:trace>
-  <inkml:trace contextRef="#ctx0" brushRef="#br2" timeOffset="-125279.95">3616 15752 0,'0'0'15,"0"0"1,18 0-16,-1 0 16,19 0 15,-1-36-15,-18 36-16,19-17 15,-36-19 1,0 19-1,-53 17 1,0 0 0,-18 53-1,18-18 1,0 35 0,53-52-16,0 53 15,0-1 1,0-35-1,36-17 1,87-18 15,-35 0-15,18-18 0,-53-17-1,0-35 1</inkml:trace>
-  <inkml:trace contextRef="#ctx0" brushRef="#br2" timeOffset="-125040.2">4180 15699 0,'0'0'31,"-17"0"-31,34 0 63,-17 17-47,0 1-1</inkml:trace>
-  <inkml:trace contextRef="#ctx0" brushRef="#br2" timeOffset="-124833.54">4163 15893 0,'0'17'0,"0"-34"0,-36 70 16,72-53 0,-72 17-1,72-34 48,-36-1-48,0 0-15</inkml:trace>
-  <inkml:trace contextRef="#ctx0" brushRef="#br2" timeOffset="-123564.78">5115 15557 0,'0'0'0,"0"-17"15,-17-1 17,17 1-32,0-1 15,0 0-15,0 1 16,0-19 0,35 19-1,-17 17 1,-1 17-1,1 72 1,-18-19 0,0 18 15,-18-35-15,18-17-1,53-36 16,-35-18-31,35-17 16,52-36 0,-34 18-1,0-35 1,-36 17 0,-35 36-1,0 70 16,0 54-15,0-72 0,0 36-16,-35 53 31,35-71-31,-18 18 16,18-18-16,0 142 15,0-71 1,0 70-1,0-52 1,-18-54 0,-52-17-1,-18-53 1,-18 0 0,-18 0-1,18-106 1,71 36-1,35-19 1,0 36 0,53-52 15,-18 52-31</inkml:trace>
-  <inkml:trace contextRef="#ctx0" brushRef="#br2" timeOffset="-122496.3">6085 15328 0,'0'0'0,"-17"-17"31,-1 17-31,0 0 0,-34 0 16,-19 70-1,18 1 1,0 34 0,53-34 15,0-36-31,0 36 16,53-53-1,35-1 1,0-17-1,-17-35 1,0-18 0,-36 0-1,-35-70 1,0 34 0,-53 19-1,-18 52 1,1 18-1,-18 53 1,17 18 0,71 34 15,0-34-15,35 0-1,18-36 1,53-17-1,-71-18-15,36 0 16,52-36 0,-52-17-1,0-17 1,-36-18 0,-35 52-1,0 19 1,-35 70 15,17-36-15,18 18-16,0 18 31,0-35-31,0 17 16,0 1-1,35-36 1,18 0-1,0-18 1,18-17 0,-54 17-16,36-35 15,18-35 1,-54 17 0,1 54-1,-53 70 16,17-36-15,0 71-16,18-17 16,0-18 15,0-18-15,18-17-1,35-18 1,-35 0-16,70-18 15,18-35 1</inkml:trace>
-  <inkml:trace contextRef="#ctx0" brushRef="#br2" timeOffset="-121931.7">7920 15293 0,'0'0'15,"17"-71"1,-17 54-1,0-1-15,-17 18 0,-36-18 16,35 18 0,-35 0-16,-35 53 31,18 18-15,34 52-1,1-34 1,35-1-1,0-53-15,0 18 16,53 35 0,106-88-1,-36-17 1,1-1 0</inkml:trace>
-  <inkml:trace contextRef="#ctx0" brushRef="#br2" timeOffset="-120914.92">8431 15328 0,'-17'0'16,"34"0"-16,-52 0 0,17-17 16,1 17-16,-54 0 15,18 17 1,-35 71-1,71-70-15,-19 17 16,1 53 0,35 1-1,18-54 1,52-17 0,-17-18-1,35-18 1,-17-35-1,-36-18 1,0 19 15,-17-19-15,-18 53 0,-18 54 15,1 17-16,17-36-15,-18 71 16,18-52 0,18-19-1,88 19 1,-89-36 0,71 0-1,-17-53 1,-18-18-1,-35 1 1,-18-1 0,0 53-1,0 36 17,0 35-17,-18 17 1,0-34-1,1 17 1,-1-18 0,18-17-1,0-36 32,0-17-31,0-18-1,0 35-15,35-52 16,71-1 0,88 0 15,-53 71-15,-17 18-1,-54 35 1,-52 35-1,-18-70-15,-35 88 16,-1-71 0,54 0-1,-53 1 1,17-36 0,-17 0-16</inkml:trace>
-  <inkml:trace contextRef="#ctx0" brushRef="#br2" timeOffset="-120865.7">9296 15663 0,'0'-17'0,"17"17"16</inkml:trace>
-  <inkml:trace contextRef="#ctx0" brushRef="#br2" timeOffset="-120265.52">10354 15046 0,'0'0'0,"18"-18"16,-1 1-16,-17-1 15,0 0 1,-17 18 15,-19 36-15,1 34 0,17-34-16,-17 87 15,-18 36 1,36-18-1,17-71 1,17-34 0,54-19 15,17-17-15,-70 0-16,87-70 15,-34 17 1,-53 35-16</inkml:trace>
-  <inkml:trace contextRef="#ctx0" brushRef="#br2" timeOffset="-120031.39">10107 15311 0,'-18'0'16,"36"0"-16,-53 0 0,52 0 31,1 0-15,0 0-16,17 0 15,88-18 1,-34 0 0,34-17-1,-52 35-15</inkml:trace>
-  <inkml:trace contextRef="#ctx0" brushRef="#br2" timeOffset="-119349.34">10971 15469 0,'18'0'0,"-36"0"0,54 0 16,-1-35 0,-17 35-1,-18-35 1,0-18 0,-36-35-1,-17 35 1,-35 17-1,18 36 1,-19 71 0,1 35-1,53 17 1,35-52 0,0-18-1,35-36 1,53-17-1,1 0 1,-1-53 0,0-17-1,-35 17 17,-35-53-17,-18 53 1,0 36-1,0 34 1,-36 54 0,19 17-1,17-17 1,17-19 0,54-16-1,52-36 1,-34 0-1,16-53 1,-69 18 0</inkml:trace>
-  <inkml:trace contextRef="#ctx0" brushRef="#br2" timeOffset="-118648.99">11553 14993 0,'-17'18'32,"17"-1"-32,0 19 0,-18 17 15,18-36-15,-35 89 16,17 35 0,1-53-1,-1 0 1,18-52-1,0-54 48,0-17-47,18-36-1,35-35 1,17 36-1,18-1 1,-70 71-16,35-17 16,-18 17-1,-35 35 1,-18 0 0,-52-17-1,52 0-15,-52-1 16,52-17-16,-35 0 15,18 0 1,35 18 31,0 17-47,0 0 31,18 36-15,-1-36-1,1 0 1,-1-17 0,1-18-1,0 0 1,-1 0-16,36 0 16,-53-53-1,53 36 1</inkml:trace>
-  <inkml:trace contextRef="#ctx0" brushRef="#br2" timeOffset="-118247.75">11906 15434 0,'18'0'16,"0"0"-1,-1 0-15,36-18 16,-35 18-16,35-53 16,-18 1-1,-35-1 1,0 0 0,-35 53-1,-54 53 1,72-36-16,-54 89 15,36-35 1,35-1 0,0-17-1,53-35 17,88 17-17,-70-53 1,-1-35-1,-35 18 1</inkml:trace>
-  <inkml:trace contextRef="#ctx0" brushRef="#br2" timeOffset="-116248.86">13406 15434 0,'0'0'0,"17"0"0,1 0 0,17 0 15,-17-18 1,-18 1-16,35 17 0,-17-18 0,17-17 16,-35-36 15,0 18-15,0 18-16,-35-35 15,17 52-15,-35-35 16,-53 18-1,0 35 1,1 70 0,34 1-1,36 52 1,35-87-16,0 34 16,35 1-1,36-54 1,17-17-1,35-35 1,-17-36 0,-18-17 15,-52 18-15,-19-36-1,-17 88 1,-17 71 15,-1 0-31,0 35 16,18 0-1,0 1 1,36-54 0,16-17-1,54-18 1,18-71-1,-18 0 1,-53-17 0,-36-18-1,-17 54 17,0 34-17,-17 53 1,-19 53-1,19 1 1,17 16 0,-18-52-1,18 0 1,0-70 31,0-1-47,0-17 15,35-54 1,18 1 0,-35 71-1,70-72 1,-17 89 0,-1 0-1,-52 53 1,-18 36-1,0-1 1,0-18 0,17-34-1,54-19 1,-18-17 0,70 0-1,-105 0-15,70-53 16,0-35-1,-35 0 1,-35 17 0,-18 36-1,-18 88 32,18-35-47,-35 35 16,17 35-1,18-35 1,0-18 0,18-17-1,53-18 1,-54 0-16,54-18 16,35-53-1,-18 1 1,-35-1-1,-18 1 1,-35 52 0,0 36 31,0-1-47,0 36 15,-18 35 1,1 18-1,-1-18 1,0-52-16,1 105 16,-18 35-1,-1 1 1,36 34 0,0-52-1,0 17 1,-17-140-16,-54 70 15,0-71 1,-17-35 0,18-18-1,-36-17 17,88 17-32,-17-17 15,17 35-15,-35-53 16,53-17-1,18-19 1</inkml:trace>
-  <inkml:trace contextRef="#ctx0" brushRef="#br2" timeOffset="-114849.36">16775 15452 0,'0'0'0,"17"-18"0,1 18 15,17-71 1,0 36-1,-17 18-15,-18-1 0,35-70 16,-35 17 0,0 1 15,-53-1-15,18 71-1,0 0-15,-53 0 16,17 35-1,-35 71 1,89 18 0,-1-1-1,18-52 1,18-54-16,52 19 16,1-36-1,35-18 1,-18-35-1,0-35 1,-35-36 0,-35 19-1,-18 34 17,0 53-17,0 54 1,-36 34-1,36 54 1,0-19 0,18-16-1,35-72 1,53-17 0,-18-17-1,71-72 1,-89 1-1,-17-35 1,-18-18 0,-17 70-1,-18 36 17,-35 105-1,17-34-31,0 17 15,1 88 1,17-53 0,0 18-1,53-53 1,0-36 0,35-17-1,-35-35 1,17-53-1,-17-18 1,-35-35 0,17 17 15,-35 36-15,0 71-1,-35 87 16,17 18-15,18-52-16,0 87 16,0-88-16,-17 54 15,17 16 1,17-69 0,36-19-1,0-17 1,18-53-1,-36 0 1,-18 18 0</inkml:trace>
-  <inkml:trace contextRef="#ctx0" brushRef="#br2" timeOffset="-114600.14">17551 15099 0,'0'0'0,"-36"0"0,-17 0 16,1 35-1,69-17 1,36-18 0,-35 0-16,105 0 15,36 0 1,-53-18-1,35-17 1,-53 35 0</inkml:trace>
-  <inkml:trace contextRef="#ctx0" brushRef="#br2" timeOffset="-113933.89">18327 15275 0,'-18'0'0,"36"0"15,-53 0-15,17 0 0,0 0 16,1-17 0,17-19-1,53 1 1,-36 17-16,36-17 15,53 18 1,-36 17 0,1 17-1,-18 54 17,-53-1-17,0 54 1,-35-71-1,-18-18 1,17-17 0,19-18-1,17-18 17,0 0-32,35-35 15,53-52 1,18-1-1,-35 53 1,-1 35 0,-52 53 15,-18 54-15,0-36-1,-18 35 1,1-35-1,-1-18 1,18-17 0,0-36 15,0-17-15</inkml:trace>
-  <inkml:trace contextRef="#ctx0" brushRef="#br2" timeOffset="-113745.4">18927 15011 0,'-36'-18'32,"19"18"-17</inkml:trace>
-  <inkml:trace contextRef="#ctx0" brushRef="#br2" timeOffset="-112915.85">19262 14940 0,'0'-18'0,"0"1"0,0-36 31,0 35-15,0 36-1,-18 35 1,0 70 0,1 36-1,-1-53 1,18 0 15,0-89-31,0 36 16,0-70 31,0-1-32,0-53 1,0 54-16,0-54 16,71-17-1,17 53 1,35 17-1,-34 18 1,16 88 0,-87 1-1,-18-19 17,-53-17-17,-35-35 1,-53 17-1,70-35 1,1 0 0,52 0-16,36-18 31,52-17-15,18 0-1</inkml:trace>
-  <inkml:trace contextRef="#ctx0" brushRef="#br2" timeOffset="-111866.33">19914 15134 0,'18'-17'0,"-36"34"0,36-52 16,-18 53 15,-18-1-15,1 36-1,-1 53 1,18-36 0,0 19-1,0-36 1,0-36-16,53-17 16,17 0-1,19-17 1,-19-36-1,-17-18 1,-18-35 0,-17 0-1,0 18 17,-18 106-1,-36 52-16,36-34-15,-17 52 16,-1-18 0,18-34-16,0 34 15,35-52 1,54-18 0,-1 0-1,35-53 1,-105 35-16,35-17 15,-36 0-15,54-106 16,-53 17 0,-1 1-1,-17 52 17,0 54-17,-17 17 1,-36 70-1,17 54 1,19-19 0,17 19-1,0-18 1,53-71 0,-36-17-16,54-18 15,52 0 1,-34 0-1,16-53 1,-52 0 0,-17-88 15,-36 88-15,0 35-1,-53 53 1,0 18-1,18 53 1,35-35 0,0-18-1,35-36 1,35-17 0,-34 0-1,52-17 1,-18-54-1,-52 53-15,17-34 16</inkml:trace>
-  <inkml:trace contextRef="#ctx0" brushRef="#br2" timeOffset="-111498.12">20602 14940 0,'0'0'0,"35"0"31,-17 0-31,88 0 16,17 0-1,19 0 1,-107 0-16,18 0 16,-36 0-16,19 0 15,-19 0 17</inkml:trace>
-  <inkml:trace contextRef="#ctx0" brushRef="#br2" timeOffset="-109100.18">22401 15258 0,'0'0'0,"0"-18"16,0 0-1,0 1 1,0-36 0,0 0-1,0 35-15,18-35 16,35 36 0,-18-1-1,-17 18 1,17 71-1,-35-54-15,0 71 16,0 18 0,0-35-1,-53-18 17,36-53-17,17 17-15,0-34 31,0-19-15,35-34 0,-35 52-16,70-70 15,-52 70-15,70-52 16,53-1 0,-17 71-1,-54 18 1,-34 70-1,-36-17 1,0 35 0,17-36-1,54-35 17,-1-35-17,1 0 1,35-70-1,-36-1 1,-17-52 0,-53 105-16,0-70 15,-17 17 1,-54 54 0,1 17-1,-19 53 1,36 17-1,36-34-15,-19 87 16,36-70 0,0 17-1,53-70 17,18 0-17,17-17 1,-70-1-16,35-35 15,-18-70 1,-17 52 0,-18 18-1,0 89 17,0-19-32,-18 36 15,18-35-15,-18 70 16,18 0-1,36-53 1,52-17 0,-71-18-1,36 0-15,-17 0 16,87-35-16,-17-53 31,-53-1-15,-35-16-1,-1 69 1,-17 54 15,-17 17-31,-19 36 16,19-1 0,-19 19-1,19-19 1,17-52-1,-18-18 1,36-53 15,-1 35-15,19-35 0,34-53-1,1 36 1,-54 52-16,72-35 15,-54 53 1,-18 36 0,-17 69-1,0-34 1,0 0 0,0-54-16,0 1 15,0-1 1,53-34 15,-17-18-15,-19 17-16,71-70 15,36-18 17,-89 71-17,-17 35 1,-18 88 15,0-71-31,0 19 16,0-19-16,0 54 15,35-18 1,53-18 0,18-17-1,-18-18 1,18-53-1,-18-35 1,-35-36 0,-53 54-1,0 52 1,-53 18 15,-35 53-15,71-18-16,-19 36 15,19 17 1,17-35 0,53-18-1,17-17 1,1-18 0,35-18-1,-54 0 1,-52-17-1,18 18 1</inkml:trace>
-  <inkml:trace contextRef="#ctx0" brushRef="#br2" timeOffset="-108984.2">25329 15381 0,'0'0'0,"-17"18"16,-1-1-1,1-17-15,-1 0 16</inkml:trace>
-  <inkml:trace contextRef="#ctx0" brushRef="#br2" timeOffset="-108947.9">25224 15434 0,'-71'0'31,"142"0"-31,-160 0 0</inkml:trace>
-  <inkml:trace contextRef="#ctx0" brushRef="#br2" timeOffset="-104000.83">6632 16669 0,'0'17'16,"35"-17"15,-35-17-31,18-1 0,0 0 15,-18-17 1,0-18 0,-18 0-1,0 36-15,-52-36 16,-1 35 0,-34 18-1,34 18 1,-17 52-1,0 19 1,70 16 0,18-34 15,0-1-15,35-34-1,18-36 1,18-36-1,-54 19-15,89-54 16,-18 18 0,1-35-1,-54 35 1,0-17 0,-35 52-1,0 53 16,0-17-31,0 0 0,-18 35 16,18 17 0,18 1-1,35-18 1,71-53 15,-54 0-15,36-53-1,-36 0 1,-17-18 0,-53 18-1,0 36-15,0-19 16,0 54 15,-17-18-31,17 53 16,-36 35-1,1-17 1,35-36-16,-35 35 16,17-34-1,18-54 32,36-17-47,-19 35 16,36-88-1,18-1 1,-36 37 0,18 34-1,-36 18 1,1 18 0,-18 52-1,71 36 1,-36-36-1,71-17 1,0-35 0,52-18-1,-34-35 1,-89 17 0,106-35-1,-88-17 1,-18-19-1,-35 1 1,-17 35 0,-71 36-1,-1 34 1,-16 72 0,52-19-1,17 36 1,19-53-1,17 0 1,17-53-16,36 0 16,35 0-1,-17-36 17,35-52-17,-53 0 1,17-35-1,-70 105-15,18-88 16,-18-17 0,0 70-1,0 35 1,-18 18 0,-17 88-1,35-52-15,-18 69 16,1 37-1,17-1 1,17-71 0,36 1-1,-35-54 1,17-17-16,53 0 31,-35-17-15,18-54-1,-53 54-15</inkml:trace>
-  <inkml:trace contextRef="#ctx0" brushRef="#br2" timeOffset="-103350.68">9596 16404 0,'0'0'16,"0"-17"-16,0-1 0,0 0 0,0-17 16,0 17-1,0 1-15,17-1 47,18 36-31,-35-1-16,36 54 15,-19 17 1,-17 18 0,0-36-1,0-34-15,0 34 16,0-52 0,0 0-1,18-54 16,17-17-15,-17 18-16,0 17 16</inkml:trace>
-  <inkml:trace contextRef="#ctx0" brushRef="#br2" timeOffset="-103099.73">10054 16316 0,'18'0'0,"-36"0"0,36-18 0,-18 1 31,-35 17-15,17 17-16,-35 36 16,-35 53-1,35-35 1,-18 34 0,54-34-1,17-53-15,-18 35 16,18-36-1,71-17 1,17-17 0</inkml:trace>
-  <inkml:trace contextRef="#ctx0" brushRef="#br2" timeOffset="-101434.5">10601 16598 0,'0'0'16,"18"0"-16,-1 0 0,-17-17 0,0-1 15,0-35 1,0 18 0,-70-1-1,17 36 1,-18 0-1,1 71 1,-19 17 0,37 0-1,34 18 1,18-53 15,18-35-15,52-18-1,-52 0-15,52-53 16,-52 35-16,52-35 16,1-35-1,-53 35 1,-18-17 0,0 52-1,0 0 1,0 89 15,0-53-15,-18 17-16,18 53 15,0-17 1,0-54 0,18 18-1,-1-35-15,54 0 16,70 0-1,-35-52 1,17-19 0,-52 0-1,-54 36-15,1-71 16,0 18 0,-18 0-1,0 70 1,-18 18-1,0 53 1,18-35-16,-35 52 16,18-34-16,-1 34 15,0 36 1,18-53 0,0 18 15,36-54-16,34-17 1,1-17 0,17-54-1,-18 36 1,-17-53 0,-35 52-1,0 19-15,-18-1 16,0 36 15,-18 17-15,18-17-16,-35 52 15,17 1 1,18 17 15,18-53-15,35-35-1,0 0 1,17-18 0,-35-17-1,36-71 1,-36 53 0,-17 1-1,-1 34 1,-17 36 15,0-1-15,-17 1-16,17-1 0,-18 72 15,18-54 17,0 35-32,35-52 31,36-18-16,0 0 1,-54 0-16,89-35 16,-35-18-1,17-35 1,-71 17 0,19 1-1,-36 34 1,-36 36-1,-16 36 1,-1 34 0,17 1-1,36 17 1,0-35 0,0-36-1,53 19 1,-17-19-1,52-17 1,-35 0 0,35-53-1,-71 36-15,36-36 16,-17 0-16</inkml:trace>
-  <inkml:trace contextRef="#ctx0" brushRef="#br2" timeOffset="-100551.45">13494 16210 0,'0'0'0,"0"-18"0,0 1 0,-18 17 47,0 17-32,18 1-15,0 0 0,0 35 16,-17 53 0,17-18-1,-18 0 1,1-53-16,-1 18 16,0-18-1,1-17 1,17-36 15,0-17-15,0 17-16,53-52 15,-1-1 1,1 36 15,36 35-15,-37 0-1,1 0 1,-17 71 0,-36-18-1,0-1 1,-89 1 0,1-17-1,-35-19 1,105 1-1,1-18 1,34 0 31,18-18-47,-17 1 0,17-1 16</inkml:trace>
-  <inkml:trace contextRef="#ctx0" brushRef="#br2" timeOffset="-99682.17">14023 16422 0,'0'0'0,"0"-18"0,-18 36 32,18-1-17,-53 54 1,18 17-1,17-17 1,18-54-16,0 36 16,0-17-1,89-19 1,-19-17 0,54-53 15,-36 0-16,0-17 1,-70 35-16,35-18 16,-36-18-1,1 71 1,-18 18 15,-35 17-31,17 0 16,-17 53-1,35 1 1,0-36 0,106-18-1,-36-35 1,54-18 15,-72-35-15,37-35-1,-36 0 1,-18-53 0,18 35-1,-36-18 1,-17 89 0,-35 88 15,0 71-16,17-89-15,-17 53 16,17 0 0,18-70-16,-17 70 15,17 0 1,17-52 15,36-19-15,-18-17-1,36 0 1,-18-17 0,18-36-1,-36-18 1,0 1 0</inkml:trace>
-  <inkml:trace contextRef="#ctx0" brushRef="#br2" timeOffset="-99224.75">14711 16387 0,'0'0'0,"0"17"0,17-17 31,1 0-16,0 0-15,35 0 16,70 0 0,-17 0-1,0 0 1,-89 0-16,54 0 16,-53 0-1,-1 0 16,-17-17 126</inkml:trace>
-  <inkml:trace contextRef="#ctx0" brushRef="#br2" timeOffset="-96618.33">16933 16157 0,'0'-35'16,"0"70"-16,0-88 0,0 0 15,0 18 1,-35 0-16,17 35 0,-17-18 16,-18 36-1,0 35 1,-17 53 0,52-54-1,-17 54 1,0 53-1,35-53 1,35 17 0,18-70-1,53-17 1,-1-36 0,54-53-1,-18-18 1,0-17-1,-70 17 1,-18-34 0,-53 34-1,-18 36 1,-35 35 0,-35 53 15,0 35-16,70 0 1,18-70-16,0 70 16,18-35-1,88-18 1,0-35 0,35 0-1,-35-35 1,-1-53-1,-87 35 1,-18-36 0,-35 19-1,-53-18 1,17 70 0,-70 36 15,70 35-16,18 35 1,53 18 0,18-53-1,70 17 1,36-70 0,17 0-1,-35-18 1,-1-34-1,-52-1 1,-17-18 0,-19 18-1,-17 36-15,0-1 16,-17 53 31,17-17-47,-18 17 15,0 36 1,18-54-16,0 36 16,0 0-1,36-35 1,34-18 0,18 0-1,-35-36 1,0-34-1,-17-1 1,-1 1 0,-35 17-1,17 35 1,-17 54 15,0-19-15,-17 1-16,17 17 15,-18 53 1,18-17 0,0-36-1,71 0 1,-1-17 0,-52-18-16,88 0 15,-18-35 1,-18-18-1,-34 0 1,-19-18 0,-17 36-1,0 53 32,-17-1-47,-1 19 16,0 17-1,1 17 1,-1-17 0,18-35-1,0-36 17,18-17-17,17-1 1,-17 19-16,35-54 15,-36 54-15,36-54 16,35 18 0,-70 53-1,0 35 1,-18 18 0,0 18 15,0-53-31,0 34 15,53 1 1,0-17 0,17-36-1,1 0 1,-54 0-16,19-36 16,-19 19-16,18-36 15,1-71 1,-1-17-1,0 53 1,-17-18 0,-18 89-1,-18 17 1,-17 70 0,-36 54 15,36-36-16,0 18 1,35-36 0,0-52-16,0 35 15,18-36 1,70 1 0,-18-18-1,1 0 1,-53-18-16,17-17 15,0 17-15</inkml:trace>
-  <inkml:trace contextRef="#ctx0" brushRef="#br2" timeOffset="-96335.4">19279 16334 0,'18'0'47,"0"0"-47,52 0 16,-17 0-1,0 0-15,0 0 16,-18 0-1,0-18 1,-35 0 0,18 1-1</inkml:trace>
-  <inkml:trace contextRef="#ctx0" brushRef="#br2" timeOffset="-95450.25">20796 16422 0,'0'0'0,"0"-18"16,0 1 0,0-1-1,18 0-15,52-35 16,-52 18-1,17-18 1,-35 35-16,0 1 16,-35-18-1,-53 35 1,-18 17 15,53 18-31,35 18 31,18-17-15,53 34 0,53-17-1,-18 0 1,-17 0 0,-53 0-1,-18-18 1,-53-17-1,-88 17 1,35-35 0,0 0-1,53-35 1,18-18 0,35 18-1,0 17 1,0-35-1,53 35 1,35-17 0,0 0-1,18 0 1</inkml:trace>
-  <inkml:trace contextRef="#ctx0" brushRef="#br2" timeOffset="-94884.52">21431 15998 0,'0'-17'15,"-17"17"1,-1 0 0,18 17-16,-18 89 15,1-88 1,-1 88-1,-17-18 1,-1 35 0,1-52-1,18-36 1,-1-17 0,0-18-1,1 0 1,17-35-1,0-36 1,70 1 0,1 17-1,52 17 1,-17 19 0,0 34-1,-71 54 16,-35-1-15,-35-17 0,-36-17-1,71-1 1,-17-35-16,-1 0 16,36 0 15,52-35-16</inkml:trace>
-  <inkml:trace contextRef="#ctx0" brushRef="#br2" timeOffset="-93118.92">22066 16263 0,'0'0'15,"0"-18"-15,-17 18 31,-1 0-31,0 0 16,-17 18 0,-18 35-1,35-35-15,1 70 16,-1-18 0,18 1-1,53-36 1,18-17-1,52-18 1,-35 0 0,-17-53-1,-36 0 1,-17-53 0,-18 18 15,0 70-31,-53-88 15,-18 89 1,-17-1 0,18 53-1,-1 54 1,53-1 0,18 0-1,71-17 1,0-54-1,34 1 1,-52-18 0,35-35-1,18-36 1,-18-35 0,-35 36-1,-17 17 16,-36 35-15,-18 53 0,-35 71-1,35-53 1,18 0 0,0-18-1,71-17 1,-18-18-1,-35 0-15,87-18 16,-16-35 0,-36 1-1,-1-19 1,-34 53 0,0 18 15,-36 36-16,0 17 1,18-1 0,0-16-1,36-19 1,34-17 0,54 0-1,-71-17 1,0-54-1,-36-17 1,19-53 0,-36 53-1,17-1 1,-17 125 15,-35-1-15,17 36-1,18-1 1,-17 71 0,17-88-1,70 0 1,1-18 0,105 1-1,-52-36 1,17 0-1,-53-71 1,-88-35 0,0 18-1,-53 35 1,-35 53 0,0 0 15,52 18-31,-70 52 15,54 1 1,52-1 0,0-17-1,70-17 1,18-36 0,0 0-1,-17-53 1,-18 0-1,0-88 1,0 17 0,-18-35-1,-35 142-15,18-54 16,-18 54 0,-36 34 15,-34 89-16,35 0 1,35 53 0,0-124-16,0 53 15,70 0 1,-17-52 0,18-19-1,-18-17 1,-36-35-1</inkml:trace>
-  <inkml:trace contextRef="#ctx0" brushRef="#br2" timeOffset="-91868.88">24994 16157 0,'0'-17'0,"0"34"0,0-87 31,0 52-31,0 0 0,0 1 16,18-36 0,-18 35-16,18 18 15,-18 18 17,0 17-32,0 53 15,0 53 1,-18-52-1,18-54-15,-35 53 16,17-53 0,18-17-1,0-36 32,0 1-31,0-19-1,0 19-15,35-36 16,53-18 0,-17 36-1,17 17 1,-17 18 0,-18 36-1,-53-19-15,0 36 16,0 18-1,-71-18 1,18-36 0,-17 19-1,17-36 1,17 0 0,54 0 62,0 0-63,-1 0-15,19 0 16,52 0 0,0-18-1,36 0 1,-19-17-1,-87 17-15,88-34 16,-71-1 0,-17-18-1,-18 36 1,0-1 0,-53 36-1,-35 71 16,70-18-15,0 35 0,18-35-1,0-18 1,71 1 0,-53-36-16,34 0 15,19 0 1,0-18-1,-1-17 1</inkml:trace>
-  <inkml:trace contextRef="#ctx0" brushRef="#br2" timeOffset="-91201.84">26793 16245 0,'0'-17'0,"0"-19"31,0 19-31,18-18 16,35-36-1,18-17 1,-36 53-1,-18 35-15,-17-18 16,0 36 0,-35 70-1,0 0 1,0 18 0,17-36 15,0-34-31,1 34 15,-1-17 1,0-18 0,1-17-1,-36 0 1,18-18 0,-18 0-1,35 0-15,0 0 16,-17 0-1,53 0 32,-1 0-47,36-18 16,-35 18-16,70 0 16,-17 0 15,-18 0-16,-36-18 1,1 1 0,0 17-1,-1-18-15</inkml:trace>
-  <inkml:trace contextRef="#ctx0" brushRef="#br2" timeOffset="-89886.01">27728 16210 0,'0'-35'16,"-17"35"-1,17-18-15,-18 1 16,-53-1-1,19 18 1,-19 35 0,53-17-16,-17 17 15,0 71 1,35 0 0,0-36 15,17-17-16,54-35 1,-18-18 0,53 0-1,-71 0-15,53-35 16,-35-36 0,-35-17-1,-36 17 1,-70-17-1,0 53 1,52 35 0,19 0-1,87 35 17,-52-35-17,88 18-15,35-18 31,-88 0-31,141 0 16,-71-36 0,-52-16-1,-71-1 1,0 0 0,0 35-1,0 0 1,-35 36-1,-1 53 1,1 17 0,0 53-1,0 18 1,17 17 0,18-35-1,-53 71 16,18-53-15,-1 35 0,36-36-1,0-122-15,-17 158 16,17-106 0,-35 0-1,-1-35 1,1-35-1,-18-1 1,35-17-16,-34 0 16,16-53-1,1 0 1,0-70 0,35-18-1,17-53 16,72 0-15,-1 17 0,0 54-1,35-53 1,-34 87 0,-54 54-16,35-35 15,-34 34-15,17-17 16,-36 0-1</inkml:trace>
-  <inkml:trace contextRef="#ctx0" brushRef="#br2" timeOffset="-89124.37">29298 16210 0,'0'0'0,"0"-18"0,0 1 16,18-18-1,-1-1 1,-17 19-16,36-19 15,-1-17 1,-35 36 0,-18 52 15,18-17-15,-17 35-16,-1 35 31,0 0-16,1-70-15,-1 70 16,1-35 0,-1 17-1,0-52 1,1 17 0,-1-35-1,0 0-15,-52 18 16,17-18-1,-18 0 1,54 0 0,-1 0-1,36 0 32,35 0-47,52 0 31,-16 0-15,-72 0-16,71 0 16,-17 0-1,-36 0 1,-17-18 0</inkml:trace>
-  <inkml:trace contextRef="#ctx0" brushRef="#br2" timeOffset="-88887.34">29757 16598 0</inkml:trace>
-  <inkml:trace contextRef="#ctx0" brushRef="#br2" timeOffset="-431.26">14058 9737 0,'-17'0'0,"-1"0"16,0 0 15,54-18-31,-19 18 16,-70 0-1,36-18 1,87 18 0,-140 18-1,87-18 1,1 0-16,35-35 16</inkml:trace>
+  <inkml:trace contextRef="#ctx0" brushRef="#br0">1940 935 0,'0'0'15,"18"0"-15,-36 0 157,1 0-142</inkml:trace>
+  <inkml:trace contextRef="#ctx0" brushRef="#br0" timeOffset="679.91">1940 900 0,'0'0'0,"18"-18"15,0 0 1,-18-17-1,17 0-15,-17 17 32,0 0-17,0 36 17,0 35-17,0 70 1,0-17-1,-17 0 1,-19 35 0,1-70-1,17-54-15,1 54 32,17-53-32,-18-18 31,0 0-31,18-53 31,0-35-15,53 17-1,36-35 1,-19 53 0,36 53-1,-18 18 1,-70 35-1,-1 53 1,-17-36 0,-35 18-1,0-35 1,17-17 0,18-54 30,0 0-46,0-17 16</inkml:trace>
+  <inkml:trace contextRef="#ctx0" brushRef="#br0" timeOffset="1007.07">2752 864 0,'0'0'16,"0"-17"-16,0-1 0,0 0 16,0 1-16,0 52 31,-36 53-15,-34 71-1,17-53 1,35-71-1,-17 71-15,17-18 16,18-53 15,53-17-15,0-18 0,0-18-1,18-52 1</inkml:trace>
+  <inkml:trace contextRef="#ctx0" brushRef="#br0" timeOffset="1262.98">2417 1164 0,'0'0'0,"17"0"31,18 0-15,54 0-16,34 0 15,-35-17 1,-52 17 0,52-36-1,-71 36-15</inkml:trace>
+  <inkml:trace contextRef="#ctx0" brushRef="#br0" timeOffset="2062.42">3122 1111 0,'0'0'16,"0"18"-16,0 0 15,0 34 1,0-34-16,0 35 16,0 18-1,0-19 1,-18 1 0,1-35-1,-18 0 1,17-36 15,0-35-15,18-17-1,53-1 1,53-35 0,53 53 15,-53 53-31,-1 0 31,-52 71-15,-53-1-1,0 1 1,0-53-16,-17 52 16,-1-52-1,-17-1 1,17-17-1,0 0 1,18-53 0,0 36-16,89-54 15,-19 1 1,54-1 15,-36 54-15,18 17-16,-53 52 31,-36 37-31,-17-36 31,-35 35-31,0-53 32,17 0-17,18-17 1,18-53 15,-1 17-31</inkml:trace>
+  <inkml:trace contextRef="#ctx0" brushRef="#br0" timeOffset="2411.01">4463 829 0,'0'-18'16,"0"36"-16,0-53 0,0 17 0,-18 18 31,18 18-15,-35 70-16,35-53 16,-18 71-1,-52 53 1,34-53-1,36-1 1,0-52 0,88-17-1,1-19 1,16-17 0,-16-53-1,-1 18 16,-53 0-15</inkml:trace>
+  <inkml:trace contextRef="#ctx0" brushRef="#br0" timeOffset="3189.15">2311 2275 0,'0'-17'0,"0"34"0,0-52 16,-18 35 0,0 18 15,18 35-16,-17 53 1,-1 52 0,18-105-16,-35 141 15,0-88 1,17 0 0,18-53-1,0-18 1,18-35-16,70 18 15,18-1 1,105-17 0,-34 0-1,17 0 1,-71 0 0,1 0 15,-107-17-31,1-1 15,-18-17 17,0 0-32</inkml:trace>
+  <inkml:trace contextRef="#ctx0" brushRef="#br0" timeOffset="3579.08">3104 2875 0,'0'0'16,"-17"0"-16,-36 0 15,53 35 1,0 1 0,53-1-1,53-35 1,-36 0 0,54 0-1,-36 0 16,-35 0-15,-89 18 0,1-1-1,-53 36 1,53-35-16,-71 70 16,0 0-1,-17 53 1,87-123-16,-17 52 15,18-17 1</inkml:trace>
+  <inkml:trace contextRef="#ctx0" brushRef="#br0" timeOffset="4313.13">3916 2875 0,'0'0'0,"0"-18"0,0 1 16,0 34 30,0 1-46,0 35 16,0 53 0,0-18-1,0-53-15,0 89 16,0-36 0,0-35-1,0-35 1,0-71 15,0-18-15,17 1-1,54-19 1,0 54 0,52 35-1,-88 0 1,71 53-16,-71 0 31,-35 35-15,-70-17-1,-54-1 1,36-17 0,53-53-16,-36 18 15,54-18 1,70-36 15,17 1-15</inkml:trace>
+  <inkml:trace contextRef="#ctx0" brushRef="#br0" timeOffset="4763.06">4657 3104 0,'0'0'16,"0"18"0,-36 17-1,-17 18 1,1 53 0,34 0-1,18-53 1,70 0-1,19-53 1,69 0 0,-69-36-1,16-34 1,-105-36 0,0 18-1,-17 70-15,-71-52 31,17 52-15,-17 18-16,0 53 31,35 18-15,53-19 0,70-16-1,-17-19 1</inkml:trace>
+  <inkml:trace contextRef="#ctx0" brushRef="#br0" timeOffset="5346.74">5521 3175 0,'0'0'0,"0"-18"15,0 1-15,0-19 16,-35-34-1,-18 70-15,0 0 32,35 18-32,-35 34 15,-17 72 1,34-1 0,19-52-1,17-1 1,35-34-1,-17-36-15,70 0 16,0-71 0,-17 1-1,-1-71 1,-17 17 0,-35-35 15,-18 124-31,0-36 0,0 36 31,0 53-31,0 70 16,0 36 15,-18-36-31,1 70 31,-1-69-15,18-1-1,0-53 1,35-35 0,53-18-1,-17-34 1</inkml:trace>
+  <inkml:trace contextRef="#ctx0" brushRef="#br0" timeOffset="5939.02">6068 3104 0,'0'0'0,"0"18"31,0 35-31,-18 35 32,18 0-17,0-35 1,0 0-1,18-53-15,35 0 16,35 0 0,-18-35-1,1-71 1,-18 18 0,-18-18 15,-17 88-31,-1-17 15,-34 53 17,-1 17-32,-35 71 15,36-18 17,-1-70-32,18 123 15,0-53 1,18 36-1,-18-19 1,-36-52 0,-69 0-1,-107-18 1,88-17 0,-17-18-1,88 0 16,18 0-15,35-35 0</inkml:trace>
+  <inkml:trace contextRef="#ctx0" brushRef="#br0" timeOffset="6544.81">4480 4374 0,'0'0'0,"18"-17"31,-18 34-15,0 19-16,0 34 15,0 71 1,0-88-16,0 124 16,-18-36-1,18 18 16,18-89-31,70 1 32,-53-54-32,71 1 15,53-18 1,-18 0 0,-35 0-1,-18-53 1,-70 0-1,-18 35-15,0-17 16</inkml:trace>
+  <inkml:trace contextRef="#ctx0" brushRef="#br0" timeOffset="6763.96">5133 5080 0,'0'0'0,"-53"0"16,35 0 0,18 35-1,89 18 1,-19 0-1,-17 0 17,-53 0-32,-35 17 31,-53-17-15,52-35-16,-87 53 15,17-54 1</inkml:trace>
+  <inkml:trace contextRef="#ctx0" brushRef="#br0" timeOffset="7712.21">6191 5486 0,'0'0'0,"0"-18"16,53-17-1,-35 17-15,-1-17 16,1 17-16,0-35 16,-18-35-1,-18 18 1,-70 52 0,0 36 15,-89 87-16,71 19 1,106-54 0,0 19-1,53-54 1,53-17-16,-88-18 16,88-36-1,0-52 1,-1 0-1,-52-18 1,-17-35 0,-36 35-1,0 88-15,0-34 16,-53 69 0,17 71 15,36 18-31,0 53 15,0-36 17,18-34-32,53-54 31,-1-17-15,18-36-1,-17-17 1,-1-36-1,-52 53-15,17-52 16,-17 52 0,-18 36-1,0 35 1,0 17 0,0 1 15,0-36-16,0-52 32,0-36-47</inkml:trace>
+  <inkml:trace contextRef="#ctx0" brushRef="#br0" timeOffset="7859.94">6844 5292 0,'0'-18'16,"0"36"-16,0-54 15,0 54 32,0 0-47,18-18 16,-18 17-16,35-17 16</inkml:trace>
+  <inkml:trace contextRef="#ctx0" brushRef="#br0" timeOffset="8096.48">7161 5274 0,'0'0'16,"0"18"-1,0-1 1,0 36 0,0 35-1,0-17 1,0 0-1,0-19 1,18-52-16,0 0 16,35 0-1,-1-52 1</inkml:trace>
+  <inkml:trace contextRef="#ctx0" brushRef="#br0" timeOffset="8260.01">7479 5362 0,'0'-35'15,"0"70"-15,0-123 0,-18 106 32,-52 70-1,34-18-15,19-52-16,-36 53 15,35-36-15,-35 18 16</inkml:trace>
+  <inkml:trace contextRef="#ctx0" brushRef="#br0" timeOffset="8988.84">5803 6332 0,'0'-17'16,"0"34"0,0 1-16,0 70 15,0 18 1,0 35 0,0 0-1,0-53 1,18-70-1,105 53 1,36-36 0,-18-17-1,53-18 1,0-18 0,-88-17-16,-88 17 15,-1-35 1,-17 0-1,-88-17 1,18 34 0,52 36-1,18 36 17,53-1-17,-18 18 1,-17-18 15,-18 36-31,-53-1 16,35-52-1,-52 17 1,17 0 0,53-17-16</inkml:trace>
+  <inkml:trace contextRef="#ctx0" brushRef="#br0" timeOffset="9339.15">7426 6844 0,'0'-18'0,"0"36"31,0 0-31,0-1 16,0 54-1,0-54-15,0 36 16,0 18-1,0-54 1,-18-17 0,18-35-1</inkml:trace>
+  <inkml:trace contextRef="#ctx0" brushRef="#br0" timeOffset="9510.86">7426 6738 0,'0'-18'16,"0"36"-16,0-106 16,0 70-16,0 36 31,35 35-15,18 17-1,18-34-15</inkml:trace>
+  <inkml:trace contextRef="#ctx0" brushRef="#br0" timeOffset="9943.37">7761 6844 0,'0'18'47,"0"-1"-47,0 36 16,0-18-16,0 18 31,0 18-15,-18-18-1,1-36 1,-1-17 0,1-17-1,17-1-15,0-52 16,88-19-1,0 19 1,71-1 0,-1 71-1,-69 36 1,-54-19-16,0 71 16,-35-17-1,-35-1 1,-18 1 15,35-53-15</inkml:trace>
+  <inkml:trace contextRef="#ctx0" brushRef="#br0" timeOffset="10395.04">8661 6844 0,'0'0'16,"0"-18"-16,-36-17 31,19 35-31,17 18 16,0 52 0,0 36-1,0-53-15,0 141 16,-18-35-1,-17 17 1,-18-17 0,18-89-1,-1-17 1,36-35-16,-17-18 16,17-35 15,0-36-31</inkml:trace>
+  <inkml:trace contextRef="#ctx0" brushRef="#br0" timeOffset="10679.24">8572 7038 0,'0'0'16,"0"-35"-16,36-54 16,17 19-1,17 35 1,1 35-1,17 0 1,-70 17-16,17 36 16,-17 35-1,-71-17 1,-18-18 0,-17-18-1,53-35 1,52-18 15</inkml:trace>
+  <inkml:trace contextRef="#ctx0" brushRef="#br0" timeOffset="11378.82">9207 6809 0,'0'0'0,"18"-18"16,0 18-1,-18 18 1,0 35 0,0 35-1,0-18 1,0 1 0,0-54-1,35-17 16,36-17-15,-1-36 0,-17 0-1,0-70-15,-35 87 16,-18 19 15,0 52-15,-18 53-1,18-53-15,0 18 16,0-35-16,0 70 16,18-35-1,17-35 1,71-18 0,-18-36 15,-53 19-31,53-54 15,-52 54-15,52-107 16,-18 1 0,-52-19-16,-18 54 31,-18 88-15,-52 106-1,52-71-15,-17 71 16,35 35-1,0-35 1,18-53 0,52-18-1,1-35 1,-1-35 0,-52 0-1</inkml:trace>
+  <inkml:trace contextRef="#ctx0" brushRef="#br0" timeOffset="11563.14">9913 6879 0,'0'0'16,"-18"0"-16,36 0 31,106 0-15,-19 0-1,36 0 1,-17-17 0,-89-1-16</inkml:trace>
+  <inkml:trace contextRef="#ctx0" brushRef="#br0" timeOffset="11929.22">11448 6632 0,'0'-17'0,"0"34"0,-18-34 0,-17 17 32,17 17-32,0 36 15,1 35 1,-1-52-16,1 87 16,-1-35-1,-17-17 1,17-54-1</inkml:trace>
+  <inkml:trace contextRef="#ctx0" brushRef="#br0" timeOffset="12227.74">11236 6897 0,'0'-18'0,"0"36"0,35-124 16,18 0-1,35 18 1,36 53 0,-1 70-1,-17 71 1,-53 0 0,-35 17-1,-54-17 16,-17-53-15,-17-18 0,35-35-1,-18 0 1,35 0-16</inkml:trace>
+  <inkml:trace contextRef="#ctx0" brushRef="#br0" timeOffset="12395.63">11359 6967 0,'0'-17'16,"53"17"-1,53 0 1,-71 0-16,54 0 16,-1 0 15,-35 0-31</inkml:trace>
+  <inkml:trace contextRef="#ctx0" brushRef="#br0" timeOffset="13144.47">5697 7214 0,'0'-17'0,"0"34"0,0-52 31,0 53-31,0 17 16,0 124-1,-35 17 1,-18 36-1,0-54 17,-17 37-17,52-37 1,18-52 0,18-18-1,52-52 1,54-1-1,34 0 1,19-17 0,-18-18-1,-36 0 1,-52-18 0,-36-35-1,-35 36 1</inkml:trace>
+  <inkml:trace contextRef="#ctx0" brushRef="#br0" timeOffset="13393.35">6209 8361 0,'0'0'15,"-18"0"1,106 0 15,-52 17-15,70 19-1,-18 17 1,-71 0 0,-34-1-1,-107 19 1,-34 0 0,16-18-1,107-36-15,-71-17 16</inkml:trace>
+  <inkml:trace contextRef="#ctx0" brushRef="#br0" timeOffset="13775.76">7338 8537 0,'0'-17'0,"0"34"0,0-52 0,0 53 47,0 17-31,0 35-16,-18-17 15,-17 18 17,35-36-17,0-52 16</inkml:trace>
+  <inkml:trace contextRef="#ctx0" brushRef="#br0" timeOffset="13943.28">7391 8361 0,'0'-18'0,"0"36"0,0-53 0,17 35 62,-17 17-46,53 1-1</inkml:trace>
+  <inkml:trace contextRef="#ctx0" brushRef="#br0" timeOffset="14355.74">7726 8555 0,'0'17'16,"0"-34"-16,0 52 0,-18 0 15,18-17-15,-35 17 16,17-35 0,1 0 15,17-17-16,0-1 1,17-53 0,89-34-1,18 34-15,70 36 32,-36 70-17,-34 71 1,-89-18-1,-35-17 1,-35-18 0,-53-18-1,35-35 1,35 0-16,0 0 0</inkml:trace>
+  <inkml:trace contextRef="#ctx0" brushRef="#br0" timeOffset="14792.24">8643 8431 0,'0'-17'0,"0"34"0,0-52 0,0 17 32,0 36-32,0 35 15,0 106 1,0 0 15,0-107-31,-53 160 16,-17 0-1,17-89 1,0 36 0,35-71-1,18-123 16,35-18-31</inkml:trace>
+  <inkml:trace contextRef="#ctx0" brushRef="#br0" timeOffset="15111.6">8625 8555 0,'0'-35'0,"0"70"0,0-88 0,0 35 15,18-35 1,70 0 0,0 53-1,54 53 1,-125-35-16,71 53 16,-88-1-1,-70 1 1,-54-36-1,36-17 1,0-1 0,88-34 15,88-19-15</inkml:trace>
+  <inkml:trace contextRef="#ctx0" brushRef="#br0" timeOffset="15796.29">9402 8396 0,'0'0'15,"0"18"-15,0-1 16,-36 36 0,19 0-1,-1 35 1,18-70-16,0 53 15,0-36 1,71-35 0,17 0-1,-35-53 1,52-35 0,-52 17-1,-17-17 16,-19 53-31,-17 105 47,-17 1-31,17-36-16,0 18 16,0 0-1,70-35 1,18-18-1,36-18 1,-1-53 0,-34-17-1,-54-71 1,-18 54 0,-17-1-1,0 123 16,-35 72-31,-18 69 16,36-52 15,-1 18-15,36-36 0,17-70-1,18-18 1,-36 0-16,54-36 15,-53 1 1</inkml:trace>
+  <inkml:trace contextRef="#ctx0" brushRef="#br0" timeOffset="15995.32">10089 8396 0,'-17'0'0,"34"0"0,-52 0 0,0 0 31,53 0-15,34 0-1,-16 0-15,122 0 16,-34-18 0,-54 1-16</inkml:trace>
+  <inkml:trace contextRef="#ctx0" brushRef="#br0" timeOffset="16355.27">11924 8167 0,'0'0'16,"-53"159"15,35-124-31,1 18 16,17-18-16,-18 53 15,0-35 1,1-35 0,52-18 15,-17-18-31</inkml:trace>
+  <inkml:trace contextRef="#ctx0" brushRef="#br0" timeOffset="16825.86">11836 8237 0,'0'0'0,"0"-17"0,0-19 15,35 19 1,-17-1-16,87 18 16,37 18-1,-72 35 1,-35 17-1,-52 1 1,-71-36 0,-36 0-1,71-35 1,88 0 15,1-17-31,17 17 16,70 0-1,36 53 17,-89 0-17,-52 17 1,-36-35 0,-105 18-1,70-53-15,-141 36 16,53-36-1,0 0 1,53-36 0,17 1-1</inkml:trace>
+  <inkml:trace contextRef="#ctx0" brushRef="#br0" timeOffset="17811.34">4621 5115 0,'0'0'0,"-17"0"0,-54 18 32,54 0-32,-1-1 0,-53 71 15,18 1 1,18 122-1,18-17 1,-72 88 0,19 36-1,-18 35 1,-36 35 0,18-88-1,-35 123 1,0 18-1,106-335 1,-53 211-16,-18 89 31,53-124-15,-18 89 0,36-71-1,17-106 1,1-142-16,17 160 15,0-88 1,17-54 0</inkml:trace>
+  <inkml:trace contextRef="#ctx0" brushRef="#br0" timeOffset="18261.54">3193 10777 0,'0'18'0,"0"-36"0,17 36 16,142 17-1,-124-35 1,71 0-16,141 0 15,0 0 1,-18 0 15,-35 18-31,-105-18 16,-54 0 15,-35-18-31</inkml:trace>
+  <inkml:trace contextRef="#ctx0" brushRef="#br0" timeOffset="18594.56">4339 10477 0,'0'0'0,"0"18"31,18 17-31,35 1 31,35 34-31,0-17 31,-17-18-15,-54-35-16,19 36 0,-36-19 16,0 19-1,-89 34 1,-69 1-1,34-36 1,-35 18 0,124-53-16,-53 0 15</inkml:trace>
+  <inkml:trace contextRef="#ctx0" brushRef="#br0" timeOffset="19571.55">5609 10971 0,'18'0'15,"-36"0"-15,53 0 0,-17 0 0,88-53 16,-18-17 15,-35 35-15,-53-36-1,-18 18 1,-17 36-16,-53-1 16,-106 36-16,70 34 31,1 54-16,105 18 1,18-54 0,53 18-1,18-88 1,70 0 0,0-52-1,-35-19 1,17-35 15,-35-17-15,-70 70-16,0-71 15,-18-34 1,0 105 0,0 53-16,0 123 31,0 54-16,0-19 1,0-52 0,0-53-1,53-35 1,17-1 0,-52-17-16,17-17 15,36-36 1,-36-35 15,-17 35-15,17 35-1,-35 71 1,0-35 0,0 70-1,0-53 1,0 0-1,0-17 1,0-36 0</inkml:trace>
+  <inkml:trace contextRef="#ctx0" brushRef="#br0" timeOffset="19761.18">6509 10601 0,'0'0'0,"0"-18"0,0 1 16,0 34 31,0 36-31,17-17-16</inkml:trace>
+  <inkml:trace contextRef="#ctx0" brushRef="#br0" timeOffset="19990.59">6756 10707 0,'0'0'16,"17"-18"0,-17 36-1,36 52 1,-19 19 15,19-19-15,-1 1-1,0-36 1,-17-35 0,-1 0-16,19-18 15</inkml:trace>
+  <inkml:trace contextRef="#ctx0" brushRef="#br0" timeOffset="20171.68">7302 10672 0,'0'-18'15,"0"36"-15,0-18 16,-70 70 0,-1 1-1,-34 17 1,16-18 15,54-34-31</inkml:trace>
+  <inkml:trace contextRef="#ctx0" brushRef="#br0" timeOffset="20992.36">6050 11553 0,'0'0'0,"0"-17"0,0-1 0,0 1 16,18-19-1,-18 89 16,0 53-15,0 0 0,-36 17-1,36-87-15,0 105 16,36-53 0,70 0-1,52-53 1,1-35 15,-106 0-31,123 0 0,-105 0 16,123-17-16,-18-36 31,-123-18-15,-53 18-1,-70 18 1,34 35-16,-52-18 15,18 18 1,70-17 0,17-1-1,89 1 1,-35 17 0,17 52-1,-88-34 1,0 70-16,-18-17 15,-70 17 1,0-17 0,35-36 15,18 0-15,17-35-1</inkml:trace>
+  <inkml:trace contextRef="#ctx0" brushRef="#br0" timeOffset="21338.08">7849 11906 0,'0'-17'0,"0"-1"15,0 36 1,0 17 0,-17 71-16,-19-36 31,1 1-16,35-54-15,-35 1 16,35 0 0,0-36-1,0 0-15</inkml:trace>
+  <inkml:trace contextRef="#ctx0" brushRef="#br0" timeOffset="21521.06">7832 11659 0,'0'-17'0,"0"34"0,-18-52 16,0 35 15,1 0-31,17 18 16,0-1-1,0 19-15,35 16 31</inkml:trace>
+  <inkml:trace contextRef="#ctx0" brushRef="#br0" timeOffset="21979.23">8114 11871 0,'0'0'16,"0"18"-16,18 52 15,-18-52 1,0 35-16,0 35 31,0-18-31,0-52 16,0 17-1,-18-17 1,0-18 0,1-18-1,17-35 1,0-17-1,105-71 1,-16 70 0,34 36-1,1 53 1,-72 35 0,-34 52-1,-18 19 16,-35-71-15,-36 0 0,71-36-1,0-34 17,0-1-32</inkml:trace>
+  <inkml:trace contextRef="#ctx0" brushRef="#br0" timeOffset="22326.68">8767 11906 0,'0'0'0,"17"0"0,-17 18 15,0 17 1,0 53 0,-17 71-1,17-18 1,0 53 15,-53 36-31,0-54 16,17-123-1,-34 141 1,35-71 0,17-70-1,18-35 1,0-53-1,18-36 1,34-88 0,-34 106-16</inkml:trace>
+  <inkml:trace contextRef="#ctx0" brushRef="#br0" timeOffset="22610.52">8837 12188 0,'0'-35'16,"0"70"-16,0-158 0,0 88 15,35-36-15,18 1 16,18 52 15,-18 18-15,0 106 0,-53-36-1,-18 19 1,-70-19-1,35-35 1,0-35 0,71-17 15,35-19-15</inkml:trace>
+  <inkml:trace contextRef="#ctx0" brushRef="#br0" timeOffset="23293.75">9437 11836 0,'0'0'0,"17"0"0,-17 17 47,-17 72-47,-1-19 31,18 36-31,0-53 31,35-36-15,-17-17-16,35 0 16,0-17-1,17-54 1,1-52 0,-36 52-1,-35 54-15,18-36 16,-18 106 31,-18 70-32,1-35 1,-1 0 0,53-52-1,-17-36-15,52 0 16,54-53-1,-36 0 1,18-71 0,-18-34-1,-53-1 1,-35 53 0,-17 159 15,-54 70-16,54-17 17,17 35-32,17 18 31,19-106-15,34-35-1,-17-18 1,18-36-16,-54-34 15</inkml:trace>
+  <inkml:trace contextRef="#ctx0" brushRef="#br0" timeOffset="23475.64">10213 11818 0,'0'0'15,"-18"0"-15,1 0 0,-1 0 16,71 0 15,35 0-15,18 0 15,0 0-31</inkml:trace>
+  <inkml:trace contextRef="#ctx0" brushRef="#br0" timeOffset="23891.05">11783 11659 0,'0'0'0,"0"-17"0,0-1 16,0 0-16,0 1 15,-36-1 1,-69 71 0,87-18-1,-70 53 1,0 54 0,70-19-16,18-35 31,106-17-16,0-54 1,-71-17-16,106 0 16,0-35-1,-70 0 1,-18-18 0,-53 35-1,-36 1 1</inkml:trace>
+  <inkml:trace contextRef="#ctx0" brushRef="#br0" timeOffset="24903.08">5997 12206 0,'0'-18'16,"0"36"15,0 0-31,-17 35 16,17 88-1,-18 88 1,18-158-16,-35 140 15,-1 54 17,1-106-32,0 35 31,17-71-15,18-52-16,124 17 31,-1-35-16,89 0 1,52-36 0,-52-17-1,53-35 1,-71-18 0,-159 0-1,-35 0 1,-53 0-1,-53 0 1,0 1 0,89 34-1,52 18 17,53 53-1,-17 17-16,-71-52-15,17 35 16,-52 53 0,-71-36-1,-17-17 1,-18 0 0,70-53-1,89 0 1</inkml:trace>
+  <inkml:trace contextRef="#ctx0" brushRef="#br0" timeOffset="25254.6">7743 13829 0,'0'0'0,"0"-18"0,0-17 15,18 53 16,-18 17-31,0 53 16,0-17 15,0-36-31,0 18 16,0-36 0,0-34-1</inkml:trace>
+  <inkml:trace contextRef="#ctx0" brushRef="#br0" timeOffset="25424.66">7796 13635 0,'0'0'0,"0"-53"0,0 18 16,0 52 30,18 1-46,0 0 16,-1-1-16</inkml:trace>
+  <inkml:trace contextRef="#ctx0" brushRef="#br0" timeOffset="25859.33">8132 13811 0,'0'18'0,"0"-36"0,0 54 0,0-1 16,0 18-1,-18-18 1,0-35 0,1 0-16,-1 0 15,18-35 1,0-18-1,88-35 17,0-1-17,71 36 1,-71 53-16,0 89 16,-70 17 15,-18-36-16,-53 1 1,18-18 0,17-36-1</inkml:trace>
+  <inkml:trace contextRef="#ctx0" brushRef="#br0" timeOffset="26187.34">9031 13705 0,'0'0'0,"0"18"47,0 0-47,0 52 15,0-52-15,0 88 16,-35 52-1,-18 36 1,0 1 0,-70 34-1,17-18 1,70-175-16,1 52 16,17-53-1,36-70 1,70-53 15,18-53-31,-71 105 16</inkml:trace>
+  <inkml:trace contextRef="#ctx0" brushRef="#br0" timeOffset="26487.38">8996 14041 0,'0'-36'15,"0"72"-15,0-125 0,0 1 16,70-71-16,19 36 31,16 88-15,-16 52-1,-1 71 1,-88 18 0,-35-35-1,17-53 1,-70 17-16,-36 0 31,71-17-15,36-18-1,52 0 1,88-53 0,-105 35-16</inkml:trace>
+  <inkml:trace contextRef="#ctx0" brushRef="#br0" timeOffset="27160.44">9631 13635 0,'0'0'16,"17"-35"-16,1 35 16,-18 70 15,0-52-31,0 70 16,-18 0-1,18-17 1,0-54-1,53-17 17,18-35-17,-1-35 1,1-36 0,-18 35-16,-18 1 31,-35 122 0,0 54-15,0-17-1,18-19 1,35-35 0,35-35-1,35 0 1,-52-53-1,-36 36-15,53-89 16,-52-35 15,-1-36-15,-35 72 0,0 69-16,0 72 15,-35 87 16,-1 53-15,36-52 0,0-1-1,0-70 1,0-35-16,53 0 16,0-18-1,0-36 1,-35-34-1</inkml:trace>
+  <inkml:trace contextRef="#ctx0" brushRef="#br0" timeOffset="27327.06">10372 13547 0,'0'0'0,"-18"0"0,-17 0 15,17 0 1,18 35-1,35-17 1,89-18 0,-1-18-1</inkml:trace>
+  <inkml:trace contextRef="#ctx0" brushRef="#br0" timeOffset="27709.47">11924 13353 0,'-18'0'0,"36"0"0,-71 0 16,35 0 0,-17 35-1,35 53 1,0 36 0,0-89-16,0 88 15,0-70 1,0-17-1,0-54 17,0 0-17</inkml:trace>
+  <inkml:trace contextRef="#ctx0" brushRef="#br0" timeOffset="27993.24">11695 13458 0,'0'-17'0,"0"34"0,0-105 15,0 71-15,35-54 16,0 71-16,71-35 16,106 35-1,17 70 1,-106 1 0,-52 70-1,-71-35 1,-194 35-1,-35-70 17,52-36-17,1 0 1,88-35 0,52 0-1</inkml:trace>
+  <inkml:trace contextRef="#ctx0" brushRef="#br0" timeOffset="28109.19">11853 13935 0,'0'0'0</inkml:trace>
+  <inkml:trace contextRef="#ctx0" brushRef="#br1" timeOffset="33291.5">5521 776 0,'-18'0'0,"36"0"0,-53 0 0,17 0 16,36 0 15,52-18-15,1 1-1,-36 17-15,53 0 16,-52 0 15,-54 0 0,-70 0-15</inkml:trace>
+  <inkml:trace contextRef="#ctx0" brushRef="#br1" timeOffset="33556.73">5503 758 0,'-35'18'16,"70"-36"-16,-70 54 0,0-19 15,-1 54 1,1-1-1,35-34-15,-17 70 16,17-71 0,-18 71-1,0 17 1,18-52-16,0-18 16,36-36-1,52-17 16,-71 0-31,72-35 16,-19-18-16</inkml:trace>
+  <inkml:trace contextRef="#ctx0" brushRef="#br1" timeOffset="33792.94">5997 1041 0,'0'0'15,"-17"17"1,-1 1-16,0 53 16,1-1-1,17-35-15,0 54 32,-18-37-17,18-16 1,35-36-1</inkml:trace>
+  <inkml:trace contextRef="#ctx0" brushRef="#br1" timeOffset="34209.35">6332 758 0,'0'0'16,"0"-17"-16,18 17 31,0-18-31,70 18 16,-18 0 0,36 71 15,-71-54-31,36 89 15,-18 18 1,-53-18 0,0 17-1,-53-17 1,-35-36 0,-53 19-1,53-54 1,-18 0-1,35-35 17,-35 0-32,89 0 15</inkml:trace>
+  <inkml:trace contextRef="#ctx0" brushRef="#br1" timeOffset="34869.01">7250 2857 0,'0'-17'16,"17"17"15,1 0-31,-1 0 0,1 0 16,17 0-1,18 0 1,-53-18 0</inkml:trace>
+  <inkml:trace contextRef="#ctx0" brushRef="#br1" timeOffset="35139.35">7214 2805 0,'0'0'15,"-17"0"-15,-36 35 0,17 18 32,-34 53-17,-1 35 1,54 35-1,17-35 1,0-70 0,0-18-1,70-36 1,1-17 0,52-53-1,-87 36-15,-19-1 16</inkml:trace>
+  <inkml:trace contextRef="#ctx0" brushRef="#br1" timeOffset="35358.96">7549 3052 0,'0'0'0,"-17"0"0,-1 17 15,18 36 1,-17 35-1,-1 18 1,18-35 0,0-18-1,0-36-15,18-17 32</inkml:trace>
+  <inkml:trace contextRef="#ctx0" brushRef="#br1" timeOffset="35758.94">7937 2857 0,'0'-17'0,"0"34"0,0-52 16,18 35-1,53 0 1,17 0 0,0 35-1,-17 36 1,-54 17 0,-17-17-1,0-36-15,0 71 16,-17 0 15,-54 17-15,1-52-16,-54 17 31,89-70-31,-53 17 16,52-17-16,-70-18 15,18 17-15</inkml:trace>
+  <inkml:trace contextRef="#ctx0" brushRef="#br1" timeOffset="36659.83">7990 4957 0,'0'-18'16,"18"0"-16,0 1 15,-1 17-15,54-18 16,17 0 0,18-17-1,-36 17 1,-52 18-16,0 0 16,-54 18-1,-52 0 1,0-1-1,-18-17 1,36 18 15,17 0-31,0 35 32,18-1-17,-1 72-15,19-36 16,-36 71-1,53-36 17,0-52-17,35-18 1,36-18 0,-1-35-1,-35 0-15,54-35 16,52-36-1</inkml:trace>
+  <inkml:trace contextRef="#ctx0" brushRef="#br1" timeOffset="36889.68">8520 5186 0,'0'0'0,"0"35"31,0 18-16,-18 53 1,-17-18 0,17-17-1,18-54-15,0 36 16,53-53 15,-35 0-31</inkml:trace>
+  <inkml:trace contextRef="#ctx0" brushRef="#br1" timeOffset="37273.44">8925 5133 0,'0'0'16,"0"-18"-16,0 1 0,0-36 0,0 35 31,18 18-31,35-18 0,35 1 31,35 17-15,-52 53-1,-36 53 1,-17 17 0,-18-52-1,0-36-15,0 71 16,0-36-1,-35 36 1,-54-18 0,19-52-1,-54 16 1,1-34 0,35-18 15,53 0-31</inkml:trace>
+  <inkml:trace contextRef="#ctx0" brushRef="#br1" timeOffset="38123.12">12330 6491 0,'0'0'0,"17"0"0,1-18 0,17 1 16,0-1-16,54 1 31,-1 17-15,-53 0-1,-17 0-15,-36 0 32,-52 0-17,-1 0 1,-17 0-1,17 17 1,18 18 0,36 1-16,-36 70 15,17-1 1,-16 37 0,16-19 15,36-35-16,18 18 1,52-53 0,-17-18-1,53-35 1,-35 0 0,-1-35-16</inkml:trace>
+  <inkml:trace contextRef="#ctx0" brushRef="#br1" timeOffset="38359.05">12876 6809 0,'0'-18'0,"0"36"0,0-18 32,-17 35-17,-19-17-15,19 87 16,-1-34-1,1-1 1,17 1 0,35-71 15,-18 0-31,19-18 16</inkml:trace>
+  <inkml:trace contextRef="#ctx0" brushRef="#br1" timeOffset="38740.68">13300 6562 0,'0'0'0,"0"-53"16,17 35 0,54 0-16,-18 18 31,53 18-16,-18 70 1,-53 0-16,-35-70 16,18 123-1,-18-53 1,0 18 0,0 0-1,-53-18 1,-35-17-1,-1-18 1,-69-18 0,34-17-1,36-1 1,53-17 0</inkml:trace>
+  <inkml:trace contextRef="#ctx0" brushRef="#br1" timeOffset="39390.98">12735 8237 0,'18'0'15,"-36"0"-15,71 0 0,-18-17 16,1 17-16,70 0 16,-18 0-1,18-18 1,-53 0 0,-71 18 15,0 0-31,-52 0 15,-19 0 1,1 0 0,18 36 15,-1 34-15,1 36-1,70-71-15,-36 54 16,1 34-1,17-17 1,-17 17 0,35-34-1,0-54 1,53-18 0,35-52-1,-35 18 1</inkml:trace>
+  <inkml:trace contextRef="#ctx0" brushRef="#br1" timeOffset="39889.42">13317 8572 0,'0'-17'0,"0"34"0,18-52 16,-18-18-16,53 18 31,0 17-31,17 18 15,-17 71 17,-53 35-17,0-18 1,-106 35 0,-35-52-1,53-18 1,53-53-16,-53 0 15,17 0 1,53-35 0,18-54 15,71-16-15,0 69-1,-54 36-15,71 0 16,-70 36-16,17 34 31,-17 18-15,17-52-1,36-1 1,-1-35 0,19 0-1,16-53 1</inkml:trace>
+  <inkml:trace contextRef="#ctx0" brushRef="#br1" timeOffset="40290.82">14093 8326 0,'0'-18'0,"0"36"0,0-54 0,0 19 15,0-36 1,53 17-1,0 36 1,-17 0-16,52 0 16,-35 36-1,-18 52 1,-35 0 0,0-17-1,0 34 1,0-87-16,0 53 15,0 17 1,-18 18 0,-35-36-1,-35 18 17,-18-17-17,89-71-15,-71 35 0,-18-35 31,35 0-31</inkml:trace>
+  <inkml:trace contextRef="#ctx0" brushRef="#br1" timeOffset="40873.62">7532 9913 0,'0'18'16,"0"-1"0,17-17-16,1 0 15,35 18 1,70-18-1,1 0 1,-18 0 0,-36 0-1,-87 0 17,-1-18-32,0 18 0,-87 0 15</inkml:trace>
+  <inkml:trace contextRef="#ctx0" brushRef="#br1" timeOffset="41169.18">7585 9948 0,'0'0'0,"-53"0"31,35 36-31,-17 17 16,0 52-1,-1 1 16,36-71-31,0 71 16,-17 35 0,-1-35-1,18-35 1,18-1 0,35-52-1,0-18 1,-36 0-16,71-53 15,-17 35 1</inkml:trace>
+  <inkml:trace contextRef="#ctx0" brushRef="#br1" timeOffset="41651.54">8061 10178 0,'0'-18'0,"0"36"0,18-36 0,-18 0 16,35 1 0,0 17-1,36 0 1,-54 0-16,36 70 16,-17 36-1,-36 18 1,-36-36-1,-70 18 1,18-71 0,71-35-1,-36 0 1,0-18-16,35-35 31,18-17-15,0-1-1,35 54 1,36 17 0,0 70-1,-36-17 1,18 18 0,0-54-1,0-17 1,17 0-1</inkml:trace>
+  <inkml:trace contextRef="#ctx0" brushRef="#br1" timeOffset="42075.55">8714 10107 0,'0'-18'0,"0"36"16,0-53-16,0 17 15,17 1 1,36 17 0,0 0-1,-35 0-15,52 52 16,-52 1 0,17 53-1,-17 18 1,-18-36-1,0 18 1,0 17 0,-35-70-1,-71 0 1,0-18 15,18-17-31,-18-18 31,53 0-15,18-18 0,35 1-16</inkml:trace>
+  <inkml:trace contextRef="#ctx0" brushRef="#br1" timeOffset="43039.91">13035 11606 0,'0'0'0,"0"-17"16,0-1-16,88 0 16,53 1-1,-52 17 1,-1 0 15,-71 0-31,1 0 0,-18-18 31,-106 18-15,18 0 0,-35 0-1,52 0 1,36 18-16,-36 35 16,54 17-1,-19 18 1,1 54-1,0-1 1,17-18 0,18-35-1,0-35 17,35-17-17,36-36 1,-1 0-1,-17-18-15</inkml:trace>
+  <inkml:trace contextRef="#ctx0" brushRef="#br1" timeOffset="43264.32">13582 11853 0,'-18'18'31,"1"0"-31,-1-1 0,-53 107 16,36-18 0,18-18-1,-19-18 17,19-34-17</inkml:trace>
+  <inkml:trace contextRef="#ctx0" brushRef="#br1" timeOffset="43706.67">13899 11677 0,'0'0'0,"36"-35"31,-19 17-31,54 18 16,-53 0-1,52 0 1,-35 0-16,18 35 0,0 36 31,-53 17-15,0-17-16,0 52 31,-17-70-15,17-18-16,-53 53 15,0-17 1,0-18 0,-35 0-1,17-53 1,-17 35-1,70-35-15,-35 0 16</inkml:trace>
+  <inkml:trace contextRef="#ctx0" brushRef="#br1" timeOffset="44351.04">13229 13017 0,'0'0'0,"18"0"0,176-35 31,-159 18-31,53-1 16,-35 18-1,-35-18-15,-18 1 32,-71 17-17,-87 35 1,122-35-16,-87 35 15,-1 53 1,18 1 0,54-1-1,16 18 17,36 17-17,0-88-15,0 71 0,0 18 16,18-54 15,52-17-15,36-53-1,0 0 1,-88 0-16,88-35 16</inkml:trace>
+  <inkml:trace contextRef="#ctx0" brushRef="#br1" timeOffset="44837.31">13794 13300 0,'0'0'0,"0"-18"16,35-17-16,18 17 31,0 18-15,-36 35-16,1 54 31,-18-54-31,0 53 16,-53 18-1,-53-18 1,18-35 0,-18-35-1,36-18 1,52-18-1,18 0-15,0-52 16,35 17 0,36-18-1,-18 71 17,-18 18-17,-17 0-15,-1 35 0,36 17 31,-17-35-15,-1-35-16,53 0 31,-53 0-31</inkml:trace>
+  <inkml:trace contextRef="#ctx0" brushRef="#br1" timeOffset="45300.37">14464 13176 0,'0'-17'0,"0"34"0,0-70 15,0 36 1,35 17 15,36 0-15,-1 0-16,-34 0 31,-1 0-15,-18 17-16,-17 19 15,0 17 1,0 35 0,-17-18-1,-1 18 1,1 1-1,-1-72-15,18 89 16,-35-18 0,-36-17-1,1-1 1,-19-52 15,72-18-31,-54 18 16,53-18-16,-34 0 0,34 0 15</inkml:trace>
+  <inkml:trace contextRef="#ctx0" brushRef="#br1" timeOffset="45467.57">14340 13899 0,'-17'0'31,"17"-17"-31,-18-1 16,18 1-1,0-1-15,0 0 16</inkml:trace>
+  <inkml:trace contextRef="#ctx0" brushRef="#br1" timeOffset="48722.64">10672 1235 0,'0'-18'156</inkml:trace>
+  <inkml:trace contextRef="#ctx0" brushRef="#br1" timeOffset="49140.2">10777 1058 0,'0'0'16,"0"-53"-1,-17 36-15,-1 17 31,18-18-31,-18 18 16,18 18 0,-17 35-1,17-36 1,-18 54-16,18-53 0,-17 105 16,-1-35-1,0 0 16,1-17-15,-1-36 0,18-17-16,0-36 62,0-35-46</inkml:trace>
+  <inkml:trace contextRef="#ctx0" brushRef="#br1" timeOffset="49567.18">10724 1094 0,'0'0'0,"0"-18"0,0 0 0,0 1 0,18-36 31,17 17-15,18 1-1,18 0 1,17 35 0,-53 18-16,36 52 15,-1 54 1,-52-36-1,-18 35 1,0-35 0,-35-35 15,-18 18-15,35-53-1,18-1 1,-17-17 15,-1-17-31,18-1 16</inkml:trace>
+  <inkml:trace contextRef="#ctx0" brushRef="#br1" timeOffset="49904.64">10724 1323 0,'-17'0'0,"34"0"0,-52 18 15,53-18 17,-1 0-17,36 0 1,-35-18-16,53 0 0,17 18 15,-35 0 1,-36-17 0,1 17 77</inkml:trace>
+  <inkml:trace contextRef="#ctx0" brushRef="#br1" timeOffset="52231.33">11959 1305 0,'-17'0'46,"-1"0"-46,0 0 0,1 0 16,-36 0 0,35 0-1,0 0 1,36 0 46,0 0-62,17 0 16,106 0 0,0 0-1,-106 0-15,142 0 16,-71 0 0,0 0-1,-36 0 1,-52 0-1,-1 0 1,-17-17 31,0-1-31</inkml:trace>
+  <inkml:trace contextRef="#ctx0" brushRef="#br1" timeOffset="53870.62">12612 988 0,'-18'17'31,"18"1"-31,0 0 0,0 17 16,0-17-16,53 35 31,0-1-16,35-34 1,0 0 0,-17-18-16,17 0 31,-53 0-15,-17-18-1,-53 18 16,-36 0-15,54 18-16,-54 17 16,53-17-16,-52 17 15,-1 35 1,18-34 15,36-19-15,-19 19-16,19-19 31,-1-17-15,18 18 1015,-17-18-1015</inkml:trace>
+  <inkml:trace contextRef="#ctx0" brushRef="#br1" timeOffset="63297.72">3228 5168 0,'0'18'79,"0"-36"30,0 1-93,0-1-1,0 0-15,-18 18 47,18 36-31,-17-19-1,17 1 1,0-1-16,17-17 62,1 0-46,0 0-16,-18-35 16,0 53 62,0-1-47,0-34 32,0-1-48,0 1 1,0-1-1,0 0-15,-36 18 16,1-17 0,-18 17-1,0 0 1,0 35 0,0-17-1,18-1 1,-18 18-16,-53 36 31,18-18-31,35 0 31,-35 0-15,35 0 0,35-53-16,-17 70 15,-18 1 1,18-1-1,0 19 1,35-19 0,0 36-1,0-53 1,0 17 15,17-17-31,19 0 31,17-17-15,35 34 0,-35-52-1,52 17 1,-16-35 0,16 35-1,1-35 1,0 18-1,-71-18-15,71 0 16,35 18 0,0-1-1,54-17 1,-19 35 0,-53-17 15,-70-18-31,71 35 15,-18-35-15,-1 0 32,-16 0-17,-36 0 1,-18-17 0,18 17-1,-36-18 1,1 18-1,-18-18 110,0 1-109,18-1-16</inkml:trace>
+  <inkml:trace contextRef="#ctx0" brushRef="#br1" timeOffset="64207.94">4639 6138 0,'0'0'0,"-18"0"16,18-17-16,-17 17 31,17 17 0,0 1-15,0 0 0,35 17-1,0 0 1,1-17 0,16 17-1,1-17 1,-17-1-1,-19-17 1,1 18 0,-18 0 31,-18-1-16,1 1-31,-19-18 0,-17 35 15,-35 18 17,-18 0-17,18 0 1,18-18-16,34-17 31,-16 17-15,34-35-1,0 18 1,1-18 0,34 0 31,1 0-47,17-18 15,-17 0 1,52-17-1,-17 0 1,18 0 0,-18 17-1,-18 0 1,-35 1 0,18 17-1,-1 0 16,-17-18 16,0 0-31</inkml:trace>
+  <inkml:trace contextRef="#ctx0" brushRef="#br1" timeOffset="66270.78">14746 706 0,'0'0'0,"18"0"31,-18-18-15,0 0 15,17 18-15,-17-17-1,0-1 1,0 36 46,0-1-62,-35 19 16,0 52 0,-36 53-1,-17-18 1,-18 18 0,18-35-1,17-53 1,54-35-16,-54 52 15,18-34 1,18-19 0,17-17-1,36 0 17,17-17-1,36-36-16</inkml:trace>
+  <inkml:trace contextRef="#ctx0" brushRef="#br1" timeOffset="66970.66">14922 776 0,'18'0'0,"-36"0"0,36-18 16,35-17 15,-18 0-15,-17 35-1,0 0 1,-18-18 0,0 36 15,-18 0-16,-17 52 1,-36 36 0,-17 35-1,17-35 1,54-88-16,-71 105 16,35-52 15,-18-1-16,36-35-15,0 1 16,17-1 15,18-53 94,0 1-109</inkml:trace>
+  <inkml:trace contextRef="#ctx0" brushRef="#br1" timeOffset="86519.22">15646 1341 0,'0'0'15,"17"0"1,1 0 0,0 0-16,-1 0 15,1-18 1,-18 0-16,18 18 0,-18-53 15,-18 0 17,-53 18-17,-35 18 1,-17 17 0,35 35-1,53-18-15,-54 72 16,72-19-1,17 1 1,0-18 0,0-18-1,53-35 1,35 0 0,-71 0-16,107-53 15,-18 0 1,-18-53-1,-35 0 17,-18-52-17,-17 122-15,-18-34 0,0 35 0,0-54 32,0 72-17,-18 70 1,1 35-1,-19 53 1,36-106-16,0 71 16,0 0-1,0-53 1,36-18 0,16-17-1,19-18 16,-53-18-31,52-17 0,1-18 32,-54-35-17,1 52 1,-18 19 0,-18 87 15,18-52-31,0 35 15,-17 0 1,-1-18 0,18 0-1,18-52 32,-18-1-47,17 0 0</inkml:trace>
+  <inkml:trace contextRef="#ctx0" brushRef="#br1" timeOffset="86701.2">16175 1041 0,'0'0'16,"0"-18"-16,-18 18 31,36 0 16,-18 18-47,17-1 15</inkml:trace>
+  <inkml:trace contextRef="#ctx0" brushRef="#br1" timeOffset="86983.31">16422 1094 0,'0'17'31,"0"1"-31,0 0 16,0 17 0,17 35-1,1 1 1,-18-53-16,18 34 15,-1-16 1,1-36 15,0-18-15,-1 0-16</inkml:trace>
+  <inkml:trace contextRef="#ctx0" brushRef="#br1" timeOffset="87202.98">16686 1147 0,'0'0'0,"0"52"31,-17-34-31,-1 0 16,-35 70-1,18-35 1,0 0-1,17-18 1,36-35 15</inkml:trace>
+  <inkml:trace contextRef="#ctx0" brushRef="#br1" timeOffset="87850.7">17304 935 0,'0'-18'16,"17"18"15,1-17-31,70 17 16,-53 0-16,36-18 16,-36 18-16,1-18 15,-19 18 1,-52 0-1,-71 0 1,36 18 15,34-18-31,-17 18 16,-17-18 0,52 17-1,-17 18 1,0 18-1,17 36 1,0-1 0,18-71-16,-35 89 15,17-18 1,1 1 0,17-19-1,0-17 1,70-18 15,1-17-15,17-36-1,-17-17-15,-1-18 16</inkml:trace>
+  <inkml:trace contextRef="#ctx0" brushRef="#br1" timeOffset="88152.57">17780 1199 0,'0'0'16,"0"-17"-16,0-1 15,0 36 17,0-1-32,0 54 15,-18-18 1,18 35 15,-35-35-31,17 0 16,1-35-1,-1-1 17,36-17-1,35-53-16</inkml:trace>
+  <inkml:trace contextRef="#ctx0" brushRef="#br1" timeOffset="88664.04">18133 1058 0,'0'0'16,"0"-17"15,17 17-31,36 0 16,18-18 15,52 18-15,-70 0-1,0 18 1,-53-1-16,0 19 15,0 34 1,0-17 0,-17 35-1,17-35 1,-18-35-16,0 52 16,1-17-1,-19 18 16,-17-18-31,-35 0 32,18-18-32,-36-17 31,53-18-15,18 0-16,35-18 46,0 0-46,0 1 0</inkml:trace>
+  <inkml:trace contextRef="#ctx0" brushRef="#br1" timeOffset="89269.18">19562 935 0,'17'-18'0,"-34"36"0,34-53 16,36-54-1,-35 72 17,-18 34-32,-18 72 31,0-54-31,-70 159 16,-18-53-1,-35 71 1,35-71-1,-17 18 1,70-71 0,35-71-16,1 36 15,17-70 17,35-19-17,36-17 1</inkml:trace>
+  <inkml:trace contextRef="#ctx0" brushRef="#br1" timeOffset="89550.69">19791 1482 0,'0'0'0,"0"17"16,0 1-1,0 35 1,0-18 0,-18 18-1,1-35 1,-1 17 0,0-35-1,18-18 16,0 1-31,0-19 16</inkml:trace>
+  <inkml:trace contextRef="#ctx0" brushRef="#br1" timeOffset="89734.93">19914 1270 0,'0'0'0,"0"-18"16,0 1-1,0 34 32,0 1-47,18 0 16,0-1 0</inkml:trace>
+  <inkml:trace contextRef="#ctx0" brushRef="#br1" timeOffset="90249.75">20179 1341 0,'0'17'0,"0"1"0,0-1 16,0 19 0,-18 34-1,18-17 1,0 0-1,0-35-15,0 17 16,-17-17 0,-1-18 15,0-18-15,18 0-16,0-52 15,18 17 1,70-53-1,-17 53 1,70 18 15,-53 35-15,-70 0-16,70 53 16,-53 0-1,-35 35 1,-18-18-1,-17-34 1,18-1 0,34-53 31</inkml:trace>
+  <inkml:trace contextRef="#ctx0" brushRef="#br1" timeOffset="90644.38">21149 1358 0,'0'0'16,"0"-17"-16,0 34 31,0 1-15,0 52-1,0 36 1,-18 53 0,-17-18-1,17-106-15,-34 142 16,-1-36-1,17 0 1,1-35 15,35-89-31,0-34 32,0-36-17,71-53 1,-54 71-16</inkml:trace>
+  <inkml:trace contextRef="#ctx0" brushRef="#br1" timeOffset="91002.22">21114 1429 0,'0'0'0,"0"-18"0,0-35 16,17 18-1,36 17 1,-35 18-16,70 0 16,-35 18 15,0 52-15,-53-17-1,-53 18-15,35-53 16,-52 17-1,-18 0 1,52-17 0,19-18-1,70 0 17,-36-18-32,36-17 15</inkml:trace>
+  <inkml:trace contextRef="#ctx0" brushRef="#br1" timeOffset="91734.02">21608 1323 0,'0'-18'0,"0"36"0,17-36 0,1 18 31,-18 18 0,0 52-15,-18-17-1,18 0 1,0-35 0,0 0-1,18-18-15,35 0 16,17-18 0,-17-35-1,18-18 1,-36 1-1,-35 52 17,0 89-1,0-18-31,0 0 31,0-36-31,18 1 16,52 0-1,1-18 1,-18-18 0,17-35-1,-34-18 1,-19-70 0,19-17-1,-19 34 1,-17 71-1,0 71 1,0 52 0,-17 54-1,-19 17 17,19-35-32,-1-53 31,18 17-16,0-52 1,18-18 15,-1 0-31,54-18 16,-36 1-16</inkml:trace>
+  <inkml:trace contextRef="#ctx0" brushRef="#br1" timeOffset="91984.52">22296 1147 0,'17'0'62,"1"0"-46,-1 0-16,1 0 16,35-18-1,35 0 1,-53 1-16</inkml:trace>
+  <inkml:trace contextRef="#ctx0" brushRef="#br1" timeOffset="92551.54">22983 988 0,'18'0'15,"0"0"-15,17 0 0,-17 0 16,35 0-1,35-18 1,-35 18 0,-89 0 15,1 0-15,-35 0-1,17 0 1,0 0-1,53 18 1,-18-18 0,-17 35-16,17 0 31,1 18-15,-19 0-1,19 35 1,-19-17-1,19-36-15,-1 53 16,0-35 0,18 18-1,53-36 1,18 0 0,-1-35-1,1 0 1,17-35-1,-17 0 1</inkml:trace>
+  <inkml:trace contextRef="#ctx0" brushRef="#br1" timeOffset="92850.56">23477 1164 0,'0'18'32,"0"-1"-17,0 1-15,0 35 16,-17 0 0,-1 0-1,0 0 1,18-36-1,0 19 1,18-36 31,17-36-47</inkml:trace>
+  <inkml:trace contextRef="#ctx0" brushRef="#br1" timeOffset="93449.55">23848 917 0,'0'-17'15,"0"-1"1,35 18-16,53 0 15,53 0 1,-52-18 15,-19 18-15,-52 0-16,-1 0 16,1 36-1,-18 34 1,-18 36-1,18-35 1,-17 34 0,-1 1-1,-17-53 1,0 18 0,-36-18-1,0-1 1,1-16-1,-18-19 17,35-17-32,17 0 15,1 0 17,18 0-17,17-17 32,0-1-31,-18 18-16</inkml:trace>
+  <inkml:trace contextRef="#ctx0" brushRef="#br1" timeOffset="127220.43">10830 2540 0,'18'-18'157,"-18"1"-142</inkml:trace>
+  <inkml:trace contextRef="#ctx0" brushRef="#br1" timeOffset="127563.13">10901 2469 0,'0'-17'16</inkml:trace>
+  <inkml:trace contextRef="#ctx0" brushRef="#br1" timeOffset="127871.14">10954 2469 0,'0'-17'31</inkml:trace>
+  <inkml:trace contextRef="#ctx0" brushRef="#br1" timeOffset="128506.23">11060 2505 0,'0'0'15,"52"0"1,-52-18-16,0 0 31,0 1-15,-17 17-1,-54 0 1,54 0-16,-72 0 16,-52 35-1,36 53 1,16 36-1,72-18 1,34 17 0,19-105-16,34 35 15,71 0 1,-17-53 15,-1 0-15,-35-18-16,-35 0 31,-35-17-15,-18 17-1,18 18 1,-1 0 0,36-35-1,-35 35-15</inkml:trace>
+  <inkml:trace contextRef="#ctx0" brushRef="#br1" timeOffset="128963.03">12488 2752 0,'-17'0'16,"34"0"-16,-70 0 16,36 0-16,-36 0 15,35 0 1,36 0-1,52 0 1,-34 0-16,140 0 16,-17 0-1,52 0 1,-87 0 0,-1 0-1,-87-18 1,-36-17 31,0-1-32</inkml:trace>
+  <inkml:trace contextRef="#ctx0" brushRef="#br1" timeOffset="129415.18">13176 2346 0,'-17'0'0,"34"0"0,-52 0 0,17 0 31,18 18-31,0 70 16,53-35 0,-35-18-1,88 18 1,-18-35-1,18-18 1,-36 0 0,-17 0-16,-35-36 31,-18 1-15,-35 35-1,-36 35 1,0 18-1,-34 53 1,-1 0 0,35 0-1,36-53 1,17-18 15,18-53 16,0 1-47</inkml:trace>
+  <inkml:trace contextRef="#ctx0" brushRef="#br1" timeOffset="130063.45">14870 2346 0,'17'0'16,"-34"0"-16,34-18 0,1 18 16,-18 18 15,0 0-15,-35 52-16,-18 89 15,0-36 1,-35 36-1,70-124-15,-35 54 16,18-19 15,17-52-15,0-1 0,18-34 15,53-36-16,-35 35-15,35-35 16,-18 18-16</inkml:trace>
+  <inkml:trace contextRef="#ctx0" brushRef="#br1" timeOffset="130412.16">15328 2311 0,'0'0'0,"0"-18"16,-17 36 15,-1-1-15,0 1-16,-17 70 16,-36 36-1,-17 52 1,0-17-1,17-71 1,36 0 0,18-70-16,-1 35 15,0-36 17,18-34 14,36-1-46</inkml:trace>
+  <inkml:trace contextRef="#ctx0" brushRef="#br1" timeOffset="131581.28">16316 2910 0,'18'0'0,"-36"0"0,89-53 31,-54 36-31,-17-1 16,0-35 0,-53 0-1,-35 36 1,-18 17 0,-17 0-1,35 53 16,17 35-15,36-18 0,35-52-16,0 53 15,17-18-15,54-18 32,17-35-17,0 0 1,71-71-1,-88 18 1,17-53 0,-35 1-1,-18-36 1,-17 17 0,-18 54-1,0 52 1,-18 88 31,-17 54-47,17-18 31,0-71-31,18 106 16,0-70-1,0-18 1,71-18-1,-18-35 1,35 0 0,-17-53-1,-1-18 1,-35 18 0,-35 1-1,0 69 16,0 1-15,0 17-16,0 36 31,0-18-15,0-36 0,0 19-1,0-54 32,0-17-31,0-36-1</inkml:trace>
+  <inkml:trace contextRef="#ctx0" brushRef="#br1" timeOffset="131814.82">16916 2628 0,'0'0'0,"-18"0"15,0 0 1,1 0 0,17 18 30,0-1-14</inkml:trace>
+  <inkml:trace contextRef="#ctx0" brushRef="#br1" timeOffset="132122.37">17092 2681 0,'0'18'15,"0"-1"-15,0 1 16,0 17 0,35 53-1,1-17 1,-19-18-1,-17-35-15,0 17 16,0-17 0,0-1-1,0-34 17,0-19-17</inkml:trace>
+  <inkml:trace contextRef="#ctx0" brushRef="#br1" timeOffset="132410.79">17445 2681 0,'0'0'0,"0"-18"0,-18 36 47,1 0-47,-36 70 15,17-18 1,-34 19 0,17-36-1,35-36-15,1 36 16,-1-18 0,0-35-1,1 0 1</inkml:trace>
+  <inkml:trace contextRef="#ctx0" brushRef="#br1" timeOffset="133079.88">17921 2646 0,'0'0'0,"35"-18"15,-17 18-15,0 0 16,52-17-16,1-1 31,-36 18-15,-17 0-1,-89 0 17,18 0-17,36 0-15,-36 0 16,17 18 0,1-1 15,17 18-31,-17 54 15,-18 34 17,18 1-32,17-19 31,1 37-15,17-72-1,17-35 1,72-35-1,-37 0 1,37-53 0,-54 18-1</inkml:trace>
+  <inkml:trace contextRef="#ctx0" brushRef="#br1" timeOffset="133605.54">18397 2822 0,'0'0'16,"18"-35"-1,0 0 1,35 17 0,-36 18-16,36 0 15,0 71 1,-35-1-1,-18 36 1,-106 0 0,0-36-1,71-52-15,-89 53 16,71-54 0,36-17 15,17-53-16,17-17-15,36-1 32,0 36-17,-18 35 1,1 35-16,-36 18 31,35 0-15,0-18-1,36-35 1,-1 0 0,19-17-1,-1-54 1,-71 53-16</inkml:trace>
+  <inkml:trace contextRef="#ctx0" brushRef="#br1" timeOffset="134011.53">18997 2681 0,'0'-18'0,"0"1"15,35 17 17,-17 0-32,17 0 15,1 35 1,-1 18-1,-18 35 1,-17-17 0,0 35-1,0-53 1,-17 35 0,-54-35 15,-35 17-16,1-17 1,-19-18 0,106-35-16,-17 0 15,0 0 1,17 0 0,18-35-1,0 17-15</inkml:trace>
+  <inkml:trace contextRef="#ctx0" brushRef="#br1" timeOffset="134495.82">20249 2399 0,'0'0'15,"18"-18"-15,0 1 16,-18 34 0,0 71-1,-36 106 1,-16-52 0,-19 34-1,36-70 1,-18 0-1,53-89 1,-18 36 0,0-53-1,36-53 17,17 18-32</inkml:trace>
+  <inkml:trace contextRef="#ctx0" brushRef="#br1" timeOffset="134728.04">20602 2893 0,'0'70'32,"0"-52"-32,0 0 0,-35 35 15,35-36 1,0 18-16,-18 1 31,1-19-15,-1-17 15,18-35-31</inkml:trace>
+  <inkml:trace contextRef="#ctx0" brushRef="#br1" timeOffset="134895.82">20620 2752 0,'0'0'0,"0"-18"16,-18 18 15,18 18-15,18-18-1,35 17 16</inkml:trace>
+  <inkml:trace contextRef="#ctx0" brushRef="#br1" timeOffset="135362.76">20937 2928 0,'0'53'31,"0"-35"-31,0 17 15,0-17-15,0 17 16,0 0 0,0 0-1,-35-35 17,35-17-1,0-1-31,0 0 0,18-52 31,35-1-15,70-17-16,-17 88 31,17 18-15,-52 52-1,-71 1 1,-18-1-1,-17-17 1,0-17 0,17-36-1,36-18 17</inkml:trace>
+  <inkml:trace contextRef="#ctx0" brushRef="#br1" timeOffset="135712.72">21713 2840 0,'18'35'15,"-18"-17"1,0-1-16,0 72 15,0-54-15,0 53 16,-35 36 0,17-19-1,18 54 1,-17-71 0,-1 1 15,18-72-31,-18 18 0,18-52 47,18-54-47,0 54 15,-1-1-15</inkml:trace>
+  <inkml:trace contextRef="#ctx0" brushRef="#br1" timeOffset="135995.75">21749 2999 0,'0'-36'0,"0"72"0,0-89 0,0 0 16,0 17 0,70 19-1,-52 17-15,52 0 16,1 53 0,-71 17-1,0-17 16,-71 0-15,1-35 0,35-1-16,-18-17 15,35 18 1,89-53 15,-54 35-31</inkml:trace>
+  <inkml:trace contextRef="#ctx0" brushRef="#br1" timeOffset="136729.35">22137 2875 0,'0'0'0,"0"-18"0,17 18 16,-17 18 0,0 35-1,0 0 1,0-18-1,0 18-15,0 0 16,0-35 15,36-1-15,17-17 0,-36 0-16,54-35 15,-36-18 1,36-17-1,-36-19 1,0 19 0,-35 87 15,-35 54-15,35-18-1,0 18 16,35-36-15,53-18 0,1-17-16,-19 0 31,1-52-15,-18-19-1,-18-35 1,-17 71-16,-1-53 15,1-71 1,-18 124 0,0 52-1,-18 71 1,-17 54 0,-18-1 15,35-53-16,18-35-15,0-18 32,36-17-32,34-18 15,1-53 17</inkml:trace>
+  <inkml:trace contextRef="#ctx0" brushRef="#br1" timeOffset="136943.64">22878 2699 0,'-18'0'0,"36"0"0,-54 0 0,19 0 16,34 0-1,54 0 16,35-18-15,-18 0 0,-70 18-16,52-35 15</inkml:trace>
+  <inkml:trace contextRef="#ctx0" brushRef="#br1" timeOffset="137443.72">23618 2522 0,'18'0'16,"0"0"-16,52-17 16,1 17-1,17-18 1,-88 0-1,-18 18 17,-52 0-17,35 0-15,-36 0 16,0 36 0,54-36-16,-54 53 15,54 17 1,-1 36-1,0-18 1,18 0 0,0-17-1,0-53-15,0 35 16,36-36 0,17 1-1,17-18 16,18 0-31,18-18 32,-18-17-32</inkml:trace>
+  <inkml:trace contextRef="#ctx0" brushRef="#br1" timeOffset="137679.68">24183 2646 0,'0'0'0,"0"-18"15,-18 36 1,-35 88 0,18-18-1,0-18 1,35 1 0,0-53-1,0-1 16,35-17-15,18 0-16</inkml:trace>
+  <inkml:trace contextRef="#ctx0" brushRef="#br1" timeOffset="138155.26">24483 2505 0,'-18'-18'0,"36"36"15,-36-54-15,0 36 16,18-17 0,36-1-1,-19 18-15,107-17 16,-18-1 0,17 18 15,-70 0-31,-53 53 15,0 17 1,-18 36 0,1 18 15,17-1-15,0-52-1,-18-1 1,-70 1-1,-18-18 1,0 0 0,-35-36-1,71 1 1,-1-18 0,53 0-1,-17-18 1,18 18-1,-1 0-15</inkml:trace>
+  <inkml:trace contextRef="#ctx0" brushRef="#br1" timeOffset="139072.32">11430 3739 0,'0'0'16,"-35"0"-1,17 0 1,0 18 0,18 0-1,0 52-15,0-52 16,0 70 0,0 18-1,-17-36 1,-1 1-1,18-89 17</inkml:trace>
+  <inkml:trace contextRef="#ctx0" brushRef="#br1" timeOffset="139659.82">11342 3828 0,'0'-18'0,"0"36"0,0-54 0,0 19 16,0-36 0,35 18-1,36-1-15,17 36 32,35 0-17,-105 18-15,52 35 16,-70 17-1,-70-17 1,-36 18 0,36-54-1,52-17 1,0 0-16,36 0 31,70 0-15,0 0-1,0 0 1,18 36 0,-88-19-1,17 36 1,-70 35 0,-36-17-1,-70 0 1,71-54-1,-18 1 1,70-18-16,-17 0 16,-1-18-1,19-17 1,17 17 15,17 1-15,36-1-16,0 0 15</inkml:trace>
+  <inkml:trace contextRef="#ctx0" brushRef="#br1" timeOffset="139962.39">12682 3933 0,'18'0'32,"0"0"-32,35 0 15,70 18 1,-88-18-16,124 0 16,88 0 15,-106 0-31,0 0 31,-70 0-31,-54-35 16,-17 17-1</inkml:trace>
+  <inkml:trace contextRef="#ctx0" brushRef="#br1" timeOffset="140343.76">13688 3722 0,'-18'0'0,"36"0"0,-54 0 15,19 0 1,17 17 0,0 36-1,17-35 1,54 0 0,17-18-1,-17 0 1,-54 0-1,36 0 1,-35-18 0,-53 18-1,-53 71 1,-18 17 15,88-53-31,-53 36 16,1 34-1,17-69 1,-18 17 0,36-36-1,-35 1 1</inkml:trace>
+  <inkml:trace contextRef="#ctx0" brushRef="#br1" timeOffset="140794.88">11606 4833 0,'0'0'15,"0"-18"-15,0 1 0,0 34 47,0 72-31,0-19-1,-17 36 1,-1-35 0,18-1-1,-18-52 1,1-18-1,17-18 1</inkml:trace>
+  <inkml:trace contextRef="#ctx0" brushRef="#br1" timeOffset="141159.47">11448 4851 0,'0'-18'15,"0"36"-15,0-89 0,17 1 16,54 52 15,52 0-15,18 18-1,-88 18-15,141 88 16,-88-18 0,-88 71-1,-124-36 1,-17-35-1,70-52-15,-89 17 16,107-36-16,-71 18 16,18-17-1,53-18 1,53 0 15,34-18-15,-16 1-16,-1-1 15</inkml:trace>
+  <inkml:trace contextRef="#ctx0" brushRef="#br1" timeOffset="141542.73">13212 5115 0,'0'0'0,"-36"0"0,19 0 0,-1 0 16,0 0-16,107 0 46,34 18-30,89-18 0,-71 0-1,70 0-15,-175 0 16,105 0 0,-106 0-1,-35-18 1,0-17-1,-35 0 1</inkml:trace>
+  <inkml:trace contextRef="#ctx0" brushRef="#br1" timeOffset="141927.35">13935 4833 0,'0'0'0,"-18"0"15,18 18 1,0 52 15,18-34-15,70-1-16,-18-18 31,19-17-15,-19 0-1,-52 0-15,17 0 16,-70 18 15,-53 53-15,-1-1-1,54-52-15,-53 52 16,0 19 0,53-54-1,35 0 1,17-35 15</inkml:trace>
+  <inkml:trace contextRef="#ctx0" brushRef="#br1" timeOffset="142605.01">15610 5997 0,'18'-17'16,"-36"34"-16,54-52 0,-1 0 0,-35 52 47,0 1-47,0 17 15,-18 71 1,1 0-1,-1-53 1,18-18-16,-18 18 16,18-35-16,-17-1 15,17 1 1</inkml:trace>
+  <inkml:trace contextRef="#ctx0" brushRef="#br1" timeOffset="142911.13">15540 6103 0,'0'-18'0,"0"36"0,17-71 0,1 35 15,35-34 1,18-19-16,17 53 31,53 54-15,-53 34-1,0 36 1,-70 0 0,-18-53-1,-71 35 1,1-53 0,17-35-1,0 0 1,18-17-1</inkml:trace>
+  <inkml:trace contextRef="#ctx0" brushRef="#br1" timeOffset="143108.28">15575 6191 0,'-18'0'0,"36"0"0,-53 0 15,70 0 16,89-17-15,-19-1 0,-52 18-16,124-18 15,-36 1 1,-88-1-16</inkml:trace>
+  <inkml:trace contextRef="#ctx0" brushRef="#br1" timeOffset="143828.78">16510 5944 0,'0'0'0,"-53"18"47,35 17-31,18 53 0,0 1-1,0-36 1,0-36-16,0 36 15,-17-35 1,17-36 31,0 0-47,0-34 16,0 34-16,35-53 15,18-35 1,18 36 15,17 17-15,0 35-1,-53 54 1,-17 34-16,-36-17 31,-88 18-15,18-36-1,18-17 1,52-18 0,36 0-1,70 0 1,18 0 0,17 0-1,-17 53 1,-71-1 15,-70 19-15,-53 0-16,-89-1 31,54-52-15,-18-1-1,53-34 1,88-19-1,17-16 1,71-1 0,54-18-1</inkml:trace>
+  <inkml:trace contextRef="#ctx0" brushRef="#br1" timeOffset="144111.01">17498 6015 0,'-18'-18'16,"0"18"-1,1 0-15,-36 0 16,35 18-16,-88 35 16,54 17-1,-1 19 1,53-37-1,0 19 1,70-36 0,54-35-1,17-17 1,-53-1-16</inkml:trace>
+  <inkml:trace contextRef="#ctx0" brushRef="#br1" timeOffset="144363.68">17956 6068 0,'0'0'16,"0"-18"-16,0-17 15,-35 52 1,17 1 0,1 35-1,-1 35 1,18-70-16,-17 52 15,-19 1 1,36-36 0,0-17-1,0-53 17,0 17-32</inkml:trace>
+  <inkml:trace contextRef="#ctx0" brushRef="#br1" timeOffset="144688.45">17851 6103 0,'0'-35'0,"0"70"0,0-88 16,0 0-1,17 18 1,71 17 0,-35 18-1,53 53 1,-35 0-1,-18 35 1,-71 1 0,-53-37-1,-87 19 1,52-18 0,18-18-1,52-35 1,54 0 15,70-35-31,-53 35 16</inkml:trace>
+  <inkml:trace contextRef="#ctx0" brushRef="#br1" timeOffset="145010.57">18697 6191 0,'-17'0'16,"34"0"-16,-52 0 0,17 0 16,54 0-1,-19 0-15,71 0 16,-52 0-1,87 0 1,18 0-16,-17 0 16,-1 0 15,-88 0-31,18 0 16,-35-17-1,-18-1-15</inkml:trace>
+  <inkml:trace contextRef="#ctx0" brushRef="#br1" timeOffset="145461.38">19315 5980 0,'-18'0'0,"0"0"0,1 0 16,-1 17-1,18 36 1,18 18 15,52-54-31,-52 1 16,105-18-1,-34 0 1,16 0 0,-34 0-16,-53-18 31,-18 1-31,-71 17 31,-35 53-15,-17 17-1,-18 54 1,-1-1 0,54-35-1,71-70 1,-19 35-16,36-36 15,18-34 17,0-1-17</inkml:trace>
+  <inkml:trace contextRef="#ctx0" brushRef="#br1" timeOffset="147378.18">20779 5627 0,'0'0'0,"0"-18"0,17-70 31,-17 70-15,-17 18-1,-1 0 1,-35 53-16,-53 71 16,71-71-1,-53 52 1,-36 54-1,-17-18 1,71-70 0,34-36-1,36-17 1,71-71 0</inkml:trace>
+  <inkml:trace contextRef="#ctx0" brushRef="#br1" timeOffset="147662.78">20990 5556 0,'0'0'0,"0"36"15,-17-19-15,-72 124 31,-34 18-15,17-53 0,71-71-16,-89 89 15,71-71 1,36-36 0,70-17 15,53-53-16,-89 53 1</inkml:trace>
+  <inkml:trace contextRef="#ctx0" brushRef="#br1" timeOffset="147894.91">21167 5909 0,'0'0'0,"0"18"16,0 17-1,0 35 1,-36-34 0,1 17-1,17-36 1,1-17 0,17-17-1</inkml:trace>
+  <inkml:trace contextRef="#ctx0" brushRef="#br1" timeOffset="148059.76">21167 5768 0,'0'0'0,"0"-18"0,0 1 0,0-1 31,0 36 0,17-18 1,-17 17-32</inkml:trace>
+  <inkml:trace contextRef="#ctx0" brushRef="#br1" timeOffset="148563.12">21502 5838 0,'0'0'0,"0"18"0,-18 0 15,1 52-15,17-17 16,0 18 0,0-1-1,-18-34 16,0-19-31,1-17 16,-1 0 0,0 0-1,18-35 1,0-18 0,18 35-16,88-87 15,0 34 1,35 53-1,-18 18 1,-70 53 15,-53 35-31,0-17 32,-70-18-17,34-18-15,19-35 31,52 0 1,-17 0-32</inkml:trace>
+  <inkml:trace contextRef="#ctx0" brushRef="#br1" timeOffset="148910.84">22190 5891 0,'0'18'32,"0"0"-32,0-1 15,0 54 1,-36 35-16,19-18 31,-36 53-15,-18 35-1,18-35 1,0 1 0,36-89-1,-18-1 1,35-69 15,17-18-15,1 17-1,35-70-15</inkml:trace>
+  <inkml:trace contextRef="#ctx0" brushRef="#br1" timeOffset="149211.2">22154 6032 0,'0'0'0,"0"-17"0,0-1 0,36-35 0,-1 0 31,53 36-15,-17 17 0,-54 0-16,36 35 15,-53 53 1,-35-35 0,-53 18-1,17-36 1,18-17 15,36-1-31,52-34 47</inkml:trace>
+  <inkml:trace contextRef="#ctx0" brushRef="#br1" timeOffset="150012.01">22842 5838 0,'0'0'16,"0"-17"-16,18 17 0,-18 17 31,-35 36-15,-1 18-1,36-53-15,0 70 31,0-53-15,53 0-16,0-35 31,35 0-15,-70 0-16,53-35 0,-54 35 16,36-53-1,18-35 1,-36 17-1,-17 18 1,-18 106 15,0-35-31,0 35 16,-18 17 0,18 1-1,0-53 1,71-18 15,-54 0-31,36 0 0,18-18 16,-18-35 15,0-35-15,17-53-1,-17 0 1,-18-18-1,-35 124 1,-53 123 15,-17 53-15,52-106-16,1 89 16,-1-18-1,18-89-15,0 89 16,0-71 15,35-17-15,18 0-16,-18-18 31,36-18-15,-53 18-16,17-53 0,18-18 15</inkml:trace>
+  <inkml:trace contextRef="#ctx0" brushRef="#br1" timeOffset="150304.79">23530 5662 0,'0'0'0,"-17"0"0,-1 0 0,0 0 15,107 0 32,-19 0-47,-52 0 16,105 0-1,-70 18 1,-18-18-16,-17 0 16,0 0 15,-1 0 0</inkml:trace>
+  <inkml:trace contextRef="#ctx0" brushRef="#br1" timeOffset="150551.32">24306 6085 0</inkml:trace>
+  <inkml:trace contextRef="#ctx0" brushRef="#br1" timeOffset="-209778.64">7937 18 0</inkml:trace>
+  <inkml:trace contextRef="#ctx0" brushRef="#br1" timeOffset="-163612.29">0 0 0</inkml:trace>
+  <inkml:trace contextRef="#ctx0" brushRef="#br1" timeOffset="198420.51">53 4798 0</inkml:trace>
 </inkml:ink>
 </file>
 
@@ -1459,57 +2106,254 @@
           <inkml:channelProperty channel="T" name="resolution" value="1" units="1/dev"/>
         </inkml:channelProperties>
       </inkml:inkSource>
-      <inkml:timestamp xml:id="ts0" timeString="2022-11-29T02:53:23.789"/>
+      <inkml:timestamp xml:id="ts0" timeString="2022-11-30T02:21:08.544"/>
     </inkml:context>
     <inkml:brush xml:id="br0">
+      <inkml:brushProperty name="width" value="0.05292" units="cm"/>
+      <inkml:brushProperty name="height" value="0.05292" units="cm"/>
+      <inkml:brushProperty name="color" value="#FF0000"/>
+    </inkml:brush>
+    <inkml:brush xml:id="br1">
+      <inkml:brushProperty name="width" value="0.05292" units="cm"/>
+      <inkml:brushProperty name="height" value="0.05292" units="cm"/>
+      <inkml:brushProperty name="color" value="#0070C0"/>
+    </inkml:brush>
+    <inkml:brush xml:id="br2">
       <inkml:brushProperty name="width" value="0.05292" units="cm"/>
       <inkml:brushProperty name="height" value="0.05292" units="cm"/>
       <inkml:brushProperty name="color" value="#00B050"/>
     </inkml:brush>
   </inkml:definitions>
-  <inkml:trace contextRef="#ctx0" brushRef="#br0">3016 1182 0,'0'17'0,"18"-34"47,0-1-32,-1 1-15,1-1 16,35-53-1,0 18 1,-36-17 0,-17 35-1,-35 35 1,17 0-16,-52 0 16,-36 52-1,35 19 1,18 17-1,53-35 1,36 18 0,17-36-1,35 0 1,35 1 0,-52-1-1,-18 18 16,-53 0-15,-35 0 0,17-36-16,-106 54 15,19-36 1,-19-35 0,36 0-1,17-53 1,-34-17-1,87 52-15,0-17 16,18-1 0,36 36-1,52-17 1,35-1 0</inkml:trace>
-  <inkml:trace contextRef="#ctx0" brushRef="#br0" timeOffset="368.41">3863 1005 0,'0'-17'15,"0"34"-15,0-52 0,0 17 0,0 1 16,0-18-1,-18 35 1,-17 35 0,35-18-16,-35 36 15,35-17-15,-53 105 16,18-35 0,-1 17 15,36-35-16,0-35 1,0-35 0,18-18-16,17 0 15,18-35 1,-18-1-16</inkml:trace>
-  <inkml:trace contextRef="#ctx0" brushRef="#br0" timeOffset="617.04">3528 1270 0,'0'0'16,"-18"0"-16,18 18 0,18-18 15,35 0 16,53 0-15,-36-18 0,-35 18-16,36-18 15,-18-17 1,-36 17-16</inkml:trace>
-  <inkml:trace contextRef="#ctx0" brushRef="#br0" timeOffset="1401.65">4057 1341 0,'0'17'16,"18"-17"-1,-1 0 1,18-17-1,1-19 1,-19 1 0,-17 17-1,0 1-15,-53 17 32,-17 35-17,17 18 1,18 35-1,17-17 1,18-54-16,0 36 16,53-18-1,18-35 1,52 0 0,36-70 15,-36-1-16,-70 1 1,-35-18 0,-18 52-1,0 19 1,-18 17 0,1 0-16,-1 35 15,-17 18 1,17 17-1,0 54 1,1-1 0,-19 142-1,1 52 1,0 36 0,35-123-1,-35-19 16,17-70-15,0-17 0,1-54-1,17-105 17,0 17-32,0-17 0,0-35 15,53-177 1</inkml:trace>
-  <inkml:trace contextRef="#ctx0" brushRef="#br0" timeOffset="1795.04">4533 1288 0,'0'-18'0,"0"36"0,0-71 0,0 35 16,0 0-16,0 1 0,0-1 15,35-52 1,36 34 0,70 1-1,-53 35 1,1 88 0,-72 18-1,-17-18 1,-123 18-1,34-53 1,-52-18 0,71-17-1,-1-18 1,71-18 31,18 1-32,0-1-15</inkml:trace>
-  <inkml:trace contextRef="#ctx0" brushRef="#br0" timeOffset="2317.11">5468 1111 0,'18'0'0,"-36"0"0,36-17 16,-18-1-16,-18 18 16,-35 0-1,-53 53 1,18 0 0,18 17-1,70-52 1,-18 17-1,18-17 1,35 0 0,53-18-1,1 17 1,-1 1 0,-35 17-1,-53 0 1,-53 1-1,-53-19 1,18 1 0,0-18-1,35 0 1,17-18 0,19 18-1,17-35 16,0 17-15,0 1-16</inkml:trace>
-  <inkml:trace contextRef="#ctx0" brushRef="#br0" timeOffset="2818.07">6579 741 0,'0'0'0,"0"-18"31,-17 36-15,-1 35-1,0 53 1,-17 52 0,17-34-1,18-89-15,-17 89 16,17-72 0,0-34 15,70-18 0,-17-35-31</inkml:trace>
-  <inkml:trace contextRef="#ctx0" brushRef="#br0" timeOffset="3282.67">6985 1076 0,'-18'0'31,"18"18"-15,-17-1-16,-19 54 15,19-18 1,17 35 0,0-35-1,0-36 1,35 36-16,0-53 31,36 0-15,-1 0-1,1-53 1,-53 1 0,-18-72-1,-18 54 1,-35 17-1,-17 53 1,-19 0 0,19 35-1,17 0 1,35-35 0,18-17 15</inkml:trace>
-  <inkml:trace contextRef="#ctx0" brushRef="#br0" timeOffset="3550.99">6368 917 0,'17'0'16,"1"0"-16,70-35 15,18 0 1,0 17 0,17 0-1,-70 18 1</inkml:trace>
-  <inkml:trace contextRef="#ctx0" brushRef="#br0" timeOffset="4135.67">7761 917 0,'0'-17'16,"0"34"-16,0-52 0,0 17 0,0-17 15,0 17 1,18 1-16,-1 17 0,54 0 16,-1 0-1,36 106 1,-53-1 0,-17 19-1,-36-36 1,0-70-1,0 52 1,0-34 0,0-54 31,35-17-32,-18 17-15</inkml:trace>
-  <inkml:trace contextRef="#ctx0" brushRef="#br0" timeOffset="4403.35">8449 776 0,'18'-18'0,"-36"36"0,36-53 0,-18 17 16,-18 18 0,-35 71-1,0 52 1,0 1 15,36-89-31,-36 71 16,35-18-1,18-70-15,0 35 16,0-18 0,35-35-1,36 0 1</inkml:trace>
-  <inkml:trace contextRef="#ctx0" brushRef="#br0" timeOffset="5016.5">8890 1164 0,'0'0'16,"35"-35"-16,1-36 15,-36 54 1,0-36-1,-18 17 1,-53 19 0,-34 17-1,-37 88 1,37 0 0,34 36-1,71-89-15,-18 36 16,18 17-1,36-71 1,69 1 0,-16-18-1,52-71 1,-53 19 0,0-37-1,-88 1 1,18 0 15,-18 53-15,-18 35-1,1 35 1,-1 36 0,0 34-1,18-16 1,0-37-1,71-16 1,17-19 0,18-17-1,-18-35 1,0-35 0,-70 52-16</inkml:trace>
-  <inkml:trace contextRef="#ctx0" brushRef="#br0" timeOffset="5519.74">9507 900 0,'0'0'0,"0"-71"15,0 53 1,0 36 0,-17 17-1,17-17-15,-36 105 16,19-17-1,-1 18 1,18-54 0,0 1-1,0-54 1,88-17 0,-35 0-1,18-17 1,-18-36 15,0-18-15,-18 18-1,-35 36-15,0-18 16,0 17 0,0 71 15,0-36-31,-18 36 15,18 0 1,0 0 0,18-53-1,35 18 1,-18-18 0,18-35-1</inkml:trace>
-  <inkml:trace contextRef="#ctx0" brushRef="#br0" timeOffset="5748.9">10037 900 0,'-18'0'0,"36"0"0,-36-18 0,0 18 15,1-18-15,17 36 63,0 0-48,0-1 1,17 1-16,1-18 16</inkml:trace>
-  <inkml:trace contextRef="#ctx0" brushRef="#br0" timeOffset="6483.27">10619 1252 0,'0'-17'0,"0"34"0,0-52 16,0 17-16,0 1 0,-36-18 16,-34-36-1,17 53 1,-18 18 0,18 18-1,0 53 1,53-54-1,-35 71 1,0 1 0,35-1-1,0-35 1,53-18 0,17-35-1,19 0 1,-54-18-16,35-35 15,19-35 1,-36 0 0,-18-53-1,0 17 1,-35 89-16,18-88 16,-18 70-1,0 35 16,-18 36-15,-17 88 0,17-1-1,-17 54 1,17-35 0,18-19-1,0-69 1,36-1-1,16-35 1,-34 0-16,53 0 16,-18 0-1,-36 0 1</inkml:trace>
-  <inkml:trace contextRef="#ctx0" brushRef="#br0" timeOffset="7198.91">12312 1023 0,'18'-18'0,"-36"36"0,53-53 16,-17 17-16,17-17 15,-35 17-15,35-17 16,-35-36-1,0 36 1,-35 17 0,-35 18-1,-72 36 1,37 52 0,-1 53-1,35-35 1,54 35 15,17-123-31,0 52 16,88 1-1,-18-36 1,54-17 0,-54-18-1,-34 0-15,52 0 16,-35-18-1,17-17 1,-17-1-16</inkml:trace>
-  <inkml:trace contextRef="#ctx0" brushRef="#br0" timeOffset="7765.85">13159 1076 0,'0'0'0,"0"-18"16,17-35 0,-17 18-1,0 17 1,-17 18-16,-54 0 16,-52 18-1,52 35 1,-17 18-1,53-18 1,17-1 0,53-34-1,36 0 1,52-1 0,1 1-1,-54 17 1,1 1 15,-71-1-15,-35 0-1,-36 0 1,-53-35 0,19 18-1,-19-18 1,71 0-1,36 0 17,17-18-17,17 1 1,1 17-16,52-36 16,-34 36-16</inkml:trace>
-  <inkml:trace contextRef="#ctx0" brushRef="#br0" timeOffset="8335.29">13935 1076 0,'0'0'0,"0"-18"0,0 1 15,-36-1 1,19 18-16,-18 0 16,17 0-16,-70 18 15,35 17 1,17 0 0,36 1-1,0-1 1,0-18 15,18 1-31,53 17 16,-18-17-1,52 0 1,-34 17 0,-18 0-1,-35-17 1,-18-1-16,-18 1 15,-35 17 1,-53-17 0,0-18-1,36 0 1,-18 0 0,70 0-1,-17 0-15,-1 0 31,19 0 1</inkml:trace>
-  <inkml:trace contextRef="#ctx0" brushRef="#br0" timeOffset="9418.93">15487 917 0,'0'-17'0,"0"34"0,18-34 0,-1-1 16,-17 0-16,35-35 15,-35 18 1,0 17-16,0-17 16,-70 18-1,-18 17 1,-71 52 15,36 19-15,17 70-1,88-35 1,36-18 0,52-53-1,54-17 1,-18-18-1,17 0 1,-70 0 0,-35 0-1,-18-18 1,-53 18 0,-36 18-1,-87 35 1,141-35-1,-89 35 1,-17 17 0,88-17-1,36 0 1,17-35 0,88-1-1,18-17 1,-71 0-16,124 0 15,-36-35 1,1 17 0,-71 1-1,-36 17 1,-70 35 31,18 18-47,17-36 15,1 36 1,-36 53 0,0-18-1,18 1 1,17-36 0,18-18-1,0-53 16,0 1-31</inkml:trace>
-  <inkml:trace contextRef="#ctx0" brushRef="#br0" timeOffset="9982.58">16863 882 0,'0'0'15,"0"-18"-15,0 1 0,17-19 16,1 36 15,17 36-15,54 122-1,-54-105-15,18 53 16,-36-53-16,72 123 16,-54-70-1,-18 18 1,-17-89-1,0-17 1,0-54 15,0 1-31,18 17 16</inkml:trace>
-  <inkml:trace contextRef="#ctx0" brushRef="#br0" timeOffset="10265.94">17568 988 0,'18'-36'0,"-36"72"0,36-107 0,-18 36 16,0-18-1,-53 53 1,-18 71 0,-70 87-1,36-17 1,69-105-16,-70 87 15,1 1 1,52-36 0,53-35-1,17-53 1,107-18 0,-89 0-1</inkml:trace>
-  <inkml:trace contextRef="#ctx0" brushRef="#br0" timeOffset="10631.81">17780 1270 0,'18'-18'32,"-18"36"-17,0 0-15,0 35 16,0-18-16,0 0 15,0 106 1,0-17 0,0-89-16,0 194 15,0-52 1,-18 105 0,18-35-1,-35 17 1,-1-87 15,36-107-15,0-123 15,0 36-31,0-89 16,36-35-16</inkml:trace>
-  <inkml:trace contextRef="#ctx0" brushRef="#br0" timeOffset="11005.1">17903 1570 0,'0'-35'0,"0"-1"16,0 107-16,-17-177 0,17 88 0,-35-52 16,35-1-1,0 1 1,52 17 15,72 35-15,-18 18-1,0 53 1,-71 18 0,-35-36-16,-53 53 15,-35-17 1,-71-1-1,71-35 1,17-17 0,54 0-1,52-54 17,-17 36-17</inkml:trace>
-  <inkml:trace contextRef="#ctx0" brushRef="#br0" timeOffset="11566.47">18909 1199 0,'0'0'0,"0"-17"0,0-1 0,0 1 15,-71-19 1,1 19-1,34 17-15,-69 53 16,16 17 0,-16 54-1,52-19 1,53-16 0,17-37-1,89-34 1,-18-18 15,18-53-15,-35 0-1,17-35 1,-70 53-16,-1-53 16,19-1-1,-36 54 1,0 106 15,0-54-31,-18 54 16,18 35-1,0-36 1,18-17 0,34-35-1,1-18 1,-35 0-1,17-18 1,1-17-16</inkml:trace>
-  <inkml:trace contextRef="#ctx0" brushRef="#br0" timeOffset="11849.57">19456 882 0,'0'-18'16,"0"36"-16,0-71 0,-18 18 15,-17 35 1,-18 88 0,18 18-1,17 88 1,0-71 0,1 18-1,17-123 1,0 53-16,0-1 31,35-70-15,35 0-1,-17-35-15</inkml:trace>
-  <inkml:trace contextRef="#ctx0" brushRef="#br0" timeOffset="12465.34">19861 882 0,'0'-18'0,"0"36"0,0-53 0,0 17 16,-17 18-1,-1 18-15,-17 17 16,35 0-16,-35 106 16,35-17-1,-18 17 1,0-35 15,18-89-31,-17 89 16,-1-53-1,0-18 1,18-52 15,0-1-31,0-17 16,0 17-16,18-52 15,17 34-15,36-52 16,52-18 0,-35 53-1,1 53 1,-54 53 0,-17 53-1,-18 0 1,0-35 15,17 17-15,19-71-1,52 1 1,-18-18 0,-34-18-16,52-35 15,-18 1 1,-34-37-1,-36 36 1,-18 1 0,0 52-16,-35-36 15</inkml:trace>
-  <inkml:trace contextRef="#ctx0" brushRef="#br0" timeOffset="12748.55">19068 1199 0,'17'0'16,"1"0"-1,17 0-15,18 0 16,88-17-1,-106 17-15,89-35 16,-1 35 0,-105 0-1,-18-18 1,-35 18-16</inkml:trace>
-  <inkml:trace contextRef="#ctx0" brushRef="#br0" timeOffset="13798.63">8537 2999 0,'-17'0'15,"17"17"1,35 1 15,-18-18-31,72 0 16,17-53-1,35 0 17,-18-35-17,-105 53 1,-18 17-16,-18-17 16,-88 17-1,-17 18 1,-71 53-1,70 17 1,36 36 0,70-70-16,1 34 15,34 18 1,54-35 0,52-53-1,-17 0 1,35-53 15,-88 36-15,-70-1-1,-89 18 1,-106 18 0,89 17-1,-36 71 1,53 35-1,89-18 1,52 1 0,35-71-1,89-36 1,-18-17 0,36-52-1,-142 52-15,88-71 16,-17 18-1</inkml:trace>
-  <inkml:trace contextRef="#ctx0" brushRef="#br0" timeOffset="14014.86">9172 3210 0,'0'-17'0,"0"34"0,18-34 16,-1 17-16,1 0 15,35 70 1,-35 1-1,35 35 1,-36-36 0,19 1-1,-19-36 1,1-35 0,-1-18-1</inkml:trace>
-  <inkml:trace contextRef="#ctx0" brushRef="#br0" timeOffset="14248.8">9596 3210 0,'0'-17'16,"0"34"-16,-18-34 0,-17 17 16,-18 17-1,-53 71 1,88-52-16,-17 17 15,0-18-15,-18 71 16,35-53 0,18 0-1,35-53 17</inkml:trace>
-  <inkml:trace contextRef="#ctx0" brushRef="#br0" timeOffset="14631.76">9878 3193 0,'0'0'0,"0"-18"0,-18 36 32,0-1-17,1 1-15,-1 88 16,1 70-1,-1-35 1,0 89 0,18-160-16,0 71 15,0-53-15,-35 230 16,-36 17 0,1-88-1,-18 0 1,52-124-1,19-87 17,17-72-17,35-52 1,36-106 0,-36 53-16</inkml:trace>
-  <inkml:trace contextRef="#ctx0" brushRef="#br0" timeOffset="15033.01">9825 3457 0,'0'0'0,"-18"-35"0,1 0 0,17-54 16,0 19-1,0 52-15,88-52 16,18 34-1,70 19 17,-70 17-17,17 53 1,-87 53 0,-54 17-1,-88-35 1,0-35-1,-17-18 1,52-35 0,54 0-1,-1 0-15,36-17 47,-1 17-47,1-18 0,70-17 16</inkml:trace>
-  <inkml:trace contextRef="#ctx0" brushRef="#br0" timeOffset="15498.45">10548 3334 0,'0'0'0,"0"-18"0,0 0 16,0 1-1,0-1-15,0-35 16,53 0 0,35 18-1,-17 17 1,35 36 0,-54 53-1,-34-54 1,17 107-16,-35-36 31,-17 0-15,-1-53-1,0-17 1,1-18 0,17-71-1,0 1 1,0-1-1,17-34 1,36 34 0,-53 53-16,53 1 15,-35-1-15,35 18 16,-36 0 0</inkml:trace>
-  <inkml:trace contextRef="#ctx0" brushRef="#br0" timeOffset="15881.08">11395 3387 0,'17'0'16,"1"0"-16,-18-36 15,35-17 1,-17 36-16,17-54 15,-35 54-15,18-19 16,-18 1 0,-18 35-1,-52 53 1,34 18 0,1 34-1,17-69-15,18 34 16,0 1 15,0-36-15,53-17-1,18-18 1,-18-36 0,-18 19-16</inkml:trace>
-  <inkml:trace contextRef="#ctx0" brushRef="#br0" timeOffset="16348.09">12065 3140 0,'0'-18'0,"0"36"0,18-36 0,-18-17 15,-71 35 1,-35 35 0,36 0-1,17 36 1,35-36-1,18 0 17,35-17-17,-17 0-15,70-1 16,0 1 0,1 17-1,-54 18 1,-35-18-1,-53 18 1,-18-35 0,-17 0-1,35-18 1,18 0 0,0-18-1,-1 0 1,36 1-1,0-1 17,71 0-17,-53 18-15</inkml:trace>
-  <inkml:trace contextRef="#ctx0" brushRef="#br0" timeOffset="16848.39">12647 3228 0,'0'-18'0,"0"36"0,0-53 0,0 17 15,0-17-15,0 17 16,-70 18 0,17 0-1,-18 53 1,18 0-1,35 0 17,18-36-32,0 1 15,89 17 1,-19-17 0,1 35-1,-18-18 1,-36-35-16,1 35 15,-18-17-15,0 17 16,-71-17 0,-17 0-1,18-18 1,-36 0 0,71 0-1,-1-36 1,36 1-1,18-18 17,35 18-17,-18 17-15</inkml:trace>
-  <inkml:trace contextRef="#ctx0" brushRef="#br0" timeOffset="17152.61">12982 3122 0,'0'0'15,"-17"0"1,-1 0 0,18 18-16,-18 35 15,1 17 1,17 1-1,0 17 1,0-70 0,0 34-1,17-52 1,36 0 0,-18 0-1,18-52 1</inkml:trace>
-  <inkml:trace contextRef="#ctx0" brushRef="#br0" timeOffset="17548.73">13176 2910 0,'-17'0'15,"34"0"-15,-70 0 0,36 0 0,-107 0 16,107 0-1,-19 18-15,19 0 0,-1 17 32,36 0-17,35-35 1,35 0 0,-71 0-16,36-17 15,0-36 1,-53 17-1,0-17 1,-88 36 0,17 17-1,36 0-15,-53 53 16,35 17 0,0 1-1,53-18 1,35-18-1</inkml:trace>
-  <inkml:trace contextRef="#ctx0" brushRef="#br0" timeOffset="18447.77">13758 3140 0,'-17'0'0,"34"0"0,-52 0 0,17 0 15,-35 0 1,36 0-16,-18 17 16,-1 54-1,19-36-15,-1 18 16,0-18-16,18 18 15,0 18 17,18-36-17,17-17 1,1-18 0,-1 0-1,-35-18-15,0-17 16,0-53-1,0-1 1,0 19 0,35-1-1,71 18 1,17 53 0,-17 0-1,0 53 1,-88 36-1,-18-19 1,0 54 15,-36-89-15,19 0 0,-1-35 15,18-18-16,0 1 1,0-1-16,18-70 16,35 17-1,70-34 1,-17 34 0,35 53-1,-35 36 1,-71 70-1,-35 18 1,-17-18 15,-36-17-15,17-36 0,19-35-1,-1 18-15,18-36 31,18-17-15,-1 17-16</inkml:trace>
-  <inkml:trace contextRef="#ctx0" brushRef="#br0" timeOffset="18914.3">15240 3122 0,'0'0'0,"0"-18"0,18 18 0,-18-52 16,-18 34 15,-88 18-15,36 35 0,-36 0-1,88 18 1,18-17-1,0-1 1,18-17-16,52 17 16,19 0-1,-19 0 1,-17 18 0,-53 0-1,-35-35 1,17-18-16,-70 17 15,0-17 17,-1 0-17,37 0 1,-1 0 0,0-17-1,35 17-15,0-35 16,1-1-16</inkml:trace>
-  <inkml:trace contextRef="#ctx0" brushRef="#br0" timeOffset="19932.49">4410 2117 0,'-18'-18'0,"36"36"0,-1-36 31,1 18-15,0 0-16,17 0 15,71 18-15,17-18 16,124 17-1,-18 19 17,177-19-17,-282 1-15,299-18 16,265 35 0,123-35-1,-123 0 1,335 0-1,-194 0 1,-547 0-16,900-35 16,-264 35-1,334-18 1,-317 1 0,247 17-1,-389 0 1,-546 0-16,600 0 15,-318 0 17,-53 0-17,-229-18 1,-211 18 0,-19 0-16,-17-18 15,-53 18 1,-53 0-1,-35 0 1</inkml:trace>
-  <inkml:trace contextRef="#ctx0" brushRef="#br0" timeOffset="20842.23">8449 4075 0,'-18'17'15,"36"-34"-15,-53 52 0,17-35 0,0 0 16,-17 35 0,35-17-1,0-1-15,0 1 16,18 0-16,70-1 16,141 1-1,36-18 1,158 0-1,1 0 1,-266 0 0,354 0-1,-318 0-15,370-18 16,265 1 0,-17-19-1,-230 36 1,88-35-1,-317 17 1,-265 18-16,124-35 16,-177 18-1,-17-19 1,-18 19 62,17 17-62,-17-18-1,18 18-15</inkml:trace>
-  <inkml:trace contextRef="#ctx0" brushRef="#br0" timeOffset="21008.5">14817 4022 0,'0'0'16,"-18"0"0,18-18 31,0 0-32</inkml:trace>
+  <inkml:trace contextRef="#ctx0" brushRef="#br0">5415 300 0,'0'0'16,"0"-18"-16,-18 1 15,18-1 1,-17 18-16,17 18 62,0-1-62,0 1 0,70 70 32,-17 0-32,18 36 31,-36-89-31,0 53 16,18 18-1,-17 0 1,-36-53-1,17-36 1,-17 1 0,0-71 31,0-17-47</inkml:trace>
+  <inkml:trace contextRef="#ctx0" brushRef="#br0" timeOffset="366.63">5980 282 0,'0'0'0,"0"-17"0,-18 17 31,0 0-31,-17 52 16,-18 37 0,-17-1-1,-36 35 17,18-17-32,52-88 15,-52 88-15,0-18 31,70-53-31,1-17 32,34-18 15,-17-18-47</inkml:trace>
+  <inkml:trace contextRef="#ctx0" brushRef="#br0" timeOffset="1000.43">6262 794 0,'0'-18'0,"0"36"0,0-54 32,0 19-32,0 34 46,0 1-46,0 35 16,0 35 0,0 71-1,-18-36 1,1-70-16,-19 124 16,1-19-1,0 1 1,17-71-1,0-35 1,18-70 15,0-36-15,0-71 0</inkml:trace>
+  <inkml:trace contextRef="#ctx0" brushRef="#br0" timeOffset="1430.34">6156 829 0,'0'0'0,"0"-18"0,0-35 15,0 1 1,0 34-16,35-35 15,1 18 1,52 17 0,18 18 15,35 0-15,-53 53-1,-53-35-15,-35 52 16,-53 54-16,-35-54 31,-35 1-15,52-36-1,0-35 1,54 0 0,-1 0-1,36-35 16,-1 17-31</inkml:trace>
+  <inkml:trace contextRef="#ctx0" brushRef="#br0" timeOffset="2113.75">7232 741 0,'0'-18'0,"0"36"0,18-53 0,-18 17 15,0 0 1,0-35 0,-53 18-1,-36 35 1,19 0-1,52 0-15,-70 35 16,18 36 0,34-1-1,19 54 17,17-54-17,0-52-15,53 53 16,-1-71-1,37 0 1,-19-53 0,1-18-1,-1-35 1,-34-17 0,-19 52-1,-17 18 1,0 71 15,-17 0-15,17 52-1,0-52 1,0 52-16,0 36 16,0-35-1,0-18 16,17-36-15,36-17 0,-18-35-1,36-35 1,-53 52-16</inkml:trace>
+  <inkml:trace contextRef="#ctx0" brushRef="#br0" timeOffset="2432.63">7726 353 0,'0'-18'0,"-18"18"32,1 0-17,17 18-15,0-1 16,-36 89-16,1-18 31,17 36-31,18-36 16,0 0 15,0-35-15,0-35-1,18-36 16,17-17-15</inkml:trace>
+  <inkml:trace contextRef="#ctx0" brushRef="#br0" timeOffset="3026.96">7973 388 0,'0'18'0,"0"-1"15,0 1-15,0 53 16,0-1 0,0 18-1,0 0 1,0-70-16,-18 53 15,0-18 1,18-36 0,-17-17-1,-1 0 1,18-53 0,0-35 15,35 18-16,36 17 1,53-18 0,-36 53-1,18 18 1,-71 18 0,-18 35-1,-17 35 1,0-35-1,-17 35 1,-1-52 0,1-1 15,17-18-15,-18-17-1,18-17 1,-18-18-16</inkml:trace>
+  <inkml:trace contextRef="#ctx0" brushRef="#br0" timeOffset="3325.2">7514 529 0,'0'0'0,"18"0"31,-1 0-15,1 0-16,35 0 15,88 0-15,-70 0 31,-1 0-15,-52 0 0</inkml:trace>
+  <inkml:trace contextRef="#ctx0" brushRef="#br0" timeOffset="4442.57">10142 529 0,'0'0'0,"-17"0"0,-1 0 16,0 0-1,1 0 1,17 18 0,0-1-1,0 1 1,0 0 0,0-1-16,35-17 15,53 0 1,0-17-1,1-36 1,-19 0 0,-35 0-1,-35 35-15,0-35 32,-35 0-17,-71 53-15,18 18 16,-71 53-1,142-54 1,-54 36 0,54-17-16,-54 52 15,53-18 1,36-17 0,35-35-1,53-1 1,-18-17-1,-53 0-15,53-17 16,-52-18 0,-36 17-1,-53 18 17,-71 18-32,19 17 31,52-18-31,-71 72 15,71-1 1,53 18-16,18-53 31,88-18-15,0-35 0,-89 0-16,89 0 15,17-18 1,-52-17-1,-36-18 1</inkml:trace>
+  <inkml:trace contextRef="#ctx0" brushRef="#br0" timeOffset="4713.25">10566 741 0,'0'0'0,"17"0"0,1 0 15,17 53 1,18 17 0,-18-17-1,1 18 1,-19-36-1,-17-17-15,0-1 16</inkml:trace>
+  <inkml:trace contextRef="#ctx0" brushRef="#br0" timeOffset="4974.72">10848 741 0,'-18'0'0,"36"0"16,-53 17-16,-1 19 16,1-19-16,-35 72 15,17-19 1,0 1-1,35-54 1,18 1 0,0-36-1</inkml:trace>
+  <inkml:trace contextRef="#ctx0" brushRef="#br0" timeOffset="5429.93">11236 706 0,'0'0'0,"0"-18"16,-18 36 15,18-1-31,0 54 16,-17 35-1,-1 70 1,0-35 0,18-88-1,-17 123 1,17-105-16,-18 141 0,0 52 31,1-52-31,-1-106 31,18-36-15,0-87 15,0-1-31,0-53 16,35-87-1,-17 52-15</inkml:trace>
+  <inkml:trace contextRef="#ctx0" brushRef="#br0" timeOffset="5815.27">11289 1058 0,'0'0'0,"0"-17"16,-18-54-1,18 53-15,0-17 16,0-18 0,53-17-1,71 17 1,-36 35 0,18 18-1,-36 53 1,-70 71-1,0-107-15,-70 71 16,-36 18 0,18-70-1,-18-1 17,71-18-32,17-17 31</inkml:trace>
+  <inkml:trace contextRef="#ctx0" brushRef="#br0" timeOffset="6657.62">11977 882 0,'0'-18'16,"0"1"-1,-18-1 1,18-35-16,0 18 31,35 17-31,1 1 31,34 17-15,-17 17 0,18 71-1,-54-70-15,1 70 16,-18 36-1,-18-71 1,-35 0 0,36-53 15,17-36 0,0-52-15,17 0-16,36-18 15,0 35 17,18 36-17,-36 35 1,0 0 0,-35 18 15</inkml:trace>
+  <inkml:trace contextRef="#ctx0" brushRef="#br0" timeOffset="7095.97">12665 917 0,'17'0'16,"1"0"-16,17 0 16,18-53-16,18 18 31,-54 0-15,-17-1-1,-53 36 1,1 0-1,-19 36 1,0 34 0,36 1-1,18-36-15,17 53 32,0-17-17,0-18-15,35-36 31,35 1-15,1-18 0,88-35-1,-89 17-15</inkml:trace>
+  <inkml:trace contextRef="#ctx0" brushRef="#br0" timeOffset="7608.16">13423 882 0,'0'0'0,"18"-18"0,-18 1 16,17-19 0,-17 19-1,-52 17 1,-1 0 0,35 0-1,-35 17 1,-17 36-1,52 0 1,0-35 0,18 17-1,36-17 1,52-1 0,-18 1-1,1 17 1,-36-17-1,-17 17 1,-18-17 0,-71 17-1,36-35 1,-53 0 0,-36 0-1,54 0-15,-1 0 31,53 0-15,1-17-16,34-1 16,72 0 15</inkml:trace>
+  <inkml:trace contextRef="#ctx0" brushRef="#br0" timeOffset="8148.24">13970 847 0,'0'0'16,"18"-18"-16,-18 0 0,-36 1 15,-52 17 16,18 0-15,-19 35 0,54 0-1,35 1 1,0-19 0,35 36-1,18-35 1,53 17-1,-35-17 1,35 17 0,-89 18-1,-34-18 17,-72-17-32,-52 17 31,53-35-16,-18 0 1,36 0 0,34-18-1,36-17 1,0 18 0,53-19-1,0 19 1</inkml:trace>
+  <inkml:trace contextRef="#ctx0" brushRef="#br0" timeOffset="8489.62">14376 882 0,'-18'0'0,"18"-35"16,-18 35 15,1 17-31,17 19 16,-18 34-1,0 18 1,1-35-1,17-17 1,0-54 47</inkml:trace>
+  <inkml:trace contextRef="#ctx0" brushRef="#br0" timeOffset="8925.09">14411 547 0,'-18'-18'0,"36"36"0,-53-36 16,-1 18-1,1 35 1,17 18-1,1 0 1,34-35 0,36 0-1,0-18 1,18-18 0,-36-17-1,0-18 1,-35 35-16,0-35 31,-17 0-15,-54 53-1,-35 18 1,18 17 0,0 71-1,70-53 1,18 0-1,0-18 1</inkml:trace>
+  <inkml:trace contextRef="#ctx0" brushRef="#br0" timeOffset="9442.57">14764 794 0,'0'-18'0,"0"36"0,0-18 31,-53 35-15,18 36-1,-1-19 1,36 37-1,0-36 1,18-18 0,0-35-16,17 18 15,18-18 1,0 0 0,-18-53 15,-17-18-31,-18 53 15,0-70-15,-18-18 16,-17 53 15,-18 53-15,17 0 0,-34 36-1,52-19 1,18 19-1,0-19 1,53 1 0</inkml:trace>
+  <inkml:trace contextRef="#ctx0" brushRef="#br0" timeOffset="10081.69">15240 882 0,'0'-18'0,"0"36"0,0-53 0,0 17 31,-18 18 1,1 18-32,-1-1 15,18 71 1,-18-17-1,1 17 1,17-70-16,-18 35 16,1 0-1,17-36 1,0-34 31,0-19-32,0 19-15,0-36 16,88-71 0,-18 54-1,54-18 1,-36 70 0,18 18-1,-71 0-15,71 71 16,-53-1-1,-36 36 1,-17-35 0,-35 17-1,0-35 17,0-36-17,17-17-15,0 0 31,18-17-15,18-19 0,0 36-16</inkml:trace>
+  <inkml:trace contextRef="#ctx0" brushRef="#br0" timeOffset="10607.85">16192 900 0,'18'-18'16,"-36"36"-16,54-54 0,-36 19 0,17 17 0,-17-53 15,0 35 1,0 0 0,-35 18-1,-35 18 16,52 0-31,-53 35 16,36 0 0,17-1-1,18-16 1,36-1 0,70 0-1,-18 1 1,-18-1-1,-34 0 1,-36 0 0,-36 1-1,-52-19 1,0-17 15,35 0-15,-18 0-16,54 0 15,-1 0 17,18-17-1,-17 17-15</inkml:trace>
+  <inkml:trace contextRef="#ctx0" brushRef="#br0" timeOffset="12026.84">5133 1358 0,'-18'18'0,"1"-18"31,17 17 0,17-17-15,1 0-1,52 0 1,1 18 0,52 0-1,-87-18-15,105 0 16,71 17-1,-18-17 1,88 0 0,-18 0-1,160 18 1,-301-18 0,230 0-1,158 0 1,-122 0-1,157 0 1,-158 0-16,159 18 16,-406-18-1,265 0-15,123 17 32,-35-17-17,-141 0 1,123 0-1,-53 0 1,1 0 0,-124 0-1,52 0 1,-87 0 0,70 0-1,-106 0 1,-158 0-1,176 0 1,-35 0 0,-89 0-1,-17 0-15,-36 0 32,-52 0-17,0 0 1,-18-17-1,17 17 17,1 0-1,0 0-15,-1 0 15,1 0-31</inkml:trace>
+  <inkml:trace contextRef="#ctx0" brushRef="#br0" timeOffset="12160.14">15505 1482 0,'-18'0'63,"0"0"-48,-35 0 1,0 0-1</inkml:trace>
+  <inkml:trace contextRef="#ctx0" brushRef="#br0" timeOffset="16795.09">847 2805 0</inkml:trace>
+  <inkml:trace contextRef="#ctx0" brushRef="#br0" timeOffset="17578.58">864 2822 0,'18'0'47,"0"-17"-47,-18-1 16,17 18-16,-17-18 0,18-17 16,-18 17-1,0-35-15,17 1 31,-17 34 1,0 36-17,0-1-15,0 1 16,0 52 0,0 1-1,18 17 1,0 0-1,-18-17 1,17-1 0,-17-17-1,0-17 1,0-1 0,-35-17-1,0-18 16,-36 17-31,1 1 32,52-18-17,0 0-15,36 0 47,35 0-31,-35-18-16,52 18 15,18-35 1,-17 17 0,-18 1-1,-18-1 1,-17 18 0,-18-18 62</inkml:trace>
+  <inkml:trace contextRef="#ctx0" brushRef="#br0" timeOffset="17804.16">1464 3016 0,'0'-17'47,"0"-1"0</inkml:trace>
+  <inkml:trace contextRef="#ctx0" brushRef="#br0" timeOffset="18423.06">3263 2522 0,'-17'-17'0,"34"34"0,-34-87 15,17 87 32,17 1-31,1 0-16,17 52 15,18 36 1,-18-71-16,53 106 16,-17-35-1,-36-17 1,1-37-16,-19-34 31,-17-36 0</inkml:trace>
+  <inkml:trace contextRef="#ctx0" brushRef="#br0" timeOffset="18780.27">3828 2522 0,'0'0'16,"-53"0"0,35 0-1,0 0-15,-52 53 16,-54 53 0,-17 18-1,53-19 1,-18 37-1,36-72 1,34 18 0,36-70-16,-17-18 15,34 0 17,36-35-17,0 17 1</inkml:trace>
+  <inkml:trace contextRef="#ctx0" brushRef="#br0" timeOffset="19163.71">3951 2822 0,'0'18'16,"0"-1"-16,0 1 16,0 0-16,0 52 15,0 36 1,0 18 0,0-71-16,-18 158 31,18-52-31,-17 88 31,-1-71-15,18 18-1,0-70 1,0-89 0,0-88 15,0-70-16</inkml:trace>
+  <inkml:trace contextRef="#ctx0" brushRef="#br0" timeOffset="19595.25">3951 3140 0,'0'0'0,"-18"-18"0,1-35 31,17 36-31,0-36 0,0 0 16,17 0-1,72 0 1,16 18 15,-16 35-15,17 35-1,-54 35 1,-69 36 0,-54-35-1,-35-1 1,36-17 0,-1-17 15,54-36-31,-19 0 15,19 0 1,34-18 0,1 0-1</inkml:trace>
+  <inkml:trace contextRef="#ctx0" brushRef="#br0" timeOffset="20259.62">5009 2893 0,'0'0'16,"0"-53"-1,0 35-15,-35-17 16,-35 17-1,34 18 1,-34 0 0,-54 36-1,54 34 1,-18 18-16,52 18 31,36-35-15,18-1-1,52-34 1,36-36 0,-18-36-1,18-34 1,-35 17 0,-18-35 15,-36 70-31,1-53 15,-18 1 1,-18 70 15,1 17-15,-1 36 0,18-35-16,0 53 15,0-1 1,0-17-1,35-18 1,18-17 0,0-18-1,18-35 1,-18-1 15,-36 19-31</inkml:trace>
+  <inkml:trace contextRef="#ctx0" brushRef="#br0" timeOffset="20540.58">5415 2611 0,'0'0'16,"-18"17"0,18 18-1,-17 36 1,17 35-1,0 17 1,0-34 0,0-54-1,0 0 1,17-35 0,19 0-1,-19-18 1,1 1-1,0-1-15</inkml:trace>
+  <inkml:trace contextRef="#ctx0" brushRef="#br0" timeOffset="21114.68">5733 2575 0,'0'18'16,"0"0"-16,0-1 0,0 18 16,0 54-1,0-54-15,0 35 16,0 19 0,0-36 15,0 0-31,0-36 15,0-34 32,0-19-31,0-17-16,0 0 31,53-17-15,-1 17-1,-34 35-15,88 1 16,-36 17 0,1 0-1,-18 88 1,-35-35 0,-18-18-1,0 36 1,0-54-16,-18 36 15,-17-18 1,17-35-16,0-17 47,1-18-47,-1 17 16</inkml:trace>
+  <inkml:trace contextRef="#ctx0" brushRef="#br0" timeOffset="21394.18">5133 2857 0,'0'0'0,"18"0"31,-1 0-16,36-17-15,18 17 32,-54 0-32,71-18 0,-52 18 31</inkml:trace>
+  <inkml:trace contextRef="#ctx0" brushRef="#br0" timeOffset="22413.85">7391 2593 0,'0'-18'15,"0"36"-15,-18-53 0,0-1 16,18 19-16,-17-19 16,-1 19-1,18 34 1,0 1-1,0 0-15,0 105 16,18-17 0,-18 17-1,17-52 1,-17 0 0,0-18 15,-17-36-16,-19-17 1,19-53 15,17 0-31,0-17 32,0 52-32,53-35 15,35-17 1,0 17-1,53 53 1,-53 0 0,18 53-1,-88-18-15,-18 18 16,-35 35 0,-54-35-1,-34 18 1,35-71-1,53 17 17,17-17-32,0 0 15,18-17 17,53-1-17,-35 0-15,52 1 16,-34-1-16</inkml:trace>
+  <inkml:trace contextRef="#ctx0" brushRef="#br0" timeOffset="23255.57">8167 2769 0,'0'0'0,"0"18"62,0 0-62,-18 17 0,-17 18 16,17 17 15,18-34-31,0-19 16,0 19-1,36-19 1,52-17-1,18-35 1,-18 0 0,0-36-1,-70 53-15,-1-35 16,18-17 0,-35 52 15,0 1-31,-17 17 31,17 17-15,-18 36-1,1 35 1,-1 18 0,0 18-1,-17 87 1,35-17-1,0-123-15,0 158 16,0-17 0,0 35-1,0-53 1,0-106 0,-18-17 15,-35-71-16,18-18 1,-53-70-16,17-36 31,-17-105-15,53-36 0,35 195-16,0-106 15,53-19 1,0 72-1,17 17 1,-34 53 0,17 0-1,-36 36 1</inkml:trace>
+  <inkml:trace contextRef="#ctx0" brushRef="#br0" timeOffset="24743.81">10372 2928 0,'17'0'0,"-34"0"0,34-18 31,1-17-15,0 0-1,-18-18 1,0-18 0,-18 18-1,-70-17 1,70 52-16,-70 1 16,-36 17 15,19 53-16,-1 52-15,53 1 16,53 71 15,17-89-31,54-18 32,35-34-17,-18-36 1,36-71-1,-89 53-15,35-34 16,19-54 0,-72 17-1,-17-34 1,0 35 0,0 53 15,-17 35-16,-19 70 1,19 36 0,17-18-1,0 36-15,53-71 32,-53-36-32,88 1 15,0-18 1,0-18-1,36-35 1,-36-17 0,-35-54-1,-53-17 1,0 18 0,0 52 15,0 53-31,-36 18 31,19 71-15,17 52-16,0 19 31,0-37-31,17-34 31,36-18-15,-17-53-1,52 0 1,-71 0-16,89-35 16,-35-18-1,-18-36 1,-36-16 0,19-19 15,-36 89-31,0-36 0,0 36 15,-36 70 32,36 1-47,-17 52 16,17 0 0,0 53-1,0-106-15,0 36 16,0 17-1,17-53 1,1-17 0,17-18-1,-17-35 1,0 17-16,-18-17 16</inkml:trace>
+  <inkml:trace contextRef="#ctx0" brushRef="#br0" timeOffset="25062.76">10901 2716 0,'-18'0'0,"36"0"0,-36 18 16,36-18-1,70 0 1,-70 0-16,105 0 16,18-35-1,-35 17 1,0 0 0,-71 1 15,-17 17-16,-36 0 1</inkml:trace>
+  <inkml:trace contextRef="#ctx0" brushRef="#br0" timeOffset="26127.29">11712 2893 0,'0'0'0,"-17"0"0,-19-18 47,19 18-47,17-18 16,0 1-1,0-18-15,53-18 32,52 17-17,1 36 1,18 0-1,-36 36 1,-35 34 0,-36 1-1,-52 17 1,-18-35 0,-17-18-1,17-17 1,53-36 31,0 1-32,0-1-15,70-35 0,1 0 32,35-18-17,17 1 1,-70 17-1,0 53 1,-35 0-16,-1 0 16,-17 53-1,0 17 1,0 1 0,0 0-1,0-36 1,0-17-1,0-1 1,0-34 31,-17-1-31,17-35-1</inkml:trace>
+  <inkml:trace contextRef="#ctx0" brushRef="#br0" timeOffset="26331.13">12488 2540 0,'18'0'94</inkml:trace>
+  <inkml:trace contextRef="#ctx0" brushRef="#br0" timeOffset="27027.17">12876 2505 0,'0'-18'16,"-17"18"0,-1 0-16,0 18 31,18-1-31,-17 19 15,17-19-15,0 89 0,-18 0 32,18 0-17,0-36-15,-17 19 32,17-72-17,0 1 1,-18-18-1,18-18 1,-18-35 0,18 18-1,0-36 1,0 54-16,53-36 16,35 0 15,18 35-31,-35 18 15,35 36 17,-53 16-17,-53-34-15,17 70 16,-52-17 0,-53-1-1,-18-17 1,18-53-1,-1 0 1,72 0-16,-36 0 16,35 0-1,18-17 1,36-36 15,-19 53-15,1 0-16</inkml:trace>
+  <inkml:trace contextRef="#ctx0" brushRef="#br0" timeOffset="27922.72">13494 2787 0,'0'-18'16,"-18"18"15,18 18-31,0 0 0,-35 17 16,35-18-16,-18 36 16,18 53-1,0-53 16,0 18-15,35-36 0,18-17-1,-35-18-15,53-18 16,-1-17 0,1-36-1,-36 1 1,-17-36-1,-18 18 1,0 52 0,0 19-1,-18 87 17,18 1-17,0 35 1,0-89-1,0 36 1,53 18-16,17-54 16,1-17 15,52 0-15,-34-53-1,-72 36-15,71-71 16,-35-1-1,-17-69 1,-1 34 0,-35 54-1,18 52 1,-36 71 15,0 35-15,-17 36 15,35-36-31,-18 18 16,18-71-1,0 35 1,0-52 0,18 0-1,0-18 1,35-18-1,-36 0-15</inkml:trace>
+  <inkml:trace contextRef="#ctx0" brushRef="#br0" timeOffset="28188.76">14093 2840 0,'0'0'16,"18"0"15,0 0-31,52 0 16,18 0 0,1 0-1,-19 0 1,-17-18-1,-53 1 1</inkml:trace>
+  <inkml:trace contextRef="#ctx0" brushRef="#br0" timeOffset="28662.32">14781 2875 0,'0'18'15,"18"-18"-15,0 0 16,17 0 0,-17-18-1,17 0 1,18 1-1,-36-18 1,1-1 0,-18 19-1,-35 17 1,-1 0 0,-34 53-1,35-1 1,35-34-1,-18 53 1,18-54-16,-18 72 16,18-54-16,0 18 31,53-36-15,18 1-16,17-18 31,-35-18-31</inkml:trace>
+  <inkml:trace contextRef="#ctx0" brushRef="#br0" timeOffset="29139.69">15716 2769 0,'0'0'0,"0"-35"31,-17 35-15,-54 0-16,18 53 31,35-53-31,-52 70 0,52-17 31,1 0-15,17-35-1,88 0 1,18 17 0,-53-17-1,0 17 1,-53-18 0,0 1-1,-71 17 1,-35-17 15,0-18-15,36 0-1,-1 0-15,54 0 32,-1 0-17,-17-18 1</inkml:trace>
+  <inkml:trace contextRef="#ctx0" brushRef="#br0" timeOffset="30514.7">3933 3581 0,'-17'0'15,"34"0"-15,-69 0 16,34 0-1,0 0-15,1 0 16,-19 0 0,19 0-1,87 0 1,71 0 15,-17 17-15,105-17-1,106 0 1,-35 0 0,-212 0-16,371 0 15,-89 0 1,177 0 0,-123 0-1,175 0 1,54 0-1,0 0 17,-54 0-32,-123 0 15,89 36 17,-142-36-32,89 17 31,-389-17-31,248 18 15,105 0 1,-53-18 0,-88 0-1,71 0 1,-124 0 0,-193 0-16,263-18 15,-34 0 16,-142 1-15,18-19 0,-53 19-16,-17-1 31,-107 18-31,54-18 16,-18 18-1,-35 0 1,-1 0-1,1 0 1</inkml:trace>
+  <inkml:trace contextRef="#ctx0" brushRef="#br0" timeOffset="34554.83">1517 4604 0,'-18'0'31,"36"0"31,0 0-46,-1 0-16,1 0 16,52-36-16,-34 1 15,-36 18 17,-18 17-17,-35 0 1,-35 0-1,53 17-15,-54 18 16,-34 18 0,70-17-1,35-1 1,36-17 0,88 17-1,0 0 1,17 0-1,-35 18 17,-17 18-32,-71-18 15,-18 17 17,-105 1-17,-1-53 1,1-18-1,-18 0 1,70-18 0,18-53-1,36 18 1,17 36 0,35-18-1,36 35 1,17-18-1,0 18 1</inkml:trace>
+  <inkml:trace contextRef="#ctx0" brushRef="#br0" timeOffset="35338.21">1852 4780 0,'0'0'0,"18"-18"0,-1 18 15,-17 18 17,0 0-17,0-1-15,-17 36 16,17 18 0,0-1-1,0-52-15,0 17 31,17-17-15,36-18 0,0-35-16,0-18 31,0-35-15,-18 17-1,-35 36 1,0 17-1,0 0 1,0 71 15,-17-35-31,-1 53 16,18 52 0,0-17-1,0 88 1,0-35-1,0 158 17,0-140-17,0-19-15,0 1 32,-53-71-17,0-70 1,-35-18-1,53 0-15,-124-53 16,0 0 0,-88-70-1,124 34 1,52 1 0,54 0-1,17 70-15,0-52 31,53-1-31,70 1 32,-17-1-17,-36 36-15</inkml:trace>
+  <inkml:trace contextRef="#ctx0" brushRef="#br0" timeOffset="35922.72">2222 4957 0,'0'0'0,"0"-18"0,0 0 16,0 36 15,0 17-15,0 36-1,0-54 1,0 36 0,0-35-16,0 52 0,0-52 31,-17-18 0,17-18-15,0 1-1,0-36 1,0 18-16,35-54 16,36 1-1,35 0 1,-18 70 0,18 18-1,-54 53 1,-34 18-1,-18 52 1,0-52 0,-53 17-1,36-53 17,-1-17-17,18-53 16,0-1-31</inkml:trace>
+  <inkml:trace contextRef="#ctx0" brushRef="#br0" timeOffset="36228.47">2981 4639 0,'0'0'16,"0"18"0,0-1-1,0 36 1,-18 71 0,18-18-16,-17-1 31,17-87-31,0 35 15,0-18 1,0-52 15,0-19-15</inkml:trace>
+  <inkml:trace contextRef="#ctx0" brushRef="#br0" timeOffset="36454.97">2840 4868 0,'17'0'31,"1"0"-15,0 0-16,-1 0 15,36-17 1,0 17-16,-17 0 31,-19 0-15,-17-18-1</inkml:trace>
+  <inkml:trace contextRef="#ctx0" brushRef="#br0" timeOffset="37175.39">3616 5009 0,'0'0'16,"18"-17"-16,-1-18 15,-17-18 1,0 35-16,0-35 16,-35 0-1,-18 35 1,-18 18 0,1 0-1,52 18-15,-70 53 16,53 17 15,0 18-15,35-18-16,0-18 31,17-52-15,1 0-16,35-18 0,0-18 31,35-35-16,-35 0 1,17-53 0,-52 36-1,0 35-15,-18-36 16,0 89 15,0-1-15,0 72-1,0-19 1,0-35 0,0 54-16,0-54 31,35 0-15,-17-17-1,34-18 1,1-18-1,0-17 1</inkml:trace>
+  <inkml:trace contextRef="#ctx0" brushRef="#br0" timeOffset="37804.55">3969 4868 0,'0'0'15,"0"-17"-15,0-1 16,17-17 0,54 17-16,-18 0 15,0 18 17,-18 36-17,-17-36-15,-1 88 16,-17-17-1,0 17 1,-53-18 0,18 1-1,17-71-15,1 17 16,17 1 0,17-71 15,1 36-31,35-36 15,-18-36 1,36-16 15,-18 34-15,-36 53 0,-17 54-1,-35 17 1,35-18-1,-17 53 1,17-17 0,0 17-1,17-53 1,54-17 0,-1-18-1,1-18 1,17-17 15,-70 17-31</inkml:trace>
+  <inkml:trace contextRef="#ctx0" brushRef="#br0" timeOffset="38367.99">5221 4780 0,'0'0'0,"0"-18"31,-18 18 31,18 18-46,0 0-16,-17-1 16,17 1 15,17-18 16,-17 18 0</inkml:trace>
+  <inkml:trace contextRef="#ctx0" brushRef="#br0" timeOffset="38975.6">5239 5186 0,'-18'0'0,"18"17"15,-18-17 1,18 18-16,0-36 94,0 1-79,-17 17 17,17 17 15,0 1-32,0-36 63,0 1-78</inkml:trace>
+  <inkml:trace contextRef="#ctx0" brushRef="#br0" timeOffset="39871.4">6914 4639 0,'0'0'0,"18"-18"0,17-17 32,-17 35-17,-18-18-15,35-17 16,-17 18-1,17-19 1,-17 36 15,-18 18 1,-35 0-17,-18 52 1,-36 18-1,72-52-15,-71 69 16,-36 72 0,18-36-1,53-53 1,-17 18 0,35-53-1,17 0 1,0-53-1,18-18 48,18-17-47,17 0-16</inkml:trace>
+  <inkml:trace contextRef="#ctx0" brushRef="#br0" timeOffset="40709.36">7391 4551 0,'0'0'0,"17"-18"31,-17 1-31,0 34 47,0 1-31,-35 17-16,0 18 15,-1 0 17,-16 35-32,34-53 15,-35 54 1,0 52-1,-17-35 1,17-36 0,17 18-1,1-35 1,0 0 0,0-18-1,35-17 1,-18 0-1,18-1 17,-18 1-17,1-18 1,-1 0 78</inkml:trace>
+  <inkml:trace contextRef="#ctx0" brushRef="#br0" timeOffset="99426.61">8608 4657 0,'-18'0'0,"0"0"32</inkml:trace>
+  <inkml:trace contextRef="#ctx0" brushRef="#br0" timeOffset="99967.63">8502 4568 0,'0'0'0,"0"-17"15,0-1-15,0 1 32,-18 34 15,18 1-47,-35 17 15,17 36-15,18-54 16,-35 107-1,0-1 1,0 36 0,35-71-1,0 0 1,0-70-16,35 17 16,0-35-1,36 0 1,-18-17-1,17-36 1,-17-18 15,-53 54-31</inkml:trace>
+  <inkml:trace contextRef="#ctx0" brushRef="#br0" timeOffset="100251.06">8273 4921 0,'0'-17'0,"0"-1"16,17 18-1,54-18 1,-1-17-1,-34 35 1,69-35-16,-34 17 16,-18 0 15</inkml:trace>
+  <inkml:trace contextRef="#ctx0" brushRef="#br0" timeOffset="100979.83">9278 4992 0,'0'0'0,"18"0"0,-18-18 32,17 18-17,1-53 1,-18 0 0,0 0-1,0 0-15,-53 36 31,-18 17-15,54 0-16,-36 17 16,-53 72-1,53-19 1,0 54 0,36-36-1,17-35 1,0-36-1,70 19-15,-35-36 32,54 0-17,-19-36 1,-17-16-16,35-72 31,-70 54-15,0-19-1,-18 54 1,0 70 15,0-17-31,0 17 16,-18-17-16,18 88 16,0-36-1,0-17 1,18-18 15,17 1-15,53-36-1,0-18 1,-52 0-16</inkml:trace>
+  <inkml:trace contextRef="#ctx0" brushRef="#br0" timeOffset="101812.6">10037 4921 0,'0'-17'0,"0"34"0,0-70 16,0 36-1,-53-1 1,0 18 0,-18 18-1,18 35 1,36-36-1,-54 54-15,53-1 16,18-34 0,0-19-1,36-17 1,52 0 15,-71 0-31,54-53 16,-18 0-1,-35 1 1,-1 16 0,1 19-1,0-1 1,-18 36 15,0 17-15,0 35-1,0 19 1,0-54 0,-18 53-1,18 0-15,0-52 16,0 87 0,-18 53-16,18 54 31,0-89-16,36 88 1,-36-88 0,-53-35-1,-18-71 1,-105-17 0,-18-36-1,-36-70 16,36-18-15,36 1-16,105 16 31,35-17-31,18 18 32,35 18-17,-17 34-15,52-69 16,1 34-1,17-17 1,-53 70-16</inkml:trace>
+  <inkml:trace contextRef="#ctx0" brushRef="#br0" timeOffset="102419.99">10037 5009 0,'0'0'0,"17"-17"16,1-1 15,-1 18-15,-17 18-1,0 35-15,0 17 31,0 1-15,0-54-16,-17 36 16,-1-35-1,1-18 1,-1 0 15,18-53-15,0 35-1,0-34 1,53-37 0,35 19-1,18 17-15,17 18 32,-52 35-17,-36 0-15,18 53 16,-35 17-1,-18 18 1,-36 0 0,1-52-1,17-1 1,1-17 0,17-36 15,0 0-16</inkml:trace>
+  <inkml:trace contextRef="#ctx0" brushRef="#br0" timeOffset="103045.66">11024 5009 0,'0'-17'0,"0"34"0,0-87 16,-17 35-1,-54 17 1,1 18 0,-1 0-1,0 53 1,54-35-1,-18 17 1,17-18-16,-35 89 16,35 0-1,18-53 1,18-18 0,35-35-16,17 0 31,19-35-16,-19-36 1,1-34 0,-36-1-1,-17 53 1,-18 35 0,0 71 15,0 35-16,0-17 1,0 17 15,0-53-15,0-17-16,53 0 16,17-18-1,-17 0-15,18-53 31,-36 17-31</inkml:trace>
+  <inkml:trace contextRef="#ctx0" brushRef="#br0" timeOffset="103867.95">11412 4886 0,'0'0'0,"0"35"46,-17-17-46,17 0 16,0 34-16,0 37 31,0-19-31,0-17 16,-18-18 0,18-17-1,-18-18 16,1 0-15,17-18 0,0-52-1,0-18 1,17-1 0,1 72-16,70-54 15,-17 36 1,-1 17-1,1 71 17,-36 0-32,-17 35 15,-18-52 1,0 17 0,0 17-1,0-17 1,-18-35-1,1-18 1,-1 0 0,18-18-1,0-53 1,0 19 0,53-54-1,17 35 1,-52 54-1,88-54 1,-71 53-16,89 1 16,-54 34-1,-17 72-15,-53-19 16,-18 36 15,-17-36-31,18-52 16,-1 0-1,18-1 1,0-34 15,18-19-15,-1 19-16</inkml:trace>
+  <inkml:trace contextRef="#ctx0" brushRef="#br0" timeOffset="104295.39">12418 5062 0,'17'0'16,"1"0"-1,0 0-15,-1 0 0,36-35 31,-17 0-15,-1-18 0,-35 35-16,0-17 15,0 17 1,-18 18 0,-35 36-1,-17 52 1,52 0-1,0 0 1,18-17 15,53-54-31,0-17 16,18 0 15,-36-17-31,18-54 31,-53 54-31</inkml:trace>
+  <inkml:trace contextRef="#ctx0" brushRef="#br0" timeOffset="104978.92">13406 4092 0,'-18'0'0,"36"0"16,-18 0-1,52 0 1,-16 0-16,-1 0 16,88 0-1,-52 0 1,-18 0-1,-71 0 17,-52 0-17,17 0 1</inkml:trace>
+  <inkml:trace contextRef="#ctx0" brushRef="#br0" timeOffset="105419.72">13441 4110 0,'0'0'16,"-18"17"0,1-17-16,-36 53 31,0 18-15,17 0-1,19 70 1,-18-36-1,17-69 1,-35 122-16,0 54 31,18-53-15,17 35 0,18 0-1,0-71 1,0-87-16,53 70 15,0-54 1,53-52 0,0 0-1,-36-17 1,36-36 0,-71 35-16,53-70 15,-17 18 1,0-36-1</inkml:trace>
+  <inkml:trace contextRef="#ctx0" brushRef="#br0" timeOffset="106395.73">14093 4745 0,'0'0'0,"-17"-18"0,-1 1 16,-35-19-1,18 36 1,0 0 0,-18 36-1,0 34 1,35 18-1,18-70 1,-17 105 0,17-70-1,17-35 1,36-18-16,0-18 31,18-35-31,-18-52 31,-36-1-15,1 53 0,-1 18-1,-17 52 17,0 36-17,0-35-15,18 52 16,0 1-1,35-1 1,0-52 15,17-18-31,1 0 32,-1-53-17,-34-17-15,-36-1 16,0-52 15,-36-1-15,-52 36-1,-53 17 1,35 54 0,-53 17-1,54 35 1,-19 36-1,1 70 17,105-106-32,-35 88 0,53 54 15,0-54 1,35-17 15,36-35-15,-54-54-16,36 1 15,36 0 1,-19-18 0,18 0-1,-17-36 1,-18-17 0,-36 53-16,72-70 15,-72 52-15</inkml:trace>
+  <inkml:trace contextRef="#ctx0" brushRef="#br0" timeOffset="106711.96">14781 4639 0,'0'0'0,"-17"0"32,-1 18-32,18-1 15,-18 54 1,-17 35 0,18-36-1,-1 18 1,18-35-1,0-35 1</inkml:trace>
+  <inkml:trace contextRef="#ctx0" brushRef="#br0" timeOffset="107127.86">14746 4674 0,'0'-17'0,"0"34"0,0-52 15,0 17 1,0-17 0,53 17-1,-35 1-15,70-1 16,-18 18-1,19 35 17,-19 36-17,-52 0-15,-18 70 32,-35-53-17,-1 0 1,-17-17-1,36-54 1,-1 1 0,18-36 15,0-17-15,0 17-16</inkml:trace>
+  <inkml:trace contextRef="#ctx0" brushRef="#br0" timeOffset="107400.05">14623 4851 0,'0'0'16,"17"0"-1,1 0-15,52 0 16,-34 0-1,34 0 1,36-18 0,-53 18-1,0-18 1,-18 1 0</inkml:trace>
+  <inkml:trace contextRef="#ctx0" brushRef="#br0" timeOffset="107733.04">15434 4621 0,'0'0'0,"0"-17"0,0 34 63,0 1-48,0 0-15,0 17 0,0 18 16,0-36-16,0 72 16,0 34-1,0-70 1,0 0-1,0-35 17,0-54-17,0 1 1</inkml:trace>
+  <inkml:trace contextRef="#ctx0" brushRef="#br0" timeOffset="108050.11">15487 4657 0,'0'0'0,"0"-18"0,18 18 16,-1-18-1,36 18 1,-18 36 0,36 52-1,-53-71-15,52 89 16,-17-35-1,-18 17 1,1-35 15,-19-35-31,-17-36 47,0 0-31,18-35-1,-18 36-15</inkml:trace>
+  <inkml:trace contextRef="#ctx0" brushRef="#br0" timeOffset="108329.51">16087 4533 0,'0'0'0,"0"-17"15,-18 34 16,0 1-15,1 17-16,17 0 16,-18 71-1,0-18-15,1 36 32,-1-54-17,18 1 1,0-53-16,-17-1 15,17 1 1,0-36 0,17 1-16</inkml:trace>
+  <inkml:trace contextRef="#ctx0" brushRef="#br0" timeOffset="108694.46">16492 4727 0,'0'0'16,"-17"0"-16,34 0 47,1 0-47,35 0 15,0 0 1,0 0 0,-18 0-1,-17 0 1,-36 0 31</inkml:trace>
+  <inkml:trace contextRef="#ctx0" brushRef="#br0" timeOffset="108966.46">16422 4886 0,'0'0'16,"0"18"0,17-18-1,19 0 1,34 0 0,-52 0-16,35 0 15,-36 0-15,1 0 16,17 0 15,-17 0-15,-18-18-1</inkml:trace>
+  <inkml:trace contextRef="#ctx0" brushRef="#br0" timeOffset="109819.78">17357 4357 0,'0'17'31,"0"1"-15,0 0 0,0-1-1,17-17-15,19 0 16,16 0-1,-34 0 1,17-35 0,-35 0-1,0 17 1,0 1 0,-17 17-1,-19 0 1,-16 17-1,34 18 1,18 1 0,18-36 31,-1 0-47,18 0 15,-35-36 1,18 19-1,-18-18 1,-18 35 15,18 17-15,-70 54-16,35-18 16,17 17 15,18-35-31,18-17 15,70 0 17</inkml:trace>
+  <inkml:trace contextRef="#ctx0" brushRef="#br0" timeOffset="110302.86">18097 4604 0,'0'-18'15,"0"36"-15,0-18 31,-17 17-15,17 1-16,-18 0 16,-35 70-1,36-18-15,-1 36 32,-17-53-17,17 0-15,18-35 31</inkml:trace>
+  <inkml:trace contextRef="#ctx0" brushRef="#br0" timeOffset="110679.23">17974 4762 0,'18'-17'16,"-36"34"-16,36-52 0,-1 0 0,1-18 15,17 18 1,36-1 0,-18 19-1,53 17 17,-18 35-17,-18 53 1,-70 0-1,0 36 1,-35-36 0,0-35-1,17-35-15,0 17 16,1-17 0,-18-18-1,-1 0 1,19-36-1,17 19 1</inkml:trace>
+  <inkml:trace contextRef="#ctx0" brushRef="#br0" timeOffset="110928.59">17903 4886 0,'0'0'15,"18"0"32,53 0-31,-1 0-1,36 0 1,-18-35 0,-17 35-1,-54 0-15,36-18 16,-17-17-1,-19 35 1</inkml:trace>
+  <inkml:trace contextRef="#ctx0" brushRef="#br0" timeOffset="111228.91">18732 4621 0,'18'0'0,"0"0"31,-18 18-15,17 0-16,1-1 15,-18 1-15,53 70 16,-35-17 0,17 35-1,-17-36 1,-18-17-1,0-35 1,0-36 31,0 0-47</inkml:trace>
+  <inkml:trace contextRef="#ctx0" brushRef="#br0" timeOffset="111528.02">19191 4533 0,'0'0'16,"0"18"0,-18-1-16,1 1 15,-1 0-15,-17 88 16,0-18-1,-1 18 1,1-36 0,35-52 15,0-1-15,0-52 15,0 18-31</inkml:trace>
+  <inkml:trace contextRef="#ctx0" brushRef="#br0" timeOffset="112345.61">19597 4445 0,'17'0'63,"1"-18"-63,0 18 15,-1 0 1,1 0-1,-18 36 1,-18-19 0,-17 19-1,-18-19 1,36-17 0,-1 0-1,0 0 1,18-35-1,0-18 1,0 35 0,36 1-1,-19 17 17,-17 17-1,0 1 0,0 0-31,-17-18 31,-1 0-15,18-18 31,0 0-32,18 18 1,-1-17 15,1 17-31,17 53 16,-35 0 0,0-1-1,0-34 1,-18 35-1,-52 0 1,17-35 0,35-18-1</inkml:trace>
+  <inkml:trace contextRef="#ctx0" brushRef="#br0" timeOffset="113194.82">19932 3898 0,'0'-17'15,"18"17"17,-1-18-32,36 18 15,18 0 1,35 0-1,-18 0 1,-18 0 0,-52 35 15,-18 0-15,0 54-16,0-19 15,0-52 1,-18 70-1,18 36-15,-17-1 32,17 0-17,0-52 1,-18 52 0,0-34-1,18-54-15,-17 71 16,-1 0-1,18-36 17,-35 1-17,-18-18-15,18-18 32,-18 0-32,35-35 15,-17 0 1,-36 18-16,18-18 15,0-18 17,0 18-17,18-17 1,18-1 0,17 0 46</inkml:trace>
+  <inkml:trace contextRef="#ctx0" brushRef="#br0" timeOffset="113352.23">19773 5327 0,'0'18'16,"-17"-18"31,-19 0-32,19 0-15,-19 0 16</inkml:trace>
+  <inkml:trace contextRef="#ctx0" brushRef="#br1" timeOffset="133576.35">794 7091 0,'-18'0'16,"0"0"0,36 0 30,0 0-46,17 0 16,-17 0 0,35-18-1,17-17 1,-52 0 0,-1 17-1,-17 0 1,-35 18-1,17 0-15,-34 0 16,-19 36 0,-17-1-1,17 18 17,54 35-32,17-17 31,35-36-16,35 0 1,-17-35 0,36 0-1,-72 0 1,1 0 0,-89 0 15,-35 35-16,18 18 1,0 18 0,53-18-1,17-36-15,18 36 32,0 0-17,53-35 1,35 0-16,18-18 31,-35-18-15,-54 18-16,36-35 15</inkml:trace>
+  <inkml:trace contextRef="#ctx0" brushRef="#br1" timeOffset="134358.25">1587 7250 0,'0'-18'0,"0"36"0,0-54 15,-52 36 1,-19 0 0,0 53-1,36-35 1,-35 70-16,34-35 31,36-18-15,18-17-1,70-18 1,0-35 0,-70 35-16,70-53 15,-17 0 1,-54 17-1,1 19 1,-18 34 31,0 1-31,-18 53-16,18 17 31,-17 88-31,17-52 31,0-71-31,-18 123 16,-17 36-16,0-71 31,-18 18-15,17-89-1,-52 1 1,18-71-1,-107 0 1,54-18 0,-36-53-1,53 1 1,18-36 15,70 0-15,18 18-1,36 0 1,-1 17 0,53-35-1,-35 36 1,-18 52-16</inkml:trace>
+  <inkml:trace contextRef="#ctx0" brushRef="#br1" timeOffset="134650.66">1923 7320 0,'17'0'109,"-17"18"-109,0-1 16</inkml:trace>
+  <inkml:trace contextRef="#ctx0" brushRef="#br1" timeOffset="134862.49">1940 7620 0,'0'0'0,"0"18"0,-17-18 16,-1 0 15</inkml:trace>
+  <inkml:trace contextRef="#ctx0" brushRef="#br1" timeOffset="135774.75">3298 6985 0,'0'0'16,"-17"0"31,17 18-47,-18-1 16,18 1-16,0 52 15,-17 36 1,-1 71-1,0-71 1,18 17 0,0-70-1,18-35-15,35 34 16,0-34 0,35-18 15,0 0-31,-17-35 31,35-36-15,-1-52-16,-16-36 31,-54 18-15,0 0-1,-17 70 1,-1 54-1,-17-1 1,0 36 15,-17-1-15,17 1 15,0 35-31,0-36 16</inkml:trace>
+  <inkml:trace contextRef="#ctx0" brushRef="#br1" timeOffset="136362.96">4269 7408 0,'0'0'0,"17"-17"0,1 17 0,0 0 16,-18-36-16,0 19 16,0-1-1,-18 18 17,-35 0-17,0 35 1,0 18-16,18 0 31,35-17-31,0-19 16,0 1-1,17-1 1,36 1 0,-17 0-1,17-1 1,-18 1-1,-17 0-15,-18-1 16,-18 1 0,-35 0-1,-35-1 17,0 1-32,35-18 31,35 0-31,-35 0 15,35 0-15,18-18 47,18 1-31,0-1 0</inkml:trace>
+  <inkml:trace contextRef="#ctx0" brushRef="#br1" timeOffset="136825.54">4410 7620 0,'17'-18'47,"1"18"-47,0-17 0,35-19 15,-1 19 17,-34-1-32,17-35 15,-17 18 1,-18 17 0,-18 18-1,-35 0 1,-17 36-1,52-19-15,-17 36 16,0 35 0,35-17-1,0-36 1,0 0 0,70 1 15,-17-36-16,35 0 1,-17 0-16,-36-36 16</inkml:trace>
+  <inkml:trace contextRef="#ctx0" brushRef="#br1" timeOffset="137311.13">4886 7549 0,'0'-17'16,"0"-1"-16,0 1 15,0-1-15,18-17 32,35-1-17,-1 36-15,37 0 31,-54 0-31,0 53 16,-17-17 0,-18 34-1,0-17 1,0 0 0,-18-18-1,-17-35 16,17 0-15,1-35 0,17-18-1,0 18 1,0-18 15,17 35-31,1 1 16,35-36-1,0 17-15,-36 19 16</inkml:trace>
+  <inkml:trace contextRef="#ctx0" brushRef="#br1" timeOffset="138162.54">5627 7461 0,'0'0'15,"0"-17"-15,0-1 16,0 0-16,0 36 47,0 0-47,-18 35 15,1 35 1,17-35 0,-18 17-1,18-35 1,-18-35 31,1-17-16,17-1-31,0-17 16,0-36-1,53-17 1,17 35-1,36-17 1,17 52 0,-52 18-1,17 71 1,-70-54 0,17 54-1,-35 17 1,0-35-1,0 0 1,-35-36 0,-1 1-1,19-18 1,-1 0 0,18-18 15,0 1-16</inkml:trace>
+  <inkml:trace contextRef="#ctx0" brushRef="#br1" timeOffset="138799.81">6544 7426 0,'0'0'0,"0"-18"0,0 1 16,0-19-1,-35 19 1,-18 17 0,-35 35-1,35 18 1,-18 53-1,36-18 1,17-17 0,18-19-1,18-16 17,17-36-17,36 0-15,-1-36 16,-17 1-1,18-35 17,-54-36-17,19 18 1,-36 52 0,0 54 15,0 0-16,-18 17-15,0 18 16,18-18-16,0 36 16,0-18-1,0-36 1,53 1 0,0-18-1,18 0 16,-1-35-31</inkml:trace>
+  <inkml:trace contextRef="#ctx0" brushRef="#br1" timeOffset="139715.54">6985 7355 0,'-18'18'32,"1"0"-32,17-1 0,-18 36 15,0 18 1,18-54-16,0 36 16,-17 18 15,17-53-16,-18-1-15,18 1 32,0-53-1,-17-1-15,17-34-1,0 17 1,17-18-1,36 18 1,35 18 0,0 17-1,-52 18 1,-1 71 0,-17 0-1,-18-19 1,0-34-1,0 35-15,0-18 32,0-17-17,-18 0 1,0-18 0,1 0-1,17-18 1,0-17-1,0-18 1,0-18 0,53 1-1,70-19 1,-52 72 0,17 17 15,-18 35-16,-52 18-15,-18 35 32,0 0-17,-18-35 1,1 0 0,-1-53-1,1 18 1,17-1-1,0-34 32,0-18-47</inkml:trace>
+  <inkml:trace contextRef="#ctx0" brushRef="#br1" timeOffset="140206.63">7779 7585 0,'17'0'32,"1"0"-17,0 0-15,35-36 16,-1 19-1,19-18 1,-18-1 0,-35-17-1,-18 18 1,0 17 0,-53 18-1,0 18 1,-18 35-1,-17 18 17,70-54-32,1 36 15,-1 18 1,18-18 0,18-36-1,52-17 1,36 0-1,-35 0 1,-36 0-16,53-53 16,-17 18-1</inkml:trace>
+  <inkml:trace contextRef="#ctx0" brushRef="#br1" timeOffset="140895.21">8661 7338 0,'0'17'31,"17"-17"-15,1 0-1,17 0 1,-17 0-16,0 0 16,17-35-1,-35 0 1,-18 17 15,1 18-15,-1 18-1,0-1 17,18 1-32,0 17 15</inkml:trace>
+  <inkml:trace contextRef="#ctx0" brushRef="#br1" timeOffset="141323.63">8749 7602 0,'0'0'0,"0"18"0,-18 17 16,18-17 15,18-18 0,17 0-15,-17-18-1,-18 1 1,0-19 0,-18 36-1,-17 0 1,0 18 0,35 0-1,-18-1 1,36-17 31</inkml:trace>
+  <inkml:trace contextRef="#ctx0" brushRef="#br1" timeOffset="142064.25">10001 7020 0,'0'0'0,"0"-17"16,0-1 15,0 0-15,0 36-1,0 17 1,0 36 0,0 70-1,0-35 1,0-71-16,-17 89 15,-19-36 1,1 18 0,17-54-1,18-34 1,0 0 0,0-54 15,0-16 0,18 16-31</inkml:trace>
+  <inkml:trace contextRef="#ctx0" brushRef="#br1" timeOffset="143183.04">10107 6897 0,'18'0'94,"-1"0"-94,1 0 16,0 0-16,70 17 15,0-17 1,35 0 0,72 0-1,-143 0-15,72 0 16,-54 0 0,195 0-16,-53 0 15,52 18 16,19-18-31,-54 0 32,88 18-32,36-18 15,-124 0 17,89 0-17,-106 0 1,70 0-1,0 17 1,-211-17-16,105 0 16,36 0-1,-71 0 1,0 0 0,0 0 15,-70 0-16,-36 0-15,53-17 16,-17 17 0,-54 0-16,18 0 31,-35 17 47,0 1-78,-17 0 16,17-1-16,-18 36 15,1 35 1,17 1 0,-18-54-1,0 53 1,-17-17-1,0-1-15,35-17 32,-18-18-17,-17 1-15,35-19 32,-18-17-17,1 0 16,-1 0-15</inkml:trace>
+  <inkml:trace contextRef="#ctx0" brushRef="#br1" timeOffset="144856.81">10001 7849 0,'0'0'0,"-17"0"0,-1 0 31,36 0 47,-1 0-78,1 0 0,0 0 16,70 0 0,18 0-1,-1 0 1,-69 0-16,105 0 15,35 0 1,-17 0 0,70 0-1,18 0 1,-70 0 0,-125 0-1,160 0 1,-53 0-1,35 0-15,0 0 32,-35 0-17,-1 0 1,-34 0 0,-18 0-1,52 0 1,1 0-1,-53 0 1,53 0 0,-124 0-16,71 0 15,-18 0 1,0 0 0,1 0 15,-37 0-16,37-17 1,-54 17-16,18 0 16,35-18-16,-17 18 31,-19 0-15,1 0-1,0 0 1,0-18-1,0 18 1,-18 0 0,1 0-1,17 0 1,0 0 0,-18 0 15,18 0-31,-18 0 31,0 0-15,1-17-16,-19 17 31,18 0 0,-17 0-15,0 0 15,-1 0-15,1 0-16,0 0 15,-1 0 1,1 0 0,-18-18 46,-18 18-46,1 0-1,-19-18-15,-17 18 16</inkml:trace>
+  <inkml:trace contextRef="#ctx0" brushRef="#br1" timeOffset="146047.85">2822 8714 0,'18'0'15,"-36"0"-15,36-18 0,35-35 32,-36 53-32,-17-18 0,18 1 15,0 17 17,-18 17-17,-36 19 1,-52 52-1,-53 71 1,18-36 0,87-88-16,-140 89 15,70-71 1,0-18 0,89-17 15,-19-18-31,36-18 15,0-35 17,36 18-17,34 17 1,1 1 0,17 17-1,-35 52 1,35 1-1,-17 0 1,-18-17 0,-18-1-1,0-17 1,0-1 0,1-17 15,-1-17-16</inkml:trace>
+  <inkml:trace contextRef="#ctx0" brushRef="#br1" timeOffset="146342.49">3016 9049 0,'0'-18'16,"18"36"0,-18-1-1,0 1-15,0 0 0,0 35 16,0-1 0,0-16 15,0-19-16,0 1-15,-18-18 32,1-18-17,-1 18-15</inkml:trace>
+  <inkml:trace contextRef="#ctx0" brushRef="#br1" timeOffset="146544.78">3016 8925 0,'0'-17'31</inkml:trace>
+  <inkml:trace contextRef="#ctx0" brushRef="#br1" timeOffset="147112.69">3281 9049 0,'0'0'0,"0"53"32,0-36-32,0 54 15,0-54-15,0 19 16,0-1 0,0 0 15,-18-35-16,1 0 1,-1 0 0,18-35-1,0-18-15,0-17 16,35-19 15,36 36-15,-36 36-16,88-36 15,-17 53 1,0 18 0,-53 34-1,-35 37 1,-18-1 0,-36-35 15,1-18-16,35 0-15,0-52 63,0-1-63</inkml:trace>
+  <inkml:trace contextRef="#ctx0" brushRef="#br1" timeOffset="147497.07">3986 9013 0,'0'18'31,"0"0"-31,0 35 31,0 52-31,0 19 16,0-89 0,0 124-1,-17 70 1,-19 1 0,19-72-1,-36 19 1,35-54-1,-17-52 1,35-89 15,0-52-15,18-36 0</inkml:trace>
+  <inkml:trace contextRef="#ctx0" brushRef="#br1" timeOffset="147894.78">3933 9172 0,'0'-17'0,"0"34"0,0-52 0,0 17 15,18-35 1,35 18-1,35 0 1,0 17 0,36 18-1,-71 53 1,-36 18 0,-52 17-1,-18-35 16,-53 17-15,89-70-16,-54 36 16,54-19-1,-1-17 1,53-17 0,-17-1-1,-1 0-15</inkml:trace>
+  <inkml:trace contextRef="#ctx0" brushRef="#br1" timeOffset="148760.96">4639 9013 0,'0'0'16,"0"-17"-16,-18 17 46,1 17-30,-1 19-16,18 34 16,0-34-16,0 16 15,0 1 17,18-17-17,35-19 1,17-17-1,1-17 1,-1-19 0,-52 36-16,53-88 15,-19-18 1,-34 36 0,-18 35-1,0 52 32,-18 18-47,18 1 16,-17 17-1,17 35-15,0-18 32,35-52-17,36 0 1,-1-18-1,18-36 1,-35-34 0,0-1-1,-18-70 1,1-18 0,-19 124-1,1-53 1,-18 35-1,0 35 1,-18 71 15,18-35-31,-17 53 16,-1 70 0,18-106-16,0 88 15,0-34 1,0-19-1,18-35 1,17-35 0,-17 0-16,17 0 15,18-53 1,0 1 0,-36 34-1</inkml:trace>
+  <inkml:trace contextRef="#ctx0" brushRef="#br1" timeOffset="148990.03">5345 8837 0,'0'0'0,"-18"0"16,36 0 15,34 0-16,-16 0-15,70 0 16,-36 0 0,-17-18-1,-35 1 1</inkml:trace>
+  <inkml:trace contextRef="#ctx0" brushRef="#br1" timeOffset="149623.66">7585 8625 0,'0'0'16,"0"-17"-16,17-19 15,-17-16 1,0 34-1,-70 71 32,52-18-47,18-17 0,-53 105 16,18-17 0,0 70-1,35-87 16,0-36-15,53-36 0,0-17-16,17-17 31,1-36-15,-71 35-16,17-17 0</inkml:trace>
+  <inkml:trace contextRef="#ctx0" brushRef="#br1" timeOffset="150440.04">7338 8837 0,'0'18'0,"0"-36"0,-18 53 16,36-35 15,-1 0-31,72 0 31,-72 0-31,89-35 16,53 0-1,-53 0 1,-1 17 0,-69 18-1,-54 35 16,18-17-31,-35 52 16,0 1 0,35-18-1,0-18 1,70-17 0,36-18 15,0-36-16,-18 1 1,-35-18 0,-35-17-16,-1 17 31,-17 18-15,-17 35 15,-1 35-16,0 71 1,18-18 0,0-53-16,0 106 15,-17 18 1,17-36 0,-18 54-1,-35-36 16,18-71-31,-71-34 32,-18-36-32,19 0 31,-36-71-15,52-17-1,72 35 1,52-53-1,88 18 1</inkml:trace>
+  <inkml:trace contextRef="#ctx0" brushRef="#br1" timeOffset="150764.15">8537 8802 0,'0'0'0,"-17"0"15,17 35 1,-18 71 0,18-71-16,-18 124 15,1-53 1,-1 53-1,0-18 1,18-53 0,0 0-1,0-70 1,0-71 15</inkml:trace>
+  <inkml:trace contextRef="#ctx0" brushRef="#br1" timeOffset="151114.82">8467 8943 0,'0'0'0,"0"-18"0,0-35 15,17 0 1,54 1-1,35 52 1,0 0 0,-1 88-1,-87 18 1,-36-36 0,-87 1 15,87-54-31,-88 36 15,35-35 1,36-18 0,35-18 15,18-17-15,-1 35-16</inkml:trace>
+  <inkml:trace contextRef="#ctx0" brushRef="#br1" timeOffset="151539.38">8978 8978 0,'0'0'0,"18"0"0,17 0 16,18-17-1,18-19 1,17-34-1,-35 34 17,-53 19-32,17-54 0,-34 54 31,-54 17-15,-17 35-1,35 18 1,0 53-1,53-71-15,0 71 16,0-36 0,71-17-1,-1-53 1,1 0 0,35-17 15,-18-54-31,-53 53 15</inkml:trace>
+  <inkml:trace contextRef="#ctx0" brushRef="#br1" timeOffset="151802.71">9772 8890 0,'18'0'47,"-1"0"-31,1 0-16,-1 0 0,19 0 16,17 0-1</inkml:trace>
+  <inkml:trace contextRef="#ctx0" brushRef="#br1" timeOffset="151974.07">9772 9031 0,'0'0'0,"0"18"16,18-18-1,34 0 1,1 0 0,-17 0-1,-19-18-15</inkml:trace>
+  <inkml:trace contextRef="#ctx0" brushRef="#br1" timeOffset="152623.88">10636 8643 0,'-17'0'31,"17"18"-31,0-1 16,0 1-16,0 0 31,17-18 0,1 0-31,52 0 16,-52-36-1,0 1 1,-18 17 0,-36 18-1,19 0 1,-18 0-1,-18 71 1,35-18-16,0 53 16,18-18-1,0-35 17,18-36-32,0-17 0</inkml:trace>
+  <inkml:trace contextRef="#ctx0" brushRef="#br1" timeOffset="152977.76">11395 8661 0,'0'0'15,"0"-18"-15,-18 18 31,0 18-15,1 17 0,-1 0-16,1 71 15,-19-18-15,1 36 32,17-18-32,18-71 31,0 0-16,18-35-15,53 0 16,-19 0 0,19-35-1,-36 0-15</inkml:trace>
+  <inkml:trace contextRef="#ctx0" brushRef="#br1" timeOffset="153180.51">11183 8925 0,'-18'0'15,"1"0"-15,34 18 32,36-18-17,53 0 1,-35-18-1,35-17 1</inkml:trace>
+  <inkml:trace contextRef="#ctx0" brushRef="#br1" timeOffset="153596.48">11677 8890 0,'0'18'0,"18"-18"32,-1 0-17,1 0-15,35 0 16,17-36 0,-34 19-16,-19-36 31,-17 18-16,-53 35 1,36 0-16,-72 0 16,19 52-1,35 19 1,-1 35 0,36-18 15,18-17-16,35-36 1,35-18-16,-17-17 16,35-35 15</inkml:trace>
+  <inkml:trace contextRef="#ctx0" brushRef="#br1" timeOffset="153863.42">12153 8802 0,'0'0'16,"0"17"15,0 1-31,18 0 16,-1-1-16,1 1 0,35 88 15,-18-53 1,36 17-1,-36-17 1,-17-35 15,-1-18-31,-17-18 16</inkml:trace>
+  <inkml:trace contextRef="#ctx0" brushRef="#br1" timeOffset="154122.99">12524 8819 0,'0'-17'0,"0"34"0,0-52 0,0 18 15,-36 17 1,-17 35 0,0 18 15,36-36-31,-18 72 0,17-72 15,-35 89 1,0-35-16,18-19 16,35-34 15</inkml:trace>
+  <inkml:trace contextRef="#ctx0" brushRef="#br1" timeOffset="154478.5">12823 8625 0,'0'-17'0,"0"34"0,0-17 31,0 18-31,-35 35 32,18 18-32,-1-36 15,0 106-15,18-53 32,0 0-17,0-17 1,18-54-1,0 1-15,34 0 16,19-18 0,0-53-1,-1 0 1</inkml:trace>
+  <inkml:trace contextRef="#ctx0" brushRef="#br1" timeOffset="154671.79">12700 8943 0,'0'0'0,"-18"0"15,36 0 17,0-18-32,-1 18 15,54 0 1,17-35-1,0 17 1</inkml:trace>
+  <inkml:trace contextRef="#ctx0" brushRef="#br1" timeOffset="155022.59">13423 8661 0,'0'-18'47,"-17"18"-32,17-18 1,0 1-1,0 34 32,0 1-31,0 17-16,0 1 16,-18 17-1,0-53 1,1 17-16</inkml:trace>
+  <inkml:trace contextRef="#ctx0" brushRef="#br1" timeOffset="155556.1">14640 8731 0,'0'0'0,"0"18"31,0 17-15,0-17-16,0 70 15,0-17 1,-17-1 0,17-35-1,0-17 1,0-36 15,0 1-31</inkml:trace>
+  <inkml:trace contextRef="#ctx0" brushRef="#br1" timeOffset="155763.38">14676 8572 0,'0'0'15,"0"-17"1,0-1-16,0 36 47,17-18-47,1 17 16,-1-17-16,1 18 0</inkml:trace>
+  <inkml:trace contextRef="#ctx0" brushRef="#br1" timeOffset="156439.56">15469 8837 0,'0'-18'0,"0"36"0,0-53 0,0 17 15,0-17 1,0 17-16,-35-17 16,-36 35-1,-34 0 1,-19 35 0,54 53-1,-1 18 16,71-70-31,-18 69 0,18-52 16,18-17 0,53-36-1,-18 0 17,35-36-17,-71 19-15,54-36 16,-1-71-1,-34-34 1,-1 34 0,0-17-1,-35 53 1,0 70 0,-35 71 30,35 70-30,0-87-16,0 87 16,0-87-16,0 52 15,18 70 1,17-87 0,35-18-1,1-53 1,0 0-1,17-35 1,-71 17-16,36-35 0</inkml:trace>
+  <inkml:trace contextRef="#ctx0" brushRef="#br1" timeOffset="156693.6">16210 8678 0,'18'0'31,"-1"0"-31,1 0 16,35 0-16,-35 0 15,35 0 1,-18 0-1,-18 0 1</inkml:trace>
+  <inkml:trace contextRef="#ctx0" brushRef="#br1" timeOffset="156861.97">16245 8802 0,'0'0'15,"-17"35"-15,-1-17 31,18-1-31,35-17 32,-17 0-17,35-17-15,0-1 16</inkml:trace>
+  <inkml:trace contextRef="#ctx0" brushRef="#br1" timeOffset="157472.85">17216 8502 0,'-18'0'16,"0"0"0,1 0-1,17-18 48,17 18-63,1-17 15,0 17-15,-1-36 32,1 1-17,-18 17-15,0 1 0,-71 52 32,54 18-1,-36 35-16,53 0 1,0-35 0,0-35-16,53 35 15,17-18 1</inkml:trace>
+  <inkml:trace contextRef="#ctx0" brushRef="#br1" timeOffset="158139.07">17992 8731 0,'0'0'15,"0"-17"-15,0-1 16,0 0-16,0-17 15,-53 0 1,17-1 0,-34 36-1,-18 36 1,70-19-16,-52 54 16,-1 52-1,18-34 16,35 34-31,36-52 16,35-36 0,53-17 15,-18-36-15,-17-17-16,-19-54 31,-16-16-16,17-36 1,-53 105-16,17-70 16,-17 71-1,0 70 17,0-17-32,0 35 15,-17 88 1,17-17-1,0-19 17,17-52-17,36-35-15,0-18 32,53-53-17,-88 35-15</inkml:trace>
+  <inkml:trace contextRef="#ctx0" brushRef="#br1" timeOffset="158738.85">18574 8449 0,'0'-18'0,"-18"18"31,0 18-31,-17 35 16,18 17-1,-1 72 17,0-1-32,18-53 15,0-53 1,0 53 0,-17-52-1,17-19 1,0-52 15,0 17-31,0-35 16,17-35-1,36 18 1,35-1 0,18 36-1,0 17 16,0 89-15,-88-1 0,-18 19-16,-18-1 15,-53-35 17,-52-18-32,-1-17 31,54-18-16,17 0 1,53-36 15,70-17-15,-52 53-16</inkml:trace>
+  <inkml:trace contextRef="#ctx0" brushRef="#br1" timeOffset="159110.7">19420 8661 0,'0'0'15,"0"-18"-15,-17 0 16,-19 1-1,-16 17 1,-19 35 0,71-17-16,-53 70 15,18 0 1,17 0 0,18 0-1,0-35 16,88-35-31,-17-18 32,35 0-17,-18-53-15,-17 0 16</inkml:trace>
+  <inkml:trace contextRef="#ctx0" brushRef="#br1" timeOffset="159629.01">19985 8343 0,'-18'0'31,"18"18"0,-17-18-15,17 17-16,-36 1 15,1-18 1,0 0 0,35-18 15,0 1-15,0-1-1,53 1 1,-36 17-1,-17 35 1,0 35 0,-17-17-1,-54 18 17,53-54-32</inkml:trace>
+  <inkml:trace contextRef="#ctx0" brushRef="#br1" timeOffset="161203.04">20726 8361 0,'0'0'16,"-18"0"-16,18-18 16,-18 18-16,1 0 15,-1 0 16,0 18-15,18 35-16,0 17 16,71 1-1,-53-54 1,105 72 0,-35-36-1,36 0-15,-54-53 31,1 0-15,-36 0 0,-35-36-1,-17 19 1,-36-1 0,-36 18-1,-52 35 16,18 18-31,88-35 16,-124 70 0,71-17-1,-1-1-15,54-17 32,35-35-32,-17-1 31</inkml:trace>
+  <inkml:trace contextRef="#ctx0" brushRef="#br1" timeOffset="185678.41">4604 10971 0,'-18'0'0,"0"0"15</inkml:trace>
+  <inkml:trace contextRef="#ctx0" brushRef="#br1" timeOffset="186351.8">4674 10901 0,'0'-18'0,"0"1"46,18 17-46,-18-18 16,18-17 0,-18-1-1,0-17 1,17 18 0,-17 18-1,0-1 1,0 36 31,-17-1-32,17 1-15,-36 52 16,-17 1 0,36-53-1,-36 105 1,-18-17-16,36 0 31,-18 17-31,0-35 31,18 1-15,17-72-16,-17 36 16,17-35-1,1-1 1,17-34 31,0-1-47,0 0 15,17-17 1,19 0-16</inkml:trace>
+  <inkml:trace contextRef="#ctx0" brushRef="#br1" timeOffset="187123.06">4886 10830 0,'0'-17'0,"18"-1"16,-18 0 15,17 1-15,-17-1-1,18 18 1,-18 18 62,0-1-78,0 1 0,-35 17 16,-1 53-1,1-35 1,35-17-16,-71 52 31,36 0-15,-18 0-16,0 18 16,18-53 15,0 0-16,0 0-15,17-36 32,0 19-17,18-19 32,0-34 63</inkml:trace>
+  <inkml:trace contextRef="#ctx0" brushRef="#br1" timeOffset="191958.13">5186 11077 0,'0'-17'31,"0"34"16,0 1-32,0-1-15,0 54 16,0-18 0,-18 18-1,18-19 1,0-34 0,0 0-1,0-36 32,-17-17-47,17 17 16</inkml:trace>
+  <inkml:trace contextRef="#ctx0" brushRef="#br1" timeOffset="192191.66">5098 10883 0,'0'-17'16,"-18"17"0,36 0 62,-18 17-78</inkml:trace>
+  <inkml:trace contextRef="#ctx0" brushRef="#br1" timeOffset="192850.74">5362 10936 0,'0'18'31,"0"-1"-15,0 1-1,0 17-15,18 36 16,-18-18 15,0-36-31,0 19 16,0-19-16,0 1 15,0 17 1,0-52 31,0-1-32,0-53 1,0 54-16,0-54 16,35 1 15,18 17-31,35 17 31,-35 36-31,35 0 31,-35 36-15,-17 34 0,-19 36-1,-17-35 1,0 17 0,0-70-16,0 34 15,-17-34 16,17-36 1,0 1-17,17-18-15,1 17 16</inkml:trace>
+  <inkml:trace contextRef="#ctx0" brushRef="#br1" timeOffset="193267.67">6138 10954 0,'0'-18'16,"-17"18"0,-1 0 15,18 18-31,0 17 15,0-17-15,0 70 16,0 53 0,0-18-1,18 54 1,-18-18 0,0-36 15,0-70-31,0 106 0,-18-36 31,18-70-15,0 0-1,0-71 17,0 1-32,0-71 15,0 17 1</inkml:trace>
+  <inkml:trace contextRef="#ctx0" brushRef="#br1" timeOffset="193702.25">6085 11112 0,'-17'-17'0,"34"34"0,-34-52 16,-19-35-16,36 17 31,18 17-31,70 19 16,-70-1-1,53 18 1,52 0 0,-35 35-1,-53 18 1,-17 53-1,-106-18 1,17-17 0,-17 0-1,35-36 1,18-35 15,35-18 0,0 1-15,53-19 0,-35 19-16</inkml:trace>
+  <inkml:trace contextRef="#ctx0" brushRef="#br1" timeOffset="194671.91">6791 10883 0,'0'-17'16,"0"34"31,-18 1-32,18-1-15,0 1 0,0 0 0,0 52 32,0 1-32,0-54 15,18 54 1,17-36 0,18-35-1,0 0 1,18 0-1,-18-70 1,-18-18 0,0 17-1,-17-17 1,-18 35 0,0 71 30,0-1-30,0 71-16,0-35 16,0 18 15,17-1-15,36-52-1,-53 0-15,71-18 16,-18 0-1,17-53 1,1-18 0,-18 1 15,-53 34-31,17-87 16,19-1-1,-36 54 1,0-1-16,0 54 31,-18 52-15,18-17-1,-18 70 1,18-18 0,0 36-1,0 0 1,0-53-1,0 35 1,0-53 0,18 1-1,35-36 17,-35 0-32,35-36 31,-1-34-16,-52 52-15</inkml:trace>
+  <inkml:trace contextRef="#ctx0" brushRef="#br1" timeOffset="194949.54">7479 10866 0,'0'0'0,"-18"0"0,36 0 47,0 0-47,-1 0 16,54 0-16,-18-18 15,0 0 16,-36 18-15</inkml:trace>
+  <inkml:trace contextRef="#ctx0" brushRef="#br1" timeOffset="195616.91">8449 10195 0,'18'0'31,"-1"-17"-15,1 17-16,35 0 16,17 0-1,36 0 1,-35-18-1,-36 18 1,-53 0 0,-34 0-1,-19 0 1,18 0 0</inkml:trace>
+  <inkml:trace contextRef="#ctx0" brushRef="#br1" timeOffset="196141.65">8467 10178 0,'-18'0'16,"-17"0"-1,17 0 1,-17 17 0,0 19-1,17 16 1,18 1-1,0 71 1,-18-1 0,18-34-1,-17 87 17,17-53-32,-18-17 31,0 53-31,1-18 31,17-70-15,0 34-1,17-34 1,19-53 0,-1-1-1,18-17 1,0 0-1,17-17 1,-52 17-16,35-53 16,-18 35-1,0-17 17,-17 0-32,17-18 15</inkml:trace>
+  <inkml:trace contextRef="#ctx0" brushRef="#br1" timeOffset="197383.93">9349 10795 0,'0'0'0,"0"-18"32,0 1-32,-18 17 15,-17-18 1,-1 18-1,1 35-15,0 1 16,35-19 0,-18 54-1,1-36 1,17 18 0,0-35-1,17-1 1,36-17-1,-18 0 1,-17 0-16,0-35 16,35-18-1,-18-17 1,-35 17 15,0 17-31,0 54 63,0 0-48,0 35 1,0-18 0,18-18-16,-1 19 15,1-36-15,-1 17 16,36 1-1,18-18 1,-1 0 0,-17-18-1,0-52 1,-53 52 0,18-52-1,-18-19 1,0-16-1,-71-1 1,18 35 0,18 54-16,-35-1 15,34 0-15,-34 18 16,-54 18 0,18 52-1,1 1 1,-36 53-1,70-36 1,53-53-16,-35 36 16,36 34-1,17-16 1,35-19 0,36 1-1,17-1 1,18-52 15,17-18-31,-17 0 31,-35-35-15,-1-1 0,-35 1-1,-17 17 1,0 1-1,-18-1 48,0 0-32</inkml:trace>
+  <inkml:trace contextRef="#ctx0" brushRef="#br1" timeOffset="202770.95">10089 10672 0,'0'-18'156,"0"0"-140,18 18-16,0 0 15,-18-17-15,17-1 16,1 0 0,-18 1-16,0-1 15,0-17 1,0-1 0,0 1-1,-18 35 32,18 18-47,-35 35 16,35-36-16,-35 54 15,17 17 17,18 18-17,0-35 1,0 17-16,0-35 31,18-36-15,17 1-1,-17-18 1,17 0 0,0-35-1,1-18 1</inkml:trace>
+  <inkml:trace contextRef="#ctx0" brushRef="#br1" timeOffset="203040.98">10001 10795 0,'-17'0'15,"34"0"17,1 0-32,35 0 15,-36-18-15,54 1 16,35-1 0,-36 0-1,-34 1 1,-19-1-1</inkml:trace>
+  <inkml:trace contextRef="#ctx0" brushRef="#br1" timeOffset="203723.14">10407 10689 0,'0'18'16,"0"-1"-16,0 19 15,0 17 1,0 0-1,0-1 17,0-16-32,35-1 15,18-35 17,18 0-17,-54 0-15,36-18 16,35-35-1,1 1 1,-72 16 0,1-34-1,-18 34 1,0 19 15,-18 34 0,18 1-31,0 53 16,-17 17 15,17-18-31,0-52 16,0 105 0,0 1-1,0-18 1,0 0-1,0-18 1,-53-35 0,0-36-1,-18-17 17,-17 0-32,17 0 31,-17-35-31,53 0 31,35 17-15,0-35-1,53 0 1</inkml:trace>
+  <inkml:trace contextRef="#ctx0" brushRef="#br1" timeOffset="204133.26">11165 10724 0,'0'0'0,"-17"0"15,-1 18 1,0 35 0,18 53-16,0-18 31,0-53-31,0 106 16,0 18-1,0-53 1,0 17-1,-17-52 1,17-53-16,0-1 16,0 1-1,0-36 1,0-35 0</inkml:trace>
+  <inkml:trace contextRef="#ctx0" brushRef="#br1" timeOffset="204507.34">11148 10866 0,'0'-18'0,"0"36"0,0-54 16,0 19-16,0-36 15,0 17 1,123-34-1,-17 70 1,-18 0 0,-17 53-1,-54 35 1,-17-17 0,-105 17 15,16-35-16,-16-18 1,69-35 0,1 0-1,35-18 17,18 18-17</inkml:trace>
+  <inkml:trace contextRef="#ctx0" brushRef="#br1" timeOffset="205032.43">11677 10830 0,'18'0'16,"-1"-17"-16,1 17 16,-1 0-16,19-18 15,-1 0 1,36-17 0,-54-18-1,-17 36 1,0-19-1,-53 36 1,-17 0 0,17 36-1,18 16 1,17 19 0,18 17 15,0-35-31,35-18 15,18-17 1,0-18 0,0 0 15,-35 0-31,35 0 16,35-18-1,-35-17 1,-18 17-16</inkml:trace>
+  <inkml:trace contextRef="#ctx0" brushRef="#br1" timeOffset="205353.49">12541 10689 0,'0'0'0,"18"0"47,0 0-32,-1 0-15,36 0 31,-18-17-15</inkml:trace>
+  <inkml:trace contextRef="#ctx0" brushRef="#br1" timeOffset="205590.57">12524 10813 0,'0'0'0,"17"0"31,1 0-31,17 0 15,18 0 1,-35 0 0,17 0-1,-17 0-15</inkml:trace>
+  <inkml:trace contextRef="#ctx0" brushRef="#br1" timeOffset="206437.23">13317 10231 0,'0'0'0,"-17"0"31,17 17-15,0 1-1,17-18 16,36-18-15,-35 18 0,0-35-1,-1 35-15,-17-35 16,-17 35 15,-36 0 0,35 53-31,18-36 32,0 1-32,0-1 15,18-17 17,17-17-17,0-1 1,-17-17-1,-18 17 1,0 1 0,-35 17-1,-1 53 1,19-1 0,17 37-1,0-54 1,0 18-16,0 35 31,17-53-31</inkml:trace>
+  <inkml:trace contextRef="#ctx0" brushRef="#br1" timeOffset="206853.38">14041 10425 0,'0'-18'0,"0"36"0,0-54 0,0 19 16,-18-1-16,-17 0 15,17 18 1,-17 53 15,17-35-31,0 70 0,-17 53 31,0 0-15,17-35-16,18 0 31,0-53-15,36-18-1,16-35 1,1-35 0,18-18-1,-36 18-15</inkml:trace>
+  <inkml:trace contextRef="#ctx0" brushRef="#br1" timeOffset="207099.45">13652 10795 0,'0'18'16,"18"-18"-1,0 0-15,-1 0 16,54 0-1,0-18 1,-1 0 0,-52 18-16,52-35 15,-34 17-15</inkml:trace>
+  <inkml:trace contextRef="#ctx0" brushRef="#br1" timeOffset="207570.85">14323 10707 0,'0'0'0,"0"17"0,17-17 31,19 0-15,34-17-1,1-18 1,-36-18 0,-35 17-1,0-17 1,0 36 0,-53 17-1,36 0 1,-54 70-1,18 1-15,35-1 16,1 36 15,17-35-15,70-18 0,1-36-1,-1-17 1,1 0-1,17-17 1,-35-19 0</inkml:trace>
+  <inkml:trace contextRef="#ctx0" brushRef="#br1" timeOffset="207853.33">14905 10548 0,'0'0'0,"17"0"32,1 53-17,35 18-15,0-1 32,0-17-17,17 0 1,1-18-1,-53-17 1,-1-18 0,-17-18-1,0 1 1</inkml:trace>
+  <inkml:trace contextRef="#ctx0" brushRef="#br1" timeOffset="208148.83">15363 10530 0,'0'0'16,"0"-17"-16,0-1 0,-17 18 15,-1 0 1,-17 0-16,17 18 16,-35 52-1,0 1 1,-17 35-1,-1-18 1,54-35 0,-19 0-1,36-18 1,53-53 15,-17 1-15</inkml:trace>
+  <inkml:trace contextRef="#ctx0" brushRef="#br1" timeOffset="208549.2">15840 10319 0,'-18'-18'0,"36"36"0,-54-36 16,19 18-1,17 71 1,-35 34 0,17-16-1,-17 52 16,17-35-31,18-53 16,0-1 15,18-16-15,35-36 0,-36 0-16,54 0 15,-1-36 1,-52 1-1,17 0 1</inkml:trace>
+  <inkml:trace contextRef="#ctx0" brushRef="#br1" timeOffset="208772.41">15663 10724 0,'-17'0'0,"34"0"0,-52 0 15,53 0 17,-1 0-17,36-17 1,0-1 0,35-17-1,-70 17-15</inkml:trace>
+  <inkml:trace contextRef="#ctx0" brushRef="#br1" timeOffset="209386.33">16422 10336 0,'-18'0'0,"36"0"0,-53 0 16,-1 0-16,19 0 31,-1 0-31,18-17 47,0-1-47,18 18 15,-1-18 1,19 1 0,-19 17-1,1 0 17,-18-18 30,-18 18-46,18-17 15,0-1-15,18 18 15,17 0-16,-17 0-15,-18 35 16,17 18 0,-17 18-1,-35-18 1,-35-1 15,34-34-31</inkml:trace>
+  <inkml:trace contextRef="#ctx0" brushRef="#br1" timeOffset="210191.74">16845 9984 0,'-18'0'0,"36"0"0,-36-18 31,18 0-31,18 18 31,17-17-15,-17 17-16,35 0 0,0 0 15,-35 35 1,17 0 15,-35 1-15,17-1-1,-17 53 1,0-35 0,0 53-1,0 17 1,0-35 0,0 18 15,0-70-31,0 69 15,0-34-15,0 17 32,0-17-32,-35-1 15,0-35 17,17-17-32,-52 0 15,-19-1 1,1-17-1,0 0 1,0 0 0,70 0-1</inkml:trace>
+  <inkml:trace contextRef="#ctx0" brushRef="#br2" timeOffset="-197242.05">1923 11977 0,'0'-18'15</inkml:trace>
+  <inkml:trace contextRef="#ctx0" brushRef="#br2" timeOffset="-196879.64">1923 11959 0,'0'-17'0,"0"-1"31,0 36 16,0-1-47,0 36 31,0 35-31,-18 53 16,0-17 0,1-36-1,-19 0 16,36-70-31,-17 0 16,17-1 0,-18-52 15,18 17-31</inkml:trace>
+  <inkml:trace contextRef="#ctx0" brushRef="#br2" timeOffset="-196326.76">1676 11942 0,'0'0'0,"0"-18"0,0-17 31,17 17-15,54 0-1,17 18 1,-17 0 0,-36 0-16,35 0 15,36 71 1,-53-1-1,18 54 17,-54-18-17,-17 52 1,-53-69 0,-17-19-16,-1-17 15,-52-53 16,35 0-15,52 0-16,-87 0 16,35-17-1,35-1 1,18-17 0,35 17-1,35 0 1,35 1-1</inkml:trace>
+  <inkml:trace contextRef="#ctx0" brushRef="#br2" timeOffset="-195776.27">2275 12312 0,'0'0'0,"0"-35"32,18 35-32,-18-18 0,18 0 0,17 18 15,18-17 1,0 17-1,17 17 1,-17 54 15,-17-1-31,-36-52 16,0 53 0,-18-18-1,-17 0-15,17-53 31,0 0-15,18-53 15,18-18-15,35 0 0,-18-17-1,18 53 1,-53 17-1,53 1-15,-35 17 16,35 0 0,-18 0-1,0 0-15</inkml:trace>
+  <inkml:trace contextRef="#ctx0" brushRef="#br2" timeOffset="-195001.17">3422 12453 0,'0'0'16,"18"-18"-16,-18 1 16,0-1-1,0-17-15,-36 0 32,-34 17-17,17 0-15,-53 18 31,35 18-15,-17 35 0,71-36-16,-19 36 15,1 36 1,35-36 0,0-1-1,35-34 1,1-18-1,-19 0 1,36 0-16,0 0 16,35-53-1,-35 18 17,18-36-17,-18 1-15,-36 52 16,19-52-1,-36 52 1,0 36 15,-18 34-15,18-34-16,-35 53 16,17-1-1,18-17 1,0-35-1,35-1 1,1-17 15,16 0-31,19-17 32,-53-1-32</inkml:trace>
+  <inkml:trace contextRef="#ctx0" brushRef="#br2" timeOffset="-194334.33">3863 12365 0,'0'0'0,"18"-18"15,-18 36 17,-18-1-17,-17 36 1,-1 18-1,19-18 17,17-18-32,17-35 47,1 0-32,0 0-15,35-35 0,-1-18 31,-34 0-15,35 0 0,-35 53-1,-1 0 1,-17 35 0,0 18-1,0 18 1,0-1-1,0-17 1,53-17 15,18-36-15,-18 0 0,-36 0-16,54-53 0,-18 0 31,-36-35-16,-17-18 1,-17 53 0,-1 35-16,-35 1 15,18 17 1,0 0 0,17 0-1</inkml:trace>
+  <inkml:trace contextRef="#ctx0" brushRef="#br2" timeOffset="-193409.98">4639 11959 0,'0'0'0,"35"-35"31,-35 17-31,0 36 31,0 0-31,0 52 16,-17 71 0,-19 0-1,19-53 1,-19 18-1,36-88 1,0 17-16,0-17 16,0 0-1,0-36 17,0-17-17,0 17 1,0-35-1,18 0 1,53 0 0,-1 18-1,71 0 1,0 35 0,-35 53-1,-70 17 1,-36 1-1,-18-1 17,-53-17-17,-52-18-15,88-35 16,-71 36 0,0-36-1,35 0 1,54 0-1,17-18 1,17 0 0,72 1-1</inkml:trace>
+  <inkml:trace contextRef="#ctx0" brushRef="#br2" timeOffset="-192763.34">5856 12365 0,'0'0'16,"0"-18"-16,0-17 15,-18 17 1,1 1-16,-54 17 15,-52 0 1,52 53 0,-35 35-1,36 0 1,52-17 0,1-54-16,17 36 15,0-18 1,70-17-1,1-18 17,35-18-17,-1-35 1,-34 1 0,-36 34-16,36-70 15,-71 35 1,0 0-16,0 35 31,-36 71 0,19-35-31,-1 52 16,18 19 0,0-37-1,18 1 1,52-17-1,19-36 17,16 0-17,-34-36 1,-36 19-16</inkml:trace>
+  <inkml:trace contextRef="#ctx0" brushRef="#br2" timeOffset="-191615.86">6650 12259 0,'0'0'0,"-18"-35"16,-17 35 0,-18 0-1,-53 88 1,53-18-1,-17 36 1,70-17 0,0-19 15,0-52-31,17 17 0,1-17 16,53-1-1,52 1 1,-17-18-1,53-53 1,-1-35 0,-34-18-1,-36-53 1,-53 53 0,-35-17-1,0 70 1,-17 141 15,-1-70-15,-17 88-1,-18 17 1,0-35-16,35 1 31,1-19-15,-1-52-1,18-1 1,0-34 15,18-36-15,17 0 0,35-18-1,-52 71-15,53-53 16,17 18-1,-18 35 1,-34 0 15,-36 18-15,0 17 0,-71-17-16,1-18 31,17 0-31,17 0 31,19 0-15,-1 0-1,18 35 17,0 18-17,0-18 1,0 18-1,35 18 1,-17-71 0,35 17-1,35 19 1,-17-36 0,17 0-1,-18-53-15,-17-18 31,-17 18-15,-36 36 15,-36 17-15,1 0 0,17 0-16</inkml:trace>
+  <inkml:trace contextRef="#ctx0" brushRef="#br2" timeOffset="-190785.72">1341 12841 0,'-18'18'0,"36"-36"0,-36 53 31,18-17-31,0 0 16,35 17 0,53-17-1,-52-1-15,193 18 16,-17-35-1,193 36 17,19-1-17,405 0-15,-265-17 32,212 17-17,18 1-15,-230-19 16,124 1 15,-282-1-15,88-17-1,-282 0 1,-177 0 0,-17-17-1,-71 17 16,0 0-15,0 0 15,17 0-31,-16 0 0</inkml:trace>
+  <inkml:trace contextRef="#ctx0" brushRef="#br2" timeOffset="-190069.4">617 14023 0,'0'0'16,"0"18"-16,-17-18 0,-19 0 15,19 0 1,-1 17 0,18 1-1,53-1 1,-18-17-16,89 0 15,70 18 1,-18-18 0,54 0-1,-107 0 1,-17 0 0,-89-18-1,-17-17 1,-52 0-1</inkml:trace>
+  <inkml:trace contextRef="#ctx0" brushRef="#br2" timeOffset="-189661.69">1323 13811 0,'0'0'0,"0"-17"15,-18 17 1,18 17-1,0 36-15,71-18 32,17-17-17,-53 0-15,89-18 16,-18 0 0,17 0-1,-88 0 1,-17 0-1,-18 17 17,-18 1-32,-52 35 15,-54 17 1,18-17 0,1 18-1,34-36-15,36 0 16,52-52 31,1 17-32</inkml:trace>
+  <inkml:trace contextRef="#ctx0" brushRef="#br2" timeOffset="-188285.87">3140 14146 0,'0'0'0,"0"-17"16,17 17-1,1-18-15,0 0 16,-1-17 0,1-18-1,-18-17 1,-18-1-1,-17 1 1,-36 17 15,54 53-31,-36 0 0,-53 53 32,35 35-17,19 35-15,34-35 31,18-70-31,0 70 16,53-70 0,17 0-1,1-18 1,17-53 0,-17 0-1,17-53 1,-70 18-1,-18 0 1,0 35 15,0 35-31,-18 106 47,18-70-47,0 70 0,0 0 16,0-17 15,70-36-15,1-17-1,52-18 1,-105 0-16,70-36 16,18-34-1,-35-1 1,-36-35-1,-17 1 1,-1-19 15,-17 71-15,-17 53 15,-19 71-31,1 17 16,17 35-1,18-87 1,0 34 0,0 1-1,18-18 1,53-53 0,-1 0-1,1-18 1,-54 0-16,54-52 15,-18-1 1,-18-52 15,-17 17-31,-1-35 32,1 123-32,-18-35 15,0 71 16,-35 88-15,17 0 0,0 35-1,18-35 1,0-89-16,18 71 16,17-70-1,1 0 1,-1-18-1,18-18 1,-18-52 15,-17 34-31</inkml:trace>
+  <inkml:trace contextRef="#ctx0" brushRef="#br2" timeOffset="-187982.54">3739 13829 0,'-17'0'16,"34"0"-16,-17 0 16,18 0-1,70 0 1,18 0-1,-18-18 1,-17 1 0,-18 17-1,-36-18 1,1 18 0,0 0-1</inkml:trace>
+  <inkml:trace contextRef="#ctx0" brushRef="#br2" timeOffset="-187161.08">4322 13935 0,'-18'-18'0,"36"36"0,-36-54 31,18 19-31,0-1 16,0-35 0,53 36-1,0-19 1,-36 36-16,89 0 15,-35 36 17,35 34-32,-89 1 31,1-1-15,-18-52-16,0 35 15,-35-18 1,17-35-1,18-18 17,18-17-17,34-18 1,-34 36-16,53-36 16,35 0-1,-36 18 1,-35 35-1,-17 17 1,-18 54 15,0 17-31,-18-35 32,1-36-17,17 1 1,-18 0-16,18-54 47,0-34-32</inkml:trace>
+  <inkml:trace contextRef="#ctx0" brushRef="#br2" timeOffset="-186978.73">5098 13670 0,'0'0'0,"0"-18"0,-18 18 47,36 0 0,-1 0-47</inkml:trace>
+  <inkml:trace contextRef="#ctx0" brushRef="#br2" timeOffset="-186344.58">5415 13564 0,'0'0'16,"0"18"15,-18-18-31,18 18 15,0-1-15,-17 89 16,17 18 0,0-19-1,-18-16 1,1-54 15,17-18-31,0 1 31,-18-18-31,18-18 32,0-34-17,0-1 1,35 17 0,36-17-1,-1 36 1,-34 17-16,87-18 15,-35 18 1,0 53 15,-70 0-31,-18 18 32,-88-19-17,-53 1 1,17-35-1,54-18 1,-1 0 0,54 0-1,17-18 17,17 1-17,71-1 1</inkml:trace>
+  <inkml:trace contextRef="#ctx0" brushRef="#br2" timeOffset="-185502.45">6138 13882 0,'0'-18'16,"0"36"-16,0-53 15,-17 52 17,17 1-32,-18 35 15,-17 17 1,17 1 0,18-18-1,18-18 1,-1-17-16,72-1 15,-1-17 1,-18 0 15,1-53-15,-36 0-16,0-17 16,-35 52-1,18-52-15,-18 34 16,-18 54 31,18 0-47,-35 35 15,35 35 1,0-35 0,35 0-1,18-36 1,18-17-1,35 0 1,-36-35 0,36-71 15,-53 0-15,0-52-1,-18 52 1,-35 35-16,-35 106 47,17-17-47,-35 106 15,36-36 1,-1 35 0,18-17-1,0-71 1,0-17-16,35 17 15,18-17 1,18-18 15,-1-18-31,-17-35 32,-17 18-32</inkml:trace>
+  <inkml:trace contextRef="#ctx0" brushRef="#br2" timeOffset="-185278.53">6844 13882 0,'0'0'16,"-18"0"-16,1 0 0,17 17 16,17-17-1,71 18 1,-17-18-1,17 0 1,-17-18 0,-54 1-1,1-1 1</inkml:trace>
+  <inkml:trace contextRef="#ctx0" brushRef="#br2" timeOffset="-184653.02">7426 14041 0,'0'-18'31,"0"0"-15,35-17-1,18-18 1,-35 53-16,-1-53 16,1 36-1,-18-1 1,-18 18-1,-17 35 1,0 18 0,17-35-1,18 70-15,-17-35 32,17 0-32,35-18 15,18-17 16,17-18-15,36-18 0,35-53-1,-123 71-15</inkml:trace>
+  <inkml:trace contextRef="#ctx0" brushRef="#br2" timeOffset="-184219.48">8202 13847 0,'18'-36'16,"-36"72"-16,53-107 15,-35 53 1,-53 18 0,36 0-1,-54 36-15,18-1 16,0 35 0,36-34-1,17-19 1,0 1-16,88 17 31,-17-35-15,17 36-1,-35-36 1,-36 17-16,1 1 16,-18-1-1,-53 1 1,-35 0-1,0-18 1,-1 0 0,36 0 15,36 0-15,-1-18-1,18 0-15,0 1 16</inkml:trace>
+  <inkml:trace contextRef="#ctx0" brushRef="#br2" timeOffset="-183453.54">9384 13935 0,'18'0'0,"-36"0"0,53 0 15,0 0 1,-17 0-16,0 0 0,17-18 16,0-35-1,-35-17 1,0-19 0,-35 36-1,-36 36 1,-17 17-1,35 53 1,0 35 15,36-53-31,-1 36 0,18 17 32,0-35-17,53-35-15,18-18 16,-1-36 15,-52 19-31,70-54 16,-35 18-1,-35-53 1,-18 53 0,0 18-1,0 70 16,0-17-31,0 70 16,17-17 15,36-1-31,0-17 32,18-35-17,-1-18 1,-17 0-1,0-35-15</inkml:trace>
+  <inkml:trace contextRef="#ctx0" brushRef="#br2" timeOffset="-182981.8">10107 13758 0,'0'0'16,"0"-17"-16,0-1 0,0 0 15,18-35 1,35 18 15,-18 18-31,18-1 0,-36 18 16,36 0 0,0 70-16,-35 36 15,-18-35 1,0 17 15,0-70-31,-18 17 16,1-17-1,-1-18 1,18-18 15,0 0-31,0-35 16,35-35-1,1 18 1,16-19 15,-16 54-31,34 18 16,-17 17 15,-53 17-31</inkml:trace>
+  <inkml:trace contextRef="#ctx0" brushRef="#br2" timeOffset="-182603.05">10707 13829 0,'0'0'0,"17"0"16,1 0-16,53 0 16,-36-35-1,35-18 1,-52 0-1,0-18 1,-18 36 15,-88 17-15,-1 54 0,36 34-1,1 54-15,52-54 16,0 18 15,70-35-15,1-35-1,34-18 1,-34 0 0,17-53-1,-53 0 1</inkml:trace>
+  <inkml:trace contextRef="#ctx0" brushRef="#br2" timeOffset="-181552.6">11942 13758 0,'0'0'0,"0"-17"16,0-1-16,0 0 15,0-17-15,52-53 16,1 0 0,18 52-1,17 19 16,-17 17-15,-54 0-16,36 53 16,-53-18-16,18 36 15,17 52 1,-35-17 0,0-71-1,0 0 1,-35-35 15,17-17-15,18-54-1,35-35 1,18 18 15,18 0-31,-53 70 16,35-17-1,35 35 1,-35 18 0,17 88-1,-35 17 1,-35-52 0,0 34-1,0-87 1,0 0-1,0-54 17,0-16-17,0 16 1,0-34 0,53-36-1,18 18 1,70 35-16,-17 35 31,-89 18-31,71 35 16,-71 36-1,-35 52 1,-18-34 0,-17-36-1,35-18 1,-18-35-16,18-18 47</inkml:trace>
+  <inkml:trace contextRef="#ctx0" brushRef="#br2" timeOffset="-179686.61">13882 13582 0,'0'-18'0,"0"36"0,0-53 0,0 17 16,0-53-1,-35 36 1,-54 18 0,36 17-1,-52 35 1,52 35-1,-18 54 1,53-18 15,18-36-31,53-17 32,18-35-17,17-18-15,-17-35 31,-1-36-15,1-17-16,-54-18 31,19 18-15,-36 70 0,-18 36 15,18-1-31,-18 54 15,18-53-15,0 70 16,0 0 15,36-17-31,17-54 16,52-17 15,-34 0-31,-53 0 16,70-53-1,-35-17 1,-36-36-16,-17 35 31,0 18-15,0 71 15,0 53-15,-35-1-1,17 18 1,1-35 0,17-17-1,0-19 1,0-34 15,17-19-15,36-52-1,0 17 1,53-17 15,-35 53-15,-18 17 0,-18 71-1,-35 0 1,18 53-1,-18-88-15,0 35 16,70 0 15,-17-36-31,35-17 32,18 0-17,-35 0 1,-54-17-16,89-54 15,-53 0 1,-35-34-16,-18 34 31,-71 36-15,-35 17 0,36 36-1,-1 52 1,36 18-1,35 18 1,0-53 15,0-35-31,35 17 0,36-17 16,-18-18 15,17-35-15,1-36-16,-1-35 31,-17-17-15,-35 87-16,35-105 15,-53 53 1,0 35 0,-18 71 15,-17 35-16,17-18-15,-17 53 16,17 53 15,18-17-15,18-54 0,52 1-1,1-36 1,-36-35-16,71 0 15,-35 0 1,-1-70 0,-17-1-1,-18-35 1,-35 71-16,18 0 16,-18 17-16,0 36 31,-35 70-16,35 0 1,0-35 0,0-35-1,0 35 1,17-36 0,36-17-1,-17 0-15,-1-53 16,0 0 15,0-17-31</inkml:trace>
+  <inkml:trace contextRef="#ctx0" brushRef="#br2" timeOffset="-179472.76">15928 13353 0,'-18'-18'15,"36"36"-15,-53-36 0,35 0 16,-18 18 15</inkml:trace>
+  <inkml:trace contextRef="#ctx0" brushRef="#br2" timeOffset="-178865.37">16492 13194 0,'0'-18'16,"0"36"-16,0-53 0,36-18 31,-36 35-31,0 36 31,-36 35-15,-17 17 15,-35 54-31,35-36 31,0 53-15,53-123-16,0 52 0,18 1 31,53-54-15,-1-17-1,18 0 1,-17-53 0,-1-17-1</inkml:trace>
+  <inkml:trace contextRef="#ctx0" brushRef="#br2" timeOffset="-178170.66">16281 13441 0,'-18'0'0,"36"-18"46,-1 18-46,19 0 16,34 0-16,-52 0 16,123-17-1,-53-19 1,53 19 0,-70-19-1,-36 36 1,-53 18 15,-17 35 0,0-18-31,0 53 16,35-35 0,0 18-1,52-36 1,19-35 15,17 0-15,-17-18-1,-1-52 1,-52-1 0,-18 54-16,0-89 15,-18 53 1,-52 18-1,17 35 1,18 0 0,-18 53-1,35 0 17,0-1-17,18-16 1,0-19-1,53-17-15,0 0 16,-35 0 0</inkml:trace>
+  <inkml:trace contextRef="#ctx0" brushRef="#br2" timeOffset="-177637.64">17410 13406 0,'0'0'0,"0"-18"16,0 0 0,0-17-1,0 17 1,70 1 15,-17-19-31,35 36 16,-70 0-1,17 0 1,0 36 0,-17 52-1,-18-18 1,0 19 0,0-19-1,-18-35 1,1-35-1,-1-35 17,18 0-17,35-36 1,-17 54 0,35-54-1,35 1-15,-35 34 16,0 19 15,-35-1-15,-1 18 15,1 0-31</inkml:trace>
+  <inkml:trace contextRef="#ctx0" brushRef="#br2" timeOffset="-176652.73">18344 13317 0,'0'0'16,"0"-17"-16,0-1 16,-17 18 30,17 18-30,-53 52-16,18 1 31,35-18-15,0 0 0,35-36-1,-17-17-15,52 18 16,1-18-1,17-53 1,0-18 0,-35 1 15,-18 17-15,-35 35-16,35-17 15,-35 17 1,0 1-1,0 34 17,-17 1-32,17 0 15,-18 70 1,-17-18 0,-18 54-1,18-18 1,-1 35-1,19 0 1,-18-35 15,-1 0-15,19-36-16,17 36 16,0 0-1,0-18 16,0-53-15,-18-35-16,-35 0 31,0-17-15,18-36 0,17-35-1,18 52-15,0-52 16,18-35-1,70-18 1,0 52 0,36-16 15,-36 34-15,-70 53-16,70-52 0,-71 52 15,1-17 1,-18 17 15,-18 18-15,-35 0-1,36 0-15</inkml:trace>
+  <inkml:trace contextRef="#ctx0" brushRef="#br2" timeOffset="-172896.2">335 15469 0,'-18'0'16,"36"0"-16,-141 0 15,105 18-15,0-18 16,54 18 15,-1-18-31,88 0 16,89 0-1,17 0 1,-70 0 0,18 0 15,-72 0-31,-52 0 15,-35 0 17,-18-18-17,0-17 1</inkml:trace>
+  <inkml:trace contextRef="#ctx0" brushRef="#br2" timeOffset="-172414.79">1076 15134 0,'0'0'16,"-18"0"-16,18 18 16,0 17-16,0-17 15,18 52-15,35-17 16,70 18-1,-17-54 1,71-17 0,-36-35 15,-71 0-15,-70 0-1,0 17 1,-53 18-1,-17 18 1,52-1-16,-35 36 16,-35 71 15,35-36-15,-17 35-1,52-52 1,18-18-1,0-36 1</inkml:trace>
+  <inkml:trace contextRef="#ctx0" brushRef="#br2" timeOffset="-171314.38">2928 15064 0,'-18'17'15,"18"1"-15,0 0 16,0-1 0,0 1-16,0-1 15,53-17 1,36-17-1,-37-36 1,-16 35-16,52-52 16,-53 17-1,-35 0 17,0 18-32,-53 35 31,18 17-16,35 36 1,0 53 0,0 0-1,0 53 1,18-54 0,-1-16-1,-17-54 1,-17-35 15,-36-35-15,0-18-1,-18 0 1,71 35 0,-17 0-1,17 54 16,17 34-31,36-34 32,-35-36-32,35 35 15,-18-35-15,36 0 16,34 0 0,-16-53-1,52-35 1,-71-18-1,-17-35 1,-35 0 0,-18 52-1,0 72 17,0-1-32,0 53 15,-18 54 16,18 52-31,0 0 32,0-71-32,18 19 31,17-54-15,0-17-1,18-36 1,-17-17-1,-19-36 1</inkml:trace>
+  <inkml:trace contextRef="#ctx0" brushRef="#br2" timeOffset="-171097.32">3545 15205 0,'0'-18'16,"18"18"0,0-18-16,35 18 15,-36 0-15,54-35 16,52 18 0,-35-1-1,-52 0 1</inkml:trace>
+  <inkml:trace contextRef="#ctx0" brushRef="#br2" timeOffset="-170253.48">5697 15434 0,'-17'0'0,"-1"0"31,18-18-16,0 1-15,0-19 16,35-16 0,-35-19-1,-17-17 1,-36 35 0,18 35-1,-54 1-15,1 17 16,-35 35-1,52 35 17,18 54-32,53-89 15,0 53 1,0 1 0,53-54-1,0-35 1,70-18-1,-34-35 1,-54 36-16,71-89 16,-36 18-1,-34-36 1,-36 18 15,0 0-31,0 36 16,-18 52-1,0 36 17,18 35-17,0 53 1,0-18 0,18 53-1,35-18 1,0-52-1,17-71 1,-17 0 0,18-18-1,-18-35 17,-36 36-32,19-18 0</inkml:trace>
+  <inkml:trace contextRef="#ctx0" brushRef="#br2" timeOffset="-169770.69">6227 15011 0,'0'0'16,"0"-18"-16,0 0 16,-18 18 15,-35 36-15,18 52-1,35 0 1,-18 18-1,18-36 1,35 19 0,-17-72-16,35 1 15,17-18 17,19-18-32,-36-35 31,17-35-16,-52 71-15,-18-36 16,-18-106-16,-70 53 31,35 71-15,-18 17 0,36 18-1,-18 71 1,36-1-1,17 1 1,0-1 0,35-70-1,18 0 1</inkml:trace>
+  <inkml:trace contextRef="#ctx0" brushRef="#br2" timeOffset="-168997.45">6597 15222 0,'18'0'15,"-1"0"1,1 0-16,-1 0 16,1 0-16,17-35 15,36-18 1,-18 18-1,-35-18 1,-18 18 0,-36 35 31,1 17-32,0 36-15,17 35 31,18-17-31,0-53 16,0 70-16,0-53 31,88-17-15,0-18 0,1 0-1,34-53 1,-105 35-16,70-52 15,0-36 1,-53 35 0,-35 18-1,-17 36 17,-19 17-32,19 0 15,-1 53 1,18 17-1,0 18-15,53-17 32,-18-36-17,-17-17 1,-18-1-16,-18-17 31,-17 0-15,0 0-1,-18 18 1,35-18 0,18-18 31,0 1-47</inkml:trace>
+  <inkml:trace contextRef="#ctx0" brushRef="#br2" timeOffset="-168165.07">8449 15099 0,'0'0'0,"-18"-18"31,18 1-31,-17 17 0,17-36 16,0 1 0,0 0-1,0-1-15,106 19 32,-54-1-17,54 36 1,-17 52-1,-54 1 1,-18 52 0,-17-87-16,0 52 15,-17 0 17,-1-70-32,1-1 15,-1-17 16,0-35-31,1-71 32,17 18-32,70-18 31,36 0-15,-18 71-1,36 35 1,-89 0-16,35 35 15,1 36 1,-53 0 0,-18 34-1,0-16 17,-36-54-17,19-18-15,-1 1 16,18-36 15,0-34-31,18 16 16</inkml:trace>
+  <inkml:trace contextRef="#ctx0" brushRef="#br2" timeOffset="-167704.43">9525 14958 0,'0'0'0,"0"-18"15,18 18 1,-18 18 0,-36 17-1,36 53 17,-17-17-32,17 17 15,0 0 16,35-53-15,36-17-16,-54-18 16,36 0-1,35-53-15,-35-17 32,-35-1-17,-18-52 1,-18 105-16,-17-53 15,-36 1 1,1 70 0,17 0-1,0 17 17,35 36-32,18-35 15,0 35 1,0-35-1,71-1-15</inkml:trace>
+  <inkml:trace contextRef="#ctx0" brushRef="#br2" timeOffset="-167371.67">10195 14817 0,'0'-18'0,"0"36"0,0-18 47,-17 17-47,17 19 0,-18-1 15,0 0-15,1 36 16,17 35 15,0-18-31,0 0 31,0-35-15,70-36 0,-17-17-1,-18-35 1,1-35 0,-19 34-16</inkml:trace>
+  <inkml:trace contextRef="#ctx0" brushRef="#br2" timeOffset="-167122.08">9966 14958 0,'-18'0'0,"36"0"0,-53 0 0,35 17 15,-18-17 1,71 18-16,53-18 31,17 0-15,-52 0-16,-18 0 31,-36 0-31</inkml:trace>
+  <inkml:trace contextRef="#ctx0" brushRef="#br2" timeOffset="-166380.83">11624 15011 0,'18'0'16,"-1"0"-16,1 0 15,17 0-15,71-53 16,-18 17 0,53-34-1,-70-1 17,-71 18-32,-88 36 31,52 17-31,-69 0 15,-19 53-15,71-18 32,53 36-32,35-1 31,-17-52-31,35 17 16,-35-17-16,105 52 15,-35 1 1,-35-1-1,-53-17 1,-70 0 0,-89-18-1,124-35-15,-71 0 16,0 0 15,53-52-31,35-19 16,1 18 15,17 35-31,0-17 16,53 35-1,35 0 17</inkml:trace>
+  <inkml:trace contextRef="#ctx0" brushRef="#br2" timeOffset="-165939.09">12294 15011 0,'0'0'0,"0"-18"16,0 0 0,0 1-16,0 70 46,0 17-30,0 1-16,0 17 16,36-35-1,16-35 1,-34-18 0,88 0-1,-53-18 1,0-53-1,-36 18 1,-17-52 0,0 16-1,0 72 1,0 34 46,18-17-46,0 0-16</inkml:trace>
+  <inkml:trace contextRef="#ctx0" brushRef="#br2" timeOffset="-165617.46">12912 14940 0,'-18'0'31,"18"35"-31,-18 36 16,1 52-1,-1 1 1,0 52 15,1 18-15,-1-141-16,1 106 15,-19 17 1,36-70-16,-17-88 31,17-53 1,17 17-32,1-53 15</inkml:trace>
+  <inkml:trace contextRef="#ctx0" brushRef="#br2" timeOffset="-165283.6">12841 15258 0,'0'0'0,"-18"-36"0,18-87 32,0 52-32,18 36 15,88 35 1,-18 0-1,18 18 1,-106-1 0,0 19-1,-35 34 1,-89 1 0,36-36-1,0-17 1,70-1-1,71-34 17,-18-1-32</inkml:trace>
+  <inkml:trace contextRef="#ctx0" brushRef="#br2" timeOffset="-164933.61">13388 14975 0,'-35'0'31,"17"18"-31,18 0 16,-18 35 0,18-36-16,-17 124 15,17-17 1,0 35-1,0 17 1,-18-35 0,-17 53-1,35-159-15,0 124 32,17-71-32,19-17 15,-19-71 16,19-35-15,-19-89-16</inkml:trace>
+  <inkml:trace contextRef="#ctx0" brushRef="#br2" timeOffset="-164572.2">13406 15434 0,'0'-35'16,"0"70"-16,0-106 0,0 54 0,0-71 15,0 70-15,0-53 16,52 1 0,19 52-1,35 18 1,-36 36 15,-34 16-15,-36-16-16,0 52 15,-53-35 1,-53 0-16,18-18 31,0-17-15,70-1 0,36-17 15,52-35-16,-52 35-15</inkml:trace>
+  <inkml:trace contextRef="#ctx0" brushRef="#br2" timeOffset="-164104.79">14041 15081 0,'0'0'0,"0"-17"16,0-19-1,-18 36 1,-17 18 0,17 0-16,-17 52 15,35 18 1,0 18 0,17-18-1,36-35 1,35-53-1,1 0 1,-1-35 0,-53-53-1,-35-18 1,-18-35 15,-34 70-15,-37 36-1,19 35 1,-1 35 0,36 54-1,35-37 1,18 19 0,70-53-1,0-18 1</inkml:trace>
+  <inkml:trace contextRef="#ctx0" brushRef="#br2" timeOffset="-163688.84">14464 15117 0,'0'0'0,"0"-18"16,0-17-1,0 17-15,0 0 31,70 18-31,-17 0 16,0 36 0,-35-19-1,0 54 1,-18 17 0,0-17-1,0-19 1,0-34-1,-18 0 1,18-36 15,0-52-15,0-1 15,35 0-31,-17 54 16,17-36-1,18 18 1,-18-1-16</inkml:trace>
+  <inkml:trace contextRef="#ctx0" brushRef="#br2" timeOffset="-163346.41">15222 14817 0,'0'-18'0,"0"0"15,-17 36 32,-1 17-47,-17 71 16,-18 0 0,35-18-1,18 36 1,0-54-1,0-35 1,18-17-16,35 0 31,-18-18-15,53-18 0,-35-17-1,35-36 1</inkml:trace>
+  <inkml:trace contextRef="#ctx0" brushRef="#br2" timeOffset="-163121.62">15081 15046 0,'18'0'31,"0"0"-15,52 18 0,18-18-1,-35 0-15,-18 0 32</inkml:trace>
+  <inkml:trace contextRef="#ctx0" brushRef="#br2" timeOffset="-162538.31">16898 14781 0,'0'-17'0,"0"-1"16,0 53-16,0-88 0,0-17 15,0 52-15,0 1 16,-18 34 15,18 1-15,-35 52-1,0 54 1,17-36 0,-17 18-1,17 0 1,18-53 0,53-36-1,0-17 1,18 0-1,-1-35 1,1-35 0,-71 34-16</inkml:trace>
+  <inkml:trace contextRef="#ctx0" brushRef="#br2" timeOffset="-162314.49">16704 14940 0,'-18'0'0,"36"0"47,0 0-47,-1 0 0,1 0 16,52 0-1,36 0 1,-17-18-1,-19-17 1</inkml:trace>
+  <inkml:trace contextRef="#ctx0" brushRef="#br2" timeOffset="-161888.93">17145 14905 0,'0'17'15,"0"1"1,18-18 0,52 0-1,54 0 1,-54 0 0,-52-18-16,35 1 15,-53-1 1,-18-17-1,-52 35 1,-1 0 0,0 18-1,54-1-15,-1 18 16,18 36 0,0 17-1,53-52 16,35 16-31,-35-34 32,53-18-32,-35-18 15,-36 1 1</inkml:trace>
+  <inkml:trace contextRef="#ctx0" brushRef="#br2" timeOffset="-161588.86">17921 14834 0,'0'0'15,"18"0"17,-18 18-32,17 17 15,19 18 1,-19-35-1,54 70 1,-1 0 0,-34-35-1,-19-18 1,-17-52 31,0-1-47,0 0 0</inkml:trace>
+  <inkml:trace contextRef="#ctx0" brushRef="#br2" timeOffset="-161314.08">18292 14817 0,'0'0'0,"-18"0"31,0 0-16,-17 0-15,-36 70 16,54-52 0,-36 52-1,0 36 1,18-35 0,17 17-1,18-53 1,35-35 15,-17-17-31</inkml:trace>
+  <inkml:trace contextRef="#ctx0" brushRef="#br2" timeOffset="-160888.6">18750 14623 0,'0'-18'16,"-18"18"15,-34 53-15,16 35-1,1 18 1,35 17 0,0-34-1,0-72-15,0 89 16,35-53 15,1-18-15,16-35-1,1 0 1,0-35-16,0-36 31,-17-17-15,-36 71-16</inkml:trace>
+  <inkml:trace contextRef="#ctx0" brushRef="#br2" timeOffset="-160598.43">18538 14834 0,'0'0'0,"18"0"32,0 0-17,17 0-15,-17 0 0,35 0 16,-18 0-1,18 0 1,35 0 0,-53 0-1,1 0 1,-19-17 0</inkml:trace>
+  <inkml:trace contextRef="#ctx0" brushRef="#br2" timeOffset="-160297.83">19509 15275 0,'0'0'0,"0"18"47,0 0-32,-18-18 17</inkml:trace>
 </inkml:ink>
 </file>
 
@@ -1529,7 +2373,7 @@
           <inkml:channelProperty channel="T" name="resolution" value="1" units="1/dev"/>
         </inkml:channelProperties>
       </inkml:inkSource>
-      <inkml:timestamp xml:id="ts0" timeString="2022-11-29T03:12:36.974"/>
+      <inkml:timestamp xml:id="ts0" timeString="2022-11-30T02:31:58.585"/>
     </inkml:context>
     <inkml:brush xml:id="br0">
       <inkml:brushProperty name="width" value="0.05292" units="cm"/>
@@ -1541,147 +2385,197 @@
       <inkml:brushProperty name="height" value="0.05292" units="cm"/>
       <inkml:brushProperty name="color" value="#0070C0"/>
     </inkml:brush>
+    <inkml:brush xml:id="br2">
+      <inkml:brushProperty name="width" value="0.05292" units="cm"/>
+      <inkml:brushProperty name="height" value="0.05292" units="cm"/>
+      <inkml:brushProperty name="color" value="#00B050"/>
+    </inkml:brush>
   </inkml:definitions>
-  <inkml:trace contextRef="#ctx0" brushRef="#br0">3157 6068 0,'0'0'0,"0"-18"16,0 0 0,0 1-1,0-1-15,0 1 31,0-1-15,0 36 15,-17 70-15,-1-18 0,-17 54-1,0-18 1,35-71-16,0 53 15,0 18 1,0-71 0,17-70 15,18-36-15,18-34-1,0-1 16,-17 53-15,16 18 0,-34 35-1,17 0 1,-35 17-16,18 18 16,0-17-16,-18 70 15,17 0 1,19 1-1,16-19 1,19-52 0,70-18-1,-53-53 1,18-35 0,-71 0 15,-17-36-16,-18 54 1,-18 52-16,-17-53 16,18 71-16,-54-35 15,0 35 1,54 0 0,-1 18-1,1 17 1,87-17 15</inkml:trace>
-  <inkml:trace contextRef="#ctx0" brushRef="#br0" timeOffset="684.15">4516 5838 0,'-18'0'16,"36"0"-16,-54 0 0,19 0 0,-1 0 15,0 0 1,1 36-1,17 34 1,-18 18 0,18-52-16,-35 34 15,17 36 1,1 35 0,-19-35-1,19-35 16,17-36-15,0-17 0,0-54-1,0-34 1,0-1 0,70-52-1,18 35 1,1 35-1,-54 35-15,88 18 16,-35 0 0,-17 53-1,-53 17 1,-18 36 0,-36 0 15,1-35-16,17-54 1,1-17 0,17-17 15,0-19-15</inkml:trace>
-  <inkml:trace contextRef="#ctx0" brushRef="#br0" timeOffset="1800.02">5221 6227 0,'0'-18'31,"0"36"16,-18-1-31,18 1-16,-17-1 0,-1 36 16,18 18-1,0 17 1,0-17-1,71-54 1,-1-17 0,18 0-1,-17-35 1,0-36 0,-54 54-1,36-71-15,-35 17 31,17 1-15,-35 52 0,0 0-1,0 36 17,0 17-17,0 18 1,-18 18-1,18 17 1,0 71 0,0-124-16,0 88 15,0-87-15,0 105 16,0 88 0,0-35-1,0 71 16,-35-1-15,35-17 0,0-35-1,-17-71 1,-1-88 0,-17 17-1,-18-70 1,-18-35-1,1-53 1,-1-88 0,0-71-1,54 53 1,-1-71 0,18 0 15,0 36-16,53 70 1,18 18 0,17 35-1,-18 53 1,-52 36-16,35-1 16,-35 1-16,-1-1 15,1 18 1,0-18-1,-1 18 32,-17-17-47</inkml:trace>
-  <inkml:trace contextRef="#ctx0" brushRef="#br0" timeOffset="2867.58">7902 6015 0,'18'0'0,"-18"-18"31,17 18 79,1 0-95</inkml:trace>
-  <inkml:trace contextRef="#ctx0" brushRef="#br0" timeOffset="3648.33">7973 6068 0,'17'0'46,"1"0"-30,-18-18 0,18 18-1,-18-18-15,0 1 16,0-1 0,-18 18-1,-35 0-15,-17 0 31,-72 0-15,-52 71 0,106-18-1,71-36-15,-89 72 16,70 34 0,36 0-1,0-17 1,53-35-1,106-18 1,-18-53 0,36 0-1,-36-36 1,-53 19 0,-53-18 15,-35 17-16,0-17 17,18 17-32</inkml:trace>
-  <inkml:trace contextRef="#ctx0" brushRef="#br0" timeOffset="4415.6">8872 6174 0,'18'0'16,"-36"0"-16,54 0 0,34-36 31,-70 19-31,18-1 16,-18 0 0,0-17-1,-53 35 1,-71 0-1,89 0-15,-53 35 16,-36 18 0,54 0-1,17 0 1,53-18 0,0-17-1,106 0 16,-36-18-15,36 0 0,-18 17-1,-17 19 1,-18 17 0,-35-1-1,-18 1 1,-36-17-1,-52-1 1,18-17 0,-36-1-1,0-17 1,18 0 0,52-17-1,36-1 16,0 0-15,18 18 0,-18-17-16,88-19 15,-53 36-15</inkml:trace>
-  <inkml:trace contextRef="#ctx0" brushRef="#br0" timeOffset="5115.51">9931 6209 0,'17'0'16,"-34"0"-16,34-18 0,1 1 15,-18-1 1,0 0 0,-53 18-1,-53 0 1,36 0 0,34 0-16,-69 36 15,52-1 1,17 0-1,19-17 1,17 17 0,53-17-1,35-18 1,0 0 0,18 17-1,-18 1 16,-17 17-15,-36 1 0,-35-1-1,-18 18 1,-52-18 0,-54 18-1,1-35 1,-1-18-1,36 0 1,18 0 0,52 0-1,0-18 1,18 0 15,0 1-15,18 17-1</inkml:trace>
-  <inkml:trace contextRef="#ctx0" brushRef="#br0" timeOffset="6731.47">11747 6050 0,'0'-18'46,"18"18"-46,17-35 16,36 0 0,0-18-1,-36 0 1,-35 18 0,-18 0-1,-88 17 1,0 18 15,-35 35-15,106-17-1,17-1-15,-34 36 16,52 18 0,52-18-1,37 35 1,-1-17-1,0-1 1,-70-52-16,-18 52 16,-36 36-1,-52-18 1,0-70 0,-71 0 15,36-71-16,52 0 1,-17-35 0,70 35-1,18-18 1,36 36 0,34 35-1,-34 0-15,87-18 16,-52 18-16</inkml:trace>
-  <inkml:trace contextRef="#ctx0" brushRef="#br0" timeOffset="7165.56">12153 6279 0,'18'0'0,"-36"0"0,53 0 0,36 0 16,-18 0 15,-35 0-31,34-35 16,19 0-1,-53 17-15,17-17 16,-35-18 0,-18 18-1,-52 35 1,-54 0-1,107 0-15,-72 35 16,1 36 0,71 52-1,17-17 1,0 17 0,70-34-1,-17-72 16,-18-17-31,54 0 16,-1-35 0,18-36-1,17-52 1</inkml:trace>
-  <inkml:trace contextRef="#ctx0" brushRef="#br0" timeOffset="7481.21">13070 5786 0,'0'0'16,"0"-36"-16,-17 19 0,17-1 0,-18 0 15,-35 18 1,0 71 0,18 70-1,0-18 16,-1 36-15,19-18 0,-1-52-1,18-72-15,0 54 16,0-54 0,0-34 15,18-1-31,-1-17 15</inkml:trace>
-  <inkml:trace contextRef="#ctx0" brushRef="#br0" timeOffset="7915.99">13070 6262 0,'0'17'0,"0"1"15,18-18 17,0 0-32,35 0 15,35-18 1,-18 1 0,-17-36-1,-35 53-15,-18-35 16,-18 17-1,-88 0 1,36 18 0,-54 71-1,89-18 1,17-36-16,1 89 16,17 18-1,0-71 16,70 0-15,19-53 0,-1 0-1,88-53 1</inkml:trace>
-  <inkml:trace contextRef="#ctx0" brushRef="#br0" timeOffset="8231.6">13899 6209 0,'0'0'16,"0"-18"-16,-17 1 15,-1 17 1,1 0-16,-54 0 16,53 35-1,-35 18 16,53-36-31,-17 54 16,17 35 0,0-18-1,17-35 1,54-35 0,35-18-1,17-36 1,-17-17-1</inkml:trace>
-  <inkml:trace contextRef="#ctx0" brushRef="#br0" timeOffset="8531.96">14499 5962 0,'0'0'0,"0"-35"0,0-18 15,-17 53 16,-36 70 1,0 36-17,53-71-15,-36 71 16,1 35 0,0-17-1,35-54 1,0-17-1,53-35 1,0-18 0,17-71-1</inkml:trace>
-  <inkml:trace contextRef="#ctx0" brushRef="#br0" timeOffset="9097.95">14235 6244 0,'-18'0'16,"36"0"-16,-54 0 0,54 0 31,88-17-15,0-1-1,-53 18-15,88-18 16,-18-17-1,-70 35 1,-35 0 0,-36 53 15,0-35-31,1 34 16,-36 54 15,35 0-16,18-53 1,35-18 0,54-17-1,16-36 1,19-52 0,-71-1-1,-18-35 1,-52 18-1,-36 35 1,-89 36 0,54 17-1,18 0 1,34 0 0,19 17-1</inkml:trace>
-  <inkml:trace contextRef="#ctx0" brushRef="#br0" timeOffset="9831.66">15381 6244 0,'-18'0'16,"36"0"-16,-53-17 0,17-1 31,18 0-31,0-17 16,0 0 0,71-18-1,35 17 1,-36 36-1,36 0 1,-88 0-16,52 18 16,1 53-1,-36-1 1,-35 36 0,0 0 15,-18-53-16,-17-36 1,35-52 15,0-18-15,0-53 0,18 36-1,-1 52-15,36-52 16,-35 34-1,17 19 1,0 17 0,-17 0-1,53 0 1,-1 0 0,-52 0-1</inkml:trace>
-  <inkml:trace contextRef="#ctx0" brushRef="#br0" timeOffset="10382.45">17833 6015 0,'0'-18'16,"0"36"-16,-18-53 0,1 35 0,-54-36 16,1-17-1,34 18 1,36 17-1,0-52 1,0 17 0,124-18-1,-18 19 1,52 16 0,-70 36-1,-52 0-15,17 71 16,-53-54-16,0 89 15,-18 35 1,-53-17 0,19-36-1,-1 0 1,17-35 0,1-18-1,17-17 16,1 0-15,17-1 0</inkml:trace>
-  <inkml:trace contextRef="#ctx0" brushRef="#br0" timeOffset="10897.78">17868 6756 0,'0'0'0,"0"17"0,0 1 16,0 0 0,18-1-1,-1-17 1,19 0 15,-1 0-15,-35-35-1,0 0 1,-18 17 0,-17 0-1,-18 54 1,36-1-1,17-17 1,0-1 0,17-17-1,1 0 1,-1 0 0,-17-17-1,0-1 1,0 0 15,0 1-15,-35-1-16</inkml:trace>
-  <inkml:trace contextRef="#ctx0" brushRef="#br0" timeOffset="13848.34">1429 8537 0,'0'0'0,"-18"0"0,0 0 15,-17 0 1,18 0-16,-19 18 16,36-1-16,0 1 31,71-18-16,17 0 17,18-53-17,-18 0 1,-70 53-16,-1-53 16,-17 36-1,-88 17 1,-35 17-1,-1 19 1,-17 52 0,123-71-16,-17 54 15,35 0 1,88-18 0,-17-36-1,52-17 1,-34 0 15,-72 0-31,36-17 16,-35-19-1,-18 19 1,-88 17 0,-54 0-1,107 17-15,-35 1 16,34 0-16,-34 34 15,17 37 1,53-19 0,35 1-1,36-18 1,52-53 0,-88 0-16,142-18 15,-142 18 1</inkml:trace>
-  <inkml:trace contextRef="#ctx0" brushRef="#br0" timeOffset="14563.78">2117 8767 0,'35'-36'16,"-70"72"-16,88-89 0,-53 0 16,0 35-1,-36 18 1,-34 18-1,17 35 1,18 35 0,35-71-16,0 54 15,0-36 1,35-35 0,53-17-1,-17-36 1,34 0 15,-69-18-15,-19 54-1,-17-1 1,0 53 15,0-17-31,0 17 16,0 0-16,0 89 15,0 17 1,0 53 0,0-18-1,0 89 1,0-71 0,-17 71-1,-1-177 1,0-35 15,-35-53-15,18-36-1,-53-122 1,88 70 0,-18 35-16,-17-194 15,35 70 1,0 1-1,18 70 1,-1 71-16,36-53 16,35-36-1,1 36 1,17 17 0</inkml:trace>
-  <inkml:trace contextRef="#ctx0" brushRef="#br0" timeOffset="15213.98">3246 8608 0,'0'0'15,"17"0"-15,-17-18 0,18 0 16,17-17-1,0-18 1,-17 18 0,-18 17-1,0 36 17,0 0-32,0 17 15,0-17-15,-35 105 16,17-17 15,-17 35-15,35-35-1,-18-53 1,-17-18 0,-18 0-1,0-35 1,0 0-1,0 0 1,36 0 0,-1 0-16,36 0 31,35 0-15,17 0-1,18 0 1,-17 0-1,-1-17 17,-52 17-32,17-18 15,-17 0 1,-18 1 15,0-1-31</inkml:trace>
-  <inkml:trace contextRef="#ctx0" brushRef="#br0" timeOffset="15480">3933 8714 0,'0'0'0,"0"-18"32,0 36 46,0-1-63</inkml:trace>
-  <inkml:trace contextRef="#ctx0" brushRef="#br0" timeOffset="15672.15">3898 8996 0,'0'0'0,"-17"0"16</inkml:trace>
-  <inkml:trace contextRef="#ctx0" brushRef="#br0" timeOffset="16497.66">3563 9807 0,'18'-17'0,"-36"34"0,53-52 0,18-18 31,-53 71 0,-17 35-15,-1-36-16,-70 89 15,-71 35 1,-17-17 0,70-54-1,18 1 1,70-54-1,18-34 1,0-19 0,0-16-1,53 16 1,-18 36 0,71 0-1,-53 53 1,53 18 15,-36-18-15,36 0-1,0-18 1,-53-18 0,-35-17-16,-1 0 31,-17-35-16,0 18-15</inkml:trace>
-  <inkml:trace contextRef="#ctx0" brushRef="#br0" timeOffset="16747.66">3898 10125 0,'0'0'0,"18"0"0,-18-18 0,0 36 31,0-1-15,0 19-1,17 17 1,-17-1 0,0-16-1,-17-19 1,-1-17-16</inkml:trace>
-  <inkml:trace contextRef="#ctx0" brushRef="#br0" timeOffset="16930.93">3916 10019 0,'0'0'15,"0"-18"-15,0 1 0,0-1 16,0 0-1,-18 18-15,18 18 47,0 0-31,18-18-16</inkml:trace>
-  <inkml:trace contextRef="#ctx0" brushRef="#br0" timeOffset="17681">4127 10107 0,'0'0'0,"18"0"16,0 0 0,-18 18-16,0-1 15,0 1-15,0 0 0,17 52 16,-17 1 15,0-18-15,0-36-1,0-34 17,0-19-17,18-34 1,35-18-1,0 17 1,35 18 0,-17 36-1,-54 17-15,71 17 16,-35 54 0,-35-1-1,-18 1 1,0-18 15,-35 0-15,35-36-1,0-34 17</inkml:trace>
-  <inkml:trace contextRef="#ctx0" brushRef="#br0" timeOffset="18063.78">4851 10072 0,'0'0'0,"0"17"31,0 1-15,0 17-16,0 89 15,0 17 1,-36 71 15,19 35-15,-1-71 0,18-106-16,-35 177 15,35-70 1,0-89-1,0-70 1,0-36 0,0-53-1,35-140 1,-17 158-16</inkml:trace>
-  <inkml:trace contextRef="#ctx0" brushRef="#br0" timeOffset="18396.68">4939 10107 0,'0'-35'0,"0"70"0,0-88 15,0 36-15,0-72 16,53 36 0,35 18-1,18 35 1,-89 0-16,36 35 15,0 71 1,-53-35 0,-53 17-1,-35-17 1,18-36 0,17-18-1,35-17-15,18-17 47,35-1-31,1-17-16</inkml:trace>
-  <inkml:trace contextRef="#ctx0" brushRef="#br0" timeOffset="19196.86">5662 9931 0,'0'0'0,"0"17"32,0 1-32,-18 17 15,1-17-15,-1 35 16,1 35 0,17-17-1,0-54 1,52 1-1,19-18 1,0-53 15,17 0-15,0-18 0,-18-34-1,-34 34 1,-36 53-1,0 36 1,0 35 0,0 35-1,0 0 1,0-35 0,0-35-16,35 17 15,53-35 1,-35 0-1,35-35 17,1-36-17,-37 1 1,1-71 0,-53 105-16,18-87 15,-18-18 1,0 53-1,-18 70 1,-17 53 0,0 71-1,-18 159 1,18-107 0,35-52-1,0-35 1,70-54-1,-17-17 17,-35 0-32,52-35 15,-17-18 1,-18 0 0,-17 0-16</inkml:trace>
-  <inkml:trace contextRef="#ctx0" brushRef="#br0" timeOffset="19447.33">6421 9931 0,'0'0'0,"-18"0"32,36 0-32,70-18 15,-71 0-15,107 18 16,17-35-1,-35 17 17,-36 1-17,-70-1 17</inkml:trace>
-  <inkml:trace contextRef="#ctx0" brushRef="#br0" timeOffset="19963.81">8132 9913 0,'0'-18'15,"0"36"-15,0-71 16,0 71 15,-18 17-31,18-17 0,-18 52 16,-17 18 15,17-17-15,18-18-1,0-35 17,0-36-17,0 0-15</inkml:trace>
-  <inkml:trace contextRef="#ctx0" brushRef="#br0" timeOffset="20162.82">8114 9613 0,'0'-17'0,"0"34"0,0-52 0,0 17 15,0 1 1,0 34 15,0 19-15,53-1-1,-18-18-15</inkml:trace>
-  <inkml:trace contextRef="#ctx0" brushRef="#br0" timeOffset="20898.03">8925 10001 0,'0'-17'0,"0"34"0,0-52 16,0 17-16,0 1 15,-70-36-15,-1 17 32,-52 19-17,17 34 1,35 36 0,1 71-1,34-36 1,36 0-1,18-35 1,35-18 0,18-35-1,-36 0-15,71-35 16,0-18 0,35-17-1,-18-71 1,-35 35-1,-52-88 17,-19 35-17,-17 71 1,-17 70 0,-36 36-1,17 88 1,1 35-1,0 106 1,35-106 0,17-53-1,54-17 1,-18-36 0,0-35-1,17 0 1,-34-18-1,17-17 17,17-36-17</inkml:trace>
-  <inkml:trace contextRef="#ctx0" brushRef="#br0" timeOffset="21162.25">9825 9931 0,'-18'0'16,"36"0"31,-1 0-47,1 0 0,0 0 15,17-18-15,0 18 32,-17 0-32,17-18 15</inkml:trace>
-  <inkml:trace contextRef="#ctx0" brushRef="#br0" timeOffset="21362.25">9807 10037 0,'0'0'0,"0"17"16,18-17 15,35 0-15,17 0-1,-52 0-15,70-53 16</inkml:trace>
-  <inkml:trace contextRef="#ctx0" brushRef="#br0" timeOffset="21647.55">10566 9454 0,'0'-17'0,"0"34"0,0-52 16,-18 35 15,0 0-15,1 0-1,17 18 16,0-1-31,0 1 16,0 17 0</inkml:trace>
-  <inkml:trace contextRef="#ctx0" brushRef="#br0" timeOffset="22496.91">11077 10001 0,'0'0'0,"18"-17"0,70-72 32,-70 72-32,-18-1 15,0-52 1,0 52-16,-18-35 16,-70 0-1,-18 53 1,18 53-1,-18 53 17,53-18-17,35 53 1,18-53 0,18-52-1,70-19 1,-17-17-1,70-53 1,-18-17 0,-34-1-1,-19-35 1,-52 18 0,-18 35-1,0 36 1,-18 70-1,-17 35 17,35 18-17,0-36 1,0 1 0,53-36-1,0-35 1,0 0-1,35-53 1</inkml:trace>
-  <inkml:trace contextRef="#ctx0" brushRef="#br0" timeOffset="23096.4">11889 9543 0,'0'-36'16,"0"72"-16,0-89 0,0 0 0,0 35 15,-18 1 1,0 17 0,1 35-1,-1 0-15,-17 106 16,17 36 0,0-54-1,-17 1 1,35-54-1,-17-17 1,17-71 31,0-17-31,0-53-1,70 0 1,-17 17-1,53 36 1,-18 17 15,0 36-15,-35 70 0,-53-70-16,0 52 15,-53 1 1,-53-1-1,18-52 1,18 0 0,17-18-1,53-18 17,35-17-17,0 35 1</inkml:trace>
-  <inkml:trace contextRef="#ctx0" brushRef="#br0" timeOffset="23447.5">12665 9772 0,'0'-18'0,"0"36"0,0-53 16,0 17-1,-71 18 1,36 0 0,17 0-16,-52 71 15,34 17 1,-34 18 0,52-1-1,18-52 1,0-35-16,35 17 15,36-35 17,0 0-17,17-35 1,-18-18 0,-52 35-16</inkml:trace>
-  <inkml:trace contextRef="#ctx0" brushRef="#br0" timeOffset="24062.81">10636 9419 0,'0'0'0,"0"-17"0,-53 17 31,36 0-31,-1 0 16,-17 17-1,17 36 1,18-18 0,0 18-1,35-17 1,-17-36-16,17 0 16</inkml:trace>
-  <inkml:trace contextRef="#ctx0" brushRef="#br0" timeOffset="24746.13">13194 9402 0,'18'0'31,"-18"-18"78,0 0-109,0 1 16,0-1 0,17 18-1,-17-18-15,0 36 32,0 17-17,0 18 1,-35 18-1,35-36 1</inkml:trace>
-  <inkml:trace contextRef="#ctx0" brushRef="#br0" timeOffset="25528.58">14252 9701 0,'18'0'0,"-36"0"0,36-17 0,-18 34 47,0 1-32,-18 17-15,18-17 16,0 0-16,-17 87 16,17-34-1,-18 0 1,0-19-1,1-34 1,-1-18 0,18-18-1,0-17 1,0-35 0,53-1-1,53-52 1,-89 105-16,125-53 15,-37 54 17,-16 52-17,-54 36 1,-18 52 0,-17-35-1,0-52-15,-17 16 16,-18-16-1,17-36 17</inkml:trace>
-  <inkml:trace contextRef="#ctx0" brushRef="#br0" timeOffset="26079.15">15258 9825 0,'0'0'0,"17"-18"0,-17 1 15,0-1-15,0-17 16,-17-36 0,-36 71-1,-53 0 1,-18 71-1,19 52 1,16 1 0,89-54-1,0 1 1,53-36 0,18-35-1,70-35 1,-53-1-1,-70 19-15,70-36 16,-35-35 15,-35 17-15,-18 1 0,-36 105 15,36-18-31,-35 72 15,17-19 1,18 1 0,53-18-1,18-36 1,17-17 0,-53 0-16</inkml:trace>
-  <inkml:trace contextRef="#ctx0" brushRef="#br0" timeOffset="26829.53">15699 9772 0,'0'0'16,"-18"0"0,0 18-1,1 34 1,17 37-1,-18 17 1,18-71 0,0-18-16,-18 19 15,1-36 1,-19 0 0,36-18-1,0 0 1,0 1-16,0-54 31,0 18-15,71-35-1,17 18 1,-17 52 0,17 53-1,-53 18 1,-35 53-1,0-35 1,0-19 0,0-16-1,0-54 32,0-17-47,0 0 16,36-36-1,16-17 1,90-36 15,-19 89-15,-88 35-16,36 0 16,-1 88-1,-52-17 1,-18 35-1,-35-18 1,17-53 0,1-35-1,34 0 17,1-18-17</inkml:trace>
-  <inkml:trace contextRef="#ctx0" brushRef="#br0" timeOffset="27246.25">16669 9948 0,'17'0'0,"1"0"16,0 0-16,52-35 15,-17 17 1,0-35 0,-18 1-1,-35-1 1,-17 35 0,-36 36-1,-18 52 1,-17 36-1,70-18 17,18 0-17,0-70-15,0 17 16,71-35 0,-1 0-1,1 0 1,35-35-1,-36 0-15</inkml:trace>
-  <inkml:trace contextRef="#ctx0" brushRef="#br0" timeOffset="27512.81">17498 9772 0,'-18'0'0,"36"0"0,-54 0 16,54 0 15,0 0-15,35 0-1,-18 0 1,-17 0-16,-1 0 15,1 0 1,0 0 0</inkml:trace>
-  <inkml:trace contextRef="#ctx0" brushRef="#br0" timeOffset="27696.58">17498 9878 0,'0'0'0,"-36"35"16,36-17-1,53-18 32,-35 0-47,17 0 16,1-36 0</inkml:trace>
-  <inkml:trace contextRef="#ctx0" brushRef="#br0" timeOffset="28296.59">18415 9402 0,'0'0'16,"0"-36"-1,-18 36 17,1 0-32,-19 18 15,36 0 1,0-1-1,36-17 1,-1 0 0,18-35 15,-35 35-31,-18-18 16,0 1-1,-18 17 16,-35 70-15,53-17 0,0-35-16,0 52 15,0-17 1</inkml:trace>
-  <inkml:trace contextRef="#ctx0" brushRef="#br0" timeOffset="28645.02">18909 9719 0,'0'-18'31,"-18"18"-15,1 18-16,-1 17 15,0-17-15,-17 105 16,0 1 0,17 17-1,-35 35 1,36-35 0,-54 71-1,71-141 1,-18-54-1,18-52 17</inkml:trace>
-  <inkml:trace contextRef="#ctx0" brushRef="#br0" timeOffset="28979.46">18715 10001 0,'0'0'15,"17"-35"-15,-17-71 16,18 71-16,0-36 16,-1 54-16,36-36 15,53 17 1,0 36 0,-18 53-1,-70 53 1,-18-35-1,-71-1 1,-35-52 15,36 17-15,17-35 0,35 0-1,36 0 1,0 0-16,-1 0 0</inkml:trace>
-  <inkml:trace contextRef="#ctx0" brushRef="#br0" timeOffset="29695.77">19738 9772 0,'0'0'0,"0"-18"0,0 1 16,0-1-16,-35 0 15,-36 18 1,1 0 0,-19 71 15,72-53-31,-36 52 16,0 1-1,53-18 1,0-36-1,35-17 1,-17 0-16,35 0 16,-36 0-16,72-17 15,-19-36 1,-17 0 0,-35-18-1,-1 36 1,1 35-1,-18 18 17,0 34-17,-18 54 1,-17 35 0,17 36-1,-17-36 1,17-106-16,-34 106 15,16 0 1,19-52 0,17-54-1,35-70 17,-17 35-32,34-71 15,54-35 1,0-70-1,-35 52 1,17-17 0,-71 53 15,1 35-15,0 36-16,-18-1 0</inkml:trace>
-  <inkml:trace contextRef="#ctx0" brushRef="#br0" timeOffset="30595.33">20249 9631 0,'0'0'0,"0"-35"31,0 17-31,0 0 32,18 18-17,17 0 1,18 53-1,-53 18 1,0-36 0,0 71-1,0-36 1,0 1 0,-35-36-1,35-52 16,0-19-15,18-52 0,35 0-1,-18 17 1,18 1 0,-53 52-16,17 1 15,1-1 1</inkml:trace>
-  <inkml:trace contextRef="#ctx0" brushRef="#br0" timeOffset="31045.13">20902 9331 0,'-18'0'16,"1"0"0,34 0 62,-17-18-78,18 18 15,-18-17 1,18-1 0,-1 18-1,-17 18 1,0-1-1,0 1-15,0 53 16,-17-36 0,-1 0-1,18-17 1</inkml:trace>
-  <inkml:trace contextRef="#ctx0" brushRef="#br0" timeOffset="31827.48">21537 9384 0,'-18'0'32,"1"0"-32,17 18 15,0-1 1,0 1-16,0 17 15,0 18 1,88 18 0,71-19-1,-36-34 1,18-18 0,-35 0-1,-53 0 1,-53-18-1,0-17 1,-35 18 15,-53 17-15,-1 70 0,-16 36-1,-1 17 1,35-52-1,1 0 1,34-36 0,19-18-1,-1-17 1</inkml:trace>
-  <inkml:trace contextRef="#ctx0" brushRef="#br0" timeOffset="48743.21">2646 12488 0,'0'0'0,"17"0"15,1-17-15,53-19 32,-71 19-32,17-1 15,-17 36 16,-35 17-31,-71 36 16,-88 52 0,18 18-1,-36 18 1,159-124 0,-70 53-1,35-35 1,-1-53-1,89-17 1,0-72 0,71 1-1,-1 35 1,36 36 0,-35 52-1,52 36 1,-17-1-1,35 18 1,-123-52-16,70 17 16,0-18-1,-52-35 17,16 0-17,1-18 1,-17-35-1,-19 36-15</inkml:trace>
-  <inkml:trace contextRef="#ctx0" brushRef="#br0" timeOffset="48959.85">3016 12806 0,'0'17'31,"0"1"-31,0 53 15,0-1 1,0 18 0,0-35-1,0-35 1,0-36 15,0 1-31</inkml:trace>
-  <inkml:trace contextRef="#ctx0" brushRef="#br0" timeOffset="49142.87">3069 12629 0,'0'0'16,"0"-17"-16,-17-1 16,17 36 15,0 17-16,17-17 1,1-1-16,-1 1 16</inkml:trace>
-  <inkml:trace contextRef="#ctx0" brushRef="#br0" timeOffset="49659">3422 12788 0,'0'0'0,"-35"0"16,17 0-1,18 18 1,-18 35 0,18-36-16,0 36 15,0 35 1,0-35-1,0 0 1,0-35 0,0-36 31,0-35-32,0 36-15,0-71 16,53-36-1,35 36 1,36 53 0,-36 35-1,-53 0-15,36 105 16,-53-16 0,-1 16-1,-17-34 1,-17-18-1,-1-35 1,18-36 15</inkml:trace>
-  <inkml:trace contextRef="#ctx0" brushRef="#br0" timeOffset="50159.38">4004 12735 0,'0'-17'0,"0"34"0,0-52 0,0 17 0,0 1 16,0-1 15,0 36-15,0-1-16,0 89 15,35 88 1,-35-17-1,0 122 1,0-69 0,-53 140-1,18-193 1,17-19 0,-17-122-1,18-36 1,-1-89-1,18-34 1,0 70-16,0-159 16,0 142-16</inkml:trace>
-  <inkml:trace contextRef="#ctx0" brushRef="#br0" timeOffset="50476.29">3933 13000 0,'0'0'0,"0"-35"0,0-36 15,36-52 1,17 34 0,17 54-1,36 17 1,-35 54 0,-18 70-1,-53-54 1,-18-16-16,-70 70 15,-1-54 1,37-16 0,69-54 46,36-35-46,-35 36-16</inkml:trace>
-  <inkml:trace contextRef="#ctx0" brushRef="#br0" timeOffset="51243.04">4568 12665 0,'53'-53'16,"-106"106"-16,124-124 16,-71 89 15,0-1-31,0 36 15,-18 71 1,18-54 0,0-34-16,0 34 15,53-52 17,18-18-17,-1-35 1,54-36-1,-106 36-15,34-18 16,-34 35-16,35-88 16,-35 53-1,-1 36 1,-17 52 0,-17 18-1,-1-35-15,18 87 16,0-16-1,18-19 1,35-35 0,17-35-1,-17-17 1,35-54 15,-70 54-31,70-107 16,-17 18-1,-36-52 1,-17 69 0,-1 1-1,-17 71 1,-53 52 0,18 35-1,-18 72 1,35 16-1,18-70 1,0-52-16,36 52 16,17-70-1,17-1 1,-17-17 15,18-53-15,-1-35-1,-52 53-15,-1-18 0</inkml:trace>
-  <inkml:trace contextRef="#ctx0" brushRef="#br0" timeOffset="51460.26">5486 12577 0,'0'0'0,"-18"0"0,0 0 0,1 0 16,17 17-1,70-17 1,19 0 0,34 0-1,-17 0 1,-36-17 15,-52-19-15</inkml:trace>
-  <inkml:trace contextRef="#ctx0" brushRef="#br0" timeOffset="51959.94">7161 12312 0,'36'-18'0,"-72"36"0,89-53 0,-35 17 15,35-53 1,-36 54-16,-17-36 16,0 106 15,-70 70-15,35-17-1,17-53-15,0 106 16,1-53-1,17-1 1,35-52 0,18-53-1,17-35 17,-52 17-32,17-17 15,-17 0-15,0-36 0</inkml:trace>
-  <inkml:trace contextRef="#ctx0" brushRef="#br0" timeOffset="52676.51">7126 12524 0,'0'0'0,"-35"0"16,17 17 0,36-17-1,35 0 1,70-17-1,-35-1 1,-70 0-16,70 1 16,-52 17-16,16 0 15,-52 17 1,0 36 15,0 0-15,-17 18-1,17-54-15,0 19 16,17-19 0,36-17-1,53-35 1,-18-18 0,-17 0-1,-53 36-15,17-72 16,-18 54-1,-17 53 48,-17 35-63,-1 17 16,18-35-1,-17 89 1,17-1-1,-18 54 1,-35-18 0,0-71-1,18-53-15,-36 18 16,54-53-16,-89 0 16,18-18-1,-1-35 1,54 18-1,17-35 1,18 17 0,18 35-16,53-35 15,-54 18 1</inkml:trace>
-  <inkml:trace contextRef="#ctx0" brushRef="#br0" timeOffset="53009.74">8308 12382 0,'0'0'0,"-18"0"16,1 0 0,-19 71-1,36-53-15,0 70 16,-17 88-1,-1 18 1,18-53 0,-35-17-1,35-54 1,-18-52 15,18-71 0,18-53-15,-1-52 0</inkml:trace>
-  <inkml:trace contextRef="#ctx0" brushRef="#br0" timeOffset="53308.72">8220 12665 0,'0'-36'0,"0"72"0,0-160 16,17 36-1,36 35 1,0 18-1,35 35 1,-70 0-16,17 17 16,1 1-16,-1 70 15,-35-17 1,-35-18 15,-54-18-15,36-17-1,18-1 1,18-17 0,69-53 15,-34 53-31,0 0 0</inkml:trace>
-  <inkml:trace contextRef="#ctx0" brushRef="#br0" timeOffset="53676.71">8643 12559 0,'0'0'0,"18"0"16,17 0-1,36-18 1,34-35 0,1 0 15,-71 0-16,-35 18 1,-52 35 0,-19 0-1,53 0-15,-52 35 16,17 71 0,53-35-1,18-1 1,34-17-1,37-35 1,-1-18 0,-53 0-16,36-18 15,52-52 1</inkml:trace>
-  <inkml:trace contextRef="#ctx0" brushRef="#br0" timeOffset="53908.82">9525 12400 0,'-18'0'0,"36"0"0,-53 0 16,35 18-1,17-18 1,1 0-1,0 0-15,35 0 16,-18 0 0</inkml:trace>
-  <inkml:trace contextRef="#ctx0" brushRef="#br0" timeOffset="54076.8">9507 12506 0,'0'18'0,"0"-36"0,0 53 32,18-35-1,0 0-31,35 0 16,17-17-1</inkml:trace>
-  <inkml:trace contextRef="#ctx0" brushRef="#br0" timeOffset="54609.11">10054 11977 0,'18'0'0,"-36"0"0,53 0 0,-17 0 16,0 0 0,-1 0-1,1 0 1,35 0 0,-18 0 15,18-53-16,-53 18 1,0-1 0,-53 36-1,0 0 1,36 18-16,-36 70 16,35 0-1,18 18 1,0-35-1</inkml:trace>
-  <inkml:trace contextRef="#ctx0" brushRef="#br0" timeOffset="55075.9">10813 12118 0,'0'-18'15,"0"36"-15,0-53 0,0 17 16,-18 36 31,0-1-47,1 19 0,-19 52 16,19-53-1,-18 88 1,-1 1-1,36-53 1,0-19 0,53-34-1,18-18 1,-54 0-16,72-53 16,-54 36-1</inkml:trace>
-  <inkml:trace contextRef="#ctx0" brushRef="#br0" timeOffset="55260.06">10601 12418 0,'-18'0'0,"36"0"0,-53 17 0,70-17 47,-17 0-32,105 0 1,-70 0-16,106-53 16</inkml:trace>
-  <inkml:trace contextRef="#ctx0" brushRef="#br0" timeOffset="55691.59">11218 12347 0,'0'0'0,"-17"0"15,17 18-15,0-1 16,17-17 15,36 0-15,35-35 0,-35 0 15,-35 17-31,0-35 15,-18 36 1,-53 17 0,-53 17-1,18 36 1,-1 71 0,89-36-1,18-35 1,70 0-1,18-18 1,18-35 0,-89 0-16,88-18 15,-34-34 1,-72 34 0</inkml:trace>
-  <inkml:trace contextRef="#ctx0" brushRef="#br0" timeOffset="55924.8">11818 12224 0,'0'0'0,"0"-18"0,0 0 16,18 36 15,17 35-15,18 53-1,17-36 1,-52-52-16,70 53 15,-52-18 1,-19-53 0,1 0-1,17 0 1</inkml:trace>
-  <inkml:trace contextRef="#ctx0" brushRef="#br0" timeOffset="56191.68">12277 12171 0,'0'0'0,"-18"0"15,0 17-15,1-17 16,-1 18-16,-70 53 16,-36 17-1,54 0 1,-36 0-1,53-17 1,53-36 0,0-17-16,35-18 15,71-36 1,-70 36 0</inkml:trace>
-  <inkml:trace contextRef="#ctx0" brushRef="#br0" timeOffset="56509.94">12735 12100 0,'0'-17'0,"0"34"0,0-52 16,0 17-16,-17 18 47,-1 18-47,18 0 0,-35 87 15,-1-16 1,1 34 0,35-35-1,0-17 1,18-1 15,52-52-15,1-18-1,-1-35 1,1 0-16</inkml:trace>
-  <inkml:trace contextRef="#ctx0" brushRef="#br0" timeOffset="56711.63">12594 12365 0,'0'0'0,"-17"0"0,-1 0 16,0 0-16,36 0 31,0 0-31,52 0 16,18-18 15,36-35-31</inkml:trace>
-  <inkml:trace contextRef="#ctx0" brushRef="#br0" timeOffset="57375.59">13511 11818 0,'-17'0'32,"17"18"-17,-18-18-15,0 0 16,1 0 15,17-18 0,0 0-15,0 1 0,17-1-1,1 0 1,0 18-1,-18 18 1,0 0-16,0-1 16,0 1-1,0 0 1,-18-18 15,0 0-15,18-18 15,0 0-15,0 1-16,36 17 15,-19 0 1,19 17 0,-19 54-1,-17 0 1,-17-54-16,-107 89 15,1-35 1</inkml:trace>
-  <inkml:trace contextRef="#ctx0" brushRef="#br0" timeOffset="58058.04">10248 11889 0,'0'17'47,"-17"-17"-32,17 18-15,-18-18 16,18 18-16</inkml:trace>
-  <inkml:trace contextRef="#ctx0" brushRef="#br0" timeOffset="58676.38">14640 12153 0,'18'0'0,"-36"0"0,36-17 16,0 17-16,-18-36 15,0 1 1,-18 53 15,0 17-31,-35 35 16,36-52-16,-54 123 15,54-53 1</inkml:trace>
-  <inkml:trace contextRef="#ctx0" brushRef="#br0" timeOffset="58780.1">14852 12577 0,'18'0'15,"-1"-18"-15,1 0 0</inkml:trace>
-  <inkml:trace contextRef="#ctx0" brushRef="#br0" timeOffset="59041.57">15205 11924 0,'0'-18'0,"0"36"0,0-53 16,-18 35-16,-17 0 16,-18 88-1,-18 71 1,36 17 0,17-53 15,18-87-31,0 70 15,0-54 1,0-34 0,71-18-1,-36 0-15</inkml:trace>
-  <inkml:trace contextRef="#ctx0" brushRef="#br0" timeOffset="60324.86">15646 12365 0,'0'0'0,"0"-18"0,0 1 15,0-19-15,0 19 16,-18-19 0,-35 36 15,-35 36-16,0 52 1,35-18 0,35-52-16,-17 88 15,17-53 1,18-18 0,53-35-1,35 0 1,53-35-1,-52-18 1,-19-35 0,-52 17-1,0-17 1,-18 53 0,0 88 30,-18-36-46,18 36 16,-18 35 0,18-17-1,0-36 1,36 0 0,-19-35-16,36 0 15,53-17 1,-18-18-1,36-36 1,17-35 0,-71 53-1,-70 36-15,0-36 16,-70 88 15,34 18 0,36-36-31,-17 36 16,17 36 0,17-54-1,1-17 1,-36-18 31,1-18-32,-1 0-15,-35 1 16,36-1 0,-1 18-1,18 35 1,0-17 0,53 17 15,0-35-16,53 0 1,-1 0 0,37-17-1,-19-54 1,-52 18 0,-54 35-16,36-70 15,-35 18 1,-18 34-1,-18 19 1,-35 52 0,36 53-1,17-17 1,0 17 0,0-53 15,0 18-16,0-35 1,0-1 0,-53-17-1,-18 0 1,-35-52 0,0 34-16</inkml:trace>
-  <inkml:trace contextRef="#ctx0" brushRef="#br0" timeOffset="60960.96">14764 12153 0,'-36'0'32,"19"0"-32,-1 0 0,1 53 15,-36 18 1,17 34-1,36-87-15,-17 70 16,17 1 0,35-54-1,53-18 1,36-17 0,70-17 15</inkml:trace>
-  <inkml:trace contextRef="#ctx0" brushRef="#br0" timeOffset="61558.84">17427 12382 0,'18'0'47,"-1"0"-47,1 0 15,0 0-15,35 0 16,-18 0 0,-53 0 15,1 0-31</inkml:trace>
-  <inkml:trace contextRef="#ctx0" brushRef="#br0" timeOffset="61707.63">17445 12471 0,'0'0'16,"0"17"0,35-17-1,36 0 1,-54 0-16,54-17 16,-36-1-1</inkml:trace>
-  <inkml:trace contextRef="#ctx0" brushRef="#br0" timeOffset="62091.42">18344 11924 0,'0'0'0,"-17"0"15,52 0-15,-35 18 16,-18-18-16,18 17 16,18-17 31,0-17-47,-18-19 31,0 19-16,-36 17 1,19 0-16,-36 35 16,0 35-1,35 54 1,18-1 0,18-52-1,0-53-15,35-1 16</inkml:trace>
-  <inkml:trace contextRef="#ctx0" brushRef="#br0" timeOffset="62423.94">18927 12206 0,'-18'-18'31,"-17"36"-15,17 53 0,0-36-16,1 53 15,-1-53-15,-17 107 16,17-1 0,-17 70-1,0-52 1,-18-18-1,53-106-15,-18 1 16,36-54 15,17-52-15</inkml:trace>
-  <inkml:trace contextRef="#ctx0" brushRef="#br0" timeOffset="62741.41">18785 12471 0,'0'0'0,"0"-36"16,36-69-1,-1 34 1,18 18 0,35 35-1,-70 18-15,35 18 16,-36 35-1,-17 0 1,-35 0 0,-53-18-1,70-17-15,-35-1 16,18-17 15,53 0 0,70-17-31</inkml:trace>
-  <inkml:trace contextRef="#ctx0" brushRef="#br0" timeOffset="63374.93">19720 12206 0,'18'0'0,"-36"0"0,36-18 0,-36 1 16,-17 17-1,0 0-15,-89 17 16,36 36 0,-18 36-1,71-37 1,35 19 0,35-53 15,0-18-16,-17 0-15,106-18 16,-36-17 0,0-36-1,-17 1 1,-54-1 0,1 53-1,-18 36 1,-18 70-1,-17 0 1,0 71 0,-18 35-1,-18 18 1,36-36 0,0-87 15,35-54-16,0-53 17,0 1-32,53-19 15,-36 19-15,54-107 16,17-35 0,-35 54-1,0-1 1,0 18-1,-36 70-15</inkml:trace>
-  <inkml:trace contextRef="#ctx0" brushRef="#br0" timeOffset="63774.32">20179 12188 0,'0'0'0,"-18"0"0,1-17 15,17-1 1,0 1-16,-18-1 16,36-17-1,52 35 1,1 35 0,-18 35-1,-53 19 1,0-1-1,-18-35 1,0-36 0,-17-17-1,17-17 1,18-54 0,18 1 15,17 17-16,36-18 1,-1 18 0,-17 36-1</inkml:trace>
-  <inkml:trace contextRef="#ctx0" brushRef="#br0" timeOffset="64041.59">20937 11853 0,'0'-17'0,"36"-1"32,-36 0-17,17 18-15,-17 18 31,0 17-15,0-17-16,-53 35 16,-35 35-1,53-17 1</inkml:trace>
-  <inkml:trace contextRef="#ctx0" brushRef="#br0" timeOffset="64524.57">21572 11942 0,'0'-18'0,"0"36"0,-17-36 16,-1 18-1,0 18 1,18 52 0,0-35-16,0 1 15,71 87 1,70-70 0,-35-18-1,35-35 1,-88 0-1,-35-35 1,-18 17-16,-18 1 16,-88 17-1,-35 53 1,35 17 0,-35 36 15,123-88-31,-34 35 15,-1-36 1,0 1 0,35-18-16</inkml:trace>
-  <inkml:trace contextRef="#ctx0" brushRef="#br0" timeOffset="65707.53">1094 11324 0,'0'0'0,"17"0"31,1-17-15,0-1-16,87-53 15,1-17 1,-71 35 0,-17 36-1,-88 17 16,52 0-31,-88 17 16,-35 89 0,88 0-1,53-36 1,18-17 0,35-35-1,-36-18-15,54 0 16,17 0-1,-70-18 1,-71 18 15,17 18-31,-52 35 16,-53 17 0</inkml:trace>
-  <inkml:trace contextRef="#ctx0" brushRef="#br0" timeOffset="65789.71">882 11747 0,'35'0'31,"-70"0"-31,123 0 16,-70 0-16,70 0 15,35-52 1</inkml:trace>
-  <inkml:trace contextRef="#ctx0" brushRef="#br0" timeOffset="66440.21">1870 11377 0,'0'-18'0,"0"36"0,17-71 16,-52 53 0,17 0-16,-87 18 15,34 35 1,0 17 0,71-34-1,0-19 1,0 1-1,53-18 1,0-18 0,36-17-1,-37-18 1,-34 18 0,17-1-1,-35 54 16,0 53-15,0-1 0,-53 124-1,53-35 1,0 17 0,0-123-16,0 141 31,0 18-16,-17-89 1,-71 1 0,17-71-1,-105-36 1,35-52 0,-18-88-1,88-18 1,54-71-1,17 71 1,17 88-16,71-71 16,71 1-1,-35 35 1,-19 17 0</inkml:trace>
-  <inkml:trace contextRef="#ctx0" brushRef="#br0" timeOffset="66643.5">2187 11377 0,'0'0'16,"0"-18"-1,0 36 32,0 0-31,0-1-16</inkml:trace>
-  <inkml:trace contextRef="#ctx0" brushRef="#br0" timeOffset="66823.37">2187 11624 0,'0'0'15,"-17"18"-15,-1-18 16,0 35 0,1-35-16,34 0 47,19-35-32</inkml:trace>
-  <inkml:trace contextRef="#ctx0" brushRef="#br0" timeOffset="67373.38">2663 11342 0,'0'0'0,"-17"0"0,17-18 16,0 1-1,0-1-15,0-35 16,35 18 0,36-1-1,-1 36 1,-52 36 0,-1 52-1,-34 35 1,-71 1-1,17-36 1,-35-17 0,36-54-1,34-17 1,19 0-16,17-17 16,17-36 15,54 35-16,-18 18 1,17 18 0,1 17-1,35-17 1,-36-18 0,1 0-1,-18-36 1,-53-17-1,0 18 1</inkml:trace>
-  <inkml:trace contextRef="#ctx0" brushRef="#br0" timeOffset="67957.33">1094 11553 0,'-18'0'0,"0"0"15,1 18 1,17 0 0,-18-18-16,18 17 0,-18 19 15,18 17 1,0-36 15</inkml:trace>
-  <inkml:trace contextRef="#ctx0" brushRef="#br1" timeOffset="90364.73">8643 13159 0,'0'0'0,"35"0"0</inkml:trace>
-  <inkml:trace contextRef="#ctx0" brushRef="#br1" timeOffset="98185.04">4304 16669 0</inkml:trace>
-  <inkml:trace contextRef="#ctx0" brushRef="#br1" timeOffset="104569.1">5891 14693 0,'18'0'16,"-18"-17"0,18-1-1,-18 0 1,0 1-1,0 34 32,-18 1-47,0 52 16,18 19 0,0-19-1,0 1 1,36-36-1,-19-35-15,19 18 16,16-18 0,1-36 15,0-34-15,-53 35-16</inkml:trace>
-  <inkml:trace contextRef="#ctx0" brushRef="#br1" timeOffset="104968.88">5927 14305 0,'0'0'16,"-18"35"-1,18-17-15,18-18 32,17 0-32,-17-18 15,17-17 17,-35 0-17,-18 17 1,-17 18-1,-18 0 1,18 18 0,35 52-1,0 19 1,35-36 0,36 17-1,-54-52-15</inkml:trace>
-  <inkml:trace contextRef="#ctx0" brushRef="#br1" timeOffset="105519.29">6332 14676 0,'0'0'0,"0"17"0,0 18 15,0 1 1,0 34 0,0-17-1,0 18 1,0-18 0,0-36-1,0 1 1,0-36 15,0 1-31,0-36 16,0 0-1,0 18 1,71-54 0,17 1-1,71 18 1,-18 52-1,-53 53 1,-35 53 0,-35-70-16,-18 35 15,0-35-15,0 70 16,0-35 0,-18-36-1,18 1 1,0-36 15,35-17-15</inkml:trace>
-  <inkml:trace contextRef="#ctx0" brushRef="#br1" timeOffset="105903.95">7232 14552 0,'0'0'0,"-18"-18"16,1 18-1,-1 18 1,18 0-16,0-1 16,0 124-1,0 1 1,0-19-1,-18 89 1,18-18 0,18-53-1,-18-106 1,0 71 0,0-71-16,0 89 15,0-71 1,0-36-1,-18-70 17,18 18-32,0-88 15</inkml:trace>
-  <inkml:trace contextRef="#ctx0" brushRef="#br1" timeOffset="106269.68">7197 14746 0,'0'-35'0,"0"70"0,0-88 16,0 0-16,0 36 0,0-54 15,70 18 17,-17 36-17,18 34 1,-1 54-1,-52-54-15,-18 72 16,0 16 0,-88-34-1,35-18 1,-18-36 0,71 1-16,-35 0 15,35-36 32,18 0-47,52-34 16</inkml:trace>
-  <inkml:trace contextRef="#ctx0" brushRef="#br1" timeOffset="107085.54">7832 14499 0,'0'-17'32,"0"34"-17,0 1-15,-18 52 16,0-34-16,18 52 16,0 0-1,36-17 1,17-36-1,35-35 1,0 0 0,0-53 15,-35 0-15,0-53-1,-35 18 1,-18 17-1,0 54-15,0-1 16,0 53 0,0 54-1,0-1 1,0 0 0,0-17-1,35-36 1,35-35-1,1 0 1,35-53 0,-36-18 15,-34 36-31,17-71 16,-36 53-16,19-88 15,-19-35 1,-17 70-1,-17 88 1,-19 18 0,1 53-1,17 106 1,18-35 0,0 34-1,18-34 1,0-54-1,52-34 1,-52-36-16,35 0 31,35 0-15,-18-36 0,-17-17-1,-35 0-15</inkml:trace>
-  <inkml:trace contextRef="#ctx0" brushRef="#br1" timeOffset="107335.54">8661 14446 0,'0'0'0,"-53"-17"0,70 52 0,-17-17 15,18-54 1,70 19-1,0-1 1,18-17 0,-35 17-1,-54 18 1,1-18 0,-18 1-1,0-1-15</inkml:trace>
-  <inkml:trace contextRef="#ctx0" brushRef="#br1" timeOffset="108186.47">9913 13882 0,'124'0'16,"-72"0"-16,-16 0 16,105-18-16,-35 18 15,-71-17 1,35 17 0,-52 0-16,-36 0 31,-52 0-16,35 0-15,-71 17 16,-18-17 0,19 18-1,16-18 1,54 17 0,0 19-1,17-1 1,-17 53-1,17 53 1,1-105 0,-1 105-16,0 70 31,1 1-15,17-71-1,0 36 1,0-142-16,17 88 15,54-17 1,35-71 0,0-35-1,52-53 1,1-88 0</inkml:trace>
-  <inkml:trace contextRef="#ctx0" brushRef="#br1" timeOffset="108668.66">10689 14093 0,'-17'0'15,"-1"0"-15,0 0 0,1 0 16,-19 18-16,19 0 0,-36 52 16,-18 89 15,18 17-15,36-52-1,17-1 1,35-52-1,35-53 1,1-36 0,-18-35-1,-18 0-15</inkml:trace>
-  <inkml:trace contextRef="#ctx0" brushRef="#br1" timeOffset="109401.93">10372 14605 0,'-18'0'0,"18"18"31,18-18-31,87-36 31,-16 1-15,34-18-1,-17 36 1,-88 17-16,35 0 16,-53 35-1,0-18-15,-18 36 16,-17 53 0,35-35-1,0-36 1,35-17-1,71-18 1,17-71 0,-17-17 15,-53 17-15,-53 36-1,0 17 1,0 36 15,-18 0-31,18-1 0,-17 36 16,17 35-1,0 18 1,0 18 0,0-1-1,0 107 1,-53-89-1,0-71 1,-35-35 0,-36-35 15,18-17-15,53-18-16,-70-54 15,52 19 1,54-18-1,34 17 1,72 18 0,34-17-16</inkml:trace>
-  <inkml:trace contextRef="#ctx0" brushRef="#br1" timeOffset="109751.59">11553 14411 0,'-17'0'16,"34"0"-16,-52 0 15,18 0-15,-1 35 16,0 89-1,18 17 1,-17 35 0,17-35-1,0 36 1,-18-19 0,18-105-1,0-35-15,0 0 16,0-54-1,0 1 1</inkml:trace>
-  <inkml:trace contextRef="#ctx0" brushRef="#br1" timeOffset="109985.48">11465 14605 0,'0'-18'0,"0"36"0,-35-36 0,35-35 15,0 1 1,53-1 0,53 17-1,-71 36-15,53 18 16,18 53 0,-106-19-1,-18 37 1,-17-72-1</inkml:trace>
-  <inkml:trace contextRef="#ctx0" brushRef="#br1" timeOffset="110069.96">11518 14764 0,'-17'0'16,"-1"0"-1,18-36 17,35 72-32,-17-107 15</inkml:trace>
-  <inkml:trace contextRef="#ctx0" brushRef="#br1" timeOffset="110468.31">12136 14587 0,'17'0'0,"-34"0"0,52 0 16,-18 0-16,1-17 15,17-19 1,18-16-1,0-1 1,-18-18 0,-35 36-1,-35 35 17,18 0-32,-54 35 15,-35 36 1,89 52-1,17-52 1,17 17 0,36-35-1,-18-53-15,71 0 16,18-18 0,-36-35-1,-18 18 1</inkml:trace>
-  <inkml:trace contextRef="#ctx0" brushRef="#br1" timeOffset="111286">11712 14570 0,'18'0'0,"-1"0"15,1 0 1,-18 17-16,0 1 16,0 35-1,-53 0 1,18-36-16,-36 19 15,18 17 1,-52-53 0</inkml:trace>
-  <inkml:trace contextRef="#ctx0" brushRef="#br1" timeOffset="111735.12">13053 14340 0,'-18'0'0,"0"0"16,-17 0-1</inkml:trace>
-  <inkml:trace contextRef="#ctx0" brushRef="#br1" timeOffset="111878.31">13123 14429 0,'-35'17'16</inkml:trace>
-  <inkml:trace contextRef="#ctx0" brushRef="#br1" timeOffset="111935.26">13017 14482 0,'-52'17'15,"34"-17"-15,88-17 0,-140 52 16</inkml:trace>
-  <inkml:trace contextRef="#ctx0" brushRef="#br1" timeOffset="111984.63">13035 14570 0,'18'0'15,"35"0"-15,35-36 16,35 1-1</inkml:trace>
-  <inkml:trace contextRef="#ctx0" brushRef="#br1" timeOffset="112400.7">14058 13935 0,'0'0'0,"-17"0"0,-1 0 15,18 17 1,18-17 15,17 0-15,-35-17-16,35-1 15,-17 0 1,-18-17 0,-36 18-1,-52 17 17,53 35-17,35-18-15,-35 89 16,17-18-1,18-52 1,88-1 0,-52-35-16</inkml:trace>
-  <inkml:trace contextRef="#ctx0" brushRef="#br1" timeOffset="112784.57">14693 14023 0,'-17'0'16,"34"0"-16,-70-18 15,18 18 1,-18 18-1,35 0-15,-17 34 16,0 72 0,-18-1-1,53 36 1,0-71 0,0-52-16,18 17 15,52-36 1,-52-17-16,52 0 15,19-35 1,-19-53 0,-52 52-1</inkml:trace>
-  <inkml:trace contextRef="#ctx0" brushRef="#br1" timeOffset="112879.72">14358 14340 0</inkml:trace>
-  <inkml:trace contextRef="#ctx0" brushRef="#br1" timeOffset="112985.43">14252 14411 0,'53'0'31,"-35"0"-15,-1 0-16,-105 0 0,194 0 0,-18 0 15,-70-18-15,70-17 16,-35 17-1</inkml:trace>
-  <inkml:trace contextRef="#ctx0" brushRef="#br1" timeOffset="115334.89">14993 14199 0,'0'18'0,"0"0"0,0-1 0,0 36 31,0 0-15,0-35-16,0-1 15,0 1 1,71-18-1,-18-18 1,-18-17 0,-18 17-16,36 1 15,-17-36 17,-36 0-17,-53 18 1,0 17-1,-53 18 1,88 0-16,-70 53 16,53 0-1,17 53 1,18-18 0,18 18-1,52-36 1,-52-52-16,35 17 15,53-35 1,-18 0 0,35-35-1,-17-18 1,-35 0 15,-54 35-31</inkml:trace>
-  <inkml:trace contextRef="#ctx0" brushRef="#br1" timeOffset="115617.95">15681 14129 0,'0'17'31,"0"1"-31,18 0 0,17 17 16,-17-17-16,17 34 16,-35-16-1,35 17-15,0 17 32,1-52-17,-19 0 1</inkml:trace>
-  <inkml:trace contextRef="#ctx0" brushRef="#br1" timeOffset="115883.67">16104 14129 0,'-17'0'16,"-19"0"-16,1 17 0,-18 54 16,18-36-1,-36 53 1,54-70 0,-36 35-1,18 18 1,17-54-1</inkml:trace>
-  <inkml:trace contextRef="#ctx0" brushRef="#br1" timeOffset="116060.4">16581 13899 0,'0'-17'16,"0"34"-16</inkml:trace>
-  <inkml:trace contextRef="#ctx0" brushRef="#br1" timeOffset="116252.11">16510 13952 0,'0'18'16,"0"-36"-16,-18 89 15,1-53-15,-1-1 0,0 36 16,1-35-16,-1 70 16,1 18-1,17-18 1,0-35 0,70-35-1,-17-18 1,18-18-1,-1-35 1</inkml:trace>
-  <inkml:trace contextRef="#ctx0" brushRef="#br1" timeOffset="116501.15">16298 14164 0,'0'0'16,"18"0"15,35 0-15,0 0-1,53 0 1,-18-18-1,-35-17 1</inkml:trace>
-  <inkml:trace contextRef="#ctx0" brushRef="#br1" timeOffset="116535.02">16757 14058 0,'53'0'0,"-106"0"15,212-35-15</inkml:trace>
-  <inkml:trace contextRef="#ctx0" brushRef="#br1" timeOffset="116667.58">17286 13917 0,'0'0'0,"-18"0"15,18 18-15,-17-18 0</inkml:trace>
-  <inkml:trace contextRef="#ctx0" brushRef="#br1" timeOffset="117084.03">17145 13988 0,'0'0'16,"-18"0"-1,18-18 16,0 0-31,18 1 16,0-1-16,17 0 16,0 1-1,18 17 17,-35 0-17,-18 53 1,0-36-1,0 1 1,-53 0 0,35-18-1,1 0 1,17-53 15,52 17-15,-16 19-1,-1 17 1,-17 17 0,-18 1-16,0 53 15,-18-1 17,-53 1-17,36-36-15</inkml:trace>
-  <inkml:trace contextRef="#ctx0" brushRef="#br1" timeOffset="117318.65">17621 13617 0,'0'0'0</inkml:trace>
-  <inkml:trace contextRef="#ctx0" brushRef="#br1" timeOffset="117701.39">18027 13723 0,'0'71'16,"0"-54"-16,0 19 15,0 16-15,0 54 16,0-18 0,0 71 15,-18-35-31,54-1 31,-72-35-15,1 1-1,-36-37 1,71-34-16,-70 17 16,-1-17-1,-52 0 1,-1-1 0</inkml:trace>
-  <inkml:trace contextRef="#ctx0" brushRef="#br1" timeOffset="117784.61">17339 14799 0,'0'-18'16,"0"36"-16,0-53 15,0 17 1,0 0 15,35 1-31</inkml:trace>
-  <inkml:trace contextRef="#ctx0" brushRef="#br1" timeOffset="118317.18">17621 13564 0,'-35'0'31,"70"0"16,-17 0-47,0 0 16,-1 0-16,18 0 0,36 0 15,-18 0 17,-18 0-32</inkml:trace>
-  <inkml:trace contextRef="#ctx0" brushRef="#br1" timeOffset="119034.07">17339 14781 0,'18'0'16,"35"18"-1,-36-18-15,1 0 16,35 0-16,35 0 16,18-35-1</inkml:trace>
-  <inkml:trace contextRef="#ctx0" brushRef="#br1" timeOffset="119751.98">17833 13564 0,'18'0'63,"-1"0"-48,1 0 1,-1 0 0,-17 18-16,0 0 15,0-1-15,18 36 16,-18 35-1,0-70-15,0 17 16</inkml:trace>
+  <inkml:trace contextRef="#ctx0" brushRef="#br0">2505 423 0,'0'0'0,"0"-17"16,0-36-1,0 17 1,0 19 0,0-1-1,0 36 32,17-1-31,19 19-16,52 52 15,0 35 17,0-34-17,0 52 1,-35-53-1,-17 35 1,-19-70 0,-17-35-16,0 0 15,0-1 17,0-34-17,0-54 1,0 53-1</inkml:trace>
+  <inkml:trace contextRef="#ctx0" brushRef="#br0" timeOffset="400.38">3175 335 0,'0'-18'0,"-18"18"47,1 18-31,-36 35-16,-18 35 15,36-70-15,-71 88 31,-53 35-15,71-35-16,18-18 31,17-18-15,53-87 31,35-1-32,36-35 1,-36 36 0</inkml:trace>
+  <inkml:trace contextRef="#ctx0" brushRef="#br0" timeOffset="890.45">3563 635 0,'0'0'0,"-18"0"47,18 18-32,0-1-15,-17 54 16,17 52 0,0 54-1,0-19 1,-18 54 0,-17-36-1,35-123 1,0 194-1,0-88-15,0-18 32,0-88-17,0-18-15,0-88 47,17 1-31,1-90-1,0 37-15</inkml:trace>
+  <inkml:trace contextRef="#ctx0" brushRef="#br0" timeOffset="1308.86">3563 900 0,'0'-18'0,"0"36"0,-18-54 0,1 1 0,17-36 16,0 1 0,70 17-1,36 0 17,0 0-17,35 53 1,-123 0-16,52 35 15,-34 54 1,-36-19 0,-36 18-1,-87 1 17,35-37-17,52-34-15,-52 17 16,53-35-1,35-17 17,18 17-17,17-36 1,-18 36-16</inkml:trace>
+  <inkml:trace contextRef="#ctx0" brushRef="#br0" timeOffset="2006.72">4674 688 0,'0'0'15,"18"0"-15,0-35 16,-18-18-1,0 35-15,-53-17 16,-18 35 0,-35 0-1,36 35-15,-18 36 32,70-1-17,0 36 1,1 53-1,17-89 1,70-34 0,1-36-1,-1 0 1,18-71 0,1-17 15,-19-36-16,-52 36-15,-1 18 32,-17 34-17,-17 36 17,-1 18-32,1 35 15,17 35 1,0 0-1,0 0 1,17-35 0,36-35-1,35-18 1,-35 0 0,18-53 15,-36 0-16,0 18-15</inkml:trace>
+  <inkml:trace contextRef="#ctx0" brushRef="#br0" timeOffset="2324.6">5221 370 0,'0'0'0,"0"-17"0,-18 17 31,18 17-31,-17 36 16,17 53 0,0-18-1,0 36 1,0-54 0,0 19-1,0-54 16,0-18-15,17-17 0,-17-17-1,36-36 1,-19-18 0,-17 36-16</inkml:trace>
+  <inkml:trace contextRef="#ctx0" brushRef="#br0" timeOffset="2956.77">5433 353 0,'0'0'15,"0"17"17,0 1-17,0 17-15,0 54 31,0-1-15,0 18 0,0-18-1,0-35-15,0 17 32,0-52-17,0-36 32,0 1-47,0-36 16,17-36-1,36 37 1,36-19 0,-1 18-1,35 35 1,-35 18 15,-35 53-31,-35 18 31,-18-1-31,0 19 32,0-72-32,-35 36 15,17-35 1,0-1-1,1-17 1,-1 0 0,0-35-1,-17-18 1,0 36 0</inkml:trace>
+  <inkml:trace contextRef="#ctx0" brushRef="#br0" timeOffset="3218.47">4992 582 0,'0'0'0,"17"0"31,1 0-16,0 0-15,88-18 16,-36 18 0,18 0-1,-70 0 1</inkml:trace>
+  <inkml:trace contextRef="#ctx0" brushRef="#br0" timeOffset="4883.53">7144 529 0,'0'0'0,"-36"-88"31,19 70-15,-1 1-1,18-1 1,-17 18-1,-1 18 1,-17 52-16,17 18 31,18 71-31,0-35 32,0-89-32,0 88 15,0-52 1,71-36-1,-1-35 1,1 0 0,-1-70-1,-35 17 1,1-18 15,-36 1-15,0-1-16,0 36 15,-18 35 1,0 0-16,-17 0 31,18 70-15,-1-34 0,18 17-1,18-18 1,34-35-1,1 0 1,0-18 0,18-35-1,-1 0 1,-52 18 0,0 0 15,-18 17-31,0 36 31,0 52 0,0 1-15,0-53-16,0 52 16,0-17-1,35-18 1,18-35-1,35 0 1,-17-35 0,17-18-1,-18-35 1,-52 17 0,0 1 15,-18 52-16,0 1-15,0 34 32,0 54-1,-18 52-15,0 1-1,1 52 1,17-123-16,0 35 15,0-53-15,0 159 16,0-52 0,0 34-1,-18-88 1,0 0 0,-34-70 15,-37-18-31,-34 0 31,-18-35-15,0-36-1,70 36 1,18 0 0,36 35-16,-1-36 15,18 1 1,35-18-1,0 18-15</inkml:trace>
+  <inkml:trace contextRef="#ctx0" brushRef="#br0" timeOffset="5566.39">9013 423 0,'-17'-17'0,"-18"-1"31,35 0-31,17 18 47,1 0-47,70-17 16,-53 17-16,71 0 15,-71 0-15,89 0 16,17 0 15,-53 0-31,0 17 31,-88 1 1,-70-18-17,-18 18 1,70-18-16</inkml:trace>
+  <inkml:trace contextRef="#ctx0" brushRef="#br0" timeOffset="5882.14">9402 441 0,'-18'0'31,"18"18"-15,0-1-16,0 19 15,-18-1 1,18 71-1,0-1 1,-17 37-16,17-54 31,-18-18-15,18-34 0,-18-36-16,36 0 31,35-71-16,-53 53-15</inkml:trace>
+  <inkml:trace contextRef="#ctx0" brushRef="#br0" timeOffset="6316.59">9543 847 0,'17'0'31,"1"0"-31,0 0 0,34-18 16,-34 0-1,70-17 1,-35 0-16,-35-18 31,-18 35-15,-18 1-1,-52 17 1,17 35 0,17 18-1,19 35 1,17-17 15,0 17-31,17-18 16,54-52 15,-18 0-31,35-18 31,-17-53-31,-1 17 16</inkml:trace>
+  <inkml:trace contextRef="#ctx0" brushRef="#br0" timeOffset="7349.6">10160 758 0,'0'-17'0,"0"-1"16,0-17 0,53 17-1,0-17 1,0 17 15,17 18-31,-17 53 16,-35 18 15,-18-1-15,-35 36-1,-1-53 1,1 18-1,17-71-15,18-18 47,36-17-31,17-18 0,17-53-1,-17 35 16,-35 54-31,17-71 16,-17 70 0,-36 36 15,18-1-31,-18 54 31,18-54-31,-17 72 16,17 16-1,0-52 1,53 18 0,0-53-1,70-18 1,-35-18 15,18-53-31,-35-17 31,17-35-15,-53 35 0,-35 52-16,35-105 15,-35 71-15,18-1 16,-18 89 31,-18 17-32,1 0-15,-1 71 16,0-18 0,18 36-1,0-36 1,0 18 15,0-53-15,53-18-1,0-35 1,0 0-16,-18-18 31,18-35-15,-17 0 0,-36 36-16,17-71 15,-17 70-15</inkml:trace>
+  <inkml:trace contextRef="#ctx0" brushRef="#br0" timeOffset="7600.05">11130 635 0,'-18'0'0,"36"0"0,-18 0 31,18 0-15,52 0-16,36 0 16,-88 0-1,52 0 1,-17-18 0,-17 18-1,-1-17 1</inkml:trace>
+  <inkml:trace contextRef="#ctx0" brushRef="#br0" timeOffset="8015.86">12065 423 0,'-18'0'32,"1"18"-32,-1 0 15,0 52 1,-34 1-1,34 35 1,0-36 0,18 36-1,0-88-15,18 34 16,35-16 15,17-36-31,19 0 31,-1-36-15,-71 19-16</inkml:trace>
+  <inkml:trace contextRef="#ctx0" brushRef="#br0" timeOffset="8416.57">12700 353 0,'35'0'31,"-17"0"-31,0 0 16,34 35-1,-34-17-15,35 52 16,-35 36-16,-18-18 31,-18 18-15,-17-18 0,-53 18-1,35-53 1,17-35-1,19-18 1</inkml:trace>
+  <inkml:trace contextRef="#ctx0" brushRef="#br0" timeOffset="9838.09">2099 1535 0,'0'0'0,"18"0"47,-1 0-47,19 0 15,87 17 1,1 1 0,17-1 15,-88-17-31,176 18 15,-35 0-15,123-18 16,-17 0 0,18 0 15,158 0-15,0-18-1,18 0 1,-123 18-1,105 0 1,-88 0 0,141 0-1,0-17 1,18 17 15,-124 0-15,124 0-1,-124-18-15,142 1 32,-18 17-17,-36-18 1,-140 18 0,87-35-1,-158 35 1,35-18-1,-88 0 1,-70 1 0,-124 17-1,-36 0 1,-34 0 62,-1 0-47,0 0-15,1 0 0,-1 0-16,0 0 0</inkml:trace>
+  <inkml:trace contextRef="#ctx0" brushRef="#br0" timeOffset="18988.84">917 2769 0,'18'0'0,"-1"-17"31,-17-1-31,36 0 16,-19 36-1,36-53 1,18-53 15,-18 17-15,-36 53-1,-52 18 1,18 0-16,-72 18 16,54 17-1,-36 18 1,19 18-1,52-18 1,-18 17 0,18-35-1,35-17 1,18-18 0,18 35-1,17 1 1,-18-1 15,-34 36-15,-36-1-1,-71 1-15,-35-1 16,18-70 15,0 0-15,-18-35-1,36-36 1,34 36 0,1 0-1,35 17 1,18 18 0,70 0 15,-18 0-31</inkml:trace>
+  <inkml:trace contextRef="#ctx0" brushRef="#br0" timeOffset="19788.45">1376 2946 0,'17'-18'16,"-34"36"-16,52-36 0,-17 18 15,-1 0 1,-17 18 0,0 35-1,0 0 1,0 17 0,0-17-1,36-18 1,17-35-1,35 0 17,-35-53-32,0 18 15,-18-35 1,-17 17 15,-1 35-31,-17-17 16,0 17-1,0 36 17,-17 35-17,17 0 1,-18 17 0,18 89-1,0-124 1,0 106-1,0 0-15,0 18 16,0 17 15,0-34-15,-18 52 0,-17-89-1,-71-16 1,0-54-1,-70-35 1,35-18 0,-71-88-1,106 1 1,18-37 0,88 54-1,0-18 16,35 36-15,36-36 0,-36 88-16,-17-17 0</inkml:trace>
+  <inkml:trace contextRef="#ctx0" brushRef="#br0" timeOffset="20421.8">2028 2963 0,'0'0'0,"0"18"63,0 0-48,0-1-15,0 19 16,0 16 0,18 37-16,-18-19 15,0-35 17,0-52 14,0-1-46,0-17 16,0-18 0,0-35-1,18 70-15,52-52 16,54-19 0,-1 54-1,54 35 16,-124 35-31,-18 54 32,-35-1-17,0 0 1,-53 0 0,35-35-1,-17-18 1,17-35-1,18-17 17,18-54-17</inkml:trace>
+  <inkml:trace contextRef="#ctx0" brushRef="#br0" timeOffset="20730.65">2910 2769 0,'0'0'0,"0"-17"0,0-1 31,0 36-15,0-1-16,0 1 16,0 70-1,0-17 1,0 35-1,-17 17 1,17-52 0,-18-19-1,18-34 1,18-18 0,17-53-1,-35 36-15</inkml:trace>
+  <inkml:trace contextRef="#ctx0" brushRef="#br0" timeOffset="21005.45">2805 2999 0,'-18'17'16,"36"-34"-16,-18 34 15,52-17 1,-34 0-16,35-17 16,35-1-1,-35 18 1,-18-18 0,-35 1-1,18 17 1</inkml:trace>
+  <inkml:trace contextRef="#ctx0" brushRef="#br0" timeOffset="21798.6">3669 3122 0,'18'0'0,"-36"0"0,71-53 16,-53 36-1,0-36 1,0 17 0,-53-17-1,0 36 1,-53-1-1,88 18-15,-52 18 16,-36 52 0,71 54-1,17-36 1,-17 18 0,70-18-1,-35-70 1,18 17-16,70-35 31,-17-35-31,34-36 16,1 1 15,-18-36-15,-70 70-16,35-16 15,-53 16 1,-18 54 15,1 0-31,-1 34 16,0 1-1,18-35-15,0 70 16,0-35 0,18-18-1,17-35 16,1 0-15,17 0 0,-18-35-1,-18 17-15</inkml:trace>
+  <inkml:trace contextRef="#ctx0" brushRef="#br0" timeOffset="22447.52">4022 3069 0,'17'-35'31,"1"17"-31,0 1 0,34 17 16,1 0 0,-35 0-16,35 0 15,0 35 1,-35 35 15,-18 19-15,-53-19-16,-18 18 15,36-35 17,17-53-32,-17 18 15,35-36 16,17-17-15,36-53 0,36 0-1,-19 17 1,-52 53-16,52-34 16,-52 34-1,-18 36 48,-18 17-63,18-18 15,-17 72 1,17-19 0,0 18-16,17-17 31,19-53-16,-19-18-15,71 0 16,1 0 0,16-53-1,-52 17 1,-17 19-16</inkml:trace>
+  <inkml:trace contextRef="#ctx0" brushRef="#br0" timeOffset="22972.2">5662 2910 0,'0'18'46,"0"-36"48,0 1-63,-18 17-15,1 0-16,-1 0 16,1 0-1,-1 35 1,18-17 0,0-1-1</inkml:trace>
+  <inkml:trace contextRef="#ctx0" brushRef="#br0" timeOffset="23564.88">5539 3298 0,'17'0'46,"-17"-17"-30,0-1 0,0 1-1,-17 17 32,17 17-47,0 1 16,0-1-1,0 1 1,17-18 0,1 0-1,0-18 1,-1 1 0,-17-1-1,-17 18 16,-1-17 16</inkml:trace>
+  <inkml:trace contextRef="#ctx0" brushRef="#br0" timeOffset="24985.36">7655 2434 0,'0'0'0,"53"-35"31,-35 35-31,-1-35 16,1 17-1,0 18 1,-1 0 0,-34 0 62,-1 18-78,-17 17 15,-18 53 1,-18 0 0,54-52-1,-54 69 1,-35 54 0,0-18-16,18-53 31,0 36-16,35-54 1,36-52 0,17-36 31,17 1-32,1-18-15,-1 35 16,19-36-16</inkml:trace>
+  <inkml:trace contextRef="#ctx0" brushRef="#br0" timeOffset="25581.19">8149 2399 0,'0'0'16,"0"-18"-16,35 18 15,-35-17 1,0 34 47,0 1-63,0 0 0,-52 34 0,-1 54 31,-53 35-16,35-17 1,36-89-16,-71 89 16,36-19-1,-19 19 1,36-36 0,36-35-1,-1-35 1,1 17-1,17-53 64</inkml:trace>
+  <inkml:trace contextRef="#ctx0" brushRef="#br0" timeOffset="26380.27">8661 2505 0,'0'0'0,"0"-18"31,0 36-15,0 17-1,-18 0 1,0 1-16,-52 105 16,35-18-1,-1 1 1,36-54-1,0 1 17,71-54-17,17-17 1,0 0 0,0-17-16,-17-19 31,-36-16-16,-17 16 1</inkml:trace>
+  <inkml:trace contextRef="#ctx0" brushRef="#br0" timeOffset="26646.98">8414 2875 0,'35'0'16,"-17"0"-16,35 0 16,-36 0-16,89 0 15,18-35 1,-19 17-1,-105 1 1,18 17 0</inkml:trace>
+  <inkml:trace contextRef="#ctx0" brushRef="#br0" timeOffset="27380.39">9507 2928 0,'0'0'0,"0"-18"0,0 1 15,0-19 1,0 19-16,0-18 16,0-1-1,-70 36 1,17 0 0,-18 18-1,18 35 1,36-36-1,-19 54-15,19 17 32,17-35-17,0-18 1,35-17-16,53-18 31,-35-18-15,0-17-1,0-18 1,-35 18 0,-1-36-1,-17 18 1,0 36-16,0-1 16,0 1-1,0 34 1,0 18-1,-17 36 17,17-18-32,0-35 15,0 35-15,0-36 32,17 18-17,36-35 1,0 0-1,35 0 1</inkml:trace>
+  <inkml:trace contextRef="#ctx0" brushRef="#br0" timeOffset="28230.63">10283 2787 0,'0'0'15,"0"-18"1,-35 18-16,-18 0 16,-70 36-1,35 16 1,-1 19 0,72-53-1,-19 35 1,36 0-1,0-36 1,53-17 0,53 0-1,-35-17 1,52-36 0,-70 0-1,-18 0 1,1 17 15,-54 54 16,0 17-31,1 1-16,-1 52 31,18 35-16,0-17 1,0 71 0,0-125-16,0 72 15,18 52 1,-18 18 0,17-35-1,-34 18 1,-1-142-1,-35 71 1,-70-18 0,-18-35-1,0-53-15,-89 0 32,1-53-17,35-88 1,53-36-1,70 54 1,36-18 0,35 53-1,0 35 1,123-53 0,-34 35-1,-19 18 1</inkml:trace>
+  <inkml:trace contextRef="#ctx0" brushRef="#br0" timeOffset="28884.64">10336 2893 0,'0'0'0,"0"17"0,0 89 31,0-35 0,0-54-31,0 1 0,0 0 31,-17-18 1,17-18-32,0 0 15,0-34 1,0 16-1,35-52 1,18 35 0,35 0-1,-17 18 1,-54 35-16,107 0 16,-36 53-1,-70 17 1,-18 19-1,0-19 17,-36-17-17,19-35-15,-1-1 16,18 1 0,-18-18-1,18-35 16</inkml:trace>
+  <inkml:trace contextRef="#ctx0" brushRef="#br0" timeOffset="29496.3">11412 2857 0,'0'-17'16,"0"34"-16,0-52 0,0 18 0,0-19 15,-35 36 17,-18 0-32,36 0 15,-54 18 1,-17 70-1,17 18 1,54-53 0,17 35-1,17-53 1,1-35-16,35 0 16,35 0-1,0-17 1,-17-54-1,-36 36 1,-17-53 15,-18 17-31,0 36 32,0 70-1,0 18-16,-36 71 1,36-72 0,18 1-1,17-17 1,1-36 0,16 0-1,1-36 1,0 19-1</inkml:trace>
+  <inkml:trace contextRef="#ctx0" brushRef="#br0" timeOffset="30330.62">11765 2893 0,'-18'0'16,"1"17"-16,17 1 15,0 0-15,-18 35 16,18-18 0,0 35-1,0-34 1,0-19 0,-17 1-16,-1-18 46,18-18-46,0-17 16,0-18 0,0 36-1,18-36-15,52-18 32,18 36-32,-17 17 31,-1 18-16,-17 35 1,-17 18 0,-36 0-1,0 0 1,0 0 0,0-18-1,-18 1 1,0-36 15,1 0-15,17-36-1,-18 1-15,18-35 32,53-1-17,18 0 1,52 36-1,-35 17 1,0 18 0,-35 71-1,-53-18 1,0-35-16,0 35 16,0-36-16,-17 18 15,-19 1 1,19-1-1,17-53 48,0 1-47,0-1-16,17 0 0</inkml:trace>
+  <inkml:trace contextRef="#ctx0" brushRef="#br0" timeOffset="30780.21">12629 2963 0,'18'0'15,"0"0"1,-1-17-1,1 17-15,0-18 0,-1 18 16,19-35 0,-1-1-1,-35-16-15,0 34 32,-18 18-32,-17 0 15,17 0 1,-52 70-1,34-17 1,19 36 0,17-36-1,0-36 1,70 18 0,-52-35-16,35 0 15,-18 0 1,-35-17-1,0-36 17,0 35-32</inkml:trace>
+  <inkml:trace contextRef="#ctx0" brushRef="#br0" timeOffset="31801.32">13617 2275 0,'0'0'0,"-17"-35"31,34 17-15,1 18-1,35-17-15,-36 17 16,72 0 0,16-35-1,-34 35-15,-89 0 47,-52 0-31,52 0-16,-52 0 15,-19 0 1,36-18 0,36 18-1,-18 0 1,-1 18 15,36-1-31,-35 36 16,0 0-1,35 71-15,0 17 32,-36 35-32,19 0 31,-36 18-16,53 0 1,0-70 0,35 17-1,18-88 1,35-18 0,18-35-1,-18-35 1,36-36 15,-36 18-15,18-70-16,-89 88 15</inkml:trace>
+  <inkml:trace contextRef="#ctx0" brushRef="#br0" timeOffset="32129.68">14129 2487 0,'-18'0'0,"36"0"0,-54 18 16,19-1-16,-18 54 15,-1 52 1,19-17-1,17-71 1,-18 89-16,18-53 31,0 17-15,0-71 0,53 1-1,17-18-15,-17-35 31,-17-18-15</inkml:trace>
+  <inkml:trace contextRef="#ctx0" brushRef="#br0" timeOffset="32362.47">13829 2893 0,'0'0'16,"18"0"-1,34 0 1,-34 0-16,106 0 16,-19 0-16,1 0 15,-53-18 1</inkml:trace>
+  <inkml:trace contextRef="#ctx0" brushRef="#br0" timeOffset="32800.83">14446 2893 0,'18'0'0,"-36"0"0,54 0 16,34-18-16,-17-17 31,-35 0-31,-1-1 16,-17 19 15,-17 17-31,-36 0 15,0 0 1,0 35 0,0 53-1,35 18 1,18-35 0,0-54-16,0 54 15,53-36 1,35-35-1,18 0 17,-53 0-32,18-53 31</inkml:trace>
+  <inkml:trace contextRef="#ctx0" brushRef="#br0" timeOffset="33419.08">14870 2805 0,'0'0'16,"0"-18"-16,0 0 0,0 1 15,52-1 1,19 0 0,53 18-1,-19 36 1,1 52-1,-88-71 1,-18 72 0,-18-36-1,-70 17-15,35-35 32,0-35-17,53 18-15,35-71 47,18 18-31,53-53-1,-35 17 1,35-35 0,-54 71-1,-52 17-15,-17 54 31,-18 17-15,-1 35 15,19-18-31,17 1 16,0-53 0,17 17-1,36-35-15,18 0 31,-1 0-15,1-35 0,-1-18-1</inkml:trace>
+  <inkml:trace contextRef="#ctx0" brushRef="#br0" timeOffset="33762.69">15998 2381 0,'0'0'16,"0"-17"-16,0-1 15,0 36 1,-17 35 0,-1 70-1,1-17-15,17-71 16,-18 106-1,18-53 1,-18 1 0,18-54-1,18 0 1,17-17 0,36-18-1,-1-18 1,-52-17-1,0-18 1</inkml:trace>
+  <inkml:trace contextRef="#ctx0" brushRef="#br0" timeOffset="33983.58">15857 2769 0,'18'0'32,"0"0"-17,17 0-15,53 0 16,-17 0 0,-1-17-1,-35-1 1</inkml:trace>
+  <inkml:trace contextRef="#ctx0" brushRef="#br0" timeOffset="34336.91">16704 2505 0,'0'0'0,"-18"17"47,1 1-47,-1 35 16,-17 17 0,0 36-1,17-70-15,0 34 16,18 18-1,0-35 17,53-35-17,18 0-15,-18-18 32,17-18-17</inkml:trace>
+  <inkml:trace contextRef="#ctx0" brushRef="#br0" timeOffset="34718.31">17039 2487 0,'0'0'0,"18"0"15,-1 0-15,36 18 32,18 35-17,-36 17-15,0 36 16,-17-35 15,-18 34-15,-53-34-1,0-18 1,0-18 0,36-17-1,17-36 17,0-17-17</inkml:trace>
+  <inkml:trace contextRef="#ctx0" brushRef="#br0" timeOffset="35236.35">18009 2752 0,'0'0'15,"0"-18"1,18 18 15,0-18-15,17 18-16,-18 0 15,54 0 1,-18 0 0,18 0-1,-36 0 1,-18 0 0,-52 0 15</inkml:trace>
+  <inkml:trace contextRef="#ctx0" brushRef="#br0" timeOffset="35500.93">17974 2893 0,'0'0'0,"0"17"15,18-17-15,-1 0 0,36 0 32,-35 0-32,35 0 15,-18 0-15,36 0 16,-18 0 0,-1 0-1,-52-17 1,0-1-1</inkml:trace>
+  <inkml:trace contextRef="#ctx0" brushRef="#br0" timeOffset="36536.16">18785 2099 0,'0'18'46,"0"-1"-30,0 1 0,18-18 31,0 0-32,35 0 1,-36-18-16,-17 1 15,18-19 1,-18 19 0,-53-1-1,18 18 1,-36 35 0,53 1-1,1-1 1,17-17-1,0-1 1,35-17 0,0 0 15,1 0-15,-19-17-1,-17-19 1,0 1-16,0 17 31,0 1-15,-17 34-1,-19 19 1,1 52 0,17-18-1,1 1 1,17 0-1,35-36 17,18 0-17</inkml:trace>
+  <inkml:trace contextRef="#ctx0" brushRef="#br0" timeOffset="37283.58">19385 2364 0,'0'0'0,"18"-18"31,-18 36 48,0-1-79,-18 19 15,18-19-15,-18 36 16,-34 88-16,16 0 31,1-17-15,17-36-1,1-17 1,17-36 0,35-35-1,-17 0-15,35 0 16,-1-35-1,1-18 17,-35 35-32</inkml:trace>
+  <inkml:trace contextRef="#ctx0" brushRef="#br0" timeOffset="37486.31">19156 2822 0,'17'0'31,"1"0"-31,0 0 0,17 0 16,0 0-16,36 0 16,35-35-1,-53 17 1</inkml:trace>
+  <inkml:trace contextRef="#ctx0" brushRef="#br0" timeOffset="37920.3">19632 2787 0,'18'0'16,"-1"0"-1,1 0-15,35 0 16,-35 0-16,52-35 16,-35-1-1,-35-17 1,0 18 0,0 18-16,-17 17 15,-1-18-15,-52 18 16,34 18-1,-34 34 17,52 19-32,0 17 31,36 0-15,0-70-16,35 17 15,17 1 1,1-36-1,35 0 1,-36 0 0,-35-53-1</inkml:trace>
+  <inkml:trace contextRef="#ctx0" brushRef="#br0" timeOffset="38199.87">20126 2558 0,'0'0'0,"18"0"16,-1 0-16,1 70 31,35 18-15,0-17-16,17 17 15,-52-53 1,0-17-1,-1 0 1,1-18 0,-1-36 15,1 19-31</inkml:trace>
+  <inkml:trace contextRef="#ctx0" brushRef="#br0" timeOffset="38445.79">20496 2593 0,'0'-18'0,"-17"18"15,-54 53 17,18 18-32,36-54 15,-54 89 1,36-18-1,17-35 1,18-17 0,35-36 15,-17 0-31,53-36 16</inkml:trace>
+  <inkml:trace contextRef="#ctx0" brushRef="#br0" timeOffset="38787">20867 2293 0,'17'53'31,"-17"-18"-16,0-17-15,-17 88 16,17-53-16,-18 52 16,1 19-1,-1-36 1,18-17 0,0-36-1,18-35 1,34 0-1,-16-35 17,-1-18-32</inkml:trace>
+  <inkml:trace contextRef="#ctx0" brushRef="#br0" timeOffset="39018.96">20814 2611 0,'0'0'16,"18"0"15,-1 0-31,18 0 16,-17 0-16,53 0 16,-1 0-1,-17 0 1,-35-18-1</inkml:trace>
+  <inkml:trace contextRef="#ctx0" brushRef="#br0" timeOffset="39599.99">19032 3440 0,'0'0'0,"18"0"31,-18 17-15,18 1-16,17 52 16,0 19-1,-35-19 1,0 1-1,0-18 1,0-36 0,18 1-1,-18-36 17,17-17-17</inkml:trace>
+  <inkml:trace contextRef="#ctx0" brushRef="#br0" timeOffset="39844.99">19491 3440 0,'0'0'0,"-18"17"31,1-17-31,-1 18 0,-53 70 16,19-35-1,16 18 17,19-19-32,-1-16 31,18-19-15,18-17-1</inkml:trace>
+  <inkml:trace contextRef="#ctx0" brushRef="#br0" timeOffset="40419.37">19826 3634 0,'0'-18'0,"0"36"15,18-54-15,-18 1 16,0 0-1,0 17 1,-36 18 0,-16 35 15,34-17-31,-35 53 16,0 17-16,53-35 31,0-18-31,0-17 15,53-18 17,0-18-17,0-17 1,-18-18 0,0-18-1,-17 18 1,0 36-1,-18 70 17,0 0-17,0-1 17,17-52-32,-17 36 15,36-19 1,-1 1-1,-18-18 1,36 0 0,-35-53-1</inkml:trace>
+  <inkml:trace contextRef="#ctx0" brushRef="#br0" timeOffset="41444.69">20197 3404 0,'17'-17'32,"-17"34"-17,-17 36 17,17 35-32,0-17 15,0 17 1,0-70-1,0 17 1,0-17 0,0-1-1,35-17 1,18-17 0,-18-19-1,18-52 1,-18 35-1,-17 18 17,-18 17-17,0 36 17,0 0-32,0 35 0,-18 0 31,18-18-16,0 0-15,18-17 32,35-18-17,-36 0-15,36 0 16,18-36 0,-36-16-1,0 16 1,1-17-1,-19 36 17,-17-1-32,0 36 31,0-1-15,0 19-1,0-1-15,0 0 31,0-17-31,36-1 16,-1-17 0,18 0-1,0 0 1,0-35 0,-36-18-1,19-35 1,-19 17-1,-17 54 17,0-1-32,-35 71 47,17 35-47,18-17 31,0-18-16,36-36-15,16-17 32,19 0-17,-53 0-15,52-70 16,-17 35-16</inkml:trace>
+  <inkml:trace contextRef="#ctx0" brushRef="#br0" timeOffset="42162.26">21378 2293 0,'-17'0'16,"-1"0"-16,18-18 15,0 1 17,18 17-32,17-18 31,0 18-16,-35 18 1,0-1 0,0 19-1,0-19-15,-17 1 16,-19 0 0,19-18-1,-1 0 1,18-18 15,0-17-15,18 17-1,-1 18 1,1 18 0,-18 52-1,0 18 1,-18-17-1,-17-18 17</inkml:trace>
+  <inkml:trace contextRef="#ctx0" brushRef="#br0" timeOffset="42894.52">21837 2099 0,'18'0'0,"-36"0"0,53 0 0,0 0 0,71 0 32,-88 0-32,70-18 15,0 18 1,-17 0 0,-36 0-1,-35 36 1,0-1-1,0 35 1,-17-17 0,17-35-1,-36 106 1,36-19 0,-17 54-16,17-53 15,0 35 16,0-106-31,0 54 16,-18 34 0,0-35-1,-17 36 1,0-36 0,17-18-1,-35-17 1,53-35-16,-70 17 15,34-35 17,-17 18-32,1-18 31,16 0-15,1 0-16,17 0 15,1 0 1,-1-18-1,-17 1 1,0 17-16</inkml:trace>
+  <inkml:trace contextRef="#ctx0" brushRef="#br1" timeOffset="53560.74">758 5521 0,'-17'71'31,"17"-54"-31,35-17 16,18 0 0,0 0-1,-35 0 1,34-17-16,-16-1 16,34-17-1,-34-1-15,-36 19 16,-18-1 15,-88 18-15,18 0-1,53 0-15,-71 18 16,35 35 0,1 52-1,70-52 1,35 18-1,18-36 1,-35-35-16,87 18 16,-34-18 15,-18 0-15,-36-18-1,-17 1 1,-52 17-1,16 0-15,-52 0 0,0 35 32,-53 18-17,70 17 1,18 18 0,53-35-1,0-35-15,53 35 16,35 0-1,-17-53 1,17 0 0,36 0-1,-19-35 1</inkml:trace>
+  <inkml:trace contextRef="#ctx0" brushRef="#br1" timeOffset="54331.37">1623 5803 0,'17'-17'0,"-34"34"15,34-70-15,-17 36 0,-17-36 16,-71 53 0,-1 17-1,1 54 1,35-1-1,18-17 1,35-35-16,0 35 31,35-18-15,36-35 0,-1 0-16,1-35 31,17-36-16,-70 54-15,17-36 0,0 0 16,-35 35 31,0 36-31,0 17-1,0 36 1,0-54-16,0 72 15,18 52 1,-18 0 15,0 53-15,0 70 0,-18-34-1,-17-54 1,-36-70-16,-34-18 15,-19-70 17,-35-36-17,18-105 1,53-1 0,35-70-1,53 53 1,18-18-1,35 53 1,-53 71-16,70-53 16,36-18 15,-18 36-31,-52 52 16</inkml:trace>
+  <inkml:trace contextRef="#ctx0" brushRef="#br1" timeOffset="54559.96">2046 5803 0,'0'0'15,"-18"0"32,18 18-16,0-1-31,-17 19 16</inkml:trace>
+  <inkml:trace contextRef="#ctx0" brushRef="#br1" timeOffset="54743.09">2081 6174 0,'0'17'0,"-17"1"15,-1-18 1,0 0 0,36 0 15</inkml:trace>
+  <inkml:trace contextRef="#ctx0" brushRef="#br1" timeOffset="55381.35">3881 5380 0,'0'0'0,"-18"-18"32,0 18-32,1 53 15,17-35-15,0 70 16,0 106 0,0-18-1,0 18 1,-36-52-1,1 16 1,17-34 0,1-89 15,17-53-15,0-35 15,17-52-31,19-19 15</inkml:trace>
+  <inkml:trace contextRef="#ctx0" brushRef="#br1" timeOffset="56533.25">3916 5397 0,'17'0'0,"-34"0"0,52 0 0,-17 0 31,52 0-15,-52 0-16,35 0 15,88 0 1,18 0-16,141 0 31,52 0-15,19 18-1,52-18 1,-17 18 0,-71-18-1,71 0 1,-124 0-1,35 0 1,-70 17 0,-141-17-1,18 0 17,-54 0-32,-35 0 31,1 18-16,-19-18-15,19 0 16,-36 53 0,0 18 15,0 34-15,35-34-1,-35-36-15,0 71 16,0-18-1,0 0 1,0-17 0,0-18 15,0 0-31,0-36 16,0 19-1,0 17 1,-53-18-1,0-17 17,-53-1-32,18-17 31,35 0-31,-141 18 16,0-18-1,-106 0 1,-105 0-1,-54 17 1,71-17 0,-177 36-1,301-36 17,-54 17-32,71 1 15,-17-18 16,193 0-31,-52 0 16,17 18 0,53-18-1,18 0 1,17 0 0,-17 0-1,35-18 16,0 0-15,0-17-16</inkml:trace>
+  <inkml:trace contextRef="#ctx0" brushRef="#br1" timeOffset="57143.19">4322 6015 0,'17'0'0,"-34"0"0,69-18 16,19-17-1,-18 0 1,-18-18-1,-35 17 1,0 1 0,-17 35-16,-54 0 31,-35 18-15,36 17-1,17 36 1,35-36-16,18 18 15,71-18 17,34 0-17,37 18 1,-72-17 0,-70 17-1,-35-18 1,17-18-16,-123 19 15,0-19 1,35-17 0,36 0 15,52-17-31,18-36 16,0 35 15,53 1-16,-18-19 1,36 36-16</inkml:trace>
+  <inkml:trace contextRef="#ctx0" brushRef="#br1" timeOffset="57599.85">4780 6032 0,'0'0'0,"0"-17"0,0 34 32,0 1-17,0 0 1,-18 17 0,1 36-16,17-18 31,53-18-16,-18-18 1,36-17 0,17-17-1,-35-18 1,-36-18 0,1 0-1,-18-18 1,0 53-16,-35-17 15,17 18 1,0 17 15,36 0 1,0 0-32,17 0 15</inkml:trace>
+  <inkml:trace contextRef="#ctx0" brushRef="#br1" timeOffset="58192.54">5327 5821 0,'0'0'0,"0"-18"0,0 1 16,-18 17 0,-17 0-1,35 70 1,0 36-1,0-36 1,0 36 0,0-35-1,0-36 17,0-52 14,0-19-30,0-17 0,0-17-1,71-1 1,-1 36 0,36 35-1,-35 0 1,34 70-1,-87-52-15,0 35 16,-54 18 0,-87 17-1,17-53 1,18-35 0,17 0-1,18 0 16,53-18-31,0 1 16,18-1 15,0 1-31,52-1 16</inkml:trace>
+  <inkml:trace contextRef="#ctx0" brushRef="#br1" timeOffset="58980.8">5997 6032 0,'0'0'0,"-17"0"16,17 18 15,0 0-15,-18 35-1,18 0-15,0 0 32,-18-18-17,1-18 1,-1-17 0,0 0-1,18-35 1,0 18-16,0-36 15,18 0 1,70-36 0,-17 37-1,35 16 1,-53 36 0,-1 88 15,-34-35-16,-18 0 1,0 0 0,0-17-1,-18-36 17,1 0-32,17-36 31,0-34-16,53 17 1,35-18 0,18 18-1,-71 53 1,106 0 0,-53 53-16,-52 18 31,-36 17-16,0-53 1,0-17-16,-36 17 16,19 0-16,-19-35 31,36-17 0,-17-1-15</inkml:trace>
+  <inkml:trace contextRef="#ctx0" brushRef="#br1" timeOffset="59214.01">7003 6015 0,'17'17'47,"-17"-34"-32,-17 17 17,-1 0-17,18-18 17,0 1-17</inkml:trace>
+  <inkml:trace contextRef="#ctx0" brushRef="#br1" timeOffset="59775.9">7056 5962 0,'0'18'62,"-18"17"-46,18-18-16,-18 19 15,-17-19 1,35 54-16,35-36 16,-35-17 15,36 0-15,-19-18-16,18 17 15,18-17 1,-17-17-1,-1-19 1,18-17 0</inkml:trace>
+  <inkml:trace contextRef="#ctx0" brushRef="#br1" timeOffset="60164.18">7056 5750 0,'-18'0'0,"36"0"0,-54 18 0,19-18 15,-19 35 1,19 36 0,17-54-1,53-17 1,-36 0-16,36-35 15,-35 0 1,-1 0 0,-17-1-1,0 1 1,-52 35 0,16 0-1,1 35 16,35 18-15,0-35 0,35-1-16</inkml:trace>
+  <inkml:trace contextRef="#ctx0" brushRef="#br1" timeOffset="60516.95">7514 5786 0,'0'0'0,"0"-18"0,-17 18 47,17 18-47,0 17 16,-36 35-16,36 36 15,0-53 1,0-35 0,-53 88-1,89-89 1,-19 1 0,36-18-1,0 0 1,35-35-1,-35-18 1</inkml:trace>
+  <inkml:trace contextRef="#ctx0" brushRef="#br1" timeOffset="60777.28">7426 5944 0,'35'18'16,"-17"-18"-1,0 0-15,17 0 16,53-18 0,-53 18-16,36 0 15,-18-17 1,-36 17-1</inkml:trace>
+  <inkml:trace contextRef="#ctx0" brushRef="#br1" timeOffset="61432.47">4516 7408 0,'0'0'0,"17"0"0,1 0 16,-89 106 15,-17-71-31,-35 54 16,-19 16-1,37-34 1,-19 52 15,107-105-31,-54 0 16,18-18-1</inkml:trace>
+  <inkml:trace contextRef="#ctx0" brushRef="#br1" timeOffset="61640.51">4233 8096 0,'124'71'31,"-107"-54"-15,1-17 0,17 18-16,-35-36 62,18 18-62</inkml:trace>
+  <inkml:trace contextRef="#ctx0" brushRef="#br1" timeOffset="63141.38">4374 7497 0,'0'0'0,"18"-18"31,0 18-15,-18 18 46,-18-1-62,18 1 0,-18-1 16,1-17-16,-54 53 16,-35 18-1,1-1 1,-19 19-1,18-36 1,0 17 0,36-52-1,52 17 1,1-35 15,34 0-15,36 0-1,18 0 1,-18 18 0,-36-18-1,89 53 1,0-18 0,-18 18-1,-17-18 1,35 0-1,-36-17 1,-17-18 0,-53 18-1,18-18 17,-18-18-1,0-17 0,17 35-31</inkml:trace>
+  <inkml:trace contextRef="#ctx0" brushRef="#br1" timeOffset="64116.77">5609 7761 0,'-35'0'0,"70"0"0,-264 0 16,194 0 0,-71 0-1,88 0-15,-52 0 0,-36 53 32,53 18-17,0 52 1,53-35-1,0 18 1,53-71 0,0-35-1,17 0 1,1-53 0,17-52 15,0-19-16,-17-17 1,-36 35 0,-17-35-1,-1 53 1,-17 35 0,36 141 15,-72 0-16,1 36 1,17-1 0,1-35-1,17 1 1,0-72 0,106 36-16,-36-35 31,-17-18-31,35-53 31,0 0-15,-35-18-1,-53 1 1,0 52 0,0-17-1,-17 35 1,17 88-1,0 0 1,0-35 0,0 0-1,0-35 17,0-36-1,0-35-31,0 36 0</inkml:trace>
+  <inkml:trace contextRef="#ctx0" brushRef="#br1" timeOffset="64300.51">5997 7655 0,'0'0'0,"-17"0"0,-19 0 31,36 18 0,0 0-15,71-18-16,-36 52 15</inkml:trace>
+  <inkml:trace contextRef="#ctx0" brushRef="#br1" timeOffset="64608.62">6244 7673 0,'0'0'0,"35"18"31,-35-1-15,0 1-16,0 35 15,0 17 1,18 18-1,0-17 1,-1 0 0,54-71-1,-106 0 1,35-18 0,35-17-1,-35-1 1</inkml:trace>
+  <inkml:trace contextRef="#ctx0" brushRef="#br1" timeOffset="64848.56">6650 7655 0,'0'0'0,"0"-17"32,-35 34-17,17-17-15,-70 71 16,35-1-1,-18 36 1,36-18 0,35-17-1,-35-53 1,52-36 15</inkml:trace>
+  <inkml:trace contextRef="#ctx0" brushRef="#br1" timeOffset="65532.59">7214 7320 0,'0'0'0,"-17"53"31,17-35-31,0 52 16,0-34-16,17 34 15,19 36 1,34-53-1,18-36 1,18-17 0,0 0-1,-88 0 1,52-17-16,-52-36 31,-18 35-15,-18 18-1,-70 0-15,17 53 16,-17 53 15,53-88-31,-71 105 16,36-17 0,34-18-1,19-35 1,17-35-1,0-1-15,0-34 32</inkml:trace>
+  <inkml:trace contextRef="#ctx0" brushRef="#br1" timeOffset="66341.81">8502 7761 0,'0'0'0,"0"-18"0,70-34 47,-34 34-47,-1-17 0,-17 35 15,35-71 1,-53 18 0,-18 36-1,-88-1 1,36 36-1,-36 34 1,88-16 0,18 17-1,0 0 1,53-1 0,0 1 15,17 36-16,-52-72-15,106 36 0,-160 18 32,-34-1-32,-71-17 15,17-53 17,-35 0-17,124 0-15,-88-35 16,70-18-1,17-35 1,54 35 0,17 35-1,-17-17-15,17 35 16,-17 0 0,70 0-16,-35-18 15</inkml:trace>
+  <inkml:trace contextRef="#ctx0" brushRef="#br1" timeOffset="66824.78">8925 7708 0,'-17'18'46,"-1"-1"-30,-35 36-16,53-17 16,0-19-16,0 71 15,0-17 1,71 0 0,-1-36 15,71-35-16,-70 0-15,17-53 32,-53-35-32,-17 0 31,-18 17-15,-18 0-1,1 54-15,-19-1 16,1 18-1,17 0 1,1 35 0,17 18-1,53-53 1,-36 0 0</inkml:trace>
+  <inkml:trace contextRef="#ctx0" brushRef="#br1" timeOffset="67431.61">9613 7567 0,'0'0'0,"0"-18"0,-17-17 0,-19 0 31,19 17-15,17 36-1,0 52 1,0 36-1,0-18 1,0-52-16,0 87 16,0-52-1,0-1 1,17-34 15,-52-72 0,35 19-31,0-1 16,0-53 0,18-17-1,52 35 1,36-17 0,17 70-1,1 0 1,52 70-1,-176-17 1,-70 18 0,-54-1-1,1-17 1,70-53 0,18 0-1,-54 18 1,72-18-16,-1-35 31,18-1-15,53 19-1,-35-1-15</inkml:trace>
+  <inkml:trace contextRef="#ctx0" brushRef="#br1" timeOffset="68225.07">10301 7708 0,'0'0'0,"35"0"0,-35 18 31,0-1-31,-35 72 31,35-36-15,0-18-1,0 35 1,0-52-16,-18 17 16,1-17 15,-18-53-15,35 17-16,0-35 15,0-17 1,35-1-1,35 0 1,19 19 0,-1 34-1,-35 18 1,0 70 15,-36-17-15,-17 18-16,0-1 15,0-34 17,0-19-17,-17-17-15,-1 0 16,0 0 0,18-35-1,0-18 1,36-35-1,52 0 1,53 17 0,0 71-1,-35 0 1,-36 71 15,-52-1-31,-18-17 31,0-35-31,-35 70 16,-1-35 0,19-35-16,-1-1 31,53-34 0,-17-1-31,17-17 0</inkml:trace>
+  <inkml:trace contextRef="#ctx0" brushRef="#br1" timeOffset="68465.77">11518 7726 0,'0'0'0,"0"17"31,0 1-15,0 0-16,0-1 0,-17 19 15,-1 34 1,18-52 0,-18 17-1,18-53 1,18-34 15</inkml:trace>
+  <inkml:trace contextRef="#ctx0" brushRef="#br1" timeOffset="68829.28">11518 7514 0,'0'18'16,"0"-36"-16,18 36 16,-1-18-1,19-18-15,-36 1 32,0-1-32,-53-35 15,-18 53 16,36 0-15,0 18 0,35 35-1,17-18 1,1-35-16,17 0 16</inkml:trace>
+  <inkml:trace contextRef="#ctx0" brushRef="#br1" timeOffset="69179.44">11924 7391 0,'18'0'16,"-36"0"-16,53 0 0,-52 0 15,34 35 1,-17 18-1,-53 17 1,0 54 0,53-89-16,0 53 15,-53 1 1,36-37 15,34 1-15,72-35-16,-36 0 31,35-54-15,-35-34-16,-36 35 15</inkml:trace>
+  <inkml:trace contextRef="#ctx0" brushRef="#br1" timeOffset="69379.66">11853 7726 0,'36'0'62,"-19"0"-62,1 0 0,35 0 16</inkml:trace>
+  <inkml:trace contextRef="#ctx0" brushRef="#br1" timeOffset="69408.07">12047 7708 0,'-17'-17'16,"34"34"-16,-52-34 0</inkml:trace>
+  <inkml:trace contextRef="#ctx0" brushRef="#br1" timeOffset="70107.53">13123 7461 0,'36'0'16,"-72"0"-16,89-35 0,-35 35 31,-18 35-31,18-35 15,-36 36 1,-106 52 0,-17 0-1,53-35 1,-18 17 15,71-52-15,0 35-16,35-88 15,17-1 1,1 19 15,17 17-15,-17 0-16,52 0 16,54 35-1,-1 0 1,-17-17-1,35 0 1,-35-1 0,-106 1-1,18-18 17,-1-18-17</inkml:trace>
+  <inkml:trace contextRef="#ctx0" brushRef="#br1" timeOffset="70448.81">14199 7232 0,'0'-18'15,"0"36"-15,0-53 0,0-1 16,-17 54-1,-19 53 1,-87 70 0,35 53-1,0-18 1,17-35 15,36-88-31,-71 124 16,18-36-16,88-71 15,0-52 17,0-1-17,35-52 1,18 0-16</inkml:trace>
+  <inkml:trace contextRef="#ctx0" brushRef="#br1" timeOffset="71507.1">14728 7743 0,'0'0'0,"36"-17"15,-36-1-15,0-35 16,0 18 0,-71 17-1,-17 18 1,-18 18 0,106 0-1,-123 52 1,70 1-16,17 17 15,36-18 17,18-17-32,70-35 31,-17-18-31,35-35 31,-18-18-15,-35-18-1,0-35 1,0-35 0,-53-17-1,17 34 1,-17 54 0,-17 52 15,-19 106-16,1 124 1,17-89 0,1 1-1,17-18 1,0-36 15,17-35-15,1-35-16,53 18 15,-1-53 1,1-18 0,-18-18-1,0 1 1,0 17 0,-53 35-1,35 1 1,-70 87-1,35-17 1,0 18 15,0-54-31,0 18 16,17-35 15,1 0-15,17-17-1,-17 17-15</inkml:trace>
+  <inkml:trace contextRef="#ctx0" brushRef="#br1" timeOffset="71781.17">15363 7479 0,'18'0'31,"0"0"-31,17 0 16,-17 18 0,17-54-1,18 19 1,-106-1-1,-18 0 1,36 18 0</inkml:trace>
+  <inkml:trace contextRef="#ctx0" brushRef="#br1" timeOffset="71841.11">15346 7532 0,'0'17'16,"35"36"15,0-17-31</inkml:trace>
+  <inkml:trace contextRef="#ctx0" brushRef="#br1" timeOffset="72178.96">15681 7585 0,'0'-18'0,"0"36"0,18-36 15,-1 36 1,-17 17 0,18-17-16,-18 52 15,18 18 1,-18-17 0,0-18-1,0-18 16,17-35 1,-17-18-17</inkml:trace>
+  <inkml:trace contextRef="#ctx0" brushRef="#br1" timeOffset="72307.17">16140 7567 0,'0'-18'0,"-53"1"15</inkml:trace>
+  <inkml:trace contextRef="#ctx0" brushRef="#br1" timeOffset="72465.14">16016 7585 0,'0'17'16,"0"-34"-16,-18 52 15,-17 18 1,-35 35-1,17-17-15,0-18 32,35-18-17,1-18-15,34-17 32,36-17-17</inkml:trace>
+  <inkml:trace contextRef="#ctx0" brushRef="#br1" timeOffset="73015.7">16475 7197 0,'0'0'0,"0"70"15,0-35 1,0 18 0,53 36-1,-36-54-15,36 18 16,-35-36-16,52 36 15,36-17 1,-35-19 0,-1-17-1,-52 0 1,-18-17 15,-35 17 0,-36 35-15,-35 35 0,0 1-1,71-53-15,-53 52 16,53-52-16,-36 52 16,36-17-1,0-35 1,-1 0-1,-52 17 1</inkml:trace>
+  <inkml:trace contextRef="#ctx0" brushRef="#br1" timeOffset="95604.63">3457 10001 0,'0'0'0,"0"-17"0,35-19 15,-17 19 1,-18-1-16,18-17 31,-18 17-31,17 0 0,-17 1 32,-35 70-1,-18 17-16,-88 54 1,123-89-16,-70 89 16,0 34-1,18-17 1,-1-17 0,36-71-1</inkml:trace>
+  <inkml:trace contextRef="#ctx0" brushRef="#br1" timeOffset="95687.18">3052 10407 0,'17'-18'16,"1"-17"-16</inkml:trace>
+  <inkml:trace contextRef="#ctx0" brushRef="#br1" timeOffset="95872.42">3916 9754 0,'0'0'15,"-18"0"-15,1 0 0,-19 71 16</inkml:trace>
+  <inkml:trace contextRef="#ctx0" brushRef="#br1" timeOffset="96036.99">3598 10089 0,'-17'18'0,"34"-36"0,-52 54 16,-36 52-1,-17 71-15,18-54 32,34 1-17,19-53 1,17-35-1,53-53 17,-36 35-32</inkml:trace>
+  <inkml:trace contextRef="#ctx0" brushRef="#br1" timeOffset="97003.99">3881 9772 0,'0'18'16,"-89"70"15,72-71-31,-19 19 16,-69 52-1,34-18 1,-17 36 0,70-88-1,-35 70 1,0 0-16,18-35 16,17-35 15</inkml:trace>
+  <inkml:trace contextRef="#ctx0" brushRef="#br1" timeOffset="97337.47">4533 10107 0,'0'0'0,"0"-18"16,-17-17 15,-1 35-15,-17-17-16,-18-1 0</inkml:trace>
+  <inkml:trace contextRef="#ctx0" brushRef="#br1" timeOffset="97545.65">4269 10001 0,'0'0'16,"-36"0"-1,19 18-15,-36 35 16,17-18 15,1 36-15,35-18 0,0 35-1,0-53 1,18 0-1,35-35 1,0 0 0,0-53-1</inkml:trace>
+  <inkml:trace contextRef="#ctx0" brushRef="#br1" timeOffset="97739.1">4463 10089 0,'0'-17'0,"17"-1"16,-17 1-16,18-107 31,0 36-31,-1-18 16,-17 53-1,0 71 17,0-1-17,18 54 1,-53-18-1</inkml:trace>
+  <inkml:trace contextRef="#ctx0" brushRef="#br1" timeOffset="98209.37">4410 10037 0,'0'52'16,"0"-104"-16,0 122 0,0-17 15,0-35-15,17 17 16,36 18 0,-17-36-1,16 1 1,19-18-1,-36 0 17,71-35-17,-53 0 1,-18-18 0,-35 35-1,18-35-15,0 35 31,-18 1-15,70-1 0,-52 18-1,-71 71 1,0-36 0,53 18-1,0 35 1,0-70-1,35-1 1,1-17 15,34-17-31,-35-19 32,18-34-32</inkml:trace>
+  <inkml:trace contextRef="#ctx0" brushRef="#br1" timeOffset="98487.75">4974 9895 0,'0'0'0,"18"0"16,-1 0-16,19 0 16,-19 0-1,1 0 1,35-53-16,-53 18 16,-18-18 15</inkml:trace>
+  <inkml:trace contextRef="#ctx0" brushRef="#br1" timeOffset="99058.52">4304 10037 0</inkml:trace>
+  <inkml:trace contextRef="#ctx0" brushRef="#br1" timeOffset="101291.92">4357 10107 0,'0'-18'63,"-18"18"-32,1 0-31,-1 0 15,0 0 1,1 0-16,-19 0 16,1 18-1,0 17 17,-1 36-17,36-53-15,0 34 16,0-16-16,36-1 31,52-35-15,18 0-1</inkml:trace>
+  <inkml:trace contextRef="#ctx0" brushRef="#br1" timeOffset="102170">4992 9807 0,'0'18'62,"0"-1"-62,0 1 0,0 0 0,0-1 32,17-17-17,1 0 1,0 0-1,-1-53-15,-17 18 32,0 0-17,0 17 1,-17 1 0,-1 17 15,18 17-31,-18 19 15,18-19-15,0 18 32,0 18-17,18-35-15</inkml:trace>
+  <inkml:trace contextRef="#ctx0" brushRef="#br1" timeOffset="103004.13">5080 10072 0,'-18'0'15,"1"0"1,-1 0-1,0 0-15,18 17 16,-17 1 0,17 0-16,0 35 15,0 0 1,-18-1 0,18 1-1,35-35 1,18-18-1,0-18 17,18-17-17,-1-18 1,-17 0-16,-17 0 31,-36-17-15,0 35-1,0 17 1,0 0 0,0 36 15,0 17-15,0-17-16,0 52 15,0-17 1,17 0-1,18-18 17,1 1-17,17-36 1,0 0 0,-18 0-1,18-53-15,17 0 16,-52 35-1</inkml:trace>
+  <inkml:trace contextRef="#ctx0" brushRef="#br1" timeOffset="103329.28">5874 9895 0,'0'0'0,"-18"-17"31,0 17-15,18 17-16,0 36 15,-17 18 17,-1-18-17,1 35-15,-1-70 16,-17 35-1,-1 17 1,36-35 0,0-17-1,0-36 17</inkml:trace>
+  <inkml:trace contextRef="#ctx0" brushRef="#br1" timeOffset="104240.01">6738 9331 0,'-18'-18'0,"1"1"31,-1 17-31,18-18 31,35 18-31,54-18 16,16 18-1,-69-17-15,122 17 32,-52 0-17,-70 0 1,-89 17 15,-36-17-31,54 0 16,-18 0-16</inkml:trace>
+  <inkml:trace contextRef="#ctx0" brushRef="#br1" timeOffset="104591.27">6809 9260 0,'0'0'0,"-18"0"0,-17 0 15,-18 18 1,17-18 0,1 53-1,-18 35 1,36 18-1,-19 70 17,-17 18-32,18-17 31,0 17-31,35 0 31,0-71-15,53 1-16,35-54 31,35-34-15,19-36-1,-1-53 1,-18-35 0,-70 17-1</inkml:trace>
+  <inkml:trace contextRef="#ctx0" brushRef="#br1" timeOffset="105153.22">7426 9701 0,'0'0'0,"-18"-35"0,-17-18 31,35 36-31,-18 17 16,1 35-1,-19 88 1,19-35 0,-18 89-1,35-54 1,0-52 0,0-53-1,70-18 1,-17 0-1,-35 0-15,35-36 32,0-17-32</inkml:trace>
+  <inkml:trace contextRef="#ctx0" brushRef="#br1" timeOffset="105377.5">7179 9913 0,'0'0'0,"-18"0"16,18 18-1,18-18 1,53 0 0,-54 0-16,89 0 15,-18 0 1,18-36-1</inkml:trace>
+  <inkml:trace contextRef="#ctx0" brushRef="#br1" timeOffset="105788.02">7779 9931 0,'0'17'15,"0"-34"-15,17 34 16,54-17 0,-53 0-16,70-35 15,-35 0 1,0-18 0,-36 18-1,-17-1 1,-70 36-1,52 0-15,-70 18 32,0 35-17,70 35-15,0 0 32,18 0-17,18-52-15,70-19 31,18 1-15,-18-36 0,-17 1-1</inkml:trace>
+  <inkml:trace contextRef="#ctx0" brushRef="#br1" timeOffset="106421.04">8396 9807 0,'0'0'0,"-18"0"0,18-17 0,0-19 16,0 19-1,0-1-15,0 0 16,71-17 0,35 17-16,-18 36 31,0 70-16,-70 18 1,-36-18 0,-70 1-1,0-37 1,35-34 0,53-36 15,35-34-16,53-37 1,-70 54 0,35-36-1,35-34-15,-35 34 32,-35 71-17,-18 18-15,-18-1 16,-35 54-1,18 35 1,17-36 0,18 1-1,0-18 1,88-36 0,-17-17-1,17 0 1,18-52-1,-18-19 1,-35 0 0,-35 36-1</inkml:trace>
+  <inkml:trace contextRef="#ctx0" brushRef="#br1" timeOffset="106693.46">9366 9507 0,'0'0'15,"0"-35"-15,0-18 16,0 18-1,0 70 17,-17 0-32,-1 71 15,0 0 1,1 35 0,-1-17-1,18-36 1,0-35-1,53-53 32,-18-18-47,1-17 16</inkml:trace>
+  <inkml:trace contextRef="#ctx0" brushRef="#br1" timeOffset="106936.79">9190 9754 0,'0'0'16,"-18"0"-16,36 0 31,-1 0-31,36-17 16,53-1-1,18-17 1,-54 17 0,-52 0-1,17 18 1,-35-17-16,18 17 0</inkml:trace>
+  <inkml:trace contextRef="#ctx0" brushRef="#br1" timeOffset="107337.27">10125 9454 0,'0'0'16,"-36"0"15,19 0-31,-1 0 0,1 18 16,-19 35-1,-17 53 1,18 17-16,17-35 16,18 18-1,0-17 1,18-54-1,53-18 17,-18-17-17,35 0 1,-35-35 0,-36 18-16,19-1 0</inkml:trace>
+  <inkml:trace contextRef="#ctx0" brushRef="#br1" timeOffset="107702.84">10442 9437 0,'18'0'0,"-36"0"0,53 0 16,-17 0-1,35 35 1,-18 0 0,-17-17-16,0 70 15,-1 0 1,-17 36 0,-17-18-1,-36-36 1,-18 1-1,53-54-15,-52 19 32,35-36-32,17 0 31,18-18-15</inkml:trace>
+  <inkml:trace contextRef="#ctx0" brushRef="#br1" timeOffset="108235.88">11236 9648 0,'0'-17'31,"18"17"0,-1-18-15,19 18-16,-19 0 0,36 0 31,0-17-15,-35 17-16,-1 0 31,-17 17-15</inkml:trace>
+  <inkml:trace contextRef="#ctx0" brushRef="#br1" timeOffset="108486.42">11183 9825 0,'0'17'32,"18"-17"-32,-1 0 0,36 0 31,0 0-31,35 0 31,-35-17-15,-17-1-16</inkml:trace>
+  <inkml:trace contextRef="#ctx0" brushRef="#br1" timeOffset="109202.86">12188 9190 0,'0'0'0,"-17"0"32,17 17-1,0 1-16,17-18 17,1 0-17,0 0 1,-18-18 0,0-17-1,0 18 1,-36 17-1,1 0 1,0 35 0,17 0-1,18-17 1,0-1 0,0 1-1,18-18 16,17 0-31,-17-35 32,-18 17-32,0 0 15,0 1-15,0-1 16,-18-17 0,-17 35-1,17 53 1,-17 35-1,17 0 17,18-35-17,36-18-15,-1 1 32,-17-36-32</inkml:trace>
+  <inkml:trace contextRef="#ctx0" brushRef="#br1" timeOffset="110140.66">13035 9596 0,'0'-18'0,"0"0"16,0 1 0,0-1-1,35-17-15,-35 17 31,0-17-15,-35 17 0,-35 18-1,-36 0 1,18 53 0,70-53-16,0 35 15,18 18 1,71 0-1,-1-18 1,36 36 0,-18 0 15,-70-54-31,-18 54 0,-53-1 16,-88 1 15,-18-36-31,36-35 15,17 0 17,53-88-17,53 35 1,0-35 0,35 17-1,36 36 1,17 0-1,-70 35-15,70 0 16</inkml:trace>
+  <inkml:trace contextRef="#ctx0" brushRef="#br1" timeOffset="110576.23">13370 9666 0,'0'0'0,"0"-18"0,0 1 16,-17 17 15,-19 53-15,36 17 0,-17 1-1,17 17 1,0-70-16,53 35 15,17-53 1,18 0 0,1-18-1,-19-53 1,-17-17 15,-53 0-15,0 0-16,-35 70 31,-18 1-15,35 17-1</inkml:trace>
+  <inkml:trace contextRef="#ctx0" brushRef="#br1" timeOffset="111170.58">14076 9243 0,'0'0'0,"-18"0"16,1-18-16,-19 18 0,1 18 31,35 52-16,-18-52-15,18 105 0,0 1 32,0-18-17,0 0 1,-17-36 0,17-52-1,-18-18 1,0-18-1,18-17 1,0-53 15,18-18-15,35 35-16,-18 54 0,53-19 31,36 19-15,-36 52-1,18 36 1,-106 34 0,0-34-1,-18-36-15,-105 36 16,-36-18 0,53-36-1,0 1 1,54-18-1,34-35 1,53-36 15,18 53-31</inkml:trace>
+  <inkml:trace contextRef="#ctx0" brushRef="#br1" timeOffset="111973.87">14605 9525 0,'0'18'0,"0"-1"15,0 1-15,0 70 16,0-17-1,-18-1 1,1 1 0,17-54-1,-18 1 1,0-18 0,18-35 15,0-18-31,0-35 15,53-18 17,0 35-17,-35 54-15,70-19 16,-17 36 0,-18 18-1,-18 70 1,0 18-1,-35-35 1,0-54 0,0 54-1,-35-36-15,17-35 32,-17 0-17,35-18 1,0-35-16,35-52 31,36 16-15,52-16-1,1 69 1,-18 36 0,-1 53-1,-87-35-15,17 88 16,-35-18-1,-17 0 1,-19-17 0,1-54 15,0 1-31,17-18 16,18-35-1</inkml:trace>
+  <inkml:trace contextRef="#ctx0" brushRef="#br1" timeOffset="112251.9">15716 9543 0,'0'0'0,"18"0"16,-18 17-1,0 1-15,0 52 16,0 19 0,0-72-1,-18 36 1,1-18 0,17 1-16,0-72 31</inkml:trace>
+  <inkml:trace contextRef="#ctx0" brushRef="#br1" timeOffset="112639.92">15822 9225 0,'0'0'0,"-106"0"31,89 18-15,17 17-16,0 18 16,0-18-1,17-35 1,36 0 15,-18 0-15,18-35-1,-53-18-15,0 0 32,-17 0-17,-1 53-15,-17-17 16,-36 52 0,54 0-1,-1 36 1,18-18-1,18-36-15</inkml:trace>
+  <inkml:trace contextRef="#ctx0" brushRef="#br1" timeOffset="113023.5">16281 9207 0,'0'-17'0,"0"34"0,0-17 47,0 18-47,0 70 16,-36 1-1,-17 34 1,36-88-16,-1 53 15,1 18 1,17-35 0,35-36 15,0-35-15,36 0-16,17-18 31,-18-34-16,-17-19 1,-53 36 0</inkml:trace>
+  <inkml:trace contextRef="#ctx0" brushRef="#br1" timeOffset="113220.19">16122 9560 0,'0'0'15,"-18"0"1,36 0 0,0 0-16,52 0 15,-52 0 1,70-17 0,0-1-1,-35 0-15</inkml:trace>
+  <inkml:trace contextRef="#ctx0" brushRef="#br1" timeOffset="114043.41">16898 9190 0,'0'17'31,"0"1"0,-18-18-15,18-18 15,0 1-31,18 17 16,0-18-16,17 1 31,0 17-31,-17 0 31,-18 17-15,0 1-16,0 35 31,-18-36-15,1 1 0,-1-18-1,18-18 16,0 1-15,18-19 0,17-16-1,0 52 1,0 0 15,-35 17-31,0 36 0,-17 18 31,-54 17-31,36-53 16,0-17 15</inkml:trace>
+  <inkml:trace contextRef="#ctx0" brushRef="#br1" timeOffset="114784.74">17515 8872 0,'18'0'0,"-36"0"0,54 0 0,-19 0 15,72-35 1,-19 17 0,-52 1-16,52-1 15,-34 18 1,-1 0-1,-18 53 1,-17 0 15,0 35-15,0 18-16,0-18 31,0-53-31,0 89 16,0-18-1,0-18 1,0 35 0,-17 1-1,-18-36 1,-18 0 0,0-17-1,0-36 1,18 0-1,17-35 1,-53 0 0,18 0 15,36 0-15,-19 0-16,19 0 31,-1 0-16</inkml:trace>
+  <inkml:trace contextRef="#ctx0" brushRef="#br1" timeOffset="114917.9">17498 10107 0,'-18'0'0,"0"0"15,1 0-15,-1 0 32,1 0-17</inkml:trace>
+  <inkml:trace contextRef="#ctx0" brushRef="#br2" timeOffset="-71595.96">4957 10336 0,'0'-17'0,"0"-1"16</inkml:trace>
+  <inkml:trace contextRef="#ctx0" brushRef="#br2" timeOffset="-71419.32">4833 10936 0,'0'35'16,"0"36"-16</inkml:trace>
+  <inkml:trace contextRef="#ctx0" brushRef="#br2" timeOffset="-70938.43">3757 12541 0,'0'0'15,"18"-17"-15,35-36 16,-36 53-1,1 0 1,-18 17 0,-18 36-1,-35-53 1</inkml:trace>
+  <inkml:trace contextRef="#ctx0" brushRef="#br2" timeOffset="-70119.21">4269 11606 0,'0'0'0,"17"0"0,-17-17 31,-17 17 47</inkml:trace>
+  <inkml:trace contextRef="#ctx0" brushRef="#br2" timeOffset="-68659.7">4410 11659 0,'0'0'0,"17"-35"16,-17 17 15,0 36 0,0 0-31,-35 35 16,-35 52-1,-1 1 1,-35 71 0,-35-19 15,70-69-15,36-72-16,-35 18 15,34-35 1,19-17-1,17-36 1,0-53 0,0 18-1,70-36 1,-52 89 0,52 35-1,-34 18 1,-1 70-1,0-17 17,-17-36-32,17 53 0,0 0 31,36-17-15,17-54-1,0-17 1,54-17-1,-19-36 1,-88 35-16,89-88 16,-54 18-1,-70-88 1,0 70 0,-70-35-1,-54 53 1,-34 52-1,16 36 17,54 71-32,35 35 15,53-18 17,36 53-17,34-88 1,54-18-1,-54-35 1,36 0 0,-53 0-1,0-17 1,-36-1 0,19 18-1</inkml:trace>
+  <inkml:trace contextRef="#ctx0" brushRef="#br2" timeOffset="-68104.48">5027 12171 0,'-18'0'16,"1"-35"-1,-1 17 1,18 0-16,0-17 16,0 0-1,53 35 1,0-18 0,-18 18-1,53 71 1,-70-1-1,0 36 17,-18-18-17,-36-17 1,1-36 0,35-53 15,0-17-31,0-18 31,53-53-15,0 36-1,-53 52-15,53-52 16,-35 70-16,17-36 16,0 36-1,0 0 1,-17 0 15</inkml:trace>
+  <inkml:trace contextRef="#ctx0" brushRef="#br2" timeOffset="-67320.1">5944 12365 0,'0'-18'31,"0"1"-31,18 17 0,17-36 15,0-34 1,-17-1 0,-18 18 15,-35-17-15,-36 34-16,54 36 15,-107 0 1,18 36-16,1 52 31,34-18-15,36 36-1,35 0 1,17-35 0,54-36-1,-1-35 1,36 0-1,-18-35 17,36-18-32,-106 35 15,52-52-15,-17-36 16,-53 18 15,0 35-15,-18 70 15,18 1-31,-35 70 16,17-35-1,18 35 1,0-35 0,36-35-1,17 17 1,0-35-1,17-18 17,-17-17-32,-35 17 15</inkml:trace>
+  <inkml:trace contextRef="#ctx0" brushRef="#br2" timeOffset="-66652.58">6544 12047 0,'0'0'0,"-18"0"32,1 18-17,-19 70 1,19-70-16,-1 70 16,1 0-1,-1-35 1,18-18-1,18-35 17,52 0-1,-52-17-31,35-19 0,0-34 31,17-1-15,-52 54-1,17-1-15,-35 71 47,0 18-31,0-1 0,35-17-1,1-35 1,-19-18-16,54 0 15,-18 0 1,35-36 0,-18-17 15,-52-17-31,-18-54 31,-18 36-15,-34 35-1,-1 36 1,-18 17 0,53 35-1,1 0 1,17-17 0,53-18-1</inkml:trace>
+  <inkml:trace contextRef="#ctx0" brushRef="#br2" timeOffset="-65936.46">7461 11730 0,'0'0'0,"-17"53"32,-1-36-32,18 19 0,-18 87 15,18 1 1,-17 17-1,-1-124 1,0 72-16,1-19 31,17-17-15,0-71 31,0 1-32,0-1-15,0-35 16,0-35 0,53 17-1,17-17 1,1 71 0,-54-1-16,89 18 15,0 53 1,-53 17-1,-35 36 1,-18-53 15,-106 18-15,18-36-16,-18 0 31,18-35-15,35 0-1,17 0 1,1 0 0,35-35-1,0 0 1</inkml:trace>
+  <inkml:trace contextRef="#ctx0" brushRef="#br2" timeOffset="-64971.24">8449 12277 0,'0'-18'0,"18"-17"16,-18 17-16,0-35 31,0-17-15,0 34-1,-36 1 1,1 35-16,17 0 16,-52 0-1,-1 35 1,1 36 0,35-1-1,-1 36 1,36-88-16,0 35 15,0-36-15,0 19 16,36-1 0,-1-35-1,35 0 1,19 0 15,-19-53-15,1 0-16,-18 18 31,-18-36-15,-18 18-1,-17 18 1,0 18 0,-35 52 15,0 18-16,35 35 1,0-35 15,0 0-31,18-36 32,34 1-17,19-18 1,-18 0-1,18-35 1,-54 35-16</inkml:trace>
+  <inkml:trace contextRef="#ctx0" brushRef="#br2" timeOffset="-64638.77">9155 12030 0,'0'0'0,"0"-18"16,-18 18-16,0 0 16,1 0-1,-54 18 1,18 17 0,0 53-1,36-53-15,-1 18 0,18-35 0,-18 70 16,18-17 15,36-36-15,34-17-1,18-18 1,18 0 0,-71 0-16,36-18 15,0-35 1</inkml:trace>
+  <inkml:trace contextRef="#ctx0" brushRef="#br2" timeOffset="-63821.02">9684 11695 0,'-18'0'15,"-17"52"1,17-16 0,18-1-16,-17 89 15,17-19 1,-18 36 0,0-52-1,1-19 1,17-52-16,0-1 15,0 1 1,-18-18 15,18-53-15,0 0 15,18-35-31,-1 70 16,36-52-1,35-1 1,-17 36 0,-1 17-1,-17 18 1,-53 36 0,0-19-16,-35 19 15,-18-1 1,-35-17-1,35-1 1,0-17 0,36 0-1,17-17 1,-18-1 0,0 18 15,18 35-31,0 0 31,18 18-31,-18-35 16,35 35-1,0-18 1,18-17 0,-35-1-1,17 1 1,1-18-1,-1 0 1,18-53 15,0 18-15</inkml:trace>
+  <inkml:trace contextRef="#ctx0" brushRef="#br2" timeOffset="-63203.58">10495 12030 0,'0'0'0,"0"-18"0,0 0 16,0 1 0,0-1-16,0 1 15,-35 17 1,-36 0-1,18 17 1,-17 36 15,52 0-31,1-18 32,-1-35-32,18 36 15,18-1 1,34-35-1,19 17 1,0 19 0,-19-19-1,-16 19 1,-36-19 0,0 1-1,0 17 1,-71-17-1,54-1-15,-19-17 16,19 0-16,-54 0 31,36 0-15,0 0 0,-1 0-1,19 0-15,-1-17 31,18-1-15,-35 18 0,35-17-16</inkml:trace>
+  <inkml:trace contextRef="#ctx0" brushRef="#br2" timeOffset="-61859.51">3475 12841 0,'17'18'0,"-34"-36"0,52 53 16,0-35-1,36 0 1,-53 18-16,35-18 15,52 0 1,36 18 15,-52-18-15,52 0 0,0 17-1,106 1-15,53 0 31,17-1-15,71 1 0,-53-1-1,89 1 1,-54 0 0,106-1-1,-352 1-15,246-18 16,107 18-1,-1-1 1,-106 1 15,177-18-31,-230 18 32,72-18-32,-178 0 31,1 17-31,-89-17 31,-105 0-15,0 0-1,-36 0 48,0 0-48,1 0 1</inkml:trace>
+  <inkml:trace contextRef="#ctx0" brushRef="#br2" timeOffset="-61686.74">10742 13194 0,'-18'0'0,"18"18"16,-17-18-1,-1 0 17,1 0-17,-1 0 1</inkml:trace>
+  <inkml:trace contextRef="#ctx0" brushRef="#br2" timeOffset="-55432.51">6720 13141 0</inkml:trace>
+  <inkml:trace contextRef="#ctx0" brushRef="#br2" timeOffset="-53577.17">1676 13688 0,'0'17'0,"-18"-17"0,18-17 78,0-1-78,0 0 16,0 1-16,0-1 0,18-52 15,-18 17 1,17 17 0,-17 1 15,0 53 0,0 17-15,-17 36-1,-1 70 1,0-35 0,1-1-1,17-52 1,0-35-16,-18 17 16,0-17-1,-34 0 1,-19-18-1,-70 17 1,53-17 0,70 18-1,-52-18-15,34 0 32,72 17-17,-1-17 1,35 0-1,71 0-15,-35 0 32,35 0-17,-52 0 1,-19 0 0,-52 0-1,-18-17 63</inkml:trace>
+  <inkml:trace contextRef="#ctx0" brushRef="#br2" timeOffset="-53349.08">2028 13882 0,'0'-18'16,"0"1"78</inkml:trace>
+  <inkml:trace contextRef="#ctx0" brushRef="#br2" timeOffset="-51089.29">3440 13353 0,'0'-18'15,"0"36"-15,0-54 0,17-52 32,1 71-17,-1 17 1,1 17 0,-18 1-16,0 52 15,0 54 1,-35 17-1,-36 71 1,18-89 0,-52 1 15,52-107-15,17 1-1,1-36 1,17-52-1,18-1 1,0 36-16,0-89 16,0 36-1,0 35 1,18 36 0,17 69-1,-17 19 1,35 35-1,17-18 1,1-35 0,52-18-1,-34-35 1,69-17 0,-52-19 15,0-52-16,-88 0 1,-1-18 0,-17 53-1,0 18 1,-17 35-16,-19 18 16,-16 52-1,16 1 1,36 35-1,0-18 1,18-18 0,52-34 15,19-36-15,-19-18-1,36-35 1,-35 0-1,-1-35 1,-52 70-16,-1-52 16,-17 52-1,0 53 17,-35 18-17,35-35-15,-17 52 16,-1-52-16,0 35 15,18 0 1,-17-35 0,17-36 31,0 0-32,17 1-15,1-36 16,52-18-1,-17 18 1,0 18 0,-17 35-1,-1 35 1,-35 18 0,17 0-1,36 18 1,0-36-1,53-17 1,-18-1 0,-52-17-16,87 0 15,-52-35 1,17-36 0,-53 1 15,0-36-16,-35 18 1,0 52 0,-53 36-1,-17 36 1,17 52 0,35-35-1,1 35 1,17-70-1,17-1 1,19-17 0,17-17-1,-18-19 17,-18-16-17,-17 16 1,18 19-1,-18 34 32,0 1-47,0 0 16,0-1-16,0 71 16,0-17-1,0 52 1,18 1-1,-1 105 1,-17 0 0,0-17-1,0-53 17,-35-89-17,-35-52-15,-19-18 31,-34-70-15,88 52-16,-54-70 16,-16-36-1,69 1 1,36 35 0,0-1-1,53 19 1,-35 35-16,52-18 15,-52 17-15,70-52 16,-70 70-16</inkml:trace>
+  <inkml:trace contextRef="#ctx0" brushRef="#br2" timeOffset="-50807.31">5733 13476 0,'0'0'16,"-18"0"-16,0 18 15,1-1 1,17 1-16,-36 105 16,19 1-1,17-1 1,0-52-1,0-18 1,0-35 0,53-54 15</inkml:trace>
+  <inkml:trace contextRef="#ctx0" brushRef="#br2" timeOffset="-50324.41">6068 13458 0,'0'18'31,"0"0"-31,0 17 0,0-17 16,-18 70-1,0 53 1,18-53-1,0-70-15,-17 52 16,-1-52 0,18-36 31,0-17-32,0-35-15,0 34 16,35-34-1,36-19 1,-18 54-16,35 35 16,-35 71 15,-18 35-15,-35-18-1,0-18 1,-17-34-1,-19-36 1,-16 0 0,16 0-1</inkml:trace>
+  <inkml:trace contextRef="#ctx0" brushRef="#br2" timeOffset="-50104">5468 13670 0,'0'0'0,"53"0"16,-35 0 0,87 0-1,37 0 1,-54 0-1,-53-18-15,71 18 16</inkml:trace>
+  <inkml:trace contextRef="#ctx0" brushRef="#br2" timeOffset="-49104.87">7479 13705 0,'0'0'0,"0"-17"0,-18 17 16,1 0 0,-19 17 15,-17 36-31,18 53 16,17-35-1,18-1 1,18-34-1,35-19 17,-35-17-32,52-17 15,1-36 1,-1-18 0,-70 18-1,0-53 1,-53 36-1,18 52-15,-18 18 16,-17 0 0,52 0-1,18 18 17,35-1-32,124-17 31,-53-17-31,35-19 31,-53-16-15,-53 34-1,-35-17 1,-17 52 15,-1 54-15,1 35-1,17 0 1,0 52 0,0-122-16,0 87 15,0-88-15,0 124 16,0 35 15,-36-70-15,-17 17-1,-52-71 1,34-35-16,36-35 16,-89 0-1,36-17 1,-18-54 0,53-17-1,53 0 1,71-36-1,-36 89-15,89-88 16</inkml:trace>
+  <inkml:trace contextRef="#ctx0" brushRef="#br2" timeOffset="-48707.64">9119 13494 0,'0'0'0,"-17"0"16,17 17 0,-18 1-16,18 70 15,0-70-15,-35 88 16,17 0 15,0-1-15,1-69-1,17-19 1,-18-17 0</inkml:trace>
+  <inkml:trace contextRef="#ctx0" brushRef="#br2" timeOffset="-48040.7">8749 13811 0,'0'0'0,"0"18"16,18-18 0,70 0-1,35 0 1,36-18 0,0-52 15,-142 52-31,54-35 15,-53-35 1,-18 35-16,0 18 31,-18 35-15,0 17 0,18 1-16,-35 53 15,17 52 1,1 1-1,-1-54 1,18 1 0,0-54-1,0 1 1,0-53 15,0-18-15,18 0 15,-1 35-31,19-52 16,-1 52-16,18-17 15,35 35 1,-35 17 0,-35 54-1,-18 17 1,0-35-1,-36 0 1,19-35 0,17-36 15,17-17-15</inkml:trace>
+  <inkml:trace contextRef="#ctx0" brushRef="#br2" timeOffset="-47640.72">9790 13899 0,'17'0'16,"1"0"-16,17 0 15,18-17 1,0-18-1,-18-18 1,-35 0 0,0 35-1,-88 18 1,70 0 0,-70 35-1,18 54-15,52-19 31,18 18-31,18-35 16,70-18 15,18-35-15,0 0 0,-1-52-1,-52 16-15</inkml:trace>
+  <inkml:trace contextRef="#ctx0" brushRef="#br2" timeOffset="-47232.25">11042 13388 0,'18'-35'16,"70"17"0,-53 0-16,89 18 15,34-35 17,-34 35-32,-54 0 31,-52 0-16</inkml:trace>
+  <inkml:trace contextRef="#ctx0" brushRef="#br2" timeOffset="-46939.47">11501 13317 0,'0'0'15,"0"18"-15,-18-18 0,0 53 16,18 0 0,-17 70-1,-1-17 1,-17 18 15,17-54-31,18-17 31,0-35-15,18-18 0,35-53-1,-18 18-15</inkml:trace>
+  <inkml:trace contextRef="#ctx0" brushRef="#br2" timeOffset="-46591.71">11624 13705 0,'18'0'32,"-1"-17"-32,19-1 15,34-35 1,-52 53 0,35-53-1,-36 18 1,-17 17-1,-53 18 1,-35 18-16,71 0 16,-19 35-1,1 35 1,35 0 0,0-17-1,35-36 1,36-18-1,-54-17-15,54 0 16,35-17 0</inkml:trace>
+  <inkml:trace contextRef="#ctx0" brushRef="#br2" timeOffset="-45673.77">12153 13670 0,'0'-18'0,"0"36"0,0-88 31,0 52-15,53 0-1,0 1 1,18 17 0,-54 0-16,18 35 15,-17 18 1,-18 17-1,-35-17 1,-53 18 0,35-53-1,17-1 1,54-34 31,17-19-47,36 1 31,17-53-31,-70 52 16,35-34-1,-18-18 1,-35 52 0,0 19-1,0 34 1,-35 19-1,17-1-15,-17 71 16,17-18 0,18 18-1,18-36 1,52-34 0,19-36 15,34 0-16,-17-71 1,-36 1 0,-17-54-1,-17 18 1,-19-17 0,-17 88-16,18-36 15,-18 53 1,-18 71 15,-17 71-15,35-89-16,-18 53 15,18 36 1,0-36 0,0-35-1,18-18 16,17-35-15,36 0 0,-1-53-1,19-17 1,-72 17 0</inkml:trace>
+  <inkml:trace contextRef="#ctx0" brushRef="#br2" timeOffset="-45473.37">12929 13617 0,'-17'0'0,"34"0"0,-52 0 0,17 0 15,18 18 1,18-18 0,53 0 15,-36 0-31,88 0 15,-17-35 1,-71 35-16</inkml:trace>
+  <inkml:trace contextRef="#ctx0" brushRef="#br2" timeOffset="-45076.89">14323 13741 0,'0'35'31,"0"0"-16,0-17 1,17-36 0,36-17-1</inkml:trace>
+  <inkml:trace contextRef="#ctx0" brushRef="#br2" timeOffset="-44656.9">14887 13705 0,'-35'71'31,"17"-71"-31,1 18 16,-36-1-1,0 1 1,0-18 0,18 0-16,-1 0 31,19-35-15,-19-1-16</inkml:trace>
+  <inkml:trace contextRef="#ctx0" brushRef="#br2" timeOffset="-44125.18">14446 13335 0,'-17'0'31,"-1"0"-15,0 18-16,1-1 15,17 1-15,-36 35 16,1 35-1,35 0 1,-18 0 0,1-35-1,17-35 17,17-36-17,1 1 1,0-1-16</inkml:trace>
+  <inkml:trace contextRef="#ctx0" brushRef="#br2" timeOffset="-43477.03">14905 13423 0,'0'0'15,"-18"0"32,1 0-47,-1 0 16,-17 0-16,17 0 16,-53 0-16,1 35 31,35 1-16,35-19 1,0 1 0,17 0-1,36 17 1,0-17 0,-18 17-1,-17-18 1,17 19-1,-35-1 1,-17 0 0,-36-17-1,0-18 17,0 0-32,18 0 31,-1-35-16,36 17-15,-17-35 16,17 18-16</inkml:trace>
+  <inkml:trace contextRef="#ctx0" brushRef="#br2" timeOffset="-43058.58">14693 13000 0,'0'0'0,"-35"0"16,17 17-16,18 1 31,0 17-16,18-35 17,0 0-32,-1-35 0,1 17 15,-1-17 1,1 0 0,-18 17-1,-88 18 1,35 18-1,0 52 1,35-17 0,36 0-1,0-35 1</inkml:trace>
+  <inkml:trace contextRef="#ctx0" brushRef="#br2" timeOffset="-42191.88">15681 13141 0,'0'0'0,"18"-18"0,-18 1 16,0-1-16,35-17 16,-35 17-16,35 0 15,-35 89 17,0-53-32,0 52 15,0 54 1,-35-1-1,0 18 1,-18-17 0,35-71-1,0-18 1,-17-35 15,17 0-31,18-53 31,0-18-15,36-34-16,17 34 31,70 1-15,-35 34 0,53 36-1,-105 0-15,34 36 16,-17 52-1,-53-18 1,-53 18 0,-70-17 15,105-53-31,-52-18 0,52 17 16,-70-17-16,35 0 31,18 0-16,35-17 17,53-36-17,17 17-15</inkml:trace>
+  <inkml:trace contextRef="#ctx0" brushRef="#br2" timeOffset="-41544.91">16633 13088 0,'0'0'16,"0"-18"-16,-52 18 16,16 18 15,36 0-16,0-1 1,53-17 0,18 0-1,-54 0-15,19-17 16,-1-36 0,-35 17-1,-35 1 1,-54 35-1,19 0 1,-1 71 0,71-18-1,0 17 1,18-34 0</inkml:trace>
+  <inkml:trace contextRef="#ctx0" brushRef="#br2" timeOffset="-40659.22">17251 13511 0,'0'0'16,"0"-17"-16,0-1 0,0 0 0,0-17 15,-18 18 1,-88-1 15,36 18-31,-18 18 16,17 17-1,18 35 1,35 1 0,18-18 15,53-36-15,18-17-1,17-17 1,-17-18-1,-1-18 1,-17-18 0,-53 36-1,18 17 1,-18 36 46,0-1-62,0 19 0,0-19 16,-18 54 0,1 52-1,-1-34 1,0 52 0,1 0-1,-1 53 1,18 35-1,0-70 1,-35 17 0,-18-35-1,0-88 1,-88-17 15,53-36-31,-18-18 31,0-35-31,35 0 16,36-35 15,35 0-15,18-53 0,17 52-16</inkml:trace>
+  <inkml:trace contextRef="#ctx0" brushRef="#br2" timeOffset="-40125.27">16581 13600 0,'0'0'0,"0"-18"15,-18 18 32,0 0-47,1 0 16,-19 35-1,1 18 1,0 35 0,17-35-1,18-35-15,0 17 16,18-17 0,52-18-1,-17-18 1,18-17-1</inkml:trace>
+  <inkml:trace contextRef="#ctx0" brushRef="#br2" timeOffset="-32688.95">1341 15187 0,'0'18'125,"0"-1"-94</inkml:trace>
+  <inkml:trace contextRef="#ctx0" brushRef="#br2" timeOffset="-31928.71">1446 15258 0,'0'-18'62,"0"0"-46,0 1 0,0-1-16,0 0 15,0 1 1,18-1 0,17 18-1,1 0 1,-1 35-1,-35-17-15,35 53 16,-35 34 0,0 1-1,-53 18 1,-17-36 0,-36 0-1,35-35 16,18-53-31,18 0 16,17-35 15,18-18-15,0 18-16,0-36 16,0 53-16,0-70 15,18 35 1,35 18-1,-18 35 1,36 35 0,-36 18-1,18 18 1,0-1 0,-18-34 15,0-1-16,-17-17 1,0-18 0,-1 0 15,1 0-15</inkml:trace>
+  <inkml:trace contextRef="#ctx0" brushRef="#br2" timeOffset="-31642.41">1887 15646 0,'18'0'15,"0"0"1,-36 0 78,0 0-79</inkml:trace>
+  <inkml:trace contextRef="#ctx0" brushRef="#br2" timeOffset="-26657.24">1129 15434 0,'18'0'140,"-1"0"-140,1-18 16,35 18-16,-36 0 0,54-35 16,17 17-1,-17 1 1,-36-1 15,-17 18-31,-36 0 63,0 18-48,-70 17 1,18 0-1,-36 36 1,88-71-16,-35 35 16,36-17-1,-1-1 1,36-17 15,52 0 0,-52 0-31,52-17 0,36-1 32,-35 1-17,-1-1-15,-52 18 32,-36 18-1,-35 34-16,-70 1 1,35 0 0,17-17-1,18-19 1,36 1-16,-1-18 31,36 0 0,-1 0-15,54 0 0,-1-18-1,36 1 1,18-19 0,-72 19-1,-34 17 1,-18 17 15,-35-17-31,0 36 16,17-36-16,-35 35 15,-18-17 1,54-1 0,-1 1 15,36-18 16,-1 0-32,36-18 1,-35 1 0,-18-1-16</inkml:trace>
 </inkml:ink>
 </file>
 
@@ -1707,7 +2601,7 @@
           <p:cNvPr id="2" name="Title 1">
             <a:extLst>
               <a:ext uri="{FF2B5EF4-FFF2-40B4-BE49-F238E27FC236}">
-                <a16:creationId xmlns:a16="http://schemas.microsoft.com/office/drawing/2014/main" id="{AF50A10F-C44F-810E-46AD-8B9F8A8F1BA8}"/>
+                <a16:creationId xmlns:a16="http://schemas.microsoft.com/office/drawing/2014/main" id="{41F20338-4D9A-E809-1F35-9D1A2DF07777}"/>
               </a:ext>
             </a:extLst>
           </p:cNvPr>
@@ -1745,7 +2639,7 @@
           <p:cNvPr id="3" name="Subtitle 2">
             <a:extLst>
               <a:ext uri="{FF2B5EF4-FFF2-40B4-BE49-F238E27FC236}">
-                <a16:creationId xmlns:a16="http://schemas.microsoft.com/office/drawing/2014/main" id="{4FA1D908-2C3A-B86F-05B3-85D0D5F90C96}"/>
+                <a16:creationId xmlns:a16="http://schemas.microsoft.com/office/drawing/2014/main" id="{D332B414-6435-05DB-8E15-85FD4C5E67AB}"/>
               </a:ext>
             </a:extLst>
           </p:cNvPr>
@@ -1816,7 +2710,7 @@
           <p:cNvPr id="4" name="Date Placeholder 3">
             <a:extLst>
               <a:ext uri="{FF2B5EF4-FFF2-40B4-BE49-F238E27FC236}">
-                <a16:creationId xmlns:a16="http://schemas.microsoft.com/office/drawing/2014/main" id="{5D26942C-D754-01F5-16E3-70078C5D2752}"/>
+                <a16:creationId xmlns:a16="http://schemas.microsoft.com/office/drawing/2014/main" id="{6BE35639-D9CD-E0DD-4914-5A1B53B66AC2}"/>
               </a:ext>
             </a:extLst>
           </p:cNvPr>
@@ -1832,9 +2726,9 @@
           <a:bodyPr/>
           <a:lstStyle/>
           <a:p>
-            <a:fld id="{E458FD76-1E78-47AE-B648-C4797F1155D5}" type="datetimeFigureOut">
+            <a:fld id="{6C5224F8-3F0A-4E39-8F23-4454054FD19E}" type="datetimeFigureOut">
               <a:rPr lang="en-IN" smtClean="0"/>
-              <a:t>29-11-2022</a:t>
+              <a:t>30-11-2022</a:t>
             </a:fld>
             <a:endParaRPr lang="en-IN"/>
           </a:p>
@@ -1845,7 +2739,7 @@
           <p:cNvPr id="5" name="Footer Placeholder 4">
             <a:extLst>
               <a:ext uri="{FF2B5EF4-FFF2-40B4-BE49-F238E27FC236}">
-                <a16:creationId xmlns:a16="http://schemas.microsoft.com/office/drawing/2014/main" id="{47FF8426-F7EE-2E78-A073-65D83B59EC27}"/>
+                <a16:creationId xmlns:a16="http://schemas.microsoft.com/office/drawing/2014/main" id="{9E41D556-C053-D72F-9DF3-AD072FC0F481}"/>
               </a:ext>
             </a:extLst>
           </p:cNvPr>
@@ -1870,7 +2764,7 @@
           <p:cNvPr id="6" name="Slide Number Placeholder 5">
             <a:extLst>
               <a:ext uri="{FF2B5EF4-FFF2-40B4-BE49-F238E27FC236}">
-                <a16:creationId xmlns:a16="http://schemas.microsoft.com/office/drawing/2014/main" id="{0C63A55B-F102-A4C7-0384-3689AC45731E}"/>
+                <a16:creationId xmlns:a16="http://schemas.microsoft.com/office/drawing/2014/main" id="{12D9974C-1A90-AEEB-CF18-E05A8393BEDB}"/>
               </a:ext>
             </a:extLst>
           </p:cNvPr>
@@ -1886,7 +2780,7 @@
           <a:bodyPr/>
           <a:lstStyle/>
           <a:p>
-            <a:fld id="{890D8529-823E-4663-9A44-B3BBA401CAFF}" type="slidenum">
+            <a:fld id="{E0560969-1548-4E84-8883-CC41DB1D1734}" type="slidenum">
               <a:rPr lang="en-IN" smtClean="0"/>
               <a:t>‹#›</a:t>
             </a:fld>
@@ -1897,7 +2791,7 @@
     </p:spTree>
     <p:extLst>
       <p:ext uri="{BB962C8B-B14F-4D97-AF65-F5344CB8AC3E}">
-        <p14:creationId xmlns:p14="http://schemas.microsoft.com/office/powerpoint/2010/main" val="357014405"/>
+        <p14:creationId xmlns:p14="http://schemas.microsoft.com/office/powerpoint/2010/main" val="2737630493"/>
       </p:ext>
     </p:extLst>
   </p:cSld>
@@ -1929,7 +2823,7 @@
           <p:cNvPr id="2" name="Title 1">
             <a:extLst>
               <a:ext uri="{FF2B5EF4-FFF2-40B4-BE49-F238E27FC236}">
-                <a16:creationId xmlns:a16="http://schemas.microsoft.com/office/drawing/2014/main" id="{6F76178B-54ED-63F8-5F22-12B95C55110A}"/>
+                <a16:creationId xmlns:a16="http://schemas.microsoft.com/office/drawing/2014/main" id="{6AB5CFFF-C7F8-3884-47B4-8F8B30EE8ABB}"/>
               </a:ext>
             </a:extLst>
           </p:cNvPr>
@@ -1958,7 +2852,7 @@
           <p:cNvPr id="3" name="Vertical Text Placeholder 2">
             <a:extLst>
               <a:ext uri="{FF2B5EF4-FFF2-40B4-BE49-F238E27FC236}">
-                <a16:creationId xmlns:a16="http://schemas.microsoft.com/office/drawing/2014/main" id="{71421CD5-A283-6AFC-F6B8-09C8ED424475}"/>
+                <a16:creationId xmlns:a16="http://schemas.microsoft.com/office/drawing/2014/main" id="{F4A0CCB5-6D01-6DFC-FAD0-74947FB3C72E}"/>
               </a:ext>
             </a:extLst>
           </p:cNvPr>
@@ -2016,7 +2910,7 @@
           <p:cNvPr id="4" name="Date Placeholder 3">
             <a:extLst>
               <a:ext uri="{FF2B5EF4-FFF2-40B4-BE49-F238E27FC236}">
-                <a16:creationId xmlns:a16="http://schemas.microsoft.com/office/drawing/2014/main" id="{20167328-471D-7381-09D9-3703BDE437EF}"/>
+                <a16:creationId xmlns:a16="http://schemas.microsoft.com/office/drawing/2014/main" id="{C9FAE7C4-9352-F173-7B81-9EFC472C9219}"/>
               </a:ext>
             </a:extLst>
           </p:cNvPr>
@@ -2032,9 +2926,9 @@
           <a:bodyPr/>
           <a:lstStyle/>
           <a:p>
-            <a:fld id="{E458FD76-1E78-47AE-B648-C4797F1155D5}" type="datetimeFigureOut">
+            <a:fld id="{6C5224F8-3F0A-4E39-8F23-4454054FD19E}" type="datetimeFigureOut">
               <a:rPr lang="en-IN" smtClean="0"/>
-              <a:t>29-11-2022</a:t>
+              <a:t>30-11-2022</a:t>
             </a:fld>
             <a:endParaRPr lang="en-IN"/>
           </a:p>
@@ -2045,7 +2939,7 @@
           <p:cNvPr id="5" name="Footer Placeholder 4">
             <a:extLst>
               <a:ext uri="{FF2B5EF4-FFF2-40B4-BE49-F238E27FC236}">
-                <a16:creationId xmlns:a16="http://schemas.microsoft.com/office/drawing/2014/main" id="{FC2286AB-81FC-2021-4C2F-D209694ED96A}"/>
+                <a16:creationId xmlns:a16="http://schemas.microsoft.com/office/drawing/2014/main" id="{B5D28905-A22D-3675-66F7-4AE1BAF0005E}"/>
               </a:ext>
             </a:extLst>
           </p:cNvPr>
@@ -2070,7 +2964,7 @@
           <p:cNvPr id="6" name="Slide Number Placeholder 5">
             <a:extLst>
               <a:ext uri="{FF2B5EF4-FFF2-40B4-BE49-F238E27FC236}">
-                <a16:creationId xmlns:a16="http://schemas.microsoft.com/office/drawing/2014/main" id="{DAF43895-34DA-B063-48C9-348034CC6A1C}"/>
+                <a16:creationId xmlns:a16="http://schemas.microsoft.com/office/drawing/2014/main" id="{864B915D-1EB6-F39F-811A-CE6FC4D9FBB6}"/>
               </a:ext>
             </a:extLst>
           </p:cNvPr>
@@ -2086,7 +2980,7 @@
           <a:bodyPr/>
           <a:lstStyle/>
           <a:p>
-            <a:fld id="{890D8529-823E-4663-9A44-B3BBA401CAFF}" type="slidenum">
+            <a:fld id="{E0560969-1548-4E84-8883-CC41DB1D1734}" type="slidenum">
               <a:rPr lang="en-IN" smtClean="0"/>
               <a:t>‹#›</a:t>
             </a:fld>
@@ -2097,7 +2991,7 @@
     </p:spTree>
     <p:extLst>
       <p:ext uri="{BB962C8B-B14F-4D97-AF65-F5344CB8AC3E}">
-        <p14:creationId xmlns:p14="http://schemas.microsoft.com/office/powerpoint/2010/main" val="2785873823"/>
+        <p14:creationId xmlns:p14="http://schemas.microsoft.com/office/powerpoint/2010/main" val="1625023864"/>
       </p:ext>
     </p:extLst>
   </p:cSld>
@@ -2129,7 +3023,7 @@
           <p:cNvPr id="2" name="Vertical Title 1">
             <a:extLst>
               <a:ext uri="{FF2B5EF4-FFF2-40B4-BE49-F238E27FC236}">
-                <a16:creationId xmlns:a16="http://schemas.microsoft.com/office/drawing/2014/main" id="{C5D9A4E9-E32A-63BF-83E4-471301A4F102}"/>
+                <a16:creationId xmlns:a16="http://schemas.microsoft.com/office/drawing/2014/main" id="{63CFDEC4-DC84-F4BD-FC9E-7A7BA2558DC3}"/>
               </a:ext>
             </a:extLst>
           </p:cNvPr>
@@ -2163,7 +3057,7 @@
           <p:cNvPr id="3" name="Vertical Text Placeholder 2">
             <a:extLst>
               <a:ext uri="{FF2B5EF4-FFF2-40B4-BE49-F238E27FC236}">
-                <a16:creationId xmlns:a16="http://schemas.microsoft.com/office/drawing/2014/main" id="{F5DCDABF-D197-9B85-1C29-1729BA8E8CDE}"/>
+                <a16:creationId xmlns:a16="http://schemas.microsoft.com/office/drawing/2014/main" id="{474CEEFC-DED3-A747-65C1-CBC101658F57}"/>
               </a:ext>
             </a:extLst>
           </p:cNvPr>
@@ -2226,7 +3120,7 @@
           <p:cNvPr id="4" name="Date Placeholder 3">
             <a:extLst>
               <a:ext uri="{FF2B5EF4-FFF2-40B4-BE49-F238E27FC236}">
-                <a16:creationId xmlns:a16="http://schemas.microsoft.com/office/drawing/2014/main" id="{ECD76A36-8D00-0002-3116-567CDC5245AD}"/>
+                <a16:creationId xmlns:a16="http://schemas.microsoft.com/office/drawing/2014/main" id="{2006860E-B5AE-725E-9807-50161797A266}"/>
               </a:ext>
             </a:extLst>
           </p:cNvPr>
@@ -2242,9 +3136,9 @@
           <a:bodyPr/>
           <a:lstStyle/>
           <a:p>
-            <a:fld id="{E458FD76-1E78-47AE-B648-C4797F1155D5}" type="datetimeFigureOut">
+            <a:fld id="{6C5224F8-3F0A-4E39-8F23-4454054FD19E}" type="datetimeFigureOut">
               <a:rPr lang="en-IN" smtClean="0"/>
-              <a:t>29-11-2022</a:t>
+              <a:t>30-11-2022</a:t>
             </a:fld>
             <a:endParaRPr lang="en-IN"/>
           </a:p>
@@ -2255,7 +3149,7 @@
           <p:cNvPr id="5" name="Footer Placeholder 4">
             <a:extLst>
               <a:ext uri="{FF2B5EF4-FFF2-40B4-BE49-F238E27FC236}">
-                <a16:creationId xmlns:a16="http://schemas.microsoft.com/office/drawing/2014/main" id="{5072D663-918A-0177-B361-15BBE7DCB63A}"/>
+                <a16:creationId xmlns:a16="http://schemas.microsoft.com/office/drawing/2014/main" id="{175A4003-3A6A-F287-2C7C-C31303FDEAA7}"/>
               </a:ext>
             </a:extLst>
           </p:cNvPr>
@@ -2280,7 +3174,7 @@
           <p:cNvPr id="6" name="Slide Number Placeholder 5">
             <a:extLst>
               <a:ext uri="{FF2B5EF4-FFF2-40B4-BE49-F238E27FC236}">
-                <a16:creationId xmlns:a16="http://schemas.microsoft.com/office/drawing/2014/main" id="{DFB3F44B-2EB4-5A18-EE3D-A0562A27D44F}"/>
+                <a16:creationId xmlns:a16="http://schemas.microsoft.com/office/drawing/2014/main" id="{7F6D2B6E-182D-C13A-1E54-2890A12DF1DA}"/>
               </a:ext>
             </a:extLst>
           </p:cNvPr>
@@ -2296,7 +3190,7 @@
           <a:bodyPr/>
           <a:lstStyle/>
           <a:p>
-            <a:fld id="{890D8529-823E-4663-9A44-B3BBA401CAFF}" type="slidenum">
+            <a:fld id="{E0560969-1548-4E84-8883-CC41DB1D1734}" type="slidenum">
               <a:rPr lang="en-IN" smtClean="0"/>
               <a:t>‹#›</a:t>
             </a:fld>
@@ -2307,7 +3201,7 @@
     </p:spTree>
     <p:extLst>
       <p:ext uri="{BB962C8B-B14F-4D97-AF65-F5344CB8AC3E}">
-        <p14:creationId xmlns:p14="http://schemas.microsoft.com/office/powerpoint/2010/main" val="3155482925"/>
+        <p14:creationId xmlns:p14="http://schemas.microsoft.com/office/powerpoint/2010/main" val="3028736662"/>
       </p:ext>
     </p:extLst>
   </p:cSld>
@@ -2339,7 +3233,7 @@
           <p:cNvPr id="2" name="Title 1">
             <a:extLst>
               <a:ext uri="{FF2B5EF4-FFF2-40B4-BE49-F238E27FC236}">
-                <a16:creationId xmlns:a16="http://schemas.microsoft.com/office/drawing/2014/main" id="{37E7CE29-1EA6-26B6-33C9-2E7A8837B95D}"/>
+                <a16:creationId xmlns:a16="http://schemas.microsoft.com/office/drawing/2014/main" id="{D7DF708A-A4F9-E5B4-0F8E-D180384AA008}"/>
               </a:ext>
             </a:extLst>
           </p:cNvPr>
@@ -2368,7 +3262,7 @@
           <p:cNvPr id="3" name="Content Placeholder 2">
             <a:extLst>
               <a:ext uri="{FF2B5EF4-FFF2-40B4-BE49-F238E27FC236}">
-                <a16:creationId xmlns:a16="http://schemas.microsoft.com/office/drawing/2014/main" id="{E2818021-E036-1FF5-791C-46A1F71D6476}"/>
+                <a16:creationId xmlns:a16="http://schemas.microsoft.com/office/drawing/2014/main" id="{BB29E5D8-8EDC-EF81-2A96-53CEB110F119}"/>
               </a:ext>
             </a:extLst>
           </p:cNvPr>
@@ -2426,7 +3320,7 @@
           <p:cNvPr id="4" name="Date Placeholder 3">
             <a:extLst>
               <a:ext uri="{FF2B5EF4-FFF2-40B4-BE49-F238E27FC236}">
-                <a16:creationId xmlns:a16="http://schemas.microsoft.com/office/drawing/2014/main" id="{78B1081B-4AE3-9DB9-0C88-865ECA04FFD9}"/>
+                <a16:creationId xmlns:a16="http://schemas.microsoft.com/office/drawing/2014/main" id="{30CE3206-EB17-EFEC-CE37-56F34578EEA3}"/>
               </a:ext>
             </a:extLst>
           </p:cNvPr>
@@ -2442,9 +3336,9 @@
           <a:bodyPr/>
           <a:lstStyle/>
           <a:p>
-            <a:fld id="{E458FD76-1E78-47AE-B648-C4797F1155D5}" type="datetimeFigureOut">
+            <a:fld id="{6C5224F8-3F0A-4E39-8F23-4454054FD19E}" type="datetimeFigureOut">
               <a:rPr lang="en-IN" smtClean="0"/>
-              <a:t>29-11-2022</a:t>
+              <a:t>30-11-2022</a:t>
             </a:fld>
             <a:endParaRPr lang="en-IN"/>
           </a:p>
@@ -2455,7 +3349,7 @@
           <p:cNvPr id="5" name="Footer Placeholder 4">
             <a:extLst>
               <a:ext uri="{FF2B5EF4-FFF2-40B4-BE49-F238E27FC236}">
-                <a16:creationId xmlns:a16="http://schemas.microsoft.com/office/drawing/2014/main" id="{B10A1E7C-B60C-D24A-10AA-E991CD3097DC}"/>
+                <a16:creationId xmlns:a16="http://schemas.microsoft.com/office/drawing/2014/main" id="{211E4A74-1BF1-1E28-FAAC-CF533D86F3DC}"/>
               </a:ext>
             </a:extLst>
           </p:cNvPr>
@@ -2480,7 +3374,7 @@
           <p:cNvPr id="6" name="Slide Number Placeholder 5">
             <a:extLst>
               <a:ext uri="{FF2B5EF4-FFF2-40B4-BE49-F238E27FC236}">
-                <a16:creationId xmlns:a16="http://schemas.microsoft.com/office/drawing/2014/main" id="{87818792-E36A-7CAE-C516-BB1E5498629A}"/>
+                <a16:creationId xmlns:a16="http://schemas.microsoft.com/office/drawing/2014/main" id="{44055A49-95A7-B137-885C-5200FA151A44}"/>
               </a:ext>
             </a:extLst>
           </p:cNvPr>
@@ -2496,7 +3390,7 @@
           <a:bodyPr/>
           <a:lstStyle/>
           <a:p>
-            <a:fld id="{890D8529-823E-4663-9A44-B3BBA401CAFF}" type="slidenum">
+            <a:fld id="{E0560969-1548-4E84-8883-CC41DB1D1734}" type="slidenum">
               <a:rPr lang="en-IN" smtClean="0"/>
               <a:t>‹#›</a:t>
             </a:fld>
@@ -2507,7 +3401,7 @@
     </p:spTree>
     <p:extLst>
       <p:ext uri="{BB962C8B-B14F-4D97-AF65-F5344CB8AC3E}">
-        <p14:creationId xmlns:p14="http://schemas.microsoft.com/office/powerpoint/2010/main" val="1187948868"/>
+        <p14:creationId xmlns:p14="http://schemas.microsoft.com/office/powerpoint/2010/main" val="1836372821"/>
       </p:ext>
     </p:extLst>
   </p:cSld>
@@ -2539,7 +3433,7 @@
           <p:cNvPr id="2" name="Title 1">
             <a:extLst>
               <a:ext uri="{FF2B5EF4-FFF2-40B4-BE49-F238E27FC236}">
-                <a16:creationId xmlns:a16="http://schemas.microsoft.com/office/drawing/2014/main" id="{052CDF09-167A-8837-39AC-2238C4C4DEC0}"/>
+                <a16:creationId xmlns:a16="http://schemas.microsoft.com/office/drawing/2014/main" id="{E6369BC7-2E70-C009-333F-6985CF09B8B1}"/>
               </a:ext>
             </a:extLst>
           </p:cNvPr>
@@ -2577,7 +3471,7 @@
           <p:cNvPr id="3" name="Text Placeholder 2">
             <a:extLst>
               <a:ext uri="{FF2B5EF4-FFF2-40B4-BE49-F238E27FC236}">
-                <a16:creationId xmlns:a16="http://schemas.microsoft.com/office/drawing/2014/main" id="{D371F7C5-36E1-07D6-F8C9-316C45A691B3}"/>
+                <a16:creationId xmlns:a16="http://schemas.microsoft.com/office/drawing/2014/main" id="{5319E871-D259-A4DC-1E6B-E76B199E20E0}"/>
               </a:ext>
             </a:extLst>
           </p:cNvPr>
@@ -2702,7 +3596,7 @@
           <p:cNvPr id="4" name="Date Placeholder 3">
             <a:extLst>
               <a:ext uri="{FF2B5EF4-FFF2-40B4-BE49-F238E27FC236}">
-                <a16:creationId xmlns:a16="http://schemas.microsoft.com/office/drawing/2014/main" id="{459AD7CD-7A26-DB52-4077-02A7488642D1}"/>
+                <a16:creationId xmlns:a16="http://schemas.microsoft.com/office/drawing/2014/main" id="{3AE8FF73-B41D-8BA3-0A94-72EE1A663116}"/>
               </a:ext>
             </a:extLst>
           </p:cNvPr>
@@ -2718,9 +3612,9 @@
           <a:bodyPr/>
           <a:lstStyle/>
           <a:p>
-            <a:fld id="{E458FD76-1E78-47AE-B648-C4797F1155D5}" type="datetimeFigureOut">
+            <a:fld id="{6C5224F8-3F0A-4E39-8F23-4454054FD19E}" type="datetimeFigureOut">
               <a:rPr lang="en-IN" smtClean="0"/>
-              <a:t>29-11-2022</a:t>
+              <a:t>30-11-2022</a:t>
             </a:fld>
             <a:endParaRPr lang="en-IN"/>
           </a:p>
@@ -2731,7 +3625,7 @@
           <p:cNvPr id="5" name="Footer Placeholder 4">
             <a:extLst>
               <a:ext uri="{FF2B5EF4-FFF2-40B4-BE49-F238E27FC236}">
-                <a16:creationId xmlns:a16="http://schemas.microsoft.com/office/drawing/2014/main" id="{D6746493-39BB-A66F-E567-703B0EBDB8B9}"/>
+                <a16:creationId xmlns:a16="http://schemas.microsoft.com/office/drawing/2014/main" id="{026336DC-517E-FA85-A6EE-E403120E9C21}"/>
               </a:ext>
             </a:extLst>
           </p:cNvPr>
@@ -2756,7 +3650,7 @@
           <p:cNvPr id="6" name="Slide Number Placeholder 5">
             <a:extLst>
               <a:ext uri="{FF2B5EF4-FFF2-40B4-BE49-F238E27FC236}">
-                <a16:creationId xmlns:a16="http://schemas.microsoft.com/office/drawing/2014/main" id="{356CD0CD-D31E-271B-CCE5-9ECE72A0A9D6}"/>
+                <a16:creationId xmlns:a16="http://schemas.microsoft.com/office/drawing/2014/main" id="{1E76E6B0-37F4-FB5F-E15E-042B691982DE}"/>
               </a:ext>
             </a:extLst>
           </p:cNvPr>
@@ -2772,7 +3666,7 @@
           <a:bodyPr/>
           <a:lstStyle/>
           <a:p>
-            <a:fld id="{890D8529-823E-4663-9A44-B3BBA401CAFF}" type="slidenum">
+            <a:fld id="{E0560969-1548-4E84-8883-CC41DB1D1734}" type="slidenum">
               <a:rPr lang="en-IN" smtClean="0"/>
               <a:t>‹#›</a:t>
             </a:fld>
@@ -2783,7 +3677,7 @@
     </p:spTree>
     <p:extLst>
       <p:ext uri="{BB962C8B-B14F-4D97-AF65-F5344CB8AC3E}">
-        <p14:creationId xmlns:p14="http://schemas.microsoft.com/office/powerpoint/2010/main" val="2418579519"/>
+        <p14:creationId xmlns:p14="http://schemas.microsoft.com/office/powerpoint/2010/main" val="2958869957"/>
       </p:ext>
     </p:extLst>
   </p:cSld>
@@ -2815,7 +3709,7 @@
           <p:cNvPr id="2" name="Title 1">
             <a:extLst>
               <a:ext uri="{FF2B5EF4-FFF2-40B4-BE49-F238E27FC236}">
-                <a16:creationId xmlns:a16="http://schemas.microsoft.com/office/drawing/2014/main" id="{D103B2CF-A570-0E08-8C92-2300FEE9DB8E}"/>
+                <a16:creationId xmlns:a16="http://schemas.microsoft.com/office/drawing/2014/main" id="{E7FB364F-6A12-61A4-F05E-7A74B8989ECB}"/>
               </a:ext>
             </a:extLst>
           </p:cNvPr>
@@ -2844,7 +3738,7 @@
           <p:cNvPr id="3" name="Content Placeholder 2">
             <a:extLst>
               <a:ext uri="{FF2B5EF4-FFF2-40B4-BE49-F238E27FC236}">
-                <a16:creationId xmlns:a16="http://schemas.microsoft.com/office/drawing/2014/main" id="{7641CF94-9266-1602-051E-C877EB8F2E08}"/>
+                <a16:creationId xmlns:a16="http://schemas.microsoft.com/office/drawing/2014/main" id="{2B70989A-A0D8-61E6-BBD0-AB462E4357BD}"/>
               </a:ext>
             </a:extLst>
           </p:cNvPr>
@@ -2907,7 +3801,7 @@
           <p:cNvPr id="4" name="Content Placeholder 3">
             <a:extLst>
               <a:ext uri="{FF2B5EF4-FFF2-40B4-BE49-F238E27FC236}">
-                <a16:creationId xmlns:a16="http://schemas.microsoft.com/office/drawing/2014/main" id="{C7A69B3B-1ABC-AB1B-2DDA-DC8BECD84C52}"/>
+                <a16:creationId xmlns:a16="http://schemas.microsoft.com/office/drawing/2014/main" id="{A926719D-61F4-F281-31F8-F5C34690F9E0}"/>
               </a:ext>
             </a:extLst>
           </p:cNvPr>
@@ -2970,7 +3864,7 @@
           <p:cNvPr id="5" name="Date Placeholder 4">
             <a:extLst>
               <a:ext uri="{FF2B5EF4-FFF2-40B4-BE49-F238E27FC236}">
-                <a16:creationId xmlns:a16="http://schemas.microsoft.com/office/drawing/2014/main" id="{BB0D990E-5B33-085E-EF7F-2F1B36DA4BFA}"/>
+                <a16:creationId xmlns:a16="http://schemas.microsoft.com/office/drawing/2014/main" id="{C851C236-ED4A-1A46-9545-D92FD590EE61}"/>
               </a:ext>
             </a:extLst>
           </p:cNvPr>
@@ -2986,9 +3880,9 @@
           <a:bodyPr/>
           <a:lstStyle/>
           <a:p>
-            <a:fld id="{E458FD76-1E78-47AE-B648-C4797F1155D5}" type="datetimeFigureOut">
+            <a:fld id="{6C5224F8-3F0A-4E39-8F23-4454054FD19E}" type="datetimeFigureOut">
               <a:rPr lang="en-IN" smtClean="0"/>
-              <a:t>29-11-2022</a:t>
+              <a:t>30-11-2022</a:t>
             </a:fld>
             <a:endParaRPr lang="en-IN"/>
           </a:p>
@@ -2999,7 +3893,7 @@
           <p:cNvPr id="6" name="Footer Placeholder 5">
             <a:extLst>
               <a:ext uri="{FF2B5EF4-FFF2-40B4-BE49-F238E27FC236}">
-                <a16:creationId xmlns:a16="http://schemas.microsoft.com/office/drawing/2014/main" id="{AA53A2DB-74D5-FD8E-ACC4-5CE5A6AF3D1D}"/>
+                <a16:creationId xmlns:a16="http://schemas.microsoft.com/office/drawing/2014/main" id="{07DD46CF-5C70-6907-FD21-1A0C48265E14}"/>
               </a:ext>
             </a:extLst>
           </p:cNvPr>
@@ -3024,7 +3918,7 @@
           <p:cNvPr id="7" name="Slide Number Placeholder 6">
             <a:extLst>
               <a:ext uri="{FF2B5EF4-FFF2-40B4-BE49-F238E27FC236}">
-                <a16:creationId xmlns:a16="http://schemas.microsoft.com/office/drawing/2014/main" id="{FBD29CF2-6A9E-5383-5C7C-31B3716C297A}"/>
+                <a16:creationId xmlns:a16="http://schemas.microsoft.com/office/drawing/2014/main" id="{33ABD81B-D13C-29D1-2040-E9FD0428C53B}"/>
               </a:ext>
             </a:extLst>
           </p:cNvPr>
@@ -3040,7 +3934,7 @@
           <a:bodyPr/>
           <a:lstStyle/>
           <a:p>
-            <a:fld id="{890D8529-823E-4663-9A44-B3BBA401CAFF}" type="slidenum">
+            <a:fld id="{E0560969-1548-4E84-8883-CC41DB1D1734}" type="slidenum">
               <a:rPr lang="en-IN" smtClean="0"/>
               <a:t>‹#›</a:t>
             </a:fld>
@@ -3051,7 +3945,7 @@
     </p:spTree>
     <p:extLst>
       <p:ext uri="{BB962C8B-B14F-4D97-AF65-F5344CB8AC3E}">
-        <p14:creationId xmlns:p14="http://schemas.microsoft.com/office/powerpoint/2010/main" val="1598093734"/>
+        <p14:creationId xmlns:p14="http://schemas.microsoft.com/office/powerpoint/2010/main" val="632298133"/>
       </p:ext>
     </p:extLst>
   </p:cSld>
@@ -3083,7 +3977,7 @@
           <p:cNvPr id="2" name="Title 1">
             <a:extLst>
               <a:ext uri="{FF2B5EF4-FFF2-40B4-BE49-F238E27FC236}">
-                <a16:creationId xmlns:a16="http://schemas.microsoft.com/office/drawing/2014/main" id="{513E3884-B692-6E67-CC1F-1021C705B3C6}"/>
+                <a16:creationId xmlns:a16="http://schemas.microsoft.com/office/drawing/2014/main" id="{3A4882A1-9EBC-0C9C-87B2-ADC6A9E7C944}"/>
               </a:ext>
             </a:extLst>
           </p:cNvPr>
@@ -3117,7 +4011,7 @@
           <p:cNvPr id="3" name="Text Placeholder 2">
             <a:extLst>
               <a:ext uri="{FF2B5EF4-FFF2-40B4-BE49-F238E27FC236}">
-                <a16:creationId xmlns:a16="http://schemas.microsoft.com/office/drawing/2014/main" id="{0B796286-9762-F1BC-4ABD-96AD3FB458D5}"/>
+                <a16:creationId xmlns:a16="http://schemas.microsoft.com/office/drawing/2014/main" id="{2E3299E9-C7D9-B2E4-AECC-0C4FCAF3A4D2}"/>
               </a:ext>
             </a:extLst>
           </p:cNvPr>
@@ -3188,7 +4082,7 @@
           <p:cNvPr id="4" name="Content Placeholder 3">
             <a:extLst>
               <a:ext uri="{FF2B5EF4-FFF2-40B4-BE49-F238E27FC236}">
-                <a16:creationId xmlns:a16="http://schemas.microsoft.com/office/drawing/2014/main" id="{56EA3E47-5240-FA47-2576-3BEF43EB1C99}"/>
+                <a16:creationId xmlns:a16="http://schemas.microsoft.com/office/drawing/2014/main" id="{2FD211CF-C7A5-19E1-0E94-444E90A60399}"/>
               </a:ext>
             </a:extLst>
           </p:cNvPr>
@@ -3251,7 +4145,7 @@
           <p:cNvPr id="5" name="Text Placeholder 4">
             <a:extLst>
               <a:ext uri="{FF2B5EF4-FFF2-40B4-BE49-F238E27FC236}">
-                <a16:creationId xmlns:a16="http://schemas.microsoft.com/office/drawing/2014/main" id="{45BFD353-10E7-7D92-EEB7-0C4964396E0E}"/>
+                <a16:creationId xmlns:a16="http://schemas.microsoft.com/office/drawing/2014/main" id="{6208B7F4-14B6-4265-E2D7-EAB0A6C69728}"/>
               </a:ext>
             </a:extLst>
           </p:cNvPr>
@@ -3322,7 +4216,7 @@
           <p:cNvPr id="6" name="Content Placeholder 5">
             <a:extLst>
               <a:ext uri="{FF2B5EF4-FFF2-40B4-BE49-F238E27FC236}">
-                <a16:creationId xmlns:a16="http://schemas.microsoft.com/office/drawing/2014/main" id="{B0B37A50-CC73-72BD-7ADC-4ECCA8C7FE23}"/>
+                <a16:creationId xmlns:a16="http://schemas.microsoft.com/office/drawing/2014/main" id="{BFD28675-7ED1-8A8B-0A7E-7C82B6A30341}"/>
               </a:ext>
             </a:extLst>
           </p:cNvPr>
@@ -3385,7 +4279,7 @@
           <p:cNvPr id="7" name="Date Placeholder 6">
             <a:extLst>
               <a:ext uri="{FF2B5EF4-FFF2-40B4-BE49-F238E27FC236}">
-                <a16:creationId xmlns:a16="http://schemas.microsoft.com/office/drawing/2014/main" id="{1742B1AE-CCA2-79B4-2204-03FA623575E3}"/>
+                <a16:creationId xmlns:a16="http://schemas.microsoft.com/office/drawing/2014/main" id="{B8D99652-49B4-78C6-3B98-28F2CE65562B}"/>
               </a:ext>
             </a:extLst>
           </p:cNvPr>
@@ -3401,9 +4295,9 @@
           <a:bodyPr/>
           <a:lstStyle/>
           <a:p>
-            <a:fld id="{E458FD76-1E78-47AE-B648-C4797F1155D5}" type="datetimeFigureOut">
+            <a:fld id="{6C5224F8-3F0A-4E39-8F23-4454054FD19E}" type="datetimeFigureOut">
               <a:rPr lang="en-IN" smtClean="0"/>
-              <a:t>29-11-2022</a:t>
+              <a:t>30-11-2022</a:t>
             </a:fld>
             <a:endParaRPr lang="en-IN"/>
           </a:p>
@@ -3414,7 +4308,7 @@
           <p:cNvPr id="8" name="Footer Placeholder 7">
             <a:extLst>
               <a:ext uri="{FF2B5EF4-FFF2-40B4-BE49-F238E27FC236}">
-                <a16:creationId xmlns:a16="http://schemas.microsoft.com/office/drawing/2014/main" id="{838094F3-FD6F-DD05-5333-96FA881CF1E0}"/>
+                <a16:creationId xmlns:a16="http://schemas.microsoft.com/office/drawing/2014/main" id="{387E5C64-3914-5D13-4A00-0FE62899CE82}"/>
               </a:ext>
             </a:extLst>
           </p:cNvPr>
@@ -3439,7 +4333,7 @@
           <p:cNvPr id="9" name="Slide Number Placeholder 8">
             <a:extLst>
               <a:ext uri="{FF2B5EF4-FFF2-40B4-BE49-F238E27FC236}">
-                <a16:creationId xmlns:a16="http://schemas.microsoft.com/office/drawing/2014/main" id="{95D79F29-DA4A-2440-7554-5F25549B016B}"/>
+                <a16:creationId xmlns:a16="http://schemas.microsoft.com/office/drawing/2014/main" id="{85E21FC8-190C-7C1A-F434-C7E5AD4F6083}"/>
               </a:ext>
             </a:extLst>
           </p:cNvPr>
@@ -3455,7 +4349,7 @@
           <a:bodyPr/>
           <a:lstStyle/>
           <a:p>
-            <a:fld id="{890D8529-823E-4663-9A44-B3BBA401CAFF}" type="slidenum">
+            <a:fld id="{E0560969-1548-4E84-8883-CC41DB1D1734}" type="slidenum">
               <a:rPr lang="en-IN" smtClean="0"/>
               <a:t>‹#›</a:t>
             </a:fld>
@@ -3466,7 +4360,7 @@
     </p:spTree>
     <p:extLst>
       <p:ext uri="{BB962C8B-B14F-4D97-AF65-F5344CB8AC3E}">
-        <p14:creationId xmlns:p14="http://schemas.microsoft.com/office/powerpoint/2010/main" val="3877046999"/>
+        <p14:creationId xmlns:p14="http://schemas.microsoft.com/office/powerpoint/2010/main" val="2291571263"/>
       </p:ext>
     </p:extLst>
   </p:cSld>
@@ -3498,7 +4392,7 @@
           <p:cNvPr id="2" name="Title 1">
             <a:extLst>
               <a:ext uri="{FF2B5EF4-FFF2-40B4-BE49-F238E27FC236}">
-                <a16:creationId xmlns:a16="http://schemas.microsoft.com/office/drawing/2014/main" id="{D84F97E1-80C7-C0D6-47ED-7C7F353628EA}"/>
+                <a16:creationId xmlns:a16="http://schemas.microsoft.com/office/drawing/2014/main" id="{B60B2AAF-B4B0-5480-7E95-4F45470B1628}"/>
               </a:ext>
             </a:extLst>
           </p:cNvPr>
@@ -3527,7 +4421,7 @@
           <p:cNvPr id="3" name="Date Placeholder 2">
             <a:extLst>
               <a:ext uri="{FF2B5EF4-FFF2-40B4-BE49-F238E27FC236}">
-                <a16:creationId xmlns:a16="http://schemas.microsoft.com/office/drawing/2014/main" id="{64E7C8F1-0FF4-713D-D57B-0EC1B2023CEC}"/>
+                <a16:creationId xmlns:a16="http://schemas.microsoft.com/office/drawing/2014/main" id="{00697AF4-B7D1-ADD9-3ECF-186260CCF83C}"/>
               </a:ext>
             </a:extLst>
           </p:cNvPr>
@@ -3543,9 +4437,9 @@
           <a:bodyPr/>
           <a:lstStyle/>
           <a:p>
-            <a:fld id="{E458FD76-1E78-47AE-B648-C4797F1155D5}" type="datetimeFigureOut">
+            <a:fld id="{6C5224F8-3F0A-4E39-8F23-4454054FD19E}" type="datetimeFigureOut">
               <a:rPr lang="en-IN" smtClean="0"/>
-              <a:t>29-11-2022</a:t>
+              <a:t>30-11-2022</a:t>
             </a:fld>
             <a:endParaRPr lang="en-IN"/>
           </a:p>
@@ -3556,7 +4450,7 @@
           <p:cNvPr id="4" name="Footer Placeholder 3">
             <a:extLst>
               <a:ext uri="{FF2B5EF4-FFF2-40B4-BE49-F238E27FC236}">
-                <a16:creationId xmlns:a16="http://schemas.microsoft.com/office/drawing/2014/main" id="{6E7BC556-45CE-0BC8-398D-4A8A5EE5871A}"/>
+                <a16:creationId xmlns:a16="http://schemas.microsoft.com/office/drawing/2014/main" id="{4F26021C-F53E-9260-6022-BA27B57D547D}"/>
               </a:ext>
             </a:extLst>
           </p:cNvPr>
@@ -3581,7 +4475,7 @@
           <p:cNvPr id="5" name="Slide Number Placeholder 4">
             <a:extLst>
               <a:ext uri="{FF2B5EF4-FFF2-40B4-BE49-F238E27FC236}">
-                <a16:creationId xmlns:a16="http://schemas.microsoft.com/office/drawing/2014/main" id="{81A39C92-6C24-CBF0-9574-AE97FC2E1528}"/>
+                <a16:creationId xmlns:a16="http://schemas.microsoft.com/office/drawing/2014/main" id="{B5B72425-F951-9162-EAB9-2EC42DCA339F}"/>
               </a:ext>
             </a:extLst>
           </p:cNvPr>
@@ -3597,7 +4491,7 @@
           <a:bodyPr/>
           <a:lstStyle/>
           <a:p>
-            <a:fld id="{890D8529-823E-4663-9A44-B3BBA401CAFF}" type="slidenum">
+            <a:fld id="{E0560969-1548-4E84-8883-CC41DB1D1734}" type="slidenum">
               <a:rPr lang="en-IN" smtClean="0"/>
               <a:t>‹#›</a:t>
             </a:fld>
@@ -3608,7 +4502,7 @@
     </p:spTree>
     <p:extLst>
       <p:ext uri="{BB962C8B-B14F-4D97-AF65-F5344CB8AC3E}">
-        <p14:creationId xmlns:p14="http://schemas.microsoft.com/office/powerpoint/2010/main" val="2869130665"/>
+        <p14:creationId xmlns:p14="http://schemas.microsoft.com/office/powerpoint/2010/main" val="1023189596"/>
       </p:ext>
     </p:extLst>
   </p:cSld>
@@ -3640,7 +4534,7 @@
           <p:cNvPr id="2" name="Date Placeholder 1">
             <a:extLst>
               <a:ext uri="{FF2B5EF4-FFF2-40B4-BE49-F238E27FC236}">
-                <a16:creationId xmlns:a16="http://schemas.microsoft.com/office/drawing/2014/main" id="{04ADCA7C-218D-6D70-5E39-06F7A2094B12}"/>
+                <a16:creationId xmlns:a16="http://schemas.microsoft.com/office/drawing/2014/main" id="{66C8424F-BDF8-456C-7EBB-8FB91E67AEEA}"/>
               </a:ext>
             </a:extLst>
           </p:cNvPr>
@@ -3656,9 +4550,9 @@
           <a:bodyPr/>
           <a:lstStyle/>
           <a:p>
-            <a:fld id="{E458FD76-1E78-47AE-B648-C4797F1155D5}" type="datetimeFigureOut">
+            <a:fld id="{6C5224F8-3F0A-4E39-8F23-4454054FD19E}" type="datetimeFigureOut">
               <a:rPr lang="en-IN" smtClean="0"/>
-              <a:t>29-11-2022</a:t>
+              <a:t>30-11-2022</a:t>
             </a:fld>
             <a:endParaRPr lang="en-IN"/>
           </a:p>
@@ -3669,7 +4563,7 @@
           <p:cNvPr id="3" name="Footer Placeholder 2">
             <a:extLst>
               <a:ext uri="{FF2B5EF4-FFF2-40B4-BE49-F238E27FC236}">
-                <a16:creationId xmlns:a16="http://schemas.microsoft.com/office/drawing/2014/main" id="{0710F775-2FE4-FFD0-19DE-BA730ACA92FA}"/>
+                <a16:creationId xmlns:a16="http://schemas.microsoft.com/office/drawing/2014/main" id="{3AF8D9EF-801B-CF15-9B33-B8223FE33FC6}"/>
               </a:ext>
             </a:extLst>
           </p:cNvPr>
@@ -3694,7 +4588,7 @@
           <p:cNvPr id="4" name="Slide Number Placeholder 3">
             <a:extLst>
               <a:ext uri="{FF2B5EF4-FFF2-40B4-BE49-F238E27FC236}">
-                <a16:creationId xmlns:a16="http://schemas.microsoft.com/office/drawing/2014/main" id="{F43F6844-9856-2809-153A-160ED76A7820}"/>
+                <a16:creationId xmlns:a16="http://schemas.microsoft.com/office/drawing/2014/main" id="{B4FD94F5-BF03-D9EE-CF93-032610328ADD}"/>
               </a:ext>
             </a:extLst>
           </p:cNvPr>
@@ -3710,7 +4604,7 @@
           <a:bodyPr/>
           <a:lstStyle/>
           <a:p>
-            <a:fld id="{890D8529-823E-4663-9A44-B3BBA401CAFF}" type="slidenum">
+            <a:fld id="{E0560969-1548-4E84-8883-CC41DB1D1734}" type="slidenum">
               <a:rPr lang="en-IN" smtClean="0"/>
               <a:t>‹#›</a:t>
             </a:fld>
@@ -3721,7 +4615,7 @@
     </p:spTree>
     <p:extLst>
       <p:ext uri="{BB962C8B-B14F-4D97-AF65-F5344CB8AC3E}">
-        <p14:creationId xmlns:p14="http://schemas.microsoft.com/office/powerpoint/2010/main" val="1183432765"/>
+        <p14:creationId xmlns:p14="http://schemas.microsoft.com/office/powerpoint/2010/main" val="21431463"/>
       </p:ext>
     </p:extLst>
   </p:cSld>
@@ -3753,7 +4647,7 @@
           <p:cNvPr id="2" name="Title 1">
             <a:extLst>
               <a:ext uri="{FF2B5EF4-FFF2-40B4-BE49-F238E27FC236}">
-                <a16:creationId xmlns:a16="http://schemas.microsoft.com/office/drawing/2014/main" id="{8303124C-9B1D-5650-90A3-3F0F5A912F15}"/>
+                <a16:creationId xmlns:a16="http://schemas.microsoft.com/office/drawing/2014/main" id="{EA5E8BF7-863B-4CD1-0707-644E77D46AC6}"/>
               </a:ext>
             </a:extLst>
           </p:cNvPr>
@@ -3791,7 +4685,7 @@
           <p:cNvPr id="3" name="Content Placeholder 2">
             <a:extLst>
               <a:ext uri="{FF2B5EF4-FFF2-40B4-BE49-F238E27FC236}">
-                <a16:creationId xmlns:a16="http://schemas.microsoft.com/office/drawing/2014/main" id="{1B5D0A4B-8813-F8A4-44B9-23002193FE21}"/>
+                <a16:creationId xmlns:a16="http://schemas.microsoft.com/office/drawing/2014/main" id="{8C0DF830-032A-3844-9FA1-5F9A45BC96BB}"/>
               </a:ext>
             </a:extLst>
           </p:cNvPr>
@@ -3882,7 +4776,7 @@
           <p:cNvPr id="4" name="Text Placeholder 3">
             <a:extLst>
               <a:ext uri="{FF2B5EF4-FFF2-40B4-BE49-F238E27FC236}">
-                <a16:creationId xmlns:a16="http://schemas.microsoft.com/office/drawing/2014/main" id="{88858380-FB14-F9E2-C6D1-57EEA6C238D4}"/>
+                <a16:creationId xmlns:a16="http://schemas.microsoft.com/office/drawing/2014/main" id="{5AC51A19-E46F-6DF4-CC1E-802A9EE1ECDC}"/>
               </a:ext>
             </a:extLst>
           </p:cNvPr>
@@ -3953,7 +4847,7 @@
           <p:cNvPr id="5" name="Date Placeholder 4">
             <a:extLst>
               <a:ext uri="{FF2B5EF4-FFF2-40B4-BE49-F238E27FC236}">
-                <a16:creationId xmlns:a16="http://schemas.microsoft.com/office/drawing/2014/main" id="{D5809822-4FC8-C222-58EE-38DB8A2DD504}"/>
+                <a16:creationId xmlns:a16="http://schemas.microsoft.com/office/drawing/2014/main" id="{51177AE6-E7CF-F0E4-B22F-4309A2665CC5}"/>
               </a:ext>
             </a:extLst>
           </p:cNvPr>
@@ -3969,9 +4863,9 @@
           <a:bodyPr/>
           <a:lstStyle/>
           <a:p>
-            <a:fld id="{E458FD76-1E78-47AE-B648-C4797F1155D5}" type="datetimeFigureOut">
+            <a:fld id="{6C5224F8-3F0A-4E39-8F23-4454054FD19E}" type="datetimeFigureOut">
               <a:rPr lang="en-IN" smtClean="0"/>
-              <a:t>29-11-2022</a:t>
+              <a:t>30-11-2022</a:t>
             </a:fld>
             <a:endParaRPr lang="en-IN"/>
           </a:p>
@@ -3982,7 +4876,7 @@
           <p:cNvPr id="6" name="Footer Placeholder 5">
             <a:extLst>
               <a:ext uri="{FF2B5EF4-FFF2-40B4-BE49-F238E27FC236}">
-                <a16:creationId xmlns:a16="http://schemas.microsoft.com/office/drawing/2014/main" id="{6884C0F7-2328-45B0-24B6-2DF8D8E49F7B}"/>
+                <a16:creationId xmlns:a16="http://schemas.microsoft.com/office/drawing/2014/main" id="{4C5F920B-35B5-0308-AEFF-0E9449C83B87}"/>
               </a:ext>
             </a:extLst>
           </p:cNvPr>
@@ -4007,7 +4901,7 @@
           <p:cNvPr id="7" name="Slide Number Placeholder 6">
             <a:extLst>
               <a:ext uri="{FF2B5EF4-FFF2-40B4-BE49-F238E27FC236}">
-                <a16:creationId xmlns:a16="http://schemas.microsoft.com/office/drawing/2014/main" id="{62C3B018-E067-174A-2057-E655556744A2}"/>
+                <a16:creationId xmlns:a16="http://schemas.microsoft.com/office/drawing/2014/main" id="{ACB519E7-8310-A32F-FD91-EAABF224F1DB}"/>
               </a:ext>
             </a:extLst>
           </p:cNvPr>
@@ -4023,7 +4917,7 @@
           <a:bodyPr/>
           <a:lstStyle/>
           <a:p>
-            <a:fld id="{890D8529-823E-4663-9A44-B3BBA401CAFF}" type="slidenum">
+            <a:fld id="{E0560969-1548-4E84-8883-CC41DB1D1734}" type="slidenum">
               <a:rPr lang="en-IN" smtClean="0"/>
               <a:t>‹#›</a:t>
             </a:fld>
@@ -4034,7 +4928,7 @@
     </p:spTree>
     <p:extLst>
       <p:ext uri="{BB962C8B-B14F-4D97-AF65-F5344CB8AC3E}">
-        <p14:creationId xmlns:p14="http://schemas.microsoft.com/office/powerpoint/2010/main" val="3307694309"/>
+        <p14:creationId xmlns:p14="http://schemas.microsoft.com/office/powerpoint/2010/main" val="251077727"/>
       </p:ext>
     </p:extLst>
   </p:cSld>
@@ -4066,7 +4960,7 @@
           <p:cNvPr id="2" name="Title 1">
             <a:extLst>
               <a:ext uri="{FF2B5EF4-FFF2-40B4-BE49-F238E27FC236}">
-                <a16:creationId xmlns:a16="http://schemas.microsoft.com/office/drawing/2014/main" id="{1F54F7F1-B3F0-0EB2-C1ED-1441F253E89C}"/>
+                <a16:creationId xmlns:a16="http://schemas.microsoft.com/office/drawing/2014/main" id="{3F9EF99E-3296-DD99-CC6F-EEF6B6E78544}"/>
               </a:ext>
             </a:extLst>
           </p:cNvPr>
@@ -4104,7 +4998,7 @@
           <p:cNvPr id="3" name="Picture Placeholder 2">
             <a:extLst>
               <a:ext uri="{FF2B5EF4-FFF2-40B4-BE49-F238E27FC236}">
-                <a16:creationId xmlns:a16="http://schemas.microsoft.com/office/drawing/2014/main" id="{3EEC5C95-F471-235A-103E-274CB42488A5}"/>
+                <a16:creationId xmlns:a16="http://schemas.microsoft.com/office/drawing/2014/main" id="{4F67819E-FFD5-BF46-3739-6C39CFB9A017}"/>
               </a:ext>
             </a:extLst>
           </p:cNvPr>
@@ -4171,7 +5065,7 @@
           <p:cNvPr id="4" name="Text Placeholder 3">
             <a:extLst>
               <a:ext uri="{FF2B5EF4-FFF2-40B4-BE49-F238E27FC236}">
-                <a16:creationId xmlns:a16="http://schemas.microsoft.com/office/drawing/2014/main" id="{E7300C10-AC1D-ADF4-C05E-557D4CB12435}"/>
+                <a16:creationId xmlns:a16="http://schemas.microsoft.com/office/drawing/2014/main" id="{12FA3F5C-2AA2-925A-AEC1-14AE3C99E04E}"/>
               </a:ext>
             </a:extLst>
           </p:cNvPr>
@@ -4242,7 +5136,7 @@
           <p:cNvPr id="5" name="Date Placeholder 4">
             <a:extLst>
               <a:ext uri="{FF2B5EF4-FFF2-40B4-BE49-F238E27FC236}">
-                <a16:creationId xmlns:a16="http://schemas.microsoft.com/office/drawing/2014/main" id="{D8C356DA-9478-F663-52FA-2C454AA6A9C2}"/>
+                <a16:creationId xmlns:a16="http://schemas.microsoft.com/office/drawing/2014/main" id="{E329F2DA-C22A-FB7A-8103-BDBA03594A1F}"/>
               </a:ext>
             </a:extLst>
           </p:cNvPr>
@@ -4258,9 +5152,9 @@
           <a:bodyPr/>
           <a:lstStyle/>
           <a:p>
-            <a:fld id="{E458FD76-1E78-47AE-B648-C4797F1155D5}" type="datetimeFigureOut">
+            <a:fld id="{6C5224F8-3F0A-4E39-8F23-4454054FD19E}" type="datetimeFigureOut">
               <a:rPr lang="en-IN" smtClean="0"/>
-              <a:t>29-11-2022</a:t>
+              <a:t>30-11-2022</a:t>
             </a:fld>
             <a:endParaRPr lang="en-IN"/>
           </a:p>
@@ -4271,7 +5165,7 @@
           <p:cNvPr id="6" name="Footer Placeholder 5">
             <a:extLst>
               <a:ext uri="{FF2B5EF4-FFF2-40B4-BE49-F238E27FC236}">
-                <a16:creationId xmlns:a16="http://schemas.microsoft.com/office/drawing/2014/main" id="{183D6117-22FE-8D7A-35B3-F68A5D006D6A}"/>
+                <a16:creationId xmlns:a16="http://schemas.microsoft.com/office/drawing/2014/main" id="{DB903199-3A86-A981-E23C-D1D7821185CF}"/>
               </a:ext>
             </a:extLst>
           </p:cNvPr>
@@ -4296,7 +5190,7 @@
           <p:cNvPr id="7" name="Slide Number Placeholder 6">
             <a:extLst>
               <a:ext uri="{FF2B5EF4-FFF2-40B4-BE49-F238E27FC236}">
-                <a16:creationId xmlns:a16="http://schemas.microsoft.com/office/drawing/2014/main" id="{0A129F38-56A5-7DB6-1EFE-A58087963083}"/>
+                <a16:creationId xmlns:a16="http://schemas.microsoft.com/office/drawing/2014/main" id="{C0767054-F2C7-C6B8-F8D9-15D291C00183}"/>
               </a:ext>
             </a:extLst>
           </p:cNvPr>
@@ -4312,7 +5206,7 @@
           <a:bodyPr/>
           <a:lstStyle/>
           <a:p>
-            <a:fld id="{890D8529-823E-4663-9A44-B3BBA401CAFF}" type="slidenum">
+            <a:fld id="{E0560969-1548-4E84-8883-CC41DB1D1734}" type="slidenum">
               <a:rPr lang="en-IN" smtClean="0"/>
               <a:t>‹#›</a:t>
             </a:fld>
@@ -4323,7 +5217,7 @@
     </p:spTree>
     <p:extLst>
       <p:ext uri="{BB962C8B-B14F-4D97-AF65-F5344CB8AC3E}">
-        <p14:creationId xmlns:p14="http://schemas.microsoft.com/office/powerpoint/2010/main" val="1493187050"/>
+        <p14:creationId xmlns:p14="http://schemas.microsoft.com/office/powerpoint/2010/main" val="1931749241"/>
       </p:ext>
     </p:extLst>
   </p:cSld>
@@ -4360,7 +5254,7 @@
           <p:cNvPr id="2" name="Title Placeholder 1">
             <a:extLst>
               <a:ext uri="{FF2B5EF4-FFF2-40B4-BE49-F238E27FC236}">
-                <a16:creationId xmlns:a16="http://schemas.microsoft.com/office/drawing/2014/main" id="{843DE19B-5EBC-95F5-2825-C19957F65C06}"/>
+                <a16:creationId xmlns:a16="http://schemas.microsoft.com/office/drawing/2014/main" id="{6D1E01C4-CE6B-A67B-BDE4-5A573667C147}"/>
               </a:ext>
             </a:extLst>
           </p:cNvPr>
@@ -4399,7 +5293,7 @@
           <p:cNvPr id="3" name="Text Placeholder 2">
             <a:extLst>
               <a:ext uri="{FF2B5EF4-FFF2-40B4-BE49-F238E27FC236}">
-                <a16:creationId xmlns:a16="http://schemas.microsoft.com/office/drawing/2014/main" id="{DD6EB610-009D-54D2-1BAA-D0357795DAFC}"/>
+                <a16:creationId xmlns:a16="http://schemas.microsoft.com/office/drawing/2014/main" id="{8C5FF573-8A0C-CC8A-9965-8BEE2A506AD0}"/>
               </a:ext>
             </a:extLst>
           </p:cNvPr>
@@ -4467,7 +5361,7 @@
           <p:cNvPr id="4" name="Date Placeholder 3">
             <a:extLst>
               <a:ext uri="{FF2B5EF4-FFF2-40B4-BE49-F238E27FC236}">
-                <a16:creationId xmlns:a16="http://schemas.microsoft.com/office/drawing/2014/main" id="{A6C088FD-81EE-E495-5A7B-37615147C7E0}"/>
+                <a16:creationId xmlns:a16="http://schemas.microsoft.com/office/drawing/2014/main" id="{38639FA3-28A0-2240-F41E-8394AE2D934E}"/>
               </a:ext>
             </a:extLst>
           </p:cNvPr>
@@ -4501,9 +5395,9 @@
             </a:lvl1pPr>
           </a:lstStyle>
           <a:p>
-            <a:fld id="{E458FD76-1E78-47AE-B648-C4797F1155D5}" type="datetimeFigureOut">
+            <a:fld id="{6C5224F8-3F0A-4E39-8F23-4454054FD19E}" type="datetimeFigureOut">
               <a:rPr lang="en-IN" smtClean="0"/>
-              <a:t>29-11-2022</a:t>
+              <a:t>30-11-2022</a:t>
             </a:fld>
             <a:endParaRPr lang="en-IN"/>
           </a:p>
@@ -4514,7 +5408,7 @@
           <p:cNvPr id="5" name="Footer Placeholder 4">
             <a:extLst>
               <a:ext uri="{FF2B5EF4-FFF2-40B4-BE49-F238E27FC236}">
-                <a16:creationId xmlns:a16="http://schemas.microsoft.com/office/drawing/2014/main" id="{DA2A3893-EBF5-5F82-559F-D69731FC04FF}"/>
+                <a16:creationId xmlns:a16="http://schemas.microsoft.com/office/drawing/2014/main" id="{DC52EDD8-1686-C43B-D7F6-A64335448FED}"/>
               </a:ext>
             </a:extLst>
           </p:cNvPr>
@@ -4557,7 +5451,7 @@
           <p:cNvPr id="6" name="Slide Number Placeholder 5">
             <a:extLst>
               <a:ext uri="{FF2B5EF4-FFF2-40B4-BE49-F238E27FC236}">
-                <a16:creationId xmlns:a16="http://schemas.microsoft.com/office/drawing/2014/main" id="{B8FBB260-AB46-11B1-7CB1-AFD6C5AA91CA}"/>
+                <a16:creationId xmlns:a16="http://schemas.microsoft.com/office/drawing/2014/main" id="{7994011B-54D0-C236-A6FC-519AFD59510B}"/>
               </a:ext>
             </a:extLst>
           </p:cNvPr>
@@ -4591,7 +5485,7 @@
             </a:lvl1pPr>
           </a:lstStyle>
           <a:p>
-            <a:fld id="{890D8529-823E-4663-9A44-B3BBA401CAFF}" type="slidenum">
+            <a:fld id="{E0560969-1548-4E84-8883-CC41DB1D1734}" type="slidenum">
               <a:rPr lang="en-IN" smtClean="0"/>
               <a:t>‹#›</a:t>
             </a:fld>
@@ -4602,7 +5496,7 @@
     </p:spTree>
     <p:extLst>
       <p:ext uri="{BB962C8B-B14F-4D97-AF65-F5344CB8AC3E}">
-        <p14:creationId xmlns:p14="http://schemas.microsoft.com/office/powerpoint/2010/main" val="2579314398"/>
+        <p14:creationId xmlns:p14="http://schemas.microsoft.com/office/powerpoint/2010/main" val="3393180278"/>
       </p:ext>
     </p:extLst>
   </p:cSld>
@@ -4925,7 +5819,7 @@
           <p:cNvPr id="2" name="Title 1">
             <a:extLst>
               <a:ext uri="{FF2B5EF4-FFF2-40B4-BE49-F238E27FC236}">
-                <a16:creationId xmlns:a16="http://schemas.microsoft.com/office/drawing/2014/main" id="{3FDE6150-2B85-6828-D899-D6E21F4FA60A}"/>
+                <a16:creationId xmlns:a16="http://schemas.microsoft.com/office/drawing/2014/main" id="{6009C9BB-33A7-0254-6309-02739831A292}"/>
               </a:ext>
             </a:extLst>
           </p:cNvPr>
@@ -4950,7 +5844,7 @@
           <p:cNvPr id="3" name="Subtitle 2">
             <a:extLst>
               <a:ext uri="{FF2B5EF4-FFF2-40B4-BE49-F238E27FC236}">
-                <a16:creationId xmlns:a16="http://schemas.microsoft.com/office/drawing/2014/main" id="{00B23554-F774-E74B-515F-15D2E176ED7C}"/>
+                <a16:creationId xmlns:a16="http://schemas.microsoft.com/office/drawing/2014/main" id="{1D1EC7A6-0273-5A38-3B47-BB1B229D0C10}"/>
               </a:ext>
             </a:extLst>
           </p:cNvPr>
@@ -4977,7 +5871,7 @@
               <p14:cNvPr id="4" name="Ink 3">
                 <a:extLst>
                   <a:ext uri="{FF2B5EF4-FFF2-40B4-BE49-F238E27FC236}">
-                    <a16:creationId xmlns:a16="http://schemas.microsoft.com/office/drawing/2014/main" id="{E8FF39B0-9BB4-150E-3032-59CC2A9EE9ED}"/>
+                    <a16:creationId xmlns:a16="http://schemas.microsoft.com/office/drawing/2014/main" id="{50EA71B6-831B-3A61-025E-DFFB7B20C099}"/>
                   </a:ext>
                 </a:extLst>
               </p14:cNvPr>
@@ -4985,8 +5879,8 @@
               <p14:nvPr/>
             </p14:nvContentPartPr>
             <p14:xfrm>
-              <a:off x="260280" y="139680"/>
-              <a:ext cx="7925400" cy="3867480"/>
+              <a:off x="133200" y="82440"/>
+              <a:ext cx="8376120" cy="6090120"/>
             </p14:xfrm>
           </p:contentPart>
         </mc:Choice>
@@ -4996,7 +5890,7 @@
               <p:cNvPr id="4" name="Ink 3">
                 <a:extLst>
                   <a:ext uri="{FF2B5EF4-FFF2-40B4-BE49-F238E27FC236}">
-                    <a16:creationId xmlns:a16="http://schemas.microsoft.com/office/drawing/2014/main" id="{E8FF39B0-9BB4-150E-3032-59CC2A9EE9ED}"/>
+                    <a16:creationId xmlns:a16="http://schemas.microsoft.com/office/drawing/2014/main" id="{50EA71B6-831B-3A61-025E-DFFB7B20C099}"/>
                   </a:ext>
                 </a:extLst>
               </p:cNvPr>
@@ -5011,8 +5905,8 @@
             </p:blipFill>
             <p:spPr>
               <a:xfrm>
-                <a:off x="250920" y="130320"/>
-                <a:ext cx="7944120" cy="3886200"/>
+                <a:off x="123840" y="73080"/>
+                <a:ext cx="8394840" cy="6108840"/>
               </a:xfrm>
               <a:prstGeom prst="rect">
                 <a:avLst/>
@@ -5028,7 +5922,7 @@
               <p14:cNvPr id="5" name="Ink 4">
                 <a:extLst>
                   <a:ext uri="{FF2B5EF4-FFF2-40B4-BE49-F238E27FC236}">
-                    <a16:creationId xmlns:a16="http://schemas.microsoft.com/office/drawing/2014/main" id="{EE8F03FA-A11B-2C57-8CCE-E465F4B48D34}"/>
+                    <a16:creationId xmlns:a16="http://schemas.microsoft.com/office/drawing/2014/main" id="{8D524152-14BB-67D9-65E5-34E2F724ED87}"/>
                   </a:ext>
                 </a:extLst>
               </p14:cNvPr>
@@ -5036,8 +5930,8 @@
               <p14:nvPr/>
             </p14:nvContentPartPr>
             <p14:xfrm>
-              <a:off x="0" y="2419200"/>
-              <a:ext cx="2476800" cy="2235600"/>
+              <a:off x="6496200" y="1593720"/>
+              <a:ext cx="12960" cy="864000"/>
             </p14:xfrm>
           </p:contentPart>
         </mc:Choice>
@@ -5047,7 +5941,7 @@
               <p:cNvPr id="5" name="Ink 4">
                 <a:extLst>
                   <a:ext uri="{FF2B5EF4-FFF2-40B4-BE49-F238E27FC236}">
-                    <a16:creationId xmlns:a16="http://schemas.microsoft.com/office/drawing/2014/main" id="{EE8F03FA-A11B-2C57-8CCE-E465F4B48D34}"/>
+                    <a16:creationId xmlns:a16="http://schemas.microsoft.com/office/drawing/2014/main" id="{8D524152-14BB-67D9-65E5-34E2F724ED87}"/>
                   </a:ext>
                 </a:extLst>
               </p:cNvPr>
@@ -5062,8 +5956,8 @@
             </p:blipFill>
             <p:spPr>
               <a:xfrm>
-                <a:off x="-9360" y="2409840"/>
-                <a:ext cx="2495520" cy="2254320"/>
+                <a:off x="6486840" y="1584360"/>
+                <a:ext cx="31680" cy="882720"/>
               </a:xfrm>
               <a:prstGeom prst="rect">
                 <a:avLst/>
@@ -5075,7 +5969,7 @@
     </p:spTree>
     <p:extLst>
       <p:ext uri="{BB962C8B-B14F-4D97-AF65-F5344CB8AC3E}">
-        <p14:creationId xmlns:p14="http://schemas.microsoft.com/office/powerpoint/2010/main" val="2582386326"/>
+        <p14:creationId xmlns:p14="http://schemas.microsoft.com/office/powerpoint/2010/main" val="3239067468"/>
       </p:ext>
     </p:extLst>
   </p:cSld>
@@ -5107,7 +6001,7 @@
           <p:cNvPr id="2" name="Title 1">
             <a:extLst>
               <a:ext uri="{FF2B5EF4-FFF2-40B4-BE49-F238E27FC236}">
-                <a16:creationId xmlns:a16="http://schemas.microsoft.com/office/drawing/2014/main" id="{3FDE6150-2B85-6828-D899-D6E21F4FA60A}"/>
+                <a16:creationId xmlns:a16="http://schemas.microsoft.com/office/drawing/2014/main" id="{6009C9BB-33A7-0254-6309-02739831A292}"/>
               </a:ext>
             </a:extLst>
           </p:cNvPr>
@@ -5132,7 +6026,7 @@
           <p:cNvPr id="3" name="Subtitle 2">
             <a:extLst>
               <a:ext uri="{FF2B5EF4-FFF2-40B4-BE49-F238E27FC236}">
-                <a16:creationId xmlns:a16="http://schemas.microsoft.com/office/drawing/2014/main" id="{00B23554-F774-E74B-515F-15D2E176ED7C}"/>
+                <a16:creationId xmlns:a16="http://schemas.microsoft.com/office/drawing/2014/main" id="{1D1EC7A6-0273-5A38-3B47-BB1B229D0C10}"/>
               </a:ext>
             </a:extLst>
           </p:cNvPr>
@@ -5159,7 +6053,7 @@
               <p14:cNvPr id="4" name="Ink 3">
                 <a:extLst>
                   <a:ext uri="{FF2B5EF4-FFF2-40B4-BE49-F238E27FC236}">
-                    <a16:creationId xmlns:a16="http://schemas.microsoft.com/office/drawing/2014/main" id="{7342BA3D-E1D5-1DAE-D5DE-7D40D9F8EFE3}"/>
+                    <a16:creationId xmlns:a16="http://schemas.microsoft.com/office/drawing/2014/main" id="{95E04217-C0CD-5AB5-A8C8-99A7E9357995}"/>
                   </a:ext>
                 </a:extLst>
               </p14:cNvPr>
@@ -5167,8 +6061,8 @@
               <p14:nvPr/>
             </p14:nvContentPartPr>
             <p14:xfrm>
-              <a:off x="361800" y="361800"/>
-              <a:ext cx="6960240" cy="2566080"/>
+              <a:off x="0" y="457200"/>
+              <a:ext cx="8007840" cy="4350240"/>
             </p14:xfrm>
           </p:contentPart>
         </mc:Choice>
@@ -5178,7 +6072,7 @@
               <p:cNvPr id="4" name="Ink 3">
                 <a:extLst>
                   <a:ext uri="{FF2B5EF4-FFF2-40B4-BE49-F238E27FC236}">
-                    <a16:creationId xmlns:a16="http://schemas.microsoft.com/office/drawing/2014/main" id="{7342BA3D-E1D5-1DAE-D5DE-7D40D9F8EFE3}"/>
+                    <a16:creationId xmlns:a16="http://schemas.microsoft.com/office/drawing/2014/main" id="{95E04217-C0CD-5AB5-A8C8-99A7E9357995}"/>
                   </a:ext>
                 </a:extLst>
               </p:cNvPr>
@@ -5193,8 +6087,8 @@
             </p:blipFill>
             <p:spPr>
               <a:xfrm>
-                <a:off x="352440" y="352440"/>
-                <a:ext cx="6978960" cy="2584800"/>
+                <a:off x="-9360" y="447840"/>
+                <a:ext cx="8026560" cy="4368960"/>
               </a:xfrm>
               <a:prstGeom prst="rect">
                 <a:avLst/>
@@ -5206,7 +6100,400 @@
     </p:spTree>
     <p:extLst>
       <p:ext uri="{BB962C8B-B14F-4D97-AF65-F5344CB8AC3E}">
-        <p14:creationId xmlns:p14="http://schemas.microsoft.com/office/powerpoint/2010/main" val="2842415943"/>
+        <p14:creationId xmlns:p14="http://schemas.microsoft.com/office/powerpoint/2010/main" val="3291584364"/>
+      </p:ext>
+    </p:extLst>
+  </p:cSld>
+  <p:clrMapOvr>
+    <a:masterClrMapping/>
+  </p:clrMapOvr>
+</p:sld>
+</file>
+
+<file path=ppt/slides/slide11.xml><?xml version="1.0" encoding="utf-8"?>
+<p:sld xmlns:a="http://schemas.openxmlformats.org/drawingml/2006/main" xmlns:r="http://schemas.openxmlformats.org/officeDocument/2006/relationships" xmlns:p="http://schemas.openxmlformats.org/presentationml/2006/main">
+  <p:cSld>
+    <p:spTree>
+      <p:nvGrpSpPr>
+        <p:cNvPr id="1" name=""/>
+        <p:cNvGrpSpPr/>
+        <p:nvPr/>
+      </p:nvGrpSpPr>
+      <p:grpSpPr>
+        <a:xfrm>
+          <a:off x="0" y="0"/>
+          <a:ext cx="0" cy="0"/>
+          <a:chOff x="0" y="0"/>
+          <a:chExt cx="0" cy="0"/>
+        </a:xfrm>
+      </p:grpSpPr>
+      <p:sp>
+        <p:nvSpPr>
+          <p:cNvPr id="2" name="Title 1">
+            <a:extLst>
+              <a:ext uri="{FF2B5EF4-FFF2-40B4-BE49-F238E27FC236}">
+                <a16:creationId xmlns:a16="http://schemas.microsoft.com/office/drawing/2014/main" id="{6009C9BB-33A7-0254-6309-02739831A292}"/>
+              </a:ext>
+            </a:extLst>
+          </p:cNvPr>
+          <p:cNvSpPr>
+            <a:spLocks noGrp="1"/>
+          </p:cNvSpPr>
+          <p:nvPr>
+            <p:ph type="ctrTitle"/>
+          </p:nvPr>
+        </p:nvSpPr>
+        <p:spPr/>
+        <p:txBody>
+          <a:bodyPr/>
+          <a:lstStyle/>
+          <a:p>
+            <a:endParaRPr lang="en-IN"/>
+          </a:p>
+        </p:txBody>
+      </p:sp>
+      <p:sp>
+        <p:nvSpPr>
+          <p:cNvPr id="3" name="Subtitle 2">
+            <a:extLst>
+              <a:ext uri="{FF2B5EF4-FFF2-40B4-BE49-F238E27FC236}">
+                <a16:creationId xmlns:a16="http://schemas.microsoft.com/office/drawing/2014/main" id="{1D1EC7A6-0273-5A38-3B47-BB1B229D0C10}"/>
+              </a:ext>
+            </a:extLst>
+          </p:cNvPr>
+          <p:cNvSpPr>
+            <a:spLocks noGrp="1"/>
+          </p:cNvSpPr>
+          <p:nvPr>
+            <p:ph type="subTitle" idx="1"/>
+          </p:nvPr>
+        </p:nvSpPr>
+        <p:spPr/>
+        <p:txBody>
+          <a:bodyPr/>
+          <a:lstStyle/>
+          <a:p>
+            <a:endParaRPr lang="en-IN"/>
+          </a:p>
+        </p:txBody>
+      </p:sp>
+      <mc:AlternateContent xmlns:mc="http://schemas.openxmlformats.org/markup-compatibility/2006">
+        <mc:Choice xmlns:p14="http://schemas.microsoft.com/office/powerpoint/2010/main" Requires="p14">
+          <p:contentPart p14:bwMode="auto" r:id="rId2">
+            <p14:nvContentPartPr>
+              <p14:cNvPr id="4" name="Ink 3">
+                <a:extLst>
+                  <a:ext uri="{FF2B5EF4-FFF2-40B4-BE49-F238E27FC236}">
+                    <a16:creationId xmlns:a16="http://schemas.microsoft.com/office/drawing/2014/main" id="{88D2F673-F32A-E566-532B-F59CA2277B80}"/>
+                  </a:ext>
+                </a:extLst>
+              </p14:cNvPr>
+              <p14:cNvContentPartPr/>
+              <p14:nvPr/>
+            </p14:nvContentPartPr>
+            <p14:xfrm>
+              <a:off x="228600" y="209520"/>
+              <a:ext cx="7766280" cy="3962880"/>
+            </p14:xfrm>
+          </p:contentPart>
+        </mc:Choice>
+        <mc:Fallback>
+          <p:pic>
+            <p:nvPicPr>
+              <p:cNvPr id="4" name="Ink 3">
+                <a:extLst>
+                  <a:ext uri="{FF2B5EF4-FFF2-40B4-BE49-F238E27FC236}">
+                    <a16:creationId xmlns:a16="http://schemas.microsoft.com/office/drawing/2014/main" id="{88D2F673-F32A-E566-532B-F59CA2277B80}"/>
+                  </a:ext>
+                </a:extLst>
+              </p:cNvPr>
+              <p:cNvPicPr/>
+              <p:nvPr/>
+            </p:nvPicPr>
+            <p:blipFill>
+              <a:blip r:embed="rId3"/>
+              <a:stretch>
+                <a:fillRect/>
+              </a:stretch>
+            </p:blipFill>
+            <p:spPr>
+              <a:xfrm>
+                <a:off x="219240" y="200160"/>
+                <a:ext cx="7785000" cy="3981600"/>
+              </a:xfrm>
+              <a:prstGeom prst="rect">
+                <a:avLst/>
+              </a:prstGeom>
+            </p:spPr>
+          </p:pic>
+        </mc:Fallback>
+      </mc:AlternateContent>
+    </p:spTree>
+    <p:extLst>
+      <p:ext uri="{BB962C8B-B14F-4D97-AF65-F5344CB8AC3E}">
+        <p14:creationId xmlns:p14="http://schemas.microsoft.com/office/powerpoint/2010/main" val="882599042"/>
+      </p:ext>
+    </p:extLst>
+  </p:cSld>
+  <p:clrMapOvr>
+    <a:masterClrMapping/>
+  </p:clrMapOvr>
+</p:sld>
+</file>
+
+<file path=ppt/slides/slide12.xml><?xml version="1.0" encoding="utf-8"?>
+<p:sld xmlns:a="http://schemas.openxmlformats.org/drawingml/2006/main" xmlns:r="http://schemas.openxmlformats.org/officeDocument/2006/relationships" xmlns:p="http://schemas.openxmlformats.org/presentationml/2006/main">
+  <p:cSld>
+    <p:spTree>
+      <p:nvGrpSpPr>
+        <p:cNvPr id="1" name=""/>
+        <p:cNvGrpSpPr/>
+        <p:nvPr/>
+      </p:nvGrpSpPr>
+      <p:grpSpPr>
+        <a:xfrm>
+          <a:off x="0" y="0"/>
+          <a:ext cx="0" cy="0"/>
+          <a:chOff x="0" y="0"/>
+          <a:chExt cx="0" cy="0"/>
+        </a:xfrm>
+      </p:grpSpPr>
+      <p:sp>
+        <p:nvSpPr>
+          <p:cNvPr id="2" name="Title 1">
+            <a:extLst>
+              <a:ext uri="{FF2B5EF4-FFF2-40B4-BE49-F238E27FC236}">
+                <a16:creationId xmlns:a16="http://schemas.microsoft.com/office/drawing/2014/main" id="{6009C9BB-33A7-0254-6309-02739831A292}"/>
+              </a:ext>
+            </a:extLst>
+          </p:cNvPr>
+          <p:cNvSpPr>
+            <a:spLocks noGrp="1"/>
+          </p:cNvSpPr>
+          <p:nvPr>
+            <p:ph type="ctrTitle"/>
+          </p:nvPr>
+        </p:nvSpPr>
+        <p:spPr/>
+        <p:txBody>
+          <a:bodyPr/>
+          <a:lstStyle/>
+          <a:p>
+            <a:endParaRPr lang="en-IN"/>
+          </a:p>
+        </p:txBody>
+      </p:sp>
+      <p:sp>
+        <p:nvSpPr>
+          <p:cNvPr id="3" name="Subtitle 2">
+            <a:extLst>
+              <a:ext uri="{FF2B5EF4-FFF2-40B4-BE49-F238E27FC236}">
+                <a16:creationId xmlns:a16="http://schemas.microsoft.com/office/drawing/2014/main" id="{1D1EC7A6-0273-5A38-3B47-BB1B229D0C10}"/>
+              </a:ext>
+            </a:extLst>
+          </p:cNvPr>
+          <p:cNvSpPr>
+            <a:spLocks noGrp="1"/>
+          </p:cNvSpPr>
+          <p:nvPr>
+            <p:ph type="subTitle" idx="1"/>
+          </p:nvPr>
+        </p:nvSpPr>
+        <p:spPr/>
+        <p:txBody>
+          <a:bodyPr/>
+          <a:lstStyle/>
+          <a:p>
+            <a:endParaRPr lang="en-IN"/>
+          </a:p>
+        </p:txBody>
+      </p:sp>
+      <mc:AlternateContent xmlns:mc="http://schemas.openxmlformats.org/markup-compatibility/2006">
+        <mc:Choice xmlns:p14="http://schemas.microsoft.com/office/powerpoint/2010/main" Requires="p14">
+          <p:contentPart p14:bwMode="auto" r:id="rId2">
+            <p14:nvContentPartPr>
+              <p14:cNvPr id="4" name="Ink 3">
+                <a:extLst>
+                  <a:ext uri="{FF2B5EF4-FFF2-40B4-BE49-F238E27FC236}">
+                    <a16:creationId xmlns:a16="http://schemas.microsoft.com/office/drawing/2014/main" id="{8D9BB6F2-42A0-DE78-9CBB-B3B244B092A3}"/>
+                  </a:ext>
+                </a:extLst>
+              </p14:cNvPr>
+              <p14:cNvContentPartPr/>
+              <p14:nvPr/>
+            </p14:nvContentPartPr>
+            <p14:xfrm>
+              <a:off x="0" y="0"/>
+              <a:ext cx="7766280" cy="5086800"/>
+            </p14:xfrm>
+          </p:contentPart>
+        </mc:Choice>
+        <mc:Fallback>
+          <p:pic>
+            <p:nvPicPr>
+              <p:cNvPr id="4" name="Ink 3">
+                <a:extLst>
+                  <a:ext uri="{FF2B5EF4-FFF2-40B4-BE49-F238E27FC236}">
+                    <a16:creationId xmlns:a16="http://schemas.microsoft.com/office/drawing/2014/main" id="{8D9BB6F2-42A0-DE78-9CBB-B3B244B092A3}"/>
+                  </a:ext>
+                </a:extLst>
+              </p:cNvPr>
+              <p:cNvPicPr/>
+              <p:nvPr/>
+            </p:nvPicPr>
+            <p:blipFill>
+              <a:blip r:embed="rId3"/>
+              <a:stretch>
+                <a:fillRect/>
+              </a:stretch>
+            </p:blipFill>
+            <p:spPr>
+              <a:xfrm>
+                <a:off x="-9360" y="-9360"/>
+                <a:ext cx="7785000" cy="5105520"/>
+              </a:xfrm>
+              <a:prstGeom prst="rect">
+                <a:avLst/>
+              </a:prstGeom>
+            </p:spPr>
+          </p:pic>
+        </mc:Fallback>
+      </mc:AlternateContent>
+    </p:spTree>
+    <p:extLst>
+      <p:ext uri="{BB962C8B-B14F-4D97-AF65-F5344CB8AC3E}">
+        <p14:creationId xmlns:p14="http://schemas.microsoft.com/office/powerpoint/2010/main" val="1486402125"/>
+      </p:ext>
+    </p:extLst>
+  </p:cSld>
+  <p:clrMapOvr>
+    <a:masterClrMapping/>
+  </p:clrMapOvr>
+</p:sld>
+</file>
+
+<file path=ppt/slides/slide13.xml><?xml version="1.0" encoding="utf-8"?>
+<p:sld xmlns:a="http://schemas.openxmlformats.org/drawingml/2006/main" xmlns:r="http://schemas.openxmlformats.org/officeDocument/2006/relationships" xmlns:p="http://schemas.openxmlformats.org/presentationml/2006/main">
+  <p:cSld>
+    <p:spTree>
+      <p:nvGrpSpPr>
+        <p:cNvPr id="1" name=""/>
+        <p:cNvGrpSpPr/>
+        <p:nvPr/>
+      </p:nvGrpSpPr>
+      <p:grpSpPr>
+        <a:xfrm>
+          <a:off x="0" y="0"/>
+          <a:ext cx="0" cy="0"/>
+          <a:chOff x="0" y="0"/>
+          <a:chExt cx="0" cy="0"/>
+        </a:xfrm>
+      </p:grpSpPr>
+      <p:sp>
+        <p:nvSpPr>
+          <p:cNvPr id="2" name="Title 1">
+            <a:extLst>
+              <a:ext uri="{FF2B5EF4-FFF2-40B4-BE49-F238E27FC236}">
+                <a16:creationId xmlns:a16="http://schemas.microsoft.com/office/drawing/2014/main" id="{6009C9BB-33A7-0254-6309-02739831A292}"/>
+              </a:ext>
+            </a:extLst>
+          </p:cNvPr>
+          <p:cNvSpPr>
+            <a:spLocks noGrp="1"/>
+          </p:cNvSpPr>
+          <p:nvPr>
+            <p:ph type="ctrTitle"/>
+          </p:nvPr>
+        </p:nvSpPr>
+        <p:spPr/>
+        <p:txBody>
+          <a:bodyPr/>
+          <a:lstStyle/>
+          <a:p>
+            <a:endParaRPr lang="en-IN"/>
+          </a:p>
+        </p:txBody>
+      </p:sp>
+      <p:sp>
+        <p:nvSpPr>
+          <p:cNvPr id="3" name="Subtitle 2">
+            <a:extLst>
+              <a:ext uri="{FF2B5EF4-FFF2-40B4-BE49-F238E27FC236}">
+                <a16:creationId xmlns:a16="http://schemas.microsoft.com/office/drawing/2014/main" id="{1D1EC7A6-0273-5A38-3B47-BB1B229D0C10}"/>
+              </a:ext>
+            </a:extLst>
+          </p:cNvPr>
+          <p:cNvSpPr>
+            <a:spLocks noGrp="1"/>
+          </p:cNvSpPr>
+          <p:nvPr>
+            <p:ph type="subTitle" idx="1"/>
+          </p:nvPr>
+        </p:nvSpPr>
+        <p:spPr/>
+        <p:txBody>
+          <a:bodyPr/>
+          <a:lstStyle/>
+          <a:p>
+            <a:endParaRPr lang="en-IN"/>
+          </a:p>
+        </p:txBody>
+      </p:sp>
+      <mc:AlternateContent xmlns:mc="http://schemas.openxmlformats.org/markup-compatibility/2006">
+        <mc:Choice xmlns:p14="http://schemas.microsoft.com/office/powerpoint/2010/main" Requires="p14">
+          <p:contentPart p14:bwMode="auto" r:id="rId2">
+            <p14:nvContentPartPr>
+              <p14:cNvPr id="4" name="Ink 3">
+                <a:extLst>
+                  <a:ext uri="{FF2B5EF4-FFF2-40B4-BE49-F238E27FC236}">
+                    <a16:creationId xmlns:a16="http://schemas.microsoft.com/office/drawing/2014/main" id="{AF3FE3D8-30B0-E4FF-625B-F264E3895497}"/>
+                  </a:ext>
+                </a:extLst>
+              </p14:cNvPr>
+              <p14:cNvContentPartPr/>
+              <p14:nvPr/>
+            </p14:nvContentPartPr>
+            <p14:xfrm>
+              <a:off x="0" y="171360"/>
+              <a:ext cx="7455240" cy="4737600"/>
+            </p14:xfrm>
+          </p:contentPart>
+        </mc:Choice>
+        <mc:Fallback>
+          <p:pic>
+            <p:nvPicPr>
+              <p:cNvPr id="4" name="Ink 3">
+                <a:extLst>
+                  <a:ext uri="{FF2B5EF4-FFF2-40B4-BE49-F238E27FC236}">
+                    <a16:creationId xmlns:a16="http://schemas.microsoft.com/office/drawing/2014/main" id="{AF3FE3D8-30B0-E4FF-625B-F264E3895497}"/>
+                  </a:ext>
+                </a:extLst>
+              </p:cNvPr>
+              <p:cNvPicPr/>
+              <p:nvPr/>
+            </p:nvPicPr>
+            <p:blipFill>
+              <a:blip r:embed="rId3"/>
+              <a:stretch>
+                <a:fillRect/>
+              </a:stretch>
+            </p:blipFill>
+            <p:spPr>
+              <a:xfrm>
+                <a:off x="-9360" y="162000"/>
+                <a:ext cx="7473960" cy="4756320"/>
+              </a:xfrm>
+              <a:prstGeom prst="rect">
+                <a:avLst/>
+              </a:prstGeom>
+            </p:spPr>
+          </p:pic>
+        </mc:Fallback>
+      </mc:AlternateContent>
+    </p:spTree>
+    <p:extLst>
+      <p:ext uri="{BB962C8B-B14F-4D97-AF65-F5344CB8AC3E}">
+        <p14:creationId xmlns:p14="http://schemas.microsoft.com/office/powerpoint/2010/main" val="3987979322"/>
       </p:ext>
     </p:extLst>
   </p:cSld>
@@ -5238,7 +6525,7 @@
           <p:cNvPr id="2" name="Title 1">
             <a:extLst>
               <a:ext uri="{FF2B5EF4-FFF2-40B4-BE49-F238E27FC236}">
-                <a16:creationId xmlns:a16="http://schemas.microsoft.com/office/drawing/2014/main" id="{3FDE6150-2B85-6828-D899-D6E21F4FA60A}"/>
+                <a16:creationId xmlns:a16="http://schemas.microsoft.com/office/drawing/2014/main" id="{6009C9BB-33A7-0254-6309-02739831A292}"/>
               </a:ext>
             </a:extLst>
           </p:cNvPr>
@@ -5263,7 +6550,7 @@
           <p:cNvPr id="3" name="Subtitle 2">
             <a:extLst>
               <a:ext uri="{FF2B5EF4-FFF2-40B4-BE49-F238E27FC236}">
-                <a16:creationId xmlns:a16="http://schemas.microsoft.com/office/drawing/2014/main" id="{00B23554-F774-E74B-515F-15D2E176ED7C}"/>
+                <a16:creationId xmlns:a16="http://schemas.microsoft.com/office/drawing/2014/main" id="{1D1EC7A6-0273-5A38-3B47-BB1B229D0C10}"/>
               </a:ext>
             </a:extLst>
           </p:cNvPr>
@@ -5290,7 +6577,7 @@
               <p14:cNvPr id="4" name="Ink 3">
                 <a:extLst>
                   <a:ext uri="{FF2B5EF4-FFF2-40B4-BE49-F238E27FC236}">
-                    <a16:creationId xmlns:a16="http://schemas.microsoft.com/office/drawing/2014/main" id="{4CCD1D4C-E631-2E91-D005-1E50EC95ED66}"/>
+                    <a16:creationId xmlns:a16="http://schemas.microsoft.com/office/drawing/2014/main" id="{81B98794-F633-3D43-6F14-18E021CB6A80}"/>
                   </a:ext>
                 </a:extLst>
               </p14:cNvPr>
@@ -5298,8 +6585,8 @@
               <p14:nvPr/>
             </p14:nvContentPartPr>
             <p14:xfrm>
-              <a:off x="304920" y="196920"/>
-              <a:ext cx="8096400" cy="4045320"/>
+              <a:off x="0" y="146160"/>
+              <a:ext cx="11690640" cy="5359680"/>
             </p14:xfrm>
           </p:contentPart>
         </mc:Choice>
@@ -5309,7 +6596,7 @@
               <p:cNvPr id="4" name="Ink 3">
                 <a:extLst>
                   <a:ext uri="{FF2B5EF4-FFF2-40B4-BE49-F238E27FC236}">
-                    <a16:creationId xmlns:a16="http://schemas.microsoft.com/office/drawing/2014/main" id="{4CCD1D4C-E631-2E91-D005-1E50EC95ED66}"/>
+                    <a16:creationId xmlns:a16="http://schemas.microsoft.com/office/drawing/2014/main" id="{81B98794-F633-3D43-6F14-18E021CB6A80}"/>
                   </a:ext>
                 </a:extLst>
               </p:cNvPr>
@@ -5324,8 +6611,59 @@
             </p:blipFill>
             <p:spPr>
               <a:xfrm>
-                <a:off x="295560" y="187560"/>
-                <a:ext cx="8115120" cy="4064040"/>
+                <a:off x="-9360" y="136800"/>
+                <a:ext cx="11709360" cy="5378400"/>
+              </a:xfrm>
+              <a:prstGeom prst="rect">
+                <a:avLst/>
+              </a:prstGeom>
+            </p:spPr>
+          </p:pic>
+        </mc:Fallback>
+      </mc:AlternateContent>
+      <mc:AlternateContent xmlns:mc="http://schemas.openxmlformats.org/markup-compatibility/2006">
+        <mc:Choice xmlns:p14="http://schemas.microsoft.com/office/powerpoint/2010/main" Requires="p14">
+          <p:contentPart p14:bwMode="auto" r:id="rId4">
+            <p14:nvContentPartPr>
+              <p14:cNvPr id="5" name="Ink 4">
+                <a:extLst>
+                  <a:ext uri="{FF2B5EF4-FFF2-40B4-BE49-F238E27FC236}">
+                    <a16:creationId xmlns:a16="http://schemas.microsoft.com/office/drawing/2014/main" id="{858F285D-467D-2582-4FA0-01CD8D7DE8A4}"/>
+                  </a:ext>
+                </a:extLst>
+              </p14:cNvPr>
+              <p14:cNvContentPartPr/>
+              <p14:nvPr/>
+            </p14:nvContentPartPr>
+            <p14:xfrm>
+              <a:off x="1162080" y="2349360"/>
+              <a:ext cx="10865160" cy="965520"/>
+            </p14:xfrm>
+          </p:contentPart>
+        </mc:Choice>
+        <mc:Fallback>
+          <p:pic>
+            <p:nvPicPr>
+              <p:cNvPr id="5" name="Ink 4">
+                <a:extLst>
+                  <a:ext uri="{FF2B5EF4-FFF2-40B4-BE49-F238E27FC236}">
+                    <a16:creationId xmlns:a16="http://schemas.microsoft.com/office/drawing/2014/main" id="{858F285D-467D-2582-4FA0-01CD8D7DE8A4}"/>
+                  </a:ext>
+                </a:extLst>
+              </p:cNvPr>
+              <p:cNvPicPr/>
+              <p:nvPr/>
+            </p:nvPicPr>
+            <p:blipFill>
+              <a:blip r:embed="rId5"/>
+              <a:stretch>
+                <a:fillRect/>
+              </a:stretch>
+            </p:blipFill>
+            <p:spPr>
+              <a:xfrm>
+                <a:off x="1152720" y="2340000"/>
+                <a:ext cx="10883880" cy="984240"/>
               </a:xfrm>
               <a:prstGeom prst="rect">
                 <a:avLst/>
@@ -5337,7 +6675,7 @@
     </p:spTree>
     <p:extLst>
       <p:ext uri="{BB962C8B-B14F-4D97-AF65-F5344CB8AC3E}">
-        <p14:creationId xmlns:p14="http://schemas.microsoft.com/office/powerpoint/2010/main" val="3532728141"/>
+        <p14:creationId xmlns:p14="http://schemas.microsoft.com/office/powerpoint/2010/main" val="3271731321"/>
       </p:ext>
     </p:extLst>
   </p:cSld>
@@ -5369,7 +6707,7 @@
           <p:cNvPr id="2" name="Title 1">
             <a:extLst>
               <a:ext uri="{FF2B5EF4-FFF2-40B4-BE49-F238E27FC236}">
-                <a16:creationId xmlns:a16="http://schemas.microsoft.com/office/drawing/2014/main" id="{3FDE6150-2B85-6828-D899-D6E21F4FA60A}"/>
+                <a16:creationId xmlns:a16="http://schemas.microsoft.com/office/drawing/2014/main" id="{6009C9BB-33A7-0254-6309-02739831A292}"/>
               </a:ext>
             </a:extLst>
           </p:cNvPr>
@@ -5394,7 +6732,7 @@
           <p:cNvPr id="3" name="Subtitle 2">
             <a:extLst>
               <a:ext uri="{FF2B5EF4-FFF2-40B4-BE49-F238E27FC236}">
-                <a16:creationId xmlns:a16="http://schemas.microsoft.com/office/drawing/2014/main" id="{00B23554-F774-E74B-515F-15D2E176ED7C}"/>
+                <a16:creationId xmlns:a16="http://schemas.microsoft.com/office/drawing/2014/main" id="{1D1EC7A6-0273-5A38-3B47-BB1B229D0C10}"/>
               </a:ext>
             </a:extLst>
           </p:cNvPr>
@@ -5421,7 +6759,7 @@
               <p14:cNvPr id="4" name="Ink 3">
                 <a:extLst>
                   <a:ext uri="{FF2B5EF4-FFF2-40B4-BE49-F238E27FC236}">
-                    <a16:creationId xmlns:a16="http://schemas.microsoft.com/office/drawing/2014/main" id="{C46C3DDA-8834-294D-05B5-97EBFD76DE00}"/>
+                    <a16:creationId xmlns:a16="http://schemas.microsoft.com/office/drawing/2014/main" id="{00B9F894-8EDC-9C45-51F0-010E24E1BA35}"/>
                   </a:ext>
                 </a:extLst>
               </p14:cNvPr>
@@ -5429,8 +6767,8 @@
               <p14:nvPr/>
             </p14:nvContentPartPr>
             <p14:xfrm>
-              <a:off x="1136520" y="108000"/>
-              <a:ext cx="311760" cy="1086120"/>
+              <a:off x="1028520" y="177840"/>
+              <a:ext cx="10255680" cy="2965680"/>
             </p14:xfrm>
           </p:contentPart>
         </mc:Choice>
@@ -5440,7 +6778,7 @@
               <p:cNvPr id="4" name="Ink 3">
                 <a:extLst>
                   <a:ext uri="{FF2B5EF4-FFF2-40B4-BE49-F238E27FC236}">
-                    <a16:creationId xmlns:a16="http://schemas.microsoft.com/office/drawing/2014/main" id="{C46C3DDA-8834-294D-05B5-97EBFD76DE00}"/>
+                    <a16:creationId xmlns:a16="http://schemas.microsoft.com/office/drawing/2014/main" id="{00B9F894-8EDC-9C45-51F0-010E24E1BA35}"/>
                   </a:ext>
                 </a:extLst>
               </p:cNvPr>
@@ -5455,8 +6793,8 @@
             </p:blipFill>
             <p:spPr>
               <a:xfrm>
-                <a:off x="1127160" y="98640"/>
-                <a:ext cx="330480" cy="1104840"/>
+                <a:off x="1019160" y="168480"/>
+                <a:ext cx="10274400" cy="2984400"/>
               </a:xfrm>
               <a:prstGeom prst="rect">
                 <a:avLst/>
@@ -5468,7 +6806,7 @@
     </p:spTree>
     <p:extLst>
       <p:ext uri="{BB962C8B-B14F-4D97-AF65-F5344CB8AC3E}">
-        <p14:creationId xmlns:p14="http://schemas.microsoft.com/office/powerpoint/2010/main" val="3088321630"/>
+        <p14:creationId xmlns:p14="http://schemas.microsoft.com/office/powerpoint/2010/main" val="875758698"/>
       </p:ext>
     </p:extLst>
   </p:cSld>
@@ -5500,7 +6838,7 @@
           <p:cNvPr id="2" name="Title 1">
             <a:extLst>
               <a:ext uri="{FF2B5EF4-FFF2-40B4-BE49-F238E27FC236}">
-                <a16:creationId xmlns:a16="http://schemas.microsoft.com/office/drawing/2014/main" id="{3FDE6150-2B85-6828-D899-D6E21F4FA60A}"/>
+                <a16:creationId xmlns:a16="http://schemas.microsoft.com/office/drawing/2014/main" id="{6009C9BB-33A7-0254-6309-02739831A292}"/>
               </a:ext>
             </a:extLst>
           </p:cNvPr>
@@ -5525,7 +6863,7 @@
           <p:cNvPr id="3" name="Subtitle 2">
             <a:extLst>
               <a:ext uri="{FF2B5EF4-FFF2-40B4-BE49-F238E27FC236}">
-                <a16:creationId xmlns:a16="http://schemas.microsoft.com/office/drawing/2014/main" id="{00B23554-F774-E74B-515F-15D2E176ED7C}"/>
+                <a16:creationId xmlns:a16="http://schemas.microsoft.com/office/drawing/2014/main" id="{1D1EC7A6-0273-5A38-3B47-BB1B229D0C10}"/>
               </a:ext>
             </a:extLst>
           </p:cNvPr>
@@ -5552,7 +6890,7 @@
               <p14:cNvPr id="4" name="Ink 3">
                 <a:extLst>
                   <a:ext uri="{FF2B5EF4-FFF2-40B4-BE49-F238E27FC236}">
-                    <a16:creationId xmlns:a16="http://schemas.microsoft.com/office/drawing/2014/main" id="{263CACCF-84A1-97FB-4EC6-4B6BDC190013}"/>
+                    <a16:creationId xmlns:a16="http://schemas.microsoft.com/office/drawing/2014/main" id="{E794976C-16F7-BFD6-5A88-0CEEC3617E02}"/>
                   </a:ext>
                 </a:extLst>
               </p14:cNvPr>
@@ -5560,8 +6898,8 @@
               <p14:nvPr/>
             </p14:nvContentPartPr>
             <p14:xfrm>
-              <a:off x="152280" y="44280"/>
-              <a:ext cx="11354400" cy="6725160"/>
+              <a:off x="291960" y="127080"/>
+              <a:ext cx="10979640" cy="3708720"/>
             </p14:xfrm>
           </p:contentPart>
         </mc:Choice>
@@ -5571,7 +6909,7 @@
               <p:cNvPr id="4" name="Ink 3">
                 <a:extLst>
                   <a:ext uri="{FF2B5EF4-FFF2-40B4-BE49-F238E27FC236}">
-                    <a16:creationId xmlns:a16="http://schemas.microsoft.com/office/drawing/2014/main" id="{263CACCF-84A1-97FB-4EC6-4B6BDC190013}"/>
+                    <a16:creationId xmlns:a16="http://schemas.microsoft.com/office/drawing/2014/main" id="{E794976C-16F7-BFD6-5A88-0CEEC3617E02}"/>
                   </a:ext>
                 </a:extLst>
               </p:cNvPr>
@@ -5586,8 +6924,8 @@
             </p:blipFill>
             <p:spPr>
               <a:xfrm>
-                <a:off x="142920" y="34920"/>
-                <a:ext cx="11373120" cy="6743880"/>
+                <a:off x="282600" y="117720"/>
+                <a:ext cx="10998360" cy="3727440"/>
               </a:xfrm>
               <a:prstGeom prst="rect">
                 <a:avLst/>
@@ -5599,7 +6937,7 @@
     </p:spTree>
     <p:extLst>
       <p:ext uri="{BB962C8B-B14F-4D97-AF65-F5344CB8AC3E}">
-        <p14:creationId xmlns:p14="http://schemas.microsoft.com/office/powerpoint/2010/main" val="1388607781"/>
+        <p14:creationId xmlns:p14="http://schemas.microsoft.com/office/powerpoint/2010/main" val="2853914381"/>
       </p:ext>
     </p:extLst>
   </p:cSld>
@@ -5631,7 +6969,7 @@
           <p:cNvPr id="2" name="Title 1">
             <a:extLst>
               <a:ext uri="{FF2B5EF4-FFF2-40B4-BE49-F238E27FC236}">
-                <a16:creationId xmlns:a16="http://schemas.microsoft.com/office/drawing/2014/main" id="{3FDE6150-2B85-6828-D899-D6E21F4FA60A}"/>
+                <a16:creationId xmlns:a16="http://schemas.microsoft.com/office/drawing/2014/main" id="{6009C9BB-33A7-0254-6309-02739831A292}"/>
               </a:ext>
             </a:extLst>
           </p:cNvPr>
@@ -5656,7 +6994,7 @@
           <p:cNvPr id="3" name="Subtitle 2">
             <a:extLst>
               <a:ext uri="{FF2B5EF4-FFF2-40B4-BE49-F238E27FC236}">
-                <a16:creationId xmlns:a16="http://schemas.microsoft.com/office/drawing/2014/main" id="{00B23554-F774-E74B-515F-15D2E176ED7C}"/>
+                <a16:creationId xmlns:a16="http://schemas.microsoft.com/office/drawing/2014/main" id="{1D1EC7A6-0273-5A38-3B47-BB1B229D0C10}"/>
               </a:ext>
             </a:extLst>
           </p:cNvPr>
@@ -5683,7 +7021,7 @@
               <p14:cNvPr id="4" name="Ink 3">
                 <a:extLst>
                   <a:ext uri="{FF2B5EF4-FFF2-40B4-BE49-F238E27FC236}">
-                    <a16:creationId xmlns:a16="http://schemas.microsoft.com/office/drawing/2014/main" id="{AE106263-09C5-B150-5BD5-437978A105FA}"/>
+                    <a16:creationId xmlns:a16="http://schemas.microsoft.com/office/drawing/2014/main" id="{2920A444-90C4-0511-6F03-735645E0D086}"/>
                   </a:ext>
                 </a:extLst>
               </p14:cNvPr>
@@ -5691,8 +7029,8 @@
               <p14:nvPr/>
             </p14:nvContentPartPr>
             <p14:xfrm>
-              <a:off x="228600" y="25560"/>
-              <a:ext cx="7125120" cy="4807080"/>
+              <a:off x="0" y="0"/>
+              <a:ext cx="8966520" cy="5429520"/>
             </p14:xfrm>
           </p:contentPart>
         </mc:Choice>
@@ -5702,7 +7040,7 @@
               <p:cNvPr id="4" name="Ink 3">
                 <a:extLst>
                   <a:ext uri="{FF2B5EF4-FFF2-40B4-BE49-F238E27FC236}">
-                    <a16:creationId xmlns:a16="http://schemas.microsoft.com/office/drawing/2014/main" id="{AE106263-09C5-B150-5BD5-437978A105FA}"/>
+                    <a16:creationId xmlns:a16="http://schemas.microsoft.com/office/drawing/2014/main" id="{2920A444-90C4-0511-6F03-735645E0D086}"/>
                   </a:ext>
                 </a:extLst>
               </p:cNvPr>
@@ -5717,8 +7055,8 @@
             </p:blipFill>
             <p:spPr>
               <a:xfrm>
-                <a:off x="219240" y="16200"/>
-                <a:ext cx="7143840" cy="4825800"/>
+                <a:off x="-9360" y="-9360"/>
+                <a:ext cx="8985240" cy="5448240"/>
               </a:xfrm>
               <a:prstGeom prst="rect">
                 <a:avLst/>
@@ -5730,7 +7068,7 @@
     </p:spTree>
     <p:extLst>
       <p:ext uri="{BB962C8B-B14F-4D97-AF65-F5344CB8AC3E}">
-        <p14:creationId xmlns:p14="http://schemas.microsoft.com/office/powerpoint/2010/main" val="2291766640"/>
+        <p14:creationId xmlns:p14="http://schemas.microsoft.com/office/powerpoint/2010/main" val="2192534251"/>
       </p:ext>
     </p:extLst>
   </p:cSld>
@@ -5762,7 +7100,7 @@
           <p:cNvPr id="2" name="Title 1">
             <a:extLst>
               <a:ext uri="{FF2B5EF4-FFF2-40B4-BE49-F238E27FC236}">
-                <a16:creationId xmlns:a16="http://schemas.microsoft.com/office/drawing/2014/main" id="{3FDE6150-2B85-6828-D899-D6E21F4FA60A}"/>
+                <a16:creationId xmlns:a16="http://schemas.microsoft.com/office/drawing/2014/main" id="{6009C9BB-33A7-0254-6309-02739831A292}"/>
               </a:ext>
             </a:extLst>
           </p:cNvPr>
@@ -5787,7 +7125,7 @@
           <p:cNvPr id="3" name="Subtitle 2">
             <a:extLst>
               <a:ext uri="{FF2B5EF4-FFF2-40B4-BE49-F238E27FC236}">
-                <a16:creationId xmlns:a16="http://schemas.microsoft.com/office/drawing/2014/main" id="{00B23554-F774-E74B-515F-15D2E176ED7C}"/>
+                <a16:creationId xmlns:a16="http://schemas.microsoft.com/office/drawing/2014/main" id="{1D1EC7A6-0273-5A38-3B47-BB1B229D0C10}"/>
               </a:ext>
             </a:extLst>
           </p:cNvPr>
@@ -5814,7 +7152,7 @@
               <p14:cNvPr id="4" name="Ink 3">
                 <a:extLst>
                   <a:ext uri="{FF2B5EF4-FFF2-40B4-BE49-F238E27FC236}">
-                    <a16:creationId xmlns:a16="http://schemas.microsoft.com/office/drawing/2014/main" id="{A4CE6E49-B86B-B03C-64D9-8B0FF5BFD5D2}"/>
+                    <a16:creationId xmlns:a16="http://schemas.microsoft.com/office/drawing/2014/main" id="{2F4C073E-D9F8-2247-557E-6B262435FC71}"/>
                   </a:ext>
                 </a:extLst>
               </p14:cNvPr>
@@ -5822,8 +7160,8 @@
               <p14:nvPr/>
             </p14:nvContentPartPr>
             <p14:xfrm>
-              <a:off x="361800" y="228600"/>
-              <a:ext cx="10351080" cy="6255000"/>
+              <a:off x="63360" y="88920"/>
+              <a:ext cx="7582320" cy="5804280"/>
             </p14:xfrm>
           </p:contentPart>
         </mc:Choice>
@@ -5833,7 +7171,7 @@
               <p:cNvPr id="4" name="Ink 3">
                 <a:extLst>
                   <a:ext uri="{FF2B5EF4-FFF2-40B4-BE49-F238E27FC236}">
-                    <a16:creationId xmlns:a16="http://schemas.microsoft.com/office/drawing/2014/main" id="{A4CE6E49-B86B-B03C-64D9-8B0FF5BFD5D2}"/>
+                    <a16:creationId xmlns:a16="http://schemas.microsoft.com/office/drawing/2014/main" id="{2F4C073E-D9F8-2247-557E-6B262435FC71}"/>
                   </a:ext>
                 </a:extLst>
               </p:cNvPr>
@@ -5848,8 +7186,8 @@
             </p:blipFill>
             <p:spPr>
               <a:xfrm>
-                <a:off x="352440" y="219240"/>
-                <a:ext cx="10369800" cy="6273720"/>
+                <a:off x="54000" y="79560"/>
+                <a:ext cx="7601040" cy="5823000"/>
               </a:xfrm>
               <a:prstGeom prst="rect">
                 <a:avLst/>
@@ -5861,7 +7199,7 @@
     </p:spTree>
     <p:extLst>
       <p:ext uri="{BB962C8B-B14F-4D97-AF65-F5344CB8AC3E}">
-        <p14:creationId xmlns:p14="http://schemas.microsoft.com/office/powerpoint/2010/main" val="251520287"/>
+        <p14:creationId xmlns:p14="http://schemas.microsoft.com/office/powerpoint/2010/main" val="3020948230"/>
       </p:ext>
     </p:extLst>
   </p:cSld>
@@ -5893,7 +7231,7 @@
           <p:cNvPr id="2" name="Title 1">
             <a:extLst>
               <a:ext uri="{FF2B5EF4-FFF2-40B4-BE49-F238E27FC236}">
-                <a16:creationId xmlns:a16="http://schemas.microsoft.com/office/drawing/2014/main" id="{3FDE6150-2B85-6828-D899-D6E21F4FA60A}"/>
+                <a16:creationId xmlns:a16="http://schemas.microsoft.com/office/drawing/2014/main" id="{6009C9BB-33A7-0254-6309-02739831A292}"/>
               </a:ext>
             </a:extLst>
           </p:cNvPr>
@@ -5918,7 +7256,7 @@
           <p:cNvPr id="3" name="Subtitle 2">
             <a:extLst>
               <a:ext uri="{FF2B5EF4-FFF2-40B4-BE49-F238E27FC236}">
-                <a16:creationId xmlns:a16="http://schemas.microsoft.com/office/drawing/2014/main" id="{00B23554-F774-E74B-515F-15D2E176ED7C}"/>
+                <a16:creationId xmlns:a16="http://schemas.microsoft.com/office/drawing/2014/main" id="{1D1EC7A6-0273-5A38-3B47-BB1B229D0C10}"/>
               </a:ext>
             </a:extLst>
           </p:cNvPr>
@@ -5945,7 +7283,7 @@
               <p14:cNvPr id="4" name="Ink 3">
                 <a:extLst>
                   <a:ext uri="{FF2B5EF4-FFF2-40B4-BE49-F238E27FC236}">
-                    <a16:creationId xmlns:a16="http://schemas.microsoft.com/office/drawing/2014/main" id="{7453AAE4-1916-CC79-8ED9-B3C62E2B87AF}"/>
+                    <a16:creationId xmlns:a16="http://schemas.microsoft.com/office/drawing/2014/main" id="{C9C05922-3447-AA35-9250-190B9CA1FDD5}"/>
                   </a:ext>
                 </a:extLst>
               </p14:cNvPr>
@@ -5953,8 +7291,8 @@
               <p14:nvPr/>
             </p14:nvContentPartPr>
             <p14:xfrm>
-              <a:off x="927000" y="254160"/>
-              <a:ext cx="6483960" cy="1721160"/>
+              <a:off x="152280" y="101520"/>
+              <a:ext cx="7880760" cy="5594760"/>
             </p14:xfrm>
           </p:contentPart>
         </mc:Choice>
@@ -5964,7 +7302,7 @@
               <p:cNvPr id="4" name="Ink 3">
                 <a:extLst>
                   <a:ext uri="{FF2B5EF4-FFF2-40B4-BE49-F238E27FC236}">
-                    <a16:creationId xmlns:a16="http://schemas.microsoft.com/office/drawing/2014/main" id="{7453AAE4-1916-CC79-8ED9-B3C62E2B87AF}"/>
+                    <a16:creationId xmlns:a16="http://schemas.microsoft.com/office/drawing/2014/main" id="{C9C05922-3447-AA35-9250-190B9CA1FDD5}"/>
                   </a:ext>
                 </a:extLst>
               </p:cNvPr>
@@ -5979,59 +7317,8 @@
             </p:blipFill>
             <p:spPr>
               <a:xfrm>
-                <a:off x="917640" y="244800"/>
-                <a:ext cx="6502680" cy="1739880"/>
-              </a:xfrm>
-              <a:prstGeom prst="rect">
-                <a:avLst/>
-              </a:prstGeom>
-            </p:spPr>
-          </p:pic>
-        </mc:Fallback>
-      </mc:AlternateContent>
-      <mc:AlternateContent xmlns:mc="http://schemas.openxmlformats.org/markup-compatibility/2006">
-        <mc:Choice xmlns:p14="http://schemas.microsoft.com/office/powerpoint/2010/main" Requires="p14">
-          <p:contentPart p14:bwMode="auto" r:id="rId4">
-            <p14:nvContentPartPr>
-              <p14:cNvPr id="5" name="Ink 4">
-                <a:extLst>
-                  <a:ext uri="{FF2B5EF4-FFF2-40B4-BE49-F238E27FC236}">
-                    <a16:creationId xmlns:a16="http://schemas.microsoft.com/office/drawing/2014/main" id="{888CC944-8F89-68D5-F2E7-030F838A6311}"/>
-                  </a:ext>
-                </a:extLst>
-              </p14:cNvPr>
-              <p14:cNvContentPartPr/>
-              <p14:nvPr/>
-            </p14:nvContentPartPr>
-            <p14:xfrm>
-              <a:off x="317520" y="2000160"/>
-              <a:ext cx="7664760" cy="4001040"/>
-            </p14:xfrm>
-          </p:contentPart>
-        </mc:Choice>
-        <mc:Fallback>
-          <p:pic>
-            <p:nvPicPr>
-              <p:cNvPr id="5" name="Ink 4">
-                <a:extLst>
-                  <a:ext uri="{FF2B5EF4-FFF2-40B4-BE49-F238E27FC236}">
-                    <a16:creationId xmlns:a16="http://schemas.microsoft.com/office/drawing/2014/main" id="{888CC944-8F89-68D5-F2E7-030F838A6311}"/>
-                  </a:ext>
-                </a:extLst>
-              </p:cNvPr>
-              <p:cNvPicPr/>
-              <p:nvPr/>
-            </p:nvPicPr>
-            <p:blipFill>
-              <a:blip r:embed="rId5"/>
-              <a:stretch>
-                <a:fillRect/>
-              </a:stretch>
-            </p:blipFill>
-            <p:spPr>
-              <a:xfrm>
-                <a:off x="308160" y="1990800"/>
-                <a:ext cx="7683480" cy="4019760"/>
+                <a:off x="142920" y="92160"/>
+                <a:ext cx="7899480" cy="5613480"/>
               </a:xfrm>
               <a:prstGeom prst="rect">
                 <a:avLst/>
@@ -6043,7 +7330,7 @@
     </p:spTree>
     <p:extLst>
       <p:ext uri="{BB962C8B-B14F-4D97-AF65-F5344CB8AC3E}">
-        <p14:creationId xmlns:p14="http://schemas.microsoft.com/office/powerpoint/2010/main" val="3486068994"/>
+        <p14:creationId xmlns:p14="http://schemas.microsoft.com/office/powerpoint/2010/main" val="2677746813"/>
       </p:ext>
     </p:extLst>
   </p:cSld>
@@ -6075,7 +7362,7 @@
           <p:cNvPr id="2" name="Title 1">
             <a:extLst>
               <a:ext uri="{FF2B5EF4-FFF2-40B4-BE49-F238E27FC236}">
-                <a16:creationId xmlns:a16="http://schemas.microsoft.com/office/drawing/2014/main" id="{3FDE6150-2B85-6828-D899-D6E21F4FA60A}"/>
+                <a16:creationId xmlns:a16="http://schemas.microsoft.com/office/drawing/2014/main" id="{6009C9BB-33A7-0254-6309-02739831A292}"/>
               </a:ext>
             </a:extLst>
           </p:cNvPr>
@@ -6100,7 +7387,7 @@
           <p:cNvPr id="3" name="Subtitle 2">
             <a:extLst>
               <a:ext uri="{FF2B5EF4-FFF2-40B4-BE49-F238E27FC236}">
-                <a16:creationId xmlns:a16="http://schemas.microsoft.com/office/drawing/2014/main" id="{00B23554-F774-E74B-515F-15D2E176ED7C}"/>
+                <a16:creationId xmlns:a16="http://schemas.microsoft.com/office/drawing/2014/main" id="{1D1EC7A6-0273-5A38-3B47-BB1B229D0C10}"/>
               </a:ext>
             </a:extLst>
           </p:cNvPr>
@@ -6127,7 +7414,7 @@
               <p14:cNvPr id="4" name="Ink 3">
                 <a:extLst>
                   <a:ext uri="{FF2B5EF4-FFF2-40B4-BE49-F238E27FC236}">
-                    <a16:creationId xmlns:a16="http://schemas.microsoft.com/office/drawing/2014/main" id="{6E769191-C7F0-69AC-A467-EC9D59200633}"/>
+                    <a16:creationId xmlns:a16="http://schemas.microsoft.com/office/drawing/2014/main" id="{A86D1FD1-5EAD-FF1F-4AD0-778B6B33AC62}"/>
                   </a:ext>
                 </a:extLst>
               </p14:cNvPr>
@@ -6135,8 +7422,8 @@
               <p14:nvPr/>
             </p14:nvContentPartPr>
             <p14:xfrm>
-              <a:off x="260280" y="336600"/>
-              <a:ext cx="7347240" cy="3277080"/>
+              <a:off x="736560" y="171360"/>
+              <a:ext cx="7061760" cy="4928040"/>
             </p14:xfrm>
           </p:contentPart>
         </mc:Choice>
@@ -6146,7 +7433,7 @@
               <p:cNvPr id="4" name="Ink 3">
                 <a:extLst>
                   <a:ext uri="{FF2B5EF4-FFF2-40B4-BE49-F238E27FC236}">
-                    <a16:creationId xmlns:a16="http://schemas.microsoft.com/office/drawing/2014/main" id="{6E769191-C7F0-69AC-A467-EC9D59200633}"/>
+                    <a16:creationId xmlns:a16="http://schemas.microsoft.com/office/drawing/2014/main" id="{A86D1FD1-5EAD-FF1F-4AD0-778B6B33AC62}"/>
                   </a:ext>
                 </a:extLst>
               </p:cNvPr>
@@ -6161,8 +7448,8 @@
             </p:blipFill>
             <p:spPr>
               <a:xfrm>
-                <a:off x="250920" y="327240"/>
-                <a:ext cx="7365960" cy="3295800"/>
+                <a:off x="727200" y="162000"/>
+                <a:ext cx="7080480" cy="4946760"/>
               </a:xfrm>
               <a:prstGeom prst="rect">
                 <a:avLst/>
@@ -6174,7 +7461,7 @@
     </p:spTree>
     <p:extLst>
       <p:ext uri="{BB962C8B-B14F-4D97-AF65-F5344CB8AC3E}">
-        <p14:creationId xmlns:p14="http://schemas.microsoft.com/office/powerpoint/2010/main" val="202983632"/>
+        <p14:creationId xmlns:p14="http://schemas.microsoft.com/office/powerpoint/2010/main" val="4218606159"/>
       </p:ext>
     </p:extLst>
   </p:cSld>
@@ -6206,7 +7493,7 @@
           <p:cNvPr id="2" name="Title 1">
             <a:extLst>
               <a:ext uri="{FF2B5EF4-FFF2-40B4-BE49-F238E27FC236}">
-                <a16:creationId xmlns:a16="http://schemas.microsoft.com/office/drawing/2014/main" id="{3FDE6150-2B85-6828-D899-D6E21F4FA60A}"/>
+                <a16:creationId xmlns:a16="http://schemas.microsoft.com/office/drawing/2014/main" id="{6009C9BB-33A7-0254-6309-02739831A292}"/>
               </a:ext>
             </a:extLst>
           </p:cNvPr>
@@ -6231,7 +7518,7 @@
           <p:cNvPr id="3" name="Subtitle 2">
             <a:extLst>
               <a:ext uri="{FF2B5EF4-FFF2-40B4-BE49-F238E27FC236}">
-                <a16:creationId xmlns:a16="http://schemas.microsoft.com/office/drawing/2014/main" id="{00B23554-F774-E74B-515F-15D2E176ED7C}"/>
+                <a16:creationId xmlns:a16="http://schemas.microsoft.com/office/drawing/2014/main" id="{1D1EC7A6-0273-5A38-3B47-BB1B229D0C10}"/>
               </a:ext>
             </a:extLst>
           </p:cNvPr>
@@ -6258,7 +7545,7 @@
               <p14:cNvPr id="4" name="Ink 3">
                 <a:extLst>
                   <a:ext uri="{FF2B5EF4-FFF2-40B4-BE49-F238E27FC236}">
-                    <a16:creationId xmlns:a16="http://schemas.microsoft.com/office/drawing/2014/main" id="{DC0FCF43-2138-57FF-F5CA-9E9E7EDB2491}"/>
+                    <a16:creationId xmlns:a16="http://schemas.microsoft.com/office/drawing/2014/main" id="{BFE7AD79-35BA-37D6-3D6B-5E714AE45A10}"/>
                   </a:ext>
                 </a:extLst>
               </p14:cNvPr>
@@ -6266,8 +7553,8 @@
               <p14:nvPr/>
             </p14:nvContentPartPr>
             <p14:xfrm>
-              <a:off x="1778040" y="266760"/>
-              <a:ext cx="1422720" cy="3029400"/>
+              <a:off x="298440" y="368280"/>
+              <a:ext cx="7556760" cy="2908800"/>
             </p14:xfrm>
           </p:contentPart>
         </mc:Choice>
@@ -6277,7 +7564,7 @@
               <p:cNvPr id="4" name="Ink 3">
                 <a:extLst>
                   <a:ext uri="{FF2B5EF4-FFF2-40B4-BE49-F238E27FC236}">
-                    <a16:creationId xmlns:a16="http://schemas.microsoft.com/office/drawing/2014/main" id="{DC0FCF43-2138-57FF-F5CA-9E9E7EDB2491}"/>
+                    <a16:creationId xmlns:a16="http://schemas.microsoft.com/office/drawing/2014/main" id="{BFE7AD79-35BA-37D6-3D6B-5E714AE45A10}"/>
                   </a:ext>
                 </a:extLst>
               </p:cNvPr>
@@ -6292,8 +7579,8 @@
             </p:blipFill>
             <p:spPr>
               <a:xfrm>
-                <a:off x="1768680" y="257400"/>
-                <a:ext cx="1441440" cy="3048120"/>
+                <a:off x="289080" y="358920"/>
+                <a:ext cx="7575480" cy="2927520"/>
               </a:xfrm>
               <a:prstGeom prst="rect">
                 <a:avLst/>
@@ -6305,7 +7592,7 @@
     </p:spTree>
     <p:extLst>
       <p:ext uri="{BB962C8B-B14F-4D97-AF65-F5344CB8AC3E}">
-        <p14:creationId xmlns:p14="http://schemas.microsoft.com/office/powerpoint/2010/main" val="3734945423"/>
+        <p14:creationId xmlns:p14="http://schemas.microsoft.com/office/powerpoint/2010/main" val="1572565948"/>
       </p:ext>
     </p:extLst>
   </p:cSld>
